--- a/기획서/당근키우기 시스템.pptx
+++ b/기획서/당근키우기 시스템.pptx
@@ -10956,7 +10956,7 @@
             <a:p>
               <a:r>
                 <a:rPr lang="en-US" altLang="ko-KR" sz="2800" b="1" dirty="0"/>
-                <a:t>7. </a:t>
+                <a:t>3. </a:t>
               </a:r>
               <a:r>
                 <a:rPr lang="ko-KR" altLang="en-US" sz="2800" b="1" dirty="0"/>
@@ -17963,18 +17963,18 @@
 </file>
 
 <file path=customXml/item2.xml><?xml version="1.0" encoding="utf-8"?>
-<p:properties xmlns:p="http://schemas.microsoft.com/office/2006/metadata/properties" xmlns:xsi="http://www.w3.org/2001/XMLSchema-instance" xmlns:pc="http://schemas.microsoft.com/office/infopath/2007/PartnerControls">
-  <documentManagement/>
-</p:properties>
-</file>
-
-<file path=customXml/item3.xml><?xml version="1.0" encoding="utf-8"?>
 <?mso-contentType ?>
 <FormTemplates xmlns="http://schemas.microsoft.com/sharepoint/v3/contenttype/forms">
   <Display>DocumentLibraryForm</Display>
   <Edit>DocumentLibraryForm</Edit>
   <New>DocumentLibraryForm</New>
 </FormTemplates>
+</file>
+
+<file path=customXml/item3.xml><?xml version="1.0" encoding="utf-8"?>
+<p:properties xmlns:p="http://schemas.microsoft.com/office/2006/metadata/properties" xmlns:xsi="http://www.w3.org/2001/XMLSchema-instance" xmlns:pc="http://schemas.microsoft.com/office/infopath/2007/PartnerControls">
+  <documentManagement/>
+</p:properties>
 </file>
 
 <file path=customXml/itemProps1.xml><?xml version="1.0" encoding="utf-8"?>
@@ -17996,18 +17996,18 @@
 </file>
 
 <file path=customXml/itemProps2.xml><?xml version="1.0" encoding="utf-8"?>
+<ds:datastoreItem xmlns:ds="http://schemas.openxmlformats.org/officeDocument/2006/customXml" ds:itemID="{4C7A472F-9902-4104-BCF0-D4754C77190F}">
+  <ds:schemaRefs>
+    <ds:schemaRef ds:uri="http://schemas.microsoft.com/sharepoint/v3/contenttype/forms"/>
+  </ds:schemaRefs>
+</ds:datastoreItem>
+</file>
+
+<file path=customXml/itemProps3.xml><?xml version="1.0" encoding="utf-8"?>
 <ds:datastoreItem xmlns:ds="http://schemas.openxmlformats.org/officeDocument/2006/customXml" ds:itemID="{A23103BA-1CDF-42E2-84EF-97766276A752}">
   <ds:schemaRefs>
     <ds:schemaRef ds:uri="http://schemas.microsoft.com/office/2006/metadata/properties"/>
     <ds:schemaRef ds:uri="http://schemas.microsoft.com/office/infopath/2007/PartnerControls"/>
   </ds:schemaRefs>
 </ds:datastoreItem>
-</file>
-
-<file path=customXml/itemProps3.xml><?xml version="1.0" encoding="utf-8"?>
-<ds:datastoreItem xmlns:ds="http://schemas.openxmlformats.org/officeDocument/2006/customXml" ds:itemID="{4C7A472F-9902-4104-BCF0-D4754C77190F}">
-  <ds:schemaRefs>
-    <ds:schemaRef ds:uri="http://schemas.microsoft.com/sharepoint/v3/contenttype/forms"/>
-  </ds:schemaRefs>
-</ds:datastoreItem>
 </file>
--- a/기획서/당근키우기 시스템.pptx
+++ b/기획서/당근키우기 시스템.pptx
@@ -5,7 +5,7 @@
     <p:sldMasterId id="2147483648" r:id="rId4"/>
   </p:sldMasterIdLst>
   <p:notesMasterIdLst>
-    <p:notesMasterId r:id="rId17"/>
+    <p:notesMasterId r:id="rId23"/>
   </p:notesMasterIdLst>
   <p:sldIdLst>
     <p:sldId id="312" r:id="rId5"/>
@@ -18,8 +18,14 @@
     <p:sldId id="319" r:id="rId12"/>
     <p:sldId id="361" r:id="rId13"/>
     <p:sldId id="362" r:id="rId14"/>
-    <p:sldId id="358" r:id="rId15"/>
-    <p:sldId id="323" r:id="rId16"/>
+    <p:sldId id="363" r:id="rId15"/>
+    <p:sldId id="364" r:id="rId16"/>
+    <p:sldId id="365" r:id="rId17"/>
+    <p:sldId id="366" r:id="rId18"/>
+    <p:sldId id="367" r:id="rId19"/>
+    <p:sldId id="368" r:id="rId20"/>
+    <p:sldId id="358" r:id="rId21"/>
+    <p:sldId id="323" r:id="rId22"/>
   </p:sldIdLst>
   <p:sldSz cx="12192000" cy="6858000"/>
   <p:notesSz cx="6858000" cy="9144000"/>
@@ -6132,7 +6138,7 @@
           <a:p>
             <a:fld id="{D6F8FF3C-9381-4334-95AA-ABB07BBFE4B0}" type="datetimeFigureOut">
               <a:rPr lang="ko-KR" altLang="en-US" smtClean="0"/>
-              <a:t>2020-10-20</a:t>
+              <a:t>2020-10-21</a:t>
             </a:fld>
             <a:endParaRPr lang="ko-KR" altLang="en-US"/>
           </a:p>
@@ -6815,7 +6821,355 @@
           <a:p>
             <a:fld id="{151FD798-7848-4816-945D-B2937F5A900D}" type="slidenum">
               <a:rPr lang="ko-KR" altLang="en-US" smtClean="0"/>
+              <a:t>11</a:t>
+            </a:fld>
+            <a:endParaRPr lang="ko-KR" altLang="en-US"/>
+          </a:p>
+        </p:txBody>
+      </p:sp>
+    </p:spTree>
+    <p:extLst>
+      <p:ext uri="{BB962C8B-B14F-4D97-AF65-F5344CB8AC3E}">
+        <p14:creationId xmlns:p14="http://schemas.microsoft.com/office/powerpoint/2010/main" val="298651225"/>
+      </p:ext>
+    </p:extLst>
+  </p:cSld>
+  <p:clrMapOvr>
+    <a:masterClrMapping/>
+  </p:clrMapOvr>
+</p:notes>
+</file>
+
+<file path=ppt/notesSlides/notesSlide6.xml><?xml version="1.0" encoding="utf-8"?>
+<p:notes xmlns:a="http://schemas.openxmlformats.org/drawingml/2006/main" xmlns:r="http://schemas.openxmlformats.org/officeDocument/2006/relationships" xmlns:p="http://schemas.openxmlformats.org/presentationml/2006/main">
+  <p:cSld>
+    <p:spTree>
+      <p:nvGrpSpPr>
+        <p:cNvPr id="1" name=""/>
+        <p:cNvGrpSpPr/>
+        <p:nvPr/>
+      </p:nvGrpSpPr>
+      <p:grpSpPr>
+        <a:xfrm>
+          <a:off x="0" y="0"/>
+          <a:ext cx="0" cy="0"/>
+          <a:chOff x="0" y="0"/>
+          <a:chExt cx="0" cy="0"/>
+        </a:xfrm>
+      </p:grpSpPr>
+      <p:sp>
+        <p:nvSpPr>
+          <p:cNvPr id="2" name="슬라이드 이미지 개체 틀 1"/>
+          <p:cNvSpPr>
+            <a:spLocks noGrp="1" noRot="1" noChangeAspect="1"/>
+          </p:cNvSpPr>
+          <p:nvPr>
+            <p:ph type="sldImg"/>
+          </p:nvPr>
+        </p:nvSpPr>
+        <p:spPr/>
+      </p:sp>
+      <p:sp>
+        <p:nvSpPr>
+          <p:cNvPr id="3" name="슬라이드 노트 개체 틀 2"/>
+          <p:cNvSpPr>
+            <a:spLocks noGrp="1"/>
+          </p:cNvSpPr>
+          <p:nvPr>
+            <p:ph type="body" idx="1"/>
+          </p:nvPr>
+        </p:nvSpPr>
+        <p:spPr/>
+        <p:txBody>
+          <a:bodyPr/>
+          <a:lstStyle/>
+          <a:p>
+            <a:pPr marL="0" indent="0">
+              <a:buNone/>
+            </a:pPr>
+            <a:endParaRPr lang="en-US" altLang="ko-KR" dirty="0"/>
+          </a:p>
+        </p:txBody>
+      </p:sp>
+      <p:sp>
+        <p:nvSpPr>
+          <p:cNvPr id="4" name="슬라이드 번호 개체 틀 3"/>
+          <p:cNvSpPr>
+            <a:spLocks noGrp="1"/>
+          </p:cNvSpPr>
+          <p:nvPr>
+            <p:ph type="sldNum" sz="quarter" idx="5"/>
+          </p:nvPr>
+        </p:nvSpPr>
+        <p:spPr/>
+        <p:txBody>
+          <a:bodyPr/>
+          <a:lstStyle/>
+          <a:p>
+            <a:fld id="{151FD798-7848-4816-945D-B2937F5A900D}" type="slidenum">
+              <a:rPr lang="ko-KR" altLang="en-US" smtClean="0"/>
               <a:t>12</a:t>
+            </a:fld>
+            <a:endParaRPr lang="ko-KR" altLang="en-US"/>
+          </a:p>
+        </p:txBody>
+      </p:sp>
+    </p:spTree>
+    <p:extLst>
+      <p:ext uri="{BB962C8B-B14F-4D97-AF65-F5344CB8AC3E}">
+        <p14:creationId xmlns:p14="http://schemas.microsoft.com/office/powerpoint/2010/main" val="10900950"/>
+      </p:ext>
+    </p:extLst>
+  </p:cSld>
+  <p:clrMapOvr>
+    <a:masterClrMapping/>
+  </p:clrMapOvr>
+</p:notes>
+</file>
+
+<file path=ppt/notesSlides/notesSlide7.xml><?xml version="1.0" encoding="utf-8"?>
+<p:notes xmlns:a="http://schemas.openxmlformats.org/drawingml/2006/main" xmlns:r="http://schemas.openxmlformats.org/officeDocument/2006/relationships" xmlns:p="http://schemas.openxmlformats.org/presentationml/2006/main">
+  <p:cSld>
+    <p:spTree>
+      <p:nvGrpSpPr>
+        <p:cNvPr id="1" name=""/>
+        <p:cNvGrpSpPr/>
+        <p:nvPr/>
+      </p:nvGrpSpPr>
+      <p:grpSpPr>
+        <a:xfrm>
+          <a:off x="0" y="0"/>
+          <a:ext cx="0" cy="0"/>
+          <a:chOff x="0" y="0"/>
+          <a:chExt cx="0" cy="0"/>
+        </a:xfrm>
+      </p:grpSpPr>
+      <p:sp>
+        <p:nvSpPr>
+          <p:cNvPr id="2" name="슬라이드 이미지 개체 틀 1"/>
+          <p:cNvSpPr>
+            <a:spLocks noGrp="1" noRot="1" noChangeAspect="1"/>
+          </p:cNvSpPr>
+          <p:nvPr>
+            <p:ph type="sldImg"/>
+          </p:nvPr>
+        </p:nvSpPr>
+        <p:spPr/>
+      </p:sp>
+      <p:sp>
+        <p:nvSpPr>
+          <p:cNvPr id="3" name="슬라이드 노트 개체 틀 2"/>
+          <p:cNvSpPr>
+            <a:spLocks noGrp="1"/>
+          </p:cNvSpPr>
+          <p:nvPr>
+            <p:ph type="body" idx="1"/>
+          </p:nvPr>
+        </p:nvSpPr>
+        <p:spPr/>
+        <p:txBody>
+          <a:bodyPr/>
+          <a:lstStyle/>
+          <a:p>
+            <a:pPr marL="0" indent="0">
+              <a:buNone/>
+            </a:pPr>
+            <a:endParaRPr lang="en-US" altLang="ko-KR" dirty="0"/>
+          </a:p>
+        </p:txBody>
+      </p:sp>
+      <p:sp>
+        <p:nvSpPr>
+          <p:cNvPr id="4" name="슬라이드 번호 개체 틀 3"/>
+          <p:cNvSpPr>
+            <a:spLocks noGrp="1"/>
+          </p:cNvSpPr>
+          <p:nvPr>
+            <p:ph type="sldNum" sz="quarter" idx="5"/>
+          </p:nvPr>
+        </p:nvSpPr>
+        <p:spPr/>
+        <p:txBody>
+          <a:bodyPr/>
+          <a:lstStyle/>
+          <a:p>
+            <a:fld id="{151FD798-7848-4816-945D-B2937F5A900D}" type="slidenum">
+              <a:rPr lang="ko-KR" altLang="en-US" smtClean="0"/>
+              <a:t>14</a:t>
+            </a:fld>
+            <a:endParaRPr lang="ko-KR" altLang="en-US"/>
+          </a:p>
+        </p:txBody>
+      </p:sp>
+    </p:spTree>
+    <p:extLst>
+      <p:ext uri="{BB962C8B-B14F-4D97-AF65-F5344CB8AC3E}">
+        <p14:creationId xmlns:p14="http://schemas.microsoft.com/office/powerpoint/2010/main" val="3993765860"/>
+      </p:ext>
+    </p:extLst>
+  </p:cSld>
+  <p:clrMapOvr>
+    <a:masterClrMapping/>
+  </p:clrMapOvr>
+</p:notes>
+</file>
+
+<file path=ppt/notesSlides/notesSlide8.xml><?xml version="1.0" encoding="utf-8"?>
+<p:notes xmlns:a="http://schemas.openxmlformats.org/drawingml/2006/main" xmlns:r="http://schemas.openxmlformats.org/officeDocument/2006/relationships" xmlns:p="http://schemas.openxmlformats.org/presentationml/2006/main">
+  <p:cSld>
+    <p:spTree>
+      <p:nvGrpSpPr>
+        <p:cNvPr id="1" name=""/>
+        <p:cNvGrpSpPr/>
+        <p:nvPr/>
+      </p:nvGrpSpPr>
+      <p:grpSpPr>
+        <a:xfrm>
+          <a:off x="0" y="0"/>
+          <a:ext cx="0" cy="0"/>
+          <a:chOff x="0" y="0"/>
+          <a:chExt cx="0" cy="0"/>
+        </a:xfrm>
+      </p:grpSpPr>
+      <p:sp>
+        <p:nvSpPr>
+          <p:cNvPr id="2" name="슬라이드 이미지 개체 틀 1"/>
+          <p:cNvSpPr>
+            <a:spLocks noGrp="1" noRot="1" noChangeAspect="1"/>
+          </p:cNvSpPr>
+          <p:nvPr>
+            <p:ph type="sldImg"/>
+          </p:nvPr>
+        </p:nvSpPr>
+        <p:spPr/>
+      </p:sp>
+      <p:sp>
+        <p:nvSpPr>
+          <p:cNvPr id="3" name="슬라이드 노트 개체 틀 2"/>
+          <p:cNvSpPr>
+            <a:spLocks noGrp="1"/>
+          </p:cNvSpPr>
+          <p:nvPr>
+            <p:ph type="body" idx="1"/>
+          </p:nvPr>
+        </p:nvSpPr>
+        <p:spPr/>
+        <p:txBody>
+          <a:bodyPr/>
+          <a:lstStyle/>
+          <a:p>
+            <a:pPr marL="0" indent="0">
+              <a:buNone/>
+            </a:pPr>
+            <a:endParaRPr lang="en-US" altLang="ko-KR" dirty="0"/>
+          </a:p>
+        </p:txBody>
+      </p:sp>
+      <p:sp>
+        <p:nvSpPr>
+          <p:cNvPr id="4" name="슬라이드 번호 개체 틀 3"/>
+          <p:cNvSpPr>
+            <a:spLocks noGrp="1"/>
+          </p:cNvSpPr>
+          <p:nvPr>
+            <p:ph type="sldNum" sz="quarter" idx="5"/>
+          </p:nvPr>
+        </p:nvSpPr>
+        <p:spPr/>
+        <p:txBody>
+          <a:bodyPr/>
+          <a:lstStyle/>
+          <a:p>
+            <a:fld id="{151FD798-7848-4816-945D-B2937F5A900D}" type="slidenum">
+              <a:rPr lang="ko-KR" altLang="en-US" smtClean="0"/>
+              <a:t>16</a:t>
+            </a:fld>
+            <a:endParaRPr lang="ko-KR" altLang="en-US"/>
+          </a:p>
+        </p:txBody>
+      </p:sp>
+    </p:spTree>
+    <p:extLst>
+      <p:ext uri="{BB962C8B-B14F-4D97-AF65-F5344CB8AC3E}">
+        <p14:creationId xmlns:p14="http://schemas.microsoft.com/office/powerpoint/2010/main" val="668541861"/>
+      </p:ext>
+    </p:extLst>
+  </p:cSld>
+  <p:clrMapOvr>
+    <a:masterClrMapping/>
+  </p:clrMapOvr>
+</p:notes>
+</file>
+
+<file path=ppt/notesSlides/notesSlide9.xml><?xml version="1.0" encoding="utf-8"?>
+<p:notes xmlns:a="http://schemas.openxmlformats.org/drawingml/2006/main" xmlns:r="http://schemas.openxmlformats.org/officeDocument/2006/relationships" xmlns:p="http://schemas.openxmlformats.org/presentationml/2006/main">
+  <p:cSld>
+    <p:spTree>
+      <p:nvGrpSpPr>
+        <p:cNvPr id="1" name=""/>
+        <p:cNvGrpSpPr/>
+        <p:nvPr/>
+      </p:nvGrpSpPr>
+      <p:grpSpPr>
+        <a:xfrm>
+          <a:off x="0" y="0"/>
+          <a:ext cx="0" cy="0"/>
+          <a:chOff x="0" y="0"/>
+          <a:chExt cx="0" cy="0"/>
+        </a:xfrm>
+      </p:grpSpPr>
+      <p:sp>
+        <p:nvSpPr>
+          <p:cNvPr id="2" name="슬라이드 이미지 개체 틀 1"/>
+          <p:cNvSpPr>
+            <a:spLocks noGrp="1" noRot="1" noChangeAspect="1"/>
+          </p:cNvSpPr>
+          <p:nvPr>
+            <p:ph type="sldImg"/>
+          </p:nvPr>
+        </p:nvSpPr>
+        <p:spPr/>
+      </p:sp>
+      <p:sp>
+        <p:nvSpPr>
+          <p:cNvPr id="3" name="슬라이드 노트 개체 틀 2"/>
+          <p:cNvSpPr>
+            <a:spLocks noGrp="1"/>
+          </p:cNvSpPr>
+          <p:nvPr>
+            <p:ph type="body" idx="1"/>
+          </p:nvPr>
+        </p:nvSpPr>
+        <p:spPr/>
+        <p:txBody>
+          <a:bodyPr/>
+          <a:lstStyle/>
+          <a:p>
+            <a:pPr marL="0" indent="0">
+              <a:buNone/>
+            </a:pPr>
+            <a:endParaRPr lang="en-US" altLang="ko-KR" dirty="0"/>
+          </a:p>
+        </p:txBody>
+      </p:sp>
+      <p:sp>
+        <p:nvSpPr>
+          <p:cNvPr id="4" name="슬라이드 번호 개체 틀 3"/>
+          <p:cNvSpPr>
+            <a:spLocks noGrp="1"/>
+          </p:cNvSpPr>
+          <p:nvPr>
+            <p:ph type="sldNum" sz="quarter" idx="5"/>
+          </p:nvPr>
+        </p:nvSpPr>
+        <p:spPr/>
+        <p:txBody>
+          <a:bodyPr/>
+          <a:lstStyle/>
+          <a:p>
+            <a:fld id="{151FD798-7848-4816-945D-B2937F5A900D}" type="slidenum">
+              <a:rPr lang="ko-KR" altLang="en-US" smtClean="0"/>
+              <a:t>18</a:t>
             </a:fld>
             <a:endParaRPr lang="ko-KR" altLang="en-US"/>
           </a:p>
@@ -6981,7 +7335,7 @@
           <a:p>
             <a:fld id="{1C1EA180-B51C-4898-B0E0-B9410346B791}" type="datetimeFigureOut">
               <a:rPr lang="ko-KR" altLang="en-US" smtClean="0"/>
-              <a:t>2020-10-20</a:t>
+              <a:t>2020-10-21</a:t>
             </a:fld>
             <a:endParaRPr lang="ko-KR" altLang="en-US"/>
           </a:p>
@@ -7179,7 +7533,7 @@
           <a:p>
             <a:fld id="{1C1EA180-B51C-4898-B0E0-B9410346B791}" type="datetimeFigureOut">
               <a:rPr lang="ko-KR" altLang="en-US" smtClean="0"/>
-              <a:t>2020-10-20</a:t>
+              <a:t>2020-10-21</a:t>
             </a:fld>
             <a:endParaRPr lang="ko-KR" altLang="en-US"/>
           </a:p>
@@ -7387,7 +7741,7 @@
           <a:p>
             <a:fld id="{1C1EA180-B51C-4898-B0E0-B9410346B791}" type="datetimeFigureOut">
               <a:rPr lang="ko-KR" altLang="en-US" smtClean="0"/>
-              <a:t>2020-10-20</a:t>
+              <a:t>2020-10-21</a:t>
             </a:fld>
             <a:endParaRPr lang="ko-KR" altLang="en-US"/>
           </a:p>
@@ -7585,7 +7939,7 @@
           <a:p>
             <a:fld id="{1C1EA180-B51C-4898-B0E0-B9410346B791}" type="datetimeFigureOut">
               <a:rPr lang="ko-KR" altLang="en-US" smtClean="0"/>
-              <a:t>2020-10-20</a:t>
+              <a:t>2020-10-21</a:t>
             </a:fld>
             <a:endParaRPr lang="ko-KR" altLang="en-US"/>
           </a:p>
@@ -7860,7 +8214,7 @@
           <a:p>
             <a:fld id="{1C1EA180-B51C-4898-B0E0-B9410346B791}" type="datetimeFigureOut">
               <a:rPr lang="ko-KR" altLang="en-US" smtClean="0"/>
-              <a:t>2020-10-20</a:t>
+              <a:t>2020-10-21</a:t>
             </a:fld>
             <a:endParaRPr lang="ko-KR" altLang="en-US"/>
           </a:p>
@@ -8125,7 +8479,7 @@
           <a:p>
             <a:fld id="{1C1EA180-B51C-4898-B0E0-B9410346B791}" type="datetimeFigureOut">
               <a:rPr lang="ko-KR" altLang="en-US" smtClean="0"/>
-              <a:t>2020-10-20</a:t>
+              <a:t>2020-10-21</a:t>
             </a:fld>
             <a:endParaRPr lang="ko-KR" altLang="en-US"/>
           </a:p>
@@ -8537,7 +8891,7 @@
           <a:p>
             <a:fld id="{1C1EA180-B51C-4898-B0E0-B9410346B791}" type="datetimeFigureOut">
               <a:rPr lang="ko-KR" altLang="en-US" smtClean="0"/>
-              <a:t>2020-10-20</a:t>
+              <a:t>2020-10-21</a:t>
             </a:fld>
             <a:endParaRPr lang="ko-KR" altLang="en-US"/>
           </a:p>
@@ -8678,7 +9032,7 @@
           <a:p>
             <a:fld id="{1C1EA180-B51C-4898-B0E0-B9410346B791}" type="datetimeFigureOut">
               <a:rPr lang="ko-KR" altLang="en-US" smtClean="0"/>
-              <a:t>2020-10-20</a:t>
+              <a:t>2020-10-21</a:t>
             </a:fld>
             <a:endParaRPr lang="ko-KR" altLang="en-US"/>
           </a:p>
@@ -8791,7 +9145,7 @@
           <a:p>
             <a:fld id="{1C1EA180-B51C-4898-B0E0-B9410346B791}" type="datetimeFigureOut">
               <a:rPr lang="ko-KR" altLang="en-US" smtClean="0"/>
-              <a:t>2020-10-20</a:t>
+              <a:t>2020-10-21</a:t>
             </a:fld>
             <a:endParaRPr lang="ko-KR" altLang="en-US"/>
           </a:p>
@@ -9102,7 +9456,7 @@
           <a:p>
             <a:fld id="{1C1EA180-B51C-4898-B0E0-B9410346B791}" type="datetimeFigureOut">
               <a:rPr lang="ko-KR" altLang="en-US" smtClean="0"/>
-              <a:t>2020-10-20</a:t>
+              <a:t>2020-10-21</a:t>
             </a:fld>
             <a:endParaRPr lang="ko-KR" altLang="en-US"/>
           </a:p>
@@ -9390,7 +9744,7 @@
           <a:p>
             <a:fld id="{1C1EA180-B51C-4898-B0E0-B9410346B791}" type="datetimeFigureOut">
               <a:rPr lang="ko-KR" altLang="en-US" smtClean="0"/>
-              <a:t>2020-10-20</a:t>
+              <a:t>2020-10-21</a:t>
             </a:fld>
             <a:endParaRPr lang="ko-KR" altLang="en-US"/>
           </a:p>
@@ -9631,7 +9985,7 @@
           <a:p>
             <a:fld id="{1C1EA180-B51C-4898-B0E0-B9410346B791}" type="datetimeFigureOut">
               <a:rPr lang="ko-KR" altLang="en-US" smtClean="0"/>
-              <a:t>2020-10-20</a:t>
+              <a:t>2020-10-21</a:t>
             </a:fld>
             <a:endParaRPr lang="ko-KR" altLang="en-US"/>
           </a:p>
@@ -10839,6 +11193,1602 @@
           <a:chExt cx="0" cy="0"/>
         </a:xfrm>
       </p:grpSpPr>
+      <p:grpSp>
+        <p:nvGrpSpPr>
+          <p:cNvPr id="38" name="그룹 37">
+            <a:extLst>
+              <a:ext uri="{FF2B5EF4-FFF2-40B4-BE49-F238E27FC236}">
+                <a16:creationId xmlns:a16="http://schemas.microsoft.com/office/drawing/2014/main" id="{1D8E532E-9E14-4EC0-9A5D-C7F11045D019}"/>
+              </a:ext>
+            </a:extLst>
+          </p:cNvPr>
+          <p:cNvGrpSpPr/>
+          <p:nvPr/>
+        </p:nvGrpSpPr>
+        <p:grpSpPr>
+          <a:xfrm>
+            <a:off x="0" y="64063"/>
+            <a:ext cx="3106271" cy="656018"/>
+            <a:chOff x="0" y="196020"/>
+            <a:chExt cx="2329813" cy="656018"/>
+          </a:xfrm>
+        </p:grpSpPr>
+        <p:sp>
+          <p:nvSpPr>
+            <p:cNvPr id="39" name="TextBox 38">
+              <a:extLst>
+                <a:ext uri="{FF2B5EF4-FFF2-40B4-BE49-F238E27FC236}">
+                  <a16:creationId xmlns:a16="http://schemas.microsoft.com/office/drawing/2014/main" id="{6CDC6D6B-2C6F-4506-A1A4-B60E366A7E7F}"/>
+                </a:ext>
+              </a:extLst>
+            </p:cNvPr>
+            <p:cNvSpPr txBox="1"/>
+            <p:nvPr/>
+          </p:nvSpPr>
+          <p:spPr>
+            <a:xfrm>
+              <a:off x="0" y="196020"/>
+              <a:ext cx="2329813" cy="523220"/>
+            </a:xfrm>
+            <a:prstGeom prst="rect">
+              <a:avLst/>
+            </a:prstGeom>
+            <a:noFill/>
+          </p:spPr>
+          <p:txBody>
+            <a:bodyPr wrap="square" rtlCol="0">
+              <a:spAutoFit/>
+            </a:bodyPr>
+            <a:lstStyle/>
+            <a:p>
+              <a:r>
+                <a:rPr lang="en-US" altLang="ko-KR" sz="2800" b="1" dirty="0"/>
+                <a:t>2.1 </a:t>
+              </a:r>
+              <a:r>
+                <a:rPr lang="ko-KR" altLang="en-US" sz="2800" b="1" dirty="0"/>
+                <a:t>농장 </a:t>
+              </a:r>
+              <a:r>
+                <a:rPr lang="ko-KR" altLang="en-US" sz="2800" b="1" dirty="0" err="1"/>
+                <a:t>레벨업</a:t>
+              </a:r>
+              <a:endParaRPr lang="ko-KR" altLang="en-US" sz="1400" b="1" dirty="0"/>
+            </a:p>
+          </p:txBody>
+        </p:sp>
+        <p:sp>
+          <p:nvSpPr>
+            <p:cNvPr id="40" name="평행 사변형 39">
+              <a:extLst>
+                <a:ext uri="{FF2B5EF4-FFF2-40B4-BE49-F238E27FC236}">
+                  <a16:creationId xmlns:a16="http://schemas.microsoft.com/office/drawing/2014/main" id="{4E81B653-ED60-4FFF-82E8-2306DFEB399E}"/>
+                </a:ext>
+              </a:extLst>
+            </p:cNvPr>
+            <p:cNvSpPr/>
+            <p:nvPr/>
+          </p:nvSpPr>
+          <p:spPr>
+            <a:xfrm>
+              <a:off x="0" y="787975"/>
+              <a:ext cx="2196000" cy="64063"/>
+            </a:xfrm>
+            <a:prstGeom prst="parallelogram">
+              <a:avLst/>
+            </a:prstGeom>
+            <a:solidFill>
+              <a:schemeClr val="tx1"/>
+            </a:solidFill>
+            <a:ln>
+              <a:noFill/>
+            </a:ln>
+          </p:spPr>
+          <p:style>
+            <a:lnRef idx="2">
+              <a:schemeClr val="accent1">
+                <a:shade val="50000"/>
+              </a:schemeClr>
+            </a:lnRef>
+            <a:fillRef idx="1">
+              <a:schemeClr val="accent1"/>
+            </a:fillRef>
+            <a:effectRef idx="0">
+              <a:schemeClr val="accent1"/>
+            </a:effectRef>
+            <a:fontRef idx="minor">
+              <a:schemeClr val="lt1"/>
+            </a:fontRef>
+          </p:style>
+          <p:txBody>
+            <a:bodyPr rtlCol="0" anchor="ctr"/>
+            <a:lstStyle/>
+            <a:p>
+              <a:pPr algn="ctr"/>
+              <a:endParaRPr lang="ko-KR" altLang="en-US" dirty="0"/>
+            </a:p>
+          </p:txBody>
+        </p:sp>
+      </p:grpSp>
+      <p:grpSp>
+        <p:nvGrpSpPr>
+          <p:cNvPr id="23" name="그룹 22">
+            <a:extLst>
+              <a:ext uri="{FF2B5EF4-FFF2-40B4-BE49-F238E27FC236}">
+                <a16:creationId xmlns:a16="http://schemas.microsoft.com/office/drawing/2014/main" id="{C84C9E02-B559-4FF1-BE61-BB0CD4741D3B}"/>
+              </a:ext>
+            </a:extLst>
+          </p:cNvPr>
+          <p:cNvGrpSpPr/>
+          <p:nvPr/>
+        </p:nvGrpSpPr>
+        <p:grpSpPr>
+          <a:xfrm>
+            <a:off x="1912999" y="1514669"/>
+            <a:ext cx="8366001" cy="1914331"/>
+            <a:chOff x="7280649" y="4038167"/>
+            <a:chExt cx="4217057" cy="2389089"/>
+          </a:xfrm>
+        </p:grpSpPr>
+        <p:sp>
+          <p:nvSpPr>
+            <p:cNvPr id="24" name="직사각형 23">
+              <a:extLst>
+                <a:ext uri="{FF2B5EF4-FFF2-40B4-BE49-F238E27FC236}">
+                  <a16:creationId xmlns:a16="http://schemas.microsoft.com/office/drawing/2014/main" id="{ACB38A61-B130-493E-B257-7C7D98BBDD2B}"/>
+                </a:ext>
+              </a:extLst>
+            </p:cNvPr>
+            <p:cNvSpPr/>
+            <p:nvPr/>
+          </p:nvSpPr>
+          <p:spPr>
+            <a:xfrm>
+              <a:off x="7280649" y="4038168"/>
+              <a:ext cx="4217057" cy="2389088"/>
+            </a:xfrm>
+            <a:prstGeom prst="rect">
+              <a:avLst/>
+            </a:prstGeom>
+            <a:solidFill>
+              <a:schemeClr val="tx1"/>
+            </a:solidFill>
+            <a:ln>
+              <a:solidFill>
+                <a:schemeClr val="tx1"/>
+              </a:solidFill>
+            </a:ln>
+          </p:spPr>
+          <p:style>
+            <a:lnRef idx="2">
+              <a:schemeClr val="accent1">
+                <a:shade val="50000"/>
+              </a:schemeClr>
+            </a:lnRef>
+            <a:fillRef idx="1">
+              <a:schemeClr val="accent1"/>
+            </a:fillRef>
+            <a:effectRef idx="0">
+              <a:schemeClr val="accent1"/>
+            </a:effectRef>
+            <a:fontRef idx="minor">
+              <a:schemeClr val="lt1"/>
+            </a:fontRef>
+          </p:style>
+          <p:txBody>
+            <a:bodyPr rtlCol="0" anchor="ctr"/>
+            <a:lstStyle/>
+            <a:p>
+              <a:pPr algn="ctr"/>
+              <a:endParaRPr lang="ko-KR" altLang="en-US"/>
+            </a:p>
+          </p:txBody>
+        </p:sp>
+        <p:sp>
+          <p:nvSpPr>
+            <p:cNvPr id="25" name="직사각형 24">
+              <a:extLst>
+                <a:ext uri="{FF2B5EF4-FFF2-40B4-BE49-F238E27FC236}">
+                  <a16:creationId xmlns:a16="http://schemas.microsoft.com/office/drawing/2014/main" id="{980DB22C-A901-4481-BC3F-76F5CFF2FC78}"/>
+                </a:ext>
+              </a:extLst>
+            </p:cNvPr>
+            <p:cNvSpPr/>
+            <p:nvPr/>
+          </p:nvSpPr>
+          <p:spPr>
+            <a:xfrm>
+              <a:off x="7280649" y="4407499"/>
+              <a:ext cx="4217057" cy="2019757"/>
+            </a:xfrm>
+            <a:prstGeom prst="rect">
+              <a:avLst/>
+            </a:prstGeom>
+            <a:solidFill>
+              <a:schemeClr val="bg1"/>
+            </a:solidFill>
+            <a:ln>
+              <a:solidFill>
+                <a:schemeClr val="tx1"/>
+              </a:solidFill>
+            </a:ln>
+          </p:spPr>
+          <p:style>
+            <a:lnRef idx="2">
+              <a:schemeClr val="accent1">
+                <a:shade val="50000"/>
+              </a:schemeClr>
+            </a:lnRef>
+            <a:fillRef idx="1">
+              <a:schemeClr val="accent1"/>
+            </a:fillRef>
+            <a:effectRef idx="0">
+              <a:schemeClr val="accent1"/>
+            </a:effectRef>
+            <a:fontRef idx="minor">
+              <a:schemeClr val="lt1"/>
+            </a:fontRef>
+          </p:style>
+          <p:txBody>
+            <a:bodyPr rtlCol="0" anchor="ctr"/>
+            <a:lstStyle/>
+            <a:p>
+              <a:pPr marL="285750" indent="-285750">
+                <a:buFont typeface="Arial" panose="020B0604020202020204" pitchFamily="34" charset="0"/>
+                <a:buChar char="•"/>
+              </a:pPr>
+              <a:r>
+                <a:rPr lang="ko-KR" altLang="en-US" dirty="0" err="1">
+                  <a:solidFill>
+                    <a:schemeClr val="tx1"/>
+                  </a:solidFill>
+                </a:rPr>
+                <a:t>레벨업</a:t>
+              </a:r>
+              <a:r>
+                <a:rPr lang="ko-KR" altLang="en-US" dirty="0">
+                  <a:solidFill>
+                    <a:schemeClr val="tx1"/>
+                  </a:solidFill>
+                </a:rPr>
+                <a:t> 비용 소모를 통해 재화 사용처 제공</a:t>
+              </a:r>
+              <a:endParaRPr lang="en-US" altLang="ko-KR" dirty="0">
+                <a:solidFill>
+                  <a:schemeClr val="tx1"/>
+                </a:solidFill>
+              </a:endParaRPr>
+            </a:p>
+            <a:p>
+              <a:pPr marL="285750" indent="-285750">
+                <a:buFont typeface="Arial" panose="020B0604020202020204" pitchFamily="34" charset="0"/>
+                <a:buChar char="•"/>
+              </a:pPr>
+              <a:r>
+                <a:rPr lang="ko-KR" altLang="en-US" dirty="0">
+                  <a:solidFill>
+                    <a:schemeClr val="tx1"/>
+                  </a:solidFill>
+                </a:rPr>
+                <a:t>특정 레벨마다 추가 효과를 제공해 확실한 목표와 동기부여</a:t>
+              </a:r>
+              <a:r>
+                <a:rPr lang="en-US" altLang="ko-KR" dirty="0">
+                  <a:solidFill>
+                    <a:schemeClr val="tx1"/>
+                  </a:solidFill>
+                </a:rPr>
+                <a:t>, </a:t>
+              </a:r>
+              <a:r>
+                <a:rPr lang="ko-KR" altLang="en-US" dirty="0">
+                  <a:solidFill>
+                    <a:schemeClr val="tx1"/>
+                  </a:solidFill>
+                </a:rPr>
+                <a:t>성취감 제공</a:t>
+              </a:r>
+              <a:endParaRPr lang="en-US" altLang="ko-KR" dirty="0">
+                <a:solidFill>
+                  <a:schemeClr val="tx1"/>
+                </a:solidFill>
+              </a:endParaRPr>
+            </a:p>
+          </p:txBody>
+        </p:sp>
+        <p:sp>
+          <p:nvSpPr>
+            <p:cNvPr id="26" name="TextBox 25">
+              <a:extLst>
+                <a:ext uri="{FF2B5EF4-FFF2-40B4-BE49-F238E27FC236}">
+                  <a16:creationId xmlns:a16="http://schemas.microsoft.com/office/drawing/2014/main" id="{8A314BEB-84D8-49EB-B61D-DD2705D8297D}"/>
+                </a:ext>
+              </a:extLst>
+            </p:cNvPr>
+            <p:cNvSpPr txBox="1"/>
+            <p:nvPr/>
+          </p:nvSpPr>
+          <p:spPr>
+            <a:xfrm>
+              <a:off x="7442366" y="4038167"/>
+              <a:ext cx="3881263" cy="460927"/>
+            </a:xfrm>
+            <a:prstGeom prst="rect">
+              <a:avLst/>
+            </a:prstGeom>
+            <a:noFill/>
+          </p:spPr>
+          <p:txBody>
+            <a:bodyPr wrap="square" rtlCol="0">
+              <a:spAutoFit/>
+            </a:bodyPr>
+            <a:lstStyle/>
+            <a:p>
+              <a:r>
+                <a:rPr lang="ko-KR" altLang="en-US" dirty="0">
+                  <a:solidFill>
+                    <a:schemeClr val="bg1"/>
+                  </a:solidFill>
+                </a:rPr>
+                <a:t>기획 의도</a:t>
+              </a:r>
+            </a:p>
+          </p:txBody>
+        </p:sp>
+      </p:grpSp>
+      <p:grpSp>
+        <p:nvGrpSpPr>
+          <p:cNvPr id="27" name="그룹 26">
+            <a:extLst>
+              <a:ext uri="{FF2B5EF4-FFF2-40B4-BE49-F238E27FC236}">
+                <a16:creationId xmlns:a16="http://schemas.microsoft.com/office/drawing/2014/main" id="{160A1326-049B-4E45-B122-0DD14048BC84}"/>
+              </a:ext>
+            </a:extLst>
+          </p:cNvPr>
+          <p:cNvGrpSpPr/>
+          <p:nvPr/>
+        </p:nvGrpSpPr>
+        <p:grpSpPr>
+          <a:xfrm>
+            <a:off x="1913000" y="3893708"/>
+            <a:ext cx="8366000" cy="2308274"/>
+            <a:chOff x="7280649" y="4038167"/>
+            <a:chExt cx="4217057" cy="2389089"/>
+          </a:xfrm>
+        </p:grpSpPr>
+        <p:sp>
+          <p:nvSpPr>
+            <p:cNvPr id="28" name="직사각형 27">
+              <a:extLst>
+                <a:ext uri="{FF2B5EF4-FFF2-40B4-BE49-F238E27FC236}">
+                  <a16:creationId xmlns:a16="http://schemas.microsoft.com/office/drawing/2014/main" id="{DE913486-FEB2-4295-A34F-E0046B3E6631}"/>
+                </a:ext>
+              </a:extLst>
+            </p:cNvPr>
+            <p:cNvSpPr/>
+            <p:nvPr/>
+          </p:nvSpPr>
+          <p:spPr>
+            <a:xfrm>
+              <a:off x="7280649" y="4038168"/>
+              <a:ext cx="4217057" cy="2389088"/>
+            </a:xfrm>
+            <a:prstGeom prst="rect">
+              <a:avLst/>
+            </a:prstGeom>
+            <a:solidFill>
+              <a:schemeClr val="tx1"/>
+            </a:solidFill>
+            <a:ln>
+              <a:solidFill>
+                <a:schemeClr val="tx1"/>
+              </a:solidFill>
+            </a:ln>
+          </p:spPr>
+          <p:style>
+            <a:lnRef idx="2">
+              <a:schemeClr val="accent1">
+                <a:shade val="50000"/>
+              </a:schemeClr>
+            </a:lnRef>
+            <a:fillRef idx="1">
+              <a:schemeClr val="accent1"/>
+            </a:fillRef>
+            <a:effectRef idx="0">
+              <a:schemeClr val="accent1"/>
+            </a:effectRef>
+            <a:fontRef idx="minor">
+              <a:schemeClr val="lt1"/>
+            </a:fontRef>
+          </p:style>
+          <p:txBody>
+            <a:bodyPr rtlCol="0" anchor="ctr"/>
+            <a:lstStyle/>
+            <a:p>
+              <a:pPr algn="ctr"/>
+              <a:endParaRPr lang="ko-KR" altLang="en-US"/>
+            </a:p>
+          </p:txBody>
+        </p:sp>
+        <p:sp>
+          <p:nvSpPr>
+            <p:cNvPr id="29" name="직사각형 28">
+              <a:extLst>
+                <a:ext uri="{FF2B5EF4-FFF2-40B4-BE49-F238E27FC236}">
+                  <a16:creationId xmlns:a16="http://schemas.microsoft.com/office/drawing/2014/main" id="{09EB26FB-7EFA-4EB4-B6CD-0ACF325CB301}"/>
+                </a:ext>
+              </a:extLst>
+            </p:cNvPr>
+            <p:cNvSpPr/>
+            <p:nvPr/>
+          </p:nvSpPr>
+          <p:spPr>
+            <a:xfrm>
+              <a:off x="7280649" y="4407499"/>
+              <a:ext cx="4217057" cy="2019757"/>
+            </a:xfrm>
+            <a:prstGeom prst="rect">
+              <a:avLst/>
+            </a:prstGeom>
+            <a:solidFill>
+              <a:schemeClr val="bg1"/>
+            </a:solidFill>
+            <a:ln>
+              <a:solidFill>
+                <a:schemeClr val="tx1"/>
+              </a:solidFill>
+            </a:ln>
+          </p:spPr>
+          <p:style>
+            <a:lnRef idx="2">
+              <a:schemeClr val="accent1">
+                <a:shade val="50000"/>
+              </a:schemeClr>
+            </a:lnRef>
+            <a:fillRef idx="1">
+              <a:schemeClr val="accent1"/>
+            </a:fillRef>
+            <a:effectRef idx="0">
+              <a:schemeClr val="accent1"/>
+            </a:effectRef>
+            <a:fontRef idx="minor">
+              <a:schemeClr val="lt1"/>
+            </a:fontRef>
+          </p:style>
+          <p:txBody>
+            <a:bodyPr rtlCol="0" anchor="ctr"/>
+            <a:lstStyle/>
+            <a:p>
+              <a:pPr marL="285750" indent="-285750">
+                <a:buFont typeface="Arial" panose="020B0604020202020204" pitchFamily="34" charset="0"/>
+                <a:buChar char="•"/>
+              </a:pPr>
+              <a:r>
+                <a:rPr lang="ko-KR" altLang="en-US" dirty="0" err="1">
+                  <a:solidFill>
+                    <a:schemeClr val="tx1"/>
+                  </a:solidFill>
+                </a:rPr>
+                <a:t>레벨업</a:t>
+              </a:r>
+              <a:r>
+                <a:rPr lang="ko-KR" altLang="en-US" dirty="0">
+                  <a:solidFill>
+                    <a:schemeClr val="tx1"/>
+                  </a:solidFill>
+                </a:rPr>
+                <a:t> 비용을 소모해 레벨업을 할 수 있다</a:t>
+              </a:r>
+              <a:r>
+                <a:rPr lang="en-US" altLang="ko-KR" dirty="0">
+                  <a:solidFill>
+                    <a:schemeClr val="tx1"/>
+                  </a:solidFill>
+                </a:rPr>
+                <a:t>.</a:t>
+              </a:r>
+            </a:p>
+            <a:p>
+              <a:pPr marL="285750" indent="-285750">
+                <a:buFont typeface="Arial" panose="020B0604020202020204" pitchFamily="34" charset="0"/>
+                <a:buChar char="•"/>
+              </a:pPr>
+              <a:endParaRPr lang="en-US" altLang="ko-KR" dirty="0">
+                <a:solidFill>
+                  <a:schemeClr val="tx1"/>
+                </a:solidFill>
+              </a:endParaRPr>
+            </a:p>
+            <a:p>
+              <a:pPr marL="285750" indent="-285750">
+                <a:buFont typeface="Arial" panose="020B0604020202020204" pitchFamily="34" charset="0"/>
+                <a:buChar char="•"/>
+              </a:pPr>
+              <a:r>
+                <a:rPr lang="ko-KR" altLang="en-US" dirty="0" err="1">
+                  <a:solidFill>
+                    <a:schemeClr val="tx1"/>
+                  </a:solidFill>
+                </a:rPr>
+                <a:t>레벨업시</a:t>
+              </a:r>
+              <a:r>
+                <a:rPr lang="ko-KR" altLang="en-US" dirty="0">
+                  <a:solidFill>
+                    <a:schemeClr val="tx1"/>
+                  </a:solidFill>
+                </a:rPr>
+                <a:t> 농장 수익</a:t>
+              </a:r>
+              <a:r>
+                <a:rPr lang="en-US" altLang="ko-KR" dirty="0">
+                  <a:solidFill>
+                    <a:schemeClr val="tx1"/>
+                  </a:solidFill>
+                </a:rPr>
+                <a:t>, </a:t>
+              </a:r>
+              <a:r>
+                <a:rPr lang="ko-KR" altLang="en-US" dirty="0">
+                  <a:solidFill>
+                    <a:schemeClr val="tx1"/>
+                  </a:solidFill>
+                </a:rPr>
+                <a:t>수확 시간을 재계산한다</a:t>
+              </a:r>
+              <a:r>
+                <a:rPr lang="en-US" altLang="ko-KR" dirty="0">
+                  <a:solidFill>
+                    <a:schemeClr val="tx1"/>
+                  </a:solidFill>
+                </a:rPr>
+                <a:t>.</a:t>
+              </a:r>
+            </a:p>
+            <a:p>
+              <a:pPr marL="285750" indent="-285750">
+                <a:buFont typeface="Arial" panose="020B0604020202020204" pitchFamily="34" charset="0"/>
+                <a:buChar char="•"/>
+              </a:pPr>
+              <a:endParaRPr lang="en-US" altLang="ko-KR" dirty="0">
+                <a:solidFill>
+                  <a:schemeClr val="tx1"/>
+                </a:solidFill>
+              </a:endParaRPr>
+            </a:p>
+            <a:p>
+              <a:pPr marL="285750" indent="-285750">
+                <a:buFont typeface="Arial" panose="020B0604020202020204" pitchFamily="34" charset="0"/>
+                <a:buChar char="•"/>
+              </a:pPr>
+              <a:r>
+                <a:rPr lang="ko-KR" altLang="en-US" dirty="0">
+                  <a:solidFill>
+                    <a:schemeClr val="tx1"/>
+                  </a:solidFill>
+                </a:rPr>
+                <a:t>특정 레벨에 도달하면 추가 효과를 활성화한다</a:t>
+              </a:r>
+              <a:r>
+                <a:rPr lang="en-US" altLang="ko-KR" dirty="0">
+                  <a:solidFill>
+                    <a:schemeClr val="tx1"/>
+                  </a:solidFill>
+                </a:rPr>
+                <a:t>.</a:t>
+              </a:r>
+            </a:p>
+          </p:txBody>
+        </p:sp>
+        <p:sp>
+          <p:nvSpPr>
+            <p:cNvPr id="30" name="TextBox 29">
+              <a:extLst>
+                <a:ext uri="{FF2B5EF4-FFF2-40B4-BE49-F238E27FC236}">
+                  <a16:creationId xmlns:a16="http://schemas.microsoft.com/office/drawing/2014/main" id="{31124B04-08EF-4511-83A0-79C2AA47F41F}"/>
+                </a:ext>
+              </a:extLst>
+            </p:cNvPr>
+            <p:cNvSpPr txBox="1"/>
+            <p:nvPr/>
+          </p:nvSpPr>
+          <p:spPr>
+            <a:xfrm>
+              <a:off x="7442366" y="4038167"/>
+              <a:ext cx="3881263" cy="382263"/>
+            </a:xfrm>
+            <a:prstGeom prst="rect">
+              <a:avLst/>
+            </a:prstGeom>
+            <a:noFill/>
+          </p:spPr>
+          <p:txBody>
+            <a:bodyPr wrap="square" rtlCol="0">
+              <a:spAutoFit/>
+            </a:bodyPr>
+            <a:lstStyle/>
+            <a:p>
+              <a:r>
+                <a:rPr lang="ko-KR" altLang="en-US" dirty="0">
+                  <a:solidFill>
+                    <a:schemeClr val="bg1"/>
+                  </a:solidFill>
+                </a:rPr>
+                <a:t>개요</a:t>
+              </a:r>
+            </a:p>
+          </p:txBody>
+        </p:sp>
+      </p:grpSp>
+    </p:spTree>
+    <p:extLst>
+      <p:ext uri="{BB962C8B-B14F-4D97-AF65-F5344CB8AC3E}">
+        <p14:creationId xmlns:p14="http://schemas.microsoft.com/office/powerpoint/2010/main" val="4162627841"/>
+      </p:ext>
+    </p:extLst>
+  </p:cSld>
+  <p:clrMapOvr>
+    <a:masterClrMapping/>
+  </p:clrMapOvr>
+</p:sld>
+</file>
+
+<file path=ppt/slides/slide12.xml><?xml version="1.0" encoding="utf-8"?>
+<p:sld xmlns:a="http://schemas.openxmlformats.org/drawingml/2006/main" xmlns:r="http://schemas.openxmlformats.org/officeDocument/2006/relationships" xmlns:p="http://schemas.openxmlformats.org/presentationml/2006/main">
+  <p:cSld>
+    <p:spTree>
+      <p:nvGrpSpPr>
+        <p:cNvPr id="1" name=""/>
+        <p:cNvGrpSpPr/>
+        <p:nvPr/>
+      </p:nvGrpSpPr>
+      <p:grpSpPr>
+        <a:xfrm>
+          <a:off x="0" y="0"/>
+          <a:ext cx="0" cy="0"/>
+          <a:chOff x="0" y="0"/>
+          <a:chExt cx="0" cy="0"/>
+        </a:xfrm>
+      </p:grpSpPr>
+      <p:grpSp>
+        <p:nvGrpSpPr>
+          <p:cNvPr id="27" name="그룹 26">
+            <a:extLst>
+              <a:ext uri="{FF2B5EF4-FFF2-40B4-BE49-F238E27FC236}">
+                <a16:creationId xmlns:a16="http://schemas.microsoft.com/office/drawing/2014/main" id="{160A1326-049B-4E45-B122-0DD14048BC84}"/>
+              </a:ext>
+            </a:extLst>
+          </p:cNvPr>
+          <p:cNvGrpSpPr/>
+          <p:nvPr/>
+        </p:nvGrpSpPr>
+        <p:grpSpPr>
+          <a:xfrm>
+            <a:off x="1913000" y="1276732"/>
+            <a:ext cx="8366000" cy="2308274"/>
+            <a:chOff x="7280649" y="4038167"/>
+            <a:chExt cx="4217057" cy="2389089"/>
+          </a:xfrm>
+        </p:grpSpPr>
+        <p:sp>
+          <p:nvSpPr>
+            <p:cNvPr id="28" name="직사각형 27">
+              <a:extLst>
+                <a:ext uri="{FF2B5EF4-FFF2-40B4-BE49-F238E27FC236}">
+                  <a16:creationId xmlns:a16="http://schemas.microsoft.com/office/drawing/2014/main" id="{DE913486-FEB2-4295-A34F-E0046B3E6631}"/>
+                </a:ext>
+              </a:extLst>
+            </p:cNvPr>
+            <p:cNvSpPr/>
+            <p:nvPr/>
+          </p:nvSpPr>
+          <p:spPr>
+            <a:xfrm>
+              <a:off x="7280649" y="4038168"/>
+              <a:ext cx="4217057" cy="2389088"/>
+            </a:xfrm>
+            <a:prstGeom prst="rect">
+              <a:avLst/>
+            </a:prstGeom>
+            <a:solidFill>
+              <a:schemeClr val="tx1"/>
+            </a:solidFill>
+            <a:ln>
+              <a:solidFill>
+                <a:schemeClr val="tx1"/>
+              </a:solidFill>
+            </a:ln>
+          </p:spPr>
+          <p:style>
+            <a:lnRef idx="2">
+              <a:schemeClr val="accent1">
+                <a:shade val="50000"/>
+              </a:schemeClr>
+            </a:lnRef>
+            <a:fillRef idx="1">
+              <a:schemeClr val="accent1"/>
+            </a:fillRef>
+            <a:effectRef idx="0">
+              <a:schemeClr val="accent1"/>
+            </a:effectRef>
+            <a:fontRef idx="minor">
+              <a:schemeClr val="lt1"/>
+            </a:fontRef>
+          </p:style>
+          <p:txBody>
+            <a:bodyPr rtlCol="0" anchor="ctr"/>
+            <a:lstStyle/>
+            <a:p>
+              <a:pPr algn="ctr"/>
+              <a:endParaRPr lang="ko-KR" altLang="en-US"/>
+            </a:p>
+          </p:txBody>
+        </p:sp>
+        <p:sp>
+          <p:nvSpPr>
+            <p:cNvPr id="29" name="직사각형 28">
+              <a:extLst>
+                <a:ext uri="{FF2B5EF4-FFF2-40B4-BE49-F238E27FC236}">
+                  <a16:creationId xmlns:a16="http://schemas.microsoft.com/office/drawing/2014/main" id="{09EB26FB-7EFA-4EB4-B6CD-0ACF325CB301}"/>
+                </a:ext>
+              </a:extLst>
+            </p:cNvPr>
+            <p:cNvSpPr/>
+            <p:nvPr/>
+          </p:nvSpPr>
+          <p:spPr>
+            <a:xfrm>
+              <a:off x="7280649" y="4407499"/>
+              <a:ext cx="4217057" cy="2019757"/>
+            </a:xfrm>
+            <a:prstGeom prst="rect">
+              <a:avLst/>
+            </a:prstGeom>
+            <a:solidFill>
+              <a:schemeClr val="bg1"/>
+            </a:solidFill>
+            <a:ln>
+              <a:solidFill>
+                <a:schemeClr val="tx1"/>
+              </a:solidFill>
+            </a:ln>
+          </p:spPr>
+          <p:style>
+            <a:lnRef idx="2">
+              <a:schemeClr val="accent1">
+                <a:shade val="50000"/>
+              </a:schemeClr>
+            </a:lnRef>
+            <a:fillRef idx="1">
+              <a:schemeClr val="accent1"/>
+            </a:fillRef>
+            <a:effectRef idx="0">
+              <a:schemeClr val="accent1"/>
+            </a:effectRef>
+            <a:fontRef idx="minor">
+              <a:schemeClr val="lt1"/>
+            </a:fontRef>
+          </p:style>
+          <p:txBody>
+            <a:bodyPr rtlCol="0" anchor="ctr"/>
+            <a:lstStyle/>
+            <a:p>
+              <a:r>
+                <a:rPr lang="en-US" altLang="ko-KR" dirty="0">
+                  <a:solidFill>
+                    <a:schemeClr val="tx1"/>
+                  </a:solidFill>
+                </a:rPr>
+                <a:t>if(Input(</a:t>
+              </a:r>
+              <a:r>
+                <a:rPr lang="en-US" altLang="ko-KR" dirty="0" err="1">
+                  <a:solidFill>
+                    <a:schemeClr val="tx1"/>
+                  </a:solidFill>
+                </a:rPr>
+                <a:t>LvUp</a:t>
+              </a:r>
+              <a:r>
+                <a:rPr lang="en-US" altLang="ko-KR" dirty="0">
+                  <a:solidFill>
+                    <a:schemeClr val="tx1"/>
+                  </a:solidFill>
+                </a:rPr>
+                <a:t>)):</a:t>
+              </a:r>
+            </a:p>
+            <a:p>
+              <a:pPr lvl="1"/>
+              <a:r>
+                <a:rPr lang="en-US" altLang="ko-KR" dirty="0" err="1">
+                  <a:solidFill>
+                    <a:schemeClr val="tx1"/>
+                  </a:solidFill>
+                </a:rPr>
+                <a:t>FarmLV</a:t>
+              </a:r>
+              <a:r>
+                <a:rPr lang="en-US" altLang="ko-KR" dirty="0">
+                  <a:solidFill>
+                    <a:schemeClr val="tx1"/>
+                  </a:solidFill>
+                </a:rPr>
+                <a:t>++;</a:t>
+              </a:r>
+              <a:br>
+                <a:rPr lang="en-US" altLang="ko-KR" dirty="0">
+                  <a:solidFill>
+                    <a:schemeClr val="tx1"/>
+                  </a:solidFill>
+                </a:rPr>
+              </a:br>
+              <a:r>
+                <a:rPr lang="en-US" altLang="ko-KR" dirty="0">
+                  <a:solidFill>
+                    <a:schemeClr val="tx1"/>
+                  </a:solidFill>
+                </a:rPr>
+                <a:t>Compute </a:t>
+              </a:r>
+              <a:r>
+                <a:rPr lang="en-US" altLang="ko-KR" dirty="0" err="1">
+                  <a:solidFill>
+                    <a:schemeClr val="tx1"/>
+                  </a:solidFill>
+                </a:rPr>
+                <a:t>FarmEarning</a:t>
+              </a:r>
+              <a:r>
+                <a:rPr lang="en-US" altLang="ko-KR" dirty="0">
+                  <a:solidFill>
+                    <a:schemeClr val="tx1"/>
+                  </a:solidFill>
+                </a:rPr>
+                <a:t>, </a:t>
+              </a:r>
+              <a:r>
+                <a:rPr lang="en-US" altLang="ko-KR" dirty="0" err="1">
+                  <a:solidFill>
+                    <a:schemeClr val="tx1"/>
+                  </a:solidFill>
+                </a:rPr>
+                <a:t>FarmEarnCooltime</a:t>
+              </a:r>
+              <a:r>
+                <a:rPr lang="en-US" altLang="ko-KR" dirty="0">
+                  <a:solidFill>
+                    <a:schemeClr val="tx1"/>
+                  </a:solidFill>
+                </a:rPr>
+                <a:t>;</a:t>
+              </a:r>
+              <a:br>
+                <a:rPr lang="en-US" altLang="ko-KR" dirty="0">
+                  <a:solidFill>
+                    <a:schemeClr val="tx1"/>
+                  </a:solidFill>
+                </a:rPr>
+              </a:br>
+              <a:r>
+                <a:rPr lang="en-US" altLang="ko-KR" dirty="0">
+                  <a:solidFill>
+                    <a:schemeClr val="tx1"/>
+                  </a:solidFill>
+                </a:rPr>
+                <a:t>if(</a:t>
+              </a:r>
+              <a:r>
+                <a:rPr lang="en-US" altLang="ko-KR" dirty="0" err="1">
+                  <a:solidFill>
+                    <a:schemeClr val="tx1"/>
+                  </a:solidFill>
+                </a:rPr>
+                <a:t>FarmLV</a:t>
+              </a:r>
+              <a:r>
+                <a:rPr lang="en-US" altLang="ko-KR" dirty="0">
+                  <a:solidFill>
+                    <a:schemeClr val="tx1"/>
+                  </a:solidFill>
+                </a:rPr>
+                <a:t> matches specific LV):</a:t>
+              </a:r>
+            </a:p>
+            <a:p>
+              <a:pPr lvl="2"/>
+              <a:r>
+                <a:rPr lang="ko-KR" altLang="en-US" dirty="0">
+                  <a:solidFill>
+                    <a:schemeClr val="tx1"/>
+                  </a:solidFill>
+                </a:rPr>
+                <a:t>레벨에 맞는 추가 효과 부여</a:t>
+              </a:r>
+              <a:endParaRPr lang="en-US" altLang="ko-KR" dirty="0">
+                <a:solidFill>
+                  <a:schemeClr val="tx1"/>
+                </a:solidFill>
+              </a:endParaRPr>
+            </a:p>
+          </p:txBody>
+        </p:sp>
+        <p:sp>
+          <p:nvSpPr>
+            <p:cNvPr id="30" name="TextBox 29">
+              <a:extLst>
+                <a:ext uri="{FF2B5EF4-FFF2-40B4-BE49-F238E27FC236}">
+                  <a16:creationId xmlns:a16="http://schemas.microsoft.com/office/drawing/2014/main" id="{31124B04-08EF-4511-83A0-79C2AA47F41F}"/>
+                </a:ext>
+              </a:extLst>
+            </p:cNvPr>
+            <p:cNvSpPr txBox="1"/>
+            <p:nvPr/>
+          </p:nvSpPr>
+          <p:spPr>
+            <a:xfrm>
+              <a:off x="7442366" y="4038167"/>
+              <a:ext cx="3881263" cy="382263"/>
+            </a:xfrm>
+            <a:prstGeom prst="rect">
+              <a:avLst/>
+            </a:prstGeom>
+            <a:noFill/>
+          </p:spPr>
+          <p:txBody>
+            <a:bodyPr wrap="square" rtlCol="0">
+              <a:spAutoFit/>
+            </a:bodyPr>
+            <a:lstStyle/>
+            <a:p>
+              <a:r>
+                <a:rPr lang="ko-KR" altLang="en-US" dirty="0">
+                  <a:solidFill>
+                    <a:schemeClr val="bg1"/>
+                  </a:solidFill>
+                </a:rPr>
+                <a:t>상세 설명</a:t>
+              </a:r>
+            </a:p>
+          </p:txBody>
+        </p:sp>
+      </p:grpSp>
+      <p:grpSp>
+        <p:nvGrpSpPr>
+          <p:cNvPr id="23" name="그룹 22">
+            <a:extLst>
+              <a:ext uri="{FF2B5EF4-FFF2-40B4-BE49-F238E27FC236}">
+                <a16:creationId xmlns:a16="http://schemas.microsoft.com/office/drawing/2014/main" id="{C84C9E02-B559-4FF1-BE61-BB0CD4741D3B}"/>
+              </a:ext>
+            </a:extLst>
+          </p:cNvPr>
+          <p:cNvGrpSpPr/>
+          <p:nvPr/>
+        </p:nvGrpSpPr>
+        <p:grpSpPr>
+          <a:xfrm>
+            <a:off x="1912999" y="3738141"/>
+            <a:ext cx="8366001" cy="2972575"/>
+            <a:chOff x="7280649" y="4038167"/>
+            <a:chExt cx="4217057" cy="2389089"/>
+          </a:xfrm>
+        </p:grpSpPr>
+        <p:sp>
+          <p:nvSpPr>
+            <p:cNvPr id="24" name="직사각형 23">
+              <a:extLst>
+                <a:ext uri="{FF2B5EF4-FFF2-40B4-BE49-F238E27FC236}">
+                  <a16:creationId xmlns:a16="http://schemas.microsoft.com/office/drawing/2014/main" id="{ACB38A61-B130-493E-B257-7C7D98BBDD2B}"/>
+                </a:ext>
+              </a:extLst>
+            </p:cNvPr>
+            <p:cNvSpPr/>
+            <p:nvPr/>
+          </p:nvSpPr>
+          <p:spPr>
+            <a:xfrm>
+              <a:off x="7280649" y="4038168"/>
+              <a:ext cx="4217057" cy="2389088"/>
+            </a:xfrm>
+            <a:prstGeom prst="rect">
+              <a:avLst/>
+            </a:prstGeom>
+            <a:solidFill>
+              <a:schemeClr val="tx1"/>
+            </a:solidFill>
+            <a:ln>
+              <a:solidFill>
+                <a:schemeClr val="tx1"/>
+              </a:solidFill>
+            </a:ln>
+          </p:spPr>
+          <p:style>
+            <a:lnRef idx="2">
+              <a:schemeClr val="accent1">
+                <a:shade val="50000"/>
+              </a:schemeClr>
+            </a:lnRef>
+            <a:fillRef idx="1">
+              <a:schemeClr val="accent1"/>
+            </a:fillRef>
+            <a:effectRef idx="0">
+              <a:schemeClr val="accent1"/>
+            </a:effectRef>
+            <a:fontRef idx="minor">
+              <a:schemeClr val="lt1"/>
+            </a:fontRef>
+          </p:style>
+          <p:txBody>
+            <a:bodyPr rtlCol="0" anchor="ctr"/>
+            <a:lstStyle/>
+            <a:p>
+              <a:pPr algn="ctr"/>
+              <a:endParaRPr lang="ko-KR" altLang="en-US"/>
+            </a:p>
+          </p:txBody>
+        </p:sp>
+        <p:sp>
+          <p:nvSpPr>
+            <p:cNvPr id="25" name="직사각형 24">
+              <a:extLst>
+                <a:ext uri="{FF2B5EF4-FFF2-40B4-BE49-F238E27FC236}">
+                  <a16:creationId xmlns:a16="http://schemas.microsoft.com/office/drawing/2014/main" id="{980DB22C-A901-4481-BC3F-76F5CFF2FC78}"/>
+                </a:ext>
+              </a:extLst>
+            </p:cNvPr>
+            <p:cNvSpPr/>
+            <p:nvPr/>
+          </p:nvSpPr>
+          <p:spPr>
+            <a:xfrm>
+              <a:off x="7280649" y="4313189"/>
+              <a:ext cx="4217057" cy="2114067"/>
+            </a:xfrm>
+            <a:prstGeom prst="rect">
+              <a:avLst/>
+            </a:prstGeom>
+            <a:solidFill>
+              <a:schemeClr val="bg1"/>
+            </a:solidFill>
+            <a:ln>
+              <a:solidFill>
+                <a:schemeClr val="tx1"/>
+              </a:solidFill>
+            </a:ln>
+          </p:spPr>
+          <p:style>
+            <a:lnRef idx="2">
+              <a:schemeClr val="accent1">
+                <a:shade val="50000"/>
+              </a:schemeClr>
+            </a:lnRef>
+            <a:fillRef idx="1">
+              <a:schemeClr val="accent1"/>
+            </a:fillRef>
+            <a:effectRef idx="0">
+              <a:schemeClr val="accent1"/>
+            </a:effectRef>
+            <a:fontRef idx="minor">
+              <a:schemeClr val="lt1"/>
+            </a:fontRef>
+          </p:style>
+          <p:txBody>
+            <a:bodyPr rtlCol="0" anchor="ctr"/>
+            <a:lstStyle/>
+            <a:p>
+              <a:pPr marL="285750" indent="-285750">
+                <a:buFont typeface="Arial" panose="020B0604020202020204" pitchFamily="34" charset="0"/>
+                <a:buChar char="•"/>
+              </a:pPr>
+              <a:r>
+                <a:rPr lang="ko-KR" altLang="en-US" dirty="0">
+                  <a:solidFill>
+                    <a:schemeClr val="tx1"/>
+                  </a:solidFill>
+                </a:rPr>
+                <a:t>추가 효과 유형</a:t>
+              </a:r>
+              <a:r>
+                <a:rPr lang="en-US" altLang="ko-KR" dirty="0">
+                  <a:solidFill>
+                    <a:schemeClr val="tx1"/>
+                  </a:solidFill>
+                </a:rPr>
+                <a:t>:</a:t>
+              </a:r>
+            </a:p>
+            <a:p>
+              <a:pPr marL="2171700" lvl="4" indent="-342900">
+                <a:buAutoNum type="arabicParenR"/>
+              </a:pPr>
+              <a:r>
+                <a:rPr lang="ko-KR" altLang="en-US" dirty="0">
+                  <a:solidFill>
+                    <a:schemeClr val="tx1"/>
+                  </a:solidFill>
+                </a:rPr>
+                <a:t>농장 </a:t>
+              </a:r>
+              <a:r>
+                <a:rPr lang="ko-KR" altLang="en-US" dirty="0" err="1">
+                  <a:solidFill>
+                    <a:schemeClr val="tx1"/>
+                  </a:solidFill>
+                </a:rPr>
+                <a:t>수익율</a:t>
+              </a:r>
+              <a:r>
+                <a:rPr lang="ko-KR" altLang="en-US" dirty="0">
+                  <a:solidFill>
+                    <a:schemeClr val="tx1"/>
+                  </a:solidFill>
+                </a:rPr>
+                <a:t> </a:t>
+              </a:r>
+              <a:r>
+                <a:rPr lang="en-US" altLang="ko-KR" dirty="0">
+                  <a:solidFill>
+                    <a:schemeClr val="tx1"/>
+                  </a:solidFill>
+                </a:rPr>
+                <a:t>+ N%</a:t>
+              </a:r>
+            </a:p>
+            <a:p>
+              <a:pPr marL="2171700" lvl="4" indent="-342900">
+                <a:buAutoNum type="arabicParenR"/>
+              </a:pPr>
+              <a:r>
+                <a:rPr lang="ko-KR" altLang="en-US" dirty="0">
+                  <a:solidFill>
+                    <a:schemeClr val="tx1"/>
+                  </a:solidFill>
+                </a:rPr>
+                <a:t>농장 수확 시간 </a:t>
+              </a:r>
+              <a:r>
+                <a:rPr lang="en-US" altLang="ko-KR" dirty="0">
+                  <a:solidFill>
+                    <a:schemeClr val="tx1"/>
+                  </a:solidFill>
+                </a:rPr>
+                <a:t>- N%</a:t>
+              </a:r>
+            </a:p>
+            <a:p>
+              <a:pPr marL="285750" indent="-285750">
+                <a:buFont typeface="Arial" panose="020B0604020202020204" pitchFamily="34" charset="0"/>
+                <a:buChar char="•"/>
+              </a:pPr>
+              <a:r>
+                <a:rPr lang="ko-KR" altLang="en-US" dirty="0">
+                  <a:solidFill>
+                    <a:schemeClr val="tx1"/>
+                  </a:solidFill>
+                </a:rPr>
+                <a:t>플레이어 </a:t>
+              </a:r>
+              <a:r>
+                <a:rPr lang="en-US" altLang="ko-KR" dirty="0">
+                  <a:solidFill>
+                    <a:schemeClr val="tx1"/>
+                  </a:solidFill>
+                </a:rPr>
+                <a:t>LV </a:t>
+              </a:r>
+              <a:r>
+                <a:rPr lang="ko-KR" altLang="en-US" dirty="0">
+                  <a:solidFill>
+                    <a:schemeClr val="tx1"/>
+                  </a:solidFill>
+                </a:rPr>
+                <a:t>효과 선 적용 후 해당 효과 적용</a:t>
+              </a:r>
+              <a:endParaRPr lang="en-US" altLang="ko-KR" dirty="0">
+                <a:solidFill>
+                  <a:schemeClr val="tx1"/>
+                </a:solidFill>
+              </a:endParaRPr>
+            </a:p>
+            <a:p>
+              <a:pPr marL="285750" indent="-285750">
+                <a:buFont typeface="Arial" panose="020B0604020202020204" pitchFamily="34" charset="0"/>
+                <a:buChar char="•"/>
+              </a:pPr>
+              <a:endParaRPr lang="en-US" altLang="ko-KR" dirty="0">
+                <a:solidFill>
+                  <a:schemeClr val="tx1"/>
+                </a:solidFill>
+              </a:endParaRPr>
+            </a:p>
+            <a:p>
+              <a:pPr marL="285750" indent="-285750">
+                <a:buFont typeface="Arial" panose="020B0604020202020204" pitchFamily="34" charset="0"/>
+                <a:buChar char="•"/>
+              </a:pPr>
+              <a:r>
+                <a:rPr lang="ko-KR" altLang="en-US" dirty="0">
+                  <a:solidFill>
+                    <a:schemeClr val="tx1"/>
+                  </a:solidFill>
+                </a:rPr>
+                <a:t>레벨로 부여되는 추가 효과는 </a:t>
+              </a:r>
+              <a:r>
+                <a:rPr lang="ko-KR" altLang="en-US" dirty="0" err="1">
+                  <a:solidFill>
+                    <a:schemeClr val="tx1"/>
+                  </a:solidFill>
+                </a:rPr>
+                <a:t>곱연산된다</a:t>
+              </a:r>
+              <a:r>
+                <a:rPr lang="en-US" altLang="ko-KR" dirty="0">
+                  <a:solidFill>
+                    <a:schemeClr val="tx1"/>
+                  </a:solidFill>
+                </a:rPr>
+                <a:t>.</a:t>
+              </a:r>
+              <a:br>
+                <a:rPr lang="en-US" altLang="ko-KR" dirty="0">
+                  <a:solidFill>
+                    <a:schemeClr val="tx1"/>
+                  </a:solidFill>
+                </a:rPr>
+              </a:br>
+              <a:r>
+                <a:rPr lang="en-US" altLang="ko-KR" dirty="0">
+                  <a:solidFill>
+                    <a:schemeClr val="tx1"/>
+                  </a:solidFill>
+                </a:rPr>
+                <a:t>Ex. 5LV – </a:t>
+              </a:r>
+              <a:r>
+                <a:rPr lang="ko-KR" altLang="en-US" dirty="0" err="1">
+                  <a:solidFill>
+                    <a:schemeClr val="tx1"/>
+                  </a:solidFill>
+                </a:rPr>
+                <a:t>수익율</a:t>
+              </a:r>
+              <a:r>
+                <a:rPr lang="ko-KR" altLang="en-US" dirty="0">
+                  <a:solidFill>
+                    <a:schemeClr val="tx1"/>
+                  </a:solidFill>
+                </a:rPr>
+                <a:t> </a:t>
+              </a:r>
+              <a:r>
+                <a:rPr lang="en-US" altLang="ko-KR" dirty="0">
+                  <a:solidFill>
+                    <a:schemeClr val="tx1"/>
+                  </a:solidFill>
+                </a:rPr>
+                <a:t>+50% / 10LV – </a:t>
+              </a:r>
+              <a:r>
+                <a:rPr lang="ko-KR" altLang="en-US" dirty="0" err="1">
+                  <a:solidFill>
+                    <a:schemeClr val="tx1"/>
+                  </a:solidFill>
+                </a:rPr>
+                <a:t>수익율</a:t>
+              </a:r>
+              <a:r>
+                <a:rPr lang="ko-KR" altLang="en-US" dirty="0">
+                  <a:solidFill>
+                    <a:schemeClr val="tx1"/>
+                  </a:solidFill>
+                </a:rPr>
+                <a:t> </a:t>
+              </a:r>
+              <a:r>
+                <a:rPr lang="en-US" altLang="ko-KR" dirty="0">
+                  <a:solidFill>
+                    <a:schemeClr val="tx1"/>
+                  </a:solidFill>
+                </a:rPr>
+                <a:t>+100% </a:t>
+              </a:r>
+              <a:r>
+                <a:rPr lang="ko-KR" altLang="en-US" dirty="0">
+                  <a:solidFill>
+                    <a:schemeClr val="tx1"/>
+                  </a:solidFill>
+                </a:rPr>
+                <a:t>인 경우</a:t>
+              </a:r>
+              <a:r>
+                <a:rPr lang="en-US" altLang="ko-KR" dirty="0">
+                  <a:solidFill>
+                    <a:schemeClr val="tx1"/>
+                  </a:solidFill>
+                </a:rPr>
+                <a:t>,</a:t>
+              </a:r>
+              <a:br>
+                <a:rPr lang="en-US" altLang="ko-KR" dirty="0">
+                  <a:solidFill>
+                    <a:schemeClr val="tx1"/>
+                  </a:solidFill>
+                </a:rPr>
+              </a:br>
+              <a:r>
+                <a:rPr lang="en-US" altLang="ko-KR" dirty="0">
+                  <a:solidFill>
+                    <a:schemeClr val="tx1"/>
+                  </a:solidFill>
+                </a:rPr>
+                <a:t>     → LV 10 </a:t>
+              </a:r>
+              <a:r>
+                <a:rPr lang="ko-KR" altLang="en-US" dirty="0">
+                  <a:solidFill>
+                    <a:schemeClr val="tx1"/>
+                  </a:solidFill>
+                </a:rPr>
+                <a:t>농장의 </a:t>
+              </a:r>
+              <a:r>
+                <a:rPr lang="en-US" altLang="ko-KR" dirty="0" err="1">
+                  <a:solidFill>
+                    <a:schemeClr val="tx1"/>
+                  </a:solidFill>
+                </a:rPr>
+                <a:t>FarmEarning</a:t>
+              </a:r>
+              <a:r>
+                <a:rPr lang="en-US" altLang="ko-KR" dirty="0">
+                  <a:solidFill>
+                    <a:schemeClr val="tx1"/>
+                  </a:solidFill>
+                </a:rPr>
+                <a:t> := (X * 1.5) * 2.0</a:t>
+              </a:r>
+            </a:p>
+            <a:p>
+              <a:pPr lvl="8"/>
+              <a:r>
+                <a:rPr lang="en-US" altLang="ko-KR" dirty="0">
+                  <a:solidFill>
+                    <a:schemeClr val="tx1"/>
+                  </a:solidFill>
+                </a:rPr>
+                <a:t>     (X: </a:t>
+              </a:r>
+              <a:r>
+                <a:rPr lang="ko-KR" altLang="en-US" dirty="0">
+                  <a:solidFill>
+                    <a:schemeClr val="tx1"/>
+                  </a:solidFill>
+                </a:rPr>
+                <a:t>플레이어 </a:t>
+              </a:r>
+              <a:r>
+                <a:rPr lang="en-US" altLang="ko-KR" dirty="0">
+                  <a:solidFill>
+                    <a:schemeClr val="tx1"/>
+                  </a:solidFill>
+                </a:rPr>
+                <a:t>LV </a:t>
+              </a:r>
+              <a:r>
+                <a:rPr lang="ko-KR" altLang="en-US" dirty="0">
+                  <a:solidFill>
+                    <a:schemeClr val="tx1"/>
+                  </a:solidFill>
+                </a:rPr>
+                <a:t>효과 </a:t>
+              </a:r>
+              <a:r>
+                <a:rPr lang="ko-KR" altLang="en-US" dirty="0" err="1">
+                  <a:solidFill>
+                    <a:schemeClr val="tx1"/>
+                  </a:solidFill>
+                </a:rPr>
+                <a:t>적용값</a:t>
+              </a:r>
+              <a:r>
+                <a:rPr lang="en-US" altLang="ko-KR" dirty="0">
+                  <a:solidFill>
+                    <a:schemeClr val="tx1"/>
+                  </a:solidFill>
+                </a:rPr>
+                <a:t>)</a:t>
+              </a:r>
+            </a:p>
+          </p:txBody>
+        </p:sp>
+        <p:sp>
+          <p:nvSpPr>
+            <p:cNvPr id="26" name="TextBox 25">
+              <a:extLst>
+                <a:ext uri="{FF2B5EF4-FFF2-40B4-BE49-F238E27FC236}">
+                  <a16:creationId xmlns:a16="http://schemas.microsoft.com/office/drawing/2014/main" id="{8A314BEB-84D8-49EB-B61D-DD2705D8297D}"/>
+                </a:ext>
+              </a:extLst>
+            </p:cNvPr>
+            <p:cNvSpPr txBox="1"/>
+            <p:nvPr/>
+          </p:nvSpPr>
+          <p:spPr>
+            <a:xfrm>
+              <a:off x="7442366" y="4038167"/>
+              <a:ext cx="3881263" cy="460927"/>
+            </a:xfrm>
+            <a:prstGeom prst="rect">
+              <a:avLst/>
+            </a:prstGeom>
+            <a:noFill/>
+          </p:spPr>
+          <p:txBody>
+            <a:bodyPr wrap="square" rtlCol="0">
+              <a:spAutoFit/>
+            </a:bodyPr>
+            <a:lstStyle/>
+            <a:p>
+              <a:r>
+                <a:rPr lang="ko-KR" altLang="en-US" dirty="0">
+                  <a:solidFill>
+                    <a:schemeClr val="bg1"/>
+                  </a:solidFill>
+                </a:rPr>
+                <a:t>추가 효과 상세</a:t>
+              </a:r>
+            </a:p>
+          </p:txBody>
+        </p:sp>
+      </p:grpSp>
+      <p:grpSp>
+        <p:nvGrpSpPr>
+          <p:cNvPr id="13" name="그룹 12">
+            <a:extLst>
+              <a:ext uri="{FF2B5EF4-FFF2-40B4-BE49-F238E27FC236}">
+                <a16:creationId xmlns:a16="http://schemas.microsoft.com/office/drawing/2014/main" id="{94067E19-C663-4213-ACE0-AD7ABF4832E9}"/>
+              </a:ext>
+            </a:extLst>
+          </p:cNvPr>
+          <p:cNvGrpSpPr/>
+          <p:nvPr/>
+        </p:nvGrpSpPr>
+        <p:grpSpPr>
+          <a:xfrm>
+            <a:off x="0" y="64063"/>
+            <a:ext cx="3106271" cy="656018"/>
+            <a:chOff x="0" y="196020"/>
+            <a:chExt cx="2329813" cy="656018"/>
+          </a:xfrm>
+        </p:grpSpPr>
+        <p:sp>
+          <p:nvSpPr>
+            <p:cNvPr id="14" name="TextBox 13">
+              <a:extLst>
+                <a:ext uri="{FF2B5EF4-FFF2-40B4-BE49-F238E27FC236}">
+                  <a16:creationId xmlns:a16="http://schemas.microsoft.com/office/drawing/2014/main" id="{F34652E5-2BD3-451B-9B8B-1FBA5AAB31BC}"/>
+                </a:ext>
+              </a:extLst>
+            </p:cNvPr>
+            <p:cNvSpPr txBox="1"/>
+            <p:nvPr/>
+          </p:nvSpPr>
+          <p:spPr>
+            <a:xfrm>
+              <a:off x="0" y="196020"/>
+              <a:ext cx="2329813" cy="523220"/>
+            </a:xfrm>
+            <a:prstGeom prst="rect">
+              <a:avLst/>
+            </a:prstGeom>
+            <a:noFill/>
+          </p:spPr>
+          <p:txBody>
+            <a:bodyPr wrap="square" rtlCol="0">
+              <a:spAutoFit/>
+            </a:bodyPr>
+            <a:lstStyle/>
+            <a:p>
+              <a:r>
+                <a:rPr lang="en-US" altLang="ko-KR" sz="2800" b="1" dirty="0"/>
+                <a:t>2.1 </a:t>
+              </a:r>
+              <a:r>
+                <a:rPr lang="ko-KR" altLang="en-US" sz="2800" b="1" dirty="0"/>
+                <a:t>농장 </a:t>
+              </a:r>
+              <a:r>
+                <a:rPr lang="ko-KR" altLang="en-US" sz="2800" b="1" dirty="0" err="1"/>
+                <a:t>레벨업</a:t>
+              </a:r>
+              <a:endParaRPr lang="ko-KR" altLang="en-US" sz="1400" b="1" dirty="0"/>
+            </a:p>
+          </p:txBody>
+        </p:sp>
+        <p:sp>
+          <p:nvSpPr>
+            <p:cNvPr id="15" name="평행 사변형 14">
+              <a:extLst>
+                <a:ext uri="{FF2B5EF4-FFF2-40B4-BE49-F238E27FC236}">
+                  <a16:creationId xmlns:a16="http://schemas.microsoft.com/office/drawing/2014/main" id="{5B9355D8-F377-4806-AC51-5057B7B3F3BD}"/>
+                </a:ext>
+              </a:extLst>
+            </p:cNvPr>
+            <p:cNvSpPr/>
+            <p:nvPr/>
+          </p:nvSpPr>
+          <p:spPr>
+            <a:xfrm>
+              <a:off x="0" y="787975"/>
+              <a:ext cx="2196000" cy="64063"/>
+            </a:xfrm>
+            <a:prstGeom prst="parallelogram">
+              <a:avLst/>
+            </a:prstGeom>
+            <a:solidFill>
+              <a:schemeClr val="tx1"/>
+            </a:solidFill>
+            <a:ln>
+              <a:noFill/>
+            </a:ln>
+          </p:spPr>
+          <p:style>
+            <a:lnRef idx="2">
+              <a:schemeClr val="accent1">
+                <a:shade val="50000"/>
+              </a:schemeClr>
+            </a:lnRef>
+            <a:fillRef idx="1">
+              <a:schemeClr val="accent1"/>
+            </a:fillRef>
+            <a:effectRef idx="0">
+              <a:schemeClr val="accent1"/>
+            </a:effectRef>
+            <a:fontRef idx="minor">
+              <a:schemeClr val="lt1"/>
+            </a:fontRef>
+          </p:style>
+          <p:txBody>
+            <a:bodyPr rtlCol="0" anchor="ctr"/>
+            <a:lstStyle/>
+            <a:p>
+              <a:pPr algn="ctr"/>
+              <a:endParaRPr lang="ko-KR" altLang="en-US" dirty="0"/>
+            </a:p>
+          </p:txBody>
+        </p:sp>
+      </p:grpSp>
+    </p:spTree>
+    <p:extLst>
+      <p:ext uri="{BB962C8B-B14F-4D97-AF65-F5344CB8AC3E}">
+        <p14:creationId xmlns:p14="http://schemas.microsoft.com/office/powerpoint/2010/main" val="222991884"/>
+      </p:ext>
+    </p:extLst>
+  </p:cSld>
+  <p:clrMapOvr>
+    <a:masterClrMapping/>
+  </p:clrMapOvr>
+</p:sld>
+</file>
+
+<file path=ppt/slides/slide13.xml><?xml version="1.0" encoding="utf-8"?>
+<p:sld xmlns:a="http://schemas.openxmlformats.org/drawingml/2006/main" xmlns:r="http://schemas.openxmlformats.org/officeDocument/2006/relationships" xmlns:p="http://schemas.openxmlformats.org/presentationml/2006/main">
+  <p:cSld>
+    <p:spTree>
+      <p:nvGrpSpPr>
+        <p:cNvPr id="1" name=""/>
+        <p:cNvGrpSpPr/>
+        <p:nvPr/>
+      </p:nvGrpSpPr>
+      <p:grpSpPr>
+        <a:xfrm>
+          <a:off x="0" y="0"/>
+          <a:ext cx="0" cy="0"/>
+          <a:chOff x="0" y="0"/>
+          <a:chExt cx="0" cy="0"/>
+        </a:xfrm>
+      </p:grpSpPr>
       <p:sp>
         <p:nvSpPr>
           <p:cNvPr id="2" name="제목 1">
@@ -10871,6 +12821,1556 @@
             </a:r>
             <a:r>
               <a:rPr lang="ko-KR" altLang="en-US" dirty="0"/>
+              <a:t>클릭 시스템</a:t>
+            </a:r>
+          </a:p>
+        </p:txBody>
+      </p:sp>
+    </p:spTree>
+    <p:extLst>
+      <p:ext uri="{BB962C8B-B14F-4D97-AF65-F5344CB8AC3E}">
+        <p14:creationId xmlns:p14="http://schemas.microsoft.com/office/powerpoint/2010/main" val="42066927"/>
+      </p:ext>
+    </p:extLst>
+  </p:cSld>
+  <p:clrMapOvr>
+    <a:masterClrMapping/>
+  </p:clrMapOvr>
+</p:sld>
+</file>
+
+<file path=ppt/slides/slide14.xml><?xml version="1.0" encoding="utf-8"?>
+<p:sld xmlns:a="http://schemas.openxmlformats.org/drawingml/2006/main" xmlns:r="http://schemas.openxmlformats.org/officeDocument/2006/relationships" xmlns:p="http://schemas.openxmlformats.org/presentationml/2006/main">
+  <p:cSld>
+    <p:spTree>
+      <p:nvGrpSpPr>
+        <p:cNvPr id="1" name=""/>
+        <p:cNvGrpSpPr/>
+        <p:nvPr/>
+      </p:nvGrpSpPr>
+      <p:grpSpPr>
+        <a:xfrm>
+          <a:off x="0" y="0"/>
+          <a:ext cx="0" cy="0"/>
+          <a:chOff x="0" y="0"/>
+          <a:chExt cx="0" cy="0"/>
+        </a:xfrm>
+      </p:grpSpPr>
+      <p:grpSp>
+        <p:nvGrpSpPr>
+          <p:cNvPr id="38" name="그룹 37">
+            <a:extLst>
+              <a:ext uri="{FF2B5EF4-FFF2-40B4-BE49-F238E27FC236}">
+                <a16:creationId xmlns:a16="http://schemas.microsoft.com/office/drawing/2014/main" id="{1D8E532E-9E14-4EC0-9A5D-C7F11045D019}"/>
+              </a:ext>
+            </a:extLst>
+          </p:cNvPr>
+          <p:cNvGrpSpPr/>
+          <p:nvPr/>
+        </p:nvGrpSpPr>
+        <p:grpSpPr>
+          <a:xfrm>
+            <a:off x="0" y="99367"/>
+            <a:ext cx="1600200" cy="620714"/>
+            <a:chOff x="0" y="231324"/>
+            <a:chExt cx="2341178" cy="620714"/>
+          </a:xfrm>
+        </p:grpSpPr>
+        <p:sp>
+          <p:nvSpPr>
+            <p:cNvPr id="39" name="TextBox 38">
+              <a:extLst>
+                <a:ext uri="{FF2B5EF4-FFF2-40B4-BE49-F238E27FC236}">
+                  <a16:creationId xmlns:a16="http://schemas.microsoft.com/office/drawing/2014/main" id="{6CDC6D6B-2C6F-4506-A1A4-B60E366A7E7F}"/>
+                </a:ext>
+              </a:extLst>
+            </p:cNvPr>
+            <p:cNvSpPr txBox="1"/>
+            <p:nvPr/>
+          </p:nvSpPr>
+          <p:spPr>
+            <a:xfrm>
+              <a:off x="0" y="231324"/>
+              <a:ext cx="2341178" cy="523220"/>
+            </a:xfrm>
+            <a:prstGeom prst="rect">
+              <a:avLst/>
+            </a:prstGeom>
+            <a:noFill/>
+          </p:spPr>
+          <p:txBody>
+            <a:bodyPr wrap="square" rtlCol="0">
+              <a:spAutoFit/>
+            </a:bodyPr>
+            <a:lstStyle/>
+            <a:p>
+              <a:r>
+                <a:rPr lang="en-US" altLang="ko-KR" sz="2800" b="1" dirty="0"/>
+                <a:t>3. </a:t>
+              </a:r>
+              <a:r>
+                <a:rPr lang="ko-KR" altLang="en-US" sz="2800" b="1" dirty="0"/>
+                <a:t>클릭</a:t>
+              </a:r>
+              <a:endParaRPr lang="ko-KR" altLang="en-US" sz="1400" b="1" dirty="0"/>
+            </a:p>
+          </p:txBody>
+        </p:sp>
+        <p:sp>
+          <p:nvSpPr>
+            <p:cNvPr id="40" name="평행 사변형 39">
+              <a:extLst>
+                <a:ext uri="{FF2B5EF4-FFF2-40B4-BE49-F238E27FC236}">
+                  <a16:creationId xmlns:a16="http://schemas.microsoft.com/office/drawing/2014/main" id="{4E81B653-ED60-4FFF-82E8-2306DFEB399E}"/>
+                </a:ext>
+              </a:extLst>
+            </p:cNvPr>
+            <p:cNvSpPr/>
+            <p:nvPr/>
+          </p:nvSpPr>
+          <p:spPr>
+            <a:xfrm>
+              <a:off x="0" y="787975"/>
+              <a:ext cx="2196000" cy="64063"/>
+            </a:xfrm>
+            <a:prstGeom prst="parallelogram">
+              <a:avLst/>
+            </a:prstGeom>
+            <a:solidFill>
+              <a:schemeClr val="tx1"/>
+            </a:solidFill>
+            <a:ln>
+              <a:noFill/>
+            </a:ln>
+          </p:spPr>
+          <p:style>
+            <a:lnRef idx="2">
+              <a:schemeClr val="accent1">
+                <a:shade val="50000"/>
+              </a:schemeClr>
+            </a:lnRef>
+            <a:fillRef idx="1">
+              <a:schemeClr val="accent1"/>
+            </a:fillRef>
+            <a:effectRef idx="0">
+              <a:schemeClr val="accent1"/>
+            </a:effectRef>
+            <a:fontRef idx="minor">
+              <a:schemeClr val="lt1"/>
+            </a:fontRef>
+          </p:style>
+          <p:txBody>
+            <a:bodyPr rtlCol="0" anchor="ctr"/>
+            <a:lstStyle/>
+            <a:p>
+              <a:pPr algn="ctr"/>
+              <a:endParaRPr lang="ko-KR" altLang="en-US" dirty="0"/>
+            </a:p>
+          </p:txBody>
+        </p:sp>
+      </p:grpSp>
+      <p:grpSp>
+        <p:nvGrpSpPr>
+          <p:cNvPr id="23" name="그룹 22">
+            <a:extLst>
+              <a:ext uri="{FF2B5EF4-FFF2-40B4-BE49-F238E27FC236}">
+                <a16:creationId xmlns:a16="http://schemas.microsoft.com/office/drawing/2014/main" id="{C84C9E02-B559-4FF1-BE61-BB0CD4741D3B}"/>
+              </a:ext>
+            </a:extLst>
+          </p:cNvPr>
+          <p:cNvGrpSpPr/>
+          <p:nvPr/>
+        </p:nvGrpSpPr>
+        <p:grpSpPr>
+          <a:xfrm>
+            <a:off x="1912999" y="1165045"/>
+            <a:ext cx="8366001" cy="1914331"/>
+            <a:chOff x="7280649" y="4038167"/>
+            <a:chExt cx="4217057" cy="2389089"/>
+          </a:xfrm>
+        </p:grpSpPr>
+        <p:sp>
+          <p:nvSpPr>
+            <p:cNvPr id="24" name="직사각형 23">
+              <a:extLst>
+                <a:ext uri="{FF2B5EF4-FFF2-40B4-BE49-F238E27FC236}">
+                  <a16:creationId xmlns:a16="http://schemas.microsoft.com/office/drawing/2014/main" id="{ACB38A61-B130-493E-B257-7C7D98BBDD2B}"/>
+                </a:ext>
+              </a:extLst>
+            </p:cNvPr>
+            <p:cNvSpPr/>
+            <p:nvPr/>
+          </p:nvSpPr>
+          <p:spPr>
+            <a:xfrm>
+              <a:off x="7280649" y="4038168"/>
+              <a:ext cx="4217057" cy="2389088"/>
+            </a:xfrm>
+            <a:prstGeom prst="rect">
+              <a:avLst/>
+            </a:prstGeom>
+            <a:solidFill>
+              <a:schemeClr val="tx1"/>
+            </a:solidFill>
+            <a:ln>
+              <a:solidFill>
+                <a:schemeClr val="tx1"/>
+              </a:solidFill>
+            </a:ln>
+          </p:spPr>
+          <p:style>
+            <a:lnRef idx="2">
+              <a:schemeClr val="accent1">
+                <a:shade val="50000"/>
+              </a:schemeClr>
+            </a:lnRef>
+            <a:fillRef idx="1">
+              <a:schemeClr val="accent1"/>
+            </a:fillRef>
+            <a:effectRef idx="0">
+              <a:schemeClr val="accent1"/>
+            </a:effectRef>
+            <a:fontRef idx="minor">
+              <a:schemeClr val="lt1"/>
+            </a:fontRef>
+          </p:style>
+          <p:txBody>
+            <a:bodyPr rtlCol="0" anchor="ctr"/>
+            <a:lstStyle/>
+            <a:p>
+              <a:pPr algn="ctr"/>
+              <a:endParaRPr lang="ko-KR" altLang="en-US"/>
+            </a:p>
+          </p:txBody>
+        </p:sp>
+        <p:sp>
+          <p:nvSpPr>
+            <p:cNvPr id="25" name="직사각형 24">
+              <a:extLst>
+                <a:ext uri="{FF2B5EF4-FFF2-40B4-BE49-F238E27FC236}">
+                  <a16:creationId xmlns:a16="http://schemas.microsoft.com/office/drawing/2014/main" id="{980DB22C-A901-4481-BC3F-76F5CFF2FC78}"/>
+                </a:ext>
+              </a:extLst>
+            </p:cNvPr>
+            <p:cNvSpPr/>
+            <p:nvPr/>
+          </p:nvSpPr>
+          <p:spPr>
+            <a:xfrm>
+              <a:off x="7280649" y="4407499"/>
+              <a:ext cx="4217057" cy="2019757"/>
+            </a:xfrm>
+            <a:prstGeom prst="rect">
+              <a:avLst/>
+            </a:prstGeom>
+            <a:solidFill>
+              <a:schemeClr val="bg1"/>
+            </a:solidFill>
+            <a:ln>
+              <a:solidFill>
+                <a:schemeClr val="tx1"/>
+              </a:solidFill>
+            </a:ln>
+          </p:spPr>
+          <p:style>
+            <a:lnRef idx="2">
+              <a:schemeClr val="accent1">
+                <a:shade val="50000"/>
+              </a:schemeClr>
+            </a:lnRef>
+            <a:fillRef idx="1">
+              <a:schemeClr val="accent1"/>
+            </a:fillRef>
+            <a:effectRef idx="0">
+              <a:schemeClr val="accent1"/>
+            </a:effectRef>
+            <a:fontRef idx="minor">
+              <a:schemeClr val="lt1"/>
+            </a:fontRef>
+          </p:style>
+          <p:txBody>
+            <a:bodyPr rtlCol="0" anchor="ctr"/>
+            <a:lstStyle/>
+            <a:p>
+              <a:pPr marL="285750" indent="-285750">
+                <a:buFont typeface="Arial" panose="020B0604020202020204" pitchFamily="34" charset="0"/>
+                <a:buChar char="•"/>
+              </a:pPr>
+              <a:r>
+                <a:rPr lang="ko-KR" altLang="en-US" dirty="0">
+                  <a:solidFill>
+                    <a:schemeClr val="tx1"/>
+                  </a:solidFill>
+                </a:rPr>
+                <a:t>빠른 수익 창출 수단 제공</a:t>
+              </a:r>
+              <a:endParaRPr lang="en-US" altLang="ko-KR" dirty="0">
+                <a:solidFill>
+                  <a:schemeClr val="tx1"/>
+                </a:solidFill>
+              </a:endParaRPr>
+            </a:p>
+            <a:p>
+              <a:pPr marL="285750" indent="-285750">
+                <a:buFont typeface="Arial" panose="020B0604020202020204" pitchFamily="34" charset="0"/>
+                <a:buChar char="•"/>
+              </a:pPr>
+              <a:endParaRPr lang="en-US" altLang="ko-KR" dirty="0">
+                <a:solidFill>
+                  <a:schemeClr val="tx1"/>
+                </a:solidFill>
+              </a:endParaRPr>
+            </a:p>
+            <a:p>
+              <a:pPr marL="285750" indent="-285750">
+                <a:buFont typeface="Arial" panose="020B0604020202020204" pitchFamily="34" charset="0"/>
+                <a:buChar char="•"/>
+              </a:pPr>
+              <a:r>
+                <a:rPr lang="ko-KR" altLang="en-US" dirty="0">
+                  <a:solidFill>
+                    <a:schemeClr val="tx1"/>
+                  </a:solidFill>
+                </a:rPr>
+                <a:t>사용자 상호작용을 통해 지루함을 </a:t>
+              </a:r>
+              <a:r>
+                <a:rPr lang="ko-KR" altLang="en-US" dirty="0" err="1">
+                  <a:solidFill>
+                    <a:schemeClr val="tx1"/>
+                  </a:solidFill>
+                </a:rPr>
+                <a:t>덜어줌</a:t>
+              </a:r>
+              <a:endParaRPr lang="en-US" altLang="ko-KR" dirty="0">
+                <a:solidFill>
+                  <a:schemeClr val="tx1"/>
+                </a:solidFill>
+              </a:endParaRPr>
+            </a:p>
+            <a:p>
+              <a:pPr marL="285750" indent="-285750">
+                <a:buFont typeface="Arial" panose="020B0604020202020204" pitchFamily="34" charset="0"/>
+                <a:buChar char="•"/>
+              </a:pPr>
+              <a:endParaRPr lang="en-US" altLang="ko-KR" dirty="0">
+                <a:solidFill>
+                  <a:schemeClr val="tx1"/>
+                </a:solidFill>
+              </a:endParaRPr>
+            </a:p>
+            <a:p>
+              <a:pPr marL="285750" indent="-285750">
+                <a:buFont typeface="Arial" panose="020B0604020202020204" pitchFamily="34" charset="0"/>
+                <a:buChar char="•"/>
+              </a:pPr>
+              <a:r>
+                <a:rPr lang="ko-KR" altLang="en-US" dirty="0">
+                  <a:solidFill>
+                    <a:schemeClr val="tx1"/>
+                  </a:solidFill>
+                </a:rPr>
+                <a:t>스킬 </a:t>
+              </a:r>
+              <a:r>
+                <a:rPr lang="en-US" altLang="ko-KR" dirty="0">
+                  <a:solidFill>
+                    <a:schemeClr val="tx1"/>
+                  </a:solidFill>
+                </a:rPr>
+                <a:t>‘</a:t>
+              </a:r>
+              <a:r>
+                <a:rPr lang="ko-KR" altLang="en-US" dirty="0">
+                  <a:solidFill>
+                    <a:schemeClr val="tx1"/>
+                  </a:solidFill>
+                </a:rPr>
+                <a:t>자동 클릭</a:t>
+              </a:r>
+              <a:r>
+                <a:rPr lang="en-US" altLang="ko-KR" dirty="0">
+                  <a:solidFill>
+                    <a:schemeClr val="tx1"/>
+                  </a:solidFill>
+                </a:rPr>
+                <a:t>‘</a:t>
+              </a:r>
+              <a:r>
+                <a:rPr lang="ko-KR" altLang="en-US" dirty="0">
+                  <a:solidFill>
+                    <a:schemeClr val="tx1"/>
+                  </a:solidFill>
+                </a:rPr>
+                <a:t>의 기초 마련</a:t>
+              </a:r>
+              <a:endParaRPr lang="en-US" altLang="ko-KR" dirty="0">
+                <a:solidFill>
+                  <a:schemeClr val="tx1"/>
+                </a:solidFill>
+              </a:endParaRPr>
+            </a:p>
+          </p:txBody>
+        </p:sp>
+        <p:sp>
+          <p:nvSpPr>
+            <p:cNvPr id="26" name="TextBox 25">
+              <a:extLst>
+                <a:ext uri="{FF2B5EF4-FFF2-40B4-BE49-F238E27FC236}">
+                  <a16:creationId xmlns:a16="http://schemas.microsoft.com/office/drawing/2014/main" id="{8A314BEB-84D8-49EB-B61D-DD2705D8297D}"/>
+                </a:ext>
+              </a:extLst>
+            </p:cNvPr>
+            <p:cNvSpPr txBox="1"/>
+            <p:nvPr/>
+          </p:nvSpPr>
+          <p:spPr>
+            <a:xfrm>
+              <a:off x="7442366" y="4038167"/>
+              <a:ext cx="3881263" cy="460927"/>
+            </a:xfrm>
+            <a:prstGeom prst="rect">
+              <a:avLst/>
+            </a:prstGeom>
+            <a:noFill/>
+          </p:spPr>
+          <p:txBody>
+            <a:bodyPr wrap="square" rtlCol="0">
+              <a:spAutoFit/>
+            </a:bodyPr>
+            <a:lstStyle/>
+            <a:p>
+              <a:r>
+                <a:rPr lang="ko-KR" altLang="en-US" dirty="0">
+                  <a:solidFill>
+                    <a:schemeClr val="bg1"/>
+                  </a:solidFill>
+                </a:rPr>
+                <a:t>기획 의도</a:t>
+              </a:r>
+            </a:p>
+          </p:txBody>
+        </p:sp>
+      </p:grpSp>
+      <p:grpSp>
+        <p:nvGrpSpPr>
+          <p:cNvPr id="27" name="그룹 26">
+            <a:extLst>
+              <a:ext uri="{FF2B5EF4-FFF2-40B4-BE49-F238E27FC236}">
+                <a16:creationId xmlns:a16="http://schemas.microsoft.com/office/drawing/2014/main" id="{160A1326-049B-4E45-B122-0DD14048BC84}"/>
+              </a:ext>
+            </a:extLst>
+          </p:cNvPr>
+          <p:cNvGrpSpPr/>
+          <p:nvPr/>
+        </p:nvGrpSpPr>
+        <p:grpSpPr>
+          <a:xfrm>
+            <a:off x="1913000" y="3281083"/>
+            <a:ext cx="8366000" cy="1618392"/>
+            <a:chOff x="7280649" y="4038167"/>
+            <a:chExt cx="4217057" cy="2389089"/>
+          </a:xfrm>
+        </p:grpSpPr>
+        <p:sp>
+          <p:nvSpPr>
+            <p:cNvPr id="28" name="직사각형 27">
+              <a:extLst>
+                <a:ext uri="{FF2B5EF4-FFF2-40B4-BE49-F238E27FC236}">
+                  <a16:creationId xmlns:a16="http://schemas.microsoft.com/office/drawing/2014/main" id="{DE913486-FEB2-4295-A34F-E0046B3E6631}"/>
+                </a:ext>
+              </a:extLst>
+            </p:cNvPr>
+            <p:cNvSpPr/>
+            <p:nvPr/>
+          </p:nvSpPr>
+          <p:spPr>
+            <a:xfrm>
+              <a:off x="7280649" y="4038168"/>
+              <a:ext cx="4217057" cy="2389088"/>
+            </a:xfrm>
+            <a:prstGeom prst="rect">
+              <a:avLst/>
+            </a:prstGeom>
+            <a:solidFill>
+              <a:schemeClr val="tx1"/>
+            </a:solidFill>
+            <a:ln>
+              <a:solidFill>
+                <a:schemeClr val="tx1"/>
+              </a:solidFill>
+            </a:ln>
+          </p:spPr>
+          <p:style>
+            <a:lnRef idx="2">
+              <a:schemeClr val="accent1">
+                <a:shade val="50000"/>
+              </a:schemeClr>
+            </a:lnRef>
+            <a:fillRef idx="1">
+              <a:schemeClr val="accent1"/>
+            </a:fillRef>
+            <a:effectRef idx="0">
+              <a:schemeClr val="accent1"/>
+            </a:effectRef>
+            <a:fontRef idx="minor">
+              <a:schemeClr val="lt1"/>
+            </a:fontRef>
+          </p:style>
+          <p:txBody>
+            <a:bodyPr rtlCol="0" anchor="ctr"/>
+            <a:lstStyle/>
+            <a:p>
+              <a:pPr algn="ctr"/>
+              <a:endParaRPr lang="ko-KR" altLang="en-US"/>
+            </a:p>
+          </p:txBody>
+        </p:sp>
+        <p:sp>
+          <p:nvSpPr>
+            <p:cNvPr id="29" name="직사각형 28">
+              <a:extLst>
+                <a:ext uri="{FF2B5EF4-FFF2-40B4-BE49-F238E27FC236}">
+                  <a16:creationId xmlns:a16="http://schemas.microsoft.com/office/drawing/2014/main" id="{09EB26FB-7EFA-4EB4-B6CD-0ACF325CB301}"/>
+                </a:ext>
+              </a:extLst>
+            </p:cNvPr>
+            <p:cNvSpPr/>
+            <p:nvPr/>
+          </p:nvSpPr>
+          <p:spPr>
+            <a:xfrm>
+              <a:off x="7280649" y="4563053"/>
+              <a:ext cx="4217057" cy="1864203"/>
+            </a:xfrm>
+            <a:prstGeom prst="rect">
+              <a:avLst/>
+            </a:prstGeom>
+            <a:solidFill>
+              <a:schemeClr val="bg1"/>
+            </a:solidFill>
+            <a:ln>
+              <a:solidFill>
+                <a:schemeClr val="tx1"/>
+              </a:solidFill>
+            </a:ln>
+          </p:spPr>
+          <p:style>
+            <a:lnRef idx="2">
+              <a:schemeClr val="accent1">
+                <a:shade val="50000"/>
+              </a:schemeClr>
+            </a:lnRef>
+            <a:fillRef idx="1">
+              <a:schemeClr val="accent1"/>
+            </a:fillRef>
+            <a:effectRef idx="0">
+              <a:schemeClr val="accent1"/>
+            </a:effectRef>
+            <a:fontRef idx="minor">
+              <a:schemeClr val="lt1"/>
+            </a:fontRef>
+          </p:style>
+          <p:txBody>
+            <a:bodyPr rtlCol="0" anchor="ctr"/>
+            <a:lstStyle/>
+            <a:p>
+              <a:r>
+                <a:rPr lang="en-US" altLang="ko-KR" dirty="0">
+                  <a:solidFill>
+                    <a:schemeClr val="tx1"/>
+                  </a:solidFill>
+                </a:rPr>
+                <a:t>if(Touch UI</a:t>
+              </a:r>
+              <a:r>
+                <a:rPr lang="ko-KR" altLang="en-US" dirty="0">
+                  <a:solidFill>
+                    <a:schemeClr val="tx1"/>
+                  </a:solidFill>
+                </a:rPr>
+                <a:t>부를 제외한 화면</a:t>
+              </a:r>
+              <a:r>
+                <a:rPr lang="en-US" altLang="ko-KR" dirty="0">
+                  <a:solidFill>
+                    <a:schemeClr val="tx1"/>
+                  </a:solidFill>
+                </a:rPr>
+                <a:t>):</a:t>
+              </a:r>
+            </a:p>
+            <a:p>
+              <a:pPr lvl="1"/>
+              <a:r>
+                <a:rPr lang="en-US" altLang="ko-KR" dirty="0" err="1">
+                  <a:solidFill>
+                    <a:schemeClr val="tx1"/>
+                  </a:solidFill>
+                </a:rPr>
+                <a:t>PlayerInfo.Carrot</a:t>
+              </a:r>
+              <a:r>
+                <a:rPr lang="en-US" altLang="ko-KR" dirty="0">
+                  <a:solidFill>
+                    <a:schemeClr val="tx1"/>
+                  </a:solidFill>
+                </a:rPr>
+                <a:t> += </a:t>
+              </a:r>
+              <a:r>
+                <a:rPr lang="en-US" altLang="ko-KR" dirty="0" err="1">
+                  <a:solidFill>
+                    <a:schemeClr val="tx1"/>
+                  </a:solidFill>
+                </a:rPr>
+                <a:t>PlayerInfo.ClickEarning</a:t>
+              </a:r>
+              <a:r>
+                <a:rPr lang="en-US" altLang="ko-KR" dirty="0">
+                  <a:solidFill>
+                    <a:schemeClr val="tx1"/>
+                  </a:solidFill>
+                </a:rPr>
+                <a:t>;</a:t>
+              </a:r>
+            </a:p>
+          </p:txBody>
+        </p:sp>
+        <p:sp>
+          <p:nvSpPr>
+            <p:cNvPr id="30" name="TextBox 29">
+              <a:extLst>
+                <a:ext uri="{FF2B5EF4-FFF2-40B4-BE49-F238E27FC236}">
+                  <a16:creationId xmlns:a16="http://schemas.microsoft.com/office/drawing/2014/main" id="{31124B04-08EF-4511-83A0-79C2AA47F41F}"/>
+                </a:ext>
+              </a:extLst>
+            </p:cNvPr>
+            <p:cNvSpPr txBox="1"/>
+            <p:nvPr/>
+          </p:nvSpPr>
+          <p:spPr>
+            <a:xfrm>
+              <a:off x="7442366" y="4038167"/>
+              <a:ext cx="3881263" cy="382263"/>
+            </a:xfrm>
+            <a:prstGeom prst="rect">
+              <a:avLst/>
+            </a:prstGeom>
+            <a:noFill/>
+          </p:spPr>
+          <p:txBody>
+            <a:bodyPr wrap="square" rtlCol="0">
+              <a:spAutoFit/>
+            </a:bodyPr>
+            <a:lstStyle/>
+            <a:p>
+              <a:r>
+                <a:rPr lang="ko-KR" altLang="en-US" dirty="0">
+                  <a:solidFill>
+                    <a:schemeClr val="bg1"/>
+                  </a:solidFill>
+                </a:rPr>
+                <a:t>상세 설명</a:t>
+              </a:r>
+            </a:p>
+          </p:txBody>
+        </p:sp>
+      </p:grpSp>
+      <p:grpSp>
+        <p:nvGrpSpPr>
+          <p:cNvPr id="17" name="그룹 16">
+            <a:extLst>
+              <a:ext uri="{FF2B5EF4-FFF2-40B4-BE49-F238E27FC236}">
+                <a16:creationId xmlns:a16="http://schemas.microsoft.com/office/drawing/2014/main" id="{782F70C9-3821-4FD6-9E68-B9898D1B7113}"/>
+              </a:ext>
+            </a:extLst>
+          </p:cNvPr>
+          <p:cNvGrpSpPr/>
+          <p:nvPr/>
+        </p:nvGrpSpPr>
+        <p:grpSpPr>
+          <a:xfrm>
+            <a:off x="1913000" y="5051349"/>
+            <a:ext cx="8366000" cy="1618392"/>
+            <a:chOff x="7280649" y="4038167"/>
+            <a:chExt cx="4217057" cy="2389089"/>
+          </a:xfrm>
+        </p:grpSpPr>
+        <p:sp>
+          <p:nvSpPr>
+            <p:cNvPr id="18" name="직사각형 17">
+              <a:extLst>
+                <a:ext uri="{FF2B5EF4-FFF2-40B4-BE49-F238E27FC236}">
+                  <a16:creationId xmlns:a16="http://schemas.microsoft.com/office/drawing/2014/main" id="{9853558E-8F43-454B-A327-FFB5478A3BFE}"/>
+                </a:ext>
+              </a:extLst>
+            </p:cNvPr>
+            <p:cNvSpPr/>
+            <p:nvPr/>
+          </p:nvSpPr>
+          <p:spPr>
+            <a:xfrm>
+              <a:off x="7280649" y="4038168"/>
+              <a:ext cx="4217057" cy="2389088"/>
+            </a:xfrm>
+            <a:prstGeom prst="rect">
+              <a:avLst/>
+            </a:prstGeom>
+            <a:solidFill>
+              <a:schemeClr val="tx1"/>
+            </a:solidFill>
+            <a:ln>
+              <a:solidFill>
+                <a:schemeClr val="tx1"/>
+              </a:solidFill>
+            </a:ln>
+          </p:spPr>
+          <p:style>
+            <a:lnRef idx="2">
+              <a:schemeClr val="accent1">
+                <a:shade val="50000"/>
+              </a:schemeClr>
+            </a:lnRef>
+            <a:fillRef idx="1">
+              <a:schemeClr val="accent1"/>
+            </a:fillRef>
+            <a:effectRef idx="0">
+              <a:schemeClr val="accent1"/>
+            </a:effectRef>
+            <a:fontRef idx="minor">
+              <a:schemeClr val="lt1"/>
+            </a:fontRef>
+          </p:style>
+          <p:txBody>
+            <a:bodyPr rtlCol="0" anchor="ctr"/>
+            <a:lstStyle/>
+            <a:p>
+              <a:pPr algn="ctr"/>
+              <a:endParaRPr lang="ko-KR" altLang="en-US"/>
+            </a:p>
+          </p:txBody>
+        </p:sp>
+        <p:sp>
+          <p:nvSpPr>
+            <p:cNvPr id="19" name="직사각형 18">
+              <a:extLst>
+                <a:ext uri="{FF2B5EF4-FFF2-40B4-BE49-F238E27FC236}">
+                  <a16:creationId xmlns:a16="http://schemas.microsoft.com/office/drawing/2014/main" id="{0B739DB0-8073-46FD-81B6-95AB05113650}"/>
+                </a:ext>
+              </a:extLst>
+            </p:cNvPr>
+            <p:cNvSpPr/>
+            <p:nvPr/>
+          </p:nvSpPr>
+          <p:spPr>
+            <a:xfrm>
+              <a:off x="7280649" y="4563053"/>
+              <a:ext cx="4217057" cy="1864203"/>
+            </a:xfrm>
+            <a:prstGeom prst="rect">
+              <a:avLst/>
+            </a:prstGeom>
+            <a:solidFill>
+              <a:schemeClr val="bg1"/>
+            </a:solidFill>
+            <a:ln>
+              <a:solidFill>
+                <a:schemeClr val="tx1"/>
+              </a:solidFill>
+            </a:ln>
+          </p:spPr>
+          <p:style>
+            <a:lnRef idx="2">
+              <a:schemeClr val="accent1">
+                <a:shade val="50000"/>
+              </a:schemeClr>
+            </a:lnRef>
+            <a:fillRef idx="1">
+              <a:schemeClr val="accent1"/>
+            </a:fillRef>
+            <a:effectRef idx="0">
+              <a:schemeClr val="accent1"/>
+            </a:effectRef>
+            <a:fontRef idx="minor">
+              <a:schemeClr val="lt1"/>
+            </a:fontRef>
+          </p:style>
+          <p:txBody>
+            <a:bodyPr rtlCol="0" anchor="ctr"/>
+            <a:lstStyle/>
+            <a:p>
+              <a:r>
+                <a:rPr lang="en-US" altLang="ko-KR" dirty="0">
+                  <a:solidFill>
+                    <a:schemeClr val="tx1"/>
+                  </a:solidFill>
+                </a:rPr>
+                <a:t>if(Input(</a:t>
+              </a:r>
+              <a:r>
+                <a:rPr lang="en-US" altLang="ko-KR" dirty="0" err="1">
+                  <a:solidFill>
+                    <a:schemeClr val="tx1"/>
+                  </a:solidFill>
+                </a:rPr>
+                <a:t>LvUp</a:t>
+              </a:r>
+              <a:r>
+                <a:rPr lang="en-US" altLang="ko-KR" dirty="0">
+                  <a:solidFill>
+                    <a:schemeClr val="tx1"/>
+                  </a:solidFill>
+                </a:rPr>
+                <a:t>)):</a:t>
+              </a:r>
+            </a:p>
+            <a:p>
+              <a:pPr lvl="1"/>
+              <a:r>
+                <a:rPr lang="en-US" altLang="ko-KR" dirty="0" err="1">
+                  <a:solidFill>
+                    <a:schemeClr val="tx1"/>
+                  </a:solidFill>
+                </a:rPr>
+                <a:t>ClickLV</a:t>
+              </a:r>
+              <a:r>
+                <a:rPr lang="en-US" altLang="ko-KR" dirty="0">
+                  <a:solidFill>
+                    <a:schemeClr val="tx1"/>
+                  </a:solidFill>
+                </a:rPr>
+                <a:t>++;</a:t>
+              </a:r>
+              <a:br>
+                <a:rPr lang="en-US" altLang="ko-KR" dirty="0">
+                  <a:solidFill>
+                    <a:schemeClr val="tx1"/>
+                  </a:solidFill>
+                </a:rPr>
+              </a:br>
+              <a:r>
+                <a:rPr lang="en-US" altLang="ko-KR" dirty="0">
+                  <a:solidFill>
+                    <a:schemeClr val="tx1"/>
+                  </a:solidFill>
+                </a:rPr>
+                <a:t>Compute </a:t>
+              </a:r>
+              <a:r>
+                <a:rPr lang="en-US" altLang="ko-KR" dirty="0" err="1">
+                  <a:solidFill>
+                    <a:schemeClr val="tx1"/>
+                  </a:solidFill>
+                </a:rPr>
+                <a:t>ClickEarning</a:t>
+              </a:r>
+              <a:r>
+                <a:rPr lang="en-US" altLang="ko-KR" dirty="0">
+                  <a:solidFill>
+                    <a:schemeClr val="tx1"/>
+                  </a:solidFill>
+                </a:rPr>
+                <a:t>;</a:t>
+              </a:r>
+            </a:p>
+          </p:txBody>
+        </p:sp>
+        <p:sp>
+          <p:nvSpPr>
+            <p:cNvPr id="20" name="TextBox 19">
+              <a:extLst>
+                <a:ext uri="{FF2B5EF4-FFF2-40B4-BE49-F238E27FC236}">
+                  <a16:creationId xmlns:a16="http://schemas.microsoft.com/office/drawing/2014/main" id="{70FDC633-9423-4256-86E6-315F8CE6FC93}"/>
+                </a:ext>
+              </a:extLst>
+            </p:cNvPr>
+            <p:cNvSpPr txBox="1"/>
+            <p:nvPr/>
+          </p:nvSpPr>
+          <p:spPr>
+            <a:xfrm>
+              <a:off x="7442366" y="4038167"/>
+              <a:ext cx="3881263" cy="545212"/>
+            </a:xfrm>
+            <a:prstGeom prst="rect">
+              <a:avLst/>
+            </a:prstGeom>
+            <a:noFill/>
+          </p:spPr>
+          <p:txBody>
+            <a:bodyPr wrap="square" rtlCol="0">
+              <a:spAutoFit/>
+            </a:bodyPr>
+            <a:lstStyle/>
+            <a:p>
+              <a:r>
+                <a:rPr lang="ko-KR" altLang="en-US" dirty="0">
+                  <a:solidFill>
+                    <a:schemeClr val="bg1"/>
+                  </a:solidFill>
+                </a:rPr>
+                <a:t>클릭 </a:t>
+              </a:r>
+              <a:r>
+                <a:rPr lang="en-US" altLang="ko-KR" dirty="0">
+                  <a:solidFill>
+                    <a:schemeClr val="bg1"/>
+                  </a:solidFill>
+                </a:rPr>
+                <a:t>LV Up </a:t>
+              </a:r>
+              <a:r>
+                <a:rPr lang="ko-KR" altLang="en-US" dirty="0">
+                  <a:solidFill>
+                    <a:schemeClr val="bg1"/>
+                  </a:solidFill>
+                </a:rPr>
+                <a:t>상세</a:t>
+              </a:r>
+            </a:p>
+          </p:txBody>
+        </p:sp>
+      </p:grpSp>
+    </p:spTree>
+    <p:extLst>
+      <p:ext uri="{BB962C8B-B14F-4D97-AF65-F5344CB8AC3E}">
+        <p14:creationId xmlns:p14="http://schemas.microsoft.com/office/powerpoint/2010/main" val="2255098252"/>
+      </p:ext>
+    </p:extLst>
+  </p:cSld>
+  <p:clrMapOvr>
+    <a:masterClrMapping/>
+  </p:clrMapOvr>
+</p:sld>
+</file>
+
+<file path=ppt/slides/slide15.xml><?xml version="1.0" encoding="utf-8"?>
+<p:sld xmlns:a="http://schemas.openxmlformats.org/drawingml/2006/main" xmlns:r="http://schemas.openxmlformats.org/officeDocument/2006/relationships" xmlns:p="http://schemas.openxmlformats.org/presentationml/2006/main">
+  <p:cSld>
+    <p:spTree>
+      <p:nvGrpSpPr>
+        <p:cNvPr id="1" name=""/>
+        <p:cNvGrpSpPr/>
+        <p:nvPr/>
+      </p:nvGrpSpPr>
+      <p:grpSpPr>
+        <a:xfrm>
+          <a:off x="0" y="0"/>
+          <a:ext cx="0" cy="0"/>
+          <a:chOff x="0" y="0"/>
+          <a:chExt cx="0" cy="0"/>
+        </a:xfrm>
+      </p:grpSpPr>
+      <p:sp>
+        <p:nvSpPr>
+          <p:cNvPr id="2" name="제목 1">
+            <a:extLst>
+              <a:ext uri="{FF2B5EF4-FFF2-40B4-BE49-F238E27FC236}">
+                <a16:creationId xmlns:a16="http://schemas.microsoft.com/office/drawing/2014/main" id="{A65DD9F9-8EAF-4F2C-B12F-36C05D6E3EB0}"/>
+              </a:ext>
+            </a:extLst>
+          </p:cNvPr>
+          <p:cNvSpPr>
+            <a:spLocks noGrp="1"/>
+          </p:cNvSpPr>
+          <p:nvPr>
+            <p:ph type="ctrTitle"/>
+          </p:nvPr>
+        </p:nvSpPr>
+        <p:spPr>
+          <a:xfrm>
+            <a:off x="1280293" y="1218140"/>
+            <a:ext cx="9631413" cy="2712738"/>
+          </a:xfrm>
+        </p:spPr>
+        <p:txBody>
+          <a:bodyPr/>
+          <a:lstStyle/>
+          <a:p>
+            <a:r>
+              <a:rPr lang="en-US" altLang="ko-KR" dirty="0"/>
+              <a:t>4. </a:t>
+            </a:r>
+            <a:r>
+              <a:rPr lang="ko-KR" altLang="en-US" dirty="0"/>
+              <a:t>액티브 스킬 시스템</a:t>
+            </a:r>
+          </a:p>
+        </p:txBody>
+      </p:sp>
+    </p:spTree>
+    <p:extLst>
+      <p:ext uri="{BB962C8B-B14F-4D97-AF65-F5344CB8AC3E}">
+        <p14:creationId xmlns:p14="http://schemas.microsoft.com/office/powerpoint/2010/main" val="786661725"/>
+      </p:ext>
+    </p:extLst>
+  </p:cSld>
+  <p:clrMapOvr>
+    <a:masterClrMapping/>
+  </p:clrMapOvr>
+</p:sld>
+</file>
+
+<file path=ppt/slides/slide16.xml><?xml version="1.0" encoding="utf-8"?>
+<p:sld xmlns:a="http://schemas.openxmlformats.org/drawingml/2006/main" xmlns:r="http://schemas.openxmlformats.org/officeDocument/2006/relationships" xmlns:p="http://schemas.openxmlformats.org/presentationml/2006/main">
+  <p:cSld>
+    <p:spTree>
+      <p:nvGrpSpPr>
+        <p:cNvPr id="1" name=""/>
+        <p:cNvGrpSpPr/>
+        <p:nvPr/>
+      </p:nvGrpSpPr>
+      <p:grpSpPr>
+        <a:xfrm>
+          <a:off x="0" y="0"/>
+          <a:ext cx="0" cy="0"/>
+          <a:chOff x="0" y="0"/>
+          <a:chExt cx="0" cy="0"/>
+        </a:xfrm>
+      </p:grpSpPr>
+      <p:grpSp>
+        <p:nvGrpSpPr>
+          <p:cNvPr id="38" name="그룹 37">
+            <a:extLst>
+              <a:ext uri="{FF2B5EF4-FFF2-40B4-BE49-F238E27FC236}">
+                <a16:creationId xmlns:a16="http://schemas.microsoft.com/office/drawing/2014/main" id="{1D8E532E-9E14-4EC0-9A5D-C7F11045D019}"/>
+              </a:ext>
+            </a:extLst>
+          </p:cNvPr>
+          <p:cNvGrpSpPr/>
+          <p:nvPr/>
+        </p:nvGrpSpPr>
+        <p:grpSpPr>
+          <a:xfrm>
+            <a:off x="-1" y="99367"/>
+            <a:ext cx="2810435" cy="620714"/>
+            <a:chOff x="0" y="231324"/>
+            <a:chExt cx="2341178" cy="620714"/>
+          </a:xfrm>
+        </p:grpSpPr>
+        <p:sp>
+          <p:nvSpPr>
+            <p:cNvPr id="39" name="TextBox 38">
+              <a:extLst>
+                <a:ext uri="{FF2B5EF4-FFF2-40B4-BE49-F238E27FC236}">
+                  <a16:creationId xmlns:a16="http://schemas.microsoft.com/office/drawing/2014/main" id="{6CDC6D6B-2C6F-4506-A1A4-B60E366A7E7F}"/>
+                </a:ext>
+              </a:extLst>
+            </p:cNvPr>
+            <p:cNvSpPr txBox="1"/>
+            <p:nvPr/>
+          </p:nvSpPr>
+          <p:spPr>
+            <a:xfrm>
+              <a:off x="0" y="231324"/>
+              <a:ext cx="2341178" cy="523220"/>
+            </a:xfrm>
+            <a:prstGeom prst="rect">
+              <a:avLst/>
+            </a:prstGeom>
+            <a:noFill/>
+          </p:spPr>
+          <p:txBody>
+            <a:bodyPr wrap="square" rtlCol="0">
+              <a:spAutoFit/>
+            </a:bodyPr>
+            <a:lstStyle/>
+            <a:p>
+              <a:r>
+                <a:rPr lang="en-US" altLang="ko-KR" sz="2800" b="1" dirty="0"/>
+                <a:t>4. </a:t>
+              </a:r>
+              <a:r>
+                <a:rPr lang="ko-KR" altLang="en-US" sz="2800" b="1" dirty="0"/>
+                <a:t>액티브 스킬</a:t>
+              </a:r>
+              <a:endParaRPr lang="ko-KR" altLang="en-US" sz="1400" b="1" dirty="0"/>
+            </a:p>
+          </p:txBody>
+        </p:sp>
+        <p:sp>
+          <p:nvSpPr>
+            <p:cNvPr id="40" name="평행 사변형 39">
+              <a:extLst>
+                <a:ext uri="{FF2B5EF4-FFF2-40B4-BE49-F238E27FC236}">
+                  <a16:creationId xmlns:a16="http://schemas.microsoft.com/office/drawing/2014/main" id="{4E81B653-ED60-4FFF-82E8-2306DFEB399E}"/>
+                </a:ext>
+              </a:extLst>
+            </p:cNvPr>
+            <p:cNvSpPr/>
+            <p:nvPr/>
+          </p:nvSpPr>
+          <p:spPr>
+            <a:xfrm>
+              <a:off x="0" y="787975"/>
+              <a:ext cx="2196000" cy="64063"/>
+            </a:xfrm>
+            <a:prstGeom prst="parallelogram">
+              <a:avLst/>
+            </a:prstGeom>
+            <a:solidFill>
+              <a:schemeClr val="tx1"/>
+            </a:solidFill>
+            <a:ln>
+              <a:noFill/>
+            </a:ln>
+          </p:spPr>
+          <p:style>
+            <a:lnRef idx="2">
+              <a:schemeClr val="accent1">
+                <a:shade val="50000"/>
+              </a:schemeClr>
+            </a:lnRef>
+            <a:fillRef idx="1">
+              <a:schemeClr val="accent1"/>
+            </a:fillRef>
+            <a:effectRef idx="0">
+              <a:schemeClr val="accent1"/>
+            </a:effectRef>
+            <a:fontRef idx="minor">
+              <a:schemeClr val="lt1"/>
+            </a:fontRef>
+          </p:style>
+          <p:txBody>
+            <a:bodyPr rtlCol="0" anchor="ctr"/>
+            <a:lstStyle/>
+            <a:p>
+              <a:pPr algn="ctr"/>
+              <a:endParaRPr lang="ko-KR" altLang="en-US" dirty="0"/>
+            </a:p>
+          </p:txBody>
+        </p:sp>
+      </p:grpSp>
+      <p:grpSp>
+        <p:nvGrpSpPr>
+          <p:cNvPr id="23" name="그룹 22">
+            <a:extLst>
+              <a:ext uri="{FF2B5EF4-FFF2-40B4-BE49-F238E27FC236}">
+                <a16:creationId xmlns:a16="http://schemas.microsoft.com/office/drawing/2014/main" id="{C84C9E02-B559-4FF1-BE61-BB0CD4741D3B}"/>
+              </a:ext>
+            </a:extLst>
+          </p:cNvPr>
+          <p:cNvGrpSpPr/>
+          <p:nvPr/>
+        </p:nvGrpSpPr>
+        <p:grpSpPr>
+          <a:xfrm>
+            <a:off x="1912999" y="1514669"/>
+            <a:ext cx="8366001" cy="1914331"/>
+            <a:chOff x="7280649" y="4038167"/>
+            <a:chExt cx="4217057" cy="2389089"/>
+          </a:xfrm>
+        </p:grpSpPr>
+        <p:sp>
+          <p:nvSpPr>
+            <p:cNvPr id="24" name="직사각형 23">
+              <a:extLst>
+                <a:ext uri="{FF2B5EF4-FFF2-40B4-BE49-F238E27FC236}">
+                  <a16:creationId xmlns:a16="http://schemas.microsoft.com/office/drawing/2014/main" id="{ACB38A61-B130-493E-B257-7C7D98BBDD2B}"/>
+                </a:ext>
+              </a:extLst>
+            </p:cNvPr>
+            <p:cNvSpPr/>
+            <p:nvPr/>
+          </p:nvSpPr>
+          <p:spPr>
+            <a:xfrm>
+              <a:off x="7280649" y="4038168"/>
+              <a:ext cx="4217057" cy="2389088"/>
+            </a:xfrm>
+            <a:prstGeom prst="rect">
+              <a:avLst/>
+            </a:prstGeom>
+            <a:solidFill>
+              <a:schemeClr val="tx1"/>
+            </a:solidFill>
+            <a:ln>
+              <a:solidFill>
+                <a:schemeClr val="tx1"/>
+              </a:solidFill>
+            </a:ln>
+          </p:spPr>
+          <p:style>
+            <a:lnRef idx="2">
+              <a:schemeClr val="accent1">
+                <a:shade val="50000"/>
+              </a:schemeClr>
+            </a:lnRef>
+            <a:fillRef idx="1">
+              <a:schemeClr val="accent1"/>
+            </a:fillRef>
+            <a:effectRef idx="0">
+              <a:schemeClr val="accent1"/>
+            </a:effectRef>
+            <a:fontRef idx="minor">
+              <a:schemeClr val="lt1"/>
+            </a:fontRef>
+          </p:style>
+          <p:txBody>
+            <a:bodyPr rtlCol="0" anchor="ctr"/>
+            <a:lstStyle/>
+            <a:p>
+              <a:pPr algn="ctr"/>
+              <a:endParaRPr lang="ko-KR" altLang="en-US"/>
+            </a:p>
+          </p:txBody>
+        </p:sp>
+        <p:sp>
+          <p:nvSpPr>
+            <p:cNvPr id="25" name="직사각형 24">
+              <a:extLst>
+                <a:ext uri="{FF2B5EF4-FFF2-40B4-BE49-F238E27FC236}">
+                  <a16:creationId xmlns:a16="http://schemas.microsoft.com/office/drawing/2014/main" id="{980DB22C-A901-4481-BC3F-76F5CFF2FC78}"/>
+                </a:ext>
+              </a:extLst>
+            </p:cNvPr>
+            <p:cNvSpPr/>
+            <p:nvPr/>
+          </p:nvSpPr>
+          <p:spPr>
+            <a:xfrm>
+              <a:off x="7280649" y="4407499"/>
+              <a:ext cx="4217057" cy="2019757"/>
+            </a:xfrm>
+            <a:prstGeom prst="rect">
+              <a:avLst/>
+            </a:prstGeom>
+            <a:solidFill>
+              <a:schemeClr val="bg1"/>
+            </a:solidFill>
+            <a:ln>
+              <a:solidFill>
+                <a:schemeClr val="tx1"/>
+              </a:solidFill>
+            </a:ln>
+          </p:spPr>
+          <p:style>
+            <a:lnRef idx="2">
+              <a:schemeClr val="accent1">
+                <a:shade val="50000"/>
+              </a:schemeClr>
+            </a:lnRef>
+            <a:fillRef idx="1">
+              <a:schemeClr val="accent1"/>
+            </a:fillRef>
+            <a:effectRef idx="0">
+              <a:schemeClr val="accent1"/>
+            </a:effectRef>
+            <a:fontRef idx="minor">
+              <a:schemeClr val="lt1"/>
+            </a:fontRef>
+          </p:style>
+          <p:txBody>
+            <a:bodyPr rtlCol="0" anchor="ctr"/>
+            <a:lstStyle/>
+            <a:p>
+              <a:pPr marL="285750" indent="-285750">
+                <a:buFont typeface="Arial" panose="020B0604020202020204" pitchFamily="34" charset="0"/>
+                <a:buChar char="•"/>
+              </a:pPr>
+              <a:r>
+                <a:rPr lang="ko-KR" altLang="en-US" dirty="0">
+                  <a:solidFill>
+                    <a:schemeClr val="tx1"/>
+                  </a:solidFill>
+                </a:rPr>
+                <a:t>작성 중</a:t>
+              </a:r>
+              <a:endParaRPr lang="en-US" altLang="ko-KR" dirty="0">
+                <a:solidFill>
+                  <a:schemeClr val="tx1"/>
+                </a:solidFill>
+              </a:endParaRPr>
+            </a:p>
+          </p:txBody>
+        </p:sp>
+        <p:sp>
+          <p:nvSpPr>
+            <p:cNvPr id="26" name="TextBox 25">
+              <a:extLst>
+                <a:ext uri="{FF2B5EF4-FFF2-40B4-BE49-F238E27FC236}">
+                  <a16:creationId xmlns:a16="http://schemas.microsoft.com/office/drawing/2014/main" id="{8A314BEB-84D8-49EB-B61D-DD2705D8297D}"/>
+                </a:ext>
+              </a:extLst>
+            </p:cNvPr>
+            <p:cNvSpPr txBox="1"/>
+            <p:nvPr/>
+          </p:nvSpPr>
+          <p:spPr>
+            <a:xfrm>
+              <a:off x="7442366" y="4038167"/>
+              <a:ext cx="3881263" cy="460927"/>
+            </a:xfrm>
+            <a:prstGeom prst="rect">
+              <a:avLst/>
+            </a:prstGeom>
+            <a:noFill/>
+          </p:spPr>
+          <p:txBody>
+            <a:bodyPr wrap="square" rtlCol="0">
+              <a:spAutoFit/>
+            </a:bodyPr>
+            <a:lstStyle/>
+            <a:p>
+              <a:r>
+                <a:rPr lang="ko-KR" altLang="en-US" dirty="0">
+                  <a:solidFill>
+                    <a:schemeClr val="bg1"/>
+                  </a:solidFill>
+                </a:rPr>
+                <a:t>기획 의도</a:t>
+              </a:r>
+            </a:p>
+          </p:txBody>
+        </p:sp>
+      </p:grpSp>
+      <p:grpSp>
+        <p:nvGrpSpPr>
+          <p:cNvPr id="27" name="그룹 26">
+            <a:extLst>
+              <a:ext uri="{FF2B5EF4-FFF2-40B4-BE49-F238E27FC236}">
+                <a16:creationId xmlns:a16="http://schemas.microsoft.com/office/drawing/2014/main" id="{160A1326-049B-4E45-B122-0DD14048BC84}"/>
+              </a:ext>
+            </a:extLst>
+          </p:cNvPr>
+          <p:cNvGrpSpPr/>
+          <p:nvPr/>
+        </p:nvGrpSpPr>
+        <p:grpSpPr>
+          <a:xfrm>
+            <a:off x="1913000" y="3893708"/>
+            <a:ext cx="8366000" cy="2308274"/>
+            <a:chOff x="7280649" y="4038167"/>
+            <a:chExt cx="4217057" cy="2389089"/>
+          </a:xfrm>
+        </p:grpSpPr>
+        <p:sp>
+          <p:nvSpPr>
+            <p:cNvPr id="28" name="직사각형 27">
+              <a:extLst>
+                <a:ext uri="{FF2B5EF4-FFF2-40B4-BE49-F238E27FC236}">
+                  <a16:creationId xmlns:a16="http://schemas.microsoft.com/office/drawing/2014/main" id="{DE913486-FEB2-4295-A34F-E0046B3E6631}"/>
+                </a:ext>
+              </a:extLst>
+            </p:cNvPr>
+            <p:cNvSpPr/>
+            <p:nvPr/>
+          </p:nvSpPr>
+          <p:spPr>
+            <a:xfrm>
+              <a:off x="7280649" y="4038168"/>
+              <a:ext cx="4217057" cy="2389088"/>
+            </a:xfrm>
+            <a:prstGeom prst="rect">
+              <a:avLst/>
+            </a:prstGeom>
+            <a:solidFill>
+              <a:schemeClr val="tx1"/>
+            </a:solidFill>
+            <a:ln>
+              <a:solidFill>
+                <a:schemeClr val="tx1"/>
+              </a:solidFill>
+            </a:ln>
+          </p:spPr>
+          <p:style>
+            <a:lnRef idx="2">
+              <a:schemeClr val="accent1">
+                <a:shade val="50000"/>
+              </a:schemeClr>
+            </a:lnRef>
+            <a:fillRef idx="1">
+              <a:schemeClr val="accent1"/>
+            </a:fillRef>
+            <a:effectRef idx="0">
+              <a:schemeClr val="accent1"/>
+            </a:effectRef>
+            <a:fontRef idx="minor">
+              <a:schemeClr val="lt1"/>
+            </a:fontRef>
+          </p:style>
+          <p:txBody>
+            <a:bodyPr rtlCol="0" anchor="ctr"/>
+            <a:lstStyle/>
+            <a:p>
+              <a:pPr algn="ctr"/>
+              <a:endParaRPr lang="ko-KR" altLang="en-US"/>
+            </a:p>
+          </p:txBody>
+        </p:sp>
+        <p:sp>
+          <p:nvSpPr>
+            <p:cNvPr id="29" name="직사각형 28">
+              <a:extLst>
+                <a:ext uri="{FF2B5EF4-FFF2-40B4-BE49-F238E27FC236}">
+                  <a16:creationId xmlns:a16="http://schemas.microsoft.com/office/drawing/2014/main" id="{09EB26FB-7EFA-4EB4-B6CD-0ACF325CB301}"/>
+                </a:ext>
+              </a:extLst>
+            </p:cNvPr>
+            <p:cNvSpPr/>
+            <p:nvPr/>
+          </p:nvSpPr>
+          <p:spPr>
+            <a:xfrm>
+              <a:off x="7280649" y="4407499"/>
+              <a:ext cx="4217057" cy="2019757"/>
+            </a:xfrm>
+            <a:prstGeom prst="rect">
+              <a:avLst/>
+            </a:prstGeom>
+            <a:solidFill>
+              <a:schemeClr val="bg1"/>
+            </a:solidFill>
+            <a:ln>
+              <a:solidFill>
+                <a:schemeClr val="tx1"/>
+              </a:solidFill>
+            </a:ln>
+          </p:spPr>
+          <p:style>
+            <a:lnRef idx="2">
+              <a:schemeClr val="accent1">
+                <a:shade val="50000"/>
+              </a:schemeClr>
+            </a:lnRef>
+            <a:fillRef idx="1">
+              <a:schemeClr val="accent1"/>
+            </a:fillRef>
+            <a:effectRef idx="0">
+              <a:schemeClr val="accent1"/>
+            </a:effectRef>
+            <a:fontRef idx="minor">
+              <a:schemeClr val="lt1"/>
+            </a:fontRef>
+          </p:style>
+          <p:txBody>
+            <a:bodyPr rtlCol="0" anchor="ctr"/>
+            <a:lstStyle/>
+            <a:p>
+              <a:pPr marL="285750" indent="-285750">
+                <a:buFont typeface="Arial" panose="020B0604020202020204" pitchFamily="34" charset="0"/>
+                <a:buChar char="•"/>
+              </a:pPr>
+              <a:r>
+                <a:rPr lang="ko-KR" altLang="en-US" dirty="0">
+                  <a:solidFill>
+                    <a:schemeClr val="tx1"/>
+                  </a:solidFill>
+                </a:rPr>
+                <a:t>작성 중</a:t>
+              </a:r>
+              <a:endParaRPr lang="en-US" altLang="ko-KR" dirty="0">
+                <a:solidFill>
+                  <a:schemeClr val="tx1"/>
+                </a:solidFill>
+              </a:endParaRPr>
+            </a:p>
+          </p:txBody>
+        </p:sp>
+        <p:sp>
+          <p:nvSpPr>
+            <p:cNvPr id="30" name="TextBox 29">
+              <a:extLst>
+                <a:ext uri="{FF2B5EF4-FFF2-40B4-BE49-F238E27FC236}">
+                  <a16:creationId xmlns:a16="http://schemas.microsoft.com/office/drawing/2014/main" id="{31124B04-08EF-4511-83A0-79C2AA47F41F}"/>
+                </a:ext>
+              </a:extLst>
+            </p:cNvPr>
+            <p:cNvSpPr txBox="1"/>
+            <p:nvPr/>
+          </p:nvSpPr>
+          <p:spPr>
+            <a:xfrm>
+              <a:off x="7442366" y="4038167"/>
+              <a:ext cx="3881263" cy="460927"/>
+            </a:xfrm>
+            <a:prstGeom prst="rect">
+              <a:avLst/>
+            </a:prstGeom>
+            <a:noFill/>
+          </p:spPr>
+          <p:txBody>
+            <a:bodyPr wrap="square" rtlCol="0">
+              <a:spAutoFit/>
+            </a:bodyPr>
+            <a:lstStyle/>
+            <a:p>
+              <a:r>
+                <a:rPr lang="ko-KR" altLang="en-US" dirty="0">
+                  <a:solidFill>
+                    <a:schemeClr val="bg1"/>
+                  </a:solidFill>
+                </a:rPr>
+                <a:t>개요</a:t>
+              </a:r>
+            </a:p>
+          </p:txBody>
+        </p:sp>
+      </p:grpSp>
+    </p:spTree>
+    <p:extLst>
+      <p:ext uri="{BB962C8B-B14F-4D97-AF65-F5344CB8AC3E}">
+        <p14:creationId xmlns:p14="http://schemas.microsoft.com/office/powerpoint/2010/main" val="3360322605"/>
+      </p:ext>
+    </p:extLst>
+  </p:cSld>
+  <p:clrMapOvr>
+    <a:masterClrMapping/>
+  </p:clrMapOvr>
+</p:sld>
+</file>
+
+<file path=ppt/slides/slide17.xml><?xml version="1.0" encoding="utf-8"?>
+<p:sld xmlns:a="http://schemas.openxmlformats.org/drawingml/2006/main" xmlns:r="http://schemas.openxmlformats.org/officeDocument/2006/relationships" xmlns:p="http://schemas.openxmlformats.org/presentationml/2006/main">
+  <p:cSld>
+    <p:spTree>
+      <p:nvGrpSpPr>
+        <p:cNvPr id="1" name=""/>
+        <p:cNvGrpSpPr/>
+        <p:nvPr/>
+      </p:nvGrpSpPr>
+      <p:grpSpPr>
+        <a:xfrm>
+          <a:off x="0" y="0"/>
+          <a:ext cx="0" cy="0"/>
+          <a:chOff x="0" y="0"/>
+          <a:chExt cx="0" cy="0"/>
+        </a:xfrm>
+      </p:grpSpPr>
+      <p:sp>
+        <p:nvSpPr>
+          <p:cNvPr id="2" name="제목 1">
+            <a:extLst>
+              <a:ext uri="{FF2B5EF4-FFF2-40B4-BE49-F238E27FC236}">
+                <a16:creationId xmlns:a16="http://schemas.microsoft.com/office/drawing/2014/main" id="{A65DD9F9-8EAF-4F2C-B12F-36C05D6E3EB0}"/>
+              </a:ext>
+            </a:extLst>
+          </p:cNvPr>
+          <p:cNvSpPr>
+            <a:spLocks noGrp="1"/>
+          </p:cNvSpPr>
+          <p:nvPr>
+            <p:ph type="ctrTitle"/>
+          </p:nvPr>
+        </p:nvSpPr>
+        <p:spPr>
+          <a:xfrm>
+            <a:off x="1280293" y="1218140"/>
+            <a:ext cx="9631413" cy="2712738"/>
+          </a:xfrm>
+        </p:spPr>
+        <p:txBody>
+          <a:bodyPr/>
+          <a:lstStyle/>
+          <a:p>
+            <a:r>
+              <a:rPr lang="en-US" altLang="ko-KR" dirty="0"/>
+              <a:t>5. </a:t>
+            </a:r>
+            <a:r>
+              <a:rPr lang="ko-KR" altLang="en-US" dirty="0"/>
               <a:t>숫자표기 시스템</a:t>
             </a:r>
           </a:p>
@@ -10889,7 +14389,7 @@
 </p:sld>
 </file>
 
-<file path=ppt/slides/slide12.xml><?xml version="1.0" encoding="utf-8"?>
+<file path=ppt/slides/slide18.xml><?xml version="1.0" encoding="utf-8"?>
 <p:sld xmlns:a="http://schemas.openxmlformats.org/drawingml/2006/main" xmlns:r="http://schemas.openxmlformats.org/officeDocument/2006/relationships" xmlns:p="http://schemas.openxmlformats.org/presentationml/2006/main">
   <p:cSld>
     <p:spTree>
@@ -10956,7 +14456,7 @@
             <a:p>
               <a:r>
                 <a:rPr lang="en-US" altLang="ko-KR" sz="2800" b="1" dirty="0"/>
-                <a:t>3. </a:t>
+                <a:t>5. </a:t>
               </a:r>
               <a:r>
                 <a:rPr lang="ko-KR" altLang="en-US" sz="2800" b="1" dirty="0"/>
@@ -11668,7 +15168,7 @@
           <p:nvPr>
             <p:extLst>
               <p:ext uri="{D42A27DB-BD31-4B8C-83A1-F6EECF244321}">
-                <p14:modId xmlns:p14="http://schemas.microsoft.com/office/powerpoint/2010/main" val="4176917475"/>
+                <p14:modId xmlns:p14="http://schemas.microsoft.com/office/powerpoint/2010/main" val="583410499"/>
               </p:ext>
             </p:extLst>
           </p:nvPr>
@@ -12083,6 +15583,10 @@
                     <a:lstStyle/>
                     <a:p>
                       <a:pPr latinLnBrk="1"/>
+                      <a:r>
+                        <a:rPr lang="en-US" altLang="ko-KR" dirty="0"/>
+                        <a:t>2020.10.21</a:t>
+                      </a:r>
                       <a:endParaRPr lang="ko-KR" altLang="en-US" dirty="0"/>
                     </a:p>
                   </a:txBody>
@@ -12134,7 +15638,21 @@
                     <a:lstStyle/>
                     <a:p>
                       <a:pPr latinLnBrk="1"/>
-                      <a:endParaRPr lang="ko-KR" altLang="en-US" dirty="0"/>
+                      <a:r>
+                        <a:rPr lang="en-US" altLang="ko-KR" dirty="0"/>
+                        <a:t>1</a:t>
+                      </a:r>
+                      <a:r>
+                        <a:rPr lang="ko-KR" altLang="en-US" dirty="0"/>
+                        <a:t>차 수정</a:t>
+                      </a:r>
+                      <a:br>
+                        <a:rPr lang="en-US" altLang="ko-KR" dirty="0"/>
+                      </a:br>
+                      <a:r>
+                        <a:rPr lang="ko-KR" altLang="en-US" dirty="0"/>
+                        <a:t>클릭 시스템 추가</a:t>
+                      </a:r>
                     </a:p>
                   </a:txBody>
                   <a:tcPr>
@@ -15069,7 +18587,7 @@
         <p:spPr>
           <a:xfrm>
             <a:off x="1092199" y="1194774"/>
-            <a:ext cx="9691915" cy="1015663"/>
+            <a:ext cx="9691915" cy="1938992"/>
           </a:xfrm>
           <a:prstGeom prst="rect">
             <a:avLst/>
@@ -15092,7 +18610,7 @@
               <a:t>문서 개요</a:t>
             </a:r>
             <a:endParaRPr lang="en-US" altLang="ko-KR" sz="2000" dirty="0">
-              <a:hlinkClick r:id="rId2" action="ppaction://hlinksldjump"/>
+              <a:hlinkClick r:id="rId3" action="ppaction://hlinksldjump"/>
             </a:endParaRPr>
           </a:p>
           <a:p>
@@ -15101,9 +18619,27 @@
             </a:pPr>
             <a:r>
               <a:rPr lang="ko-KR" altLang="en-US" sz="2000" dirty="0">
-                <a:hlinkClick r:id="rId2" action="ppaction://hlinksldjump"/>
+                <a:hlinkClick r:id="rId3" action="ppaction://hlinksldjump"/>
               </a:rPr>
               <a:t>농장 시스템</a:t>
+            </a:r>
+            <a:endParaRPr lang="en-US" altLang="ko-KR" sz="2000" dirty="0"/>
+          </a:p>
+          <a:p>
+            <a:pPr marL="800100" lvl="1" indent="-342900">
+              <a:buAutoNum type="arabicPeriod"/>
+            </a:pPr>
+            <a:r>
+              <a:rPr lang="ko-KR" altLang="en-US" sz="2000" dirty="0">
+                <a:hlinkClick r:id="rId4" action="ppaction://hlinksldjump"/>
+              </a:rPr>
+              <a:t>농장 </a:t>
+            </a:r>
+            <a:r>
+              <a:rPr lang="ko-KR" altLang="en-US" sz="2000" dirty="0" err="1">
+                <a:hlinkClick r:id="rId4" action="ppaction://hlinksldjump"/>
+              </a:rPr>
+              <a:t>레벨업</a:t>
             </a:r>
             <a:endParaRPr lang="en-US" altLang="ko-KR" sz="2000" dirty="0"/>
           </a:p>
@@ -15113,7 +18649,29 @@
             </a:pPr>
             <a:r>
               <a:rPr lang="ko-KR" altLang="en-US" sz="2000" dirty="0">
-                <a:hlinkClick r:id="rId3" action="ppaction://hlinksldjump"/>
+                <a:hlinkClick r:id="rId5" action="ppaction://hlinksldjump"/>
+              </a:rPr>
+              <a:t>클릭 시스템</a:t>
+            </a:r>
+            <a:endParaRPr lang="en-US" altLang="ko-KR" sz="2000" dirty="0"/>
+          </a:p>
+          <a:p>
+            <a:pPr marL="342900" indent="-342900">
+              <a:buAutoNum type="arabicPeriod"/>
+            </a:pPr>
+            <a:r>
+              <a:rPr lang="ko-KR" altLang="en-US" sz="2000" dirty="0"/>
+              <a:t>액티브 스킬 시스템</a:t>
+            </a:r>
+            <a:endParaRPr lang="en-US" altLang="ko-KR" sz="2000" dirty="0"/>
+          </a:p>
+          <a:p>
+            <a:pPr marL="342900" indent="-342900">
+              <a:buAutoNum type="arabicPeriod"/>
+            </a:pPr>
+            <a:r>
+              <a:rPr lang="ko-KR" altLang="en-US" sz="2000" dirty="0">
+                <a:hlinkClick r:id="rId6" action="ppaction://hlinksldjump"/>
               </a:rPr>
               <a:t>숫자 표기 시스템</a:t>
             </a:r>
@@ -16510,7 +20068,23 @@
                     <a:schemeClr val="tx1"/>
                   </a:solidFill>
                 </a:rPr>
-                <a:t>단계에 따라 농장이 분류되고</a:t>
+                <a:t>단계마다 </a:t>
+              </a:r>
+              <a:r>
+                <a:rPr lang="ko-KR" altLang="en-US" dirty="0" err="1">
+                  <a:solidFill>
+                    <a:schemeClr val="tx1"/>
+                  </a:solidFill>
+                </a:rPr>
+                <a:t>하나씩의</a:t>
+              </a:r>
+              <a:r>
+                <a:rPr lang="ko-KR" altLang="en-US" dirty="0">
+                  <a:solidFill>
+                    <a:schemeClr val="tx1"/>
+                  </a:solidFill>
+                </a:rPr>
+                <a:t> 농장이 존재하고</a:t>
               </a:r>
               <a:r>
                 <a:rPr lang="en-US" altLang="ko-KR" dirty="0">
@@ -16565,7 +20139,7 @@
                     <a:schemeClr val="tx1"/>
                   </a:solidFill>
                 </a:rPr>
-                <a:t>1 – 1</a:t>
+                <a:t>1(1</a:t>
               </a:r>
               <a:r>
                 <a:rPr lang="ko-KR" altLang="en-US" dirty="0">
@@ -16573,7 +20147,7 @@
                     <a:schemeClr val="tx1"/>
                   </a:solidFill>
                 </a:rPr>
-                <a:t>단계 </a:t>
+                <a:t>단계</a:t>
               </a:r>
               <a:r>
                 <a:rPr lang="en-US" altLang="ko-KR" dirty="0">
@@ -16581,7 +20155,7 @@
                     <a:schemeClr val="tx1"/>
                   </a:solidFill>
                 </a:rPr>
-                <a:t>– 2LV / </a:t>
+                <a:t>) – 2LV / </a:t>
               </a:r>
               <a:r>
                 <a:rPr lang="ko-KR" altLang="en-US" dirty="0">
@@ -16597,7 +20171,7 @@
                     <a:schemeClr val="tx1"/>
                   </a:solidFill>
                 </a:rPr>
-                <a:t>2 – 2</a:t>
+                <a:t>2(2</a:t>
               </a:r>
               <a:r>
                 <a:rPr lang="ko-KR" altLang="en-US" dirty="0">
@@ -16605,7 +20179,23 @@
                     <a:schemeClr val="tx1"/>
                   </a:solidFill>
                 </a:rPr>
-                <a:t>단계 </a:t>
+                <a:t>단계</a:t>
+              </a:r>
+              <a:r>
+                <a:rPr lang="en-US" altLang="ko-KR" dirty="0">
+                  <a:solidFill>
+                    <a:schemeClr val="tx1"/>
+                  </a:solidFill>
+                </a:rPr>
+                <a:t>)</a:t>
+              </a:r>
+              <a:r>
+                <a:rPr lang="ko-KR" altLang="en-US" dirty="0">
+                  <a:solidFill>
+                    <a:schemeClr val="tx1"/>
+                  </a:solidFill>
+                </a:rPr>
+                <a:t> </a:t>
               </a:r>
               <a:r>
                 <a:rPr lang="en-US" altLang="ko-KR" dirty="0">
@@ -16938,7 +20528,7 @@
                     <a:schemeClr val="tx1"/>
                   </a:solidFill>
                 </a:rPr>
-                <a:t>Farm.FarmLV</a:t>
+                <a:t>FarmLV</a:t>
               </a:r>
               <a:r>
                 <a:rPr lang="en-US" altLang="ko-KR" dirty="0">
@@ -17831,6 +21421,12 @@
 </file>
 
 <file path=customXml/item1.xml><?xml version="1.0" encoding="utf-8"?>
+<p:properties xmlns:p="http://schemas.microsoft.com/office/2006/metadata/properties" xmlns:xsi="http://www.w3.org/2001/XMLSchema-instance" xmlns:pc="http://schemas.microsoft.com/office/infopath/2007/PartnerControls">
+  <documentManagement/>
+</p:properties>
+</file>
+
+<file path=customXml/item2.xml><?xml version="1.0" encoding="utf-8"?>
 <ct:contentTypeSchema xmlns:ct="http://schemas.microsoft.com/office/2006/metadata/contentType" xmlns:ma="http://schemas.microsoft.com/office/2006/metadata/properties/metaAttributes" ct:_="" ma:_="" ma:contentTypeName="문서" ma:contentTypeID="0x0101001DBB2B28955C594DB24AF1F5BB7336C8" ma:contentTypeVersion="2" ma:contentTypeDescription="새 문서를 만듭니다." ma:contentTypeScope="" ma:versionID="f2fa06709d317143d893a6f8ce6ede6a">
   <xsd:schema xmlns:xsd="http://www.w3.org/2001/XMLSchema" xmlns:xs="http://www.w3.org/2001/XMLSchema" xmlns:p="http://schemas.microsoft.com/office/2006/metadata/properties" xmlns:ns3="5555129b-2418-4d50-9dfa-7b95714945fa" targetNamespace="http://schemas.microsoft.com/office/2006/metadata/properties" ma:root="true" ma:fieldsID="e8dc87fcc42539e288ba896fdb612da0" ns3:_="">
     <xsd:import namespace="5555129b-2418-4d50-9dfa-7b95714945fa"/>
@@ -17962,7 +21558,7 @@
 </ct:contentTypeSchema>
 </file>
 
-<file path=customXml/item2.xml><?xml version="1.0" encoding="utf-8"?>
+<file path=customXml/item3.xml><?xml version="1.0" encoding="utf-8"?>
 <?mso-contentType ?>
 <FormTemplates xmlns="http://schemas.microsoft.com/sharepoint/v3/contenttype/forms">
   <Display>DocumentLibraryForm</Display>
@@ -17971,13 +21567,16 @@
 </FormTemplates>
 </file>
 
-<file path=customXml/item3.xml><?xml version="1.0" encoding="utf-8"?>
-<p:properties xmlns:p="http://schemas.microsoft.com/office/2006/metadata/properties" xmlns:xsi="http://www.w3.org/2001/XMLSchema-instance" xmlns:pc="http://schemas.microsoft.com/office/infopath/2007/PartnerControls">
-  <documentManagement/>
-</p:properties>
+<file path=customXml/itemProps1.xml><?xml version="1.0" encoding="utf-8"?>
+<ds:datastoreItem xmlns:ds="http://schemas.openxmlformats.org/officeDocument/2006/customXml" ds:itemID="{A23103BA-1CDF-42E2-84EF-97766276A752}">
+  <ds:schemaRefs>
+    <ds:schemaRef ds:uri="http://schemas.microsoft.com/office/2006/metadata/properties"/>
+    <ds:schemaRef ds:uri="http://schemas.microsoft.com/office/infopath/2007/PartnerControls"/>
+  </ds:schemaRefs>
+</ds:datastoreItem>
 </file>
 
-<file path=customXml/itemProps1.xml><?xml version="1.0" encoding="utf-8"?>
+<file path=customXml/itemProps2.xml><?xml version="1.0" encoding="utf-8"?>
 <ds:datastoreItem xmlns:ds="http://schemas.openxmlformats.org/officeDocument/2006/customXml" ds:itemID="{A1191A0A-B4A1-4213-A2EE-9C9D701194F6}">
   <ds:schemaRefs>
     <ds:schemaRef ds:uri="http://schemas.microsoft.com/office/2006/metadata/contentType"/>
@@ -17995,19 +21594,10 @@
 </ds:datastoreItem>
 </file>
 
-<file path=customXml/itemProps2.xml><?xml version="1.0" encoding="utf-8"?>
+<file path=customXml/itemProps3.xml><?xml version="1.0" encoding="utf-8"?>
 <ds:datastoreItem xmlns:ds="http://schemas.openxmlformats.org/officeDocument/2006/customXml" ds:itemID="{4C7A472F-9902-4104-BCF0-D4754C77190F}">
   <ds:schemaRefs>
     <ds:schemaRef ds:uri="http://schemas.microsoft.com/sharepoint/v3/contenttype/forms"/>
   </ds:schemaRefs>
 </ds:datastoreItem>
-</file>
-
-<file path=customXml/itemProps3.xml><?xml version="1.0" encoding="utf-8"?>
-<ds:datastoreItem xmlns:ds="http://schemas.openxmlformats.org/officeDocument/2006/customXml" ds:itemID="{A23103BA-1CDF-42E2-84EF-97766276A752}">
-  <ds:schemaRefs>
-    <ds:schemaRef ds:uri="http://schemas.microsoft.com/office/2006/metadata/properties"/>
-    <ds:schemaRef ds:uri="http://schemas.microsoft.com/office/infopath/2007/PartnerControls"/>
-  </ds:schemaRefs>
-</ds:datastoreItem>
 </file>
--- a/기획서/당근키우기 시스템.pptx
+++ b/기획서/당근키우기 시스템.pptx
@@ -5,27 +5,29 @@
     <p:sldMasterId id="2147483648" r:id="rId4"/>
   </p:sldMasterIdLst>
   <p:notesMasterIdLst>
-    <p:notesMasterId r:id="rId23"/>
+    <p:notesMasterId r:id="rId25"/>
   </p:notesMasterIdLst>
   <p:sldIdLst>
     <p:sldId id="312" r:id="rId5"/>
     <p:sldId id="318" r:id="rId6"/>
-    <p:sldId id="346" r:id="rId7"/>
-    <p:sldId id="313" r:id="rId8"/>
-    <p:sldId id="359" r:id="rId9"/>
-    <p:sldId id="360" r:id="rId10"/>
-    <p:sldId id="354" r:id="rId11"/>
-    <p:sldId id="319" r:id="rId12"/>
-    <p:sldId id="361" r:id="rId13"/>
-    <p:sldId id="362" r:id="rId14"/>
-    <p:sldId id="363" r:id="rId15"/>
-    <p:sldId id="364" r:id="rId16"/>
-    <p:sldId id="365" r:id="rId17"/>
-    <p:sldId id="366" r:id="rId18"/>
-    <p:sldId id="367" r:id="rId19"/>
-    <p:sldId id="368" r:id="rId20"/>
-    <p:sldId id="358" r:id="rId21"/>
-    <p:sldId id="323" r:id="rId22"/>
+    <p:sldId id="313" r:id="rId7"/>
+    <p:sldId id="359" r:id="rId8"/>
+    <p:sldId id="360" r:id="rId9"/>
+    <p:sldId id="354" r:id="rId10"/>
+    <p:sldId id="319" r:id="rId11"/>
+    <p:sldId id="361" r:id="rId12"/>
+    <p:sldId id="362" r:id="rId13"/>
+    <p:sldId id="363" r:id="rId14"/>
+    <p:sldId id="364" r:id="rId15"/>
+    <p:sldId id="365" r:id="rId16"/>
+    <p:sldId id="366" r:id="rId17"/>
+    <p:sldId id="367" r:id="rId18"/>
+    <p:sldId id="368" r:id="rId19"/>
+    <p:sldId id="369" r:id="rId20"/>
+    <p:sldId id="371" r:id="rId21"/>
+    <p:sldId id="370" r:id="rId22"/>
+    <p:sldId id="358" r:id="rId23"/>
+    <p:sldId id="323" r:id="rId24"/>
   </p:sldIdLst>
   <p:sldSz cx="12192000" cy="6858000"/>
   <p:notesSz cx="6858000" cy="9144000"/>
@@ -6473,7 +6475,7 @@
           <a:p>
             <a:fld id="{151FD798-7848-4816-945D-B2937F5A900D}" type="slidenum">
               <a:rPr lang="ko-KR" altLang="en-US" smtClean="0"/>
-              <a:t>6</a:t>
+              <a:t>5</a:t>
             </a:fld>
             <a:endParaRPr lang="ko-KR" altLang="en-US"/>
           </a:p>
@@ -6483,6 +6485,267 @@
     <p:extLst>
       <p:ext uri="{BB962C8B-B14F-4D97-AF65-F5344CB8AC3E}">
         <p14:creationId xmlns:p14="http://schemas.microsoft.com/office/powerpoint/2010/main" val="3332169385"/>
+      </p:ext>
+    </p:extLst>
+  </p:cSld>
+  <p:clrMapOvr>
+    <a:masterClrMapping/>
+  </p:clrMapOvr>
+</p:notes>
+</file>
+
+<file path=ppt/notesSlides/notesSlide10.xml><?xml version="1.0" encoding="utf-8"?>
+<p:notes xmlns:a="http://schemas.openxmlformats.org/drawingml/2006/main" xmlns:r="http://schemas.openxmlformats.org/officeDocument/2006/relationships" xmlns:p="http://schemas.openxmlformats.org/presentationml/2006/main">
+  <p:cSld>
+    <p:spTree>
+      <p:nvGrpSpPr>
+        <p:cNvPr id="1" name=""/>
+        <p:cNvGrpSpPr/>
+        <p:nvPr/>
+      </p:nvGrpSpPr>
+      <p:grpSpPr>
+        <a:xfrm>
+          <a:off x="0" y="0"/>
+          <a:ext cx="0" cy="0"/>
+          <a:chOff x="0" y="0"/>
+          <a:chExt cx="0" cy="0"/>
+        </a:xfrm>
+      </p:grpSpPr>
+      <p:sp>
+        <p:nvSpPr>
+          <p:cNvPr id="2" name="슬라이드 이미지 개체 틀 1"/>
+          <p:cNvSpPr>
+            <a:spLocks noGrp="1" noRot="1" noChangeAspect="1"/>
+          </p:cNvSpPr>
+          <p:nvPr>
+            <p:ph type="sldImg"/>
+          </p:nvPr>
+        </p:nvSpPr>
+        <p:spPr/>
+      </p:sp>
+      <p:sp>
+        <p:nvSpPr>
+          <p:cNvPr id="3" name="슬라이드 노트 개체 틀 2"/>
+          <p:cNvSpPr>
+            <a:spLocks noGrp="1"/>
+          </p:cNvSpPr>
+          <p:nvPr>
+            <p:ph type="body" idx="1"/>
+          </p:nvPr>
+        </p:nvSpPr>
+        <p:spPr/>
+        <p:txBody>
+          <a:bodyPr/>
+          <a:lstStyle/>
+          <a:p>
+            <a:pPr marL="0" indent="0">
+              <a:buNone/>
+            </a:pPr>
+            <a:endParaRPr lang="en-US" altLang="ko-KR" dirty="0"/>
+          </a:p>
+        </p:txBody>
+      </p:sp>
+      <p:sp>
+        <p:nvSpPr>
+          <p:cNvPr id="4" name="슬라이드 번호 개체 틀 3"/>
+          <p:cNvSpPr>
+            <a:spLocks noGrp="1"/>
+          </p:cNvSpPr>
+          <p:nvPr>
+            <p:ph type="sldNum" sz="quarter" idx="5"/>
+          </p:nvPr>
+        </p:nvSpPr>
+        <p:spPr/>
+        <p:txBody>
+          <a:bodyPr/>
+          <a:lstStyle/>
+          <a:p>
+            <a:fld id="{151FD798-7848-4816-945D-B2937F5A900D}" type="slidenum">
+              <a:rPr lang="ko-KR" altLang="en-US" smtClean="0"/>
+              <a:t>17</a:t>
+            </a:fld>
+            <a:endParaRPr lang="ko-KR" altLang="en-US"/>
+          </a:p>
+        </p:txBody>
+      </p:sp>
+    </p:spTree>
+    <p:extLst>
+      <p:ext uri="{BB962C8B-B14F-4D97-AF65-F5344CB8AC3E}">
+        <p14:creationId xmlns:p14="http://schemas.microsoft.com/office/powerpoint/2010/main" val="3611327636"/>
+      </p:ext>
+    </p:extLst>
+  </p:cSld>
+  <p:clrMapOvr>
+    <a:masterClrMapping/>
+  </p:clrMapOvr>
+</p:notes>
+</file>
+
+<file path=ppt/notesSlides/notesSlide11.xml><?xml version="1.0" encoding="utf-8"?>
+<p:notes xmlns:a="http://schemas.openxmlformats.org/drawingml/2006/main" xmlns:r="http://schemas.openxmlformats.org/officeDocument/2006/relationships" xmlns:p="http://schemas.openxmlformats.org/presentationml/2006/main">
+  <p:cSld>
+    <p:spTree>
+      <p:nvGrpSpPr>
+        <p:cNvPr id="1" name=""/>
+        <p:cNvGrpSpPr/>
+        <p:nvPr/>
+      </p:nvGrpSpPr>
+      <p:grpSpPr>
+        <a:xfrm>
+          <a:off x="0" y="0"/>
+          <a:ext cx="0" cy="0"/>
+          <a:chOff x="0" y="0"/>
+          <a:chExt cx="0" cy="0"/>
+        </a:xfrm>
+      </p:grpSpPr>
+      <p:sp>
+        <p:nvSpPr>
+          <p:cNvPr id="2" name="슬라이드 이미지 개체 틀 1"/>
+          <p:cNvSpPr>
+            <a:spLocks noGrp="1" noRot="1" noChangeAspect="1"/>
+          </p:cNvSpPr>
+          <p:nvPr>
+            <p:ph type="sldImg"/>
+          </p:nvPr>
+        </p:nvSpPr>
+        <p:spPr/>
+      </p:sp>
+      <p:sp>
+        <p:nvSpPr>
+          <p:cNvPr id="3" name="슬라이드 노트 개체 틀 2"/>
+          <p:cNvSpPr>
+            <a:spLocks noGrp="1"/>
+          </p:cNvSpPr>
+          <p:nvPr>
+            <p:ph type="body" idx="1"/>
+          </p:nvPr>
+        </p:nvSpPr>
+        <p:spPr/>
+        <p:txBody>
+          <a:bodyPr/>
+          <a:lstStyle/>
+          <a:p>
+            <a:pPr marL="0" indent="0">
+              <a:buNone/>
+            </a:pPr>
+            <a:endParaRPr lang="en-US" altLang="ko-KR" dirty="0"/>
+          </a:p>
+        </p:txBody>
+      </p:sp>
+      <p:sp>
+        <p:nvSpPr>
+          <p:cNvPr id="4" name="슬라이드 번호 개체 틀 3"/>
+          <p:cNvSpPr>
+            <a:spLocks noGrp="1"/>
+          </p:cNvSpPr>
+          <p:nvPr>
+            <p:ph type="sldNum" sz="quarter" idx="5"/>
+          </p:nvPr>
+        </p:nvSpPr>
+        <p:spPr/>
+        <p:txBody>
+          <a:bodyPr/>
+          <a:lstStyle/>
+          <a:p>
+            <a:fld id="{151FD798-7848-4816-945D-B2937F5A900D}" type="slidenum">
+              <a:rPr lang="ko-KR" altLang="en-US" smtClean="0"/>
+              <a:t>18</a:t>
+            </a:fld>
+            <a:endParaRPr lang="ko-KR" altLang="en-US"/>
+          </a:p>
+        </p:txBody>
+      </p:sp>
+    </p:spTree>
+    <p:extLst>
+      <p:ext uri="{BB962C8B-B14F-4D97-AF65-F5344CB8AC3E}">
+        <p14:creationId xmlns:p14="http://schemas.microsoft.com/office/powerpoint/2010/main" val="3974888117"/>
+      </p:ext>
+    </p:extLst>
+  </p:cSld>
+  <p:clrMapOvr>
+    <a:masterClrMapping/>
+  </p:clrMapOvr>
+</p:notes>
+</file>
+
+<file path=ppt/notesSlides/notesSlide12.xml><?xml version="1.0" encoding="utf-8"?>
+<p:notes xmlns:a="http://schemas.openxmlformats.org/drawingml/2006/main" xmlns:r="http://schemas.openxmlformats.org/officeDocument/2006/relationships" xmlns:p="http://schemas.openxmlformats.org/presentationml/2006/main">
+  <p:cSld>
+    <p:spTree>
+      <p:nvGrpSpPr>
+        <p:cNvPr id="1" name=""/>
+        <p:cNvGrpSpPr/>
+        <p:nvPr/>
+      </p:nvGrpSpPr>
+      <p:grpSpPr>
+        <a:xfrm>
+          <a:off x="0" y="0"/>
+          <a:ext cx="0" cy="0"/>
+          <a:chOff x="0" y="0"/>
+          <a:chExt cx="0" cy="0"/>
+        </a:xfrm>
+      </p:grpSpPr>
+      <p:sp>
+        <p:nvSpPr>
+          <p:cNvPr id="2" name="슬라이드 이미지 개체 틀 1"/>
+          <p:cNvSpPr>
+            <a:spLocks noGrp="1" noRot="1" noChangeAspect="1"/>
+          </p:cNvSpPr>
+          <p:nvPr>
+            <p:ph type="sldImg"/>
+          </p:nvPr>
+        </p:nvSpPr>
+        <p:spPr/>
+      </p:sp>
+      <p:sp>
+        <p:nvSpPr>
+          <p:cNvPr id="3" name="슬라이드 노트 개체 틀 2"/>
+          <p:cNvSpPr>
+            <a:spLocks noGrp="1"/>
+          </p:cNvSpPr>
+          <p:nvPr>
+            <p:ph type="body" idx="1"/>
+          </p:nvPr>
+        </p:nvSpPr>
+        <p:spPr/>
+        <p:txBody>
+          <a:bodyPr/>
+          <a:lstStyle/>
+          <a:p>
+            <a:pPr marL="0" indent="0">
+              <a:buNone/>
+            </a:pPr>
+            <a:endParaRPr lang="en-US" altLang="ko-KR" dirty="0"/>
+          </a:p>
+        </p:txBody>
+      </p:sp>
+      <p:sp>
+        <p:nvSpPr>
+          <p:cNvPr id="4" name="슬라이드 번호 개체 틀 3"/>
+          <p:cNvSpPr>
+            <a:spLocks noGrp="1"/>
+          </p:cNvSpPr>
+          <p:nvPr>
+            <p:ph type="sldNum" sz="quarter" idx="5"/>
+          </p:nvPr>
+        </p:nvSpPr>
+        <p:spPr/>
+        <p:txBody>
+          <a:bodyPr/>
+          <a:lstStyle/>
+          <a:p>
+            <a:fld id="{151FD798-7848-4816-945D-B2937F5A900D}" type="slidenum">
+              <a:rPr lang="ko-KR" altLang="en-US" smtClean="0"/>
+              <a:t>20</a:t>
+            </a:fld>
+            <a:endParaRPr lang="ko-KR" altLang="en-US"/>
+          </a:p>
+        </p:txBody>
+      </p:sp>
+    </p:spTree>
+    <p:extLst>
+      <p:ext uri="{BB962C8B-B14F-4D97-AF65-F5344CB8AC3E}">
+        <p14:creationId xmlns:p14="http://schemas.microsoft.com/office/powerpoint/2010/main" val="957488189"/>
       </p:ext>
     </p:extLst>
   </p:cSld>
@@ -6560,7 +6823,7 @@
           <a:p>
             <a:fld id="{151FD798-7848-4816-945D-B2937F5A900D}" type="slidenum">
               <a:rPr lang="ko-KR" altLang="en-US" smtClean="0"/>
-              <a:t>8</a:t>
+              <a:t>7</a:t>
             </a:fld>
             <a:endParaRPr lang="ko-KR" altLang="en-US"/>
           </a:p>
@@ -6647,7 +6910,7 @@
           <a:p>
             <a:fld id="{151FD798-7848-4816-945D-B2937F5A900D}" type="slidenum">
               <a:rPr lang="ko-KR" altLang="en-US" smtClean="0"/>
-              <a:t>9</a:t>
+              <a:t>8</a:t>
             </a:fld>
             <a:endParaRPr lang="ko-KR" altLang="en-US"/>
           </a:p>
@@ -6734,7 +6997,7 @@
           <a:p>
             <a:fld id="{151FD798-7848-4816-945D-B2937F5A900D}" type="slidenum">
               <a:rPr lang="ko-KR" altLang="en-US" smtClean="0"/>
-              <a:t>10</a:t>
+              <a:t>9</a:t>
             </a:fld>
             <a:endParaRPr lang="ko-KR" altLang="en-US"/>
           </a:p>
@@ -6821,7 +7084,7 @@
           <a:p>
             <a:fld id="{151FD798-7848-4816-945D-B2937F5A900D}" type="slidenum">
               <a:rPr lang="ko-KR" altLang="en-US" smtClean="0"/>
-              <a:t>11</a:t>
+              <a:t>10</a:t>
             </a:fld>
             <a:endParaRPr lang="ko-KR" altLang="en-US"/>
           </a:p>
@@ -6908,7 +7171,7 @@
           <a:p>
             <a:fld id="{151FD798-7848-4816-945D-B2937F5A900D}" type="slidenum">
               <a:rPr lang="ko-KR" altLang="en-US" smtClean="0"/>
-              <a:t>12</a:t>
+              <a:t>11</a:t>
             </a:fld>
             <a:endParaRPr lang="ko-KR" altLang="en-US"/>
           </a:p>
@@ -6995,7 +7258,7 @@
           <a:p>
             <a:fld id="{151FD798-7848-4816-945D-B2937F5A900D}" type="slidenum">
               <a:rPr lang="ko-KR" altLang="en-US" smtClean="0"/>
-              <a:t>14</a:t>
+              <a:t>13</a:t>
             </a:fld>
             <a:endParaRPr lang="ko-KR" altLang="en-US"/>
           </a:p>
@@ -7082,7 +7345,7 @@
           <a:p>
             <a:fld id="{151FD798-7848-4816-945D-B2937F5A900D}" type="slidenum">
               <a:rPr lang="ko-KR" altLang="en-US" smtClean="0"/>
-              <a:t>16</a:t>
+              <a:t>15</a:t>
             </a:fld>
             <a:endParaRPr lang="ko-KR" altLang="en-US"/>
           </a:p>
@@ -7169,7 +7432,7 @@
           <a:p>
             <a:fld id="{151FD798-7848-4816-945D-B2937F5A900D}" type="slidenum">
               <a:rPr lang="ko-KR" altLang="en-US" smtClean="0"/>
-              <a:t>18</a:t>
+              <a:t>16</a:t>
             </a:fld>
             <a:endParaRPr lang="ko-KR" altLang="en-US"/>
           </a:p>
@@ -7178,7 +7441,7 @@
     </p:spTree>
     <p:extLst>
       <p:ext uri="{BB962C8B-B14F-4D97-AF65-F5344CB8AC3E}">
-        <p14:creationId xmlns:p14="http://schemas.microsoft.com/office/powerpoint/2010/main" val="957488189"/>
+        <p14:creationId xmlns:p14="http://schemas.microsoft.com/office/powerpoint/2010/main" val="1922766167"/>
       </p:ext>
     </p:extLst>
   </p:cSld>
@@ -10658,555 +10921,6 @@
         </p:nvGrpSpPr>
         <p:grpSpPr>
           <a:xfrm>
-            <a:off x="0" y="99367"/>
-            <a:ext cx="1600200" cy="620714"/>
-            <a:chOff x="0" y="231324"/>
-            <a:chExt cx="2341178" cy="620714"/>
-          </a:xfrm>
-        </p:grpSpPr>
-        <p:sp>
-          <p:nvSpPr>
-            <p:cNvPr id="39" name="TextBox 38">
-              <a:extLst>
-                <a:ext uri="{FF2B5EF4-FFF2-40B4-BE49-F238E27FC236}">
-                  <a16:creationId xmlns:a16="http://schemas.microsoft.com/office/drawing/2014/main" id="{6CDC6D6B-2C6F-4506-A1A4-B60E366A7E7F}"/>
-                </a:ext>
-              </a:extLst>
-            </p:cNvPr>
-            <p:cNvSpPr txBox="1"/>
-            <p:nvPr/>
-          </p:nvSpPr>
-          <p:spPr>
-            <a:xfrm>
-              <a:off x="0" y="231324"/>
-              <a:ext cx="2341178" cy="523220"/>
-            </a:xfrm>
-            <a:prstGeom prst="rect">
-              <a:avLst/>
-            </a:prstGeom>
-            <a:noFill/>
-          </p:spPr>
-          <p:txBody>
-            <a:bodyPr wrap="square" rtlCol="0">
-              <a:spAutoFit/>
-            </a:bodyPr>
-            <a:lstStyle/>
-            <a:p>
-              <a:r>
-                <a:rPr lang="en-US" altLang="ko-KR" sz="2800" b="1" dirty="0"/>
-                <a:t>2. </a:t>
-              </a:r>
-              <a:r>
-                <a:rPr lang="ko-KR" altLang="en-US" sz="2800" b="1" dirty="0"/>
-                <a:t>농장</a:t>
-              </a:r>
-              <a:endParaRPr lang="ko-KR" altLang="en-US" sz="1400" b="1" dirty="0"/>
-            </a:p>
-          </p:txBody>
-        </p:sp>
-        <p:sp>
-          <p:nvSpPr>
-            <p:cNvPr id="40" name="평행 사변형 39">
-              <a:extLst>
-                <a:ext uri="{FF2B5EF4-FFF2-40B4-BE49-F238E27FC236}">
-                  <a16:creationId xmlns:a16="http://schemas.microsoft.com/office/drawing/2014/main" id="{4E81B653-ED60-4FFF-82E8-2306DFEB399E}"/>
-                </a:ext>
-              </a:extLst>
-            </p:cNvPr>
-            <p:cNvSpPr/>
-            <p:nvPr/>
-          </p:nvSpPr>
-          <p:spPr>
-            <a:xfrm>
-              <a:off x="0" y="787975"/>
-              <a:ext cx="2196000" cy="64063"/>
-            </a:xfrm>
-            <a:prstGeom prst="parallelogram">
-              <a:avLst/>
-            </a:prstGeom>
-            <a:solidFill>
-              <a:schemeClr val="tx1"/>
-            </a:solidFill>
-            <a:ln>
-              <a:noFill/>
-            </a:ln>
-          </p:spPr>
-          <p:style>
-            <a:lnRef idx="2">
-              <a:schemeClr val="accent1">
-                <a:shade val="50000"/>
-              </a:schemeClr>
-            </a:lnRef>
-            <a:fillRef idx="1">
-              <a:schemeClr val="accent1"/>
-            </a:fillRef>
-            <a:effectRef idx="0">
-              <a:schemeClr val="accent1"/>
-            </a:effectRef>
-            <a:fontRef idx="minor">
-              <a:schemeClr val="lt1"/>
-            </a:fontRef>
-          </p:style>
-          <p:txBody>
-            <a:bodyPr rtlCol="0" anchor="ctr"/>
-            <a:lstStyle/>
-            <a:p>
-              <a:pPr algn="ctr"/>
-              <a:endParaRPr lang="ko-KR" altLang="en-US" dirty="0"/>
-            </a:p>
-          </p:txBody>
-        </p:sp>
-      </p:grpSp>
-      <p:grpSp>
-        <p:nvGrpSpPr>
-          <p:cNvPr id="23" name="그룹 22">
-            <a:extLst>
-              <a:ext uri="{FF2B5EF4-FFF2-40B4-BE49-F238E27FC236}">
-                <a16:creationId xmlns:a16="http://schemas.microsoft.com/office/drawing/2014/main" id="{C84C9E02-B559-4FF1-BE61-BB0CD4741D3B}"/>
-              </a:ext>
-            </a:extLst>
-          </p:cNvPr>
-          <p:cNvGrpSpPr/>
-          <p:nvPr/>
-        </p:nvGrpSpPr>
-        <p:grpSpPr>
-          <a:xfrm>
-            <a:off x="1236895" y="2437268"/>
-            <a:ext cx="4883524" cy="1914331"/>
-            <a:chOff x="7280649" y="4038167"/>
-            <a:chExt cx="4217057" cy="2389089"/>
-          </a:xfrm>
-        </p:grpSpPr>
-        <p:sp>
-          <p:nvSpPr>
-            <p:cNvPr id="24" name="직사각형 23">
-              <a:extLst>
-                <a:ext uri="{FF2B5EF4-FFF2-40B4-BE49-F238E27FC236}">
-                  <a16:creationId xmlns:a16="http://schemas.microsoft.com/office/drawing/2014/main" id="{ACB38A61-B130-493E-B257-7C7D98BBDD2B}"/>
-                </a:ext>
-              </a:extLst>
-            </p:cNvPr>
-            <p:cNvSpPr/>
-            <p:nvPr/>
-          </p:nvSpPr>
-          <p:spPr>
-            <a:xfrm>
-              <a:off x="7280649" y="4038168"/>
-              <a:ext cx="4217057" cy="2389088"/>
-            </a:xfrm>
-            <a:prstGeom prst="rect">
-              <a:avLst/>
-            </a:prstGeom>
-            <a:solidFill>
-              <a:schemeClr val="tx1"/>
-            </a:solidFill>
-            <a:ln>
-              <a:solidFill>
-                <a:schemeClr val="tx1"/>
-              </a:solidFill>
-            </a:ln>
-          </p:spPr>
-          <p:style>
-            <a:lnRef idx="2">
-              <a:schemeClr val="accent1">
-                <a:shade val="50000"/>
-              </a:schemeClr>
-            </a:lnRef>
-            <a:fillRef idx="1">
-              <a:schemeClr val="accent1"/>
-            </a:fillRef>
-            <a:effectRef idx="0">
-              <a:schemeClr val="accent1"/>
-            </a:effectRef>
-            <a:fontRef idx="minor">
-              <a:schemeClr val="lt1"/>
-            </a:fontRef>
-          </p:style>
-          <p:txBody>
-            <a:bodyPr rtlCol="0" anchor="ctr"/>
-            <a:lstStyle/>
-            <a:p>
-              <a:pPr algn="ctr"/>
-              <a:endParaRPr lang="ko-KR" altLang="en-US"/>
-            </a:p>
-          </p:txBody>
-        </p:sp>
-        <p:sp>
-          <p:nvSpPr>
-            <p:cNvPr id="25" name="직사각형 24">
-              <a:extLst>
-                <a:ext uri="{FF2B5EF4-FFF2-40B4-BE49-F238E27FC236}">
-                  <a16:creationId xmlns:a16="http://schemas.microsoft.com/office/drawing/2014/main" id="{980DB22C-A901-4481-BC3F-76F5CFF2FC78}"/>
-                </a:ext>
-              </a:extLst>
-            </p:cNvPr>
-            <p:cNvSpPr/>
-            <p:nvPr/>
-          </p:nvSpPr>
-          <p:spPr>
-            <a:xfrm>
-              <a:off x="7280649" y="4407499"/>
-              <a:ext cx="4217057" cy="2019757"/>
-            </a:xfrm>
-            <a:prstGeom prst="rect">
-              <a:avLst/>
-            </a:prstGeom>
-            <a:solidFill>
-              <a:schemeClr val="bg1"/>
-            </a:solidFill>
-            <a:ln>
-              <a:solidFill>
-                <a:schemeClr val="tx1"/>
-              </a:solidFill>
-            </a:ln>
-          </p:spPr>
-          <p:style>
-            <a:lnRef idx="2">
-              <a:schemeClr val="accent1">
-                <a:shade val="50000"/>
-              </a:schemeClr>
-            </a:lnRef>
-            <a:fillRef idx="1">
-              <a:schemeClr val="accent1"/>
-            </a:fillRef>
-            <a:effectRef idx="0">
-              <a:schemeClr val="accent1"/>
-            </a:effectRef>
-            <a:fontRef idx="minor">
-              <a:schemeClr val="lt1"/>
-            </a:fontRef>
-          </p:style>
-          <p:txBody>
-            <a:bodyPr rtlCol="0" anchor="ctr"/>
-            <a:lstStyle/>
-            <a:p>
-              <a:pPr marL="285750" indent="-285750">
-                <a:buFont typeface="Arial" panose="020B0604020202020204" pitchFamily="34" charset="0"/>
-                <a:buChar char="•"/>
-              </a:pPr>
-              <a:r>
-                <a:rPr lang="en-US" altLang="ko-KR" dirty="0" err="1">
-                  <a:solidFill>
-                    <a:schemeClr val="tx1"/>
-                  </a:solidFill>
-                </a:rPr>
-                <a:t>FarmEarning</a:t>
-              </a:r>
-              <a:r>
-                <a:rPr lang="en-US" altLang="ko-KR" dirty="0">
-                  <a:solidFill>
-                    <a:schemeClr val="tx1"/>
-                  </a:solidFill>
-                </a:rPr>
-                <a:t> </a:t>
-              </a:r>
-              <a:r>
-                <a:rPr lang="ko-KR" altLang="en-US" dirty="0" err="1">
-                  <a:solidFill>
-                    <a:schemeClr val="tx1"/>
-                  </a:solidFill>
-                </a:rPr>
-                <a:t>증가시</a:t>
-              </a:r>
-              <a:br>
-                <a:rPr lang="en-US" altLang="ko-KR" dirty="0">
-                  <a:solidFill>
-                    <a:schemeClr val="tx1"/>
-                  </a:solidFill>
-                </a:rPr>
-              </a:br>
-              <a:r>
-                <a:rPr lang="ko-KR" altLang="en-US" dirty="0">
-                  <a:solidFill>
-                    <a:schemeClr val="tx1"/>
-                  </a:solidFill>
-                </a:rPr>
-                <a:t>해당 텍스트를 농장 상단에 출력</a:t>
-              </a:r>
-              <a:endParaRPr lang="en-US" altLang="ko-KR" dirty="0">
-                <a:solidFill>
-                  <a:schemeClr val="tx1"/>
-                </a:solidFill>
-              </a:endParaRPr>
-            </a:p>
-            <a:p>
-              <a:pPr marL="285750" indent="-285750">
-                <a:buFont typeface="Arial" panose="020B0604020202020204" pitchFamily="34" charset="0"/>
-                <a:buChar char="•"/>
-              </a:pPr>
-              <a:r>
-                <a:rPr lang="ko-KR" altLang="en-US" dirty="0">
-                  <a:solidFill>
-                    <a:schemeClr val="tx1"/>
-                  </a:solidFill>
-                </a:rPr>
-                <a:t>텍스트는 위로 서서히 올라가며 </a:t>
-              </a:r>
-              <a:r>
-                <a:rPr lang="en-US" altLang="ko-KR" dirty="0">
-                  <a:solidFill>
-                    <a:schemeClr val="tx1"/>
-                  </a:solidFill>
-                </a:rPr>
-                <a:t>Fade Out</a:t>
-              </a:r>
-            </a:p>
-          </p:txBody>
-        </p:sp>
-        <p:sp>
-          <p:nvSpPr>
-            <p:cNvPr id="26" name="TextBox 25">
-              <a:extLst>
-                <a:ext uri="{FF2B5EF4-FFF2-40B4-BE49-F238E27FC236}">
-                  <a16:creationId xmlns:a16="http://schemas.microsoft.com/office/drawing/2014/main" id="{8A314BEB-84D8-49EB-B61D-DD2705D8297D}"/>
-                </a:ext>
-              </a:extLst>
-            </p:cNvPr>
-            <p:cNvSpPr txBox="1"/>
-            <p:nvPr/>
-          </p:nvSpPr>
-          <p:spPr>
-            <a:xfrm>
-              <a:off x="7442366" y="4038167"/>
-              <a:ext cx="3881263" cy="460927"/>
-            </a:xfrm>
-            <a:prstGeom prst="rect">
-              <a:avLst/>
-            </a:prstGeom>
-            <a:noFill/>
-          </p:spPr>
-          <p:txBody>
-            <a:bodyPr wrap="square" rtlCol="0">
-              <a:spAutoFit/>
-            </a:bodyPr>
-            <a:lstStyle/>
-            <a:p>
-              <a:r>
-                <a:rPr lang="ko-KR" altLang="en-US" dirty="0">
-                  <a:solidFill>
-                    <a:schemeClr val="bg1"/>
-                  </a:solidFill>
-                </a:rPr>
-                <a:t>관련 </a:t>
-              </a:r>
-              <a:r>
-                <a:rPr lang="en-US" altLang="ko-KR" dirty="0">
-                  <a:solidFill>
-                    <a:schemeClr val="bg1"/>
-                  </a:solidFill>
-                </a:rPr>
-                <a:t>UI</a:t>
-              </a:r>
-              <a:endParaRPr lang="ko-KR" altLang="en-US" dirty="0">
-                <a:solidFill>
-                  <a:schemeClr val="bg1"/>
-                </a:solidFill>
-              </a:endParaRPr>
-            </a:p>
-          </p:txBody>
-        </p:sp>
-      </p:grpSp>
-      <p:pic>
-        <p:nvPicPr>
-          <p:cNvPr id="3" name="그림 2">
-            <a:extLst>
-              <a:ext uri="{FF2B5EF4-FFF2-40B4-BE49-F238E27FC236}">
-                <a16:creationId xmlns:a16="http://schemas.microsoft.com/office/drawing/2014/main" id="{1E11E454-01E1-4812-8BB4-8322E24F6704}"/>
-              </a:ext>
-            </a:extLst>
-          </p:cNvPr>
-          <p:cNvPicPr>
-            <a:picLocks noChangeAspect="1"/>
-          </p:cNvPicPr>
-          <p:nvPr/>
-        </p:nvPicPr>
-        <p:blipFill>
-          <a:blip r:embed="rId3">
-            <a:extLst>
-              <a:ext uri="{28A0092B-C50C-407E-A947-70E740481C1C}">
-                <a14:useLocalDpi xmlns:a14="http://schemas.microsoft.com/office/drawing/2010/main" val="0"/>
-              </a:ext>
-            </a:extLst>
-          </a:blip>
-          <a:stretch>
-            <a:fillRect/>
-          </a:stretch>
-        </p:blipFill>
-        <p:spPr>
-          <a:xfrm>
-            <a:off x="7905749" y="1780278"/>
-            <a:ext cx="2990850" cy="3524250"/>
-          </a:xfrm>
-          <a:prstGeom prst="rect">
-            <a:avLst/>
-          </a:prstGeom>
-        </p:spPr>
-      </p:pic>
-      <p:grpSp>
-        <p:nvGrpSpPr>
-          <p:cNvPr id="17" name="그룹 16">
-            <a:extLst>
-              <a:ext uri="{FF2B5EF4-FFF2-40B4-BE49-F238E27FC236}">
-                <a16:creationId xmlns:a16="http://schemas.microsoft.com/office/drawing/2014/main" id="{74EFA9BD-D931-49B1-848D-F30CDC75F89D}"/>
-              </a:ext>
-            </a:extLst>
-          </p:cNvPr>
-          <p:cNvGrpSpPr/>
-          <p:nvPr/>
-        </p:nvGrpSpPr>
-        <p:grpSpPr>
-          <a:xfrm>
-            <a:off x="7905749" y="1780278"/>
-            <a:ext cx="1253705" cy="437505"/>
-            <a:chOff x="5383928" y="2247900"/>
-            <a:chExt cx="2078938" cy="437505"/>
-          </a:xfrm>
-        </p:grpSpPr>
-        <p:sp>
-          <p:nvSpPr>
-            <p:cNvPr id="18" name="화살표: 오각형 17">
-              <a:extLst>
-                <a:ext uri="{FF2B5EF4-FFF2-40B4-BE49-F238E27FC236}">
-                  <a16:creationId xmlns:a16="http://schemas.microsoft.com/office/drawing/2014/main" id="{1D718685-2DC5-4943-99B5-ABA7693D4BE2}"/>
-                </a:ext>
-              </a:extLst>
-            </p:cNvPr>
-            <p:cNvSpPr/>
-            <p:nvPr/>
-          </p:nvSpPr>
-          <p:spPr>
-            <a:xfrm>
-              <a:off x="5383928" y="2247900"/>
-              <a:ext cx="2078938" cy="437505"/>
-            </a:xfrm>
-            <a:prstGeom prst="homePlate">
-              <a:avLst>
-                <a:gd name="adj" fmla="val 30404"/>
-              </a:avLst>
-            </a:prstGeom>
-            <a:solidFill>
-              <a:schemeClr val="bg1"/>
-            </a:solidFill>
-            <a:ln w="28575">
-              <a:solidFill>
-                <a:schemeClr val="tx1"/>
-              </a:solidFill>
-            </a:ln>
-          </p:spPr>
-          <p:style>
-            <a:lnRef idx="2">
-              <a:schemeClr val="accent1">
-                <a:shade val="50000"/>
-              </a:schemeClr>
-            </a:lnRef>
-            <a:fillRef idx="1">
-              <a:schemeClr val="accent1"/>
-            </a:fillRef>
-            <a:effectRef idx="0">
-              <a:schemeClr val="accent1"/>
-            </a:effectRef>
-            <a:fontRef idx="minor">
-              <a:schemeClr val="lt1"/>
-            </a:fontRef>
-          </p:style>
-          <p:txBody>
-            <a:bodyPr rtlCol="0" anchor="ctr"/>
-            <a:lstStyle/>
-            <a:p>
-              <a:pPr algn="ctr"/>
-              <a:endParaRPr lang="ko-KR" altLang="en-US" dirty="0">
-                <a:solidFill>
-                  <a:schemeClr val="tx1"/>
-                </a:solidFill>
-              </a:endParaRPr>
-            </a:p>
-          </p:txBody>
-        </p:sp>
-        <p:sp>
-          <p:nvSpPr>
-            <p:cNvPr id="19" name="TextBox 18">
-              <a:extLst>
-                <a:ext uri="{FF2B5EF4-FFF2-40B4-BE49-F238E27FC236}">
-                  <a16:creationId xmlns:a16="http://schemas.microsoft.com/office/drawing/2014/main" id="{CFF7C5A4-0570-4D6C-9993-0C84648C53A1}"/>
-                </a:ext>
-              </a:extLst>
-            </p:cNvPr>
-            <p:cNvSpPr txBox="1"/>
-            <p:nvPr/>
-          </p:nvSpPr>
-          <p:spPr>
-            <a:xfrm>
-              <a:off x="5393131" y="2281986"/>
-              <a:ext cx="935281" cy="369332"/>
-            </a:xfrm>
-            <a:prstGeom prst="rect">
-              <a:avLst/>
-            </a:prstGeom>
-            <a:noFill/>
-          </p:spPr>
-          <p:txBody>
-            <a:bodyPr wrap="none" rtlCol="0">
-              <a:spAutoFit/>
-            </a:bodyPr>
-            <a:lstStyle/>
-            <a:p>
-              <a:r>
-                <a:rPr lang="en-US" altLang="ko-KR" dirty="0"/>
-                <a:t>GIF </a:t>
-              </a:r>
-              <a:r>
-                <a:rPr lang="ko-KR" altLang="en-US" dirty="0"/>
-                <a:t>자료</a:t>
-              </a:r>
-              <a:endParaRPr lang="en-US" altLang="ko-KR" dirty="0"/>
-            </a:p>
-          </p:txBody>
-        </p:sp>
-      </p:grpSp>
-    </p:spTree>
-    <p:extLst>
-      <p:ext uri="{BB962C8B-B14F-4D97-AF65-F5344CB8AC3E}">
-        <p14:creationId xmlns:p14="http://schemas.microsoft.com/office/powerpoint/2010/main" val="2412935687"/>
-      </p:ext>
-    </p:extLst>
-  </p:cSld>
-  <p:clrMapOvr>
-    <a:masterClrMapping/>
-  </p:clrMapOvr>
-</p:sld>
-</file>
-
-<file path=ppt/slides/slide11.xml><?xml version="1.0" encoding="utf-8"?>
-<p:sld xmlns:a="http://schemas.openxmlformats.org/drawingml/2006/main" xmlns:r="http://schemas.openxmlformats.org/officeDocument/2006/relationships" xmlns:p="http://schemas.openxmlformats.org/presentationml/2006/main">
-  <p:cSld>
-    <p:spTree>
-      <p:nvGrpSpPr>
-        <p:cNvPr id="1" name=""/>
-        <p:cNvGrpSpPr/>
-        <p:nvPr/>
-      </p:nvGrpSpPr>
-      <p:grpSpPr>
-        <a:xfrm>
-          <a:off x="0" y="0"/>
-          <a:ext cx="0" cy="0"/>
-          <a:chOff x="0" y="0"/>
-          <a:chExt cx="0" cy="0"/>
-        </a:xfrm>
-      </p:grpSpPr>
-      <p:grpSp>
-        <p:nvGrpSpPr>
-          <p:cNvPr id="38" name="그룹 37">
-            <a:extLst>
-              <a:ext uri="{FF2B5EF4-FFF2-40B4-BE49-F238E27FC236}">
-                <a16:creationId xmlns:a16="http://schemas.microsoft.com/office/drawing/2014/main" id="{1D8E532E-9E14-4EC0-9A5D-C7F11045D019}"/>
-              </a:ext>
-            </a:extLst>
-          </p:cNvPr>
-          <p:cNvGrpSpPr/>
-          <p:nvPr/>
-        </p:nvGrpSpPr>
-        <p:grpSpPr>
-          <a:xfrm>
             <a:off x="0" y="64063"/>
             <a:ext cx="3106271" cy="656018"/>
             <a:chOff x="0" y="196020"/>
@@ -11453,6 +11167,49 @@
                 </a:rPr>
                 <a:t> 비용 소모를 통해 재화 사용처 제공</a:t>
               </a:r>
+              <a:r>
+                <a:rPr lang="en-US" altLang="ko-KR" dirty="0">
+                  <a:solidFill>
+                    <a:schemeClr val="tx1"/>
+                  </a:solidFill>
+                </a:rPr>
+                <a:t>, </a:t>
+              </a:r>
+              <a:r>
+                <a:rPr lang="ko-KR" altLang="en-US" dirty="0">
+                  <a:solidFill>
+                    <a:schemeClr val="tx1"/>
+                  </a:solidFill>
+                </a:rPr>
+                <a:t>효율적인 소비를 </a:t>
+              </a:r>
+              <a:r>
+                <a:rPr lang="ko-KR" altLang="en-US" dirty="0" err="1">
+                  <a:solidFill>
+                    <a:schemeClr val="tx1"/>
+                  </a:solidFill>
+                </a:rPr>
+                <a:t>생각토록</a:t>
+              </a:r>
+              <a:r>
+                <a:rPr lang="ko-KR" altLang="en-US" dirty="0">
+                  <a:solidFill>
+                    <a:schemeClr val="tx1"/>
+                  </a:solidFill>
+                </a:rPr>
+                <a:t> 함</a:t>
+              </a:r>
+              <a:endParaRPr lang="en-US" altLang="ko-KR" dirty="0">
+                <a:solidFill>
+                  <a:schemeClr val="tx1"/>
+                </a:solidFill>
+              </a:endParaRPr>
+            </a:p>
+            <a:p>
+              <a:pPr marL="285750" indent="-285750">
+                <a:buFont typeface="Arial" panose="020B0604020202020204" pitchFamily="34" charset="0"/>
+                <a:buChar char="•"/>
+              </a:pPr>
               <a:endParaRPr lang="en-US" altLang="ko-KR" dirty="0">
                 <a:solidFill>
                   <a:schemeClr val="tx1"/>
@@ -11833,7 +11590,7 @@
 </p:sld>
 </file>
 
-<file path=ppt/slides/slide12.xml><?xml version="1.0" encoding="utf-8"?>
+<file path=ppt/slides/slide11.xml><?xml version="1.0" encoding="utf-8"?>
 <p:sld xmlns:a="http://schemas.openxmlformats.org/drawingml/2006/main" xmlns:r="http://schemas.openxmlformats.org/officeDocument/2006/relationships" xmlns:p="http://schemas.openxmlformats.org/presentationml/2006/main">
   <p:cSld>
     <p:spTree>
@@ -12772,7 +12529,7 @@
 </p:sld>
 </file>
 
-<file path=ppt/slides/slide13.xml><?xml version="1.0" encoding="utf-8"?>
+<file path=ppt/slides/slide12.xml><?xml version="1.0" encoding="utf-8"?>
 <p:sld xmlns:a="http://schemas.openxmlformats.org/drawingml/2006/main" xmlns:r="http://schemas.openxmlformats.org/officeDocument/2006/relationships" xmlns:p="http://schemas.openxmlformats.org/presentationml/2006/main">
   <p:cSld>
     <p:spTree>
@@ -12839,7 +12596,7 @@
 </p:sld>
 </file>
 
-<file path=ppt/slides/slide14.xml><?xml version="1.0" encoding="utf-8"?>
+<file path=ppt/slides/slide13.xml><?xml version="1.0" encoding="utf-8"?>
 <p:sld xmlns:a="http://schemas.openxmlformats.org/drawingml/2006/main" xmlns:r="http://schemas.openxmlformats.org/officeDocument/2006/relationships" xmlns:p="http://schemas.openxmlformats.org/presentationml/2006/main">
   <p:cSld>
     <p:spTree>
@@ -12983,7 +12740,7 @@
         </p:nvGrpSpPr>
         <p:grpSpPr>
           <a:xfrm>
-            <a:off x="1912999" y="1165045"/>
+            <a:off x="1912999" y="976786"/>
             <a:ext cx="8366001" cy="1914331"/>
             <a:chOff x="7280649" y="4038167"/>
             <a:chExt cx="4217057" cy="2389089"/>
@@ -13266,7 +13023,7 @@
         </p:nvGrpSpPr>
         <p:grpSpPr>
           <a:xfrm>
-            <a:off x="1913000" y="3281083"/>
+            <a:off x="1913000" y="3092824"/>
             <a:ext cx="8366000" cy="1618392"/>
             <a:chOff x="7280649" y="4038167"/>
             <a:chExt cx="4217057" cy="2389089"/>
@@ -13491,7 +13248,7 @@
         </p:nvGrpSpPr>
         <p:grpSpPr>
           <a:xfrm>
-            <a:off x="1913000" y="5051349"/>
+            <a:off x="1913000" y="4863090"/>
             <a:ext cx="8366000" cy="1618392"/>
             <a:chOff x="7280649" y="4038167"/>
             <a:chExt cx="4217057" cy="2389089"/>
@@ -13746,7 +13503,7 @@
 </p:sld>
 </file>
 
-<file path=ppt/slides/slide15.xml><?xml version="1.0" encoding="utf-8"?>
+<file path=ppt/slides/slide14.xml><?xml version="1.0" encoding="utf-8"?>
 <p:sld xmlns:a="http://schemas.openxmlformats.org/drawingml/2006/main" xmlns:r="http://schemas.openxmlformats.org/officeDocument/2006/relationships" xmlns:p="http://schemas.openxmlformats.org/presentationml/2006/main">
   <p:cSld>
     <p:spTree>
@@ -13813,7 +13570,7 @@
 </p:sld>
 </file>
 
-<file path=ppt/slides/slide16.xml><?xml version="1.0" encoding="utf-8"?>
+<file path=ppt/slides/slide15.xml><?xml version="1.0" encoding="utf-8"?>
 <p:sld xmlns:a="http://schemas.openxmlformats.org/drawingml/2006/main" xmlns:r="http://schemas.openxmlformats.org/officeDocument/2006/relationships" xmlns:p="http://schemas.openxmlformats.org/presentationml/2006/main">
   <p:cSld>
     <p:spTree>
@@ -13957,8 +13714,8 @@
         </p:nvGrpSpPr>
         <p:grpSpPr>
           <a:xfrm>
-            <a:off x="1912999" y="1514669"/>
-            <a:ext cx="8366001" cy="1914331"/>
+            <a:off x="1912999" y="1323238"/>
+            <a:ext cx="8366001" cy="2105762"/>
             <a:chOff x="7280649" y="4038167"/>
             <a:chExt cx="4217057" cy="2389089"/>
           </a:xfrm>
@@ -14076,7 +13833,114 @@
                     <a:schemeClr val="tx1"/>
                   </a:solidFill>
                 </a:rPr>
-                <a:t>작성 중</a:t>
+                <a:t>유저 상호작용과 그에 따른 유용한 효과로</a:t>
+              </a:r>
+              <a:br>
+                <a:rPr lang="en-US" altLang="ko-KR" dirty="0">
+                  <a:solidFill>
+                    <a:schemeClr val="tx1"/>
+                  </a:solidFill>
+                </a:rPr>
+              </a:br>
+              <a:r>
+                <a:rPr lang="ko-KR" altLang="en-US" dirty="0">
+                  <a:solidFill>
+                    <a:schemeClr val="tx1"/>
+                  </a:solidFill>
+                </a:rPr>
+                <a:t>플레이 참여와 보상을 마련</a:t>
+              </a:r>
+              <a:endParaRPr lang="en-US" altLang="ko-KR" dirty="0">
+                <a:solidFill>
+                  <a:schemeClr val="tx1"/>
+                </a:solidFill>
+              </a:endParaRPr>
+            </a:p>
+            <a:p>
+              <a:pPr marL="285750" indent="-285750">
+                <a:buFont typeface="Arial" panose="020B0604020202020204" pitchFamily="34" charset="0"/>
+                <a:buChar char="•"/>
+              </a:pPr>
+              <a:endParaRPr lang="en-US" altLang="ko-KR" dirty="0">
+                <a:solidFill>
+                  <a:schemeClr val="tx1"/>
+                </a:solidFill>
+              </a:endParaRPr>
+            </a:p>
+            <a:p>
+              <a:pPr marL="285750" indent="-285750">
+                <a:buFont typeface="Arial" panose="020B0604020202020204" pitchFamily="34" charset="0"/>
+                <a:buChar char="•"/>
+              </a:pPr>
+              <a:r>
+                <a:rPr lang="ko-KR" altLang="en-US" dirty="0">
+                  <a:solidFill>
+                    <a:schemeClr val="tx1"/>
+                  </a:solidFill>
+                </a:rPr>
+                <a:t>지루해지는 구간을 능동적으로 돌파할 수 있도록 함</a:t>
+              </a:r>
+              <a:endParaRPr lang="en-US" altLang="ko-KR" dirty="0">
+                <a:solidFill>
+                  <a:schemeClr val="tx1"/>
+                </a:solidFill>
+              </a:endParaRPr>
+            </a:p>
+            <a:p>
+              <a:pPr marL="285750" indent="-285750">
+                <a:buFont typeface="Arial" panose="020B0604020202020204" pitchFamily="34" charset="0"/>
+                <a:buChar char="•"/>
+              </a:pPr>
+              <a:endParaRPr lang="en-US" altLang="ko-KR" dirty="0">
+                <a:solidFill>
+                  <a:schemeClr val="tx1"/>
+                </a:solidFill>
+              </a:endParaRPr>
+            </a:p>
+            <a:p>
+              <a:pPr marL="285750" indent="-285750">
+                <a:buFont typeface="Arial" panose="020B0604020202020204" pitchFamily="34" charset="0"/>
+                <a:buChar char="•"/>
+              </a:pPr>
+              <a:r>
+                <a:rPr lang="ko-KR" altLang="en-US" dirty="0">
+                  <a:solidFill>
+                    <a:schemeClr val="tx1"/>
+                  </a:solidFill>
+                </a:rPr>
+                <a:t>스킬 레벨업을 통해 재화 사용처 마련</a:t>
+              </a:r>
+              <a:r>
+                <a:rPr lang="en-US" altLang="ko-KR" dirty="0">
+                  <a:solidFill>
+                    <a:schemeClr val="tx1"/>
+                  </a:solidFill>
+                </a:rPr>
+                <a:t>, </a:t>
+              </a:r>
+              <a:r>
+                <a:rPr lang="ko-KR" altLang="en-US" dirty="0">
+                  <a:solidFill>
+                    <a:schemeClr val="tx1"/>
+                  </a:solidFill>
+                </a:rPr>
+                <a:t>효율적인 재화 소비를 </a:t>
+              </a:r>
+              <a:r>
+                <a:rPr lang="ko-KR" altLang="en-US" dirty="0" err="1">
+                  <a:solidFill>
+                    <a:schemeClr val="tx1"/>
+                  </a:solidFill>
+                </a:rPr>
+                <a:t>생각토록</a:t>
+              </a:r>
+              <a:r>
+                <a:rPr lang="ko-KR" altLang="en-US" dirty="0">
+                  <a:solidFill>
+                    <a:schemeClr val="tx1"/>
+                  </a:solidFill>
+                </a:rPr>
+                <a:t> 함</a:t>
               </a:r>
               <a:endParaRPr lang="en-US" altLang="ko-KR" dirty="0">
                 <a:solidFill>
@@ -14140,7 +14004,7 @@
         </p:nvGrpSpPr>
         <p:grpSpPr>
           <a:xfrm>
-            <a:off x="1913000" y="3893708"/>
+            <a:off x="1913000" y="3702277"/>
             <a:ext cx="8366000" cy="2308274"/>
             <a:chOff x="7280649" y="4038167"/>
             <a:chExt cx="4217057" cy="2389089"/>
@@ -14259,13 +14123,154 @@
                     <a:schemeClr val="tx1"/>
                   </a:solidFill>
                 </a:rPr>
-                <a:t>작성 중</a:t>
-              </a:r>
+                <a:t>상호작용을 통해 일정 시간 동안 효과를 발휘하는 스킬을 발동할 수 있다</a:t>
+              </a:r>
+              <a:r>
+                <a:rPr lang="en-US" altLang="ko-KR" dirty="0">
+                  <a:solidFill>
+                    <a:schemeClr val="tx1"/>
+                  </a:solidFill>
+                </a:rPr>
+                <a:t>.</a:t>
+              </a:r>
+            </a:p>
+            <a:p>
+              <a:pPr marL="285750" indent="-285750">
+                <a:buFont typeface="Arial" panose="020B0604020202020204" pitchFamily="34" charset="0"/>
+                <a:buChar char="•"/>
+              </a:pPr>
               <a:endParaRPr lang="en-US" altLang="ko-KR" dirty="0">
                 <a:solidFill>
                   <a:schemeClr val="tx1"/>
                 </a:solidFill>
               </a:endParaRPr>
+            </a:p>
+            <a:p>
+              <a:pPr marL="285750" indent="-285750">
+                <a:buFont typeface="Arial" panose="020B0604020202020204" pitchFamily="34" charset="0"/>
+                <a:buChar char="•"/>
+              </a:pPr>
+              <a:r>
+                <a:rPr lang="ko-KR" altLang="en-US" dirty="0">
+                  <a:solidFill>
+                    <a:schemeClr val="tx1"/>
+                  </a:solidFill>
+                </a:rPr>
+                <a:t>스킬 발동이 끝나고</a:t>
+              </a:r>
+              <a:r>
+                <a:rPr lang="en-US" altLang="ko-KR" dirty="0">
+                  <a:solidFill>
+                    <a:schemeClr val="tx1"/>
+                  </a:solidFill>
+                </a:rPr>
+                <a:t>, </a:t>
+              </a:r>
+              <a:r>
+                <a:rPr lang="ko-KR" altLang="en-US" dirty="0">
+                  <a:solidFill>
+                    <a:schemeClr val="tx1"/>
+                  </a:solidFill>
+                </a:rPr>
+                <a:t>지정된 </a:t>
+              </a:r>
+              <a:r>
+                <a:rPr lang="ko-KR" altLang="en-US" dirty="0" err="1">
+                  <a:solidFill>
+                    <a:schemeClr val="tx1"/>
+                  </a:solidFill>
+                </a:rPr>
+                <a:t>쿨타임동안</a:t>
+              </a:r>
+              <a:r>
+                <a:rPr lang="ko-KR" altLang="en-US" dirty="0">
+                  <a:solidFill>
+                    <a:schemeClr val="tx1"/>
+                  </a:solidFill>
+                </a:rPr>
+                <a:t> 스킬을 재사용할 수 없다</a:t>
+              </a:r>
+              <a:r>
+                <a:rPr lang="en-US" altLang="ko-KR" dirty="0">
+                  <a:solidFill>
+                    <a:schemeClr val="tx1"/>
+                  </a:solidFill>
+                </a:rPr>
+                <a:t>.</a:t>
+              </a:r>
+            </a:p>
+            <a:p>
+              <a:pPr marL="285750" indent="-285750">
+                <a:buFont typeface="Arial" panose="020B0604020202020204" pitchFamily="34" charset="0"/>
+                <a:buChar char="•"/>
+              </a:pPr>
+              <a:endParaRPr lang="en-US" altLang="ko-KR" dirty="0">
+                <a:solidFill>
+                  <a:schemeClr val="tx1"/>
+                </a:solidFill>
+              </a:endParaRPr>
+            </a:p>
+            <a:p>
+              <a:pPr marL="285750" indent="-285750">
+                <a:buFont typeface="Arial" panose="020B0604020202020204" pitchFamily="34" charset="0"/>
+                <a:buChar char="•"/>
+              </a:pPr>
+              <a:r>
+                <a:rPr lang="ko-KR" altLang="en-US" dirty="0">
+                  <a:solidFill>
+                    <a:schemeClr val="tx1"/>
+                  </a:solidFill>
+                </a:rPr>
+                <a:t>레벨업을 통해 효과를 강화하고</a:t>
+              </a:r>
+              <a:r>
+                <a:rPr lang="en-US" altLang="ko-KR" dirty="0">
+                  <a:solidFill>
+                    <a:schemeClr val="tx1"/>
+                  </a:solidFill>
+                </a:rPr>
+                <a:t>, </a:t>
+              </a:r>
+              <a:r>
+                <a:rPr lang="ko-KR" altLang="en-US" dirty="0">
+                  <a:solidFill>
+                    <a:schemeClr val="tx1"/>
+                  </a:solidFill>
+                </a:rPr>
+                <a:t>지속시간을 늘리며</a:t>
+              </a:r>
+              <a:r>
+                <a:rPr lang="en-US" altLang="ko-KR" dirty="0">
+                  <a:solidFill>
+                    <a:schemeClr val="tx1"/>
+                  </a:solidFill>
+                </a:rPr>
+                <a:t>, </a:t>
+              </a:r>
+              <a:r>
+                <a:rPr lang="ko-KR" altLang="en-US" dirty="0" err="1">
+                  <a:solidFill>
+                    <a:schemeClr val="tx1"/>
+                  </a:solidFill>
+                </a:rPr>
+                <a:t>쿨타임을</a:t>
+              </a:r>
+              <a:r>
+                <a:rPr lang="ko-KR" altLang="en-US" dirty="0">
+                  <a:solidFill>
+                    <a:schemeClr val="tx1"/>
+                  </a:solidFill>
+                </a:rPr>
+                <a:t> 줄일 수 있다</a:t>
+              </a:r>
+              <a:r>
+                <a:rPr lang="en-US" altLang="ko-KR" dirty="0">
+                  <a:solidFill>
+                    <a:schemeClr val="tx1"/>
+                  </a:solidFill>
+                </a:rPr>
+                <a:t>.</a:t>
+              </a:r>
             </a:p>
           </p:txBody>
         </p:sp>
@@ -14322,7 +14327,2117 @@
 </p:sld>
 </file>
 
+<file path=ppt/slides/slide16.xml><?xml version="1.0" encoding="utf-8"?>
+<p:sld xmlns:a="http://schemas.openxmlformats.org/drawingml/2006/main" xmlns:r="http://schemas.openxmlformats.org/officeDocument/2006/relationships" xmlns:p="http://schemas.openxmlformats.org/presentationml/2006/main">
+  <p:cSld>
+    <p:spTree>
+      <p:nvGrpSpPr>
+        <p:cNvPr id="1" name=""/>
+        <p:cNvGrpSpPr/>
+        <p:nvPr/>
+      </p:nvGrpSpPr>
+      <p:grpSpPr>
+        <a:xfrm>
+          <a:off x="0" y="0"/>
+          <a:ext cx="0" cy="0"/>
+          <a:chOff x="0" y="0"/>
+          <a:chExt cx="0" cy="0"/>
+        </a:xfrm>
+      </p:grpSpPr>
+      <p:grpSp>
+        <p:nvGrpSpPr>
+          <p:cNvPr id="38" name="그룹 37">
+            <a:extLst>
+              <a:ext uri="{FF2B5EF4-FFF2-40B4-BE49-F238E27FC236}">
+                <a16:creationId xmlns:a16="http://schemas.microsoft.com/office/drawing/2014/main" id="{1D8E532E-9E14-4EC0-9A5D-C7F11045D019}"/>
+              </a:ext>
+            </a:extLst>
+          </p:cNvPr>
+          <p:cNvGrpSpPr/>
+          <p:nvPr/>
+        </p:nvGrpSpPr>
+        <p:grpSpPr>
+          <a:xfrm>
+            <a:off x="-1" y="99367"/>
+            <a:ext cx="2810435" cy="620714"/>
+            <a:chOff x="0" y="231324"/>
+            <a:chExt cx="2341178" cy="620714"/>
+          </a:xfrm>
+        </p:grpSpPr>
+        <p:sp>
+          <p:nvSpPr>
+            <p:cNvPr id="39" name="TextBox 38">
+              <a:extLst>
+                <a:ext uri="{FF2B5EF4-FFF2-40B4-BE49-F238E27FC236}">
+                  <a16:creationId xmlns:a16="http://schemas.microsoft.com/office/drawing/2014/main" id="{6CDC6D6B-2C6F-4506-A1A4-B60E366A7E7F}"/>
+                </a:ext>
+              </a:extLst>
+            </p:cNvPr>
+            <p:cNvSpPr txBox="1"/>
+            <p:nvPr/>
+          </p:nvSpPr>
+          <p:spPr>
+            <a:xfrm>
+              <a:off x="0" y="231324"/>
+              <a:ext cx="2341178" cy="523220"/>
+            </a:xfrm>
+            <a:prstGeom prst="rect">
+              <a:avLst/>
+            </a:prstGeom>
+            <a:noFill/>
+          </p:spPr>
+          <p:txBody>
+            <a:bodyPr wrap="square" rtlCol="0">
+              <a:spAutoFit/>
+            </a:bodyPr>
+            <a:lstStyle/>
+            <a:p>
+              <a:r>
+                <a:rPr lang="en-US" altLang="ko-KR" sz="2800" b="1" dirty="0"/>
+                <a:t>4. </a:t>
+              </a:r>
+              <a:r>
+                <a:rPr lang="ko-KR" altLang="en-US" sz="2800" b="1" dirty="0"/>
+                <a:t>액티브 스킬</a:t>
+              </a:r>
+              <a:endParaRPr lang="ko-KR" altLang="en-US" sz="1400" b="1" dirty="0"/>
+            </a:p>
+          </p:txBody>
+        </p:sp>
+        <p:sp>
+          <p:nvSpPr>
+            <p:cNvPr id="40" name="평행 사변형 39">
+              <a:extLst>
+                <a:ext uri="{FF2B5EF4-FFF2-40B4-BE49-F238E27FC236}">
+                  <a16:creationId xmlns:a16="http://schemas.microsoft.com/office/drawing/2014/main" id="{4E81B653-ED60-4FFF-82E8-2306DFEB399E}"/>
+                </a:ext>
+              </a:extLst>
+            </p:cNvPr>
+            <p:cNvSpPr/>
+            <p:nvPr/>
+          </p:nvSpPr>
+          <p:spPr>
+            <a:xfrm>
+              <a:off x="0" y="787975"/>
+              <a:ext cx="2196000" cy="64063"/>
+            </a:xfrm>
+            <a:prstGeom prst="parallelogram">
+              <a:avLst/>
+            </a:prstGeom>
+            <a:solidFill>
+              <a:schemeClr val="tx1"/>
+            </a:solidFill>
+            <a:ln>
+              <a:noFill/>
+            </a:ln>
+          </p:spPr>
+          <p:style>
+            <a:lnRef idx="2">
+              <a:schemeClr val="accent1">
+                <a:shade val="50000"/>
+              </a:schemeClr>
+            </a:lnRef>
+            <a:fillRef idx="1">
+              <a:schemeClr val="accent1"/>
+            </a:fillRef>
+            <a:effectRef idx="0">
+              <a:schemeClr val="accent1"/>
+            </a:effectRef>
+            <a:fontRef idx="minor">
+              <a:schemeClr val="lt1"/>
+            </a:fontRef>
+          </p:style>
+          <p:txBody>
+            <a:bodyPr rtlCol="0" anchor="ctr"/>
+            <a:lstStyle/>
+            <a:p>
+              <a:pPr algn="ctr"/>
+              <a:endParaRPr lang="ko-KR" altLang="en-US" dirty="0"/>
+            </a:p>
+          </p:txBody>
+        </p:sp>
+      </p:grpSp>
+      <p:grpSp>
+        <p:nvGrpSpPr>
+          <p:cNvPr id="23" name="그룹 22">
+            <a:extLst>
+              <a:ext uri="{FF2B5EF4-FFF2-40B4-BE49-F238E27FC236}">
+                <a16:creationId xmlns:a16="http://schemas.microsoft.com/office/drawing/2014/main" id="{C84C9E02-B559-4FF1-BE61-BB0CD4741D3B}"/>
+              </a:ext>
+            </a:extLst>
+          </p:cNvPr>
+          <p:cNvGrpSpPr/>
+          <p:nvPr/>
+        </p:nvGrpSpPr>
+        <p:grpSpPr>
+          <a:xfrm>
+            <a:off x="1912999" y="2376119"/>
+            <a:ext cx="8366001" cy="2105762"/>
+            <a:chOff x="7280649" y="4038167"/>
+            <a:chExt cx="4217057" cy="2389089"/>
+          </a:xfrm>
+        </p:grpSpPr>
+        <p:sp>
+          <p:nvSpPr>
+            <p:cNvPr id="24" name="직사각형 23">
+              <a:extLst>
+                <a:ext uri="{FF2B5EF4-FFF2-40B4-BE49-F238E27FC236}">
+                  <a16:creationId xmlns:a16="http://schemas.microsoft.com/office/drawing/2014/main" id="{ACB38A61-B130-493E-B257-7C7D98BBDD2B}"/>
+                </a:ext>
+              </a:extLst>
+            </p:cNvPr>
+            <p:cNvSpPr/>
+            <p:nvPr/>
+          </p:nvSpPr>
+          <p:spPr>
+            <a:xfrm>
+              <a:off x="7280649" y="4038168"/>
+              <a:ext cx="4217057" cy="2389088"/>
+            </a:xfrm>
+            <a:prstGeom prst="rect">
+              <a:avLst/>
+            </a:prstGeom>
+            <a:solidFill>
+              <a:schemeClr val="tx1"/>
+            </a:solidFill>
+            <a:ln>
+              <a:solidFill>
+                <a:schemeClr val="tx1"/>
+              </a:solidFill>
+            </a:ln>
+          </p:spPr>
+          <p:style>
+            <a:lnRef idx="2">
+              <a:schemeClr val="accent1">
+                <a:shade val="50000"/>
+              </a:schemeClr>
+            </a:lnRef>
+            <a:fillRef idx="1">
+              <a:schemeClr val="accent1"/>
+            </a:fillRef>
+            <a:effectRef idx="0">
+              <a:schemeClr val="accent1"/>
+            </a:effectRef>
+            <a:fontRef idx="minor">
+              <a:schemeClr val="lt1"/>
+            </a:fontRef>
+          </p:style>
+          <p:txBody>
+            <a:bodyPr rtlCol="0" anchor="ctr"/>
+            <a:lstStyle/>
+            <a:p>
+              <a:pPr algn="ctr"/>
+              <a:endParaRPr lang="ko-KR" altLang="en-US"/>
+            </a:p>
+          </p:txBody>
+        </p:sp>
+        <p:sp>
+          <p:nvSpPr>
+            <p:cNvPr id="25" name="직사각형 24">
+              <a:extLst>
+                <a:ext uri="{FF2B5EF4-FFF2-40B4-BE49-F238E27FC236}">
+                  <a16:creationId xmlns:a16="http://schemas.microsoft.com/office/drawing/2014/main" id="{980DB22C-A901-4481-BC3F-76F5CFF2FC78}"/>
+                </a:ext>
+              </a:extLst>
+            </p:cNvPr>
+            <p:cNvSpPr/>
+            <p:nvPr/>
+          </p:nvSpPr>
+          <p:spPr>
+            <a:xfrm>
+              <a:off x="7280649" y="4407499"/>
+              <a:ext cx="4217057" cy="2019757"/>
+            </a:xfrm>
+            <a:prstGeom prst="rect">
+              <a:avLst/>
+            </a:prstGeom>
+            <a:solidFill>
+              <a:schemeClr val="bg1"/>
+            </a:solidFill>
+            <a:ln>
+              <a:solidFill>
+                <a:schemeClr val="tx1"/>
+              </a:solidFill>
+            </a:ln>
+          </p:spPr>
+          <p:style>
+            <a:lnRef idx="2">
+              <a:schemeClr val="accent1">
+                <a:shade val="50000"/>
+              </a:schemeClr>
+            </a:lnRef>
+            <a:fillRef idx="1">
+              <a:schemeClr val="accent1"/>
+            </a:fillRef>
+            <a:effectRef idx="0">
+              <a:schemeClr val="accent1"/>
+            </a:effectRef>
+            <a:fontRef idx="minor">
+              <a:schemeClr val="lt1"/>
+            </a:fontRef>
+          </p:style>
+          <p:txBody>
+            <a:bodyPr rtlCol="0" anchor="ctr"/>
+            <a:lstStyle/>
+            <a:p>
+              <a:r>
+                <a:rPr lang="en-US" altLang="ko-KR" dirty="0">
+                  <a:solidFill>
+                    <a:schemeClr val="tx1"/>
+                  </a:solidFill>
+                </a:rPr>
+                <a:t>if(Touch </a:t>
+              </a:r>
+              <a:r>
+                <a:rPr lang="en-US" altLang="ko-KR" dirty="0" err="1">
+                  <a:solidFill>
+                    <a:schemeClr val="tx1"/>
+                  </a:solidFill>
+                </a:rPr>
+                <a:t>Activing</a:t>
+              </a:r>
+              <a:r>
+                <a:rPr lang="en-US" altLang="ko-KR" dirty="0">
+                  <a:solidFill>
+                    <a:schemeClr val="tx1"/>
+                  </a:solidFill>
+                </a:rPr>
+                <a:t> Skill):</a:t>
+              </a:r>
+            </a:p>
+            <a:p>
+              <a:pPr lvl="1"/>
+              <a:r>
+                <a:rPr lang="en-US" altLang="ko-KR" dirty="0">
+                  <a:solidFill>
+                    <a:schemeClr val="tx1"/>
+                  </a:solidFill>
+                </a:rPr>
+                <a:t>Adopt Skill Effect for </a:t>
+              </a:r>
+              <a:r>
+                <a:rPr lang="en-US" altLang="ko-KR" dirty="0" err="1">
+                  <a:solidFill>
+                    <a:schemeClr val="tx1"/>
+                  </a:solidFill>
+                </a:rPr>
+                <a:t>DurationTime</a:t>
+              </a:r>
+              <a:r>
+                <a:rPr lang="en-US" altLang="ko-KR" dirty="0">
+                  <a:solidFill>
+                    <a:schemeClr val="tx1"/>
+                  </a:solidFill>
+                </a:rPr>
+                <a:t>(s);</a:t>
+              </a:r>
+              <a:br>
+                <a:rPr lang="en-US" altLang="ko-KR" dirty="0">
+                  <a:solidFill>
+                    <a:schemeClr val="tx1"/>
+                  </a:solidFill>
+                </a:rPr>
+              </a:br>
+              <a:r>
+                <a:rPr lang="en-US" altLang="ko-KR" i="1" dirty="0">
+                  <a:solidFill>
+                    <a:schemeClr val="tx1"/>
+                  </a:solidFill>
+                </a:rPr>
+                <a:t>(</a:t>
+              </a:r>
+              <a:r>
+                <a:rPr lang="ko-KR" altLang="en-US" i="1" dirty="0">
+                  <a:solidFill>
+                    <a:schemeClr val="tx1"/>
+                  </a:solidFill>
+                </a:rPr>
+                <a:t>스킬 효과는 </a:t>
+              </a:r>
+              <a:r>
+                <a:rPr lang="en-US" altLang="ko-KR" i="1" dirty="0">
+                  <a:solidFill>
+                    <a:schemeClr val="tx1"/>
+                  </a:solidFill>
+                </a:rPr>
+                <a:t>Skill ID</a:t>
+              </a:r>
+              <a:r>
+                <a:rPr lang="ko-KR" altLang="en-US" i="1" dirty="0">
+                  <a:solidFill>
+                    <a:schemeClr val="tx1"/>
+                  </a:solidFill>
+                </a:rPr>
+                <a:t>에 따라 적절한 </a:t>
+              </a:r>
+              <a:r>
+                <a:rPr lang="en-US" altLang="ko-KR" i="1" dirty="0">
+                  <a:solidFill>
+                    <a:schemeClr val="tx1"/>
+                  </a:solidFill>
+                </a:rPr>
+                <a:t>4.1 </a:t>
+              </a:r>
+              <a:r>
+                <a:rPr lang="ko-KR" altLang="en-US" i="1" dirty="0">
+                  <a:solidFill>
+                    <a:schemeClr val="tx1"/>
+                  </a:solidFill>
+                </a:rPr>
+                <a:t>스킬 효과 시스템을 적용</a:t>
+              </a:r>
+              <a:r>
+                <a:rPr lang="en-US" altLang="ko-KR" i="1" dirty="0">
+                  <a:solidFill>
+                    <a:schemeClr val="tx1"/>
+                  </a:solidFill>
+                </a:rPr>
+                <a:t>)</a:t>
+              </a:r>
+            </a:p>
+            <a:p>
+              <a:pPr lvl="1"/>
+              <a:r>
+                <a:rPr lang="en-US" altLang="ko-KR" dirty="0">
+                  <a:solidFill>
+                    <a:schemeClr val="tx1"/>
+                  </a:solidFill>
+                </a:rPr>
+                <a:t>When end of </a:t>
+              </a:r>
+              <a:r>
+                <a:rPr lang="en-US" altLang="ko-KR" dirty="0" err="1">
+                  <a:solidFill>
+                    <a:schemeClr val="tx1"/>
+                  </a:solidFill>
+                </a:rPr>
+                <a:t>DurationTime</a:t>
+              </a:r>
+              <a:r>
+                <a:rPr lang="en-US" altLang="ko-KR" dirty="0">
+                  <a:solidFill>
+                    <a:schemeClr val="tx1"/>
+                  </a:solidFill>
+                </a:rPr>
+                <a:t>, can`t use same Skill for </a:t>
+              </a:r>
+              <a:r>
+                <a:rPr lang="en-US" altLang="ko-KR" dirty="0" err="1">
+                  <a:solidFill>
+                    <a:schemeClr val="tx1"/>
+                  </a:solidFill>
+                </a:rPr>
+                <a:t>Cooltime</a:t>
+              </a:r>
+              <a:r>
+                <a:rPr lang="en-US" altLang="ko-KR" dirty="0">
+                  <a:solidFill>
+                    <a:schemeClr val="tx1"/>
+                  </a:solidFill>
+                </a:rPr>
+                <a:t>;</a:t>
+              </a:r>
+            </a:p>
+          </p:txBody>
+        </p:sp>
+        <p:sp>
+          <p:nvSpPr>
+            <p:cNvPr id="26" name="TextBox 25">
+              <a:extLst>
+                <a:ext uri="{FF2B5EF4-FFF2-40B4-BE49-F238E27FC236}">
+                  <a16:creationId xmlns:a16="http://schemas.microsoft.com/office/drawing/2014/main" id="{8A314BEB-84D8-49EB-B61D-DD2705D8297D}"/>
+                </a:ext>
+              </a:extLst>
+            </p:cNvPr>
+            <p:cNvSpPr txBox="1"/>
+            <p:nvPr/>
+          </p:nvSpPr>
+          <p:spPr>
+            <a:xfrm>
+              <a:off x="7442366" y="4038167"/>
+              <a:ext cx="3881263" cy="419025"/>
+            </a:xfrm>
+            <a:prstGeom prst="rect">
+              <a:avLst/>
+            </a:prstGeom>
+            <a:noFill/>
+          </p:spPr>
+          <p:txBody>
+            <a:bodyPr wrap="square" rtlCol="0">
+              <a:spAutoFit/>
+            </a:bodyPr>
+            <a:lstStyle/>
+            <a:p>
+              <a:r>
+                <a:rPr lang="ko-KR" altLang="en-US" dirty="0">
+                  <a:solidFill>
+                    <a:schemeClr val="bg1"/>
+                  </a:solidFill>
+                </a:rPr>
+                <a:t>상세 설명</a:t>
+              </a:r>
+            </a:p>
+          </p:txBody>
+        </p:sp>
+      </p:grpSp>
+    </p:spTree>
+    <p:extLst>
+      <p:ext uri="{BB962C8B-B14F-4D97-AF65-F5344CB8AC3E}">
+        <p14:creationId xmlns:p14="http://schemas.microsoft.com/office/powerpoint/2010/main" val="2324592808"/>
+      </p:ext>
+    </p:extLst>
+  </p:cSld>
+  <p:clrMapOvr>
+    <a:masterClrMapping/>
+  </p:clrMapOvr>
+</p:sld>
+</file>
+
 <file path=ppt/slides/slide17.xml><?xml version="1.0" encoding="utf-8"?>
+<p:sld xmlns:a="http://schemas.openxmlformats.org/drawingml/2006/main" xmlns:r="http://schemas.openxmlformats.org/officeDocument/2006/relationships" xmlns:p="http://schemas.openxmlformats.org/presentationml/2006/main">
+  <p:cSld>
+    <p:spTree>
+      <p:nvGrpSpPr>
+        <p:cNvPr id="1" name=""/>
+        <p:cNvGrpSpPr/>
+        <p:nvPr/>
+      </p:nvGrpSpPr>
+      <p:grpSpPr>
+        <a:xfrm>
+          <a:off x="0" y="0"/>
+          <a:ext cx="0" cy="0"/>
+          <a:chOff x="0" y="0"/>
+          <a:chExt cx="0" cy="0"/>
+        </a:xfrm>
+      </p:grpSpPr>
+      <p:pic>
+        <p:nvPicPr>
+          <p:cNvPr id="3" name="그림 2">
+            <a:extLst>
+              <a:ext uri="{FF2B5EF4-FFF2-40B4-BE49-F238E27FC236}">
+                <a16:creationId xmlns:a16="http://schemas.microsoft.com/office/drawing/2014/main" id="{1824EF2F-36E2-4289-B31B-E5FE5773533E}"/>
+              </a:ext>
+            </a:extLst>
+          </p:cNvPr>
+          <p:cNvPicPr>
+            <a:picLocks noChangeAspect="1"/>
+          </p:cNvPicPr>
+          <p:nvPr/>
+        </p:nvPicPr>
+        <p:blipFill>
+          <a:blip r:embed="rId3">
+            <a:extLst>
+              <a:ext uri="{28A0092B-C50C-407E-A947-70E740481C1C}">
+                <a14:useLocalDpi xmlns:a14="http://schemas.microsoft.com/office/drawing/2010/main" val="0"/>
+              </a:ext>
+            </a:extLst>
+          </a:blip>
+          <a:stretch>
+            <a:fillRect/>
+          </a:stretch>
+        </p:blipFill>
+        <p:spPr>
+          <a:xfrm>
+            <a:off x="7905749" y="2183696"/>
+            <a:ext cx="2962275" cy="2886075"/>
+          </a:xfrm>
+          <a:prstGeom prst="rect">
+            <a:avLst/>
+          </a:prstGeom>
+        </p:spPr>
+      </p:pic>
+      <p:grpSp>
+        <p:nvGrpSpPr>
+          <p:cNvPr id="38" name="그룹 37">
+            <a:extLst>
+              <a:ext uri="{FF2B5EF4-FFF2-40B4-BE49-F238E27FC236}">
+                <a16:creationId xmlns:a16="http://schemas.microsoft.com/office/drawing/2014/main" id="{1D8E532E-9E14-4EC0-9A5D-C7F11045D019}"/>
+              </a:ext>
+            </a:extLst>
+          </p:cNvPr>
+          <p:cNvGrpSpPr/>
+          <p:nvPr/>
+        </p:nvGrpSpPr>
+        <p:grpSpPr>
+          <a:xfrm>
+            <a:off x="-1" y="99367"/>
+            <a:ext cx="2810435" cy="620714"/>
+            <a:chOff x="0" y="231324"/>
+            <a:chExt cx="2341178" cy="620714"/>
+          </a:xfrm>
+        </p:grpSpPr>
+        <p:sp>
+          <p:nvSpPr>
+            <p:cNvPr id="39" name="TextBox 38">
+              <a:extLst>
+                <a:ext uri="{FF2B5EF4-FFF2-40B4-BE49-F238E27FC236}">
+                  <a16:creationId xmlns:a16="http://schemas.microsoft.com/office/drawing/2014/main" id="{6CDC6D6B-2C6F-4506-A1A4-B60E366A7E7F}"/>
+                </a:ext>
+              </a:extLst>
+            </p:cNvPr>
+            <p:cNvSpPr txBox="1"/>
+            <p:nvPr/>
+          </p:nvSpPr>
+          <p:spPr>
+            <a:xfrm>
+              <a:off x="0" y="231324"/>
+              <a:ext cx="2341178" cy="523220"/>
+            </a:xfrm>
+            <a:prstGeom prst="rect">
+              <a:avLst/>
+            </a:prstGeom>
+            <a:noFill/>
+          </p:spPr>
+          <p:txBody>
+            <a:bodyPr wrap="square" rtlCol="0">
+              <a:spAutoFit/>
+            </a:bodyPr>
+            <a:lstStyle/>
+            <a:p>
+              <a:r>
+                <a:rPr lang="en-US" altLang="ko-KR" sz="2800" b="1" dirty="0"/>
+                <a:t>4. </a:t>
+              </a:r>
+              <a:r>
+                <a:rPr lang="ko-KR" altLang="en-US" sz="2800" b="1" dirty="0"/>
+                <a:t>액티브 스킬</a:t>
+              </a:r>
+              <a:endParaRPr lang="ko-KR" altLang="en-US" sz="1400" b="1" dirty="0"/>
+            </a:p>
+          </p:txBody>
+        </p:sp>
+        <p:sp>
+          <p:nvSpPr>
+            <p:cNvPr id="40" name="평행 사변형 39">
+              <a:extLst>
+                <a:ext uri="{FF2B5EF4-FFF2-40B4-BE49-F238E27FC236}">
+                  <a16:creationId xmlns:a16="http://schemas.microsoft.com/office/drawing/2014/main" id="{4E81B653-ED60-4FFF-82E8-2306DFEB399E}"/>
+                </a:ext>
+              </a:extLst>
+            </p:cNvPr>
+            <p:cNvSpPr/>
+            <p:nvPr/>
+          </p:nvSpPr>
+          <p:spPr>
+            <a:xfrm>
+              <a:off x="0" y="787975"/>
+              <a:ext cx="2196000" cy="64063"/>
+            </a:xfrm>
+            <a:prstGeom prst="parallelogram">
+              <a:avLst/>
+            </a:prstGeom>
+            <a:solidFill>
+              <a:schemeClr val="tx1"/>
+            </a:solidFill>
+            <a:ln>
+              <a:noFill/>
+            </a:ln>
+          </p:spPr>
+          <p:style>
+            <a:lnRef idx="2">
+              <a:schemeClr val="accent1">
+                <a:shade val="50000"/>
+              </a:schemeClr>
+            </a:lnRef>
+            <a:fillRef idx="1">
+              <a:schemeClr val="accent1"/>
+            </a:fillRef>
+            <a:effectRef idx="0">
+              <a:schemeClr val="accent1"/>
+            </a:effectRef>
+            <a:fontRef idx="minor">
+              <a:schemeClr val="lt1"/>
+            </a:fontRef>
+          </p:style>
+          <p:txBody>
+            <a:bodyPr rtlCol="0" anchor="ctr"/>
+            <a:lstStyle/>
+            <a:p>
+              <a:pPr algn="ctr"/>
+              <a:endParaRPr lang="ko-KR" altLang="en-US" dirty="0"/>
+            </a:p>
+          </p:txBody>
+        </p:sp>
+      </p:grpSp>
+      <p:grpSp>
+        <p:nvGrpSpPr>
+          <p:cNvPr id="23" name="그룹 22">
+            <a:extLst>
+              <a:ext uri="{FF2B5EF4-FFF2-40B4-BE49-F238E27FC236}">
+                <a16:creationId xmlns:a16="http://schemas.microsoft.com/office/drawing/2014/main" id="{C84C9E02-B559-4FF1-BE61-BB0CD4741D3B}"/>
+              </a:ext>
+            </a:extLst>
+          </p:cNvPr>
+          <p:cNvGrpSpPr/>
+          <p:nvPr/>
+        </p:nvGrpSpPr>
+        <p:grpSpPr>
+          <a:xfrm>
+            <a:off x="1318078" y="2376118"/>
+            <a:ext cx="5671142" cy="2252841"/>
+            <a:chOff x="7280649" y="4038167"/>
+            <a:chExt cx="4217057" cy="2389089"/>
+          </a:xfrm>
+        </p:grpSpPr>
+        <p:sp>
+          <p:nvSpPr>
+            <p:cNvPr id="24" name="직사각형 23">
+              <a:extLst>
+                <a:ext uri="{FF2B5EF4-FFF2-40B4-BE49-F238E27FC236}">
+                  <a16:creationId xmlns:a16="http://schemas.microsoft.com/office/drawing/2014/main" id="{ACB38A61-B130-493E-B257-7C7D98BBDD2B}"/>
+                </a:ext>
+              </a:extLst>
+            </p:cNvPr>
+            <p:cNvSpPr/>
+            <p:nvPr/>
+          </p:nvSpPr>
+          <p:spPr>
+            <a:xfrm>
+              <a:off x="7280649" y="4038168"/>
+              <a:ext cx="4217057" cy="2389088"/>
+            </a:xfrm>
+            <a:prstGeom prst="rect">
+              <a:avLst/>
+            </a:prstGeom>
+            <a:solidFill>
+              <a:schemeClr val="tx1"/>
+            </a:solidFill>
+            <a:ln>
+              <a:solidFill>
+                <a:schemeClr val="tx1"/>
+              </a:solidFill>
+            </a:ln>
+          </p:spPr>
+          <p:style>
+            <a:lnRef idx="2">
+              <a:schemeClr val="accent1">
+                <a:shade val="50000"/>
+              </a:schemeClr>
+            </a:lnRef>
+            <a:fillRef idx="1">
+              <a:schemeClr val="accent1"/>
+            </a:fillRef>
+            <a:effectRef idx="0">
+              <a:schemeClr val="accent1"/>
+            </a:effectRef>
+            <a:fontRef idx="minor">
+              <a:schemeClr val="lt1"/>
+            </a:fontRef>
+          </p:style>
+          <p:txBody>
+            <a:bodyPr rtlCol="0" anchor="ctr"/>
+            <a:lstStyle/>
+            <a:p>
+              <a:pPr algn="ctr"/>
+              <a:endParaRPr lang="ko-KR" altLang="en-US"/>
+            </a:p>
+          </p:txBody>
+        </p:sp>
+        <p:sp>
+          <p:nvSpPr>
+            <p:cNvPr id="25" name="직사각형 24">
+              <a:extLst>
+                <a:ext uri="{FF2B5EF4-FFF2-40B4-BE49-F238E27FC236}">
+                  <a16:creationId xmlns:a16="http://schemas.microsoft.com/office/drawing/2014/main" id="{980DB22C-A901-4481-BC3F-76F5CFF2FC78}"/>
+                </a:ext>
+              </a:extLst>
+            </p:cNvPr>
+            <p:cNvSpPr/>
+            <p:nvPr/>
+          </p:nvSpPr>
+          <p:spPr>
+            <a:xfrm>
+              <a:off x="7280649" y="4407499"/>
+              <a:ext cx="4217057" cy="2019757"/>
+            </a:xfrm>
+            <a:prstGeom prst="rect">
+              <a:avLst/>
+            </a:prstGeom>
+            <a:solidFill>
+              <a:schemeClr val="bg1"/>
+            </a:solidFill>
+            <a:ln>
+              <a:solidFill>
+                <a:schemeClr val="tx1"/>
+              </a:solidFill>
+            </a:ln>
+          </p:spPr>
+          <p:style>
+            <a:lnRef idx="2">
+              <a:schemeClr val="accent1">
+                <a:shade val="50000"/>
+              </a:schemeClr>
+            </a:lnRef>
+            <a:fillRef idx="1">
+              <a:schemeClr val="accent1"/>
+            </a:fillRef>
+            <a:effectRef idx="0">
+              <a:schemeClr val="accent1"/>
+            </a:effectRef>
+            <a:fontRef idx="minor">
+              <a:schemeClr val="lt1"/>
+            </a:fontRef>
+          </p:style>
+          <p:txBody>
+            <a:bodyPr rtlCol="0" anchor="ctr"/>
+            <a:lstStyle/>
+            <a:p>
+              <a:pPr marL="285750" indent="-285750">
+                <a:buFont typeface="Arial" panose="020B0604020202020204" pitchFamily="34" charset="0"/>
+                <a:buChar char="•"/>
+              </a:pPr>
+              <a:r>
+                <a:rPr lang="ko-KR" altLang="en-US" dirty="0">
+                  <a:solidFill>
+                    <a:schemeClr val="tx1"/>
+                  </a:solidFill>
+                </a:rPr>
+                <a:t>각 </a:t>
+              </a:r>
+              <a:r>
+                <a:rPr lang="ko-KR" altLang="en-US" dirty="0" err="1">
+                  <a:solidFill>
+                    <a:schemeClr val="tx1"/>
+                  </a:solidFill>
+                </a:rPr>
+                <a:t>스킬별로</a:t>
+              </a:r>
+              <a:r>
+                <a:rPr lang="ko-KR" altLang="en-US" dirty="0">
+                  <a:solidFill>
+                    <a:schemeClr val="tx1"/>
+                  </a:solidFill>
+                </a:rPr>
+                <a:t> 스킬 아이콘이 화면에 </a:t>
+              </a:r>
+              <a:r>
+                <a:rPr lang="ko-KR" altLang="en-US" dirty="0" err="1">
+                  <a:solidFill>
+                    <a:schemeClr val="tx1"/>
+                  </a:solidFill>
+                </a:rPr>
+                <a:t>토글</a:t>
+              </a:r>
+              <a:endParaRPr lang="en-US" altLang="ko-KR" dirty="0">
+                <a:solidFill>
+                  <a:schemeClr val="tx1"/>
+                </a:solidFill>
+              </a:endParaRPr>
+            </a:p>
+            <a:p>
+              <a:pPr marL="285750" indent="-285750">
+                <a:buFont typeface="Arial" panose="020B0604020202020204" pitchFamily="34" charset="0"/>
+                <a:buChar char="•"/>
+              </a:pPr>
+              <a:endParaRPr lang="en-US" altLang="ko-KR" dirty="0">
+                <a:solidFill>
+                  <a:schemeClr val="tx1"/>
+                </a:solidFill>
+              </a:endParaRPr>
+            </a:p>
+            <a:p>
+              <a:pPr marL="285750" indent="-285750">
+                <a:buFont typeface="Arial" panose="020B0604020202020204" pitchFamily="34" charset="0"/>
+                <a:buChar char="•"/>
+              </a:pPr>
+              <a:r>
+                <a:rPr lang="ko-KR" altLang="en-US" dirty="0">
+                  <a:solidFill>
+                    <a:schemeClr val="tx1"/>
+                  </a:solidFill>
+                </a:rPr>
+                <a:t>아이콘 </a:t>
+              </a:r>
+              <a:r>
+                <a:rPr lang="ko-KR" altLang="en-US" dirty="0" err="1">
+                  <a:solidFill>
+                    <a:schemeClr val="tx1"/>
+                  </a:solidFill>
+                </a:rPr>
+                <a:t>터치시</a:t>
+              </a:r>
+              <a:r>
+                <a:rPr lang="ko-KR" altLang="en-US" dirty="0">
+                  <a:solidFill>
+                    <a:schemeClr val="tx1"/>
+                  </a:solidFill>
+                </a:rPr>
+                <a:t> 스킬 발동</a:t>
+              </a:r>
+              <a:endParaRPr lang="en-US" altLang="ko-KR" dirty="0">
+                <a:solidFill>
+                  <a:schemeClr val="tx1"/>
+                </a:solidFill>
+              </a:endParaRPr>
+            </a:p>
+            <a:p>
+              <a:pPr marL="285750" indent="-285750">
+                <a:buFont typeface="Arial" panose="020B0604020202020204" pitchFamily="34" charset="0"/>
+                <a:buChar char="•"/>
+              </a:pPr>
+              <a:endParaRPr lang="en-US" altLang="ko-KR" dirty="0">
+                <a:solidFill>
+                  <a:schemeClr val="tx1"/>
+                </a:solidFill>
+              </a:endParaRPr>
+            </a:p>
+            <a:p>
+              <a:pPr marL="285750" indent="-285750">
+                <a:buFont typeface="Arial" panose="020B0604020202020204" pitchFamily="34" charset="0"/>
+                <a:buChar char="•"/>
+              </a:pPr>
+              <a:r>
+                <a:rPr lang="ko-KR" altLang="en-US" dirty="0">
+                  <a:solidFill>
+                    <a:schemeClr val="tx1"/>
+                  </a:solidFill>
+                </a:rPr>
+                <a:t>지속 시간</a:t>
+              </a:r>
+              <a:r>
+                <a:rPr lang="en-US" altLang="ko-KR" dirty="0">
+                  <a:solidFill>
+                    <a:schemeClr val="tx1"/>
+                  </a:solidFill>
+                </a:rPr>
+                <a:t>/</a:t>
+              </a:r>
+              <a:r>
+                <a:rPr lang="ko-KR" altLang="en-US" dirty="0" err="1">
+                  <a:solidFill>
+                    <a:schemeClr val="tx1"/>
+                  </a:solidFill>
+                </a:rPr>
+                <a:t>쿨타임</a:t>
+              </a:r>
+              <a:r>
+                <a:rPr lang="ko-KR" altLang="en-US" dirty="0">
+                  <a:solidFill>
+                    <a:schemeClr val="tx1"/>
+                  </a:solidFill>
+                </a:rPr>
+                <a:t> 동안 아이콘에 밝기 효과 적용</a:t>
+              </a:r>
+              <a:br>
+                <a:rPr lang="en-US" altLang="ko-KR" dirty="0">
+                  <a:solidFill>
+                    <a:schemeClr val="tx1"/>
+                  </a:solidFill>
+                </a:rPr>
+              </a:br>
+              <a:r>
+                <a:rPr lang="en-US" altLang="ko-KR" dirty="0">
+                  <a:solidFill>
+                    <a:schemeClr val="tx1"/>
+                  </a:solidFill>
+                </a:rPr>
+                <a:t>(GIF </a:t>
+              </a:r>
+              <a:r>
+                <a:rPr lang="ko-KR" altLang="en-US" dirty="0">
+                  <a:solidFill>
+                    <a:schemeClr val="tx1"/>
+                  </a:solidFill>
+                </a:rPr>
+                <a:t>자료 참고</a:t>
+              </a:r>
+              <a:r>
+                <a:rPr lang="en-US" altLang="ko-KR" dirty="0">
+                  <a:solidFill>
+                    <a:schemeClr val="tx1"/>
+                  </a:solidFill>
+                </a:rPr>
+                <a:t>)</a:t>
+              </a:r>
+            </a:p>
+          </p:txBody>
+        </p:sp>
+        <p:sp>
+          <p:nvSpPr>
+            <p:cNvPr id="26" name="TextBox 25">
+              <a:extLst>
+                <a:ext uri="{FF2B5EF4-FFF2-40B4-BE49-F238E27FC236}">
+                  <a16:creationId xmlns:a16="http://schemas.microsoft.com/office/drawing/2014/main" id="{8A314BEB-84D8-49EB-B61D-DD2705D8297D}"/>
+                </a:ext>
+              </a:extLst>
+            </p:cNvPr>
+            <p:cNvSpPr txBox="1"/>
+            <p:nvPr/>
+          </p:nvSpPr>
+          <p:spPr>
+            <a:xfrm>
+              <a:off x="7442366" y="4038167"/>
+              <a:ext cx="3881263" cy="419025"/>
+            </a:xfrm>
+            <a:prstGeom prst="rect">
+              <a:avLst/>
+            </a:prstGeom>
+            <a:noFill/>
+          </p:spPr>
+          <p:txBody>
+            <a:bodyPr wrap="square" rtlCol="0">
+              <a:spAutoFit/>
+            </a:bodyPr>
+            <a:lstStyle/>
+            <a:p>
+              <a:r>
+                <a:rPr lang="ko-KR" altLang="en-US" dirty="0">
+                  <a:solidFill>
+                    <a:schemeClr val="bg1"/>
+                  </a:solidFill>
+                </a:rPr>
+                <a:t>관련 </a:t>
+              </a:r>
+              <a:r>
+                <a:rPr lang="en-US" altLang="ko-KR" dirty="0">
+                  <a:solidFill>
+                    <a:schemeClr val="bg1"/>
+                  </a:solidFill>
+                </a:rPr>
+                <a:t>UI</a:t>
+              </a:r>
+              <a:endParaRPr lang="ko-KR" altLang="en-US" dirty="0">
+                <a:solidFill>
+                  <a:schemeClr val="bg1"/>
+                </a:solidFill>
+              </a:endParaRPr>
+            </a:p>
+          </p:txBody>
+        </p:sp>
+      </p:grpSp>
+      <p:grpSp>
+        <p:nvGrpSpPr>
+          <p:cNvPr id="9" name="그룹 8">
+            <a:extLst>
+              <a:ext uri="{FF2B5EF4-FFF2-40B4-BE49-F238E27FC236}">
+                <a16:creationId xmlns:a16="http://schemas.microsoft.com/office/drawing/2014/main" id="{F2CC9910-F783-4E1B-A420-701058FA871C}"/>
+              </a:ext>
+            </a:extLst>
+          </p:cNvPr>
+          <p:cNvGrpSpPr/>
+          <p:nvPr/>
+        </p:nvGrpSpPr>
+        <p:grpSpPr>
+          <a:xfrm>
+            <a:off x="7905749" y="1780278"/>
+            <a:ext cx="1253705" cy="437505"/>
+            <a:chOff x="5383928" y="2247900"/>
+            <a:chExt cx="2078938" cy="437505"/>
+          </a:xfrm>
+        </p:grpSpPr>
+        <p:sp>
+          <p:nvSpPr>
+            <p:cNvPr id="10" name="화살표: 오각형 9">
+              <a:extLst>
+                <a:ext uri="{FF2B5EF4-FFF2-40B4-BE49-F238E27FC236}">
+                  <a16:creationId xmlns:a16="http://schemas.microsoft.com/office/drawing/2014/main" id="{0D0B918B-C61A-4467-820E-C20AB55519C3}"/>
+                </a:ext>
+              </a:extLst>
+            </p:cNvPr>
+            <p:cNvSpPr/>
+            <p:nvPr/>
+          </p:nvSpPr>
+          <p:spPr>
+            <a:xfrm>
+              <a:off x="5383928" y="2247900"/>
+              <a:ext cx="2078938" cy="437505"/>
+            </a:xfrm>
+            <a:prstGeom prst="homePlate">
+              <a:avLst>
+                <a:gd name="adj" fmla="val 30404"/>
+              </a:avLst>
+            </a:prstGeom>
+            <a:solidFill>
+              <a:schemeClr val="bg1"/>
+            </a:solidFill>
+            <a:ln w="28575">
+              <a:solidFill>
+                <a:schemeClr val="tx1"/>
+              </a:solidFill>
+            </a:ln>
+          </p:spPr>
+          <p:style>
+            <a:lnRef idx="2">
+              <a:schemeClr val="accent1">
+                <a:shade val="50000"/>
+              </a:schemeClr>
+            </a:lnRef>
+            <a:fillRef idx="1">
+              <a:schemeClr val="accent1"/>
+            </a:fillRef>
+            <a:effectRef idx="0">
+              <a:schemeClr val="accent1"/>
+            </a:effectRef>
+            <a:fontRef idx="minor">
+              <a:schemeClr val="lt1"/>
+            </a:fontRef>
+          </p:style>
+          <p:txBody>
+            <a:bodyPr rtlCol="0" anchor="ctr"/>
+            <a:lstStyle/>
+            <a:p>
+              <a:pPr algn="ctr"/>
+              <a:endParaRPr lang="ko-KR" altLang="en-US" dirty="0">
+                <a:solidFill>
+                  <a:schemeClr val="tx1"/>
+                </a:solidFill>
+              </a:endParaRPr>
+            </a:p>
+          </p:txBody>
+        </p:sp>
+        <p:sp>
+          <p:nvSpPr>
+            <p:cNvPr id="11" name="TextBox 10">
+              <a:extLst>
+                <a:ext uri="{FF2B5EF4-FFF2-40B4-BE49-F238E27FC236}">
+                  <a16:creationId xmlns:a16="http://schemas.microsoft.com/office/drawing/2014/main" id="{39010DAE-57B9-4AA0-9357-9CC1C3032F79}"/>
+                </a:ext>
+              </a:extLst>
+            </p:cNvPr>
+            <p:cNvSpPr txBox="1"/>
+            <p:nvPr/>
+          </p:nvSpPr>
+          <p:spPr>
+            <a:xfrm>
+              <a:off x="5393131" y="2281986"/>
+              <a:ext cx="935281" cy="369332"/>
+            </a:xfrm>
+            <a:prstGeom prst="rect">
+              <a:avLst/>
+            </a:prstGeom>
+            <a:noFill/>
+          </p:spPr>
+          <p:txBody>
+            <a:bodyPr wrap="none" rtlCol="0">
+              <a:spAutoFit/>
+            </a:bodyPr>
+            <a:lstStyle/>
+            <a:p>
+              <a:r>
+                <a:rPr lang="en-US" altLang="ko-KR" dirty="0"/>
+                <a:t>GIF </a:t>
+              </a:r>
+              <a:r>
+                <a:rPr lang="ko-KR" altLang="en-US" dirty="0"/>
+                <a:t>자료</a:t>
+              </a:r>
+              <a:endParaRPr lang="en-US" altLang="ko-KR" dirty="0"/>
+            </a:p>
+          </p:txBody>
+        </p:sp>
+      </p:grpSp>
+    </p:spTree>
+    <p:extLst>
+      <p:ext uri="{BB962C8B-B14F-4D97-AF65-F5344CB8AC3E}">
+        <p14:creationId xmlns:p14="http://schemas.microsoft.com/office/powerpoint/2010/main" val="2418030382"/>
+      </p:ext>
+    </p:extLst>
+  </p:cSld>
+  <p:clrMapOvr>
+    <a:masterClrMapping/>
+  </p:clrMapOvr>
+</p:sld>
+</file>
+
+<file path=ppt/slides/slide18.xml><?xml version="1.0" encoding="utf-8"?>
+<p:sld xmlns:a="http://schemas.openxmlformats.org/drawingml/2006/main" xmlns:r="http://schemas.openxmlformats.org/officeDocument/2006/relationships" xmlns:p="http://schemas.openxmlformats.org/presentationml/2006/main">
+  <p:cSld>
+    <p:spTree>
+      <p:nvGrpSpPr>
+        <p:cNvPr id="1" name=""/>
+        <p:cNvGrpSpPr/>
+        <p:nvPr/>
+      </p:nvGrpSpPr>
+      <p:grpSpPr>
+        <a:xfrm>
+          <a:off x="0" y="0"/>
+          <a:ext cx="0" cy="0"/>
+          <a:chOff x="0" y="0"/>
+          <a:chExt cx="0" cy="0"/>
+        </a:xfrm>
+      </p:grpSpPr>
+      <p:grpSp>
+        <p:nvGrpSpPr>
+          <p:cNvPr id="38" name="그룹 37">
+            <a:extLst>
+              <a:ext uri="{FF2B5EF4-FFF2-40B4-BE49-F238E27FC236}">
+                <a16:creationId xmlns:a16="http://schemas.microsoft.com/office/drawing/2014/main" id="{1D8E532E-9E14-4EC0-9A5D-C7F11045D019}"/>
+              </a:ext>
+            </a:extLst>
+          </p:cNvPr>
+          <p:cNvGrpSpPr/>
+          <p:nvPr/>
+        </p:nvGrpSpPr>
+        <p:grpSpPr>
+          <a:xfrm>
+            <a:off x="-1" y="99367"/>
+            <a:ext cx="2810435" cy="620714"/>
+            <a:chOff x="0" y="231324"/>
+            <a:chExt cx="2341178" cy="620714"/>
+          </a:xfrm>
+        </p:grpSpPr>
+        <p:sp>
+          <p:nvSpPr>
+            <p:cNvPr id="39" name="TextBox 38">
+              <a:extLst>
+                <a:ext uri="{FF2B5EF4-FFF2-40B4-BE49-F238E27FC236}">
+                  <a16:creationId xmlns:a16="http://schemas.microsoft.com/office/drawing/2014/main" id="{6CDC6D6B-2C6F-4506-A1A4-B60E366A7E7F}"/>
+                </a:ext>
+              </a:extLst>
+            </p:cNvPr>
+            <p:cNvSpPr txBox="1"/>
+            <p:nvPr/>
+          </p:nvSpPr>
+          <p:spPr>
+            <a:xfrm>
+              <a:off x="0" y="231324"/>
+              <a:ext cx="2341178" cy="523220"/>
+            </a:xfrm>
+            <a:prstGeom prst="rect">
+              <a:avLst/>
+            </a:prstGeom>
+            <a:noFill/>
+          </p:spPr>
+          <p:txBody>
+            <a:bodyPr wrap="square" rtlCol="0">
+              <a:spAutoFit/>
+            </a:bodyPr>
+            <a:lstStyle/>
+            <a:p>
+              <a:r>
+                <a:rPr lang="en-US" altLang="ko-KR" sz="2800" b="1" dirty="0"/>
+                <a:t>4.1 </a:t>
+              </a:r>
+              <a:r>
+                <a:rPr lang="ko-KR" altLang="en-US" sz="2800" b="1" dirty="0"/>
+                <a:t>스킬 효과</a:t>
+              </a:r>
+              <a:endParaRPr lang="ko-KR" altLang="en-US" sz="1400" b="1" dirty="0"/>
+            </a:p>
+          </p:txBody>
+        </p:sp>
+        <p:sp>
+          <p:nvSpPr>
+            <p:cNvPr id="40" name="평행 사변형 39">
+              <a:extLst>
+                <a:ext uri="{FF2B5EF4-FFF2-40B4-BE49-F238E27FC236}">
+                  <a16:creationId xmlns:a16="http://schemas.microsoft.com/office/drawing/2014/main" id="{4E81B653-ED60-4FFF-82E8-2306DFEB399E}"/>
+                </a:ext>
+              </a:extLst>
+            </p:cNvPr>
+            <p:cNvSpPr/>
+            <p:nvPr/>
+          </p:nvSpPr>
+          <p:spPr>
+            <a:xfrm>
+              <a:off x="0" y="787975"/>
+              <a:ext cx="2196000" cy="64063"/>
+            </a:xfrm>
+            <a:prstGeom prst="parallelogram">
+              <a:avLst/>
+            </a:prstGeom>
+            <a:solidFill>
+              <a:schemeClr val="tx1"/>
+            </a:solidFill>
+            <a:ln>
+              <a:noFill/>
+            </a:ln>
+          </p:spPr>
+          <p:style>
+            <a:lnRef idx="2">
+              <a:schemeClr val="accent1">
+                <a:shade val="50000"/>
+              </a:schemeClr>
+            </a:lnRef>
+            <a:fillRef idx="1">
+              <a:schemeClr val="accent1"/>
+            </a:fillRef>
+            <a:effectRef idx="0">
+              <a:schemeClr val="accent1"/>
+            </a:effectRef>
+            <a:fontRef idx="minor">
+              <a:schemeClr val="lt1"/>
+            </a:fontRef>
+          </p:style>
+          <p:txBody>
+            <a:bodyPr rtlCol="0" anchor="ctr"/>
+            <a:lstStyle/>
+            <a:p>
+              <a:pPr algn="ctr"/>
+              <a:endParaRPr lang="ko-KR" altLang="en-US" dirty="0"/>
+            </a:p>
+          </p:txBody>
+        </p:sp>
+      </p:grpSp>
+      <p:graphicFrame>
+        <p:nvGraphicFramePr>
+          <p:cNvPr id="3" name="표 3">
+            <a:extLst>
+              <a:ext uri="{FF2B5EF4-FFF2-40B4-BE49-F238E27FC236}">
+                <a16:creationId xmlns:a16="http://schemas.microsoft.com/office/drawing/2014/main" id="{767F5422-E15F-4221-B992-3BBFDEB668A0}"/>
+              </a:ext>
+            </a:extLst>
+          </p:cNvPr>
+          <p:cNvGraphicFramePr>
+            <a:graphicFrameLocks noGrp="1"/>
+          </p:cNvGraphicFramePr>
+          <p:nvPr>
+            <p:extLst>
+              <p:ext uri="{D42A27DB-BD31-4B8C-83A1-F6EECF244321}">
+                <p14:modId xmlns:p14="http://schemas.microsoft.com/office/powerpoint/2010/main" val="4126417018"/>
+              </p:ext>
+            </p:extLst>
+          </p:nvPr>
+        </p:nvGraphicFramePr>
+        <p:xfrm>
+          <a:off x="2585197" y="2267119"/>
+          <a:ext cx="7021606" cy="2323762"/>
+        </p:xfrm>
+        <a:graphic>
+          <a:graphicData uri="http://schemas.openxmlformats.org/drawingml/2006/table">
+            <a:tbl>
+              <a:tblPr firstRow="1" bandRow="1">
+                <a:tableStyleId>{5C22544A-7EE6-4342-B048-85BDC9FD1C3A}</a:tableStyleId>
+              </a:tblPr>
+              <a:tblGrid>
+                <a:gridCol w="1056516">
+                  <a:extLst>
+                    <a:ext uri="{9D8B030D-6E8A-4147-A177-3AD203B41FA5}">
+                      <a16:colId xmlns:a16="http://schemas.microsoft.com/office/drawing/2014/main" val="1620833618"/>
+                    </a:ext>
+                  </a:extLst>
+                </a:gridCol>
+                <a:gridCol w="1971314">
+                  <a:extLst>
+                    <a:ext uri="{9D8B030D-6E8A-4147-A177-3AD203B41FA5}">
+                      <a16:colId xmlns:a16="http://schemas.microsoft.com/office/drawing/2014/main" val="568206432"/>
+                    </a:ext>
+                  </a:extLst>
+                </a:gridCol>
+                <a:gridCol w="3993776">
+                  <a:extLst>
+                    <a:ext uri="{9D8B030D-6E8A-4147-A177-3AD203B41FA5}">
+                      <a16:colId xmlns:a16="http://schemas.microsoft.com/office/drawing/2014/main" val="2162755630"/>
+                    </a:ext>
+                  </a:extLst>
+                </a:gridCol>
+              </a:tblGrid>
+              <a:tr h="446926">
+                <a:tc>
+                  <a:txBody>
+                    <a:bodyPr/>
+                    <a:lstStyle/>
+                    <a:p>
+                      <a:pPr latinLnBrk="1"/>
+                      <a:r>
+                        <a:rPr lang="en-US" altLang="ko-KR" dirty="0">
+                          <a:solidFill>
+                            <a:sysClr val="windowText" lastClr="000000"/>
+                          </a:solidFill>
+                        </a:rPr>
+                        <a:t>Skill ID</a:t>
+                      </a:r>
+                      <a:endParaRPr lang="ko-KR" altLang="en-US" dirty="0">
+                        <a:solidFill>
+                          <a:sysClr val="windowText" lastClr="000000"/>
+                        </a:solidFill>
+                      </a:endParaRPr>
+                    </a:p>
+                  </a:txBody>
+                  <a:tcPr>
+                    <a:lnL w="12700" cap="flat" cmpd="sng" algn="ctr">
+                      <a:solidFill>
+                        <a:schemeClr val="tx1"/>
+                      </a:solidFill>
+                      <a:prstDash val="solid"/>
+                      <a:round/>
+                      <a:headEnd type="none" w="med" len="med"/>
+                      <a:tailEnd type="none" w="med" len="med"/>
+                    </a:lnL>
+                    <a:lnR w="12700" cap="flat" cmpd="sng" algn="ctr">
+                      <a:solidFill>
+                        <a:schemeClr val="tx1"/>
+                      </a:solidFill>
+                      <a:prstDash val="solid"/>
+                      <a:round/>
+                      <a:headEnd type="none" w="med" len="med"/>
+                      <a:tailEnd type="none" w="med" len="med"/>
+                    </a:lnR>
+                    <a:lnT w="12700" cap="flat" cmpd="sng" algn="ctr">
+                      <a:solidFill>
+                        <a:schemeClr val="tx1"/>
+                      </a:solidFill>
+                      <a:prstDash val="solid"/>
+                      <a:round/>
+                      <a:headEnd type="none" w="med" len="med"/>
+                      <a:tailEnd type="none" w="med" len="med"/>
+                    </a:lnT>
+                    <a:lnB w="12700" cap="flat" cmpd="sng" algn="ctr">
+                      <a:solidFill>
+                        <a:schemeClr val="tx1"/>
+                      </a:solidFill>
+                      <a:prstDash val="solid"/>
+                      <a:round/>
+                      <a:headEnd type="none" w="med" len="med"/>
+                      <a:tailEnd type="none" w="med" len="med"/>
+                    </a:lnB>
+                    <a:solidFill>
+                      <a:schemeClr val="bg1">
+                        <a:lumMod val="85000"/>
+                      </a:schemeClr>
+                    </a:solidFill>
+                  </a:tcPr>
+                </a:tc>
+                <a:tc>
+                  <a:txBody>
+                    <a:bodyPr/>
+                    <a:lstStyle/>
+                    <a:p>
+                      <a:pPr latinLnBrk="1"/>
+                      <a:r>
+                        <a:rPr lang="ko-KR" altLang="en-US" dirty="0">
+                          <a:solidFill>
+                            <a:sysClr val="windowText" lastClr="000000"/>
+                          </a:solidFill>
+                        </a:rPr>
+                        <a:t>유형</a:t>
+                      </a:r>
+                    </a:p>
+                  </a:txBody>
+                  <a:tcPr>
+                    <a:lnL w="12700" cap="flat" cmpd="sng" algn="ctr">
+                      <a:solidFill>
+                        <a:schemeClr val="tx1"/>
+                      </a:solidFill>
+                      <a:prstDash val="solid"/>
+                      <a:round/>
+                      <a:headEnd type="none" w="med" len="med"/>
+                      <a:tailEnd type="none" w="med" len="med"/>
+                    </a:lnL>
+                    <a:lnR w="12700" cap="flat" cmpd="sng" algn="ctr">
+                      <a:solidFill>
+                        <a:schemeClr val="tx1"/>
+                      </a:solidFill>
+                      <a:prstDash val="solid"/>
+                      <a:round/>
+                      <a:headEnd type="none" w="med" len="med"/>
+                      <a:tailEnd type="none" w="med" len="med"/>
+                    </a:lnR>
+                    <a:lnT w="12700" cap="flat" cmpd="sng" algn="ctr">
+                      <a:solidFill>
+                        <a:schemeClr val="tx1"/>
+                      </a:solidFill>
+                      <a:prstDash val="solid"/>
+                      <a:round/>
+                      <a:headEnd type="none" w="med" len="med"/>
+                      <a:tailEnd type="none" w="med" len="med"/>
+                    </a:lnT>
+                    <a:lnB w="12700" cap="flat" cmpd="sng" algn="ctr">
+                      <a:solidFill>
+                        <a:schemeClr val="tx1"/>
+                      </a:solidFill>
+                      <a:prstDash val="solid"/>
+                      <a:round/>
+                      <a:headEnd type="none" w="med" len="med"/>
+                      <a:tailEnd type="none" w="med" len="med"/>
+                    </a:lnB>
+                    <a:solidFill>
+                      <a:schemeClr val="bg1">
+                        <a:lumMod val="85000"/>
+                      </a:schemeClr>
+                    </a:solidFill>
+                  </a:tcPr>
+                </a:tc>
+                <a:tc>
+                  <a:txBody>
+                    <a:bodyPr/>
+                    <a:lstStyle/>
+                    <a:p>
+                      <a:pPr latinLnBrk="1"/>
+                      <a:r>
+                        <a:rPr lang="ko-KR" altLang="en-US" dirty="0">
+                          <a:solidFill>
+                            <a:sysClr val="windowText" lastClr="000000"/>
+                          </a:solidFill>
+                        </a:rPr>
+                        <a:t>스킬 효과</a:t>
+                      </a:r>
+                    </a:p>
+                  </a:txBody>
+                  <a:tcPr>
+                    <a:lnL w="12700" cap="flat" cmpd="sng" algn="ctr">
+                      <a:solidFill>
+                        <a:schemeClr val="tx1"/>
+                      </a:solidFill>
+                      <a:prstDash val="solid"/>
+                      <a:round/>
+                      <a:headEnd type="none" w="med" len="med"/>
+                      <a:tailEnd type="none" w="med" len="med"/>
+                    </a:lnL>
+                    <a:lnR w="12700" cap="flat" cmpd="sng" algn="ctr">
+                      <a:solidFill>
+                        <a:schemeClr val="tx1"/>
+                      </a:solidFill>
+                      <a:prstDash val="solid"/>
+                      <a:round/>
+                      <a:headEnd type="none" w="med" len="med"/>
+                      <a:tailEnd type="none" w="med" len="med"/>
+                    </a:lnR>
+                    <a:lnT w="12700" cap="flat" cmpd="sng" algn="ctr">
+                      <a:solidFill>
+                        <a:schemeClr val="tx1"/>
+                      </a:solidFill>
+                      <a:prstDash val="solid"/>
+                      <a:round/>
+                      <a:headEnd type="none" w="med" len="med"/>
+                      <a:tailEnd type="none" w="med" len="med"/>
+                    </a:lnT>
+                    <a:lnB w="12700" cap="flat" cmpd="sng" algn="ctr">
+                      <a:solidFill>
+                        <a:schemeClr val="tx1"/>
+                      </a:solidFill>
+                      <a:prstDash val="solid"/>
+                      <a:round/>
+                      <a:headEnd type="none" w="med" len="med"/>
+                      <a:tailEnd type="none" w="med" len="med"/>
+                    </a:lnB>
+                    <a:solidFill>
+                      <a:schemeClr val="bg1">
+                        <a:lumMod val="85000"/>
+                      </a:schemeClr>
+                    </a:solidFill>
+                  </a:tcPr>
+                </a:tc>
+                <a:extLst>
+                  <a:ext uri="{0D108BD9-81ED-4DB2-BD59-A6C34878D82A}">
+                    <a16:rowId xmlns:a16="http://schemas.microsoft.com/office/drawing/2014/main" val="2572732556"/>
+                  </a:ext>
+                </a:extLst>
+              </a:tr>
+              <a:tr h="625612">
+                <a:tc>
+                  <a:txBody>
+                    <a:bodyPr/>
+                    <a:lstStyle/>
+                    <a:p>
+                      <a:pPr latinLnBrk="1"/>
+                      <a:r>
+                        <a:rPr lang="en-US" altLang="ko-KR" dirty="0"/>
+                        <a:t>0</a:t>
+                      </a:r>
+                      <a:endParaRPr lang="ko-KR" altLang="en-US" dirty="0"/>
+                    </a:p>
+                  </a:txBody>
+                  <a:tcPr>
+                    <a:lnL w="12700" cap="flat" cmpd="sng" algn="ctr">
+                      <a:solidFill>
+                        <a:schemeClr val="tx1"/>
+                      </a:solidFill>
+                      <a:prstDash val="solid"/>
+                      <a:round/>
+                      <a:headEnd type="none" w="med" len="med"/>
+                      <a:tailEnd type="none" w="med" len="med"/>
+                    </a:lnL>
+                    <a:lnR w="12700" cap="flat" cmpd="sng" algn="ctr">
+                      <a:solidFill>
+                        <a:schemeClr val="tx1"/>
+                      </a:solidFill>
+                      <a:prstDash val="solid"/>
+                      <a:round/>
+                      <a:headEnd type="none" w="med" len="med"/>
+                      <a:tailEnd type="none" w="med" len="med"/>
+                    </a:lnR>
+                    <a:lnT w="12700" cap="flat" cmpd="sng" algn="ctr">
+                      <a:solidFill>
+                        <a:schemeClr val="tx1"/>
+                      </a:solidFill>
+                      <a:prstDash val="solid"/>
+                      <a:round/>
+                      <a:headEnd type="none" w="med" len="med"/>
+                      <a:tailEnd type="none" w="med" len="med"/>
+                    </a:lnT>
+                    <a:lnB w="12700" cap="flat" cmpd="sng" algn="ctr">
+                      <a:solidFill>
+                        <a:schemeClr val="tx1"/>
+                      </a:solidFill>
+                      <a:prstDash val="solid"/>
+                      <a:round/>
+                      <a:headEnd type="none" w="med" len="med"/>
+                      <a:tailEnd type="none" w="med" len="med"/>
+                    </a:lnB>
+                    <a:solidFill>
+                      <a:schemeClr val="bg1"/>
+                    </a:solidFill>
+                  </a:tcPr>
+                </a:tc>
+                <a:tc>
+                  <a:txBody>
+                    <a:bodyPr/>
+                    <a:lstStyle/>
+                    <a:p>
+                      <a:pPr latinLnBrk="1"/>
+                      <a:r>
+                        <a:rPr lang="ko-KR" altLang="en-US" dirty="0"/>
+                        <a:t>자동 클릭</a:t>
+                      </a:r>
+                    </a:p>
+                  </a:txBody>
+                  <a:tcPr>
+                    <a:lnL w="12700" cap="flat" cmpd="sng" algn="ctr">
+                      <a:solidFill>
+                        <a:schemeClr val="tx1"/>
+                      </a:solidFill>
+                      <a:prstDash val="solid"/>
+                      <a:round/>
+                      <a:headEnd type="none" w="med" len="med"/>
+                      <a:tailEnd type="none" w="med" len="med"/>
+                    </a:lnL>
+                    <a:lnR w="12700" cap="flat" cmpd="sng" algn="ctr">
+                      <a:solidFill>
+                        <a:schemeClr val="tx1"/>
+                      </a:solidFill>
+                      <a:prstDash val="solid"/>
+                      <a:round/>
+                      <a:headEnd type="none" w="med" len="med"/>
+                      <a:tailEnd type="none" w="med" len="med"/>
+                    </a:lnR>
+                    <a:lnT w="12700" cap="flat" cmpd="sng" algn="ctr">
+                      <a:solidFill>
+                        <a:schemeClr val="tx1"/>
+                      </a:solidFill>
+                      <a:prstDash val="solid"/>
+                      <a:round/>
+                      <a:headEnd type="none" w="med" len="med"/>
+                      <a:tailEnd type="none" w="med" len="med"/>
+                    </a:lnT>
+                    <a:lnB w="12700" cap="flat" cmpd="sng" algn="ctr">
+                      <a:solidFill>
+                        <a:schemeClr val="tx1"/>
+                      </a:solidFill>
+                      <a:prstDash val="solid"/>
+                      <a:round/>
+                      <a:headEnd type="none" w="med" len="med"/>
+                      <a:tailEnd type="none" w="med" len="med"/>
+                    </a:lnB>
+                    <a:solidFill>
+                      <a:schemeClr val="bg1"/>
+                    </a:solidFill>
+                  </a:tcPr>
+                </a:tc>
+                <a:tc>
+                  <a:txBody>
+                    <a:bodyPr/>
+                    <a:lstStyle/>
+                    <a:p>
+                      <a:pPr latinLnBrk="1"/>
+                      <a:r>
+                        <a:rPr lang="ko-KR" altLang="en-US" dirty="0"/>
+                        <a:t>매초 </a:t>
+                      </a:r>
+                      <a:r>
+                        <a:rPr lang="en-US" altLang="ko-KR" dirty="0"/>
+                        <a:t>N</a:t>
+                      </a:r>
+                      <a:r>
+                        <a:rPr lang="ko-KR" altLang="en-US" dirty="0"/>
+                        <a:t>번의 </a:t>
+                      </a:r>
+                      <a:r>
+                        <a:rPr lang="en-US" altLang="ko-KR" dirty="0"/>
+                        <a:t>Click() </a:t>
+                      </a:r>
+                      <a:r>
+                        <a:rPr lang="ko-KR" altLang="en-US" dirty="0"/>
+                        <a:t>호출</a:t>
+                      </a:r>
+                    </a:p>
+                  </a:txBody>
+                  <a:tcPr>
+                    <a:lnL w="12700" cap="flat" cmpd="sng" algn="ctr">
+                      <a:solidFill>
+                        <a:schemeClr val="tx1"/>
+                      </a:solidFill>
+                      <a:prstDash val="solid"/>
+                      <a:round/>
+                      <a:headEnd type="none" w="med" len="med"/>
+                      <a:tailEnd type="none" w="med" len="med"/>
+                    </a:lnL>
+                    <a:lnR w="12700" cap="flat" cmpd="sng" algn="ctr">
+                      <a:solidFill>
+                        <a:schemeClr val="tx1"/>
+                      </a:solidFill>
+                      <a:prstDash val="solid"/>
+                      <a:round/>
+                      <a:headEnd type="none" w="med" len="med"/>
+                      <a:tailEnd type="none" w="med" len="med"/>
+                    </a:lnR>
+                    <a:lnT w="12700" cap="flat" cmpd="sng" algn="ctr">
+                      <a:solidFill>
+                        <a:schemeClr val="tx1"/>
+                      </a:solidFill>
+                      <a:prstDash val="solid"/>
+                      <a:round/>
+                      <a:headEnd type="none" w="med" len="med"/>
+                      <a:tailEnd type="none" w="med" len="med"/>
+                    </a:lnT>
+                    <a:lnB w="12700" cap="flat" cmpd="sng" algn="ctr">
+                      <a:solidFill>
+                        <a:schemeClr val="tx1"/>
+                      </a:solidFill>
+                      <a:prstDash val="solid"/>
+                      <a:round/>
+                      <a:headEnd type="none" w="med" len="med"/>
+                      <a:tailEnd type="none" w="med" len="med"/>
+                    </a:lnB>
+                    <a:solidFill>
+                      <a:schemeClr val="bg1"/>
+                    </a:solidFill>
+                  </a:tcPr>
+                </a:tc>
+                <a:extLst>
+                  <a:ext uri="{0D108BD9-81ED-4DB2-BD59-A6C34878D82A}">
+                    <a16:rowId xmlns:a16="http://schemas.microsoft.com/office/drawing/2014/main" val="293147101"/>
+                  </a:ext>
+                </a:extLst>
+              </a:tr>
+              <a:tr h="625612">
+                <a:tc>
+                  <a:txBody>
+                    <a:bodyPr/>
+                    <a:lstStyle/>
+                    <a:p>
+                      <a:pPr latinLnBrk="1"/>
+                      <a:r>
+                        <a:rPr lang="en-US" altLang="ko-KR" dirty="0"/>
+                        <a:t>1</a:t>
+                      </a:r>
+                      <a:endParaRPr lang="ko-KR" altLang="en-US" dirty="0"/>
+                    </a:p>
+                  </a:txBody>
+                  <a:tcPr>
+                    <a:lnL w="12700" cap="flat" cmpd="sng" algn="ctr">
+                      <a:solidFill>
+                        <a:schemeClr val="tx1"/>
+                      </a:solidFill>
+                      <a:prstDash val="solid"/>
+                      <a:round/>
+                      <a:headEnd type="none" w="med" len="med"/>
+                      <a:tailEnd type="none" w="med" len="med"/>
+                    </a:lnL>
+                    <a:lnR w="12700" cap="flat" cmpd="sng" algn="ctr">
+                      <a:solidFill>
+                        <a:schemeClr val="tx1"/>
+                      </a:solidFill>
+                      <a:prstDash val="solid"/>
+                      <a:round/>
+                      <a:headEnd type="none" w="med" len="med"/>
+                      <a:tailEnd type="none" w="med" len="med"/>
+                    </a:lnR>
+                    <a:lnT w="12700" cap="flat" cmpd="sng" algn="ctr">
+                      <a:solidFill>
+                        <a:schemeClr val="tx1"/>
+                      </a:solidFill>
+                      <a:prstDash val="solid"/>
+                      <a:round/>
+                      <a:headEnd type="none" w="med" len="med"/>
+                      <a:tailEnd type="none" w="med" len="med"/>
+                    </a:lnT>
+                    <a:lnB w="12700" cap="flat" cmpd="sng" algn="ctr">
+                      <a:solidFill>
+                        <a:schemeClr val="tx1"/>
+                      </a:solidFill>
+                      <a:prstDash val="solid"/>
+                      <a:round/>
+                      <a:headEnd type="none" w="med" len="med"/>
+                      <a:tailEnd type="none" w="med" len="med"/>
+                    </a:lnB>
+                    <a:solidFill>
+                      <a:schemeClr val="bg1"/>
+                    </a:solidFill>
+                  </a:tcPr>
+                </a:tc>
+                <a:tc>
+                  <a:txBody>
+                    <a:bodyPr/>
+                    <a:lstStyle/>
+                    <a:p>
+                      <a:pPr latinLnBrk="1"/>
+                      <a:r>
+                        <a:rPr lang="ko-KR" altLang="en-US" dirty="0" err="1"/>
+                        <a:t>수익율</a:t>
+                      </a:r>
+                      <a:r>
+                        <a:rPr lang="ko-KR" altLang="en-US" dirty="0"/>
+                        <a:t> 증가</a:t>
+                      </a:r>
+                    </a:p>
+                  </a:txBody>
+                  <a:tcPr>
+                    <a:lnL w="12700" cap="flat" cmpd="sng" algn="ctr">
+                      <a:solidFill>
+                        <a:schemeClr val="tx1"/>
+                      </a:solidFill>
+                      <a:prstDash val="solid"/>
+                      <a:round/>
+                      <a:headEnd type="none" w="med" len="med"/>
+                      <a:tailEnd type="none" w="med" len="med"/>
+                    </a:lnL>
+                    <a:lnR w="12700" cap="flat" cmpd="sng" algn="ctr">
+                      <a:solidFill>
+                        <a:schemeClr val="tx1"/>
+                      </a:solidFill>
+                      <a:prstDash val="solid"/>
+                      <a:round/>
+                      <a:headEnd type="none" w="med" len="med"/>
+                      <a:tailEnd type="none" w="med" len="med"/>
+                    </a:lnR>
+                    <a:lnT w="12700" cap="flat" cmpd="sng" algn="ctr">
+                      <a:solidFill>
+                        <a:schemeClr val="tx1"/>
+                      </a:solidFill>
+                      <a:prstDash val="solid"/>
+                      <a:round/>
+                      <a:headEnd type="none" w="med" len="med"/>
+                      <a:tailEnd type="none" w="med" len="med"/>
+                    </a:lnT>
+                    <a:lnB w="12700" cap="flat" cmpd="sng" algn="ctr">
+                      <a:solidFill>
+                        <a:schemeClr val="tx1"/>
+                      </a:solidFill>
+                      <a:prstDash val="solid"/>
+                      <a:round/>
+                      <a:headEnd type="none" w="med" len="med"/>
+                      <a:tailEnd type="none" w="med" len="med"/>
+                    </a:lnB>
+                    <a:solidFill>
+                      <a:schemeClr val="bg1"/>
+                    </a:solidFill>
+                  </a:tcPr>
+                </a:tc>
+                <a:tc>
+                  <a:txBody>
+                    <a:bodyPr/>
+                    <a:lstStyle/>
+                    <a:p>
+                      <a:pPr latinLnBrk="1"/>
+                      <a:r>
+                        <a:rPr lang="ko-KR" altLang="en-US" dirty="0"/>
+                        <a:t>모든 농장의 수익 </a:t>
+                      </a:r>
+                      <a:r>
+                        <a:rPr lang="en-US" altLang="ko-KR" dirty="0"/>
+                        <a:t>+ N%</a:t>
+                      </a:r>
+                      <a:endParaRPr lang="ko-KR" altLang="en-US" dirty="0"/>
+                    </a:p>
+                  </a:txBody>
+                  <a:tcPr>
+                    <a:lnL w="12700" cap="flat" cmpd="sng" algn="ctr">
+                      <a:solidFill>
+                        <a:schemeClr val="tx1"/>
+                      </a:solidFill>
+                      <a:prstDash val="solid"/>
+                      <a:round/>
+                      <a:headEnd type="none" w="med" len="med"/>
+                      <a:tailEnd type="none" w="med" len="med"/>
+                    </a:lnL>
+                    <a:lnR w="12700" cap="flat" cmpd="sng" algn="ctr">
+                      <a:solidFill>
+                        <a:schemeClr val="tx1"/>
+                      </a:solidFill>
+                      <a:prstDash val="solid"/>
+                      <a:round/>
+                      <a:headEnd type="none" w="med" len="med"/>
+                      <a:tailEnd type="none" w="med" len="med"/>
+                    </a:lnR>
+                    <a:lnT w="12700" cap="flat" cmpd="sng" algn="ctr">
+                      <a:solidFill>
+                        <a:schemeClr val="tx1"/>
+                      </a:solidFill>
+                      <a:prstDash val="solid"/>
+                      <a:round/>
+                      <a:headEnd type="none" w="med" len="med"/>
+                      <a:tailEnd type="none" w="med" len="med"/>
+                    </a:lnT>
+                    <a:lnB w="12700" cap="flat" cmpd="sng" algn="ctr">
+                      <a:solidFill>
+                        <a:schemeClr val="tx1"/>
+                      </a:solidFill>
+                      <a:prstDash val="solid"/>
+                      <a:round/>
+                      <a:headEnd type="none" w="med" len="med"/>
+                      <a:tailEnd type="none" w="med" len="med"/>
+                    </a:lnB>
+                    <a:solidFill>
+                      <a:schemeClr val="bg1"/>
+                    </a:solidFill>
+                  </a:tcPr>
+                </a:tc>
+                <a:extLst>
+                  <a:ext uri="{0D108BD9-81ED-4DB2-BD59-A6C34878D82A}">
+                    <a16:rowId xmlns:a16="http://schemas.microsoft.com/office/drawing/2014/main" val="3872790237"/>
+                  </a:ext>
+                </a:extLst>
+              </a:tr>
+              <a:tr h="625612">
+                <a:tc>
+                  <a:txBody>
+                    <a:bodyPr/>
+                    <a:lstStyle/>
+                    <a:p>
+                      <a:pPr latinLnBrk="1"/>
+                      <a:r>
+                        <a:rPr lang="en-US" altLang="ko-KR" dirty="0"/>
+                        <a:t>2</a:t>
+                      </a:r>
+                      <a:endParaRPr lang="ko-KR" altLang="en-US" dirty="0"/>
+                    </a:p>
+                  </a:txBody>
+                  <a:tcPr>
+                    <a:lnL w="12700" cap="flat" cmpd="sng" algn="ctr">
+                      <a:solidFill>
+                        <a:schemeClr val="tx1"/>
+                      </a:solidFill>
+                      <a:prstDash val="solid"/>
+                      <a:round/>
+                      <a:headEnd type="none" w="med" len="med"/>
+                      <a:tailEnd type="none" w="med" len="med"/>
+                    </a:lnL>
+                    <a:lnR w="12700" cap="flat" cmpd="sng" algn="ctr">
+                      <a:solidFill>
+                        <a:schemeClr val="tx1"/>
+                      </a:solidFill>
+                      <a:prstDash val="solid"/>
+                      <a:round/>
+                      <a:headEnd type="none" w="med" len="med"/>
+                      <a:tailEnd type="none" w="med" len="med"/>
+                    </a:lnR>
+                    <a:lnT w="12700" cap="flat" cmpd="sng" algn="ctr">
+                      <a:solidFill>
+                        <a:schemeClr val="tx1"/>
+                      </a:solidFill>
+                      <a:prstDash val="solid"/>
+                      <a:round/>
+                      <a:headEnd type="none" w="med" len="med"/>
+                      <a:tailEnd type="none" w="med" len="med"/>
+                    </a:lnT>
+                    <a:lnB w="12700" cap="flat" cmpd="sng" algn="ctr">
+                      <a:solidFill>
+                        <a:schemeClr val="tx1"/>
+                      </a:solidFill>
+                      <a:prstDash val="solid"/>
+                      <a:round/>
+                      <a:headEnd type="none" w="med" len="med"/>
+                      <a:tailEnd type="none" w="med" len="med"/>
+                    </a:lnB>
+                    <a:solidFill>
+                      <a:schemeClr val="bg1"/>
+                    </a:solidFill>
+                  </a:tcPr>
+                </a:tc>
+                <a:tc>
+                  <a:txBody>
+                    <a:bodyPr/>
+                    <a:lstStyle/>
+                    <a:p>
+                      <a:pPr latinLnBrk="1"/>
+                      <a:r>
+                        <a:rPr lang="ko-KR" altLang="en-US" dirty="0"/>
+                        <a:t>수확 시간 감소</a:t>
+                      </a:r>
+                    </a:p>
+                  </a:txBody>
+                  <a:tcPr>
+                    <a:lnL w="12700" cap="flat" cmpd="sng" algn="ctr">
+                      <a:solidFill>
+                        <a:schemeClr val="tx1"/>
+                      </a:solidFill>
+                      <a:prstDash val="solid"/>
+                      <a:round/>
+                      <a:headEnd type="none" w="med" len="med"/>
+                      <a:tailEnd type="none" w="med" len="med"/>
+                    </a:lnL>
+                    <a:lnR w="12700" cap="flat" cmpd="sng" algn="ctr">
+                      <a:solidFill>
+                        <a:schemeClr val="tx1"/>
+                      </a:solidFill>
+                      <a:prstDash val="solid"/>
+                      <a:round/>
+                      <a:headEnd type="none" w="med" len="med"/>
+                      <a:tailEnd type="none" w="med" len="med"/>
+                    </a:lnR>
+                    <a:lnT w="12700" cap="flat" cmpd="sng" algn="ctr">
+                      <a:solidFill>
+                        <a:schemeClr val="tx1"/>
+                      </a:solidFill>
+                      <a:prstDash val="solid"/>
+                      <a:round/>
+                      <a:headEnd type="none" w="med" len="med"/>
+                      <a:tailEnd type="none" w="med" len="med"/>
+                    </a:lnT>
+                    <a:lnB w="12700" cap="flat" cmpd="sng" algn="ctr">
+                      <a:solidFill>
+                        <a:schemeClr val="tx1"/>
+                      </a:solidFill>
+                      <a:prstDash val="solid"/>
+                      <a:round/>
+                      <a:headEnd type="none" w="med" len="med"/>
+                      <a:tailEnd type="none" w="med" len="med"/>
+                    </a:lnB>
+                    <a:solidFill>
+                      <a:schemeClr val="bg1"/>
+                    </a:solidFill>
+                  </a:tcPr>
+                </a:tc>
+                <a:tc>
+                  <a:txBody>
+                    <a:bodyPr/>
+                    <a:lstStyle/>
+                    <a:p>
+                      <a:pPr latinLnBrk="1"/>
+                      <a:r>
+                        <a:rPr lang="ko-KR" altLang="en-US" dirty="0"/>
+                        <a:t>모든 농장 수확 시간 </a:t>
+                      </a:r>
+                      <a:r>
+                        <a:rPr lang="en-US" altLang="ko-KR" dirty="0"/>
+                        <a:t>– N%</a:t>
+                      </a:r>
+                      <a:endParaRPr lang="ko-KR" altLang="en-US" dirty="0"/>
+                    </a:p>
+                  </a:txBody>
+                  <a:tcPr>
+                    <a:lnL w="12700" cap="flat" cmpd="sng" algn="ctr">
+                      <a:solidFill>
+                        <a:schemeClr val="tx1"/>
+                      </a:solidFill>
+                      <a:prstDash val="solid"/>
+                      <a:round/>
+                      <a:headEnd type="none" w="med" len="med"/>
+                      <a:tailEnd type="none" w="med" len="med"/>
+                    </a:lnL>
+                    <a:lnR w="12700" cap="flat" cmpd="sng" algn="ctr">
+                      <a:solidFill>
+                        <a:schemeClr val="tx1"/>
+                      </a:solidFill>
+                      <a:prstDash val="solid"/>
+                      <a:round/>
+                      <a:headEnd type="none" w="med" len="med"/>
+                      <a:tailEnd type="none" w="med" len="med"/>
+                    </a:lnR>
+                    <a:lnT w="12700" cap="flat" cmpd="sng" algn="ctr">
+                      <a:solidFill>
+                        <a:schemeClr val="tx1"/>
+                      </a:solidFill>
+                      <a:prstDash val="solid"/>
+                      <a:round/>
+                      <a:headEnd type="none" w="med" len="med"/>
+                      <a:tailEnd type="none" w="med" len="med"/>
+                    </a:lnT>
+                    <a:lnB w="12700" cap="flat" cmpd="sng" algn="ctr">
+                      <a:solidFill>
+                        <a:schemeClr val="tx1"/>
+                      </a:solidFill>
+                      <a:prstDash val="solid"/>
+                      <a:round/>
+                      <a:headEnd type="none" w="med" len="med"/>
+                      <a:tailEnd type="none" w="med" len="med"/>
+                    </a:lnB>
+                    <a:solidFill>
+                      <a:schemeClr val="bg1"/>
+                    </a:solidFill>
+                  </a:tcPr>
+                </a:tc>
+                <a:extLst>
+                  <a:ext uri="{0D108BD9-81ED-4DB2-BD59-A6C34878D82A}">
+                    <a16:rowId xmlns:a16="http://schemas.microsoft.com/office/drawing/2014/main" val="1060711355"/>
+                  </a:ext>
+                </a:extLst>
+              </a:tr>
+            </a:tbl>
+          </a:graphicData>
+        </a:graphic>
+      </p:graphicFrame>
+      <p:sp>
+        <p:nvSpPr>
+          <p:cNvPr id="5" name="TextBox 4">
+            <a:extLst>
+              <a:ext uri="{FF2B5EF4-FFF2-40B4-BE49-F238E27FC236}">
+                <a16:creationId xmlns:a16="http://schemas.microsoft.com/office/drawing/2014/main" id="{82A02C94-B4A4-46B5-898A-626789269DF2}"/>
+              </a:ext>
+            </a:extLst>
+          </p:cNvPr>
+          <p:cNvSpPr txBox="1"/>
+          <p:nvPr/>
+        </p:nvSpPr>
+        <p:spPr>
+          <a:xfrm>
+            <a:off x="5645524" y="4590881"/>
+            <a:ext cx="5273488" cy="584775"/>
+          </a:xfrm>
+          <a:prstGeom prst="rect">
+            <a:avLst/>
+          </a:prstGeom>
+          <a:noFill/>
+        </p:spPr>
+        <p:txBody>
+          <a:bodyPr wrap="square" rtlCol="0">
+            <a:spAutoFit/>
+          </a:bodyPr>
+          <a:lstStyle/>
+          <a:p>
+            <a:r>
+              <a:rPr lang="en-US" altLang="ko-KR" sz="1600" i="1" dirty="0"/>
+              <a:t>*</a:t>
+            </a:r>
+            <a:r>
+              <a:rPr lang="ko-KR" altLang="en-US" sz="1600" i="1" dirty="0"/>
+              <a:t>각 </a:t>
+            </a:r>
+            <a:r>
+              <a:rPr lang="en-US" altLang="ko-KR" sz="1600" i="1" dirty="0"/>
+              <a:t>N</a:t>
+            </a:r>
+            <a:r>
+              <a:rPr lang="ko-KR" altLang="en-US" sz="1600" i="1" dirty="0"/>
+              <a:t>은 유형과 스킬 레벨에 따라</a:t>
+            </a:r>
+            <a:r>
+              <a:rPr lang="en-US" altLang="ko-KR" sz="1600" i="1" dirty="0"/>
+              <a:t> </a:t>
+            </a:r>
+            <a:r>
+              <a:rPr lang="ko-KR" altLang="en-US" sz="1600" i="1" dirty="0"/>
+              <a:t>계산 적용됨</a:t>
+            </a:r>
+            <a:endParaRPr lang="en-US" altLang="ko-KR" sz="1600" i="1" dirty="0"/>
+          </a:p>
+          <a:p>
+            <a:r>
+              <a:rPr lang="en-US" altLang="ko-KR" sz="1600" i="1" dirty="0"/>
+              <a:t>**</a:t>
+            </a:r>
+            <a:r>
+              <a:rPr lang="ko-KR" altLang="en-US" sz="1600" i="1" dirty="0"/>
+              <a:t>실제 스킬 데이터와 수치 공식 기획의 스킬 부분 참고</a:t>
+            </a:r>
+          </a:p>
+        </p:txBody>
+      </p:sp>
+    </p:spTree>
+    <p:extLst>
+      <p:ext uri="{BB962C8B-B14F-4D97-AF65-F5344CB8AC3E}">
+        <p14:creationId xmlns:p14="http://schemas.microsoft.com/office/powerpoint/2010/main" val="1680467929"/>
+      </p:ext>
+    </p:extLst>
+  </p:cSld>
+  <p:clrMapOvr>
+    <a:masterClrMapping/>
+  </p:clrMapOvr>
+</p:sld>
+</file>
+
+<file path=ppt/slides/slide19.xml><?xml version="1.0" encoding="utf-8"?>
 <p:sld xmlns:a="http://schemas.openxmlformats.org/drawingml/2006/main" xmlns:r="http://schemas.openxmlformats.org/officeDocument/2006/relationships" xmlns:p="http://schemas.openxmlformats.org/presentationml/2006/main">
   <p:cSld>
     <p:spTree>
@@ -14389,753 +16504,6 @@
 </p:sld>
 </file>
 
-<file path=ppt/slides/slide18.xml><?xml version="1.0" encoding="utf-8"?>
-<p:sld xmlns:a="http://schemas.openxmlformats.org/drawingml/2006/main" xmlns:r="http://schemas.openxmlformats.org/officeDocument/2006/relationships" xmlns:p="http://schemas.openxmlformats.org/presentationml/2006/main">
-  <p:cSld>
-    <p:spTree>
-      <p:nvGrpSpPr>
-        <p:cNvPr id="1" name=""/>
-        <p:cNvGrpSpPr/>
-        <p:nvPr/>
-      </p:nvGrpSpPr>
-      <p:grpSpPr>
-        <a:xfrm>
-          <a:off x="0" y="0"/>
-          <a:ext cx="0" cy="0"/>
-          <a:chOff x="0" y="0"/>
-          <a:chExt cx="0" cy="0"/>
-        </a:xfrm>
-      </p:grpSpPr>
-      <p:grpSp>
-        <p:nvGrpSpPr>
-          <p:cNvPr id="38" name="그룹 37">
-            <a:extLst>
-              <a:ext uri="{FF2B5EF4-FFF2-40B4-BE49-F238E27FC236}">
-                <a16:creationId xmlns:a16="http://schemas.microsoft.com/office/drawing/2014/main" id="{1D8E532E-9E14-4EC0-9A5D-C7F11045D019}"/>
-              </a:ext>
-            </a:extLst>
-          </p:cNvPr>
-          <p:cNvGrpSpPr/>
-          <p:nvPr/>
-        </p:nvGrpSpPr>
-        <p:grpSpPr>
-          <a:xfrm>
-            <a:off x="-1" y="99367"/>
-            <a:ext cx="3674225" cy="620714"/>
-            <a:chOff x="0" y="231324"/>
-            <a:chExt cx="2341178" cy="620714"/>
-          </a:xfrm>
-        </p:grpSpPr>
-        <p:sp>
-          <p:nvSpPr>
-            <p:cNvPr id="39" name="TextBox 38">
-              <a:extLst>
-                <a:ext uri="{FF2B5EF4-FFF2-40B4-BE49-F238E27FC236}">
-                  <a16:creationId xmlns:a16="http://schemas.microsoft.com/office/drawing/2014/main" id="{6CDC6D6B-2C6F-4506-A1A4-B60E366A7E7F}"/>
-                </a:ext>
-              </a:extLst>
-            </p:cNvPr>
-            <p:cNvSpPr txBox="1"/>
-            <p:nvPr/>
-          </p:nvSpPr>
-          <p:spPr>
-            <a:xfrm>
-              <a:off x="0" y="231324"/>
-              <a:ext cx="2341178" cy="523220"/>
-            </a:xfrm>
-            <a:prstGeom prst="rect">
-              <a:avLst/>
-            </a:prstGeom>
-            <a:noFill/>
-          </p:spPr>
-          <p:txBody>
-            <a:bodyPr wrap="square" rtlCol="0">
-              <a:spAutoFit/>
-            </a:bodyPr>
-            <a:lstStyle/>
-            <a:p>
-              <a:r>
-                <a:rPr lang="en-US" altLang="ko-KR" sz="2800" b="1" dirty="0"/>
-                <a:t>5. </a:t>
-              </a:r>
-              <a:r>
-                <a:rPr lang="ko-KR" altLang="en-US" sz="2800" b="1" dirty="0"/>
-                <a:t>숫자 표기 시스템</a:t>
-              </a:r>
-              <a:endParaRPr lang="ko-KR" altLang="en-US" sz="1400" b="1" dirty="0"/>
-            </a:p>
-          </p:txBody>
-        </p:sp>
-        <p:sp>
-          <p:nvSpPr>
-            <p:cNvPr id="40" name="평행 사변형 39">
-              <a:extLst>
-                <a:ext uri="{FF2B5EF4-FFF2-40B4-BE49-F238E27FC236}">
-                  <a16:creationId xmlns:a16="http://schemas.microsoft.com/office/drawing/2014/main" id="{4E81B653-ED60-4FFF-82E8-2306DFEB399E}"/>
-                </a:ext>
-              </a:extLst>
-            </p:cNvPr>
-            <p:cNvSpPr/>
-            <p:nvPr/>
-          </p:nvSpPr>
-          <p:spPr>
-            <a:xfrm>
-              <a:off x="0" y="787975"/>
-              <a:ext cx="2196000" cy="64063"/>
-            </a:xfrm>
-            <a:prstGeom prst="parallelogram">
-              <a:avLst/>
-            </a:prstGeom>
-            <a:solidFill>
-              <a:schemeClr val="tx1"/>
-            </a:solidFill>
-            <a:ln>
-              <a:noFill/>
-            </a:ln>
-          </p:spPr>
-          <p:style>
-            <a:lnRef idx="2">
-              <a:schemeClr val="accent1">
-                <a:shade val="50000"/>
-              </a:schemeClr>
-            </a:lnRef>
-            <a:fillRef idx="1">
-              <a:schemeClr val="accent1"/>
-            </a:fillRef>
-            <a:effectRef idx="0">
-              <a:schemeClr val="accent1"/>
-            </a:effectRef>
-            <a:fontRef idx="minor">
-              <a:schemeClr val="lt1"/>
-            </a:fontRef>
-          </p:style>
-          <p:txBody>
-            <a:bodyPr rtlCol="0" anchor="ctr"/>
-            <a:lstStyle/>
-            <a:p>
-              <a:pPr algn="ctr"/>
-              <a:endParaRPr lang="ko-KR" altLang="en-US" dirty="0"/>
-            </a:p>
-          </p:txBody>
-        </p:sp>
-      </p:grpSp>
-      <p:grpSp>
-        <p:nvGrpSpPr>
-          <p:cNvPr id="7" name="그룹 6">
-            <a:extLst>
-              <a:ext uri="{FF2B5EF4-FFF2-40B4-BE49-F238E27FC236}">
-                <a16:creationId xmlns:a16="http://schemas.microsoft.com/office/drawing/2014/main" id="{E0A7114B-ADA5-4D06-A75A-F28D0D4E02E2}"/>
-              </a:ext>
-            </a:extLst>
-          </p:cNvPr>
-          <p:cNvGrpSpPr/>
-          <p:nvPr/>
-        </p:nvGrpSpPr>
-        <p:grpSpPr>
-          <a:xfrm>
-            <a:off x="2004692" y="1406386"/>
-            <a:ext cx="8206868" cy="2160769"/>
-            <a:chOff x="7280649" y="4038167"/>
-            <a:chExt cx="4217057" cy="2389089"/>
-          </a:xfrm>
-        </p:grpSpPr>
-        <p:sp>
-          <p:nvSpPr>
-            <p:cNvPr id="8" name="직사각형 7">
-              <a:extLst>
-                <a:ext uri="{FF2B5EF4-FFF2-40B4-BE49-F238E27FC236}">
-                  <a16:creationId xmlns:a16="http://schemas.microsoft.com/office/drawing/2014/main" id="{B1839C72-8A6A-4152-ABD3-E7E541575DAC}"/>
-                </a:ext>
-              </a:extLst>
-            </p:cNvPr>
-            <p:cNvSpPr/>
-            <p:nvPr/>
-          </p:nvSpPr>
-          <p:spPr>
-            <a:xfrm>
-              <a:off x="7280649" y="4038168"/>
-              <a:ext cx="4217057" cy="2389088"/>
-            </a:xfrm>
-            <a:prstGeom prst="rect">
-              <a:avLst/>
-            </a:prstGeom>
-            <a:solidFill>
-              <a:schemeClr val="tx1"/>
-            </a:solidFill>
-            <a:ln>
-              <a:solidFill>
-                <a:schemeClr val="tx1"/>
-              </a:solidFill>
-            </a:ln>
-          </p:spPr>
-          <p:style>
-            <a:lnRef idx="2">
-              <a:schemeClr val="accent1">
-                <a:shade val="50000"/>
-              </a:schemeClr>
-            </a:lnRef>
-            <a:fillRef idx="1">
-              <a:schemeClr val="accent1"/>
-            </a:fillRef>
-            <a:effectRef idx="0">
-              <a:schemeClr val="accent1"/>
-            </a:effectRef>
-            <a:fontRef idx="minor">
-              <a:schemeClr val="lt1"/>
-            </a:fontRef>
-          </p:style>
-          <p:txBody>
-            <a:bodyPr rtlCol="0" anchor="ctr"/>
-            <a:lstStyle/>
-            <a:p>
-              <a:pPr algn="ctr"/>
-              <a:endParaRPr lang="ko-KR" altLang="en-US"/>
-            </a:p>
-          </p:txBody>
-        </p:sp>
-        <p:sp>
-          <p:nvSpPr>
-            <p:cNvPr id="9" name="직사각형 8">
-              <a:extLst>
-                <a:ext uri="{FF2B5EF4-FFF2-40B4-BE49-F238E27FC236}">
-                  <a16:creationId xmlns:a16="http://schemas.microsoft.com/office/drawing/2014/main" id="{6CE297DC-8D24-48C3-892B-632F4CF1532A}"/>
-                </a:ext>
-              </a:extLst>
-            </p:cNvPr>
-            <p:cNvSpPr/>
-            <p:nvPr/>
-          </p:nvSpPr>
-          <p:spPr>
-            <a:xfrm>
-              <a:off x="7280649" y="4420759"/>
-              <a:ext cx="4217057" cy="2006495"/>
-            </a:xfrm>
-            <a:prstGeom prst="rect">
-              <a:avLst/>
-            </a:prstGeom>
-            <a:solidFill>
-              <a:schemeClr val="bg1"/>
-            </a:solidFill>
-            <a:ln>
-              <a:solidFill>
-                <a:schemeClr val="tx1"/>
-              </a:solidFill>
-            </a:ln>
-          </p:spPr>
-          <p:style>
-            <a:lnRef idx="2">
-              <a:schemeClr val="accent1">
-                <a:shade val="50000"/>
-              </a:schemeClr>
-            </a:lnRef>
-            <a:fillRef idx="1">
-              <a:schemeClr val="accent1"/>
-            </a:fillRef>
-            <a:effectRef idx="0">
-              <a:schemeClr val="accent1"/>
-            </a:effectRef>
-            <a:fontRef idx="minor">
-              <a:schemeClr val="lt1"/>
-            </a:fontRef>
-          </p:style>
-          <p:txBody>
-            <a:bodyPr rtlCol="0" anchor="ctr"/>
-            <a:lstStyle/>
-            <a:p>
-              <a:pPr marL="285750" indent="-285750">
-                <a:buFont typeface="Arial" panose="020B0604020202020204" pitchFamily="34" charset="0"/>
-                <a:buChar char="•"/>
-              </a:pPr>
-              <a:r>
-                <a:rPr lang="ko-KR" altLang="en-US" dirty="0">
-                  <a:solidFill>
-                    <a:schemeClr val="tx1"/>
-                  </a:solidFill>
-                </a:rPr>
-                <a:t>자료형 범위를 벗어나는 큰 수 처리법 마련</a:t>
-              </a:r>
-              <a:endParaRPr lang="en-US" altLang="ko-KR" dirty="0">
-                <a:solidFill>
-                  <a:schemeClr val="tx1"/>
-                </a:solidFill>
-              </a:endParaRPr>
-            </a:p>
-            <a:p>
-              <a:pPr marL="285750" indent="-285750">
-                <a:buFont typeface="Arial" panose="020B0604020202020204" pitchFamily="34" charset="0"/>
-                <a:buChar char="•"/>
-              </a:pPr>
-              <a:r>
-                <a:rPr lang="ko-KR" altLang="en-US" dirty="0">
-                  <a:solidFill>
-                    <a:schemeClr val="tx1"/>
-                  </a:solidFill>
-                </a:rPr>
-                <a:t>단위 변화를 통해 수 변화를 감지함으로써</a:t>
-              </a:r>
-              <a:br>
-                <a:rPr lang="en-US" altLang="ko-KR" dirty="0">
-                  <a:solidFill>
-                    <a:schemeClr val="tx1"/>
-                  </a:solidFill>
-                </a:rPr>
-              </a:br>
-              <a:r>
-                <a:rPr lang="en-US" altLang="ko-KR" dirty="0">
-                  <a:solidFill>
-                    <a:schemeClr val="tx1"/>
-                  </a:solidFill>
-                </a:rPr>
-                <a:t>1) </a:t>
-              </a:r>
-              <a:r>
-                <a:rPr lang="ko-KR" altLang="en-US" dirty="0">
-                  <a:solidFill>
-                    <a:schemeClr val="tx1"/>
-                  </a:solidFill>
-                </a:rPr>
-                <a:t>유저가 어느 정도 수익을 내고 있는지</a:t>
-              </a:r>
-              <a:br>
-                <a:rPr lang="en-US" altLang="ko-KR" dirty="0">
-                  <a:solidFill>
-                    <a:schemeClr val="tx1"/>
-                  </a:solidFill>
-                </a:rPr>
-              </a:br>
-              <a:r>
-                <a:rPr lang="en-US" altLang="ko-KR" dirty="0">
-                  <a:solidFill>
-                    <a:schemeClr val="tx1"/>
-                  </a:solidFill>
-                </a:rPr>
-                <a:t>2) </a:t>
-              </a:r>
-              <a:r>
-                <a:rPr lang="ko-KR" altLang="en-US" dirty="0">
-                  <a:solidFill>
-                    <a:schemeClr val="tx1"/>
-                  </a:solidFill>
-                </a:rPr>
-                <a:t>다음 투자는 무엇을 할지</a:t>
-              </a:r>
-              <a:br>
-                <a:rPr lang="en-US" altLang="ko-KR" dirty="0">
-                  <a:solidFill>
-                    <a:schemeClr val="tx1"/>
-                  </a:solidFill>
-                </a:rPr>
-              </a:br>
-              <a:r>
-                <a:rPr lang="ko-KR" altLang="en-US" dirty="0">
-                  <a:solidFill>
-                    <a:schemeClr val="tx1"/>
-                  </a:solidFill>
-                </a:rPr>
-                <a:t>명확하게 인지할 수 있도록 한다</a:t>
-              </a:r>
-              <a:r>
-                <a:rPr lang="en-US" altLang="ko-KR" dirty="0">
-                  <a:solidFill>
-                    <a:schemeClr val="tx1"/>
-                  </a:solidFill>
-                </a:rPr>
-                <a:t>.</a:t>
-              </a:r>
-            </a:p>
-          </p:txBody>
-        </p:sp>
-        <p:sp>
-          <p:nvSpPr>
-            <p:cNvPr id="10" name="TextBox 9">
-              <a:extLst>
-                <a:ext uri="{FF2B5EF4-FFF2-40B4-BE49-F238E27FC236}">
-                  <a16:creationId xmlns:a16="http://schemas.microsoft.com/office/drawing/2014/main" id="{0C3B1323-2F9A-4E14-8210-37203D9DA13A}"/>
-                </a:ext>
-              </a:extLst>
-            </p:cNvPr>
-            <p:cNvSpPr txBox="1"/>
-            <p:nvPr/>
-          </p:nvSpPr>
-          <p:spPr>
-            <a:xfrm>
-              <a:off x="7442366" y="4038167"/>
-              <a:ext cx="3881263" cy="382592"/>
-            </a:xfrm>
-            <a:prstGeom prst="rect">
-              <a:avLst/>
-            </a:prstGeom>
-            <a:noFill/>
-          </p:spPr>
-          <p:txBody>
-            <a:bodyPr wrap="square" rtlCol="0">
-              <a:spAutoFit/>
-            </a:bodyPr>
-            <a:lstStyle/>
-            <a:p>
-              <a:r>
-                <a:rPr lang="ko-KR" altLang="en-US" dirty="0">
-                  <a:solidFill>
-                    <a:schemeClr val="bg1"/>
-                  </a:solidFill>
-                </a:rPr>
-                <a:t>기획 의도</a:t>
-              </a:r>
-            </a:p>
-          </p:txBody>
-        </p:sp>
-      </p:grpSp>
-      <p:grpSp>
-        <p:nvGrpSpPr>
-          <p:cNvPr id="11" name="그룹 10">
-            <a:extLst>
-              <a:ext uri="{FF2B5EF4-FFF2-40B4-BE49-F238E27FC236}">
-                <a16:creationId xmlns:a16="http://schemas.microsoft.com/office/drawing/2014/main" id="{57165513-1364-4C66-9B4D-89722EBDDEB8}"/>
-              </a:ext>
-            </a:extLst>
-          </p:cNvPr>
-          <p:cNvGrpSpPr/>
-          <p:nvPr/>
-        </p:nvGrpSpPr>
-        <p:grpSpPr>
-          <a:xfrm>
-            <a:off x="2004692" y="3913182"/>
-            <a:ext cx="8206868" cy="2715566"/>
-            <a:chOff x="7280649" y="4038167"/>
-            <a:chExt cx="4217057" cy="2389089"/>
-          </a:xfrm>
-        </p:grpSpPr>
-        <p:sp>
-          <p:nvSpPr>
-            <p:cNvPr id="12" name="직사각형 11">
-              <a:extLst>
-                <a:ext uri="{FF2B5EF4-FFF2-40B4-BE49-F238E27FC236}">
-                  <a16:creationId xmlns:a16="http://schemas.microsoft.com/office/drawing/2014/main" id="{01A58C8D-7CD0-4441-9C54-F29FED21902D}"/>
-                </a:ext>
-              </a:extLst>
-            </p:cNvPr>
-            <p:cNvSpPr/>
-            <p:nvPr/>
-          </p:nvSpPr>
-          <p:spPr>
-            <a:xfrm>
-              <a:off x="7280649" y="4038168"/>
-              <a:ext cx="4217057" cy="2389088"/>
-            </a:xfrm>
-            <a:prstGeom prst="rect">
-              <a:avLst/>
-            </a:prstGeom>
-            <a:solidFill>
-              <a:schemeClr val="tx1"/>
-            </a:solidFill>
-            <a:ln>
-              <a:solidFill>
-                <a:schemeClr val="tx1"/>
-              </a:solidFill>
-            </a:ln>
-          </p:spPr>
-          <p:style>
-            <a:lnRef idx="2">
-              <a:schemeClr val="accent1">
-                <a:shade val="50000"/>
-              </a:schemeClr>
-            </a:lnRef>
-            <a:fillRef idx="1">
-              <a:schemeClr val="accent1"/>
-            </a:fillRef>
-            <a:effectRef idx="0">
-              <a:schemeClr val="accent1"/>
-            </a:effectRef>
-            <a:fontRef idx="minor">
-              <a:schemeClr val="lt1"/>
-            </a:fontRef>
-          </p:style>
-          <p:txBody>
-            <a:bodyPr rtlCol="0" anchor="ctr"/>
-            <a:lstStyle/>
-            <a:p>
-              <a:pPr algn="ctr"/>
-              <a:endParaRPr lang="ko-KR" altLang="en-US"/>
-            </a:p>
-          </p:txBody>
-        </p:sp>
-        <p:sp>
-          <p:nvSpPr>
-            <p:cNvPr id="13" name="직사각형 12">
-              <a:extLst>
-                <a:ext uri="{FF2B5EF4-FFF2-40B4-BE49-F238E27FC236}">
-                  <a16:creationId xmlns:a16="http://schemas.microsoft.com/office/drawing/2014/main" id="{C5E2A7AD-22DD-4A1E-9D94-B39E04039999}"/>
-                </a:ext>
-              </a:extLst>
-            </p:cNvPr>
-            <p:cNvSpPr/>
-            <p:nvPr/>
-          </p:nvSpPr>
-          <p:spPr>
-            <a:xfrm>
-              <a:off x="7280649" y="4326054"/>
-              <a:ext cx="4217057" cy="2101200"/>
-            </a:xfrm>
-            <a:prstGeom prst="rect">
-              <a:avLst/>
-            </a:prstGeom>
-            <a:solidFill>
-              <a:schemeClr val="bg1"/>
-            </a:solidFill>
-            <a:ln>
-              <a:solidFill>
-                <a:schemeClr val="tx1"/>
-              </a:solidFill>
-            </a:ln>
-          </p:spPr>
-          <p:style>
-            <a:lnRef idx="2">
-              <a:schemeClr val="accent1">
-                <a:shade val="50000"/>
-              </a:schemeClr>
-            </a:lnRef>
-            <a:fillRef idx="1">
-              <a:schemeClr val="accent1"/>
-            </a:fillRef>
-            <a:effectRef idx="0">
-              <a:schemeClr val="accent1"/>
-            </a:effectRef>
-            <a:fontRef idx="minor">
-              <a:schemeClr val="lt1"/>
-            </a:fontRef>
-          </p:style>
-          <p:txBody>
-            <a:bodyPr rtlCol="0" anchor="ctr"/>
-            <a:lstStyle/>
-            <a:p>
-              <a:pPr marL="285750" indent="-285750">
-                <a:buFont typeface="Arial" panose="020B0604020202020204" pitchFamily="34" charset="0"/>
-                <a:buChar char="•"/>
-              </a:pPr>
-              <a:r>
-                <a:rPr lang="en-US" altLang="ko-KR" dirty="0">
-                  <a:solidFill>
-                    <a:schemeClr val="tx1"/>
-                  </a:solidFill>
-                </a:rPr>
-                <a:t>1000</a:t>
-              </a:r>
-              <a:r>
-                <a:rPr lang="ko-KR" altLang="en-US" dirty="0">
-                  <a:solidFill>
-                    <a:schemeClr val="tx1"/>
-                  </a:solidFill>
-                </a:rPr>
-                <a:t>단위로 수를 표현한다</a:t>
-              </a:r>
-              <a:r>
-                <a:rPr lang="en-US" altLang="ko-KR" dirty="0">
-                  <a:solidFill>
-                    <a:schemeClr val="tx1"/>
-                  </a:solidFill>
-                </a:rPr>
-                <a:t>.</a:t>
-              </a:r>
-              <a:br>
-                <a:rPr lang="en-US" altLang="ko-KR" dirty="0">
-                  <a:solidFill>
-                    <a:schemeClr val="tx1"/>
-                  </a:solidFill>
-                </a:rPr>
-              </a:br>
-              <a:r>
-                <a:rPr lang="en-US" altLang="ko-KR" dirty="0">
-                  <a:solidFill>
-                    <a:schemeClr val="tx1"/>
-                  </a:solidFill>
-                </a:rPr>
-                <a:t>Ex) 1,000 &gt; 1K, 1,000,000 &gt; 1M</a:t>
-              </a:r>
-            </a:p>
-            <a:p>
-              <a:pPr marL="285750" indent="-285750">
-                <a:buFont typeface="Arial" panose="020B0604020202020204" pitchFamily="34" charset="0"/>
-                <a:buChar char="•"/>
-              </a:pPr>
-              <a:endParaRPr lang="en-US" altLang="ko-KR" dirty="0">
-                <a:solidFill>
-                  <a:schemeClr val="tx1"/>
-                </a:solidFill>
-              </a:endParaRPr>
-            </a:p>
-            <a:p>
-              <a:pPr marL="285750" indent="-285750">
-                <a:buFont typeface="Arial" panose="020B0604020202020204" pitchFamily="34" charset="0"/>
-                <a:buChar char="•"/>
-              </a:pPr>
-              <a:r>
-                <a:rPr lang="ko-KR" altLang="en-US" dirty="0">
-                  <a:solidFill>
-                    <a:schemeClr val="tx1"/>
-                  </a:solidFill>
-                </a:rPr>
-                <a:t>소수점 </a:t>
-              </a:r>
-              <a:r>
-                <a:rPr lang="en-US" altLang="ko-KR" dirty="0">
-                  <a:solidFill>
-                    <a:schemeClr val="tx1"/>
-                  </a:solidFill>
-                </a:rPr>
-                <a:t>2</a:t>
-              </a:r>
-              <a:r>
-                <a:rPr lang="ko-KR" altLang="en-US" dirty="0">
-                  <a:solidFill>
-                    <a:schemeClr val="tx1"/>
-                  </a:solidFill>
-                </a:rPr>
-                <a:t>자리까지 화면상에 표기한다</a:t>
-              </a:r>
-              <a:r>
-                <a:rPr lang="en-US" altLang="ko-KR" dirty="0">
-                  <a:solidFill>
-                    <a:schemeClr val="tx1"/>
-                  </a:solidFill>
-                </a:rPr>
-                <a:t>.</a:t>
-              </a:r>
-              <a:br>
-                <a:rPr lang="en-US" altLang="ko-KR" dirty="0">
-                  <a:solidFill>
-                    <a:schemeClr val="tx1"/>
-                  </a:solidFill>
-                </a:rPr>
-              </a:br>
-              <a:r>
-                <a:rPr lang="en-US" altLang="ko-KR" dirty="0">
-                  <a:solidFill>
-                    <a:schemeClr val="tx1"/>
-                  </a:solidFill>
-                </a:rPr>
-                <a:t>Ex) 2,015 &gt; 2.01K, 1,234,567 &gt; 1.23M</a:t>
-              </a:r>
-            </a:p>
-            <a:p>
-              <a:pPr marL="285750" indent="-285750">
-                <a:buFont typeface="Arial" panose="020B0604020202020204" pitchFamily="34" charset="0"/>
-                <a:buChar char="•"/>
-              </a:pPr>
-              <a:endParaRPr lang="en-US" altLang="ko-KR" dirty="0">
-                <a:solidFill>
-                  <a:schemeClr val="tx1"/>
-                </a:solidFill>
-              </a:endParaRPr>
-            </a:p>
-            <a:p>
-              <a:pPr marL="285750" indent="-285750">
-                <a:buFont typeface="Arial" panose="020B0604020202020204" pitchFamily="34" charset="0"/>
-                <a:buChar char="•"/>
-              </a:pPr>
-              <a:r>
-                <a:rPr lang="ko-KR" altLang="en-US" dirty="0">
-                  <a:solidFill>
-                    <a:schemeClr val="tx1"/>
-                  </a:solidFill>
-                </a:rPr>
-                <a:t>단위는 </a:t>
-              </a:r>
-              <a:r>
-                <a:rPr lang="en-US" altLang="ko-KR" dirty="0">
-                  <a:solidFill>
-                    <a:schemeClr val="tx1"/>
-                  </a:solidFill>
-                </a:rPr>
-                <a:t>‘</a:t>
-              </a:r>
-              <a:r>
-                <a:rPr lang="ko-KR" altLang="en-US" dirty="0">
-                  <a:solidFill>
-                    <a:schemeClr val="tx1"/>
-                  </a:solidFill>
-                </a:rPr>
-                <a:t>단위목록</a:t>
-              </a:r>
-              <a:r>
-                <a:rPr lang="en-US" altLang="ko-KR" dirty="0">
-                  <a:solidFill>
-                    <a:schemeClr val="tx1"/>
-                  </a:solidFill>
-                </a:rPr>
-                <a:t>.txt</a:t>
-              </a:r>
-              <a:r>
-                <a:rPr lang="ko-KR" altLang="en-US" dirty="0">
-                  <a:solidFill>
-                    <a:schemeClr val="tx1"/>
-                  </a:solidFill>
-                </a:rPr>
-                <a:t>‘를 따른다</a:t>
-              </a:r>
-              <a:r>
-                <a:rPr lang="en-US" altLang="ko-KR" dirty="0">
-                  <a:solidFill>
-                    <a:schemeClr val="tx1"/>
-                  </a:solidFill>
-                </a:rPr>
-                <a:t>.</a:t>
-              </a:r>
-            </a:p>
-          </p:txBody>
-        </p:sp>
-        <p:sp>
-          <p:nvSpPr>
-            <p:cNvPr id="14" name="TextBox 13">
-              <a:extLst>
-                <a:ext uri="{FF2B5EF4-FFF2-40B4-BE49-F238E27FC236}">
-                  <a16:creationId xmlns:a16="http://schemas.microsoft.com/office/drawing/2014/main" id="{ADCADDD3-E87C-4CE3-A0CD-9B269736EE86}"/>
-                </a:ext>
-              </a:extLst>
-            </p:cNvPr>
-            <p:cNvSpPr txBox="1"/>
-            <p:nvPr/>
-          </p:nvSpPr>
-          <p:spPr>
-            <a:xfrm>
-              <a:off x="7442366" y="4038167"/>
-              <a:ext cx="3881263" cy="473197"/>
-            </a:xfrm>
-            <a:prstGeom prst="rect">
-              <a:avLst/>
-            </a:prstGeom>
-            <a:noFill/>
-          </p:spPr>
-          <p:txBody>
-            <a:bodyPr wrap="square" rtlCol="0">
-              <a:spAutoFit/>
-            </a:bodyPr>
-            <a:lstStyle/>
-            <a:p>
-              <a:r>
-                <a:rPr lang="ko-KR" altLang="en-US" dirty="0">
-                  <a:solidFill>
-                    <a:schemeClr val="bg1"/>
-                  </a:solidFill>
-                </a:rPr>
-                <a:t>개요</a:t>
-              </a:r>
-            </a:p>
-          </p:txBody>
-        </p:sp>
-      </p:grpSp>
-    </p:spTree>
-    <p:extLst>
-      <p:ext uri="{BB962C8B-B14F-4D97-AF65-F5344CB8AC3E}">
-        <p14:creationId xmlns:p14="http://schemas.microsoft.com/office/powerpoint/2010/main" val="3331964537"/>
-      </p:ext>
-    </p:extLst>
-  </p:cSld>
-  <p:clrMapOvr>
-    <a:masterClrMapping/>
-  </p:clrMapOvr>
-</p:sld>
-</file>
-
 <file path=ppt/slides/slide2.xml><?xml version="1.0" encoding="utf-8"?>
 <p:sld xmlns:a="http://schemas.openxmlformats.org/drawingml/2006/main" xmlns:r="http://schemas.openxmlformats.org/officeDocument/2006/relationships" xmlns:p="http://schemas.openxmlformats.org/presentationml/2006/main">
   <p:cSld>
@@ -15168,7 +16536,7 @@
           <p:nvPr>
             <p:extLst>
               <p:ext uri="{D42A27DB-BD31-4B8C-83A1-F6EECF244321}">
-                <p14:modId xmlns:p14="http://schemas.microsoft.com/office/powerpoint/2010/main" val="583410499"/>
+                <p14:modId xmlns:p14="http://schemas.microsoft.com/office/powerpoint/2010/main" val="3085498623"/>
               </p:ext>
             </p:extLst>
           </p:nvPr>
@@ -15651,8 +17019,17 @@
                       </a:br>
                       <a:r>
                         <a:rPr lang="ko-KR" altLang="en-US" dirty="0"/>
-                        <a:t>클릭 시스템 추가</a:t>
+                        <a:t>클릭 시스템 수정</a:t>
                       </a:r>
+                      <a:r>
+                        <a:rPr lang="en-US" altLang="ko-KR" dirty="0"/>
+                        <a:t>, </a:t>
+                      </a:r>
+                      <a:r>
+                        <a:rPr lang="ko-KR" altLang="en-US" dirty="0"/>
+                        <a:t>액티브 스킬 시스템 추가</a:t>
+                      </a:r>
+                      <a:endParaRPr lang="en-US" altLang="ko-KR" dirty="0"/>
                     </a:p>
                   </a:txBody>
                   <a:tcPr>
@@ -16840,7 +18217,7 @@
 </p:sld>
 </file>
 
-<file path=ppt/slides/slide3.xml><?xml version="1.0" encoding="utf-8"?>
+<file path=ppt/slides/slide20.xml><?xml version="1.0" encoding="utf-8"?>
 <p:sld xmlns:a="http://schemas.openxmlformats.org/drawingml/2006/main" xmlns:r="http://schemas.openxmlformats.org/officeDocument/2006/relationships" xmlns:p="http://schemas.openxmlformats.org/presentationml/2006/main">
   <p:cSld>
     <p:spTree>
@@ -16857,1536 +18234,12 @@
           <a:chExt cx="0" cy="0"/>
         </a:xfrm>
       </p:grpSpPr>
-      <p:graphicFrame>
-        <p:nvGraphicFramePr>
-          <p:cNvPr id="2" name="표 2">
+      <p:grpSp>
+        <p:nvGrpSpPr>
+          <p:cNvPr id="38" name="그룹 37">
             <a:extLst>
               <a:ext uri="{FF2B5EF4-FFF2-40B4-BE49-F238E27FC236}">
-                <a16:creationId xmlns:a16="http://schemas.microsoft.com/office/drawing/2014/main" id="{B470BD46-689C-4CCF-A48B-F0D7FBD50120}"/>
-              </a:ext>
-            </a:extLst>
-          </p:cNvPr>
-          <p:cNvGraphicFramePr>
-            <a:graphicFrameLocks noGrp="1"/>
-          </p:cNvGraphicFramePr>
-          <p:nvPr>
-            <p:extLst>
-              <p:ext uri="{D42A27DB-BD31-4B8C-83A1-F6EECF244321}">
-                <p14:modId xmlns:p14="http://schemas.microsoft.com/office/powerpoint/2010/main" val="2814229168"/>
-              </p:ext>
-            </p:extLst>
-          </p:nvPr>
-        </p:nvGraphicFramePr>
-        <p:xfrm>
-          <a:off x="955963" y="995906"/>
-          <a:ext cx="10280073" cy="3629232"/>
-        </p:xfrm>
-        <a:graphic>
-          <a:graphicData uri="http://schemas.openxmlformats.org/drawingml/2006/table">
-            <a:tbl>
-              <a:tblPr firstRow="1" bandRow="1">
-                <a:tableStyleId>{5C22544A-7EE6-4342-B048-85BDC9FD1C3A}</a:tableStyleId>
-              </a:tblPr>
-              <a:tblGrid>
-                <a:gridCol w="1524001">
-                  <a:extLst>
-                    <a:ext uri="{9D8B030D-6E8A-4147-A177-3AD203B41FA5}">
-                      <a16:colId xmlns:a16="http://schemas.microsoft.com/office/drawing/2014/main" val="2907356572"/>
-                    </a:ext>
-                  </a:extLst>
-                </a:gridCol>
-                <a:gridCol w="5329381">
-                  <a:extLst>
-                    <a:ext uri="{9D8B030D-6E8A-4147-A177-3AD203B41FA5}">
-                      <a16:colId xmlns:a16="http://schemas.microsoft.com/office/drawing/2014/main" val="337169166"/>
-                    </a:ext>
-                  </a:extLst>
-                </a:gridCol>
-                <a:gridCol w="3426691">
-                  <a:extLst>
-                    <a:ext uri="{9D8B030D-6E8A-4147-A177-3AD203B41FA5}">
-                      <a16:colId xmlns:a16="http://schemas.microsoft.com/office/drawing/2014/main" val="56736019"/>
-                    </a:ext>
-                  </a:extLst>
-                </a:gridCol>
-              </a:tblGrid>
-              <a:tr h="251509">
-                <a:tc>
-                  <a:txBody>
-                    <a:bodyPr/>
-                    <a:lstStyle/>
-                    <a:p>
-                      <a:pPr latinLnBrk="1"/>
-                      <a:r>
-                        <a:rPr lang="ko-KR" altLang="en-US" dirty="0">
-                          <a:solidFill>
-                            <a:schemeClr val="tx1"/>
-                          </a:solidFill>
-                        </a:rPr>
-                        <a:t>작성일자</a:t>
-                      </a:r>
-                    </a:p>
-                  </a:txBody>
-                  <a:tcPr>
-                    <a:lnL w="12700" cap="flat" cmpd="sng" algn="ctr">
-                      <a:solidFill>
-                        <a:schemeClr val="tx1"/>
-                      </a:solidFill>
-                      <a:prstDash val="solid"/>
-                      <a:round/>
-                      <a:headEnd type="none" w="med" len="med"/>
-                      <a:tailEnd type="none" w="med" len="med"/>
-                    </a:lnL>
-                    <a:lnR w="12700" cap="flat" cmpd="sng" algn="ctr">
-                      <a:solidFill>
-                        <a:schemeClr val="tx1"/>
-                      </a:solidFill>
-                      <a:prstDash val="solid"/>
-                      <a:round/>
-                      <a:headEnd type="none" w="med" len="med"/>
-                      <a:tailEnd type="none" w="med" len="med"/>
-                    </a:lnR>
-                    <a:lnT w="12700" cap="flat" cmpd="sng" algn="ctr">
-                      <a:solidFill>
-                        <a:schemeClr val="tx1"/>
-                      </a:solidFill>
-                      <a:prstDash val="solid"/>
-                      <a:round/>
-                      <a:headEnd type="none" w="med" len="med"/>
-                      <a:tailEnd type="none" w="med" len="med"/>
-                    </a:lnT>
-                    <a:lnB w="12700" cap="flat" cmpd="sng" algn="ctr">
-                      <a:solidFill>
-                        <a:schemeClr val="tx1"/>
-                      </a:solidFill>
-                      <a:prstDash val="solid"/>
-                      <a:round/>
-                      <a:headEnd type="none" w="med" len="med"/>
-                      <a:tailEnd type="none" w="med" len="med"/>
-                    </a:lnB>
-                    <a:solidFill>
-                      <a:schemeClr val="bg1">
-                        <a:lumMod val="85000"/>
-                      </a:schemeClr>
-                    </a:solidFill>
-                  </a:tcPr>
-                </a:tc>
-                <a:tc>
-                  <a:txBody>
-                    <a:bodyPr/>
-                    <a:lstStyle/>
-                    <a:p>
-                      <a:pPr latinLnBrk="1"/>
-                      <a:r>
-                        <a:rPr lang="ko-KR" altLang="en-US" dirty="0">
-                          <a:solidFill>
-                            <a:schemeClr val="tx1"/>
-                          </a:solidFill>
-                        </a:rPr>
-                        <a:t>작성내용</a:t>
-                      </a:r>
-                    </a:p>
-                  </a:txBody>
-                  <a:tcPr>
-                    <a:lnL w="12700" cap="flat" cmpd="sng" algn="ctr">
-                      <a:solidFill>
-                        <a:schemeClr val="tx1"/>
-                      </a:solidFill>
-                      <a:prstDash val="solid"/>
-                      <a:round/>
-                      <a:headEnd type="none" w="med" len="med"/>
-                      <a:tailEnd type="none" w="med" len="med"/>
-                    </a:lnL>
-                    <a:lnR w="12700" cap="flat" cmpd="sng" algn="ctr">
-                      <a:solidFill>
-                        <a:schemeClr val="tx1"/>
-                      </a:solidFill>
-                      <a:prstDash val="solid"/>
-                      <a:round/>
-                      <a:headEnd type="none" w="med" len="med"/>
-                      <a:tailEnd type="none" w="med" len="med"/>
-                    </a:lnR>
-                    <a:lnT w="12700" cap="flat" cmpd="sng" algn="ctr">
-                      <a:solidFill>
-                        <a:schemeClr val="tx1"/>
-                      </a:solidFill>
-                      <a:prstDash val="solid"/>
-                      <a:round/>
-                      <a:headEnd type="none" w="med" len="med"/>
-                      <a:tailEnd type="none" w="med" len="med"/>
-                    </a:lnT>
-                    <a:lnB w="12700" cap="flat" cmpd="sng" algn="ctr">
-                      <a:solidFill>
-                        <a:schemeClr val="tx1"/>
-                      </a:solidFill>
-                      <a:prstDash val="solid"/>
-                      <a:round/>
-                      <a:headEnd type="none" w="med" len="med"/>
-                      <a:tailEnd type="none" w="med" len="med"/>
-                    </a:lnB>
-                    <a:solidFill>
-                      <a:schemeClr val="bg1">
-                        <a:lumMod val="85000"/>
-                      </a:schemeClr>
-                    </a:solidFill>
-                  </a:tcPr>
-                </a:tc>
-                <a:tc>
-                  <a:txBody>
-                    <a:bodyPr/>
-                    <a:lstStyle/>
-                    <a:p>
-                      <a:pPr latinLnBrk="1"/>
-                      <a:r>
-                        <a:rPr lang="ko-KR" altLang="en-US" dirty="0">
-                          <a:solidFill>
-                            <a:schemeClr val="tx1"/>
-                          </a:solidFill>
-                        </a:rPr>
-                        <a:t>비고</a:t>
-                      </a:r>
-                    </a:p>
-                  </a:txBody>
-                  <a:tcPr>
-                    <a:lnL w="12700" cap="flat" cmpd="sng" algn="ctr">
-                      <a:solidFill>
-                        <a:schemeClr val="tx1"/>
-                      </a:solidFill>
-                      <a:prstDash val="solid"/>
-                      <a:round/>
-                      <a:headEnd type="none" w="med" len="med"/>
-                      <a:tailEnd type="none" w="med" len="med"/>
-                    </a:lnL>
-                    <a:lnR w="12700" cap="flat" cmpd="sng" algn="ctr">
-                      <a:solidFill>
-                        <a:schemeClr val="tx1"/>
-                      </a:solidFill>
-                      <a:prstDash val="solid"/>
-                      <a:round/>
-                      <a:headEnd type="none" w="med" len="med"/>
-                      <a:tailEnd type="none" w="med" len="med"/>
-                    </a:lnR>
-                    <a:lnT w="12700" cap="flat" cmpd="sng" algn="ctr">
-                      <a:solidFill>
-                        <a:schemeClr val="tx1"/>
-                      </a:solidFill>
-                      <a:prstDash val="solid"/>
-                      <a:round/>
-                      <a:headEnd type="none" w="med" len="med"/>
-                      <a:tailEnd type="none" w="med" len="med"/>
-                    </a:lnT>
-                    <a:lnB w="12700" cap="flat" cmpd="sng" algn="ctr">
-                      <a:solidFill>
-                        <a:schemeClr val="tx1"/>
-                      </a:solidFill>
-                      <a:prstDash val="solid"/>
-                      <a:round/>
-                      <a:headEnd type="none" w="med" len="med"/>
-                      <a:tailEnd type="none" w="med" len="med"/>
-                    </a:lnB>
-                    <a:solidFill>
-                      <a:schemeClr val="bg1">
-                        <a:lumMod val="85000"/>
-                      </a:schemeClr>
-                    </a:solidFill>
-                  </a:tcPr>
-                </a:tc>
-                <a:extLst>
-                  <a:ext uri="{0D108BD9-81ED-4DB2-BD59-A6C34878D82A}">
-                    <a16:rowId xmlns:a16="http://schemas.microsoft.com/office/drawing/2014/main" val="140527839"/>
-                  </a:ext>
-                </a:extLst>
-              </a:tr>
-              <a:tr h="251509">
-                <a:tc>
-                  <a:txBody>
-                    <a:bodyPr/>
-                    <a:lstStyle/>
-                    <a:p>
-                      <a:pPr latinLnBrk="1"/>
-                      <a:endParaRPr lang="ko-KR" altLang="en-US" dirty="0"/>
-                    </a:p>
-                  </a:txBody>
-                  <a:tcPr>
-                    <a:lnL w="12700" cap="flat" cmpd="sng" algn="ctr">
-                      <a:solidFill>
-                        <a:schemeClr val="tx1"/>
-                      </a:solidFill>
-                      <a:prstDash val="solid"/>
-                      <a:round/>
-                      <a:headEnd type="none" w="med" len="med"/>
-                      <a:tailEnd type="none" w="med" len="med"/>
-                    </a:lnL>
-                    <a:lnR w="12700" cap="flat" cmpd="sng" algn="ctr">
-                      <a:solidFill>
-                        <a:schemeClr val="tx1"/>
-                      </a:solidFill>
-                      <a:prstDash val="solid"/>
-                      <a:round/>
-                      <a:headEnd type="none" w="med" len="med"/>
-                      <a:tailEnd type="none" w="med" len="med"/>
-                    </a:lnR>
-                    <a:lnT w="12700" cap="flat" cmpd="sng" algn="ctr">
-                      <a:solidFill>
-                        <a:schemeClr val="tx1"/>
-                      </a:solidFill>
-                      <a:prstDash val="solid"/>
-                      <a:round/>
-                      <a:headEnd type="none" w="med" len="med"/>
-                      <a:tailEnd type="none" w="med" len="med"/>
-                    </a:lnT>
-                    <a:lnB w="12700" cap="flat" cmpd="sng" algn="ctr">
-                      <a:solidFill>
-                        <a:schemeClr val="tx1"/>
-                      </a:solidFill>
-                      <a:prstDash val="solid"/>
-                      <a:round/>
-                      <a:headEnd type="none" w="med" len="med"/>
-                      <a:tailEnd type="none" w="med" len="med"/>
-                    </a:lnB>
-                    <a:solidFill>
-                      <a:schemeClr val="bg1"/>
-                    </a:solidFill>
-                  </a:tcPr>
-                </a:tc>
-                <a:tc>
-                  <a:txBody>
-                    <a:bodyPr/>
-                    <a:lstStyle/>
-                    <a:p>
-                      <a:pPr latinLnBrk="1"/>
-                      <a:endParaRPr lang="ko-KR" altLang="en-US" dirty="0"/>
-                    </a:p>
-                  </a:txBody>
-                  <a:tcPr>
-                    <a:lnL w="12700" cap="flat" cmpd="sng" algn="ctr">
-                      <a:solidFill>
-                        <a:schemeClr val="tx1"/>
-                      </a:solidFill>
-                      <a:prstDash val="solid"/>
-                      <a:round/>
-                      <a:headEnd type="none" w="med" len="med"/>
-                      <a:tailEnd type="none" w="med" len="med"/>
-                    </a:lnL>
-                    <a:lnR w="12700" cap="flat" cmpd="sng" algn="ctr">
-                      <a:solidFill>
-                        <a:schemeClr val="tx1"/>
-                      </a:solidFill>
-                      <a:prstDash val="solid"/>
-                      <a:round/>
-                      <a:headEnd type="none" w="med" len="med"/>
-                      <a:tailEnd type="none" w="med" len="med"/>
-                    </a:lnR>
-                    <a:lnT w="12700" cap="flat" cmpd="sng" algn="ctr">
-                      <a:solidFill>
-                        <a:schemeClr val="tx1"/>
-                      </a:solidFill>
-                      <a:prstDash val="solid"/>
-                      <a:round/>
-                      <a:headEnd type="none" w="med" len="med"/>
-                      <a:tailEnd type="none" w="med" len="med"/>
-                    </a:lnT>
-                    <a:lnB w="12700" cap="flat" cmpd="sng" algn="ctr">
-                      <a:solidFill>
-                        <a:schemeClr val="tx1"/>
-                      </a:solidFill>
-                      <a:prstDash val="solid"/>
-                      <a:round/>
-                      <a:headEnd type="none" w="med" len="med"/>
-                      <a:tailEnd type="none" w="med" len="med"/>
-                    </a:lnB>
-                    <a:solidFill>
-                      <a:schemeClr val="bg1"/>
-                    </a:solidFill>
-                  </a:tcPr>
-                </a:tc>
-                <a:tc>
-                  <a:txBody>
-                    <a:bodyPr/>
-                    <a:lstStyle/>
-                    <a:p>
-                      <a:pPr latinLnBrk="1"/>
-                      <a:endParaRPr lang="ko-KR" altLang="en-US"/>
-                    </a:p>
-                  </a:txBody>
-                  <a:tcPr>
-                    <a:lnL w="12700" cap="flat" cmpd="sng" algn="ctr">
-                      <a:solidFill>
-                        <a:schemeClr val="tx1"/>
-                      </a:solidFill>
-                      <a:prstDash val="solid"/>
-                      <a:round/>
-                      <a:headEnd type="none" w="med" len="med"/>
-                      <a:tailEnd type="none" w="med" len="med"/>
-                    </a:lnL>
-                    <a:lnR w="12700" cap="flat" cmpd="sng" algn="ctr">
-                      <a:solidFill>
-                        <a:schemeClr val="tx1"/>
-                      </a:solidFill>
-                      <a:prstDash val="solid"/>
-                      <a:round/>
-                      <a:headEnd type="none" w="med" len="med"/>
-                      <a:tailEnd type="none" w="med" len="med"/>
-                    </a:lnR>
-                    <a:lnT w="12700" cap="flat" cmpd="sng" algn="ctr">
-                      <a:solidFill>
-                        <a:schemeClr val="tx1"/>
-                      </a:solidFill>
-                      <a:prstDash val="solid"/>
-                      <a:round/>
-                      <a:headEnd type="none" w="med" len="med"/>
-                      <a:tailEnd type="none" w="med" len="med"/>
-                    </a:lnT>
-                    <a:lnB w="12700" cap="flat" cmpd="sng" algn="ctr">
-                      <a:solidFill>
-                        <a:schemeClr val="tx1"/>
-                      </a:solidFill>
-                      <a:prstDash val="solid"/>
-                      <a:round/>
-                      <a:headEnd type="none" w="med" len="med"/>
-                      <a:tailEnd type="none" w="med" len="med"/>
-                    </a:lnB>
-                    <a:solidFill>
-                      <a:schemeClr val="bg1"/>
-                    </a:solidFill>
-                  </a:tcPr>
-                </a:tc>
-                <a:extLst>
-                  <a:ext uri="{0D108BD9-81ED-4DB2-BD59-A6C34878D82A}">
-                    <a16:rowId xmlns:a16="http://schemas.microsoft.com/office/drawing/2014/main" val="2399627370"/>
-                  </a:ext>
-                </a:extLst>
-              </a:tr>
-              <a:tr h="628772">
-                <a:tc>
-                  <a:txBody>
-                    <a:bodyPr/>
-                    <a:lstStyle/>
-                    <a:p>
-                      <a:pPr latinLnBrk="1"/>
-                      <a:endParaRPr lang="ko-KR" altLang="en-US" dirty="0"/>
-                    </a:p>
-                  </a:txBody>
-                  <a:tcPr>
-                    <a:lnL w="12700" cap="flat" cmpd="sng" algn="ctr">
-                      <a:solidFill>
-                        <a:schemeClr val="tx1"/>
-                      </a:solidFill>
-                      <a:prstDash val="solid"/>
-                      <a:round/>
-                      <a:headEnd type="none" w="med" len="med"/>
-                      <a:tailEnd type="none" w="med" len="med"/>
-                    </a:lnL>
-                    <a:lnR w="12700" cap="flat" cmpd="sng" algn="ctr">
-                      <a:solidFill>
-                        <a:schemeClr val="tx1"/>
-                      </a:solidFill>
-                      <a:prstDash val="solid"/>
-                      <a:round/>
-                      <a:headEnd type="none" w="med" len="med"/>
-                      <a:tailEnd type="none" w="med" len="med"/>
-                    </a:lnR>
-                    <a:lnT w="12700" cap="flat" cmpd="sng" algn="ctr">
-                      <a:solidFill>
-                        <a:schemeClr val="tx1"/>
-                      </a:solidFill>
-                      <a:prstDash val="solid"/>
-                      <a:round/>
-                      <a:headEnd type="none" w="med" len="med"/>
-                      <a:tailEnd type="none" w="med" len="med"/>
-                    </a:lnT>
-                    <a:lnB w="12700" cap="flat" cmpd="sng" algn="ctr">
-                      <a:solidFill>
-                        <a:schemeClr val="tx1"/>
-                      </a:solidFill>
-                      <a:prstDash val="solid"/>
-                      <a:round/>
-                      <a:headEnd type="none" w="med" len="med"/>
-                      <a:tailEnd type="none" w="med" len="med"/>
-                    </a:lnB>
-                    <a:solidFill>
-                      <a:schemeClr val="bg1"/>
-                    </a:solidFill>
-                  </a:tcPr>
-                </a:tc>
-                <a:tc>
-                  <a:txBody>
-                    <a:bodyPr/>
-                    <a:lstStyle/>
-                    <a:p>
-                      <a:pPr latinLnBrk="1"/>
-                      <a:endParaRPr lang="ko-KR" altLang="en-US" dirty="0"/>
-                    </a:p>
-                  </a:txBody>
-                  <a:tcPr>
-                    <a:lnL w="12700" cap="flat" cmpd="sng" algn="ctr">
-                      <a:solidFill>
-                        <a:schemeClr val="tx1"/>
-                      </a:solidFill>
-                      <a:prstDash val="solid"/>
-                      <a:round/>
-                      <a:headEnd type="none" w="med" len="med"/>
-                      <a:tailEnd type="none" w="med" len="med"/>
-                    </a:lnL>
-                    <a:lnR w="12700" cap="flat" cmpd="sng" algn="ctr">
-                      <a:solidFill>
-                        <a:schemeClr val="tx1"/>
-                      </a:solidFill>
-                      <a:prstDash val="solid"/>
-                      <a:round/>
-                      <a:headEnd type="none" w="med" len="med"/>
-                      <a:tailEnd type="none" w="med" len="med"/>
-                    </a:lnR>
-                    <a:lnT w="12700" cap="flat" cmpd="sng" algn="ctr">
-                      <a:solidFill>
-                        <a:schemeClr val="tx1"/>
-                      </a:solidFill>
-                      <a:prstDash val="solid"/>
-                      <a:round/>
-                      <a:headEnd type="none" w="med" len="med"/>
-                      <a:tailEnd type="none" w="med" len="med"/>
-                    </a:lnT>
-                    <a:lnB w="12700" cap="flat" cmpd="sng" algn="ctr">
-                      <a:solidFill>
-                        <a:schemeClr val="tx1"/>
-                      </a:solidFill>
-                      <a:prstDash val="solid"/>
-                      <a:round/>
-                      <a:headEnd type="none" w="med" len="med"/>
-                      <a:tailEnd type="none" w="med" len="med"/>
-                    </a:lnB>
-                    <a:solidFill>
-                      <a:schemeClr val="bg1"/>
-                    </a:solidFill>
-                  </a:tcPr>
-                </a:tc>
-                <a:tc>
-                  <a:txBody>
-                    <a:bodyPr/>
-                    <a:lstStyle/>
-                    <a:p>
-                      <a:pPr latinLnBrk="1"/>
-                      <a:endParaRPr lang="ko-KR" altLang="en-US" dirty="0"/>
-                    </a:p>
-                  </a:txBody>
-                  <a:tcPr>
-                    <a:lnL w="12700" cap="flat" cmpd="sng" algn="ctr">
-                      <a:solidFill>
-                        <a:schemeClr val="tx1"/>
-                      </a:solidFill>
-                      <a:prstDash val="solid"/>
-                      <a:round/>
-                      <a:headEnd type="none" w="med" len="med"/>
-                      <a:tailEnd type="none" w="med" len="med"/>
-                    </a:lnL>
-                    <a:lnR w="12700" cap="flat" cmpd="sng" algn="ctr">
-                      <a:solidFill>
-                        <a:schemeClr val="tx1"/>
-                      </a:solidFill>
-                      <a:prstDash val="solid"/>
-                      <a:round/>
-                      <a:headEnd type="none" w="med" len="med"/>
-                      <a:tailEnd type="none" w="med" len="med"/>
-                    </a:lnR>
-                    <a:lnT w="12700" cap="flat" cmpd="sng" algn="ctr">
-                      <a:solidFill>
-                        <a:schemeClr val="tx1"/>
-                      </a:solidFill>
-                      <a:prstDash val="solid"/>
-                      <a:round/>
-                      <a:headEnd type="none" w="med" len="med"/>
-                      <a:tailEnd type="none" w="med" len="med"/>
-                    </a:lnT>
-                    <a:lnB w="12700" cap="flat" cmpd="sng" algn="ctr">
-                      <a:solidFill>
-                        <a:schemeClr val="tx1"/>
-                      </a:solidFill>
-                      <a:prstDash val="solid"/>
-                      <a:round/>
-                      <a:headEnd type="none" w="med" len="med"/>
-                      <a:tailEnd type="none" w="med" len="med"/>
-                    </a:lnB>
-                    <a:solidFill>
-                      <a:schemeClr val="bg1"/>
-                    </a:solidFill>
-                  </a:tcPr>
-                </a:tc>
-                <a:extLst>
-                  <a:ext uri="{0D108BD9-81ED-4DB2-BD59-A6C34878D82A}">
-                    <a16:rowId xmlns:a16="http://schemas.microsoft.com/office/drawing/2014/main" val="2669729593"/>
-                  </a:ext>
-                </a:extLst>
-              </a:tr>
-              <a:tr h="440140">
-                <a:tc>
-                  <a:txBody>
-                    <a:bodyPr/>
-                    <a:lstStyle/>
-                    <a:p>
-                      <a:pPr latinLnBrk="1"/>
-                      <a:endParaRPr lang="ko-KR" altLang="en-US" dirty="0"/>
-                    </a:p>
-                  </a:txBody>
-                  <a:tcPr>
-                    <a:lnL w="12700" cap="flat" cmpd="sng" algn="ctr">
-                      <a:solidFill>
-                        <a:schemeClr val="tx1"/>
-                      </a:solidFill>
-                      <a:prstDash val="solid"/>
-                      <a:round/>
-                      <a:headEnd type="none" w="med" len="med"/>
-                      <a:tailEnd type="none" w="med" len="med"/>
-                    </a:lnL>
-                    <a:lnR w="12700" cap="flat" cmpd="sng" algn="ctr">
-                      <a:solidFill>
-                        <a:schemeClr val="tx1"/>
-                      </a:solidFill>
-                      <a:prstDash val="solid"/>
-                      <a:round/>
-                      <a:headEnd type="none" w="med" len="med"/>
-                      <a:tailEnd type="none" w="med" len="med"/>
-                    </a:lnR>
-                    <a:lnT w="12700" cap="flat" cmpd="sng" algn="ctr">
-                      <a:solidFill>
-                        <a:schemeClr val="tx1"/>
-                      </a:solidFill>
-                      <a:prstDash val="solid"/>
-                      <a:round/>
-                      <a:headEnd type="none" w="med" len="med"/>
-                      <a:tailEnd type="none" w="med" len="med"/>
-                    </a:lnT>
-                    <a:lnB w="12700" cap="flat" cmpd="sng" algn="ctr">
-                      <a:solidFill>
-                        <a:schemeClr val="tx1"/>
-                      </a:solidFill>
-                      <a:prstDash val="solid"/>
-                      <a:round/>
-                      <a:headEnd type="none" w="med" len="med"/>
-                      <a:tailEnd type="none" w="med" len="med"/>
-                    </a:lnB>
-                    <a:solidFill>
-                      <a:schemeClr val="bg1"/>
-                    </a:solidFill>
-                  </a:tcPr>
-                </a:tc>
-                <a:tc>
-                  <a:txBody>
-                    <a:bodyPr/>
-                    <a:lstStyle/>
-                    <a:p>
-                      <a:pPr latinLnBrk="1"/>
-                      <a:endParaRPr lang="ko-KR" altLang="en-US" dirty="0"/>
-                    </a:p>
-                  </a:txBody>
-                  <a:tcPr>
-                    <a:lnL w="12700" cap="flat" cmpd="sng" algn="ctr">
-                      <a:solidFill>
-                        <a:schemeClr val="tx1"/>
-                      </a:solidFill>
-                      <a:prstDash val="solid"/>
-                      <a:round/>
-                      <a:headEnd type="none" w="med" len="med"/>
-                      <a:tailEnd type="none" w="med" len="med"/>
-                    </a:lnL>
-                    <a:lnR w="12700" cap="flat" cmpd="sng" algn="ctr">
-                      <a:solidFill>
-                        <a:schemeClr val="tx1"/>
-                      </a:solidFill>
-                      <a:prstDash val="solid"/>
-                      <a:round/>
-                      <a:headEnd type="none" w="med" len="med"/>
-                      <a:tailEnd type="none" w="med" len="med"/>
-                    </a:lnR>
-                    <a:lnT w="12700" cap="flat" cmpd="sng" algn="ctr">
-                      <a:solidFill>
-                        <a:schemeClr val="tx1"/>
-                      </a:solidFill>
-                      <a:prstDash val="solid"/>
-                      <a:round/>
-                      <a:headEnd type="none" w="med" len="med"/>
-                      <a:tailEnd type="none" w="med" len="med"/>
-                    </a:lnT>
-                    <a:lnB w="12700" cap="flat" cmpd="sng" algn="ctr">
-                      <a:solidFill>
-                        <a:schemeClr val="tx1"/>
-                      </a:solidFill>
-                      <a:prstDash val="solid"/>
-                      <a:round/>
-                      <a:headEnd type="none" w="med" len="med"/>
-                      <a:tailEnd type="none" w="med" len="med"/>
-                    </a:lnB>
-                    <a:solidFill>
-                      <a:schemeClr val="bg1"/>
-                    </a:solidFill>
-                  </a:tcPr>
-                </a:tc>
-                <a:tc>
-                  <a:txBody>
-                    <a:bodyPr/>
-                    <a:lstStyle/>
-                    <a:p>
-                      <a:pPr latinLnBrk="1"/>
-                      <a:endParaRPr lang="ko-KR" altLang="en-US" dirty="0"/>
-                    </a:p>
-                  </a:txBody>
-                  <a:tcPr>
-                    <a:lnL w="12700" cap="flat" cmpd="sng" algn="ctr">
-                      <a:solidFill>
-                        <a:schemeClr val="tx1"/>
-                      </a:solidFill>
-                      <a:prstDash val="solid"/>
-                      <a:round/>
-                      <a:headEnd type="none" w="med" len="med"/>
-                      <a:tailEnd type="none" w="med" len="med"/>
-                    </a:lnL>
-                    <a:lnR w="12700" cap="flat" cmpd="sng" algn="ctr">
-                      <a:solidFill>
-                        <a:schemeClr val="tx1"/>
-                      </a:solidFill>
-                      <a:prstDash val="solid"/>
-                      <a:round/>
-                      <a:headEnd type="none" w="med" len="med"/>
-                      <a:tailEnd type="none" w="med" len="med"/>
-                    </a:lnR>
-                    <a:lnT w="12700" cap="flat" cmpd="sng" algn="ctr">
-                      <a:solidFill>
-                        <a:schemeClr val="tx1"/>
-                      </a:solidFill>
-                      <a:prstDash val="solid"/>
-                      <a:round/>
-                      <a:headEnd type="none" w="med" len="med"/>
-                      <a:tailEnd type="none" w="med" len="med"/>
-                    </a:lnT>
-                    <a:lnB w="12700" cap="flat" cmpd="sng" algn="ctr">
-                      <a:solidFill>
-                        <a:schemeClr val="tx1"/>
-                      </a:solidFill>
-                      <a:prstDash val="solid"/>
-                      <a:round/>
-                      <a:headEnd type="none" w="med" len="med"/>
-                      <a:tailEnd type="none" w="med" len="med"/>
-                    </a:lnB>
-                    <a:solidFill>
-                      <a:schemeClr val="bg1"/>
-                    </a:solidFill>
-                  </a:tcPr>
-                </a:tc>
-                <a:extLst>
-                  <a:ext uri="{0D108BD9-81ED-4DB2-BD59-A6C34878D82A}">
-                    <a16:rowId xmlns:a16="http://schemas.microsoft.com/office/drawing/2014/main" val="623984251"/>
-                  </a:ext>
-                </a:extLst>
-              </a:tr>
-              <a:tr h="322158">
-                <a:tc>
-                  <a:txBody>
-                    <a:bodyPr/>
-                    <a:lstStyle/>
-                    <a:p>
-                      <a:pPr latinLnBrk="1"/>
-                      <a:endParaRPr lang="ko-KR" altLang="en-US" dirty="0"/>
-                    </a:p>
-                  </a:txBody>
-                  <a:tcPr>
-                    <a:lnL w="12700" cap="flat" cmpd="sng" algn="ctr">
-                      <a:solidFill>
-                        <a:schemeClr val="tx1"/>
-                      </a:solidFill>
-                      <a:prstDash val="solid"/>
-                      <a:round/>
-                      <a:headEnd type="none" w="med" len="med"/>
-                      <a:tailEnd type="none" w="med" len="med"/>
-                    </a:lnL>
-                    <a:lnR w="12700" cap="flat" cmpd="sng" algn="ctr">
-                      <a:solidFill>
-                        <a:schemeClr val="tx1"/>
-                      </a:solidFill>
-                      <a:prstDash val="solid"/>
-                      <a:round/>
-                      <a:headEnd type="none" w="med" len="med"/>
-                      <a:tailEnd type="none" w="med" len="med"/>
-                    </a:lnR>
-                    <a:lnT w="12700" cap="flat" cmpd="sng" algn="ctr">
-                      <a:solidFill>
-                        <a:schemeClr val="tx1"/>
-                      </a:solidFill>
-                      <a:prstDash val="solid"/>
-                      <a:round/>
-                      <a:headEnd type="none" w="med" len="med"/>
-                      <a:tailEnd type="none" w="med" len="med"/>
-                    </a:lnT>
-                    <a:lnB w="12700" cap="flat" cmpd="sng" algn="ctr">
-                      <a:solidFill>
-                        <a:schemeClr val="tx1"/>
-                      </a:solidFill>
-                      <a:prstDash val="solid"/>
-                      <a:round/>
-                      <a:headEnd type="none" w="med" len="med"/>
-                      <a:tailEnd type="none" w="med" len="med"/>
-                    </a:lnB>
-                    <a:solidFill>
-                      <a:schemeClr val="bg1"/>
-                    </a:solidFill>
-                  </a:tcPr>
-                </a:tc>
-                <a:tc>
-                  <a:txBody>
-                    <a:bodyPr/>
-                    <a:lstStyle/>
-                    <a:p>
-                      <a:pPr latinLnBrk="1"/>
-                      <a:endParaRPr lang="ko-KR" altLang="en-US" dirty="0"/>
-                    </a:p>
-                  </a:txBody>
-                  <a:tcPr>
-                    <a:lnL w="12700" cap="flat" cmpd="sng" algn="ctr">
-                      <a:solidFill>
-                        <a:schemeClr val="tx1"/>
-                      </a:solidFill>
-                      <a:prstDash val="solid"/>
-                      <a:round/>
-                      <a:headEnd type="none" w="med" len="med"/>
-                      <a:tailEnd type="none" w="med" len="med"/>
-                    </a:lnL>
-                    <a:lnR w="12700" cap="flat" cmpd="sng" algn="ctr">
-                      <a:solidFill>
-                        <a:schemeClr val="tx1"/>
-                      </a:solidFill>
-                      <a:prstDash val="solid"/>
-                      <a:round/>
-                      <a:headEnd type="none" w="med" len="med"/>
-                      <a:tailEnd type="none" w="med" len="med"/>
-                    </a:lnR>
-                    <a:lnT w="12700" cap="flat" cmpd="sng" algn="ctr">
-                      <a:solidFill>
-                        <a:schemeClr val="tx1"/>
-                      </a:solidFill>
-                      <a:prstDash val="solid"/>
-                      <a:round/>
-                      <a:headEnd type="none" w="med" len="med"/>
-                      <a:tailEnd type="none" w="med" len="med"/>
-                    </a:lnT>
-                    <a:lnB w="12700" cap="flat" cmpd="sng" algn="ctr">
-                      <a:solidFill>
-                        <a:schemeClr val="tx1"/>
-                      </a:solidFill>
-                      <a:prstDash val="solid"/>
-                      <a:round/>
-                      <a:headEnd type="none" w="med" len="med"/>
-                      <a:tailEnd type="none" w="med" len="med"/>
-                    </a:lnB>
-                    <a:solidFill>
-                      <a:schemeClr val="bg1"/>
-                    </a:solidFill>
-                  </a:tcPr>
-                </a:tc>
-                <a:tc>
-                  <a:txBody>
-                    <a:bodyPr/>
-                    <a:lstStyle/>
-                    <a:p>
-                      <a:pPr latinLnBrk="1"/>
-                      <a:endParaRPr lang="ko-KR" altLang="en-US" dirty="0"/>
-                    </a:p>
-                  </a:txBody>
-                  <a:tcPr>
-                    <a:lnL w="12700" cap="flat" cmpd="sng" algn="ctr">
-                      <a:solidFill>
-                        <a:schemeClr val="tx1"/>
-                      </a:solidFill>
-                      <a:prstDash val="solid"/>
-                      <a:round/>
-                      <a:headEnd type="none" w="med" len="med"/>
-                      <a:tailEnd type="none" w="med" len="med"/>
-                    </a:lnL>
-                    <a:lnR w="12700" cap="flat" cmpd="sng" algn="ctr">
-                      <a:solidFill>
-                        <a:schemeClr val="tx1"/>
-                      </a:solidFill>
-                      <a:prstDash val="solid"/>
-                      <a:round/>
-                      <a:headEnd type="none" w="med" len="med"/>
-                      <a:tailEnd type="none" w="med" len="med"/>
-                    </a:lnR>
-                    <a:lnT w="12700" cap="flat" cmpd="sng" algn="ctr">
-                      <a:solidFill>
-                        <a:schemeClr val="tx1"/>
-                      </a:solidFill>
-                      <a:prstDash val="solid"/>
-                      <a:round/>
-                      <a:headEnd type="none" w="med" len="med"/>
-                      <a:tailEnd type="none" w="med" len="med"/>
-                    </a:lnT>
-                    <a:lnB w="12700" cap="flat" cmpd="sng" algn="ctr">
-                      <a:solidFill>
-                        <a:schemeClr val="tx1"/>
-                      </a:solidFill>
-                      <a:prstDash val="solid"/>
-                      <a:round/>
-                      <a:headEnd type="none" w="med" len="med"/>
-                      <a:tailEnd type="none" w="med" len="med"/>
-                    </a:lnB>
-                    <a:solidFill>
-                      <a:schemeClr val="bg1"/>
-                    </a:solidFill>
-                  </a:tcPr>
-                </a:tc>
-                <a:extLst>
-                  <a:ext uri="{0D108BD9-81ED-4DB2-BD59-A6C34878D82A}">
-                    <a16:rowId xmlns:a16="http://schemas.microsoft.com/office/drawing/2014/main" val="1632979252"/>
-                  </a:ext>
-                </a:extLst>
-              </a:tr>
-              <a:tr h="251509">
-                <a:tc>
-                  <a:txBody>
-                    <a:bodyPr/>
-                    <a:lstStyle/>
-                    <a:p>
-                      <a:pPr latinLnBrk="1"/>
-                      <a:endParaRPr lang="ko-KR" altLang="en-US" dirty="0"/>
-                    </a:p>
-                  </a:txBody>
-                  <a:tcPr>
-                    <a:lnL w="12700" cap="flat" cmpd="sng" algn="ctr">
-                      <a:solidFill>
-                        <a:schemeClr val="tx1"/>
-                      </a:solidFill>
-                      <a:prstDash val="solid"/>
-                      <a:round/>
-                      <a:headEnd type="none" w="med" len="med"/>
-                      <a:tailEnd type="none" w="med" len="med"/>
-                    </a:lnL>
-                    <a:lnR w="12700" cap="flat" cmpd="sng" algn="ctr">
-                      <a:solidFill>
-                        <a:schemeClr val="tx1"/>
-                      </a:solidFill>
-                      <a:prstDash val="solid"/>
-                      <a:round/>
-                      <a:headEnd type="none" w="med" len="med"/>
-                      <a:tailEnd type="none" w="med" len="med"/>
-                    </a:lnR>
-                    <a:lnT w="12700" cap="flat" cmpd="sng" algn="ctr">
-                      <a:solidFill>
-                        <a:schemeClr val="tx1"/>
-                      </a:solidFill>
-                      <a:prstDash val="solid"/>
-                      <a:round/>
-                      <a:headEnd type="none" w="med" len="med"/>
-                      <a:tailEnd type="none" w="med" len="med"/>
-                    </a:lnT>
-                    <a:lnB w="12700" cap="flat" cmpd="sng" algn="ctr">
-                      <a:solidFill>
-                        <a:schemeClr val="tx1"/>
-                      </a:solidFill>
-                      <a:prstDash val="solid"/>
-                      <a:round/>
-                      <a:headEnd type="none" w="med" len="med"/>
-                      <a:tailEnd type="none" w="med" len="med"/>
-                    </a:lnB>
-                    <a:solidFill>
-                      <a:schemeClr val="bg1"/>
-                    </a:solidFill>
-                  </a:tcPr>
-                </a:tc>
-                <a:tc>
-                  <a:txBody>
-                    <a:bodyPr/>
-                    <a:lstStyle/>
-                    <a:p>
-                      <a:pPr latinLnBrk="1"/>
-                      <a:endParaRPr lang="ko-KR" altLang="en-US" dirty="0"/>
-                    </a:p>
-                  </a:txBody>
-                  <a:tcPr>
-                    <a:lnL w="12700" cap="flat" cmpd="sng" algn="ctr">
-                      <a:solidFill>
-                        <a:schemeClr val="tx1"/>
-                      </a:solidFill>
-                      <a:prstDash val="solid"/>
-                      <a:round/>
-                      <a:headEnd type="none" w="med" len="med"/>
-                      <a:tailEnd type="none" w="med" len="med"/>
-                    </a:lnL>
-                    <a:lnR w="12700" cap="flat" cmpd="sng" algn="ctr">
-                      <a:solidFill>
-                        <a:schemeClr val="tx1"/>
-                      </a:solidFill>
-                      <a:prstDash val="solid"/>
-                      <a:round/>
-                      <a:headEnd type="none" w="med" len="med"/>
-                      <a:tailEnd type="none" w="med" len="med"/>
-                    </a:lnR>
-                    <a:lnT w="12700" cap="flat" cmpd="sng" algn="ctr">
-                      <a:solidFill>
-                        <a:schemeClr val="tx1"/>
-                      </a:solidFill>
-                      <a:prstDash val="solid"/>
-                      <a:round/>
-                      <a:headEnd type="none" w="med" len="med"/>
-                      <a:tailEnd type="none" w="med" len="med"/>
-                    </a:lnT>
-                    <a:lnB w="12700" cap="flat" cmpd="sng" algn="ctr">
-                      <a:solidFill>
-                        <a:schemeClr val="tx1"/>
-                      </a:solidFill>
-                      <a:prstDash val="solid"/>
-                      <a:round/>
-                      <a:headEnd type="none" w="med" len="med"/>
-                      <a:tailEnd type="none" w="med" len="med"/>
-                    </a:lnB>
-                    <a:solidFill>
-                      <a:schemeClr val="bg1"/>
-                    </a:solidFill>
-                  </a:tcPr>
-                </a:tc>
-                <a:tc>
-                  <a:txBody>
-                    <a:bodyPr/>
-                    <a:lstStyle/>
-                    <a:p>
-                      <a:pPr latinLnBrk="1"/>
-                      <a:endParaRPr lang="ko-KR" altLang="en-US" dirty="0"/>
-                    </a:p>
-                  </a:txBody>
-                  <a:tcPr>
-                    <a:lnL w="12700" cap="flat" cmpd="sng" algn="ctr">
-                      <a:solidFill>
-                        <a:schemeClr val="tx1"/>
-                      </a:solidFill>
-                      <a:prstDash val="solid"/>
-                      <a:round/>
-                      <a:headEnd type="none" w="med" len="med"/>
-                      <a:tailEnd type="none" w="med" len="med"/>
-                    </a:lnL>
-                    <a:lnR w="12700" cap="flat" cmpd="sng" algn="ctr">
-                      <a:solidFill>
-                        <a:schemeClr val="tx1"/>
-                      </a:solidFill>
-                      <a:prstDash val="solid"/>
-                      <a:round/>
-                      <a:headEnd type="none" w="med" len="med"/>
-                      <a:tailEnd type="none" w="med" len="med"/>
-                    </a:lnR>
-                    <a:lnT w="12700" cap="flat" cmpd="sng" algn="ctr">
-                      <a:solidFill>
-                        <a:schemeClr val="tx1"/>
-                      </a:solidFill>
-                      <a:prstDash val="solid"/>
-                      <a:round/>
-                      <a:headEnd type="none" w="med" len="med"/>
-                      <a:tailEnd type="none" w="med" len="med"/>
-                    </a:lnT>
-                    <a:lnB w="12700" cap="flat" cmpd="sng" algn="ctr">
-                      <a:solidFill>
-                        <a:schemeClr val="tx1"/>
-                      </a:solidFill>
-                      <a:prstDash val="solid"/>
-                      <a:round/>
-                      <a:headEnd type="none" w="med" len="med"/>
-                      <a:tailEnd type="none" w="med" len="med"/>
-                    </a:lnB>
-                    <a:solidFill>
-                      <a:schemeClr val="bg1"/>
-                    </a:solidFill>
-                  </a:tcPr>
-                </a:tc>
-                <a:extLst>
-                  <a:ext uri="{0D108BD9-81ED-4DB2-BD59-A6C34878D82A}">
-                    <a16:rowId xmlns:a16="http://schemas.microsoft.com/office/drawing/2014/main" val="2528105153"/>
-                  </a:ext>
-                </a:extLst>
-              </a:tr>
-              <a:tr h="251509">
-                <a:tc>
-                  <a:txBody>
-                    <a:bodyPr/>
-                    <a:lstStyle/>
-                    <a:p>
-                      <a:pPr latinLnBrk="1"/>
-                      <a:endParaRPr lang="ko-KR" altLang="en-US" dirty="0"/>
-                    </a:p>
-                  </a:txBody>
-                  <a:tcPr>
-                    <a:lnL w="12700" cap="flat" cmpd="sng" algn="ctr">
-                      <a:solidFill>
-                        <a:schemeClr val="tx1"/>
-                      </a:solidFill>
-                      <a:prstDash val="solid"/>
-                      <a:round/>
-                      <a:headEnd type="none" w="med" len="med"/>
-                      <a:tailEnd type="none" w="med" len="med"/>
-                    </a:lnL>
-                    <a:lnR w="12700" cap="flat" cmpd="sng" algn="ctr">
-                      <a:solidFill>
-                        <a:schemeClr val="tx1"/>
-                      </a:solidFill>
-                      <a:prstDash val="solid"/>
-                      <a:round/>
-                      <a:headEnd type="none" w="med" len="med"/>
-                      <a:tailEnd type="none" w="med" len="med"/>
-                    </a:lnR>
-                    <a:lnT w="12700" cap="flat" cmpd="sng" algn="ctr">
-                      <a:solidFill>
-                        <a:schemeClr val="tx1"/>
-                      </a:solidFill>
-                      <a:prstDash val="solid"/>
-                      <a:round/>
-                      <a:headEnd type="none" w="med" len="med"/>
-                      <a:tailEnd type="none" w="med" len="med"/>
-                    </a:lnT>
-                    <a:lnB w="12700" cap="flat" cmpd="sng" algn="ctr">
-                      <a:solidFill>
-                        <a:schemeClr val="tx1"/>
-                      </a:solidFill>
-                      <a:prstDash val="solid"/>
-                      <a:round/>
-                      <a:headEnd type="none" w="med" len="med"/>
-                      <a:tailEnd type="none" w="med" len="med"/>
-                    </a:lnB>
-                    <a:solidFill>
-                      <a:schemeClr val="bg1"/>
-                    </a:solidFill>
-                  </a:tcPr>
-                </a:tc>
-                <a:tc>
-                  <a:txBody>
-                    <a:bodyPr/>
-                    <a:lstStyle/>
-                    <a:p>
-                      <a:pPr latinLnBrk="1"/>
-                      <a:endParaRPr lang="ko-KR" altLang="en-US" dirty="0"/>
-                    </a:p>
-                  </a:txBody>
-                  <a:tcPr>
-                    <a:lnL w="12700" cap="flat" cmpd="sng" algn="ctr">
-                      <a:solidFill>
-                        <a:schemeClr val="tx1"/>
-                      </a:solidFill>
-                      <a:prstDash val="solid"/>
-                      <a:round/>
-                      <a:headEnd type="none" w="med" len="med"/>
-                      <a:tailEnd type="none" w="med" len="med"/>
-                    </a:lnL>
-                    <a:lnR w="12700" cap="flat" cmpd="sng" algn="ctr">
-                      <a:solidFill>
-                        <a:schemeClr val="tx1"/>
-                      </a:solidFill>
-                      <a:prstDash val="solid"/>
-                      <a:round/>
-                      <a:headEnd type="none" w="med" len="med"/>
-                      <a:tailEnd type="none" w="med" len="med"/>
-                    </a:lnR>
-                    <a:lnT w="12700" cap="flat" cmpd="sng" algn="ctr">
-                      <a:solidFill>
-                        <a:schemeClr val="tx1"/>
-                      </a:solidFill>
-                      <a:prstDash val="solid"/>
-                      <a:round/>
-                      <a:headEnd type="none" w="med" len="med"/>
-                      <a:tailEnd type="none" w="med" len="med"/>
-                    </a:lnT>
-                    <a:lnB w="12700" cap="flat" cmpd="sng" algn="ctr">
-                      <a:solidFill>
-                        <a:schemeClr val="tx1"/>
-                      </a:solidFill>
-                      <a:prstDash val="solid"/>
-                      <a:round/>
-                      <a:headEnd type="none" w="med" len="med"/>
-                      <a:tailEnd type="none" w="med" len="med"/>
-                    </a:lnB>
-                    <a:solidFill>
-                      <a:schemeClr val="bg1"/>
-                    </a:solidFill>
-                  </a:tcPr>
-                </a:tc>
-                <a:tc>
-                  <a:txBody>
-                    <a:bodyPr/>
-                    <a:lstStyle/>
-                    <a:p>
-                      <a:pPr latinLnBrk="1"/>
-                      <a:endParaRPr lang="ko-KR" altLang="en-US" dirty="0"/>
-                    </a:p>
-                  </a:txBody>
-                  <a:tcPr>
-                    <a:lnL w="12700" cap="flat" cmpd="sng" algn="ctr">
-                      <a:solidFill>
-                        <a:schemeClr val="tx1"/>
-                      </a:solidFill>
-                      <a:prstDash val="solid"/>
-                      <a:round/>
-                      <a:headEnd type="none" w="med" len="med"/>
-                      <a:tailEnd type="none" w="med" len="med"/>
-                    </a:lnL>
-                    <a:lnR w="12700" cap="flat" cmpd="sng" algn="ctr">
-                      <a:solidFill>
-                        <a:schemeClr val="tx1"/>
-                      </a:solidFill>
-                      <a:prstDash val="solid"/>
-                      <a:round/>
-                      <a:headEnd type="none" w="med" len="med"/>
-                      <a:tailEnd type="none" w="med" len="med"/>
-                    </a:lnR>
-                    <a:lnT w="12700" cap="flat" cmpd="sng" algn="ctr">
-                      <a:solidFill>
-                        <a:schemeClr val="tx1"/>
-                      </a:solidFill>
-                      <a:prstDash val="solid"/>
-                      <a:round/>
-                      <a:headEnd type="none" w="med" len="med"/>
-                      <a:tailEnd type="none" w="med" len="med"/>
-                    </a:lnT>
-                    <a:lnB w="12700" cap="flat" cmpd="sng" algn="ctr">
-                      <a:solidFill>
-                        <a:schemeClr val="tx1"/>
-                      </a:solidFill>
-                      <a:prstDash val="solid"/>
-                      <a:round/>
-                      <a:headEnd type="none" w="med" len="med"/>
-                      <a:tailEnd type="none" w="med" len="med"/>
-                    </a:lnB>
-                    <a:solidFill>
-                      <a:schemeClr val="bg1"/>
-                    </a:solidFill>
-                  </a:tcPr>
-                </a:tc>
-                <a:extLst>
-                  <a:ext uri="{0D108BD9-81ED-4DB2-BD59-A6C34878D82A}">
-                    <a16:rowId xmlns:a16="http://schemas.microsoft.com/office/drawing/2014/main" val="999056982"/>
-                  </a:ext>
-                </a:extLst>
-              </a:tr>
-              <a:tr h="251509">
-                <a:tc>
-                  <a:txBody>
-                    <a:bodyPr/>
-                    <a:lstStyle/>
-                    <a:p>
-                      <a:pPr latinLnBrk="1"/>
-                      <a:endParaRPr lang="ko-KR" altLang="en-US" dirty="0"/>
-                    </a:p>
-                  </a:txBody>
-                  <a:tcPr>
-                    <a:lnL w="12700" cap="flat" cmpd="sng" algn="ctr">
-                      <a:solidFill>
-                        <a:schemeClr val="tx1"/>
-                      </a:solidFill>
-                      <a:prstDash val="solid"/>
-                      <a:round/>
-                      <a:headEnd type="none" w="med" len="med"/>
-                      <a:tailEnd type="none" w="med" len="med"/>
-                    </a:lnL>
-                    <a:lnR w="12700" cap="flat" cmpd="sng" algn="ctr">
-                      <a:solidFill>
-                        <a:schemeClr val="tx1"/>
-                      </a:solidFill>
-                      <a:prstDash val="solid"/>
-                      <a:round/>
-                      <a:headEnd type="none" w="med" len="med"/>
-                      <a:tailEnd type="none" w="med" len="med"/>
-                    </a:lnR>
-                    <a:lnT w="12700" cap="flat" cmpd="sng" algn="ctr">
-                      <a:solidFill>
-                        <a:schemeClr val="tx1"/>
-                      </a:solidFill>
-                      <a:prstDash val="solid"/>
-                      <a:round/>
-                      <a:headEnd type="none" w="med" len="med"/>
-                      <a:tailEnd type="none" w="med" len="med"/>
-                    </a:lnT>
-                    <a:lnB w="12700" cap="flat" cmpd="sng" algn="ctr">
-                      <a:solidFill>
-                        <a:schemeClr val="tx1"/>
-                      </a:solidFill>
-                      <a:prstDash val="solid"/>
-                      <a:round/>
-                      <a:headEnd type="none" w="med" len="med"/>
-                      <a:tailEnd type="none" w="med" len="med"/>
-                    </a:lnB>
-                    <a:solidFill>
-                      <a:schemeClr val="bg1"/>
-                    </a:solidFill>
-                  </a:tcPr>
-                </a:tc>
-                <a:tc>
-                  <a:txBody>
-                    <a:bodyPr/>
-                    <a:lstStyle/>
-                    <a:p>
-                      <a:pPr latinLnBrk="1"/>
-                      <a:endParaRPr lang="ko-KR" altLang="en-US" dirty="0"/>
-                    </a:p>
-                  </a:txBody>
-                  <a:tcPr>
-                    <a:lnL w="12700" cap="flat" cmpd="sng" algn="ctr">
-                      <a:solidFill>
-                        <a:schemeClr val="tx1"/>
-                      </a:solidFill>
-                      <a:prstDash val="solid"/>
-                      <a:round/>
-                      <a:headEnd type="none" w="med" len="med"/>
-                      <a:tailEnd type="none" w="med" len="med"/>
-                    </a:lnL>
-                    <a:lnR w="12700" cap="flat" cmpd="sng" algn="ctr">
-                      <a:solidFill>
-                        <a:schemeClr val="tx1"/>
-                      </a:solidFill>
-                      <a:prstDash val="solid"/>
-                      <a:round/>
-                      <a:headEnd type="none" w="med" len="med"/>
-                      <a:tailEnd type="none" w="med" len="med"/>
-                    </a:lnR>
-                    <a:lnT w="12700" cap="flat" cmpd="sng" algn="ctr">
-                      <a:solidFill>
-                        <a:schemeClr val="tx1"/>
-                      </a:solidFill>
-                      <a:prstDash val="solid"/>
-                      <a:round/>
-                      <a:headEnd type="none" w="med" len="med"/>
-                      <a:tailEnd type="none" w="med" len="med"/>
-                    </a:lnT>
-                    <a:lnB w="12700" cap="flat" cmpd="sng" algn="ctr">
-                      <a:solidFill>
-                        <a:schemeClr val="tx1"/>
-                      </a:solidFill>
-                      <a:prstDash val="solid"/>
-                      <a:round/>
-                      <a:headEnd type="none" w="med" len="med"/>
-                      <a:tailEnd type="none" w="med" len="med"/>
-                    </a:lnB>
-                    <a:solidFill>
-                      <a:schemeClr val="bg1"/>
-                    </a:solidFill>
-                  </a:tcPr>
-                </a:tc>
-                <a:tc>
-                  <a:txBody>
-                    <a:bodyPr/>
-                    <a:lstStyle/>
-                    <a:p>
-                      <a:pPr latinLnBrk="1"/>
-                      <a:endParaRPr lang="ko-KR" altLang="en-US" dirty="0"/>
-                    </a:p>
-                  </a:txBody>
-                  <a:tcPr>
-                    <a:lnL w="12700" cap="flat" cmpd="sng" algn="ctr">
-                      <a:solidFill>
-                        <a:schemeClr val="tx1"/>
-                      </a:solidFill>
-                      <a:prstDash val="solid"/>
-                      <a:round/>
-                      <a:headEnd type="none" w="med" len="med"/>
-                      <a:tailEnd type="none" w="med" len="med"/>
-                    </a:lnL>
-                    <a:lnR w="12700" cap="flat" cmpd="sng" algn="ctr">
-                      <a:solidFill>
-                        <a:schemeClr val="tx1"/>
-                      </a:solidFill>
-                      <a:prstDash val="solid"/>
-                      <a:round/>
-                      <a:headEnd type="none" w="med" len="med"/>
-                      <a:tailEnd type="none" w="med" len="med"/>
-                    </a:lnR>
-                    <a:lnT w="12700" cap="flat" cmpd="sng" algn="ctr">
-                      <a:solidFill>
-                        <a:schemeClr val="tx1"/>
-                      </a:solidFill>
-                      <a:prstDash val="solid"/>
-                      <a:round/>
-                      <a:headEnd type="none" w="med" len="med"/>
-                      <a:tailEnd type="none" w="med" len="med"/>
-                    </a:lnT>
-                    <a:lnB w="12700" cap="flat" cmpd="sng" algn="ctr">
-                      <a:solidFill>
-                        <a:schemeClr val="tx1"/>
-                      </a:solidFill>
-                      <a:prstDash val="solid"/>
-                      <a:round/>
-                      <a:headEnd type="none" w="med" len="med"/>
-                      <a:tailEnd type="none" w="med" len="med"/>
-                    </a:lnB>
-                    <a:solidFill>
-                      <a:schemeClr val="bg1"/>
-                    </a:solidFill>
-                  </a:tcPr>
-                </a:tc>
-                <a:extLst>
-                  <a:ext uri="{0D108BD9-81ED-4DB2-BD59-A6C34878D82A}">
-                    <a16:rowId xmlns:a16="http://schemas.microsoft.com/office/drawing/2014/main" val="861593928"/>
-                  </a:ext>
-                </a:extLst>
-              </a:tr>
-              <a:tr h="297363">
-                <a:tc>
-                  <a:txBody>
-                    <a:bodyPr/>
-                    <a:lstStyle/>
-                    <a:p>
-                      <a:pPr latinLnBrk="1"/>
-                      <a:endParaRPr lang="ko-KR" altLang="en-US" dirty="0"/>
-                    </a:p>
-                  </a:txBody>
-                  <a:tcPr>
-                    <a:lnL w="12700" cap="flat" cmpd="sng" algn="ctr">
-                      <a:solidFill>
-                        <a:schemeClr val="tx1"/>
-                      </a:solidFill>
-                      <a:prstDash val="solid"/>
-                      <a:round/>
-                      <a:headEnd type="none" w="med" len="med"/>
-                      <a:tailEnd type="none" w="med" len="med"/>
-                    </a:lnL>
-                    <a:lnR w="12700" cap="flat" cmpd="sng" algn="ctr">
-                      <a:solidFill>
-                        <a:schemeClr val="tx1"/>
-                      </a:solidFill>
-                      <a:prstDash val="solid"/>
-                      <a:round/>
-                      <a:headEnd type="none" w="med" len="med"/>
-                      <a:tailEnd type="none" w="med" len="med"/>
-                    </a:lnR>
-                    <a:lnT w="12700" cap="flat" cmpd="sng" algn="ctr">
-                      <a:solidFill>
-                        <a:schemeClr val="tx1"/>
-                      </a:solidFill>
-                      <a:prstDash val="solid"/>
-                      <a:round/>
-                      <a:headEnd type="none" w="med" len="med"/>
-                      <a:tailEnd type="none" w="med" len="med"/>
-                    </a:lnT>
-                    <a:lnB w="12700" cap="flat" cmpd="sng" algn="ctr">
-                      <a:solidFill>
-                        <a:schemeClr val="tx1"/>
-                      </a:solidFill>
-                      <a:prstDash val="solid"/>
-                      <a:round/>
-                      <a:headEnd type="none" w="med" len="med"/>
-                      <a:tailEnd type="none" w="med" len="med"/>
-                    </a:lnB>
-                    <a:solidFill>
-                      <a:schemeClr val="bg1"/>
-                    </a:solidFill>
-                  </a:tcPr>
-                </a:tc>
-                <a:tc>
-                  <a:txBody>
-                    <a:bodyPr/>
-                    <a:lstStyle/>
-                    <a:p>
-                      <a:pPr latinLnBrk="1"/>
-                      <a:endParaRPr lang="ko-KR" altLang="en-US" dirty="0"/>
-                    </a:p>
-                  </a:txBody>
-                  <a:tcPr>
-                    <a:lnL w="12700" cap="flat" cmpd="sng" algn="ctr">
-                      <a:solidFill>
-                        <a:schemeClr val="tx1"/>
-                      </a:solidFill>
-                      <a:prstDash val="solid"/>
-                      <a:round/>
-                      <a:headEnd type="none" w="med" len="med"/>
-                      <a:tailEnd type="none" w="med" len="med"/>
-                    </a:lnL>
-                    <a:lnR w="12700" cap="flat" cmpd="sng" algn="ctr">
-                      <a:solidFill>
-                        <a:schemeClr val="tx1"/>
-                      </a:solidFill>
-                      <a:prstDash val="solid"/>
-                      <a:round/>
-                      <a:headEnd type="none" w="med" len="med"/>
-                      <a:tailEnd type="none" w="med" len="med"/>
-                    </a:lnR>
-                    <a:lnT w="12700" cap="flat" cmpd="sng" algn="ctr">
-                      <a:solidFill>
-                        <a:schemeClr val="tx1"/>
-                      </a:solidFill>
-                      <a:prstDash val="solid"/>
-                      <a:round/>
-                      <a:headEnd type="none" w="med" len="med"/>
-                      <a:tailEnd type="none" w="med" len="med"/>
-                    </a:lnT>
-                    <a:lnB w="12700" cap="flat" cmpd="sng" algn="ctr">
-                      <a:solidFill>
-                        <a:schemeClr val="tx1"/>
-                      </a:solidFill>
-                      <a:prstDash val="solid"/>
-                      <a:round/>
-                      <a:headEnd type="none" w="med" len="med"/>
-                      <a:tailEnd type="none" w="med" len="med"/>
-                    </a:lnB>
-                    <a:solidFill>
-                      <a:schemeClr val="bg1"/>
-                    </a:solidFill>
-                  </a:tcPr>
-                </a:tc>
-                <a:tc>
-                  <a:txBody>
-                    <a:bodyPr/>
-                    <a:lstStyle/>
-                    <a:p>
-                      <a:pPr latinLnBrk="1"/>
-                      <a:endParaRPr lang="ko-KR" altLang="en-US" dirty="0"/>
-                    </a:p>
-                  </a:txBody>
-                  <a:tcPr>
-                    <a:lnL w="12700" cap="flat" cmpd="sng" algn="ctr">
-                      <a:solidFill>
-                        <a:schemeClr val="tx1"/>
-                      </a:solidFill>
-                      <a:prstDash val="solid"/>
-                      <a:round/>
-                      <a:headEnd type="none" w="med" len="med"/>
-                      <a:tailEnd type="none" w="med" len="med"/>
-                    </a:lnL>
-                    <a:lnR w="12700" cap="flat" cmpd="sng" algn="ctr">
-                      <a:solidFill>
-                        <a:schemeClr val="tx1"/>
-                      </a:solidFill>
-                      <a:prstDash val="solid"/>
-                      <a:round/>
-                      <a:headEnd type="none" w="med" len="med"/>
-                      <a:tailEnd type="none" w="med" len="med"/>
-                    </a:lnR>
-                    <a:lnT w="12700" cap="flat" cmpd="sng" algn="ctr">
-                      <a:solidFill>
-                        <a:schemeClr val="tx1"/>
-                      </a:solidFill>
-                      <a:prstDash val="solid"/>
-                      <a:round/>
-                      <a:headEnd type="none" w="med" len="med"/>
-                      <a:tailEnd type="none" w="med" len="med"/>
-                    </a:lnT>
-                    <a:lnB w="12700" cap="flat" cmpd="sng" algn="ctr">
-                      <a:solidFill>
-                        <a:schemeClr val="tx1"/>
-                      </a:solidFill>
-                      <a:prstDash val="solid"/>
-                      <a:round/>
-                      <a:headEnd type="none" w="med" len="med"/>
-                      <a:tailEnd type="none" w="med" len="med"/>
-                    </a:lnB>
-                    <a:solidFill>
-                      <a:schemeClr val="bg1"/>
-                    </a:solidFill>
-                  </a:tcPr>
-                </a:tc>
-                <a:extLst>
-                  <a:ext uri="{0D108BD9-81ED-4DB2-BD59-A6C34878D82A}">
-                    <a16:rowId xmlns:a16="http://schemas.microsoft.com/office/drawing/2014/main" val="2134463708"/>
-                  </a:ext>
-                </a:extLst>
-              </a:tr>
-            </a:tbl>
-          </a:graphicData>
-        </a:graphic>
-      </p:graphicFrame>
-      <p:grpSp>
-        <p:nvGrpSpPr>
-          <p:cNvPr id="8" name="그룹 7">
-            <a:extLst>
-              <a:ext uri="{FF2B5EF4-FFF2-40B4-BE49-F238E27FC236}">
-                <a16:creationId xmlns:a16="http://schemas.microsoft.com/office/drawing/2014/main" id="{6C80C397-C3D3-4133-8598-12466E2F69A6}"/>
+                <a16:creationId xmlns:a16="http://schemas.microsoft.com/office/drawing/2014/main" id="{1D8E532E-9E14-4EC0-9A5D-C7F11045D019}"/>
               </a:ext>
             </a:extLst>
           </p:cNvPr>
@@ -18395,18 +18248,18 @@
         </p:nvGrpSpPr>
         <p:grpSpPr>
           <a:xfrm>
-            <a:off x="1" y="99367"/>
-            <a:ext cx="1908284" cy="620714"/>
+            <a:off x="-1" y="99367"/>
+            <a:ext cx="3674225" cy="620714"/>
             <a:chOff x="0" y="231324"/>
             <a:chExt cx="2341178" cy="620714"/>
           </a:xfrm>
         </p:grpSpPr>
         <p:sp>
           <p:nvSpPr>
-            <p:cNvPr id="9" name="TextBox 8">
+            <p:cNvPr id="39" name="TextBox 38">
               <a:extLst>
                 <a:ext uri="{FF2B5EF4-FFF2-40B4-BE49-F238E27FC236}">
-                  <a16:creationId xmlns:a16="http://schemas.microsoft.com/office/drawing/2014/main" id="{E73F0654-31D7-46A3-A4CF-DA34680DCB49}"/>
+                  <a16:creationId xmlns:a16="http://schemas.microsoft.com/office/drawing/2014/main" id="{6CDC6D6B-2C6F-4506-A1A4-B60E366A7E7F}"/>
                 </a:ext>
               </a:extLst>
             </p:cNvPr>
@@ -18431,7 +18284,11 @@
             <a:p>
               <a:r>
                 <a:rPr lang="en-US" altLang="ko-KR" sz="2800" b="1" dirty="0"/>
-                <a:t>History</a:t>
+                <a:t>5. </a:t>
+              </a:r>
+              <a:r>
+                <a:rPr lang="ko-KR" altLang="en-US" sz="2800" b="1" dirty="0"/>
+                <a:t>숫자 표기 시스템</a:t>
               </a:r>
               <a:endParaRPr lang="ko-KR" altLang="en-US" sz="1400" b="1" dirty="0"/>
             </a:p>
@@ -18439,10 +18296,10 @@
         </p:sp>
         <p:sp>
           <p:nvSpPr>
-            <p:cNvPr id="10" name="평행 사변형 9">
+            <p:cNvPr id="40" name="평행 사변형 39">
               <a:extLst>
                 <a:ext uri="{FF2B5EF4-FFF2-40B4-BE49-F238E27FC236}">
-                  <a16:creationId xmlns:a16="http://schemas.microsoft.com/office/drawing/2014/main" id="{8043DF26-5617-4A20-920B-1BE8DB10C7F5}"/>
+                  <a16:creationId xmlns:a16="http://schemas.microsoft.com/office/drawing/2014/main" id="{4E81B653-ED60-4FFF-82E8-2306DFEB399E}"/>
                 </a:ext>
               </a:extLst>
             </p:cNvPr>
@@ -18490,10 +18347,614 @@
           </p:txBody>
         </p:sp>
       </p:grpSp>
+      <p:grpSp>
+        <p:nvGrpSpPr>
+          <p:cNvPr id="7" name="그룹 6">
+            <a:extLst>
+              <a:ext uri="{FF2B5EF4-FFF2-40B4-BE49-F238E27FC236}">
+                <a16:creationId xmlns:a16="http://schemas.microsoft.com/office/drawing/2014/main" id="{E0A7114B-ADA5-4D06-A75A-F28D0D4E02E2}"/>
+              </a:ext>
+            </a:extLst>
+          </p:cNvPr>
+          <p:cNvGrpSpPr/>
+          <p:nvPr/>
+        </p:nvGrpSpPr>
+        <p:grpSpPr>
+          <a:xfrm>
+            <a:off x="2004692" y="1406386"/>
+            <a:ext cx="8206868" cy="2160769"/>
+            <a:chOff x="7280649" y="4038167"/>
+            <a:chExt cx="4217057" cy="2389089"/>
+          </a:xfrm>
+        </p:grpSpPr>
+        <p:sp>
+          <p:nvSpPr>
+            <p:cNvPr id="8" name="직사각형 7">
+              <a:extLst>
+                <a:ext uri="{FF2B5EF4-FFF2-40B4-BE49-F238E27FC236}">
+                  <a16:creationId xmlns:a16="http://schemas.microsoft.com/office/drawing/2014/main" id="{B1839C72-8A6A-4152-ABD3-E7E541575DAC}"/>
+                </a:ext>
+              </a:extLst>
+            </p:cNvPr>
+            <p:cNvSpPr/>
+            <p:nvPr/>
+          </p:nvSpPr>
+          <p:spPr>
+            <a:xfrm>
+              <a:off x="7280649" y="4038168"/>
+              <a:ext cx="4217057" cy="2389088"/>
+            </a:xfrm>
+            <a:prstGeom prst="rect">
+              <a:avLst/>
+            </a:prstGeom>
+            <a:solidFill>
+              <a:schemeClr val="tx1"/>
+            </a:solidFill>
+            <a:ln>
+              <a:solidFill>
+                <a:schemeClr val="tx1"/>
+              </a:solidFill>
+            </a:ln>
+          </p:spPr>
+          <p:style>
+            <a:lnRef idx="2">
+              <a:schemeClr val="accent1">
+                <a:shade val="50000"/>
+              </a:schemeClr>
+            </a:lnRef>
+            <a:fillRef idx="1">
+              <a:schemeClr val="accent1"/>
+            </a:fillRef>
+            <a:effectRef idx="0">
+              <a:schemeClr val="accent1"/>
+            </a:effectRef>
+            <a:fontRef idx="minor">
+              <a:schemeClr val="lt1"/>
+            </a:fontRef>
+          </p:style>
+          <p:txBody>
+            <a:bodyPr rtlCol="0" anchor="ctr"/>
+            <a:lstStyle/>
+            <a:p>
+              <a:pPr algn="ctr"/>
+              <a:endParaRPr lang="ko-KR" altLang="en-US"/>
+            </a:p>
+          </p:txBody>
+        </p:sp>
+        <p:sp>
+          <p:nvSpPr>
+            <p:cNvPr id="9" name="직사각형 8">
+              <a:extLst>
+                <a:ext uri="{FF2B5EF4-FFF2-40B4-BE49-F238E27FC236}">
+                  <a16:creationId xmlns:a16="http://schemas.microsoft.com/office/drawing/2014/main" id="{6CE297DC-8D24-48C3-892B-632F4CF1532A}"/>
+                </a:ext>
+              </a:extLst>
+            </p:cNvPr>
+            <p:cNvSpPr/>
+            <p:nvPr/>
+          </p:nvSpPr>
+          <p:spPr>
+            <a:xfrm>
+              <a:off x="7280649" y="4420759"/>
+              <a:ext cx="4217057" cy="2006495"/>
+            </a:xfrm>
+            <a:prstGeom prst="rect">
+              <a:avLst/>
+            </a:prstGeom>
+            <a:solidFill>
+              <a:schemeClr val="bg1"/>
+            </a:solidFill>
+            <a:ln>
+              <a:solidFill>
+                <a:schemeClr val="tx1"/>
+              </a:solidFill>
+            </a:ln>
+          </p:spPr>
+          <p:style>
+            <a:lnRef idx="2">
+              <a:schemeClr val="accent1">
+                <a:shade val="50000"/>
+              </a:schemeClr>
+            </a:lnRef>
+            <a:fillRef idx="1">
+              <a:schemeClr val="accent1"/>
+            </a:fillRef>
+            <a:effectRef idx="0">
+              <a:schemeClr val="accent1"/>
+            </a:effectRef>
+            <a:fontRef idx="minor">
+              <a:schemeClr val="lt1"/>
+            </a:fontRef>
+          </p:style>
+          <p:txBody>
+            <a:bodyPr rtlCol="0" anchor="ctr"/>
+            <a:lstStyle/>
+            <a:p>
+              <a:pPr marL="285750" indent="-285750">
+                <a:buFont typeface="Arial" panose="020B0604020202020204" pitchFamily="34" charset="0"/>
+                <a:buChar char="•"/>
+              </a:pPr>
+              <a:r>
+                <a:rPr lang="ko-KR" altLang="en-US" dirty="0">
+                  <a:solidFill>
+                    <a:schemeClr val="tx1"/>
+                  </a:solidFill>
+                </a:rPr>
+                <a:t>자료형 범위를 벗어나는 큰 수 처리법 마련</a:t>
+              </a:r>
+              <a:endParaRPr lang="en-US" altLang="ko-KR" dirty="0">
+                <a:solidFill>
+                  <a:schemeClr val="tx1"/>
+                </a:solidFill>
+              </a:endParaRPr>
+            </a:p>
+            <a:p>
+              <a:pPr marL="285750" indent="-285750">
+                <a:buFont typeface="Arial" panose="020B0604020202020204" pitchFamily="34" charset="0"/>
+                <a:buChar char="•"/>
+              </a:pPr>
+              <a:r>
+                <a:rPr lang="ko-KR" altLang="en-US" dirty="0">
+                  <a:solidFill>
+                    <a:schemeClr val="tx1"/>
+                  </a:solidFill>
+                </a:rPr>
+                <a:t>단위 변화를 통해 수 변화를 감지함으로써</a:t>
+              </a:r>
+              <a:br>
+                <a:rPr lang="en-US" altLang="ko-KR" dirty="0">
+                  <a:solidFill>
+                    <a:schemeClr val="tx1"/>
+                  </a:solidFill>
+                </a:rPr>
+              </a:br>
+              <a:r>
+                <a:rPr lang="en-US" altLang="ko-KR" dirty="0">
+                  <a:solidFill>
+                    <a:schemeClr val="tx1"/>
+                  </a:solidFill>
+                </a:rPr>
+                <a:t>1) </a:t>
+              </a:r>
+              <a:r>
+                <a:rPr lang="ko-KR" altLang="en-US" dirty="0">
+                  <a:solidFill>
+                    <a:schemeClr val="tx1"/>
+                  </a:solidFill>
+                </a:rPr>
+                <a:t>유저가 어느 정도 수익을 내고 있는지</a:t>
+              </a:r>
+              <a:br>
+                <a:rPr lang="en-US" altLang="ko-KR" dirty="0">
+                  <a:solidFill>
+                    <a:schemeClr val="tx1"/>
+                  </a:solidFill>
+                </a:rPr>
+              </a:br>
+              <a:r>
+                <a:rPr lang="en-US" altLang="ko-KR" dirty="0">
+                  <a:solidFill>
+                    <a:schemeClr val="tx1"/>
+                  </a:solidFill>
+                </a:rPr>
+                <a:t>2) </a:t>
+              </a:r>
+              <a:r>
+                <a:rPr lang="ko-KR" altLang="en-US" dirty="0">
+                  <a:solidFill>
+                    <a:schemeClr val="tx1"/>
+                  </a:solidFill>
+                </a:rPr>
+                <a:t>다음 투자는 무엇을 할지</a:t>
+              </a:r>
+              <a:br>
+                <a:rPr lang="en-US" altLang="ko-KR" dirty="0">
+                  <a:solidFill>
+                    <a:schemeClr val="tx1"/>
+                  </a:solidFill>
+                </a:rPr>
+              </a:br>
+              <a:r>
+                <a:rPr lang="ko-KR" altLang="en-US" dirty="0">
+                  <a:solidFill>
+                    <a:schemeClr val="tx1"/>
+                  </a:solidFill>
+                </a:rPr>
+                <a:t>명확하게 인지할 수 있도록 한다</a:t>
+              </a:r>
+              <a:r>
+                <a:rPr lang="en-US" altLang="ko-KR" dirty="0">
+                  <a:solidFill>
+                    <a:schemeClr val="tx1"/>
+                  </a:solidFill>
+                </a:rPr>
+                <a:t>.</a:t>
+              </a:r>
+            </a:p>
+          </p:txBody>
+        </p:sp>
+        <p:sp>
+          <p:nvSpPr>
+            <p:cNvPr id="10" name="TextBox 9">
+              <a:extLst>
+                <a:ext uri="{FF2B5EF4-FFF2-40B4-BE49-F238E27FC236}">
+                  <a16:creationId xmlns:a16="http://schemas.microsoft.com/office/drawing/2014/main" id="{0C3B1323-2F9A-4E14-8210-37203D9DA13A}"/>
+                </a:ext>
+              </a:extLst>
+            </p:cNvPr>
+            <p:cNvSpPr txBox="1"/>
+            <p:nvPr/>
+          </p:nvSpPr>
+          <p:spPr>
+            <a:xfrm>
+              <a:off x="7442366" y="4038167"/>
+              <a:ext cx="3881263" cy="382592"/>
+            </a:xfrm>
+            <a:prstGeom prst="rect">
+              <a:avLst/>
+            </a:prstGeom>
+            <a:noFill/>
+          </p:spPr>
+          <p:txBody>
+            <a:bodyPr wrap="square" rtlCol="0">
+              <a:spAutoFit/>
+            </a:bodyPr>
+            <a:lstStyle/>
+            <a:p>
+              <a:r>
+                <a:rPr lang="ko-KR" altLang="en-US" dirty="0">
+                  <a:solidFill>
+                    <a:schemeClr val="bg1"/>
+                  </a:solidFill>
+                </a:rPr>
+                <a:t>기획 의도</a:t>
+              </a:r>
+            </a:p>
+          </p:txBody>
+        </p:sp>
+      </p:grpSp>
+      <p:grpSp>
+        <p:nvGrpSpPr>
+          <p:cNvPr id="11" name="그룹 10">
+            <a:extLst>
+              <a:ext uri="{FF2B5EF4-FFF2-40B4-BE49-F238E27FC236}">
+                <a16:creationId xmlns:a16="http://schemas.microsoft.com/office/drawing/2014/main" id="{57165513-1364-4C66-9B4D-89722EBDDEB8}"/>
+              </a:ext>
+            </a:extLst>
+          </p:cNvPr>
+          <p:cNvGrpSpPr/>
+          <p:nvPr/>
+        </p:nvGrpSpPr>
+        <p:grpSpPr>
+          <a:xfrm>
+            <a:off x="2004692" y="3913182"/>
+            <a:ext cx="8206868" cy="2715566"/>
+            <a:chOff x="7280649" y="4038167"/>
+            <a:chExt cx="4217057" cy="2389089"/>
+          </a:xfrm>
+        </p:grpSpPr>
+        <p:sp>
+          <p:nvSpPr>
+            <p:cNvPr id="12" name="직사각형 11">
+              <a:extLst>
+                <a:ext uri="{FF2B5EF4-FFF2-40B4-BE49-F238E27FC236}">
+                  <a16:creationId xmlns:a16="http://schemas.microsoft.com/office/drawing/2014/main" id="{01A58C8D-7CD0-4441-9C54-F29FED21902D}"/>
+                </a:ext>
+              </a:extLst>
+            </p:cNvPr>
+            <p:cNvSpPr/>
+            <p:nvPr/>
+          </p:nvSpPr>
+          <p:spPr>
+            <a:xfrm>
+              <a:off x="7280649" y="4038168"/>
+              <a:ext cx="4217057" cy="2389088"/>
+            </a:xfrm>
+            <a:prstGeom prst="rect">
+              <a:avLst/>
+            </a:prstGeom>
+            <a:solidFill>
+              <a:schemeClr val="tx1"/>
+            </a:solidFill>
+            <a:ln>
+              <a:solidFill>
+                <a:schemeClr val="tx1"/>
+              </a:solidFill>
+            </a:ln>
+          </p:spPr>
+          <p:style>
+            <a:lnRef idx="2">
+              <a:schemeClr val="accent1">
+                <a:shade val="50000"/>
+              </a:schemeClr>
+            </a:lnRef>
+            <a:fillRef idx="1">
+              <a:schemeClr val="accent1"/>
+            </a:fillRef>
+            <a:effectRef idx="0">
+              <a:schemeClr val="accent1"/>
+            </a:effectRef>
+            <a:fontRef idx="minor">
+              <a:schemeClr val="lt1"/>
+            </a:fontRef>
+          </p:style>
+          <p:txBody>
+            <a:bodyPr rtlCol="0" anchor="ctr"/>
+            <a:lstStyle/>
+            <a:p>
+              <a:pPr algn="ctr"/>
+              <a:endParaRPr lang="ko-KR" altLang="en-US"/>
+            </a:p>
+          </p:txBody>
+        </p:sp>
+        <p:sp>
+          <p:nvSpPr>
+            <p:cNvPr id="13" name="직사각형 12">
+              <a:extLst>
+                <a:ext uri="{FF2B5EF4-FFF2-40B4-BE49-F238E27FC236}">
+                  <a16:creationId xmlns:a16="http://schemas.microsoft.com/office/drawing/2014/main" id="{C5E2A7AD-22DD-4A1E-9D94-B39E04039999}"/>
+                </a:ext>
+              </a:extLst>
+            </p:cNvPr>
+            <p:cNvSpPr/>
+            <p:nvPr/>
+          </p:nvSpPr>
+          <p:spPr>
+            <a:xfrm>
+              <a:off x="7280649" y="4326054"/>
+              <a:ext cx="4217057" cy="2101200"/>
+            </a:xfrm>
+            <a:prstGeom prst="rect">
+              <a:avLst/>
+            </a:prstGeom>
+            <a:solidFill>
+              <a:schemeClr val="bg1"/>
+            </a:solidFill>
+            <a:ln>
+              <a:solidFill>
+                <a:schemeClr val="tx1"/>
+              </a:solidFill>
+            </a:ln>
+          </p:spPr>
+          <p:style>
+            <a:lnRef idx="2">
+              <a:schemeClr val="accent1">
+                <a:shade val="50000"/>
+              </a:schemeClr>
+            </a:lnRef>
+            <a:fillRef idx="1">
+              <a:schemeClr val="accent1"/>
+            </a:fillRef>
+            <a:effectRef idx="0">
+              <a:schemeClr val="accent1"/>
+            </a:effectRef>
+            <a:fontRef idx="minor">
+              <a:schemeClr val="lt1"/>
+            </a:fontRef>
+          </p:style>
+          <p:txBody>
+            <a:bodyPr rtlCol="0" anchor="ctr"/>
+            <a:lstStyle/>
+            <a:p>
+              <a:pPr marL="285750" indent="-285750">
+                <a:buFont typeface="Arial" panose="020B0604020202020204" pitchFamily="34" charset="0"/>
+                <a:buChar char="•"/>
+              </a:pPr>
+              <a:r>
+                <a:rPr lang="en-US" altLang="ko-KR" dirty="0">
+                  <a:solidFill>
+                    <a:schemeClr val="tx1"/>
+                  </a:solidFill>
+                </a:rPr>
+                <a:t>1000</a:t>
+              </a:r>
+              <a:r>
+                <a:rPr lang="ko-KR" altLang="en-US" dirty="0">
+                  <a:solidFill>
+                    <a:schemeClr val="tx1"/>
+                  </a:solidFill>
+                </a:rPr>
+                <a:t>단위로 수를 표현한다</a:t>
+              </a:r>
+              <a:r>
+                <a:rPr lang="en-US" altLang="ko-KR" dirty="0">
+                  <a:solidFill>
+                    <a:schemeClr val="tx1"/>
+                  </a:solidFill>
+                </a:rPr>
+                <a:t>.</a:t>
+              </a:r>
+              <a:br>
+                <a:rPr lang="en-US" altLang="ko-KR" dirty="0">
+                  <a:solidFill>
+                    <a:schemeClr val="tx1"/>
+                  </a:solidFill>
+                </a:rPr>
+              </a:br>
+              <a:r>
+                <a:rPr lang="en-US" altLang="ko-KR" dirty="0">
+                  <a:solidFill>
+                    <a:schemeClr val="tx1"/>
+                  </a:solidFill>
+                </a:rPr>
+                <a:t>Ex) 1,000 &gt; 1K, 1,000,000 &gt; 1M</a:t>
+              </a:r>
+            </a:p>
+            <a:p>
+              <a:pPr marL="285750" indent="-285750">
+                <a:buFont typeface="Arial" panose="020B0604020202020204" pitchFamily="34" charset="0"/>
+                <a:buChar char="•"/>
+              </a:pPr>
+              <a:endParaRPr lang="en-US" altLang="ko-KR" dirty="0">
+                <a:solidFill>
+                  <a:schemeClr val="tx1"/>
+                </a:solidFill>
+              </a:endParaRPr>
+            </a:p>
+            <a:p>
+              <a:pPr marL="285750" indent="-285750">
+                <a:buFont typeface="Arial" panose="020B0604020202020204" pitchFamily="34" charset="0"/>
+                <a:buChar char="•"/>
+              </a:pPr>
+              <a:r>
+                <a:rPr lang="ko-KR" altLang="en-US" dirty="0">
+                  <a:solidFill>
+                    <a:schemeClr val="tx1"/>
+                  </a:solidFill>
+                </a:rPr>
+                <a:t>소수점 </a:t>
+              </a:r>
+              <a:r>
+                <a:rPr lang="en-US" altLang="ko-KR" dirty="0">
+                  <a:solidFill>
+                    <a:schemeClr val="tx1"/>
+                  </a:solidFill>
+                </a:rPr>
+                <a:t>2</a:t>
+              </a:r>
+              <a:r>
+                <a:rPr lang="ko-KR" altLang="en-US" dirty="0">
+                  <a:solidFill>
+                    <a:schemeClr val="tx1"/>
+                  </a:solidFill>
+                </a:rPr>
+                <a:t>자리까지 화면상에 표기한다</a:t>
+              </a:r>
+              <a:r>
+                <a:rPr lang="en-US" altLang="ko-KR" dirty="0">
+                  <a:solidFill>
+                    <a:schemeClr val="tx1"/>
+                  </a:solidFill>
+                </a:rPr>
+                <a:t>.</a:t>
+              </a:r>
+              <a:br>
+                <a:rPr lang="en-US" altLang="ko-KR" dirty="0">
+                  <a:solidFill>
+                    <a:schemeClr val="tx1"/>
+                  </a:solidFill>
+                </a:rPr>
+              </a:br>
+              <a:r>
+                <a:rPr lang="en-US" altLang="ko-KR" dirty="0">
+                  <a:solidFill>
+                    <a:schemeClr val="tx1"/>
+                  </a:solidFill>
+                </a:rPr>
+                <a:t>Ex) 2,015 &gt; 2.01K, 1,234,567 &gt; 1.23M</a:t>
+              </a:r>
+            </a:p>
+            <a:p>
+              <a:pPr marL="285750" indent="-285750">
+                <a:buFont typeface="Arial" panose="020B0604020202020204" pitchFamily="34" charset="0"/>
+                <a:buChar char="•"/>
+              </a:pPr>
+              <a:endParaRPr lang="en-US" altLang="ko-KR" dirty="0">
+                <a:solidFill>
+                  <a:schemeClr val="tx1"/>
+                </a:solidFill>
+              </a:endParaRPr>
+            </a:p>
+            <a:p>
+              <a:pPr marL="285750" indent="-285750">
+                <a:buFont typeface="Arial" panose="020B0604020202020204" pitchFamily="34" charset="0"/>
+                <a:buChar char="•"/>
+              </a:pPr>
+              <a:r>
+                <a:rPr lang="ko-KR" altLang="en-US" dirty="0">
+                  <a:solidFill>
+                    <a:schemeClr val="tx1"/>
+                  </a:solidFill>
+                </a:rPr>
+                <a:t>단위는 </a:t>
+              </a:r>
+              <a:r>
+                <a:rPr lang="en-US" altLang="ko-KR" dirty="0">
+                  <a:solidFill>
+                    <a:schemeClr val="tx1"/>
+                  </a:solidFill>
+                </a:rPr>
+                <a:t>‘</a:t>
+              </a:r>
+              <a:r>
+                <a:rPr lang="ko-KR" altLang="en-US" dirty="0">
+                  <a:solidFill>
+                    <a:schemeClr val="tx1"/>
+                  </a:solidFill>
+                </a:rPr>
+                <a:t>단위목록</a:t>
+              </a:r>
+              <a:r>
+                <a:rPr lang="en-US" altLang="ko-KR" dirty="0">
+                  <a:solidFill>
+                    <a:schemeClr val="tx1"/>
+                  </a:solidFill>
+                </a:rPr>
+                <a:t>.txt</a:t>
+              </a:r>
+              <a:r>
+                <a:rPr lang="ko-KR" altLang="en-US" dirty="0">
+                  <a:solidFill>
+                    <a:schemeClr val="tx1"/>
+                  </a:solidFill>
+                </a:rPr>
+                <a:t>‘를 따른다</a:t>
+              </a:r>
+              <a:r>
+                <a:rPr lang="en-US" altLang="ko-KR" dirty="0">
+                  <a:solidFill>
+                    <a:schemeClr val="tx1"/>
+                  </a:solidFill>
+                </a:rPr>
+                <a:t>.</a:t>
+              </a:r>
+            </a:p>
+          </p:txBody>
+        </p:sp>
+        <p:sp>
+          <p:nvSpPr>
+            <p:cNvPr id="14" name="TextBox 13">
+              <a:extLst>
+                <a:ext uri="{FF2B5EF4-FFF2-40B4-BE49-F238E27FC236}">
+                  <a16:creationId xmlns:a16="http://schemas.microsoft.com/office/drawing/2014/main" id="{ADCADDD3-E87C-4CE3-A0CD-9B269736EE86}"/>
+                </a:ext>
+              </a:extLst>
+            </p:cNvPr>
+            <p:cNvSpPr txBox="1"/>
+            <p:nvPr/>
+          </p:nvSpPr>
+          <p:spPr>
+            <a:xfrm>
+              <a:off x="7442366" y="4038167"/>
+              <a:ext cx="3881263" cy="473197"/>
+            </a:xfrm>
+            <a:prstGeom prst="rect">
+              <a:avLst/>
+            </a:prstGeom>
+            <a:noFill/>
+          </p:spPr>
+          <p:txBody>
+            <a:bodyPr wrap="square" rtlCol="0">
+              <a:spAutoFit/>
+            </a:bodyPr>
+            <a:lstStyle/>
+            <a:p>
+              <a:r>
+                <a:rPr lang="ko-KR" altLang="en-US" dirty="0">
+                  <a:solidFill>
+                    <a:schemeClr val="bg1"/>
+                  </a:solidFill>
+                </a:rPr>
+                <a:t>개요</a:t>
+              </a:r>
+            </a:p>
+          </p:txBody>
+        </p:sp>
+      </p:grpSp>
     </p:spTree>
     <p:extLst>
       <p:ext uri="{BB962C8B-B14F-4D97-AF65-F5344CB8AC3E}">
-        <p14:creationId xmlns:p14="http://schemas.microsoft.com/office/powerpoint/2010/main" val="1701452856"/>
+        <p14:creationId xmlns:p14="http://schemas.microsoft.com/office/powerpoint/2010/main" val="3331964537"/>
       </p:ext>
     </p:extLst>
   </p:cSld>
@@ -18503,7 +18964,7 @@
 </p:sld>
 </file>
 
-<file path=ppt/slides/slide4.xml><?xml version="1.0" encoding="utf-8"?>
+<file path=ppt/slides/slide3.xml><?xml version="1.0" encoding="utf-8"?>
 <p:sld xmlns:a="http://schemas.openxmlformats.org/drawingml/2006/main" xmlns:r="http://schemas.openxmlformats.org/officeDocument/2006/relationships" xmlns:p="http://schemas.openxmlformats.org/presentationml/2006/main">
   <p:cSld>
     <p:spTree>
@@ -18587,7 +19048,7 @@
         <p:spPr>
           <a:xfrm>
             <a:off x="1092199" y="1194774"/>
-            <a:ext cx="9691915" cy="1938992"/>
+            <a:ext cx="9691915" cy="2246769"/>
           </a:xfrm>
           <a:prstGeom prst="rect">
             <a:avLst/>
@@ -18660,8 +19121,22 @@
               <a:buAutoNum type="arabicPeriod"/>
             </a:pPr>
             <a:r>
-              <a:rPr lang="ko-KR" altLang="en-US" sz="2000" dirty="0"/>
+              <a:rPr lang="ko-KR" altLang="en-US" sz="2000" dirty="0">
+                <a:hlinkClick r:id="rId6" action="ppaction://hlinksldjump"/>
+              </a:rPr>
               <a:t>액티브 스킬 시스템</a:t>
+            </a:r>
+            <a:endParaRPr lang="en-US" altLang="ko-KR" sz="2000" dirty="0"/>
+          </a:p>
+          <a:p>
+            <a:pPr marL="800100" lvl="1" indent="-342900">
+              <a:buAutoNum type="arabicPeriod"/>
+            </a:pPr>
+            <a:r>
+              <a:rPr lang="ko-KR" altLang="en-US" sz="2000" dirty="0">
+                <a:hlinkClick r:id="rId7" action="ppaction://hlinksldjump"/>
+              </a:rPr>
+              <a:t>스킬 효과</a:t>
             </a:r>
             <a:endParaRPr lang="en-US" altLang="ko-KR" sz="2000" dirty="0"/>
           </a:p>
@@ -18671,7 +19146,7 @@
             </a:pPr>
             <a:r>
               <a:rPr lang="ko-KR" altLang="en-US" sz="2000" dirty="0">
-                <a:hlinkClick r:id="rId6" action="ppaction://hlinksldjump"/>
+                <a:hlinkClick r:id="rId8" action="ppaction://hlinksldjump"/>
               </a:rPr>
               <a:t>숫자 표기 시스템</a:t>
             </a:r>
@@ -18801,7 +19276,7 @@
 </p:sld>
 </file>
 
-<file path=ppt/slides/slide5.xml><?xml version="1.0" encoding="utf-8"?>
+<file path=ppt/slides/slide4.xml><?xml version="1.0" encoding="utf-8"?>
 <p:sld xmlns:a="http://schemas.openxmlformats.org/drawingml/2006/main" xmlns:r="http://schemas.openxmlformats.org/officeDocument/2006/relationships" xmlns:p="http://schemas.openxmlformats.org/presentationml/2006/main">
   <p:cSld>
     <p:spTree>
@@ -18868,7 +19343,7 @@
 </p:sld>
 </file>
 
-<file path=ppt/slides/slide6.xml><?xml version="1.0" encoding="utf-8"?>
+<file path=ppt/slides/slide5.xml><?xml version="1.0" encoding="utf-8"?>
 <p:sld xmlns:a="http://schemas.openxmlformats.org/drawingml/2006/main" xmlns:r="http://schemas.openxmlformats.org/officeDocument/2006/relationships" xmlns:p="http://schemas.openxmlformats.org/presentationml/2006/main">
   <p:cSld>
     <p:spTree>
@@ -19434,7 +19909,7 @@
 </p:sld>
 </file>
 
-<file path=ppt/slides/slide7.xml><?xml version="1.0" encoding="utf-8"?>
+<file path=ppt/slides/slide6.xml><?xml version="1.0" encoding="utf-8"?>
 <p:sld xmlns:a="http://schemas.openxmlformats.org/drawingml/2006/main" xmlns:r="http://schemas.openxmlformats.org/officeDocument/2006/relationships" xmlns:p="http://schemas.openxmlformats.org/presentationml/2006/main">
   <p:cSld>
     <p:spTree>
@@ -19501,7 +19976,7 @@
 </p:sld>
 </file>
 
-<file path=ppt/slides/slide8.xml><?xml version="1.0" encoding="utf-8"?>
+<file path=ppt/slides/slide7.xml><?xml version="1.0" encoding="utf-8"?>
 <p:sld xmlns:a="http://schemas.openxmlformats.org/drawingml/2006/main" xmlns:r="http://schemas.openxmlformats.org/officeDocument/2006/relationships" xmlns:p="http://schemas.openxmlformats.org/presentationml/2006/main">
   <p:cSld>
     <p:spTree>
@@ -19787,7 +20262,23 @@
                     <a:schemeClr val="tx1"/>
                   </a:solidFill>
                 </a:rPr>
-                <a:t>기본적인 수익원을 확보하고</a:t>
+                <a:t>기본적인 </a:t>
+              </a:r>
+              <a:r>
+                <a:rPr lang="ko-KR" altLang="en-US" dirty="0" err="1">
+                  <a:solidFill>
+                    <a:schemeClr val="tx1"/>
+                  </a:solidFill>
+                </a:rPr>
+                <a:t>수익원</a:t>
+              </a:r>
+              <a:r>
+                <a:rPr lang="ko-KR" altLang="en-US" dirty="0">
+                  <a:solidFill>
+                    <a:schemeClr val="tx1"/>
+                  </a:solidFill>
+                </a:rPr>
+                <a:t> 확보</a:t>
               </a:r>
               <a:br>
                 <a:rPr lang="en-US" altLang="ko-KR" dirty="0">
@@ -19810,16 +20301,13 @@
                     <a:schemeClr val="tx1"/>
                   </a:solidFill>
                 </a:rPr>
-                <a:t>다음 단계 농장 확보라는 목표를 제공한다</a:t>
-              </a:r>
-              <a:r>
-                <a:rPr lang="en-US" altLang="ko-KR" dirty="0">
-                  <a:solidFill>
-                    <a:schemeClr val="tx1"/>
-                  </a:solidFill>
-                </a:rPr>
-                <a:t>.</a:t>
-              </a:r>
+                <a:t>다음 단계 농장 확보라는 목표 제공</a:t>
+              </a:r>
+              <a:endParaRPr lang="en-US" altLang="ko-KR" dirty="0">
+                <a:solidFill>
+                  <a:schemeClr val="tx1"/>
+                </a:solidFill>
+              </a:endParaRPr>
             </a:p>
           </p:txBody>
         </p:sp>
@@ -20261,7 +20749,7 @@
 </p:sld>
 </file>
 
-<file path=ppt/slides/slide9.xml><?xml version="1.0" encoding="utf-8"?>
+<file path=ppt/slides/slide8.xml><?xml version="1.0" encoding="utf-8"?>
 <p:sld xmlns:a="http://schemas.openxmlformats.org/drawingml/2006/main" xmlns:r="http://schemas.openxmlformats.org/officeDocument/2006/relationships" xmlns:p="http://schemas.openxmlformats.org/presentationml/2006/main">
   <p:cSld>
     <p:spTree>
@@ -20821,6 +21309,555 @@
     <p:extLst>
       <p:ext uri="{BB962C8B-B14F-4D97-AF65-F5344CB8AC3E}">
         <p14:creationId xmlns:p14="http://schemas.microsoft.com/office/powerpoint/2010/main" val="3352366425"/>
+      </p:ext>
+    </p:extLst>
+  </p:cSld>
+  <p:clrMapOvr>
+    <a:masterClrMapping/>
+  </p:clrMapOvr>
+</p:sld>
+</file>
+
+<file path=ppt/slides/slide9.xml><?xml version="1.0" encoding="utf-8"?>
+<p:sld xmlns:a="http://schemas.openxmlformats.org/drawingml/2006/main" xmlns:r="http://schemas.openxmlformats.org/officeDocument/2006/relationships" xmlns:p="http://schemas.openxmlformats.org/presentationml/2006/main">
+  <p:cSld>
+    <p:spTree>
+      <p:nvGrpSpPr>
+        <p:cNvPr id="1" name=""/>
+        <p:cNvGrpSpPr/>
+        <p:nvPr/>
+      </p:nvGrpSpPr>
+      <p:grpSpPr>
+        <a:xfrm>
+          <a:off x="0" y="0"/>
+          <a:ext cx="0" cy="0"/>
+          <a:chOff x="0" y="0"/>
+          <a:chExt cx="0" cy="0"/>
+        </a:xfrm>
+      </p:grpSpPr>
+      <p:grpSp>
+        <p:nvGrpSpPr>
+          <p:cNvPr id="38" name="그룹 37">
+            <a:extLst>
+              <a:ext uri="{FF2B5EF4-FFF2-40B4-BE49-F238E27FC236}">
+                <a16:creationId xmlns:a16="http://schemas.microsoft.com/office/drawing/2014/main" id="{1D8E532E-9E14-4EC0-9A5D-C7F11045D019}"/>
+              </a:ext>
+            </a:extLst>
+          </p:cNvPr>
+          <p:cNvGrpSpPr/>
+          <p:nvPr/>
+        </p:nvGrpSpPr>
+        <p:grpSpPr>
+          <a:xfrm>
+            <a:off x="0" y="99367"/>
+            <a:ext cx="1600200" cy="620714"/>
+            <a:chOff x="0" y="231324"/>
+            <a:chExt cx="2341178" cy="620714"/>
+          </a:xfrm>
+        </p:grpSpPr>
+        <p:sp>
+          <p:nvSpPr>
+            <p:cNvPr id="39" name="TextBox 38">
+              <a:extLst>
+                <a:ext uri="{FF2B5EF4-FFF2-40B4-BE49-F238E27FC236}">
+                  <a16:creationId xmlns:a16="http://schemas.microsoft.com/office/drawing/2014/main" id="{6CDC6D6B-2C6F-4506-A1A4-B60E366A7E7F}"/>
+                </a:ext>
+              </a:extLst>
+            </p:cNvPr>
+            <p:cNvSpPr txBox="1"/>
+            <p:nvPr/>
+          </p:nvSpPr>
+          <p:spPr>
+            <a:xfrm>
+              <a:off x="0" y="231324"/>
+              <a:ext cx="2341178" cy="523220"/>
+            </a:xfrm>
+            <a:prstGeom prst="rect">
+              <a:avLst/>
+            </a:prstGeom>
+            <a:noFill/>
+          </p:spPr>
+          <p:txBody>
+            <a:bodyPr wrap="square" rtlCol="0">
+              <a:spAutoFit/>
+            </a:bodyPr>
+            <a:lstStyle/>
+            <a:p>
+              <a:r>
+                <a:rPr lang="en-US" altLang="ko-KR" sz="2800" b="1" dirty="0"/>
+                <a:t>2. </a:t>
+              </a:r>
+              <a:r>
+                <a:rPr lang="ko-KR" altLang="en-US" sz="2800" b="1" dirty="0"/>
+                <a:t>농장</a:t>
+              </a:r>
+              <a:endParaRPr lang="ko-KR" altLang="en-US" sz="1400" b="1" dirty="0"/>
+            </a:p>
+          </p:txBody>
+        </p:sp>
+        <p:sp>
+          <p:nvSpPr>
+            <p:cNvPr id="40" name="평행 사변형 39">
+              <a:extLst>
+                <a:ext uri="{FF2B5EF4-FFF2-40B4-BE49-F238E27FC236}">
+                  <a16:creationId xmlns:a16="http://schemas.microsoft.com/office/drawing/2014/main" id="{4E81B653-ED60-4FFF-82E8-2306DFEB399E}"/>
+                </a:ext>
+              </a:extLst>
+            </p:cNvPr>
+            <p:cNvSpPr/>
+            <p:nvPr/>
+          </p:nvSpPr>
+          <p:spPr>
+            <a:xfrm>
+              <a:off x="0" y="787975"/>
+              <a:ext cx="2196000" cy="64063"/>
+            </a:xfrm>
+            <a:prstGeom prst="parallelogram">
+              <a:avLst/>
+            </a:prstGeom>
+            <a:solidFill>
+              <a:schemeClr val="tx1"/>
+            </a:solidFill>
+            <a:ln>
+              <a:noFill/>
+            </a:ln>
+          </p:spPr>
+          <p:style>
+            <a:lnRef idx="2">
+              <a:schemeClr val="accent1">
+                <a:shade val="50000"/>
+              </a:schemeClr>
+            </a:lnRef>
+            <a:fillRef idx="1">
+              <a:schemeClr val="accent1"/>
+            </a:fillRef>
+            <a:effectRef idx="0">
+              <a:schemeClr val="accent1"/>
+            </a:effectRef>
+            <a:fontRef idx="minor">
+              <a:schemeClr val="lt1"/>
+            </a:fontRef>
+          </p:style>
+          <p:txBody>
+            <a:bodyPr rtlCol="0" anchor="ctr"/>
+            <a:lstStyle/>
+            <a:p>
+              <a:pPr algn="ctr"/>
+              <a:endParaRPr lang="ko-KR" altLang="en-US" dirty="0"/>
+            </a:p>
+          </p:txBody>
+        </p:sp>
+      </p:grpSp>
+      <p:grpSp>
+        <p:nvGrpSpPr>
+          <p:cNvPr id="23" name="그룹 22">
+            <a:extLst>
+              <a:ext uri="{FF2B5EF4-FFF2-40B4-BE49-F238E27FC236}">
+                <a16:creationId xmlns:a16="http://schemas.microsoft.com/office/drawing/2014/main" id="{C84C9E02-B559-4FF1-BE61-BB0CD4741D3B}"/>
+              </a:ext>
+            </a:extLst>
+          </p:cNvPr>
+          <p:cNvGrpSpPr/>
+          <p:nvPr/>
+        </p:nvGrpSpPr>
+        <p:grpSpPr>
+          <a:xfrm>
+            <a:off x="1236895" y="2437268"/>
+            <a:ext cx="4883524" cy="1914331"/>
+            <a:chOff x="7280649" y="4038167"/>
+            <a:chExt cx="4217057" cy="2389089"/>
+          </a:xfrm>
+        </p:grpSpPr>
+        <p:sp>
+          <p:nvSpPr>
+            <p:cNvPr id="24" name="직사각형 23">
+              <a:extLst>
+                <a:ext uri="{FF2B5EF4-FFF2-40B4-BE49-F238E27FC236}">
+                  <a16:creationId xmlns:a16="http://schemas.microsoft.com/office/drawing/2014/main" id="{ACB38A61-B130-493E-B257-7C7D98BBDD2B}"/>
+                </a:ext>
+              </a:extLst>
+            </p:cNvPr>
+            <p:cNvSpPr/>
+            <p:nvPr/>
+          </p:nvSpPr>
+          <p:spPr>
+            <a:xfrm>
+              <a:off x="7280649" y="4038168"/>
+              <a:ext cx="4217057" cy="2389088"/>
+            </a:xfrm>
+            <a:prstGeom prst="rect">
+              <a:avLst/>
+            </a:prstGeom>
+            <a:solidFill>
+              <a:schemeClr val="tx1"/>
+            </a:solidFill>
+            <a:ln>
+              <a:solidFill>
+                <a:schemeClr val="tx1"/>
+              </a:solidFill>
+            </a:ln>
+          </p:spPr>
+          <p:style>
+            <a:lnRef idx="2">
+              <a:schemeClr val="accent1">
+                <a:shade val="50000"/>
+              </a:schemeClr>
+            </a:lnRef>
+            <a:fillRef idx="1">
+              <a:schemeClr val="accent1"/>
+            </a:fillRef>
+            <a:effectRef idx="0">
+              <a:schemeClr val="accent1"/>
+            </a:effectRef>
+            <a:fontRef idx="minor">
+              <a:schemeClr val="lt1"/>
+            </a:fontRef>
+          </p:style>
+          <p:txBody>
+            <a:bodyPr rtlCol="0" anchor="ctr"/>
+            <a:lstStyle/>
+            <a:p>
+              <a:pPr algn="ctr"/>
+              <a:endParaRPr lang="ko-KR" altLang="en-US"/>
+            </a:p>
+          </p:txBody>
+        </p:sp>
+        <p:sp>
+          <p:nvSpPr>
+            <p:cNvPr id="25" name="직사각형 24">
+              <a:extLst>
+                <a:ext uri="{FF2B5EF4-FFF2-40B4-BE49-F238E27FC236}">
+                  <a16:creationId xmlns:a16="http://schemas.microsoft.com/office/drawing/2014/main" id="{980DB22C-A901-4481-BC3F-76F5CFF2FC78}"/>
+                </a:ext>
+              </a:extLst>
+            </p:cNvPr>
+            <p:cNvSpPr/>
+            <p:nvPr/>
+          </p:nvSpPr>
+          <p:spPr>
+            <a:xfrm>
+              <a:off x="7280649" y="4407499"/>
+              <a:ext cx="4217057" cy="2019757"/>
+            </a:xfrm>
+            <a:prstGeom prst="rect">
+              <a:avLst/>
+            </a:prstGeom>
+            <a:solidFill>
+              <a:schemeClr val="bg1"/>
+            </a:solidFill>
+            <a:ln>
+              <a:solidFill>
+                <a:schemeClr val="tx1"/>
+              </a:solidFill>
+            </a:ln>
+          </p:spPr>
+          <p:style>
+            <a:lnRef idx="2">
+              <a:schemeClr val="accent1">
+                <a:shade val="50000"/>
+              </a:schemeClr>
+            </a:lnRef>
+            <a:fillRef idx="1">
+              <a:schemeClr val="accent1"/>
+            </a:fillRef>
+            <a:effectRef idx="0">
+              <a:schemeClr val="accent1"/>
+            </a:effectRef>
+            <a:fontRef idx="minor">
+              <a:schemeClr val="lt1"/>
+            </a:fontRef>
+          </p:style>
+          <p:txBody>
+            <a:bodyPr rtlCol="0" anchor="ctr"/>
+            <a:lstStyle/>
+            <a:p>
+              <a:pPr marL="285750" indent="-285750">
+                <a:buFont typeface="Arial" panose="020B0604020202020204" pitchFamily="34" charset="0"/>
+                <a:buChar char="•"/>
+              </a:pPr>
+              <a:r>
+                <a:rPr lang="en-US" altLang="ko-KR" dirty="0" err="1">
+                  <a:solidFill>
+                    <a:schemeClr val="tx1"/>
+                  </a:solidFill>
+                </a:rPr>
+                <a:t>FarmEarning</a:t>
+              </a:r>
+              <a:r>
+                <a:rPr lang="en-US" altLang="ko-KR" dirty="0">
+                  <a:solidFill>
+                    <a:schemeClr val="tx1"/>
+                  </a:solidFill>
+                </a:rPr>
+                <a:t> </a:t>
+              </a:r>
+              <a:r>
+                <a:rPr lang="ko-KR" altLang="en-US" dirty="0" err="1">
+                  <a:solidFill>
+                    <a:schemeClr val="tx1"/>
+                  </a:solidFill>
+                </a:rPr>
+                <a:t>증가시</a:t>
+              </a:r>
+              <a:br>
+                <a:rPr lang="en-US" altLang="ko-KR" dirty="0">
+                  <a:solidFill>
+                    <a:schemeClr val="tx1"/>
+                  </a:solidFill>
+                </a:rPr>
+              </a:br>
+              <a:r>
+                <a:rPr lang="ko-KR" altLang="en-US" dirty="0">
+                  <a:solidFill>
+                    <a:schemeClr val="tx1"/>
+                  </a:solidFill>
+                </a:rPr>
+                <a:t>해당 텍스트를 농장 상단에 출력</a:t>
+              </a:r>
+              <a:endParaRPr lang="en-US" altLang="ko-KR" dirty="0">
+                <a:solidFill>
+                  <a:schemeClr val="tx1"/>
+                </a:solidFill>
+              </a:endParaRPr>
+            </a:p>
+            <a:p>
+              <a:pPr marL="285750" indent="-285750">
+                <a:buFont typeface="Arial" panose="020B0604020202020204" pitchFamily="34" charset="0"/>
+                <a:buChar char="•"/>
+              </a:pPr>
+              <a:r>
+                <a:rPr lang="ko-KR" altLang="en-US" dirty="0">
+                  <a:solidFill>
+                    <a:schemeClr val="tx1"/>
+                  </a:solidFill>
+                </a:rPr>
+                <a:t>텍스트는 위로 서서히 올라가며 </a:t>
+              </a:r>
+              <a:r>
+                <a:rPr lang="en-US" altLang="ko-KR" dirty="0">
+                  <a:solidFill>
+                    <a:schemeClr val="tx1"/>
+                  </a:solidFill>
+                </a:rPr>
+                <a:t>Fade Out</a:t>
+              </a:r>
+            </a:p>
+          </p:txBody>
+        </p:sp>
+        <p:sp>
+          <p:nvSpPr>
+            <p:cNvPr id="26" name="TextBox 25">
+              <a:extLst>
+                <a:ext uri="{FF2B5EF4-FFF2-40B4-BE49-F238E27FC236}">
+                  <a16:creationId xmlns:a16="http://schemas.microsoft.com/office/drawing/2014/main" id="{8A314BEB-84D8-49EB-B61D-DD2705D8297D}"/>
+                </a:ext>
+              </a:extLst>
+            </p:cNvPr>
+            <p:cNvSpPr txBox="1"/>
+            <p:nvPr/>
+          </p:nvSpPr>
+          <p:spPr>
+            <a:xfrm>
+              <a:off x="7442366" y="4038167"/>
+              <a:ext cx="3881263" cy="460927"/>
+            </a:xfrm>
+            <a:prstGeom prst="rect">
+              <a:avLst/>
+            </a:prstGeom>
+            <a:noFill/>
+          </p:spPr>
+          <p:txBody>
+            <a:bodyPr wrap="square" rtlCol="0">
+              <a:spAutoFit/>
+            </a:bodyPr>
+            <a:lstStyle/>
+            <a:p>
+              <a:r>
+                <a:rPr lang="ko-KR" altLang="en-US" dirty="0">
+                  <a:solidFill>
+                    <a:schemeClr val="bg1"/>
+                  </a:solidFill>
+                </a:rPr>
+                <a:t>관련 </a:t>
+              </a:r>
+              <a:r>
+                <a:rPr lang="en-US" altLang="ko-KR" dirty="0">
+                  <a:solidFill>
+                    <a:schemeClr val="bg1"/>
+                  </a:solidFill>
+                </a:rPr>
+                <a:t>UI</a:t>
+              </a:r>
+              <a:endParaRPr lang="ko-KR" altLang="en-US" dirty="0">
+                <a:solidFill>
+                  <a:schemeClr val="bg1"/>
+                </a:solidFill>
+              </a:endParaRPr>
+            </a:p>
+          </p:txBody>
+        </p:sp>
+      </p:grpSp>
+      <p:pic>
+        <p:nvPicPr>
+          <p:cNvPr id="3" name="그림 2">
+            <a:extLst>
+              <a:ext uri="{FF2B5EF4-FFF2-40B4-BE49-F238E27FC236}">
+                <a16:creationId xmlns:a16="http://schemas.microsoft.com/office/drawing/2014/main" id="{1E11E454-01E1-4812-8BB4-8322E24F6704}"/>
+              </a:ext>
+            </a:extLst>
+          </p:cNvPr>
+          <p:cNvPicPr>
+            <a:picLocks noChangeAspect="1"/>
+          </p:cNvPicPr>
+          <p:nvPr/>
+        </p:nvPicPr>
+        <p:blipFill>
+          <a:blip r:embed="rId3">
+            <a:extLst>
+              <a:ext uri="{28A0092B-C50C-407E-A947-70E740481C1C}">
+                <a14:useLocalDpi xmlns:a14="http://schemas.microsoft.com/office/drawing/2010/main" val="0"/>
+              </a:ext>
+            </a:extLst>
+          </a:blip>
+          <a:stretch>
+            <a:fillRect/>
+          </a:stretch>
+        </p:blipFill>
+        <p:spPr>
+          <a:xfrm>
+            <a:off x="7905749" y="1780278"/>
+            <a:ext cx="2990850" cy="3524250"/>
+          </a:xfrm>
+          <a:prstGeom prst="rect">
+            <a:avLst/>
+          </a:prstGeom>
+        </p:spPr>
+      </p:pic>
+      <p:grpSp>
+        <p:nvGrpSpPr>
+          <p:cNvPr id="17" name="그룹 16">
+            <a:extLst>
+              <a:ext uri="{FF2B5EF4-FFF2-40B4-BE49-F238E27FC236}">
+                <a16:creationId xmlns:a16="http://schemas.microsoft.com/office/drawing/2014/main" id="{74EFA9BD-D931-49B1-848D-F30CDC75F89D}"/>
+              </a:ext>
+            </a:extLst>
+          </p:cNvPr>
+          <p:cNvGrpSpPr/>
+          <p:nvPr/>
+        </p:nvGrpSpPr>
+        <p:grpSpPr>
+          <a:xfrm>
+            <a:off x="7905749" y="1780278"/>
+            <a:ext cx="1253705" cy="437505"/>
+            <a:chOff x="5383928" y="2247900"/>
+            <a:chExt cx="2078938" cy="437505"/>
+          </a:xfrm>
+        </p:grpSpPr>
+        <p:sp>
+          <p:nvSpPr>
+            <p:cNvPr id="18" name="화살표: 오각형 17">
+              <a:extLst>
+                <a:ext uri="{FF2B5EF4-FFF2-40B4-BE49-F238E27FC236}">
+                  <a16:creationId xmlns:a16="http://schemas.microsoft.com/office/drawing/2014/main" id="{1D718685-2DC5-4943-99B5-ABA7693D4BE2}"/>
+                </a:ext>
+              </a:extLst>
+            </p:cNvPr>
+            <p:cNvSpPr/>
+            <p:nvPr/>
+          </p:nvSpPr>
+          <p:spPr>
+            <a:xfrm>
+              <a:off x="5383928" y="2247900"/>
+              <a:ext cx="2078938" cy="437505"/>
+            </a:xfrm>
+            <a:prstGeom prst="homePlate">
+              <a:avLst>
+                <a:gd name="adj" fmla="val 30404"/>
+              </a:avLst>
+            </a:prstGeom>
+            <a:solidFill>
+              <a:schemeClr val="bg1"/>
+            </a:solidFill>
+            <a:ln w="28575">
+              <a:solidFill>
+                <a:schemeClr val="tx1"/>
+              </a:solidFill>
+            </a:ln>
+          </p:spPr>
+          <p:style>
+            <a:lnRef idx="2">
+              <a:schemeClr val="accent1">
+                <a:shade val="50000"/>
+              </a:schemeClr>
+            </a:lnRef>
+            <a:fillRef idx="1">
+              <a:schemeClr val="accent1"/>
+            </a:fillRef>
+            <a:effectRef idx="0">
+              <a:schemeClr val="accent1"/>
+            </a:effectRef>
+            <a:fontRef idx="minor">
+              <a:schemeClr val="lt1"/>
+            </a:fontRef>
+          </p:style>
+          <p:txBody>
+            <a:bodyPr rtlCol="0" anchor="ctr"/>
+            <a:lstStyle/>
+            <a:p>
+              <a:pPr algn="ctr"/>
+              <a:endParaRPr lang="ko-KR" altLang="en-US" dirty="0">
+                <a:solidFill>
+                  <a:schemeClr val="tx1"/>
+                </a:solidFill>
+              </a:endParaRPr>
+            </a:p>
+          </p:txBody>
+        </p:sp>
+        <p:sp>
+          <p:nvSpPr>
+            <p:cNvPr id="19" name="TextBox 18">
+              <a:extLst>
+                <a:ext uri="{FF2B5EF4-FFF2-40B4-BE49-F238E27FC236}">
+                  <a16:creationId xmlns:a16="http://schemas.microsoft.com/office/drawing/2014/main" id="{CFF7C5A4-0570-4D6C-9993-0C84648C53A1}"/>
+                </a:ext>
+              </a:extLst>
+            </p:cNvPr>
+            <p:cNvSpPr txBox="1"/>
+            <p:nvPr/>
+          </p:nvSpPr>
+          <p:spPr>
+            <a:xfrm>
+              <a:off x="5393131" y="2281986"/>
+              <a:ext cx="935281" cy="369332"/>
+            </a:xfrm>
+            <a:prstGeom prst="rect">
+              <a:avLst/>
+            </a:prstGeom>
+            <a:noFill/>
+          </p:spPr>
+          <p:txBody>
+            <a:bodyPr wrap="none" rtlCol="0">
+              <a:spAutoFit/>
+            </a:bodyPr>
+            <a:lstStyle/>
+            <a:p>
+              <a:r>
+                <a:rPr lang="en-US" altLang="ko-KR" dirty="0"/>
+                <a:t>GIF </a:t>
+              </a:r>
+              <a:r>
+                <a:rPr lang="ko-KR" altLang="en-US" dirty="0"/>
+                <a:t>자료</a:t>
+              </a:r>
+              <a:endParaRPr lang="en-US" altLang="ko-KR" dirty="0"/>
+            </a:p>
+          </p:txBody>
+        </p:sp>
+      </p:grpSp>
+    </p:spTree>
+    <p:extLst>
+      <p:ext uri="{BB962C8B-B14F-4D97-AF65-F5344CB8AC3E}">
+        <p14:creationId xmlns:p14="http://schemas.microsoft.com/office/powerpoint/2010/main" val="2412935687"/>
       </p:ext>
     </p:extLst>
   </p:cSld>
@@ -21421,12 +22458,6 @@
 </file>
 
 <file path=customXml/item1.xml><?xml version="1.0" encoding="utf-8"?>
-<p:properties xmlns:p="http://schemas.microsoft.com/office/2006/metadata/properties" xmlns:xsi="http://www.w3.org/2001/XMLSchema-instance" xmlns:pc="http://schemas.microsoft.com/office/infopath/2007/PartnerControls">
-  <documentManagement/>
-</p:properties>
-</file>
-
-<file path=customXml/item2.xml><?xml version="1.0" encoding="utf-8"?>
 <ct:contentTypeSchema xmlns:ct="http://schemas.microsoft.com/office/2006/metadata/contentType" xmlns:ma="http://schemas.microsoft.com/office/2006/metadata/properties/metaAttributes" ct:_="" ma:_="" ma:contentTypeName="문서" ma:contentTypeID="0x0101001DBB2B28955C594DB24AF1F5BB7336C8" ma:contentTypeVersion="2" ma:contentTypeDescription="새 문서를 만듭니다." ma:contentTypeScope="" ma:versionID="f2fa06709d317143d893a6f8ce6ede6a">
   <xsd:schema xmlns:xsd="http://www.w3.org/2001/XMLSchema" xmlns:xs="http://www.w3.org/2001/XMLSchema" xmlns:p="http://schemas.microsoft.com/office/2006/metadata/properties" xmlns:ns3="5555129b-2418-4d50-9dfa-7b95714945fa" targetNamespace="http://schemas.microsoft.com/office/2006/metadata/properties" ma:root="true" ma:fieldsID="e8dc87fcc42539e288ba896fdb612da0" ns3:_="">
     <xsd:import namespace="5555129b-2418-4d50-9dfa-7b95714945fa"/>
@@ -21558,6 +22589,12 @@
 </ct:contentTypeSchema>
 </file>
 
+<file path=customXml/item2.xml><?xml version="1.0" encoding="utf-8"?>
+<p:properties xmlns:p="http://schemas.microsoft.com/office/2006/metadata/properties" xmlns:xsi="http://www.w3.org/2001/XMLSchema-instance" xmlns:pc="http://schemas.microsoft.com/office/infopath/2007/PartnerControls">
+  <documentManagement/>
+</p:properties>
+</file>
+
 <file path=customXml/item3.xml><?xml version="1.0" encoding="utf-8"?>
 <?mso-contentType ?>
 <FormTemplates xmlns="http://schemas.microsoft.com/sharepoint/v3/contenttype/forms">
@@ -21568,15 +22605,6 @@
 </file>
 
 <file path=customXml/itemProps1.xml><?xml version="1.0" encoding="utf-8"?>
-<ds:datastoreItem xmlns:ds="http://schemas.openxmlformats.org/officeDocument/2006/customXml" ds:itemID="{A23103BA-1CDF-42E2-84EF-97766276A752}">
-  <ds:schemaRefs>
-    <ds:schemaRef ds:uri="http://schemas.microsoft.com/office/2006/metadata/properties"/>
-    <ds:schemaRef ds:uri="http://schemas.microsoft.com/office/infopath/2007/PartnerControls"/>
-  </ds:schemaRefs>
-</ds:datastoreItem>
-</file>
-
-<file path=customXml/itemProps2.xml><?xml version="1.0" encoding="utf-8"?>
 <ds:datastoreItem xmlns:ds="http://schemas.openxmlformats.org/officeDocument/2006/customXml" ds:itemID="{A1191A0A-B4A1-4213-A2EE-9C9D701194F6}">
   <ds:schemaRefs>
     <ds:schemaRef ds:uri="http://schemas.microsoft.com/office/2006/metadata/contentType"/>
@@ -21594,6 +22622,15 @@
 </ds:datastoreItem>
 </file>
 
+<file path=customXml/itemProps2.xml><?xml version="1.0" encoding="utf-8"?>
+<ds:datastoreItem xmlns:ds="http://schemas.openxmlformats.org/officeDocument/2006/customXml" ds:itemID="{A23103BA-1CDF-42E2-84EF-97766276A752}">
+  <ds:schemaRefs>
+    <ds:schemaRef ds:uri="http://schemas.microsoft.com/office/2006/metadata/properties"/>
+    <ds:schemaRef ds:uri="http://schemas.microsoft.com/office/infopath/2007/PartnerControls"/>
+  </ds:schemaRefs>
+</ds:datastoreItem>
+</file>
+
 <file path=customXml/itemProps3.xml><?xml version="1.0" encoding="utf-8"?>
 <ds:datastoreItem xmlns:ds="http://schemas.openxmlformats.org/officeDocument/2006/customXml" ds:itemID="{4C7A472F-9902-4104-BCF0-D4754C77190F}">
   <ds:schemaRefs>

--- a/기획서/당근키우기 시스템.pptx
+++ b/기획서/당근키우기 시스템.pptx
@@ -5,7 +5,7 @@
     <p:sldMasterId id="2147483648" r:id="rId4"/>
   </p:sldMasterIdLst>
   <p:notesMasterIdLst>
-    <p:notesMasterId r:id="rId25"/>
+    <p:notesMasterId r:id="rId27"/>
   </p:notesMasterIdLst>
   <p:sldIdLst>
     <p:sldId id="312" r:id="rId5"/>
@@ -26,8 +26,10 @@
     <p:sldId id="369" r:id="rId20"/>
     <p:sldId id="371" r:id="rId21"/>
     <p:sldId id="370" r:id="rId22"/>
-    <p:sldId id="358" r:id="rId23"/>
-    <p:sldId id="323" r:id="rId24"/>
+    <p:sldId id="372" r:id="rId23"/>
+    <p:sldId id="373" r:id="rId24"/>
+    <p:sldId id="358" r:id="rId25"/>
+    <p:sldId id="323" r:id="rId26"/>
   </p:sldIdLst>
   <p:sldSz cx="12192000" cy="6858000"/>
   <p:notesSz cx="6858000" cy="9144000"/>
@@ -6140,7 +6142,7 @@
           <a:p>
             <a:fld id="{D6F8FF3C-9381-4334-95AA-ABB07BBFE4B0}" type="datetimeFigureOut">
               <a:rPr lang="ko-KR" altLang="en-US" smtClean="0"/>
-              <a:t>2020-10-21</a:t>
+              <a:t>2020-10-22</a:t>
             </a:fld>
             <a:endParaRPr lang="ko-KR" altLang="en-US"/>
           </a:p>
@@ -6737,6 +6739,93 @@
             <a:fld id="{151FD798-7848-4816-945D-B2937F5A900D}" type="slidenum">
               <a:rPr lang="ko-KR" altLang="en-US" smtClean="0"/>
               <a:t>20</a:t>
+            </a:fld>
+            <a:endParaRPr lang="ko-KR" altLang="en-US"/>
+          </a:p>
+        </p:txBody>
+      </p:sp>
+    </p:spTree>
+    <p:extLst>
+      <p:ext uri="{BB962C8B-B14F-4D97-AF65-F5344CB8AC3E}">
+        <p14:creationId xmlns:p14="http://schemas.microsoft.com/office/powerpoint/2010/main" val="1521781785"/>
+      </p:ext>
+    </p:extLst>
+  </p:cSld>
+  <p:clrMapOvr>
+    <a:masterClrMapping/>
+  </p:clrMapOvr>
+</p:notes>
+</file>
+
+<file path=ppt/notesSlides/notesSlide13.xml><?xml version="1.0" encoding="utf-8"?>
+<p:notes xmlns:a="http://schemas.openxmlformats.org/drawingml/2006/main" xmlns:r="http://schemas.openxmlformats.org/officeDocument/2006/relationships" xmlns:p="http://schemas.openxmlformats.org/presentationml/2006/main">
+  <p:cSld>
+    <p:spTree>
+      <p:nvGrpSpPr>
+        <p:cNvPr id="1" name=""/>
+        <p:cNvGrpSpPr/>
+        <p:nvPr/>
+      </p:nvGrpSpPr>
+      <p:grpSpPr>
+        <a:xfrm>
+          <a:off x="0" y="0"/>
+          <a:ext cx="0" cy="0"/>
+          <a:chOff x="0" y="0"/>
+          <a:chExt cx="0" cy="0"/>
+        </a:xfrm>
+      </p:grpSpPr>
+      <p:sp>
+        <p:nvSpPr>
+          <p:cNvPr id="2" name="슬라이드 이미지 개체 틀 1"/>
+          <p:cNvSpPr>
+            <a:spLocks noGrp="1" noRot="1" noChangeAspect="1"/>
+          </p:cNvSpPr>
+          <p:nvPr>
+            <p:ph type="sldImg"/>
+          </p:nvPr>
+        </p:nvSpPr>
+        <p:spPr/>
+      </p:sp>
+      <p:sp>
+        <p:nvSpPr>
+          <p:cNvPr id="3" name="슬라이드 노트 개체 틀 2"/>
+          <p:cNvSpPr>
+            <a:spLocks noGrp="1"/>
+          </p:cNvSpPr>
+          <p:nvPr>
+            <p:ph type="body" idx="1"/>
+          </p:nvPr>
+        </p:nvSpPr>
+        <p:spPr/>
+        <p:txBody>
+          <a:bodyPr/>
+          <a:lstStyle/>
+          <a:p>
+            <a:pPr marL="0" indent="0">
+              <a:buNone/>
+            </a:pPr>
+            <a:endParaRPr lang="en-US" altLang="ko-KR" dirty="0"/>
+          </a:p>
+        </p:txBody>
+      </p:sp>
+      <p:sp>
+        <p:nvSpPr>
+          <p:cNvPr id="4" name="슬라이드 번호 개체 틀 3"/>
+          <p:cNvSpPr>
+            <a:spLocks noGrp="1"/>
+          </p:cNvSpPr>
+          <p:nvPr>
+            <p:ph type="sldNum" sz="quarter" idx="5"/>
+          </p:nvPr>
+        </p:nvSpPr>
+        <p:spPr/>
+        <p:txBody>
+          <a:bodyPr/>
+          <a:lstStyle/>
+          <a:p>
+            <a:fld id="{151FD798-7848-4816-945D-B2937F5A900D}" type="slidenum">
+              <a:rPr lang="ko-KR" altLang="en-US" smtClean="0"/>
+              <a:t>22</a:t>
             </a:fld>
             <a:endParaRPr lang="ko-KR" altLang="en-US"/>
           </a:p>
@@ -7598,7 +7687,7 @@
           <a:p>
             <a:fld id="{1C1EA180-B51C-4898-B0E0-B9410346B791}" type="datetimeFigureOut">
               <a:rPr lang="ko-KR" altLang="en-US" smtClean="0"/>
-              <a:t>2020-10-21</a:t>
+              <a:t>2020-10-22</a:t>
             </a:fld>
             <a:endParaRPr lang="ko-KR" altLang="en-US"/>
           </a:p>
@@ -7796,7 +7885,7 @@
           <a:p>
             <a:fld id="{1C1EA180-B51C-4898-B0E0-B9410346B791}" type="datetimeFigureOut">
               <a:rPr lang="ko-KR" altLang="en-US" smtClean="0"/>
-              <a:t>2020-10-21</a:t>
+              <a:t>2020-10-22</a:t>
             </a:fld>
             <a:endParaRPr lang="ko-KR" altLang="en-US"/>
           </a:p>
@@ -8004,7 +8093,7 @@
           <a:p>
             <a:fld id="{1C1EA180-B51C-4898-B0E0-B9410346B791}" type="datetimeFigureOut">
               <a:rPr lang="ko-KR" altLang="en-US" smtClean="0"/>
-              <a:t>2020-10-21</a:t>
+              <a:t>2020-10-22</a:t>
             </a:fld>
             <a:endParaRPr lang="ko-KR" altLang="en-US"/>
           </a:p>
@@ -8202,7 +8291,7 @@
           <a:p>
             <a:fld id="{1C1EA180-B51C-4898-B0E0-B9410346B791}" type="datetimeFigureOut">
               <a:rPr lang="ko-KR" altLang="en-US" smtClean="0"/>
-              <a:t>2020-10-21</a:t>
+              <a:t>2020-10-22</a:t>
             </a:fld>
             <a:endParaRPr lang="ko-KR" altLang="en-US"/>
           </a:p>
@@ -8477,7 +8566,7 @@
           <a:p>
             <a:fld id="{1C1EA180-B51C-4898-B0E0-B9410346B791}" type="datetimeFigureOut">
               <a:rPr lang="ko-KR" altLang="en-US" smtClean="0"/>
-              <a:t>2020-10-21</a:t>
+              <a:t>2020-10-22</a:t>
             </a:fld>
             <a:endParaRPr lang="ko-KR" altLang="en-US"/>
           </a:p>
@@ -8742,7 +8831,7 @@
           <a:p>
             <a:fld id="{1C1EA180-B51C-4898-B0E0-B9410346B791}" type="datetimeFigureOut">
               <a:rPr lang="ko-KR" altLang="en-US" smtClean="0"/>
-              <a:t>2020-10-21</a:t>
+              <a:t>2020-10-22</a:t>
             </a:fld>
             <a:endParaRPr lang="ko-KR" altLang="en-US"/>
           </a:p>
@@ -9154,7 +9243,7 @@
           <a:p>
             <a:fld id="{1C1EA180-B51C-4898-B0E0-B9410346B791}" type="datetimeFigureOut">
               <a:rPr lang="ko-KR" altLang="en-US" smtClean="0"/>
-              <a:t>2020-10-21</a:t>
+              <a:t>2020-10-22</a:t>
             </a:fld>
             <a:endParaRPr lang="ko-KR" altLang="en-US"/>
           </a:p>
@@ -9295,7 +9384,7 @@
           <a:p>
             <a:fld id="{1C1EA180-B51C-4898-B0E0-B9410346B791}" type="datetimeFigureOut">
               <a:rPr lang="ko-KR" altLang="en-US" smtClean="0"/>
-              <a:t>2020-10-21</a:t>
+              <a:t>2020-10-22</a:t>
             </a:fld>
             <a:endParaRPr lang="ko-KR" altLang="en-US"/>
           </a:p>
@@ -9408,7 +9497,7 @@
           <a:p>
             <a:fld id="{1C1EA180-B51C-4898-B0E0-B9410346B791}" type="datetimeFigureOut">
               <a:rPr lang="ko-KR" altLang="en-US" smtClean="0"/>
-              <a:t>2020-10-21</a:t>
+              <a:t>2020-10-22</a:t>
             </a:fld>
             <a:endParaRPr lang="ko-KR" altLang="en-US"/>
           </a:p>
@@ -9719,7 +9808,7 @@
           <a:p>
             <a:fld id="{1C1EA180-B51C-4898-B0E0-B9410346B791}" type="datetimeFigureOut">
               <a:rPr lang="ko-KR" altLang="en-US" smtClean="0"/>
-              <a:t>2020-10-21</a:t>
+              <a:t>2020-10-22</a:t>
             </a:fld>
             <a:endParaRPr lang="ko-KR" altLang="en-US"/>
           </a:p>
@@ -10007,7 +10096,7 @@
           <a:p>
             <a:fld id="{1C1EA180-B51C-4898-B0E0-B9410346B791}" type="datetimeFigureOut">
               <a:rPr lang="ko-KR" altLang="en-US" smtClean="0"/>
-              <a:t>2020-10-21</a:t>
+              <a:t>2020-10-22</a:t>
             </a:fld>
             <a:endParaRPr lang="ko-KR" altLang="en-US"/>
           </a:p>
@@ -10248,7 +10337,7 @@
           <a:p>
             <a:fld id="{1C1EA180-B51C-4898-B0E0-B9410346B791}" type="datetimeFigureOut">
               <a:rPr lang="ko-KR" altLang="en-US" smtClean="0"/>
-              <a:t>2020-10-21</a:t>
+              <a:t>2020-10-22</a:t>
             </a:fld>
             <a:endParaRPr lang="ko-KR" altLang="en-US"/>
           </a:p>
@@ -16486,7 +16575,7 @@
             </a:r>
             <a:r>
               <a:rPr lang="ko-KR" altLang="en-US" dirty="0"/>
-              <a:t>숫자표기 시스템</a:t>
+              <a:t>상점 시스템</a:t>
             </a:r>
           </a:p>
         </p:txBody>
@@ -16494,7 +16583,7 @@
     </p:spTree>
     <p:extLst>
       <p:ext uri="{BB962C8B-B14F-4D97-AF65-F5344CB8AC3E}">
-        <p14:creationId xmlns:p14="http://schemas.microsoft.com/office/powerpoint/2010/main" val="3664303317"/>
+        <p14:creationId xmlns:p14="http://schemas.microsoft.com/office/powerpoint/2010/main" val="48669744"/>
       </p:ext>
     </p:extLst>
   </p:cSld>
@@ -16536,7 +16625,7 @@
           <p:nvPr>
             <p:extLst>
               <p:ext uri="{D42A27DB-BD31-4B8C-83A1-F6EECF244321}">
-                <p14:modId xmlns:p14="http://schemas.microsoft.com/office/powerpoint/2010/main" val="3085498623"/>
+                <p14:modId xmlns:p14="http://schemas.microsoft.com/office/powerpoint/2010/main" val="4001065457"/>
               </p:ext>
             </p:extLst>
           </p:nvPr>
@@ -16841,7 +16930,7 @@
                       </a:r>
                       <a:r>
                         <a:rPr lang="ko-KR" altLang="en-US" dirty="0"/>
-                        <a:t>클릭 시스템 초안 작성</a:t>
+                        <a:t>클릭 시스템 작성</a:t>
                       </a:r>
                     </a:p>
                   </a:txBody>
@@ -17138,6 +17227,10 @@
                     <a:lstStyle/>
                     <a:p>
                       <a:pPr latinLnBrk="1"/>
+                      <a:r>
+                        <a:rPr lang="en-US" altLang="ko-KR" dirty="0"/>
+                        <a:t>2020.10.22</a:t>
+                      </a:r>
                       <a:endParaRPr lang="ko-KR" altLang="en-US" dirty="0"/>
                     </a:p>
                   </a:txBody>
@@ -17189,7 +17282,10 @@
                     <a:lstStyle/>
                     <a:p>
                       <a:pPr latinLnBrk="1"/>
-                      <a:endParaRPr lang="ko-KR" altLang="en-US" dirty="0"/>
+                      <a:r>
+                        <a:rPr lang="ko-KR" altLang="en-US" dirty="0"/>
+                        <a:t>상점 시스템 추가</a:t>
+                      </a:r>
                     </a:p>
                   </a:txBody>
                   <a:tcPr>
@@ -18249,6 +18345,793 @@
         <p:grpSpPr>
           <a:xfrm>
             <a:off x="-1" y="99367"/>
+            <a:ext cx="2810435" cy="620714"/>
+            <a:chOff x="0" y="231324"/>
+            <a:chExt cx="2341178" cy="620714"/>
+          </a:xfrm>
+        </p:grpSpPr>
+        <p:sp>
+          <p:nvSpPr>
+            <p:cNvPr id="39" name="TextBox 38">
+              <a:extLst>
+                <a:ext uri="{FF2B5EF4-FFF2-40B4-BE49-F238E27FC236}">
+                  <a16:creationId xmlns:a16="http://schemas.microsoft.com/office/drawing/2014/main" id="{6CDC6D6B-2C6F-4506-A1A4-B60E366A7E7F}"/>
+                </a:ext>
+              </a:extLst>
+            </p:cNvPr>
+            <p:cNvSpPr txBox="1"/>
+            <p:nvPr/>
+          </p:nvSpPr>
+          <p:spPr>
+            <a:xfrm>
+              <a:off x="0" y="231324"/>
+              <a:ext cx="2341178" cy="523220"/>
+            </a:xfrm>
+            <a:prstGeom prst="rect">
+              <a:avLst/>
+            </a:prstGeom>
+            <a:noFill/>
+          </p:spPr>
+          <p:txBody>
+            <a:bodyPr wrap="square" rtlCol="0">
+              <a:spAutoFit/>
+            </a:bodyPr>
+            <a:lstStyle/>
+            <a:p>
+              <a:r>
+                <a:rPr lang="en-US" altLang="ko-KR" sz="2800" b="1" dirty="0"/>
+                <a:t>5. </a:t>
+              </a:r>
+              <a:r>
+                <a:rPr lang="ko-KR" altLang="en-US" sz="2800" b="1" dirty="0"/>
+                <a:t>상점</a:t>
+              </a:r>
+              <a:endParaRPr lang="ko-KR" altLang="en-US" sz="1400" b="1" dirty="0"/>
+            </a:p>
+          </p:txBody>
+        </p:sp>
+        <p:sp>
+          <p:nvSpPr>
+            <p:cNvPr id="40" name="평행 사변형 39">
+              <a:extLst>
+                <a:ext uri="{FF2B5EF4-FFF2-40B4-BE49-F238E27FC236}">
+                  <a16:creationId xmlns:a16="http://schemas.microsoft.com/office/drawing/2014/main" id="{4E81B653-ED60-4FFF-82E8-2306DFEB399E}"/>
+                </a:ext>
+              </a:extLst>
+            </p:cNvPr>
+            <p:cNvSpPr/>
+            <p:nvPr/>
+          </p:nvSpPr>
+          <p:spPr>
+            <a:xfrm>
+              <a:off x="0" y="787975"/>
+              <a:ext cx="2196000" cy="64063"/>
+            </a:xfrm>
+            <a:prstGeom prst="parallelogram">
+              <a:avLst/>
+            </a:prstGeom>
+            <a:solidFill>
+              <a:schemeClr val="tx1"/>
+            </a:solidFill>
+            <a:ln>
+              <a:noFill/>
+            </a:ln>
+          </p:spPr>
+          <p:style>
+            <a:lnRef idx="2">
+              <a:schemeClr val="accent1">
+                <a:shade val="50000"/>
+              </a:schemeClr>
+            </a:lnRef>
+            <a:fillRef idx="1">
+              <a:schemeClr val="accent1"/>
+            </a:fillRef>
+            <a:effectRef idx="0">
+              <a:schemeClr val="accent1"/>
+            </a:effectRef>
+            <a:fontRef idx="minor">
+              <a:schemeClr val="lt1"/>
+            </a:fontRef>
+          </p:style>
+          <p:txBody>
+            <a:bodyPr rtlCol="0" anchor="ctr"/>
+            <a:lstStyle/>
+            <a:p>
+              <a:pPr algn="ctr"/>
+              <a:endParaRPr lang="ko-KR" altLang="en-US" dirty="0"/>
+            </a:p>
+          </p:txBody>
+        </p:sp>
+      </p:grpSp>
+      <p:grpSp>
+        <p:nvGrpSpPr>
+          <p:cNvPr id="23" name="그룹 22">
+            <a:extLst>
+              <a:ext uri="{FF2B5EF4-FFF2-40B4-BE49-F238E27FC236}">
+                <a16:creationId xmlns:a16="http://schemas.microsoft.com/office/drawing/2014/main" id="{C84C9E02-B559-4FF1-BE61-BB0CD4741D3B}"/>
+              </a:ext>
+            </a:extLst>
+          </p:cNvPr>
+          <p:cNvGrpSpPr/>
+          <p:nvPr/>
+        </p:nvGrpSpPr>
+        <p:grpSpPr>
+          <a:xfrm>
+            <a:off x="1912999" y="1323238"/>
+            <a:ext cx="8366001" cy="2105762"/>
+            <a:chOff x="7280649" y="4038167"/>
+            <a:chExt cx="4217057" cy="2389089"/>
+          </a:xfrm>
+        </p:grpSpPr>
+        <p:sp>
+          <p:nvSpPr>
+            <p:cNvPr id="24" name="직사각형 23">
+              <a:extLst>
+                <a:ext uri="{FF2B5EF4-FFF2-40B4-BE49-F238E27FC236}">
+                  <a16:creationId xmlns:a16="http://schemas.microsoft.com/office/drawing/2014/main" id="{ACB38A61-B130-493E-B257-7C7D98BBDD2B}"/>
+                </a:ext>
+              </a:extLst>
+            </p:cNvPr>
+            <p:cNvSpPr/>
+            <p:nvPr/>
+          </p:nvSpPr>
+          <p:spPr>
+            <a:xfrm>
+              <a:off x="7280649" y="4038168"/>
+              <a:ext cx="4217057" cy="2389088"/>
+            </a:xfrm>
+            <a:prstGeom prst="rect">
+              <a:avLst/>
+            </a:prstGeom>
+            <a:solidFill>
+              <a:schemeClr val="tx1"/>
+            </a:solidFill>
+            <a:ln>
+              <a:solidFill>
+                <a:schemeClr val="tx1"/>
+              </a:solidFill>
+            </a:ln>
+          </p:spPr>
+          <p:style>
+            <a:lnRef idx="2">
+              <a:schemeClr val="accent1">
+                <a:shade val="50000"/>
+              </a:schemeClr>
+            </a:lnRef>
+            <a:fillRef idx="1">
+              <a:schemeClr val="accent1"/>
+            </a:fillRef>
+            <a:effectRef idx="0">
+              <a:schemeClr val="accent1"/>
+            </a:effectRef>
+            <a:fontRef idx="minor">
+              <a:schemeClr val="lt1"/>
+            </a:fontRef>
+          </p:style>
+          <p:txBody>
+            <a:bodyPr rtlCol="0" anchor="ctr"/>
+            <a:lstStyle/>
+            <a:p>
+              <a:pPr algn="ctr"/>
+              <a:endParaRPr lang="ko-KR" altLang="en-US"/>
+            </a:p>
+          </p:txBody>
+        </p:sp>
+        <p:sp>
+          <p:nvSpPr>
+            <p:cNvPr id="25" name="직사각형 24">
+              <a:extLst>
+                <a:ext uri="{FF2B5EF4-FFF2-40B4-BE49-F238E27FC236}">
+                  <a16:creationId xmlns:a16="http://schemas.microsoft.com/office/drawing/2014/main" id="{980DB22C-A901-4481-BC3F-76F5CFF2FC78}"/>
+                </a:ext>
+              </a:extLst>
+            </p:cNvPr>
+            <p:cNvSpPr/>
+            <p:nvPr/>
+          </p:nvSpPr>
+          <p:spPr>
+            <a:xfrm>
+              <a:off x="7280649" y="4407499"/>
+              <a:ext cx="4217057" cy="2019757"/>
+            </a:xfrm>
+            <a:prstGeom prst="rect">
+              <a:avLst/>
+            </a:prstGeom>
+            <a:solidFill>
+              <a:schemeClr val="bg1"/>
+            </a:solidFill>
+            <a:ln>
+              <a:solidFill>
+                <a:schemeClr val="tx1"/>
+              </a:solidFill>
+            </a:ln>
+          </p:spPr>
+          <p:style>
+            <a:lnRef idx="2">
+              <a:schemeClr val="accent1">
+                <a:shade val="50000"/>
+              </a:schemeClr>
+            </a:lnRef>
+            <a:fillRef idx="1">
+              <a:schemeClr val="accent1"/>
+            </a:fillRef>
+            <a:effectRef idx="0">
+              <a:schemeClr val="accent1"/>
+            </a:effectRef>
+            <a:fontRef idx="minor">
+              <a:schemeClr val="lt1"/>
+            </a:fontRef>
+          </p:style>
+          <p:txBody>
+            <a:bodyPr rtlCol="0" anchor="ctr"/>
+            <a:lstStyle/>
+            <a:p>
+              <a:pPr marL="285750" indent="-285750">
+                <a:buFont typeface="Arial" panose="020B0604020202020204" pitchFamily="34" charset="0"/>
+                <a:buChar char="•"/>
+              </a:pPr>
+              <a:r>
+                <a:rPr lang="ko-KR" altLang="en-US" dirty="0">
+                  <a:solidFill>
+                    <a:schemeClr val="tx1"/>
+                  </a:solidFill>
+                </a:rPr>
+                <a:t>클릭</a:t>
+              </a:r>
+              <a:r>
+                <a:rPr lang="en-US" altLang="ko-KR" dirty="0">
+                  <a:solidFill>
+                    <a:schemeClr val="tx1"/>
+                  </a:solidFill>
+                </a:rPr>
+                <a:t> </a:t>
+              </a:r>
+              <a:r>
+                <a:rPr lang="ko-KR" altLang="en-US" dirty="0" err="1">
+                  <a:solidFill>
+                    <a:schemeClr val="tx1"/>
+                  </a:solidFill>
+                </a:rPr>
+                <a:t>레벨업</a:t>
+              </a:r>
+              <a:r>
+                <a:rPr lang="en-US" altLang="ko-KR" dirty="0">
+                  <a:solidFill>
+                    <a:schemeClr val="tx1"/>
+                  </a:solidFill>
+                </a:rPr>
+                <a:t>, </a:t>
+              </a:r>
+              <a:r>
+                <a:rPr lang="ko-KR" altLang="en-US" dirty="0">
+                  <a:solidFill>
+                    <a:schemeClr val="tx1"/>
+                  </a:solidFill>
+                </a:rPr>
+                <a:t>스킬 </a:t>
+              </a:r>
+              <a:r>
+                <a:rPr lang="ko-KR" altLang="en-US" dirty="0" err="1">
+                  <a:solidFill>
+                    <a:schemeClr val="tx1"/>
+                  </a:solidFill>
+                </a:rPr>
+                <a:t>레벨업</a:t>
+              </a:r>
+              <a:r>
+                <a:rPr lang="en-US" altLang="ko-KR" dirty="0">
+                  <a:solidFill>
+                    <a:schemeClr val="tx1"/>
+                  </a:solidFill>
+                </a:rPr>
+                <a:t>, </a:t>
+              </a:r>
+              <a:r>
+                <a:rPr lang="ko-KR" altLang="en-US" dirty="0">
+                  <a:solidFill>
+                    <a:schemeClr val="tx1"/>
+                  </a:solidFill>
+                </a:rPr>
+                <a:t>엔딩 등</a:t>
+              </a:r>
+              <a:br>
+                <a:rPr lang="en-US" altLang="ko-KR" dirty="0">
+                  <a:solidFill>
+                    <a:schemeClr val="tx1"/>
+                  </a:solidFill>
+                </a:rPr>
+              </a:br>
+              <a:r>
+                <a:rPr lang="en-US" altLang="ko-KR" dirty="0">
+                  <a:solidFill>
+                    <a:schemeClr val="tx1"/>
+                  </a:solidFill>
+                </a:rPr>
+                <a:t>‘</a:t>
+              </a:r>
+              <a:r>
+                <a:rPr lang="ko-KR" altLang="en-US" dirty="0">
+                  <a:solidFill>
+                    <a:schemeClr val="tx1"/>
+                  </a:solidFill>
+                </a:rPr>
+                <a:t>농장 </a:t>
+              </a:r>
+              <a:r>
+                <a:rPr lang="ko-KR" altLang="en-US" dirty="0" err="1">
+                  <a:solidFill>
+                    <a:schemeClr val="tx1"/>
+                  </a:solidFill>
+                </a:rPr>
+                <a:t>레벨업</a:t>
+              </a:r>
+              <a:r>
+                <a:rPr lang="en-US" altLang="ko-KR" dirty="0">
+                  <a:solidFill>
+                    <a:schemeClr val="tx1"/>
+                  </a:solidFill>
+                </a:rPr>
+                <a:t>’</a:t>
+              </a:r>
+              <a:r>
+                <a:rPr lang="ko-KR" altLang="en-US" dirty="0">
+                  <a:solidFill>
+                    <a:schemeClr val="tx1"/>
+                  </a:solidFill>
+                </a:rPr>
+                <a:t>을 제외한 모든 구매가 이루어지는 시스템 마련</a:t>
+              </a:r>
+              <a:endParaRPr lang="en-US" altLang="ko-KR" dirty="0">
+                <a:solidFill>
+                  <a:schemeClr val="tx1"/>
+                </a:solidFill>
+              </a:endParaRPr>
+            </a:p>
+            <a:p>
+              <a:pPr marL="285750" indent="-285750">
+                <a:buFont typeface="Arial" panose="020B0604020202020204" pitchFamily="34" charset="0"/>
+                <a:buChar char="•"/>
+              </a:pPr>
+              <a:endParaRPr lang="en-US" altLang="ko-KR" dirty="0">
+                <a:solidFill>
+                  <a:schemeClr val="tx1"/>
+                </a:solidFill>
+              </a:endParaRPr>
+            </a:p>
+            <a:p>
+              <a:pPr marL="285750" indent="-285750">
+                <a:buFont typeface="Arial" panose="020B0604020202020204" pitchFamily="34" charset="0"/>
+                <a:buChar char="•"/>
+              </a:pPr>
+              <a:r>
+                <a:rPr lang="en-US" altLang="ko-KR" dirty="0">
+                  <a:solidFill>
+                    <a:schemeClr val="tx1"/>
+                  </a:solidFill>
+                </a:rPr>
+                <a:t>(</a:t>
+              </a:r>
+              <a:r>
+                <a:rPr lang="ko-KR" altLang="en-US" dirty="0">
+                  <a:solidFill>
+                    <a:schemeClr val="tx1"/>
+                  </a:solidFill>
+                </a:rPr>
+                <a:t>추가 사항</a:t>
+              </a:r>
+              <a:r>
+                <a:rPr lang="en-US" altLang="ko-KR" dirty="0">
+                  <a:solidFill>
+                    <a:schemeClr val="tx1"/>
+                  </a:solidFill>
+                </a:rPr>
+                <a:t>) </a:t>
+              </a:r>
+              <a:r>
+                <a:rPr lang="ko-KR" altLang="en-US" dirty="0" err="1">
+                  <a:solidFill>
+                    <a:schemeClr val="tx1"/>
+                  </a:solidFill>
+                </a:rPr>
+                <a:t>인앱구매가</a:t>
+              </a:r>
+              <a:r>
+                <a:rPr lang="ko-KR" altLang="en-US" dirty="0">
+                  <a:solidFill>
+                    <a:schemeClr val="tx1"/>
+                  </a:solidFill>
+                </a:rPr>
+                <a:t> 이루어짐</a:t>
+              </a:r>
+              <a:endParaRPr lang="en-US" altLang="ko-KR" dirty="0">
+                <a:solidFill>
+                  <a:schemeClr val="tx1"/>
+                </a:solidFill>
+              </a:endParaRPr>
+            </a:p>
+            <a:p>
+              <a:pPr marL="285750" indent="-285750">
+                <a:buFont typeface="Arial" panose="020B0604020202020204" pitchFamily="34" charset="0"/>
+                <a:buChar char="•"/>
+              </a:pPr>
+              <a:endParaRPr lang="en-US" altLang="ko-KR" dirty="0">
+                <a:solidFill>
+                  <a:schemeClr val="tx1"/>
+                </a:solidFill>
+              </a:endParaRPr>
+            </a:p>
+          </p:txBody>
+        </p:sp>
+        <p:sp>
+          <p:nvSpPr>
+            <p:cNvPr id="26" name="TextBox 25">
+              <a:extLst>
+                <a:ext uri="{FF2B5EF4-FFF2-40B4-BE49-F238E27FC236}">
+                  <a16:creationId xmlns:a16="http://schemas.microsoft.com/office/drawing/2014/main" id="{8A314BEB-84D8-49EB-B61D-DD2705D8297D}"/>
+                </a:ext>
+              </a:extLst>
+            </p:cNvPr>
+            <p:cNvSpPr txBox="1"/>
+            <p:nvPr/>
+          </p:nvSpPr>
+          <p:spPr>
+            <a:xfrm>
+              <a:off x="7442366" y="4038167"/>
+              <a:ext cx="3881263" cy="460927"/>
+            </a:xfrm>
+            <a:prstGeom prst="rect">
+              <a:avLst/>
+            </a:prstGeom>
+            <a:noFill/>
+          </p:spPr>
+          <p:txBody>
+            <a:bodyPr wrap="square" rtlCol="0">
+              <a:spAutoFit/>
+            </a:bodyPr>
+            <a:lstStyle/>
+            <a:p>
+              <a:r>
+                <a:rPr lang="ko-KR" altLang="en-US" dirty="0">
+                  <a:solidFill>
+                    <a:schemeClr val="bg1"/>
+                  </a:solidFill>
+                </a:rPr>
+                <a:t>기획 의도</a:t>
+              </a:r>
+            </a:p>
+          </p:txBody>
+        </p:sp>
+      </p:grpSp>
+      <p:grpSp>
+        <p:nvGrpSpPr>
+          <p:cNvPr id="27" name="그룹 26">
+            <a:extLst>
+              <a:ext uri="{FF2B5EF4-FFF2-40B4-BE49-F238E27FC236}">
+                <a16:creationId xmlns:a16="http://schemas.microsoft.com/office/drawing/2014/main" id="{160A1326-049B-4E45-B122-0DD14048BC84}"/>
+              </a:ext>
+            </a:extLst>
+          </p:cNvPr>
+          <p:cNvGrpSpPr/>
+          <p:nvPr/>
+        </p:nvGrpSpPr>
+        <p:grpSpPr>
+          <a:xfrm>
+            <a:off x="1913000" y="3702277"/>
+            <a:ext cx="8366000" cy="2308274"/>
+            <a:chOff x="7280649" y="4038167"/>
+            <a:chExt cx="4217057" cy="2389089"/>
+          </a:xfrm>
+        </p:grpSpPr>
+        <p:sp>
+          <p:nvSpPr>
+            <p:cNvPr id="28" name="직사각형 27">
+              <a:extLst>
+                <a:ext uri="{FF2B5EF4-FFF2-40B4-BE49-F238E27FC236}">
+                  <a16:creationId xmlns:a16="http://schemas.microsoft.com/office/drawing/2014/main" id="{DE913486-FEB2-4295-A34F-E0046B3E6631}"/>
+                </a:ext>
+              </a:extLst>
+            </p:cNvPr>
+            <p:cNvSpPr/>
+            <p:nvPr/>
+          </p:nvSpPr>
+          <p:spPr>
+            <a:xfrm>
+              <a:off x="7280649" y="4038168"/>
+              <a:ext cx="4217057" cy="2389088"/>
+            </a:xfrm>
+            <a:prstGeom prst="rect">
+              <a:avLst/>
+            </a:prstGeom>
+            <a:solidFill>
+              <a:schemeClr val="tx1"/>
+            </a:solidFill>
+            <a:ln>
+              <a:solidFill>
+                <a:schemeClr val="tx1"/>
+              </a:solidFill>
+            </a:ln>
+          </p:spPr>
+          <p:style>
+            <a:lnRef idx="2">
+              <a:schemeClr val="accent1">
+                <a:shade val="50000"/>
+              </a:schemeClr>
+            </a:lnRef>
+            <a:fillRef idx="1">
+              <a:schemeClr val="accent1"/>
+            </a:fillRef>
+            <a:effectRef idx="0">
+              <a:schemeClr val="accent1"/>
+            </a:effectRef>
+            <a:fontRef idx="minor">
+              <a:schemeClr val="lt1"/>
+            </a:fontRef>
+          </p:style>
+          <p:txBody>
+            <a:bodyPr rtlCol="0" anchor="ctr"/>
+            <a:lstStyle/>
+            <a:p>
+              <a:pPr algn="ctr"/>
+              <a:endParaRPr lang="ko-KR" altLang="en-US"/>
+            </a:p>
+          </p:txBody>
+        </p:sp>
+        <p:sp>
+          <p:nvSpPr>
+            <p:cNvPr id="29" name="직사각형 28">
+              <a:extLst>
+                <a:ext uri="{FF2B5EF4-FFF2-40B4-BE49-F238E27FC236}">
+                  <a16:creationId xmlns:a16="http://schemas.microsoft.com/office/drawing/2014/main" id="{09EB26FB-7EFA-4EB4-B6CD-0ACF325CB301}"/>
+                </a:ext>
+              </a:extLst>
+            </p:cNvPr>
+            <p:cNvSpPr/>
+            <p:nvPr/>
+          </p:nvSpPr>
+          <p:spPr>
+            <a:xfrm>
+              <a:off x="7280649" y="4407499"/>
+              <a:ext cx="4217057" cy="2019757"/>
+            </a:xfrm>
+            <a:prstGeom prst="rect">
+              <a:avLst/>
+            </a:prstGeom>
+            <a:solidFill>
+              <a:schemeClr val="bg1"/>
+            </a:solidFill>
+            <a:ln>
+              <a:solidFill>
+                <a:schemeClr val="tx1"/>
+              </a:solidFill>
+            </a:ln>
+          </p:spPr>
+          <p:style>
+            <a:lnRef idx="2">
+              <a:schemeClr val="accent1">
+                <a:shade val="50000"/>
+              </a:schemeClr>
+            </a:lnRef>
+            <a:fillRef idx="1">
+              <a:schemeClr val="accent1"/>
+            </a:fillRef>
+            <a:effectRef idx="0">
+              <a:schemeClr val="accent1"/>
+            </a:effectRef>
+            <a:fontRef idx="minor">
+              <a:schemeClr val="lt1"/>
+            </a:fontRef>
+          </p:style>
+          <p:txBody>
+            <a:bodyPr rtlCol="0" anchor="ctr"/>
+            <a:lstStyle/>
+            <a:p>
+              <a:pPr marL="285750" indent="-285750">
+                <a:buFont typeface="Arial" panose="020B0604020202020204" pitchFamily="34" charset="0"/>
+                <a:buChar char="•"/>
+              </a:pPr>
+              <a:r>
+                <a:rPr lang="ko-KR" altLang="en-US" dirty="0">
+                  <a:solidFill>
+                    <a:schemeClr val="tx1"/>
+                  </a:solidFill>
+                </a:rPr>
+                <a:t>모든 구매는 </a:t>
+              </a:r>
+              <a:r>
+                <a:rPr lang="en-US" altLang="ko-KR" dirty="0">
+                  <a:solidFill>
+                    <a:schemeClr val="tx1"/>
+                  </a:solidFill>
+                </a:rPr>
+                <a:t>‘</a:t>
+              </a:r>
+              <a:r>
+                <a:rPr lang="ko-KR" altLang="en-US" dirty="0">
+                  <a:solidFill>
+                    <a:schemeClr val="tx1"/>
+                  </a:solidFill>
+                </a:rPr>
+                <a:t>구매 </a:t>
+              </a:r>
+              <a:r>
+                <a:rPr lang="en-US" altLang="ko-KR" dirty="0">
+                  <a:solidFill>
+                    <a:schemeClr val="tx1"/>
+                  </a:solidFill>
+                </a:rPr>
+                <a:t>Flow’</a:t>
+              </a:r>
+              <a:r>
+                <a:rPr lang="ko-KR" altLang="en-US" dirty="0">
+                  <a:solidFill>
+                    <a:schemeClr val="tx1"/>
+                  </a:solidFill>
+                </a:rPr>
+                <a:t>를 따라 이루어짐</a:t>
+              </a:r>
+              <a:r>
+                <a:rPr lang="en-US" altLang="ko-KR" dirty="0">
+                  <a:solidFill>
+                    <a:schemeClr val="tx1"/>
+                  </a:solidFill>
+                </a:rPr>
+                <a:t>.</a:t>
+              </a:r>
+            </a:p>
+          </p:txBody>
+        </p:sp>
+        <p:sp>
+          <p:nvSpPr>
+            <p:cNvPr id="30" name="TextBox 29">
+              <a:extLst>
+                <a:ext uri="{FF2B5EF4-FFF2-40B4-BE49-F238E27FC236}">
+                  <a16:creationId xmlns:a16="http://schemas.microsoft.com/office/drawing/2014/main" id="{31124B04-08EF-4511-83A0-79C2AA47F41F}"/>
+                </a:ext>
+              </a:extLst>
+            </p:cNvPr>
+            <p:cNvSpPr txBox="1"/>
+            <p:nvPr/>
+          </p:nvSpPr>
+          <p:spPr>
+            <a:xfrm>
+              <a:off x="7442366" y="4038167"/>
+              <a:ext cx="3881263" cy="460927"/>
+            </a:xfrm>
+            <a:prstGeom prst="rect">
+              <a:avLst/>
+            </a:prstGeom>
+            <a:noFill/>
+          </p:spPr>
+          <p:txBody>
+            <a:bodyPr wrap="square" rtlCol="0">
+              <a:spAutoFit/>
+            </a:bodyPr>
+            <a:lstStyle/>
+            <a:p>
+              <a:r>
+                <a:rPr lang="ko-KR" altLang="en-US" dirty="0">
+                  <a:solidFill>
+                    <a:schemeClr val="bg1"/>
+                  </a:solidFill>
+                </a:rPr>
+                <a:t>개요</a:t>
+              </a:r>
+            </a:p>
+          </p:txBody>
+        </p:sp>
+      </p:grpSp>
+    </p:spTree>
+    <p:extLst>
+      <p:ext uri="{BB962C8B-B14F-4D97-AF65-F5344CB8AC3E}">
+        <p14:creationId xmlns:p14="http://schemas.microsoft.com/office/powerpoint/2010/main" val="2198926861"/>
+      </p:ext>
+    </p:extLst>
+  </p:cSld>
+  <p:clrMapOvr>
+    <a:masterClrMapping/>
+  </p:clrMapOvr>
+</p:sld>
+</file>
+
+<file path=ppt/slides/slide21.xml><?xml version="1.0" encoding="utf-8"?>
+<p:sld xmlns:a="http://schemas.openxmlformats.org/drawingml/2006/main" xmlns:r="http://schemas.openxmlformats.org/officeDocument/2006/relationships" xmlns:p="http://schemas.openxmlformats.org/presentationml/2006/main">
+  <p:cSld>
+    <p:spTree>
+      <p:nvGrpSpPr>
+        <p:cNvPr id="1" name=""/>
+        <p:cNvGrpSpPr/>
+        <p:nvPr/>
+      </p:nvGrpSpPr>
+      <p:grpSpPr>
+        <a:xfrm>
+          <a:off x="0" y="0"/>
+          <a:ext cx="0" cy="0"/>
+          <a:chOff x="0" y="0"/>
+          <a:chExt cx="0" cy="0"/>
+        </a:xfrm>
+      </p:grpSpPr>
+      <p:sp>
+        <p:nvSpPr>
+          <p:cNvPr id="2" name="제목 1">
+            <a:extLst>
+              <a:ext uri="{FF2B5EF4-FFF2-40B4-BE49-F238E27FC236}">
+                <a16:creationId xmlns:a16="http://schemas.microsoft.com/office/drawing/2014/main" id="{A65DD9F9-8EAF-4F2C-B12F-36C05D6E3EB0}"/>
+              </a:ext>
+            </a:extLst>
+          </p:cNvPr>
+          <p:cNvSpPr>
+            <a:spLocks noGrp="1"/>
+          </p:cNvSpPr>
+          <p:nvPr>
+            <p:ph type="ctrTitle"/>
+          </p:nvPr>
+        </p:nvSpPr>
+        <p:spPr>
+          <a:xfrm>
+            <a:off x="1280293" y="1218140"/>
+            <a:ext cx="9631413" cy="2712738"/>
+          </a:xfrm>
+        </p:spPr>
+        <p:txBody>
+          <a:bodyPr/>
+          <a:lstStyle/>
+          <a:p>
+            <a:r>
+              <a:rPr lang="en-US" altLang="ko-KR" dirty="0"/>
+              <a:t>6. </a:t>
+            </a:r>
+            <a:r>
+              <a:rPr lang="ko-KR" altLang="en-US" dirty="0"/>
+              <a:t>숫자표기 시스템</a:t>
+            </a:r>
+          </a:p>
+        </p:txBody>
+      </p:sp>
+    </p:spTree>
+    <p:extLst>
+      <p:ext uri="{BB962C8B-B14F-4D97-AF65-F5344CB8AC3E}">
+        <p14:creationId xmlns:p14="http://schemas.microsoft.com/office/powerpoint/2010/main" val="3664303317"/>
+      </p:ext>
+    </p:extLst>
+  </p:cSld>
+  <p:clrMapOvr>
+    <a:masterClrMapping/>
+  </p:clrMapOvr>
+</p:sld>
+</file>
+
+<file path=ppt/slides/slide22.xml><?xml version="1.0" encoding="utf-8"?>
+<p:sld xmlns:a="http://schemas.openxmlformats.org/drawingml/2006/main" xmlns:r="http://schemas.openxmlformats.org/officeDocument/2006/relationships" xmlns:p="http://schemas.openxmlformats.org/presentationml/2006/main">
+  <p:cSld>
+    <p:spTree>
+      <p:nvGrpSpPr>
+        <p:cNvPr id="1" name=""/>
+        <p:cNvGrpSpPr/>
+        <p:nvPr/>
+      </p:nvGrpSpPr>
+      <p:grpSpPr>
+        <a:xfrm>
+          <a:off x="0" y="0"/>
+          <a:ext cx="0" cy="0"/>
+          <a:chOff x="0" y="0"/>
+          <a:chExt cx="0" cy="0"/>
+        </a:xfrm>
+      </p:grpSpPr>
+      <p:grpSp>
+        <p:nvGrpSpPr>
+          <p:cNvPr id="38" name="그룹 37">
+            <a:extLst>
+              <a:ext uri="{FF2B5EF4-FFF2-40B4-BE49-F238E27FC236}">
+                <a16:creationId xmlns:a16="http://schemas.microsoft.com/office/drawing/2014/main" id="{1D8E532E-9E14-4EC0-9A5D-C7F11045D019}"/>
+              </a:ext>
+            </a:extLst>
+          </p:cNvPr>
+          <p:cNvGrpSpPr/>
+          <p:nvPr/>
+        </p:nvGrpSpPr>
+        <p:grpSpPr>
+          <a:xfrm>
+            <a:off x="-1" y="99367"/>
             <a:ext cx="3674225" cy="620714"/>
             <a:chOff x="0" y="231324"/>
             <a:chExt cx="2341178" cy="620714"/>
@@ -18284,7 +19167,7 @@
             <a:p>
               <a:r>
                 <a:rPr lang="en-US" altLang="ko-KR" sz="2800" b="1" dirty="0"/>
-                <a:t>5. </a:t>
+                <a:t>6. </a:t>
               </a:r>
               <a:r>
                 <a:rPr lang="ko-KR" altLang="en-US" sz="2800" b="1" dirty="0"/>
@@ -19048,7 +19931,7 @@
         <p:spPr>
           <a:xfrm>
             <a:off x="1092199" y="1194774"/>
-            <a:ext cx="9691915" cy="2246769"/>
+            <a:ext cx="9691915" cy="2554545"/>
           </a:xfrm>
           <a:prstGeom prst="rect">
             <a:avLst/>
@@ -19137,6 +20020,16 @@
                 <a:hlinkClick r:id="rId7" action="ppaction://hlinksldjump"/>
               </a:rPr>
               <a:t>스킬 효과</a:t>
+            </a:r>
+            <a:endParaRPr lang="en-US" altLang="ko-KR" sz="2000" dirty="0"/>
+          </a:p>
+          <a:p>
+            <a:pPr marL="342900" indent="-342900">
+              <a:buAutoNum type="arabicPeriod"/>
+            </a:pPr>
+            <a:r>
+              <a:rPr lang="ko-KR" altLang="en-US" sz="2000" dirty="0"/>
+              <a:t>상점 시스템</a:t>
             </a:r>
             <a:endParaRPr lang="en-US" altLang="ko-KR" sz="2000" dirty="0"/>
           </a:p>
@@ -22458,6 +23351,12 @@
 </file>
 
 <file path=customXml/item1.xml><?xml version="1.0" encoding="utf-8"?>
+<p:properties xmlns:p="http://schemas.microsoft.com/office/2006/metadata/properties" xmlns:xsi="http://www.w3.org/2001/XMLSchema-instance" xmlns:pc="http://schemas.microsoft.com/office/infopath/2007/PartnerControls">
+  <documentManagement/>
+</p:properties>
+</file>
+
+<file path=customXml/item2.xml><?xml version="1.0" encoding="utf-8"?>
 <ct:contentTypeSchema xmlns:ct="http://schemas.microsoft.com/office/2006/metadata/contentType" xmlns:ma="http://schemas.microsoft.com/office/2006/metadata/properties/metaAttributes" ct:_="" ma:_="" ma:contentTypeName="문서" ma:contentTypeID="0x0101001DBB2B28955C594DB24AF1F5BB7336C8" ma:contentTypeVersion="2" ma:contentTypeDescription="새 문서를 만듭니다." ma:contentTypeScope="" ma:versionID="f2fa06709d317143d893a6f8ce6ede6a">
   <xsd:schema xmlns:xsd="http://www.w3.org/2001/XMLSchema" xmlns:xs="http://www.w3.org/2001/XMLSchema" xmlns:p="http://schemas.microsoft.com/office/2006/metadata/properties" xmlns:ns3="5555129b-2418-4d50-9dfa-7b95714945fa" targetNamespace="http://schemas.microsoft.com/office/2006/metadata/properties" ma:root="true" ma:fieldsID="e8dc87fcc42539e288ba896fdb612da0" ns3:_="">
     <xsd:import namespace="5555129b-2418-4d50-9dfa-7b95714945fa"/>
@@ -22589,12 +23488,6 @@
 </ct:contentTypeSchema>
 </file>
 
-<file path=customXml/item2.xml><?xml version="1.0" encoding="utf-8"?>
-<p:properties xmlns:p="http://schemas.microsoft.com/office/2006/metadata/properties" xmlns:xsi="http://www.w3.org/2001/XMLSchema-instance" xmlns:pc="http://schemas.microsoft.com/office/infopath/2007/PartnerControls">
-  <documentManagement/>
-</p:properties>
-</file>
-
 <file path=customXml/item3.xml><?xml version="1.0" encoding="utf-8"?>
 <?mso-contentType ?>
 <FormTemplates xmlns="http://schemas.microsoft.com/sharepoint/v3/contenttype/forms">
@@ -22605,6 +23498,15 @@
 </file>
 
 <file path=customXml/itemProps1.xml><?xml version="1.0" encoding="utf-8"?>
+<ds:datastoreItem xmlns:ds="http://schemas.openxmlformats.org/officeDocument/2006/customXml" ds:itemID="{A23103BA-1CDF-42E2-84EF-97766276A752}">
+  <ds:schemaRefs>
+    <ds:schemaRef ds:uri="http://schemas.microsoft.com/office/2006/metadata/properties"/>
+    <ds:schemaRef ds:uri="http://schemas.microsoft.com/office/infopath/2007/PartnerControls"/>
+  </ds:schemaRefs>
+</ds:datastoreItem>
+</file>
+
+<file path=customXml/itemProps2.xml><?xml version="1.0" encoding="utf-8"?>
 <ds:datastoreItem xmlns:ds="http://schemas.openxmlformats.org/officeDocument/2006/customXml" ds:itemID="{A1191A0A-B4A1-4213-A2EE-9C9D701194F6}">
   <ds:schemaRefs>
     <ds:schemaRef ds:uri="http://schemas.microsoft.com/office/2006/metadata/contentType"/>
@@ -22622,15 +23524,6 @@
 </ds:datastoreItem>
 </file>
 
-<file path=customXml/itemProps2.xml><?xml version="1.0" encoding="utf-8"?>
-<ds:datastoreItem xmlns:ds="http://schemas.openxmlformats.org/officeDocument/2006/customXml" ds:itemID="{A23103BA-1CDF-42E2-84EF-97766276A752}">
-  <ds:schemaRefs>
-    <ds:schemaRef ds:uri="http://schemas.microsoft.com/office/2006/metadata/properties"/>
-    <ds:schemaRef ds:uri="http://schemas.microsoft.com/office/infopath/2007/PartnerControls"/>
-  </ds:schemaRefs>
-</ds:datastoreItem>
-</file>
-
 <file path=customXml/itemProps3.xml><?xml version="1.0" encoding="utf-8"?>
 <ds:datastoreItem xmlns:ds="http://schemas.openxmlformats.org/officeDocument/2006/customXml" ds:itemID="{4C7A472F-9902-4104-BCF0-D4754C77190F}">
   <ds:schemaRefs>

--- a/기획서/당근키우기 시스템.pptx
+++ b/기획서/당근키우기 시스템.pptx
@@ -5,7 +5,7 @@
     <p:sldMasterId id="2147483648" r:id="rId4"/>
   </p:sldMasterIdLst>
   <p:notesMasterIdLst>
-    <p:notesMasterId r:id="rId27"/>
+    <p:notesMasterId r:id="rId29"/>
   </p:notesMasterIdLst>
   <p:sldIdLst>
     <p:sldId id="312" r:id="rId5"/>
@@ -28,8 +28,10 @@
     <p:sldId id="370" r:id="rId22"/>
     <p:sldId id="372" r:id="rId23"/>
     <p:sldId id="373" r:id="rId24"/>
-    <p:sldId id="358" r:id="rId25"/>
-    <p:sldId id="323" r:id="rId26"/>
+    <p:sldId id="374" r:id="rId25"/>
+    <p:sldId id="375" r:id="rId26"/>
+    <p:sldId id="358" r:id="rId27"/>
+    <p:sldId id="323" r:id="rId28"/>
   </p:sldIdLst>
   <p:sldSz cx="12192000" cy="6858000"/>
   <p:notesSz cx="6858000" cy="9144000"/>
@@ -6142,7 +6144,7 @@
           <a:p>
             <a:fld id="{D6F8FF3C-9381-4334-95AA-ABB07BBFE4B0}" type="datetimeFigureOut">
               <a:rPr lang="ko-KR" altLang="en-US" smtClean="0"/>
-              <a:t>2020-10-22</a:t>
+              <a:t>2020-10-26</a:t>
             </a:fld>
             <a:endParaRPr lang="ko-KR" altLang="en-US"/>
           </a:p>
@@ -6825,7 +6827,181 @@
           <a:p>
             <a:fld id="{151FD798-7848-4816-945D-B2937F5A900D}" type="slidenum">
               <a:rPr lang="ko-KR" altLang="en-US" smtClean="0"/>
+              <a:t>21</a:t>
+            </a:fld>
+            <a:endParaRPr lang="ko-KR" altLang="en-US"/>
+          </a:p>
+        </p:txBody>
+      </p:sp>
+    </p:spTree>
+    <p:extLst>
+      <p:ext uri="{BB962C8B-B14F-4D97-AF65-F5344CB8AC3E}">
+        <p14:creationId xmlns:p14="http://schemas.microsoft.com/office/powerpoint/2010/main" val="3576226073"/>
+      </p:ext>
+    </p:extLst>
+  </p:cSld>
+  <p:clrMapOvr>
+    <a:masterClrMapping/>
+  </p:clrMapOvr>
+</p:notes>
+</file>
+
+<file path=ppt/notesSlides/notesSlide14.xml><?xml version="1.0" encoding="utf-8"?>
+<p:notes xmlns:a="http://schemas.openxmlformats.org/drawingml/2006/main" xmlns:r="http://schemas.openxmlformats.org/officeDocument/2006/relationships" xmlns:p="http://schemas.openxmlformats.org/presentationml/2006/main">
+  <p:cSld>
+    <p:spTree>
+      <p:nvGrpSpPr>
+        <p:cNvPr id="1" name=""/>
+        <p:cNvGrpSpPr/>
+        <p:nvPr/>
+      </p:nvGrpSpPr>
+      <p:grpSpPr>
+        <a:xfrm>
+          <a:off x="0" y="0"/>
+          <a:ext cx="0" cy="0"/>
+          <a:chOff x="0" y="0"/>
+          <a:chExt cx="0" cy="0"/>
+        </a:xfrm>
+      </p:grpSpPr>
+      <p:sp>
+        <p:nvSpPr>
+          <p:cNvPr id="2" name="슬라이드 이미지 개체 틀 1"/>
+          <p:cNvSpPr>
+            <a:spLocks noGrp="1" noRot="1" noChangeAspect="1"/>
+          </p:cNvSpPr>
+          <p:nvPr>
+            <p:ph type="sldImg"/>
+          </p:nvPr>
+        </p:nvSpPr>
+        <p:spPr/>
+      </p:sp>
+      <p:sp>
+        <p:nvSpPr>
+          <p:cNvPr id="3" name="슬라이드 노트 개체 틀 2"/>
+          <p:cNvSpPr>
+            <a:spLocks noGrp="1"/>
+          </p:cNvSpPr>
+          <p:nvPr>
+            <p:ph type="body" idx="1"/>
+          </p:nvPr>
+        </p:nvSpPr>
+        <p:spPr/>
+        <p:txBody>
+          <a:bodyPr/>
+          <a:lstStyle/>
+          <a:p>
+            <a:pPr marL="0" indent="0">
+              <a:buNone/>
+            </a:pPr>
+            <a:endParaRPr lang="en-US" altLang="ko-KR" dirty="0"/>
+          </a:p>
+        </p:txBody>
+      </p:sp>
+      <p:sp>
+        <p:nvSpPr>
+          <p:cNvPr id="4" name="슬라이드 번호 개체 틀 3"/>
+          <p:cNvSpPr>
+            <a:spLocks noGrp="1"/>
+          </p:cNvSpPr>
+          <p:nvPr>
+            <p:ph type="sldNum" sz="quarter" idx="5"/>
+          </p:nvPr>
+        </p:nvSpPr>
+        <p:spPr/>
+        <p:txBody>
+          <a:bodyPr/>
+          <a:lstStyle/>
+          <a:p>
+            <a:fld id="{151FD798-7848-4816-945D-B2937F5A900D}" type="slidenum">
+              <a:rPr lang="ko-KR" altLang="en-US" smtClean="0"/>
               <a:t>22</a:t>
+            </a:fld>
+            <a:endParaRPr lang="ko-KR" altLang="en-US"/>
+          </a:p>
+        </p:txBody>
+      </p:sp>
+    </p:spTree>
+    <p:extLst>
+      <p:ext uri="{BB962C8B-B14F-4D97-AF65-F5344CB8AC3E}">
+        <p14:creationId xmlns:p14="http://schemas.microsoft.com/office/powerpoint/2010/main" val="3856299945"/>
+      </p:ext>
+    </p:extLst>
+  </p:cSld>
+  <p:clrMapOvr>
+    <a:masterClrMapping/>
+  </p:clrMapOvr>
+</p:notes>
+</file>
+
+<file path=ppt/notesSlides/notesSlide15.xml><?xml version="1.0" encoding="utf-8"?>
+<p:notes xmlns:a="http://schemas.openxmlformats.org/drawingml/2006/main" xmlns:r="http://schemas.openxmlformats.org/officeDocument/2006/relationships" xmlns:p="http://schemas.openxmlformats.org/presentationml/2006/main">
+  <p:cSld>
+    <p:spTree>
+      <p:nvGrpSpPr>
+        <p:cNvPr id="1" name=""/>
+        <p:cNvGrpSpPr/>
+        <p:nvPr/>
+      </p:nvGrpSpPr>
+      <p:grpSpPr>
+        <a:xfrm>
+          <a:off x="0" y="0"/>
+          <a:ext cx="0" cy="0"/>
+          <a:chOff x="0" y="0"/>
+          <a:chExt cx="0" cy="0"/>
+        </a:xfrm>
+      </p:grpSpPr>
+      <p:sp>
+        <p:nvSpPr>
+          <p:cNvPr id="2" name="슬라이드 이미지 개체 틀 1"/>
+          <p:cNvSpPr>
+            <a:spLocks noGrp="1" noRot="1" noChangeAspect="1"/>
+          </p:cNvSpPr>
+          <p:nvPr>
+            <p:ph type="sldImg"/>
+          </p:nvPr>
+        </p:nvSpPr>
+        <p:spPr/>
+      </p:sp>
+      <p:sp>
+        <p:nvSpPr>
+          <p:cNvPr id="3" name="슬라이드 노트 개체 틀 2"/>
+          <p:cNvSpPr>
+            <a:spLocks noGrp="1"/>
+          </p:cNvSpPr>
+          <p:nvPr>
+            <p:ph type="body" idx="1"/>
+          </p:nvPr>
+        </p:nvSpPr>
+        <p:spPr/>
+        <p:txBody>
+          <a:bodyPr/>
+          <a:lstStyle/>
+          <a:p>
+            <a:pPr marL="0" indent="0">
+              <a:buNone/>
+            </a:pPr>
+            <a:endParaRPr lang="en-US" altLang="ko-KR" dirty="0"/>
+          </a:p>
+        </p:txBody>
+      </p:sp>
+      <p:sp>
+        <p:nvSpPr>
+          <p:cNvPr id="4" name="슬라이드 번호 개체 틀 3"/>
+          <p:cNvSpPr>
+            <a:spLocks noGrp="1"/>
+          </p:cNvSpPr>
+          <p:nvPr>
+            <p:ph type="sldNum" sz="quarter" idx="5"/>
+          </p:nvPr>
+        </p:nvSpPr>
+        <p:spPr/>
+        <p:txBody>
+          <a:bodyPr/>
+          <a:lstStyle/>
+          <a:p>
+            <a:fld id="{151FD798-7848-4816-945D-B2937F5A900D}" type="slidenum">
+              <a:rPr lang="ko-KR" altLang="en-US" smtClean="0"/>
+              <a:t>24</a:t>
             </a:fld>
             <a:endParaRPr lang="ko-KR" altLang="en-US"/>
           </a:p>
@@ -7687,7 +7863,7 @@
           <a:p>
             <a:fld id="{1C1EA180-B51C-4898-B0E0-B9410346B791}" type="datetimeFigureOut">
               <a:rPr lang="ko-KR" altLang="en-US" smtClean="0"/>
-              <a:t>2020-10-22</a:t>
+              <a:t>2020-10-26</a:t>
             </a:fld>
             <a:endParaRPr lang="ko-KR" altLang="en-US"/>
           </a:p>
@@ -7885,7 +8061,7 @@
           <a:p>
             <a:fld id="{1C1EA180-B51C-4898-B0E0-B9410346B791}" type="datetimeFigureOut">
               <a:rPr lang="ko-KR" altLang="en-US" smtClean="0"/>
-              <a:t>2020-10-22</a:t>
+              <a:t>2020-10-26</a:t>
             </a:fld>
             <a:endParaRPr lang="ko-KR" altLang="en-US"/>
           </a:p>
@@ -8093,7 +8269,7 @@
           <a:p>
             <a:fld id="{1C1EA180-B51C-4898-B0E0-B9410346B791}" type="datetimeFigureOut">
               <a:rPr lang="ko-KR" altLang="en-US" smtClean="0"/>
-              <a:t>2020-10-22</a:t>
+              <a:t>2020-10-26</a:t>
             </a:fld>
             <a:endParaRPr lang="ko-KR" altLang="en-US"/>
           </a:p>
@@ -8291,7 +8467,7 @@
           <a:p>
             <a:fld id="{1C1EA180-B51C-4898-B0E0-B9410346B791}" type="datetimeFigureOut">
               <a:rPr lang="ko-KR" altLang="en-US" smtClean="0"/>
-              <a:t>2020-10-22</a:t>
+              <a:t>2020-10-26</a:t>
             </a:fld>
             <a:endParaRPr lang="ko-KR" altLang="en-US"/>
           </a:p>
@@ -8566,7 +8742,7 @@
           <a:p>
             <a:fld id="{1C1EA180-B51C-4898-B0E0-B9410346B791}" type="datetimeFigureOut">
               <a:rPr lang="ko-KR" altLang="en-US" smtClean="0"/>
-              <a:t>2020-10-22</a:t>
+              <a:t>2020-10-26</a:t>
             </a:fld>
             <a:endParaRPr lang="ko-KR" altLang="en-US"/>
           </a:p>
@@ -8831,7 +9007,7 @@
           <a:p>
             <a:fld id="{1C1EA180-B51C-4898-B0E0-B9410346B791}" type="datetimeFigureOut">
               <a:rPr lang="ko-KR" altLang="en-US" smtClean="0"/>
-              <a:t>2020-10-22</a:t>
+              <a:t>2020-10-26</a:t>
             </a:fld>
             <a:endParaRPr lang="ko-KR" altLang="en-US"/>
           </a:p>
@@ -9243,7 +9419,7 @@
           <a:p>
             <a:fld id="{1C1EA180-B51C-4898-B0E0-B9410346B791}" type="datetimeFigureOut">
               <a:rPr lang="ko-KR" altLang="en-US" smtClean="0"/>
-              <a:t>2020-10-22</a:t>
+              <a:t>2020-10-26</a:t>
             </a:fld>
             <a:endParaRPr lang="ko-KR" altLang="en-US"/>
           </a:p>
@@ -9384,7 +9560,7 @@
           <a:p>
             <a:fld id="{1C1EA180-B51C-4898-B0E0-B9410346B791}" type="datetimeFigureOut">
               <a:rPr lang="ko-KR" altLang="en-US" smtClean="0"/>
-              <a:t>2020-10-22</a:t>
+              <a:t>2020-10-26</a:t>
             </a:fld>
             <a:endParaRPr lang="ko-KR" altLang="en-US"/>
           </a:p>
@@ -9497,7 +9673,7 @@
           <a:p>
             <a:fld id="{1C1EA180-B51C-4898-B0E0-B9410346B791}" type="datetimeFigureOut">
               <a:rPr lang="ko-KR" altLang="en-US" smtClean="0"/>
-              <a:t>2020-10-22</a:t>
+              <a:t>2020-10-26</a:t>
             </a:fld>
             <a:endParaRPr lang="ko-KR" altLang="en-US"/>
           </a:p>
@@ -9808,7 +9984,7 @@
           <a:p>
             <a:fld id="{1C1EA180-B51C-4898-B0E0-B9410346B791}" type="datetimeFigureOut">
               <a:rPr lang="ko-KR" altLang="en-US" smtClean="0"/>
-              <a:t>2020-10-22</a:t>
+              <a:t>2020-10-26</a:t>
             </a:fld>
             <a:endParaRPr lang="ko-KR" altLang="en-US"/>
           </a:p>
@@ -10096,7 +10272,7 @@
           <a:p>
             <a:fld id="{1C1EA180-B51C-4898-B0E0-B9410346B791}" type="datetimeFigureOut">
               <a:rPr lang="ko-KR" altLang="en-US" smtClean="0"/>
-              <a:t>2020-10-22</a:t>
+              <a:t>2020-10-26</a:t>
             </a:fld>
             <a:endParaRPr lang="ko-KR" altLang="en-US"/>
           </a:p>
@@ -10337,7 +10513,7 @@
           <a:p>
             <a:fld id="{1C1EA180-B51C-4898-B0E0-B9410346B791}" type="datetimeFigureOut">
               <a:rPr lang="ko-KR" altLang="en-US" smtClean="0"/>
-              <a:t>2020-10-22</a:t>
+              <a:t>2020-10-26</a:t>
             </a:fld>
             <a:endParaRPr lang="ko-KR" altLang="en-US"/>
           </a:p>
@@ -16625,14 +16801,14 @@
           <p:nvPr>
             <p:extLst>
               <p:ext uri="{D42A27DB-BD31-4B8C-83A1-F6EECF244321}">
-                <p14:modId xmlns:p14="http://schemas.microsoft.com/office/powerpoint/2010/main" val="4001065457"/>
+                <p14:modId xmlns:p14="http://schemas.microsoft.com/office/powerpoint/2010/main" val="2563099329"/>
               </p:ext>
             </p:extLst>
           </p:nvPr>
         </p:nvGraphicFramePr>
         <p:xfrm>
-          <a:off x="955963" y="995904"/>
-          <a:ext cx="10280073" cy="5436602"/>
+          <a:off x="955963" y="995905"/>
+          <a:ext cx="10280073" cy="4019847"/>
         </p:xfrm>
         <a:graphic>
           <a:graphicData uri="http://schemas.openxmlformats.org/drawingml/2006/table">
@@ -16663,7 +16839,7 @@
                   </a:extLst>
                 </a:gridCol>
               </a:tblGrid>
-              <a:tr h="391221">
+              <a:tr h="412292">
                 <a:tc>
                   <a:txBody>
                     <a:bodyPr/>
@@ -16850,7 +17026,7 @@
                   </a:ext>
                 </a:extLst>
               </a:tr>
-              <a:tr h="391221">
+              <a:tr h="412292">
                 <a:tc>
                   <a:txBody>
                     <a:bodyPr/>
@@ -17033,7 +17209,7 @@
                   </a:ext>
                 </a:extLst>
               </a:tr>
-              <a:tr h="684636">
+              <a:tr h="721511">
                 <a:tc>
                   <a:txBody>
                     <a:bodyPr/>
@@ -17220,7 +17396,7 @@
                   </a:ext>
                 </a:extLst>
               </a:tr>
-              <a:tr h="391221">
+              <a:tr h="412292">
                 <a:tc>
                   <a:txBody>
                     <a:bodyPr/>
@@ -17387,13 +17563,17 @@
                   </a:ext>
                 </a:extLst>
               </a:tr>
-              <a:tr h="978053">
+              <a:tr h="412292">
                 <a:tc>
                   <a:txBody>
                     <a:bodyPr/>
                     <a:lstStyle/>
                     <a:p>
                       <a:pPr latinLnBrk="1"/>
+                      <a:r>
+                        <a:rPr lang="en-US" altLang="ko-KR" dirty="0"/>
+                        <a:t>2020.10.23</a:t>
+                      </a:r>
                       <a:endParaRPr lang="ko-KR" altLang="en-US" dirty="0"/>
                     </a:p>
                   </a:txBody>
@@ -17445,7 +17625,10 @@
                     <a:lstStyle/>
                     <a:p>
                       <a:pPr latinLnBrk="1"/>
-                      <a:endParaRPr lang="ko-KR" altLang="en-US" dirty="0"/>
+                      <a:r>
+                        <a:rPr lang="ko-KR" altLang="en-US" dirty="0"/>
+                        <a:t>상점 시스템 내용 추가</a:t>
+                      </a:r>
                     </a:p>
                   </a:txBody>
                   <a:tcPr>
@@ -17547,13 +17730,17 @@
                   </a:ext>
                 </a:extLst>
               </a:tr>
-              <a:tr h="425430">
+              <a:tr h="412292">
                 <a:tc>
                   <a:txBody>
                     <a:bodyPr/>
                     <a:lstStyle/>
                     <a:p>
                       <a:pPr latinLnBrk="1"/>
+                      <a:r>
+                        <a:rPr lang="en-US" altLang="ko-KR" dirty="0"/>
+                        <a:t>2020.10.26</a:t>
+                      </a:r>
                       <a:endParaRPr lang="ko-KR" altLang="en-US" dirty="0"/>
                     </a:p>
                   </a:txBody>
@@ -17605,7 +17792,18 @@
                     <a:lstStyle/>
                     <a:p>
                       <a:pPr latinLnBrk="1"/>
-                      <a:endParaRPr lang="ko-KR" altLang="en-US" dirty="0"/>
+                      <a:r>
+                        <a:rPr lang="ko-KR" altLang="en-US" dirty="0"/>
+                        <a:t>상점 시스템 관련 </a:t>
+                      </a:r>
+                      <a:r>
+                        <a:rPr lang="en-US" altLang="ko-KR" dirty="0"/>
+                        <a:t>UI </a:t>
+                      </a:r>
+                      <a:r>
+                        <a:rPr lang="ko-KR" altLang="en-US" dirty="0"/>
+                        <a:t>추가</a:t>
+                      </a:r>
                     </a:p>
                   </a:txBody>
                   <a:tcPr>
@@ -17707,7 +17905,7 @@
                   </a:ext>
                 </a:extLst>
               </a:tr>
-              <a:tr h="640102">
+              <a:tr h="412292">
                 <a:tc>
                   <a:txBody>
                     <a:bodyPr/>
@@ -17867,7 +18065,7 @@
                   </a:ext>
                 </a:extLst>
               </a:tr>
-              <a:tr h="631943">
+              <a:tr h="412292">
                 <a:tc>
                   <a:txBody>
                     <a:bodyPr/>
@@ -18027,7 +18225,7 @@
                   </a:ext>
                 </a:extLst>
               </a:tr>
-              <a:tr h="902775">
+              <a:tr h="412292">
                 <a:tc>
                   <a:txBody>
                     <a:bodyPr/>
@@ -18344,8 +18542,8 @@
         </p:nvGrpSpPr>
         <p:grpSpPr>
           <a:xfrm>
-            <a:off x="-1" y="99367"/>
-            <a:ext cx="2810435" cy="620714"/>
+            <a:off x="0" y="99367"/>
+            <a:ext cx="1532966" cy="620714"/>
             <a:chOff x="0" y="231324"/>
             <a:chExt cx="2341178" cy="620714"/>
           </a:xfrm>
@@ -18978,6 +19176,62 @@
                 <a:t>.</a:t>
               </a:r>
             </a:p>
+            <a:p>
+              <a:pPr marL="285750" indent="-285750">
+                <a:buFont typeface="Arial" panose="020B0604020202020204" pitchFamily="34" charset="0"/>
+                <a:buChar char="•"/>
+              </a:pPr>
+              <a:endParaRPr lang="en-US" altLang="ko-KR" dirty="0">
+                <a:solidFill>
+                  <a:schemeClr val="tx1"/>
+                </a:solidFill>
+              </a:endParaRPr>
+            </a:p>
+            <a:p>
+              <a:pPr marL="285750" indent="-285750">
+                <a:buFont typeface="Arial" panose="020B0604020202020204" pitchFamily="34" charset="0"/>
+                <a:buChar char="•"/>
+              </a:pPr>
+              <a:r>
+                <a:rPr lang="ko-KR" altLang="en-US" dirty="0">
+                  <a:solidFill>
+                    <a:schemeClr val="tx1"/>
+                  </a:solidFill>
+                </a:rPr>
+                <a:t>구매 이후 각 객체의 변동사항은 각 시스템 설명에 함께 기재</a:t>
+              </a:r>
+              <a:br>
+                <a:rPr lang="en-US" altLang="ko-KR" dirty="0">
+                  <a:solidFill>
+                    <a:schemeClr val="tx1"/>
+                  </a:solidFill>
+                </a:rPr>
+              </a:br>
+              <a:r>
+                <a:rPr lang="en-US" altLang="ko-KR" dirty="0">
+                  <a:solidFill>
+                    <a:schemeClr val="tx1"/>
+                  </a:solidFill>
+                </a:rPr>
+                <a:t>(</a:t>
+              </a:r>
+              <a:r>
+                <a:rPr lang="ko-KR" altLang="en-US" dirty="0">
+                  <a:solidFill>
+                    <a:schemeClr val="tx1"/>
+                  </a:solidFill>
+                </a:rPr>
+                <a:t>본 장에서는 상점 그 자체의 사항만 기재</a:t>
+              </a:r>
+              <a:r>
+                <a:rPr lang="en-US" altLang="ko-KR" dirty="0">
+                  <a:solidFill>
+                    <a:schemeClr val="tx1"/>
+                  </a:solidFill>
+                </a:rPr>
+                <a:t>)</a:t>
+              </a:r>
+            </a:p>
           </p:txBody>
         </p:sp>
         <p:sp>
@@ -19034,6 +19288,3322 @@
 </file>
 
 <file path=ppt/slides/slide21.xml><?xml version="1.0" encoding="utf-8"?>
+<p:sld xmlns:a="http://schemas.openxmlformats.org/drawingml/2006/main" xmlns:r="http://schemas.openxmlformats.org/officeDocument/2006/relationships" xmlns:p="http://schemas.openxmlformats.org/presentationml/2006/main">
+  <p:cSld>
+    <p:spTree>
+      <p:nvGrpSpPr>
+        <p:cNvPr id="1" name=""/>
+        <p:cNvGrpSpPr/>
+        <p:nvPr/>
+      </p:nvGrpSpPr>
+      <p:grpSpPr>
+        <a:xfrm>
+          <a:off x="0" y="0"/>
+          <a:ext cx="0" cy="0"/>
+          <a:chOff x="0" y="0"/>
+          <a:chExt cx="0" cy="0"/>
+        </a:xfrm>
+      </p:grpSpPr>
+      <p:sp>
+        <p:nvSpPr>
+          <p:cNvPr id="13" name="순서도: 수행의 시작/종료 12">
+            <a:extLst>
+              <a:ext uri="{FF2B5EF4-FFF2-40B4-BE49-F238E27FC236}">
+                <a16:creationId xmlns:a16="http://schemas.microsoft.com/office/drawing/2014/main" id="{86FA9E68-F67A-4B50-9EBE-CAE2F479C477}"/>
+              </a:ext>
+            </a:extLst>
+          </p:cNvPr>
+          <p:cNvSpPr/>
+          <p:nvPr/>
+        </p:nvSpPr>
+        <p:spPr>
+          <a:xfrm>
+            <a:off x="828386" y="1924290"/>
+            <a:ext cx="2183230" cy="570753"/>
+          </a:xfrm>
+          <a:prstGeom prst="flowChartTerminator">
+            <a:avLst/>
+          </a:prstGeom>
+          <a:solidFill>
+            <a:schemeClr val="accent5">
+              <a:lumMod val="20000"/>
+              <a:lumOff val="80000"/>
+            </a:schemeClr>
+          </a:solidFill>
+          <a:ln>
+            <a:solidFill>
+              <a:schemeClr val="tx1"/>
+            </a:solidFill>
+          </a:ln>
+        </p:spPr>
+        <p:style>
+          <a:lnRef idx="2">
+            <a:schemeClr val="accent1">
+              <a:shade val="50000"/>
+            </a:schemeClr>
+          </a:lnRef>
+          <a:fillRef idx="1">
+            <a:schemeClr val="accent1"/>
+          </a:fillRef>
+          <a:effectRef idx="0">
+            <a:schemeClr val="accent1"/>
+          </a:effectRef>
+          <a:fontRef idx="minor">
+            <a:schemeClr val="lt1"/>
+          </a:fontRef>
+        </p:style>
+        <p:txBody>
+          <a:bodyPr rtlCol="0" anchor="ctr"/>
+          <a:lstStyle/>
+          <a:p>
+            <a:pPr algn="ctr"/>
+            <a:r>
+              <a:rPr lang="ko-KR" altLang="en-US">
+                <a:solidFill>
+                  <a:schemeClr val="tx1"/>
+                </a:solidFill>
+              </a:rPr>
+              <a:t>시작</a:t>
+            </a:r>
+          </a:p>
+        </p:txBody>
+      </p:sp>
+      <p:cxnSp>
+        <p:nvCxnSpPr>
+          <p:cNvPr id="16" name="직선 화살표 연결선 15">
+            <a:extLst>
+              <a:ext uri="{FF2B5EF4-FFF2-40B4-BE49-F238E27FC236}">
+                <a16:creationId xmlns:a16="http://schemas.microsoft.com/office/drawing/2014/main" id="{594C8F7F-14CF-4845-ABD0-2FCE4C0923E4}"/>
+              </a:ext>
+            </a:extLst>
+          </p:cNvPr>
+          <p:cNvCxnSpPr>
+            <a:cxnSpLocks/>
+            <a:stCxn id="13" idx="2"/>
+            <a:endCxn id="14" idx="0"/>
+          </p:cNvCxnSpPr>
+          <p:nvPr/>
+        </p:nvCxnSpPr>
+        <p:spPr>
+          <a:xfrm flipH="1">
+            <a:off x="1917608" y="2495043"/>
+            <a:ext cx="2393" cy="386791"/>
+          </a:xfrm>
+          <a:prstGeom prst="straightConnector1">
+            <a:avLst/>
+          </a:prstGeom>
+          <a:ln w="38100">
+            <a:solidFill>
+              <a:schemeClr val="tx1"/>
+            </a:solidFill>
+            <a:tailEnd type="triangle"/>
+          </a:ln>
+        </p:spPr>
+        <p:style>
+          <a:lnRef idx="1">
+            <a:schemeClr val="accent1"/>
+          </a:lnRef>
+          <a:fillRef idx="0">
+            <a:schemeClr val="accent1"/>
+          </a:fillRef>
+          <a:effectRef idx="0">
+            <a:schemeClr val="accent1"/>
+          </a:effectRef>
+          <a:fontRef idx="minor">
+            <a:schemeClr val="tx1"/>
+          </a:fontRef>
+        </p:style>
+      </p:cxnSp>
+      <p:cxnSp>
+        <p:nvCxnSpPr>
+          <p:cNvPr id="17" name="직선 화살표 연결선 16">
+            <a:extLst>
+              <a:ext uri="{FF2B5EF4-FFF2-40B4-BE49-F238E27FC236}">
+                <a16:creationId xmlns:a16="http://schemas.microsoft.com/office/drawing/2014/main" id="{6383F739-44E6-4059-ACE3-5BEA0F892002}"/>
+              </a:ext>
+            </a:extLst>
+          </p:cNvPr>
+          <p:cNvCxnSpPr>
+            <a:cxnSpLocks/>
+            <a:stCxn id="15" idx="4"/>
+            <a:endCxn id="46" idx="0"/>
+          </p:cNvCxnSpPr>
+          <p:nvPr/>
+        </p:nvCxnSpPr>
+        <p:spPr>
+          <a:xfrm>
+            <a:off x="5653885" y="3074037"/>
+            <a:ext cx="3" cy="585795"/>
+          </a:xfrm>
+          <a:prstGeom prst="straightConnector1">
+            <a:avLst/>
+          </a:prstGeom>
+          <a:ln w="38100">
+            <a:solidFill>
+              <a:schemeClr val="tx1"/>
+            </a:solidFill>
+            <a:tailEnd type="triangle"/>
+          </a:ln>
+        </p:spPr>
+        <p:style>
+          <a:lnRef idx="1">
+            <a:schemeClr val="accent1"/>
+          </a:lnRef>
+          <a:fillRef idx="0">
+            <a:schemeClr val="accent1"/>
+          </a:fillRef>
+          <a:effectRef idx="0">
+            <a:schemeClr val="accent1"/>
+          </a:effectRef>
+          <a:fontRef idx="minor">
+            <a:schemeClr val="tx1"/>
+          </a:fontRef>
+        </p:style>
+      </p:cxnSp>
+      <p:cxnSp>
+        <p:nvCxnSpPr>
+          <p:cNvPr id="18" name="연결선: 꺾임 17">
+            <a:extLst>
+              <a:ext uri="{FF2B5EF4-FFF2-40B4-BE49-F238E27FC236}">
+                <a16:creationId xmlns:a16="http://schemas.microsoft.com/office/drawing/2014/main" id="{DEEF33D1-B5B6-42A9-922C-8D8AC349E3A7}"/>
+              </a:ext>
+            </a:extLst>
+          </p:cNvPr>
+          <p:cNvCxnSpPr>
+            <a:cxnSpLocks/>
+            <a:stCxn id="14" idx="3"/>
+            <a:endCxn id="37" idx="1"/>
+          </p:cNvCxnSpPr>
+          <p:nvPr/>
+        </p:nvCxnSpPr>
+        <p:spPr>
+          <a:xfrm flipV="1">
+            <a:off x="3476244" y="662945"/>
+            <a:ext cx="1256932" cy="3036307"/>
+          </a:xfrm>
+          <a:prstGeom prst="bentConnector3">
+            <a:avLst>
+              <a:gd name="adj1" fmla="val 50000"/>
+            </a:avLst>
+          </a:prstGeom>
+          <a:ln w="38100">
+            <a:solidFill>
+              <a:schemeClr val="tx1"/>
+            </a:solidFill>
+            <a:tailEnd type="triangle"/>
+          </a:ln>
+        </p:spPr>
+        <p:style>
+          <a:lnRef idx="1">
+            <a:schemeClr val="accent1"/>
+          </a:lnRef>
+          <a:fillRef idx="0">
+            <a:schemeClr val="accent1"/>
+          </a:fillRef>
+          <a:effectRef idx="0">
+            <a:schemeClr val="accent1"/>
+          </a:effectRef>
+          <a:fontRef idx="minor">
+            <a:schemeClr val="tx1"/>
+          </a:fontRef>
+        </p:style>
+      </p:cxnSp>
+      <p:sp>
+        <p:nvSpPr>
+          <p:cNvPr id="19" name="TextBox 18">
+            <a:extLst>
+              <a:ext uri="{FF2B5EF4-FFF2-40B4-BE49-F238E27FC236}">
+                <a16:creationId xmlns:a16="http://schemas.microsoft.com/office/drawing/2014/main" id="{AA529FA8-9A18-44B9-8BB6-F0EA0360C017}"/>
+              </a:ext>
+            </a:extLst>
+          </p:cNvPr>
+          <p:cNvSpPr txBox="1"/>
+          <p:nvPr/>
+        </p:nvSpPr>
+        <p:spPr>
+          <a:xfrm>
+            <a:off x="1505143" y="4441796"/>
+            <a:ext cx="420308" cy="461665"/>
+          </a:xfrm>
+          <a:prstGeom prst="rect">
+            <a:avLst/>
+          </a:prstGeom>
+          <a:noFill/>
+          <a:ln>
+            <a:noFill/>
+          </a:ln>
+        </p:spPr>
+        <p:txBody>
+          <a:bodyPr wrap="none" rtlCol="0">
+            <a:spAutoFit/>
+          </a:bodyPr>
+          <a:lstStyle/>
+          <a:p>
+            <a:r>
+              <a:rPr lang="en-US" altLang="ko-KR" sz="2400" dirty="0"/>
+              <a:t>N</a:t>
+            </a:r>
+            <a:endParaRPr lang="ko-KR" altLang="en-US" sz="2400" dirty="0"/>
+          </a:p>
+        </p:txBody>
+      </p:sp>
+      <p:sp>
+        <p:nvSpPr>
+          <p:cNvPr id="20" name="TextBox 19">
+            <a:extLst>
+              <a:ext uri="{FF2B5EF4-FFF2-40B4-BE49-F238E27FC236}">
+                <a16:creationId xmlns:a16="http://schemas.microsoft.com/office/drawing/2014/main" id="{490C6566-FF7B-41F5-9A0B-F2A507F75381}"/>
+              </a:ext>
+            </a:extLst>
+          </p:cNvPr>
+          <p:cNvSpPr txBox="1"/>
+          <p:nvPr/>
+        </p:nvSpPr>
+        <p:spPr>
+          <a:xfrm>
+            <a:off x="3402559" y="3185479"/>
+            <a:ext cx="357790" cy="461665"/>
+          </a:xfrm>
+          <a:prstGeom prst="rect">
+            <a:avLst/>
+          </a:prstGeom>
+          <a:noFill/>
+          <a:ln>
+            <a:noFill/>
+          </a:ln>
+        </p:spPr>
+        <p:txBody>
+          <a:bodyPr wrap="none" rtlCol="0">
+            <a:spAutoFit/>
+          </a:bodyPr>
+          <a:lstStyle/>
+          <a:p>
+            <a:r>
+              <a:rPr lang="en-US" altLang="ko-KR" sz="2400" dirty="0"/>
+              <a:t>Y</a:t>
+            </a:r>
+            <a:endParaRPr lang="ko-KR" altLang="en-US" sz="2400" dirty="0"/>
+          </a:p>
+        </p:txBody>
+      </p:sp>
+      <p:sp>
+        <p:nvSpPr>
+          <p:cNvPr id="22" name="직사각형 21">
+            <a:extLst>
+              <a:ext uri="{FF2B5EF4-FFF2-40B4-BE49-F238E27FC236}">
+                <a16:creationId xmlns:a16="http://schemas.microsoft.com/office/drawing/2014/main" id="{BB0E0686-1DC8-4349-AC23-CFE52BCB2BAB}"/>
+              </a:ext>
+            </a:extLst>
+          </p:cNvPr>
+          <p:cNvSpPr/>
+          <p:nvPr/>
+        </p:nvSpPr>
+        <p:spPr>
+          <a:xfrm>
+            <a:off x="4787831" y="5644731"/>
+            <a:ext cx="1841422" cy="909761"/>
+          </a:xfrm>
+          <a:prstGeom prst="rect">
+            <a:avLst/>
+          </a:prstGeom>
+          <a:solidFill>
+            <a:schemeClr val="accent1">
+              <a:lumMod val="40000"/>
+              <a:lumOff val="60000"/>
+            </a:schemeClr>
+          </a:solidFill>
+          <a:ln>
+            <a:solidFill>
+              <a:schemeClr val="tx1"/>
+            </a:solidFill>
+          </a:ln>
+        </p:spPr>
+        <p:style>
+          <a:lnRef idx="2">
+            <a:schemeClr val="accent1">
+              <a:shade val="50000"/>
+            </a:schemeClr>
+          </a:lnRef>
+          <a:fillRef idx="1">
+            <a:schemeClr val="accent1"/>
+          </a:fillRef>
+          <a:effectRef idx="0">
+            <a:schemeClr val="accent1"/>
+          </a:effectRef>
+          <a:fontRef idx="minor">
+            <a:schemeClr val="lt1"/>
+          </a:fontRef>
+        </p:style>
+        <p:txBody>
+          <a:bodyPr rtlCol="0" anchor="ctr"/>
+          <a:lstStyle/>
+          <a:p>
+            <a:pPr algn="ctr"/>
+            <a:r>
+              <a:rPr lang="ko-KR" altLang="en-US" dirty="0">
+                <a:solidFill>
+                  <a:schemeClr val="tx1"/>
+                </a:solidFill>
+              </a:rPr>
+              <a:t>구매 버튼</a:t>
+            </a:r>
+            <a:endParaRPr lang="en-US" altLang="ko-KR" dirty="0">
+              <a:solidFill>
+                <a:schemeClr val="tx1"/>
+              </a:solidFill>
+            </a:endParaRPr>
+          </a:p>
+          <a:p>
+            <a:pPr algn="ctr"/>
+            <a:r>
+              <a:rPr lang="ko-KR" altLang="en-US" dirty="0">
+                <a:solidFill>
+                  <a:schemeClr val="tx1"/>
+                </a:solidFill>
+              </a:rPr>
+              <a:t>비활성화</a:t>
+            </a:r>
+          </a:p>
+        </p:txBody>
+      </p:sp>
+      <p:cxnSp>
+        <p:nvCxnSpPr>
+          <p:cNvPr id="32" name="연결선: 꺾임 31">
+            <a:extLst>
+              <a:ext uri="{FF2B5EF4-FFF2-40B4-BE49-F238E27FC236}">
+                <a16:creationId xmlns:a16="http://schemas.microsoft.com/office/drawing/2014/main" id="{866F2D78-6962-468E-A730-61F04B417A85}"/>
+              </a:ext>
+            </a:extLst>
+          </p:cNvPr>
+          <p:cNvCxnSpPr>
+            <a:cxnSpLocks/>
+            <a:stCxn id="14" idx="2"/>
+            <a:endCxn id="22" idx="1"/>
+          </p:cNvCxnSpPr>
+          <p:nvPr/>
+        </p:nvCxnSpPr>
+        <p:spPr>
+          <a:xfrm rot="16200000" flipH="1">
+            <a:off x="2561248" y="3873029"/>
+            <a:ext cx="1582942" cy="2870223"/>
+          </a:xfrm>
+          <a:prstGeom prst="bentConnector2">
+            <a:avLst/>
+          </a:prstGeom>
+          <a:ln w="38100">
+            <a:solidFill>
+              <a:schemeClr val="tx1"/>
+            </a:solidFill>
+            <a:tailEnd type="triangle"/>
+          </a:ln>
+        </p:spPr>
+        <p:style>
+          <a:lnRef idx="1">
+            <a:schemeClr val="accent1"/>
+          </a:lnRef>
+          <a:fillRef idx="0">
+            <a:schemeClr val="accent1"/>
+          </a:fillRef>
+          <a:effectRef idx="0">
+            <a:schemeClr val="accent1"/>
+          </a:effectRef>
+          <a:fontRef idx="minor">
+            <a:schemeClr val="tx1"/>
+          </a:fontRef>
+        </p:style>
+      </p:cxnSp>
+      <p:grpSp>
+        <p:nvGrpSpPr>
+          <p:cNvPr id="33" name="그룹 32">
+            <a:extLst>
+              <a:ext uri="{FF2B5EF4-FFF2-40B4-BE49-F238E27FC236}">
+                <a16:creationId xmlns:a16="http://schemas.microsoft.com/office/drawing/2014/main" id="{358BDB54-8A01-48F2-8589-11EFA24B9924}"/>
+              </a:ext>
+            </a:extLst>
+          </p:cNvPr>
+          <p:cNvGrpSpPr/>
+          <p:nvPr/>
+        </p:nvGrpSpPr>
+        <p:grpSpPr>
+          <a:xfrm>
+            <a:off x="514489" y="1141242"/>
+            <a:ext cx="1403119" cy="437505"/>
+            <a:chOff x="5383928" y="2247900"/>
+            <a:chExt cx="2078938" cy="437505"/>
+          </a:xfrm>
+        </p:grpSpPr>
+        <p:sp>
+          <p:nvSpPr>
+            <p:cNvPr id="34" name="화살표: 오각형 33">
+              <a:extLst>
+                <a:ext uri="{FF2B5EF4-FFF2-40B4-BE49-F238E27FC236}">
+                  <a16:creationId xmlns:a16="http://schemas.microsoft.com/office/drawing/2014/main" id="{1B174681-A2BC-4335-8319-2CC7B39CDCF7}"/>
+                </a:ext>
+              </a:extLst>
+            </p:cNvPr>
+            <p:cNvSpPr/>
+            <p:nvPr/>
+          </p:nvSpPr>
+          <p:spPr>
+            <a:xfrm>
+              <a:off x="5383928" y="2247900"/>
+              <a:ext cx="2078938" cy="437505"/>
+            </a:xfrm>
+            <a:prstGeom prst="homePlate">
+              <a:avLst>
+                <a:gd name="adj" fmla="val 30404"/>
+              </a:avLst>
+            </a:prstGeom>
+            <a:solidFill>
+              <a:schemeClr val="bg1"/>
+            </a:solidFill>
+            <a:ln w="28575">
+              <a:solidFill>
+                <a:schemeClr val="tx1"/>
+              </a:solidFill>
+            </a:ln>
+          </p:spPr>
+          <p:style>
+            <a:lnRef idx="2">
+              <a:schemeClr val="accent1">
+                <a:shade val="50000"/>
+              </a:schemeClr>
+            </a:lnRef>
+            <a:fillRef idx="1">
+              <a:schemeClr val="accent1"/>
+            </a:fillRef>
+            <a:effectRef idx="0">
+              <a:schemeClr val="accent1"/>
+            </a:effectRef>
+            <a:fontRef idx="minor">
+              <a:schemeClr val="lt1"/>
+            </a:fontRef>
+          </p:style>
+          <p:txBody>
+            <a:bodyPr rtlCol="0" anchor="ctr"/>
+            <a:lstStyle/>
+            <a:p>
+              <a:pPr algn="ctr"/>
+              <a:endParaRPr lang="ko-KR" altLang="en-US" dirty="0">
+                <a:solidFill>
+                  <a:schemeClr val="tx1"/>
+                </a:solidFill>
+              </a:endParaRPr>
+            </a:p>
+          </p:txBody>
+        </p:sp>
+        <p:sp>
+          <p:nvSpPr>
+            <p:cNvPr id="35" name="TextBox 34">
+              <a:extLst>
+                <a:ext uri="{FF2B5EF4-FFF2-40B4-BE49-F238E27FC236}">
+                  <a16:creationId xmlns:a16="http://schemas.microsoft.com/office/drawing/2014/main" id="{FEE062E6-1C13-4D0E-836F-EF9A4B31E43D}"/>
+                </a:ext>
+              </a:extLst>
+            </p:cNvPr>
+            <p:cNvSpPr txBox="1"/>
+            <p:nvPr/>
+          </p:nvSpPr>
+          <p:spPr>
+            <a:xfrm>
+              <a:off x="5393130" y="2281986"/>
+              <a:ext cx="1057421" cy="369332"/>
+            </a:xfrm>
+            <a:prstGeom prst="rect">
+              <a:avLst/>
+            </a:prstGeom>
+            <a:noFill/>
+          </p:spPr>
+          <p:txBody>
+            <a:bodyPr wrap="none" rtlCol="0">
+              <a:spAutoFit/>
+            </a:bodyPr>
+            <a:lstStyle/>
+            <a:p>
+              <a:r>
+                <a:rPr lang="ko-KR" altLang="en-US" dirty="0"/>
+                <a:t>구매 </a:t>
+              </a:r>
+              <a:r>
+                <a:rPr lang="en-US" altLang="ko-KR" dirty="0"/>
+                <a:t>Flow</a:t>
+              </a:r>
+            </a:p>
+          </p:txBody>
+        </p:sp>
+      </p:grpSp>
+      <p:grpSp>
+        <p:nvGrpSpPr>
+          <p:cNvPr id="6" name="그룹 5">
+            <a:extLst>
+              <a:ext uri="{FF2B5EF4-FFF2-40B4-BE49-F238E27FC236}">
+                <a16:creationId xmlns:a16="http://schemas.microsoft.com/office/drawing/2014/main" id="{4E4936B2-B1FD-4C1F-ABBA-26C6DF759F2D}"/>
+              </a:ext>
+            </a:extLst>
+          </p:cNvPr>
+          <p:cNvGrpSpPr/>
+          <p:nvPr/>
+        </p:nvGrpSpPr>
+        <p:grpSpPr>
+          <a:xfrm>
+            <a:off x="358971" y="2881834"/>
+            <a:ext cx="3117273" cy="1634836"/>
+            <a:chOff x="358971" y="4423755"/>
+            <a:chExt cx="3117273" cy="1634836"/>
+          </a:xfrm>
+        </p:grpSpPr>
+        <p:sp>
+          <p:nvSpPr>
+            <p:cNvPr id="14" name="순서도: 판단 13">
+              <a:extLst>
+                <a:ext uri="{FF2B5EF4-FFF2-40B4-BE49-F238E27FC236}">
+                  <a16:creationId xmlns:a16="http://schemas.microsoft.com/office/drawing/2014/main" id="{B8500349-8104-48B8-B212-F1476D039C73}"/>
+                </a:ext>
+              </a:extLst>
+            </p:cNvPr>
+            <p:cNvSpPr/>
+            <p:nvPr/>
+          </p:nvSpPr>
+          <p:spPr>
+            <a:xfrm>
+              <a:off x="358971" y="4423755"/>
+              <a:ext cx="3117273" cy="1634836"/>
+            </a:xfrm>
+            <a:prstGeom prst="flowChartDecision">
+              <a:avLst/>
+            </a:prstGeom>
+            <a:solidFill>
+              <a:srgbClr val="F3F39B"/>
+            </a:solidFill>
+          </p:spPr>
+          <p:style>
+            <a:lnRef idx="2">
+              <a:schemeClr val="accent1">
+                <a:shade val="50000"/>
+              </a:schemeClr>
+            </a:lnRef>
+            <a:fillRef idx="1">
+              <a:schemeClr val="accent1"/>
+            </a:fillRef>
+            <a:effectRef idx="0">
+              <a:schemeClr val="accent1"/>
+            </a:effectRef>
+            <a:fontRef idx="minor">
+              <a:schemeClr val="lt1"/>
+            </a:fontRef>
+          </p:style>
+          <p:txBody>
+            <a:bodyPr rtlCol="0" anchor="ctr"/>
+            <a:lstStyle/>
+            <a:p>
+              <a:pPr algn="ctr"/>
+              <a:endParaRPr lang="ko-KR" altLang="en-US" dirty="0">
+                <a:solidFill>
+                  <a:schemeClr val="tx1"/>
+                </a:solidFill>
+              </a:endParaRPr>
+            </a:p>
+          </p:txBody>
+        </p:sp>
+        <p:sp>
+          <p:nvSpPr>
+            <p:cNvPr id="36" name="TextBox 35">
+              <a:extLst>
+                <a:ext uri="{FF2B5EF4-FFF2-40B4-BE49-F238E27FC236}">
+                  <a16:creationId xmlns:a16="http://schemas.microsoft.com/office/drawing/2014/main" id="{8BCFBBC8-4BD0-426E-BAA5-4056AEA1DCF9}"/>
+                </a:ext>
+              </a:extLst>
+            </p:cNvPr>
+            <p:cNvSpPr txBox="1"/>
+            <p:nvPr/>
+          </p:nvSpPr>
+          <p:spPr>
+            <a:xfrm>
+              <a:off x="1012159" y="4925168"/>
+              <a:ext cx="1984774" cy="646331"/>
+            </a:xfrm>
+            <a:prstGeom prst="rect">
+              <a:avLst/>
+            </a:prstGeom>
+            <a:noFill/>
+          </p:spPr>
+          <p:txBody>
+            <a:bodyPr wrap="none" rtlCol="0">
+              <a:spAutoFit/>
+            </a:bodyPr>
+            <a:lstStyle/>
+            <a:p>
+              <a:pPr algn="ctr"/>
+              <a:r>
+                <a:rPr lang="en-US" altLang="ko-KR" dirty="0" err="1"/>
+                <a:t>PlayerInfo.Carrot</a:t>
+              </a:r>
+              <a:endParaRPr lang="en-US" altLang="ko-KR" dirty="0"/>
+            </a:p>
+            <a:p>
+              <a:pPr algn="ctr"/>
+              <a:r>
+                <a:rPr lang="en-US" altLang="ko-KR" dirty="0"/>
+                <a:t>&gt;= </a:t>
+              </a:r>
+              <a:r>
+                <a:rPr lang="en-US" altLang="ko-KR" dirty="0" err="1"/>
+                <a:t>NeedCarrot</a:t>
+              </a:r>
+              <a:r>
+                <a:rPr lang="en-US" altLang="ko-KR" dirty="0"/>
+                <a:t> ?</a:t>
+              </a:r>
+              <a:endParaRPr lang="ko-KR" altLang="en-US" dirty="0"/>
+            </a:p>
+          </p:txBody>
+        </p:sp>
+      </p:grpSp>
+      <p:sp>
+        <p:nvSpPr>
+          <p:cNvPr id="37" name="직사각형 36">
+            <a:extLst>
+              <a:ext uri="{FF2B5EF4-FFF2-40B4-BE49-F238E27FC236}">
+                <a16:creationId xmlns:a16="http://schemas.microsoft.com/office/drawing/2014/main" id="{8FA12452-9593-468B-978E-C51A44422A8B}"/>
+              </a:ext>
+            </a:extLst>
+          </p:cNvPr>
+          <p:cNvSpPr/>
+          <p:nvPr/>
+        </p:nvSpPr>
+        <p:spPr>
+          <a:xfrm>
+            <a:off x="4733176" y="208064"/>
+            <a:ext cx="1841422" cy="909761"/>
+          </a:xfrm>
+          <a:prstGeom prst="rect">
+            <a:avLst/>
+          </a:prstGeom>
+          <a:solidFill>
+            <a:schemeClr val="accent1">
+              <a:lumMod val="40000"/>
+              <a:lumOff val="60000"/>
+            </a:schemeClr>
+          </a:solidFill>
+          <a:ln>
+            <a:solidFill>
+              <a:schemeClr val="tx1"/>
+            </a:solidFill>
+          </a:ln>
+        </p:spPr>
+        <p:style>
+          <a:lnRef idx="2">
+            <a:schemeClr val="accent1">
+              <a:shade val="50000"/>
+            </a:schemeClr>
+          </a:lnRef>
+          <a:fillRef idx="1">
+            <a:schemeClr val="accent1"/>
+          </a:fillRef>
+          <a:effectRef idx="0">
+            <a:schemeClr val="accent1"/>
+          </a:effectRef>
+          <a:fontRef idx="minor">
+            <a:schemeClr val="lt1"/>
+          </a:fontRef>
+        </p:style>
+        <p:txBody>
+          <a:bodyPr rtlCol="0" anchor="ctr"/>
+          <a:lstStyle/>
+          <a:p>
+            <a:pPr algn="ctr"/>
+            <a:r>
+              <a:rPr lang="ko-KR" altLang="en-US" dirty="0">
+                <a:solidFill>
+                  <a:schemeClr val="tx1"/>
+                </a:solidFill>
+              </a:rPr>
+              <a:t>구매 버튼</a:t>
+            </a:r>
+            <a:endParaRPr lang="en-US" altLang="ko-KR" dirty="0">
+              <a:solidFill>
+                <a:schemeClr val="tx1"/>
+              </a:solidFill>
+            </a:endParaRPr>
+          </a:p>
+          <a:p>
+            <a:pPr algn="ctr"/>
+            <a:r>
+              <a:rPr lang="ko-KR" altLang="en-US" dirty="0">
+                <a:solidFill>
+                  <a:schemeClr val="tx1"/>
+                </a:solidFill>
+              </a:rPr>
+              <a:t>활성화</a:t>
+            </a:r>
+          </a:p>
+        </p:txBody>
+      </p:sp>
+      <p:cxnSp>
+        <p:nvCxnSpPr>
+          <p:cNvPr id="41" name="직선 화살표 연결선 40">
+            <a:extLst>
+              <a:ext uri="{FF2B5EF4-FFF2-40B4-BE49-F238E27FC236}">
+                <a16:creationId xmlns:a16="http://schemas.microsoft.com/office/drawing/2014/main" id="{265D3D80-3194-40C1-B8E4-E2E2F3453A4A}"/>
+              </a:ext>
+            </a:extLst>
+          </p:cNvPr>
+          <p:cNvCxnSpPr>
+            <a:cxnSpLocks/>
+            <a:stCxn id="37" idx="2"/>
+            <a:endCxn id="15" idx="1"/>
+          </p:cNvCxnSpPr>
+          <p:nvPr/>
+        </p:nvCxnSpPr>
+        <p:spPr>
+          <a:xfrm flipH="1">
+            <a:off x="5653885" y="1117825"/>
+            <a:ext cx="2" cy="676384"/>
+          </a:xfrm>
+          <a:prstGeom prst="straightConnector1">
+            <a:avLst/>
+          </a:prstGeom>
+          <a:ln w="38100">
+            <a:solidFill>
+              <a:schemeClr val="tx1"/>
+            </a:solidFill>
+            <a:tailEnd type="triangle"/>
+          </a:ln>
+        </p:spPr>
+        <p:style>
+          <a:lnRef idx="1">
+            <a:schemeClr val="accent1"/>
+          </a:lnRef>
+          <a:fillRef idx="0">
+            <a:schemeClr val="accent1"/>
+          </a:fillRef>
+          <a:effectRef idx="0">
+            <a:schemeClr val="accent1"/>
+          </a:effectRef>
+          <a:fontRef idx="minor">
+            <a:schemeClr val="tx1"/>
+          </a:fontRef>
+        </p:style>
+      </p:cxnSp>
+      <p:sp>
+        <p:nvSpPr>
+          <p:cNvPr id="46" name="직사각형 45">
+            <a:extLst>
+              <a:ext uri="{FF2B5EF4-FFF2-40B4-BE49-F238E27FC236}">
+                <a16:creationId xmlns:a16="http://schemas.microsoft.com/office/drawing/2014/main" id="{12E07A47-30F1-4B49-A61A-8ECD05D17382}"/>
+              </a:ext>
+            </a:extLst>
+          </p:cNvPr>
+          <p:cNvSpPr/>
+          <p:nvPr/>
+        </p:nvSpPr>
+        <p:spPr>
+          <a:xfrm>
+            <a:off x="4615769" y="3659832"/>
+            <a:ext cx="2076237" cy="1215915"/>
+          </a:xfrm>
+          <a:prstGeom prst="rect">
+            <a:avLst/>
+          </a:prstGeom>
+          <a:solidFill>
+            <a:schemeClr val="accent1">
+              <a:lumMod val="40000"/>
+              <a:lumOff val="60000"/>
+            </a:schemeClr>
+          </a:solidFill>
+          <a:ln>
+            <a:solidFill>
+              <a:schemeClr val="tx1"/>
+            </a:solidFill>
+          </a:ln>
+        </p:spPr>
+        <p:style>
+          <a:lnRef idx="2">
+            <a:schemeClr val="accent1">
+              <a:shade val="50000"/>
+            </a:schemeClr>
+          </a:lnRef>
+          <a:fillRef idx="1">
+            <a:schemeClr val="accent1"/>
+          </a:fillRef>
+          <a:effectRef idx="0">
+            <a:schemeClr val="accent1"/>
+          </a:effectRef>
+          <a:fontRef idx="minor">
+            <a:schemeClr val="lt1"/>
+          </a:fontRef>
+        </p:style>
+        <p:txBody>
+          <a:bodyPr rtlCol="0" anchor="ctr"/>
+          <a:lstStyle/>
+          <a:p>
+            <a:pPr algn="ctr"/>
+            <a:r>
+              <a:rPr lang="en-US" altLang="ko-KR" dirty="0">
+                <a:solidFill>
+                  <a:schemeClr val="tx1"/>
+                </a:solidFill>
+              </a:rPr>
+              <a:t>Use</a:t>
+            </a:r>
+          </a:p>
+          <a:p>
+            <a:pPr algn="ctr"/>
+            <a:r>
+              <a:rPr lang="en-US" altLang="ko-KR" dirty="0" err="1">
+                <a:solidFill>
+                  <a:schemeClr val="tx1"/>
+                </a:solidFill>
+              </a:rPr>
+              <a:t>PlayerInfo.Carrot</a:t>
+            </a:r>
+            <a:endParaRPr lang="en-US" altLang="ko-KR" dirty="0">
+              <a:solidFill>
+                <a:schemeClr val="tx1"/>
+              </a:solidFill>
+            </a:endParaRPr>
+          </a:p>
+          <a:p>
+            <a:pPr algn="ctr"/>
+            <a:r>
+              <a:rPr lang="en-US" altLang="ko-KR" dirty="0">
+                <a:solidFill>
+                  <a:schemeClr val="tx1"/>
+                </a:solidFill>
+              </a:rPr>
+              <a:t>As</a:t>
+            </a:r>
+          </a:p>
+          <a:p>
+            <a:pPr algn="ctr"/>
+            <a:r>
+              <a:rPr lang="en-US" altLang="ko-KR" dirty="0" err="1">
+                <a:solidFill>
+                  <a:schemeClr val="tx1"/>
+                </a:solidFill>
+              </a:rPr>
+              <a:t>NeedCarrot</a:t>
+            </a:r>
+            <a:endParaRPr lang="ko-KR" altLang="en-US" dirty="0">
+              <a:solidFill>
+                <a:schemeClr val="tx1"/>
+              </a:solidFill>
+            </a:endParaRPr>
+          </a:p>
+        </p:txBody>
+      </p:sp>
+      <p:sp>
+        <p:nvSpPr>
+          <p:cNvPr id="48" name="직사각형 47">
+            <a:extLst>
+              <a:ext uri="{FF2B5EF4-FFF2-40B4-BE49-F238E27FC236}">
+                <a16:creationId xmlns:a16="http://schemas.microsoft.com/office/drawing/2014/main" id="{765951A2-5D44-43C0-87A1-FBAF3637C933}"/>
+              </a:ext>
+            </a:extLst>
+          </p:cNvPr>
+          <p:cNvSpPr/>
+          <p:nvPr/>
+        </p:nvSpPr>
+        <p:spPr>
+          <a:xfrm>
+            <a:off x="8371981" y="208064"/>
+            <a:ext cx="2076237" cy="1215915"/>
+          </a:xfrm>
+          <a:prstGeom prst="rect">
+            <a:avLst/>
+          </a:prstGeom>
+          <a:solidFill>
+            <a:schemeClr val="accent1">
+              <a:lumMod val="40000"/>
+              <a:lumOff val="60000"/>
+            </a:schemeClr>
+          </a:solidFill>
+          <a:ln>
+            <a:solidFill>
+              <a:schemeClr val="tx1"/>
+            </a:solidFill>
+          </a:ln>
+        </p:spPr>
+        <p:style>
+          <a:lnRef idx="2">
+            <a:schemeClr val="accent1">
+              <a:shade val="50000"/>
+            </a:schemeClr>
+          </a:lnRef>
+          <a:fillRef idx="1">
+            <a:schemeClr val="accent1"/>
+          </a:fillRef>
+          <a:effectRef idx="0">
+            <a:schemeClr val="accent1"/>
+          </a:effectRef>
+          <a:fontRef idx="minor">
+            <a:schemeClr val="lt1"/>
+          </a:fontRef>
+        </p:style>
+        <p:txBody>
+          <a:bodyPr rtlCol="0" anchor="ctr"/>
+          <a:lstStyle/>
+          <a:p>
+            <a:pPr algn="ctr"/>
+            <a:r>
+              <a:rPr lang="ko-KR" altLang="en-US" dirty="0">
+                <a:solidFill>
+                  <a:schemeClr val="tx1"/>
+                </a:solidFill>
+              </a:rPr>
+              <a:t>구매에 대한</a:t>
+            </a:r>
+            <a:endParaRPr lang="en-US" altLang="ko-KR" dirty="0">
+              <a:solidFill>
+                <a:schemeClr val="tx1"/>
+              </a:solidFill>
+            </a:endParaRPr>
+          </a:p>
+          <a:p>
+            <a:pPr algn="ctr"/>
+            <a:r>
+              <a:rPr lang="ko-KR" altLang="en-US" dirty="0">
+                <a:solidFill>
+                  <a:schemeClr val="tx1"/>
+                </a:solidFill>
+              </a:rPr>
+              <a:t>객체 변동 사항</a:t>
+            </a:r>
+            <a:br>
+              <a:rPr lang="en-US" altLang="ko-KR" dirty="0">
+                <a:solidFill>
+                  <a:schemeClr val="tx1"/>
+                </a:solidFill>
+              </a:rPr>
+            </a:br>
+            <a:r>
+              <a:rPr lang="ko-KR" altLang="en-US" dirty="0">
+                <a:solidFill>
+                  <a:schemeClr val="tx1"/>
+                </a:solidFill>
+              </a:rPr>
+              <a:t>전달</a:t>
+            </a:r>
+            <a:endParaRPr lang="en-US" altLang="ko-KR" dirty="0">
+              <a:solidFill>
+                <a:schemeClr val="tx1"/>
+              </a:solidFill>
+            </a:endParaRPr>
+          </a:p>
+        </p:txBody>
+      </p:sp>
+      <p:sp>
+        <p:nvSpPr>
+          <p:cNvPr id="49" name="직사각형 48">
+            <a:extLst>
+              <a:ext uri="{FF2B5EF4-FFF2-40B4-BE49-F238E27FC236}">
+                <a16:creationId xmlns:a16="http://schemas.microsoft.com/office/drawing/2014/main" id="{D07992A7-FF24-4617-A7B4-7F6BBC30B593}"/>
+              </a:ext>
+            </a:extLst>
+          </p:cNvPr>
+          <p:cNvSpPr/>
+          <p:nvPr/>
+        </p:nvSpPr>
+        <p:spPr>
+          <a:xfrm>
+            <a:off x="8371980" y="2080480"/>
+            <a:ext cx="2076237" cy="1215915"/>
+          </a:xfrm>
+          <a:prstGeom prst="rect">
+            <a:avLst/>
+          </a:prstGeom>
+          <a:solidFill>
+            <a:schemeClr val="accent1">
+              <a:lumMod val="40000"/>
+              <a:lumOff val="60000"/>
+            </a:schemeClr>
+          </a:solidFill>
+          <a:ln>
+            <a:solidFill>
+              <a:schemeClr val="tx1"/>
+            </a:solidFill>
+          </a:ln>
+        </p:spPr>
+        <p:style>
+          <a:lnRef idx="2">
+            <a:schemeClr val="accent1">
+              <a:shade val="50000"/>
+            </a:schemeClr>
+          </a:lnRef>
+          <a:fillRef idx="1">
+            <a:schemeClr val="accent1"/>
+          </a:fillRef>
+          <a:effectRef idx="0">
+            <a:schemeClr val="accent1"/>
+          </a:effectRef>
+          <a:fontRef idx="minor">
+            <a:schemeClr val="lt1"/>
+          </a:fontRef>
+        </p:style>
+        <p:txBody>
+          <a:bodyPr rtlCol="0" anchor="ctr"/>
+          <a:lstStyle/>
+          <a:p>
+            <a:pPr algn="ctr"/>
+            <a:r>
+              <a:rPr lang="ko-KR" altLang="en-US" dirty="0">
+                <a:solidFill>
+                  <a:schemeClr val="tx1"/>
+                </a:solidFill>
+              </a:rPr>
+              <a:t>상점 </a:t>
+            </a:r>
+            <a:r>
+              <a:rPr lang="en-US" altLang="ko-KR" dirty="0">
+                <a:solidFill>
+                  <a:schemeClr val="tx1"/>
+                </a:solidFill>
+              </a:rPr>
+              <a:t>UI</a:t>
+            </a:r>
+            <a:r>
+              <a:rPr lang="ko-KR" altLang="en-US" dirty="0">
+                <a:solidFill>
+                  <a:schemeClr val="tx1"/>
+                </a:solidFill>
+              </a:rPr>
+              <a:t>상</a:t>
+            </a:r>
+            <a:endParaRPr lang="en-US" altLang="ko-KR" dirty="0">
+              <a:solidFill>
+                <a:schemeClr val="tx1"/>
+              </a:solidFill>
+            </a:endParaRPr>
+          </a:p>
+          <a:p>
+            <a:pPr algn="ctr"/>
+            <a:r>
+              <a:rPr lang="ko-KR" altLang="en-US" dirty="0">
+                <a:solidFill>
+                  <a:schemeClr val="tx1"/>
+                </a:solidFill>
+              </a:rPr>
+              <a:t>텍스트 변경</a:t>
+            </a:r>
+            <a:endParaRPr lang="en-US" altLang="ko-KR" dirty="0">
+              <a:solidFill>
+                <a:schemeClr val="tx1"/>
+              </a:solidFill>
+            </a:endParaRPr>
+          </a:p>
+        </p:txBody>
+      </p:sp>
+      <p:sp>
+        <p:nvSpPr>
+          <p:cNvPr id="50" name="순서도: 수행의 시작/종료 49">
+            <a:extLst>
+              <a:ext uri="{FF2B5EF4-FFF2-40B4-BE49-F238E27FC236}">
+                <a16:creationId xmlns:a16="http://schemas.microsoft.com/office/drawing/2014/main" id="{09773B6E-00E2-4F89-B359-AEE31FE674D7}"/>
+              </a:ext>
+            </a:extLst>
+          </p:cNvPr>
+          <p:cNvSpPr/>
+          <p:nvPr/>
+        </p:nvSpPr>
+        <p:spPr>
+          <a:xfrm>
+            <a:off x="8318483" y="5814234"/>
+            <a:ext cx="2183230" cy="570753"/>
+          </a:xfrm>
+          <a:prstGeom prst="flowChartTerminator">
+            <a:avLst/>
+          </a:prstGeom>
+          <a:solidFill>
+            <a:schemeClr val="accent5">
+              <a:lumMod val="20000"/>
+              <a:lumOff val="80000"/>
+            </a:schemeClr>
+          </a:solidFill>
+          <a:ln>
+            <a:solidFill>
+              <a:schemeClr val="tx1"/>
+            </a:solidFill>
+          </a:ln>
+        </p:spPr>
+        <p:style>
+          <a:lnRef idx="2">
+            <a:schemeClr val="accent1">
+              <a:shade val="50000"/>
+            </a:schemeClr>
+          </a:lnRef>
+          <a:fillRef idx="1">
+            <a:schemeClr val="accent1"/>
+          </a:fillRef>
+          <a:effectRef idx="0">
+            <a:schemeClr val="accent1"/>
+          </a:effectRef>
+          <a:fontRef idx="minor">
+            <a:schemeClr val="lt1"/>
+          </a:fontRef>
+        </p:style>
+        <p:txBody>
+          <a:bodyPr rtlCol="0" anchor="ctr"/>
+          <a:lstStyle/>
+          <a:p>
+            <a:pPr algn="ctr"/>
+            <a:r>
+              <a:rPr lang="ko-KR" altLang="en-US" dirty="0">
+                <a:solidFill>
+                  <a:schemeClr val="tx1"/>
+                </a:solidFill>
+              </a:rPr>
+              <a:t>종료</a:t>
+            </a:r>
+          </a:p>
+        </p:txBody>
+      </p:sp>
+      <p:cxnSp>
+        <p:nvCxnSpPr>
+          <p:cNvPr id="54" name="연결선: 꺾임 53">
+            <a:extLst>
+              <a:ext uri="{FF2B5EF4-FFF2-40B4-BE49-F238E27FC236}">
+                <a16:creationId xmlns:a16="http://schemas.microsoft.com/office/drawing/2014/main" id="{E2AB37CD-A011-404E-87E6-6377E5DDD2DF}"/>
+              </a:ext>
+            </a:extLst>
+          </p:cNvPr>
+          <p:cNvCxnSpPr>
+            <a:cxnSpLocks/>
+            <a:stCxn id="46" idx="3"/>
+            <a:endCxn id="48" idx="1"/>
+          </p:cNvCxnSpPr>
+          <p:nvPr/>
+        </p:nvCxnSpPr>
+        <p:spPr>
+          <a:xfrm flipV="1">
+            <a:off x="6692006" y="816022"/>
+            <a:ext cx="1679975" cy="3451768"/>
+          </a:xfrm>
+          <a:prstGeom prst="bentConnector3">
+            <a:avLst>
+              <a:gd name="adj1" fmla="val 50000"/>
+            </a:avLst>
+          </a:prstGeom>
+          <a:ln w="38100">
+            <a:solidFill>
+              <a:schemeClr val="tx1"/>
+            </a:solidFill>
+            <a:tailEnd type="triangle"/>
+          </a:ln>
+        </p:spPr>
+        <p:style>
+          <a:lnRef idx="1">
+            <a:schemeClr val="accent1"/>
+          </a:lnRef>
+          <a:fillRef idx="0">
+            <a:schemeClr val="accent1"/>
+          </a:fillRef>
+          <a:effectRef idx="0">
+            <a:schemeClr val="accent1"/>
+          </a:effectRef>
+          <a:fontRef idx="minor">
+            <a:schemeClr val="tx1"/>
+          </a:fontRef>
+        </p:style>
+      </p:cxnSp>
+      <p:cxnSp>
+        <p:nvCxnSpPr>
+          <p:cNvPr id="57" name="직선 화살표 연결선 56">
+            <a:extLst>
+              <a:ext uri="{FF2B5EF4-FFF2-40B4-BE49-F238E27FC236}">
+                <a16:creationId xmlns:a16="http://schemas.microsoft.com/office/drawing/2014/main" id="{2298761B-2F36-4678-B49A-A910B6D7270F}"/>
+              </a:ext>
+            </a:extLst>
+          </p:cNvPr>
+          <p:cNvCxnSpPr>
+            <a:cxnSpLocks/>
+            <a:stCxn id="48" idx="2"/>
+            <a:endCxn id="49" idx="0"/>
+          </p:cNvCxnSpPr>
+          <p:nvPr/>
+        </p:nvCxnSpPr>
+        <p:spPr>
+          <a:xfrm flipH="1">
+            <a:off x="9410099" y="1423979"/>
+            <a:ext cx="1" cy="656501"/>
+          </a:xfrm>
+          <a:prstGeom prst="straightConnector1">
+            <a:avLst/>
+          </a:prstGeom>
+          <a:ln w="38100">
+            <a:solidFill>
+              <a:schemeClr val="tx1"/>
+            </a:solidFill>
+            <a:tailEnd type="triangle"/>
+          </a:ln>
+        </p:spPr>
+        <p:style>
+          <a:lnRef idx="1">
+            <a:schemeClr val="accent1"/>
+          </a:lnRef>
+          <a:fillRef idx="0">
+            <a:schemeClr val="accent1"/>
+          </a:fillRef>
+          <a:effectRef idx="0">
+            <a:schemeClr val="accent1"/>
+          </a:effectRef>
+          <a:fontRef idx="minor">
+            <a:schemeClr val="tx1"/>
+          </a:fontRef>
+        </p:style>
+      </p:cxnSp>
+      <p:cxnSp>
+        <p:nvCxnSpPr>
+          <p:cNvPr id="60" name="직선 화살표 연결선 59">
+            <a:extLst>
+              <a:ext uri="{FF2B5EF4-FFF2-40B4-BE49-F238E27FC236}">
+                <a16:creationId xmlns:a16="http://schemas.microsoft.com/office/drawing/2014/main" id="{1BC03CF4-297F-4596-A3CC-C66304E57008}"/>
+              </a:ext>
+            </a:extLst>
+          </p:cNvPr>
+          <p:cNvCxnSpPr>
+            <a:cxnSpLocks/>
+            <a:stCxn id="49" idx="2"/>
+            <a:endCxn id="50" idx="0"/>
+          </p:cNvCxnSpPr>
+          <p:nvPr/>
+        </p:nvCxnSpPr>
+        <p:spPr>
+          <a:xfrm flipH="1">
+            <a:off x="9410098" y="3296395"/>
+            <a:ext cx="1" cy="2517839"/>
+          </a:xfrm>
+          <a:prstGeom prst="straightConnector1">
+            <a:avLst/>
+          </a:prstGeom>
+          <a:ln w="38100">
+            <a:solidFill>
+              <a:schemeClr val="tx1"/>
+            </a:solidFill>
+            <a:tailEnd type="triangle"/>
+          </a:ln>
+        </p:spPr>
+        <p:style>
+          <a:lnRef idx="1">
+            <a:schemeClr val="accent1"/>
+          </a:lnRef>
+          <a:fillRef idx="0">
+            <a:schemeClr val="accent1"/>
+          </a:fillRef>
+          <a:effectRef idx="0">
+            <a:schemeClr val="accent1"/>
+          </a:effectRef>
+          <a:fontRef idx="minor">
+            <a:schemeClr val="tx1"/>
+          </a:fontRef>
+        </p:style>
+      </p:cxnSp>
+      <p:cxnSp>
+        <p:nvCxnSpPr>
+          <p:cNvPr id="63" name="직선 화살표 연결선 62">
+            <a:extLst>
+              <a:ext uri="{FF2B5EF4-FFF2-40B4-BE49-F238E27FC236}">
+                <a16:creationId xmlns:a16="http://schemas.microsoft.com/office/drawing/2014/main" id="{37214442-9083-4F1B-85DF-017C8E2F57F7}"/>
+              </a:ext>
+            </a:extLst>
+          </p:cNvPr>
+          <p:cNvCxnSpPr>
+            <a:cxnSpLocks/>
+            <a:stCxn id="22" idx="3"/>
+            <a:endCxn id="50" idx="1"/>
+          </p:cNvCxnSpPr>
+          <p:nvPr/>
+        </p:nvCxnSpPr>
+        <p:spPr>
+          <a:xfrm flipV="1">
+            <a:off x="6629253" y="6099611"/>
+            <a:ext cx="1689230" cy="1"/>
+          </a:xfrm>
+          <a:prstGeom prst="straightConnector1">
+            <a:avLst/>
+          </a:prstGeom>
+          <a:ln w="38100">
+            <a:solidFill>
+              <a:schemeClr val="tx1"/>
+            </a:solidFill>
+            <a:tailEnd type="triangle"/>
+          </a:ln>
+        </p:spPr>
+        <p:style>
+          <a:lnRef idx="1">
+            <a:schemeClr val="accent1"/>
+          </a:lnRef>
+          <a:fillRef idx="0">
+            <a:schemeClr val="accent1"/>
+          </a:fillRef>
+          <a:effectRef idx="0">
+            <a:schemeClr val="accent1"/>
+          </a:effectRef>
+          <a:fontRef idx="minor">
+            <a:schemeClr val="tx1"/>
+          </a:fontRef>
+        </p:style>
+      </p:cxnSp>
+      <p:grpSp>
+        <p:nvGrpSpPr>
+          <p:cNvPr id="84" name="그룹 83">
+            <a:extLst>
+              <a:ext uri="{FF2B5EF4-FFF2-40B4-BE49-F238E27FC236}">
+                <a16:creationId xmlns:a16="http://schemas.microsoft.com/office/drawing/2014/main" id="{78BA33B3-BDA0-49A0-BDEF-249451767B3C}"/>
+              </a:ext>
+            </a:extLst>
+          </p:cNvPr>
+          <p:cNvGrpSpPr/>
+          <p:nvPr/>
+        </p:nvGrpSpPr>
+        <p:grpSpPr>
+          <a:xfrm>
+            <a:off x="4426248" y="1794209"/>
+            <a:ext cx="2455274" cy="1279828"/>
+            <a:chOff x="4426248" y="1794209"/>
+            <a:chExt cx="2455274" cy="1279828"/>
+          </a:xfrm>
+        </p:grpSpPr>
+        <p:sp>
+          <p:nvSpPr>
+            <p:cNvPr id="15" name="순서도: 데이터 14">
+              <a:extLst>
+                <a:ext uri="{FF2B5EF4-FFF2-40B4-BE49-F238E27FC236}">
+                  <a16:creationId xmlns:a16="http://schemas.microsoft.com/office/drawing/2014/main" id="{28C227EA-846C-4DF3-B51E-AB3EBAC53FC7}"/>
+                </a:ext>
+              </a:extLst>
+            </p:cNvPr>
+            <p:cNvSpPr/>
+            <p:nvPr/>
+          </p:nvSpPr>
+          <p:spPr>
+            <a:xfrm>
+              <a:off x="4426248" y="1794209"/>
+              <a:ext cx="2455274" cy="1279828"/>
+            </a:xfrm>
+            <a:prstGeom prst="flowChartInputOutput">
+              <a:avLst/>
+            </a:prstGeom>
+            <a:solidFill>
+              <a:schemeClr val="accent2">
+                <a:lumMod val="40000"/>
+                <a:lumOff val="60000"/>
+              </a:schemeClr>
+            </a:solidFill>
+            <a:ln>
+              <a:solidFill>
+                <a:schemeClr val="tx1"/>
+              </a:solidFill>
+            </a:ln>
+          </p:spPr>
+          <p:style>
+            <a:lnRef idx="2">
+              <a:schemeClr val="accent1">
+                <a:shade val="50000"/>
+              </a:schemeClr>
+            </a:lnRef>
+            <a:fillRef idx="1">
+              <a:schemeClr val="accent1"/>
+            </a:fillRef>
+            <a:effectRef idx="0">
+              <a:schemeClr val="accent1"/>
+            </a:effectRef>
+            <a:fontRef idx="minor">
+              <a:schemeClr val="lt1"/>
+            </a:fontRef>
+          </p:style>
+          <p:txBody>
+            <a:bodyPr rtlCol="0" anchor="ctr"/>
+            <a:lstStyle/>
+            <a:p>
+              <a:pPr algn="ctr"/>
+              <a:endParaRPr lang="ko-KR" altLang="en-US" dirty="0">
+                <a:solidFill>
+                  <a:schemeClr val="tx1"/>
+                </a:solidFill>
+              </a:endParaRPr>
+            </a:p>
+          </p:txBody>
+        </p:sp>
+        <p:sp>
+          <p:nvSpPr>
+            <p:cNvPr id="75" name="TextBox 74">
+              <a:extLst>
+                <a:ext uri="{FF2B5EF4-FFF2-40B4-BE49-F238E27FC236}">
+                  <a16:creationId xmlns:a16="http://schemas.microsoft.com/office/drawing/2014/main" id="{98E32CB4-2FF5-4F1F-AE38-9C1BB36A7FCE}"/>
+                </a:ext>
+              </a:extLst>
+            </p:cNvPr>
+            <p:cNvSpPr txBox="1"/>
+            <p:nvPr/>
+          </p:nvSpPr>
+          <p:spPr>
+            <a:xfrm>
+              <a:off x="4943595" y="2110957"/>
+              <a:ext cx="1420581" cy="646331"/>
+            </a:xfrm>
+            <a:prstGeom prst="rect">
+              <a:avLst/>
+            </a:prstGeom>
+            <a:noFill/>
+          </p:spPr>
+          <p:txBody>
+            <a:bodyPr wrap="none" rtlCol="0">
+              <a:spAutoFit/>
+            </a:bodyPr>
+            <a:lstStyle/>
+            <a:p>
+              <a:pPr algn="ctr"/>
+              <a:r>
+                <a:rPr lang="ko-KR" altLang="en-US" dirty="0"/>
+                <a:t>구매에 대한</a:t>
+              </a:r>
+              <a:endParaRPr lang="en-US" altLang="ko-KR" dirty="0"/>
+            </a:p>
+            <a:p>
+              <a:pPr algn="ctr"/>
+              <a:r>
+                <a:rPr lang="ko-KR" altLang="en-US" dirty="0"/>
+                <a:t>상호작용</a:t>
+              </a:r>
+            </a:p>
+          </p:txBody>
+        </p:sp>
+      </p:grpSp>
+      <p:grpSp>
+        <p:nvGrpSpPr>
+          <p:cNvPr id="85" name="그룹 84">
+            <a:extLst>
+              <a:ext uri="{FF2B5EF4-FFF2-40B4-BE49-F238E27FC236}">
+                <a16:creationId xmlns:a16="http://schemas.microsoft.com/office/drawing/2014/main" id="{D42EFEA0-13BB-4775-9E61-E0A8FE1FDC39}"/>
+              </a:ext>
+            </a:extLst>
+          </p:cNvPr>
+          <p:cNvGrpSpPr/>
+          <p:nvPr/>
+        </p:nvGrpSpPr>
+        <p:grpSpPr>
+          <a:xfrm>
+            <a:off x="0" y="99367"/>
+            <a:ext cx="1532966" cy="620714"/>
+            <a:chOff x="0" y="231324"/>
+            <a:chExt cx="2341178" cy="620714"/>
+          </a:xfrm>
+        </p:grpSpPr>
+        <p:sp>
+          <p:nvSpPr>
+            <p:cNvPr id="86" name="TextBox 85">
+              <a:extLst>
+                <a:ext uri="{FF2B5EF4-FFF2-40B4-BE49-F238E27FC236}">
+                  <a16:creationId xmlns:a16="http://schemas.microsoft.com/office/drawing/2014/main" id="{6CFC8653-1268-4E8B-9CEC-7EE87E208C23}"/>
+                </a:ext>
+              </a:extLst>
+            </p:cNvPr>
+            <p:cNvSpPr txBox="1"/>
+            <p:nvPr/>
+          </p:nvSpPr>
+          <p:spPr>
+            <a:xfrm>
+              <a:off x="0" y="231324"/>
+              <a:ext cx="2341178" cy="523220"/>
+            </a:xfrm>
+            <a:prstGeom prst="rect">
+              <a:avLst/>
+            </a:prstGeom>
+            <a:noFill/>
+          </p:spPr>
+          <p:txBody>
+            <a:bodyPr wrap="square" rtlCol="0">
+              <a:spAutoFit/>
+            </a:bodyPr>
+            <a:lstStyle/>
+            <a:p>
+              <a:r>
+                <a:rPr lang="en-US" altLang="ko-KR" sz="2800" b="1" dirty="0"/>
+                <a:t>5. </a:t>
+              </a:r>
+              <a:r>
+                <a:rPr lang="ko-KR" altLang="en-US" sz="2800" b="1" dirty="0"/>
+                <a:t>상점</a:t>
+              </a:r>
+              <a:endParaRPr lang="ko-KR" altLang="en-US" sz="1400" b="1" dirty="0"/>
+            </a:p>
+          </p:txBody>
+        </p:sp>
+        <p:sp>
+          <p:nvSpPr>
+            <p:cNvPr id="87" name="평행 사변형 86">
+              <a:extLst>
+                <a:ext uri="{FF2B5EF4-FFF2-40B4-BE49-F238E27FC236}">
+                  <a16:creationId xmlns:a16="http://schemas.microsoft.com/office/drawing/2014/main" id="{E8126C5B-727C-4050-A208-6E600217D981}"/>
+                </a:ext>
+              </a:extLst>
+            </p:cNvPr>
+            <p:cNvSpPr/>
+            <p:nvPr/>
+          </p:nvSpPr>
+          <p:spPr>
+            <a:xfrm>
+              <a:off x="0" y="787975"/>
+              <a:ext cx="2196000" cy="64063"/>
+            </a:xfrm>
+            <a:prstGeom prst="parallelogram">
+              <a:avLst/>
+            </a:prstGeom>
+            <a:solidFill>
+              <a:schemeClr val="tx1"/>
+            </a:solidFill>
+            <a:ln>
+              <a:noFill/>
+            </a:ln>
+          </p:spPr>
+          <p:style>
+            <a:lnRef idx="2">
+              <a:schemeClr val="accent1">
+                <a:shade val="50000"/>
+              </a:schemeClr>
+            </a:lnRef>
+            <a:fillRef idx="1">
+              <a:schemeClr val="accent1"/>
+            </a:fillRef>
+            <a:effectRef idx="0">
+              <a:schemeClr val="accent1"/>
+            </a:effectRef>
+            <a:fontRef idx="minor">
+              <a:schemeClr val="lt1"/>
+            </a:fontRef>
+          </p:style>
+          <p:txBody>
+            <a:bodyPr rtlCol="0" anchor="ctr"/>
+            <a:lstStyle/>
+            <a:p>
+              <a:pPr algn="ctr"/>
+              <a:endParaRPr lang="ko-KR" altLang="en-US" dirty="0"/>
+            </a:p>
+          </p:txBody>
+        </p:sp>
+      </p:grpSp>
+    </p:spTree>
+    <p:extLst>
+      <p:ext uri="{BB962C8B-B14F-4D97-AF65-F5344CB8AC3E}">
+        <p14:creationId xmlns:p14="http://schemas.microsoft.com/office/powerpoint/2010/main" val="1014517789"/>
+      </p:ext>
+    </p:extLst>
+  </p:cSld>
+  <p:clrMapOvr>
+    <a:masterClrMapping/>
+  </p:clrMapOvr>
+</p:sld>
+</file>
+
+<file path=ppt/slides/slide22.xml><?xml version="1.0" encoding="utf-8"?>
+<p:sld xmlns:a="http://schemas.openxmlformats.org/drawingml/2006/main" xmlns:r="http://schemas.openxmlformats.org/officeDocument/2006/relationships" xmlns:p="http://schemas.openxmlformats.org/presentationml/2006/main">
+  <p:cSld>
+    <p:spTree>
+      <p:nvGrpSpPr>
+        <p:cNvPr id="1" name=""/>
+        <p:cNvGrpSpPr/>
+        <p:nvPr/>
+      </p:nvGrpSpPr>
+      <p:grpSpPr>
+        <a:xfrm>
+          <a:off x="0" y="0"/>
+          <a:ext cx="0" cy="0"/>
+          <a:chOff x="0" y="0"/>
+          <a:chExt cx="0" cy="0"/>
+        </a:xfrm>
+      </p:grpSpPr>
+      <p:grpSp>
+        <p:nvGrpSpPr>
+          <p:cNvPr id="23" name="그룹 22">
+            <a:extLst>
+              <a:ext uri="{FF2B5EF4-FFF2-40B4-BE49-F238E27FC236}">
+                <a16:creationId xmlns:a16="http://schemas.microsoft.com/office/drawing/2014/main" id="{C84C9E02-B559-4FF1-BE61-BB0CD4741D3B}"/>
+              </a:ext>
+            </a:extLst>
+          </p:cNvPr>
+          <p:cNvGrpSpPr/>
+          <p:nvPr/>
+        </p:nvGrpSpPr>
+        <p:grpSpPr>
+          <a:xfrm>
+            <a:off x="300450" y="2185269"/>
+            <a:ext cx="5970228" cy="2917162"/>
+            <a:chOff x="7280649" y="4038167"/>
+            <a:chExt cx="4217057" cy="2389089"/>
+          </a:xfrm>
+        </p:grpSpPr>
+        <p:sp>
+          <p:nvSpPr>
+            <p:cNvPr id="24" name="직사각형 23">
+              <a:extLst>
+                <a:ext uri="{FF2B5EF4-FFF2-40B4-BE49-F238E27FC236}">
+                  <a16:creationId xmlns:a16="http://schemas.microsoft.com/office/drawing/2014/main" id="{ACB38A61-B130-493E-B257-7C7D98BBDD2B}"/>
+                </a:ext>
+              </a:extLst>
+            </p:cNvPr>
+            <p:cNvSpPr/>
+            <p:nvPr/>
+          </p:nvSpPr>
+          <p:spPr>
+            <a:xfrm>
+              <a:off x="7280649" y="4038168"/>
+              <a:ext cx="4217057" cy="2389088"/>
+            </a:xfrm>
+            <a:prstGeom prst="rect">
+              <a:avLst/>
+            </a:prstGeom>
+            <a:solidFill>
+              <a:schemeClr val="tx1"/>
+            </a:solidFill>
+            <a:ln>
+              <a:solidFill>
+                <a:schemeClr val="tx1"/>
+              </a:solidFill>
+            </a:ln>
+          </p:spPr>
+          <p:style>
+            <a:lnRef idx="2">
+              <a:schemeClr val="accent1">
+                <a:shade val="50000"/>
+              </a:schemeClr>
+            </a:lnRef>
+            <a:fillRef idx="1">
+              <a:schemeClr val="accent1"/>
+            </a:fillRef>
+            <a:effectRef idx="0">
+              <a:schemeClr val="accent1"/>
+            </a:effectRef>
+            <a:fontRef idx="minor">
+              <a:schemeClr val="lt1"/>
+            </a:fontRef>
+          </p:style>
+          <p:txBody>
+            <a:bodyPr rtlCol="0" anchor="ctr"/>
+            <a:lstStyle/>
+            <a:p>
+              <a:pPr algn="ctr"/>
+              <a:endParaRPr lang="ko-KR" altLang="en-US"/>
+            </a:p>
+          </p:txBody>
+        </p:sp>
+        <p:sp>
+          <p:nvSpPr>
+            <p:cNvPr id="25" name="직사각형 24">
+              <a:extLst>
+                <a:ext uri="{FF2B5EF4-FFF2-40B4-BE49-F238E27FC236}">
+                  <a16:creationId xmlns:a16="http://schemas.microsoft.com/office/drawing/2014/main" id="{980DB22C-A901-4481-BC3F-76F5CFF2FC78}"/>
+                </a:ext>
+              </a:extLst>
+            </p:cNvPr>
+            <p:cNvSpPr/>
+            <p:nvPr/>
+          </p:nvSpPr>
+          <p:spPr>
+            <a:xfrm>
+              <a:off x="7280649" y="4407499"/>
+              <a:ext cx="4217057" cy="2019757"/>
+            </a:xfrm>
+            <a:prstGeom prst="rect">
+              <a:avLst/>
+            </a:prstGeom>
+            <a:solidFill>
+              <a:schemeClr val="bg1"/>
+            </a:solidFill>
+            <a:ln>
+              <a:solidFill>
+                <a:schemeClr val="tx1"/>
+              </a:solidFill>
+            </a:ln>
+          </p:spPr>
+          <p:style>
+            <a:lnRef idx="2">
+              <a:schemeClr val="accent1">
+                <a:shade val="50000"/>
+              </a:schemeClr>
+            </a:lnRef>
+            <a:fillRef idx="1">
+              <a:schemeClr val="accent1"/>
+            </a:fillRef>
+            <a:effectRef idx="0">
+              <a:schemeClr val="accent1"/>
+            </a:effectRef>
+            <a:fontRef idx="minor">
+              <a:schemeClr val="lt1"/>
+            </a:fontRef>
+          </p:style>
+          <p:txBody>
+            <a:bodyPr rtlCol="0" anchor="ctr"/>
+            <a:lstStyle/>
+            <a:p>
+              <a:pPr marL="285750" indent="-285750">
+                <a:buFont typeface="Arial" panose="020B0604020202020204" pitchFamily="34" charset="0"/>
+                <a:buChar char="•"/>
+              </a:pPr>
+              <a:r>
+                <a:rPr lang="ko-KR" altLang="en-US" dirty="0">
+                  <a:solidFill>
+                    <a:schemeClr val="tx1"/>
+                  </a:solidFill>
+                </a:rPr>
+                <a:t>구매 유형에 따라 탭</a:t>
+              </a:r>
+              <a:r>
+                <a:rPr lang="en-US" altLang="ko-KR" dirty="0">
+                  <a:solidFill>
+                    <a:schemeClr val="tx1"/>
+                  </a:solidFill>
+                </a:rPr>
+                <a:t>(</a:t>
+              </a:r>
+              <a:r>
+                <a:rPr lang="ko-KR" altLang="en-US" dirty="0">
+                  <a:solidFill>
+                    <a:schemeClr val="tx1"/>
+                  </a:solidFill>
+                </a:rPr>
+                <a:t>항목</a:t>
+              </a:r>
+              <a:r>
+                <a:rPr lang="en-US" altLang="ko-KR" dirty="0">
+                  <a:solidFill>
+                    <a:schemeClr val="tx1"/>
+                  </a:solidFill>
+                </a:rPr>
+                <a:t>)</a:t>
+              </a:r>
+              <a:r>
+                <a:rPr lang="ko-KR" altLang="en-US" dirty="0">
+                  <a:solidFill>
+                    <a:schemeClr val="tx1"/>
+                  </a:solidFill>
+                </a:rPr>
+                <a:t>이 존재</a:t>
+              </a:r>
+              <a:endParaRPr lang="en-US" altLang="ko-KR" dirty="0">
+                <a:solidFill>
+                  <a:schemeClr val="tx1"/>
+                </a:solidFill>
+              </a:endParaRPr>
+            </a:p>
+            <a:p>
+              <a:pPr marL="285750" indent="-285750">
+                <a:buFont typeface="Arial" panose="020B0604020202020204" pitchFamily="34" charset="0"/>
+                <a:buChar char="•"/>
+              </a:pPr>
+              <a:endParaRPr lang="en-US" altLang="ko-KR" dirty="0">
+                <a:solidFill>
+                  <a:schemeClr val="tx1"/>
+                </a:solidFill>
+              </a:endParaRPr>
+            </a:p>
+            <a:p>
+              <a:pPr marL="285750" indent="-285750">
+                <a:buFont typeface="Arial" panose="020B0604020202020204" pitchFamily="34" charset="0"/>
+                <a:buChar char="•"/>
+              </a:pPr>
+              <a:r>
+                <a:rPr lang="ko-KR" altLang="en-US" dirty="0">
+                  <a:solidFill>
+                    <a:schemeClr val="tx1"/>
+                  </a:solidFill>
+                </a:rPr>
+                <a:t>각 탭에서</a:t>
+              </a:r>
+              <a:r>
+                <a:rPr lang="en-US" altLang="ko-KR" dirty="0">
+                  <a:solidFill>
+                    <a:schemeClr val="tx1"/>
+                  </a:solidFill>
+                </a:rPr>
+                <a:t>, </a:t>
+              </a:r>
+              <a:r>
+                <a:rPr lang="ko-KR" altLang="en-US" dirty="0">
+                  <a:solidFill>
+                    <a:schemeClr val="tx1"/>
+                  </a:solidFill>
+                </a:rPr>
+                <a:t>세부 구매 항목별 슬롯이 존재</a:t>
+              </a:r>
+              <a:br>
+                <a:rPr lang="en-US" altLang="ko-KR" dirty="0">
+                  <a:solidFill>
+                    <a:schemeClr val="tx1"/>
+                  </a:solidFill>
+                </a:rPr>
+              </a:br>
+              <a:r>
+                <a:rPr lang="ko-KR" altLang="en-US" dirty="0">
+                  <a:solidFill>
+                    <a:schemeClr val="tx1"/>
+                  </a:solidFill>
+                </a:rPr>
+                <a:t>탭에 따라 해당 항목 슬롯들이 나타남</a:t>
+              </a:r>
+              <a:endParaRPr lang="en-US" altLang="ko-KR" dirty="0">
+                <a:solidFill>
+                  <a:schemeClr val="tx1"/>
+                </a:solidFill>
+              </a:endParaRPr>
+            </a:p>
+            <a:p>
+              <a:pPr lvl="1"/>
+              <a:r>
+                <a:rPr lang="en-US" altLang="ko-KR" dirty="0">
+                  <a:solidFill>
+                    <a:schemeClr val="tx1"/>
+                  </a:solidFill>
+                </a:rPr>
+                <a:t>-</a:t>
+              </a:r>
+              <a:r>
+                <a:rPr lang="ko-KR" altLang="en-US" dirty="0">
+                  <a:solidFill>
+                    <a:schemeClr val="tx1"/>
+                  </a:solidFill>
+                </a:rPr>
+                <a:t>슬롯 </a:t>
+              </a:r>
+              <a:r>
+                <a:rPr lang="en-US" altLang="ko-KR" dirty="0">
+                  <a:solidFill>
+                    <a:schemeClr val="tx1"/>
+                  </a:solidFill>
+                </a:rPr>
+                <a:t>1</a:t>
+              </a:r>
+              <a:r>
+                <a:rPr lang="ko-KR" altLang="en-US" dirty="0">
+                  <a:solidFill>
+                    <a:schemeClr val="tx1"/>
+                  </a:solidFill>
+                </a:rPr>
+                <a:t>개가 </a:t>
+              </a:r>
+              <a:r>
+                <a:rPr lang="en-US" altLang="ko-KR" dirty="0">
+                  <a:solidFill>
+                    <a:schemeClr val="tx1"/>
+                  </a:solidFill>
+                </a:rPr>
+                <a:t>1</a:t>
+              </a:r>
+              <a:r>
+                <a:rPr lang="ko-KR" altLang="en-US" dirty="0">
+                  <a:solidFill>
+                    <a:schemeClr val="tx1"/>
+                  </a:solidFill>
+                </a:rPr>
+                <a:t>행을 구성</a:t>
+              </a:r>
+              <a:endParaRPr lang="en-US" altLang="ko-KR" dirty="0">
+                <a:solidFill>
+                  <a:schemeClr val="tx1"/>
+                </a:solidFill>
+              </a:endParaRPr>
+            </a:p>
+            <a:p>
+              <a:pPr lvl="1"/>
+              <a:r>
+                <a:rPr lang="en-US" altLang="ko-KR" dirty="0">
+                  <a:solidFill>
+                    <a:schemeClr val="tx1"/>
+                  </a:solidFill>
+                </a:rPr>
+                <a:t>-</a:t>
+              </a:r>
+              <a:r>
+                <a:rPr lang="ko-KR" altLang="en-US" dirty="0">
+                  <a:solidFill>
+                    <a:schemeClr val="tx1"/>
+                  </a:solidFill>
+                </a:rPr>
+                <a:t>스크롤링 제공</a:t>
+              </a:r>
+              <a:endParaRPr lang="en-US" altLang="ko-KR" dirty="0">
+                <a:solidFill>
+                  <a:schemeClr val="tx1"/>
+                </a:solidFill>
+              </a:endParaRPr>
+            </a:p>
+            <a:p>
+              <a:pPr marL="285750" indent="-285750">
+                <a:buFont typeface="Arial" panose="020B0604020202020204" pitchFamily="34" charset="0"/>
+                <a:buChar char="•"/>
+              </a:pPr>
+              <a:endParaRPr lang="en-US" altLang="ko-KR" dirty="0">
+                <a:solidFill>
+                  <a:schemeClr val="tx1"/>
+                </a:solidFill>
+              </a:endParaRPr>
+            </a:p>
+            <a:p>
+              <a:pPr marL="285750" indent="-285750">
+                <a:buFont typeface="Arial" panose="020B0604020202020204" pitchFamily="34" charset="0"/>
+                <a:buChar char="•"/>
+              </a:pPr>
+              <a:r>
+                <a:rPr lang="ko-KR" altLang="en-US" dirty="0">
+                  <a:solidFill>
+                    <a:schemeClr val="tx1"/>
+                  </a:solidFill>
+                </a:rPr>
+                <a:t>각 슬롯은</a:t>
+              </a:r>
+              <a:r>
+                <a:rPr lang="en-US" altLang="ko-KR" dirty="0">
+                  <a:solidFill>
+                    <a:schemeClr val="tx1"/>
+                  </a:solidFill>
+                </a:rPr>
+                <a:t> IMG, </a:t>
+              </a:r>
+              <a:r>
+                <a:rPr lang="ko-KR" altLang="en-US" dirty="0">
+                  <a:solidFill>
+                    <a:schemeClr val="tx1"/>
+                  </a:solidFill>
+                </a:rPr>
+                <a:t>이름</a:t>
+              </a:r>
+              <a:r>
+                <a:rPr lang="en-US" altLang="ko-KR" dirty="0">
+                  <a:solidFill>
+                    <a:schemeClr val="tx1"/>
+                  </a:solidFill>
+                </a:rPr>
+                <a:t>, </a:t>
+              </a:r>
+              <a:r>
+                <a:rPr lang="ko-KR" altLang="en-US" dirty="0">
+                  <a:solidFill>
+                    <a:schemeClr val="tx1"/>
+                  </a:solidFill>
+                </a:rPr>
+                <a:t>레벨</a:t>
+              </a:r>
+              <a:r>
+                <a:rPr lang="en-US" altLang="ko-KR" dirty="0">
+                  <a:solidFill>
+                    <a:schemeClr val="tx1"/>
+                  </a:solidFill>
+                </a:rPr>
+                <a:t>, </a:t>
+              </a:r>
+              <a:r>
+                <a:rPr lang="ko-KR" altLang="en-US" dirty="0">
+                  <a:solidFill>
+                    <a:schemeClr val="tx1"/>
+                  </a:solidFill>
+                </a:rPr>
+                <a:t>효과</a:t>
+              </a:r>
+              <a:r>
+                <a:rPr lang="en-US" altLang="ko-KR" dirty="0">
+                  <a:solidFill>
+                    <a:schemeClr val="tx1"/>
+                  </a:solidFill>
+                </a:rPr>
+                <a:t>, </a:t>
+              </a:r>
+              <a:r>
+                <a:rPr lang="ko-KR" altLang="en-US" dirty="0">
+                  <a:solidFill>
+                    <a:schemeClr val="tx1"/>
+                  </a:solidFill>
+                </a:rPr>
+                <a:t>구매 버튼으로 구성</a:t>
+              </a:r>
+              <a:endParaRPr lang="en-US" altLang="ko-KR" dirty="0">
+                <a:solidFill>
+                  <a:schemeClr val="tx1"/>
+                </a:solidFill>
+              </a:endParaRPr>
+            </a:p>
+          </p:txBody>
+        </p:sp>
+        <p:sp>
+          <p:nvSpPr>
+            <p:cNvPr id="26" name="TextBox 25">
+              <a:extLst>
+                <a:ext uri="{FF2B5EF4-FFF2-40B4-BE49-F238E27FC236}">
+                  <a16:creationId xmlns:a16="http://schemas.microsoft.com/office/drawing/2014/main" id="{8A314BEB-84D8-49EB-B61D-DD2705D8297D}"/>
+                </a:ext>
+              </a:extLst>
+            </p:cNvPr>
+            <p:cNvSpPr txBox="1"/>
+            <p:nvPr/>
+          </p:nvSpPr>
+          <p:spPr>
+            <a:xfrm>
+              <a:off x="7442366" y="4038167"/>
+              <a:ext cx="3881263" cy="419025"/>
+            </a:xfrm>
+            <a:prstGeom prst="rect">
+              <a:avLst/>
+            </a:prstGeom>
+            <a:noFill/>
+          </p:spPr>
+          <p:txBody>
+            <a:bodyPr wrap="square" rtlCol="0">
+              <a:spAutoFit/>
+            </a:bodyPr>
+            <a:lstStyle/>
+            <a:p>
+              <a:r>
+                <a:rPr lang="ko-KR" altLang="en-US" dirty="0">
+                  <a:solidFill>
+                    <a:schemeClr val="bg1"/>
+                  </a:solidFill>
+                </a:rPr>
+                <a:t>관련 </a:t>
+              </a:r>
+              <a:r>
+                <a:rPr lang="en-US" altLang="ko-KR" dirty="0">
+                  <a:solidFill>
+                    <a:schemeClr val="bg1"/>
+                  </a:solidFill>
+                </a:rPr>
+                <a:t>UI</a:t>
+              </a:r>
+              <a:endParaRPr lang="ko-KR" altLang="en-US" dirty="0">
+                <a:solidFill>
+                  <a:schemeClr val="bg1"/>
+                </a:solidFill>
+              </a:endParaRPr>
+            </a:p>
+          </p:txBody>
+        </p:sp>
+      </p:grpSp>
+      <p:grpSp>
+        <p:nvGrpSpPr>
+          <p:cNvPr id="13" name="그룹 12">
+            <a:extLst>
+              <a:ext uri="{FF2B5EF4-FFF2-40B4-BE49-F238E27FC236}">
+                <a16:creationId xmlns:a16="http://schemas.microsoft.com/office/drawing/2014/main" id="{11613AEF-41F3-4537-AEC6-1C4C77CF07BA}"/>
+              </a:ext>
+            </a:extLst>
+          </p:cNvPr>
+          <p:cNvGrpSpPr/>
+          <p:nvPr/>
+        </p:nvGrpSpPr>
+        <p:grpSpPr>
+          <a:xfrm>
+            <a:off x="0" y="99367"/>
+            <a:ext cx="1532966" cy="620714"/>
+            <a:chOff x="0" y="231324"/>
+            <a:chExt cx="2341178" cy="620714"/>
+          </a:xfrm>
+        </p:grpSpPr>
+        <p:sp>
+          <p:nvSpPr>
+            <p:cNvPr id="14" name="TextBox 13">
+              <a:extLst>
+                <a:ext uri="{FF2B5EF4-FFF2-40B4-BE49-F238E27FC236}">
+                  <a16:creationId xmlns:a16="http://schemas.microsoft.com/office/drawing/2014/main" id="{03594E88-2EA4-4B62-8D41-791E6C37F386}"/>
+                </a:ext>
+              </a:extLst>
+            </p:cNvPr>
+            <p:cNvSpPr txBox="1"/>
+            <p:nvPr/>
+          </p:nvSpPr>
+          <p:spPr>
+            <a:xfrm>
+              <a:off x="0" y="231324"/>
+              <a:ext cx="2341178" cy="523220"/>
+            </a:xfrm>
+            <a:prstGeom prst="rect">
+              <a:avLst/>
+            </a:prstGeom>
+            <a:noFill/>
+          </p:spPr>
+          <p:txBody>
+            <a:bodyPr wrap="square" rtlCol="0">
+              <a:spAutoFit/>
+            </a:bodyPr>
+            <a:lstStyle/>
+            <a:p>
+              <a:r>
+                <a:rPr lang="en-US" altLang="ko-KR" sz="2800" b="1" dirty="0"/>
+                <a:t>5. </a:t>
+              </a:r>
+              <a:r>
+                <a:rPr lang="ko-KR" altLang="en-US" sz="2800" b="1" dirty="0"/>
+                <a:t>상점</a:t>
+              </a:r>
+              <a:endParaRPr lang="ko-KR" altLang="en-US" sz="1400" b="1" dirty="0"/>
+            </a:p>
+          </p:txBody>
+        </p:sp>
+        <p:sp>
+          <p:nvSpPr>
+            <p:cNvPr id="15" name="평행 사변형 14">
+              <a:extLst>
+                <a:ext uri="{FF2B5EF4-FFF2-40B4-BE49-F238E27FC236}">
+                  <a16:creationId xmlns:a16="http://schemas.microsoft.com/office/drawing/2014/main" id="{BC8FEDDD-5135-4889-876B-1070125CD6BB}"/>
+                </a:ext>
+              </a:extLst>
+            </p:cNvPr>
+            <p:cNvSpPr/>
+            <p:nvPr/>
+          </p:nvSpPr>
+          <p:spPr>
+            <a:xfrm>
+              <a:off x="0" y="787975"/>
+              <a:ext cx="2196000" cy="64063"/>
+            </a:xfrm>
+            <a:prstGeom prst="parallelogram">
+              <a:avLst/>
+            </a:prstGeom>
+            <a:solidFill>
+              <a:schemeClr val="tx1"/>
+            </a:solidFill>
+            <a:ln>
+              <a:noFill/>
+            </a:ln>
+          </p:spPr>
+          <p:style>
+            <a:lnRef idx="2">
+              <a:schemeClr val="accent1">
+                <a:shade val="50000"/>
+              </a:schemeClr>
+            </a:lnRef>
+            <a:fillRef idx="1">
+              <a:schemeClr val="accent1"/>
+            </a:fillRef>
+            <a:effectRef idx="0">
+              <a:schemeClr val="accent1"/>
+            </a:effectRef>
+            <a:fontRef idx="minor">
+              <a:schemeClr val="lt1"/>
+            </a:fontRef>
+          </p:style>
+          <p:txBody>
+            <a:bodyPr rtlCol="0" anchor="ctr"/>
+            <a:lstStyle/>
+            <a:p>
+              <a:pPr algn="ctr"/>
+              <a:endParaRPr lang="ko-KR" altLang="en-US" dirty="0"/>
+            </a:p>
+          </p:txBody>
+        </p:sp>
+      </p:grpSp>
+      <p:grpSp>
+        <p:nvGrpSpPr>
+          <p:cNvPr id="10" name="그룹 9">
+            <a:extLst>
+              <a:ext uri="{FF2B5EF4-FFF2-40B4-BE49-F238E27FC236}">
+                <a16:creationId xmlns:a16="http://schemas.microsoft.com/office/drawing/2014/main" id="{C100166A-9234-4F8F-A549-F3D5DA4FA56A}"/>
+              </a:ext>
+            </a:extLst>
+          </p:cNvPr>
+          <p:cNvGrpSpPr/>
+          <p:nvPr/>
+        </p:nvGrpSpPr>
+        <p:grpSpPr>
+          <a:xfrm>
+            <a:off x="6534923" y="1113130"/>
+            <a:ext cx="5127679" cy="2926285"/>
+            <a:chOff x="6534923" y="1183144"/>
+            <a:chExt cx="5127679" cy="2926285"/>
+          </a:xfrm>
+        </p:grpSpPr>
+        <p:sp>
+          <p:nvSpPr>
+            <p:cNvPr id="2" name="직사각형 1">
+              <a:extLst>
+                <a:ext uri="{FF2B5EF4-FFF2-40B4-BE49-F238E27FC236}">
+                  <a16:creationId xmlns:a16="http://schemas.microsoft.com/office/drawing/2014/main" id="{E173D85B-F864-4AF0-ACCD-E2AFF20EC9F8}"/>
+                </a:ext>
+              </a:extLst>
+            </p:cNvPr>
+            <p:cNvSpPr/>
+            <p:nvPr/>
+          </p:nvSpPr>
+          <p:spPr>
+            <a:xfrm>
+              <a:off x="6534923" y="1192267"/>
+              <a:ext cx="5127679" cy="2917162"/>
+            </a:xfrm>
+            <a:prstGeom prst="rect">
+              <a:avLst/>
+            </a:prstGeom>
+            <a:solidFill>
+              <a:schemeClr val="bg1">
+                <a:lumMod val="85000"/>
+              </a:schemeClr>
+            </a:solidFill>
+            <a:ln>
+              <a:solidFill>
+                <a:schemeClr val="tx1"/>
+              </a:solidFill>
+            </a:ln>
+          </p:spPr>
+          <p:style>
+            <a:lnRef idx="2">
+              <a:schemeClr val="accent1">
+                <a:shade val="50000"/>
+              </a:schemeClr>
+            </a:lnRef>
+            <a:fillRef idx="1">
+              <a:schemeClr val="accent1"/>
+            </a:fillRef>
+            <a:effectRef idx="0">
+              <a:schemeClr val="accent1"/>
+            </a:effectRef>
+            <a:fontRef idx="minor">
+              <a:schemeClr val="lt1"/>
+            </a:fontRef>
+          </p:style>
+          <p:txBody>
+            <a:bodyPr rtlCol="0" anchor="ctr"/>
+            <a:lstStyle/>
+            <a:p>
+              <a:pPr algn="ctr"/>
+              <a:endParaRPr lang="ko-KR" altLang="en-US"/>
+            </a:p>
+          </p:txBody>
+        </p:sp>
+        <p:sp>
+          <p:nvSpPr>
+            <p:cNvPr id="4" name="사각형: 둥근 모서리 3">
+              <a:extLst>
+                <a:ext uri="{FF2B5EF4-FFF2-40B4-BE49-F238E27FC236}">
+                  <a16:creationId xmlns:a16="http://schemas.microsoft.com/office/drawing/2014/main" id="{622F88CE-CFBD-4365-941B-EB53CC61527A}"/>
+                </a:ext>
+              </a:extLst>
+            </p:cNvPr>
+            <p:cNvSpPr/>
+            <p:nvPr/>
+          </p:nvSpPr>
+          <p:spPr>
+            <a:xfrm>
+              <a:off x="6534923" y="3679123"/>
+              <a:ext cx="1703228" cy="430306"/>
+            </a:xfrm>
+            <a:prstGeom prst="roundRect">
+              <a:avLst/>
+            </a:prstGeom>
+            <a:solidFill>
+              <a:schemeClr val="accent1">
+                <a:lumMod val="40000"/>
+                <a:lumOff val="60000"/>
+              </a:schemeClr>
+            </a:solidFill>
+          </p:spPr>
+          <p:style>
+            <a:lnRef idx="2">
+              <a:schemeClr val="accent1">
+                <a:shade val="50000"/>
+              </a:schemeClr>
+            </a:lnRef>
+            <a:fillRef idx="1">
+              <a:schemeClr val="accent1"/>
+            </a:fillRef>
+            <a:effectRef idx="0">
+              <a:schemeClr val="accent1"/>
+            </a:effectRef>
+            <a:fontRef idx="minor">
+              <a:schemeClr val="lt1"/>
+            </a:fontRef>
+          </p:style>
+          <p:txBody>
+            <a:bodyPr rtlCol="0" anchor="ctr"/>
+            <a:lstStyle/>
+            <a:p>
+              <a:pPr algn="ctr"/>
+              <a:r>
+                <a:rPr lang="ko-KR" altLang="en-US" dirty="0">
+                  <a:solidFill>
+                    <a:schemeClr val="tx1"/>
+                  </a:solidFill>
+                </a:rPr>
+                <a:t>탭</a:t>
+              </a:r>
+              <a:r>
+                <a:rPr lang="en-US" altLang="ko-KR" dirty="0">
+                  <a:solidFill>
+                    <a:schemeClr val="tx1"/>
+                  </a:solidFill>
+                </a:rPr>
+                <a:t>1</a:t>
+              </a:r>
+              <a:endParaRPr lang="ko-KR" altLang="en-US" dirty="0">
+                <a:solidFill>
+                  <a:schemeClr val="tx1"/>
+                </a:solidFill>
+              </a:endParaRPr>
+            </a:p>
+          </p:txBody>
+        </p:sp>
+        <p:sp>
+          <p:nvSpPr>
+            <p:cNvPr id="18" name="사각형: 둥근 모서리 17">
+              <a:extLst>
+                <a:ext uri="{FF2B5EF4-FFF2-40B4-BE49-F238E27FC236}">
+                  <a16:creationId xmlns:a16="http://schemas.microsoft.com/office/drawing/2014/main" id="{5B75E8A0-A4FC-426D-9C8B-141A16FD77CB}"/>
+                </a:ext>
+              </a:extLst>
+            </p:cNvPr>
+            <p:cNvSpPr/>
+            <p:nvPr/>
+          </p:nvSpPr>
+          <p:spPr>
+            <a:xfrm>
+              <a:off x="8238150" y="3679123"/>
+              <a:ext cx="1703228" cy="430306"/>
+            </a:xfrm>
+            <a:prstGeom prst="roundRect">
+              <a:avLst/>
+            </a:prstGeom>
+            <a:solidFill>
+              <a:schemeClr val="accent1">
+                <a:lumMod val="40000"/>
+                <a:lumOff val="60000"/>
+              </a:schemeClr>
+            </a:solidFill>
+          </p:spPr>
+          <p:style>
+            <a:lnRef idx="2">
+              <a:schemeClr val="accent1">
+                <a:shade val="50000"/>
+              </a:schemeClr>
+            </a:lnRef>
+            <a:fillRef idx="1">
+              <a:schemeClr val="accent1"/>
+            </a:fillRef>
+            <a:effectRef idx="0">
+              <a:schemeClr val="accent1"/>
+            </a:effectRef>
+            <a:fontRef idx="minor">
+              <a:schemeClr val="lt1"/>
+            </a:fontRef>
+          </p:style>
+          <p:txBody>
+            <a:bodyPr rtlCol="0" anchor="ctr"/>
+            <a:lstStyle/>
+            <a:p>
+              <a:pPr algn="ctr"/>
+              <a:r>
+                <a:rPr lang="ko-KR" altLang="en-US" dirty="0">
+                  <a:solidFill>
+                    <a:schemeClr val="tx1"/>
+                  </a:solidFill>
+                </a:rPr>
+                <a:t>탭</a:t>
+              </a:r>
+              <a:r>
+                <a:rPr lang="en-US" altLang="ko-KR" dirty="0">
+                  <a:solidFill>
+                    <a:schemeClr val="tx1"/>
+                  </a:solidFill>
+                </a:rPr>
+                <a:t>2</a:t>
+              </a:r>
+              <a:endParaRPr lang="ko-KR" altLang="en-US" dirty="0">
+                <a:solidFill>
+                  <a:schemeClr val="tx1"/>
+                </a:solidFill>
+              </a:endParaRPr>
+            </a:p>
+          </p:txBody>
+        </p:sp>
+        <p:sp>
+          <p:nvSpPr>
+            <p:cNvPr id="19" name="사각형: 둥근 모서리 18">
+              <a:extLst>
+                <a:ext uri="{FF2B5EF4-FFF2-40B4-BE49-F238E27FC236}">
+                  <a16:creationId xmlns:a16="http://schemas.microsoft.com/office/drawing/2014/main" id="{5A48931A-8630-43D6-AF55-CE46AFA8BEAA}"/>
+                </a:ext>
+              </a:extLst>
+            </p:cNvPr>
+            <p:cNvSpPr/>
+            <p:nvPr/>
+          </p:nvSpPr>
+          <p:spPr>
+            <a:xfrm>
+              <a:off x="9941378" y="3679123"/>
+              <a:ext cx="1703228" cy="430306"/>
+            </a:xfrm>
+            <a:prstGeom prst="roundRect">
+              <a:avLst/>
+            </a:prstGeom>
+            <a:solidFill>
+              <a:schemeClr val="accent1">
+                <a:lumMod val="40000"/>
+                <a:lumOff val="60000"/>
+              </a:schemeClr>
+            </a:solidFill>
+          </p:spPr>
+          <p:style>
+            <a:lnRef idx="2">
+              <a:schemeClr val="accent1">
+                <a:shade val="50000"/>
+              </a:schemeClr>
+            </a:lnRef>
+            <a:fillRef idx="1">
+              <a:schemeClr val="accent1"/>
+            </a:fillRef>
+            <a:effectRef idx="0">
+              <a:schemeClr val="accent1"/>
+            </a:effectRef>
+            <a:fontRef idx="minor">
+              <a:schemeClr val="lt1"/>
+            </a:fontRef>
+          </p:style>
+          <p:txBody>
+            <a:bodyPr rtlCol="0" anchor="ctr"/>
+            <a:lstStyle/>
+            <a:p>
+              <a:pPr algn="ctr"/>
+              <a:r>
+                <a:rPr lang="ko-KR" altLang="en-US" dirty="0">
+                  <a:solidFill>
+                    <a:schemeClr val="tx1"/>
+                  </a:solidFill>
+                </a:rPr>
+                <a:t>탭</a:t>
+              </a:r>
+              <a:r>
+                <a:rPr lang="en-US" altLang="ko-KR" dirty="0">
+                  <a:solidFill>
+                    <a:schemeClr val="tx1"/>
+                  </a:solidFill>
+                </a:rPr>
+                <a:t>3</a:t>
+              </a:r>
+              <a:endParaRPr lang="ko-KR" altLang="en-US" dirty="0">
+                <a:solidFill>
+                  <a:schemeClr val="tx1"/>
+                </a:solidFill>
+              </a:endParaRPr>
+            </a:p>
+          </p:txBody>
+        </p:sp>
+        <p:sp>
+          <p:nvSpPr>
+            <p:cNvPr id="3" name="사각형: 둥근 모서리 2">
+              <a:extLst>
+                <a:ext uri="{FF2B5EF4-FFF2-40B4-BE49-F238E27FC236}">
+                  <a16:creationId xmlns:a16="http://schemas.microsoft.com/office/drawing/2014/main" id="{0AFB992E-C766-4CA8-B960-F937F9FCCA73}"/>
+                </a:ext>
+              </a:extLst>
+            </p:cNvPr>
+            <p:cNvSpPr/>
+            <p:nvPr/>
+          </p:nvSpPr>
+          <p:spPr>
+            <a:xfrm>
+              <a:off x="6552919" y="1554487"/>
+              <a:ext cx="5109683" cy="2124636"/>
+            </a:xfrm>
+            <a:prstGeom prst="roundRect">
+              <a:avLst>
+                <a:gd name="adj" fmla="val 7173"/>
+              </a:avLst>
+            </a:prstGeom>
+            <a:solidFill>
+              <a:schemeClr val="accent2">
+                <a:lumMod val="40000"/>
+                <a:lumOff val="60000"/>
+              </a:schemeClr>
+            </a:solidFill>
+          </p:spPr>
+          <p:style>
+            <a:lnRef idx="2">
+              <a:schemeClr val="accent1">
+                <a:shade val="50000"/>
+              </a:schemeClr>
+            </a:lnRef>
+            <a:fillRef idx="1">
+              <a:schemeClr val="accent1"/>
+            </a:fillRef>
+            <a:effectRef idx="0">
+              <a:schemeClr val="accent1"/>
+            </a:effectRef>
+            <a:fontRef idx="minor">
+              <a:schemeClr val="lt1"/>
+            </a:fontRef>
+          </p:style>
+          <p:txBody>
+            <a:bodyPr rtlCol="0" anchor="ctr"/>
+            <a:lstStyle/>
+            <a:p>
+              <a:pPr algn="ctr"/>
+              <a:endParaRPr lang="ko-KR" altLang="en-US" dirty="0">
+                <a:solidFill>
+                  <a:schemeClr val="tx1"/>
+                </a:solidFill>
+              </a:endParaRPr>
+            </a:p>
+          </p:txBody>
+        </p:sp>
+        <p:sp>
+          <p:nvSpPr>
+            <p:cNvPr id="5" name="TextBox 4">
+              <a:extLst>
+                <a:ext uri="{FF2B5EF4-FFF2-40B4-BE49-F238E27FC236}">
+                  <a16:creationId xmlns:a16="http://schemas.microsoft.com/office/drawing/2014/main" id="{DA762710-4B97-421B-91BC-6091F9EC0E20}"/>
+                </a:ext>
+              </a:extLst>
+            </p:cNvPr>
+            <p:cNvSpPr txBox="1"/>
+            <p:nvPr/>
+          </p:nvSpPr>
+          <p:spPr>
+            <a:xfrm>
+              <a:off x="7939609" y="2302579"/>
+              <a:ext cx="2662518" cy="646331"/>
+            </a:xfrm>
+            <a:prstGeom prst="rect">
+              <a:avLst/>
+            </a:prstGeom>
+            <a:noFill/>
+          </p:spPr>
+          <p:txBody>
+            <a:bodyPr wrap="square" rtlCol="0">
+              <a:spAutoFit/>
+            </a:bodyPr>
+            <a:lstStyle/>
+            <a:p>
+              <a:pPr algn="ctr"/>
+              <a:r>
+                <a:rPr lang="ko-KR" altLang="en-US" dirty="0"/>
+                <a:t>탭에 적절한 슬롯 배치</a:t>
+              </a:r>
+              <a:endParaRPr lang="en-US" altLang="ko-KR" dirty="0"/>
+            </a:p>
+            <a:p>
+              <a:pPr algn="ctr"/>
+              <a:r>
+                <a:rPr lang="en-US" altLang="ko-KR" dirty="0"/>
+                <a:t>(1</a:t>
+              </a:r>
+              <a:r>
+                <a:rPr lang="ko-KR" altLang="en-US" dirty="0"/>
+                <a:t> </a:t>
+              </a:r>
+              <a:r>
+                <a:rPr lang="en-US" altLang="ko-KR" dirty="0"/>
+                <a:t>Slot by 1 Row)</a:t>
+              </a:r>
+              <a:endParaRPr lang="ko-KR" altLang="en-US" dirty="0"/>
+            </a:p>
+          </p:txBody>
+        </p:sp>
+        <p:sp>
+          <p:nvSpPr>
+            <p:cNvPr id="6" name="이등변 삼각형 5">
+              <a:extLst>
+                <a:ext uri="{FF2B5EF4-FFF2-40B4-BE49-F238E27FC236}">
+                  <a16:creationId xmlns:a16="http://schemas.microsoft.com/office/drawing/2014/main" id="{D2B22871-3680-4F30-9299-DBC3BBBCA731}"/>
+                </a:ext>
+              </a:extLst>
+            </p:cNvPr>
+            <p:cNvSpPr/>
+            <p:nvPr/>
+          </p:nvSpPr>
+          <p:spPr>
+            <a:xfrm flipV="1">
+              <a:off x="8807375" y="1240489"/>
+              <a:ext cx="564777" cy="265777"/>
+            </a:xfrm>
+            <a:prstGeom prst="triangle">
+              <a:avLst/>
+            </a:prstGeom>
+            <a:solidFill>
+              <a:schemeClr val="tx1">
+                <a:lumMod val="50000"/>
+                <a:lumOff val="50000"/>
+              </a:schemeClr>
+            </a:solidFill>
+            <a:ln>
+              <a:solidFill>
+                <a:schemeClr val="tx1"/>
+              </a:solidFill>
+            </a:ln>
+          </p:spPr>
+          <p:style>
+            <a:lnRef idx="2">
+              <a:schemeClr val="accent1">
+                <a:shade val="50000"/>
+              </a:schemeClr>
+            </a:lnRef>
+            <a:fillRef idx="1">
+              <a:schemeClr val="accent1"/>
+            </a:fillRef>
+            <a:effectRef idx="0">
+              <a:schemeClr val="accent1"/>
+            </a:effectRef>
+            <a:fontRef idx="minor">
+              <a:schemeClr val="lt1"/>
+            </a:fontRef>
+          </p:style>
+          <p:txBody>
+            <a:bodyPr rtlCol="0" anchor="ctr"/>
+            <a:lstStyle/>
+            <a:p>
+              <a:pPr algn="ctr"/>
+              <a:endParaRPr lang="ko-KR" altLang="en-US"/>
+            </a:p>
+          </p:txBody>
+        </p:sp>
+        <p:sp>
+          <p:nvSpPr>
+            <p:cNvPr id="16" name="TextBox 15">
+              <a:extLst>
+                <a:ext uri="{FF2B5EF4-FFF2-40B4-BE49-F238E27FC236}">
+                  <a16:creationId xmlns:a16="http://schemas.microsoft.com/office/drawing/2014/main" id="{BDC24D55-6279-42BA-B18D-11AFABF19E51}"/>
+                </a:ext>
+              </a:extLst>
+            </p:cNvPr>
+            <p:cNvSpPr txBox="1"/>
+            <p:nvPr/>
+          </p:nvSpPr>
+          <p:spPr>
+            <a:xfrm>
+              <a:off x="9372152" y="1183144"/>
+              <a:ext cx="1680434" cy="369332"/>
+            </a:xfrm>
+            <a:prstGeom prst="rect">
+              <a:avLst/>
+            </a:prstGeom>
+            <a:noFill/>
+          </p:spPr>
+          <p:txBody>
+            <a:bodyPr wrap="square" rtlCol="0">
+              <a:spAutoFit/>
+            </a:bodyPr>
+            <a:lstStyle/>
+            <a:p>
+              <a:pPr algn="ctr"/>
+              <a:r>
+                <a:rPr lang="ko-KR" altLang="en-US" dirty="0"/>
+                <a:t>내리기 버튼</a:t>
+              </a:r>
+            </a:p>
+          </p:txBody>
+        </p:sp>
+      </p:grpSp>
+      <p:grpSp>
+        <p:nvGrpSpPr>
+          <p:cNvPr id="17" name="그룹 16">
+            <a:extLst>
+              <a:ext uri="{FF2B5EF4-FFF2-40B4-BE49-F238E27FC236}">
+                <a16:creationId xmlns:a16="http://schemas.microsoft.com/office/drawing/2014/main" id="{3F10AD25-1DEF-43F1-9AF3-33658BC71DFF}"/>
+              </a:ext>
+            </a:extLst>
+          </p:cNvPr>
+          <p:cNvGrpSpPr/>
+          <p:nvPr/>
+        </p:nvGrpSpPr>
+        <p:grpSpPr>
+          <a:xfrm>
+            <a:off x="6552920" y="620960"/>
+            <a:ext cx="1223582" cy="437505"/>
+            <a:chOff x="5383928" y="2247900"/>
+            <a:chExt cx="2078938" cy="437505"/>
+          </a:xfrm>
+        </p:grpSpPr>
+        <p:sp>
+          <p:nvSpPr>
+            <p:cNvPr id="20" name="화살표: 오각형 19">
+              <a:extLst>
+                <a:ext uri="{FF2B5EF4-FFF2-40B4-BE49-F238E27FC236}">
+                  <a16:creationId xmlns:a16="http://schemas.microsoft.com/office/drawing/2014/main" id="{8E65393D-F284-431B-BF7E-A388737C65A4}"/>
+                </a:ext>
+              </a:extLst>
+            </p:cNvPr>
+            <p:cNvSpPr/>
+            <p:nvPr/>
+          </p:nvSpPr>
+          <p:spPr>
+            <a:xfrm>
+              <a:off x="5383928" y="2247900"/>
+              <a:ext cx="2078938" cy="437505"/>
+            </a:xfrm>
+            <a:prstGeom prst="homePlate">
+              <a:avLst>
+                <a:gd name="adj" fmla="val 30404"/>
+              </a:avLst>
+            </a:prstGeom>
+            <a:solidFill>
+              <a:schemeClr val="bg1"/>
+            </a:solidFill>
+            <a:ln w="28575">
+              <a:solidFill>
+                <a:schemeClr val="tx1"/>
+              </a:solidFill>
+            </a:ln>
+          </p:spPr>
+          <p:style>
+            <a:lnRef idx="2">
+              <a:schemeClr val="accent1">
+                <a:shade val="50000"/>
+              </a:schemeClr>
+            </a:lnRef>
+            <a:fillRef idx="1">
+              <a:schemeClr val="accent1"/>
+            </a:fillRef>
+            <a:effectRef idx="0">
+              <a:schemeClr val="accent1"/>
+            </a:effectRef>
+            <a:fontRef idx="minor">
+              <a:schemeClr val="lt1"/>
+            </a:fontRef>
+          </p:style>
+          <p:txBody>
+            <a:bodyPr rtlCol="0" anchor="ctr"/>
+            <a:lstStyle/>
+            <a:p>
+              <a:pPr algn="ctr"/>
+              <a:endParaRPr lang="ko-KR" altLang="en-US" dirty="0">
+                <a:solidFill>
+                  <a:schemeClr val="tx1"/>
+                </a:solidFill>
+              </a:endParaRPr>
+            </a:p>
+          </p:txBody>
+        </p:sp>
+        <p:sp>
+          <p:nvSpPr>
+            <p:cNvPr id="21" name="TextBox 20">
+              <a:extLst>
+                <a:ext uri="{FF2B5EF4-FFF2-40B4-BE49-F238E27FC236}">
+                  <a16:creationId xmlns:a16="http://schemas.microsoft.com/office/drawing/2014/main" id="{78CC7B09-5085-4124-BD29-5EB90585401E}"/>
+                </a:ext>
+              </a:extLst>
+            </p:cNvPr>
+            <p:cNvSpPr txBox="1"/>
+            <p:nvPr/>
+          </p:nvSpPr>
+          <p:spPr>
+            <a:xfrm>
+              <a:off x="5393131" y="2281986"/>
+              <a:ext cx="1411284" cy="369332"/>
+            </a:xfrm>
+            <a:prstGeom prst="rect">
+              <a:avLst/>
+            </a:prstGeom>
+            <a:noFill/>
+          </p:spPr>
+          <p:txBody>
+            <a:bodyPr wrap="none" rtlCol="0">
+              <a:spAutoFit/>
+            </a:bodyPr>
+            <a:lstStyle/>
+            <a:p>
+              <a:r>
+                <a:rPr lang="ko-KR" altLang="en-US" dirty="0"/>
+                <a:t>상점 </a:t>
+              </a:r>
+              <a:r>
+                <a:rPr lang="en-US" altLang="ko-KR" dirty="0"/>
+                <a:t>UI</a:t>
+              </a:r>
+            </a:p>
+          </p:txBody>
+        </p:sp>
+      </p:grpSp>
+      <p:grpSp>
+        <p:nvGrpSpPr>
+          <p:cNvPr id="22" name="그룹 21">
+            <a:extLst>
+              <a:ext uri="{FF2B5EF4-FFF2-40B4-BE49-F238E27FC236}">
+                <a16:creationId xmlns:a16="http://schemas.microsoft.com/office/drawing/2014/main" id="{D10BB31D-94C8-4D35-9B56-89AECC7C0FD8}"/>
+              </a:ext>
+            </a:extLst>
+          </p:cNvPr>
+          <p:cNvGrpSpPr/>
+          <p:nvPr/>
+        </p:nvGrpSpPr>
+        <p:grpSpPr>
+          <a:xfrm>
+            <a:off x="6534922" y="4856432"/>
+            <a:ext cx="1466077" cy="437505"/>
+            <a:chOff x="5383928" y="2247900"/>
+            <a:chExt cx="2078938" cy="437505"/>
+          </a:xfrm>
+        </p:grpSpPr>
+        <p:sp>
+          <p:nvSpPr>
+            <p:cNvPr id="27" name="화살표: 오각형 26">
+              <a:extLst>
+                <a:ext uri="{FF2B5EF4-FFF2-40B4-BE49-F238E27FC236}">
+                  <a16:creationId xmlns:a16="http://schemas.microsoft.com/office/drawing/2014/main" id="{31C9899E-97B2-4859-8B4D-913A5FF78092}"/>
+                </a:ext>
+              </a:extLst>
+            </p:cNvPr>
+            <p:cNvSpPr/>
+            <p:nvPr/>
+          </p:nvSpPr>
+          <p:spPr>
+            <a:xfrm>
+              <a:off x="5383928" y="2247900"/>
+              <a:ext cx="2078938" cy="437505"/>
+            </a:xfrm>
+            <a:prstGeom prst="homePlate">
+              <a:avLst>
+                <a:gd name="adj" fmla="val 30404"/>
+              </a:avLst>
+            </a:prstGeom>
+            <a:solidFill>
+              <a:schemeClr val="bg1"/>
+            </a:solidFill>
+            <a:ln w="28575">
+              <a:solidFill>
+                <a:schemeClr val="tx1"/>
+              </a:solidFill>
+            </a:ln>
+          </p:spPr>
+          <p:style>
+            <a:lnRef idx="2">
+              <a:schemeClr val="accent1">
+                <a:shade val="50000"/>
+              </a:schemeClr>
+            </a:lnRef>
+            <a:fillRef idx="1">
+              <a:schemeClr val="accent1"/>
+            </a:fillRef>
+            <a:effectRef idx="0">
+              <a:schemeClr val="accent1"/>
+            </a:effectRef>
+            <a:fontRef idx="minor">
+              <a:schemeClr val="lt1"/>
+            </a:fontRef>
+          </p:style>
+          <p:txBody>
+            <a:bodyPr rtlCol="0" anchor="ctr"/>
+            <a:lstStyle/>
+            <a:p>
+              <a:pPr algn="ctr"/>
+              <a:endParaRPr lang="ko-KR" altLang="en-US" dirty="0">
+                <a:solidFill>
+                  <a:schemeClr val="tx1"/>
+                </a:solidFill>
+              </a:endParaRPr>
+            </a:p>
+          </p:txBody>
+        </p:sp>
+        <p:sp>
+          <p:nvSpPr>
+            <p:cNvPr id="28" name="TextBox 27">
+              <a:extLst>
+                <a:ext uri="{FF2B5EF4-FFF2-40B4-BE49-F238E27FC236}">
+                  <a16:creationId xmlns:a16="http://schemas.microsoft.com/office/drawing/2014/main" id="{5B12B650-49BB-482C-8604-5D3AC939746D}"/>
+                </a:ext>
+              </a:extLst>
+            </p:cNvPr>
+            <p:cNvSpPr txBox="1"/>
+            <p:nvPr/>
+          </p:nvSpPr>
+          <p:spPr>
+            <a:xfrm>
+              <a:off x="5393132" y="2281986"/>
+              <a:ext cx="2021454" cy="369332"/>
+            </a:xfrm>
+            <a:prstGeom prst="rect">
+              <a:avLst/>
+            </a:prstGeom>
+            <a:noFill/>
+          </p:spPr>
+          <p:txBody>
+            <a:bodyPr wrap="none" rtlCol="0">
+              <a:spAutoFit/>
+            </a:bodyPr>
+            <a:lstStyle/>
+            <a:p>
+              <a:r>
+                <a:rPr lang="ko-KR" altLang="en-US" dirty="0"/>
+                <a:t>슬롯 구성</a:t>
+              </a:r>
+              <a:endParaRPr lang="en-US" altLang="ko-KR" dirty="0"/>
+            </a:p>
+          </p:txBody>
+        </p:sp>
+      </p:grpSp>
+      <p:grpSp>
+        <p:nvGrpSpPr>
+          <p:cNvPr id="11" name="그룹 10">
+            <a:extLst>
+              <a:ext uri="{FF2B5EF4-FFF2-40B4-BE49-F238E27FC236}">
+                <a16:creationId xmlns:a16="http://schemas.microsoft.com/office/drawing/2014/main" id="{2A4E2A6C-FD17-47F1-84E9-064422975CE7}"/>
+              </a:ext>
+            </a:extLst>
+          </p:cNvPr>
+          <p:cNvGrpSpPr/>
+          <p:nvPr/>
+        </p:nvGrpSpPr>
+        <p:grpSpPr>
+          <a:xfrm>
+            <a:off x="6516927" y="5335185"/>
+            <a:ext cx="5127679" cy="1261100"/>
+            <a:chOff x="6516927" y="5335185"/>
+            <a:chExt cx="5127679" cy="1261100"/>
+          </a:xfrm>
+        </p:grpSpPr>
+        <p:sp>
+          <p:nvSpPr>
+            <p:cNvPr id="7" name="직사각형 6">
+              <a:extLst>
+                <a:ext uri="{FF2B5EF4-FFF2-40B4-BE49-F238E27FC236}">
+                  <a16:creationId xmlns:a16="http://schemas.microsoft.com/office/drawing/2014/main" id="{9E4E1C8F-94DB-4490-B452-733EE845CA6A}"/>
+                </a:ext>
+              </a:extLst>
+            </p:cNvPr>
+            <p:cNvSpPr/>
+            <p:nvPr/>
+          </p:nvSpPr>
+          <p:spPr>
+            <a:xfrm>
+              <a:off x="6516927" y="5335185"/>
+              <a:ext cx="5127679" cy="1261100"/>
+            </a:xfrm>
+            <a:prstGeom prst="rect">
+              <a:avLst/>
+            </a:prstGeom>
+            <a:solidFill>
+              <a:schemeClr val="bg1">
+                <a:lumMod val="85000"/>
+              </a:schemeClr>
+            </a:solidFill>
+            <a:ln>
+              <a:solidFill>
+                <a:schemeClr val="tx1"/>
+              </a:solidFill>
+            </a:ln>
+          </p:spPr>
+          <p:style>
+            <a:lnRef idx="2">
+              <a:schemeClr val="accent1">
+                <a:shade val="50000"/>
+              </a:schemeClr>
+            </a:lnRef>
+            <a:fillRef idx="1">
+              <a:schemeClr val="accent1"/>
+            </a:fillRef>
+            <a:effectRef idx="0">
+              <a:schemeClr val="accent1"/>
+            </a:effectRef>
+            <a:fontRef idx="minor">
+              <a:schemeClr val="lt1"/>
+            </a:fontRef>
+          </p:style>
+          <p:txBody>
+            <a:bodyPr rtlCol="0" anchor="ctr"/>
+            <a:lstStyle/>
+            <a:p>
+              <a:pPr algn="ctr"/>
+              <a:endParaRPr lang="ko-KR" altLang="en-US"/>
+            </a:p>
+          </p:txBody>
+        </p:sp>
+        <p:sp>
+          <p:nvSpPr>
+            <p:cNvPr id="8" name="직사각형 7">
+              <a:extLst>
+                <a:ext uri="{FF2B5EF4-FFF2-40B4-BE49-F238E27FC236}">
+                  <a16:creationId xmlns:a16="http://schemas.microsoft.com/office/drawing/2014/main" id="{C93F923C-3537-43F4-8094-0AD643050078}"/>
+                </a:ext>
+              </a:extLst>
+            </p:cNvPr>
+            <p:cNvSpPr/>
+            <p:nvPr/>
+          </p:nvSpPr>
+          <p:spPr>
+            <a:xfrm>
+              <a:off x="6717003" y="5501447"/>
+              <a:ext cx="959284" cy="928575"/>
+            </a:xfrm>
+            <a:prstGeom prst="rect">
+              <a:avLst/>
+            </a:prstGeom>
+            <a:solidFill>
+              <a:schemeClr val="bg1"/>
+            </a:solidFill>
+            <a:ln>
+              <a:solidFill>
+                <a:schemeClr val="tx1"/>
+              </a:solidFill>
+            </a:ln>
+          </p:spPr>
+          <p:style>
+            <a:lnRef idx="2">
+              <a:schemeClr val="accent1">
+                <a:shade val="50000"/>
+              </a:schemeClr>
+            </a:lnRef>
+            <a:fillRef idx="1">
+              <a:schemeClr val="accent1"/>
+            </a:fillRef>
+            <a:effectRef idx="0">
+              <a:schemeClr val="accent1"/>
+            </a:effectRef>
+            <a:fontRef idx="minor">
+              <a:schemeClr val="lt1"/>
+            </a:fontRef>
+          </p:style>
+          <p:txBody>
+            <a:bodyPr rtlCol="0" anchor="ctr"/>
+            <a:lstStyle/>
+            <a:p>
+              <a:pPr algn="ctr"/>
+              <a:r>
+                <a:rPr lang="en-US" altLang="ko-KR" dirty="0">
+                  <a:solidFill>
+                    <a:schemeClr val="tx1"/>
+                  </a:solidFill>
+                </a:rPr>
+                <a:t>IMG</a:t>
+              </a:r>
+              <a:endParaRPr lang="ko-KR" altLang="en-US" dirty="0">
+                <a:solidFill>
+                  <a:schemeClr val="tx1"/>
+                </a:solidFill>
+              </a:endParaRPr>
+            </a:p>
+          </p:txBody>
+        </p:sp>
+        <p:sp>
+          <p:nvSpPr>
+            <p:cNvPr id="29" name="TextBox 28">
+              <a:extLst>
+                <a:ext uri="{FF2B5EF4-FFF2-40B4-BE49-F238E27FC236}">
+                  <a16:creationId xmlns:a16="http://schemas.microsoft.com/office/drawing/2014/main" id="{DE364FE1-D4DE-49B1-9535-5857A47FCDF2}"/>
+                </a:ext>
+              </a:extLst>
+            </p:cNvPr>
+            <p:cNvSpPr txBox="1"/>
+            <p:nvPr/>
+          </p:nvSpPr>
+          <p:spPr>
+            <a:xfrm>
+              <a:off x="7776502" y="5423937"/>
+              <a:ext cx="1358897" cy="369332"/>
+            </a:xfrm>
+            <a:prstGeom prst="rect">
+              <a:avLst/>
+            </a:prstGeom>
+            <a:noFill/>
+          </p:spPr>
+          <p:txBody>
+            <a:bodyPr wrap="square" rtlCol="0">
+              <a:spAutoFit/>
+            </a:bodyPr>
+            <a:lstStyle/>
+            <a:p>
+              <a:r>
+                <a:rPr lang="ko-KR" altLang="en-US" dirty="0"/>
+                <a:t>항목 이름</a:t>
+              </a:r>
+            </a:p>
+          </p:txBody>
+        </p:sp>
+        <p:sp>
+          <p:nvSpPr>
+            <p:cNvPr id="30" name="TextBox 29">
+              <a:extLst>
+                <a:ext uri="{FF2B5EF4-FFF2-40B4-BE49-F238E27FC236}">
+                  <a16:creationId xmlns:a16="http://schemas.microsoft.com/office/drawing/2014/main" id="{5C9E5FF7-C370-468E-918E-7526191E4C38}"/>
+                </a:ext>
+              </a:extLst>
+            </p:cNvPr>
+            <p:cNvSpPr txBox="1"/>
+            <p:nvPr/>
+          </p:nvSpPr>
+          <p:spPr>
+            <a:xfrm>
+              <a:off x="9185217" y="5423937"/>
+              <a:ext cx="1358897" cy="369332"/>
+            </a:xfrm>
+            <a:prstGeom prst="rect">
+              <a:avLst/>
+            </a:prstGeom>
+            <a:noFill/>
+          </p:spPr>
+          <p:txBody>
+            <a:bodyPr wrap="square" rtlCol="0">
+              <a:spAutoFit/>
+            </a:bodyPr>
+            <a:lstStyle/>
+            <a:p>
+              <a:r>
+                <a:rPr lang="ko-KR" altLang="en-US" dirty="0"/>
+                <a:t>레벨</a:t>
+              </a:r>
+            </a:p>
+          </p:txBody>
+        </p:sp>
+        <p:sp>
+          <p:nvSpPr>
+            <p:cNvPr id="31" name="TextBox 30">
+              <a:extLst>
+                <a:ext uri="{FF2B5EF4-FFF2-40B4-BE49-F238E27FC236}">
+                  <a16:creationId xmlns:a16="http://schemas.microsoft.com/office/drawing/2014/main" id="{489F2CF8-508B-4447-A1CC-9FDE9C9B43A4}"/>
+                </a:ext>
+              </a:extLst>
+            </p:cNvPr>
+            <p:cNvSpPr txBox="1"/>
+            <p:nvPr/>
+          </p:nvSpPr>
+          <p:spPr>
+            <a:xfrm>
+              <a:off x="7776502" y="5836309"/>
+              <a:ext cx="1358897" cy="646331"/>
+            </a:xfrm>
+            <a:prstGeom prst="rect">
+              <a:avLst/>
+            </a:prstGeom>
+            <a:noFill/>
+          </p:spPr>
+          <p:txBody>
+            <a:bodyPr wrap="square" rtlCol="0">
+              <a:spAutoFit/>
+            </a:bodyPr>
+            <a:lstStyle/>
+            <a:p>
+              <a:r>
+                <a:rPr lang="ko-KR" altLang="en-US" dirty="0"/>
+                <a:t>효과</a:t>
+              </a:r>
+              <a:br>
+                <a:rPr lang="en-US" altLang="ko-KR" dirty="0"/>
+              </a:br>
+              <a:r>
+                <a:rPr lang="en-US" altLang="ko-KR" dirty="0"/>
+                <a:t>(</a:t>
+              </a:r>
+              <a:r>
+                <a:rPr lang="ko-KR" altLang="en-US" dirty="0"/>
+                <a:t>최대 </a:t>
+              </a:r>
+              <a:r>
+                <a:rPr lang="en-US" altLang="ko-KR" dirty="0"/>
+                <a:t>3</a:t>
+              </a:r>
+              <a:r>
+                <a:rPr lang="ko-KR" altLang="en-US" dirty="0"/>
+                <a:t>줄</a:t>
+              </a:r>
+              <a:r>
+                <a:rPr lang="en-US" altLang="ko-KR" dirty="0"/>
+                <a:t>)</a:t>
+              </a:r>
+              <a:endParaRPr lang="ko-KR" altLang="en-US" dirty="0"/>
+            </a:p>
+          </p:txBody>
+        </p:sp>
+        <p:sp>
+          <p:nvSpPr>
+            <p:cNvPr id="9" name="사각형: 둥근 모서리 8">
+              <a:extLst>
+                <a:ext uri="{FF2B5EF4-FFF2-40B4-BE49-F238E27FC236}">
+                  <a16:creationId xmlns:a16="http://schemas.microsoft.com/office/drawing/2014/main" id="{36A9A70E-A93F-4F78-BD2F-9415E70A5448}"/>
+                </a:ext>
+              </a:extLst>
+            </p:cNvPr>
+            <p:cNvSpPr/>
+            <p:nvPr/>
+          </p:nvSpPr>
+          <p:spPr>
+            <a:xfrm>
+              <a:off x="10593932" y="5536586"/>
+              <a:ext cx="914400" cy="914400"/>
+            </a:xfrm>
+            <a:prstGeom prst="roundRect">
+              <a:avLst/>
+            </a:prstGeom>
+            <a:solidFill>
+              <a:schemeClr val="accent5">
+                <a:lumMod val="60000"/>
+                <a:lumOff val="40000"/>
+              </a:schemeClr>
+            </a:solidFill>
+          </p:spPr>
+          <p:style>
+            <a:lnRef idx="2">
+              <a:schemeClr val="accent1">
+                <a:shade val="50000"/>
+              </a:schemeClr>
+            </a:lnRef>
+            <a:fillRef idx="1">
+              <a:schemeClr val="accent1"/>
+            </a:fillRef>
+            <a:effectRef idx="0">
+              <a:schemeClr val="accent1"/>
+            </a:effectRef>
+            <a:fontRef idx="minor">
+              <a:schemeClr val="lt1"/>
+            </a:fontRef>
+          </p:style>
+          <p:txBody>
+            <a:bodyPr rtlCol="0" anchor="ctr"/>
+            <a:lstStyle/>
+            <a:p>
+              <a:pPr algn="ctr"/>
+              <a:r>
+                <a:rPr lang="ko-KR" altLang="en-US" dirty="0">
+                  <a:solidFill>
+                    <a:schemeClr val="tx1"/>
+                  </a:solidFill>
+                </a:rPr>
+                <a:t>구매</a:t>
+              </a:r>
+              <a:endParaRPr lang="en-US" altLang="ko-KR" dirty="0">
+                <a:solidFill>
+                  <a:schemeClr val="tx1"/>
+                </a:solidFill>
+              </a:endParaRPr>
+            </a:p>
+            <a:p>
+              <a:pPr algn="ctr"/>
+              <a:r>
+                <a:rPr lang="en-US" altLang="ko-KR" dirty="0">
+                  <a:solidFill>
+                    <a:schemeClr val="tx1"/>
+                  </a:solidFill>
+                </a:rPr>
+                <a:t>(</a:t>
+              </a:r>
+              <a:r>
+                <a:rPr lang="ko-KR" altLang="en-US" dirty="0">
+                  <a:solidFill>
+                    <a:schemeClr val="tx1"/>
+                  </a:solidFill>
+                </a:rPr>
+                <a:t>비용</a:t>
+              </a:r>
+              <a:r>
+                <a:rPr lang="en-US" altLang="ko-KR" dirty="0">
+                  <a:solidFill>
+                    <a:schemeClr val="tx1"/>
+                  </a:solidFill>
+                </a:rPr>
+                <a:t>)</a:t>
+              </a:r>
+              <a:endParaRPr lang="ko-KR" altLang="en-US" dirty="0">
+                <a:solidFill>
+                  <a:schemeClr val="tx1"/>
+                </a:solidFill>
+              </a:endParaRPr>
+            </a:p>
+          </p:txBody>
+        </p:sp>
+      </p:grpSp>
+    </p:spTree>
+    <p:extLst>
+      <p:ext uri="{BB962C8B-B14F-4D97-AF65-F5344CB8AC3E}">
+        <p14:creationId xmlns:p14="http://schemas.microsoft.com/office/powerpoint/2010/main" val="3879436252"/>
+      </p:ext>
+    </p:extLst>
+  </p:cSld>
+  <p:clrMapOvr>
+    <a:masterClrMapping/>
+  </p:clrMapOvr>
+</p:sld>
+</file>
+
+<file path=ppt/slides/slide23.xml><?xml version="1.0" encoding="utf-8"?>
 <p:sld xmlns:a="http://schemas.openxmlformats.org/drawingml/2006/main" xmlns:r="http://schemas.openxmlformats.org/officeDocument/2006/relationships" xmlns:p="http://schemas.openxmlformats.org/presentationml/2006/main">
   <p:cSld>
     <p:spTree>
@@ -19100,7 +22670,7 @@
 </p:sld>
 </file>
 
-<file path=ppt/slides/slide22.xml><?xml version="1.0" encoding="utf-8"?>
+<file path=ppt/slides/slide24.xml><?xml version="1.0" encoding="utf-8"?>
 <p:sld xmlns:a="http://schemas.openxmlformats.org/drawingml/2006/main" xmlns:r="http://schemas.openxmlformats.org/officeDocument/2006/relationships" xmlns:p="http://schemas.openxmlformats.org/presentationml/2006/main">
   <p:cSld>
     <p:spTree>
@@ -20028,7 +23598,9 @@
               <a:buAutoNum type="arabicPeriod"/>
             </a:pPr>
             <a:r>
-              <a:rPr lang="ko-KR" altLang="en-US" sz="2000" dirty="0"/>
+              <a:rPr lang="ko-KR" altLang="en-US" sz="2000" dirty="0">
+                <a:hlinkClick r:id="rId8" action="ppaction://hlinksldjump"/>
+              </a:rPr>
               <a:t>상점 시스템</a:t>
             </a:r>
             <a:endParaRPr lang="en-US" altLang="ko-KR" sz="2000" dirty="0"/>
@@ -20039,7 +23611,7 @@
             </a:pPr>
             <a:r>
               <a:rPr lang="ko-KR" altLang="en-US" sz="2000" dirty="0">
-                <a:hlinkClick r:id="rId8" action="ppaction://hlinksldjump"/>
+                <a:hlinkClick r:id="rId9" action="ppaction://hlinksldjump"/>
               </a:rPr>
               <a:t>숫자 표기 시스템</a:t>
             </a:r>
@@ -20531,23 +24103,7 @@
                     <a:schemeClr val="tx1"/>
                   </a:solidFill>
                 </a:rPr>
-                <a:t>관련 사항을 기재한 </a:t>
-              </a:r>
-              <a:r>
-                <a:rPr lang="ko-KR" altLang="en-US" i="1" dirty="0">
-                  <a:solidFill>
-                    <a:schemeClr val="tx1"/>
-                  </a:solidFill>
-                </a:rPr>
-                <a:t>기록용</a:t>
-              </a:r>
-              <a:r>
-                <a:rPr lang="ko-KR" altLang="en-US" dirty="0">
-                  <a:solidFill>
-                    <a:schemeClr val="tx1"/>
-                  </a:solidFill>
-                </a:rPr>
-                <a:t> 문서</a:t>
+                <a:t>관련 사항을 기재한 문서</a:t>
               </a:r>
               <a:endParaRPr lang="en-US" altLang="ko-KR" dirty="0">
                 <a:solidFill>
@@ -23351,12 +26907,6 @@
 </file>
 
 <file path=customXml/item1.xml><?xml version="1.0" encoding="utf-8"?>
-<p:properties xmlns:p="http://schemas.microsoft.com/office/2006/metadata/properties" xmlns:xsi="http://www.w3.org/2001/XMLSchema-instance" xmlns:pc="http://schemas.microsoft.com/office/infopath/2007/PartnerControls">
-  <documentManagement/>
-</p:properties>
-</file>
-
-<file path=customXml/item2.xml><?xml version="1.0" encoding="utf-8"?>
 <ct:contentTypeSchema xmlns:ct="http://schemas.microsoft.com/office/2006/metadata/contentType" xmlns:ma="http://schemas.microsoft.com/office/2006/metadata/properties/metaAttributes" ct:_="" ma:_="" ma:contentTypeName="문서" ma:contentTypeID="0x0101001DBB2B28955C594DB24AF1F5BB7336C8" ma:contentTypeVersion="2" ma:contentTypeDescription="새 문서를 만듭니다." ma:contentTypeScope="" ma:versionID="f2fa06709d317143d893a6f8ce6ede6a">
   <xsd:schema xmlns:xsd="http://www.w3.org/2001/XMLSchema" xmlns:xs="http://www.w3.org/2001/XMLSchema" xmlns:p="http://schemas.microsoft.com/office/2006/metadata/properties" xmlns:ns3="5555129b-2418-4d50-9dfa-7b95714945fa" targetNamespace="http://schemas.microsoft.com/office/2006/metadata/properties" ma:root="true" ma:fieldsID="e8dc87fcc42539e288ba896fdb612da0" ns3:_="">
     <xsd:import namespace="5555129b-2418-4d50-9dfa-7b95714945fa"/>
@@ -23488,6 +27038,12 @@
 </ct:contentTypeSchema>
 </file>
 
+<file path=customXml/item2.xml><?xml version="1.0" encoding="utf-8"?>
+<p:properties xmlns:p="http://schemas.microsoft.com/office/2006/metadata/properties" xmlns:xsi="http://www.w3.org/2001/XMLSchema-instance" xmlns:pc="http://schemas.microsoft.com/office/infopath/2007/PartnerControls">
+  <documentManagement/>
+</p:properties>
+</file>
+
 <file path=customXml/item3.xml><?xml version="1.0" encoding="utf-8"?>
 <?mso-contentType ?>
 <FormTemplates xmlns="http://schemas.microsoft.com/sharepoint/v3/contenttype/forms">
@@ -23498,15 +27054,6 @@
 </file>
 
 <file path=customXml/itemProps1.xml><?xml version="1.0" encoding="utf-8"?>
-<ds:datastoreItem xmlns:ds="http://schemas.openxmlformats.org/officeDocument/2006/customXml" ds:itemID="{A23103BA-1CDF-42E2-84EF-97766276A752}">
-  <ds:schemaRefs>
-    <ds:schemaRef ds:uri="http://schemas.microsoft.com/office/2006/metadata/properties"/>
-    <ds:schemaRef ds:uri="http://schemas.microsoft.com/office/infopath/2007/PartnerControls"/>
-  </ds:schemaRefs>
-</ds:datastoreItem>
-</file>
-
-<file path=customXml/itemProps2.xml><?xml version="1.0" encoding="utf-8"?>
 <ds:datastoreItem xmlns:ds="http://schemas.openxmlformats.org/officeDocument/2006/customXml" ds:itemID="{A1191A0A-B4A1-4213-A2EE-9C9D701194F6}">
   <ds:schemaRefs>
     <ds:schemaRef ds:uri="http://schemas.microsoft.com/office/2006/metadata/contentType"/>
@@ -23524,6 +27071,15 @@
 </ds:datastoreItem>
 </file>
 
+<file path=customXml/itemProps2.xml><?xml version="1.0" encoding="utf-8"?>
+<ds:datastoreItem xmlns:ds="http://schemas.openxmlformats.org/officeDocument/2006/customXml" ds:itemID="{A23103BA-1CDF-42E2-84EF-97766276A752}">
+  <ds:schemaRefs>
+    <ds:schemaRef ds:uri="http://schemas.microsoft.com/office/2006/metadata/properties"/>
+    <ds:schemaRef ds:uri="http://schemas.microsoft.com/office/infopath/2007/PartnerControls"/>
+  </ds:schemaRefs>
+</ds:datastoreItem>
+</file>
+
 <file path=customXml/itemProps3.xml><?xml version="1.0" encoding="utf-8"?>
 <ds:datastoreItem xmlns:ds="http://schemas.openxmlformats.org/officeDocument/2006/customXml" ds:itemID="{4C7A472F-9902-4104-BCF0-D4754C77190F}">
   <ds:schemaRefs>

--- a/기획서/당근키우기 시스템.pptx
+++ b/기획서/당근키우기 시스템.pptx
@@ -19561,7 +19561,7 @@
         </p:nvSpPr>
         <p:spPr>
           <a:xfrm>
-            <a:off x="3402559" y="3185479"/>
+            <a:off x="3380959" y="3237587"/>
             <a:ext cx="357790" cy="461665"/>
           </a:xfrm>
           <a:prstGeom prst="rect">
@@ -20926,8 +20926,8 @@
         </p:nvGrpSpPr>
         <p:grpSpPr>
           <a:xfrm>
-            <a:off x="300450" y="2185269"/>
-            <a:ext cx="5970228" cy="2917162"/>
+            <a:off x="271840" y="2096517"/>
+            <a:ext cx="5970228" cy="3238668"/>
             <a:chOff x="7280649" y="4038167"/>
             <a:chExt cx="4217057" cy="2389089"/>
           </a:xfrm>
@@ -21000,8 +21000,8 @@
           </p:nvSpPr>
           <p:spPr>
             <a:xfrm>
-              <a:off x="7280649" y="4407499"/>
-              <a:ext cx="4217057" cy="2019757"/>
+              <a:off x="7280649" y="4275335"/>
+              <a:ext cx="4217057" cy="2151921"/>
             </a:xfrm>
             <a:prstGeom prst="rect">
               <a:avLst/>
@@ -21079,6 +21079,37 @@
                 </a:rPr>
                 <a:t>이 존재</a:t>
               </a:r>
+              <a:br>
+                <a:rPr lang="en-US" altLang="ko-KR" dirty="0">
+                  <a:solidFill>
+                    <a:schemeClr val="tx1"/>
+                  </a:solidFill>
+                </a:rPr>
+              </a:br>
+              <a:r>
+                <a:rPr lang="en-US" altLang="ko-KR" dirty="0" err="1">
+                  <a:solidFill>
+                    <a:schemeClr val="tx1"/>
+                  </a:solidFill>
+                </a:rPr>
+                <a:t>ShopItem.ItemCategory</a:t>
+              </a:r>
+              <a:r>
+                <a:rPr lang="en-US" altLang="ko-KR" dirty="0">
+                  <a:solidFill>
+                    <a:schemeClr val="tx1"/>
+                  </a:solidFill>
+                </a:rPr>
+                <a:t> </a:t>
+              </a:r>
+              <a:r>
+                <a:rPr lang="ko-KR" altLang="en-US" dirty="0">
+                  <a:solidFill>
+                    <a:schemeClr val="tx1"/>
+                  </a:solidFill>
+                </a:rPr>
+                <a:t>세부 데이터로 분류</a:t>
+              </a:r>
               <a:endParaRPr lang="en-US" altLang="ko-KR" dirty="0">
                 <a:solidFill>
                   <a:schemeClr val="tx1"/>
@@ -21123,7 +21154,7 @@
                     <a:schemeClr val="tx1"/>
                   </a:solidFill>
                 </a:rPr>
-                <a:t>세부 구매 항목별 슬롯이 존재</a:t>
+                <a:t>항목별 슬롯이 존재</a:t>
               </a:r>
               <a:br>
                 <a:rPr lang="en-US" altLang="ko-KR" dirty="0">
@@ -21503,9 +21534,9 @@
         <p:grpSpPr>
           <a:xfrm>
             <a:off x="6534923" y="1113130"/>
-            <a:ext cx="5127679" cy="2926285"/>
+            <a:ext cx="5127680" cy="2926285"/>
             <a:chOff x="6534923" y="1183144"/>
-            <a:chExt cx="5127679" cy="2926285"/>
+            <a:chExt cx="5127680" cy="2926285"/>
           </a:xfrm>
         </p:grpSpPr>
         <p:sp>
@@ -21794,8 +21825,8 @@
           </p:nvSpPr>
           <p:spPr>
             <a:xfrm>
-              <a:off x="6552919" y="1554487"/>
-              <a:ext cx="5109683" cy="2124636"/>
+              <a:off x="6534923" y="1554487"/>
+              <a:ext cx="5127680" cy="2124636"/>
             </a:xfrm>
             <a:prstGeom prst="roundRect">
               <a:avLst>
@@ -22394,7 +22425,7 @@
             <a:p>
               <a:r>
                 <a:rPr lang="ko-KR" altLang="en-US" dirty="0"/>
-                <a:t>항목 이름</a:t>
+                <a:t>이름</a:t>
               </a:r>
             </a:p>
           </p:txBody>
@@ -26907,6 +26938,12 @@
 </file>
 
 <file path=customXml/item1.xml><?xml version="1.0" encoding="utf-8"?>
+<p:properties xmlns:p="http://schemas.microsoft.com/office/2006/metadata/properties" xmlns:xsi="http://www.w3.org/2001/XMLSchema-instance" xmlns:pc="http://schemas.microsoft.com/office/infopath/2007/PartnerControls">
+  <documentManagement/>
+</p:properties>
+</file>
+
+<file path=customXml/item2.xml><?xml version="1.0" encoding="utf-8"?>
 <ct:contentTypeSchema xmlns:ct="http://schemas.microsoft.com/office/2006/metadata/contentType" xmlns:ma="http://schemas.microsoft.com/office/2006/metadata/properties/metaAttributes" ct:_="" ma:_="" ma:contentTypeName="문서" ma:contentTypeID="0x0101001DBB2B28955C594DB24AF1F5BB7336C8" ma:contentTypeVersion="2" ma:contentTypeDescription="새 문서를 만듭니다." ma:contentTypeScope="" ma:versionID="f2fa06709d317143d893a6f8ce6ede6a">
   <xsd:schema xmlns:xsd="http://www.w3.org/2001/XMLSchema" xmlns:xs="http://www.w3.org/2001/XMLSchema" xmlns:p="http://schemas.microsoft.com/office/2006/metadata/properties" xmlns:ns3="5555129b-2418-4d50-9dfa-7b95714945fa" targetNamespace="http://schemas.microsoft.com/office/2006/metadata/properties" ma:root="true" ma:fieldsID="e8dc87fcc42539e288ba896fdb612da0" ns3:_="">
     <xsd:import namespace="5555129b-2418-4d50-9dfa-7b95714945fa"/>
@@ -27038,12 +27075,6 @@
 </ct:contentTypeSchema>
 </file>
 
-<file path=customXml/item2.xml><?xml version="1.0" encoding="utf-8"?>
-<p:properties xmlns:p="http://schemas.microsoft.com/office/2006/metadata/properties" xmlns:xsi="http://www.w3.org/2001/XMLSchema-instance" xmlns:pc="http://schemas.microsoft.com/office/infopath/2007/PartnerControls">
-  <documentManagement/>
-</p:properties>
-</file>
-
 <file path=customXml/item3.xml><?xml version="1.0" encoding="utf-8"?>
 <?mso-contentType ?>
 <FormTemplates xmlns="http://schemas.microsoft.com/sharepoint/v3/contenttype/forms">
@@ -27054,6 +27085,15 @@
 </file>
 
 <file path=customXml/itemProps1.xml><?xml version="1.0" encoding="utf-8"?>
+<ds:datastoreItem xmlns:ds="http://schemas.openxmlformats.org/officeDocument/2006/customXml" ds:itemID="{A23103BA-1CDF-42E2-84EF-97766276A752}">
+  <ds:schemaRefs>
+    <ds:schemaRef ds:uri="http://schemas.microsoft.com/office/2006/metadata/properties"/>
+    <ds:schemaRef ds:uri="http://schemas.microsoft.com/office/infopath/2007/PartnerControls"/>
+  </ds:schemaRefs>
+</ds:datastoreItem>
+</file>
+
+<file path=customXml/itemProps2.xml><?xml version="1.0" encoding="utf-8"?>
 <ds:datastoreItem xmlns:ds="http://schemas.openxmlformats.org/officeDocument/2006/customXml" ds:itemID="{A1191A0A-B4A1-4213-A2EE-9C9D701194F6}">
   <ds:schemaRefs>
     <ds:schemaRef ds:uri="http://schemas.microsoft.com/office/2006/metadata/contentType"/>
@@ -27071,15 +27111,6 @@
 </ds:datastoreItem>
 </file>
 
-<file path=customXml/itemProps2.xml><?xml version="1.0" encoding="utf-8"?>
-<ds:datastoreItem xmlns:ds="http://schemas.openxmlformats.org/officeDocument/2006/customXml" ds:itemID="{A23103BA-1CDF-42E2-84EF-97766276A752}">
-  <ds:schemaRefs>
-    <ds:schemaRef ds:uri="http://schemas.microsoft.com/office/2006/metadata/properties"/>
-    <ds:schemaRef ds:uri="http://schemas.microsoft.com/office/infopath/2007/PartnerControls"/>
-  </ds:schemaRefs>
-</ds:datastoreItem>
-</file>
-
 <file path=customXml/itemProps3.xml><?xml version="1.0" encoding="utf-8"?>
 <ds:datastoreItem xmlns:ds="http://schemas.openxmlformats.org/officeDocument/2006/customXml" ds:itemID="{4C7A472F-9902-4104-BCF0-D4754C77190F}">
   <ds:schemaRefs>

--- a/기획서/당근키우기 시스템.pptx
+++ b/기획서/당근키우기 시스템.pptx
@@ -6144,7 +6144,7 @@
           <a:p>
             <a:fld id="{D6F8FF3C-9381-4334-95AA-ABB07BBFE4B0}" type="datetimeFigureOut">
               <a:rPr lang="ko-KR" altLang="en-US" smtClean="0"/>
-              <a:t>2020-10-26</a:t>
+              <a:t>2020-11-03</a:t>
             </a:fld>
             <a:endParaRPr lang="ko-KR" altLang="en-US"/>
           </a:p>
@@ -7863,7 +7863,7 @@
           <a:p>
             <a:fld id="{1C1EA180-B51C-4898-B0E0-B9410346B791}" type="datetimeFigureOut">
               <a:rPr lang="ko-KR" altLang="en-US" smtClean="0"/>
-              <a:t>2020-10-26</a:t>
+              <a:t>2020-11-03</a:t>
             </a:fld>
             <a:endParaRPr lang="ko-KR" altLang="en-US"/>
           </a:p>
@@ -8061,7 +8061,7 @@
           <a:p>
             <a:fld id="{1C1EA180-B51C-4898-B0E0-B9410346B791}" type="datetimeFigureOut">
               <a:rPr lang="ko-KR" altLang="en-US" smtClean="0"/>
-              <a:t>2020-10-26</a:t>
+              <a:t>2020-11-03</a:t>
             </a:fld>
             <a:endParaRPr lang="ko-KR" altLang="en-US"/>
           </a:p>
@@ -8269,7 +8269,7 @@
           <a:p>
             <a:fld id="{1C1EA180-B51C-4898-B0E0-B9410346B791}" type="datetimeFigureOut">
               <a:rPr lang="ko-KR" altLang="en-US" smtClean="0"/>
-              <a:t>2020-10-26</a:t>
+              <a:t>2020-11-03</a:t>
             </a:fld>
             <a:endParaRPr lang="ko-KR" altLang="en-US"/>
           </a:p>
@@ -8467,7 +8467,7 @@
           <a:p>
             <a:fld id="{1C1EA180-B51C-4898-B0E0-B9410346B791}" type="datetimeFigureOut">
               <a:rPr lang="ko-KR" altLang="en-US" smtClean="0"/>
-              <a:t>2020-10-26</a:t>
+              <a:t>2020-11-03</a:t>
             </a:fld>
             <a:endParaRPr lang="ko-KR" altLang="en-US"/>
           </a:p>
@@ -8742,7 +8742,7 @@
           <a:p>
             <a:fld id="{1C1EA180-B51C-4898-B0E0-B9410346B791}" type="datetimeFigureOut">
               <a:rPr lang="ko-KR" altLang="en-US" smtClean="0"/>
-              <a:t>2020-10-26</a:t>
+              <a:t>2020-11-03</a:t>
             </a:fld>
             <a:endParaRPr lang="ko-KR" altLang="en-US"/>
           </a:p>
@@ -9007,7 +9007,7 @@
           <a:p>
             <a:fld id="{1C1EA180-B51C-4898-B0E0-B9410346B791}" type="datetimeFigureOut">
               <a:rPr lang="ko-KR" altLang="en-US" smtClean="0"/>
-              <a:t>2020-10-26</a:t>
+              <a:t>2020-11-03</a:t>
             </a:fld>
             <a:endParaRPr lang="ko-KR" altLang="en-US"/>
           </a:p>
@@ -9419,7 +9419,7 @@
           <a:p>
             <a:fld id="{1C1EA180-B51C-4898-B0E0-B9410346B791}" type="datetimeFigureOut">
               <a:rPr lang="ko-KR" altLang="en-US" smtClean="0"/>
-              <a:t>2020-10-26</a:t>
+              <a:t>2020-11-03</a:t>
             </a:fld>
             <a:endParaRPr lang="ko-KR" altLang="en-US"/>
           </a:p>
@@ -9560,7 +9560,7 @@
           <a:p>
             <a:fld id="{1C1EA180-B51C-4898-B0E0-B9410346B791}" type="datetimeFigureOut">
               <a:rPr lang="ko-KR" altLang="en-US" smtClean="0"/>
-              <a:t>2020-10-26</a:t>
+              <a:t>2020-11-03</a:t>
             </a:fld>
             <a:endParaRPr lang="ko-KR" altLang="en-US"/>
           </a:p>
@@ -9673,7 +9673,7 @@
           <a:p>
             <a:fld id="{1C1EA180-B51C-4898-B0E0-B9410346B791}" type="datetimeFigureOut">
               <a:rPr lang="ko-KR" altLang="en-US" smtClean="0"/>
-              <a:t>2020-10-26</a:t>
+              <a:t>2020-11-03</a:t>
             </a:fld>
             <a:endParaRPr lang="ko-KR" altLang="en-US"/>
           </a:p>
@@ -9984,7 +9984,7 @@
           <a:p>
             <a:fld id="{1C1EA180-B51C-4898-B0E0-B9410346B791}" type="datetimeFigureOut">
               <a:rPr lang="ko-KR" altLang="en-US" smtClean="0"/>
-              <a:t>2020-10-26</a:t>
+              <a:t>2020-11-03</a:t>
             </a:fld>
             <a:endParaRPr lang="ko-KR" altLang="en-US"/>
           </a:p>
@@ -10272,7 +10272,7 @@
           <a:p>
             <a:fld id="{1C1EA180-B51C-4898-B0E0-B9410346B791}" type="datetimeFigureOut">
               <a:rPr lang="ko-KR" altLang="en-US" smtClean="0"/>
-              <a:t>2020-10-26</a:t>
+              <a:t>2020-11-03</a:t>
             </a:fld>
             <a:endParaRPr lang="ko-KR" altLang="en-US"/>
           </a:p>
@@ -10513,7 +10513,7 @@
           <a:p>
             <a:fld id="{1C1EA180-B51C-4898-B0E0-B9410346B791}" type="datetimeFigureOut">
               <a:rPr lang="ko-KR" altLang="en-US" smtClean="0"/>
-              <a:t>2020-10-26</a:t>
+              <a:t>2020-11-03</a:t>
             </a:fld>
             <a:endParaRPr lang="ko-KR" altLang="en-US"/>
           </a:p>
@@ -16637,8 +16637,8 @@
         </p:nvSpPr>
         <p:spPr>
           <a:xfrm>
-            <a:off x="5645524" y="4590881"/>
-            <a:ext cx="5273488" cy="584775"/>
+            <a:off x="5645523" y="4590881"/>
+            <a:ext cx="6282017" cy="584775"/>
           </a:xfrm>
           <a:prstGeom prst="rect">
             <a:avLst/>
@@ -16686,6 +16686,19 @@
               <a:rPr lang="ko-KR" altLang="en-US" sz="1600" i="1" dirty="0"/>
               <a:t>실제 스킬 데이터와 수치 공식 기획의 스킬 부분 참고</a:t>
             </a:r>
+            <a:r>
+              <a:rPr lang="en-US" altLang="ko-KR" sz="1600" i="1" dirty="0"/>
+              <a:t>(</a:t>
+            </a:r>
+            <a:r>
+              <a:rPr lang="ko-KR" altLang="en-US" sz="1600" i="1" dirty="0"/>
+              <a:t>추가 예정</a:t>
+            </a:r>
+            <a:r>
+              <a:rPr lang="en-US" altLang="ko-KR" sz="1600" i="1" dirty="0"/>
+              <a:t>)</a:t>
+            </a:r>
+            <a:endParaRPr lang="ko-KR" altLang="en-US" sz="1600" i="1" dirty="0"/>
           </a:p>
         </p:txBody>
       </p:sp>
@@ -16801,7 +16814,7 @@
           <p:nvPr>
             <p:extLst>
               <p:ext uri="{D42A27DB-BD31-4B8C-83A1-F6EECF244321}">
-                <p14:modId xmlns:p14="http://schemas.microsoft.com/office/powerpoint/2010/main" val="2563099329"/>
+                <p14:modId xmlns:p14="http://schemas.microsoft.com/office/powerpoint/2010/main" val="2637900434"/>
               </p:ext>
             </p:extLst>
           </p:nvPr>
@@ -17912,6 +17925,10 @@
                     <a:lstStyle/>
                     <a:p>
                       <a:pPr latinLnBrk="1"/>
+                      <a:r>
+                        <a:rPr lang="en-US" altLang="ko-KR" dirty="0"/>
+                        <a:t>2020.11.03</a:t>
+                      </a:r>
                       <a:endParaRPr lang="ko-KR" altLang="en-US" dirty="0"/>
                     </a:p>
                   </a:txBody>
@@ -17963,6 +17980,10 @@
                     <a:lstStyle/>
                     <a:p>
                       <a:pPr latinLnBrk="1"/>
+                      <a:r>
+                        <a:rPr lang="ko-KR" altLang="en-US"/>
+                        <a:t>일부 텍스트 수정</a:t>
+                      </a:r>
                       <a:endParaRPr lang="ko-KR" altLang="en-US" dirty="0"/>
                     </a:p>
                   </a:txBody>
@@ -20361,19 +20382,6 @@
               </a:rPr>
               <a:t>UI</a:t>
             </a:r>
-            <a:r>
-              <a:rPr lang="ko-KR" altLang="en-US" dirty="0">
-                <a:solidFill>
-                  <a:schemeClr val="tx1"/>
-                </a:solidFill>
-              </a:rPr>
-              <a:t>상</a:t>
-            </a:r>
-            <a:endParaRPr lang="en-US" altLang="ko-KR" dirty="0">
-              <a:solidFill>
-                <a:schemeClr val="tx1"/>
-              </a:solidFill>
-            </a:endParaRPr>
           </a:p>
           <a:p>
             <a:pPr algn="ctr"/>
@@ -20738,8 +20746,8 @@
           </p:nvSpPr>
           <p:spPr>
             <a:xfrm>
-              <a:off x="4943595" y="2110957"/>
-              <a:ext cx="1420581" cy="646331"/>
+              <a:off x="5059011" y="2234377"/>
+              <a:ext cx="1189749" cy="369332"/>
             </a:xfrm>
             <a:prstGeom prst="rect">
               <a:avLst/>
@@ -20755,16 +20763,9 @@
               <a:pPr algn="ctr"/>
               <a:r>
                 <a:rPr lang="ko-KR" altLang="en-US" dirty="0"/>
-                <a:t>구매에 대한</a:t>
+                <a:t>구매 입력</a:t>
               </a:r>
               <a:endParaRPr lang="en-US" altLang="ko-KR" dirty="0"/>
-            </a:p>
-            <a:p>
-              <a:pPr algn="ctr"/>
-              <a:r>
-                <a:rPr lang="ko-KR" altLang="en-US" dirty="0"/>
-                <a:t>상호작용</a:t>
-              </a:r>
             </a:p>
           </p:txBody>
         </p:sp>
@@ -23390,7 +23391,23 @@
                     <a:schemeClr val="tx1"/>
                   </a:solidFill>
                 </a:rPr>
-                <a:t>.</a:t>
+                <a:t>. (</a:t>
+              </a:r>
+              <a:r>
+                <a:rPr lang="ko-KR" altLang="en-US" dirty="0">
+                  <a:solidFill>
+                    <a:schemeClr val="tx1"/>
+                  </a:solidFill>
+                </a:rPr>
+                <a:t>추가예정</a:t>
+              </a:r>
+              <a:r>
+                <a:rPr lang="en-US" altLang="ko-KR" dirty="0">
+                  <a:solidFill>
+                    <a:schemeClr val="tx1"/>
+                  </a:solidFill>
+                </a:rPr>
+                <a:t>)</a:t>
               </a:r>
             </a:p>
           </p:txBody>
@@ -26938,12 +26955,6 @@
 </file>
 
 <file path=customXml/item1.xml><?xml version="1.0" encoding="utf-8"?>
-<p:properties xmlns:p="http://schemas.microsoft.com/office/2006/metadata/properties" xmlns:xsi="http://www.w3.org/2001/XMLSchema-instance" xmlns:pc="http://schemas.microsoft.com/office/infopath/2007/PartnerControls">
-  <documentManagement/>
-</p:properties>
-</file>
-
-<file path=customXml/item2.xml><?xml version="1.0" encoding="utf-8"?>
 <ct:contentTypeSchema xmlns:ct="http://schemas.microsoft.com/office/2006/metadata/contentType" xmlns:ma="http://schemas.microsoft.com/office/2006/metadata/properties/metaAttributes" ct:_="" ma:_="" ma:contentTypeName="문서" ma:contentTypeID="0x0101001DBB2B28955C594DB24AF1F5BB7336C8" ma:contentTypeVersion="2" ma:contentTypeDescription="새 문서를 만듭니다." ma:contentTypeScope="" ma:versionID="f2fa06709d317143d893a6f8ce6ede6a">
   <xsd:schema xmlns:xsd="http://www.w3.org/2001/XMLSchema" xmlns:xs="http://www.w3.org/2001/XMLSchema" xmlns:p="http://schemas.microsoft.com/office/2006/metadata/properties" xmlns:ns3="5555129b-2418-4d50-9dfa-7b95714945fa" targetNamespace="http://schemas.microsoft.com/office/2006/metadata/properties" ma:root="true" ma:fieldsID="e8dc87fcc42539e288ba896fdb612da0" ns3:_="">
     <xsd:import namespace="5555129b-2418-4d50-9dfa-7b95714945fa"/>
@@ -27075,6 +27086,12 @@
 </ct:contentTypeSchema>
 </file>
 
+<file path=customXml/item2.xml><?xml version="1.0" encoding="utf-8"?>
+<p:properties xmlns:p="http://schemas.microsoft.com/office/2006/metadata/properties" xmlns:xsi="http://www.w3.org/2001/XMLSchema-instance" xmlns:pc="http://schemas.microsoft.com/office/infopath/2007/PartnerControls">
+  <documentManagement/>
+</p:properties>
+</file>
+
 <file path=customXml/item3.xml><?xml version="1.0" encoding="utf-8"?>
 <?mso-contentType ?>
 <FormTemplates xmlns="http://schemas.microsoft.com/sharepoint/v3/contenttype/forms">
@@ -27085,15 +27102,6 @@
 </file>
 
 <file path=customXml/itemProps1.xml><?xml version="1.0" encoding="utf-8"?>
-<ds:datastoreItem xmlns:ds="http://schemas.openxmlformats.org/officeDocument/2006/customXml" ds:itemID="{A23103BA-1CDF-42E2-84EF-97766276A752}">
-  <ds:schemaRefs>
-    <ds:schemaRef ds:uri="http://schemas.microsoft.com/office/2006/metadata/properties"/>
-    <ds:schemaRef ds:uri="http://schemas.microsoft.com/office/infopath/2007/PartnerControls"/>
-  </ds:schemaRefs>
-</ds:datastoreItem>
-</file>
-
-<file path=customXml/itemProps2.xml><?xml version="1.0" encoding="utf-8"?>
 <ds:datastoreItem xmlns:ds="http://schemas.openxmlformats.org/officeDocument/2006/customXml" ds:itemID="{A1191A0A-B4A1-4213-A2EE-9C9D701194F6}">
   <ds:schemaRefs>
     <ds:schemaRef ds:uri="http://schemas.microsoft.com/office/2006/metadata/contentType"/>
@@ -27111,6 +27119,15 @@
 </ds:datastoreItem>
 </file>
 
+<file path=customXml/itemProps2.xml><?xml version="1.0" encoding="utf-8"?>
+<ds:datastoreItem xmlns:ds="http://schemas.openxmlformats.org/officeDocument/2006/customXml" ds:itemID="{A23103BA-1CDF-42E2-84EF-97766276A752}">
+  <ds:schemaRefs>
+    <ds:schemaRef ds:uri="http://schemas.microsoft.com/office/2006/metadata/properties"/>
+    <ds:schemaRef ds:uri="http://schemas.microsoft.com/office/infopath/2007/PartnerControls"/>
+  </ds:schemaRefs>
+</ds:datastoreItem>
+</file>
+
 <file path=customXml/itemProps3.xml><?xml version="1.0" encoding="utf-8"?>
 <ds:datastoreItem xmlns:ds="http://schemas.openxmlformats.org/officeDocument/2006/customXml" ds:itemID="{4C7A472F-9902-4104-BCF0-D4754C77190F}">
   <ds:schemaRefs>

--- a/기획서/당근키우기 시스템.pptx
+++ b/기획서/당근키우기 시스템.pptx
@@ -5,7 +5,7 @@
     <p:sldMasterId id="2147483648" r:id="rId4"/>
   </p:sldMasterIdLst>
   <p:notesMasterIdLst>
-    <p:notesMasterId r:id="rId29"/>
+    <p:notesMasterId r:id="rId32"/>
   </p:notesMasterIdLst>
   <p:sldIdLst>
     <p:sldId id="312" r:id="rId5"/>
@@ -19,19 +19,22 @@
     <p:sldId id="362" r:id="rId13"/>
     <p:sldId id="363" r:id="rId14"/>
     <p:sldId id="364" r:id="rId15"/>
-    <p:sldId id="365" r:id="rId16"/>
-    <p:sldId id="366" r:id="rId17"/>
-    <p:sldId id="367" r:id="rId18"/>
-    <p:sldId id="368" r:id="rId19"/>
-    <p:sldId id="369" r:id="rId20"/>
-    <p:sldId id="371" r:id="rId21"/>
-    <p:sldId id="370" r:id="rId22"/>
-    <p:sldId id="372" r:id="rId23"/>
-    <p:sldId id="373" r:id="rId24"/>
-    <p:sldId id="374" r:id="rId25"/>
-    <p:sldId id="375" r:id="rId26"/>
-    <p:sldId id="358" r:id="rId27"/>
-    <p:sldId id="323" r:id="rId28"/>
+    <p:sldId id="378" r:id="rId16"/>
+    <p:sldId id="376" r:id="rId17"/>
+    <p:sldId id="377" r:id="rId18"/>
+    <p:sldId id="365" r:id="rId19"/>
+    <p:sldId id="366" r:id="rId20"/>
+    <p:sldId id="367" r:id="rId21"/>
+    <p:sldId id="368" r:id="rId22"/>
+    <p:sldId id="369" r:id="rId23"/>
+    <p:sldId id="371" r:id="rId24"/>
+    <p:sldId id="370" r:id="rId25"/>
+    <p:sldId id="372" r:id="rId26"/>
+    <p:sldId id="373" r:id="rId27"/>
+    <p:sldId id="374" r:id="rId28"/>
+    <p:sldId id="375" r:id="rId29"/>
+    <p:sldId id="358" r:id="rId30"/>
+    <p:sldId id="323" r:id="rId31"/>
   </p:sldIdLst>
   <p:sldSz cx="12192000" cy="6858000"/>
   <p:notesSz cx="6858000" cy="9144000"/>
@@ -6144,7 +6147,7 @@
           <a:p>
             <a:fld id="{D6F8FF3C-9381-4334-95AA-ABB07BBFE4B0}" type="datetimeFigureOut">
               <a:rPr lang="ko-KR" altLang="en-US" smtClean="0"/>
-              <a:t>2020-11-03</a:t>
+              <a:t>2020-11-05</a:t>
             </a:fld>
             <a:endParaRPr lang="ko-KR" altLang="en-US"/>
           </a:p>
@@ -6566,7 +6569,7 @@
           <a:p>
             <a:fld id="{151FD798-7848-4816-945D-B2937F5A900D}" type="slidenum">
               <a:rPr lang="ko-KR" altLang="en-US" smtClean="0"/>
-              <a:t>17</a:t>
+              <a:t>16</a:t>
             </a:fld>
             <a:endParaRPr lang="ko-KR" altLang="en-US"/>
           </a:p>
@@ -6575,7 +6578,7 @@
     </p:spTree>
     <p:extLst>
       <p:ext uri="{BB962C8B-B14F-4D97-AF65-F5344CB8AC3E}">
-        <p14:creationId xmlns:p14="http://schemas.microsoft.com/office/powerpoint/2010/main" val="3611327636"/>
+        <p14:creationId xmlns:p14="http://schemas.microsoft.com/office/powerpoint/2010/main" val="3993765860"/>
       </p:ext>
     </p:extLst>
   </p:cSld>
@@ -6662,7 +6665,7 @@
     </p:spTree>
     <p:extLst>
       <p:ext uri="{BB962C8B-B14F-4D97-AF65-F5344CB8AC3E}">
-        <p14:creationId xmlns:p14="http://schemas.microsoft.com/office/powerpoint/2010/main" val="3974888117"/>
+        <p14:creationId xmlns:p14="http://schemas.microsoft.com/office/powerpoint/2010/main" val="668541861"/>
       </p:ext>
     </p:extLst>
   </p:cSld>
@@ -6740,7 +6743,7 @@
           <a:p>
             <a:fld id="{151FD798-7848-4816-945D-B2937F5A900D}" type="slidenum">
               <a:rPr lang="ko-KR" altLang="en-US" smtClean="0"/>
-              <a:t>20</a:t>
+              <a:t>19</a:t>
             </a:fld>
             <a:endParaRPr lang="ko-KR" altLang="en-US"/>
           </a:p>
@@ -6749,7 +6752,7 @@
     </p:spTree>
     <p:extLst>
       <p:ext uri="{BB962C8B-B14F-4D97-AF65-F5344CB8AC3E}">
-        <p14:creationId xmlns:p14="http://schemas.microsoft.com/office/powerpoint/2010/main" val="1521781785"/>
+        <p14:creationId xmlns:p14="http://schemas.microsoft.com/office/powerpoint/2010/main" val="1922766167"/>
       </p:ext>
     </p:extLst>
   </p:cSld>
@@ -6827,7 +6830,7 @@
           <a:p>
             <a:fld id="{151FD798-7848-4816-945D-B2937F5A900D}" type="slidenum">
               <a:rPr lang="ko-KR" altLang="en-US" smtClean="0"/>
-              <a:t>21</a:t>
+              <a:t>20</a:t>
             </a:fld>
             <a:endParaRPr lang="ko-KR" altLang="en-US"/>
           </a:p>
@@ -6836,7 +6839,7 @@
     </p:spTree>
     <p:extLst>
       <p:ext uri="{BB962C8B-B14F-4D97-AF65-F5344CB8AC3E}">
-        <p14:creationId xmlns:p14="http://schemas.microsoft.com/office/powerpoint/2010/main" val="3576226073"/>
+        <p14:creationId xmlns:p14="http://schemas.microsoft.com/office/powerpoint/2010/main" val="3611327636"/>
       </p:ext>
     </p:extLst>
   </p:cSld>
@@ -6914,7 +6917,7 @@
           <a:p>
             <a:fld id="{151FD798-7848-4816-945D-B2937F5A900D}" type="slidenum">
               <a:rPr lang="ko-KR" altLang="en-US" smtClean="0"/>
-              <a:t>22</a:t>
+              <a:t>21</a:t>
             </a:fld>
             <a:endParaRPr lang="ko-KR" altLang="en-US"/>
           </a:p>
@@ -6923,7 +6926,7 @@
     </p:spTree>
     <p:extLst>
       <p:ext uri="{BB962C8B-B14F-4D97-AF65-F5344CB8AC3E}">
-        <p14:creationId xmlns:p14="http://schemas.microsoft.com/office/powerpoint/2010/main" val="3856299945"/>
+        <p14:creationId xmlns:p14="http://schemas.microsoft.com/office/powerpoint/2010/main" val="3974888117"/>
       </p:ext>
     </p:extLst>
   </p:cSld>
@@ -7001,7 +7004,268 @@
           <a:p>
             <a:fld id="{151FD798-7848-4816-945D-B2937F5A900D}" type="slidenum">
               <a:rPr lang="ko-KR" altLang="en-US" smtClean="0"/>
+              <a:t>23</a:t>
+            </a:fld>
+            <a:endParaRPr lang="ko-KR" altLang="en-US"/>
+          </a:p>
+        </p:txBody>
+      </p:sp>
+    </p:spTree>
+    <p:extLst>
+      <p:ext uri="{BB962C8B-B14F-4D97-AF65-F5344CB8AC3E}">
+        <p14:creationId xmlns:p14="http://schemas.microsoft.com/office/powerpoint/2010/main" val="1521781785"/>
+      </p:ext>
+    </p:extLst>
+  </p:cSld>
+  <p:clrMapOvr>
+    <a:masterClrMapping/>
+  </p:clrMapOvr>
+</p:notes>
+</file>
+
+<file path=ppt/notesSlides/notesSlide16.xml><?xml version="1.0" encoding="utf-8"?>
+<p:notes xmlns:a="http://schemas.openxmlformats.org/drawingml/2006/main" xmlns:r="http://schemas.openxmlformats.org/officeDocument/2006/relationships" xmlns:p="http://schemas.openxmlformats.org/presentationml/2006/main">
+  <p:cSld>
+    <p:spTree>
+      <p:nvGrpSpPr>
+        <p:cNvPr id="1" name=""/>
+        <p:cNvGrpSpPr/>
+        <p:nvPr/>
+      </p:nvGrpSpPr>
+      <p:grpSpPr>
+        <a:xfrm>
+          <a:off x="0" y="0"/>
+          <a:ext cx="0" cy="0"/>
+          <a:chOff x="0" y="0"/>
+          <a:chExt cx="0" cy="0"/>
+        </a:xfrm>
+      </p:grpSpPr>
+      <p:sp>
+        <p:nvSpPr>
+          <p:cNvPr id="2" name="슬라이드 이미지 개체 틀 1"/>
+          <p:cNvSpPr>
+            <a:spLocks noGrp="1" noRot="1" noChangeAspect="1"/>
+          </p:cNvSpPr>
+          <p:nvPr>
+            <p:ph type="sldImg"/>
+          </p:nvPr>
+        </p:nvSpPr>
+        <p:spPr/>
+      </p:sp>
+      <p:sp>
+        <p:nvSpPr>
+          <p:cNvPr id="3" name="슬라이드 노트 개체 틀 2"/>
+          <p:cNvSpPr>
+            <a:spLocks noGrp="1"/>
+          </p:cNvSpPr>
+          <p:nvPr>
+            <p:ph type="body" idx="1"/>
+          </p:nvPr>
+        </p:nvSpPr>
+        <p:spPr/>
+        <p:txBody>
+          <a:bodyPr/>
+          <a:lstStyle/>
+          <a:p>
+            <a:pPr marL="0" indent="0">
+              <a:buNone/>
+            </a:pPr>
+            <a:endParaRPr lang="en-US" altLang="ko-KR" dirty="0"/>
+          </a:p>
+        </p:txBody>
+      </p:sp>
+      <p:sp>
+        <p:nvSpPr>
+          <p:cNvPr id="4" name="슬라이드 번호 개체 틀 3"/>
+          <p:cNvSpPr>
+            <a:spLocks noGrp="1"/>
+          </p:cNvSpPr>
+          <p:nvPr>
+            <p:ph type="sldNum" sz="quarter" idx="5"/>
+          </p:nvPr>
+        </p:nvSpPr>
+        <p:spPr/>
+        <p:txBody>
+          <a:bodyPr/>
+          <a:lstStyle/>
+          <a:p>
+            <a:fld id="{151FD798-7848-4816-945D-B2937F5A900D}" type="slidenum">
+              <a:rPr lang="ko-KR" altLang="en-US" smtClean="0"/>
               <a:t>24</a:t>
+            </a:fld>
+            <a:endParaRPr lang="ko-KR" altLang="en-US"/>
+          </a:p>
+        </p:txBody>
+      </p:sp>
+    </p:spTree>
+    <p:extLst>
+      <p:ext uri="{BB962C8B-B14F-4D97-AF65-F5344CB8AC3E}">
+        <p14:creationId xmlns:p14="http://schemas.microsoft.com/office/powerpoint/2010/main" val="3576226073"/>
+      </p:ext>
+    </p:extLst>
+  </p:cSld>
+  <p:clrMapOvr>
+    <a:masterClrMapping/>
+  </p:clrMapOvr>
+</p:notes>
+</file>
+
+<file path=ppt/notesSlides/notesSlide17.xml><?xml version="1.0" encoding="utf-8"?>
+<p:notes xmlns:a="http://schemas.openxmlformats.org/drawingml/2006/main" xmlns:r="http://schemas.openxmlformats.org/officeDocument/2006/relationships" xmlns:p="http://schemas.openxmlformats.org/presentationml/2006/main">
+  <p:cSld>
+    <p:spTree>
+      <p:nvGrpSpPr>
+        <p:cNvPr id="1" name=""/>
+        <p:cNvGrpSpPr/>
+        <p:nvPr/>
+      </p:nvGrpSpPr>
+      <p:grpSpPr>
+        <a:xfrm>
+          <a:off x="0" y="0"/>
+          <a:ext cx="0" cy="0"/>
+          <a:chOff x="0" y="0"/>
+          <a:chExt cx="0" cy="0"/>
+        </a:xfrm>
+      </p:grpSpPr>
+      <p:sp>
+        <p:nvSpPr>
+          <p:cNvPr id="2" name="슬라이드 이미지 개체 틀 1"/>
+          <p:cNvSpPr>
+            <a:spLocks noGrp="1" noRot="1" noChangeAspect="1"/>
+          </p:cNvSpPr>
+          <p:nvPr>
+            <p:ph type="sldImg"/>
+          </p:nvPr>
+        </p:nvSpPr>
+        <p:spPr/>
+      </p:sp>
+      <p:sp>
+        <p:nvSpPr>
+          <p:cNvPr id="3" name="슬라이드 노트 개체 틀 2"/>
+          <p:cNvSpPr>
+            <a:spLocks noGrp="1"/>
+          </p:cNvSpPr>
+          <p:nvPr>
+            <p:ph type="body" idx="1"/>
+          </p:nvPr>
+        </p:nvSpPr>
+        <p:spPr/>
+        <p:txBody>
+          <a:bodyPr/>
+          <a:lstStyle/>
+          <a:p>
+            <a:pPr marL="0" indent="0">
+              <a:buNone/>
+            </a:pPr>
+            <a:endParaRPr lang="en-US" altLang="ko-KR" dirty="0"/>
+          </a:p>
+        </p:txBody>
+      </p:sp>
+      <p:sp>
+        <p:nvSpPr>
+          <p:cNvPr id="4" name="슬라이드 번호 개체 틀 3"/>
+          <p:cNvSpPr>
+            <a:spLocks noGrp="1"/>
+          </p:cNvSpPr>
+          <p:nvPr>
+            <p:ph type="sldNum" sz="quarter" idx="5"/>
+          </p:nvPr>
+        </p:nvSpPr>
+        <p:spPr/>
+        <p:txBody>
+          <a:bodyPr/>
+          <a:lstStyle/>
+          <a:p>
+            <a:fld id="{151FD798-7848-4816-945D-B2937F5A900D}" type="slidenum">
+              <a:rPr lang="ko-KR" altLang="en-US" smtClean="0"/>
+              <a:t>25</a:t>
+            </a:fld>
+            <a:endParaRPr lang="ko-KR" altLang="en-US"/>
+          </a:p>
+        </p:txBody>
+      </p:sp>
+    </p:spTree>
+    <p:extLst>
+      <p:ext uri="{BB962C8B-B14F-4D97-AF65-F5344CB8AC3E}">
+        <p14:creationId xmlns:p14="http://schemas.microsoft.com/office/powerpoint/2010/main" val="3856299945"/>
+      </p:ext>
+    </p:extLst>
+  </p:cSld>
+  <p:clrMapOvr>
+    <a:masterClrMapping/>
+  </p:clrMapOvr>
+</p:notes>
+</file>
+
+<file path=ppt/notesSlides/notesSlide18.xml><?xml version="1.0" encoding="utf-8"?>
+<p:notes xmlns:a="http://schemas.openxmlformats.org/drawingml/2006/main" xmlns:r="http://schemas.openxmlformats.org/officeDocument/2006/relationships" xmlns:p="http://schemas.openxmlformats.org/presentationml/2006/main">
+  <p:cSld>
+    <p:spTree>
+      <p:nvGrpSpPr>
+        <p:cNvPr id="1" name=""/>
+        <p:cNvGrpSpPr/>
+        <p:nvPr/>
+      </p:nvGrpSpPr>
+      <p:grpSpPr>
+        <a:xfrm>
+          <a:off x="0" y="0"/>
+          <a:ext cx="0" cy="0"/>
+          <a:chOff x="0" y="0"/>
+          <a:chExt cx="0" cy="0"/>
+        </a:xfrm>
+      </p:grpSpPr>
+      <p:sp>
+        <p:nvSpPr>
+          <p:cNvPr id="2" name="슬라이드 이미지 개체 틀 1"/>
+          <p:cNvSpPr>
+            <a:spLocks noGrp="1" noRot="1" noChangeAspect="1"/>
+          </p:cNvSpPr>
+          <p:nvPr>
+            <p:ph type="sldImg"/>
+          </p:nvPr>
+        </p:nvSpPr>
+        <p:spPr/>
+      </p:sp>
+      <p:sp>
+        <p:nvSpPr>
+          <p:cNvPr id="3" name="슬라이드 노트 개체 틀 2"/>
+          <p:cNvSpPr>
+            <a:spLocks noGrp="1"/>
+          </p:cNvSpPr>
+          <p:nvPr>
+            <p:ph type="body" idx="1"/>
+          </p:nvPr>
+        </p:nvSpPr>
+        <p:spPr/>
+        <p:txBody>
+          <a:bodyPr/>
+          <a:lstStyle/>
+          <a:p>
+            <a:pPr marL="0" indent="0">
+              <a:buNone/>
+            </a:pPr>
+            <a:endParaRPr lang="en-US" altLang="ko-KR" dirty="0"/>
+          </a:p>
+        </p:txBody>
+      </p:sp>
+      <p:sp>
+        <p:nvSpPr>
+          <p:cNvPr id="4" name="슬라이드 번호 개체 틀 3"/>
+          <p:cNvSpPr>
+            <a:spLocks noGrp="1"/>
+          </p:cNvSpPr>
+          <p:nvPr>
+            <p:ph type="sldNum" sz="quarter" idx="5"/>
+          </p:nvPr>
+        </p:nvSpPr>
+        <p:spPr/>
+        <p:txBody>
+          <a:bodyPr/>
+          <a:lstStyle/>
+          <a:p>
+            <a:fld id="{151FD798-7848-4816-945D-B2937F5A900D}" type="slidenum">
+              <a:rPr lang="ko-KR" altLang="en-US" smtClean="0"/>
+              <a:t>27</a:t>
             </a:fld>
             <a:endParaRPr lang="ko-KR" altLang="en-US"/>
           </a:p>
@@ -7523,7 +7787,7 @@
           <a:p>
             <a:fld id="{151FD798-7848-4816-945D-B2937F5A900D}" type="slidenum">
               <a:rPr lang="ko-KR" altLang="en-US" smtClean="0"/>
-              <a:t>13</a:t>
+              <a:t>12</a:t>
             </a:fld>
             <a:endParaRPr lang="ko-KR" altLang="en-US"/>
           </a:p>
@@ -7532,7 +7796,7 @@
     </p:spTree>
     <p:extLst>
       <p:ext uri="{BB962C8B-B14F-4D97-AF65-F5344CB8AC3E}">
-        <p14:creationId xmlns:p14="http://schemas.microsoft.com/office/powerpoint/2010/main" val="3993765860"/>
+        <p14:creationId xmlns:p14="http://schemas.microsoft.com/office/powerpoint/2010/main" val="482595310"/>
       </p:ext>
     </p:extLst>
   </p:cSld>
@@ -7610,7 +7874,7 @@
           <a:p>
             <a:fld id="{151FD798-7848-4816-945D-B2937F5A900D}" type="slidenum">
               <a:rPr lang="ko-KR" altLang="en-US" smtClean="0"/>
-              <a:t>15</a:t>
+              <a:t>13</a:t>
             </a:fld>
             <a:endParaRPr lang="ko-KR" altLang="en-US"/>
           </a:p>
@@ -7619,7 +7883,7 @@
     </p:spTree>
     <p:extLst>
       <p:ext uri="{BB962C8B-B14F-4D97-AF65-F5344CB8AC3E}">
-        <p14:creationId xmlns:p14="http://schemas.microsoft.com/office/powerpoint/2010/main" val="668541861"/>
+        <p14:creationId xmlns:p14="http://schemas.microsoft.com/office/powerpoint/2010/main" val="3736567115"/>
       </p:ext>
     </p:extLst>
   </p:cSld>
@@ -7697,7 +7961,7 @@
           <a:p>
             <a:fld id="{151FD798-7848-4816-945D-B2937F5A900D}" type="slidenum">
               <a:rPr lang="ko-KR" altLang="en-US" smtClean="0"/>
-              <a:t>16</a:t>
+              <a:t>14</a:t>
             </a:fld>
             <a:endParaRPr lang="ko-KR" altLang="en-US"/>
           </a:p>
@@ -7706,7 +7970,7 @@
     </p:spTree>
     <p:extLst>
       <p:ext uri="{BB962C8B-B14F-4D97-AF65-F5344CB8AC3E}">
-        <p14:creationId xmlns:p14="http://schemas.microsoft.com/office/powerpoint/2010/main" val="1922766167"/>
+        <p14:creationId xmlns:p14="http://schemas.microsoft.com/office/powerpoint/2010/main" val="2527381599"/>
       </p:ext>
     </p:extLst>
   </p:cSld>
@@ -7863,7 +8127,7 @@
           <a:p>
             <a:fld id="{1C1EA180-B51C-4898-B0E0-B9410346B791}" type="datetimeFigureOut">
               <a:rPr lang="ko-KR" altLang="en-US" smtClean="0"/>
-              <a:t>2020-11-03</a:t>
+              <a:t>2020-11-05</a:t>
             </a:fld>
             <a:endParaRPr lang="ko-KR" altLang="en-US"/>
           </a:p>
@@ -8061,7 +8325,7 @@
           <a:p>
             <a:fld id="{1C1EA180-B51C-4898-B0E0-B9410346B791}" type="datetimeFigureOut">
               <a:rPr lang="ko-KR" altLang="en-US" smtClean="0"/>
-              <a:t>2020-11-03</a:t>
+              <a:t>2020-11-05</a:t>
             </a:fld>
             <a:endParaRPr lang="ko-KR" altLang="en-US"/>
           </a:p>
@@ -8269,7 +8533,7 @@
           <a:p>
             <a:fld id="{1C1EA180-B51C-4898-B0E0-B9410346B791}" type="datetimeFigureOut">
               <a:rPr lang="ko-KR" altLang="en-US" smtClean="0"/>
-              <a:t>2020-11-03</a:t>
+              <a:t>2020-11-05</a:t>
             </a:fld>
             <a:endParaRPr lang="ko-KR" altLang="en-US"/>
           </a:p>
@@ -8467,7 +8731,7 @@
           <a:p>
             <a:fld id="{1C1EA180-B51C-4898-B0E0-B9410346B791}" type="datetimeFigureOut">
               <a:rPr lang="ko-KR" altLang="en-US" smtClean="0"/>
-              <a:t>2020-11-03</a:t>
+              <a:t>2020-11-05</a:t>
             </a:fld>
             <a:endParaRPr lang="ko-KR" altLang="en-US"/>
           </a:p>
@@ -8742,7 +9006,7 @@
           <a:p>
             <a:fld id="{1C1EA180-B51C-4898-B0E0-B9410346B791}" type="datetimeFigureOut">
               <a:rPr lang="ko-KR" altLang="en-US" smtClean="0"/>
-              <a:t>2020-11-03</a:t>
+              <a:t>2020-11-05</a:t>
             </a:fld>
             <a:endParaRPr lang="ko-KR" altLang="en-US"/>
           </a:p>
@@ -9007,7 +9271,7 @@
           <a:p>
             <a:fld id="{1C1EA180-B51C-4898-B0E0-B9410346B791}" type="datetimeFigureOut">
               <a:rPr lang="ko-KR" altLang="en-US" smtClean="0"/>
-              <a:t>2020-11-03</a:t>
+              <a:t>2020-11-05</a:t>
             </a:fld>
             <a:endParaRPr lang="ko-KR" altLang="en-US"/>
           </a:p>
@@ -9419,7 +9683,7 @@
           <a:p>
             <a:fld id="{1C1EA180-B51C-4898-B0E0-B9410346B791}" type="datetimeFigureOut">
               <a:rPr lang="ko-KR" altLang="en-US" smtClean="0"/>
-              <a:t>2020-11-03</a:t>
+              <a:t>2020-11-05</a:t>
             </a:fld>
             <a:endParaRPr lang="ko-KR" altLang="en-US"/>
           </a:p>
@@ -9560,7 +9824,7 @@
           <a:p>
             <a:fld id="{1C1EA180-B51C-4898-B0E0-B9410346B791}" type="datetimeFigureOut">
               <a:rPr lang="ko-KR" altLang="en-US" smtClean="0"/>
-              <a:t>2020-11-03</a:t>
+              <a:t>2020-11-05</a:t>
             </a:fld>
             <a:endParaRPr lang="ko-KR" altLang="en-US"/>
           </a:p>
@@ -9673,7 +9937,7 @@
           <a:p>
             <a:fld id="{1C1EA180-B51C-4898-B0E0-B9410346B791}" type="datetimeFigureOut">
               <a:rPr lang="ko-KR" altLang="en-US" smtClean="0"/>
-              <a:t>2020-11-03</a:t>
+              <a:t>2020-11-05</a:t>
             </a:fld>
             <a:endParaRPr lang="ko-KR" altLang="en-US"/>
           </a:p>
@@ -9984,7 +10248,7 @@
           <a:p>
             <a:fld id="{1C1EA180-B51C-4898-B0E0-B9410346B791}" type="datetimeFigureOut">
               <a:rPr lang="ko-KR" altLang="en-US" smtClean="0"/>
-              <a:t>2020-11-03</a:t>
+              <a:t>2020-11-05</a:t>
             </a:fld>
             <a:endParaRPr lang="ko-KR" altLang="en-US"/>
           </a:p>
@@ -10272,7 +10536,7 @@
           <a:p>
             <a:fld id="{1C1EA180-B51C-4898-B0E0-B9410346B791}" type="datetimeFigureOut">
               <a:rPr lang="ko-KR" altLang="en-US" smtClean="0"/>
-              <a:t>2020-11-03</a:t>
+              <a:t>2020-11-05</a:t>
             </a:fld>
             <a:endParaRPr lang="ko-KR" altLang="en-US"/>
           </a:p>
@@ -10513,7 +10777,7 @@
           <a:p>
             <a:fld id="{1C1EA180-B51C-4898-B0E0-B9410346B791}" type="datetimeFigureOut">
               <a:rPr lang="ko-KR" altLang="en-US" smtClean="0"/>
-              <a:t>2020-11-03</a:t>
+              <a:t>2020-11-05</a:t>
             </a:fld>
             <a:endParaRPr lang="ko-KR" altLang="en-US"/>
           </a:p>
@@ -11886,10 +12150,10 @@
         </p:nvGrpSpPr>
         <p:grpSpPr>
           <a:xfrm>
-            <a:off x="1913000" y="1276732"/>
-            <a:ext cx="8366000" cy="2308274"/>
+            <a:off x="1913000" y="873443"/>
+            <a:ext cx="8366000" cy="2731902"/>
             <a:chOff x="7280649" y="4038167"/>
-            <a:chExt cx="4217057" cy="2389089"/>
+            <a:chExt cx="4217057" cy="2389090"/>
           </a:xfrm>
         </p:grpSpPr>
         <p:sp>
@@ -11960,8 +12224,8 @@
           </p:nvSpPr>
           <p:spPr>
             <a:xfrm>
-              <a:off x="7280649" y="4407499"/>
-              <a:ext cx="4217057" cy="2019757"/>
+              <a:off x="7280649" y="4320938"/>
+              <a:ext cx="4217057" cy="2106319"/>
             </a:xfrm>
             <a:prstGeom prst="rect">
               <a:avLst/>
@@ -11995,6 +12259,60 @@
             <a:bodyPr rtlCol="0" anchor="ctr"/>
             <a:lstStyle/>
             <a:p>
+              <a:pPr marL="285750" indent="-285750">
+                <a:buFont typeface="Arial" panose="020B0604020202020204" pitchFamily="34" charset="0"/>
+                <a:buChar char="•"/>
+              </a:pPr>
+              <a:r>
+                <a:rPr lang="ko-KR" altLang="en-US" dirty="0">
+                  <a:solidFill>
+                    <a:schemeClr val="tx1"/>
+                  </a:solidFill>
+                </a:rPr>
+                <a:t>사용자 보유 당근이 충분한 경우</a:t>
+              </a:r>
+              <a:r>
+                <a:rPr lang="en-US" altLang="ko-KR" dirty="0">
+                  <a:solidFill>
+                    <a:schemeClr val="tx1"/>
+                  </a:solidFill>
+                </a:rPr>
+                <a:t>, </a:t>
+              </a:r>
+              <a:r>
+                <a:rPr lang="ko-KR" altLang="en-US" dirty="0" err="1">
+                  <a:solidFill>
+                    <a:schemeClr val="tx1"/>
+                  </a:solidFill>
+                </a:rPr>
+                <a:t>레벨업</a:t>
+              </a:r>
+              <a:r>
+                <a:rPr lang="ko-KR" altLang="en-US" dirty="0">
+                  <a:solidFill>
+                    <a:schemeClr val="tx1"/>
+                  </a:solidFill>
+                </a:rPr>
+                <a:t> 활성화 및 상호작용 가능</a:t>
+              </a:r>
+              <a:endParaRPr lang="en-US" altLang="ko-KR" dirty="0">
+                <a:solidFill>
+                  <a:schemeClr val="tx1"/>
+                </a:solidFill>
+              </a:endParaRPr>
+            </a:p>
+            <a:p>
+              <a:pPr marL="285750" indent="-285750">
+                <a:buFont typeface="Arial" panose="020B0604020202020204" pitchFamily="34" charset="0"/>
+                <a:buChar char="•"/>
+              </a:pPr>
+              <a:endParaRPr lang="en-US" altLang="ko-KR" dirty="0">
+                <a:solidFill>
+                  <a:schemeClr val="tx1"/>
+                </a:solidFill>
+              </a:endParaRPr>
+            </a:p>
+            <a:p>
               <a:r>
                 <a:rPr lang="en-US" altLang="ko-KR" dirty="0">
                   <a:solidFill>
@@ -12037,6 +12355,41 @@
                   </a:solidFill>
                 </a:rPr>
                 <a:t>++;</a:t>
+              </a:r>
+            </a:p>
+            <a:p>
+              <a:pPr lvl="1"/>
+              <a:r>
+                <a:rPr lang="en-US" altLang="ko-KR" dirty="0" err="1">
+                  <a:solidFill>
+                    <a:schemeClr val="tx1"/>
+                  </a:solidFill>
+                </a:rPr>
+                <a:t>PlayerInfo.Carrot</a:t>
+              </a:r>
+              <a:r>
+                <a:rPr lang="en-US" altLang="ko-KR" dirty="0">
+                  <a:solidFill>
+                    <a:schemeClr val="tx1"/>
+                  </a:solidFill>
+                </a:rPr>
+                <a:t> -= </a:t>
+              </a:r>
+              <a:r>
+                <a:rPr lang="en-US" altLang="ko-KR" dirty="0" err="1">
+                  <a:solidFill>
+                    <a:schemeClr val="tx1"/>
+                  </a:solidFill>
+                </a:rPr>
+                <a:t>NeedCarrot</a:t>
+              </a:r>
+              <a:r>
+                <a:rPr lang="en-US" altLang="ko-KR" dirty="0">
+                  <a:solidFill>
+                    <a:schemeClr val="tx1"/>
+                  </a:solidFill>
+                </a:rPr>
+                <a:t>;</a:t>
               </a:r>
               <a:br>
                 <a:rPr lang="en-US" altLang="ko-KR" dirty="0">
@@ -12811,6 +13164,1798 @@
           <a:chExt cx="0" cy="0"/>
         </a:xfrm>
       </p:grpSpPr>
+      <p:grpSp>
+        <p:nvGrpSpPr>
+          <p:cNvPr id="13" name="그룹 12">
+            <a:extLst>
+              <a:ext uri="{FF2B5EF4-FFF2-40B4-BE49-F238E27FC236}">
+                <a16:creationId xmlns:a16="http://schemas.microsoft.com/office/drawing/2014/main" id="{94067E19-C663-4213-ACE0-AD7ABF4832E9}"/>
+              </a:ext>
+            </a:extLst>
+          </p:cNvPr>
+          <p:cNvGrpSpPr/>
+          <p:nvPr/>
+        </p:nvGrpSpPr>
+        <p:grpSpPr>
+          <a:xfrm>
+            <a:off x="0" y="64063"/>
+            <a:ext cx="3106271" cy="656018"/>
+            <a:chOff x="0" y="196020"/>
+            <a:chExt cx="2329813" cy="656018"/>
+          </a:xfrm>
+        </p:grpSpPr>
+        <p:sp>
+          <p:nvSpPr>
+            <p:cNvPr id="14" name="TextBox 13">
+              <a:extLst>
+                <a:ext uri="{FF2B5EF4-FFF2-40B4-BE49-F238E27FC236}">
+                  <a16:creationId xmlns:a16="http://schemas.microsoft.com/office/drawing/2014/main" id="{F34652E5-2BD3-451B-9B8B-1FBA5AAB31BC}"/>
+                </a:ext>
+              </a:extLst>
+            </p:cNvPr>
+            <p:cNvSpPr txBox="1"/>
+            <p:nvPr/>
+          </p:nvSpPr>
+          <p:spPr>
+            <a:xfrm>
+              <a:off x="0" y="196020"/>
+              <a:ext cx="2329813" cy="523220"/>
+            </a:xfrm>
+            <a:prstGeom prst="rect">
+              <a:avLst/>
+            </a:prstGeom>
+            <a:noFill/>
+          </p:spPr>
+          <p:txBody>
+            <a:bodyPr wrap="square" rtlCol="0">
+              <a:spAutoFit/>
+            </a:bodyPr>
+            <a:lstStyle/>
+            <a:p>
+              <a:r>
+                <a:rPr lang="en-US" altLang="ko-KR" sz="2800" b="1" dirty="0"/>
+                <a:t>2.2 </a:t>
+              </a:r>
+              <a:r>
+                <a:rPr lang="ko-KR" altLang="en-US" sz="2800" b="1" dirty="0"/>
+                <a:t>농장 정보 창</a:t>
+              </a:r>
+              <a:endParaRPr lang="ko-KR" altLang="en-US" sz="1400" b="1" dirty="0"/>
+            </a:p>
+          </p:txBody>
+        </p:sp>
+        <p:sp>
+          <p:nvSpPr>
+            <p:cNvPr id="15" name="평행 사변형 14">
+              <a:extLst>
+                <a:ext uri="{FF2B5EF4-FFF2-40B4-BE49-F238E27FC236}">
+                  <a16:creationId xmlns:a16="http://schemas.microsoft.com/office/drawing/2014/main" id="{5B9355D8-F377-4806-AC51-5057B7B3F3BD}"/>
+                </a:ext>
+              </a:extLst>
+            </p:cNvPr>
+            <p:cNvSpPr/>
+            <p:nvPr/>
+          </p:nvSpPr>
+          <p:spPr>
+            <a:xfrm>
+              <a:off x="0" y="787975"/>
+              <a:ext cx="2196000" cy="64063"/>
+            </a:xfrm>
+            <a:prstGeom prst="parallelogram">
+              <a:avLst/>
+            </a:prstGeom>
+            <a:solidFill>
+              <a:schemeClr val="tx1"/>
+            </a:solidFill>
+            <a:ln>
+              <a:noFill/>
+            </a:ln>
+          </p:spPr>
+          <p:style>
+            <a:lnRef idx="2">
+              <a:schemeClr val="accent1">
+                <a:shade val="50000"/>
+              </a:schemeClr>
+            </a:lnRef>
+            <a:fillRef idx="1">
+              <a:schemeClr val="accent1"/>
+            </a:fillRef>
+            <a:effectRef idx="0">
+              <a:schemeClr val="accent1"/>
+            </a:effectRef>
+            <a:fontRef idx="minor">
+              <a:schemeClr val="lt1"/>
+            </a:fontRef>
+          </p:style>
+          <p:txBody>
+            <a:bodyPr rtlCol="0" anchor="ctr"/>
+            <a:lstStyle/>
+            <a:p>
+              <a:pPr algn="ctr"/>
+              <a:endParaRPr lang="ko-KR" altLang="en-US" dirty="0"/>
+            </a:p>
+          </p:txBody>
+        </p:sp>
+      </p:grpSp>
+      <p:grpSp>
+        <p:nvGrpSpPr>
+          <p:cNvPr id="10" name="그룹 9">
+            <a:extLst>
+              <a:ext uri="{FF2B5EF4-FFF2-40B4-BE49-F238E27FC236}">
+                <a16:creationId xmlns:a16="http://schemas.microsoft.com/office/drawing/2014/main" id="{0A41EF6D-1BA1-47B6-88B8-B939E4147F81}"/>
+              </a:ext>
+            </a:extLst>
+          </p:cNvPr>
+          <p:cNvGrpSpPr/>
+          <p:nvPr/>
+        </p:nvGrpSpPr>
+        <p:grpSpPr>
+          <a:xfrm>
+            <a:off x="783448" y="2274862"/>
+            <a:ext cx="6007318" cy="2308274"/>
+            <a:chOff x="7280649" y="4038167"/>
+            <a:chExt cx="4217057" cy="2389089"/>
+          </a:xfrm>
+        </p:grpSpPr>
+        <p:sp>
+          <p:nvSpPr>
+            <p:cNvPr id="11" name="직사각형 10">
+              <a:extLst>
+                <a:ext uri="{FF2B5EF4-FFF2-40B4-BE49-F238E27FC236}">
+                  <a16:creationId xmlns:a16="http://schemas.microsoft.com/office/drawing/2014/main" id="{DF39C60D-C785-4F59-9258-0FBDFAA6DFAF}"/>
+                </a:ext>
+              </a:extLst>
+            </p:cNvPr>
+            <p:cNvSpPr/>
+            <p:nvPr/>
+          </p:nvSpPr>
+          <p:spPr>
+            <a:xfrm>
+              <a:off x="7280649" y="4038168"/>
+              <a:ext cx="4217057" cy="2389088"/>
+            </a:xfrm>
+            <a:prstGeom prst="rect">
+              <a:avLst/>
+            </a:prstGeom>
+            <a:solidFill>
+              <a:schemeClr val="tx1"/>
+            </a:solidFill>
+            <a:ln>
+              <a:solidFill>
+                <a:schemeClr val="tx1"/>
+              </a:solidFill>
+            </a:ln>
+          </p:spPr>
+          <p:style>
+            <a:lnRef idx="2">
+              <a:schemeClr val="accent1">
+                <a:shade val="50000"/>
+              </a:schemeClr>
+            </a:lnRef>
+            <a:fillRef idx="1">
+              <a:schemeClr val="accent1"/>
+            </a:fillRef>
+            <a:effectRef idx="0">
+              <a:schemeClr val="accent1"/>
+            </a:effectRef>
+            <a:fontRef idx="minor">
+              <a:schemeClr val="lt1"/>
+            </a:fontRef>
+          </p:style>
+          <p:txBody>
+            <a:bodyPr rtlCol="0" anchor="ctr"/>
+            <a:lstStyle/>
+            <a:p>
+              <a:pPr algn="ctr"/>
+              <a:endParaRPr lang="ko-KR" altLang="en-US"/>
+            </a:p>
+          </p:txBody>
+        </p:sp>
+        <p:sp>
+          <p:nvSpPr>
+            <p:cNvPr id="12" name="직사각형 11">
+              <a:extLst>
+                <a:ext uri="{FF2B5EF4-FFF2-40B4-BE49-F238E27FC236}">
+                  <a16:creationId xmlns:a16="http://schemas.microsoft.com/office/drawing/2014/main" id="{3DC54FA6-63B8-47F9-82BD-2453A2DAE6F7}"/>
+                </a:ext>
+              </a:extLst>
+            </p:cNvPr>
+            <p:cNvSpPr/>
+            <p:nvPr/>
+          </p:nvSpPr>
+          <p:spPr>
+            <a:xfrm>
+              <a:off x="7280649" y="4407499"/>
+              <a:ext cx="4217057" cy="2019757"/>
+            </a:xfrm>
+            <a:prstGeom prst="rect">
+              <a:avLst/>
+            </a:prstGeom>
+            <a:solidFill>
+              <a:schemeClr val="bg1"/>
+            </a:solidFill>
+            <a:ln>
+              <a:solidFill>
+                <a:schemeClr val="tx1"/>
+              </a:solidFill>
+            </a:ln>
+          </p:spPr>
+          <p:style>
+            <a:lnRef idx="2">
+              <a:schemeClr val="accent1">
+                <a:shade val="50000"/>
+              </a:schemeClr>
+            </a:lnRef>
+            <a:fillRef idx="1">
+              <a:schemeClr val="accent1"/>
+            </a:fillRef>
+            <a:effectRef idx="0">
+              <a:schemeClr val="accent1"/>
+            </a:effectRef>
+            <a:fontRef idx="minor">
+              <a:schemeClr val="lt1"/>
+            </a:fontRef>
+          </p:style>
+          <p:txBody>
+            <a:bodyPr rtlCol="0" anchor="ctr"/>
+            <a:lstStyle/>
+            <a:p>
+              <a:pPr marL="285750" indent="-285750">
+                <a:buFont typeface="Arial" panose="020B0604020202020204" pitchFamily="34" charset="0"/>
+                <a:buChar char="•"/>
+              </a:pPr>
+              <a:r>
+                <a:rPr lang="ko-KR" altLang="en-US" dirty="0">
+                  <a:solidFill>
+                    <a:schemeClr val="tx1"/>
+                  </a:solidFill>
+                </a:rPr>
+                <a:t>농장의 세부 </a:t>
+              </a:r>
+              <a:r>
+                <a:rPr lang="en-US" altLang="ko-KR" dirty="0">
+                  <a:solidFill>
+                    <a:schemeClr val="tx1"/>
+                  </a:solidFill>
+                </a:rPr>
+                <a:t>Farm Data</a:t>
+              </a:r>
+              <a:r>
+                <a:rPr lang="ko-KR" altLang="en-US" dirty="0">
+                  <a:solidFill>
+                    <a:schemeClr val="tx1"/>
+                  </a:solidFill>
+                </a:rPr>
+                <a:t>를 열람할 수 있는 별도의 창</a:t>
+              </a:r>
+              <a:endParaRPr lang="en-US" altLang="ko-KR" dirty="0">
+                <a:solidFill>
+                  <a:schemeClr val="tx1"/>
+                </a:solidFill>
+              </a:endParaRPr>
+            </a:p>
+            <a:p>
+              <a:pPr marL="285750" indent="-285750">
+                <a:buFont typeface="Arial" panose="020B0604020202020204" pitchFamily="34" charset="0"/>
+                <a:buChar char="•"/>
+              </a:pPr>
+              <a:endParaRPr lang="en-US" altLang="ko-KR" dirty="0">
+                <a:solidFill>
+                  <a:schemeClr val="tx1"/>
+                </a:solidFill>
+              </a:endParaRPr>
+            </a:p>
+            <a:p>
+              <a:pPr marL="285750" indent="-285750">
+                <a:buFont typeface="Arial" panose="020B0604020202020204" pitchFamily="34" charset="0"/>
+                <a:buChar char="•"/>
+              </a:pPr>
+              <a:r>
+                <a:rPr lang="ko-KR" altLang="en-US" dirty="0">
+                  <a:solidFill>
+                    <a:schemeClr val="tx1"/>
+                  </a:solidFill>
+                </a:rPr>
+                <a:t>레벨업을 진행할 수 있음</a:t>
+              </a:r>
+              <a:endParaRPr lang="en-US" altLang="ko-KR" dirty="0">
+                <a:solidFill>
+                  <a:schemeClr val="tx1"/>
+                </a:solidFill>
+              </a:endParaRPr>
+            </a:p>
+            <a:p>
+              <a:pPr marL="285750" indent="-285750">
+                <a:buFont typeface="Arial" panose="020B0604020202020204" pitchFamily="34" charset="0"/>
+                <a:buChar char="•"/>
+              </a:pPr>
+              <a:endParaRPr lang="en-US" altLang="ko-KR" dirty="0">
+                <a:solidFill>
+                  <a:schemeClr val="tx1"/>
+                </a:solidFill>
+              </a:endParaRPr>
+            </a:p>
+            <a:p>
+              <a:pPr marL="285750" indent="-285750">
+                <a:buFont typeface="Arial" panose="020B0604020202020204" pitchFamily="34" charset="0"/>
+                <a:buChar char="•"/>
+              </a:pPr>
+              <a:r>
+                <a:rPr lang="ko-KR" altLang="en-US" dirty="0">
+                  <a:solidFill>
+                    <a:schemeClr val="tx1"/>
+                  </a:solidFill>
+                </a:rPr>
+                <a:t>세부 내용 및 배치는 추가 예정</a:t>
+              </a:r>
+              <a:endParaRPr lang="en-US" altLang="ko-KR" dirty="0">
+                <a:solidFill>
+                  <a:schemeClr val="tx1"/>
+                </a:solidFill>
+              </a:endParaRPr>
+            </a:p>
+          </p:txBody>
+        </p:sp>
+        <p:sp>
+          <p:nvSpPr>
+            <p:cNvPr id="16" name="TextBox 15">
+              <a:extLst>
+                <a:ext uri="{FF2B5EF4-FFF2-40B4-BE49-F238E27FC236}">
+                  <a16:creationId xmlns:a16="http://schemas.microsoft.com/office/drawing/2014/main" id="{2EEE1AEE-2A62-426B-8014-8E3A1932A19A}"/>
+                </a:ext>
+              </a:extLst>
+            </p:cNvPr>
+            <p:cNvSpPr txBox="1"/>
+            <p:nvPr/>
+          </p:nvSpPr>
+          <p:spPr>
+            <a:xfrm>
+              <a:off x="7442366" y="4038167"/>
+              <a:ext cx="3881263" cy="382263"/>
+            </a:xfrm>
+            <a:prstGeom prst="rect">
+              <a:avLst/>
+            </a:prstGeom>
+            <a:noFill/>
+          </p:spPr>
+          <p:txBody>
+            <a:bodyPr wrap="square" rtlCol="0">
+              <a:spAutoFit/>
+            </a:bodyPr>
+            <a:lstStyle/>
+            <a:p>
+              <a:r>
+                <a:rPr lang="ko-KR" altLang="en-US" dirty="0">
+                  <a:solidFill>
+                    <a:schemeClr val="bg1"/>
+                  </a:solidFill>
+                </a:rPr>
+                <a:t>개요</a:t>
+              </a:r>
+            </a:p>
+          </p:txBody>
+        </p:sp>
+      </p:grpSp>
+      <p:grpSp>
+        <p:nvGrpSpPr>
+          <p:cNvPr id="17" name="그룹 16">
+            <a:extLst>
+              <a:ext uri="{FF2B5EF4-FFF2-40B4-BE49-F238E27FC236}">
+                <a16:creationId xmlns:a16="http://schemas.microsoft.com/office/drawing/2014/main" id="{833A941A-BBCD-4265-B70F-084F00388F30}"/>
+              </a:ext>
+            </a:extLst>
+          </p:cNvPr>
+          <p:cNvGrpSpPr/>
+          <p:nvPr/>
+        </p:nvGrpSpPr>
+        <p:grpSpPr>
+          <a:xfrm>
+            <a:off x="7732059" y="873110"/>
+            <a:ext cx="3513359" cy="5111779"/>
+            <a:chOff x="774700" y="1587500"/>
+            <a:chExt cx="2819400" cy="4102100"/>
+          </a:xfrm>
+        </p:grpSpPr>
+        <p:sp>
+          <p:nvSpPr>
+            <p:cNvPr id="18" name="직사각형 17">
+              <a:extLst>
+                <a:ext uri="{FF2B5EF4-FFF2-40B4-BE49-F238E27FC236}">
+                  <a16:creationId xmlns:a16="http://schemas.microsoft.com/office/drawing/2014/main" id="{8CD209AE-1ECB-4D01-BCBF-8A196FF0BF8F}"/>
+                </a:ext>
+              </a:extLst>
+            </p:cNvPr>
+            <p:cNvSpPr/>
+            <p:nvPr/>
+          </p:nvSpPr>
+          <p:spPr>
+            <a:xfrm>
+              <a:off x="774700" y="1587500"/>
+              <a:ext cx="2819400" cy="4102100"/>
+            </a:xfrm>
+            <a:prstGeom prst="rect">
+              <a:avLst/>
+            </a:prstGeom>
+            <a:ln>
+              <a:solidFill>
+                <a:schemeClr val="tx1"/>
+              </a:solidFill>
+            </a:ln>
+          </p:spPr>
+          <p:style>
+            <a:lnRef idx="2">
+              <a:schemeClr val="accent1">
+                <a:shade val="50000"/>
+              </a:schemeClr>
+            </a:lnRef>
+            <a:fillRef idx="1">
+              <a:schemeClr val="accent1"/>
+            </a:fillRef>
+            <a:effectRef idx="0">
+              <a:schemeClr val="accent1"/>
+            </a:effectRef>
+            <a:fontRef idx="minor">
+              <a:schemeClr val="lt1"/>
+            </a:fontRef>
+          </p:style>
+          <p:txBody>
+            <a:bodyPr rtlCol="0" anchor="ctr"/>
+            <a:lstStyle/>
+            <a:p>
+              <a:pPr algn="ctr"/>
+              <a:r>
+                <a:rPr lang="ko-KR" altLang="en-US" sz="2000" dirty="0"/>
+                <a:t>농장 정보 창</a:t>
+              </a:r>
+              <a:endParaRPr lang="en-US" altLang="ko-KR" sz="2000" dirty="0"/>
+            </a:p>
+          </p:txBody>
+        </p:sp>
+        <p:sp>
+          <p:nvSpPr>
+            <p:cNvPr id="19" name="직사각형 18">
+              <a:extLst>
+                <a:ext uri="{FF2B5EF4-FFF2-40B4-BE49-F238E27FC236}">
+                  <a16:creationId xmlns:a16="http://schemas.microsoft.com/office/drawing/2014/main" id="{E0B24290-C3A5-4BD8-A29D-0B752CC753CF}"/>
+                </a:ext>
+              </a:extLst>
+            </p:cNvPr>
+            <p:cNvSpPr/>
+            <p:nvPr/>
+          </p:nvSpPr>
+          <p:spPr>
+            <a:xfrm>
+              <a:off x="1028700" y="4876800"/>
+              <a:ext cx="2298700" cy="635000"/>
+            </a:xfrm>
+            <a:prstGeom prst="rect">
+              <a:avLst/>
+            </a:prstGeom>
+            <a:solidFill>
+              <a:schemeClr val="accent2">
+                <a:lumMod val="60000"/>
+                <a:lumOff val="40000"/>
+              </a:schemeClr>
+            </a:solidFill>
+            <a:ln>
+              <a:solidFill>
+                <a:schemeClr val="tx1"/>
+              </a:solidFill>
+            </a:ln>
+          </p:spPr>
+          <p:style>
+            <a:lnRef idx="2">
+              <a:schemeClr val="accent1">
+                <a:shade val="50000"/>
+              </a:schemeClr>
+            </a:lnRef>
+            <a:fillRef idx="1">
+              <a:schemeClr val="accent1"/>
+            </a:fillRef>
+            <a:effectRef idx="0">
+              <a:schemeClr val="accent1"/>
+            </a:effectRef>
+            <a:fontRef idx="minor">
+              <a:schemeClr val="lt1"/>
+            </a:fontRef>
+          </p:style>
+          <p:txBody>
+            <a:bodyPr rtlCol="0" anchor="ctr"/>
+            <a:lstStyle/>
+            <a:p>
+              <a:pPr algn="ctr"/>
+              <a:r>
+                <a:rPr lang="ko-KR" altLang="en-US" dirty="0" err="1">
+                  <a:solidFill>
+                    <a:schemeClr val="tx1"/>
+                  </a:solidFill>
+                </a:rPr>
+                <a:t>레벨업</a:t>
+              </a:r>
+              <a:r>
+                <a:rPr lang="ko-KR" altLang="en-US" dirty="0">
+                  <a:solidFill>
+                    <a:schemeClr val="tx1"/>
+                  </a:solidFill>
+                </a:rPr>
+                <a:t> 버튼</a:t>
+              </a:r>
+              <a:endParaRPr lang="en-US" altLang="ko-KR" dirty="0">
+                <a:solidFill>
+                  <a:schemeClr val="tx1"/>
+                </a:solidFill>
+              </a:endParaRPr>
+            </a:p>
+            <a:p>
+              <a:pPr algn="ctr"/>
+              <a:r>
+                <a:rPr lang="en-US" altLang="ko-KR" dirty="0">
+                  <a:solidFill>
+                    <a:schemeClr val="tx1"/>
+                  </a:solidFill>
+                </a:rPr>
+                <a:t>(</a:t>
+              </a:r>
+              <a:r>
+                <a:rPr lang="ko-KR" altLang="en-US" dirty="0">
+                  <a:solidFill>
+                    <a:schemeClr val="tx1"/>
+                  </a:solidFill>
+                </a:rPr>
+                <a:t>임시 위치</a:t>
+              </a:r>
+              <a:r>
+                <a:rPr lang="en-US" altLang="ko-KR" dirty="0">
+                  <a:solidFill>
+                    <a:schemeClr val="tx1"/>
+                  </a:solidFill>
+                </a:rPr>
+                <a:t>)</a:t>
+              </a:r>
+              <a:endParaRPr lang="ko-KR" altLang="en-US" dirty="0">
+                <a:solidFill>
+                  <a:schemeClr val="tx1"/>
+                </a:solidFill>
+              </a:endParaRPr>
+            </a:p>
+          </p:txBody>
+        </p:sp>
+      </p:grpSp>
+    </p:spTree>
+    <p:extLst>
+      <p:ext uri="{BB962C8B-B14F-4D97-AF65-F5344CB8AC3E}">
+        <p14:creationId xmlns:p14="http://schemas.microsoft.com/office/powerpoint/2010/main" val="2135787337"/>
+      </p:ext>
+    </p:extLst>
+  </p:cSld>
+  <p:clrMapOvr>
+    <a:masterClrMapping/>
+  </p:clrMapOvr>
+</p:sld>
+</file>
+
+<file path=ppt/slides/slide13.xml><?xml version="1.0" encoding="utf-8"?>
+<p:sld xmlns:a="http://schemas.openxmlformats.org/drawingml/2006/main" xmlns:r="http://schemas.openxmlformats.org/officeDocument/2006/relationships" xmlns:p="http://schemas.openxmlformats.org/presentationml/2006/main">
+  <p:cSld>
+    <p:spTree>
+      <p:nvGrpSpPr>
+        <p:cNvPr id="1" name=""/>
+        <p:cNvGrpSpPr/>
+        <p:nvPr/>
+      </p:nvGrpSpPr>
+      <p:grpSpPr>
+        <a:xfrm>
+          <a:off x="0" y="0"/>
+          <a:ext cx="0" cy="0"/>
+          <a:chOff x="0" y="0"/>
+          <a:chExt cx="0" cy="0"/>
+        </a:xfrm>
+      </p:grpSpPr>
+      <p:grpSp>
+        <p:nvGrpSpPr>
+          <p:cNvPr id="27" name="그룹 26">
+            <a:extLst>
+              <a:ext uri="{FF2B5EF4-FFF2-40B4-BE49-F238E27FC236}">
+                <a16:creationId xmlns:a16="http://schemas.microsoft.com/office/drawing/2014/main" id="{160A1326-049B-4E45-B122-0DD14048BC84}"/>
+              </a:ext>
+            </a:extLst>
+          </p:cNvPr>
+          <p:cNvGrpSpPr/>
+          <p:nvPr/>
+        </p:nvGrpSpPr>
+        <p:grpSpPr>
+          <a:xfrm>
+            <a:off x="672353" y="2316802"/>
+            <a:ext cx="5674659" cy="2224395"/>
+            <a:chOff x="7280649" y="4038167"/>
+            <a:chExt cx="4217057" cy="2389089"/>
+          </a:xfrm>
+        </p:grpSpPr>
+        <p:sp>
+          <p:nvSpPr>
+            <p:cNvPr id="28" name="직사각형 27">
+              <a:extLst>
+                <a:ext uri="{FF2B5EF4-FFF2-40B4-BE49-F238E27FC236}">
+                  <a16:creationId xmlns:a16="http://schemas.microsoft.com/office/drawing/2014/main" id="{DE913486-FEB2-4295-A34F-E0046B3E6631}"/>
+                </a:ext>
+              </a:extLst>
+            </p:cNvPr>
+            <p:cNvSpPr/>
+            <p:nvPr/>
+          </p:nvSpPr>
+          <p:spPr>
+            <a:xfrm>
+              <a:off x="7280649" y="4038168"/>
+              <a:ext cx="4217057" cy="2389088"/>
+            </a:xfrm>
+            <a:prstGeom prst="rect">
+              <a:avLst/>
+            </a:prstGeom>
+            <a:solidFill>
+              <a:schemeClr val="tx1"/>
+            </a:solidFill>
+            <a:ln>
+              <a:solidFill>
+                <a:schemeClr val="tx1"/>
+              </a:solidFill>
+            </a:ln>
+          </p:spPr>
+          <p:style>
+            <a:lnRef idx="2">
+              <a:schemeClr val="accent1">
+                <a:shade val="50000"/>
+              </a:schemeClr>
+            </a:lnRef>
+            <a:fillRef idx="1">
+              <a:schemeClr val="accent1"/>
+            </a:fillRef>
+            <a:effectRef idx="0">
+              <a:schemeClr val="accent1"/>
+            </a:effectRef>
+            <a:fontRef idx="minor">
+              <a:schemeClr val="lt1"/>
+            </a:fontRef>
+          </p:style>
+          <p:txBody>
+            <a:bodyPr rtlCol="0" anchor="ctr"/>
+            <a:lstStyle/>
+            <a:p>
+              <a:pPr algn="ctr"/>
+              <a:endParaRPr lang="ko-KR" altLang="en-US"/>
+            </a:p>
+          </p:txBody>
+        </p:sp>
+        <p:sp>
+          <p:nvSpPr>
+            <p:cNvPr id="29" name="직사각형 28">
+              <a:extLst>
+                <a:ext uri="{FF2B5EF4-FFF2-40B4-BE49-F238E27FC236}">
+                  <a16:creationId xmlns:a16="http://schemas.microsoft.com/office/drawing/2014/main" id="{09EB26FB-7EFA-4EB4-B6CD-0ACF325CB301}"/>
+                </a:ext>
+              </a:extLst>
+            </p:cNvPr>
+            <p:cNvSpPr/>
+            <p:nvPr/>
+          </p:nvSpPr>
+          <p:spPr>
+            <a:xfrm>
+              <a:off x="7280649" y="4407499"/>
+              <a:ext cx="4217057" cy="2019757"/>
+            </a:xfrm>
+            <a:prstGeom prst="rect">
+              <a:avLst/>
+            </a:prstGeom>
+            <a:solidFill>
+              <a:schemeClr val="bg1"/>
+            </a:solidFill>
+            <a:ln>
+              <a:solidFill>
+                <a:schemeClr val="tx1"/>
+              </a:solidFill>
+            </a:ln>
+          </p:spPr>
+          <p:style>
+            <a:lnRef idx="2">
+              <a:schemeClr val="accent1">
+                <a:shade val="50000"/>
+              </a:schemeClr>
+            </a:lnRef>
+            <a:fillRef idx="1">
+              <a:schemeClr val="accent1"/>
+            </a:fillRef>
+            <a:effectRef idx="0">
+              <a:schemeClr val="accent1"/>
+            </a:effectRef>
+            <a:fontRef idx="minor">
+              <a:schemeClr val="lt1"/>
+            </a:fontRef>
+          </p:style>
+          <p:txBody>
+            <a:bodyPr rtlCol="0" anchor="ctr"/>
+            <a:lstStyle/>
+            <a:p>
+              <a:pPr marL="285750" indent="-285750">
+                <a:buFont typeface="Arial" panose="020B0604020202020204" pitchFamily="34" charset="0"/>
+                <a:buChar char="•"/>
+              </a:pPr>
+              <a:r>
+                <a:rPr lang="ko-KR" altLang="en-US" dirty="0">
+                  <a:solidFill>
+                    <a:schemeClr val="tx1"/>
+                  </a:solidFill>
+                </a:rPr>
+                <a:t>농장 </a:t>
+              </a:r>
+              <a:r>
+                <a:rPr lang="ko-KR" altLang="en-US" dirty="0" err="1">
+                  <a:solidFill>
+                    <a:schemeClr val="tx1"/>
+                  </a:solidFill>
+                </a:rPr>
+                <a:t>터치시</a:t>
+              </a:r>
+              <a:r>
+                <a:rPr lang="ko-KR" altLang="en-US" dirty="0">
+                  <a:solidFill>
+                    <a:schemeClr val="tx1"/>
+                  </a:solidFill>
+                </a:rPr>
+                <a:t> </a:t>
+              </a:r>
+              <a:r>
+                <a:rPr lang="en-US" altLang="ko-KR" dirty="0">
+                  <a:solidFill>
+                    <a:schemeClr val="tx1"/>
+                  </a:solidFill>
+                </a:rPr>
+                <a:t>‘</a:t>
+              </a:r>
+              <a:r>
+                <a:rPr lang="ko-KR" altLang="en-US" dirty="0">
+                  <a:solidFill>
+                    <a:schemeClr val="tx1"/>
+                  </a:solidFill>
+                </a:rPr>
+                <a:t>농장 정보</a:t>
+              </a:r>
+              <a:r>
+                <a:rPr lang="en-US" altLang="ko-KR" dirty="0">
+                  <a:solidFill>
+                    <a:schemeClr val="tx1"/>
+                  </a:solidFill>
+                </a:rPr>
+                <a:t>’</a:t>
+              </a:r>
+              <a:r>
+                <a:rPr lang="ko-KR" altLang="en-US" dirty="0">
+                  <a:solidFill>
+                    <a:schemeClr val="tx1"/>
+                  </a:solidFill>
+                </a:rPr>
+                <a:t> 창 등장</a:t>
+              </a:r>
+              <a:endParaRPr lang="en-US" altLang="ko-KR" dirty="0">
+                <a:solidFill>
+                  <a:schemeClr val="tx1"/>
+                </a:solidFill>
+              </a:endParaRPr>
+            </a:p>
+            <a:p>
+              <a:pPr marL="742950" lvl="1" indent="-285750">
+                <a:buFontTx/>
+                <a:buChar char="-"/>
+              </a:pPr>
+              <a:r>
+                <a:rPr lang="en-US" altLang="ko-KR" dirty="0">
+                  <a:solidFill>
+                    <a:schemeClr val="tx1"/>
+                  </a:solidFill>
+                </a:rPr>
+                <a:t>’</a:t>
+              </a:r>
+              <a:r>
+                <a:rPr lang="ko-KR" altLang="en-US" dirty="0">
+                  <a:solidFill>
+                    <a:schemeClr val="tx1"/>
+                  </a:solidFill>
+                </a:rPr>
+                <a:t>농장 정보</a:t>
+              </a:r>
+              <a:r>
+                <a:rPr lang="en-US" altLang="ko-KR" dirty="0">
+                  <a:solidFill>
+                    <a:schemeClr val="tx1"/>
+                  </a:solidFill>
+                </a:rPr>
+                <a:t>’</a:t>
+              </a:r>
+              <a:r>
+                <a:rPr lang="ko-KR" altLang="en-US" dirty="0">
+                  <a:solidFill>
+                    <a:schemeClr val="tx1"/>
+                  </a:solidFill>
+                </a:rPr>
+                <a:t> 창은 화면 중앙에서</a:t>
+              </a:r>
+              <a:br>
+                <a:rPr lang="en-US" altLang="ko-KR" dirty="0">
+                  <a:solidFill>
+                    <a:schemeClr val="tx1"/>
+                  </a:solidFill>
+                </a:rPr>
+              </a:br>
+              <a:r>
+                <a:rPr lang="en-US" altLang="ko-KR" dirty="0">
+                  <a:solidFill>
+                    <a:schemeClr val="tx1"/>
+                  </a:solidFill>
+                </a:rPr>
+                <a:t>0 to 1 (scale) at y</a:t>
+              </a:r>
+              <a:r>
+                <a:rPr lang="ko-KR" altLang="en-US" dirty="0">
+                  <a:solidFill>
+                    <a:schemeClr val="tx1"/>
+                  </a:solidFill>
+                </a:rPr>
+                <a:t> </a:t>
+              </a:r>
+              <a:r>
+                <a:rPr lang="en-US" altLang="ko-KR" dirty="0">
+                  <a:solidFill>
+                    <a:schemeClr val="tx1"/>
+                  </a:solidFill>
+                </a:rPr>
+                <a:t>axis</a:t>
+              </a:r>
+              <a:r>
+                <a:rPr lang="ko-KR" altLang="en-US" dirty="0">
+                  <a:solidFill>
+                    <a:schemeClr val="tx1"/>
+                  </a:solidFill>
+                </a:rPr>
+                <a:t> </a:t>
+              </a:r>
+              <a:r>
+                <a:rPr lang="en-US" altLang="ko-KR" dirty="0">
+                  <a:solidFill>
+                    <a:schemeClr val="tx1"/>
+                  </a:solidFill>
+                </a:rPr>
+                <a:t>size </a:t>
+              </a:r>
+              <a:r>
+                <a:rPr lang="ko-KR" altLang="en-US" dirty="0">
+                  <a:solidFill>
+                    <a:schemeClr val="tx1"/>
+                  </a:solidFill>
+                </a:rPr>
+                <a:t>로 팝업</a:t>
+              </a:r>
+              <a:endParaRPr lang="en-US" altLang="ko-KR" dirty="0">
+                <a:solidFill>
+                  <a:schemeClr val="tx1"/>
+                </a:solidFill>
+              </a:endParaRPr>
+            </a:p>
+            <a:p>
+              <a:pPr marL="742950" lvl="1" indent="-285750">
+                <a:buFontTx/>
+                <a:buChar char="-"/>
+              </a:pPr>
+              <a:r>
+                <a:rPr lang="ko-KR" altLang="en-US" dirty="0" err="1">
+                  <a:solidFill>
+                    <a:schemeClr val="tx1"/>
+                  </a:solidFill>
+                </a:rPr>
+                <a:t>팝업되며</a:t>
+              </a:r>
+              <a:r>
+                <a:rPr lang="ko-KR" altLang="en-US" dirty="0">
+                  <a:solidFill>
+                    <a:schemeClr val="tx1"/>
+                  </a:solidFill>
+                </a:rPr>
+                <a:t> 동시에</a:t>
+              </a:r>
+              <a:br>
+                <a:rPr lang="en-US" altLang="ko-KR" dirty="0">
+                  <a:solidFill>
+                    <a:schemeClr val="tx1"/>
+                  </a:solidFill>
+                </a:rPr>
+              </a:br>
+              <a:r>
+                <a:rPr lang="ko-KR" altLang="en-US" dirty="0">
+                  <a:solidFill>
+                    <a:schemeClr val="tx1"/>
+                  </a:solidFill>
+                </a:rPr>
+                <a:t>해당 농장의 </a:t>
+              </a:r>
+              <a:r>
+                <a:rPr lang="en-US" altLang="ko-KR" dirty="0">
+                  <a:solidFill>
+                    <a:schemeClr val="tx1"/>
+                  </a:solidFill>
+                </a:rPr>
+                <a:t>Farm Data</a:t>
+              </a:r>
+              <a:r>
+                <a:rPr lang="ko-KR" altLang="en-US" dirty="0">
+                  <a:solidFill>
+                    <a:schemeClr val="tx1"/>
+                  </a:solidFill>
+                </a:rPr>
+                <a:t>로 창의 각 </a:t>
+              </a:r>
+              <a:r>
+                <a:rPr lang="en-US" altLang="ko-KR" dirty="0">
+                  <a:solidFill>
+                    <a:schemeClr val="tx1"/>
+                  </a:solidFill>
+                </a:rPr>
+                <a:t>text</a:t>
+              </a:r>
+              <a:r>
+                <a:rPr lang="ko-KR" altLang="en-US" dirty="0">
+                  <a:solidFill>
+                    <a:schemeClr val="tx1"/>
+                  </a:solidFill>
+                </a:rPr>
+                <a:t> 설정</a:t>
+              </a:r>
+              <a:endParaRPr lang="en-US" altLang="ko-KR" dirty="0">
+                <a:solidFill>
+                  <a:schemeClr val="tx1"/>
+                </a:solidFill>
+              </a:endParaRPr>
+            </a:p>
+          </p:txBody>
+        </p:sp>
+        <p:sp>
+          <p:nvSpPr>
+            <p:cNvPr id="30" name="TextBox 29">
+              <a:extLst>
+                <a:ext uri="{FF2B5EF4-FFF2-40B4-BE49-F238E27FC236}">
+                  <a16:creationId xmlns:a16="http://schemas.microsoft.com/office/drawing/2014/main" id="{31124B04-08EF-4511-83A0-79C2AA47F41F}"/>
+                </a:ext>
+              </a:extLst>
+            </p:cNvPr>
+            <p:cNvSpPr txBox="1"/>
+            <p:nvPr/>
+          </p:nvSpPr>
+          <p:spPr>
+            <a:xfrm>
+              <a:off x="7442366" y="4038167"/>
+              <a:ext cx="3881263" cy="396677"/>
+            </a:xfrm>
+            <a:prstGeom prst="rect">
+              <a:avLst/>
+            </a:prstGeom>
+            <a:noFill/>
+          </p:spPr>
+          <p:txBody>
+            <a:bodyPr wrap="square" rtlCol="0">
+              <a:spAutoFit/>
+            </a:bodyPr>
+            <a:lstStyle/>
+            <a:p>
+              <a:r>
+                <a:rPr lang="en-US" altLang="ko-KR" dirty="0">
+                  <a:solidFill>
+                    <a:schemeClr val="bg1"/>
+                  </a:solidFill>
+                </a:rPr>
+                <a:t>UI </a:t>
+              </a:r>
+              <a:r>
+                <a:rPr lang="ko-KR" altLang="en-US" dirty="0">
+                  <a:solidFill>
+                    <a:schemeClr val="bg1"/>
+                  </a:solidFill>
+                </a:rPr>
+                <a:t>팝업</a:t>
+              </a:r>
+            </a:p>
+          </p:txBody>
+        </p:sp>
+      </p:grpSp>
+      <p:grpSp>
+        <p:nvGrpSpPr>
+          <p:cNvPr id="13" name="그룹 12">
+            <a:extLst>
+              <a:ext uri="{FF2B5EF4-FFF2-40B4-BE49-F238E27FC236}">
+                <a16:creationId xmlns:a16="http://schemas.microsoft.com/office/drawing/2014/main" id="{94067E19-C663-4213-ACE0-AD7ABF4832E9}"/>
+              </a:ext>
+            </a:extLst>
+          </p:cNvPr>
+          <p:cNvGrpSpPr/>
+          <p:nvPr/>
+        </p:nvGrpSpPr>
+        <p:grpSpPr>
+          <a:xfrm>
+            <a:off x="0" y="64063"/>
+            <a:ext cx="3106271" cy="656018"/>
+            <a:chOff x="0" y="196020"/>
+            <a:chExt cx="2329813" cy="656018"/>
+          </a:xfrm>
+        </p:grpSpPr>
+        <p:sp>
+          <p:nvSpPr>
+            <p:cNvPr id="14" name="TextBox 13">
+              <a:extLst>
+                <a:ext uri="{FF2B5EF4-FFF2-40B4-BE49-F238E27FC236}">
+                  <a16:creationId xmlns:a16="http://schemas.microsoft.com/office/drawing/2014/main" id="{F34652E5-2BD3-451B-9B8B-1FBA5AAB31BC}"/>
+                </a:ext>
+              </a:extLst>
+            </p:cNvPr>
+            <p:cNvSpPr txBox="1"/>
+            <p:nvPr/>
+          </p:nvSpPr>
+          <p:spPr>
+            <a:xfrm>
+              <a:off x="0" y="196020"/>
+              <a:ext cx="2329813" cy="523220"/>
+            </a:xfrm>
+            <a:prstGeom prst="rect">
+              <a:avLst/>
+            </a:prstGeom>
+            <a:noFill/>
+          </p:spPr>
+          <p:txBody>
+            <a:bodyPr wrap="square" rtlCol="0">
+              <a:spAutoFit/>
+            </a:bodyPr>
+            <a:lstStyle/>
+            <a:p>
+              <a:r>
+                <a:rPr lang="en-US" altLang="ko-KR" sz="2800" b="1" dirty="0"/>
+                <a:t>2.2 </a:t>
+              </a:r>
+              <a:r>
+                <a:rPr lang="ko-KR" altLang="en-US" sz="2800" b="1" dirty="0"/>
+                <a:t>농장 정보 창</a:t>
+              </a:r>
+              <a:endParaRPr lang="ko-KR" altLang="en-US" sz="1400" b="1" dirty="0"/>
+            </a:p>
+          </p:txBody>
+        </p:sp>
+        <p:sp>
+          <p:nvSpPr>
+            <p:cNvPr id="15" name="평행 사변형 14">
+              <a:extLst>
+                <a:ext uri="{FF2B5EF4-FFF2-40B4-BE49-F238E27FC236}">
+                  <a16:creationId xmlns:a16="http://schemas.microsoft.com/office/drawing/2014/main" id="{5B9355D8-F377-4806-AC51-5057B7B3F3BD}"/>
+                </a:ext>
+              </a:extLst>
+            </p:cNvPr>
+            <p:cNvSpPr/>
+            <p:nvPr/>
+          </p:nvSpPr>
+          <p:spPr>
+            <a:xfrm>
+              <a:off x="0" y="787975"/>
+              <a:ext cx="2196000" cy="64063"/>
+            </a:xfrm>
+            <a:prstGeom prst="parallelogram">
+              <a:avLst/>
+            </a:prstGeom>
+            <a:solidFill>
+              <a:schemeClr val="tx1"/>
+            </a:solidFill>
+            <a:ln>
+              <a:noFill/>
+            </a:ln>
+          </p:spPr>
+          <p:style>
+            <a:lnRef idx="2">
+              <a:schemeClr val="accent1">
+                <a:shade val="50000"/>
+              </a:schemeClr>
+            </a:lnRef>
+            <a:fillRef idx="1">
+              <a:schemeClr val="accent1"/>
+            </a:fillRef>
+            <a:effectRef idx="0">
+              <a:schemeClr val="accent1"/>
+            </a:effectRef>
+            <a:fontRef idx="minor">
+              <a:schemeClr val="lt1"/>
+            </a:fontRef>
+          </p:style>
+          <p:txBody>
+            <a:bodyPr rtlCol="0" anchor="ctr"/>
+            <a:lstStyle/>
+            <a:p>
+              <a:pPr algn="ctr"/>
+              <a:endParaRPr lang="ko-KR" altLang="en-US" dirty="0"/>
+            </a:p>
+          </p:txBody>
+        </p:sp>
+      </p:grpSp>
+      <p:pic>
+        <p:nvPicPr>
+          <p:cNvPr id="3" name="그림 2">
+            <a:extLst>
+              <a:ext uri="{FF2B5EF4-FFF2-40B4-BE49-F238E27FC236}">
+                <a16:creationId xmlns:a16="http://schemas.microsoft.com/office/drawing/2014/main" id="{88EF474D-FC3A-4390-AFD7-DA587747884C}"/>
+              </a:ext>
+            </a:extLst>
+          </p:cNvPr>
+          <p:cNvPicPr>
+            <a:picLocks noChangeAspect="1"/>
+          </p:cNvPicPr>
+          <p:nvPr/>
+        </p:nvPicPr>
+        <p:blipFill>
+          <a:blip r:embed="rId3">
+            <a:extLst>
+              <a:ext uri="{28A0092B-C50C-407E-A947-70E740481C1C}">
+                <a14:useLocalDpi xmlns:a14="http://schemas.microsoft.com/office/drawing/2010/main" val="0"/>
+              </a:ext>
+            </a:extLst>
+          </a:blip>
+          <a:stretch>
+            <a:fillRect/>
+          </a:stretch>
+        </p:blipFill>
+        <p:spPr>
+          <a:xfrm>
+            <a:off x="7903673" y="253908"/>
+            <a:ext cx="3988856" cy="6350184"/>
+          </a:xfrm>
+          <a:prstGeom prst="rect">
+            <a:avLst/>
+          </a:prstGeom>
+        </p:spPr>
+      </p:pic>
+    </p:spTree>
+    <p:extLst>
+      <p:ext uri="{BB962C8B-B14F-4D97-AF65-F5344CB8AC3E}">
+        <p14:creationId xmlns:p14="http://schemas.microsoft.com/office/powerpoint/2010/main" val="1471488093"/>
+      </p:ext>
+    </p:extLst>
+  </p:cSld>
+  <p:clrMapOvr>
+    <a:masterClrMapping/>
+  </p:clrMapOvr>
+</p:sld>
+</file>
+
+<file path=ppt/slides/slide14.xml><?xml version="1.0" encoding="utf-8"?>
+<p:sld xmlns:a="http://schemas.openxmlformats.org/drawingml/2006/main" xmlns:r="http://schemas.openxmlformats.org/officeDocument/2006/relationships" xmlns:p="http://schemas.openxmlformats.org/presentationml/2006/main">
+  <p:cSld>
+    <p:spTree>
+      <p:nvGrpSpPr>
+        <p:cNvPr id="1" name=""/>
+        <p:cNvGrpSpPr/>
+        <p:nvPr/>
+      </p:nvGrpSpPr>
+      <p:grpSpPr>
+        <a:xfrm>
+          <a:off x="0" y="0"/>
+          <a:ext cx="0" cy="0"/>
+          <a:chOff x="0" y="0"/>
+          <a:chExt cx="0" cy="0"/>
+        </a:xfrm>
+      </p:grpSpPr>
+      <p:grpSp>
+        <p:nvGrpSpPr>
+          <p:cNvPr id="13" name="그룹 12">
+            <a:extLst>
+              <a:ext uri="{FF2B5EF4-FFF2-40B4-BE49-F238E27FC236}">
+                <a16:creationId xmlns:a16="http://schemas.microsoft.com/office/drawing/2014/main" id="{94067E19-C663-4213-ACE0-AD7ABF4832E9}"/>
+              </a:ext>
+            </a:extLst>
+          </p:cNvPr>
+          <p:cNvGrpSpPr/>
+          <p:nvPr/>
+        </p:nvGrpSpPr>
+        <p:grpSpPr>
+          <a:xfrm>
+            <a:off x="0" y="64063"/>
+            <a:ext cx="3106271" cy="656018"/>
+            <a:chOff x="0" y="196020"/>
+            <a:chExt cx="2329813" cy="656018"/>
+          </a:xfrm>
+        </p:grpSpPr>
+        <p:sp>
+          <p:nvSpPr>
+            <p:cNvPr id="14" name="TextBox 13">
+              <a:extLst>
+                <a:ext uri="{FF2B5EF4-FFF2-40B4-BE49-F238E27FC236}">
+                  <a16:creationId xmlns:a16="http://schemas.microsoft.com/office/drawing/2014/main" id="{F34652E5-2BD3-451B-9B8B-1FBA5AAB31BC}"/>
+                </a:ext>
+              </a:extLst>
+            </p:cNvPr>
+            <p:cNvSpPr txBox="1"/>
+            <p:nvPr/>
+          </p:nvSpPr>
+          <p:spPr>
+            <a:xfrm>
+              <a:off x="0" y="196020"/>
+              <a:ext cx="2329813" cy="523220"/>
+            </a:xfrm>
+            <a:prstGeom prst="rect">
+              <a:avLst/>
+            </a:prstGeom>
+            <a:noFill/>
+          </p:spPr>
+          <p:txBody>
+            <a:bodyPr wrap="square" rtlCol="0">
+              <a:spAutoFit/>
+            </a:bodyPr>
+            <a:lstStyle/>
+            <a:p>
+              <a:r>
+                <a:rPr lang="en-US" altLang="ko-KR" sz="2800" b="1" dirty="0"/>
+                <a:t>2.2 </a:t>
+              </a:r>
+              <a:r>
+                <a:rPr lang="ko-KR" altLang="en-US" sz="2800" b="1" dirty="0"/>
+                <a:t>농장 정보 창</a:t>
+              </a:r>
+              <a:endParaRPr lang="ko-KR" altLang="en-US" sz="1400" b="1" dirty="0"/>
+            </a:p>
+          </p:txBody>
+        </p:sp>
+        <p:sp>
+          <p:nvSpPr>
+            <p:cNvPr id="15" name="평행 사변형 14">
+              <a:extLst>
+                <a:ext uri="{FF2B5EF4-FFF2-40B4-BE49-F238E27FC236}">
+                  <a16:creationId xmlns:a16="http://schemas.microsoft.com/office/drawing/2014/main" id="{5B9355D8-F377-4806-AC51-5057B7B3F3BD}"/>
+                </a:ext>
+              </a:extLst>
+            </p:cNvPr>
+            <p:cNvSpPr/>
+            <p:nvPr/>
+          </p:nvSpPr>
+          <p:spPr>
+            <a:xfrm>
+              <a:off x="0" y="787975"/>
+              <a:ext cx="2196000" cy="64063"/>
+            </a:xfrm>
+            <a:prstGeom prst="parallelogram">
+              <a:avLst/>
+            </a:prstGeom>
+            <a:solidFill>
+              <a:schemeClr val="tx1"/>
+            </a:solidFill>
+            <a:ln>
+              <a:noFill/>
+            </a:ln>
+          </p:spPr>
+          <p:style>
+            <a:lnRef idx="2">
+              <a:schemeClr val="accent1">
+                <a:shade val="50000"/>
+              </a:schemeClr>
+            </a:lnRef>
+            <a:fillRef idx="1">
+              <a:schemeClr val="accent1"/>
+            </a:fillRef>
+            <a:effectRef idx="0">
+              <a:schemeClr val="accent1"/>
+            </a:effectRef>
+            <a:fontRef idx="minor">
+              <a:schemeClr val="lt1"/>
+            </a:fontRef>
+          </p:style>
+          <p:txBody>
+            <a:bodyPr rtlCol="0" anchor="ctr"/>
+            <a:lstStyle/>
+            <a:p>
+              <a:pPr algn="ctr"/>
+              <a:endParaRPr lang="ko-KR" altLang="en-US" dirty="0"/>
+            </a:p>
+          </p:txBody>
+        </p:sp>
+      </p:grpSp>
+      <p:grpSp>
+        <p:nvGrpSpPr>
+          <p:cNvPr id="16" name="그룹 15">
+            <a:extLst>
+              <a:ext uri="{FF2B5EF4-FFF2-40B4-BE49-F238E27FC236}">
+                <a16:creationId xmlns:a16="http://schemas.microsoft.com/office/drawing/2014/main" id="{C9D994F9-5D7E-48FE-A49A-91B06EB1FCE3}"/>
+              </a:ext>
+            </a:extLst>
+          </p:cNvPr>
+          <p:cNvGrpSpPr/>
+          <p:nvPr/>
+        </p:nvGrpSpPr>
+        <p:grpSpPr>
+          <a:xfrm>
+            <a:off x="685800" y="2209226"/>
+            <a:ext cx="5674659" cy="2439548"/>
+            <a:chOff x="7280649" y="4038167"/>
+            <a:chExt cx="4217057" cy="2389089"/>
+          </a:xfrm>
+        </p:grpSpPr>
+        <p:sp>
+          <p:nvSpPr>
+            <p:cNvPr id="17" name="직사각형 16">
+              <a:extLst>
+                <a:ext uri="{FF2B5EF4-FFF2-40B4-BE49-F238E27FC236}">
+                  <a16:creationId xmlns:a16="http://schemas.microsoft.com/office/drawing/2014/main" id="{43C73F78-F4EB-4396-8763-A5AFDF529259}"/>
+                </a:ext>
+              </a:extLst>
+            </p:cNvPr>
+            <p:cNvSpPr/>
+            <p:nvPr/>
+          </p:nvSpPr>
+          <p:spPr>
+            <a:xfrm>
+              <a:off x="7280649" y="4038168"/>
+              <a:ext cx="4217057" cy="2389088"/>
+            </a:xfrm>
+            <a:prstGeom prst="rect">
+              <a:avLst/>
+            </a:prstGeom>
+            <a:solidFill>
+              <a:schemeClr val="tx1"/>
+            </a:solidFill>
+            <a:ln>
+              <a:solidFill>
+                <a:schemeClr val="tx1"/>
+              </a:solidFill>
+            </a:ln>
+          </p:spPr>
+          <p:style>
+            <a:lnRef idx="2">
+              <a:schemeClr val="accent1">
+                <a:shade val="50000"/>
+              </a:schemeClr>
+            </a:lnRef>
+            <a:fillRef idx="1">
+              <a:schemeClr val="accent1"/>
+            </a:fillRef>
+            <a:effectRef idx="0">
+              <a:schemeClr val="accent1"/>
+            </a:effectRef>
+            <a:fontRef idx="minor">
+              <a:schemeClr val="lt1"/>
+            </a:fontRef>
+          </p:style>
+          <p:txBody>
+            <a:bodyPr rtlCol="0" anchor="ctr"/>
+            <a:lstStyle/>
+            <a:p>
+              <a:pPr algn="ctr"/>
+              <a:endParaRPr lang="ko-KR" altLang="en-US"/>
+            </a:p>
+          </p:txBody>
+        </p:sp>
+        <p:sp>
+          <p:nvSpPr>
+            <p:cNvPr id="18" name="직사각형 17">
+              <a:extLst>
+                <a:ext uri="{FF2B5EF4-FFF2-40B4-BE49-F238E27FC236}">
+                  <a16:creationId xmlns:a16="http://schemas.microsoft.com/office/drawing/2014/main" id="{A0DEDEBE-1467-4901-AD82-7153CF11214F}"/>
+                </a:ext>
+              </a:extLst>
+            </p:cNvPr>
+            <p:cNvSpPr/>
+            <p:nvPr/>
+          </p:nvSpPr>
+          <p:spPr>
+            <a:xfrm>
+              <a:off x="7280649" y="4407499"/>
+              <a:ext cx="4217057" cy="2019757"/>
+            </a:xfrm>
+            <a:prstGeom prst="rect">
+              <a:avLst/>
+            </a:prstGeom>
+            <a:solidFill>
+              <a:schemeClr val="bg1"/>
+            </a:solidFill>
+            <a:ln>
+              <a:solidFill>
+                <a:schemeClr val="tx1"/>
+              </a:solidFill>
+            </a:ln>
+          </p:spPr>
+          <p:style>
+            <a:lnRef idx="2">
+              <a:schemeClr val="accent1">
+                <a:shade val="50000"/>
+              </a:schemeClr>
+            </a:lnRef>
+            <a:fillRef idx="1">
+              <a:schemeClr val="accent1"/>
+            </a:fillRef>
+            <a:effectRef idx="0">
+              <a:schemeClr val="accent1"/>
+            </a:effectRef>
+            <a:fontRef idx="minor">
+              <a:schemeClr val="lt1"/>
+            </a:fontRef>
+          </p:style>
+          <p:txBody>
+            <a:bodyPr rtlCol="0" anchor="ctr"/>
+            <a:lstStyle/>
+            <a:p>
+              <a:pPr marL="285750" indent="-285750">
+                <a:buFont typeface="Arial" panose="020B0604020202020204" pitchFamily="34" charset="0"/>
+                <a:buChar char="•"/>
+              </a:pPr>
+              <a:r>
+                <a:rPr lang="en-US" altLang="ko-KR" dirty="0">
+                  <a:solidFill>
+                    <a:schemeClr val="tx1"/>
+                  </a:solidFill>
+                </a:rPr>
+                <a:t>‘</a:t>
+              </a:r>
+              <a:r>
+                <a:rPr lang="ko-KR" altLang="en-US" dirty="0">
+                  <a:solidFill>
+                    <a:schemeClr val="tx1"/>
+                  </a:solidFill>
+                </a:rPr>
+                <a:t>농장 정보</a:t>
+              </a:r>
+              <a:r>
+                <a:rPr lang="en-US" altLang="ko-KR" dirty="0">
+                  <a:solidFill>
+                    <a:schemeClr val="tx1"/>
+                  </a:solidFill>
+                </a:rPr>
+                <a:t>’</a:t>
+              </a:r>
+              <a:r>
+                <a:rPr lang="ko-KR" altLang="en-US" dirty="0">
+                  <a:solidFill>
+                    <a:schemeClr val="tx1"/>
+                  </a:solidFill>
+                </a:rPr>
+                <a:t> 창에서 </a:t>
+              </a:r>
+              <a:r>
+                <a:rPr lang="en-US" altLang="ko-KR" dirty="0">
+                  <a:solidFill>
+                    <a:schemeClr val="tx1"/>
+                  </a:solidFill>
+                </a:rPr>
+                <a:t>‘</a:t>
+              </a:r>
+              <a:r>
+                <a:rPr lang="ko-KR" altLang="en-US" dirty="0" err="1">
+                  <a:solidFill>
+                    <a:schemeClr val="tx1"/>
+                  </a:solidFill>
+                </a:rPr>
+                <a:t>레벨업</a:t>
+              </a:r>
+              <a:r>
+                <a:rPr lang="ko-KR" altLang="en-US" dirty="0">
+                  <a:solidFill>
+                    <a:schemeClr val="tx1"/>
+                  </a:solidFill>
+                </a:rPr>
+                <a:t> 버튼</a:t>
+              </a:r>
+              <a:r>
+                <a:rPr lang="en-US" altLang="ko-KR" dirty="0">
+                  <a:solidFill>
+                    <a:schemeClr val="tx1"/>
+                  </a:solidFill>
+                </a:rPr>
+                <a:t>’ </a:t>
+              </a:r>
+              <a:r>
+                <a:rPr lang="ko-KR" altLang="en-US" dirty="0" err="1">
+                  <a:solidFill>
+                    <a:schemeClr val="tx1"/>
+                  </a:solidFill>
+                </a:rPr>
+                <a:t>터치시</a:t>
+              </a:r>
+              <a:br>
+                <a:rPr lang="en-US" altLang="ko-KR" dirty="0">
+                  <a:solidFill>
+                    <a:schemeClr val="tx1"/>
+                  </a:solidFill>
+                </a:rPr>
+              </a:br>
+              <a:r>
+                <a:rPr lang="en-US" altLang="ko-KR" dirty="0">
+                  <a:solidFill>
+                    <a:schemeClr val="tx1"/>
+                  </a:solidFill>
+                  <a:hlinkClick r:id="rId3" action="ppaction://hlinksldjump"/>
+                </a:rPr>
+                <a:t>2.1 </a:t>
+              </a:r>
+              <a:r>
+                <a:rPr lang="ko-KR" altLang="en-US" dirty="0">
+                  <a:solidFill>
+                    <a:schemeClr val="tx1"/>
+                  </a:solidFill>
+                  <a:hlinkClick r:id="rId3" action="ppaction://hlinksldjump"/>
+                </a:rPr>
+                <a:t>농장 </a:t>
+              </a:r>
+              <a:r>
+                <a:rPr lang="ko-KR" altLang="en-US" dirty="0" err="1">
+                  <a:solidFill>
+                    <a:schemeClr val="tx1"/>
+                  </a:solidFill>
+                  <a:hlinkClick r:id="rId3" action="ppaction://hlinksldjump"/>
+                </a:rPr>
+                <a:t>레벨업</a:t>
+              </a:r>
+              <a:r>
+                <a:rPr lang="ko-KR" altLang="en-US" dirty="0">
+                  <a:solidFill>
+                    <a:schemeClr val="tx1"/>
+                  </a:solidFill>
+                </a:rPr>
+                <a:t> 진행</a:t>
+              </a:r>
+              <a:br>
+                <a:rPr lang="en-US" altLang="ko-KR" dirty="0">
+                  <a:solidFill>
+                    <a:schemeClr val="tx1"/>
+                  </a:solidFill>
+                </a:rPr>
+              </a:br>
+              <a:r>
+                <a:rPr lang="en-US" altLang="ko-KR" i="1" dirty="0">
+                  <a:solidFill>
+                    <a:schemeClr val="tx1"/>
+                  </a:solidFill>
+                </a:rPr>
+                <a:t>Input(</a:t>
+              </a:r>
+              <a:r>
+                <a:rPr lang="en-US" altLang="ko-KR" i="1" dirty="0" err="1">
+                  <a:solidFill>
+                    <a:schemeClr val="tx1"/>
+                  </a:solidFill>
+                </a:rPr>
+                <a:t>LvUp</a:t>
+              </a:r>
+              <a:r>
+                <a:rPr lang="en-US" altLang="ko-KR" i="1" dirty="0">
+                  <a:solidFill>
+                    <a:schemeClr val="tx1"/>
+                  </a:solidFill>
+                </a:rPr>
+                <a:t>) &gt;&gt; True &gt;&gt; 2.1 </a:t>
+              </a:r>
+              <a:r>
+                <a:rPr lang="ko-KR" altLang="en-US" i="1" dirty="0">
+                  <a:solidFill>
+                    <a:schemeClr val="tx1"/>
+                  </a:solidFill>
+                </a:rPr>
+                <a:t>농장 </a:t>
+              </a:r>
+              <a:r>
+                <a:rPr lang="ko-KR" altLang="en-US" i="1" dirty="0" err="1">
+                  <a:solidFill>
+                    <a:schemeClr val="tx1"/>
+                  </a:solidFill>
+                </a:rPr>
+                <a:t>레벨업</a:t>
+              </a:r>
+              <a:endParaRPr lang="en-US" altLang="ko-KR" i="1" dirty="0">
+                <a:solidFill>
+                  <a:schemeClr val="tx1"/>
+                </a:solidFill>
+              </a:endParaRPr>
+            </a:p>
+            <a:p>
+              <a:pPr marL="285750" indent="-285750">
+                <a:buFont typeface="Arial" panose="020B0604020202020204" pitchFamily="34" charset="0"/>
+                <a:buChar char="•"/>
+              </a:pPr>
+              <a:endParaRPr lang="en-US" altLang="ko-KR" dirty="0">
+                <a:solidFill>
+                  <a:schemeClr val="tx1"/>
+                </a:solidFill>
+              </a:endParaRPr>
+            </a:p>
+            <a:p>
+              <a:pPr marL="285750" indent="-285750">
+                <a:buFont typeface="Arial" panose="020B0604020202020204" pitchFamily="34" charset="0"/>
+                <a:buChar char="•"/>
+              </a:pPr>
+              <a:r>
+                <a:rPr lang="ko-KR" altLang="en-US" dirty="0">
+                  <a:solidFill>
+                    <a:schemeClr val="tx1"/>
+                  </a:solidFill>
+                </a:rPr>
+                <a:t>농장 레벨업에 따라 변경된 </a:t>
+              </a:r>
+              <a:r>
+                <a:rPr lang="en-US" altLang="ko-KR" dirty="0">
+                  <a:solidFill>
+                    <a:schemeClr val="tx1"/>
+                  </a:solidFill>
+                </a:rPr>
+                <a:t>Farm</a:t>
+              </a:r>
+              <a:r>
+                <a:rPr lang="ko-KR" altLang="en-US" dirty="0">
+                  <a:solidFill>
+                    <a:schemeClr val="tx1"/>
+                  </a:solidFill>
+                </a:rPr>
+                <a:t>의 </a:t>
+              </a:r>
+              <a:r>
+                <a:rPr lang="en-US" altLang="ko-KR" dirty="0">
+                  <a:solidFill>
+                    <a:schemeClr val="tx1"/>
+                  </a:solidFill>
+                </a:rPr>
+                <a:t>Data</a:t>
+              </a:r>
+              <a:r>
+                <a:rPr lang="ko-KR" altLang="en-US" dirty="0">
+                  <a:solidFill>
+                    <a:schemeClr val="tx1"/>
+                  </a:solidFill>
+                </a:rPr>
+                <a:t> 값으로</a:t>
+              </a:r>
+              <a:br>
+                <a:rPr lang="en-US" altLang="ko-KR" dirty="0">
+                  <a:solidFill>
+                    <a:schemeClr val="tx1"/>
+                  </a:solidFill>
+                </a:rPr>
+              </a:br>
+              <a:r>
+                <a:rPr lang="ko-KR" altLang="en-US" dirty="0">
+                  <a:solidFill>
+                    <a:schemeClr val="tx1"/>
+                  </a:solidFill>
+                </a:rPr>
+                <a:t>정보창의 각 </a:t>
+              </a:r>
+              <a:r>
+                <a:rPr lang="en-US" altLang="ko-KR" dirty="0">
+                  <a:solidFill>
+                    <a:schemeClr val="tx1"/>
+                  </a:solidFill>
+                </a:rPr>
+                <a:t>text </a:t>
+              </a:r>
+              <a:r>
+                <a:rPr lang="ko-KR" altLang="en-US" dirty="0">
+                  <a:solidFill>
+                    <a:schemeClr val="tx1"/>
+                  </a:solidFill>
+                </a:rPr>
+                <a:t>변경</a:t>
+              </a:r>
+              <a:endParaRPr lang="en-US" altLang="ko-KR" dirty="0">
+                <a:solidFill>
+                  <a:schemeClr val="tx1"/>
+                </a:solidFill>
+              </a:endParaRPr>
+            </a:p>
+          </p:txBody>
+        </p:sp>
+        <p:sp>
+          <p:nvSpPr>
+            <p:cNvPr id="19" name="TextBox 18">
+              <a:extLst>
+                <a:ext uri="{FF2B5EF4-FFF2-40B4-BE49-F238E27FC236}">
+                  <a16:creationId xmlns:a16="http://schemas.microsoft.com/office/drawing/2014/main" id="{55D5A675-0640-4ECB-B2AC-63DE1D7F3911}"/>
+                </a:ext>
+              </a:extLst>
+            </p:cNvPr>
+            <p:cNvSpPr txBox="1"/>
+            <p:nvPr/>
+          </p:nvSpPr>
+          <p:spPr>
+            <a:xfrm>
+              <a:off x="7442366" y="4038167"/>
+              <a:ext cx="3881263" cy="361693"/>
+            </a:xfrm>
+            <a:prstGeom prst="rect">
+              <a:avLst/>
+            </a:prstGeom>
+            <a:noFill/>
+          </p:spPr>
+          <p:txBody>
+            <a:bodyPr wrap="square" rtlCol="0">
+              <a:spAutoFit/>
+            </a:bodyPr>
+            <a:lstStyle/>
+            <a:p>
+              <a:r>
+                <a:rPr lang="ko-KR" altLang="en-US" dirty="0" err="1">
+                  <a:solidFill>
+                    <a:schemeClr val="bg1"/>
+                  </a:solidFill>
+                </a:rPr>
+                <a:t>레벨업</a:t>
+              </a:r>
+              <a:r>
+                <a:rPr lang="ko-KR" altLang="en-US" dirty="0">
+                  <a:solidFill>
+                    <a:schemeClr val="bg1"/>
+                  </a:solidFill>
+                </a:rPr>
+                <a:t> 진행</a:t>
+              </a:r>
+            </a:p>
+          </p:txBody>
+        </p:sp>
+      </p:grpSp>
+      <p:pic>
+        <p:nvPicPr>
+          <p:cNvPr id="20" name="그림 19">
+            <a:extLst>
+              <a:ext uri="{FF2B5EF4-FFF2-40B4-BE49-F238E27FC236}">
+                <a16:creationId xmlns:a16="http://schemas.microsoft.com/office/drawing/2014/main" id="{3EDABDAC-53BF-4DC2-B1FE-9C9F481A172E}"/>
+              </a:ext>
+            </a:extLst>
+          </p:cNvPr>
+          <p:cNvPicPr>
+            <a:picLocks noChangeAspect="1"/>
+          </p:cNvPicPr>
+          <p:nvPr/>
+        </p:nvPicPr>
+        <p:blipFill>
+          <a:blip r:embed="rId4">
+            <a:extLst>
+              <a:ext uri="{28A0092B-C50C-407E-A947-70E740481C1C}">
+                <a14:useLocalDpi xmlns:a14="http://schemas.microsoft.com/office/drawing/2010/main" val="0"/>
+              </a:ext>
+            </a:extLst>
+          </a:blip>
+          <a:srcRect/>
+          <a:stretch/>
+        </p:blipFill>
+        <p:spPr>
+          <a:xfrm>
+            <a:off x="7908377" y="253908"/>
+            <a:ext cx="3979448" cy="6350184"/>
+          </a:xfrm>
+          <a:prstGeom prst="rect">
+            <a:avLst/>
+          </a:prstGeom>
+        </p:spPr>
+      </p:pic>
+    </p:spTree>
+    <p:extLst>
+      <p:ext uri="{BB962C8B-B14F-4D97-AF65-F5344CB8AC3E}">
+        <p14:creationId xmlns:p14="http://schemas.microsoft.com/office/powerpoint/2010/main" val="2959651471"/>
+      </p:ext>
+    </p:extLst>
+  </p:cSld>
+  <p:clrMapOvr>
+    <a:masterClrMapping/>
+  </p:clrMapOvr>
+</p:sld>
+</file>
+
+<file path=ppt/slides/slide15.xml><?xml version="1.0" encoding="utf-8"?>
+<p:sld xmlns:a="http://schemas.openxmlformats.org/drawingml/2006/main" xmlns:r="http://schemas.openxmlformats.org/officeDocument/2006/relationships" xmlns:p="http://schemas.openxmlformats.org/presentationml/2006/main">
+  <p:cSld>
+    <p:spTree>
+      <p:nvGrpSpPr>
+        <p:cNvPr id="1" name=""/>
+        <p:cNvGrpSpPr/>
+        <p:nvPr/>
+      </p:nvGrpSpPr>
+      <p:grpSpPr>
+        <a:xfrm>
+          <a:off x="0" y="0"/>
+          <a:ext cx="0" cy="0"/>
+          <a:chOff x="0" y="0"/>
+          <a:chExt cx="0" cy="0"/>
+        </a:xfrm>
+      </p:grpSpPr>
       <p:sp>
         <p:nvSpPr>
           <p:cNvPr id="2" name="제목 1">
@@ -12861,7 +15006,7 @@
 </p:sld>
 </file>
 
-<file path=ppt/slides/slide13.xml><?xml version="1.0" encoding="utf-8"?>
+<file path=ppt/slides/slide16.xml><?xml version="1.0" encoding="utf-8"?>
 <p:sld xmlns:a="http://schemas.openxmlformats.org/drawingml/2006/main" xmlns:r="http://schemas.openxmlformats.org/officeDocument/2006/relationships" xmlns:p="http://schemas.openxmlformats.org/presentationml/2006/main">
   <p:cSld>
     <p:spTree>
@@ -13768,7 +15913,7 @@
 </p:sld>
 </file>
 
-<file path=ppt/slides/slide14.xml><?xml version="1.0" encoding="utf-8"?>
+<file path=ppt/slides/slide17.xml><?xml version="1.0" encoding="utf-8"?>
 <p:sld xmlns:a="http://schemas.openxmlformats.org/drawingml/2006/main" xmlns:r="http://schemas.openxmlformats.org/officeDocument/2006/relationships" xmlns:p="http://schemas.openxmlformats.org/presentationml/2006/main">
   <p:cSld>
     <p:spTree>
@@ -13835,7 +15980,7 @@
 </p:sld>
 </file>
 
-<file path=ppt/slides/slide15.xml><?xml version="1.0" encoding="utf-8"?>
+<file path=ppt/slides/slide18.xml><?xml version="1.0" encoding="utf-8"?>
 <p:sld xmlns:a="http://schemas.openxmlformats.org/drawingml/2006/main" xmlns:r="http://schemas.openxmlformats.org/officeDocument/2006/relationships" xmlns:p="http://schemas.openxmlformats.org/presentationml/2006/main">
   <p:cSld>
     <p:spTree>
@@ -14592,7 +16737,7 @@
 </p:sld>
 </file>
 
-<file path=ppt/slides/slide16.xml><?xml version="1.0" encoding="utf-8"?>
+<file path=ppt/slides/slide19.xml><?xml version="1.0" encoding="utf-8"?>
 <p:sld xmlns:a="http://schemas.openxmlformats.org/drawingml/2006/main" xmlns:r="http://schemas.openxmlformats.org/officeDocument/2006/relationships" xmlns:p="http://schemas.openxmlformats.org/presentationml/2006/main">
   <p:cSld>
     <p:spTree>
@@ -15058,1730 +17203,6 @@
 </p:sld>
 </file>
 
-<file path=ppt/slides/slide17.xml><?xml version="1.0" encoding="utf-8"?>
-<p:sld xmlns:a="http://schemas.openxmlformats.org/drawingml/2006/main" xmlns:r="http://schemas.openxmlformats.org/officeDocument/2006/relationships" xmlns:p="http://schemas.openxmlformats.org/presentationml/2006/main">
-  <p:cSld>
-    <p:spTree>
-      <p:nvGrpSpPr>
-        <p:cNvPr id="1" name=""/>
-        <p:cNvGrpSpPr/>
-        <p:nvPr/>
-      </p:nvGrpSpPr>
-      <p:grpSpPr>
-        <a:xfrm>
-          <a:off x="0" y="0"/>
-          <a:ext cx="0" cy="0"/>
-          <a:chOff x="0" y="0"/>
-          <a:chExt cx="0" cy="0"/>
-        </a:xfrm>
-      </p:grpSpPr>
-      <p:pic>
-        <p:nvPicPr>
-          <p:cNvPr id="3" name="그림 2">
-            <a:extLst>
-              <a:ext uri="{FF2B5EF4-FFF2-40B4-BE49-F238E27FC236}">
-                <a16:creationId xmlns:a16="http://schemas.microsoft.com/office/drawing/2014/main" id="{1824EF2F-36E2-4289-B31B-E5FE5773533E}"/>
-              </a:ext>
-            </a:extLst>
-          </p:cNvPr>
-          <p:cNvPicPr>
-            <a:picLocks noChangeAspect="1"/>
-          </p:cNvPicPr>
-          <p:nvPr/>
-        </p:nvPicPr>
-        <p:blipFill>
-          <a:blip r:embed="rId3">
-            <a:extLst>
-              <a:ext uri="{28A0092B-C50C-407E-A947-70E740481C1C}">
-                <a14:useLocalDpi xmlns:a14="http://schemas.microsoft.com/office/drawing/2010/main" val="0"/>
-              </a:ext>
-            </a:extLst>
-          </a:blip>
-          <a:stretch>
-            <a:fillRect/>
-          </a:stretch>
-        </p:blipFill>
-        <p:spPr>
-          <a:xfrm>
-            <a:off x="7905749" y="2183696"/>
-            <a:ext cx="2962275" cy="2886075"/>
-          </a:xfrm>
-          <a:prstGeom prst="rect">
-            <a:avLst/>
-          </a:prstGeom>
-        </p:spPr>
-      </p:pic>
-      <p:grpSp>
-        <p:nvGrpSpPr>
-          <p:cNvPr id="38" name="그룹 37">
-            <a:extLst>
-              <a:ext uri="{FF2B5EF4-FFF2-40B4-BE49-F238E27FC236}">
-                <a16:creationId xmlns:a16="http://schemas.microsoft.com/office/drawing/2014/main" id="{1D8E532E-9E14-4EC0-9A5D-C7F11045D019}"/>
-              </a:ext>
-            </a:extLst>
-          </p:cNvPr>
-          <p:cNvGrpSpPr/>
-          <p:nvPr/>
-        </p:nvGrpSpPr>
-        <p:grpSpPr>
-          <a:xfrm>
-            <a:off x="-1" y="99367"/>
-            <a:ext cx="2810435" cy="620714"/>
-            <a:chOff x="0" y="231324"/>
-            <a:chExt cx="2341178" cy="620714"/>
-          </a:xfrm>
-        </p:grpSpPr>
-        <p:sp>
-          <p:nvSpPr>
-            <p:cNvPr id="39" name="TextBox 38">
-              <a:extLst>
-                <a:ext uri="{FF2B5EF4-FFF2-40B4-BE49-F238E27FC236}">
-                  <a16:creationId xmlns:a16="http://schemas.microsoft.com/office/drawing/2014/main" id="{6CDC6D6B-2C6F-4506-A1A4-B60E366A7E7F}"/>
-                </a:ext>
-              </a:extLst>
-            </p:cNvPr>
-            <p:cNvSpPr txBox="1"/>
-            <p:nvPr/>
-          </p:nvSpPr>
-          <p:spPr>
-            <a:xfrm>
-              <a:off x="0" y="231324"/>
-              <a:ext cx="2341178" cy="523220"/>
-            </a:xfrm>
-            <a:prstGeom prst="rect">
-              <a:avLst/>
-            </a:prstGeom>
-            <a:noFill/>
-          </p:spPr>
-          <p:txBody>
-            <a:bodyPr wrap="square" rtlCol="0">
-              <a:spAutoFit/>
-            </a:bodyPr>
-            <a:lstStyle/>
-            <a:p>
-              <a:r>
-                <a:rPr lang="en-US" altLang="ko-KR" sz="2800" b="1" dirty="0"/>
-                <a:t>4. </a:t>
-              </a:r>
-              <a:r>
-                <a:rPr lang="ko-KR" altLang="en-US" sz="2800" b="1" dirty="0"/>
-                <a:t>액티브 스킬</a:t>
-              </a:r>
-              <a:endParaRPr lang="ko-KR" altLang="en-US" sz="1400" b="1" dirty="0"/>
-            </a:p>
-          </p:txBody>
-        </p:sp>
-        <p:sp>
-          <p:nvSpPr>
-            <p:cNvPr id="40" name="평행 사변형 39">
-              <a:extLst>
-                <a:ext uri="{FF2B5EF4-FFF2-40B4-BE49-F238E27FC236}">
-                  <a16:creationId xmlns:a16="http://schemas.microsoft.com/office/drawing/2014/main" id="{4E81B653-ED60-4FFF-82E8-2306DFEB399E}"/>
-                </a:ext>
-              </a:extLst>
-            </p:cNvPr>
-            <p:cNvSpPr/>
-            <p:nvPr/>
-          </p:nvSpPr>
-          <p:spPr>
-            <a:xfrm>
-              <a:off x="0" y="787975"/>
-              <a:ext cx="2196000" cy="64063"/>
-            </a:xfrm>
-            <a:prstGeom prst="parallelogram">
-              <a:avLst/>
-            </a:prstGeom>
-            <a:solidFill>
-              <a:schemeClr val="tx1"/>
-            </a:solidFill>
-            <a:ln>
-              <a:noFill/>
-            </a:ln>
-          </p:spPr>
-          <p:style>
-            <a:lnRef idx="2">
-              <a:schemeClr val="accent1">
-                <a:shade val="50000"/>
-              </a:schemeClr>
-            </a:lnRef>
-            <a:fillRef idx="1">
-              <a:schemeClr val="accent1"/>
-            </a:fillRef>
-            <a:effectRef idx="0">
-              <a:schemeClr val="accent1"/>
-            </a:effectRef>
-            <a:fontRef idx="minor">
-              <a:schemeClr val="lt1"/>
-            </a:fontRef>
-          </p:style>
-          <p:txBody>
-            <a:bodyPr rtlCol="0" anchor="ctr"/>
-            <a:lstStyle/>
-            <a:p>
-              <a:pPr algn="ctr"/>
-              <a:endParaRPr lang="ko-KR" altLang="en-US" dirty="0"/>
-            </a:p>
-          </p:txBody>
-        </p:sp>
-      </p:grpSp>
-      <p:grpSp>
-        <p:nvGrpSpPr>
-          <p:cNvPr id="23" name="그룹 22">
-            <a:extLst>
-              <a:ext uri="{FF2B5EF4-FFF2-40B4-BE49-F238E27FC236}">
-                <a16:creationId xmlns:a16="http://schemas.microsoft.com/office/drawing/2014/main" id="{C84C9E02-B559-4FF1-BE61-BB0CD4741D3B}"/>
-              </a:ext>
-            </a:extLst>
-          </p:cNvPr>
-          <p:cNvGrpSpPr/>
-          <p:nvPr/>
-        </p:nvGrpSpPr>
-        <p:grpSpPr>
-          <a:xfrm>
-            <a:off x="1318078" y="2376118"/>
-            <a:ext cx="5671142" cy="2252841"/>
-            <a:chOff x="7280649" y="4038167"/>
-            <a:chExt cx="4217057" cy="2389089"/>
-          </a:xfrm>
-        </p:grpSpPr>
-        <p:sp>
-          <p:nvSpPr>
-            <p:cNvPr id="24" name="직사각형 23">
-              <a:extLst>
-                <a:ext uri="{FF2B5EF4-FFF2-40B4-BE49-F238E27FC236}">
-                  <a16:creationId xmlns:a16="http://schemas.microsoft.com/office/drawing/2014/main" id="{ACB38A61-B130-493E-B257-7C7D98BBDD2B}"/>
-                </a:ext>
-              </a:extLst>
-            </p:cNvPr>
-            <p:cNvSpPr/>
-            <p:nvPr/>
-          </p:nvSpPr>
-          <p:spPr>
-            <a:xfrm>
-              <a:off x="7280649" y="4038168"/>
-              <a:ext cx="4217057" cy="2389088"/>
-            </a:xfrm>
-            <a:prstGeom prst="rect">
-              <a:avLst/>
-            </a:prstGeom>
-            <a:solidFill>
-              <a:schemeClr val="tx1"/>
-            </a:solidFill>
-            <a:ln>
-              <a:solidFill>
-                <a:schemeClr val="tx1"/>
-              </a:solidFill>
-            </a:ln>
-          </p:spPr>
-          <p:style>
-            <a:lnRef idx="2">
-              <a:schemeClr val="accent1">
-                <a:shade val="50000"/>
-              </a:schemeClr>
-            </a:lnRef>
-            <a:fillRef idx="1">
-              <a:schemeClr val="accent1"/>
-            </a:fillRef>
-            <a:effectRef idx="0">
-              <a:schemeClr val="accent1"/>
-            </a:effectRef>
-            <a:fontRef idx="minor">
-              <a:schemeClr val="lt1"/>
-            </a:fontRef>
-          </p:style>
-          <p:txBody>
-            <a:bodyPr rtlCol="0" anchor="ctr"/>
-            <a:lstStyle/>
-            <a:p>
-              <a:pPr algn="ctr"/>
-              <a:endParaRPr lang="ko-KR" altLang="en-US"/>
-            </a:p>
-          </p:txBody>
-        </p:sp>
-        <p:sp>
-          <p:nvSpPr>
-            <p:cNvPr id="25" name="직사각형 24">
-              <a:extLst>
-                <a:ext uri="{FF2B5EF4-FFF2-40B4-BE49-F238E27FC236}">
-                  <a16:creationId xmlns:a16="http://schemas.microsoft.com/office/drawing/2014/main" id="{980DB22C-A901-4481-BC3F-76F5CFF2FC78}"/>
-                </a:ext>
-              </a:extLst>
-            </p:cNvPr>
-            <p:cNvSpPr/>
-            <p:nvPr/>
-          </p:nvSpPr>
-          <p:spPr>
-            <a:xfrm>
-              <a:off x="7280649" y="4407499"/>
-              <a:ext cx="4217057" cy="2019757"/>
-            </a:xfrm>
-            <a:prstGeom prst="rect">
-              <a:avLst/>
-            </a:prstGeom>
-            <a:solidFill>
-              <a:schemeClr val="bg1"/>
-            </a:solidFill>
-            <a:ln>
-              <a:solidFill>
-                <a:schemeClr val="tx1"/>
-              </a:solidFill>
-            </a:ln>
-          </p:spPr>
-          <p:style>
-            <a:lnRef idx="2">
-              <a:schemeClr val="accent1">
-                <a:shade val="50000"/>
-              </a:schemeClr>
-            </a:lnRef>
-            <a:fillRef idx="1">
-              <a:schemeClr val="accent1"/>
-            </a:fillRef>
-            <a:effectRef idx="0">
-              <a:schemeClr val="accent1"/>
-            </a:effectRef>
-            <a:fontRef idx="minor">
-              <a:schemeClr val="lt1"/>
-            </a:fontRef>
-          </p:style>
-          <p:txBody>
-            <a:bodyPr rtlCol="0" anchor="ctr"/>
-            <a:lstStyle/>
-            <a:p>
-              <a:pPr marL="285750" indent="-285750">
-                <a:buFont typeface="Arial" panose="020B0604020202020204" pitchFamily="34" charset="0"/>
-                <a:buChar char="•"/>
-              </a:pPr>
-              <a:r>
-                <a:rPr lang="ko-KR" altLang="en-US" dirty="0">
-                  <a:solidFill>
-                    <a:schemeClr val="tx1"/>
-                  </a:solidFill>
-                </a:rPr>
-                <a:t>각 </a:t>
-              </a:r>
-              <a:r>
-                <a:rPr lang="ko-KR" altLang="en-US" dirty="0" err="1">
-                  <a:solidFill>
-                    <a:schemeClr val="tx1"/>
-                  </a:solidFill>
-                </a:rPr>
-                <a:t>스킬별로</a:t>
-              </a:r>
-              <a:r>
-                <a:rPr lang="ko-KR" altLang="en-US" dirty="0">
-                  <a:solidFill>
-                    <a:schemeClr val="tx1"/>
-                  </a:solidFill>
-                </a:rPr>
-                <a:t> 스킬 아이콘이 화면에 </a:t>
-              </a:r>
-              <a:r>
-                <a:rPr lang="ko-KR" altLang="en-US" dirty="0" err="1">
-                  <a:solidFill>
-                    <a:schemeClr val="tx1"/>
-                  </a:solidFill>
-                </a:rPr>
-                <a:t>토글</a:t>
-              </a:r>
-              <a:endParaRPr lang="en-US" altLang="ko-KR" dirty="0">
-                <a:solidFill>
-                  <a:schemeClr val="tx1"/>
-                </a:solidFill>
-              </a:endParaRPr>
-            </a:p>
-            <a:p>
-              <a:pPr marL="285750" indent="-285750">
-                <a:buFont typeface="Arial" panose="020B0604020202020204" pitchFamily="34" charset="0"/>
-                <a:buChar char="•"/>
-              </a:pPr>
-              <a:endParaRPr lang="en-US" altLang="ko-KR" dirty="0">
-                <a:solidFill>
-                  <a:schemeClr val="tx1"/>
-                </a:solidFill>
-              </a:endParaRPr>
-            </a:p>
-            <a:p>
-              <a:pPr marL="285750" indent="-285750">
-                <a:buFont typeface="Arial" panose="020B0604020202020204" pitchFamily="34" charset="0"/>
-                <a:buChar char="•"/>
-              </a:pPr>
-              <a:r>
-                <a:rPr lang="ko-KR" altLang="en-US" dirty="0">
-                  <a:solidFill>
-                    <a:schemeClr val="tx1"/>
-                  </a:solidFill>
-                </a:rPr>
-                <a:t>아이콘 </a:t>
-              </a:r>
-              <a:r>
-                <a:rPr lang="ko-KR" altLang="en-US" dirty="0" err="1">
-                  <a:solidFill>
-                    <a:schemeClr val="tx1"/>
-                  </a:solidFill>
-                </a:rPr>
-                <a:t>터치시</a:t>
-              </a:r>
-              <a:r>
-                <a:rPr lang="ko-KR" altLang="en-US" dirty="0">
-                  <a:solidFill>
-                    <a:schemeClr val="tx1"/>
-                  </a:solidFill>
-                </a:rPr>
-                <a:t> 스킬 발동</a:t>
-              </a:r>
-              <a:endParaRPr lang="en-US" altLang="ko-KR" dirty="0">
-                <a:solidFill>
-                  <a:schemeClr val="tx1"/>
-                </a:solidFill>
-              </a:endParaRPr>
-            </a:p>
-            <a:p>
-              <a:pPr marL="285750" indent="-285750">
-                <a:buFont typeface="Arial" panose="020B0604020202020204" pitchFamily="34" charset="0"/>
-                <a:buChar char="•"/>
-              </a:pPr>
-              <a:endParaRPr lang="en-US" altLang="ko-KR" dirty="0">
-                <a:solidFill>
-                  <a:schemeClr val="tx1"/>
-                </a:solidFill>
-              </a:endParaRPr>
-            </a:p>
-            <a:p>
-              <a:pPr marL="285750" indent="-285750">
-                <a:buFont typeface="Arial" panose="020B0604020202020204" pitchFamily="34" charset="0"/>
-                <a:buChar char="•"/>
-              </a:pPr>
-              <a:r>
-                <a:rPr lang="ko-KR" altLang="en-US" dirty="0">
-                  <a:solidFill>
-                    <a:schemeClr val="tx1"/>
-                  </a:solidFill>
-                </a:rPr>
-                <a:t>지속 시간</a:t>
-              </a:r>
-              <a:r>
-                <a:rPr lang="en-US" altLang="ko-KR" dirty="0">
-                  <a:solidFill>
-                    <a:schemeClr val="tx1"/>
-                  </a:solidFill>
-                </a:rPr>
-                <a:t>/</a:t>
-              </a:r>
-              <a:r>
-                <a:rPr lang="ko-KR" altLang="en-US" dirty="0" err="1">
-                  <a:solidFill>
-                    <a:schemeClr val="tx1"/>
-                  </a:solidFill>
-                </a:rPr>
-                <a:t>쿨타임</a:t>
-              </a:r>
-              <a:r>
-                <a:rPr lang="ko-KR" altLang="en-US" dirty="0">
-                  <a:solidFill>
-                    <a:schemeClr val="tx1"/>
-                  </a:solidFill>
-                </a:rPr>
-                <a:t> 동안 아이콘에 밝기 효과 적용</a:t>
-              </a:r>
-              <a:br>
-                <a:rPr lang="en-US" altLang="ko-KR" dirty="0">
-                  <a:solidFill>
-                    <a:schemeClr val="tx1"/>
-                  </a:solidFill>
-                </a:rPr>
-              </a:br>
-              <a:r>
-                <a:rPr lang="en-US" altLang="ko-KR" dirty="0">
-                  <a:solidFill>
-                    <a:schemeClr val="tx1"/>
-                  </a:solidFill>
-                </a:rPr>
-                <a:t>(GIF </a:t>
-              </a:r>
-              <a:r>
-                <a:rPr lang="ko-KR" altLang="en-US" dirty="0">
-                  <a:solidFill>
-                    <a:schemeClr val="tx1"/>
-                  </a:solidFill>
-                </a:rPr>
-                <a:t>자료 참고</a:t>
-              </a:r>
-              <a:r>
-                <a:rPr lang="en-US" altLang="ko-KR" dirty="0">
-                  <a:solidFill>
-                    <a:schemeClr val="tx1"/>
-                  </a:solidFill>
-                </a:rPr>
-                <a:t>)</a:t>
-              </a:r>
-            </a:p>
-          </p:txBody>
-        </p:sp>
-        <p:sp>
-          <p:nvSpPr>
-            <p:cNvPr id="26" name="TextBox 25">
-              <a:extLst>
-                <a:ext uri="{FF2B5EF4-FFF2-40B4-BE49-F238E27FC236}">
-                  <a16:creationId xmlns:a16="http://schemas.microsoft.com/office/drawing/2014/main" id="{8A314BEB-84D8-49EB-B61D-DD2705D8297D}"/>
-                </a:ext>
-              </a:extLst>
-            </p:cNvPr>
-            <p:cNvSpPr txBox="1"/>
-            <p:nvPr/>
-          </p:nvSpPr>
-          <p:spPr>
-            <a:xfrm>
-              <a:off x="7442366" y="4038167"/>
-              <a:ext cx="3881263" cy="419025"/>
-            </a:xfrm>
-            <a:prstGeom prst="rect">
-              <a:avLst/>
-            </a:prstGeom>
-            <a:noFill/>
-          </p:spPr>
-          <p:txBody>
-            <a:bodyPr wrap="square" rtlCol="0">
-              <a:spAutoFit/>
-            </a:bodyPr>
-            <a:lstStyle/>
-            <a:p>
-              <a:r>
-                <a:rPr lang="ko-KR" altLang="en-US" dirty="0">
-                  <a:solidFill>
-                    <a:schemeClr val="bg1"/>
-                  </a:solidFill>
-                </a:rPr>
-                <a:t>관련 </a:t>
-              </a:r>
-              <a:r>
-                <a:rPr lang="en-US" altLang="ko-KR" dirty="0">
-                  <a:solidFill>
-                    <a:schemeClr val="bg1"/>
-                  </a:solidFill>
-                </a:rPr>
-                <a:t>UI</a:t>
-              </a:r>
-              <a:endParaRPr lang="ko-KR" altLang="en-US" dirty="0">
-                <a:solidFill>
-                  <a:schemeClr val="bg1"/>
-                </a:solidFill>
-              </a:endParaRPr>
-            </a:p>
-          </p:txBody>
-        </p:sp>
-      </p:grpSp>
-      <p:grpSp>
-        <p:nvGrpSpPr>
-          <p:cNvPr id="9" name="그룹 8">
-            <a:extLst>
-              <a:ext uri="{FF2B5EF4-FFF2-40B4-BE49-F238E27FC236}">
-                <a16:creationId xmlns:a16="http://schemas.microsoft.com/office/drawing/2014/main" id="{F2CC9910-F783-4E1B-A420-701058FA871C}"/>
-              </a:ext>
-            </a:extLst>
-          </p:cNvPr>
-          <p:cNvGrpSpPr/>
-          <p:nvPr/>
-        </p:nvGrpSpPr>
-        <p:grpSpPr>
-          <a:xfrm>
-            <a:off x="7905749" y="1780278"/>
-            <a:ext cx="1253705" cy="437505"/>
-            <a:chOff x="5383928" y="2247900"/>
-            <a:chExt cx="2078938" cy="437505"/>
-          </a:xfrm>
-        </p:grpSpPr>
-        <p:sp>
-          <p:nvSpPr>
-            <p:cNvPr id="10" name="화살표: 오각형 9">
-              <a:extLst>
-                <a:ext uri="{FF2B5EF4-FFF2-40B4-BE49-F238E27FC236}">
-                  <a16:creationId xmlns:a16="http://schemas.microsoft.com/office/drawing/2014/main" id="{0D0B918B-C61A-4467-820E-C20AB55519C3}"/>
-                </a:ext>
-              </a:extLst>
-            </p:cNvPr>
-            <p:cNvSpPr/>
-            <p:nvPr/>
-          </p:nvSpPr>
-          <p:spPr>
-            <a:xfrm>
-              <a:off x="5383928" y="2247900"/>
-              <a:ext cx="2078938" cy="437505"/>
-            </a:xfrm>
-            <a:prstGeom prst="homePlate">
-              <a:avLst>
-                <a:gd name="adj" fmla="val 30404"/>
-              </a:avLst>
-            </a:prstGeom>
-            <a:solidFill>
-              <a:schemeClr val="bg1"/>
-            </a:solidFill>
-            <a:ln w="28575">
-              <a:solidFill>
-                <a:schemeClr val="tx1"/>
-              </a:solidFill>
-            </a:ln>
-          </p:spPr>
-          <p:style>
-            <a:lnRef idx="2">
-              <a:schemeClr val="accent1">
-                <a:shade val="50000"/>
-              </a:schemeClr>
-            </a:lnRef>
-            <a:fillRef idx="1">
-              <a:schemeClr val="accent1"/>
-            </a:fillRef>
-            <a:effectRef idx="0">
-              <a:schemeClr val="accent1"/>
-            </a:effectRef>
-            <a:fontRef idx="minor">
-              <a:schemeClr val="lt1"/>
-            </a:fontRef>
-          </p:style>
-          <p:txBody>
-            <a:bodyPr rtlCol="0" anchor="ctr"/>
-            <a:lstStyle/>
-            <a:p>
-              <a:pPr algn="ctr"/>
-              <a:endParaRPr lang="ko-KR" altLang="en-US" dirty="0">
-                <a:solidFill>
-                  <a:schemeClr val="tx1"/>
-                </a:solidFill>
-              </a:endParaRPr>
-            </a:p>
-          </p:txBody>
-        </p:sp>
-        <p:sp>
-          <p:nvSpPr>
-            <p:cNvPr id="11" name="TextBox 10">
-              <a:extLst>
-                <a:ext uri="{FF2B5EF4-FFF2-40B4-BE49-F238E27FC236}">
-                  <a16:creationId xmlns:a16="http://schemas.microsoft.com/office/drawing/2014/main" id="{39010DAE-57B9-4AA0-9357-9CC1C3032F79}"/>
-                </a:ext>
-              </a:extLst>
-            </p:cNvPr>
-            <p:cNvSpPr txBox="1"/>
-            <p:nvPr/>
-          </p:nvSpPr>
-          <p:spPr>
-            <a:xfrm>
-              <a:off x="5393131" y="2281986"/>
-              <a:ext cx="935281" cy="369332"/>
-            </a:xfrm>
-            <a:prstGeom prst="rect">
-              <a:avLst/>
-            </a:prstGeom>
-            <a:noFill/>
-          </p:spPr>
-          <p:txBody>
-            <a:bodyPr wrap="none" rtlCol="0">
-              <a:spAutoFit/>
-            </a:bodyPr>
-            <a:lstStyle/>
-            <a:p>
-              <a:r>
-                <a:rPr lang="en-US" altLang="ko-KR" dirty="0"/>
-                <a:t>GIF </a:t>
-              </a:r>
-              <a:r>
-                <a:rPr lang="ko-KR" altLang="en-US" dirty="0"/>
-                <a:t>자료</a:t>
-              </a:r>
-              <a:endParaRPr lang="en-US" altLang="ko-KR" dirty="0"/>
-            </a:p>
-          </p:txBody>
-        </p:sp>
-      </p:grpSp>
-    </p:spTree>
-    <p:extLst>
-      <p:ext uri="{BB962C8B-B14F-4D97-AF65-F5344CB8AC3E}">
-        <p14:creationId xmlns:p14="http://schemas.microsoft.com/office/powerpoint/2010/main" val="2418030382"/>
-      </p:ext>
-    </p:extLst>
-  </p:cSld>
-  <p:clrMapOvr>
-    <a:masterClrMapping/>
-  </p:clrMapOvr>
-</p:sld>
-</file>
-
-<file path=ppt/slides/slide18.xml><?xml version="1.0" encoding="utf-8"?>
-<p:sld xmlns:a="http://schemas.openxmlformats.org/drawingml/2006/main" xmlns:r="http://schemas.openxmlformats.org/officeDocument/2006/relationships" xmlns:p="http://schemas.openxmlformats.org/presentationml/2006/main">
-  <p:cSld>
-    <p:spTree>
-      <p:nvGrpSpPr>
-        <p:cNvPr id="1" name=""/>
-        <p:cNvGrpSpPr/>
-        <p:nvPr/>
-      </p:nvGrpSpPr>
-      <p:grpSpPr>
-        <a:xfrm>
-          <a:off x="0" y="0"/>
-          <a:ext cx="0" cy="0"/>
-          <a:chOff x="0" y="0"/>
-          <a:chExt cx="0" cy="0"/>
-        </a:xfrm>
-      </p:grpSpPr>
-      <p:grpSp>
-        <p:nvGrpSpPr>
-          <p:cNvPr id="38" name="그룹 37">
-            <a:extLst>
-              <a:ext uri="{FF2B5EF4-FFF2-40B4-BE49-F238E27FC236}">
-                <a16:creationId xmlns:a16="http://schemas.microsoft.com/office/drawing/2014/main" id="{1D8E532E-9E14-4EC0-9A5D-C7F11045D019}"/>
-              </a:ext>
-            </a:extLst>
-          </p:cNvPr>
-          <p:cNvGrpSpPr/>
-          <p:nvPr/>
-        </p:nvGrpSpPr>
-        <p:grpSpPr>
-          <a:xfrm>
-            <a:off x="-1" y="99367"/>
-            <a:ext cx="2810435" cy="620714"/>
-            <a:chOff x="0" y="231324"/>
-            <a:chExt cx="2341178" cy="620714"/>
-          </a:xfrm>
-        </p:grpSpPr>
-        <p:sp>
-          <p:nvSpPr>
-            <p:cNvPr id="39" name="TextBox 38">
-              <a:extLst>
-                <a:ext uri="{FF2B5EF4-FFF2-40B4-BE49-F238E27FC236}">
-                  <a16:creationId xmlns:a16="http://schemas.microsoft.com/office/drawing/2014/main" id="{6CDC6D6B-2C6F-4506-A1A4-B60E366A7E7F}"/>
-                </a:ext>
-              </a:extLst>
-            </p:cNvPr>
-            <p:cNvSpPr txBox="1"/>
-            <p:nvPr/>
-          </p:nvSpPr>
-          <p:spPr>
-            <a:xfrm>
-              <a:off x="0" y="231324"/>
-              <a:ext cx="2341178" cy="523220"/>
-            </a:xfrm>
-            <a:prstGeom prst="rect">
-              <a:avLst/>
-            </a:prstGeom>
-            <a:noFill/>
-          </p:spPr>
-          <p:txBody>
-            <a:bodyPr wrap="square" rtlCol="0">
-              <a:spAutoFit/>
-            </a:bodyPr>
-            <a:lstStyle/>
-            <a:p>
-              <a:r>
-                <a:rPr lang="en-US" altLang="ko-KR" sz="2800" b="1" dirty="0"/>
-                <a:t>4.1 </a:t>
-              </a:r>
-              <a:r>
-                <a:rPr lang="ko-KR" altLang="en-US" sz="2800" b="1" dirty="0"/>
-                <a:t>스킬 효과</a:t>
-              </a:r>
-              <a:endParaRPr lang="ko-KR" altLang="en-US" sz="1400" b="1" dirty="0"/>
-            </a:p>
-          </p:txBody>
-        </p:sp>
-        <p:sp>
-          <p:nvSpPr>
-            <p:cNvPr id="40" name="평행 사변형 39">
-              <a:extLst>
-                <a:ext uri="{FF2B5EF4-FFF2-40B4-BE49-F238E27FC236}">
-                  <a16:creationId xmlns:a16="http://schemas.microsoft.com/office/drawing/2014/main" id="{4E81B653-ED60-4FFF-82E8-2306DFEB399E}"/>
-                </a:ext>
-              </a:extLst>
-            </p:cNvPr>
-            <p:cNvSpPr/>
-            <p:nvPr/>
-          </p:nvSpPr>
-          <p:spPr>
-            <a:xfrm>
-              <a:off x="0" y="787975"/>
-              <a:ext cx="2196000" cy="64063"/>
-            </a:xfrm>
-            <a:prstGeom prst="parallelogram">
-              <a:avLst/>
-            </a:prstGeom>
-            <a:solidFill>
-              <a:schemeClr val="tx1"/>
-            </a:solidFill>
-            <a:ln>
-              <a:noFill/>
-            </a:ln>
-          </p:spPr>
-          <p:style>
-            <a:lnRef idx="2">
-              <a:schemeClr val="accent1">
-                <a:shade val="50000"/>
-              </a:schemeClr>
-            </a:lnRef>
-            <a:fillRef idx="1">
-              <a:schemeClr val="accent1"/>
-            </a:fillRef>
-            <a:effectRef idx="0">
-              <a:schemeClr val="accent1"/>
-            </a:effectRef>
-            <a:fontRef idx="minor">
-              <a:schemeClr val="lt1"/>
-            </a:fontRef>
-          </p:style>
-          <p:txBody>
-            <a:bodyPr rtlCol="0" anchor="ctr"/>
-            <a:lstStyle/>
-            <a:p>
-              <a:pPr algn="ctr"/>
-              <a:endParaRPr lang="ko-KR" altLang="en-US" dirty="0"/>
-            </a:p>
-          </p:txBody>
-        </p:sp>
-      </p:grpSp>
-      <p:graphicFrame>
-        <p:nvGraphicFramePr>
-          <p:cNvPr id="3" name="표 3">
-            <a:extLst>
-              <a:ext uri="{FF2B5EF4-FFF2-40B4-BE49-F238E27FC236}">
-                <a16:creationId xmlns:a16="http://schemas.microsoft.com/office/drawing/2014/main" id="{767F5422-E15F-4221-B992-3BBFDEB668A0}"/>
-              </a:ext>
-            </a:extLst>
-          </p:cNvPr>
-          <p:cNvGraphicFramePr>
-            <a:graphicFrameLocks noGrp="1"/>
-          </p:cNvGraphicFramePr>
-          <p:nvPr>
-            <p:extLst>
-              <p:ext uri="{D42A27DB-BD31-4B8C-83A1-F6EECF244321}">
-                <p14:modId xmlns:p14="http://schemas.microsoft.com/office/powerpoint/2010/main" val="4126417018"/>
-              </p:ext>
-            </p:extLst>
-          </p:nvPr>
-        </p:nvGraphicFramePr>
-        <p:xfrm>
-          <a:off x="2585197" y="2267119"/>
-          <a:ext cx="7021606" cy="2323762"/>
-        </p:xfrm>
-        <a:graphic>
-          <a:graphicData uri="http://schemas.openxmlformats.org/drawingml/2006/table">
-            <a:tbl>
-              <a:tblPr firstRow="1" bandRow="1">
-                <a:tableStyleId>{5C22544A-7EE6-4342-B048-85BDC9FD1C3A}</a:tableStyleId>
-              </a:tblPr>
-              <a:tblGrid>
-                <a:gridCol w="1056516">
-                  <a:extLst>
-                    <a:ext uri="{9D8B030D-6E8A-4147-A177-3AD203B41FA5}">
-                      <a16:colId xmlns:a16="http://schemas.microsoft.com/office/drawing/2014/main" val="1620833618"/>
-                    </a:ext>
-                  </a:extLst>
-                </a:gridCol>
-                <a:gridCol w="1971314">
-                  <a:extLst>
-                    <a:ext uri="{9D8B030D-6E8A-4147-A177-3AD203B41FA5}">
-                      <a16:colId xmlns:a16="http://schemas.microsoft.com/office/drawing/2014/main" val="568206432"/>
-                    </a:ext>
-                  </a:extLst>
-                </a:gridCol>
-                <a:gridCol w="3993776">
-                  <a:extLst>
-                    <a:ext uri="{9D8B030D-6E8A-4147-A177-3AD203B41FA5}">
-                      <a16:colId xmlns:a16="http://schemas.microsoft.com/office/drawing/2014/main" val="2162755630"/>
-                    </a:ext>
-                  </a:extLst>
-                </a:gridCol>
-              </a:tblGrid>
-              <a:tr h="446926">
-                <a:tc>
-                  <a:txBody>
-                    <a:bodyPr/>
-                    <a:lstStyle/>
-                    <a:p>
-                      <a:pPr latinLnBrk="1"/>
-                      <a:r>
-                        <a:rPr lang="en-US" altLang="ko-KR" dirty="0">
-                          <a:solidFill>
-                            <a:sysClr val="windowText" lastClr="000000"/>
-                          </a:solidFill>
-                        </a:rPr>
-                        <a:t>Skill ID</a:t>
-                      </a:r>
-                      <a:endParaRPr lang="ko-KR" altLang="en-US" dirty="0">
-                        <a:solidFill>
-                          <a:sysClr val="windowText" lastClr="000000"/>
-                        </a:solidFill>
-                      </a:endParaRPr>
-                    </a:p>
-                  </a:txBody>
-                  <a:tcPr>
-                    <a:lnL w="12700" cap="flat" cmpd="sng" algn="ctr">
-                      <a:solidFill>
-                        <a:schemeClr val="tx1"/>
-                      </a:solidFill>
-                      <a:prstDash val="solid"/>
-                      <a:round/>
-                      <a:headEnd type="none" w="med" len="med"/>
-                      <a:tailEnd type="none" w="med" len="med"/>
-                    </a:lnL>
-                    <a:lnR w="12700" cap="flat" cmpd="sng" algn="ctr">
-                      <a:solidFill>
-                        <a:schemeClr val="tx1"/>
-                      </a:solidFill>
-                      <a:prstDash val="solid"/>
-                      <a:round/>
-                      <a:headEnd type="none" w="med" len="med"/>
-                      <a:tailEnd type="none" w="med" len="med"/>
-                    </a:lnR>
-                    <a:lnT w="12700" cap="flat" cmpd="sng" algn="ctr">
-                      <a:solidFill>
-                        <a:schemeClr val="tx1"/>
-                      </a:solidFill>
-                      <a:prstDash val="solid"/>
-                      <a:round/>
-                      <a:headEnd type="none" w="med" len="med"/>
-                      <a:tailEnd type="none" w="med" len="med"/>
-                    </a:lnT>
-                    <a:lnB w="12700" cap="flat" cmpd="sng" algn="ctr">
-                      <a:solidFill>
-                        <a:schemeClr val="tx1"/>
-                      </a:solidFill>
-                      <a:prstDash val="solid"/>
-                      <a:round/>
-                      <a:headEnd type="none" w="med" len="med"/>
-                      <a:tailEnd type="none" w="med" len="med"/>
-                    </a:lnB>
-                    <a:solidFill>
-                      <a:schemeClr val="bg1">
-                        <a:lumMod val="85000"/>
-                      </a:schemeClr>
-                    </a:solidFill>
-                  </a:tcPr>
-                </a:tc>
-                <a:tc>
-                  <a:txBody>
-                    <a:bodyPr/>
-                    <a:lstStyle/>
-                    <a:p>
-                      <a:pPr latinLnBrk="1"/>
-                      <a:r>
-                        <a:rPr lang="ko-KR" altLang="en-US" dirty="0">
-                          <a:solidFill>
-                            <a:sysClr val="windowText" lastClr="000000"/>
-                          </a:solidFill>
-                        </a:rPr>
-                        <a:t>유형</a:t>
-                      </a:r>
-                    </a:p>
-                  </a:txBody>
-                  <a:tcPr>
-                    <a:lnL w="12700" cap="flat" cmpd="sng" algn="ctr">
-                      <a:solidFill>
-                        <a:schemeClr val="tx1"/>
-                      </a:solidFill>
-                      <a:prstDash val="solid"/>
-                      <a:round/>
-                      <a:headEnd type="none" w="med" len="med"/>
-                      <a:tailEnd type="none" w="med" len="med"/>
-                    </a:lnL>
-                    <a:lnR w="12700" cap="flat" cmpd="sng" algn="ctr">
-                      <a:solidFill>
-                        <a:schemeClr val="tx1"/>
-                      </a:solidFill>
-                      <a:prstDash val="solid"/>
-                      <a:round/>
-                      <a:headEnd type="none" w="med" len="med"/>
-                      <a:tailEnd type="none" w="med" len="med"/>
-                    </a:lnR>
-                    <a:lnT w="12700" cap="flat" cmpd="sng" algn="ctr">
-                      <a:solidFill>
-                        <a:schemeClr val="tx1"/>
-                      </a:solidFill>
-                      <a:prstDash val="solid"/>
-                      <a:round/>
-                      <a:headEnd type="none" w="med" len="med"/>
-                      <a:tailEnd type="none" w="med" len="med"/>
-                    </a:lnT>
-                    <a:lnB w="12700" cap="flat" cmpd="sng" algn="ctr">
-                      <a:solidFill>
-                        <a:schemeClr val="tx1"/>
-                      </a:solidFill>
-                      <a:prstDash val="solid"/>
-                      <a:round/>
-                      <a:headEnd type="none" w="med" len="med"/>
-                      <a:tailEnd type="none" w="med" len="med"/>
-                    </a:lnB>
-                    <a:solidFill>
-                      <a:schemeClr val="bg1">
-                        <a:lumMod val="85000"/>
-                      </a:schemeClr>
-                    </a:solidFill>
-                  </a:tcPr>
-                </a:tc>
-                <a:tc>
-                  <a:txBody>
-                    <a:bodyPr/>
-                    <a:lstStyle/>
-                    <a:p>
-                      <a:pPr latinLnBrk="1"/>
-                      <a:r>
-                        <a:rPr lang="ko-KR" altLang="en-US" dirty="0">
-                          <a:solidFill>
-                            <a:sysClr val="windowText" lastClr="000000"/>
-                          </a:solidFill>
-                        </a:rPr>
-                        <a:t>스킬 효과</a:t>
-                      </a:r>
-                    </a:p>
-                  </a:txBody>
-                  <a:tcPr>
-                    <a:lnL w="12700" cap="flat" cmpd="sng" algn="ctr">
-                      <a:solidFill>
-                        <a:schemeClr val="tx1"/>
-                      </a:solidFill>
-                      <a:prstDash val="solid"/>
-                      <a:round/>
-                      <a:headEnd type="none" w="med" len="med"/>
-                      <a:tailEnd type="none" w="med" len="med"/>
-                    </a:lnL>
-                    <a:lnR w="12700" cap="flat" cmpd="sng" algn="ctr">
-                      <a:solidFill>
-                        <a:schemeClr val="tx1"/>
-                      </a:solidFill>
-                      <a:prstDash val="solid"/>
-                      <a:round/>
-                      <a:headEnd type="none" w="med" len="med"/>
-                      <a:tailEnd type="none" w="med" len="med"/>
-                    </a:lnR>
-                    <a:lnT w="12700" cap="flat" cmpd="sng" algn="ctr">
-                      <a:solidFill>
-                        <a:schemeClr val="tx1"/>
-                      </a:solidFill>
-                      <a:prstDash val="solid"/>
-                      <a:round/>
-                      <a:headEnd type="none" w="med" len="med"/>
-                      <a:tailEnd type="none" w="med" len="med"/>
-                    </a:lnT>
-                    <a:lnB w="12700" cap="flat" cmpd="sng" algn="ctr">
-                      <a:solidFill>
-                        <a:schemeClr val="tx1"/>
-                      </a:solidFill>
-                      <a:prstDash val="solid"/>
-                      <a:round/>
-                      <a:headEnd type="none" w="med" len="med"/>
-                      <a:tailEnd type="none" w="med" len="med"/>
-                    </a:lnB>
-                    <a:solidFill>
-                      <a:schemeClr val="bg1">
-                        <a:lumMod val="85000"/>
-                      </a:schemeClr>
-                    </a:solidFill>
-                  </a:tcPr>
-                </a:tc>
-                <a:extLst>
-                  <a:ext uri="{0D108BD9-81ED-4DB2-BD59-A6C34878D82A}">
-                    <a16:rowId xmlns:a16="http://schemas.microsoft.com/office/drawing/2014/main" val="2572732556"/>
-                  </a:ext>
-                </a:extLst>
-              </a:tr>
-              <a:tr h="625612">
-                <a:tc>
-                  <a:txBody>
-                    <a:bodyPr/>
-                    <a:lstStyle/>
-                    <a:p>
-                      <a:pPr latinLnBrk="1"/>
-                      <a:r>
-                        <a:rPr lang="en-US" altLang="ko-KR" dirty="0"/>
-                        <a:t>0</a:t>
-                      </a:r>
-                      <a:endParaRPr lang="ko-KR" altLang="en-US" dirty="0"/>
-                    </a:p>
-                  </a:txBody>
-                  <a:tcPr>
-                    <a:lnL w="12700" cap="flat" cmpd="sng" algn="ctr">
-                      <a:solidFill>
-                        <a:schemeClr val="tx1"/>
-                      </a:solidFill>
-                      <a:prstDash val="solid"/>
-                      <a:round/>
-                      <a:headEnd type="none" w="med" len="med"/>
-                      <a:tailEnd type="none" w="med" len="med"/>
-                    </a:lnL>
-                    <a:lnR w="12700" cap="flat" cmpd="sng" algn="ctr">
-                      <a:solidFill>
-                        <a:schemeClr val="tx1"/>
-                      </a:solidFill>
-                      <a:prstDash val="solid"/>
-                      <a:round/>
-                      <a:headEnd type="none" w="med" len="med"/>
-                      <a:tailEnd type="none" w="med" len="med"/>
-                    </a:lnR>
-                    <a:lnT w="12700" cap="flat" cmpd="sng" algn="ctr">
-                      <a:solidFill>
-                        <a:schemeClr val="tx1"/>
-                      </a:solidFill>
-                      <a:prstDash val="solid"/>
-                      <a:round/>
-                      <a:headEnd type="none" w="med" len="med"/>
-                      <a:tailEnd type="none" w="med" len="med"/>
-                    </a:lnT>
-                    <a:lnB w="12700" cap="flat" cmpd="sng" algn="ctr">
-                      <a:solidFill>
-                        <a:schemeClr val="tx1"/>
-                      </a:solidFill>
-                      <a:prstDash val="solid"/>
-                      <a:round/>
-                      <a:headEnd type="none" w="med" len="med"/>
-                      <a:tailEnd type="none" w="med" len="med"/>
-                    </a:lnB>
-                    <a:solidFill>
-                      <a:schemeClr val="bg1"/>
-                    </a:solidFill>
-                  </a:tcPr>
-                </a:tc>
-                <a:tc>
-                  <a:txBody>
-                    <a:bodyPr/>
-                    <a:lstStyle/>
-                    <a:p>
-                      <a:pPr latinLnBrk="1"/>
-                      <a:r>
-                        <a:rPr lang="ko-KR" altLang="en-US" dirty="0"/>
-                        <a:t>자동 클릭</a:t>
-                      </a:r>
-                    </a:p>
-                  </a:txBody>
-                  <a:tcPr>
-                    <a:lnL w="12700" cap="flat" cmpd="sng" algn="ctr">
-                      <a:solidFill>
-                        <a:schemeClr val="tx1"/>
-                      </a:solidFill>
-                      <a:prstDash val="solid"/>
-                      <a:round/>
-                      <a:headEnd type="none" w="med" len="med"/>
-                      <a:tailEnd type="none" w="med" len="med"/>
-                    </a:lnL>
-                    <a:lnR w="12700" cap="flat" cmpd="sng" algn="ctr">
-                      <a:solidFill>
-                        <a:schemeClr val="tx1"/>
-                      </a:solidFill>
-                      <a:prstDash val="solid"/>
-                      <a:round/>
-                      <a:headEnd type="none" w="med" len="med"/>
-                      <a:tailEnd type="none" w="med" len="med"/>
-                    </a:lnR>
-                    <a:lnT w="12700" cap="flat" cmpd="sng" algn="ctr">
-                      <a:solidFill>
-                        <a:schemeClr val="tx1"/>
-                      </a:solidFill>
-                      <a:prstDash val="solid"/>
-                      <a:round/>
-                      <a:headEnd type="none" w="med" len="med"/>
-                      <a:tailEnd type="none" w="med" len="med"/>
-                    </a:lnT>
-                    <a:lnB w="12700" cap="flat" cmpd="sng" algn="ctr">
-                      <a:solidFill>
-                        <a:schemeClr val="tx1"/>
-                      </a:solidFill>
-                      <a:prstDash val="solid"/>
-                      <a:round/>
-                      <a:headEnd type="none" w="med" len="med"/>
-                      <a:tailEnd type="none" w="med" len="med"/>
-                    </a:lnB>
-                    <a:solidFill>
-                      <a:schemeClr val="bg1"/>
-                    </a:solidFill>
-                  </a:tcPr>
-                </a:tc>
-                <a:tc>
-                  <a:txBody>
-                    <a:bodyPr/>
-                    <a:lstStyle/>
-                    <a:p>
-                      <a:pPr latinLnBrk="1"/>
-                      <a:r>
-                        <a:rPr lang="ko-KR" altLang="en-US" dirty="0"/>
-                        <a:t>매초 </a:t>
-                      </a:r>
-                      <a:r>
-                        <a:rPr lang="en-US" altLang="ko-KR" dirty="0"/>
-                        <a:t>N</a:t>
-                      </a:r>
-                      <a:r>
-                        <a:rPr lang="ko-KR" altLang="en-US" dirty="0"/>
-                        <a:t>번의 </a:t>
-                      </a:r>
-                      <a:r>
-                        <a:rPr lang="en-US" altLang="ko-KR" dirty="0"/>
-                        <a:t>Click() </a:t>
-                      </a:r>
-                      <a:r>
-                        <a:rPr lang="ko-KR" altLang="en-US" dirty="0"/>
-                        <a:t>호출</a:t>
-                      </a:r>
-                    </a:p>
-                  </a:txBody>
-                  <a:tcPr>
-                    <a:lnL w="12700" cap="flat" cmpd="sng" algn="ctr">
-                      <a:solidFill>
-                        <a:schemeClr val="tx1"/>
-                      </a:solidFill>
-                      <a:prstDash val="solid"/>
-                      <a:round/>
-                      <a:headEnd type="none" w="med" len="med"/>
-                      <a:tailEnd type="none" w="med" len="med"/>
-                    </a:lnL>
-                    <a:lnR w="12700" cap="flat" cmpd="sng" algn="ctr">
-                      <a:solidFill>
-                        <a:schemeClr val="tx1"/>
-                      </a:solidFill>
-                      <a:prstDash val="solid"/>
-                      <a:round/>
-                      <a:headEnd type="none" w="med" len="med"/>
-                      <a:tailEnd type="none" w="med" len="med"/>
-                    </a:lnR>
-                    <a:lnT w="12700" cap="flat" cmpd="sng" algn="ctr">
-                      <a:solidFill>
-                        <a:schemeClr val="tx1"/>
-                      </a:solidFill>
-                      <a:prstDash val="solid"/>
-                      <a:round/>
-                      <a:headEnd type="none" w="med" len="med"/>
-                      <a:tailEnd type="none" w="med" len="med"/>
-                    </a:lnT>
-                    <a:lnB w="12700" cap="flat" cmpd="sng" algn="ctr">
-                      <a:solidFill>
-                        <a:schemeClr val="tx1"/>
-                      </a:solidFill>
-                      <a:prstDash val="solid"/>
-                      <a:round/>
-                      <a:headEnd type="none" w="med" len="med"/>
-                      <a:tailEnd type="none" w="med" len="med"/>
-                    </a:lnB>
-                    <a:solidFill>
-                      <a:schemeClr val="bg1"/>
-                    </a:solidFill>
-                  </a:tcPr>
-                </a:tc>
-                <a:extLst>
-                  <a:ext uri="{0D108BD9-81ED-4DB2-BD59-A6C34878D82A}">
-                    <a16:rowId xmlns:a16="http://schemas.microsoft.com/office/drawing/2014/main" val="293147101"/>
-                  </a:ext>
-                </a:extLst>
-              </a:tr>
-              <a:tr h="625612">
-                <a:tc>
-                  <a:txBody>
-                    <a:bodyPr/>
-                    <a:lstStyle/>
-                    <a:p>
-                      <a:pPr latinLnBrk="1"/>
-                      <a:r>
-                        <a:rPr lang="en-US" altLang="ko-KR" dirty="0"/>
-                        <a:t>1</a:t>
-                      </a:r>
-                      <a:endParaRPr lang="ko-KR" altLang="en-US" dirty="0"/>
-                    </a:p>
-                  </a:txBody>
-                  <a:tcPr>
-                    <a:lnL w="12700" cap="flat" cmpd="sng" algn="ctr">
-                      <a:solidFill>
-                        <a:schemeClr val="tx1"/>
-                      </a:solidFill>
-                      <a:prstDash val="solid"/>
-                      <a:round/>
-                      <a:headEnd type="none" w="med" len="med"/>
-                      <a:tailEnd type="none" w="med" len="med"/>
-                    </a:lnL>
-                    <a:lnR w="12700" cap="flat" cmpd="sng" algn="ctr">
-                      <a:solidFill>
-                        <a:schemeClr val="tx1"/>
-                      </a:solidFill>
-                      <a:prstDash val="solid"/>
-                      <a:round/>
-                      <a:headEnd type="none" w="med" len="med"/>
-                      <a:tailEnd type="none" w="med" len="med"/>
-                    </a:lnR>
-                    <a:lnT w="12700" cap="flat" cmpd="sng" algn="ctr">
-                      <a:solidFill>
-                        <a:schemeClr val="tx1"/>
-                      </a:solidFill>
-                      <a:prstDash val="solid"/>
-                      <a:round/>
-                      <a:headEnd type="none" w="med" len="med"/>
-                      <a:tailEnd type="none" w="med" len="med"/>
-                    </a:lnT>
-                    <a:lnB w="12700" cap="flat" cmpd="sng" algn="ctr">
-                      <a:solidFill>
-                        <a:schemeClr val="tx1"/>
-                      </a:solidFill>
-                      <a:prstDash val="solid"/>
-                      <a:round/>
-                      <a:headEnd type="none" w="med" len="med"/>
-                      <a:tailEnd type="none" w="med" len="med"/>
-                    </a:lnB>
-                    <a:solidFill>
-                      <a:schemeClr val="bg1"/>
-                    </a:solidFill>
-                  </a:tcPr>
-                </a:tc>
-                <a:tc>
-                  <a:txBody>
-                    <a:bodyPr/>
-                    <a:lstStyle/>
-                    <a:p>
-                      <a:pPr latinLnBrk="1"/>
-                      <a:r>
-                        <a:rPr lang="ko-KR" altLang="en-US" dirty="0" err="1"/>
-                        <a:t>수익율</a:t>
-                      </a:r>
-                      <a:r>
-                        <a:rPr lang="ko-KR" altLang="en-US" dirty="0"/>
-                        <a:t> 증가</a:t>
-                      </a:r>
-                    </a:p>
-                  </a:txBody>
-                  <a:tcPr>
-                    <a:lnL w="12700" cap="flat" cmpd="sng" algn="ctr">
-                      <a:solidFill>
-                        <a:schemeClr val="tx1"/>
-                      </a:solidFill>
-                      <a:prstDash val="solid"/>
-                      <a:round/>
-                      <a:headEnd type="none" w="med" len="med"/>
-                      <a:tailEnd type="none" w="med" len="med"/>
-                    </a:lnL>
-                    <a:lnR w="12700" cap="flat" cmpd="sng" algn="ctr">
-                      <a:solidFill>
-                        <a:schemeClr val="tx1"/>
-                      </a:solidFill>
-                      <a:prstDash val="solid"/>
-                      <a:round/>
-                      <a:headEnd type="none" w="med" len="med"/>
-                      <a:tailEnd type="none" w="med" len="med"/>
-                    </a:lnR>
-                    <a:lnT w="12700" cap="flat" cmpd="sng" algn="ctr">
-                      <a:solidFill>
-                        <a:schemeClr val="tx1"/>
-                      </a:solidFill>
-                      <a:prstDash val="solid"/>
-                      <a:round/>
-                      <a:headEnd type="none" w="med" len="med"/>
-                      <a:tailEnd type="none" w="med" len="med"/>
-                    </a:lnT>
-                    <a:lnB w="12700" cap="flat" cmpd="sng" algn="ctr">
-                      <a:solidFill>
-                        <a:schemeClr val="tx1"/>
-                      </a:solidFill>
-                      <a:prstDash val="solid"/>
-                      <a:round/>
-                      <a:headEnd type="none" w="med" len="med"/>
-                      <a:tailEnd type="none" w="med" len="med"/>
-                    </a:lnB>
-                    <a:solidFill>
-                      <a:schemeClr val="bg1"/>
-                    </a:solidFill>
-                  </a:tcPr>
-                </a:tc>
-                <a:tc>
-                  <a:txBody>
-                    <a:bodyPr/>
-                    <a:lstStyle/>
-                    <a:p>
-                      <a:pPr latinLnBrk="1"/>
-                      <a:r>
-                        <a:rPr lang="ko-KR" altLang="en-US" dirty="0"/>
-                        <a:t>모든 농장의 수익 </a:t>
-                      </a:r>
-                      <a:r>
-                        <a:rPr lang="en-US" altLang="ko-KR" dirty="0"/>
-                        <a:t>+ N%</a:t>
-                      </a:r>
-                      <a:endParaRPr lang="ko-KR" altLang="en-US" dirty="0"/>
-                    </a:p>
-                  </a:txBody>
-                  <a:tcPr>
-                    <a:lnL w="12700" cap="flat" cmpd="sng" algn="ctr">
-                      <a:solidFill>
-                        <a:schemeClr val="tx1"/>
-                      </a:solidFill>
-                      <a:prstDash val="solid"/>
-                      <a:round/>
-                      <a:headEnd type="none" w="med" len="med"/>
-                      <a:tailEnd type="none" w="med" len="med"/>
-                    </a:lnL>
-                    <a:lnR w="12700" cap="flat" cmpd="sng" algn="ctr">
-                      <a:solidFill>
-                        <a:schemeClr val="tx1"/>
-                      </a:solidFill>
-                      <a:prstDash val="solid"/>
-                      <a:round/>
-                      <a:headEnd type="none" w="med" len="med"/>
-                      <a:tailEnd type="none" w="med" len="med"/>
-                    </a:lnR>
-                    <a:lnT w="12700" cap="flat" cmpd="sng" algn="ctr">
-                      <a:solidFill>
-                        <a:schemeClr val="tx1"/>
-                      </a:solidFill>
-                      <a:prstDash val="solid"/>
-                      <a:round/>
-                      <a:headEnd type="none" w="med" len="med"/>
-                      <a:tailEnd type="none" w="med" len="med"/>
-                    </a:lnT>
-                    <a:lnB w="12700" cap="flat" cmpd="sng" algn="ctr">
-                      <a:solidFill>
-                        <a:schemeClr val="tx1"/>
-                      </a:solidFill>
-                      <a:prstDash val="solid"/>
-                      <a:round/>
-                      <a:headEnd type="none" w="med" len="med"/>
-                      <a:tailEnd type="none" w="med" len="med"/>
-                    </a:lnB>
-                    <a:solidFill>
-                      <a:schemeClr val="bg1"/>
-                    </a:solidFill>
-                  </a:tcPr>
-                </a:tc>
-                <a:extLst>
-                  <a:ext uri="{0D108BD9-81ED-4DB2-BD59-A6C34878D82A}">
-                    <a16:rowId xmlns:a16="http://schemas.microsoft.com/office/drawing/2014/main" val="3872790237"/>
-                  </a:ext>
-                </a:extLst>
-              </a:tr>
-              <a:tr h="625612">
-                <a:tc>
-                  <a:txBody>
-                    <a:bodyPr/>
-                    <a:lstStyle/>
-                    <a:p>
-                      <a:pPr latinLnBrk="1"/>
-                      <a:r>
-                        <a:rPr lang="en-US" altLang="ko-KR" dirty="0"/>
-                        <a:t>2</a:t>
-                      </a:r>
-                      <a:endParaRPr lang="ko-KR" altLang="en-US" dirty="0"/>
-                    </a:p>
-                  </a:txBody>
-                  <a:tcPr>
-                    <a:lnL w="12700" cap="flat" cmpd="sng" algn="ctr">
-                      <a:solidFill>
-                        <a:schemeClr val="tx1"/>
-                      </a:solidFill>
-                      <a:prstDash val="solid"/>
-                      <a:round/>
-                      <a:headEnd type="none" w="med" len="med"/>
-                      <a:tailEnd type="none" w="med" len="med"/>
-                    </a:lnL>
-                    <a:lnR w="12700" cap="flat" cmpd="sng" algn="ctr">
-                      <a:solidFill>
-                        <a:schemeClr val="tx1"/>
-                      </a:solidFill>
-                      <a:prstDash val="solid"/>
-                      <a:round/>
-                      <a:headEnd type="none" w="med" len="med"/>
-                      <a:tailEnd type="none" w="med" len="med"/>
-                    </a:lnR>
-                    <a:lnT w="12700" cap="flat" cmpd="sng" algn="ctr">
-                      <a:solidFill>
-                        <a:schemeClr val="tx1"/>
-                      </a:solidFill>
-                      <a:prstDash val="solid"/>
-                      <a:round/>
-                      <a:headEnd type="none" w="med" len="med"/>
-                      <a:tailEnd type="none" w="med" len="med"/>
-                    </a:lnT>
-                    <a:lnB w="12700" cap="flat" cmpd="sng" algn="ctr">
-                      <a:solidFill>
-                        <a:schemeClr val="tx1"/>
-                      </a:solidFill>
-                      <a:prstDash val="solid"/>
-                      <a:round/>
-                      <a:headEnd type="none" w="med" len="med"/>
-                      <a:tailEnd type="none" w="med" len="med"/>
-                    </a:lnB>
-                    <a:solidFill>
-                      <a:schemeClr val="bg1"/>
-                    </a:solidFill>
-                  </a:tcPr>
-                </a:tc>
-                <a:tc>
-                  <a:txBody>
-                    <a:bodyPr/>
-                    <a:lstStyle/>
-                    <a:p>
-                      <a:pPr latinLnBrk="1"/>
-                      <a:r>
-                        <a:rPr lang="ko-KR" altLang="en-US" dirty="0"/>
-                        <a:t>수확 시간 감소</a:t>
-                      </a:r>
-                    </a:p>
-                  </a:txBody>
-                  <a:tcPr>
-                    <a:lnL w="12700" cap="flat" cmpd="sng" algn="ctr">
-                      <a:solidFill>
-                        <a:schemeClr val="tx1"/>
-                      </a:solidFill>
-                      <a:prstDash val="solid"/>
-                      <a:round/>
-                      <a:headEnd type="none" w="med" len="med"/>
-                      <a:tailEnd type="none" w="med" len="med"/>
-                    </a:lnL>
-                    <a:lnR w="12700" cap="flat" cmpd="sng" algn="ctr">
-                      <a:solidFill>
-                        <a:schemeClr val="tx1"/>
-                      </a:solidFill>
-                      <a:prstDash val="solid"/>
-                      <a:round/>
-                      <a:headEnd type="none" w="med" len="med"/>
-                      <a:tailEnd type="none" w="med" len="med"/>
-                    </a:lnR>
-                    <a:lnT w="12700" cap="flat" cmpd="sng" algn="ctr">
-                      <a:solidFill>
-                        <a:schemeClr val="tx1"/>
-                      </a:solidFill>
-                      <a:prstDash val="solid"/>
-                      <a:round/>
-                      <a:headEnd type="none" w="med" len="med"/>
-                      <a:tailEnd type="none" w="med" len="med"/>
-                    </a:lnT>
-                    <a:lnB w="12700" cap="flat" cmpd="sng" algn="ctr">
-                      <a:solidFill>
-                        <a:schemeClr val="tx1"/>
-                      </a:solidFill>
-                      <a:prstDash val="solid"/>
-                      <a:round/>
-                      <a:headEnd type="none" w="med" len="med"/>
-                      <a:tailEnd type="none" w="med" len="med"/>
-                    </a:lnB>
-                    <a:solidFill>
-                      <a:schemeClr val="bg1"/>
-                    </a:solidFill>
-                  </a:tcPr>
-                </a:tc>
-                <a:tc>
-                  <a:txBody>
-                    <a:bodyPr/>
-                    <a:lstStyle/>
-                    <a:p>
-                      <a:pPr latinLnBrk="1"/>
-                      <a:r>
-                        <a:rPr lang="ko-KR" altLang="en-US" dirty="0"/>
-                        <a:t>모든 농장 수확 시간 </a:t>
-                      </a:r>
-                      <a:r>
-                        <a:rPr lang="en-US" altLang="ko-KR" dirty="0"/>
-                        <a:t>– N%</a:t>
-                      </a:r>
-                      <a:endParaRPr lang="ko-KR" altLang="en-US" dirty="0"/>
-                    </a:p>
-                  </a:txBody>
-                  <a:tcPr>
-                    <a:lnL w="12700" cap="flat" cmpd="sng" algn="ctr">
-                      <a:solidFill>
-                        <a:schemeClr val="tx1"/>
-                      </a:solidFill>
-                      <a:prstDash val="solid"/>
-                      <a:round/>
-                      <a:headEnd type="none" w="med" len="med"/>
-                      <a:tailEnd type="none" w="med" len="med"/>
-                    </a:lnL>
-                    <a:lnR w="12700" cap="flat" cmpd="sng" algn="ctr">
-                      <a:solidFill>
-                        <a:schemeClr val="tx1"/>
-                      </a:solidFill>
-                      <a:prstDash val="solid"/>
-                      <a:round/>
-                      <a:headEnd type="none" w="med" len="med"/>
-                      <a:tailEnd type="none" w="med" len="med"/>
-                    </a:lnR>
-                    <a:lnT w="12700" cap="flat" cmpd="sng" algn="ctr">
-                      <a:solidFill>
-                        <a:schemeClr val="tx1"/>
-                      </a:solidFill>
-                      <a:prstDash val="solid"/>
-                      <a:round/>
-                      <a:headEnd type="none" w="med" len="med"/>
-                      <a:tailEnd type="none" w="med" len="med"/>
-                    </a:lnT>
-                    <a:lnB w="12700" cap="flat" cmpd="sng" algn="ctr">
-                      <a:solidFill>
-                        <a:schemeClr val="tx1"/>
-                      </a:solidFill>
-                      <a:prstDash val="solid"/>
-                      <a:round/>
-                      <a:headEnd type="none" w="med" len="med"/>
-                      <a:tailEnd type="none" w="med" len="med"/>
-                    </a:lnB>
-                    <a:solidFill>
-                      <a:schemeClr val="bg1"/>
-                    </a:solidFill>
-                  </a:tcPr>
-                </a:tc>
-                <a:extLst>
-                  <a:ext uri="{0D108BD9-81ED-4DB2-BD59-A6C34878D82A}">
-                    <a16:rowId xmlns:a16="http://schemas.microsoft.com/office/drawing/2014/main" val="1060711355"/>
-                  </a:ext>
-                </a:extLst>
-              </a:tr>
-            </a:tbl>
-          </a:graphicData>
-        </a:graphic>
-      </p:graphicFrame>
-      <p:sp>
-        <p:nvSpPr>
-          <p:cNvPr id="5" name="TextBox 4">
-            <a:extLst>
-              <a:ext uri="{FF2B5EF4-FFF2-40B4-BE49-F238E27FC236}">
-                <a16:creationId xmlns:a16="http://schemas.microsoft.com/office/drawing/2014/main" id="{82A02C94-B4A4-46B5-898A-626789269DF2}"/>
-              </a:ext>
-            </a:extLst>
-          </p:cNvPr>
-          <p:cNvSpPr txBox="1"/>
-          <p:nvPr/>
-        </p:nvSpPr>
-        <p:spPr>
-          <a:xfrm>
-            <a:off x="5645523" y="4590881"/>
-            <a:ext cx="6282017" cy="584775"/>
-          </a:xfrm>
-          <a:prstGeom prst="rect">
-            <a:avLst/>
-          </a:prstGeom>
-          <a:noFill/>
-        </p:spPr>
-        <p:txBody>
-          <a:bodyPr wrap="square" rtlCol="0">
-            <a:spAutoFit/>
-          </a:bodyPr>
-          <a:lstStyle/>
-          <a:p>
-            <a:r>
-              <a:rPr lang="en-US" altLang="ko-KR" sz="1600" i="1" dirty="0"/>
-              <a:t>*</a:t>
-            </a:r>
-            <a:r>
-              <a:rPr lang="ko-KR" altLang="en-US" sz="1600" i="1" dirty="0"/>
-              <a:t>각 </a:t>
-            </a:r>
-            <a:r>
-              <a:rPr lang="en-US" altLang="ko-KR" sz="1600" i="1" dirty="0"/>
-              <a:t>N</a:t>
-            </a:r>
-            <a:r>
-              <a:rPr lang="ko-KR" altLang="en-US" sz="1600" i="1" dirty="0"/>
-              <a:t>은 유형과 스킬 레벨에 따라</a:t>
-            </a:r>
-            <a:r>
-              <a:rPr lang="en-US" altLang="ko-KR" sz="1600" i="1" dirty="0"/>
-              <a:t> </a:t>
-            </a:r>
-            <a:r>
-              <a:rPr lang="ko-KR" altLang="en-US" sz="1600" i="1" dirty="0"/>
-              <a:t>계산 적용됨</a:t>
-            </a:r>
-            <a:endParaRPr lang="en-US" altLang="ko-KR" sz="1600" i="1" dirty="0"/>
-          </a:p>
-          <a:p>
-            <a:r>
-              <a:rPr lang="en-US" altLang="ko-KR" sz="1600" i="1" dirty="0"/>
-              <a:t>**</a:t>
-            </a:r>
-            <a:r>
-              <a:rPr lang="ko-KR" altLang="en-US" sz="1600" i="1" dirty="0"/>
-              <a:t>실제 스킬 데이터와 수치 공식 기획의 스킬 부분 참고</a:t>
-            </a:r>
-            <a:r>
-              <a:rPr lang="en-US" altLang="ko-KR" sz="1600" i="1" dirty="0"/>
-              <a:t>(</a:t>
-            </a:r>
-            <a:r>
-              <a:rPr lang="ko-KR" altLang="en-US" sz="1600" i="1" dirty="0"/>
-              <a:t>추가 예정</a:t>
-            </a:r>
-            <a:r>
-              <a:rPr lang="en-US" altLang="ko-KR" sz="1600" i="1" dirty="0"/>
-              <a:t>)</a:t>
-            </a:r>
-            <a:endParaRPr lang="ko-KR" altLang="en-US" sz="1600" i="1" dirty="0"/>
-          </a:p>
-        </p:txBody>
-      </p:sp>
-    </p:spTree>
-    <p:extLst>
-      <p:ext uri="{BB962C8B-B14F-4D97-AF65-F5344CB8AC3E}">
-        <p14:creationId xmlns:p14="http://schemas.microsoft.com/office/powerpoint/2010/main" val="1680467929"/>
-      </p:ext>
-    </p:extLst>
-  </p:cSld>
-  <p:clrMapOvr>
-    <a:masterClrMapping/>
-  </p:clrMapOvr>
-</p:sld>
-</file>
-
-<file path=ppt/slides/slide19.xml><?xml version="1.0" encoding="utf-8"?>
-<p:sld xmlns:a="http://schemas.openxmlformats.org/drawingml/2006/main" xmlns:r="http://schemas.openxmlformats.org/officeDocument/2006/relationships" xmlns:p="http://schemas.openxmlformats.org/presentationml/2006/main">
-  <p:cSld>
-    <p:spTree>
-      <p:nvGrpSpPr>
-        <p:cNvPr id="1" name=""/>
-        <p:cNvGrpSpPr/>
-        <p:nvPr/>
-      </p:nvGrpSpPr>
-      <p:grpSpPr>
-        <a:xfrm>
-          <a:off x="0" y="0"/>
-          <a:ext cx="0" cy="0"/>
-          <a:chOff x="0" y="0"/>
-          <a:chExt cx="0" cy="0"/>
-        </a:xfrm>
-      </p:grpSpPr>
-      <p:sp>
-        <p:nvSpPr>
-          <p:cNvPr id="2" name="제목 1">
-            <a:extLst>
-              <a:ext uri="{FF2B5EF4-FFF2-40B4-BE49-F238E27FC236}">
-                <a16:creationId xmlns:a16="http://schemas.microsoft.com/office/drawing/2014/main" id="{A65DD9F9-8EAF-4F2C-B12F-36C05D6E3EB0}"/>
-              </a:ext>
-            </a:extLst>
-          </p:cNvPr>
-          <p:cNvSpPr>
-            <a:spLocks noGrp="1"/>
-          </p:cNvSpPr>
-          <p:nvPr>
-            <p:ph type="ctrTitle"/>
-          </p:nvPr>
-        </p:nvSpPr>
-        <p:spPr>
-          <a:xfrm>
-            <a:off x="1280293" y="1218140"/>
-            <a:ext cx="9631413" cy="2712738"/>
-          </a:xfrm>
-        </p:spPr>
-        <p:txBody>
-          <a:bodyPr/>
-          <a:lstStyle/>
-          <a:p>
-            <a:r>
-              <a:rPr lang="en-US" altLang="ko-KR" dirty="0"/>
-              <a:t>5. </a:t>
-            </a:r>
-            <a:r>
-              <a:rPr lang="ko-KR" altLang="en-US" dirty="0"/>
-              <a:t>상점 시스템</a:t>
-            </a:r>
-          </a:p>
-        </p:txBody>
-      </p:sp>
-    </p:spTree>
-    <p:extLst>
-      <p:ext uri="{BB962C8B-B14F-4D97-AF65-F5344CB8AC3E}">
-        <p14:creationId xmlns:p14="http://schemas.microsoft.com/office/powerpoint/2010/main" val="48669744"/>
-      </p:ext>
-    </p:extLst>
-  </p:cSld>
-  <p:clrMapOvr>
-    <a:masterClrMapping/>
-  </p:clrMapOvr>
-</p:sld>
-</file>
-
 <file path=ppt/slides/slide2.xml><?xml version="1.0" encoding="utf-8"?>
 <p:sld xmlns:a="http://schemas.openxmlformats.org/drawingml/2006/main" xmlns:r="http://schemas.openxmlformats.org/officeDocument/2006/relationships" xmlns:p="http://schemas.openxmlformats.org/presentationml/2006/main">
   <p:cSld>
@@ -16814,7 +17235,7 @@
           <p:nvPr>
             <p:extLst>
               <p:ext uri="{D42A27DB-BD31-4B8C-83A1-F6EECF244321}">
-                <p14:modId xmlns:p14="http://schemas.microsoft.com/office/powerpoint/2010/main" val="2637900434"/>
+                <p14:modId xmlns:p14="http://schemas.microsoft.com/office/powerpoint/2010/main" val="894214225"/>
               </p:ext>
             </p:extLst>
           </p:nvPr>
@@ -18093,6 +18514,10 @@
                     <a:lstStyle/>
                     <a:p>
                       <a:pPr latinLnBrk="1"/>
+                      <a:r>
+                        <a:rPr lang="en-US" altLang="ko-KR" dirty="0"/>
+                        <a:t>2020.11.05</a:t>
+                      </a:r>
                       <a:endParaRPr lang="ko-KR" altLang="en-US" dirty="0"/>
                     </a:p>
                   </a:txBody>
@@ -18144,7 +18569,10 @@
                     <a:lstStyle/>
                     <a:p>
                       <a:pPr latinLnBrk="1"/>
-                      <a:endParaRPr lang="ko-KR" altLang="en-US" dirty="0"/>
+                      <a:r>
+                        <a:rPr lang="ko-KR" altLang="en-US" dirty="0"/>
+                        <a:t>농장 정보 창 추가</a:t>
+                      </a:r>
                     </a:p>
                   </a:txBody>
                   <a:tcPr>
@@ -18549,6 +18977,1730 @@
           <a:chExt cx="0" cy="0"/>
         </a:xfrm>
       </p:grpSpPr>
+      <p:pic>
+        <p:nvPicPr>
+          <p:cNvPr id="3" name="그림 2">
+            <a:extLst>
+              <a:ext uri="{FF2B5EF4-FFF2-40B4-BE49-F238E27FC236}">
+                <a16:creationId xmlns:a16="http://schemas.microsoft.com/office/drawing/2014/main" id="{1824EF2F-36E2-4289-B31B-E5FE5773533E}"/>
+              </a:ext>
+            </a:extLst>
+          </p:cNvPr>
+          <p:cNvPicPr>
+            <a:picLocks noChangeAspect="1"/>
+          </p:cNvPicPr>
+          <p:nvPr/>
+        </p:nvPicPr>
+        <p:blipFill>
+          <a:blip r:embed="rId3">
+            <a:extLst>
+              <a:ext uri="{28A0092B-C50C-407E-A947-70E740481C1C}">
+                <a14:useLocalDpi xmlns:a14="http://schemas.microsoft.com/office/drawing/2010/main" val="0"/>
+              </a:ext>
+            </a:extLst>
+          </a:blip>
+          <a:stretch>
+            <a:fillRect/>
+          </a:stretch>
+        </p:blipFill>
+        <p:spPr>
+          <a:xfrm>
+            <a:off x="7905749" y="2183696"/>
+            <a:ext cx="2962275" cy="2886075"/>
+          </a:xfrm>
+          <a:prstGeom prst="rect">
+            <a:avLst/>
+          </a:prstGeom>
+        </p:spPr>
+      </p:pic>
+      <p:grpSp>
+        <p:nvGrpSpPr>
+          <p:cNvPr id="38" name="그룹 37">
+            <a:extLst>
+              <a:ext uri="{FF2B5EF4-FFF2-40B4-BE49-F238E27FC236}">
+                <a16:creationId xmlns:a16="http://schemas.microsoft.com/office/drawing/2014/main" id="{1D8E532E-9E14-4EC0-9A5D-C7F11045D019}"/>
+              </a:ext>
+            </a:extLst>
+          </p:cNvPr>
+          <p:cNvGrpSpPr/>
+          <p:nvPr/>
+        </p:nvGrpSpPr>
+        <p:grpSpPr>
+          <a:xfrm>
+            <a:off x="-1" y="99367"/>
+            <a:ext cx="2810435" cy="620714"/>
+            <a:chOff x="0" y="231324"/>
+            <a:chExt cx="2341178" cy="620714"/>
+          </a:xfrm>
+        </p:grpSpPr>
+        <p:sp>
+          <p:nvSpPr>
+            <p:cNvPr id="39" name="TextBox 38">
+              <a:extLst>
+                <a:ext uri="{FF2B5EF4-FFF2-40B4-BE49-F238E27FC236}">
+                  <a16:creationId xmlns:a16="http://schemas.microsoft.com/office/drawing/2014/main" id="{6CDC6D6B-2C6F-4506-A1A4-B60E366A7E7F}"/>
+                </a:ext>
+              </a:extLst>
+            </p:cNvPr>
+            <p:cNvSpPr txBox="1"/>
+            <p:nvPr/>
+          </p:nvSpPr>
+          <p:spPr>
+            <a:xfrm>
+              <a:off x="0" y="231324"/>
+              <a:ext cx="2341178" cy="523220"/>
+            </a:xfrm>
+            <a:prstGeom prst="rect">
+              <a:avLst/>
+            </a:prstGeom>
+            <a:noFill/>
+          </p:spPr>
+          <p:txBody>
+            <a:bodyPr wrap="square" rtlCol="0">
+              <a:spAutoFit/>
+            </a:bodyPr>
+            <a:lstStyle/>
+            <a:p>
+              <a:r>
+                <a:rPr lang="en-US" altLang="ko-KR" sz="2800" b="1" dirty="0"/>
+                <a:t>4. </a:t>
+              </a:r>
+              <a:r>
+                <a:rPr lang="ko-KR" altLang="en-US" sz="2800" b="1" dirty="0"/>
+                <a:t>액티브 스킬</a:t>
+              </a:r>
+              <a:endParaRPr lang="ko-KR" altLang="en-US" sz="1400" b="1" dirty="0"/>
+            </a:p>
+          </p:txBody>
+        </p:sp>
+        <p:sp>
+          <p:nvSpPr>
+            <p:cNvPr id="40" name="평행 사변형 39">
+              <a:extLst>
+                <a:ext uri="{FF2B5EF4-FFF2-40B4-BE49-F238E27FC236}">
+                  <a16:creationId xmlns:a16="http://schemas.microsoft.com/office/drawing/2014/main" id="{4E81B653-ED60-4FFF-82E8-2306DFEB399E}"/>
+                </a:ext>
+              </a:extLst>
+            </p:cNvPr>
+            <p:cNvSpPr/>
+            <p:nvPr/>
+          </p:nvSpPr>
+          <p:spPr>
+            <a:xfrm>
+              <a:off x="0" y="787975"/>
+              <a:ext cx="2196000" cy="64063"/>
+            </a:xfrm>
+            <a:prstGeom prst="parallelogram">
+              <a:avLst/>
+            </a:prstGeom>
+            <a:solidFill>
+              <a:schemeClr val="tx1"/>
+            </a:solidFill>
+            <a:ln>
+              <a:noFill/>
+            </a:ln>
+          </p:spPr>
+          <p:style>
+            <a:lnRef idx="2">
+              <a:schemeClr val="accent1">
+                <a:shade val="50000"/>
+              </a:schemeClr>
+            </a:lnRef>
+            <a:fillRef idx="1">
+              <a:schemeClr val="accent1"/>
+            </a:fillRef>
+            <a:effectRef idx="0">
+              <a:schemeClr val="accent1"/>
+            </a:effectRef>
+            <a:fontRef idx="minor">
+              <a:schemeClr val="lt1"/>
+            </a:fontRef>
+          </p:style>
+          <p:txBody>
+            <a:bodyPr rtlCol="0" anchor="ctr"/>
+            <a:lstStyle/>
+            <a:p>
+              <a:pPr algn="ctr"/>
+              <a:endParaRPr lang="ko-KR" altLang="en-US" dirty="0"/>
+            </a:p>
+          </p:txBody>
+        </p:sp>
+      </p:grpSp>
+      <p:grpSp>
+        <p:nvGrpSpPr>
+          <p:cNvPr id="23" name="그룹 22">
+            <a:extLst>
+              <a:ext uri="{FF2B5EF4-FFF2-40B4-BE49-F238E27FC236}">
+                <a16:creationId xmlns:a16="http://schemas.microsoft.com/office/drawing/2014/main" id="{C84C9E02-B559-4FF1-BE61-BB0CD4741D3B}"/>
+              </a:ext>
+            </a:extLst>
+          </p:cNvPr>
+          <p:cNvGrpSpPr/>
+          <p:nvPr/>
+        </p:nvGrpSpPr>
+        <p:grpSpPr>
+          <a:xfrm>
+            <a:off x="1318078" y="2376118"/>
+            <a:ext cx="5671142" cy="2252841"/>
+            <a:chOff x="7280649" y="4038167"/>
+            <a:chExt cx="4217057" cy="2389089"/>
+          </a:xfrm>
+        </p:grpSpPr>
+        <p:sp>
+          <p:nvSpPr>
+            <p:cNvPr id="24" name="직사각형 23">
+              <a:extLst>
+                <a:ext uri="{FF2B5EF4-FFF2-40B4-BE49-F238E27FC236}">
+                  <a16:creationId xmlns:a16="http://schemas.microsoft.com/office/drawing/2014/main" id="{ACB38A61-B130-493E-B257-7C7D98BBDD2B}"/>
+                </a:ext>
+              </a:extLst>
+            </p:cNvPr>
+            <p:cNvSpPr/>
+            <p:nvPr/>
+          </p:nvSpPr>
+          <p:spPr>
+            <a:xfrm>
+              <a:off x="7280649" y="4038168"/>
+              <a:ext cx="4217057" cy="2389088"/>
+            </a:xfrm>
+            <a:prstGeom prst="rect">
+              <a:avLst/>
+            </a:prstGeom>
+            <a:solidFill>
+              <a:schemeClr val="tx1"/>
+            </a:solidFill>
+            <a:ln>
+              <a:solidFill>
+                <a:schemeClr val="tx1"/>
+              </a:solidFill>
+            </a:ln>
+          </p:spPr>
+          <p:style>
+            <a:lnRef idx="2">
+              <a:schemeClr val="accent1">
+                <a:shade val="50000"/>
+              </a:schemeClr>
+            </a:lnRef>
+            <a:fillRef idx="1">
+              <a:schemeClr val="accent1"/>
+            </a:fillRef>
+            <a:effectRef idx="0">
+              <a:schemeClr val="accent1"/>
+            </a:effectRef>
+            <a:fontRef idx="minor">
+              <a:schemeClr val="lt1"/>
+            </a:fontRef>
+          </p:style>
+          <p:txBody>
+            <a:bodyPr rtlCol="0" anchor="ctr"/>
+            <a:lstStyle/>
+            <a:p>
+              <a:pPr algn="ctr"/>
+              <a:endParaRPr lang="ko-KR" altLang="en-US"/>
+            </a:p>
+          </p:txBody>
+        </p:sp>
+        <p:sp>
+          <p:nvSpPr>
+            <p:cNvPr id="25" name="직사각형 24">
+              <a:extLst>
+                <a:ext uri="{FF2B5EF4-FFF2-40B4-BE49-F238E27FC236}">
+                  <a16:creationId xmlns:a16="http://schemas.microsoft.com/office/drawing/2014/main" id="{980DB22C-A901-4481-BC3F-76F5CFF2FC78}"/>
+                </a:ext>
+              </a:extLst>
+            </p:cNvPr>
+            <p:cNvSpPr/>
+            <p:nvPr/>
+          </p:nvSpPr>
+          <p:spPr>
+            <a:xfrm>
+              <a:off x="7280649" y="4407499"/>
+              <a:ext cx="4217057" cy="2019757"/>
+            </a:xfrm>
+            <a:prstGeom prst="rect">
+              <a:avLst/>
+            </a:prstGeom>
+            <a:solidFill>
+              <a:schemeClr val="bg1"/>
+            </a:solidFill>
+            <a:ln>
+              <a:solidFill>
+                <a:schemeClr val="tx1"/>
+              </a:solidFill>
+            </a:ln>
+          </p:spPr>
+          <p:style>
+            <a:lnRef idx="2">
+              <a:schemeClr val="accent1">
+                <a:shade val="50000"/>
+              </a:schemeClr>
+            </a:lnRef>
+            <a:fillRef idx="1">
+              <a:schemeClr val="accent1"/>
+            </a:fillRef>
+            <a:effectRef idx="0">
+              <a:schemeClr val="accent1"/>
+            </a:effectRef>
+            <a:fontRef idx="minor">
+              <a:schemeClr val="lt1"/>
+            </a:fontRef>
+          </p:style>
+          <p:txBody>
+            <a:bodyPr rtlCol="0" anchor="ctr"/>
+            <a:lstStyle/>
+            <a:p>
+              <a:pPr marL="285750" indent="-285750">
+                <a:buFont typeface="Arial" panose="020B0604020202020204" pitchFamily="34" charset="0"/>
+                <a:buChar char="•"/>
+              </a:pPr>
+              <a:r>
+                <a:rPr lang="ko-KR" altLang="en-US" dirty="0">
+                  <a:solidFill>
+                    <a:schemeClr val="tx1"/>
+                  </a:solidFill>
+                </a:rPr>
+                <a:t>각 </a:t>
+              </a:r>
+              <a:r>
+                <a:rPr lang="ko-KR" altLang="en-US" dirty="0" err="1">
+                  <a:solidFill>
+                    <a:schemeClr val="tx1"/>
+                  </a:solidFill>
+                </a:rPr>
+                <a:t>스킬별로</a:t>
+              </a:r>
+              <a:r>
+                <a:rPr lang="ko-KR" altLang="en-US" dirty="0">
+                  <a:solidFill>
+                    <a:schemeClr val="tx1"/>
+                  </a:solidFill>
+                </a:rPr>
+                <a:t> 스킬 아이콘이 화면에 </a:t>
+              </a:r>
+              <a:r>
+                <a:rPr lang="ko-KR" altLang="en-US" dirty="0" err="1">
+                  <a:solidFill>
+                    <a:schemeClr val="tx1"/>
+                  </a:solidFill>
+                </a:rPr>
+                <a:t>토글</a:t>
+              </a:r>
+              <a:endParaRPr lang="en-US" altLang="ko-KR" dirty="0">
+                <a:solidFill>
+                  <a:schemeClr val="tx1"/>
+                </a:solidFill>
+              </a:endParaRPr>
+            </a:p>
+            <a:p>
+              <a:pPr marL="285750" indent="-285750">
+                <a:buFont typeface="Arial" panose="020B0604020202020204" pitchFamily="34" charset="0"/>
+                <a:buChar char="•"/>
+              </a:pPr>
+              <a:endParaRPr lang="en-US" altLang="ko-KR" dirty="0">
+                <a:solidFill>
+                  <a:schemeClr val="tx1"/>
+                </a:solidFill>
+              </a:endParaRPr>
+            </a:p>
+            <a:p>
+              <a:pPr marL="285750" indent="-285750">
+                <a:buFont typeface="Arial" panose="020B0604020202020204" pitchFamily="34" charset="0"/>
+                <a:buChar char="•"/>
+              </a:pPr>
+              <a:r>
+                <a:rPr lang="ko-KR" altLang="en-US" dirty="0">
+                  <a:solidFill>
+                    <a:schemeClr val="tx1"/>
+                  </a:solidFill>
+                </a:rPr>
+                <a:t>아이콘 </a:t>
+              </a:r>
+              <a:r>
+                <a:rPr lang="ko-KR" altLang="en-US" dirty="0" err="1">
+                  <a:solidFill>
+                    <a:schemeClr val="tx1"/>
+                  </a:solidFill>
+                </a:rPr>
+                <a:t>터치시</a:t>
+              </a:r>
+              <a:r>
+                <a:rPr lang="ko-KR" altLang="en-US" dirty="0">
+                  <a:solidFill>
+                    <a:schemeClr val="tx1"/>
+                  </a:solidFill>
+                </a:rPr>
+                <a:t> 스킬 발동</a:t>
+              </a:r>
+              <a:endParaRPr lang="en-US" altLang="ko-KR" dirty="0">
+                <a:solidFill>
+                  <a:schemeClr val="tx1"/>
+                </a:solidFill>
+              </a:endParaRPr>
+            </a:p>
+            <a:p>
+              <a:pPr marL="285750" indent="-285750">
+                <a:buFont typeface="Arial" panose="020B0604020202020204" pitchFamily="34" charset="0"/>
+                <a:buChar char="•"/>
+              </a:pPr>
+              <a:endParaRPr lang="en-US" altLang="ko-KR" dirty="0">
+                <a:solidFill>
+                  <a:schemeClr val="tx1"/>
+                </a:solidFill>
+              </a:endParaRPr>
+            </a:p>
+            <a:p>
+              <a:pPr marL="285750" indent="-285750">
+                <a:buFont typeface="Arial" panose="020B0604020202020204" pitchFamily="34" charset="0"/>
+                <a:buChar char="•"/>
+              </a:pPr>
+              <a:r>
+                <a:rPr lang="ko-KR" altLang="en-US" dirty="0">
+                  <a:solidFill>
+                    <a:schemeClr val="tx1"/>
+                  </a:solidFill>
+                </a:rPr>
+                <a:t>지속 시간</a:t>
+              </a:r>
+              <a:r>
+                <a:rPr lang="en-US" altLang="ko-KR" dirty="0">
+                  <a:solidFill>
+                    <a:schemeClr val="tx1"/>
+                  </a:solidFill>
+                </a:rPr>
+                <a:t>/</a:t>
+              </a:r>
+              <a:r>
+                <a:rPr lang="ko-KR" altLang="en-US" dirty="0" err="1">
+                  <a:solidFill>
+                    <a:schemeClr val="tx1"/>
+                  </a:solidFill>
+                </a:rPr>
+                <a:t>쿨타임</a:t>
+              </a:r>
+              <a:r>
+                <a:rPr lang="ko-KR" altLang="en-US" dirty="0">
+                  <a:solidFill>
+                    <a:schemeClr val="tx1"/>
+                  </a:solidFill>
+                </a:rPr>
+                <a:t> 동안 아이콘에 밝기 효과 적용</a:t>
+              </a:r>
+              <a:br>
+                <a:rPr lang="en-US" altLang="ko-KR" dirty="0">
+                  <a:solidFill>
+                    <a:schemeClr val="tx1"/>
+                  </a:solidFill>
+                </a:rPr>
+              </a:br>
+              <a:r>
+                <a:rPr lang="en-US" altLang="ko-KR" dirty="0">
+                  <a:solidFill>
+                    <a:schemeClr val="tx1"/>
+                  </a:solidFill>
+                </a:rPr>
+                <a:t>(GIF </a:t>
+              </a:r>
+              <a:r>
+                <a:rPr lang="ko-KR" altLang="en-US" dirty="0">
+                  <a:solidFill>
+                    <a:schemeClr val="tx1"/>
+                  </a:solidFill>
+                </a:rPr>
+                <a:t>자료 참고</a:t>
+              </a:r>
+              <a:r>
+                <a:rPr lang="en-US" altLang="ko-KR" dirty="0">
+                  <a:solidFill>
+                    <a:schemeClr val="tx1"/>
+                  </a:solidFill>
+                </a:rPr>
+                <a:t>)</a:t>
+              </a:r>
+            </a:p>
+          </p:txBody>
+        </p:sp>
+        <p:sp>
+          <p:nvSpPr>
+            <p:cNvPr id="26" name="TextBox 25">
+              <a:extLst>
+                <a:ext uri="{FF2B5EF4-FFF2-40B4-BE49-F238E27FC236}">
+                  <a16:creationId xmlns:a16="http://schemas.microsoft.com/office/drawing/2014/main" id="{8A314BEB-84D8-49EB-B61D-DD2705D8297D}"/>
+                </a:ext>
+              </a:extLst>
+            </p:cNvPr>
+            <p:cNvSpPr txBox="1"/>
+            <p:nvPr/>
+          </p:nvSpPr>
+          <p:spPr>
+            <a:xfrm>
+              <a:off x="7442366" y="4038167"/>
+              <a:ext cx="3881263" cy="419025"/>
+            </a:xfrm>
+            <a:prstGeom prst="rect">
+              <a:avLst/>
+            </a:prstGeom>
+            <a:noFill/>
+          </p:spPr>
+          <p:txBody>
+            <a:bodyPr wrap="square" rtlCol="0">
+              <a:spAutoFit/>
+            </a:bodyPr>
+            <a:lstStyle/>
+            <a:p>
+              <a:r>
+                <a:rPr lang="ko-KR" altLang="en-US" dirty="0">
+                  <a:solidFill>
+                    <a:schemeClr val="bg1"/>
+                  </a:solidFill>
+                </a:rPr>
+                <a:t>관련 </a:t>
+              </a:r>
+              <a:r>
+                <a:rPr lang="en-US" altLang="ko-KR" dirty="0">
+                  <a:solidFill>
+                    <a:schemeClr val="bg1"/>
+                  </a:solidFill>
+                </a:rPr>
+                <a:t>UI</a:t>
+              </a:r>
+              <a:endParaRPr lang="ko-KR" altLang="en-US" dirty="0">
+                <a:solidFill>
+                  <a:schemeClr val="bg1"/>
+                </a:solidFill>
+              </a:endParaRPr>
+            </a:p>
+          </p:txBody>
+        </p:sp>
+      </p:grpSp>
+      <p:grpSp>
+        <p:nvGrpSpPr>
+          <p:cNvPr id="9" name="그룹 8">
+            <a:extLst>
+              <a:ext uri="{FF2B5EF4-FFF2-40B4-BE49-F238E27FC236}">
+                <a16:creationId xmlns:a16="http://schemas.microsoft.com/office/drawing/2014/main" id="{F2CC9910-F783-4E1B-A420-701058FA871C}"/>
+              </a:ext>
+            </a:extLst>
+          </p:cNvPr>
+          <p:cNvGrpSpPr/>
+          <p:nvPr/>
+        </p:nvGrpSpPr>
+        <p:grpSpPr>
+          <a:xfrm>
+            <a:off x="7905749" y="1780278"/>
+            <a:ext cx="1253705" cy="437505"/>
+            <a:chOff x="5383928" y="2247900"/>
+            <a:chExt cx="2078938" cy="437505"/>
+          </a:xfrm>
+        </p:grpSpPr>
+        <p:sp>
+          <p:nvSpPr>
+            <p:cNvPr id="10" name="화살표: 오각형 9">
+              <a:extLst>
+                <a:ext uri="{FF2B5EF4-FFF2-40B4-BE49-F238E27FC236}">
+                  <a16:creationId xmlns:a16="http://schemas.microsoft.com/office/drawing/2014/main" id="{0D0B918B-C61A-4467-820E-C20AB55519C3}"/>
+                </a:ext>
+              </a:extLst>
+            </p:cNvPr>
+            <p:cNvSpPr/>
+            <p:nvPr/>
+          </p:nvSpPr>
+          <p:spPr>
+            <a:xfrm>
+              <a:off x="5383928" y="2247900"/>
+              <a:ext cx="2078938" cy="437505"/>
+            </a:xfrm>
+            <a:prstGeom prst="homePlate">
+              <a:avLst>
+                <a:gd name="adj" fmla="val 30404"/>
+              </a:avLst>
+            </a:prstGeom>
+            <a:solidFill>
+              <a:schemeClr val="bg1"/>
+            </a:solidFill>
+            <a:ln w="28575">
+              <a:solidFill>
+                <a:schemeClr val="tx1"/>
+              </a:solidFill>
+            </a:ln>
+          </p:spPr>
+          <p:style>
+            <a:lnRef idx="2">
+              <a:schemeClr val="accent1">
+                <a:shade val="50000"/>
+              </a:schemeClr>
+            </a:lnRef>
+            <a:fillRef idx="1">
+              <a:schemeClr val="accent1"/>
+            </a:fillRef>
+            <a:effectRef idx="0">
+              <a:schemeClr val="accent1"/>
+            </a:effectRef>
+            <a:fontRef idx="minor">
+              <a:schemeClr val="lt1"/>
+            </a:fontRef>
+          </p:style>
+          <p:txBody>
+            <a:bodyPr rtlCol="0" anchor="ctr"/>
+            <a:lstStyle/>
+            <a:p>
+              <a:pPr algn="ctr"/>
+              <a:endParaRPr lang="ko-KR" altLang="en-US" dirty="0">
+                <a:solidFill>
+                  <a:schemeClr val="tx1"/>
+                </a:solidFill>
+              </a:endParaRPr>
+            </a:p>
+          </p:txBody>
+        </p:sp>
+        <p:sp>
+          <p:nvSpPr>
+            <p:cNvPr id="11" name="TextBox 10">
+              <a:extLst>
+                <a:ext uri="{FF2B5EF4-FFF2-40B4-BE49-F238E27FC236}">
+                  <a16:creationId xmlns:a16="http://schemas.microsoft.com/office/drawing/2014/main" id="{39010DAE-57B9-4AA0-9357-9CC1C3032F79}"/>
+                </a:ext>
+              </a:extLst>
+            </p:cNvPr>
+            <p:cNvSpPr txBox="1"/>
+            <p:nvPr/>
+          </p:nvSpPr>
+          <p:spPr>
+            <a:xfrm>
+              <a:off x="5393131" y="2281986"/>
+              <a:ext cx="935281" cy="369332"/>
+            </a:xfrm>
+            <a:prstGeom prst="rect">
+              <a:avLst/>
+            </a:prstGeom>
+            <a:noFill/>
+          </p:spPr>
+          <p:txBody>
+            <a:bodyPr wrap="none" rtlCol="0">
+              <a:spAutoFit/>
+            </a:bodyPr>
+            <a:lstStyle/>
+            <a:p>
+              <a:r>
+                <a:rPr lang="en-US" altLang="ko-KR" dirty="0"/>
+                <a:t>GIF </a:t>
+              </a:r>
+              <a:r>
+                <a:rPr lang="ko-KR" altLang="en-US" dirty="0"/>
+                <a:t>자료</a:t>
+              </a:r>
+              <a:endParaRPr lang="en-US" altLang="ko-KR" dirty="0"/>
+            </a:p>
+          </p:txBody>
+        </p:sp>
+      </p:grpSp>
+    </p:spTree>
+    <p:extLst>
+      <p:ext uri="{BB962C8B-B14F-4D97-AF65-F5344CB8AC3E}">
+        <p14:creationId xmlns:p14="http://schemas.microsoft.com/office/powerpoint/2010/main" val="2418030382"/>
+      </p:ext>
+    </p:extLst>
+  </p:cSld>
+  <p:clrMapOvr>
+    <a:masterClrMapping/>
+  </p:clrMapOvr>
+</p:sld>
+</file>
+
+<file path=ppt/slides/slide21.xml><?xml version="1.0" encoding="utf-8"?>
+<p:sld xmlns:a="http://schemas.openxmlformats.org/drawingml/2006/main" xmlns:r="http://schemas.openxmlformats.org/officeDocument/2006/relationships" xmlns:p="http://schemas.openxmlformats.org/presentationml/2006/main">
+  <p:cSld>
+    <p:spTree>
+      <p:nvGrpSpPr>
+        <p:cNvPr id="1" name=""/>
+        <p:cNvGrpSpPr/>
+        <p:nvPr/>
+      </p:nvGrpSpPr>
+      <p:grpSpPr>
+        <a:xfrm>
+          <a:off x="0" y="0"/>
+          <a:ext cx="0" cy="0"/>
+          <a:chOff x="0" y="0"/>
+          <a:chExt cx="0" cy="0"/>
+        </a:xfrm>
+      </p:grpSpPr>
+      <p:grpSp>
+        <p:nvGrpSpPr>
+          <p:cNvPr id="38" name="그룹 37">
+            <a:extLst>
+              <a:ext uri="{FF2B5EF4-FFF2-40B4-BE49-F238E27FC236}">
+                <a16:creationId xmlns:a16="http://schemas.microsoft.com/office/drawing/2014/main" id="{1D8E532E-9E14-4EC0-9A5D-C7F11045D019}"/>
+              </a:ext>
+            </a:extLst>
+          </p:cNvPr>
+          <p:cNvGrpSpPr/>
+          <p:nvPr/>
+        </p:nvGrpSpPr>
+        <p:grpSpPr>
+          <a:xfrm>
+            <a:off x="-1" y="99367"/>
+            <a:ext cx="2810435" cy="620714"/>
+            <a:chOff x="0" y="231324"/>
+            <a:chExt cx="2341178" cy="620714"/>
+          </a:xfrm>
+        </p:grpSpPr>
+        <p:sp>
+          <p:nvSpPr>
+            <p:cNvPr id="39" name="TextBox 38">
+              <a:extLst>
+                <a:ext uri="{FF2B5EF4-FFF2-40B4-BE49-F238E27FC236}">
+                  <a16:creationId xmlns:a16="http://schemas.microsoft.com/office/drawing/2014/main" id="{6CDC6D6B-2C6F-4506-A1A4-B60E366A7E7F}"/>
+                </a:ext>
+              </a:extLst>
+            </p:cNvPr>
+            <p:cNvSpPr txBox="1"/>
+            <p:nvPr/>
+          </p:nvSpPr>
+          <p:spPr>
+            <a:xfrm>
+              <a:off x="0" y="231324"/>
+              <a:ext cx="2341178" cy="523220"/>
+            </a:xfrm>
+            <a:prstGeom prst="rect">
+              <a:avLst/>
+            </a:prstGeom>
+            <a:noFill/>
+          </p:spPr>
+          <p:txBody>
+            <a:bodyPr wrap="square" rtlCol="0">
+              <a:spAutoFit/>
+            </a:bodyPr>
+            <a:lstStyle/>
+            <a:p>
+              <a:r>
+                <a:rPr lang="en-US" altLang="ko-KR" sz="2800" b="1" dirty="0"/>
+                <a:t>4.1 </a:t>
+              </a:r>
+              <a:r>
+                <a:rPr lang="ko-KR" altLang="en-US" sz="2800" b="1" dirty="0"/>
+                <a:t>스킬 효과</a:t>
+              </a:r>
+              <a:endParaRPr lang="ko-KR" altLang="en-US" sz="1400" b="1" dirty="0"/>
+            </a:p>
+          </p:txBody>
+        </p:sp>
+        <p:sp>
+          <p:nvSpPr>
+            <p:cNvPr id="40" name="평행 사변형 39">
+              <a:extLst>
+                <a:ext uri="{FF2B5EF4-FFF2-40B4-BE49-F238E27FC236}">
+                  <a16:creationId xmlns:a16="http://schemas.microsoft.com/office/drawing/2014/main" id="{4E81B653-ED60-4FFF-82E8-2306DFEB399E}"/>
+                </a:ext>
+              </a:extLst>
+            </p:cNvPr>
+            <p:cNvSpPr/>
+            <p:nvPr/>
+          </p:nvSpPr>
+          <p:spPr>
+            <a:xfrm>
+              <a:off x="0" y="787975"/>
+              <a:ext cx="2196000" cy="64063"/>
+            </a:xfrm>
+            <a:prstGeom prst="parallelogram">
+              <a:avLst/>
+            </a:prstGeom>
+            <a:solidFill>
+              <a:schemeClr val="tx1"/>
+            </a:solidFill>
+            <a:ln>
+              <a:noFill/>
+            </a:ln>
+          </p:spPr>
+          <p:style>
+            <a:lnRef idx="2">
+              <a:schemeClr val="accent1">
+                <a:shade val="50000"/>
+              </a:schemeClr>
+            </a:lnRef>
+            <a:fillRef idx="1">
+              <a:schemeClr val="accent1"/>
+            </a:fillRef>
+            <a:effectRef idx="0">
+              <a:schemeClr val="accent1"/>
+            </a:effectRef>
+            <a:fontRef idx="minor">
+              <a:schemeClr val="lt1"/>
+            </a:fontRef>
+          </p:style>
+          <p:txBody>
+            <a:bodyPr rtlCol="0" anchor="ctr"/>
+            <a:lstStyle/>
+            <a:p>
+              <a:pPr algn="ctr"/>
+              <a:endParaRPr lang="ko-KR" altLang="en-US" dirty="0"/>
+            </a:p>
+          </p:txBody>
+        </p:sp>
+      </p:grpSp>
+      <p:graphicFrame>
+        <p:nvGraphicFramePr>
+          <p:cNvPr id="3" name="표 3">
+            <a:extLst>
+              <a:ext uri="{FF2B5EF4-FFF2-40B4-BE49-F238E27FC236}">
+                <a16:creationId xmlns:a16="http://schemas.microsoft.com/office/drawing/2014/main" id="{767F5422-E15F-4221-B992-3BBFDEB668A0}"/>
+              </a:ext>
+            </a:extLst>
+          </p:cNvPr>
+          <p:cNvGraphicFramePr>
+            <a:graphicFrameLocks noGrp="1"/>
+          </p:cNvGraphicFramePr>
+          <p:nvPr>
+            <p:extLst>
+              <p:ext uri="{D42A27DB-BD31-4B8C-83A1-F6EECF244321}">
+                <p14:modId xmlns:p14="http://schemas.microsoft.com/office/powerpoint/2010/main" val="4126417018"/>
+              </p:ext>
+            </p:extLst>
+          </p:nvPr>
+        </p:nvGraphicFramePr>
+        <p:xfrm>
+          <a:off x="2585197" y="2267119"/>
+          <a:ext cx="7021606" cy="2323762"/>
+        </p:xfrm>
+        <a:graphic>
+          <a:graphicData uri="http://schemas.openxmlformats.org/drawingml/2006/table">
+            <a:tbl>
+              <a:tblPr firstRow="1" bandRow="1">
+                <a:tableStyleId>{5C22544A-7EE6-4342-B048-85BDC9FD1C3A}</a:tableStyleId>
+              </a:tblPr>
+              <a:tblGrid>
+                <a:gridCol w="1056516">
+                  <a:extLst>
+                    <a:ext uri="{9D8B030D-6E8A-4147-A177-3AD203B41FA5}">
+                      <a16:colId xmlns:a16="http://schemas.microsoft.com/office/drawing/2014/main" val="1620833618"/>
+                    </a:ext>
+                  </a:extLst>
+                </a:gridCol>
+                <a:gridCol w="1971314">
+                  <a:extLst>
+                    <a:ext uri="{9D8B030D-6E8A-4147-A177-3AD203B41FA5}">
+                      <a16:colId xmlns:a16="http://schemas.microsoft.com/office/drawing/2014/main" val="568206432"/>
+                    </a:ext>
+                  </a:extLst>
+                </a:gridCol>
+                <a:gridCol w="3993776">
+                  <a:extLst>
+                    <a:ext uri="{9D8B030D-6E8A-4147-A177-3AD203B41FA5}">
+                      <a16:colId xmlns:a16="http://schemas.microsoft.com/office/drawing/2014/main" val="2162755630"/>
+                    </a:ext>
+                  </a:extLst>
+                </a:gridCol>
+              </a:tblGrid>
+              <a:tr h="446926">
+                <a:tc>
+                  <a:txBody>
+                    <a:bodyPr/>
+                    <a:lstStyle/>
+                    <a:p>
+                      <a:pPr latinLnBrk="1"/>
+                      <a:r>
+                        <a:rPr lang="en-US" altLang="ko-KR" dirty="0">
+                          <a:solidFill>
+                            <a:sysClr val="windowText" lastClr="000000"/>
+                          </a:solidFill>
+                        </a:rPr>
+                        <a:t>Skill ID</a:t>
+                      </a:r>
+                      <a:endParaRPr lang="ko-KR" altLang="en-US" dirty="0">
+                        <a:solidFill>
+                          <a:sysClr val="windowText" lastClr="000000"/>
+                        </a:solidFill>
+                      </a:endParaRPr>
+                    </a:p>
+                  </a:txBody>
+                  <a:tcPr>
+                    <a:lnL w="12700" cap="flat" cmpd="sng" algn="ctr">
+                      <a:solidFill>
+                        <a:schemeClr val="tx1"/>
+                      </a:solidFill>
+                      <a:prstDash val="solid"/>
+                      <a:round/>
+                      <a:headEnd type="none" w="med" len="med"/>
+                      <a:tailEnd type="none" w="med" len="med"/>
+                    </a:lnL>
+                    <a:lnR w="12700" cap="flat" cmpd="sng" algn="ctr">
+                      <a:solidFill>
+                        <a:schemeClr val="tx1"/>
+                      </a:solidFill>
+                      <a:prstDash val="solid"/>
+                      <a:round/>
+                      <a:headEnd type="none" w="med" len="med"/>
+                      <a:tailEnd type="none" w="med" len="med"/>
+                    </a:lnR>
+                    <a:lnT w="12700" cap="flat" cmpd="sng" algn="ctr">
+                      <a:solidFill>
+                        <a:schemeClr val="tx1"/>
+                      </a:solidFill>
+                      <a:prstDash val="solid"/>
+                      <a:round/>
+                      <a:headEnd type="none" w="med" len="med"/>
+                      <a:tailEnd type="none" w="med" len="med"/>
+                    </a:lnT>
+                    <a:lnB w="12700" cap="flat" cmpd="sng" algn="ctr">
+                      <a:solidFill>
+                        <a:schemeClr val="tx1"/>
+                      </a:solidFill>
+                      <a:prstDash val="solid"/>
+                      <a:round/>
+                      <a:headEnd type="none" w="med" len="med"/>
+                      <a:tailEnd type="none" w="med" len="med"/>
+                    </a:lnB>
+                    <a:solidFill>
+                      <a:schemeClr val="bg1">
+                        <a:lumMod val="85000"/>
+                      </a:schemeClr>
+                    </a:solidFill>
+                  </a:tcPr>
+                </a:tc>
+                <a:tc>
+                  <a:txBody>
+                    <a:bodyPr/>
+                    <a:lstStyle/>
+                    <a:p>
+                      <a:pPr latinLnBrk="1"/>
+                      <a:r>
+                        <a:rPr lang="ko-KR" altLang="en-US" dirty="0">
+                          <a:solidFill>
+                            <a:sysClr val="windowText" lastClr="000000"/>
+                          </a:solidFill>
+                        </a:rPr>
+                        <a:t>유형</a:t>
+                      </a:r>
+                    </a:p>
+                  </a:txBody>
+                  <a:tcPr>
+                    <a:lnL w="12700" cap="flat" cmpd="sng" algn="ctr">
+                      <a:solidFill>
+                        <a:schemeClr val="tx1"/>
+                      </a:solidFill>
+                      <a:prstDash val="solid"/>
+                      <a:round/>
+                      <a:headEnd type="none" w="med" len="med"/>
+                      <a:tailEnd type="none" w="med" len="med"/>
+                    </a:lnL>
+                    <a:lnR w="12700" cap="flat" cmpd="sng" algn="ctr">
+                      <a:solidFill>
+                        <a:schemeClr val="tx1"/>
+                      </a:solidFill>
+                      <a:prstDash val="solid"/>
+                      <a:round/>
+                      <a:headEnd type="none" w="med" len="med"/>
+                      <a:tailEnd type="none" w="med" len="med"/>
+                    </a:lnR>
+                    <a:lnT w="12700" cap="flat" cmpd="sng" algn="ctr">
+                      <a:solidFill>
+                        <a:schemeClr val="tx1"/>
+                      </a:solidFill>
+                      <a:prstDash val="solid"/>
+                      <a:round/>
+                      <a:headEnd type="none" w="med" len="med"/>
+                      <a:tailEnd type="none" w="med" len="med"/>
+                    </a:lnT>
+                    <a:lnB w="12700" cap="flat" cmpd="sng" algn="ctr">
+                      <a:solidFill>
+                        <a:schemeClr val="tx1"/>
+                      </a:solidFill>
+                      <a:prstDash val="solid"/>
+                      <a:round/>
+                      <a:headEnd type="none" w="med" len="med"/>
+                      <a:tailEnd type="none" w="med" len="med"/>
+                    </a:lnB>
+                    <a:solidFill>
+                      <a:schemeClr val="bg1">
+                        <a:lumMod val="85000"/>
+                      </a:schemeClr>
+                    </a:solidFill>
+                  </a:tcPr>
+                </a:tc>
+                <a:tc>
+                  <a:txBody>
+                    <a:bodyPr/>
+                    <a:lstStyle/>
+                    <a:p>
+                      <a:pPr latinLnBrk="1"/>
+                      <a:r>
+                        <a:rPr lang="ko-KR" altLang="en-US" dirty="0">
+                          <a:solidFill>
+                            <a:sysClr val="windowText" lastClr="000000"/>
+                          </a:solidFill>
+                        </a:rPr>
+                        <a:t>스킬 효과</a:t>
+                      </a:r>
+                    </a:p>
+                  </a:txBody>
+                  <a:tcPr>
+                    <a:lnL w="12700" cap="flat" cmpd="sng" algn="ctr">
+                      <a:solidFill>
+                        <a:schemeClr val="tx1"/>
+                      </a:solidFill>
+                      <a:prstDash val="solid"/>
+                      <a:round/>
+                      <a:headEnd type="none" w="med" len="med"/>
+                      <a:tailEnd type="none" w="med" len="med"/>
+                    </a:lnL>
+                    <a:lnR w="12700" cap="flat" cmpd="sng" algn="ctr">
+                      <a:solidFill>
+                        <a:schemeClr val="tx1"/>
+                      </a:solidFill>
+                      <a:prstDash val="solid"/>
+                      <a:round/>
+                      <a:headEnd type="none" w="med" len="med"/>
+                      <a:tailEnd type="none" w="med" len="med"/>
+                    </a:lnR>
+                    <a:lnT w="12700" cap="flat" cmpd="sng" algn="ctr">
+                      <a:solidFill>
+                        <a:schemeClr val="tx1"/>
+                      </a:solidFill>
+                      <a:prstDash val="solid"/>
+                      <a:round/>
+                      <a:headEnd type="none" w="med" len="med"/>
+                      <a:tailEnd type="none" w="med" len="med"/>
+                    </a:lnT>
+                    <a:lnB w="12700" cap="flat" cmpd="sng" algn="ctr">
+                      <a:solidFill>
+                        <a:schemeClr val="tx1"/>
+                      </a:solidFill>
+                      <a:prstDash val="solid"/>
+                      <a:round/>
+                      <a:headEnd type="none" w="med" len="med"/>
+                      <a:tailEnd type="none" w="med" len="med"/>
+                    </a:lnB>
+                    <a:solidFill>
+                      <a:schemeClr val="bg1">
+                        <a:lumMod val="85000"/>
+                      </a:schemeClr>
+                    </a:solidFill>
+                  </a:tcPr>
+                </a:tc>
+                <a:extLst>
+                  <a:ext uri="{0D108BD9-81ED-4DB2-BD59-A6C34878D82A}">
+                    <a16:rowId xmlns:a16="http://schemas.microsoft.com/office/drawing/2014/main" val="2572732556"/>
+                  </a:ext>
+                </a:extLst>
+              </a:tr>
+              <a:tr h="625612">
+                <a:tc>
+                  <a:txBody>
+                    <a:bodyPr/>
+                    <a:lstStyle/>
+                    <a:p>
+                      <a:pPr latinLnBrk="1"/>
+                      <a:r>
+                        <a:rPr lang="en-US" altLang="ko-KR" dirty="0"/>
+                        <a:t>0</a:t>
+                      </a:r>
+                      <a:endParaRPr lang="ko-KR" altLang="en-US" dirty="0"/>
+                    </a:p>
+                  </a:txBody>
+                  <a:tcPr>
+                    <a:lnL w="12700" cap="flat" cmpd="sng" algn="ctr">
+                      <a:solidFill>
+                        <a:schemeClr val="tx1"/>
+                      </a:solidFill>
+                      <a:prstDash val="solid"/>
+                      <a:round/>
+                      <a:headEnd type="none" w="med" len="med"/>
+                      <a:tailEnd type="none" w="med" len="med"/>
+                    </a:lnL>
+                    <a:lnR w="12700" cap="flat" cmpd="sng" algn="ctr">
+                      <a:solidFill>
+                        <a:schemeClr val="tx1"/>
+                      </a:solidFill>
+                      <a:prstDash val="solid"/>
+                      <a:round/>
+                      <a:headEnd type="none" w="med" len="med"/>
+                      <a:tailEnd type="none" w="med" len="med"/>
+                    </a:lnR>
+                    <a:lnT w="12700" cap="flat" cmpd="sng" algn="ctr">
+                      <a:solidFill>
+                        <a:schemeClr val="tx1"/>
+                      </a:solidFill>
+                      <a:prstDash val="solid"/>
+                      <a:round/>
+                      <a:headEnd type="none" w="med" len="med"/>
+                      <a:tailEnd type="none" w="med" len="med"/>
+                    </a:lnT>
+                    <a:lnB w="12700" cap="flat" cmpd="sng" algn="ctr">
+                      <a:solidFill>
+                        <a:schemeClr val="tx1"/>
+                      </a:solidFill>
+                      <a:prstDash val="solid"/>
+                      <a:round/>
+                      <a:headEnd type="none" w="med" len="med"/>
+                      <a:tailEnd type="none" w="med" len="med"/>
+                    </a:lnB>
+                    <a:solidFill>
+                      <a:schemeClr val="bg1"/>
+                    </a:solidFill>
+                  </a:tcPr>
+                </a:tc>
+                <a:tc>
+                  <a:txBody>
+                    <a:bodyPr/>
+                    <a:lstStyle/>
+                    <a:p>
+                      <a:pPr latinLnBrk="1"/>
+                      <a:r>
+                        <a:rPr lang="ko-KR" altLang="en-US" dirty="0"/>
+                        <a:t>자동 클릭</a:t>
+                      </a:r>
+                    </a:p>
+                  </a:txBody>
+                  <a:tcPr>
+                    <a:lnL w="12700" cap="flat" cmpd="sng" algn="ctr">
+                      <a:solidFill>
+                        <a:schemeClr val="tx1"/>
+                      </a:solidFill>
+                      <a:prstDash val="solid"/>
+                      <a:round/>
+                      <a:headEnd type="none" w="med" len="med"/>
+                      <a:tailEnd type="none" w="med" len="med"/>
+                    </a:lnL>
+                    <a:lnR w="12700" cap="flat" cmpd="sng" algn="ctr">
+                      <a:solidFill>
+                        <a:schemeClr val="tx1"/>
+                      </a:solidFill>
+                      <a:prstDash val="solid"/>
+                      <a:round/>
+                      <a:headEnd type="none" w="med" len="med"/>
+                      <a:tailEnd type="none" w="med" len="med"/>
+                    </a:lnR>
+                    <a:lnT w="12700" cap="flat" cmpd="sng" algn="ctr">
+                      <a:solidFill>
+                        <a:schemeClr val="tx1"/>
+                      </a:solidFill>
+                      <a:prstDash val="solid"/>
+                      <a:round/>
+                      <a:headEnd type="none" w="med" len="med"/>
+                      <a:tailEnd type="none" w="med" len="med"/>
+                    </a:lnT>
+                    <a:lnB w="12700" cap="flat" cmpd="sng" algn="ctr">
+                      <a:solidFill>
+                        <a:schemeClr val="tx1"/>
+                      </a:solidFill>
+                      <a:prstDash val="solid"/>
+                      <a:round/>
+                      <a:headEnd type="none" w="med" len="med"/>
+                      <a:tailEnd type="none" w="med" len="med"/>
+                    </a:lnB>
+                    <a:solidFill>
+                      <a:schemeClr val="bg1"/>
+                    </a:solidFill>
+                  </a:tcPr>
+                </a:tc>
+                <a:tc>
+                  <a:txBody>
+                    <a:bodyPr/>
+                    <a:lstStyle/>
+                    <a:p>
+                      <a:pPr latinLnBrk="1"/>
+                      <a:r>
+                        <a:rPr lang="ko-KR" altLang="en-US" dirty="0"/>
+                        <a:t>매초 </a:t>
+                      </a:r>
+                      <a:r>
+                        <a:rPr lang="en-US" altLang="ko-KR" dirty="0"/>
+                        <a:t>N</a:t>
+                      </a:r>
+                      <a:r>
+                        <a:rPr lang="ko-KR" altLang="en-US" dirty="0"/>
+                        <a:t>번의 </a:t>
+                      </a:r>
+                      <a:r>
+                        <a:rPr lang="en-US" altLang="ko-KR" dirty="0"/>
+                        <a:t>Click() </a:t>
+                      </a:r>
+                      <a:r>
+                        <a:rPr lang="ko-KR" altLang="en-US" dirty="0"/>
+                        <a:t>호출</a:t>
+                      </a:r>
+                    </a:p>
+                  </a:txBody>
+                  <a:tcPr>
+                    <a:lnL w="12700" cap="flat" cmpd="sng" algn="ctr">
+                      <a:solidFill>
+                        <a:schemeClr val="tx1"/>
+                      </a:solidFill>
+                      <a:prstDash val="solid"/>
+                      <a:round/>
+                      <a:headEnd type="none" w="med" len="med"/>
+                      <a:tailEnd type="none" w="med" len="med"/>
+                    </a:lnL>
+                    <a:lnR w="12700" cap="flat" cmpd="sng" algn="ctr">
+                      <a:solidFill>
+                        <a:schemeClr val="tx1"/>
+                      </a:solidFill>
+                      <a:prstDash val="solid"/>
+                      <a:round/>
+                      <a:headEnd type="none" w="med" len="med"/>
+                      <a:tailEnd type="none" w="med" len="med"/>
+                    </a:lnR>
+                    <a:lnT w="12700" cap="flat" cmpd="sng" algn="ctr">
+                      <a:solidFill>
+                        <a:schemeClr val="tx1"/>
+                      </a:solidFill>
+                      <a:prstDash val="solid"/>
+                      <a:round/>
+                      <a:headEnd type="none" w="med" len="med"/>
+                      <a:tailEnd type="none" w="med" len="med"/>
+                    </a:lnT>
+                    <a:lnB w="12700" cap="flat" cmpd="sng" algn="ctr">
+                      <a:solidFill>
+                        <a:schemeClr val="tx1"/>
+                      </a:solidFill>
+                      <a:prstDash val="solid"/>
+                      <a:round/>
+                      <a:headEnd type="none" w="med" len="med"/>
+                      <a:tailEnd type="none" w="med" len="med"/>
+                    </a:lnB>
+                    <a:solidFill>
+                      <a:schemeClr val="bg1"/>
+                    </a:solidFill>
+                  </a:tcPr>
+                </a:tc>
+                <a:extLst>
+                  <a:ext uri="{0D108BD9-81ED-4DB2-BD59-A6C34878D82A}">
+                    <a16:rowId xmlns:a16="http://schemas.microsoft.com/office/drawing/2014/main" val="293147101"/>
+                  </a:ext>
+                </a:extLst>
+              </a:tr>
+              <a:tr h="625612">
+                <a:tc>
+                  <a:txBody>
+                    <a:bodyPr/>
+                    <a:lstStyle/>
+                    <a:p>
+                      <a:pPr latinLnBrk="1"/>
+                      <a:r>
+                        <a:rPr lang="en-US" altLang="ko-KR" dirty="0"/>
+                        <a:t>1</a:t>
+                      </a:r>
+                      <a:endParaRPr lang="ko-KR" altLang="en-US" dirty="0"/>
+                    </a:p>
+                  </a:txBody>
+                  <a:tcPr>
+                    <a:lnL w="12700" cap="flat" cmpd="sng" algn="ctr">
+                      <a:solidFill>
+                        <a:schemeClr val="tx1"/>
+                      </a:solidFill>
+                      <a:prstDash val="solid"/>
+                      <a:round/>
+                      <a:headEnd type="none" w="med" len="med"/>
+                      <a:tailEnd type="none" w="med" len="med"/>
+                    </a:lnL>
+                    <a:lnR w="12700" cap="flat" cmpd="sng" algn="ctr">
+                      <a:solidFill>
+                        <a:schemeClr val="tx1"/>
+                      </a:solidFill>
+                      <a:prstDash val="solid"/>
+                      <a:round/>
+                      <a:headEnd type="none" w="med" len="med"/>
+                      <a:tailEnd type="none" w="med" len="med"/>
+                    </a:lnR>
+                    <a:lnT w="12700" cap="flat" cmpd="sng" algn="ctr">
+                      <a:solidFill>
+                        <a:schemeClr val="tx1"/>
+                      </a:solidFill>
+                      <a:prstDash val="solid"/>
+                      <a:round/>
+                      <a:headEnd type="none" w="med" len="med"/>
+                      <a:tailEnd type="none" w="med" len="med"/>
+                    </a:lnT>
+                    <a:lnB w="12700" cap="flat" cmpd="sng" algn="ctr">
+                      <a:solidFill>
+                        <a:schemeClr val="tx1"/>
+                      </a:solidFill>
+                      <a:prstDash val="solid"/>
+                      <a:round/>
+                      <a:headEnd type="none" w="med" len="med"/>
+                      <a:tailEnd type="none" w="med" len="med"/>
+                    </a:lnB>
+                    <a:solidFill>
+                      <a:schemeClr val="bg1"/>
+                    </a:solidFill>
+                  </a:tcPr>
+                </a:tc>
+                <a:tc>
+                  <a:txBody>
+                    <a:bodyPr/>
+                    <a:lstStyle/>
+                    <a:p>
+                      <a:pPr latinLnBrk="1"/>
+                      <a:r>
+                        <a:rPr lang="ko-KR" altLang="en-US" dirty="0" err="1"/>
+                        <a:t>수익율</a:t>
+                      </a:r>
+                      <a:r>
+                        <a:rPr lang="ko-KR" altLang="en-US" dirty="0"/>
+                        <a:t> 증가</a:t>
+                      </a:r>
+                    </a:p>
+                  </a:txBody>
+                  <a:tcPr>
+                    <a:lnL w="12700" cap="flat" cmpd="sng" algn="ctr">
+                      <a:solidFill>
+                        <a:schemeClr val="tx1"/>
+                      </a:solidFill>
+                      <a:prstDash val="solid"/>
+                      <a:round/>
+                      <a:headEnd type="none" w="med" len="med"/>
+                      <a:tailEnd type="none" w="med" len="med"/>
+                    </a:lnL>
+                    <a:lnR w="12700" cap="flat" cmpd="sng" algn="ctr">
+                      <a:solidFill>
+                        <a:schemeClr val="tx1"/>
+                      </a:solidFill>
+                      <a:prstDash val="solid"/>
+                      <a:round/>
+                      <a:headEnd type="none" w="med" len="med"/>
+                      <a:tailEnd type="none" w="med" len="med"/>
+                    </a:lnR>
+                    <a:lnT w="12700" cap="flat" cmpd="sng" algn="ctr">
+                      <a:solidFill>
+                        <a:schemeClr val="tx1"/>
+                      </a:solidFill>
+                      <a:prstDash val="solid"/>
+                      <a:round/>
+                      <a:headEnd type="none" w="med" len="med"/>
+                      <a:tailEnd type="none" w="med" len="med"/>
+                    </a:lnT>
+                    <a:lnB w="12700" cap="flat" cmpd="sng" algn="ctr">
+                      <a:solidFill>
+                        <a:schemeClr val="tx1"/>
+                      </a:solidFill>
+                      <a:prstDash val="solid"/>
+                      <a:round/>
+                      <a:headEnd type="none" w="med" len="med"/>
+                      <a:tailEnd type="none" w="med" len="med"/>
+                    </a:lnB>
+                    <a:solidFill>
+                      <a:schemeClr val="bg1"/>
+                    </a:solidFill>
+                  </a:tcPr>
+                </a:tc>
+                <a:tc>
+                  <a:txBody>
+                    <a:bodyPr/>
+                    <a:lstStyle/>
+                    <a:p>
+                      <a:pPr latinLnBrk="1"/>
+                      <a:r>
+                        <a:rPr lang="ko-KR" altLang="en-US" dirty="0"/>
+                        <a:t>모든 농장의 수익 </a:t>
+                      </a:r>
+                      <a:r>
+                        <a:rPr lang="en-US" altLang="ko-KR" dirty="0"/>
+                        <a:t>+ N%</a:t>
+                      </a:r>
+                      <a:endParaRPr lang="ko-KR" altLang="en-US" dirty="0"/>
+                    </a:p>
+                  </a:txBody>
+                  <a:tcPr>
+                    <a:lnL w="12700" cap="flat" cmpd="sng" algn="ctr">
+                      <a:solidFill>
+                        <a:schemeClr val="tx1"/>
+                      </a:solidFill>
+                      <a:prstDash val="solid"/>
+                      <a:round/>
+                      <a:headEnd type="none" w="med" len="med"/>
+                      <a:tailEnd type="none" w="med" len="med"/>
+                    </a:lnL>
+                    <a:lnR w="12700" cap="flat" cmpd="sng" algn="ctr">
+                      <a:solidFill>
+                        <a:schemeClr val="tx1"/>
+                      </a:solidFill>
+                      <a:prstDash val="solid"/>
+                      <a:round/>
+                      <a:headEnd type="none" w="med" len="med"/>
+                      <a:tailEnd type="none" w="med" len="med"/>
+                    </a:lnR>
+                    <a:lnT w="12700" cap="flat" cmpd="sng" algn="ctr">
+                      <a:solidFill>
+                        <a:schemeClr val="tx1"/>
+                      </a:solidFill>
+                      <a:prstDash val="solid"/>
+                      <a:round/>
+                      <a:headEnd type="none" w="med" len="med"/>
+                      <a:tailEnd type="none" w="med" len="med"/>
+                    </a:lnT>
+                    <a:lnB w="12700" cap="flat" cmpd="sng" algn="ctr">
+                      <a:solidFill>
+                        <a:schemeClr val="tx1"/>
+                      </a:solidFill>
+                      <a:prstDash val="solid"/>
+                      <a:round/>
+                      <a:headEnd type="none" w="med" len="med"/>
+                      <a:tailEnd type="none" w="med" len="med"/>
+                    </a:lnB>
+                    <a:solidFill>
+                      <a:schemeClr val="bg1"/>
+                    </a:solidFill>
+                  </a:tcPr>
+                </a:tc>
+                <a:extLst>
+                  <a:ext uri="{0D108BD9-81ED-4DB2-BD59-A6C34878D82A}">
+                    <a16:rowId xmlns:a16="http://schemas.microsoft.com/office/drawing/2014/main" val="3872790237"/>
+                  </a:ext>
+                </a:extLst>
+              </a:tr>
+              <a:tr h="625612">
+                <a:tc>
+                  <a:txBody>
+                    <a:bodyPr/>
+                    <a:lstStyle/>
+                    <a:p>
+                      <a:pPr latinLnBrk="1"/>
+                      <a:r>
+                        <a:rPr lang="en-US" altLang="ko-KR" dirty="0"/>
+                        <a:t>2</a:t>
+                      </a:r>
+                      <a:endParaRPr lang="ko-KR" altLang="en-US" dirty="0"/>
+                    </a:p>
+                  </a:txBody>
+                  <a:tcPr>
+                    <a:lnL w="12700" cap="flat" cmpd="sng" algn="ctr">
+                      <a:solidFill>
+                        <a:schemeClr val="tx1"/>
+                      </a:solidFill>
+                      <a:prstDash val="solid"/>
+                      <a:round/>
+                      <a:headEnd type="none" w="med" len="med"/>
+                      <a:tailEnd type="none" w="med" len="med"/>
+                    </a:lnL>
+                    <a:lnR w="12700" cap="flat" cmpd="sng" algn="ctr">
+                      <a:solidFill>
+                        <a:schemeClr val="tx1"/>
+                      </a:solidFill>
+                      <a:prstDash val="solid"/>
+                      <a:round/>
+                      <a:headEnd type="none" w="med" len="med"/>
+                      <a:tailEnd type="none" w="med" len="med"/>
+                    </a:lnR>
+                    <a:lnT w="12700" cap="flat" cmpd="sng" algn="ctr">
+                      <a:solidFill>
+                        <a:schemeClr val="tx1"/>
+                      </a:solidFill>
+                      <a:prstDash val="solid"/>
+                      <a:round/>
+                      <a:headEnd type="none" w="med" len="med"/>
+                      <a:tailEnd type="none" w="med" len="med"/>
+                    </a:lnT>
+                    <a:lnB w="12700" cap="flat" cmpd="sng" algn="ctr">
+                      <a:solidFill>
+                        <a:schemeClr val="tx1"/>
+                      </a:solidFill>
+                      <a:prstDash val="solid"/>
+                      <a:round/>
+                      <a:headEnd type="none" w="med" len="med"/>
+                      <a:tailEnd type="none" w="med" len="med"/>
+                    </a:lnB>
+                    <a:solidFill>
+                      <a:schemeClr val="bg1"/>
+                    </a:solidFill>
+                  </a:tcPr>
+                </a:tc>
+                <a:tc>
+                  <a:txBody>
+                    <a:bodyPr/>
+                    <a:lstStyle/>
+                    <a:p>
+                      <a:pPr latinLnBrk="1"/>
+                      <a:r>
+                        <a:rPr lang="ko-KR" altLang="en-US" dirty="0"/>
+                        <a:t>수확 시간 감소</a:t>
+                      </a:r>
+                    </a:p>
+                  </a:txBody>
+                  <a:tcPr>
+                    <a:lnL w="12700" cap="flat" cmpd="sng" algn="ctr">
+                      <a:solidFill>
+                        <a:schemeClr val="tx1"/>
+                      </a:solidFill>
+                      <a:prstDash val="solid"/>
+                      <a:round/>
+                      <a:headEnd type="none" w="med" len="med"/>
+                      <a:tailEnd type="none" w="med" len="med"/>
+                    </a:lnL>
+                    <a:lnR w="12700" cap="flat" cmpd="sng" algn="ctr">
+                      <a:solidFill>
+                        <a:schemeClr val="tx1"/>
+                      </a:solidFill>
+                      <a:prstDash val="solid"/>
+                      <a:round/>
+                      <a:headEnd type="none" w="med" len="med"/>
+                      <a:tailEnd type="none" w="med" len="med"/>
+                    </a:lnR>
+                    <a:lnT w="12700" cap="flat" cmpd="sng" algn="ctr">
+                      <a:solidFill>
+                        <a:schemeClr val="tx1"/>
+                      </a:solidFill>
+                      <a:prstDash val="solid"/>
+                      <a:round/>
+                      <a:headEnd type="none" w="med" len="med"/>
+                      <a:tailEnd type="none" w="med" len="med"/>
+                    </a:lnT>
+                    <a:lnB w="12700" cap="flat" cmpd="sng" algn="ctr">
+                      <a:solidFill>
+                        <a:schemeClr val="tx1"/>
+                      </a:solidFill>
+                      <a:prstDash val="solid"/>
+                      <a:round/>
+                      <a:headEnd type="none" w="med" len="med"/>
+                      <a:tailEnd type="none" w="med" len="med"/>
+                    </a:lnB>
+                    <a:solidFill>
+                      <a:schemeClr val="bg1"/>
+                    </a:solidFill>
+                  </a:tcPr>
+                </a:tc>
+                <a:tc>
+                  <a:txBody>
+                    <a:bodyPr/>
+                    <a:lstStyle/>
+                    <a:p>
+                      <a:pPr latinLnBrk="1"/>
+                      <a:r>
+                        <a:rPr lang="ko-KR" altLang="en-US" dirty="0"/>
+                        <a:t>모든 농장 수확 시간 </a:t>
+                      </a:r>
+                      <a:r>
+                        <a:rPr lang="en-US" altLang="ko-KR" dirty="0"/>
+                        <a:t>– N%</a:t>
+                      </a:r>
+                      <a:endParaRPr lang="ko-KR" altLang="en-US" dirty="0"/>
+                    </a:p>
+                  </a:txBody>
+                  <a:tcPr>
+                    <a:lnL w="12700" cap="flat" cmpd="sng" algn="ctr">
+                      <a:solidFill>
+                        <a:schemeClr val="tx1"/>
+                      </a:solidFill>
+                      <a:prstDash val="solid"/>
+                      <a:round/>
+                      <a:headEnd type="none" w="med" len="med"/>
+                      <a:tailEnd type="none" w="med" len="med"/>
+                    </a:lnL>
+                    <a:lnR w="12700" cap="flat" cmpd="sng" algn="ctr">
+                      <a:solidFill>
+                        <a:schemeClr val="tx1"/>
+                      </a:solidFill>
+                      <a:prstDash val="solid"/>
+                      <a:round/>
+                      <a:headEnd type="none" w="med" len="med"/>
+                      <a:tailEnd type="none" w="med" len="med"/>
+                    </a:lnR>
+                    <a:lnT w="12700" cap="flat" cmpd="sng" algn="ctr">
+                      <a:solidFill>
+                        <a:schemeClr val="tx1"/>
+                      </a:solidFill>
+                      <a:prstDash val="solid"/>
+                      <a:round/>
+                      <a:headEnd type="none" w="med" len="med"/>
+                      <a:tailEnd type="none" w="med" len="med"/>
+                    </a:lnT>
+                    <a:lnB w="12700" cap="flat" cmpd="sng" algn="ctr">
+                      <a:solidFill>
+                        <a:schemeClr val="tx1"/>
+                      </a:solidFill>
+                      <a:prstDash val="solid"/>
+                      <a:round/>
+                      <a:headEnd type="none" w="med" len="med"/>
+                      <a:tailEnd type="none" w="med" len="med"/>
+                    </a:lnB>
+                    <a:solidFill>
+                      <a:schemeClr val="bg1"/>
+                    </a:solidFill>
+                  </a:tcPr>
+                </a:tc>
+                <a:extLst>
+                  <a:ext uri="{0D108BD9-81ED-4DB2-BD59-A6C34878D82A}">
+                    <a16:rowId xmlns:a16="http://schemas.microsoft.com/office/drawing/2014/main" val="1060711355"/>
+                  </a:ext>
+                </a:extLst>
+              </a:tr>
+            </a:tbl>
+          </a:graphicData>
+        </a:graphic>
+      </p:graphicFrame>
+      <p:sp>
+        <p:nvSpPr>
+          <p:cNvPr id="5" name="TextBox 4">
+            <a:extLst>
+              <a:ext uri="{FF2B5EF4-FFF2-40B4-BE49-F238E27FC236}">
+                <a16:creationId xmlns:a16="http://schemas.microsoft.com/office/drawing/2014/main" id="{82A02C94-B4A4-46B5-898A-626789269DF2}"/>
+              </a:ext>
+            </a:extLst>
+          </p:cNvPr>
+          <p:cNvSpPr txBox="1"/>
+          <p:nvPr/>
+        </p:nvSpPr>
+        <p:spPr>
+          <a:xfrm>
+            <a:off x="5645523" y="4590881"/>
+            <a:ext cx="6282017" cy="584775"/>
+          </a:xfrm>
+          <a:prstGeom prst="rect">
+            <a:avLst/>
+          </a:prstGeom>
+          <a:noFill/>
+        </p:spPr>
+        <p:txBody>
+          <a:bodyPr wrap="square" rtlCol="0">
+            <a:spAutoFit/>
+          </a:bodyPr>
+          <a:lstStyle/>
+          <a:p>
+            <a:r>
+              <a:rPr lang="en-US" altLang="ko-KR" sz="1600" i="1" dirty="0"/>
+              <a:t>*</a:t>
+            </a:r>
+            <a:r>
+              <a:rPr lang="ko-KR" altLang="en-US" sz="1600" i="1" dirty="0"/>
+              <a:t>각 </a:t>
+            </a:r>
+            <a:r>
+              <a:rPr lang="en-US" altLang="ko-KR" sz="1600" i="1" dirty="0"/>
+              <a:t>N</a:t>
+            </a:r>
+            <a:r>
+              <a:rPr lang="ko-KR" altLang="en-US" sz="1600" i="1" dirty="0"/>
+              <a:t>은 유형과 스킬 레벨에 따라</a:t>
+            </a:r>
+            <a:r>
+              <a:rPr lang="en-US" altLang="ko-KR" sz="1600" i="1" dirty="0"/>
+              <a:t> </a:t>
+            </a:r>
+            <a:r>
+              <a:rPr lang="ko-KR" altLang="en-US" sz="1600" i="1" dirty="0"/>
+              <a:t>계산 적용됨</a:t>
+            </a:r>
+            <a:endParaRPr lang="en-US" altLang="ko-KR" sz="1600" i="1" dirty="0"/>
+          </a:p>
+          <a:p>
+            <a:r>
+              <a:rPr lang="en-US" altLang="ko-KR" sz="1600" i="1" dirty="0"/>
+              <a:t>**</a:t>
+            </a:r>
+            <a:r>
+              <a:rPr lang="ko-KR" altLang="en-US" sz="1600" i="1" dirty="0"/>
+              <a:t>실제 스킬 데이터와 수치 공식 기획의 스킬 부분 참고</a:t>
+            </a:r>
+            <a:r>
+              <a:rPr lang="en-US" altLang="ko-KR" sz="1600" i="1" dirty="0"/>
+              <a:t>(</a:t>
+            </a:r>
+            <a:r>
+              <a:rPr lang="ko-KR" altLang="en-US" sz="1600" i="1" dirty="0"/>
+              <a:t>추가 예정</a:t>
+            </a:r>
+            <a:r>
+              <a:rPr lang="en-US" altLang="ko-KR" sz="1600" i="1" dirty="0"/>
+              <a:t>)</a:t>
+            </a:r>
+            <a:endParaRPr lang="ko-KR" altLang="en-US" sz="1600" i="1" dirty="0"/>
+          </a:p>
+        </p:txBody>
+      </p:sp>
+    </p:spTree>
+    <p:extLst>
+      <p:ext uri="{BB962C8B-B14F-4D97-AF65-F5344CB8AC3E}">
+        <p14:creationId xmlns:p14="http://schemas.microsoft.com/office/powerpoint/2010/main" val="1680467929"/>
+      </p:ext>
+    </p:extLst>
+  </p:cSld>
+  <p:clrMapOvr>
+    <a:masterClrMapping/>
+  </p:clrMapOvr>
+</p:sld>
+</file>
+
+<file path=ppt/slides/slide22.xml><?xml version="1.0" encoding="utf-8"?>
+<p:sld xmlns:a="http://schemas.openxmlformats.org/drawingml/2006/main" xmlns:r="http://schemas.openxmlformats.org/officeDocument/2006/relationships" xmlns:p="http://schemas.openxmlformats.org/presentationml/2006/main">
+  <p:cSld>
+    <p:spTree>
+      <p:nvGrpSpPr>
+        <p:cNvPr id="1" name=""/>
+        <p:cNvGrpSpPr/>
+        <p:nvPr/>
+      </p:nvGrpSpPr>
+      <p:grpSpPr>
+        <a:xfrm>
+          <a:off x="0" y="0"/>
+          <a:ext cx="0" cy="0"/>
+          <a:chOff x="0" y="0"/>
+          <a:chExt cx="0" cy="0"/>
+        </a:xfrm>
+      </p:grpSpPr>
+      <p:sp>
+        <p:nvSpPr>
+          <p:cNvPr id="2" name="제목 1">
+            <a:extLst>
+              <a:ext uri="{FF2B5EF4-FFF2-40B4-BE49-F238E27FC236}">
+                <a16:creationId xmlns:a16="http://schemas.microsoft.com/office/drawing/2014/main" id="{A65DD9F9-8EAF-4F2C-B12F-36C05D6E3EB0}"/>
+              </a:ext>
+            </a:extLst>
+          </p:cNvPr>
+          <p:cNvSpPr>
+            <a:spLocks noGrp="1"/>
+          </p:cNvSpPr>
+          <p:nvPr>
+            <p:ph type="ctrTitle"/>
+          </p:nvPr>
+        </p:nvSpPr>
+        <p:spPr>
+          <a:xfrm>
+            <a:off x="1280293" y="1218140"/>
+            <a:ext cx="9631413" cy="2712738"/>
+          </a:xfrm>
+        </p:spPr>
+        <p:txBody>
+          <a:bodyPr/>
+          <a:lstStyle/>
+          <a:p>
+            <a:r>
+              <a:rPr lang="en-US" altLang="ko-KR" dirty="0"/>
+              <a:t>5. </a:t>
+            </a:r>
+            <a:r>
+              <a:rPr lang="ko-KR" altLang="en-US" dirty="0"/>
+              <a:t>상점 시스템</a:t>
+            </a:r>
+          </a:p>
+        </p:txBody>
+      </p:sp>
+    </p:spTree>
+    <p:extLst>
+      <p:ext uri="{BB962C8B-B14F-4D97-AF65-F5344CB8AC3E}">
+        <p14:creationId xmlns:p14="http://schemas.microsoft.com/office/powerpoint/2010/main" val="48669744"/>
+      </p:ext>
+    </p:extLst>
+  </p:cSld>
+  <p:clrMapOvr>
+    <a:masterClrMapping/>
+  </p:clrMapOvr>
+</p:sld>
+</file>
+
+<file path=ppt/slides/slide23.xml><?xml version="1.0" encoding="utf-8"?>
+<p:sld xmlns:a="http://schemas.openxmlformats.org/drawingml/2006/main" xmlns:r="http://schemas.openxmlformats.org/officeDocument/2006/relationships" xmlns:p="http://schemas.openxmlformats.org/presentationml/2006/main">
+  <p:cSld>
+    <p:spTree>
+      <p:nvGrpSpPr>
+        <p:cNvPr id="1" name=""/>
+        <p:cNvGrpSpPr/>
+        <p:nvPr/>
+      </p:nvGrpSpPr>
+      <p:grpSpPr>
+        <a:xfrm>
+          <a:off x="0" y="0"/>
+          <a:ext cx="0" cy="0"/>
+          <a:chOff x="0" y="0"/>
+          <a:chExt cx="0" cy="0"/>
+        </a:xfrm>
+      </p:grpSpPr>
       <p:grpSp>
         <p:nvGrpSpPr>
           <p:cNvPr id="38" name="그룹 37">
@@ -19308,7 +21460,7 @@
 </p:sld>
 </file>
 
-<file path=ppt/slides/slide21.xml><?xml version="1.0" encoding="utf-8"?>
+<file path=ppt/slides/slide24.xml><?xml version="1.0" encoding="utf-8"?>
 <p:sld xmlns:a="http://schemas.openxmlformats.org/drawingml/2006/main" xmlns:r="http://schemas.openxmlformats.org/officeDocument/2006/relationships" xmlns:p="http://schemas.openxmlformats.org/presentationml/2006/main">
   <p:cSld>
     <p:spTree>
@@ -20896,7 +23048,7 @@
 </p:sld>
 </file>
 
-<file path=ppt/slides/slide22.xml><?xml version="1.0" encoding="utf-8"?>
+<file path=ppt/slides/slide25.xml><?xml version="1.0" encoding="utf-8"?>
 <p:sld xmlns:a="http://schemas.openxmlformats.org/drawingml/2006/main" xmlns:r="http://schemas.openxmlformats.org/officeDocument/2006/relationships" xmlns:p="http://schemas.openxmlformats.org/presentationml/2006/main">
   <p:cSld>
     <p:spTree>
@@ -22635,7 +24787,7 @@
 </p:sld>
 </file>
 
-<file path=ppt/slides/slide23.xml><?xml version="1.0" encoding="utf-8"?>
+<file path=ppt/slides/slide26.xml><?xml version="1.0" encoding="utf-8"?>
 <p:sld xmlns:a="http://schemas.openxmlformats.org/drawingml/2006/main" xmlns:r="http://schemas.openxmlformats.org/officeDocument/2006/relationships" xmlns:p="http://schemas.openxmlformats.org/presentationml/2006/main">
   <p:cSld>
     <p:spTree>
@@ -22702,7 +24854,7 @@
 </p:sld>
 </file>
 
-<file path=ppt/slides/slide24.xml><?xml version="1.0" encoding="utf-8"?>
+<file path=ppt/slides/slide27.xml><?xml version="1.0" encoding="utf-8"?>
 <p:sld xmlns:a="http://schemas.openxmlformats.org/drawingml/2006/main" xmlns:r="http://schemas.openxmlformats.org/officeDocument/2006/relationships" xmlns:p="http://schemas.openxmlformats.org/presentationml/2006/main">
   <p:cSld>
     <p:spTree>
@@ -23549,7 +25701,7 @@
         <p:spPr>
           <a:xfrm>
             <a:off x="1092199" y="1194774"/>
-            <a:ext cx="9691915" cy="2554545"/>
+            <a:ext cx="9691915" cy="2862322"/>
           </a:xfrm>
           <a:prstGeom prst="rect">
             <a:avLst/>
@@ -23606,12 +25758,24 @@
             <a:endParaRPr lang="en-US" altLang="ko-KR" sz="2000" dirty="0"/>
           </a:p>
           <a:p>
+            <a:pPr marL="800100" lvl="1" indent="-342900">
+              <a:buAutoNum type="arabicPeriod"/>
+            </a:pPr>
+            <a:r>
+              <a:rPr lang="ko-KR" altLang="en-US" sz="2000" dirty="0">
+                <a:hlinkClick r:id="rId5" action="ppaction://hlinksldjump"/>
+              </a:rPr>
+              <a:t>농장 정보 창</a:t>
+            </a:r>
+            <a:endParaRPr lang="en-US" altLang="ko-KR" sz="2000" dirty="0"/>
+          </a:p>
+          <a:p>
             <a:pPr marL="342900" indent="-342900">
               <a:buAutoNum type="arabicPeriod"/>
             </a:pPr>
             <a:r>
               <a:rPr lang="ko-KR" altLang="en-US" sz="2000" dirty="0">
-                <a:hlinkClick r:id="rId5" action="ppaction://hlinksldjump"/>
+                <a:hlinkClick r:id="rId6" action="ppaction://hlinksldjump"/>
               </a:rPr>
               <a:t>클릭 시스템</a:t>
             </a:r>
@@ -23623,7 +25787,7 @@
             </a:pPr>
             <a:r>
               <a:rPr lang="ko-KR" altLang="en-US" sz="2000" dirty="0">
-                <a:hlinkClick r:id="rId6" action="ppaction://hlinksldjump"/>
+                <a:hlinkClick r:id="rId7" action="ppaction://hlinksldjump"/>
               </a:rPr>
               <a:t>액티브 스킬 시스템</a:t>
             </a:r>
@@ -23635,7 +25799,7 @@
             </a:pPr>
             <a:r>
               <a:rPr lang="ko-KR" altLang="en-US" sz="2000" dirty="0">
-                <a:hlinkClick r:id="rId7" action="ppaction://hlinksldjump"/>
+                <a:hlinkClick r:id="rId8" action="ppaction://hlinksldjump"/>
               </a:rPr>
               <a:t>스킬 효과</a:t>
             </a:r>
@@ -23647,7 +25811,7 @@
             </a:pPr>
             <a:r>
               <a:rPr lang="ko-KR" altLang="en-US" sz="2000" dirty="0">
-                <a:hlinkClick r:id="rId8" action="ppaction://hlinksldjump"/>
+                <a:hlinkClick r:id="rId9" action="ppaction://hlinksldjump"/>
               </a:rPr>
               <a:t>상점 시스템</a:t>
             </a:r>
@@ -23659,7 +25823,7 @@
             </a:pPr>
             <a:r>
               <a:rPr lang="ko-KR" altLang="en-US" sz="2000" dirty="0">
-                <a:hlinkClick r:id="rId9" action="ppaction://hlinksldjump"/>
+                <a:hlinkClick r:id="rId10" action="ppaction://hlinksldjump"/>
               </a:rPr>
               <a:t>숫자 표기 시스템</a:t>
             </a:r>
@@ -26955,6 +29119,12 @@
 </file>
 
 <file path=customXml/item1.xml><?xml version="1.0" encoding="utf-8"?>
+<p:properties xmlns:p="http://schemas.microsoft.com/office/2006/metadata/properties" xmlns:xsi="http://www.w3.org/2001/XMLSchema-instance" xmlns:pc="http://schemas.microsoft.com/office/infopath/2007/PartnerControls">
+  <documentManagement/>
+</p:properties>
+</file>
+
+<file path=customXml/item2.xml><?xml version="1.0" encoding="utf-8"?>
 <ct:contentTypeSchema xmlns:ct="http://schemas.microsoft.com/office/2006/metadata/contentType" xmlns:ma="http://schemas.microsoft.com/office/2006/metadata/properties/metaAttributes" ct:_="" ma:_="" ma:contentTypeName="문서" ma:contentTypeID="0x0101001DBB2B28955C594DB24AF1F5BB7336C8" ma:contentTypeVersion="2" ma:contentTypeDescription="새 문서를 만듭니다." ma:contentTypeScope="" ma:versionID="f2fa06709d317143d893a6f8ce6ede6a">
   <xsd:schema xmlns:xsd="http://www.w3.org/2001/XMLSchema" xmlns:xs="http://www.w3.org/2001/XMLSchema" xmlns:p="http://schemas.microsoft.com/office/2006/metadata/properties" xmlns:ns3="5555129b-2418-4d50-9dfa-7b95714945fa" targetNamespace="http://schemas.microsoft.com/office/2006/metadata/properties" ma:root="true" ma:fieldsID="e8dc87fcc42539e288ba896fdb612da0" ns3:_="">
     <xsd:import namespace="5555129b-2418-4d50-9dfa-7b95714945fa"/>
@@ -27086,12 +29256,6 @@
 </ct:contentTypeSchema>
 </file>
 
-<file path=customXml/item2.xml><?xml version="1.0" encoding="utf-8"?>
-<p:properties xmlns:p="http://schemas.microsoft.com/office/2006/metadata/properties" xmlns:xsi="http://www.w3.org/2001/XMLSchema-instance" xmlns:pc="http://schemas.microsoft.com/office/infopath/2007/PartnerControls">
-  <documentManagement/>
-</p:properties>
-</file>
-
 <file path=customXml/item3.xml><?xml version="1.0" encoding="utf-8"?>
 <?mso-contentType ?>
 <FormTemplates xmlns="http://schemas.microsoft.com/sharepoint/v3/contenttype/forms">
@@ -27102,6 +29266,15 @@
 </file>
 
 <file path=customXml/itemProps1.xml><?xml version="1.0" encoding="utf-8"?>
+<ds:datastoreItem xmlns:ds="http://schemas.openxmlformats.org/officeDocument/2006/customXml" ds:itemID="{A23103BA-1CDF-42E2-84EF-97766276A752}">
+  <ds:schemaRefs>
+    <ds:schemaRef ds:uri="http://schemas.microsoft.com/office/2006/metadata/properties"/>
+    <ds:schemaRef ds:uri="http://schemas.microsoft.com/office/infopath/2007/PartnerControls"/>
+  </ds:schemaRefs>
+</ds:datastoreItem>
+</file>
+
+<file path=customXml/itemProps2.xml><?xml version="1.0" encoding="utf-8"?>
 <ds:datastoreItem xmlns:ds="http://schemas.openxmlformats.org/officeDocument/2006/customXml" ds:itemID="{A1191A0A-B4A1-4213-A2EE-9C9D701194F6}">
   <ds:schemaRefs>
     <ds:schemaRef ds:uri="http://schemas.microsoft.com/office/2006/metadata/contentType"/>
@@ -27119,15 +29292,6 @@
 </ds:datastoreItem>
 </file>
 
-<file path=customXml/itemProps2.xml><?xml version="1.0" encoding="utf-8"?>
-<ds:datastoreItem xmlns:ds="http://schemas.openxmlformats.org/officeDocument/2006/customXml" ds:itemID="{A23103BA-1CDF-42E2-84EF-97766276A752}">
-  <ds:schemaRefs>
-    <ds:schemaRef ds:uri="http://schemas.microsoft.com/office/2006/metadata/properties"/>
-    <ds:schemaRef ds:uri="http://schemas.microsoft.com/office/infopath/2007/PartnerControls"/>
-  </ds:schemaRefs>
-</ds:datastoreItem>
-</file>
-
 <file path=customXml/itemProps3.xml><?xml version="1.0" encoding="utf-8"?>
 <ds:datastoreItem xmlns:ds="http://schemas.openxmlformats.org/officeDocument/2006/customXml" ds:itemID="{4C7A472F-9902-4104-BCF0-D4754C77190F}">
   <ds:schemaRefs>

--- a/기획서/당근키우기 시스템.pptx
+++ b/기획서/당근키우기 시스템.pptx
@@ -13721,6 +13721,123 @@
           </p:txBody>
         </p:sp>
       </p:grpSp>
+      <p:grpSp>
+        <p:nvGrpSpPr>
+          <p:cNvPr id="20" name="그룹 19">
+            <a:extLst>
+              <a:ext uri="{FF2B5EF4-FFF2-40B4-BE49-F238E27FC236}">
+                <a16:creationId xmlns:a16="http://schemas.microsoft.com/office/drawing/2014/main" id="{57A40A3C-7E07-4BAF-B941-838FCEFB3F3B}"/>
+              </a:ext>
+            </a:extLst>
+          </p:cNvPr>
+          <p:cNvGrpSpPr/>
+          <p:nvPr/>
+        </p:nvGrpSpPr>
+        <p:grpSpPr>
+          <a:xfrm>
+            <a:off x="7732059" y="437265"/>
+            <a:ext cx="1253705" cy="437505"/>
+            <a:chOff x="5383928" y="2247900"/>
+            <a:chExt cx="2078938" cy="437505"/>
+          </a:xfrm>
+        </p:grpSpPr>
+        <p:sp>
+          <p:nvSpPr>
+            <p:cNvPr id="21" name="화살표: 오각형 20">
+              <a:extLst>
+                <a:ext uri="{FF2B5EF4-FFF2-40B4-BE49-F238E27FC236}">
+                  <a16:creationId xmlns:a16="http://schemas.microsoft.com/office/drawing/2014/main" id="{F37716C9-D357-448C-A18F-B6C8D8542588}"/>
+                </a:ext>
+              </a:extLst>
+            </p:cNvPr>
+            <p:cNvSpPr/>
+            <p:nvPr/>
+          </p:nvSpPr>
+          <p:spPr>
+            <a:xfrm>
+              <a:off x="5383928" y="2247900"/>
+              <a:ext cx="2078938" cy="437505"/>
+            </a:xfrm>
+            <a:prstGeom prst="homePlate">
+              <a:avLst>
+                <a:gd name="adj" fmla="val 30404"/>
+              </a:avLst>
+            </a:prstGeom>
+            <a:solidFill>
+              <a:schemeClr val="bg1"/>
+            </a:solidFill>
+            <a:ln w="28575">
+              <a:solidFill>
+                <a:schemeClr val="tx1"/>
+              </a:solidFill>
+            </a:ln>
+          </p:spPr>
+          <p:style>
+            <a:lnRef idx="2">
+              <a:schemeClr val="accent1">
+                <a:shade val="50000"/>
+              </a:schemeClr>
+            </a:lnRef>
+            <a:fillRef idx="1">
+              <a:schemeClr val="accent1"/>
+            </a:fillRef>
+            <a:effectRef idx="0">
+              <a:schemeClr val="accent1"/>
+            </a:effectRef>
+            <a:fontRef idx="minor">
+              <a:schemeClr val="lt1"/>
+            </a:fontRef>
+          </p:style>
+          <p:txBody>
+            <a:bodyPr rtlCol="0" anchor="ctr"/>
+            <a:lstStyle/>
+            <a:p>
+              <a:pPr algn="ctr"/>
+              <a:endParaRPr lang="ko-KR" altLang="en-US" dirty="0">
+                <a:solidFill>
+                  <a:schemeClr val="tx1"/>
+                </a:solidFill>
+              </a:endParaRPr>
+            </a:p>
+          </p:txBody>
+        </p:sp>
+        <p:sp>
+          <p:nvSpPr>
+            <p:cNvPr id="22" name="TextBox 21">
+              <a:extLst>
+                <a:ext uri="{FF2B5EF4-FFF2-40B4-BE49-F238E27FC236}">
+                  <a16:creationId xmlns:a16="http://schemas.microsoft.com/office/drawing/2014/main" id="{F617230F-36A5-4EAF-8C28-FBFA4C713BF1}"/>
+                </a:ext>
+              </a:extLst>
+            </p:cNvPr>
+            <p:cNvSpPr txBox="1"/>
+            <p:nvPr/>
+          </p:nvSpPr>
+          <p:spPr>
+            <a:xfrm>
+              <a:off x="5393131" y="2281986"/>
+              <a:ext cx="1590110" cy="369332"/>
+            </a:xfrm>
+            <a:prstGeom prst="rect">
+              <a:avLst/>
+            </a:prstGeom>
+            <a:noFill/>
+          </p:spPr>
+          <p:txBody>
+            <a:bodyPr wrap="none" rtlCol="0">
+              <a:spAutoFit/>
+            </a:bodyPr>
+            <a:lstStyle/>
+            <a:p>
+              <a:r>
+                <a:rPr lang="ko-KR" altLang="en-US" dirty="0"/>
+                <a:t>창 구성</a:t>
+              </a:r>
+              <a:endParaRPr lang="en-US" altLang="ko-KR" dirty="0"/>
+            </a:p>
+          </p:txBody>
+        </p:sp>
+      </p:grpSp>
     </p:spTree>
     <p:extLst>
       <p:ext uri="{BB962C8B-B14F-4D97-AF65-F5344CB8AC3E}">
@@ -13765,7 +13882,7 @@
         </p:nvGrpSpPr>
         <p:grpSpPr>
           <a:xfrm>
-            <a:off x="672353" y="2316802"/>
+            <a:off x="672353" y="1409321"/>
             <a:ext cx="5674659" cy="2224395"/>
             <a:chOff x="7280649" y="4038167"/>
             <a:chExt cx="4217057" cy="2389089"/>
@@ -13946,36 +14063,12 @@
                 <a:buChar char="-"/>
               </a:pPr>
               <a:r>
-                <a:rPr lang="en-US" altLang="ko-KR" dirty="0">
-                  <a:solidFill>
-                    <a:schemeClr val="tx1"/>
-                  </a:solidFill>
-                </a:rPr>
-                <a:t>’</a:t>
-              </a:r>
-              <a:r>
                 <a:rPr lang="ko-KR" altLang="en-US" dirty="0">
                   <a:solidFill>
                     <a:schemeClr val="tx1"/>
                   </a:solidFill>
                 </a:rPr>
-                <a:t>농장 정보</a:t>
-              </a:r>
-              <a:r>
-                <a:rPr lang="en-US" altLang="ko-KR" dirty="0">
-                  <a:solidFill>
-                    <a:schemeClr val="tx1"/>
-                  </a:solidFill>
-                </a:rPr>
-                <a:t>’</a:t>
-              </a:r>
-              <a:r>
-                <a:rPr lang="ko-KR" altLang="en-US" dirty="0">
-                  <a:solidFill>
-                    <a:schemeClr val="tx1"/>
-                  </a:solidFill>
-                </a:rPr>
-                <a:t> 창은 화면 중앙에서</a:t>
+                <a:t>팝업은 화면 중앙에서</a:t>
               </a:r>
               <a:br>
                 <a:rPr lang="en-US" altLang="ko-KR" dirty="0">
@@ -14008,35 +14101,6 @@
                 </a:rPr>
                 <a:t>axis</a:t>
               </a:r>
-              <a:r>
-                <a:rPr lang="ko-KR" altLang="en-US" dirty="0">
-                  <a:solidFill>
-                    <a:schemeClr val="tx1"/>
-                  </a:solidFill>
-                </a:rPr>
-                <a:t> </a:t>
-              </a:r>
-              <a:r>
-                <a:rPr lang="en-US" altLang="ko-KR" dirty="0">
-                  <a:solidFill>
-                    <a:schemeClr val="tx1"/>
-                  </a:solidFill>
-                </a:rPr>
-                <a:t>size </a:t>
-              </a:r>
-              <a:r>
-                <a:rPr lang="ko-KR" altLang="en-US" dirty="0">
-                  <a:solidFill>
-                    <a:schemeClr val="tx1"/>
-                  </a:solidFill>
-                </a:rPr>
-                <a:t>로 팝업</a:t>
-              </a:r>
-              <a:endParaRPr lang="en-US" altLang="ko-KR" dirty="0">
-                <a:solidFill>
-                  <a:schemeClr val="tx1"/>
-                </a:solidFill>
-              </a:endParaRPr>
             </a:p>
             <a:p>
               <a:pPr marL="742950" lvl="1" indent="-285750">
@@ -14143,12 +14207,20 @@
             <a:lstStyle/>
             <a:p>
               <a:r>
+                <a:rPr lang="ko-KR" altLang="en-US" dirty="0">
+                  <a:solidFill>
+                    <a:schemeClr val="bg1"/>
+                  </a:solidFill>
+                </a:rPr>
+                <a:t>정보 창</a:t>
+              </a:r>
+              <a:r>
                 <a:rPr lang="en-US" altLang="ko-KR" dirty="0">
                   <a:solidFill>
                     <a:schemeClr val="bg1"/>
                   </a:solidFill>
                 </a:rPr>
-                <a:t>UI </a:t>
+                <a:t> </a:t>
               </a:r>
               <a:r>
                 <a:rPr lang="ko-KR" altLang="en-US" dirty="0">
@@ -14297,20 +14369,473 @@
               </a:ext>
             </a:extLst>
           </a:blip>
-          <a:stretch>
-            <a:fillRect/>
-          </a:stretch>
+          <a:srcRect/>
+          <a:stretch/>
         </p:blipFill>
         <p:spPr>
           <a:xfrm>
-            <a:off x="7903673" y="253908"/>
-            <a:ext cx="3988856" cy="6350184"/>
+            <a:off x="7908377" y="253908"/>
+            <a:ext cx="3979448" cy="6350184"/>
           </a:xfrm>
           <a:prstGeom prst="rect">
             <a:avLst/>
           </a:prstGeom>
         </p:spPr>
       </p:pic>
+      <p:grpSp>
+        <p:nvGrpSpPr>
+          <p:cNvPr id="10" name="그룹 9">
+            <a:extLst>
+              <a:ext uri="{FF2B5EF4-FFF2-40B4-BE49-F238E27FC236}">
+                <a16:creationId xmlns:a16="http://schemas.microsoft.com/office/drawing/2014/main" id="{105C0470-DCEE-41D6-9DE8-5AE3E9197C85}"/>
+              </a:ext>
+            </a:extLst>
+          </p:cNvPr>
+          <p:cNvGrpSpPr/>
+          <p:nvPr/>
+        </p:nvGrpSpPr>
+        <p:grpSpPr>
+          <a:xfrm>
+            <a:off x="7905749" y="253908"/>
+            <a:ext cx="1253705" cy="437505"/>
+            <a:chOff x="5383928" y="2247900"/>
+            <a:chExt cx="2078938" cy="437505"/>
+          </a:xfrm>
+        </p:grpSpPr>
+        <p:sp>
+          <p:nvSpPr>
+            <p:cNvPr id="11" name="화살표: 오각형 10">
+              <a:extLst>
+                <a:ext uri="{FF2B5EF4-FFF2-40B4-BE49-F238E27FC236}">
+                  <a16:creationId xmlns:a16="http://schemas.microsoft.com/office/drawing/2014/main" id="{5A094BA2-088E-43C6-932F-5F2E2275F241}"/>
+                </a:ext>
+              </a:extLst>
+            </p:cNvPr>
+            <p:cNvSpPr/>
+            <p:nvPr/>
+          </p:nvSpPr>
+          <p:spPr>
+            <a:xfrm>
+              <a:off x="5383928" y="2247900"/>
+              <a:ext cx="2078938" cy="437505"/>
+            </a:xfrm>
+            <a:prstGeom prst="homePlate">
+              <a:avLst>
+                <a:gd name="adj" fmla="val 30404"/>
+              </a:avLst>
+            </a:prstGeom>
+            <a:solidFill>
+              <a:schemeClr val="bg1"/>
+            </a:solidFill>
+            <a:ln w="28575">
+              <a:solidFill>
+                <a:schemeClr val="tx1"/>
+              </a:solidFill>
+            </a:ln>
+          </p:spPr>
+          <p:style>
+            <a:lnRef idx="2">
+              <a:schemeClr val="accent1">
+                <a:shade val="50000"/>
+              </a:schemeClr>
+            </a:lnRef>
+            <a:fillRef idx="1">
+              <a:schemeClr val="accent1"/>
+            </a:fillRef>
+            <a:effectRef idx="0">
+              <a:schemeClr val="accent1"/>
+            </a:effectRef>
+            <a:fontRef idx="minor">
+              <a:schemeClr val="lt1"/>
+            </a:fontRef>
+          </p:style>
+          <p:txBody>
+            <a:bodyPr rtlCol="0" anchor="ctr"/>
+            <a:lstStyle/>
+            <a:p>
+              <a:pPr algn="ctr"/>
+              <a:endParaRPr lang="ko-KR" altLang="en-US" dirty="0">
+                <a:solidFill>
+                  <a:schemeClr val="tx1"/>
+                </a:solidFill>
+              </a:endParaRPr>
+            </a:p>
+          </p:txBody>
+        </p:sp>
+        <p:sp>
+          <p:nvSpPr>
+            <p:cNvPr id="12" name="TextBox 11">
+              <a:extLst>
+                <a:ext uri="{FF2B5EF4-FFF2-40B4-BE49-F238E27FC236}">
+                  <a16:creationId xmlns:a16="http://schemas.microsoft.com/office/drawing/2014/main" id="{E724E1A0-6344-4A7F-86A1-65783EDD86BA}"/>
+                </a:ext>
+              </a:extLst>
+            </p:cNvPr>
+            <p:cNvSpPr txBox="1"/>
+            <p:nvPr/>
+          </p:nvSpPr>
+          <p:spPr>
+            <a:xfrm>
+              <a:off x="5393131" y="2281986"/>
+              <a:ext cx="935281" cy="369332"/>
+            </a:xfrm>
+            <a:prstGeom prst="rect">
+              <a:avLst/>
+            </a:prstGeom>
+            <a:noFill/>
+          </p:spPr>
+          <p:txBody>
+            <a:bodyPr wrap="none" rtlCol="0">
+              <a:spAutoFit/>
+            </a:bodyPr>
+            <a:lstStyle/>
+            <a:p>
+              <a:r>
+                <a:rPr lang="en-US" altLang="ko-KR" dirty="0"/>
+                <a:t>GIF </a:t>
+              </a:r>
+              <a:r>
+                <a:rPr lang="ko-KR" altLang="en-US" dirty="0"/>
+                <a:t>자료</a:t>
+              </a:r>
+              <a:endParaRPr lang="en-US" altLang="ko-KR" dirty="0"/>
+            </a:p>
+          </p:txBody>
+        </p:sp>
+      </p:grpSp>
+      <p:grpSp>
+        <p:nvGrpSpPr>
+          <p:cNvPr id="16" name="그룹 15">
+            <a:extLst>
+              <a:ext uri="{FF2B5EF4-FFF2-40B4-BE49-F238E27FC236}">
+                <a16:creationId xmlns:a16="http://schemas.microsoft.com/office/drawing/2014/main" id="{87A12DDA-68CB-497A-8041-A9802B15A9DF}"/>
+              </a:ext>
+            </a:extLst>
+          </p:cNvPr>
+          <p:cNvGrpSpPr/>
+          <p:nvPr/>
+        </p:nvGrpSpPr>
+        <p:grpSpPr>
+          <a:xfrm>
+            <a:off x="672353" y="3977587"/>
+            <a:ext cx="5674659" cy="2224395"/>
+            <a:chOff x="7280649" y="4038167"/>
+            <a:chExt cx="4217057" cy="2389089"/>
+          </a:xfrm>
+        </p:grpSpPr>
+        <p:sp>
+          <p:nvSpPr>
+            <p:cNvPr id="17" name="직사각형 16">
+              <a:extLst>
+                <a:ext uri="{FF2B5EF4-FFF2-40B4-BE49-F238E27FC236}">
+                  <a16:creationId xmlns:a16="http://schemas.microsoft.com/office/drawing/2014/main" id="{20AC3099-4AD5-490D-920D-7A9653FCD15F}"/>
+                </a:ext>
+              </a:extLst>
+            </p:cNvPr>
+            <p:cNvSpPr/>
+            <p:nvPr/>
+          </p:nvSpPr>
+          <p:spPr>
+            <a:xfrm>
+              <a:off x="7280649" y="4038168"/>
+              <a:ext cx="4217057" cy="2389088"/>
+            </a:xfrm>
+            <a:prstGeom prst="rect">
+              <a:avLst/>
+            </a:prstGeom>
+            <a:solidFill>
+              <a:schemeClr val="tx1"/>
+            </a:solidFill>
+            <a:ln>
+              <a:solidFill>
+                <a:schemeClr val="tx1"/>
+              </a:solidFill>
+            </a:ln>
+          </p:spPr>
+          <p:style>
+            <a:lnRef idx="2">
+              <a:schemeClr val="accent1">
+                <a:shade val="50000"/>
+              </a:schemeClr>
+            </a:lnRef>
+            <a:fillRef idx="1">
+              <a:schemeClr val="accent1"/>
+            </a:fillRef>
+            <a:effectRef idx="0">
+              <a:schemeClr val="accent1"/>
+            </a:effectRef>
+            <a:fontRef idx="minor">
+              <a:schemeClr val="lt1"/>
+            </a:fontRef>
+          </p:style>
+          <p:txBody>
+            <a:bodyPr rtlCol="0" anchor="ctr"/>
+            <a:lstStyle/>
+            <a:p>
+              <a:pPr algn="ctr"/>
+              <a:endParaRPr lang="ko-KR" altLang="en-US"/>
+            </a:p>
+          </p:txBody>
+        </p:sp>
+        <p:sp>
+          <p:nvSpPr>
+            <p:cNvPr id="18" name="직사각형 17">
+              <a:extLst>
+                <a:ext uri="{FF2B5EF4-FFF2-40B4-BE49-F238E27FC236}">
+                  <a16:creationId xmlns:a16="http://schemas.microsoft.com/office/drawing/2014/main" id="{75836BB0-F145-41B0-A4CA-27B7B3CE5D33}"/>
+                </a:ext>
+              </a:extLst>
+            </p:cNvPr>
+            <p:cNvSpPr/>
+            <p:nvPr/>
+          </p:nvSpPr>
+          <p:spPr>
+            <a:xfrm>
+              <a:off x="7280649" y="4407499"/>
+              <a:ext cx="4217057" cy="2019757"/>
+            </a:xfrm>
+            <a:prstGeom prst="rect">
+              <a:avLst/>
+            </a:prstGeom>
+            <a:solidFill>
+              <a:schemeClr val="bg1"/>
+            </a:solidFill>
+            <a:ln>
+              <a:solidFill>
+                <a:schemeClr val="tx1"/>
+              </a:solidFill>
+            </a:ln>
+          </p:spPr>
+          <p:style>
+            <a:lnRef idx="2">
+              <a:schemeClr val="accent1">
+                <a:shade val="50000"/>
+              </a:schemeClr>
+            </a:lnRef>
+            <a:fillRef idx="1">
+              <a:schemeClr val="accent1"/>
+            </a:fillRef>
+            <a:effectRef idx="0">
+              <a:schemeClr val="accent1"/>
+            </a:effectRef>
+            <a:fontRef idx="minor">
+              <a:schemeClr val="lt1"/>
+            </a:fontRef>
+          </p:style>
+          <p:txBody>
+            <a:bodyPr rtlCol="0" anchor="ctr"/>
+            <a:lstStyle/>
+            <a:p>
+              <a:pPr marL="285750" indent="-285750">
+                <a:buFont typeface="Arial" panose="020B0604020202020204" pitchFamily="34" charset="0"/>
+                <a:buChar char="•"/>
+              </a:pPr>
+              <a:r>
+                <a:rPr lang="ko-KR" altLang="en-US" dirty="0" err="1">
+                  <a:solidFill>
+                    <a:schemeClr val="tx1"/>
+                  </a:solidFill>
+                </a:rPr>
+                <a:t>정보창</a:t>
+              </a:r>
+              <a:r>
+                <a:rPr lang="ko-KR" altLang="en-US" dirty="0">
+                  <a:solidFill>
+                    <a:schemeClr val="tx1"/>
+                  </a:solidFill>
+                </a:rPr>
+                <a:t> 이외의 화면 </a:t>
+              </a:r>
+              <a:r>
+                <a:rPr lang="ko-KR" altLang="en-US" dirty="0" err="1">
+                  <a:solidFill>
+                    <a:schemeClr val="tx1"/>
+                  </a:solidFill>
+                </a:rPr>
+                <a:t>터치시</a:t>
+              </a:r>
+              <a:r>
+                <a:rPr lang="ko-KR" altLang="en-US" dirty="0">
+                  <a:solidFill>
+                    <a:schemeClr val="tx1"/>
+                  </a:solidFill>
+                </a:rPr>
+                <a:t> 창 종료</a:t>
+              </a:r>
+              <a:r>
+                <a:rPr lang="en-US" altLang="ko-KR" dirty="0">
+                  <a:solidFill>
+                    <a:schemeClr val="tx1"/>
+                  </a:solidFill>
+                </a:rPr>
+                <a:t>.</a:t>
+              </a:r>
+              <a:br>
+                <a:rPr lang="en-US" altLang="ko-KR" dirty="0">
+                  <a:solidFill>
+                    <a:schemeClr val="tx1"/>
+                  </a:solidFill>
+                </a:rPr>
+              </a:br>
+              <a:r>
+                <a:rPr lang="en-US" altLang="ko-KR" dirty="0">
+                  <a:solidFill>
+                    <a:schemeClr val="tx1"/>
+                  </a:solidFill>
+                </a:rPr>
+                <a:t>*</a:t>
+              </a:r>
+              <a:r>
+                <a:rPr lang="ko-KR" altLang="en-US" dirty="0">
+                  <a:solidFill>
+                    <a:schemeClr val="tx1"/>
+                  </a:solidFill>
+                </a:rPr>
+                <a:t>다른 상호작용 </a:t>
+              </a:r>
+              <a:r>
+                <a:rPr lang="ko-KR" altLang="en-US" dirty="0" err="1">
+                  <a:solidFill>
+                    <a:schemeClr val="tx1"/>
+                  </a:solidFill>
+                </a:rPr>
+                <a:t>입력시</a:t>
+              </a:r>
+              <a:r>
+                <a:rPr lang="en-US" altLang="ko-KR" dirty="0">
+                  <a:solidFill>
+                    <a:schemeClr val="tx1"/>
+                  </a:solidFill>
+                </a:rPr>
+                <a:t> </a:t>
+              </a:r>
+              <a:r>
+                <a:rPr lang="ko-KR" altLang="en-US" dirty="0">
+                  <a:solidFill>
+                    <a:schemeClr val="tx1"/>
+                  </a:solidFill>
+                </a:rPr>
+                <a:t>해당 입력이 진행되며</a:t>
+              </a:r>
+              <a:br>
+                <a:rPr lang="en-US" altLang="ko-KR" dirty="0">
+                  <a:solidFill>
+                    <a:schemeClr val="tx1"/>
+                  </a:solidFill>
+                </a:rPr>
+              </a:br>
+              <a:r>
+                <a:rPr lang="ko-KR" altLang="en-US" dirty="0">
+                  <a:solidFill>
+                    <a:schemeClr val="tx1"/>
+                  </a:solidFill>
+                </a:rPr>
+                <a:t>동시에 창 종료</a:t>
+              </a:r>
+              <a:endParaRPr lang="en-US" altLang="ko-KR" dirty="0">
+                <a:solidFill>
+                  <a:schemeClr val="tx1"/>
+                </a:solidFill>
+              </a:endParaRPr>
+            </a:p>
+            <a:p>
+              <a:pPr marL="285750" indent="-285750">
+                <a:buFont typeface="Arial" panose="020B0604020202020204" pitchFamily="34" charset="0"/>
+                <a:buChar char="•"/>
+              </a:pPr>
+              <a:endParaRPr lang="en-US" altLang="ko-KR" dirty="0">
+                <a:solidFill>
+                  <a:schemeClr val="tx1"/>
+                </a:solidFill>
+              </a:endParaRPr>
+            </a:p>
+            <a:p>
+              <a:pPr marL="285750" indent="-285750">
+                <a:buFont typeface="Arial" panose="020B0604020202020204" pitchFamily="34" charset="0"/>
+                <a:buChar char="•"/>
+              </a:pPr>
+              <a:r>
+                <a:rPr lang="ko-KR" altLang="en-US" dirty="0">
+                  <a:solidFill>
+                    <a:schemeClr val="tx1"/>
+                  </a:solidFill>
+                </a:rPr>
+                <a:t>종료 과정은 팝업의 역순</a:t>
+              </a:r>
+              <a:br>
+                <a:rPr lang="en-US" altLang="ko-KR" dirty="0">
+                  <a:solidFill>
+                    <a:schemeClr val="tx1"/>
+                  </a:solidFill>
+                </a:rPr>
+              </a:br>
+              <a:r>
+                <a:rPr lang="en-US" altLang="ko-KR" dirty="0">
+                  <a:solidFill>
+                    <a:schemeClr val="tx1"/>
+                  </a:solidFill>
+                </a:rPr>
+                <a:t>1 to 0 (scale) at y axis</a:t>
+              </a:r>
+            </a:p>
+          </p:txBody>
+        </p:sp>
+        <p:sp>
+          <p:nvSpPr>
+            <p:cNvPr id="19" name="TextBox 18">
+              <a:extLst>
+                <a:ext uri="{FF2B5EF4-FFF2-40B4-BE49-F238E27FC236}">
+                  <a16:creationId xmlns:a16="http://schemas.microsoft.com/office/drawing/2014/main" id="{A10DEBBE-37FB-4897-B460-27721C643CD1}"/>
+                </a:ext>
+              </a:extLst>
+            </p:cNvPr>
+            <p:cNvSpPr txBox="1"/>
+            <p:nvPr/>
+          </p:nvSpPr>
+          <p:spPr>
+            <a:xfrm>
+              <a:off x="7442366" y="4038167"/>
+              <a:ext cx="3881263" cy="396677"/>
+            </a:xfrm>
+            <a:prstGeom prst="rect">
+              <a:avLst/>
+            </a:prstGeom>
+            <a:noFill/>
+          </p:spPr>
+          <p:txBody>
+            <a:bodyPr wrap="square" rtlCol="0">
+              <a:spAutoFit/>
+            </a:bodyPr>
+            <a:lstStyle/>
+            <a:p>
+              <a:r>
+                <a:rPr lang="ko-KR" altLang="en-US" dirty="0">
+                  <a:solidFill>
+                    <a:schemeClr val="bg1"/>
+                  </a:solidFill>
+                </a:rPr>
+                <a:t>정보 창</a:t>
+              </a:r>
+              <a:r>
+                <a:rPr lang="en-US" altLang="ko-KR" dirty="0">
+                  <a:solidFill>
+                    <a:schemeClr val="bg1"/>
+                  </a:solidFill>
+                </a:rPr>
+                <a:t> </a:t>
+              </a:r>
+              <a:r>
+                <a:rPr lang="ko-KR" altLang="en-US" dirty="0">
+                  <a:solidFill>
+                    <a:schemeClr val="bg1"/>
+                  </a:solidFill>
+                </a:rPr>
+                <a:t>종료</a:t>
+              </a:r>
+            </a:p>
+          </p:txBody>
+        </p:sp>
+      </p:grpSp>
     </p:spTree>
     <p:extLst>
       <p:ext uri="{BB962C8B-B14F-4D97-AF65-F5344CB8AC3E}">
@@ -14926,6 +15451,127 @@
           </a:prstGeom>
         </p:spPr>
       </p:pic>
+      <p:grpSp>
+        <p:nvGrpSpPr>
+          <p:cNvPr id="10" name="그룹 9">
+            <a:extLst>
+              <a:ext uri="{FF2B5EF4-FFF2-40B4-BE49-F238E27FC236}">
+                <a16:creationId xmlns:a16="http://schemas.microsoft.com/office/drawing/2014/main" id="{CC83EEEB-6E95-4C54-B92F-FAFE1A6F0B01}"/>
+              </a:ext>
+            </a:extLst>
+          </p:cNvPr>
+          <p:cNvGrpSpPr/>
+          <p:nvPr/>
+        </p:nvGrpSpPr>
+        <p:grpSpPr>
+          <a:xfrm>
+            <a:off x="7905749" y="253908"/>
+            <a:ext cx="1253705" cy="437505"/>
+            <a:chOff x="5383928" y="2247900"/>
+            <a:chExt cx="2078938" cy="437505"/>
+          </a:xfrm>
+        </p:grpSpPr>
+        <p:sp>
+          <p:nvSpPr>
+            <p:cNvPr id="11" name="화살표: 오각형 10">
+              <a:extLst>
+                <a:ext uri="{FF2B5EF4-FFF2-40B4-BE49-F238E27FC236}">
+                  <a16:creationId xmlns:a16="http://schemas.microsoft.com/office/drawing/2014/main" id="{F088B8A8-8307-440C-9BC9-4D8E16764D7D}"/>
+                </a:ext>
+              </a:extLst>
+            </p:cNvPr>
+            <p:cNvSpPr/>
+            <p:nvPr/>
+          </p:nvSpPr>
+          <p:spPr>
+            <a:xfrm>
+              <a:off x="5383928" y="2247900"/>
+              <a:ext cx="2078938" cy="437505"/>
+            </a:xfrm>
+            <a:prstGeom prst="homePlate">
+              <a:avLst>
+                <a:gd name="adj" fmla="val 30404"/>
+              </a:avLst>
+            </a:prstGeom>
+            <a:solidFill>
+              <a:schemeClr val="bg1"/>
+            </a:solidFill>
+            <a:ln w="28575">
+              <a:solidFill>
+                <a:schemeClr val="tx1"/>
+              </a:solidFill>
+            </a:ln>
+          </p:spPr>
+          <p:style>
+            <a:lnRef idx="2">
+              <a:schemeClr val="accent1">
+                <a:shade val="50000"/>
+              </a:schemeClr>
+            </a:lnRef>
+            <a:fillRef idx="1">
+              <a:schemeClr val="accent1"/>
+            </a:fillRef>
+            <a:effectRef idx="0">
+              <a:schemeClr val="accent1"/>
+            </a:effectRef>
+            <a:fontRef idx="minor">
+              <a:schemeClr val="lt1"/>
+            </a:fontRef>
+          </p:style>
+          <p:txBody>
+            <a:bodyPr rtlCol="0" anchor="ctr"/>
+            <a:lstStyle/>
+            <a:p>
+              <a:pPr algn="ctr"/>
+              <a:endParaRPr lang="ko-KR" altLang="en-US" dirty="0">
+                <a:solidFill>
+                  <a:schemeClr val="tx1"/>
+                </a:solidFill>
+              </a:endParaRPr>
+            </a:p>
+          </p:txBody>
+        </p:sp>
+        <p:sp>
+          <p:nvSpPr>
+            <p:cNvPr id="12" name="TextBox 11">
+              <a:extLst>
+                <a:ext uri="{FF2B5EF4-FFF2-40B4-BE49-F238E27FC236}">
+                  <a16:creationId xmlns:a16="http://schemas.microsoft.com/office/drawing/2014/main" id="{4BBE19B6-44C2-4A6F-A64B-9652E1B1438B}"/>
+                </a:ext>
+              </a:extLst>
+            </p:cNvPr>
+            <p:cNvSpPr txBox="1"/>
+            <p:nvPr/>
+          </p:nvSpPr>
+          <p:spPr>
+            <a:xfrm>
+              <a:off x="5393131" y="2281986"/>
+              <a:ext cx="935281" cy="369332"/>
+            </a:xfrm>
+            <a:prstGeom prst="rect">
+              <a:avLst/>
+            </a:prstGeom>
+            <a:noFill/>
+          </p:spPr>
+          <p:txBody>
+            <a:bodyPr wrap="none" rtlCol="0">
+              <a:spAutoFit/>
+            </a:bodyPr>
+            <a:lstStyle/>
+            <a:p>
+              <a:r>
+                <a:rPr lang="en-US" altLang="ko-KR" dirty="0"/>
+                <a:t>GIF </a:t>
+              </a:r>
+              <a:r>
+                <a:rPr lang="ko-KR" altLang="en-US" dirty="0"/>
+                <a:t>자료</a:t>
+              </a:r>
+              <a:endParaRPr lang="en-US" altLang="ko-KR" dirty="0"/>
+            </a:p>
+          </p:txBody>
+        </p:sp>
+      </p:grpSp>
     </p:spTree>
     <p:extLst>
       <p:ext uri="{BB962C8B-B14F-4D97-AF65-F5344CB8AC3E}">
@@ -29119,12 +29765,6 @@
 </file>
 
 <file path=customXml/item1.xml><?xml version="1.0" encoding="utf-8"?>
-<p:properties xmlns:p="http://schemas.microsoft.com/office/2006/metadata/properties" xmlns:xsi="http://www.w3.org/2001/XMLSchema-instance" xmlns:pc="http://schemas.microsoft.com/office/infopath/2007/PartnerControls">
-  <documentManagement/>
-</p:properties>
-</file>
-
-<file path=customXml/item2.xml><?xml version="1.0" encoding="utf-8"?>
 <ct:contentTypeSchema xmlns:ct="http://schemas.microsoft.com/office/2006/metadata/contentType" xmlns:ma="http://schemas.microsoft.com/office/2006/metadata/properties/metaAttributes" ct:_="" ma:_="" ma:contentTypeName="문서" ma:contentTypeID="0x0101001DBB2B28955C594DB24AF1F5BB7336C8" ma:contentTypeVersion="2" ma:contentTypeDescription="새 문서를 만듭니다." ma:contentTypeScope="" ma:versionID="f2fa06709d317143d893a6f8ce6ede6a">
   <xsd:schema xmlns:xsd="http://www.w3.org/2001/XMLSchema" xmlns:xs="http://www.w3.org/2001/XMLSchema" xmlns:p="http://schemas.microsoft.com/office/2006/metadata/properties" xmlns:ns3="5555129b-2418-4d50-9dfa-7b95714945fa" targetNamespace="http://schemas.microsoft.com/office/2006/metadata/properties" ma:root="true" ma:fieldsID="e8dc87fcc42539e288ba896fdb612da0" ns3:_="">
     <xsd:import namespace="5555129b-2418-4d50-9dfa-7b95714945fa"/>
@@ -29256,6 +29896,12 @@
 </ct:contentTypeSchema>
 </file>
 
+<file path=customXml/item2.xml><?xml version="1.0" encoding="utf-8"?>
+<p:properties xmlns:p="http://schemas.microsoft.com/office/2006/metadata/properties" xmlns:xsi="http://www.w3.org/2001/XMLSchema-instance" xmlns:pc="http://schemas.microsoft.com/office/infopath/2007/PartnerControls">
+  <documentManagement/>
+</p:properties>
+</file>
+
 <file path=customXml/item3.xml><?xml version="1.0" encoding="utf-8"?>
 <?mso-contentType ?>
 <FormTemplates xmlns="http://schemas.microsoft.com/sharepoint/v3/contenttype/forms">
@@ -29266,15 +29912,6 @@
 </file>
 
 <file path=customXml/itemProps1.xml><?xml version="1.0" encoding="utf-8"?>
-<ds:datastoreItem xmlns:ds="http://schemas.openxmlformats.org/officeDocument/2006/customXml" ds:itemID="{A23103BA-1CDF-42E2-84EF-97766276A752}">
-  <ds:schemaRefs>
-    <ds:schemaRef ds:uri="http://schemas.microsoft.com/office/2006/metadata/properties"/>
-    <ds:schemaRef ds:uri="http://schemas.microsoft.com/office/infopath/2007/PartnerControls"/>
-  </ds:schemaRefs>
-</ds:datastoreItem>
-</file>
-
-<file path=customXml/itemProps2.xml><?xml version="1.0" encoding="utf-8"?>
 <ds:datastoreItem xmlns:ds="http://schemas.openxmlformats.org/officeDocument/2006/customXml" ds:itemID="{A1191A0A-B4A1-4213-A2EE-9C9D701194F6}">
   <ds:schemaRefs>
     <ds:schemaRef ds:uri="http://schemas.microsoft.com/office/2006/metadata/contentType"/>
@@ -29292,6 +29929,15 @@
 </ds:datastoreItem>
 </file>
 
+<file path=customXml/itemProps2.xml><?xml version="1.0" encoding="utf-8"?>
+<ds:datastoreItem xmlns:ds="http://schemas.openxmlformats.org/officeDocument/2006/customXml" ds:itemID="{A23103BA-1CDF-42E2-84EF-97766276A752}">
+  <ds:schemaRefs>
+    <ds:schemaRef ds:uri="http://schemas.microsoft.com/office/2006/metadata/properties"/>
+    <ds:schemaRef ds:uri="http://schemas.microsoft.com/office/infopath/2007/PartnerControls"/>
+  </ds:schemaRefs>
+</ds:datastoreItem>
+</file>
+
 <file path=customXml/itemProps3.xml><?xml version="1.0" encoding="utf-8"?>
 <ds:datastoreItem xmlns:ds="http://schemas.openxmlformats.org/officeDocument/2006/customXml" ds:itemID="{4C7A472F-9902-4104-BCF0-D4754C77190F}">
   <ds:schemaRefs>

--- a/기획서/당근키우기 시스템.pptx
+++ b/기획서/당근키우기 시스템.pptx
@@ -5,7 +5,7 @@
     <p:sldMasterId id="2147483648" r:id="rId4"/>
   </p:sldMasterIdLst>
   <p:notesMasterIdLst>
-    <p:notesMasterId r:id="rId32"/>
+    <p:notesMasterId r:id="rId33"/>
   </p:notesMasterIdLst>
   <p:sldIdLst>
     <p:sldId id="312" r:id="rId5"/>
@@ -32,9 +32,10 @@
     <p:sldId id="372" r:id="rId26"/>
     <p:sldId id="373" r:id="rId27"/>
     <p:sldId id="374" r:id="rId28"/>
-    <p:sldId id="375" r:id="rId29"/>
-    <p:sldId id="358" r:id="rId30"/>
-    <p:sldId id="323" r:id="rId31"/>
+    <p:sldId id="379" r:id="rId29"/>
+    <p:sldId id="380" r:id="rId30"/>
+    <p:sldId id="358" r:id="rId31"/>
+    <p:sldId id="323" r:id="rId32"/>
   </p:sldIdLst>
   <p:sldSz cx="12192000" cy="6858000"/>
   <p:notesSz cx="6858000" cy="9144000"/>
@@ -6806,10 +6807,40 @@
           <a:bodyPr/>
           <a:lstStyle/>
           <a:p>
-            <a:pPr marL="0" indent="0">
+            <a:pPr marL="0" marR="0" lvl="0" indent="0" algn="l" defTabSz="914400" rtl="0" eaLnBrk="1" fontAlgn="auto" latinLnBrk="1" hangingPunct="1">
+              <a:lnSpc>
+                <a:spcPct val="100000"/>
+              </a:lnSpc>
+              <a:spcBef>
+                <a:spcPts val="0"/>
+              </a:spcBef>
+              <a:spcAft>
+                <a:spcPts val="0"/>
+              </a:spcAft>
+              <a:buClrTx/>
+              <a:buSzTx/>
+              <a:buFontTx/>
               <a:buNone/>
+              <a:tabLst/>
+              <a:defRPr/>
             </a:pPr>
-            <a:endParaRPr lang="en-US" altLang="ko-KR" dirty="0"/>
+            <a:r>
+              <a:rPr lang="en-US" altLang="ko-KR" sz="1200" i="0" dirty="0"/>
+              <a:t>SHIFT + F5</a:t>
+            </a:r>
+            <a:r>
+              <a:rPr lang="ko-KR" altLang="en-US" sz="1200" i="0" dirty="0"/>
+              <a:t>로 </a:t>
+            </a:r>
+            <a:r>
+              <a:rPr lang="en-US" altLang="ko-KR" sz="1200" i="0" dirty="0"/>
+              <a:t>GIF </a:t>
+            </a:r>
+            <a:r>
+              <a:rPr lang="ko-KR" altLang="en-US" sz="1200" i="0" dirty="0"/>
+              <a:t>자료 확인</a:t>
+            </a:r>
+            <a:endParaRPr lang="en-US" altLang="ko-KR" sz="1200" i="0" dirty="0"/>
           </a:p>
         </p:txBody>
       </p:sp>
@@ -7187,7 +7218,7 @@
     </p:spTree>
     <p:extLst>
       <p:ext uri="{BB962C8B-B14F-4D97-AF65-F5344CB8AC3E}">
-        <p14:creationId xmlns:p14="http://schemas.microsoft.com/office/powerpoint/2010/main" val="3856299945"/>
+        <p14:creationId xmlns:p14="http://schemas.microsoft.com/office/powerpoint/2010/main" val="491298123"/>
       </p:ext>
     </p:extLst>
   </p:cSld>
@@ -7198,6 +7229,174 @@
 </file>
 
 <file path=ppt/notesSlides/notesSlide18.xml><?xml version="1.0" encoding="utf-8"?>
+<p:notes xmlns:a="http://schemas.openxmlformats.org/drawingml/2006/main" xmlns:r="http://schemas.openxmlformats.org/officeDocument/2006/relationships" xmlns:p="http://schemas.openxmlformats.org/presentationml/2006/main">
+  <p:cSld>
+    <p:spTree>
+      <p:nvGrpSpPr>
+        <p:cNvPr id="1" name=""/>
+        <p:cNvGrpSpPr/>
+        <p:nvPr/>
+      </p:nvGrpSpPr>
+      <p:grpSpPr>
+        <a:xfrm>
+          <a:off x="0" y="0"/>
+          <a:ext cx="0" cy="0"/>
+          <a:chOff x="0" y="0"/>
+          <a:chExt cx="0" cy="0"/>
+        </a:xfrm>
+      </p:grpSpPr>
+      <p:sp>
+        <p:nvSpPr>
+          <p:cNvPr id="2" name="슬라이드 이미지 개체 틀 1"/>
+          <p:cNvSpPr>
+            <a:spLocks noGrp="1" noRot="1" noChangeAspect="1"/>
+          </p:cNvSpPr>
+          <p:nvPr>
+            <p:ph type="sldImg"/>
+          </p:nvPr>
+        </p:nvSpPr>
+        <p:spPr/>
+      </p:sp>
+      <p:sp>
+        <p:nvSpPr>
+          <p:cNvPr id="3" name="슬라이드 노트 개체 틀 2"/>
+          <p:cNvSpPr>
+            <a:spLocks noGrp="1"/>
+          </p:cNvSpPr>
+          <p:nvPr>
+            <p:ph type="body" idx="1"/>
+          </p:nvPr>
+        </p:nvSpPr>
+        <p:spPr/>
+        <p:txBody>
+          <a:bodyPr/>
+          <a:lstStyle/>
+          <a:p>
+            <a:pPr marL="0" marR="0" lvl="0" indent="0" algn="l" defTabSz="914400" rtl="0" eaLnBrk="1" fontAlgn="auto" latinLnBrk="1" hangingPunct="1">
+              <a:lnSpc>
+                <a:spcPct val="100000"/>
+              </a:lnSpc>
+              <a:spcBef>
+                <a:spcPts val="0"/>
+              </a:spcBef>
+              <a:spcAft>
+                <a:spcPts val="0"/>
+              </a:spcAft>
+              <a:buClrTx/>
+              <a:buSzTx/>
+              <a:buFontTx/>
+              <a:buNone/>
+              <a:tabLst/>
+              <a:defRPr/>
+            </a:pPr>
+            <a:r>
+              <a:rPr lang="en-US" altLang="ko-KR" sz="1200" i="0" dirty="0"/>
+              <a:t>SHIFT + F5</a:t>
+            </a:r>
+            <a:r>
+              <a:rPr lang="ko-KR" altLang="en-US" sz="1200" i="0" dirty="0"/>
+              <a:t>로 </a:t>
+            </a:r>
+            <a:r>
+              <a:rPr lang="en-US" altLang="ko-KR" sz="1200" i="0" dirty="0"/>
+              <a:t>GIF </a:t>
+            </a:r>
+            <a:r>
+              <a:rPr lang="ko-KR" altLang="en-US" sz="1200" i="0" dirty="0"/>
+              <a:t>자료 확인</a:t>
+            </a:r>
+            <a:endParaRPr lang="en-US" altLang="ko-KR" sz="1200" i="0" dirty="0"/>
+          </a:p>
+          <a:p>
+            <a:pPr marL="0" marR="0" lvl="0" indent="0" algn="l" defTabSz="914400" rtl="0" eaLnBrk="1" fontAlgn="auto" latinLnBrk="1" hangingPunct="1">
+              <a:lnSpc>
+                <a:spcPct val="100000"/>
+              </a:lnSpc>
+              <a:spcBef>
+                <a:spcPts val="0"/>
+              </a:spcBef>
+              <a:spcAft>
+                <a:spcPts val="0"/>
+              </a:spcAft>
+              <a:buClrTx/>
+              <a:buSzTx/>
+              <a:buFontTx/>
+              <a:buNone/>
+              <a:tabLst/>
+              <a:defRPr/>
+            </a:pPr>
+            <a:r>
+              <a:rPr lang="en-US" altLang="ko-KR" sz="1200" i="0" dirty="0"/>
+              <a:t>GIF </a:t>
+            </a:r>
+            <a:r>
+              <a:rPr lang="ko-KR" altLang="en-US" sz="1200" i="0" dirty="0"/>
+              <a:t>상 </a:t>
+            </a:r>
+            <a:r>
+              <a:rPr lang="en-US" altLang="ko-KR" sz="1200" i="0" dirty="0"/>
+              <a:t>text </a:t>
+            </a:r>
+            <a:r>
+              <a:rPr lang="ko-KR" altLang="en-US" sz="1200" i="0" dirty="0"/>
+              <a:t>안 보이다 보이는 건 무시</a:t>
+            </a:r>
+            <a:r>
+              <a:rPr lang="en-US" altLang="ko-KR" sz="1200" i="0" dirty="0"/>
+              <a:t>. </a:t>
+            </a:r>
+            <a:r>
+              <a:rPr lang="ko-KR" altLang="en-US" sz="1200" i="0" dirty="0"/>
+              <a:t>처음부터 </a:t>
+            </a:r>
+            <a:r>
+              <a:rPr lang="en-US" altLang="ko-KR" sz="1200" i="0" dirty="0"/>
+              <a:t>text </a:t>
+            </a:r>
+            <a:r>
+              <a:rPr lang="ko-KR" altLang="en-US" sz="1200" i="0" dirty="0"/>
+              <a:t>입력된 상태</a:t>
+            </a:r>
+          </a:p>
+        </p:txBody>
+      </p:sp>
+      <p:sp>
+        <p:nvSpPr>
+          <p:cNvPr id="4" name="슬라이드 번호 개체 틀 3"/>
+          <p:cNvSpPr>
+            <a:spLocks noGrp="1"/>
+          </p:cNvSpPr>
+          <p:nvPr>
+            <p:ph type="sldNum" sz="quarter" idx="5"/>
+          </p:nvPr>
+        </p:nvSpPr>
+        <p:spPr/>
+        <p:txBody>
+          <a:bodyPr/>
+          <a:lstStyle/>
+          <a:p>
+            <a:fld id="{151FD798-7848-4816-945D-B2937F5A900D}" type="slidenum">
+              <a:rPr lang="ko-KR" altLang="en-US" smtClean="0"/>
+              <a:t>26</a:t>
+            </a:fld>
+            <a:endParaRPr lang="ko-KR" altLang="en-US"/>
+          </a:p>
+        </p:txBody>
+      </p:sp>
+    </p:spTree>
+    <p:extLst>
+      <p:ext uri="{BB962C8B-B14F-4D97-AF65-F5344CB8AC3E}">
+        <p14:creationId xmlns:p14="http://schemas.microsoft.com/office/powerpoint/2010/main" val="3644081511"/>
+      </p:ext>
+    </p:extLst>
+  </p:cSld>
+  <p:clrMapOvr>
+    <a:masterClrMapping/>
+  </p:clrMapOvr>
+</p:notes>
+</file>
+
+<file path=ppt/notesSlides/notesSlide19.xml><?xml version="1.0" encoding="utf-8"?>
 <p:notes xmlns:a="http://schemas.openxmlformats.org/drawingml/2006/main" xmlns:r="http://schemas.openxmlformats.org/officeDocument/2006/relationships" xmlns:p="http://schemas.openxmlformats.org/presentationml/2006/main">
   <p:cSld>
     <p:spTree>
@@ -7265,7 +7464,7 @@
           <a:p>
             <a:fld id="{151FD798-7848-4816-945D-B2937F5A900D}" type="slidenum">
               <a:rPr lang="ko-KR" altLang="en-US" smtClean="0"/>
-              <a:t>27</a:t>
+              <a:t>28</a:t>
             </a:fld>
             <a:endParaRPr lang="ko-KR" altLang="en-US"/>
           </a:p>
@@ -7415,10 +7614,40 @@
           <a:bodyPr/>
           <a:lstStyle/>
           <a:p>
-            <a:pPr marL="0" indent="0">
+            <a:pPr marL="0" marR="0" lvl="0" indent="0" algn="l" defTabSz="914400" rtl="0" eaLnBrk="1" fontAlgn="auto" latinLnBrk="1" hangingPunct="1">
+              <a:lnSpc>
+                <a:spcPct val="100000"/>
+              </a:lnSpc>
+              <a:spcBef>
+                <a:spcPts val="0"/>
+              </a:spcBef>
+              <a:spcAft>
+                <a:spcPts val="0"/>
+              </a:spcAft>
+              <a:buClrTx/>
+              <a:buSzTx/>
+              <a:buFontTx/>
               <a:buNone/>
+              <a:tabLst/>
+              <a:defRPr/>
             </a:pPr>
-            <a:endParaRPr lang="en-US" altLang="ko-KR" dirty="0"/>
+            <a:r>
+              <a:rPr lang="en-US" altLang="ko-KR" sz="1200" i="0" dirty="0"/>
+              <a:t>SHIFT + F5</a:t>
+            </a:r>
+            <a:r>
+              <a:rPr lang="ko-KR" altLang="en-US" sz="1200" i="0" dirty="0"/>
+              <a:t>로 </a:t>
+            </a:r>
+            <a:r>
+              <a:rPr lang="en-US" altLang="ko-KR" sz="1200" i="0" dirty="0"/>
+              <a:t>GIF </a:t>
+            </a:r>
+            <a:r>
+              <a:rPr lang="ko-KR" altLang="en-US" sz="1200" i="0" dirty="0"/>
+              <a:t>자료 확인</a:t>
+            </a:r>
+            <a:endParaRPr lang="en-US" altLang="ko-KR" sz="1200" i="0" dirty="0"/>
           </a:p>
         </p:txBody>
       </p:sp>
@@ -7502,10 +7731,39 @@
           <a:bodyPr/>
           <a:lstStyle/>
           <a:p>
-            <a:pPr marL="0" indent="0">
+            <a:pPr marL="0" marR="0" lvl="0" indent="0" algn="l" defTabSz="914400" rtl="0" eaLnBrk="1" fontAlgn="auto" latinLnBrk="1" hangingPunct="1">
+              <a:lnSpc>
+                <a:spcPct val="100000"/>
+              </a:lnSpc>
+              <a:spcBef>
+                <a:spcPts val="0"/>
+              </a:spcBef>
+              <a:spcAft>
+                <a:spcPts val="0"/>
+              </a:spcAft>
+              <a:buClrTx/>
+              <a:buSzTx/>
+              <a:buFontTx/>
               <a:buNone/>
+              <a:tabLst/>
+              <a:defRPr/>
             </a:pPr>
-            <a:endParaRPr lang="en-US" altLang="ko-KR" dirty="0"/>
+            <a:r>
+              <a:rPr lang="en-US" altLang="ko-KR" sz="1200" i="0" dirty="0"/>
+              <a:t>SHIFT + F5</a:t>
+            </a:r>
+            <a:r>
+              <a:rPr lang="ko-KR" altLang="en-US" sz="1200" i="0" dirty="0"/>
+              <a:t>로 </a:t>
+            </a:r>
+            <a:r>
+              <a:rPr lang="en-US" altLang="ko-KR" sz="1200" i="0" dirty="0"/>
+              <a:t>GIF </a:t>
+            </a:r>
+            <a:r>
+              <a:rPr lang="ko-KR" altLang="en-US" sz="1200" i="0" dirty="0"/>
+              <a:t>자료 확인</a:t>
+            </a:r>
           </a:p>
         </p:txBody>
       </p:sp>
@@ -7850,10 +8108,91 @@
           <a:bodyPr/>
           <a:lstStyle/>
           <a:p>
-            <a:pPr marL="0" indent="0">
+            <a:pPr marL="0" marR="0" lvl="0" indent="0" algn="l" defTabSz="914400" rtl="0" eaLnBrk="1" fontAlgn="auto" latinLnBrk="1" hangingPunct="1">
+              <a:lnSpc>
+                <a:spcPct val="100000"/>
+              </a:lnSpc>
+              <a:spcBef>
+                <a:spcPts val="0"/>
+              </a:spcBef>
+              <a:spcAft>
+                <a:spcPts val="0"/>
+              </a:spcAft>
+              <a:buClrTx/>
+              <a:buSzTx/>
+              <a:buFontTx/>
               <a:buNone/>
+              <a:tabLst/>
+              <a:defRPr/>
             </a:pPr>
-            <a:endParaRPr lang="en-US" altLang="ko-KR" dirty="0"/>
+            <a:r>
+              <a:rPr lang="en-US" altLang="ko-KR" sz="1200" i="0" dirty="0"/>
+              <a:t>SHIFT + F5</a:t>
+            </a:r>
+            <a:r>
+              <a:rPr lang="ko-KR" altLang="en-US" sz="1200" i="0" dirty="0"/>
+              <a:t>로 </a:t>
+            </a:r>
+            <a:r>
+              <a:rPr lang="en-US" altLang="ko-KR" sz="1200" i="0" dirty="0"/>
+              <a:t>GIF </a:t>
+            </a:r>
+            <a:r>
+              <a:rPr lang="ko-KR" altLang="en-US" sz="1200" i="0" dirty="0"/>
+              <a:t>자료 확인</a:t>
+            </a:r>
+            <a:endParaRPr lang="en-US" altLang="ko-KR" sz="1200" i="0" dirty="0"/>
+          </a:p>
+          <a:p>
+            <a:pPr marL="0" marR="0" lvl="0" indent="0" algn="l" defTabSz="914400" rtl="0" eaLnBrk="1" fontAlgn="auto" latinLnBrk="1" hangingPunct="1">
+              <a:lnSpc>
+                <a:spcPct val="100000"/>
+              </a:lnSpc>
+              <a:spcBef>
+                <a:spcPts val="0"/>
+              </a:spcBef>
+              <a:spcAft>
+                <a:spcPts val="0"/>
+              </a:spcAft>
+              <a:buClrTx/>
+              <a:buSzTx/>
+              <a:buFontTx/>
+              <a:buNone/>
+              <a:tabLst/>
+              <a:defRPr/>
+            </a:pPr>
+            <a:r>
+              <a:rPr lang="en-US" altLang="ko-KR" sz="1200" i="0" dirty="0"/>
+              <a:t>GIF </a:t>
+            </a:r>
+            <a:r>
+              <a:rPr lang="ko-KR" altLang="en-US" sz="1200" i="0" dirty="0"/>
+              <a:t>상 </a:t>
+            </a:r>
+            <a:r>
+              <a:rPr lang="en-US" altLang="ko-KR" sz="1200" i="0" dirty="0"/>
+              <a:t>text </a:t>
+            </a:r>
+            <a:r>
+              <a:rPr lang="ko-KR" altLang="en-US" sz="1200" i="0" dirty="0"/>
+              <a:t>안 보이다 보이는 건 무시</a:t>
+            </a:r>
+            <a:r>
+              <a:rPr lang="en-US" altLang="ko-KR" sz="1200" i="0" dirty="0"/>
+              <a:t>. </a:t>
+            </a:r>
+            <a:r>
+              <a:rPr lang="ko-KR" altLang="en-US" sz="1200" i="0" dirty="0"/>
+              <a:t>처음부터 </a:t>
+            </a:r>
+            <a:r>
+              <a:rPr lang="en-US" altLang="ko-KR" sz="1200" i="0" dirty="0"/>
+              <a:t>text </a:t>
+            </a:r>
+            <a:r>
+              <a:rPr lang="ko-KR" altLang="en-US" sz="1200" i="0" dirty="0"/>
+              <a:t>입력된 상태</a:t>
+            </a:r>
           </a:p>
         </p:txBody>
       </p:sp>
@@ -7937,10 +8276,91 @@
           <a:bodyPr/>
           <a:lstStyle/>
           <a:p>
-            <a:pPr marL="0" indent="0">
+            <a:pPr marL="0" marR="0" lvl="0" indent="0" algn="l" defTabSz="914400" rtl="0" eaLnBrk="1" fontAlgn="auto" latinLnBrk="1" hangingPunct="1">
+              <a:lnSpc>
+                <a:spcPct val="100000"/>
+              </a:lnSpc>
+              <a:spcBef>
+                <a:spcPts val="0"/>
+              </a:spcBef>
+              <a:spcAft>
+                <a:spcPts val="0"/>
+              </a:spcAft>
+              <a:buClrTx/>
+              <a:buSzTx/>
+              <a:buFontTx/>
               <a:buNone/>
+              <a:tabLst/>
+              <a:defRPr/>
             </a:pPr>
-            <a:endParaRPr lang="en-US" altLang="ko-KR" dirty="0"/>
+            <a:r>
+              <a:rPr lang="en-US" altLang="ko-KR" sz="1200" i="0" dirty="0"/>
+              <a:t>SHIFT + F5</a:t>
+            </a:r>
+            <a:r>
+              <a:rPr lang="ko-KR" altLang="en-US" sz="1200" i="0" dirty="0"/>
+              <a:t>로 </a:t>
+            </a:r>
+            <a:r>
+              <a:rPr lang="en-US" altLang="ko-KR" sz="1200" i="0" dirty="0"/>
+              <a:t>GIF </a:t>
+            </a:r>
+            <a:r>
+              <a:rPr lang="ko-KR" altLang="en-US" sz="1200" i="0" dirty="0"/>
+              <a:t>자료 확인</a:t>
+            </a:r>
+            <a:endParaRPr lang="en-US" altLang="ko-KR" sz="1200" i="0" dirty="0"/>
+          </a:p>
+          <a:p>
+            <a:pPr marL="0" marR="0" lvl="0" indent="0" algn="l" defTabSz="914400" rtl="0" eaLnBrk="1" fontAlgn="auto" latinLnBrk="1" hangingPunct="1">
+              <a:lnSpc>
+                <a:spcPct val="100000"/>
+              </a:lnSpc>
+              <a:spcBef>
+                <a:spcPts val="0"/>
+              </a:spcBef>
+              <a:spcAft>
+                <a:spcPts val="0"/>
+              </a:spcAft>
+              <a:buClrTx/>
+              <a:buSzTx/>
+              <a:buFontTx/>
+              <a:buNone/>
+              <a:tabLst/>
+              <a:defRPr/>
+            </a:pPr>
+            <a:r>
+              <a:rPr lang="en-US" altLang="ko-KR" sz="1200" i="0" dirty="0"/>
+              <a:t>GIF </a:t>
+            </a:r>
+            <a:r>
+              <a:rPr lang="ko-KR" altLang="en-US" sz="1200" i="0" dirty="0"/>
+              <a:t>상 </a:t>
+            </a:r>
+            <a:r>
+              <a:rPr lang="en-US" altLang="ko-KR" sz="1200" i="0" dirty="0"/>
+              <a:t>text </a:t>
+            </a:r>
+            <a:r>
+              <a:rPr lang="ko-KR" altLang="en-US" sz="1200" i="0" dirty="0"/>
+              <a:t>안 보이다 보이는 건 무시</a:t>
+            </a:r>
+            <a:r>
+              <a:rPr lang="en-US" altLang="ko-KR" sz="1200" i="0" dirty="0"/>
+              <a:t>. </a:t>
+            </a:r>
+            <a:r>
+              <a:rPr lang="ko-KR" altLang="en-US" sz="1200" i="0" dirty="0"/>
+              <a:t>처음부터 </a:t>
+            </a:r>
+            <a:r>
+              <a:rPr lang="en-US" altLang="ko-KR" sz="1200" i="0" dirty="0"/>
+              <a:t>text </a:t>
+            </a:r>
+            <a:r>
+              <a:rPr lang="ko-KR" altLang="en-US" sz="1200" i="0" dirty="0"/>
+              <a:t>입력된 상태</a:t>
+            </a:r>
           </a:p>
         </p:txBody>
       </p:sp>
@@ -13882,8 +14302,8 @@
         </p:nvGrpSpPr>
         <p:grpSpPr>
           <a:xfrm>
-            <a:off x="672353" y="1409321"/>
-            <a:ext cx="5674659" cy="2224395"/>
+            <a:off x="672353" y="1236636"/>
+            <a:ext cx="5674659" cy="2488199"/>
             <a:chOff x="7280649" y="4038167"/>
             <a:chExt cx="4217057" cy="2389089"/>
           </a:xfrm>
@@ -14058,17 +14478,85 @@
               </a:endParaRPr>
             </a:p>
             <a:p>
-              <a:pPr marL="742950" lvl="1" indent="-285750">
-                <a:buFontTx/>
-                <a:buChar char="-"/>
+              <a:pPr marL="285750" indent="-285750">
+                <a:buFont typeface="Arial" panose="020B0604020202020204" pitchFamily="34" charset="0"/>
+                <a:buChar char="•"/>
               </a:pPr>
+              <a:endParaRPr lang="en-US" altLang="ko-KR" dirty="0">
+                <a:solidFill>
+                  <a:schemeClr val="tx1"/>
+                </a:solidFill>
+              </a:endParaRPr>
+            </a:p>
+            <a:p>
+              <a:pPr marL="285750" indent="-285750">
+                <a:buFont typeface="Arial" panose="020B0604020202020204" pitchFamily="34" charset="0"/>
+                <a:buChar char="•"/>
+              </a:pPr>
               <a:r>
                 <a:rPr lang="ko-KR" altLang="en-US" dirty="0">
                   <a:solidFill>
                     <a:schemeClr val="tx1"/>
                   </a:solidFill>
                 </a:rPr>
-                <a:t>팝업은 화면 중앙에서</a:t>
+                <a:t>팝업은 화면 중앙에서 </a:t>
+              </a:r>
+              <a:r>
+                <a:rPr lang="en-US" altLang="ko-KR" dirty="0">
+                  <a:solidFill>
+                    <a:schemeClr val="tx1"/>
+                  </a:solidFill>
+                </a:rPr>
+                <a:t>0 to 1 (scale) at y</a:t>
+              </a:r>
+              <a:r>
+                <a:rPr lang="ko-KR" altLang="en-US" dirty="0">
+                  <a:solidFill>
+                    <a:schemeClr val="tx1"/>
+                  </a:solidFill>
+                </a:rPr>
+                <a:t> </a:t>
+              </a:r>
+              <a:r>
+                <a:rPr lang="en-US" altLang="ko-KR" dirty="0">
+                  <a:solidFill>
+                    <a:schemeClr val="tx1"/>
+                  </a:solidFill>
+                </a:rPr>
+                <a:t>axis</a:t>
+              </a:r>
+            </a:p>
+            <a:p>
+              <a:pPr marL="285750" indent="-285750">
+                <a:buFont typeface="Arial" panose="020B0604020202020204" pitchFamily="34" charset="0"/>
+                <a:buChar char="•"/>
+              </a:pPr>
+              <a:endParaRPr lang="en-US" altLang="ko-KR" dirty="0">
+                <a:solidFill>
+                  <a:schemeClr val="tx1"/>
+                </a:solidFill>
+              </a:endParaRPr>
+            </a:p>
+            <a:p>
+              <a:pPr marL="285750" indent="-285750">
+                <a:buFont typeface="Arial" panose="020B0604020202020204" pitchFamily="34" charset="0"/>
+                <a:buChar char="•"/>
+              </a:pPr>
+              <a:r>
+                <a:rPr lang="ko-KR" altLang="en-US" dirty="0" err="1">
+                  <a:solidFill>
+                    <a:schemeClr val="tx1"/>
+                  </a:solidFill>
+                </a:rPr>
+                <a:t>팝업되며</a:t>
+              </a:r>
+              <a:r>
+                <a:rPr lang="ko-KR" altLang="en-US" dirty="0">
+                  <a:solidFill>
+                    <a:schemeClr val="tx1"/>
+                  </a:solidFill>
+                </a:rPr>
+                <a:t> 동시에</a:t>
               </a:r>
               <a:br>
                 <a:rPr lang="en-US" altLang="ko-KR" dirty="0">
@@ -14078,12 +14566,20 @@
                 </a:rPr>
               </a:br>
               <a:r>
+                <a:rPr lang="ko-KR" altLang="en-US" dirty="0">
+                  <a:solidFill>
+                    <a:schemeClr val="tx1"/>
+                  </a:solidFill>
+                </a:rPr>
+                <a:t>해당 농장의 </a:t>
+              </a:r>
+              <a:r>
                 <a:rPr lang="en-US" altLang="ko-KR" dirty="0">
                   <a:solidFill>
                     <a:schemeClr val="tx1"/>
                   </a:solidFill>
                 </a:rPr>
-                <a:t>0 to 1 (scale) at y</a:t>
+                <a:t>Farm Data</a:t>
               </a:r>
               <a:r>
                 <a:rPr lang="ko-KR" altLang="en-US" dirty="0">
@@ -14091,7 +14587,7 @@
                     <a:schemeClr val="tx1"/>
                   </a:solidFill>
                 </a:rPr>
-                <a:t> </a:t>
+                <a:t>로 창의 각 </a:t>
               </a:r>
               <a:r>
                 <a:rPr lang="en-US" altLang="ko-KR" dirty="0">
@@ -14099,21 +14595,7 @@
                     <a:schemeClr val="tx1"/>
                   </a:solidFill>
                 </a:rPr>
-                <a:t>axis</a:t>
-              </a:r>
-            </a:p>
-            <a:p>
-              <a:pPr marL="742950" lvl="1" indent="-285750">
-                <a:buFontTx/>
-                <a:buChar char="-"/>
-              </a:pPr>
-              <a:r>
-                <a:rPr lang="ko-KR" altLang="en-US" dirty="0" err="1">
-                  <a:solidFill>
-                    <a:schemeClr val="tx1"/>
-                  </a:solidFill>
-                </a:rPr>
-                <a:t>팝업되며</a:t>
+                <a:t>text</a:t>
               </a:r>
               <a:r>
                 <a:rPr lang="ko-KR" altLang="en-US" dirty="0">
@@ -14121,56 +14603,9 @@
                     <a:schemeClr val="tx1"/>
                   </a:solidFill>
                 </a:rPr>
-                <a:t> 동시에</a:t>
-              </a:r>
-              <a:br>
-                <a:rPr lang="en-US" altLang="ko-KR" dirty="0">
-                  <a:solidFill>
-                    <a:schemeClr val="tx1"/>
-                  </a:solidFill>
-                </a:rPr>
-              </a:br>
-              <a:r>
-                <a:rPr lang="ko-KR" altLang="en-US" dirty="0">
-                  <a:solidFill>
-                    <a:schemeClr val="tx1"/>
-                  </a:solidFill>
-                </a:rPr>
-                <a:t>해당 농장의 </a:t>
-              </a:r>
-              <a:r>
-                <a:rPr lang="en-US" altLang="ko-KR" dirty="0">
-                  <a:solidFill>
-                    <a:schemeClr val="tx1"/>
-                  </a:solidFill>
-                </a:rPr>
-                <a:t>Farm Data</a:t>
-              </a:r>
-              <a:r>
-                <a:rPr lang="ko-KR" altLang="en-US" dirty="0">
-                  <a:solidFill>
-                    <a:schemeClr val="tx1"/>
-                  </a:solidFill>
-                </a:rPr>
-                <a:t>로 창의 각 </a:t>
-              </a:r>
-              <a:r>
-                <a:rPr lang="en-US" altLang="ko-KR" dirty="0">
-                  <a:solidFill>
-                    <a:schemeClr val="tx1"/>
-                  </a:solidFill>
-                </a:rPr>
-                <a:t>text</a:t>
-              </a:r>
-              <a:r>
-                <a:rPr lang="ko-KR" altLang="en-US" dirty="0">
-                  <a:solidFill>
-                    <a:schemeClr val="tx1"/>
-                  </a:solidFill>
-                </a:rPr>
                 <a:t> 설정</a:t>
               </a:r>
-              <a:endParaRPr lang="en-US" altLang="ko-KR" dirty="0">
+              <a:endParaRPr lang="en-US" altLang="ko-KR" i="1" dirty="0">
                 <a:solidFill>
                   <a:schemeClr val="tx1"/>
                 </a:solidFill>
@@ -14374,7 +14809,7 @@
         </p:blipFill>
         <p:spPr>
           <a:xfrm>
-            <a:off x="7908377" y="253908"/>
+            <a:off x="7540199" y="253908"/>
             <a:ext cx="3979448" cy="6350184"/>
           </a:xfrm>
           <a:prstGeom prst="rect">
@@ -14396,7 +14831,7 @@
         </p:nvGrpSpPr>
         <p:grpSpPr>
           <a:xfrm>
-            <a:off x="7905749" y="253908"/>
+            <a:off x="7537571" y="253908"/>
             <a:ext cx="1253705" cy="437505"/>
             <a:chOff x="5383928" y="2247900"/>
             <a:chExt cx="2078938" cy="437505"/>
@@ -17881,7 +18316,7 @@
           <p:nvPr>
             <p:extLst>
               <p:ext uri="{D42A27DB-BD31-4B8C-83A1-F6EECF244321}">
-                <p14:modId xmlns:p14="http://schemas.microsoft.com/office/powerpoint/2010/main" val="894214225"/>
+                <p14:modId xmlns:p14="http://schemas.microsoft.com/office/powerpoint/2010/main" val="4234109375"/>
               </p:ext>
             </p:extLst>
           </p:nvPr>
@@ -19217,7 +19652,15 @@
                       <a:pPr latinLnBrk="1"/>
                       <a:r>
                         <a:rPr lang="ko-KR" altLang="en-US" dirty="0"/>
-                        <a:t>농장 정보 창 추가</a:t>
+                        <a:t>농장 정보 창</a:t>
+                      </a:r>
+                      <a:r>
+                        <a:rPr lang="en-US" altLang="ko-KR" dirty="0"/>
+                        <a:t>, </a:t>
+                      </a:r>
+                      <a:r>
+                        <a:rPr lang="ko-KR" altLang="en-US" dirty="0"/>
+                        <a:t>상점 창 추가</a:t>
                       </a:r>
                     </a:p>
                   </a:txBody>
@@ -22050,6 +22493,58 @@
                 </a:rPr>
                 <a:t>)</a:t>
               </a:r>
+              <a:br>
+                <a:rPr lang="en-US" altLang="ko-KR" dirty="0">
+                  <a:solidFill>
+                    <a:schemeClr val="tx1"/>
+                  </a:solidFill>
+                </a:rPr>
+              </a:br>
+              <a:r>
+                <a:rPr lang="ko-KR" altLang="en-US" dirty="0">
+                  <a:solidFill>
+                    <a:schemeClr val="tx1"/>
+                  </a:solidFill>
+                </a:rPr>
+                <a:t>변동사항 반영이 필요한 경우</a:t>
+              </a:r>
+              <a:r>
+                <a:rPr lang="en-US" altLang="ko-KR" dirty="0">
+                  <a:solidFill>
+                    <a:schemeClr val="tx1"/>
+                  </a:solidFill>
+                </a:rPr>
+                <a:t>, </a:t>
+              </a:r>
+              <a:r>
+                <a:rPr lang="ko-KR" altLang="en-US" dirty="0">
+                  <a:solidFill>
+                    <a:schemeClr val="tx1"/>
+                  </a:solidFill>
+                </a:rPr>
+                <a:t>해당되는 </a:t>
+              </a:r>
+              <a:r>
+                <a:rPr lang="en-US" altLang="ko-KR" dirty="0">
+                  <a:solidFill>
+                    <a:schemeClr val="tx1"/>
+                  </a:solidFill>
+                </a:rPr>
+                <a:t>UI </a:t>
+              </a:r>
+              <a:r>
+                <a:rPr lang="ko-KR" altLang="en-US" dirty="0">
+                  <a:solidFill>
+                    <a:schemeClr val="tx1"/>
+                  </a:solidFill>
+                </a:rPr>
+                <a:t>변동</a:t>
+              </a:r>
+              <a:endParaRPr lang="en-US" altLang="ko-KR" dirty="0">
+                <a:solidFill>
+                  <a:schemeClr val="tx1"/>
+                </a:solidFill>
+              </a:endParaRPr>
             </a:p>
           </p:txBody>
         </p:sp>
@@ -23070,7 +23565,7 @@
                   <a:schemeClr val="tx1"/>
                 </a:solidFill>
               </a:rPr>
-              <a:t>구매에 대한</a:t>
+              <a:t>구매에 따라</a:t>
             </a:r>
             <a:endParaRPr lang="en-US" altLang="ko-KR" dirty="0">
               <a:solidFill>
@@ -23086,22 +23581,23 @@
                   <a:schemeClr val="tx1"/>
                 </a:solidFill>
               </a:rPr>
-              <a:t>객체 변동 사항</a:t>
+              <a:t>변동될 객체의</a:t>
             </a:r>
-            <a:br>
-              <a:rPr lang="en-US" altLang="ko-KR" dirty="0">
-                <a:solidFill>
-                  <a:schemeClr val="tx1"/>
-                </a:solidFill>
-              </a:rPr>
-            </a:br>
+            <a:endParaRPr lang="en-US" altLang="ko-KR" dirty="0">
+              <a:solidFill>
+                <a:schemeClr val="tx1"/>
+              </a:solidFill>
+            </a:endParaRPr>
+          </a:p>
+          <a:p>
+            <a:pPr algn="ctr"/>
             <a:r>
               <a:rPr lang="ko-KR" altLang="en-US" dirty="0">
                 <a:solidFill>
                   <a:schemeClr val="tx1"/>
                 </a:solidFill>
               </a:rPr>
-              <a:t>전달</a:t>
+              <a:t>변동 콜</a:t>
             </a:r>
             <a:endParaRPr lang="en-US" altLang="ko-KR" dirty="0">
               <a:solidFill>
@@ -23125,7 +23621,7 @@
         </p:nvSpPr>
         <p:spPr>
           <a:xfrm>
-            <a:off x="8371980" y="2080480"/>
+            <a:off x="8371980" y="3855809"/>
             <a:ext cx="2076237" cy="1215915"/>
           </a:xfrm>
           <a:prstGeom prst="rect">
@@ -23162,6 +23658,22 @@
         <p:txBody>
           <a:bodyPr rtlCol="0" anchor="ctr"/>
           <a:lstStyle/>
+          <a:p>
+            <a:pPr algn="ctr"/>
+            <a:r>
+              <a:rPr lang="ko-KR" altLang="en-US" dirty="0">
+                <a:solidFill>
+                  <a:schemeClr val="tx1"/>
+                </a:solidFill>
+              </a:rPr>
+              <a:t>변동사항 반영</a:t>
+            </a:r>
+            <a:endParaRPr lang="en-US" altLang="ko-KR" dirty="0">
+              <a:solidFill>
+                <a:schemeClr val="tx1"/>
+              </a:solidFill>
+            </a:endParaRPr>
+          </a:p>
           <a:p>
             <a:pPr algn="ctr"/>
             <a:r>
@@ -23323,14 +23835,14 @@
           <p:cNvCxnSpPr>
             <a:cxnSpLocks/>
             <a:stCxn id="48" idx="2"/>
-            <a:endCxn id="49" idx="0"/>
+            <a:endCxn id="38" idx="0"/>
           </p:cNvCxnSpPr>
           <p:nvPr/>
         </p:nvCxnSpPr>
         <p:spPr>
           <a:xfrm flipH="1">
             <a:off x="9410099" y="1423979"/>
-            <a:ext cx="1" cy="656501"/>
+            <a:ext cx="1" cy="607958"/>
           </a:xfrm>
           <a:prstGeom prst="straightConnector1">
             <a:avLst/>
@@ -23375,8 +23887,8 @@
         </p:nvCxnSpPr>
         <p:spPr>
           <a:xfrm flipH="1">
-            <a:off x="9410098" y="3296395"/>
-            <a:ext cx="1" cy="2517839"/>
+            <a:off x="9410098" y="5071724"/>
+            <a:ext cx="1" cy="742510"/>
           </a:xfrm>
           <a:prstGeom prst="straightConnector1">
             <a:avLst/>
@@ -23681,6 +24193,137 @@
           </p:txBody>
         </p:sp>
       </p:grpSp>
+      <p:sp>
+        <p:nvSpPr>
+          <p:cNvPr id="38" name="직사각형 37">
+            <a:extLst>
+              <a:ext uri="{FF2B5EF4-FFF2-40B4-BE49-F238E27FC236}">
+                <a16:creationId xmlns:a16="http://schemas.microsoft.com/office/drawing/2014/main" id="{E8283ECE-A97B-439E-A945-91C7BA8BC903}"/>
+              </a:ext>
+            </a:extLst>
+          </p:cNvPr>
+          <p:cNvSpPr/>
+          <p:nvPr/>
+        </p:nvSpPr>
+        <p:spPr>
+          <a:xfrm>
+            <a:off x="8371980" y="2031937"/>
+            <a:ext cx="2076237" cy="1215915"/>
+          </a:xfrm>
+          <a:prstGeom prst="rect">
+            <a:avLst/>
+          </a:prstGeom>
+          <a:solidFill>
+            <a:schemeClr val="accent1">
+              <a:lumMod val="40000"/>
+              <a:lumOff val="60000"/>
+            </a:schemeClr>
+          </a:solidFill>
+          <a:ln>
+            <a:solidFill>
+              <a:schemeClr val="tx1"/>
+            </a:solidFill>
+          </a:ln>
+        </p:spPr>
+        <p:style>
+          <a:lnRef idx="2">
+            <a:schemeClr val="accent1">
+              <a:shade val="50000"/>
+            </a:schemeClr>
+          </a:lnRef>
+          <a:fillRef idx="1">
+            <a:schemeClr val="accent1"/>
+          </a:fillRef>
+          <a:effectRef idx="0">
+            <a:schemeClr val="accent1"/>
+          </a:effectRef>
+          <a:fontRef idx="minor">
+            <a:schemeClr val="lt1"/>
+          </a:fontRef>
+        </p:style>
+        <p:txBody>
+          <a:bodyPr rtlCol="0" anchor="ctr"/>
+          <a:lstStyle/>
+          <a:p>
+            <a:pPr algn="ctr"/>
+            <a:r>
+              <a:rPr lang="ko-KR" altLang="en-US" dirty="0">
+                <a:solidFill>
+                  <a:schemeClr val="tx1"/>
+                </a:solidFill>
+              </a:rPr>
+              <a:t>객체 변동사항</a:t>
+            </a:r>
+            <a:endParaRPr lang="en-US" altLang="ko-KR" dirty="0">
+              <a:solidFill>
+                <a:schemeClr val="tx1"/>
+              </a:solidFill>
+            </a:endParaRPr>
+          </a:p>
+          <a:p>
+            <a:pPr algn="ctr"/>
+            <a:r>
+              <a:rPr lang="ko-KR" altLang="en-US" dirty="0">
+                <a:solidFill>
+                  <a:schemeClr val="tx1"/>
+                </a:solidFill>
+              </a:rPr>
+              <a:t>전달 받음</a:t>
+            </a:r>
+            <a:endParaRPr lang="en-US" altLang="ko-KR" dirty="0">
+              <a:solidFill>
+                <a:schemeClr val="tx1"/>
+              </a:solidFill>
+            </a:endParaRPr>
+          </a:p>
+        </p:txBody>
+      </p:sp>
+      <p:cxnSp>
+        <p:nvCxnSpPr>
+          <p:cNvPr id="39" name="직선 화살표 연결선 38">
+            <a:extLst>
+              <a:ext uri="{FF2B5EF4-FFF2-40B4-BE49-F238E27FC236}">
+                <a16:creationId xmlns:a16="http://schemas.microsoft.com/office/drawing/2014/main" id="{10E70CC6-1791-4982-8528-A0FE7ED16FF4}"/>
+              </a:ext>
+            </a:extLst>
+          </p:cNvPr>
+          <p:cNvCxnSpPr>
+            <a:cxnSpLocks/>
+            <a:stCxn id="38" idx="2"/>
+            <a:endCxn id="49" idx="0"/>
+          </p:cNvCxnSpPr>
+          <p:nvPr/>
+        </p:nvCxnSpPr>
+        <p:spPr>
+          <a:xfrm>
+            <a:off x="9410099" y="3247852"/>
+            <a:ext cx="0" cy="607957"/>
+          </a:xfrm>
+          <a:prstGeom prst="straightConnector1">
+            <a:avLst/>
+          </a:prstGeom>
+          <a:ln w="38100">
+            <a:solidFill>
+              <a:schemeClr val="tx1"/>
+            </a:solidFill>
+            <a:tailEnd type="triangle"/>
+          </a:ln>
+        </p:spPr>
+        <p:style>
+          <a:lnRef idx="1">
+            <a:schemeClr val="accent1"/>
+          </a:lnRef>
+          <a:fillRef idx="0">
+            <a:schemeClr val="accent1"/>
+          </a:fillRef>
+          <a:effectRef idx="0">
+            <a:schemeClr val="accent1"/>
+          </a:effectRef>
+          <a:fontRef idx="minor">
+            <a:schemeClr val="tx1"/>
+          </a:fontRef>
+        </p:style>
+      </p:cxnSp>
     </p:spTree>
     <p:extLst>
       <p:ext uri="{BB962C8B-B14F-4D97-AF65-F5344CB8AC3E}">
@@ -24167,7 +24810,7 @@
           <p:spPr>
             <a:xfrm>
               <a:off x="7442366" y="4038167"/>
-              <a:ext cx="3881263" cy="419025"/>
+              <a:ext cx="3881263" cy="272448"/>
             </a:xfrm>
             <a:prstGeom prst="rect">
               <a:avLst/>
@@ -24186,21 +24829,8 @@
                     <a:schemeClr val="bg1"/>
                   </a:solidFill>
                 </a:rPr>
-                <a:t>관련 </a:t>
-              </a:r>
-              <a:r>
-                <a:rPr lang="en-US" altLang="ko-KR" dirty="0">
-                  <a:solidFill>
-                    <a:schemeClr val="bg1"/>
-                  </a:solidFill>
-                </a:rPr>
-                <a:t>UI</a:t>
-              </a:r>
-              <a:endParaRPr lang="ko-KR" altLang="en-US" dirty="0">
-                <a:solidFill>
-                  <a:schemeClr val="bg1"/>
-                </a:solidFill>
-              </a:endParaRPr>
+                <a:t>개요</a:t>
+              </a:r>
             </a:p>
           </p:txBody>
         </p:sp>
@@ -24220,7 +24850,7 @@
         <p:grpSpPr>
           <a:xfrm>
             <a:off x="0" y="99367"/>
-            <a:ext cx="1532966" cy="620714"/>
+            <a:ext cx="2366682" cy="620714"/>
             <a:chOff x="0" y="231324"/>
             <a:chExt cx="2341178" cy="620714"/>
           </a:xfrm>
@@ -24255,11 +24885,11 @@
             <a:p>
               <a:r>
                 <a:rPr lang="en-US" altLang="ko-KR" sz="2800" b="1" dirty="0"/>
-                <a:t>5. </a:t>
+                <a:t>5.1 </a:t>
               </a:r>
               <a:r>
                 <a:rPr lang="ko-KR" altLang="en-US" sz="2800" b="1" dirty="0"/>
-                <a:t>상점</a:t>
+                <a:t>상점 창</a:t>
               </a:r>
               <a:endParaRPr lang="ko-KR" altLang="en-US" sz="1400" b="1" dirty="0"/>
             </a:p>
@@ -24332,7 +24962,7 @@
         </p:nvGrpSpPr>
         <p:grpSpPr>
           <a:xfrm>
-            <a:off x="6534923" y="1113130"/>
+            <a:off x="6534923" y="1071632"/>
             <a:ext cx="5127680" cy="2926285"/>
             <a:chOff x="6534923" y="1183144"/>
             <a:chExt cx="5127680" cy="2926285"/>
@@ -24829,7 +25459,7 @@
         </p:nvGrpSpPr>
         <p:grpSpPr>
           <a:xfrm>
-            <a:off x="6552920" y="620960"/>
+            <a:off x="6552920" y="643250"/>
             <a:ext cx="1223582" cy="437505"/>
             <a:chOff x="5383928" y="2247900"/>
             <a:chExt cx="2078938" cy="437505"/>
@@ -24949,7 +25579,7 @@
         </p:nvGrpSpPr>
         <p:grpSpPr>
           <a:xfrm>
-            <a:off x="6534922" y="4856432"/>
+            <a:off x="6534922" y="4904879"/>
             <a:ext cx="1466077" cy="437505"/>
             <a:chOff x="5383928" y="2247900"/>
             <a:chExt cx="2078938" cy="437505"/>
@@ -25423,7 +26053,7 @@
     </p:spTree>
     <p:extLst>
       <p:ext uri="{BB962C8B-B14F-4D97-AF65-F5344CB8AC3E}">
-        <p14:creationId xmlns:p14="http://schemas.microsoft.com/office/powerpoint/2010/main" val="3879436252"/>
+        <p14:creationId xmlns:p14="http://schemas.microsoft.com/office/powerpoint/2010/main" val="817278860"/>
       </p:ext>
     </p:extLst>
   </p:cSld>
@@ -25434,6 +26064,931 @@
 </file>
 
 <file path=ppt/slides/slide26.xml><?xml version="1.0" encoding="utf-8"?>
+<p:sld xmlns:a="http://schemas.openxmlformats.org/drawingml/2006/main" xmlns:r="http://schemas.openxmlformats.org/officeDocument/2006/relationships" xmlns:p="http://schemas.openxmlformats.org/presentationml/2006/main">
+  <p:cSld>
+    <p:spTree>
+      <p:nvGrpSpPr>
+        <p:cNvPr id="1" name=""/>
+        <p:cNvGrpSpPr/>
+        <p:nvPr/>
+      </p:nvGrpSpPr>
+      <p:grpSpPr>
+        <a:xfrm>
+          <a:off x="0" y="0"/>
+          <a:ext cx="0" cy="0"/>
+          <a:chOff x="0" y="0"/>
+          <a:chExt cx="0" cy="0"/>
+        </a:xfrm>
+      </p:grpSpPr>
+      <p:grpSp>
+        <p:nvGrpSpPr>
+          <p:cNvPr id="23" name="그룹 22">
+            <a:extLst>
+              <a:ext uri="{FF2B5EF4-FFF2-40B4-BE49-F238E27FC236}">
+                <a16:creationId xmlns:a16="http://schemas.microsoft.com/office/drawing/2014/main" id="{C84C9E02-B559-4FF1-BE61-BB0CD4741D3B}"/>
+              </a:ext>
+            </a:extLst>
+          </p:cNvPr>
+          <p:cNvGrpSpPr/>
+          <p:nvPr/>
+        </p:nvGrpSpPr>
+        <p:grpSpPr>
+          <a:xfrm>
+            <a:off x="525219" y="1215254"/>
+            <a:ext cx="6607294" cy="2696203"/>
+            <a:chOff x="7280649" y="4038167"/>
+            <a:chExt cx="4217057" cy="2389089"/>
+          </a:xfrm>
+        </p:grpSpPr>
+        <p:sp>
+          <p:nvSpPr>
+            <p:cNvPr id="24" name="직사각형 23">
+              <a:extLst>
+                <a:ext uri="{FF2B5EF4-FFF2-40B4-BE49-F238E27FC236}">
+                  <a16:creationId xmlns:a16="http://schemas.microsoft.com/office/drawing/2014/main" id="{ACB38A61-B130-493E-B257-7C7D98BBDD2B}"/>
+                </a:ext>
+              </a:extLst>
+            </p:cNvPr>
+            <p:cNvSpPr/>
+            <p:nvPr/>
+          </p:nvSpPr>
+          <p:spPr>
+            <a:xfrm>
+              <a:off x="7280649" y="4038168"/>
+              <a:ext cx="4217057" cy="2389088"/>
+            </a:xfrm>
+            <a:prstGeom prst="rect">
+              <a:avLst/>
+            </a:prstGeom>
+            <a:solidFill>
+              <a:schemeClr val="tx1"/>
+            </a:solidFill>
+            <a:ln>
+              <a:solidFill>
+                <a:schemeClr val="tx1"/>
+              </a:solidFill>
+            </a:ln>
+          </p:spPr>
+          <p:style>
+            <a:lnRef idx="2">
+              <a:schemeClr val="accent1">
+                <a:shade val="50000"/>
+              </a:schemeClr>
+            </a:lnRef>
+            <a:fillRef idx="1">
+              <a:schemeClr val="accent1"/>
+            </a:fillRef>
+            <a:effectRef idx="0">
+              <a:schemeClr val="accent1"/>
+            </a:effectRef>
+            <a:fontRef idx="minor">
+              <a:schemeClr val="lt1"/>
+            </a:fontRef>
+          </p:style>
+          <p:txBody>
+            <a:bodyPr rtlCol="0" anchor="ctr"/>
+            <a:lstStyle/>
+            <a:p>
+              <a:pPr algn="ctr"/>
+              <a:endParaRPr lang="ko-KR" altLang="en-US"/>
+            </a:p>
+          </p:txBody>
+        </p:sp>
+        <p:sp>
+          <p:nvSpPr>
+            <p:cNvPr id="25" name="직사각형 24">
+              <a:extLst>
+                <a:ext uri="{FF2B5EF4-FFF2-40B4-BE49-F238E27FC236}">
+                  <a16:creationId xmlns:a16="http://schemas.microsoft.com/office/drawing/2014/main" id="{980DB22C-A901-4481-BC3F-76F5CFF2FC78}"/>
+                </a:ext>
+              </a:extLst>
+            </p:cNvPr>
+            <p:cNvSpPr/>
+            <p:nvPr/>
+          </p:nvSpPr>
+          <p:spPr>
+            <a:xfrm>
+              <a:off x="7280649" y="4310615"/>
+              <a:ext cx="4217057" cy="2116641"/>
+            </a:xfrm>
+            <a:prstGeom prst="rect">
+              <a:avLst/>
+            </a:prstGeom>
+            <a:solidFill>
+              <a:schemeClr val="bg1"/>
+            </a:solidFill>
+            <a:ln>
+              <a:solidFill>
+                <a:schemeClr val="tx1"/>
+              </a:solidFill>
+            </a:ln>
+          </p:spPr>
+          <p:style>
+            <a:lnRef idx="2">
+              <a:schemeClr val="accent1">
+                <a:shade val="50000"/>
+              </a:schemeClr>
+            </a:lnRef>
+            <a:fillRef idx="1">
+              <a:schemeClr val="accent1"/>
+            </a:fillRef>
+            <a:effectRef idx="0">
+              <a:schemeClr val="accent1"/>
+            </a:effectRef>
+            <a:fontRef idx="minor">
+              <a:schemeClr val="lt1"/>
+            </a:fontRef>
+          </p:style>
+          <p:txBody>
+            <a:bodyPr rtlCol="0" anchor="ctr"/>
+            <a:lstStyle/>
+            <a:p>
+              <a:pPr marL="285750" indent="-285750">
+                <a:buFont typeface="Arial" panose="020B0604020202020204" pitchFamily="34" charset="0"/>
+                <a:buChar char="•"/>
+              </a:pPr>
+              <a:r>
+                <a:rPr lang="ko-KR" altLang="en-US" dirty="0">
+                  <a:solidFill>
+                    <a:schemeClr val="tx1"/>
+                  </a:solidFill>
+                </a:rPr>
+                <a:t>상점 버튼 </a:t>
+              </a:r>
+              <a:r>
+                <a:rPr lang="ko-KR" altLang="en-US" dirty="0" err="1">
+                  <a:solidFill>
+                    <a:schemeClr val="tx1"/>
+                  </a:solidFill>
+                </a:rPr>
+                <a:t>클릭시</a:t>
+              </a:r>
+              <a:r>
+                <a:rPr lang="ko-KR" altLang="en-US" dirty="0">
+                  <a:solidFill>
+                    <a:schemeClr val="tx1"/>
+                  </a:solidFill>
+                </a:rPr>
+                <a:t> 상점 창 팝업</a:t>
+              </a:r>
+              <a:endParaRPr lang="en-US" altLang="ko-KR" dirty="0">
+                <a:solidFill>
+                  <a:schemeClr val="tx1"/>
+                </a:solidFill>
+              </a:endParaRPr>
+            </a:p>
+            <a:p>
+              <a:pPr marL="285750" indent="-285750">
+                <a:buFont typeface="Arial" panose="020B0604020202020204" pitchFamily="34" charset="0"/>
+                <a:buChar char="•"/>
+              </a:pPr>
+              <a:endParaRPr lang="en-US" altLang="ko-KR" dirty="0">
+                <a:solidFill>
+                  <a:schemeClr val="tx1"/>
+                </a:solidFill>
+              </a:endParaRPr>
+            </a:p>
+            <a:p>
+              <a:pPr marL="285750" indent="-285750">
+                <a:buFont typeface="Arial" panose="020B0604020202020204" pitchFamily="34" charset="0"/>
+                <a:buChar char="•"/>
+              </a:pPr>
+              <a:r>
+                <a:rPr lang="ko-KR" altLang="en-US" dirty="0">
+                  <a:solidFill>
+                    <a:schemeClr val="tx1"/>
+                  </a:solidFill>
+                </a:rPr>
+                <a:t>버튼 이미지가 </a:t>
+              </a:r>
+              <a:r>
+                <a:rPr lang="en-US" altLang="ko-KR" dirty="0">
+                  <a:solidFill>
+                    <a:schemeClr val="tx1"/>
+                  </a:solidFill>
+                </a:rPr>
+                <a:t>1</a:t>
+              </a:r>
+              <a:r>
+                <a:rPr lang="ko-KR" altLang="en-US" dirty="0">
+                  <a:solidFill>
+                    <a:schemeClr val="tx1"/>
+                  </a:solidFill>
+                </a:rPr>
+                <a:t>바퀴 회전하며 화면 하단 중앙으로 이동</a:t>
+              </a:r>
+              <a:br>
+                <a:rPr lang="en-US" altLang="ko-KR" dirty="0">
+                  <a:solidFill>
+                    <a:schemeClr val="tx1"/>
+                  </a:solidFill>
+                </a:rPr>
+              </a:br>
+              <a:r>
+                <a:rPr lang="en-US" altLang="ko-KR" dirty="0">
+                  <a:solidFill>
+                    <a:schemeClr val="tx1"/>
+                  </a:solidFill>
+                </a:rPr>
+                <a:t>		        </a:t>
+              </a:r>
+              <a:r>
+                <a:rPr lang="en-US" altLang="ko-KR" sz="1600" dirty="0">
+                  <a:solidFill>
+                    <a:schemeClr val="tx1"/>
+                  </a:solidFill>
+                </a:rPr>
+                <a:t>(</a:t>
+              </a:r>
+              <a:r>
+                <a:rPr lang="ko-KR" altLang="en-US" sz="1600" dirty="0">
+                  <a:solidFill>
+                    <a:schemeClr val="tx1"/>
+                  </a:solidFill>
+                </a:rPr>
+                <a:t>회전은 시계방향</a:t>
+              </a:r>
+              <a:r>
+                <a:rPr lang="en-US" altLang="ko-KR" sz="1600" dirty="0">
+                  <a:solidFill>
+                    <a:schemeClr val="tx1"/>
+                  </a:solidFill>
+                </a:rPr>
+                <a:t>)</a:t>
+              </a:r>
+              <a:br>
+                <a:rPr lang="en-US" altLang="ko-KR" dirty="0">
+                  <a:solidFill>
+                    <a:schemeClr val="tx1"/>
+                  </a:solidFill>
+                </a:rPr>
+              </a:br>
+              <a:r>
+                <a:rPr lang="ko-KR" altLang="en-US" dirty="0">
+                  <a:solidFill>
+                    <a:schemeClr val="tx1"/>
+                  </a:solidFill>
+                </a:rPr>
+                <a:t>이동 종료 후 버튼 위치에서 </a:t>
+              </a:r>
+              <a:r>
+                <a:rPr lang="en-US" altLang="ko-KR" dirty="0">
+                  <a:solidFill>
+                    <a:schemeClr val="tx1"/>
+                  </a:solidFill>
+                </a:rPr>
+                <a:t>0 to</a:t>
+              </a:r>
+              <a:r>
+                <a:rPr lang="ko-KR" altLang="en-US" dirty="0">
+                  <a:solidFill>
+                    <a:schemeClr val="tx1"/>
+                  </a:solidFill>
+                </a:rPr>
+                <a:t> </a:t>
+              </a:r>
+              <a:r>
+                <a:rPr lang="en-US" altLang="ko-KR" dirty="0">
+                  <a:solidFill>
+                    <a:schemeClr val="tx1"/>
+                  </a:solidFill>
+                </a:rPr>
+                <a:t>1</a:t>
+              </a:r>
+              <a:r>
+                <a:rPr lang="ko-KR" altLang="en-US" dirty="0">
+                  <a:solidFill>
+                    <a:schemeClr val="tx1"/>
+                  </a:solidFill>
+                </a:rPr>
+                <a:t> </a:t>
+              </a:r>
+              <a:r>
+                <a:rPr lang="en-US" altLang="ko-KR" dirty="0">
+                  <a:solidFill>
+                    <a:schemeClr val="tx1"/>
+                  </a:solidFill>
+                </a:rPr>
+                <a:t>(scale) at x axis</a:t>
+              </a:r>
+              <a:r>
+                <a:rPr lang="ko-KR" altLang="en-US" dirty="0">
+                  <a:solidFill>
+                    <a:schemeClr val="tx1"/>
+                  </a:solidFill>
+                </a:rPr>
+                <a:t>로 팝업</a:t>
+              </a:r>
+              <a:endParaRPr lang="en-US" altLang="ko-KR" dirty="0">
+                <a:solidFill>
+                  <a:schemeClr val="tx1"/>
+                </a:solidFill>
+              </a:endParaRPr>
+            </a:p>
+            <a:p>
+              <a:pPr marL="285750" indent="-285750">
+                <a:buFont typeface="Arial" panose="020B0604020202020204" pitchFamily="34" charset="0"/>
+                <a:buChar char="•"/>
+              </a:pPr>
+              <a:endParaRPr lang="en-US" altLang="ko-KR" dirty="0">
+                <a:solidFill>
+                  <a:schemeClr val="tx1"/>
+                </a:solidFill>
+              </a:endParaRPr>
+            </a:p>
+            <a:p>
+              <a:pPr marL="285750" indent="-285750">
+                <a:buFont typeface="Arial" panose="020B0604020202020204" pitchFamily="34" charset="0"/>
+                <a:buChar char="•"/>
+              </a:pPr>
+              <a:r>
+                <a:rPr lang="ko-KR" altLang="en-US" dirty="0">
+                  <a:solidFill>
+                    <a:schemeClr val="tx1"/>
+                  </a:solidFill>
+                </a:rPr>
+                <a:t>탭은 가장 최근에 열었던 탭을 기준으로 열림</a:t>
+              </a:r>
+              <a:br>
+                <a:rPr lang="en-US" altLang="ko-KR" dirty="0">
+                  <a:solidFill>
+                    <a:schemeClr val="tx1"/>
+                  </a:solidFill>
+                </a:rPr>
+              </a:br>
+              <a:r>
+                <a:rPr lang="ko-KR" altLang="en-US" dirty="0">
+                  <a:solidFill>
+                    <a:schemeClr val="tx1"/>
+                  </a:solidFill>
+                </a:rPr>
+                <a:t>최근에 열었던 탭이 없는 경우는 탭</a:t>
+              </a:r>
+              <a:r>
+                <a:rPr lang="en-US" altLang="ko-KR" dirty="0">
+                  <a:solidFill>
+                    <a:schemeClr val="tx1"/>
+                  </a:solidFill>
+                </a:rPr>
+                <a:t>1</a:t>
+              </a:r>
+            </a:p>
+          </p:txBody>
+        </p:sp>
+        <p:sp>
+          <p:nvSpPr>
+            <p:cNvPr id="26" name="TextBox 25">
+              <a:extLst>
+                <a:ext uri="{FF2B5EF4-FFF2-40B4-BE49-F238E27FC236}">
+                  <a16:creationId xmlns:a16="http://schemas.microsoft.com/office/drawing/2014/main" id="{8A314BEB-84D8-49EB-B61D-DD2705D8297D}"/>
+                </a:ext>
+              </a:extLst>
+            </p:cNvPr>
+            <p:cNvSpPr txBox="1"/>
+            <p:nvPr/>
+          </p:nvSpPr>
+          <p:spPr>
+            <a:xfrm>
+              <a:off x="7442366" y="4038167"/>
+              <a:ext cx="3881263" cy="272448"/>
+            </a:xfrm>
+            <a:prstGeom prst="rect">
+              <a:avLst/>
+            </a:prstGeom>
+            <a:noFill/>
+          </p:spPr>
+          <p:txBody>
+            <a:bodyPr wrap="square" rtlCol="0">
+              <a:spAutoFit/>
+            </a:bodyPr>
+            <a:lstStyle/>
+            <a:p>
+              <a:r>
+                <a:rPr lang="ko-KR" altLang="en-US" dirty="0">
+                  <a:solidFill>
+                    <a:schemeClr val="bg1"/>
+                  </a:solidFill>
+                </a:rPr>
+                <a:t>상점 창 팝업</a:t>
+              </a:r>
+            </a:p>
+          </p:txBody>
+        </p:sp>
+      </p:grpSp>
+      <p:grpSp>
+        <p:nvGrpSpPr>
+          <p:cNvPr id="13" name="그룹 12">
+            <a:extLst>
+              <a:ext uri="{FF2B5EF4-FFF2-40B4-BE49-F238E27FC236}">
+                <a16:creationId xmlns:a16="http://schemas.microsoft.com/office/drawing/2014/main" id="{11613AEF-41F3-4537-AEC6-1C4C77CF07BA}"/>
+              </a:ext>
+            </a:extLst>
+          </p:cNvPr>
+          <p:cNvGrpSpPr/>
+          <p:nvPr/>
+        </p:nvGrpSpPr>
+        <p:grpSpPr>
+          <a:xfrm>
+            <a:off x="0" y="99367"/>
+            <a:ext cx="2366682" cy="620714"/>
+            <a:chOff x="0" y="231324"/>
+            <a:chExt cx="2341178" cy="620714"/>
+          </a:xfrm>
+        </p:grpSpPr>
+        <p:sp>
+          <p:nvSpPr>
+            <p:cNvPr id="14" name="TextBox 13">
+              <a:extLst>
+                <a:ext uri="{FF2B5EF4-FFF2-40B4-BE49-F238E27FC236}">
+                  <a16:creationId xmlns:a16="http://schemas.microsoft.com/office/drawing/2014/main" id="{03594E88-2EA4-4B62-8D41-791E6C37F386}"/>
+                </a:ext>
+              </a:extLst>
+            </p:cNvPr>
+            <p:cNvSpPr txBox="1"/>
+            <p:nvPr/>
+          </p:nvSpPr>
+          <p:spPr>
+            <a:xfrm>
+              <a:off x="0" y="231324"/>
+              <a:ext cx="2341178" cy="523220"/>
+            </a:xfrm>
+            <a:prstGeom prst="rect">
+              <a:avLst/>
+            </a:prstGeom>
+            <a:noFill/>
+          </p:spPr>
+          <p:txBody>
+            <a:bodyPr wrap="square" rtlCol="0">
+              <a:spAutoFit/>
+            </a:bodyPr>
+            <a:lstStyle/>
+            <a:p>
+              <a:r>
+                <a:rPr lang="en-US" altLang="ko-KR" sz="2800" b="1" dirty="0"/>
+                <a:t>5.1 </a:t>
+              </a:r>
+              <a:r>
+                <a:rPr lang="ko-KR" altLang="en-US" sz="2800" b="1" dirty="0"/>
+                <a:t>상점 창</a:t>
+              </a:r>
+              <a:endParaRPr lang="ko-KR" altLang="en-US" sz="1400" b="1" dirty="0"/>
+            </a:p>
+          </p:txBody>
+        </p:sp>
+        <p:sp>
+          <p:nvSpPr>
+            <p:cNvPr id="15" name="평행 사변형 14">
+              <a:extLst>
+                <a:ext uri="{FF2B5EF4-FFF2-40B4-BE49-F238E27FC236}">
+                  <a16:creationId xmlns:a16="http://schemas.microsoft.com/office/drawing/2014/main" id="{BC8FEDDD-5135-4889-876B-1070125CD6BB}"/>
+                </a:ext>
+              </a:extLst>
+            </p:cNvPr>
+            <p:cNvSpPr/>
+            <p:nvPr/>
+          </p:nvSpPr>
+          <p:spPr>
+            <a:xfrm>
+              <a:off x="0" y="787975"/>
+              <a:ext cx="2196000" cy="64063"/>
+            </a:xfrm>
+            <a:prstGeom prst="parallelogram">
+              <a:avLst/>
+            </a:prstGeom>
+            <a:solidFill>
+              <a:schemeClr val="tx1"/>
+            </a:solidFill>
+            <a:ln>
+              <a:noFill/>
+            </a:ln>
+          </p:spPr>
+          <p:style>
+            <a:lnRef idx="2">
+              <a:schemeClr val="accent1">
+                <a:shade val="50000"/>
+              </a:schemeClr>
+            </a:lnRef>
+            <a:fillRef idx="1">
+              <a:schemeClr val="accent1"/>
+            </a:fillRef>
+            <a:effectRef idx="0">
+              <a:schemeClr val="accent1"/>
+            </a:effectRef>
+            <a:fontRef idx="minor">
+              <a:schemeClr val="lt1"/>
+            </a:fontRef>
+          </p:style>
+          <p:txBody>
+            <a:bodyPr rtlCol="0" anchor="ctr"/>
+            <a:lstStyle/>
+            <a:p>
+              <a:pPr algn="ctr"/>
+              <a:endParaRPr lang="ko-KR" altLang="en-US" dirty="0"/>
+            </a:p>
+          </p:txBody>
+        </p:sp>
+      </p:grpSp>
+      <p:grpSp>
+        <p:nvGrpSpPr>
+          <p:cNvPr id="32" name="그룹 31">
+            <a:extLst>
+              <a:ext uri="{FF2B5EF4-FFF2-40B4-BE49-F238E27FC236}">
+                <a16:creationId xmlns:a16="http://schemas.microsoft.com/office/drawing/2014/main" id="{67C4597E-8D0F-4B90-8916-34AB1AFFF056}"/>
+              </a:ext>
+            </a:extLst>
+          </p:cNvPr>
+          <p:cNvGrpSpPr/>
+          <p:nvPr/>
+        </p:nvGrpSpPr>
+        <p:grpSpPr>
+          <a:xfrm>
+            <a:off x="525218" y="4406630"/>
+            <a:ext cx="6607293" cy="1795352"/>
+            <a:chOff x="7280649" y="4038167"/>
+            <a:chExt cx="4217057" cy="2389089"/>
+          </a:xfrm>
+        </p:grpSpPr>
+        <p:sp>
+          <p:nvSpPr>
+            <p:cNvPr id="33" name="직사각형 32">
+              <a:extLst>
+                <a:ext uri="{FF2B5EF4-FFF2-40B4-BE49-F238E27FC236}">
+                  <a16:creationId xmlns:a16="http://schemas.microsoft.com/office/drawing/2014/main" id="{852B6A15-69EA-48FC-9C47-C3025768825D}"/>
+                </a:ext>
+              </a:extLst>
+            </p:cNvPr>
+            <p:cNvSpPr/>
+            <p:nvPr/>
+          </p:nvSpPr>
+          <p:spPr>
+            <a:xfrm>
+              <a:off x="7280649" y="4038168"/>
+              <a:ext cx="4217057" cy="2389088"/>
+            </a:xfrm>
+            <a:prstGeom prst="rect">
+              <a:avLst/>
+            </a:prstGeom>
+            <a:solidFill>
+              <a:schemeClr val="tx1"/>
+            </a:solidFill>
+            <a:ln>
+              <a:solidFill>
+                <a:schemeClr val="tx1"/>
+              </a:solidFill>
+            </a:ln>
+          </p:spPr>
+          <p:style>
+            <a:lnRef idx="2">
+              <a:schemeClr val="accent1">
+                <a:shade val="50000"/>
+              </a:schemeClr>
+            </a:lnRef>
+            <a:fillRef idx="1">
+              <a:schemeClr val="accent1"/>
+            </a:fillRef>
+            <a:effectRef idx="0">
+              <a:schemeClr val="accent1"/>
+            </a:effectRef>
+            <a:fontRef idx="minor">
+              <a:schemeClr val="lt1"/>
+            </a:fontRef>
+          </p:style>
+          <p:txBody>
+            <a:bodyPr rtlCol="0" anchor="ctr"/>
+            <a:lstStyle/>
+            <a:p>
+              <a:pPr algn="ctr"/>
+              <a:endParaRPr lang="ko-KR" altLang="en-US"/>
+            </a:p>
+          </p:txBody>
+        </p:sp>
+        <p:sp>
+          <p:nvSpPr>
+            <p:cNvPr id="34" name="직사각형 33">
+              <a:extLst>
+                <a:ext uri="{FF2B5EF4-FFF2-40B4-BE49-F238E27FC236}">
+                  <a16:creationId xmlns:a16="http://schemas.microsoft.com/office/drawing/2014/main" id="{D2C49E10-8FB6-4A59-BF16-0F91F033F2ED}"/>
+                </a:ext>
+              </a:extLst>
+            </p:cNvPr>
+            <p:cNvSpPr/>
+            <p:nvPr/>
+          </p:nvSpPr>
+          <p:spPr>
+            <a:xfrm>
+              <a:off x="7280649" y="4530082"/>
+              <a:ext cx="4217057" cy="1897174"/>
+            </a:xfrm>
+            <a:prstGeom prst="rect">
+              <a:avLst/>
+            </a:prstGeom>
+            <a:solidFill>
+              <a:schemeClr val="bg1"/>
+            </a:solidFill>
+            <a:ln>
+              <a:solidFill>
+                <a:schemeClr val="tx1"/>
+              </a:solidFill>
+            </a:ln>
+          </p:spPr>
+          <p:style>
+            <a:lnRef idx="2">
+              <a:schemeClr val="accent1">
+                <a:shade val="50000"/>
+              </a:schemeClr>
+            </a:lnRef>
+            <a:fillRef idx="1">
+              <a:schemeClr val="accent1"/>
+            </a:fillRef>
+            <a:effectRef idx="0">
+              <a:schemeClr val="accent1"/>
+            </a:effectRef>
+            <a:fontRef idx="minor">
+              <a:schemeClr val="lt1"/>
+            </a:fontRef>
+          </p:style>
+          <p:txBody>
+            <a:bodyPr rtlCol="0" anchor="ctr"/>
+            <a:lstStyle/>
+            <a:p>
+              <a:pPr marL="285750" indent="-285750">
+                <a:buFont typeface="Arial" panose="020B0604020202020204" pitchFamily="34" charset="0"/>
+                <a:buChar char="•"/>
+              </a:pPr>
+              <a:r>
+                <a:rPr lang="ko-KR" altLang="en-US" dirty="0">
+                  <a:solidFill>
+                    <a:schemeClr val="tx1"/>
+                  </a:solidFill>
+                </a:rPr>
+                <a:t>내리기 버튼 </a:t>
+              </a:r>
+              <a:r>
+                <a:rPr lang="ko-KR" altLang="en-US" dirty="0" err="1">
+                  <a:solidFill>
+                    <a:schemeClr val="tx1"/>
+                  </a:solidFill>
+                </a:rPr>
+                <a:t>클릭시</a:t>
+              </a:r>
+              <a:r>
+                <a:rPr lang="en-US" altLang="ko-KR" dirty="0">
+                  <a:solidFill>
+                    <a:schemeClr val="tx1"/>
+                  </a:solidFill>
+                </a:rPr>
+                <a:t> </a:t>
+              </a:r>
+              <a:r>
+                <a:rPr lang="ko-KR" altLang="en-US" dirty="0">
+                  <a:solidFill>
+                    <a:schemeClr val="tx1"/>
+                  </a:solidFill>
+                </a:rPr>
+                <a:t>팝업의 역순으로 종료</a:t>
+              </a:r>
+              <a:br>
+                <a:rPr lang="en-US" altLang="ko-KR" dirty="0">
+                  <a:solidFill>
+                    <a:schemeClr val="tx1"/>
+                  </a:solidFill>
+                </a:rPr>
+              </a:br>
+              <a:r>
+                <a:rPr lang="en-US" altLang="ko-KR" dirty="0">
+                  <a:solidFill>
+                    <a:schemeClr val="tx1"/>
+                  </a:solidFill>
+                </a:rPr>
+                <a:t>1 to 0 (scale) at x axis </a:t>
+              </a:r>
+              <a:r>
+                <a:rPr lang="ko-KR" altLang="en-US" dirty="0">
+                  <a:solidFill>
+                    <a:schemeClr val="tx1"/>
+                  </a:solidFill>
+                </a:rPr>
+                <a:t>후 중앙부 버튼이 원래 자리로</a:t>
+              </a:r>
+              <a:endParaRPr lang="en-US" altLang="ko-KR" dirty="0">
+                <a:solidFill>
+                  <a:schemeClr val="tx1"/>
+                </a:solidFill>
+              </a:endParaRPr>
+            </a:p>
+          </p:txBody>
+        </p:sp>
+        <p:sp>
+          <p:nvSpPr>
+            <p:cNvPr id="35" name="TextBox 34">
+              <a:extLst>
+                <a:ext uri="{FF2B5EF4-FFF2-40B4-BE49-F238E27FC236}">
+                  <a16:creationId xmlns:a16="http://schemas.microsoft.com/office/drawing/2014/main" id="{79BF3240-11D1-426D-9FC4-FE5705A20A04}"/>
+                </a:ext>
+              </a:extLst>
+            </p:cNvPr>
+            <p:cNvSpPr txBox="1"/>
+            <p:nvPr/>
+          </p:nvSpPr>
+          <p:spPr>
+            <a:xfrm>
+              <a:off x="7442366" y="4038167"/>
+              <a:ext cx="3881263" cy="272448"/>
+            </a:xfrm>
+            <a:prstGeom prst="rect">
+              <a:avLst/>
+            </a:prstGeom>
+            <a:noFill/>
+          </p:spPr>
+          <p:txBody>
+            <a:bodyPr wrap="square" rtlCol="0">
+              <a:spAutoFit/>
+            </a:bodyPr>
+            <a:lstStyle/>
+            <a:p>
+              <a:r>
+                <a:rPr lang="ko-KR" altLang="en-US" dirty="0">
+                  <a:solidFill>
+                    <a:schemeClr val="bg1"/>
+                  </a:solidFill>
+                </a:rPr>
+                <a:t>상점 창 종료</a:t>
+              </a:r>
+            </a:p>
+          </p:txBody>
+        </p:sp>
+      </p:grpSp>
+      <p:pic>
+        <p:nvPicPr>
+          <p:cNvPr id="36" name="그림 35">
+            <a:extLst>
+              <a:ext uri="{FF2B5EF4-FFF2-40B4-BE49-F238E27FC236}">
+                <a16:creationId xmlns:a16="http://schemas.microsoft.com/office/drawing/2014/main" id="{6B046708-98C6-4951-B16B-139A15392C5C}"/>
+              </a:ext>
+            </a:extLst>
+          </p:cNvPr>
+          <p:cNvPicPr>
+            <a:picLocks noChangeAspect="1"/>
+          </p:cNvPicPr>
+          <p:nvPr/>
+        </p:nvPicPr>
+        <p:blipFill>
+          <a:blip r:embed="rId3">
+            <a:extLst>
+              <a:ext uri="{28A0092B-C50C-407E-A947-70E740481C1C}">
+                <a14:useLocalDpi xmlns:a14="http://schemas.microsoft.com/office/drawing/2010/main" val="0"/>
+              </a:ext>
+            </a:extLst>
+          </a:blip>
+          <a:stretch>
+            <a:fillRect/>
+          </a:stretch>
+        </p:blipFill>
+        <p:spPr>
+          <a:xfrm>
+            <a:off x="7647231" y="360977"/>
+            <a:ext cx="4019550" cy="6429375"/>
+          </a:xfrm>
+          <a:prstGeom prst="rect">
+            <a:avLst/>
+          </a:prstGeom>
+        </p:spPr>
+      </p:pic>
+      <p:grpSp>
+        <p:nvGrpSpPr>
+          <p:cNvPr id="17" name="그룹 16">
+            <a:extLst>
+              <a:ext uri="{FF2B5EF4-FFF2-40B4-BE49-F238E27FC236}">
+                <a16:creationId xmlns:a16="http://schemas.microsoft.com/office/drawing/2014/main" id="{3F10AD25-1DEF-43F1-9AF3-33658BC71DFF}"/>
+              </a:ext>
+            </a:extLst>
+          </p:cNvPr>
+          <p:cNvGrpSpPr/>
+          <p:nvPr/>
+        </p:nvGrpSpPr>
+        <p:grpSpPr>
+          <a:xfrm>
+            <a:off x="7647231" y="352768"/>
+            <a:ext cx="1223582" cy="437505"/>
+            <a:chOff x="5383928" y="2247900"/>
+            <a:chExt cx="2078938" cy="437505"/>
+          </a:xfrm>
+        </p:grpSpPr>
+        <p:sp>
+          <p:nvSpPr>
+            <p:cNvPr id="20" name="화살표: 오각형 19">
+              <a:extLst>
+                <a:ext uri="{FF2B5EF4-FFF2-40B4-BE49-F238E27FC236}">
+                  <a16:creationId xmlns:a16="http://schemas.microsoft.com/office/drawing/2014/main" id="{8E65393D-F284-431B-BF7E-A388737C65A4}"/>
+                </a:ext>
+              </a:extLst>
+            </p:cNvPr>
+            <p:cNvSpPr/>
+            <p:nvPr/>
+          </p:nvSpPr>
+          <p:spPr>
+            <a:xfrm>
+              <a:off x="5383928" y="2247900"/>
+              <a:ext cx="2078938" cy="437505"/>
+            </a:xfrm>
+            <a:prstGeom prst="homePlate">
+              <a:avLst>
+                <a:gd name="adj" fmla="val 30404"/>
+              </a:avLst>
+            </a:prstGeom>
+            <a:solidFill>
+              <a:schemeClr val="bg1"/>
+            </a:solidFill>
+            <a:ln w="28575">
+              <a:solidFill>
+                <a:schemeClr val="tx1"/>
+              </a:solidFill>
+            </a:ln>
+          </p:spPr>
+          <p:style>
+            <a:lnRef idx="2">
+              <a:schemeClr val="accent1">
+                <a:shade val="50000"/>
+              </a:schemeClr>
+            </a:lnRef>
+            <a:fillRef idx="1">
+              <a:schemeClr val="accent1"/>
+            </a:fillRef>
+            <a:effectRef idx="0">
+              <a:schemeClr val="accent1"/>
+            </a:effectRef>
+            <a:fontRef idx="minor">
+              <a:schemeClr val="lt1"/>
+            </a:fontRef>
+          </p:style>
+          <p:txBody>
+            <a:bodyPr rtlCol="0" anchor="ctr"/>
+            <a:lstStyle/>
+            <a:p>
+              <a:pPr algn="ctr"/>
+              <a:endParaRPr lang="ko-KR" altLang="en-US" dirty="0">
+                <a:solidFill>
+                  <a:schemeClr val="tx1"/>
+                </a:solidFill>
+              </a:endParaRPr>
+            </a:p>
+          </p:txBody>
+        </p:sp>
+        <p:sp>
+          <p:nvSpPr>
+            <p:cNvPr id="21" name="TextBox 20">
+              <a:extLst>
+                <a:ext uri="{FF2B5EF4-FFF2-40B4-BE49-F238E27FC236}">
+                  <a16:creationId xmlns:a16="http://schemas.microsoft.com/office/drawing/2014/main" id="{78CC7B09-5085-4124-BD29-5EB90585401E}"/>
+                </a:ext>
+              </a:extLst>
+            </p:cNvPr>
+            <p:cNvSpPr txBox="1"/>
+            <p:nvPr/>
+          </p:nvSpPr>
+          <p:spPr>
+            <a:xfrm>
+              <a:off x="5393132" y="2281986"/>
+              <a:ext cx="1814461" cy="369332"/>
+            </a:xfrm>
+            <a:prstGeom prst="rect">
+              <a:avLst/>
+            </a:prstGeom>
+            <a:noFill/>
+          </p:spPr>
+          <p:txBody>
+            <a:bodyPr wrap="none" rtlCol="0">
+              <a:spAutoFit/>
+            </a:bodyPr>
+            <a:lstStyle/>
+            <a:p>
+              <a:r>
+                <a:rPr lang="en-US" altLang="ko-KR" dirty="0"/>
+                <a:t>GIF </a:t>
+              </a:r>
+              <a:r>
+                <a:rPr lang="ko-KR" altLang="en-US" dirty="0"/>
+                <a:t>자료</a:t>
+              </a:r>
+              <a:endParaRPr lang="en-US" altLang="ko-KR" dirty="0"/>
+            </a:p>
+          </p:txBody>
+        </p:sp>
+      </p:grpSp>
+    </p:spTree>
+    <p:extLst>
+      <p:ext uri="{BB962C8B-B14F-4D97-AF65-F5344CB8AC3E}">
+        <p14:creationId xmlns:p14="http://schemas.microsoft.com/office/powerpoint/2010/main" val="1254142597"/>
+      </p:ext>
+    </p:extLst>
+  </p:cSld>
+  <p:clrMapOvr>
+    <a:masterClrMapping/>
+  </p:clrMapOvr>
+</p:sld>
+</file>
+
+<file path=ppt/slides/slide27.xml><?xml version="1.0" encoding="utf-8"?>
 <p:sld xmlns:a="http://schemas.openxmlformats.org/drawingml/2006/main" xmlns:r="http://schemas.openxmlformats.org/officeDocument/2006/relationships" xmlns:p="http://schemas.openxmlformats.org/presentationml/2006/main">
   <p:cSld>
     <p:spTree>
@@ -25500,7 +27055,7 @@
 </p:sld>
 </file>
 
-<file path=ppt/slides/slide27.xml><?xml version="1.0" encoding="utf-8"?>
+<file path=ppt/slides/slide28.xml><?xml version="1.0" encoding="utf-8"?>
 <p:sld xmlns:a="http://schemas.openxmlformats.org/drawingml/2006/main" xmlns:r="http://schemas.openxmlformats.org/officeDocument/2006/relationships" xmlns:p="http://schemas.openxmlformats.org/presentationml/2006/main">
   <p:cSld>
     <p:spTree>
@@ -26347,7 +27902,7 @@
         <p:spPr>
           <a:xfrm>
             <a:off x="1092199" y="1194774"/>
-            <a:ext cx="9691915" cy="2862322"/>
+            <a:ext cx="9691915" cy="3170099"/>
           </a:xfrm>
           <a:prstGeom prst="rect">
             <a:avLst/>
@@ -26464,12 +28019,24 @@
             <a:endParaRPr lang="en-US" altLang="ko-KR" sz="2000" dirty="0"/>
           </a:p>
           <a:p>
+            <a:pPr marL="800100" lvl="1" indent="-342900">
+              <a:buAutoNum type="arabicPeriod"/>
+            </a:pPr>
+            <a:r>
+              <a:rPr lang="ko-KR" altLang="en-US" sz="2000" dirty="0">
+                <a:hlinkClick r:id="rId10" action="ppaction://hlinksldjump"/>
+              </a:rPr>
+              <a:t>상점 창</a:t>
+            </a:r>
+            <a:endParaRPr lang="en-US" altLang="ko-KR" sz="2000" dirty="0"/>
+          </a:p>
+          <a:p>
             <a:pPr marL="342900" indent="-342900">
               <a:buAutoNum type="arabicPeriod"/>
             </a:pPr>
             <a:r>
               <a:rPr lang="ko-KR" altLang="en-US" sz="2000" dirty="0">
-                <a:hlinkClick r:id="rId10" action="ppaction://hlinksldjump"/>
+                <a:hlinkClick r:id="rId11" action="ppaction://hlinksldjump"/>
               </a:rPr>
               <a:t>숫자 표기 시스템</a:t>
             </a:r>
@@ -29765,6 +31332,12 @@
 </file>
 
 <file path=customXml/item1.xml><?xml version="1.0" encoding="utf-8"?>
+<p:properties xmlns:p="http://schemas.microsoft.com/office/2006/metadata/properties" xmlns:xsi="http://www.w3.org/2001/XMLSchema-instance" xmlns:pc="http://schemas.microsoft.com/office/infopath/2007/PartnerControls">
+  <documentManagement/>
+</p:properties>
+</file>
+
+<file path=customXml/item2.xml><?xml version="1.0" encoding="utf-8"?>
 <ct:contentTypeSchema xmlns:ct="http://schemas.microsoft.com/office/2006/metadata/contentType" xmlns:ma="http://schemas.microsoft.com/office/2006/metadata/properties/metaAttributes" ct:_="" ma:_="" ma:contentTypeName="문서" ma:contentTypeID="0x0101001DBB2B28955C594DB24AF1F5BB7336C8" ma:contentTypeVersion="2" ma:contentTypeDescription="새 문서를 만듭니다." ma:contentTypeScope="" ma:versionID="f2fa06709d317143d893a6f8ce6ede6a">
   <xsd:schema xmlns:xsd="http://www.w3.org/2001/XMLSchema" xmlns:xs="http://www.w3.org/2001/XMLSchema" xmlns:p="http://schemas.microsoft.com/office/2006/metadata/properties" xmlns:ns3="5555129b-2418-4d50-9dfa-7b95714945fa" targetNamespace="http://schemas.microsoft.com/office/2006/metadata/properties" ma:root="true" ma:fieldsID="e8dc87fcc42539e288ba896fdb612da0" ns3:_="">
     <xsd:import namespace="5555129b-2418-4d50-9dfa-7b95714945fa"/>
@@ -29896,12 +31469,6 @@
 </ct:contentTypeSchema>
 </file>
 
-<file path=customXml/item2.xml><?xml version="1.0" encoding="utf-8"?>
-<p:properties xmlns:p="http://schemas.microsoft.com/office/2006/metadata/properties" xmlns:xsi="http://www.w3.org/2001/XMLSchema-instance" xmlns:pc="http://schemas.microsoft.com/office/infopath/2007/PartnerControls">
-  <documentManagement/>
-</p:properties>
-</file>
-
 <file path=customXml/item3.xml><?xml version="1.0" encoding="utf-8"?>
 <?mso-contentType ?>
 <FormTemplates xmlns="http://schemas.microsoft.com/sharepoint/v3/contenttype/forms">
@@ -29912,6 +31479,15 @@
 </file>
 
 <file path=customXml/itemProps1.xml><?xml version="1.0" encoding="utf-8"?>
+<ds:datastoreItem xmlns:ds="http://schemas.openxmlformats.org/officeDocument/2006/customXml" ds:itemID="{A23103BA-1CDF-42E2-84EF-97766276A752}">
+  <ds:schemaRefs>
+    <ds:schemaRef ds:uri="http://schemas.microsoft.com/office/2006/metadata/properties"/>
+    <ds:schemaRef ds:uri="http://schemas.microsoft.com/office/infopath/2007/PartnerControls"/>
+  </ds:schemaRefs>
+</ds:datastoreItem>
+</file>
+
+<file path=customXml/itemProps2.xml><?xml version="1.0" encoding="utf-8"?>
 <ds:datastoreItem xmlns:ds="http://schemas.openxmlformats.org/officeDocument/2006/customXml" ds:itemID="{A1191A0A-B4A1-4213-A2EE-9C9D701194F6}">
   <ds:schemaRefs>
     <ds:schemaRef ds:uri="http://schemas.microsoft.com/office/2006/metadata/contentType"/>
@@ -29929,15 +31505,6 @@
 </ds:datastoreItem>
 </file>
 
-<file path=customXml/itemProps2.xml><?xml version="1.0" encoding="utf-8"?>
-<ds:datastoreItem xmlns:ds="http://schemas.openxmlformats.org/officeDocument/2006/customXml" ds:itemID="{A23103BA-1CDF-42E2-84EF-97766276A752}">
-  <ds:schemaRefs>
-    <ds:schemaRef ds:uri="http://schemas.microsoft.com/office/2006/metadata/properties"/>
-    <ds:schemaRef ds:uri="http://schemas.microsoft.com/office/infopath/2007/PartnerControls"/>
-  </ds:schemaRefs>
-</ds:datastoreItem>
-</file>
-
 <file path=customXml/itemProps3.xml><?xml version="1.0" encoding="utf-8"?>
 <ds:datastoreItem xmlns:ds="http://schemas.openxmlformats.org/officeDocument/2006/customXml" ds:itemID="{4C7A472F-9902-4104-BCF0-D4754C77190F}">
   <ds:schemaRefs>

--- a/기획서/당근키우기 시스템.pptx
+++ b/기획서/당근키우기 시스템.pptx
@@ -25579,7 +25579,7 @@
         </p:nvGrpSpPr>
         <p:grpSpPr>
           <a:xfrm>
-            <a:off x="6534922" y="4904879"/>
+            <a:off x="6516927" y="4904879"/>
             <a:ext cx="1466077" cy="437505"/>
             <a:chOff x="5383928" y="2247900"/>
             <a:chExt cx="2078938" cy="437505"/>
@@ -26422,10 +26422,18 @@
                     <a:schemeClr val="tx1"/>
                   </a:solidFill>
                 </a:rPr>
-                <a:t>최근에 열었던 탭이 없는 경우는 탭</a:t>
-              </a:r>
-              <a:r>
-                <a:rPr lang="en-US" altLang="ko-KR" dirty="0">
+                <a:t>최근에 열었던 탭이 없는 경우는 </a:t>
+              </a:r>
+              <a:r>
+                <a:rPr lang="ko-KR" altLang="en-US" i="1" dirty="0">
+                  <a:solidFill>
+                    <a:schemeClr val="tx1"/>
+                  </a:solidFill>
+                </a:rPr>
+                <a:t>탭</a:t>
+              </a:r>
+              <a:r>
+                <a:rPr lang="en-US" altLang="ko-KR" i="1" dirty="0">
                   <a:solidFill>
                     <a:schemeClr val="tx1"/>
                   </a:solidFill>
@@ -31332,12 +31340,6 @@
 </file>
 
 <file path=customXml/item1.xml><?xml version="1.0" encoding="utf-8"?>
-<p:properties xmlns:p="http://schemas.microsoft.com/office/2006/metadata/properties" xmlns:xsi="http://www.w3.org/2001/XMLSchema-instance" xmlns:pc="http://schemas.microsoft.com/office/infopath/2007/PartnerControls">
-  <documentManagement/>
-</p:properties>
-</file>
-
-<file path=customXml/item2.xml><?xml version="1.0" encoding="utf-8"?>
 <ct:contentTypeSchema xmlns:ct="http://schemas.microsoft.com/office/2006/metadata/contentType" xmlns:ma="http://schemas.microsoft.com/office/2006/metadata/properties/metaAttributes" ct:_="" ma:_="" ma:contentTypeName="문서" ma:contentTypeID="0x0101001DBB2B28955C594DB24AF1F5BB7336C8" ma:contentTypeVersion="2" ma:contentTypeDescription="새 문서를 만듭니다." ma:contentTypeScope="" ma:versionID="f2fa06709d317143d893a6f8ce6ede6a">
   <xsd:schema xmlns:xsd="http://www.w3.org/2001/XMLSchema" xmlns:xs="http://www.w3.org/2001/XMLSchema" xmlns:p="http://schemas.microsoft.com/office/2006/metadata/properties" xmlns:ns3="5555129b-2418-4d50-9dfa-7b95714945fa" targetNamespace="http://schemas.microsoft.com/office/2006/metadata/properties" ma:root="true" ma:fieldsID="e8dc87fcc42539e288ba896fdb612da0" ns3:_="">
     <xsd:import namespace="5555129b-2418-4d50-9dfa-7b95714945fa"/>
@@ -31469,6 +31471,12 @@
 </ct:contentTypeSchema>
 </file>
 
+<file path=customXml/item2.xml><?xml version="1.0" encoding="utf-8"?>
+<p:properties xmlns:p="http://schemas.microsoft.com/office/2006/metadata/properties" xmlns:xsi="http://www.w3.org/2001/XMLSchema-instance" xmlns:pc="http://schemas.microsoft.com/office/infopath/2007/PartnerControls">
+  <documentManagement/>
+</p:properties>
+</file>
+
 <file path=customXml/item3.xml><?xml version="1.0" encoding="utf-8"?>
 <?mso-contentType ?>
 <FormTemplates xmlns="http://schemas.microsoft.com/sharepoint/v3/contenttype/forms">
@@ -31479,15 +31487,6 @@
 </file>
 
 <file path=customXml/itemProps1.xml><?xml version="1.0" encoding="utf-8"?>
-<ds:datastoreItem xmlns:ds="http://schemas.openxmlformats.org/officeDocument/2006/customXml" ds:itemID="{A23103BA-1CDF-42E2-84EF-97766276A752}">
-  <ds:schemaRefs>
-    <ds:schemaRef ds:uri="http://schemas.microsoft.com/office/2006/metadata/properties"/>
-    <ds:schemaRef ds:uri="http://schemas.microsoft.com/office/infopath/2007/PartnerControls"/>
-  </ds:schemaRefs>
-</ds:datastoreItem>
-</file>
-
-<file path=customXml/itemProps2.xml><?xml version="1.0" encoding="utf-8"?>
 <ds:datastoreItem xmlns:ds="http://schemas.openxmlformats.org/officeDocument/2006/customXml" ds:itemID="{A1191A0A-B4A1-4213-A2EE-9C9D701194F6}">
   <ds:schemaRefs>
     <ds:schemaRef ds:uri="http://schemas.microsoft.com/office/2006/metadata/contentType"/>
@@ -31505,6 +31504,15 @@
 </ds:datastoreItem>
 </file>
 
+<file path=customXml/itemProps2.xml><?xml version="1.0" encoding="utf-8"?>
+<ds:datastoreItem xmlns:ds="http://schemas.openxmlformats.org/officeDocument/2006/customXml" ds:itemID="{A23103BA-1CDF-42E2-84EF-97766276A752}">
+  <ds:schemaRefs>
+    <ds:schemaRef ds:uri="http://schemas.microsoft.com/office/2006/metadata/properties"/>
+    <ds:schemaRef ds:uri="http://schemas.microsoft.com/office/infopath/2007/PartnerControls"/>
+  </ds:schemaRefs>
+</ds:datastoreItem>
+</file>
+
 <file path=customXml/itemProps3.xml><?xml version="1.0" encoding="utf-8"?>
 <ds:datastoreItem xmlns:ds="http://schemas.openxmlformats.org/officeDocument/2006/customXml" ds:itemID="{4C7A472F-9902-4104-BCF0-D4754C77190F}">
   <ds:schemaRefs>

--- a/기획서/당근키우기 시스템.pptx
+++ b/기획서/당근키우기 시스템.pptx
@@ -6148,7 +6148,7 @@
           <a:p>
             <a:fld id="{D6F8FF3C-9381-4334-95AA-ABB07BBFE4B0}" type="datetimeFigureOut">
               <a:rPr lang="ko-KR" altLang="en-US" smtClean="0"/>
-              <a:t>2020-11-05</a:t>
+              <a:t>2020-11-06</a:t>
             </a:fld>
             <a:endParaRPr lang="ko-KR" altLang="en-US"/>
           </a:p>
@@ -7357,6 +7357,180 @@
               <a:rPr lang="ko-KR" altLang="en-US" sz="1200" i="0" dirty="0"/>
               <a:t>입력된 상태</a:t>
             </a:r>
+            <a:endParaRPr lang="en-US" altLang="ko-KR" sz="1200" i="0" dirty="0"/>
+          </a:p>
+          <a:p>
+            <a:pPr marL="0" marR="0" lvl="0" indent="0" algn="l" defTabSz="914400" rtl="0" eaLnBrk="1" fontAlgn="auto" latinLnBrk="1" hangingPunct="1">
+              <a:lnSpc>
+                <a:spcPct val="100000"/>
+              </a:lnSpc>
+              <a:spcBef>
+                <a:spcPts val="0"/>
+              </a:spcBef>
+              <a:spcAft>
+                <a:spcPts val="0"/>
+              </a:spcAft>
+              <a:buClrTx/>
+              <a:buSzTx/>
+              <a:buFontTx/>
+              <a:buNone/>
+              <a:tabLst/>
+              <a:defRPr/>
+            </a:pPr>
+            <a:endParaRPr lang="en-US" altLang="ko-KR" sz="1200" i="0" dirty="0"/>
+          </a:p>
+          <a:p>
+            <a:pPr marL="0" marR="0" lvl="0" indent="0" algn="l" defTabSz="914400" rtl="0" eaLnBrk="1" fontAlgn="auto" latinLnBrk="1" hangingPunct="1">
+              <a:lnSpc>
+                <a:spcPct val="100000"/>
+              </a:lnSpc>
+              <a:spcBef>
+                <a:spcPts val="0"/>
+              </a:spcBef>
+              <a:spcAft>
+                <a:spcPts val="0"/>
+              </a:spcAft>
+              <a:buClrTx/>
+              <a:buSzTx/>
+              <a:buFontTx/>
+              <a:buNone/>
+              <a:tabLst/>
+              <a:defRPr/>
+            </a:pPr>
+            <a:r>
+              <a:rPr lang="ko-KR" altLang="en-US" sz="1200" i="0" dirty="0"/>
+              <a:t>타원 이동</a:t>
+            </a:r>
+            <a:r>
+              <a:rPr lang="en-US" altLang="ko-KR" sz="1200" i="0" dirty="0"/>
+              <a:t>: </a:t>
+            </a:r>
+            <a:r>
+              <a:rPr lang="ko-KR" altLang="en-US" sz="1200" i="0" dirty="0"/>
+              <a:t>기존 버튼 위치</a:t>
+            </a:r>
+            <a:r>
+              <a:rPr lang="en-US" altLang="ko-KR" sz="1200" i="0" dirty="0"/>
+              <a:t>, </a:t>
+            </a:r>
+            <a:r>
+              <a:rPr lang="ko-KR" altLang="en-US" sz="1200" i="0" dirty="0"/>
+              <a:t>화면 하단 중앙 위치를 정점으로 하는 타원 위를 이동</a:t>
+            </a:r>
+            <a:r>
+              <a:rPr lang="en-US" altLang="ko-KR" sz="1200" i="0" dirty="0"/>
+              <a:t>.</a:t>
+            </a:r>
+          </a:p>
+          <a:p>
+            <a:pPr marL="0" marR="0" lvl="0" indent="0" algn="l" defTabSz="914400" rtl="0" eaLnBrk="1" fontAlgn="auto" latinLnBrk="1" hangingPunct="1">
+              <a:lnSpc>
+                <a:spcPct val="100000"/>
+              </a:lnSpc>
+              <a:spcBef>
+                <a:spcPts val="0"/>
+              </a:spcBef>
+              <a:spcAft>
+                <a:spcPts val="0"/>
+              </a:spcAft>
+              <a:buClrTx/>
+              <a:buSzTx/>
+              <a:buFontTx/>
+              <a:buNone/>
+              <a:tabLst/>
+              <a:defRPr/>
+            </a:pPr>
+            <a:r>
+              <a:rPr lang="en-US" altLang="ko-KR" sz="1200" i="0" dirty="0"/>
+              <a:t>(</a:t>
+            </a:r>
+            <a:r>
+              <a:rPr lang="ko-KR" altLang="en-US" sz="1200" i="0" dirty="0"/>
+              <a:t>화면 하단 중앙</a:t>
+            </a:r>
+            <a:r>
+              <a:rPr lang="en-US" altLang="ko-KR" sz="1200" i="0" dirty="0"/>
+              <a:t>.x, </a:t>
+            </a:r>
+            <a:r>
+              <a:rPr lang="ko-KR" altLang="en-US" sz="1200" i="0" dirty="0"/>
+              <a:t>버튼 위치</a:t>
+            </a:r>
+            <a:r>
+              <a:rPr lang="en-US" altLang="ko-KR" sz="1200" i="0" dirty="0"/>
+              <a:t>.y) </a:t>
+            </a:r>
+            <a:r>
+              <a:rPr lang="ko-KR" altLang="en-US" sz="1200" i="0" dirty="0"/>
+              <a:t>좌표를 중심으로 각 정점을 </a:t>
+            </a:r>
+            <a:r>
+              <a:rPr lang="ko-KR" altLang="en-US" sz="1200" i="0" dirty="0" err="1"/>
+              <a:t>장축과</a:t>
+            </a:r>
+            <a:r>
+              <a:rPr lang="ko-KR" altLang="en-US" sz="1200" i="0" dirty="0"/>
+              <a:t> 단축으로 취하는 타원 위를 이동</a:t>
+            </a:r>
+            <a:r>
+              <a:rPr lang="en-US" altLang="ko-KR" sz="1200" i="0" dirty="0"/>
+              <a:t>.</a:t>
+            </a:r>
+          </a:p>
+          <a:p>
+            <a:pPr marL="0" marR="0" lvl="0" indent="0" algn="l" defTabSz="914400" rtl="0" eaLnBrk="1" fontAlgn="auto" latinLnBrk="1" hangingPunct="1">
+              <a:lnSpc>
+                <a:spcPct val="100000"/>
+              </a:lnSpc>
+              <a:spcBef>
+                <a:spcPts val="0"/>
+              </a:spcBef>
+              <a:spcAft>
+                <a:spcPts val="0"/>
+              </a:spcAft>
+              <a:buClrTx/>
+              <a:buSzTx/>
+              <a:buFontTx/>
+              <a:buNone/>
+              <a:tabLst/>
+              <a:defRPr/>
+            </a:pPr>
+            <a:endParaRPr lang="en-US" altLang="ko-KR" sz="1200" i="0" dirty="0"/>
+          </a:p>
+          <a:p>
+            <a:pPr marL="0" marR="0" lvl="0" indent="0" algn="l" defTabSz="914400" rtl="0" eaLnBrk="1" fontAlgn="auto" latinLnBrk="1" hangingPunct="1">
+              <a:lnSpc>
+                <a:spcPct val="100000"/>
+              </a:lnSpc>
+              <a:spcBef>
+                <a:spcPts val="0"/>
+              </a:spcBef>
+              <a:spcAft>
+                <a:spcPts val="0"/>
+              </a:spcAft>
+              <a:buClrTx/>
+              <a:buSzTx/>
+              <a:buFontTx/>
+              <a:buNone/>
+              <a:tabLst/>
+              <a:defRPr/>
+            </a:pPr>
+            <a:r>
+              <a:rPr lang="ko-KR" altLang="en-US" sz="1200" i="0" dirty="0"/>
+              <a:t>버튼의 이동 시간은</a:t>
+            </a:r>
+            <a:r>
+              <a:rPr lang="en-US" altLang="ko-KR" sz="1200" i="0" dirty="0"/>
+              <a:t> </a:t>
+            </a:r>
+            <a:r>
+              <a:rPr lang="ko-KR" altLang="en-US" sz="1200" i="0" dirty="0"/>
+              <a:t>임의로 설정함</a:t>
+            </a:r>
+            <a:r>
+              <a:rPr lang="en-US" altLang="ko-KR" sz="1200" i="0" dirty="0"/>
+              <a:t>.</a:t>
+            </a:r>
           </a:p>
         </p:txBody>
       </p:sp>
@@ -8547,7 +8721,7 @@
           <a:p>
             <a:fld id="{1C1EA180-B51C-4898-B0E0-B9410346B791}" type="datetimeFigureOut">
               <a:rPr lang="ko-KR" altLang="en-US" smtClean="0"/>
-              <a:t>2020-11-05</a:t>
+              <a:t>2020-11-06</a:t>
             </a:fld>
             <a:endParaRPr lang="ko-KR" altLang="en-US"/>
           </a:p>
@@ -8745,7 +8919,7 @@
           <a:p>
             <a:fld id="{1C1EA180-B51C-4898-B0E0-B9410346B791}" type="datetimeFigureOut">
               <a:rPr lang="ko-KR" altLang="en-US" smtClean="0"/>
-              <a:t>2020-11-05</a:t>
+              <a:t>2020-11-06</a:t>
             </a:fld>
             <a:endParaRPr lang="ko-KR" altLang="en-US"/>
           </a:p>
@@ -8953,7 +9127,7 @@
           <a:p>
             <a:fld id="{1C1EA180-B51C-4898-B0E0-B9410346B791}" type="datetimeFigureOut">
               <a:rPr lang="ko-KR" altLang="en-US" smtClean="0"/>
-              <a:t>2020-11-05</a:t>
+              <a:t>2020-11-06</a:t>
             </a:fld>
             <a:endParaRPr lang="ko-KR" altLang="en-US"/>
           </a:p>
@@ -9151,7 +9325,7 @@
           <a:p>
             <a:fld id="{1C1EA180-B51C-4898-B0E0-B9410346B791}" type="datetimeFigureOut">
               <a:rPr lang="ko-KR" altLang="en-US" smtClean="0"/>
-              <a:t>2020-11-05</a:t>
+              <a:t>2020-11-06</a:t>
             </a:fld>
             <a:endParaRPr lang="ko-KR" altLang="en-US"/>
           </a:p>
@@ -9426,7 +9600,7 @@
           <a:p>
             <a:fld id="{1C1EA180-B51C-4898-B0E0-B9410346B791}" type="datetimeFigureOut">
               <a:rPr lang="ko-KR" altLang="en-US" smtClean="0"/>
-              <a:t>2020-11-05</a:t>
+              <a:t>2020-11-06</a:t>
             </a:fld>
             <a:endParaRPr lang="ko-KR" altLang="en-US"/>
           </a:p>
@@ -9691,7 +9865,7 @@
           <a:p>
             <a:fld id="{1C1EA180-B51C-4898-B0E0-B9410346B791}" type="datetimeFigureOut">
               <a:rPr lang="ko-KR" altLang="en-US" smtClean="0"/>
-              <a:t>2020-11-05</a:t>
+              <a:t>2020-11-06</a:t>
             </a:fld>
             <a:endParaRPr lang="ko-KR" altLang="en-US"/>
           </a:p>
@@ -10103,7 +10277,7 @@
           <a:p>
             <a:fld id="{1C1EA180-B51C-4898-B0E0-B9410346B791}" type="datetimeFigureOut">
               <a:rPr lang="ko-KR" altLang="en-US" smtClean="0"/>
-              <a:t>2020-11-05</a:t>
+              <a:t>2020-11-06</a:t>
             </a:fld>
             <a:endParaRPr lang="ko-KR" altLang="en-US"/>
           </a:p>
@@ -10244,7 +10418,7 @@
           <a:p>
             <a:fld id="{1C1EA180-B51C-4898-B0E0-B9410346B791}" type="datetimeFigureOut">
               <a:rPr lang="ko-KR" altLang="en-US" smtClean="0"/>
-              <a:t>2020-11-05</a:t>
+              <a:t>2020-11-06</a:t>
             </a:fld>
             <a:endParaRPr lang="ko-KR" altLang="en-US"/>
           </a:p>
@@ -10357,7 +10531,7 @@
           <a:p>
             <a:fld id="{1C1EA180-B51C-4898-B0E0-B9410346B791}" type="datetimeFigureOut">
               <a:rPr lang="ko-KR" altLang="en-US" smtClean="0"/>
-              <a:t>2020-11-05</a:t>
+              <a:t>2020-11-06</a:t>
             </a:fld>
             <a:endParaRPr lang="ko-KR" altLang="en-US"/>
           </a:p>
@@ -10668,7 +10842,7 @@
           <a:p>
             <a:fld id="{1C1EA180-B51C-4898-B0E0-B9410346B791}" type="datetimeFigureOut">
               <a:rPr lang="ko-KR" altLang="en-US" smtClean="0"/>
-              <a:t>2020-11-05</a:t>
+              <a:t>2020-11-06</a:t>
             </a:fld>
             <a:endParaRPr lang="ko-KR" altLang="en-US"/>
           </a:p>
@@ -10956,7 +11130,7 @@
           <a:p>
             <a:fld id="{1C1EA180-B51C-4898-B0E0-B9410346B791}" type="datetimeFigureOut">
               <a:rPr lang="ko-KR" altLang="en-US" smtClean="0"/>
-              <a:t>2020-11-05</a:t>
+              <a:t>2020-11-06</a:t>
             </a:fld>
             <a:endParaRPr lang="ko-KR" altLang="en-US"/>
           </a:p>
@@ -11197,7 +11371,7 @@
           <a:p>
             <a:fld id="{1C1EA180-B51C-4898-B0E0-B9410346B791}" type="datetimeFigureOut">
               <a:rPr lang="ko-KR" altLang="en-US" smtClean="0"/>
-              <a:t>2020-11-05</a:t>
+              <a:t>2020-11-06</a:t>
             </a:fld>
             <a:endParaRPr lang="ko-KR" altLang="en-US"/>
           </a:p>
@@ -18316,14 +18490,14 @@
           <p:nvPr>
             <p:extLst>
               <p:ext uri="{D42A27DB-BD31-4B8C-83A1-F6EECF244321}">
-                <p14:modId xmlns:p14="http://schemas.microsoft.com/office/powerpoint/2010/main" val="4234109375"/>
+                <p14:modId xmlns:p14="http://schemas.microsoft.com/office/powerpoint/2010/main" val="1135247430"/>
               </p:ext>
             </p:extLst>
           </p:nvPr>
         </p:nvGraphicFramePr>
         <p:xfrm>
           <a:off x="955963" y="995905"/>
-          <a:ext cx="10280073" cy="4019847"/>
+          <a:ext cx="10280073" cy="4247635"/>
         </p:xfrm>
         <a:graphic>
           <a:graphicData uri="http://schemas.openxmlformats.org/drawingml/2006/table">
@@ -19770,6 +19944,10 @@
                     <a:lstStyle/>
                     <a:p>
                       <a:pPr latinLnBrk="1"/>
+                      <a:r>
+                        <a:rPr lang="en-US" altLang="ko-KR" dirty="0"/>
+                        <a:t>2020.11.06</a:t>
+                      </a:r>
                       <a:endParaRPr lang="ko-KR" altLang="en-US" dirty="0"/>
                     </a:p>
                   </a:txBody>
@@ -19821,7 +19999,18 @@
                     <a:lstStyle/>
                     <a:p>
                       <a:pPr latinLnBrk="1"/>
-                      <a:endParaRPr lang="ko-KR" altLang="en-US" dirty="0"/>
+                      <a:r>
+                        <a:rPr lang="ko-KR" altLang="en-US" dirty="0"/>
+                        <a:t>상점 </a:t>
+                      </a:r>
+                      <a:r>
+                        <a:rPr lang="ko-KR" altLang="en-US" dirty="0" err="1"/>
+                        <a:t>팝업시</a:t>
+                      </a:r>
+                      <a:r>
+                        <a:rPr lang="ko-KR" altLang="en-US" dirty="0"/>
+                        <a:t> 버튼의 타원 이동 내용 추가</a:t>
+                      </a:r>
                     </a:p>
                   </a:txBody>
                   <a:tcPr>
@@ -19872,7 +20061,21 @@
                     <a:lstStyle/>
                     <a:p>
                       <a:pPr latinLnBrk="1"/>
-                      <a:endParaRPr lang="ko-KR" altLang="en-US" dirty="0"/>
+                      <a:r>
+                        <a:rPr lang="ko-KR" altLang="en-US" dirty="0"/>
+                        <a:t>슬라이드 노트 </a:t>
+                      </a:r>
+                      <a:r>
+                        <a:rPr lang="ko-KR" altLang="en-US" dirty="0" err="1"/>
+                        <a:t>내용란에</a:t>
+                      </a:r>
+                      <a:br>
+                        <a:rPr lang="en-US" altLang="ko-KR" dirty="0"/>
+                      </a:br>
+                      <a:r>
+                        <a:rPr lang="ko-KR" altLang="en-US" dirty="0"/>
+                        <a:t>상세 내용 기재</a:t>
+                      </a:r>
                     </a:p>
                   </a:txBody>
                   <a:tcPr>
@@ -26314,6 +26517,38 @@
                     <a:schemeClr val="tx1"/>
                   </a:solidFill>
                 </a:rPr>
+                <a:t>, </a:t>
+              </a:r>
+              <a:r>
+                <a:rPr lang="ko-KR" altLang="en-US" sz="1600" dirty="0">
+                  <a:solidFill>
+                    <a:schemeClr val="tx1"/>
+                  </a:solidFill>
+                </a:rPr>
+                <a:t>이동은</a:t>
+              </a:r>
+              <a:r>
+                <a:rPr lang="en-US" altLang="ko-KR" sz="1600" dirty="0">
+                  <a:solidFill>
+                    <a:schemeClr val="tx1"/>
+                  </a:solidFill>
+                </a:rPr>
+                <a:t> </a:t>
+              </a:r>
+              <a:r>
+                <a:rPr lang="ko-KR" altLang="en-US" sz="1600" dirty="0">
+                  <a:solidFill>
+                    <a:schemeClr val="tx1"/>
+                  </a:solidFill>
+                </a:rPr>
+                <a:t>타원을 그리며</a:t>
+              </a:r>
+              <a:r>
+                <a:rPr lang="en-US" altLang="ko-KR" sz="1600" dirty="0">
+                  <a:solidFill>
+                    <a:schemeClr val="tx1"/>
+                  </a:solidFill>
+                </a:rPr>
                 <a:t>)</a:t>
               </a:r>
               <a:br>
@@ -31340,6 +31575,12 @@
 </file>
 
 <file path=customXml/item1.xml><?xml version="1.0" encoding="utf-8"?>
+<p:properties xmlns:p="http://schemas.microsoft.com/office/2006/metadata/properties" xmlns:xsi="http://www.w3.org/2001/XMLSchema-instance" xmlns:pc="http://schemas.microsoft.com/office/infopath/2007/PartnerControls">
+  <documentManagement/>
+</p:properties>
+</file>
+
+<file path=customXml/item2.xml><?xml version="1.0" encoding="utf-8"?>
 <ct:contentTypeSchema xmlns:ct="http://schemas.microsoft.com/office/2006/metadata/contentType" xmlns:ma="http://schemas.microsoft.com/office/2006/metadata/properties/metaAttributes" ct:_="" ma:_="" ma:contentTypeName="문서" ma:contentTypeID="0x0101001DBB2B28955C594DB24AF1F5BB7336C8" ma:contentTypeVersion="2" ma:contentTypeDescription="새 문서를 만듭니다." ma:contentTypeScope="" ma:versionID="f2fa06709d317143d893a6f8ce6ede6a">
   <xsd:schema xmlns:xsd="http://www.w3.org/2001/XMLSchema" xmlns:xs="http://www.w3.org/2001/XMLSchema" xmlns:p="http://schemas.microsoft.com/office/2006/metadata/properties" xmlns:ns3="5555129b-2418-4d50-9dfa-7b95714945fa" targetNamespace="http://schemas.microsoft.com/office/2006/metadata/properties" ma:root="true" ma:fieldsID="e8dc87fcc42539e288ba896fdb612da0" ns3:_="">
     <xsd:import namespace="5555129b-2418-4d50-9dfa-7b95714945fa"/>
@@ -31471,12 +31712,6 @@
 </ct:contentTypeSchema>
 </file>
 
-<file path=customXml/item2.xml><?xml version="1.0" encoding="utf-8"?>
-<p:properties xmlns:p="http://schemas.microsoft.com/office/2006/metadata/properties" xmlns:xsi="http://www.w3.org/2001/XMLSchema-instance" xmlns:pc="http://schemas.microsoft.com/office/infopath/2007/PartnerControls">
-  <documentManagement/>
-</p:properties>
-</file>
-
 <file path=customXml/item3.xml><?xml version="1.0" encoding="utf-8"?>
 <?mso-contentType ?>
 <FormTemplates xmlns="http://schemas.microsoft.com/sharepoint/v3/contenttype/forms">
@@ -31487,6 +31722,15 @@
 </file>
 
 <file path=customXml/itemProps1.xml><?xml version="1.0" encoding="utf-8"?>
+<ds:datastoreItem xmlns:ds="http://schemas.openxmlformats.org/officeDocument/2006/customXml" ds:itemID="{A23103BA-1CDF-42E2-84EF-97766276A752}">
+  <ds:schemaRefs>
+    <ds:schemaRef ds:uri="http://schemas.microsoft.com/office/2006/metadata/properties"/>
+    <ds:schemaRef ds:uri="http://schemas.microsoft.com/office/infopath/2007/PartnerControls"/>
+  </ds:schemaRefs>
+</ds:datastoreItem>
+</file>
+
+<file path=customXml/itemProps2.xml><?xml version="1.0" encoding="utf-8"?>
 <ds:datastoreItem xmlns:ds="http://schemas.openxmlformats.org/officeDocument/2006/customXml" ds:itemID="{A1191A0A-B4A1-4213-A2EE-9C9D701194F6}">
   <ds:schemaRefs>
     <ds:schemaRef ds:uri="http://schemas.microsoft.com/office/2006/metadata/contentType"/>
@@ -31504,15 +31748,6 @@
 </ds:datastoreItem>
 </file>
 
-<file path=customXml/itemProps2.xml><?xml version="1.0" encoding="utf-8"?>
-<ds:datastoreItem xmlns:ds="http://schemas.openxmlformats.org/officeDocument/2006/customXml" ds:itemID="{A23103BA-1CDF-42E2-84EF-97766276A752}">
-  <ds:schemaRefs>
-    <ds:schemaRef ds:uri="http://schemas.microsoft.com/office/2006/metadata/properties"/>
-    <ds:schemaRef ds:uri="http://schemas.microsoft.com/office/infopath/2007/PartnerControls"/>
-  </ds:schemaRefs>
-</ds:datastoreItem>
-</file>
-
 <file path=customXml/itemProps3.xml><?xml version="1.0" encoding="utf-8"?>
 <ds:datastoreItem xmlns:ds="http://schemas.openxmlformats.org/officeDocument/2006/customXml" ds:itemID="{4C7A472F-9902-4104-BCF0-D4754C77190F}">
   <ds:schemaRefs>

--- a/기획서/당근키우기 시스템.pptx
+++ b/기획서/당근키우기 시스템.pptx
@@ -6148,7 +6148,7 @@
           <a:p>
             <a:fld id="{D6F8FF3C-9381-4334-95AA-ABB07BBFE4B0}" type="datetimeFigureOut">
               <a:rPr lang="ko-KR" altLang="en-US" smtClean="0"/>
-              <a:t>2020-11-06</a:t>
+              <a:t>2020-11-10</a:t>
             </a:fld>
             <a:endParaRPr lang="ko-KR" altLang="en-US"/>
           </a:p>
@@ -8721,7 +8721,7 @@
           <a:p>
             <a:fld id="{1C1EA180-B51C-4898-B0E0-B9410346B791}" type="datetimeFigureOut">
               <a:rPr lang="ko-KR" altLang="en-US" smtClean="0"/>
-              <a:t>2020-11-06</a:t>
+              <a:t>2020-11-10</a:t>
             </a:fld>
             <a:endParaRPr lang="ko-KR" altLang="en-US"/>
           </a:p>
@@ -8919,7 +8919,7 @@
           <a:p>
             <a:fld id="{1C1EA180-B51C-4898-B0E0-B9410346B791}" type="datetimeFigureOut">
               <a:rPr lang="ko-KR" altLang="en-US" smtClean="0"/>
-              <a:t>2020-11-06</a:t>
+              <a:t>2020-11-10</a:t>
             </a:fld>
             <a:endParaRPr lang="ko-KR" altLang="en-US"/>
           </a:p>
@@ -9127,7 +9127,7 @@
           <a:p>
             <a:fld id="{1C1EA180-B51C-4898-B0E0-B9410346B791}" type="datetimeFigureOut">
               <a:rPr lang="ko-KR" altLang="en-US" smtClean="0"/>
-              <a:t>2020-11-06</a:t>
+              <a:t>2020-11-10</a:t>
             </a:fld>
             <a:endParaRPr lang="ko-KR" altLang="en-US"/>
           </a:p>
@@ -9325,7 +9325,7 @@
           <a:p>
             <a:fld id="{1C1EA180-B51C-4898-B0E0-B9410346B791}" type="datetimeFigureOut">
               <a:rPr lang="ko-KR" altLang="en-US" smtClean="0"/>
-              <a:t>2020-11-06</a:t>
+              <a:t>2020-11-10</a:t>
             </a:fld>
             <a:endParaRPr lang="ko-KR" altLang="en-US"/>
           </a:p>
@@ -9600,7 +9600,7 @@
           <a:p>
             <a:fld id="{1C1EA180-B51C-4898-B0E0-B9410346B791}" type="datetimeFigureOut">
               <a:rPr lang="ko-KR" altLang="en-US" smtClean="0"/>
-              <a:t>2020-11-06</a:t>
+              <a:t>2020-11-10</a:t>
             </a:fld>
             <a:endParaRPr lang="ko-KR" altLang="en-US"/>
           </a:p>
@@ -9865,7 +9865,7 @@
           <a:p>
             <a:fld id="{1C1EA180-B51C-4898-B0E0-B9410346B791}" type="datetimeFigureOut">
               <a:rPr lang="ko-KR" altLang="en-US" smtClean="0"/>
-              <a:t>2020-11-06</a:t>
+              <a:t>2020-11-10</a:t>
             </a:fld>
             <a:endParaRPr lang="ko-KR" altLang="en-US"/>
           </a:p>
@@ -10277,7 +10277,7 @@
           <a:p>
             <a:fld id="{1C1EA180-B51C-4898-B0E0-B9410346B791}" type="datetimeFigureOut">
               <a:rPr lang="ko-KR" altLang="en-US" smtClean="0"/>
-              <a:t>2020-11-06</a:t>
+              <a:t>2020-11-10</a:t>
             </a:fld>
             <a:endParaRPr lang="ko-KR" altLang="en-US"/>
           </a:p>
@@ -10418,7 +10418,7 @@
           <a:p>
             <a:fld id="{1C1EA180-B51C-4898-B0E0-B9410346B791}" type="datetimeFigureOut">
               <a:rPr lang="ko-KR" altLang="en-US" smtClean="0"/>
-              <a:t>2020-11-06</a:t>
+              <a:t>2020-11-10</a:t>
             </a:fld>
             <a:endParaRPr lang="ko-KR" altLang="en-US"/>
           </a:p>
@@ -10531,7 +10531,7 @@
           <a:p>
             <a:fld id="{1C1EA180-B51C-4898-B0E0-B9410346B791}" type="datetimeFigureOut">
               <a:rPr lang="ko-KR" altLang="en-US" smtClean="0"/>
-              <a:t>2020-11-06</a:t>
+              <a:t>2020-11-10</a:t>
             </a:fld>
             <a:endParaRPr lang="ko-KR" altLang="en-US"/>
           </a:p>
@@ -10842,7 +10842,7 @@
           <a:p>
             <a:fld id="{1C1EA180-B51C-4898-B0E0-B9410346B791}" type="datetimeFigureOut">
               <a:rPr lang="ko-KR" altLang="en-US" smtClean="0"/>
-              <a:t>2020-11-06</a:t>
+              <a:t>2020-11-10</a:t>
             </a:fld>
             <a:endParaRPr lang="ko-KR" altLang="en-US"/>
           </a:p>
@@ -11130,7 +11130,7 @@
           <a:p>
             <a:fld id="{1C1EA180-B51C-4898-B0E0-B9410346B791}" type="datetimeFigureOut">
               <a:rPr lang="ko-KR" altLang="en-US" smtClean="0"/>
-              <a:t>2020-11-06</a:t>
+              <a:t>2020-11-10</a:t>
             </a:fld>
             <a:endParaRPr lang="ko-KR" altLang="en-US"/>
           </a:p>
@@ -11371,7 +11371,7 @@
           <a:p>
             <a:fld id="{1C1EA180-B51C-4898-B0E0-B9410346B791}" type="datetimeFigureOut">
               <a:rPr lang="ko-KR" altLang="en-US" smtClean="0"/>
-              <a:t>2020-11-06</a:t>
+              <a:t>2020-11-10</a:t>
             </a:fld>
             <a:endParaRPr lang="ko-KR" altLang="en-US"/>
           </a:p>
@@ -18490,14 +18490,14 @@
           <p:nvPr>
             <p:extLst>
               <p:ext uri="{D42A27DB-BD31-4B8C-83A1-F6EECF244321}">
-                <p14:modId xmlns:p14="http://schemas.microsoft.com/office/powerpoint/2010/main" val="1135247430"/>
+                <p14:modId xmlns:p14="http://schemas.microsoft.com/office/powerpoint/2010/main" val="4284032605"/>
               </p:ext>
             </p:extLst>
           </p:nvPr>
         </p:nvGraphicFramePr>
         <p:xfrm>
           <a:off x="955963" y="995905"/>
-          <a:ext cx="10280073" cy="4247635"/>
+          <a:ext cx="10280073" cy="4659927"/>
         </p:xfrm>
         <a:graphic>
           <a:graphicData uri="http://schemas.openxmlformats.org/drawingml/2006/table">
@@ -20126,6 +20126,174 @@
                   </a:ext>
                 </a:extLst>
               </a:tr>
+              <a:tr h="412292">
+                <a:tc>
+                  <a:txBody>
+                    <a:bodyPr/>
+                    <a:lstStyle/>
+                    <a:p>
+                      <a:pPr latinLnBrk="1"/>
+                      <a:r>
+                        <a:rPr lang="en-US" altLang="ko-KR" dirty="0"/>
+                        <a:t>2020.11.10</a:t>
+                      </a:r>
+                      <a:endParaRPr lang="ko-KR" altLang="en-US" dirty="0"/>
+                    </a:p>
+                  </a:txBody>
+                  <a:tcPr>
+                    <a:lnL w="12700" cap="flat" cmpd="sng" algn="ctr">
+                      <a:solidFill>
+                        <a:schemeClr val="tx1"/>
+                      </a:solidFill>
+                      <a:prstDash val="solid"/>
+                      <a:round/>
+                      <a:headEnd type="none" w="med" len="med"/>
+                      <a:tailEnd type="none" w="med" len="med"/>
+                    </a:lnL>
+                    <a:lnR w="12700" cap="flat" cmpd="sng" algn="ctr">
+                      <a:solidFill>
+                        <a:schemeClr val="tx1"/>
+                      </a:solidFill>
+                      <a:prstDash val="solid"/>
+                      <a:round/>
+                      <a:headEnd type="none" w="med" len="med"/>
+                      <a:tailEnd type="none" w="med" len="med"/>
+                    </a:lnR>
+                    <a:lnT w="12700" cap="flat" cmpd="sng" algn="ctr">
+                      <a:solidFill>
+                        <a:schemeClr val="tx1"/>
+                      </a:solidFill>
+                      <a:prstDash val="solid"/>
+                      <a:round/>
+                      <a:headEnd type="none" w="med" len="med"/>
+                      <a:tailEnd type="none" w="med" len="med"/>
+                    </a:lnT>
+                    <a:lnB w="12700" cap="flat" cmpd="sng" algn="ctr">
+                      <a:solidFill>
+                        <a:schemeClr val="tx1"/>
+                      </a:solidFill>
+                      <a:prstDash val="solid"/>
+                      <a:round/>
+                      <a:headEnd type="none" w="med" len="med"/>
+                      <a:tailEnd type="none" w="med" len="med"/>
+                    </a:lnB>
+                    <a:solidFill>
+                      <a:schemeClr val="bg1"/>
+                    </a:solidFill>
+                  </a:tcPr>
+                </a:tc>
+                <a:tc>
+                  <a:txBody>
+                    <a:bodyPr/>
+                    <a:lstStyle/>
+                    <a:p>
+                      <a:pPr latinLnBrk="1"/>
+                      <a:r>
+                        <a:rPr lang="ko-KR" altLang="en-US"/>
+                        <a:t>상점 탭 관련 참고사항 추가</a:t>
+                      </a:r>
+                      <a:endParaRPr lang="ko-KR" altLang="en-US" dirty="0"/>
+                    </a:p>
+                  </a:txBody>
+                  <a:tcPr>
+                    <a:lnL w="12700" cap="flat" cmpd="sng" algn="ctr">
+                      <a:solidFill>
+                        <a:schemeClr val="tx1"/>
+                      </a:solidFill>
+                      <a:prstDash val="solid"/>
+                      <a:round/>
+                      <a:headEnd type="none" w="med" len="med"/>
+                      <a:tailEnd type="none" w="med" len="med"/>
+                    </a:lnL>
+                    <a:lnR w="12700" cap="flat" cmpd="sng" algn="ctr">
+                      <a:solidFill>
+                        <a:schemeClr val="tx1"/>
+                      </a:solidFill>
+                      <a:prstDash val="solid"/>
+                      <a:round/>
+                      <a:headEnd type="none" w="med" len="med"/>
+                      <a:tailEnd type="none" w="med" len="med"/>
+                    </a:lnR>
+                    <a:lnT w="12700" cap="flat" cmpd="sng" algn="ctr">
+                      <a:solidFill>
+                        <a:schemeClr val="tx1"/>
+                      </a:solidFill>
+                      <a:prstDash val="solid"/>
+                      <a:round/>
+                      <a:headEnd type="none" w="med" len="med"/>
+                      <a:tailEnd type="none" w="med" len="med"/>
+                    </a:lnT>
+                    <a:lnB w="12700" cap="flat" cmpd="sng" algn="ctr">
+                      <a:solidFill>
+                        <a:schemeClr val="tx1"/>
+                      </a:solidFill>
+                      <a:prstDash val="solid"/>
+                      <a:round/>
+                      <a:headEnd type="none" w="med" len="med"/>
+                      <a:tailEnd type="none" w="med" len="med"/>
+                    </a:lnB>
+                    <a:solidFill>
+                      <a:schemeClr val="bg1"/>
+                    </a:solidFill>
+                  </a:tcPr>
+                </a:tc>
+                <a:tc>
+                  <a:txBody>
+                    <a:bodyPr/>
+                    <a:lstStyle/>
+                    <a:p>
+                      <a:pPr latinLnBrk="1"/>
+                      <a:endParaRPr lang="ko-KR" altLang="en-US" dirty="0"/>
+                    </a:p>
+                  </a:txBody>
+                  <a:tcPr>
+                    <a:lnL w="12700" cap="flat" cmpd="sng" algn="ctr">
+                      <a:solidFill>
+                        <a:schemeClr val="tx1"/>
+                      </a:solidFill>
+                      <a:prstDash val="solid"/>
+                      <a:round/>
+                      <a:headEnd type="none" w="med" len="med"/>
+                      <a:tailEnd type="none" w="med" len="med"/>
+                    </a:lnL>
+                    <a:lnR w="12700" cap="flat" cmpd="sng" algn="ctr">
+                      <a:solidFill>
+                        <a:schemeClr val="tx1"/>
+                      </a:solidFill>
+                      <a:prstDash val="solid"/>
+                      <a:round/>
+                      <a:headEnd type="none" w="med" len="med"/>
+                      <a:tailEnd type="none" w="med" len="med"/>
+                    </a:lnR>
+                    <a:lnT w="12700" cap="flat" cmpd="sng" algn="ctr">
+                      <a:solidFill>
+                        <a:schemeClr val="tx1"/>
+                      </a:solidFill>
+                      <a:prstDash val="solid"/>
+                      <a:round/>
+                      <a:headEnd type="none" w="med" len="med"/>
+                      <a:tailEnd type="none" w="med" len="med"/>
+                    </a:lnT>
+                    <a:lnB w="12700" cap="flat" cmpd="sng" algn="ctr">
+                      <a:solidFill>
+                        <a:schemeClr val="tx1"/>
+                      </a:solidFill>
+                      <a:prstDash val="solid"/>
+                      <a:round/>
+                      <a:headEnd type="none" w="med" len="med"/>
+                      <a:tailEnd type="none" w="med" len="med"/>
+                    </a:lnB>
+                    <a:solidFill>
+                      <a:schemeClr val="bg1"/>
+                    </a:solidFill>
+                  </a:tcPr>
+                </a:tc>
+                <a:extLst>
+                  <a:ext uri="{0D108BD9-81ED-4DB2-BD59-A6C34878D82A}">
+                    <a16:rowId xmlns:a16="http://schemas.microsoft.com/office/drawing/2014/main" val="3981089285"/>
+                  </a:ext>
+                </a:extLst>
+              </a:tr>
             </a:tbl>
           </a:graphicData>
         </a:graphic>
@@ -24755,6 +24923,69 @@
                 </a:rPr>
                 <a:t>세부 데이터로 분류</a:t>
               </a:r>
+              <a:br>
+                <a:rPr lang="en-US" altLang="ko-KR" dirty="0">
+                  <a:solidFill>
+                    <a:schemeClr val="tx1"/>
+                  </a:solidFill>
+                </a:rPr>
+              </a:br>
+              <a:r>
+                <a:rPr lang="en-US" altLang="ko-KR" sz="1400" dirty="0">
+                  <a:solidFill>
+                    <a:schemeClr val="tx1"/>
+                  </a:solidFill>
+                </a:rPr>
+                <a:t>(</a:t>
+              </a:r>
+              <a:r>
+                <a:rPr lang="ko-KR" altLang="en-US" sz="1400" dirty="0">
+                  <a:solidFill>
+                    <a:schemeClr val="tx1"/>
+                  </a:solidFill>
+                </a:rPr>
+                <a:t>탭은 임시로 </a:t>
+              </a:r>
+              <a:r>
+                <a:rPr lang="en-US" altLang="ko-KR" sz="1400" dirty="0">
+                  <a:solidFill>
+                    <a:schemeClr val="tx1"/>
+                  </a:solidFill>
+                </a:rPr>
+                <a:t>3</a:t>
+              </a:r>
+              <a:r>
+                <a:rPr lang="ko-KR" altLang="en-US" sz="1400" dirty="0">
+                  <a:solidFill>
+                    <a:schemeClr val="tx1"/>
+                  </a:solidFill>
+                </a:rPr>
+                <a:t>개</a:t>
+              </a:r>
+              <a:r>
+                <a:rPr lang="en-US" altLang="ko-KR" sz="1400" dirty="0">
+                  <a:solidFill>
+                    <a:schemeClr val="tx1"/>
+                  </a:solidFill>
+                </a:rPr>
+                <a:t>. </a:t>
+              </a:r>
+              <a:r>
+                <a:rPr lang="ko-KR" altLang="en-US" sz="1400" dirty="0">
+                  <a:solidFill>
+                    <a:schemeClr val="tx1"/>
+                  </a:solidFill>
+                </a:rPr>
+                <a:t>개수 무관하게 적용될 수 있도록 구현</a:t>
+              </a:r>
+              <a:r>
+                <a:rPr lang="en-US" altLang="ko-KR" sz="1400" dirty="0">
+                  <a:solidFill>
+                    <a:schemeClr val="tx1"/>
+                  </a:solidFill>
+                </a:rPr>
+                <a:t>)</a:t>
+              </a:r>
               <a:endParaRPr lang="en-US" altLang="ko-KR" dirty="0">
                 <a:solidFill>
                   <a:schemeClr val="tx1"/>
@@ -31575,12 +31806,6 @@
 </file>
 
 <file path=customXml/item1.xml><?xml version="1.0" encoding="utf-8"?>
-<p:properties xmlns:p="http://schemas.microsoft.com/office/2006/metadata/properties" xmlns:xsi="http://www.w3.org/2001/XMLSchema-instance" xmlns:pc="http://schemas.microsoft.com/office/infopath/2007/PartnerControls">
-  <documentManagement/>
-</p:properties>
-</file>
-
-<file path=customXml/item2.xml><?xml version="1.0" encoding="utf-8"?>
 <ct:contentTypeSchema xmlns:ct="http://schemas.microsoft.com/office/2006/metadata/contentType" xmlns:ma="http://schemas.microsoft.com/office/2006/metadata/properties/metaAttributes" ct:_="" ma:_="" ma:contentTypeName="문서" ma:contentTypeID="0x0101001DBB2B28955C594DB24AF1F5BB7336C8" ma:contentTypeVersion="2" ma:contentTypeDescription="새 문서를 만듭니다." ma:contentTypeScope="" ma:versionID="f2fa06709d317143d893a6f8ce6ede6a">
   <xsd:schema xmlns:xsd="http://www.w3.org/2001/XMLSchema" xmlns:xs="http://www.w3.org/2001/XMLSchema" xmlns:p="http://schemas.microsoft.com/office/2006/metadata/properties" xmlns:ns3="5555129b-2418-4d50-9dfa-7b95714945fa" targetNamespace="http://schemas.microsoft.com/office/2006/metadata/properties" ma:root="true" ma:fieldsID="e8dc87fcc42539e288ba896fdb612da0" ns3:_="">
     <xsd:import namespace="5555129b-2418-4d50-9dfa-7b95714945fa"/>
@@ -31712,6 +31937,12 @@
 </ct:contentTypeSchema>
 </file>
 
+<file path=customXml/item2.xml><?xml version="1.0" encoding="utf-8"?>
+<p:properties xmlns:p="http://schemas.microsoft.com/office/2006/metadata/properties" xmlns:xsi="http://www.w3.org/2001/XMLSchema-instance" xmlns:pc="http://schemas.microsoft.com/office/infopath/2007/PartnerControls">
+  <documentManagement/>
+</p:properties>
+</file>
+
 <file path=customXml/item3.xml><?xml version="1.0" encoding="utf-8"?>
 <?mso-contentType ?>
 <FormTemplates xmlns="http://schemas.microsoft.com/sharepoint/v3/contenttype/forms">
@@ -31722,15 +31953,6 @@
 </file>
 
 <file path=customXml/itemProps1.xml><?xml version="1.0" encoding="utf-8"?>
-<ds:datastoreItem xmlns:ds="http://schemas.openxmlformats.org/officeDocument/2006/customXml" ds:itemID="{A23103BA-1CDF-42E2-84EF-97766276A752}">
-  <ds:schemaRefs>
-    <ds:schemaRef ds:uri="http://schemas.microsoft.com/office/2006/metadata/properties"/>
-    <ds:schemaRef ds:uri="http://schemas.microsoft.com/office/infopath/2007/PartnerControls"/>
-  </ds:schemaRefs>
-</ds:datastoreItem>
-</file>
-
-<file path=customXml/itemProps2.xml><?xml version="1.0" encoding="utf-8"?>
 <ds:datastoreItem xmlns:ds="http://schemas.openxmlformats.org/officeDocument/2006/customXml" ds:itemID="{A1191A0A-B4A1-4213-A2EE-9C9D701194F6}">
   <ds:schemaRefs>
     <ds:schemaRef ds:uri="http://schemas.microsoft.com/office/2006/metadata/contentType"/>
@@ -31748,6 +31970,15 @@
 </ds:datastoreItem>
 </file>
 
+<file path=customXml/itemProps2.xml><?xml version="1.0" encoding="utf-8"?>
+<ds:datastoreItem xmlns:ds="http://schemas.openxmlformats.org/officeDocument/2006/customXml" ds:itemID="{A23103BA-1CDF-42E2-84EF-97766276A752}">
+  <ds:schemaRefs>
+    <ds:schemaRef ds:uri="http://schemas.microsoft.com/office/2006/metadata/properties"/>
+    <ds:schemaRef ds:uri="http://schemas.microsoft.com/office/infopath/2007/PartnerControls"/>
+  </ds:schemaRefs>
+</ds:datastoreItem>
+</file>
+
 <file path=customXml/itemProps3.xml><?xml version="1.0" encoding="utf-8"?>
 <ds:datastoreItem xmlns:ds="http://schemas.openxmlformats.org/officeDocument/2006/customXml" ds:itemID="{4C7A472F-9902-4104-BCF0-D4754C77190F}">
   <ds:schemaRefs>

--- a/기획서/당근키우기 시스템.pptx
+++ b/기획서/당근키우기 시스템.pptx
@@ -6148,7 +6148,7 @@
           <a:p>
             <a:fld id="{D6F8FF3C-9381-4334-95AA-ABB07BBFE4B0}" type="datetimeFigureOut">
               <a:rPr lang="ko-KR" altLang="en-US" smtClean="0"/>
-              <a:t>2020-11-10</a:t>
+              <a:t>2020-11-12</a:t>
             </a:fld>
             <a:endParaRPr lang="ko-KR" altLang="en-US"/>
           </a:p>
@@ -8721,7 +8721,7 @@
           <a:p>
             <a:fld id="{1C1EA180-B51C-4898-B0E0-B9410346B791}" type="datetimeFigureOut">
               <a:rPr lang="ko-KR" altLang="en-US" smtClean="0"/>
-              <a:t>2020-11-10</a:t>
+              <a:t>2020-11-12</a:t>
             </a:fld>
             <a:endParaRPr lang="ko-KR" altLang="en-US"/>
           </a:p>
@@ -8919,7 +8919,7 @@
           <a:p>
             <a:fld id="{1C1EA180-B51C-4898-B0E0-B9410346B791}" type="datetimeFigureOut">
               <a:rPr lang="ko-KR" altLang="en-US" smtClean="0"/>
-              <a:t>2020-11-10</a:t>
+              <a:t>2020-11-12</a:t>
             </a:fld>
             <a:endParaRPr lang="ko-KR" altLang="en-US"/>
           </a:p>
@@ -9127,7 +9127,7 @@
           <a:p>
             <a:fld id="{1C1EA180-B51C-4898-B0E0-B9410346B791}" type="datetimeFigureOut">
               <a:rPr lang="ko-KR" altLang="en-US" smtClean="0"/>
-              <a:t>2020-11-10</a:t>
+              <a:t>2020-11-12</a:t>
             </a:fld>
             <a:endParaRPr lang="ko-KR" altLang="en-US"/>
           </a:p>
@@ -9325,7 +9325,7 @@
           <a:p>
             <a:fld id="{1C1EA180-B51C-4898-B0E0-B9410346B791}" type="datetimeFigureOut">
               <a:rPr lang="ko-KR" altLang="en-US" smtClean="0"/>
-              <a:t>2020-11-10</a:t>
+              <a:t>2020-11-12</a:t>
             </a:fld>
             <a:endParaRPr lang="ko-KR" altLang="en-US"/>
           </a:p>
@@ -9600,7 +9600,7 @@
           <a:p>
             <a:fld id="{1C1EA180-B51C-4898-B0E0-B9410346B791}" type="datetimeFigureOut">
               <a:rPr lang="ko-KR" altLang="en-US" smtClean="0"/>
-              <a:t>2020-11-10</a:t>
+              <a:t>2020-11-12</a:t>
             </a:fld>
             <a:endParaRPr lang="ko-KR" altLang="en-US"/>
           </a:p>
@@ -9865,7 +9865,7 @@
           <a:p>
             <a:fld id="{1C1EA180-B51C-4898-B0E0-B9410346B791}" type="datetimeFigureOut">
               <a:rPr lang="ko-KR" altLang="en-US" smtClean="0"/>
-              <a:t>2020-11-10</a:t>
+              <a:t>2020-11-12</a:t>
             </a:fld>
             <a:endParaRPr lang="ko-KR" altLang="en-US"/>
           </a:p>
@@ -10277,7 +10277,7 @@
           <a:p>
             <a:fld id="{1C1EA180-B51C-4898-B0E0-B9410346B791}" type="datetimeFigureOut">
               <a:rPr lang="ko-KR" altLang="en-US" smtClean="0"/>
-              <a:t>2020-11-10</a:t>
+              <a:t>2020-11-12</a:t>
             </a:fld>
             <a:endParaRPr lang="ko-KR" altLang="en-US"/>
           </a:p>
@@ -10418,7 +10418,7 @@
           <a:p>
             <a:fld id="{1C1EA180-B51C-4898-B0E0-B9410346B791}" type="datetimeFigureOut">
               <a:rPr lang="ko-KR" altLang="en-US" smtClean="0"/>
-              <a:t>2020-11-10</a:t>
+              <a:t>2020-11-12</a:t>
             </a:fld>
             <a:endParaRPr lang="ko-KR" altLang="en-US"/>
           </a:p>
@@ -10531,7 +10531,7 @@
           <a:p>
             <a:fld id="{1C1EA180-B51C-4898-B0E0-B9410346B791}" type="datetimeFigureOut">
               <a:rPr lang="ko-KR" altLang="en-US" smtClean="0"/>
-              <a:t>2020-11-10</a:t>
+              <a:t>2020-11-12</a:t>
             </a:fld>
             <a:endParaRPr lang="ko-KR" altLang="en-US"/>
           </a:p>
@@ -10842,7 +10842,7 @@
           <a:p>
             <a:fld id="{1C1EA180-B51C-4898-B0E0-B9410346B791}" type="datetimeFigureOut">
               <a:rPr lang="ko-KR" altLang="en-US" smtClean="0"/>
-              <a:t>2020-11-10</a:t>
+              <a:t>2020-11-12</a:t>
             </a:fld>
             <a:endParaRPr lang="ko-KR" altLang="en-US"/>
           </a:p>
@@ -11130,7 +11130,7 @@
           <a:p>
             <a:fld id="{1C1EA180-B51C-4898-B0E0-B9410346B791}" type="datetimeFigureOut">
               <a:rPr lang="ko-KR" altLang="en-US" smtClean="0"/>
-              <a:t>2020-11-10</a:t>
+              <a:t>2020-11-12</a:t>
             </a:fld>
             <a:endParaRPr lang="ko-KR" altLang="en-US"/>
           </a:p>
@@ -11371,7 +11371,7 @@
           <a:p>
             <a:fld id="{1C1EA180-B51C-4898-B0E0-B9410346B791}" type="datetimeFigureOut">
               <a:rPr lang="ko-KR" altLang="en-US" smtClean="0"/>
-              <a:t>2020-11-10</a:t>
+              <a:t>2020-11-12</a:t>
             </a:fld>
             <a:endParaRPr lang="ko-KR" altLang="en-US"/>
           </a:p>
@@ -14130,191 +14130,146 @@
           </p:txBody>
         </p:sp>
       </p:grpSp>
-      <p:grpSp>
-        <p:nvGrpSpPr>
-          <p:cNvPr id="17" name="그룹 16">
+      <p:sp>
+        <p:nvSpPr>
+          <p:cNvPr id="18" name="직사각형 17">
             <a:extLst>
               <a:ext uri="{FF2B5EF4-FFF2-40B4-BE49-F238E27FC236}">
-                <a16:creationId xmlns:a16="http://schemas.microsoft.com/office/drawing/2014/main" id="{833A941A-BBCD-4265-B70F-084F00388F30}"/>
+                <a16:creationId xmlns:a16="http://schemas.microsoft.com/office/drawing/2014/main" id="{8CD209AE-1ECB-4D01-BCBF-8A196FF0BF8F}"/>
               </a:ext>
             </a:extLst>
           </p:cNvPr>
-          <p:cNvGrpSpPr/>
+          <p:cNvSpPr/>
           <p:nvPr/>
-        </p:nvGrpSpPr>
-        <p:grpSpPr>
+        </p:nvSpPr>
+        <p:spPr>
           <a:xfrm>
             <a:off x="7732059" y="873110"/>
             <a:ext cx="3513359" cy="5111779"/>
-            <a:chOff x="774700" y="1587500"/>
-            <a:chExt cx="2819400" cy="4102100"/>
           </a:xfrm>
-        </p:grpSpPr>
-        <p:sp>
-          <p:nvSpPr>
-            <p:cNvPr id="18" name="직사각형 17">
-              <a:extLst>
-                <a:ext uri="{FF2B5EF4-FFF2-40B4-BE49-F238E27FC236}">
-                  <a16:creationId xmlns:a16="http://schemas.microsoft.com/office/drawing/2014/main" id="{8CD209AE-1ECB-4D01-BCBF-8A196FF0BF8F}"/>
-                </a:ext>
-              </a:extLst>
-            </p:cNvPr>
-            <p:cNvSpPr/>
-            <p:nvPr/>
-          </p:nvSpPr>
-          <p:spPr>
-            <a:xfrm>
-              <a:off x="774700" y="1587500"/>
-              <a:ext cx="2819400" cy="4102100"/>
-            </a:xfrm>
-            <a:prstGeom prst="rect">
-              <a:avLst/>
-            </a:prstGeom>
-            <a:ln>
+          <a:prstGeom prst="rect">
+            <a:avLst/>
+          </a:prstGeom>
+          <a:solidFill>
+            <a:schemeClr val="bg1">
+              <a:lumMod val="85000"/>
+            </a:schemeClr>
+          </a:solidFill>
+          <a:ln>
+            <a:solidFill>
+              <a:schemeClr val="tx1"/>
+            </a:solidFill>
+          </a:ln>
+        </p:spPr>
+        <p:style>
+          <a:lnRef idx="2">
+            <a:schemeClr val="accent1">
+              <a:shade val="50000"/>
+            </a:schemeClr>
+          </a:lnRef>
+          <a:fillRef idx="1">
+            <a:schemeClr val="accent1"/>
+          </a:fillRef>
+          <a:effectRef idx="0">
+            <a:schemeClr val="accent1"/>
+          </a:effectRef>
+          <a:fontRef idx="minor">
+            <a:schemeClr val="lt1"/>
+          </a:fontRef>
+        </p:style>
+        <p:txBody>
+          <a:bodyPr rtlCol="0" anchor="ctr"/>
+          <a:lstStyle/>
+          <a:p>
+            <a:pPr algn="ctr"/>
+            <a:endParaRPr lang="en-US" altLang="ko-KR" sz="2000" dirty="0"/>
+          </a:p>
+        </p:txBody>
+      </p:sp>
+      <p:sp>
+        <p:nvSpPr>
+          <p:cNvPr id="19" name="직사각형 18">
+            <a:extLst>
+              <a:ext uri="{FF2B5EF4-FFF2-40B4-BE49-F238E27FC236}">
+                <a16:creationId xmlns:a16="http://schemas.microsoft.com/office/drawing/2014/main" id="{E0B24290-C3A5-4BD8-A29D-0B752CC753CF}"/>
+              </a:ext>
+            </a:extLst>
+          </p:cNvPr>
+          <p:cNvSpPr/>
+          <p:nvPr/>
+        </p:nvSpPr>
+        <p:spPr>
+          <a:xfrm>
+            <a:off x="8048578" y="4972029"/>
+            <a:ext cx="2864495" cy="791297"/>
+          </a:xfrm>
+          <a:prstGeom prst="rect">
+            <a:avLst/>
+          </a:prstGeom>
+          <a:solidFill>
+            <a:schemeClr val="accent2">
+              <a:lumMod val="60000"/>
+              <a:lumOff val="40000"/>
+            </a:schemeClr>
+          </a:solidFill>
+          <a:ln>
+            <a:solidFill>
+              <a:schemeClr val="tx1"/>
+            </a:solidFill>
+          </a:ln>
+        </p:spPr>
+        <p:style>
+          <a:lnRef idx="2">
+            <a:schemeClr val="accent1">
+              <a:shade val="50000"/>
+            </a:schemeClr>
+          </a:lnRef>
+          <a:fillRef idx="1">
+            <a:schemeClr val="accent1"/>
+          </a:fillRef>
+          <a:effectRef idx="0">
+            <a:schemeClr val="accent1"/>
+          </a:effectRef>
+          <a:fontRef idx="minor">
+            <a:schemeClr val="lt1"/>
+          </a:fontRef>
+        </p:style>
+        <p:txBody>
+          <a:bodyPr rtlCol="0" anchor="ctr"/>
+          <a:lstStyle/>
+          <a:p>
+            <a:pPr algn="ctr"/>
+            <a:r>
+              <a:rPr lang="ko-KR" altLang="en-US" dirty="0" err="1">
+                <a:solidFill>
+                  <a:schemeClr val="tx1"/>
+                </a:solidFill>
+              </a:rPr>
+              <a:t>레벨업</a:t>
+            </a:r>
+            <a:br>
+              <a:rPr lang="en-US" altLang="ko-KR" dirty="0">
+                <a:solidFill>
+                  <a:schemeClr val="tx1"/>
+                </a:solidFill>
+              </a:rPr>
+            </a:br>
+            <a:r>
+              <a:rPr lang="en-US" altLang="ko-KR" dirty="0">
+                <a:solidFill>
+                  <a:schemeClr val="tx1"/>
+                </a:solidFill>
+              </a:rPr>
+              <a:t>(LV Up Price)</a:t>
+            </a:r>
+            <a:endParaRPr lang="ko-KR" altLang="en-US" dirty="0">
               <a:solidFill>
                 <a:schemeClr val="tx1"/>
               </a:solidFill>
-            </a:ln>
-          </p:spPr>
-          <p:style>
-            <a:lnRef idx="2">
-              <a:schemeClr val="accent1">
-                <a:shade val="50000"/>
-              </a:schemeClr>
-            </a:lnRef>
-            <a:fillRef idx="1">
-              <a:schemeClr val="accent1"/>
-            </a:fillRef>
-            <a:effectRef idx="0">
-              <a:schemeClr val="accent1"/>
-            </a:effectRef>
-            <a:fontRef idx="minor">
-              <a:schemeClr val="lt1"/>
-            </a:fontRef>
-          </p:style>
-          <p:txBody>
-            <a:bodyPr rtlCol="0" anchor="ctr"/>
-            <a:lstStyle/>
-            <a:p>
-              <a:pPr algn="ctr"/>
-              <a:r>
-                <a:rPr lang="ko-KR" altLang="en-US" sz="2000" dirty="0"/>
-                <a:t>농장 정보 창</a:t>
-              </a:r>
-              <a:endParaRPr lang="en-US" altLang="ko-KR" sz="2000" dirty="0"/>
-            </a:p>
-          </p:txBody>
-        </p:sp>
-        <p:sp>
-          <p:nvSpPr>
-            <p:cNvPr id="19" name="직사각형 18">
-              <a:extLst>
-                <a:ext uri="{FF2B5EF4-FFF2-40B4-BE49-F238E27FC236}">
-                  <a16:creationId xmlns:a16="http://schemas.microsoft.com/office/drawing/2014/main" id="{E0B24290-C3A5-4BD8-A29D-0B752CC753CF}"/>
-                </a:ext>
-              </a:extLst>
-            </p:cNvPr>
-            <p:cNvSpPr/>
-            <p:nvPr/>
-          </p:nvSpPr>
-          <p:spPr>
-            <a:xfrm>
-              <a:off x="1028700" y="4876800"/>
-              <a:ext cx="2298700" cy="635000"/>
-            </a:xfrm>
-            <a:prstGeom prst="rect">
-              <a:avLst/>
-            </a:prstGeom>
-            <a:solidFill>
-              <a:schemeClr val="accent2">
-                <a:lumMod val="60000"/>
-                <a:lumOff val="40000"/>
-              </a:schemeClr>
-            </a:solidFill>
-            <a:ln>
-              <a:solidFill>
-                <a:schemeClr val="tx1"/>
-              </a:solidFill>
-            </a:ln>
-          </p:spPr>
-          <p:style>
-            <a:lnRef idx="2">
-              <a:schemeClr val="accent1">
-                <a:shade val="50000"/>
-              </a:schemeClr>
-            </a:lnRef>
-            <a:fillRef idx="1">
-              <a:schemeClr val="accent1"/>
-            </a:fillRef>
-            <a:effectRef idx="0">
-              <a:schemeClr val="accent1"/>
-            </a:effectRef>
-            <a:fontRef idx="minor">
-              <a:schemeClr val="lt1"/>
-            </a:fontRef>
-          </p:style>
-          <p:txBody>
-            <a:bodyPr rtlCol="0" anchor="ctr"/>
-            <a:lstStyle/>
-            <a:p>
-              <a:pPr algn="ctr"/>
-              <a:r>
-                <a:rPr lang="ko-KR" altLang="en-US" dirty="0" err="1">
-                  <a:solidFill>
-                    <a:schemeClr val="tx1"/>
-                  </a:solidFill>
-                </a:rPr>
-                <a:t>레벨업</a:t>
-              </a:r>
-              <a:r>
-                <a:rPr lang="ko-KR" altLang="en-US" dirty="0">
-                  <a:solidFill>
-                    <a:schemeClr val="tx1"/>
-                  </a:solidFill>
-                </a:rPr>
-                <a:t> 버튼</a:t>
-              </a:r>
-              <a:endParaRPr lang="en-US" altLang="ko-KR" dirty="0">
-                <a:solidFill>
-                  <a:schemeClr val="tx1"/>
-                </a:solidFill>
-              </a:endParaRPr>
-            </a:p>
-            <a:p>
-              <a:pPr algn="ctr"/>
-              <a:r>
-                <a:rPr lang="en-US" altLang="ko-KR" dirty="0">
-                  <a:solidFill>
-                    <a:schemeClr val="tx1"/>
-                  </a:solidFill>
-                </a:rPr>
-                <a:t>(</a:t>
-              </a:r>
-              <a:r>
-                <a:rPr lang="ko-KR" altLang="en-US" dirty="0">
-                  <a:solidFill>
-                    <a:schemeClr val="tx1"/>
-                  </a:solidFill>
-                </a:rPr>
-                <a:t>임시 위치</a:t>
-              </a:r>
-              <a:r>
-                <a:rPr lang="en-US" altLang="ko-KR" dirty="0">
-                  <a:solidFill>
-                    <a:schemeClr val="tx1"/>
-                  </a:solidFill>
-                </a:rPr>
-                <a:t>)</a:t>
-              </a:r>
-              <a:endParaRPr lang="ko-KR" altLang="en-US" dirty="0">
-                <a:solidFill>
-                  <a:schemeClr val="tx1"/>
-                </a:solidFill>
-              </a:endParaRPr>
-            </a:p>
-          </p:txBody>
-        </p:sp>
-      </p:grpSp>
+            </a:endParaRPr>
+          </a:p>
+        </p:txBody>
+      </p:sp>
       <p:grpSp>
         <p:nvGrpSpPr>
           <p:cNvPr id="20" name="그룹 19">
@@ -14432,6 +14387,414 @@
           </p:txBody>
         </p:sp>
       </p:grpSp>
+      <p:sp>
+        <p:nvSpPr>
+          <p:cNvPr id="2" name="직사각형 1">
+            <a:extLst>
+              <a:ext uri="{FF2B5EF4-FFF2-40B4-BE49-F238E27FC236}">
+                <a16:creationId xmlns:a16="http://schemas.microsoft.com/office/drawing/2014/main" id="{E739325C-42DA-4CCF-88D4-9893C12255D9}"/>
+              </a:ext>
+            </a:extLst>
+          </p:cNvPr>
+          <p:cNvSpPr/>
+          <p:nvPr/>
+        </p:nvSpPr>
+        <p:spPr>
+          <a:xfrm>
+            <a:off x="7976089" y="1087928"/>
+            <a:ext cx="1253705" cy="1193430"/>
+          </a:xfrm>
+          <a:prstGeom prst="rect">
+            <a:avLst/>
+          </a:prstGeom>
+          <a:solidFill>
+            <a:schemeClr val="bg1"/>
+          </a:solidFill>
+          <a:ln>
+            <a:solidFill>
+              <a:schemeClr val="tx1"/>
+            </a:solidFill>
+          </a:ln>
+        </p:spPr>
+        <p:style>
+          <a:lnRef idx="2">
+            <a:schemeClr val="accent1">
+              <a:shade val="50000"/>
+            </a:schemeClr>
+          </a:lnRef>
+          <a:fillRef idx="1">
+            <a:schemeClr val="accent1"/>
+          </a:fillRef>
+          <a:effectRef idx="0">
+            <a:schemeClr val="accent1"/>
+          </a:effectRef>
+          <a:fontRef idx="minor">
+            <a:schemeClr val="lt1"/>
+          </a:fontRef>
+        </p:style>
+        <p:txBody>
+          <a:bodyPr rtlCol="0" anchor="ctr"/>
+          <a:lstStyle/>
+          <a:p>
+            <a:pPr algn="ctr"/>
+            <a:r>
+              <a:rPr lang="en-US" altLang="ko-KR" dirty="0">
+                <a:solidFill>
+                  <a:schemeClr val="tx1"/>
+                </a:solidFill>
+              </a:rPr>
+              <a:t>IMG</a:t>
+            </a:r>
+            <a:endParaRPr lang="ko-KR" altLang="en-US" dirty="0">
+              <a:solidFill>
+                <a:schemeClr val="tx1"/>
+              </a:solidFill>
+            </a:endParaRPr>
+          </a:p>
+        </p:txBody>
+      </p:sp>
+      <p:sp>
+        <p:nvSpPr>
+          <p:cNvPr id="3" name="TextBox 2">
+            <a:extLst>
+              <a:ext uri="{FF2B5EF4-FFF2-40B4-BE49-F238E27FC236}">
+                <a16:creationId xmlns:a16="http://schemas.microsoft.com/office/drawing/2014/main" id="{21B52A4F-5D83-49D7-BE45-1CF32EEB04F1}"/>
+              </a:ext>
+            </a:extLst>
+          </p:cNvPr>
+          <p:cNvSpPr txBox="1"/>
+          <p:nvPr/>
+        </p:nvSpPr>
+        <p:spPr>
+          <a:xfrm>
+            <a:off x="9473824" y="1202148"/>
+            <a:ext cx="1028089" cy="369332"/>
+          </a:xfrm>
+          <a:prstGeom prst="rect">
+            <a:avLst/>
+          </a:prstGeom>
+          <a:noFill/>
+        </p:spPr>
+        <p:txBody>
+          <a:bodyPr wrap="square" rtlCol="0">
+            <a:spAutoFit/>
+          </a:bodyPr>
+          <a:lstStyle/>
+          <a:p>
+            <a:r>
+              <a:rPr lang="en-US" altLang="ko-KR" dirty="0"/>
+              <a:t>Name</a:t>
+            </a:r>
+          </a:p>
+        </p:txBody>
+      </p:sp>
+      <p:sp>
+        <p:nvSpPr>
+          <p:cNvPr id="23" name="TextBox 22">
+            <a:extLst>
+              <a:ext uri="{FF2B5EF4-FFF2-40B4-BE49-F238E27FC236}">
+                <a16:creationId xmlns:a16="http://schemas.microsoft.com/office/drawing/2014/main" id="{23AC1258-7F1B-4910-B314-E7899D42A377}"/>
+              </a:ext>
+            </a:extLst>
+          </p:cNvPr>
+          <p:cNvSpPr txBox="1"/>
+          <p:nvPr/>
+        </p:nvSpPr>
+        <p:spPr>
+          <a:xfrm>
+            <a:off x="9473824" y="1737170"/>
+            <a:ext cx="1028089" cy="369332"/>
+          </a:xfrm>
+          <a:prstGeom prst="rect">
+            <a:avLst/>
+          </a:prstGeom>
+          <a:noFill/>
+        </p:spPr>
+        <p:txBody>
+          <a:bodyPr wrap="square" rtlCol="0">
+            <a:spAutoFit/>
+          </a:bodyPr>
+          <a:lstStyle/>
+          <a:p>
+            <a:r>
+              <a:rPr lang="en-US" altLang="ko-KR" dirty="0"/>
+              <a:t>LV</a:t>
+            </a:r>
+          </a:p>
+        </p:txBody>
+      </p:sp>
+      <p:sp>
+        <p:nvSpPr>
+          <p:cNvPr id="4" name="직사각형 3">
+            <a:extLst>
+              <a:ext uri="{FF2B5EF4-FFF2-40B4-BE49-F238E27FC236}">
+                <a16:creationId xmlns:a16="http://schemas.microsoft.com/office/drawing/2014/main" id="{FE3098CE-6755-4EB5-8DF1-798A6D3102D5}"/>
+              </a:ext>
+            </a:extLst>
+          </p:cNvPr>
+          <p:cNvSpPr/>
+          <p:nvPr/>
+        </p:nvSpPr>
+        <p:spPr>
+          <a:xfrm>
+            <a:off x="8048578" y="2430926"/>
+            <a:ext cx="2838960" cy="1189795"/>
+          </a:xfrm>
+          <a:prstGeom prst="rect">
+            <a:avLst/>
+          </a:prstGeom>
+          <a:noFill/>
+          <a:ln>
+            <a:solidFill>
+              <a:schemeClr val="tx1"/>
+            </a:solidFill>
+          </a:ln>
+        </p:spPr>
+        <p:style>
+          <a:lnRef idx="2">
+            <a:schemeClr val="accent1">
+              <a:shade val="50000"/>
+            </a:schemeClr>
+          </a:lnRef>
+          <a:fillRef idx="1">
+            <a:schemeClr val="accent1"/>
+          </a:fillRef>
+          <a:effectRef idx="0">
+            <a:schemeClr val="accent1"/>
+          </a:effectRef>
+          <a:fontRef idx="minor">
+            <a:schemeClr val="lt1"/>
+          </a:fontRef>
+        </p:style>
+        <p:txBody>
+          <a:bodyPr rtlCol="0" anchor="ctr"/>
+          <a:lstStyle/>
+          <a:p>
+            <a:pPr algn="ctr"/>
+            <a:r>
+              <a:rPr lang="en-US" altLang="ko-KR" dirty="0">
+                <a:solidFill>
+                  <a:schemeClr val="tx1"/>
+                </a:solidFill>
+              </a:rPr>
+              <a:t>127</a:t>
+            </a:r>
+            <a:r>
+              <a:rPr lang="ko-KR" altLang="en-US" dirty="0">
+                <a:solidFill>
+                  <a:schemeClr val="tx1"/>
+                </a:solidFill>
+              </a:rPr>
+              <a:t>자 이내</a:t>
+            </a:r>
+          </a:p>
+        </p:txBody>
+      </p:sp>
+      <p:sp>
+        <p:nvSpPr>
+          <p:cNvPr id="25" name="직사각형 24">
+            <a:extLst>
+              <a:ext uri="{FF2B5EF4-FFF2-40B4-BE49-F238E27FC236}">
+                <a16:creationId xmlns:a16="http://schemas.microsoft.com/office/drawing/2014/main" id="{5F3A04BE-DED4-48E7-AA27-6D94E0BC96FA}"/>
+              </a:ext>
+            </a:extLst>
+          </p:cNvPr>
+          <p:cNvSpPr/>
+          <p:nvPr/>
+        </p:nvSpPr>
+        <p:spPr>
+          <a:xfrm>
+            <a:off x="8048578" y="3772741"/>
+            <a:ext cx="2838960" cy="1046243"/>
+          </a:xfrm>
+          <a:prstGeom prst="rect">
+            <a:avLst/>
+          </a:prstGeom>
+          <a:noFill/>
+          <a:ln>
+            <a:solidFill>
+              <a:schemeClr val="tx1"/>
+            </a:solidFill>
+          </a:ln>
+        </p:spPr>
+        <p:style>
+          <a:lnRef idx="2">
+            <a:schemeClr val="accent1">
+              <a:shade val="50000"/>
+            </a:schemeClr>
+          </a:lnRef>
+          <a:fillRef idx="1">
+            <a:schemeClr val="accent1"/>
+          </a:fillRef>
+          <a:effectRef idx="0">
+            <a:schemeClr val="accent1"/>
+          </a:effectRef>
+          <a:fontRef idx="minor">
+            <a:schemeClr val="lt1"/>
+          </a:fontRef>
+        </p:style>
+        <p:txBody>
+          <a:bodyPr rtlCol="0" anchor="ctr"/>
+          <a:lstStyle/>
+          <a:p>
+            <a:pPr algn="ctr"/>
+            <a:r>
+              <a:rPr lang="en-US" altLang="ko-KR" dirty="0">
+                <a:solidFill>
+                  <a:schemeClr val="tx1"/>
+                </a:solidFill>
+              </a:rPr>
+              <a:t>Earning</a:t>
+            </a:r>
+          </a:p>
+          <a:p>
+            <a:pPr algn="ctr"/>
+            <a:r>
+              <a:rPr lang="en-US" altLang="ko-KR" dirty="0">
+                <a:solidFill>
+                  <a:schemeClr val="tx1"/>
+                </a:solidFill>
+              </a:rPr>
+              <a:t>Earn </a:t>
+            </a:r>
+            <a:r>
+              <a:rPr lang="en-US" altLang="ko-KR" dirty="0" err="1">
+                <a:solidFill>
+                  <a:schemeClr val="tx1"/>
+                </a:solidFill>
+              </a:rPr>
+              <a:t>Cooltime</a:t>
+            </a:r>
+            <a:endParaRPr lang="ko-KR" altLang="en-US" dirty="0">
+              <a:solidFill>
+                <a:schemeClr val="tx1"/>
+              </a:solidFill>
+            </a:endParaRPr>
+          </a:p>
+        </p:txBody>
+      </p:sp>
+      <p:sp>
+        <p:nvSpPr>
+          <p:cNvPr id="5" name="직사각형 4">
+            <a:extLst>
+              <a:ext uri="{FF2B5EF4-FFF2-40B4-BE49-F238E27FC236}">
+                <a16:creationId xmlns:a16="http://schemas.microsoft.com/office/drawing/2014/main" id="{62159088-179D-4BB4-A387-A747452E90B8}"/>
+              </a:ext>
+            </a:extLst>
+          </p:cNvPr>
+          <p:cNvSpPr/>
+          <p:nvPr/>
+        </p:nvSpPr>
+        <p:spPr>
+          <a:xfrm>
+            <a:off x="8736366" y="2321277"/>
+            <a:ext cx="1504743" cy="346478"/>
+          </a:xfrm>
+          <a:prstGeom prst="rect">
+            <a:avLst/>
+          </a:prstGeom>
+          <a:solidFill>
+            <a:schemeClr val="bg1">
+              <a:lumMod val="85000"/>
+            </a:schemeClr>
+          </a:solidFill>
+          <a:ln>
+            <a:noFill/>
+          </a:ln>
+        </p:spPr>
+        <p:style>
+          <a:lnRef idx="2">
+            <a:schemeClr val="accent1">
+              <a:shade val="50000"/>
+            </a:schemeClr>
+          </a:lnRef>
+          <a:fillRef idx="1">
+            <a:schemeClr val="accent1"/>
+          </a:fillRef>
+          <a:effectRef idx="0">
+            <a:schemeClr val="accent1"/>
+          </a:effectRef>
+          <a:fontRef idx="minor">
+            <a:schemeClr val="lt1"/>
+          </a:fontRef>
+        </p:style>
+        <p:txBody>
+          <a:bodyPr rtlCol="0" anchor="ctr"/>
+          <a:lstStyle/>
+          <a:p>
+            <a:pPr algn="ctr"/>
+            <a:r>
+              <a:rPr lang="ko-KR" altLang="en-US" dirty="0">
+                <a:solidFill>
+                  <a:schemeClr val="tx1"/>
+                </a:solidFill>
+              </a:rPr>
+              <a:t>작물의 효능</a:t>
+            </a:r>
+          </a:p>
+        </p:txBody>
+      </p:sp>
+      <p:sp>
+        <p:nvSpPr>
+          <p:cNvPr id="26" name="직사각형 25">
+            <a:extLst>
+              <a:ext uri="{FF2B5EF4-FFF2-40B4-BE49-F238E27FC236}">
+                <a16:creationId xmlns:a16="http://schemas.microsoft.com/office/drawing/2014/main" id="{CD97E9BF-4939-4ADB-876C-C96FB00D4129}"/>
+              </a:ext>
+            </a:extLst>
+          </p:cNvPr>
+          <p:cNvSpPr/>
+          <p:nvPr/>
+        </p:nvSpPr>
+        <p:spPr>
+          <a:xfrm>
+            <a:off x="8861064" y="3665768"/>
+            <a:ext cx="1255345" cy="346478"/>
+          </a:xfrm>
+          <a:prstGeom prst="rect">
+            <a:avLst/>
+          </a:prstGeom>
+          <a:solidFill>
+            <a:schemeClr val="bg1">
+              <a:lumMod val="85000"/>
+            </a:schemeClr>
+          </a:solidFill>
+          <a:ln>
+            <a:noFill/>
+          </a:ln>
+        </p:spPr>
+        <p:style>
+          <a:lnRef idx="2">
+            <a:schemeClr val="accent1">
+              <a:shade val="50000"/>
+            </a:schemeClr>
+          </a:lnRef>
+          <a:fillRef idx="1">
+            <a:schemeClr val="accent1"/>
+          </a:fillRef>
+          <a:effectRef idx="0">
+            <a:schemeClr val="accent1"/>
+          </a:effectRef>
+          <a:fontRef idx="minor">
+            <a:schemeClr val="lt1"/>
+          </a:fontRef>
+        </p:style>
+        <p:txBody>
+          <a:bodyPr rtlCol="0" anchor="ctr"/>
+          <a:lstStyle/>
+          <a:p>
+            <a:pPr algn="ctr"/>
+            <a:r>
+              <a:rPr lang="ko-KR" altLang="en-US" dirty="0">
+                <a:solidFill>
+                  <a:schemeClr val="tx1"/>
+                </a:solidFill>
+              </a:rPr>
+              <a:t>농장 효과</a:t>
+            </a:r>
+          </a:p>
+        </p:txBody>
+      </p:sp>
     </p:spTree>
     <p:extLst>
       <p:ext uri="{BB962C8B-B14F-4D97-AF65-F5344CB8AC3E}">
@@ -18490,14 +18853,14 @@
           <p:nvPr>
             <p:extLst>
               <p:ext uri="{D42A27DB-BD31-4B8C-83A1-F6EECF244321}">
-                <p14:modId xmlns:p14="http://schemas.microsoft.com/office/powerpoint/2010/main" val="4284032605"/>
+                <p14:modId xmlns:p14="http://schemas.microsoft.com/office/powerpoint/2010/main" val="2372482853"/>
               </p:ext>
             </p:extLst>
           </p:nvPr>
         </p:nvGraphicFramePr>
         <p:xfrm>
           <a:off x="955963" y="995905"/>
-          <a:ext cx="10280073" cy="4659927"/>
+          <a:ext cx="10280073" cy="5072219"/>
         </p:xfrm>
         <a:graphic>
           <a:graphicData uri="http://schemas.openxmlformats.org/drawingml/2006/table">
@@ -20189,10 +20552,9 @@
                     <a:p>
                       <a:pPr latinLnBrk="1"/>
                       <a:r>
-                        <a:rPr lang="ko-KR" altLang="en-US"/>
+                        <a:rPr lang="ko-KR" altLang="en-US" dirty="0"/>
                         <a:t>상점 탭 관련 참고사항 추가</a:t>
                       </a:r>
-                      <a:endParaRPr lang="ko-KR" altLang="en-US" dirty="0"/>
                     </a:p>
                   </a:txBody>
                   <a:tcPr>
@@ -20291,6 +20653,181 @@
                 <a:extLst>
                   <a:ext uri="{0D108BD9-81ED-4DB2-BD59-A6C34878D82A}">
                     <a16:rowId xmlns:a16="http://schemas.microsoft.com/office/drawing/2014/main" val="3981089285"/>
+                  </a:ext>
+                </a:extLst>
+              </a:tr>
+              <a:tr h="412292">
+                <a:tc>
+                  <a:txBody>
+                    <a:bodyPr/>
+                    <a:lstStyle/>
+                    <a:p>
+                      <a:pPr latinLnBrk="1"/>
+                      <a:r>
+                        <a:rPr lang="en-US" altLang="ko-KR" dirty="0"/>
+                        <a:t>2020.11.12</a:t>
+                      </a:r>
+                      <a:endParaRPr lang="ko-KR" altLang="en-US" dirty="0"/>
+                    </a:p>
+                  </a:txBody>
+                  <a:tcPr>
+                    <a:lnL w="12700" cap="flat" cmpd="sng" algn="ctr">
+                      <a:solidFill>
+                        <a:schemeClr val="tx1"/>
+                      </a:solidFill>
+                      <a:prstDash val="solid"/>
+                      <a:round/>
+                      <a:headEnd type="none" w="med" len="med"/>
+                      <a:tailEnd type="none" w="med" len="med"/>
+                    </a:lnL>
+                    <a:lnR w="12700" cap="flat" cmpd="sng" algn="ctr">
+                      <a:solidFill>
+                        <a:schemeClr val="tx1"/>
+                      </a:solidFill>
+                      <a:prstDash val="solid"/>
+                      <a:round/>
+                      <a:headEnd type="none" w="med" len="med"/>
+                      <a:tailEnd type="none" w="med" len="med"/>
+                    </a:lnR>
+                    <a:lnT w="12700" cap="flat" cmpd="sng" algn="ctr">
+                      <a:solidFill>
+                        <a:schemeClr val="tx1"/>
+                      </a:solidFill>
+                      <a:prstDash val="solid"/>
+                      <a:round/>
+                      <a:headEnd type="none" w="med" len="med"/>
+                      <a:tailEnd type="none" w="med" len="med"/>
+                    </a:lnT>
+                    <a:lnB w="12700" cap="flat" cmpd="sng" algn="ctr">
+                      <a:solidFill>
+                        <a:schemeClr val="tx1"/>
+                      </a:solidFill>
+                      <a:prstDash val="solid"/>
+                      <a:round/>
+                      <a:headEnd type="none" w="med" len="med"/>
+                      <a:tailEnd type="none" w="med" len="med"/>
+                    </a:lnB>
+                    <a:solidFill>
+                      <a:schemeClr val="bg1"/>
+                    </a:solidFill>
+                  </a:tcPr>
+                </a:tc>
+                <a:tc>
+                  <a:txBody>
+                    <a:bodyPr/>
+                    <a:lstStyle/>
+                    <a:p>
+                      <a:pPr latinLnBrk="1"/>
+                      <a:r>
+                        <a:rPr lang="ko-KR" altLang="en-US" dirty="0"/>
+                        <a:t>농장 정보 창 추가</a:t>
+                      </a:r>
+                      <a:r>
+                        <a:rPr lang="en-US" altLang="ko-KR" dirty="0"/>
+                        <a:t>, </a:t>
+                      </a:r>
+                      <a:r>
+                        <a:rPr lang="ko-KR" altLang="en-US" dirty="0"/>
+                        <a:t>상점 슬롯 항목 명칭 변경</a:t>
+                      </a:r>
+                    </a:p>
+                  </a:txBody>
+                  <a:tcPr>
+                    <a:lnL w="12700" cap="flat" cmpd="sng" algn="ctr">
+                      <a:solidFill>
+                        <a:schemeClr val="tx1"/>
+                      </a:solidFill>
+                      <a:prstDash val="solid"/>
+                      <a:round/>
+                      <a:headEnd type="none" w="med" len="med"/>
+                      <a:tailEnd type="none" w="med" len="med"/>
+                    </a:lnL>
+                    <a:lnR w="12700" cap="flat" cmpd="sng" algn="ctr">
+                      <a:solidFill>
+                        <a:schemeClr val="tx1"/>
+                      </a:solidFill>
+                      <a:prstDash val="solid"/>
+                      <a:round/>
+                      <a:headEnd type="none" w="med" len="med"/>
+                      <a:tailEnd type="none" w="med" len="med"/>
+                    </a:lnR>
+                    <a:lnT w="12700" cap="flat" cmpd="sng" algn="ctr">
+                      <a:solidFill>
+                        <a:schemeClr val="tx1"/>
+                      </a:solidFill>
+                      <a:prstDash val="solid"/>
+                      <a:round/>
+                      <a:headEnd type="none" w="med" len="med"/>
+                      <a:tailEnd type="none" w="med" len="med"/>
+                    </a:lnT>
+                    <a:lnB w="12700" cap="flat" cmpd="sng" algn="ctr">
+                      <a:solidFill>
+                        <a:schemeClr val="tx1"/>
+                      </a:solidFill>
+                      <a:prstDash val="solid"/>
+                      <a:round/>
+                      <a:headEnd type="none" w="med" len="med"/>
+                      <a:tailEnd type="none" w="med" len="med"/>
+                    </a:lnB>
+                    <a:solidFill>
+                      <a:schemeClr val="bg1"/>
+                    </a:solidFill>
+                  </a:tcPr>
+                </a:tc>
+                <a:tc>
+                  <a:txBody>
+                    <a:bodyPr/>
+                    <a:lstStyle/>
+                    <a:p>
+                      <a:pPr latinLnBrk="1"/>
+                      <a:endParaRPr lang="ko-KR" altLang="en-US" dirty="0"/>
+                    </a:p>
+                  </a:txBody>
+                  <a:tcPr>
+                    <a:lnL w="12700" cap="flat" cmpd="sng" algn="ctr">
+                      <a:solidFill>
+                        <a:schemeClr val="tx1"/>
+                      </a:solidFill>
+                      <a:prstDash val="solid"/>
+                      <a:round/>
+                      <a:headEnd type="none" w="med" len="med"/>
+                      <a:tailEnd type="none" w="med" len="med"/>
+                    </a:lnL>
+                    <a:lnR w="12700" cap="flat" cmpd="sng" algn="ctr">
+                      <a:solidFill>
+                        <a:schemeClr val="tx1"/>
+                      </a:solidFill>
+                      <a:prstDash val="solid"/>
+                      <a:round/>
+                      <a:headEnd type="none" w="med" len="med"/>
+                      <a:tailEnd type="none" w="med" len="med"/>
+                    </a:lnR>
+                    <a:lnT w="12700" cap="flat" cmpd="sng" algn="ctr">
+                      <a:solidFill>
+                        <a:schemeClr val="tx1"/>
+                      </a:solidFill>
+                      <a:prstDash val="solid"/>
+                      <a:round/>
+                      <a:headEnd type="none" w="med" len="med"/>
+                      <a:tailEnd type="none" w="med" len="med"/>
+                    </a:lnT>
+                    <a:lnB w="12700" cap="flat" cmpd="sng" algn="ctr">
+                      <a:solidFill>
+                        <a:schemeClr val="tx1"/>
+                      </a:solidFill>
+                      <a:prstDash val="solid"/>
+                      <a:round/>
+                      <a:headEnd type="none" w="med" len="med"/>
+                      <a:tailEnd type="none" w="med" len="med"/>
+                    </a:lnB>
+                    <a:solidFill>
+                      <a:schemeClr val="bg1"/>
+                    </a:solidFill>
+                  </a:tcPr>
+                </a:tc>
+                <a:extLst>
+                  <a:ext uri="{0D108BD9-81ED-4DB2-BD59-A6C34878D82A}">
+                    <a16:rowId xmlns:a16="http://schemas.microsoft.com/office/drawing/2014/main" val="385628271"/>
                   </a:ext>
                 </a:extLst>
               </a:tr>
@@ -26287,9 +26824,10 @@
             <a:lstStyle/>
             <a:p>
               <a:r>
-                <a:rPr lang="ko-KR" altLang="en-US" dirty="0"/>
-                <a:t>이름</a:t>
-              </a:r>
+                <a:rPr lang="en-US" altLang="ko-KR" dirty="0"/>
+                <a:t>Name</a:t>
+              </a:r>
+              <a:endParaRPr lang="ko-KR" altLang="en-US" dirty="0"/>
             </a:p>
           </p:txBody>
         </p:sp>
@@ -26322,9 +26860,10 @@
             <a:lstStyle/>
             <a:p>
               <a:r>
-                <a:rPr lang="ko-KR" altLang="en-US" dirty="0"/>
-                <a:t>레벨</a:t>
-              </a:r>
+                <a:rPr lang="en-US" altLang="ko-KR" dirty="0"/>
+                <a:t>LV</a:t>
+              </a:r>
+              <a:endParaRPr lang="ko-KR" altLang="en-US" dirty="0"/>
             </a:p>
           </p:txBody>
         </p:sp>
@@ -26343,7 +26882,7 @@
           <p:spPr>
             <a:xfrm>
               <a:off x="7776502" y="5836309"/>
-              <a:ext cx="1358897" cy="646331"/>
+              <a:ext cx="2060225" cy="646331"/>
             </a:xfrm>
             <a:prstGeom prst="rect">
               <a:avLst/>
@@ -26357,8 +26896,8 @@
             <a:lstStyle/>
             <a:p>
               <a:r>
-                <a:rPr lang="ko-KR" altLang="en-US" dirty="0"/>
-                <a:t>효과</a:t>
+                <a:rPr lang="en-US" altLang="ko-KR" dirty="0"/>
+                <a:t>Effect with Value</a:t>
               </a:r>
               <a:br>
                 <a:rPr lang="en-US" altLang="ko-KR" dirty="0"/>
@@ -31806,6 +32345,12 @@
 </file>
 
 <file path=customXml/item1.xml><?xml version="1.0" encoding="utf-8"?>
+<p:properties xmlns:p="http://schemas.microsoft.com/office/2006/metadata/properties" xmlns:xsi="http://www.w3.org/2001/XMLSchema-instance" xmlns:pc="http://schemas.microsoft.com/office/infopath/2007/PartnerControls">
+  <documentManagement/>
+</p:properties>
+</file>
+
+<file path=customXml/item2.xml><?xml version="1.0" encoding="utf-8"?>
 <ct:contentTypeSchema xmlns:ct="http://schemas.microsoft.com/office/2006/metadata/contentType" xmlns:ma="http://schemas.microsoft.com/office/2006/metadata/properties/metaAttributes" ct:_="" ma:_="" ma:contentTypeName="문서" ma:contentTypeID="0x0101001DBB2B28955C594DB24AF1F5BB7336C8" ma:contentTypeVersion="2" ma:contentTypeDescription="새 문서를 만듭니다." ma:contentTypeScope="" ma:versionID="f2fa06709d317143d893a6f8ce6ede6a">
   <xsd:schema xmlns:xsd="http://www.w3.org/2001/XMLSchema" xmlns:xs="http://www.w3.org/2001/XMLSchema" xmlns:p="http://schemas.microsoft.com/office/2006/metadata/properties" xmlns:ns3="5555129b-2418-4d50-9dfa-7b95714945fa" targetNamespace="http://schemas.microsoft.com/office/2006/metadata/properties" ma:root="true" ma:fieldsID="e8dc87fcc42539e288ba896fdb612da0" ns3:_="">
     <xsd:import namespace="5555129b-2418-4d50-9dfa-7b95714945fa"/>
@@ -31937,12 +32482,6 @@
 </ct:contentTypeSchema>
 </file>
 
-<file path=customXml/item2.xml><?xml version="1.0" encoding="utf-8"?>
-<p:properties xmlns:p="http://schemas.microsoft.com/office/2006/metadata/properties" xmlns:xsi="http://www.w3.org/2001/XMLSchema-instance" xmlns:pc="http://schemas.microsoft.com/office/infopath/2007/PartnerControls">
-  <documentManagement/>
-</p:properties>
-</file>
-
 <file path=customXml/item3.xml><?xml version="1.0" encoding="utf-8"?>
 <?mso-contentType ?>
 <FormTemplates xmlns="http://schemas.microsoft.com/sharepoint/v3/contenttype/forms">
@@ -31953,6 +32492,15 @@
 </file>
 
 <file path=customXml/itemProps1.xml><?xml version="1.0" encoding="utf-8"?>
+<ds:datastoreItem xmlns:ds="http://schemas.openxmlformats.org/officeDocument/2006/customXml" ds:itemID="{A23103BA-1CDF-42E2-84EF-97766276A752}">
+  <ds:schemaRefs>
+    <ds:schemaRef ds:uri="http://schemas.microsoft.com/office/2006/metadata/properties"/>
+    <ds:schemaRef ds:uri="http://schemas.microsoft.com/office/infopath/2007/PartnerControls"/>
+  </ds:schemaRefs>
+</ds:datastoreItem>
+</file>
+
+<file path=customXml/itemProps2.xml><?xml version="1.0" encoding="utf-8"?>
 <ds:datastoreItem xmlns:ds="http://schemas.openxmlformats.org/officeDocument/2006/customXml" ds:itemID="{A1191A0A-B4A1-4213-A2EE-9C9D701194F6}">
   <ds:schemaRefs>
     <ds:schemaRef ds:uri="http://schemas.microsoft.com/office/2006/metadata/contentType"/>
@@ -31970,15 +32518,6 @@
 </ds:datastoreItem>
 </file>
 
-<file path=customXml/itemProps2.xml><?xml version="1.0" encoding="utf-8"?>
-<ds:datastoreItem xmlns:ds="http://schemas.openxmlformats.org/officeDocument/2006/customXml" ds:itemID="{A23103BA-1CDF-42E2-84EF-97766276A752}">
-  <ds:schemaRefs>
-    <ds:schemaRef ds:uri="http://schemas.microsoft.com/office/2006/metadata/properties"/>
-    <ds:schemaRef ds:uri="http://schemas.microsoft.com/office/infopath/2007/PartnerControls"/>
-  </ds:schemaRefs>
-</ds:datastoreItem>
-</file>
-
 <file path=customXml/itemProps3.xml><?xml version="1.0" encoding="utf-8"?>
 <ds:datastoreItem xmlns:ds="http://schemas.openxmlformats.org/officeDocument/2006/customXml" ds:itemID="{4C7A472F-9902-4104-BCF0-D4754C77190F}">
   <ds:schemaRefs>

--- a/기획서/당근키우기 시스템.pptx
+++ b/기획서/당근키우기 시스템.pptx
@@ -5,7 +5,7 @@
     <p:sldMasterId id="2147483648" r:id="rId4"/>
   </p:sldMasterIdLst>
   <p:notesMasterIdLst>
-    <p:notesMasterId r:id="rId33"/>
+    <p:notesMasterId r:id="rId34"/>
   </p:notesMasterIdLst>
   <p:sldIdLst>
     <p:sldId id="312" r:id="rId5"/>
@@ -34,8 +34,9 @@
     <p:sldId id="374" r:id="rId28"/>
     <p:sldId id="379" r:id="rId29"/>
     <p:sldId id="380" r:id="rId30"/>
-    <p:sldId id="358" r:id="rId31"/>
-    <p:sldId id="323" r:id="rId32"/>
+    <p:sldId id="381" r:id="rId31"/>
+    <p:sldId id="358" r:id="rId32"/>
+    <p:sldId id="323" r:id="rId33"/>
   </p:sldIdLst>
   <p:sldSz cx="12192000" cy="6858000"/>
   <p:notesSz cx="6858000" cy="9144000"/>
@@ -6148,7 +6149,7 @@
           <a:p>
             <a:fld id="{D6F8FF3C-9381-4334-95AA-ABB07BBFE4B0}" type="datetimeFigureOut">
               <a:rPr lang="ko-KR" altLang="en-US" smtClean="0"/>
-              <a:t>2020-11-12</a:t>
+              <a:t>2020-11-14</a:t>
             </a:fld>
             <a:endParaRPr lang="ko-KR" altLang="en-US"/>
           </a:p>
@@ -7614,10 +7615,265 @@
           <a:bodyPr/>
           <a:lstStyle/>
           <a:p>
-            <a:pPr marL="0" indent="0">
+            <a:pPr marL="0" marR="0" lvl="0" indent="0" algn="l" defTabSz="914400" rtl="0" eaLnBrk="1" fontAlgn="auto" latinLnBrk="1" hangingPunct="1">
+              <a:lnSpc>
+                <a:spcPct val="100000"/>
+              </a:lnSpc>
+              <a:spcBef>
+                <a:spcPts val="0"/>
+              </a:spcBef>
+              <a:spcAft>
+                <a:spcPts val="0"/>
+              </a:spcAft>
+              <a:buClrTx/>
+              <a:buSzTx/>
+              <a:buFontTx/>
               <a:buNone/>
+              <a:tabLst/>
+              <a:defRPr/>
             </a:pPr>
-            <a:endParaRPr lang="en-US" altLang="ko-KR" dirty="0"/>
+            <a:r>
+              <a:rPr lang="en-US" altLang="ko-KR" sz="1200" i="0" dirty="0"/>
+              <a:t>SHIFT + F5</a:t>
+            </a:r>
+            <a:r>
+              <a:rPr lang="ko-KR" altLang="en-US" sz="1200" i="0" dirty="0"/>
+              <a:t>로 </a:t>
+            </a:r>
+            <a:r>
+              <a:rPr lang="en-US" altLang="ko-KR" sz="1200" i="0" dirty="0"/>
+              <a:t>GIF </a:t>
+            </a:r>
+            <a:r>
+              <a:rPr lang="ko-KR" altLang="en-US" sz="1200" i="0" dirty="0"/>
+              <a:t>자료 확인</a:t>
+            </a:r>
+            <a:endParaRPr lang="en-US" altLang="ko-KR" sz="1200" i="0" dirty="0"/>
+          </a:p>
+          <a:p>
+            <a:pPr marL="0" marR="0" lvl="0" indent="0" algn="l" defTabSz="914400" rtl="0" eaLnBrk="1" fontAlgn="auto" latinLnBrk="1" hangingPunct="1">
+              <a:lnSpc>
+                <a:spcPct val="100000"/>
+              </a:lnSpc>
+              <a:spcBef>
+                <a:spcPts val="0"/>
+              </a:spcBef>
+              <a:spcAft>
+                <a:spcPts val="0"/>
+              </a:spcAft>
+              <a:buClrTx/>
+              <a:buSzTx/>
+              <a:buFontTx/>
+              <a:buNone/>
+              <a:tabLst/>
+              <a:defRPr/>
+            </a:pPr>
+            <a:r>
+              <a:rPr lang="en-US" altLang="ko-KR" sz="1200" i="0" dirty="0"/>
+              <a:t>GIF </a:t>
+            </a:r>
+            <a:r>
+              <a:rPr lang="ko-KR" altLang="en-US" sz="1200" i="0" dirty="0"/>
+              <a:t>상 </a:t>
+            </a:r>
+            <a:r>
+              <a:rPr lang="en-US" altLang="ko-KR" sz="1200" i="0" dirty="0"/>
+              <a:t>text </a:t>
+            </a:r>
+            <a:r>
+              <a:rPr lang="ko-KR" altLang="en-US" sz="1200" i="0" dirty="0"/>
+              <a:t>안 보이다 보이는 건 무시</a:t>
+            </a:r>
+            <a:r>
+              <a:rPr lang="en-US" altLang="ko-KR" sz="1200" i="0" dirty="0"/>
+              <a:t>. </a:t>
+            </a:r>
+            <a:r>
+              <a:rPr lang="ko-KR" altLang="en-US" sz="1200" i="0" dirty="0"/>
+              <a:t>처음부터 </a:t>
+            </a:r>
+            <a:r>
+              <a:rPr lang="en-US" altLang="ko-KR" sz="1200" i="0" dirty="0"/>
+              <a:t>text </a:t>
+            </a:r>
+            <a:r>
+              <a:rPr lang="ko-KR" altLang="en-US" sz="1200" i="0" dirty="0"/>
+              <a:t>입력된 상태</a:t>
+            </a:r>
+            <a:endParaRPr lang="en-US" altLang="ko-KR" sz="1200" i="0" dirty="0"/>
+          </a:p>
+          <a:p>
+            <a:pPr marL="0" marR="0" lvl="0" indent="0" algn="l" defTabSz="914400" rtl="0" eaLnBrk="1" fontAlgn="auto" latinLnBrk="1" hangingPunct="1">
+              <a:lnSpc>
+                <a:spcPct val="100000"/>
+              </a:lnSpc>
+              <a:spcBef>
+                <a:spcPts val="0"/>
+              </a:spcBef>
+              <a:spcAft>
+                <a:spcPts val="0"/>
+              </a:spcAft>
+              <a:buClrTx/>
+              <a:buSzTx/>
+              <a:buFontTx/>
+              <a:buNone/>
+              <a:tabLst/>
+              <a:defRPr/>
+            </a:pPr>
+            <a:endParaRPr lang="en-US" altLang="ko-KR" sz="1200" i="0" dirty="0"/>
+          </a:p>
+          <a:p>
+            <a:pPr marL="0" marR="0" lvl="0" indent="0" algn="l" defTabSz="914400" rtl="0" eaLnBrk="1" fontAlgn="auto" latinLnBrk="1" hangingPunct="1">
+              <a:lnSpc>
+                <a:spcPct val="100000"/>
+              </a:lnSpc>
+              <a:spcBef>
+                <a:spcPts val="0"/>
+              </a:spcBef>
+              <a:spcAft>
+                <a:spcPts val="0"/>
+              </a:spcAft>
+              <a:buClrTx/>
+              <a:buSzTx/>
+              <a:buFontTx/>
+              <a:buNone/>
+              <a:tabLst/>
+              <a:defRPr/>
+            </a:pPr>
+            <a:r>
+              <a:rPr lang="ko-KR" altLang="en-US" sz="1200" i="0" dirty="0"/>
+              <a:t>타원 이동</a:t>
+            </a:r>
+            <a:r>
+              <a:rPr lang="en-US" altLang="ko-KR" sz="1200" i="0" dirty="0"/>
+              <a:t>: </a:t>
+            </a:r>
+            <a:r>
+              <a:rPr lang="ko-KR" altLang="en-US" sz="1200" i="0" dirty="0"/>
+              <a:t>기존 버튼 위치</a:t>
+            </a:r>
+            <a:r>
+              <a:rPr lang="en-US" altLang="ko-KR" sz="1200" i="0" dirty="0"/>
+              <a:t>, </a:t>
+            </a:r>
+            <a:r>
+              <a:rPr lang="ko-KR" altLang="en-US" sz="1200" i="0" dirty="0"/>
+              <a:t>화면 하단 중앙 위치를 정점으로 하는 타원 위를 이동</a:t>
+            </a:r>
+            <a:r>
+              <a:rPr lang="en-US" altLang="ko-KR" sz="1200" i="0" dirty="0"/>
+              <a:t>.</a:t>
+            </a:r>
+          </a:p>
+          <a:p>
+            <a:pPr marL="0" marR="0" lvl="0" indent="0" algn="l" defTabSz="914400" rtl="0" eaLnBrk="1" fontAlgn="auto" latinLnBrk="1" hangingPunct="1">
+              <a:lnSpc>
+                <a:spcPct val="100000"/>
+              </a:lnSpc>
+              <a:spcBef>
+                <a:spcPts val="0"/>
+              </a:spcBef>
+              <a:spcAft>
+                <a:spcPts val="0"/>
+              </a:spcAft>
+              <a:buClrTx/>
+              <a:buSzTx/>
+              <a:buFontTx/>
+              <a:buNone/>
+              <a:tabLst/>
+              <a:defRPr/>
+            </a:pPr>
+            <a:r>
+              <a:rPr lang="en-US" altLang="ko-KR" sz="1200" i="0" dirty="0"/>
+              <a:t>(</a:t>
+            </a:r>
+            <a:r>
+              <a:rPr lang="ko-KR" altLang="en-US" sz="1200" i="0" dirty="0"/>
+              <a:t>화면 하단 중앙</a:t>
+            </a:r>
+            <a:r>
+              <a:rPr lang="en-US" altLang="ko-KR" sz="1200" i="0" dirty="0"/>
+              <a:t>.x, </a:t>
+            </a:r>
+            <a:r>
+              <a:rPr lang="ko-KR" altLang="en-US" sz="1200" i="0" dirty="0"/>
+              <a:t>버튼 위치</a:t>
+            </a:r>
+            <a:r>
+              <a:rPr lang="en-US" altLang="ko-KR" sz="1200" i="0" dirty="0"/>
+              <a:t>.y) </a:t>
+            </a:r>
+            <a:r>
+              <a:rPr lang="ko-KR" altLang="en-US" sz="1200" i="0" dirty="0"/>
+              <a:t>좌표를 중심으로 각 정점을 </a:t>
+            </a:r>
+            <a:r>
+              <a:rPr lang="ko-KR" altLang="en-US" sz="1200" i="0" dirty="0" err="1"/>
+              <a:t>장축과</a:t>
+            </a:r>
+            <a:r>
+              <a:rPr lang="ko-KR" altLang="en-US" sz="1200" i="0" dirty="0"/>
+              <a:t> 단축으로 취하는 타원 위를 이동</a:t>
+            </a:r>
+            <a:r>
+              <a:rPr lang="en-US" altLang="ko-KR" sz="1200" i="0" dirty="0"/>
+              <a:t>.</a:t>
+            </a:r>
+          </a:p>
+          <a:p>
+            <a:pPr marL="0" marR="0" lvl="0" indent="0" algn="l" defTabSz="914400" rtl="0" eaLnBrk="1" fontAlgn="auto" latinLnBrk="1" hangingPunct="1">
+              <a:lnSpc>
+                <a:spcPct val="100000"/>
+              </a:lnSpc>
+              <a:spcBef>
+                <a:spcPts val="0"/>
+              </a:spcBef>
+              <a:spcAft>
+                <a:spcPts val="0"/>
+              </a:spcAft>
+              <a:buClrTx/>
+              <a:buSzTx/>
+              <a:buFontTx/>
+              <a:buNone/>
+              <a:tabLst/>
+              <a:defRPr/>
+            </a:pPr>
+            <a:endParaRPr lang="en-US" altLang="ko-KR" sz="1200" i="0" dirty="0"/>
+          </a:p>
+          <a:p>
+            <a:pPr marL="0" marR="0" lvl="0" indent="0" algn="l" defTabSz="914400" rtl="0" eaLnBrk="1" fontAlgn="auto" latinLnBrk="1" hangingPunct="1">
+              <a:lnSpc>
+                <a:spcPct val="100000"/>
+              </a:lnSpc>
+              <a:spcBef>
+                <a:spcPts val="0"/>
+              </a:spcBef>
+              <a:spcAft>
+                <a:spcPts val="0"/>
+              </a:spcAft>
+              <a:buClrTx/>
+              <a:buSzTx/>
+              <a:buFontTx/>
+              <a:buNone/>
+              <a:tabLst/>
+              <a:defRPr/>
+            </a:pPr>
+            <a:r>
+              <a:rPr lang="ko-KR" altLang="en-US" sz="1200" i="0" dirty="0"/>
+              <a:t>버튼의 이동 시간은</a:t>
+            </a:r>
+            <a:r>
+              <a:rPr lang="en-US" altLang="ko-KR" sz="1200" i="0" dirty="0"/>
+              <a:t> </a:t>
+            </a:r>
+            <a:r>
+              <a:rPr lang="ko-KR" altLang="en-US" sz="1200" i="0" dirty="0"/>
+              <a:t>임의로 설정함</a:t>
+            </a:r>
+            <a:r>
+              <a:rPr lang="en-US" altLang="ko-KR" sz="1200" i="0" dirty="0"/>
+              <a:t>.</a:t>
+            </a:r>
           </a:p>
         </p:txBody>
       </p:sp>
@@ -7638,7 +7894,7 @@
           <a:p>
             <a:fld id="{151FD798-7848-4816-945D-B2937F5A900D}" type="slidenum">
               <a:rPr lang="ko-KR" altLang="en-US" smtClean="0"/>
-              <a:t>28</a:t>
+              <a:t>27</a:t>
             </a:fld>
             <a:endParaRPr lang="ko-KR" altLang="en-US"/>
           </a:p>
@@ -7647,7 +7903,7 @@
     </p:spTree>
     <p:extLst>
       <p:ext uri="{BB962C8B-B14F-4D97-AF65-F5344CB8AC3E}">
-        <p14:creationId xmlns:p14="http://schemas.microsoft.com/office/powerpoint/2010/main" val="957488189"/>
+        <p14:creationId xmlns:p14="http://schemas.microsoft.com/office/powerpoint/2010/main" val="2574110487"/>
       </p:ext>
     </p:extLst>
   </p:cSld>
@@ -7735,6 +7991,93 @@
     <p:extLst>
       <p:ext uri="{BB962C8B-B14F-4D97-AF65-F5344CB8AC3E}">
         <p14:creationId xmlns:p14="http://schemas.microsoft.com/office/powerpoint/2010/main" val="819949168"/>
+      </p:ext>
+    </p:extLst>
+  </p:cSld>
+  <p:clrMapOvr>
+    <a:masterClrMapping/>
+  </p:clrMapOvr>
+</p:notes>
+</file>
+
+<file path=ppt/notesSlides/notesSlide20.xml><?xml version="1.0" encoding="utf-8"?>
+<p:notes xmlns:a="http://schemas.openxmlformats.org/drawingml/2006/main" xmlns:r="http://schemas.openxmlformats.org/officeDocument/2006/relationships" xmlns:p="http://schemas.openxmlformats.org/presentationml/2006/main">
+  <p:cSld>
+    <p:spTree>
+      <p:nvGrpSpPr>
+        <p:cNvPr id="1" name=""/>
+        <p:cNvGrpSpPr/>
+        <p:nvPr/>
+      </p:nvGrpSpPr>
+      <p:grpSpPr>
+        <a:xfrm>
+          <a:off x="0" y="0"/>
+          <a:ext cx="0" cy="0"/>
+          <a:chOff x="0" y="0"/>
+          <a:chExt cx="0" cy="0"/>
+        </a:xfrm>
+      </p:grpSpPr>
+      <p:sp>
+        <p:nvSpPr>
+          <p:cNvPr id="2" name="슬라이드 이미지 개체 틀 1"/>
+          <p:cNvSpPr>
+            <a:spLocks noGrp="1" noRot="1" noChangeAspect="1"/>
+          </p:cNvSpPr>
+          <p:nvPr>
+            <p:ph type="sldImg"/>
+          </p:nvPr>
+        </p:nvSpPr>
+        <p:spPr/>
+      </p:sp>
+      <p:sp>
+        <p:nvSpPr>
+          <p:cNvPr id="3" name="슬라이드 노트 개체 틀 2"/>
+          <p:cNvSpPr>
+            <a:spLocks noGrp="1"/>
+          </p:cNvSpPr>
+          <p:nvPr>
+            <p:ph type="body" idx="1"/>
+          </p:nvPr>
+        </p:nvSpPr>
+        <p:spPr/>
+        <p:txBody>
+          <a:bodyPr/>
+          <a:lstStyle/>
+          <a:p>
+            <a:pPr marL="0" indent="0">
+              <a:buNone/>
+            </a:pPr>
+            <a:endParaRPr lang="en-US" altLang="ko-KR" dirty="0"/>
+          </a:p>
+        </p:txBody>
+      </p:sp>
+      <p:sp>
+        <p:nvSpPr>
+          <p:cNvPr id="4" name="슬라이드 번호 개체 틀 3"/>
+          <p:cNvSpPr>
+            <a:spLocks noGrp="1"/>
+          </p:cNvSpPr>
+          <p:nvPr>
+            <p:ph type="sldNum" sz="quarter" idx="5"/>
+          </p:nvPr>
+        </p:nvSpPr>
+        <p:spPr/>
+        <p:txBody>
+          <a:bodyPr/>
+          <a:lstStyle/>
+          <a:p>
+            <a:fld id="{151FD798-7848-4816-945D-B2937F5A900D}" type="slidenum">
+              <a:rPr lang="ko-KR" altLang="en-US" smtClean="0"/>
+              <a:t>29</a:t>
+            </a:fld>
+            <a:endParaRPr lang="ko-KR" altLang="en-US"/>
+          </a:p>
+        </p:txBody>
+      </p:sp>
+    </p:spTree>
+    <p:extLst>
+      <p:ext uri="{BB962C8B-B14F-4D97-AF65-F5344CB8AC3E}">
+        <p14:creationId xmlns:p14="http://schemas.microsoft.com/office/powerpoint/2010/main" val="957488189"/>
       </p:ext>
     </p:extLst>
   </p:cSld>
@@ -8721,7 +9064,7 @@
           <a:p>
             <a:fld id="{1C1EA180-B51C-4898-B0E0-B9410346B791}" type="datetimeFigureOut">
               <a:rPr lang="ko-KR" altLang="en-US" smtClean="0"/>
-              <a:t>2020-11-12</a:t>
+              <a:t>2020-11-14</a:t>
             </a:fld>
             <a:endParaRPr lang="ko-KR" altLang="en-US"/>
           </a:p>
@@ -8919,7 +9262,7 @@
           <a:p>
             <a:fld id="{1C1EA180-B51C-4898-B0E0-B9410346B791}" type="datetimeFigureOut">
               <a:rPr lang="ko-KR" altLang="en-US" smtClean="0"/>
-              <a:t>2020-11-12</a:t>
+              <a:t>2020-11-14</a:t>
             </a:fld>
             <a:endParaRPr lang="ko-KR" altLang="en-US"/>
           </a:p>
@@ -9127,7 +9470,7 @@
           <a:p>
             <a:fld id="{1C1EA180-B51C-4898-B0E0-B9410346B791}" type="datetimeFigureOut">
               <a:rPr lang="ko-KR" altLang="en-US" smtClean="0"/>
-              <a:t>2020-11-12</a:t>
+              <a:t>2020-11-14</a:t>
             </a:fld>
             <a:endParaRPr lang="ko-KR" altLang="en-US"/>
           </a:p>
@@ -9325,7 +9668,7 @@
           <a:p>
             <a:fld id="{1C1EA180-B51C-4898-B0E0-B9410346B791}" type="datetimeFigureOut">
               <a:rPr lang="ko-KR" altLang="en-US" smtClean="0"/>
-              <a:t>2020-11-12</a:t>
+              <a:t>2020-11-14</a:t>
             </a:fld>
             <a:endParaRPr lang="ko-KR" altLang="en-US"/>
           </a:p>
@@ -9600,7 +9943,7 @@
           <a:p>
             <a:fld id="{1C1EA180-B51C-4898-B0E0-B9410346B791}" type="datetimeFigureOut">
               <a:rPr lang="ko-KR" altLang="en-US" smtClean="0"/>
-              <a:t>2020-11-12</a:t>
+              <a:t>2020-11-14</a:t>
             </a:fld>
             <a:endParaRPr lang="ko-KR" altLang="en-US"/>
           </a:p>
@@ -9865,7 +10208,7 @@
           <a:p>
             <a:fld id="{1C1EA180-B51C-4898-B0E0-B9410346B791}" type="datetimeFigureOut">
               <a:rPr lang="ko-KR" altLang="en-US" smtClean="0"/>
-              <a:t>2020-11-12</a:t>
+              <a:t>2020-11-14</a:t>
             </a:fld>
             <a:endParaRPr lang="ko-KR" altLang="en-US"/>
           </a:p>
@@ -10277,7 +10620,7 @@
           <a:p>
             <a:fld id="{1C1EA180-B51C-4898-B0E0-B9410346B791}" type="datetimeFigureOut">
               <a:rPr lang="ko-KR" altLang="en-US" smtClean="0"/>
-              <a:t>2020-11-12</a:t>
+              <a:t>2020-11-14</a:t>
             </a:fld>
             <a:endParaRPr lang="ko-KR" altLang="en-US"/>
           </a:p>
@@ -10418,7 +10761,7 @@
           <a:p>
             <a:fld id="{1C1EA180-B51C-4898-B0E0-B9410346B791}" type="datetimeFigureOut">
               <a:rPr lang="ko-KR" altLang="en-US" smtClean="0"/>
-              <a:t>2020-11-12</a:t>
+              <a:t>2020-11-14</a:t>
             </a:fld>
             <a:endParaRPr lang="ko-KR" altLang="en-US"/>
           </a:p>
@@ -10531,7 +10874,7 @@
           <a:p>
             <a:fld id="{1C1EA180-B51C-4898-B0E0-B9410346B791}" type="datetimeFigureOut">
               <a:rPr lang="ko-KR" altLang="en-US" smtClean="0"/>
-              <a:t>2020-11-12</a:t>
+              <a:t>2020-11-14</a:t>
             </a:fld>
             <a:endParaRPr lang="ko-KR" altLang="en-US"/>
           </a:p>
@@ -10842,7 +11185,7 @@
           <a:p>
             <a:fld id="{1C1EA180-B51C-4898-B0E0-B9410346B791}" type="datetimeFigureOut">
               <a:rPr lang="ko-KR" altLang="en-US" smtClean="0"/>
-              <a:t>2020-11-12</a:t>
+              <a:t>2020-11-14</a:t>
             </a:fld>
             <a:endParaRPr lang="ko-KR" altLang="en-US"/>
           </a:p>
@@ -11130,7 +11473,7 @@
           <a:p>
             <a:fld id="{1C1EA180-B51C-4898-B0E0-B9410346B791}" type="datetimeFigureOut">
               <a:rPr lang="ko-KR" altLang="en-US" smtClean="0"/>
-              <a:t>2020-11-12</a:t>
+              <a:t>2020-11-14</a:t>
             </a:fld>
             <a:endParaRPr lang="ko-KR" altLang="en-US"/>
           </a:p>
@@ -11371,7 +11714,7 @@
           <a:p>
             <a:fld id="{1C1EA180-B51C-4898-B0E0-B9410346B791}" type="datetimeFigureOut">
               <a:rPr lang="ko-KR" altLang="en-US" smtClean="0"/>
-              <a:t>2020-11-12</a:t>
+              <a:t>2020-11-14</a:t>
             </a:fld>
             <a:endParaRPr lang="ko-KR" altLang="en-US"/>
           </a:p>
@@ -18853,14 +19196,14 @@
           <p:nvPr>
             <p:extLst>
               <p:ext uri="{D42A27DB-BD31-4B8C-83A1-F6EECF244321}">
-                <p14:modId xmlns:p14="http://schemas.microsoft.com/office/powerpoint/2010/main" val="2372482853"/>
+                <p14:modId xmlns:p14="http://schemas.microsoft.com/office/powerpoint/2010/main" val="2266584954"/>
               </p:ext>
             </p:extLst>
           </p:nvPr>
         </p:nvGraphicFramePr>
         <p:xfrm>
           <a:off x="955963" y="995905"/>
-          <a:ext cx="10280073" cy="5072219"/>
+          <a:ext cx="10280073" cy="5484511"/>
         </p:xfrm>
         <a:graphic>
           <a:graphicData uri="http://schemas.openxmlformats.org/drawingml/2006/table">
@@ -20831,6 +21174,173 @@
                   </a:ext>
                 </a:extLst>
               </a:tr>
+              <a:tr h="412292">
+                <a:tc>
+                  <a:txBody>
+                    <a:bodyPr/>
+                    <a:lstStyle/>
+                    <a:p>
+                      <a:pPr latinLnBrk="1"/>
+                      <a:r>
+                        <a:rPr lang="en-US" altLang="ko-KR" dirty="0"/>
+                        <a:t>2020.11.14</a:t>
+                      </a:r>
+                      <a:endParaRPr lang="ko-KR" altLang="en-US" dirty="0"/>
+                    </a:p>
+                  </a:txBody>
+                  <a:tcPr>
+                    <a:lnL w="12700" cap="flat" cmpd="sng" algn="ctr">
+                      <a:solidFill>
+                        <a:schemeClr val="tx1"/>
+                      </a:solidFill>
+                      <a:prstDash val="solid"/>
+                      <a:round/>
+                      <a:headEnd type="none" w="med" len="med"/>
+                      <a:tailEnd type="none" w="med" len="med"/>
+                    </a:lnL>
+                    <a:lnR w="12700" cap="flat" cmpd="sng" algn="ctr">
+                      <a:solidFill>
+                        <a:schemeClr val="tx1"/>
+                      </a:solidFill>
+                      <a:prstDash val="solid"/>
+                      <a:round/>
+                      <a:headEnd type="none" w="med" len="med"/>
+                      <a:tailEnd type="none" w="med" len="med"/>
+                    </a:lnR>
+                    <a:lnT w="12700" cap="flat" cmpd="sng" algn="ctr">
+                      <a:solidFill>
+                        <a:schemeClr val="tx1"/>
+                      </a:solidFill>
+                      <a:prstDash val="solid"/>
+                      <a:round/>
+                      <a:headEnd type="none" w="med" len="med"/>
+                      <a:tailEnd type="none" w="med" len="med"/>
+                    </a:lnT>
+                    <a:lnB w="12700" cap="flat" cmpd="sng" algn="ctr">
+                      <a:solidFill>
+                        <a:schemeClr val="tx1"/>
+                      </a:solidFill>
+                      <a:prstDash val="solid"/>
+                      <a:round/>
+                      <a:headEnd type="none" w="med" len="med"/>
+                      <a:tailEnd type="none" w="med" len="med"/>
+                    </a:lnB>
+                    <a:solidFill>
+                      <a:schemeClr val="bg1"/>
+                    </a:solidFill>
+                  </a:tcPr>
+                </a:tc>
+                <a:tc>
+                  <a:txBody>
+                    <a:bodyPr/>
+                    <a:lstStyle/>
+                    <a:p>
+                      <a:pPr latinLnBrk="1"/>
+                      <a:r>
+                        <a:rPr lang="ko-KR" altLang="en-US" dirty="0"/>
+                        <a:t>상점 버튼 이동 상세 추가</a:t>
+                      </a:r>
+                    </a:p>
+                  </a:txBody>
+                  <a:tcPr>
+                    <a:lnL w="12700" cap="flat" cmpd="sng" algn="ctr">
+                      <a:solidFill>
+                        <a:schemeClr val="tx1"/>
+                      </a:solidFill>
+                      <a:prstDash val="solid"/>
+                      <a:round/>
+                      <a:headEnd type="none" w="med" len="med"/>
+                      <a:tailEnd type="none" w="med" len="med"/>
+                    </a:lnL>
+                    <a:lnR w="12700" cap="flat" cmpd="sng" algn="ctr">
+                      <a:solidFill>
+                        <a:schemeClr val="tx1"/>
+                      </a:solidFill>
+                      <a:prstDash val="solid"/>
+                      <a:round/>
+                      <a:headEnd type="none" w="med" len="med"/>
+                      <a:tailEnd type="none" w="med" len="med"/>
+                    </a:lnR>
+                    <a:lnT w="12700" cap="flat" cmpd="sng" algn="ctr">
+                      <a:solidFill>
+                        <a:schemeClr val="tx1"/>
+                      </a:solidFill>
+                      <a:prstDash val="solid"/>
+                      <a:round/>
+                      <a:headEnd type="none" w="med" len="med"/>
+                      <a:tailEnd type="none" w="med" len="med"/>
+                    </a:lnT>
+                    <a:lnB w="12700" cap="flat" cmpd="sng" algn="ctr">
+                      <a:solidFill>
+                        <a:schemeClr val="tx1"/>
+                      </a:solidFill>
+                      <a:prstDash val="solid"/>
+                      <a:round/>
+                      <a:headEnd type="none" w="med" len="med"/>
+                      <a:tailEnd type="none" w="med" len="med"/>
+                    </a:lnB>
+                    <a:solidFill>
+                      <a:schemeClr val="bg1"/>
+                    </a:solidFill>
+                  </a:tcPr>
+                </a:tc>
+                <a:tc>
+                  <a:txBody>
+                    <a:bodyPr/>
+                    <a:lstStyle/>
+                    <a:p>
+                      <a:pPr latinLnBrk="1"/>
+                      <a:endParaRPr lang="ko-KR" altLang="en-US" dirty="0"/>
+                    </a:p>
+                  </a:txBody>
+                  <a:tcPr>
+                    <a:lnL w="12700" cap="flat" cmpd="sng" algn="ctr">
+                      <a:solidFill>
+                        <a:schemeClr val="tx1"/>
+                      </a:solidFill>
+                      <a:prstDash val="solid"/>
+                      <a:round/>
+                      <a:headEnd type="none" w="med" len="med"/>
+                      <a:tailEnd type="none" w="med" len="med"/>
+                    </a:lnL>
+                    <a:lnR w="12700" cap="flat" cmpd="sng" algn="ctr">
+                      <a:solidFill>
+                        <a:schemeClr val="tx1"/>
+                      </a:solidFill>
+                      <a:prstDash val="solid"/>
+                      <a:round/>
+                      <a:headEnd type="none" w="med" len="med"/>
+                      <a:tailEnd type="none" w="med" len="med"/>
+                    </a:lnR>
+                    <a:lnT w="12700" cap="flat" cmpd="sng" algn="ctr">
+                      <a:solidFill>
+                        <a:schemeClr val="tx1"/>
+                      </a:solidFill>
+                      <a:prstDash val="solid"/>
+                      <a:round/>
+                      <a:headEnd type="none" w="med" len="med"/>
+                      <a:tailEnd type="none" w="med" len="med"/>
+                    </a:lnT>
+                    <a:lnB w="12700" cap="flat" cmpd="sng" algn="ctr">
+                      <a:solidFill>
+                        <a:schemeClr val="tx1"/>
+                      </a:solidFill>
+                      <a:prstDash val="solid"/>
+                      <a:round/>
+                      <a:headEnd type="none" w="med" len="med"/>
+                      <a:tailEnd type="none" w="med" len="med"/>
+                    </a:lnB>
+                    <a:solidFill>
+                      <a:schemeClr val="bg1"/>
+                    </a:solidFill>
+                  </a:tcPr>
+                </a:tc>
+                <a:extLst>
+                  <a:ext uri="{0D108BD9-81ED-4DB2-BD59-A6C34878D82A}">
+                    <a16:rowId xmlns:a16="http://schemas.microsoft.com/office/drawing/2014/main" val="2375882472"/>
+                  </a:ext>
+                </a:extLst>
+              </a:tr>
             </a:tbl>
           </a:graphicData>
         </a:graphic>
@@ -21748,7 +22258,7 @@
           <p:nvPr>
             <p:extLst>
               <p:ext uri="{D42A27DB-BD31-4B8C-83A1-F6EECF244321}">
-                <p14:modId xmlns:p14="http://schemas.microsoft.com/office/powerpoint/2010/main" val="4126417018"/>
+                <p14:modId xmlns:p14="http://schemas.microsoft.com/office/powerpoint/2010/main" val="4230432403"/>
               </p:ext>
             </p:extLst>
           </p:nvPr>
@@ -27232,7 +27742,7 @@
                     <a:schemeClr val="tx1"/>
                   </a:solidFill>
                 </a:rPr>
-                <a:t>버튼 이미지가 </a:t>
+                <a:t>버튼이 </a:t>
               </a:r>
               <a:r>
                 <a:rPr lang="en-US" altLang="ko-KR" dirty="0">
@@ -28018,6 +28528,2168 @@
           <a:chExt cx="0" cy="0"/>
         </a:xfrm>
       </p:grpSpPr>
+      <p:grpSp>
+        <p:nvGrpSpPr>
+          <p:cNvPr id="13" name="그룹 12">
+            <a:extLst>
+              <a:ext uri="{FF2B5EF4-FFF2-40B4-BE49-F238E27FC236}">
+                <a16:creationId xmlns:a16="http://schemas.microsoft.com/office/drawing/2014/main" id="{11613AEF-41F3-4537-AEC6-1C4C77CF07BA}"/>
+              </a:ext>
+            </a:extLst>
+          </p:cNvPr>
+          <p:cNvGrpSpPr/>
+          <p:nvPr/>
+        </p:nvGrpSpPr>
+        <p:grpSpPr>
+          <a:xfrm>
+            <a:off x="0" y="99367"/>
+            <a:ext cx="2366682" cy="620714"/>
+            <a:chOff x="0" y="231324"/>
+            <a:chExt cx="2341178" cy="620714"/>
+          </a:xfrm>
+        </p:grpSpPr>
+        <p:sp>
+          <p:nvSpPr>
+            <p:cNvPr id="14" name="TextBox 13">
+              <a:extLst>
+                <a:ext uri="{FF2B5EF4-FFF2-40B4-BE49-F238E27FC236}">
+                  <a16:creationId xmlns:a16="http://schemas.microsoft.com/office/drawing/2014/main" id="{03594E88-2EA4-4B62-8D41-791E6C37F386}"/>
+                </a:ext>
+              </a:extLst>
+            </p:cNvPr>
+            <p:cNvSpPr txBox="1"/>
+            <p:nvPr/>
+          </p:nvSpPr>
+          <p:spPr>
+            <a:xfrm>
+              <a:off x="0" y="231324"/>
+              <a:ext cx="2341178" cy="523220"/>
+            </a:xfrm>
+            <a:prstGeom prst="rect">
+              <a:avLst/>
+            </a:prstGeom>
+            <a:noFill/>
+          </p:spPr>
+          <p:txBody>
+            <a:bodyPr wrap="square" rtlCol="0">
+              <a:spAutoFit/>
+            </a:bodyPr>
+            <a:lstStyle/>
+            <a:p>
+              <a:r>
+                <a:rPr lang="en-US" altLang="ko-KR" sz="2800" b="1" dirty="0"/>
+                <a:t>5.1 </a:t>
+              </a:r>
+              <a:r>
+                <a:rPr lang="ko-KR" altLang="en-US" sz="2800" b="1" dirty="0"/>
+                <a:t>상점 창</a:t>
+              </a:r>
+              <a:endParaRPr lang="ko-KR" altLang="en-US" sz="1400" b="1" dirty="0"/>
+            </a:p>
+          </p:txBody>
+        </p:sp>
+        <p:sp>
+          <p:nvSpPr>
+            <p:cNvPr id="15" name="평행 사변형 14">
+              <a:extLst>
+                <a:ext uri="{FF2B5EF4-FFF2-40B4-BE49-F238E27FC236}">
+                  <a16:creationId xmlns:a16="http://schemas.microsoft.com/office/drawing/2014/main" id="{BC8FEDDD-5135-4889-876B-1070125CD6BB}"/>
+                </a:ext>
+              </a:extLst>
+            </p:cNvPr>
+            <p:cNvSpPr/>
+            <p:nvPr/>
+          </p:nvSpPr>
+          <p:spPr>
+            <a:xfrm>
+              <a:off x="0" y="787975"/>
+              <a:ext cx="2196000" cy="64063"/>
+            </a:xfrm>
+            <a:prstGeom prst="parallelogram">
+              <a:avLst/>
+            </a:prstGeom>
+            <a:solidFill>
+              <a:schemeClr val="tx1"/>
+            </a:solidFill>
+            <a:ln>
+              <a:noFill/>
+            </a:ln>
+          </p:spPr>
+          <p:style>
+            <a:lnRef idx="2">
+              <a:schemeClr val="accent1">
+                <a:shade val="50000"/>
+              </a:schemeClr>
+            </a:lnRef>
+            <a:fillRef idx="1">
+              <a:schemeClr val="accent1"/>
+            </a:fillRef>
+            <a:effectRef idx="0">
+              <a:schemeClr val="accent1"/>
+            </a:effectRef>
+            <a:fontRef idx="minor">
+              <a:schemeClr val="lt1"/>
+            </a:fontRef>
+          </p:style>
+          <p:txBody>
+            <a:bodyPr rtlCol="0" anchor="ctr"/>
+            <a:lstStyle/>
+            <a:p>
+              <a:pPr algn="ctr"/>
+              <a:endParaRPr lang="ko-KR" altLang="en-US" dirty="0"/>
+            </a:p>
+          </p:txBody>
+        </p:sp>
+      </p:grpSp>
+      <mc:AlternateContent xmlns:mc="http://schemas.openxmlformats.org/markup-compatibility/2006">
+        <mc:Choice xmlns:a14="http://schemas.microsoft.com/office/drawing/2010/main" Requires="a14">
+          <p:graphicFrame>
+            <p:nvGraphicFramePr>
+              <p:cNvPr id="2" name="표 2">
+                <a:extLst>
+                  <a:ext uri="{FF2B5EF4-FFF2-40B4-BE49-F238E27FC236}">
+                    <a16:creationId xmlns:a16="http://schemas.microsoft.com/office/drawing/2014/main" id="{99EFF1A6-C357-4546-9C3C-104DE11E2F24}"/>
+                  </a:ext>
+                </a:extLst>
+              </p:cNvPr>
+              <p:cNvGraphicFramePr>
+                <a:graphicFrameLocks noGrp="1"/>
+              </p:cNvGraphicFramePr>
+              <p:nvPr>
+                <p:extLst>
+                  <p:ext uri="{D42A27DB-BD31-4B8C-83A1-F6EECF244321}">
+                    <p14:modId xmlns:p14="http://schemas.microsoft.com/office/powerpoint/2010/main" val="64958653"/>
+                  </p:ext>
+                </p:extLst>
+              </p:nvPr>
+            </p:nvGraphicFramePr>
+            <p:xfrm>
+              <a:off x="955963" y="888082"/>
+              <a:ext cx="10280073" cy="3566160"/>
+            </p:xfrm>
+            <a:graphic>
+              <a:graphicData uri="http://schemas.openxmlformats.org/drawingml/2006/table">
+                <a:tbl>
+                  <a:tblPr firstRow="1" bandRow="1">
+                    <a:tableStyleId>{5C22544A-7EE6-4342-B048-85BDC9FD1C3A}</a:tableStyleId>
+                  </a:tblPr>
+                  <a:tblGrid>
+                    <a:gridCol w="1280478">
+                      <a:extLst>
+                        <a:ext uri="{9D8B030D-6E8A-4147-A177-3AD203B41FA5}">
+                          <a16:colId xmlns:a16="http://schemas.microsoft.com/office/drawing/2014/main" val="2099243982"/>
+                        </a:ext>
+                      </a:extLst>
+                    </a:gridCol>
+                    <a:gridCol w="8999595">
+                      <a:extLst>
+                        <a:ext uri="{9D8B030D-6E8A-4147-A177-3AD203B41FA5}">
+                          <a16:colId xmlns:a16="http://schemas.microsoft.com/office/drawing/2014/main" val="2328468741"/>
+                        </a:ext>
+                      </a:extLst>
+                    </a:gridCol>
+                  </a:tblGrid>
+                  <a:tr h="0">
+                    <a:tc>
+                      <a:txBody>
+                        <a:bodyPr/>
+                        <a:lstStyle/>
+                        <a:p>
+                          <a:pPr latinLnBrk="1"/>
+                          <a:r>
+                            <a:rPr lang="ko-KR" altLang="en-US" dirty="0">
+                              <a:solidFill>
+                                <a:schemeClr val="tx1"/>
+                              </a:solidFill>
+                            </a:rPr>
+                            <a:t>기능</a:t>
+                          </a:r>
+                        </a:p>
+                      </a:txBody>
+                      <a:tcPr>
+                        <a:lnL w="12700" cap="flat" cmpd="sng" algn="ctr">
+                          <a:solidFill>
+                            <a:schemeClr val="tx1"/>
+                          </a:solidFill>
+                          <a:prstDash val="solid"/>
+                          <a:round/>
+                          <a:headEnd type="none" w="med" len="med"/>
+                          <a:tailEnd type="none" w="med" len="med"/>
+                        </a:lnL>
+                        <a:lnR w="12700" cap="flat" cmpd="sng" algn="ctr">
+                          <a:solidFill>
+                            <a:schemeClr val="tx1"/>
+                          </a:solidFill>
+                          <a:prstDash val="solid"/>
+                          <a:round/>
+                          <a:headEnd type="none" w="med" len="med"/>
+                          <a:tailEnd type="none" w="med" len="med"/>
+                        </a:lnR>
+                        <a:lnT w="12700" cap="flat" cmpd="sng" algn="ctr">
+                          <a:solidFill>
+                            <a:schemeClr val="tx1"/>
+                          </a:solidFill>
+                          <a:prstDash val="solid"/>
+                          <a:round/>
+                          <a:headEnd type="none" w="med" len="med"/>
+                          <a:tailEnd type="none" w="med" len="med"/>
+                        </a:lnT>
+                        <a:lnB w="12700" cap="flat" cmpd="sng" algn="ctr">
+                          <a:solidFill>
+                            <a:schemeClr val="tx1"/>
+                          </a:solidFill>
+                          <a:prstDash val="solid"/>
+                          <a:round/>
+                          <a:headEnd type="none" w="med" len="med"/>
+                          <a:tailEnd type="none" w="med" len="med"/>
+                        </a:lnB>
+                        <a:solidFill>
+                          <a:schemeClr val="bg1">
+                            <a:lumMod val="85000"/>
+                          </a:schemeClr>
+                        </a:solidFill>
+                      </a:tcPr>
+                    </a:tc>
+                    <a:tc>
+                      <a:txBody>
+                        <a:bodyPr/>
+                        <a:lstStyle/>
+                        <a:p>
+                          <a:pPr latinLnBrk="1"/>
+                          <a:r>
+                            <a:rPr lang="ko-KR" altLang="en-US" dirty="0">
+                              <a:solidFill>
+                                <a:schemeClr val="tx1"/>
+                              </a:solidFill>
+                            </a:rPr>
+                            <a:t>상세 내용</a:t>
+                          </a:r>
+                        </a:p>
+                      </a:txBody>
+                      <a:tcPr>
+                        <a:lnL w="12700" cap="flat" cmpd="sng" algn="ctr">
+                          <a:solidFill>
+                            <a:schemeClr val="tx1"/>
+                          </a:solidFill>
+                          <a:prstDash val="solid"/>
+                          <a:round/>
+                          <a:headEnd type="none" w="med" len="med"/>
+                          <a:tailEnd type="none" w="med" len="med"/>
+                        </a:lnL>
+                        <a:lnR w="12700" cap="flat" cmpd="sng" algn="ctr">
+                          <a:solidFill>
+                            <a:schemeClr val="tx1"/>
+                          </a:solidFill>
+                          <a:prstDash val="solid"/>
+                          <a:round/>
+                          <a:headEnd type="none" w="med" len="med"/>
+                          <a:tailEnd type="none" w="med" len="med"/>
+                        </a:lnR>
+                        <a:lnT w="12700" cap="flat" cmpd="sng" algn="ctr">
+                          <a:solidFill>
+                            <a:schemeClr val="tx1"/>
+                          </a:solidFill>
+                          <a:prstDash val="solid"/>
+                          <a:round/>
+                          <a:headEnd type="none" w="med" len="med"/>
+                          <a:tailEnd type="none" w="med" len="med"/>
+                        </a:lnT>
+                        <a:lnB w="12700" cap="flat" cmpd="sng" algn="ctr">
+                          <a:solidFill>
+                            <a:schemeClr val="tx1"/>
+                          </a:solidFill>
+                          <a:prstDash val="solid"/>
+                          <a:round/>
+                          <a:headEnd type="none" w="med" len="med"/>
+                          <a:tailEnd type="none" w="med" len="med"/>
+                        </a:lnB>
+                        <a:solidFill>
+                          <a:schemeClr val="bg1">
+                            <a:lumMod val="85000"/>
+                          </a:schemeClr>
+                        </a:solidFill>
+                      </a:tcPr>
+                    </a:tc>
+                    <a:extLst>
+                      <a:ext uri="{0D108BD9-81ED-4DB2-BD59-A6C34878D82A}">
+                        <a16:rowId xmlns:a16="http://schemas.microsoft.com/office/drawing/2014/main" val="1755973217"/>
+                      </a:ext>
+                    </a:extLst>
+                  </a:tr>
+                  <a:tr h="0">
+                    <a:tc>
+                      <a:txBody>
+                        <a:bodyPr/>
+                        <a:lstStyle/>
+                        <a:p>
+                          <a:pPr latinLnBrk="1"/>
+                          <a:r>
+                            <a:rPr lang="ko-KR" altLang="en-US" dirty="0"/>
+                            <a:t>버튼 회전</a:t>
+                          </a:r>
+                        </a:p>
+                      </a:txBody>
+                      <a:tcPr>
+                        <a:lnL w="12700" cap="flat" cmpd="sng" algn="ctr">
+                          <a:solidFill>
+                            <a:schemeClr val="tx1"/>
+                          </a:solidFill>
+                          <a:prstDash val="solid"/>
+                          <a:round/>
+                          <a:headEnd type="none" w="med" len="med"/>
+                          <a:tailEnd type="none" w="med" len="med"/>
+                        </a:lnL>
+                        <a:lnR w="12700" cap="flat" cmpd="sng" algn="ctr">
+                          <a:solidFill>
+                            <a:schemeClr val="tx1"/>
+                          </a:solidFill>
+                          <a:prstDash val="solid"/>
+                          <a:round/>
+                          <a:headEnd type="none" w="med" len="med"/>
+                          <a:tailEnd type="none" w="med" len="med"/>
+                        </a:lnR>
+                        <a:lnT w="12700" cap="flat" cmpd="sng" algn="ctr">
+                          <a:solidFill>
+                            <a:schemeClr val="tx1"/>
+                          </a:solidFill>
+                          <a:prstDash val="solid"/>
+                          <a:round/>
+                          <a:headEnd type="none" w="med" len="med"/>
+                          <a:tailEnd type="none" w="med" len="med"/>
+                        </a:lnT>
+                        <a:lnB w="12700" cap="flat" cmpd="sng" algn="ctr">
+                          <a:solidFill>
+                            <a:schemeClr val="tx1"/>
+                          </a:solidFill>
+                          <a:prstDash val="solid"/>
+                          <a:round/>
+                          <a:headEnd type="none" w="med" len="med"/>
+                          <a:tailEnd type="none" w="med" len="med"/>
+                        </a:lnB>
+                        <a:solidFill>
+                          <a:schemeClr val="bg1"/>
+                        </a:solidFill>
+                      </a:tcPr>
+                    </a:tc>
+                    <a:tc>
+                      <a:txBody>
+                        <a:bodyPr/>
+                        <a:lstStyle/>
+                        <a:p>
+                          <a:pPr marL="285750" indent="-285750">
+                            <a:buFont typeface="Arial" panose="020B0604020202020204" pitchFamily="34" charset="0"/>
+                            <a:buChar char="•"/>
+                          </a:pPr>
+                          <a:r>
+                            <a:rPr lang="en-US" altLang="ko-KR" dirty="0">
+                              <a:solidFill>
+                                <a:schemeClr val="tx1"/>
+                              </a:solidFill>
+                            </a:rPr>
+                            <a:t>Open</a:t>
+                          </a:r>
+                          <a:r>
+                            <a:rPr lang="ko-KR" altLang="en-US" dirty="0">
+                              <a:solidFill>
+                                <a:schemeClr val="tx1"/>
+                              </a:solidFill>
+                            </a:rPr>
+                            <a:t>시 시계 방향</a:t>
+                          </a:r>
+                          <a:r>
+                            <a:rPr lang="en-US" altLang="ko-KR" dirty="0">
+                              <a:solidFill>
+                                <a:schemeClr val="tx1"/>
+                              </a:solidFill>
+                            </a:rPr>
+                            <a:t>: Rotate - direction in Z axis</a:t>
+                          </a:r>
+                          <a:br>
+                            <a:rPr lang="en-US" altLang="ko-KR" dirty="0">
+                              <a:solidFill>
+                                <a:schemeClr val="tx1"/>
+                              </a:solidFill>
+                            </a:rPr>
+                          </a:br>
+                          <a:r>
+                            <a:rPr lang="en-US" altLang="ko-KR" dirty="0">
+                              <a:solidFill>
+                                <a:schemeClr val="tx1"/>
+                              </a:solidFill>
+                            </a:rPr>
+                            <a:t>Close</a:t>
+                          </a:r>
+                          <a:r>
+                            <a:rPr lang="ko-KR" altLang="en-US" dirty="0">
+                              <a:solidFill>
+                                <a:schemeClr val="tx1"/>
+                              </a:solidFill>
+                            </a:rPr>
+                            <a:t>시 반시계 방향</a:t>
+                          </a:r>
+                          <a:r>
+                            <a:rPr lang="en-US" altLang="ko-KR" dirty="0">
+                              <a:solidFill>
+                                <a:schemeClr val="tx1"/>
+                              </a:solidFill>
+                            </a:rPr>
+                            <a:t>: Rotate + direction in Z axis</a:t>
+                          </a:r>
+                        </a:p>
+                        <a:p>
+                          <a:pPr marL="285750" indent="-285750">
+                            <a:buFont typeface="Arial" panose="020B0604020202020204" pitchFamily="34" charset="0"/>
+                            <a:buChar char="•"/>
+                          </a:pPr>
+                          <a:endParaRPr lang="en-US" altLang="ko-KR" dirty="0">
+                            <a:solidFill>
+                              <a:schemeClr val="tx1"/>
+                            </a:solidFill>
+                          </a:endParaRPr>
+                        </a:p>
+                        <a:p>
+                          <a:pPr marL="285750" indent="-285750">
+                            <a:buFont typeface="Arial" panose="020B0604020202020204" pitchFamily="34" charset="0"/>
+                            <a:buChar char="•"/>
+                          </a:pPr>
+                          <a:r>
+                            <a:rPr lang="ko-KR" altLang="en-US" dirty="0">
+                              <a:solidFill>
+                                <a:schemeClr val="tx1"/>
+                              </a:solidFill>
+                            </a:rPr>
+                            <a:t>이동</a:t>
+                          </a:r>
+                          <a:r>
+                            <a:rPr lang="en-US" altLang="ko-KR" dirty="0">
+                              <a:solidFill>
+                                <a:schemeClr val="tx1"/>
+                              </a:solidFill>
+                            </a:rPr>
+                            <a:t> </a:t>
+                          </a:r>
+                          <a:r>
+                            <a:rPr lang="ko-KR" altLang="en-US" dirty="0">
+                              <a:solidFill>
+                                <a:schemeClr val="tx1"/>
+                              </a:solidFill>
+                            </a:rPr>
+                            <a:t>시작과 함께 회전 시작</a:t>
+                          </a:r>
+                          <a:r>
+                            <a:rPr lang="en-US" altLang="ko-KR" dirty="0">
+                              <a:solidFill>
+                                <a:schemeClr val="tx1"/>
+                              </a:solidFill>
+                            </a:rPr>
+                            <a:t>, </a:t>
+                          </a:r>
+                          <a:r>
+                            <a:rPr lang="ko-KR" altLang="en-US" dirty="0">
+                              <a:solidFill>
+                                <a:schemeClr val="tx1"/>
+                              </a:solidFill>
+                            </a:rPr>
+                            <a:t>이동이 끝나는 시점에 </a:t>
+                          </a:r>
+                          <a:r>
+                            <a:rPr lang="en-US" altLang="ko-KR" dirty="0">
+                              <a:solidFill>
+                                <a:schemeClr val="tx1"/>
+                              </a:solidFill>
+                            </a:rPr>
+                            <a:t>360</a:t>
+                          </a:r>
+                          <a:r>
+                            <a:rPr lang="ko-KR" altLang="en-US" dirty="0">
+                              <a:solidFill>
+                                <a:schemeClr val="tx1"/>
+                              </a:solidFill>
+                            </a:rPr>
+                            <a:t>도 회전 완료</a:t>
+                          </a:r>
+                          <a:endParaRPr lang="ko-KR" altLang="en-US" dirty="0"/>
+                        </a:p>
+                      </a:txBody>
+                      <a:tcPr>
+                        <a:lnL w="12700" cap="flat" cmpd="sng" algn="ctr">
+                          <a:solidFill>
+                            <a:schemeClr val="tx1"/>
+                          </a:solidFill>
+                          <a:prstDash val="solid"/>
+                          <a:round/>
+                          <a:headEnd type="none" w="med" len="med"/>
+                          <a:tailEnd type="none" w="med" len="med"/>
+                        </a:lnL>
+                        <a:lnR w="12700" cap="flat" cmpd="sng" algn="ctr">
+                          <a:solidFill>
+                            <a:schemeClr val="tx1"/>
+                          </a:solidFill>
+                          <a:prstDash val="solid"/>
+                          <a:round/>
+                          <a:headEnd type="none" w="med" len="med"/>
+                          <a:tailEnd type="none" w="med" len="med"/>
+                        </a:lnR>
+                        <a:lnT w="12700" cap="flat" cmpd="sng" algn="ctr">
+                          <a:solidFill>
+                            <a:schemeClr val="tx1"/>
+                          </a:solidFill>
+                          <a:prstDash val="solid"/>
+                          <a:round/>
+                          <a:headEnd type="none" w="med" len="med"/>
+                          <a:tailEnd type="none" w="med" len="med"/>
+                        </a:lnT>
+                        <a:lnB w="12700" cap="flat" cmpd="sng" algn="ctr">
+                          <a:solidFill>
+                            <a:schemeClr val="tx1"/>
+                          </a:solidFill>
+                          <a:prstDash val="solid"/>
+                          <a:round/>
+                          <a:headEnd type="none" w="med" len="med"/>
+                          <a:tailEnd type="none" w="med" len="med"/>
+                        </a:lnB>
+                        <a:solidFill>
+                          <a:schemeClr val="bg1"/>
+                        </a:solidFill>
+                      </a:tcPr>
+                    </a:tc>
+                    <a:extLst>
+                      <a:ext uri="{0D108BD9-81ED-4DB2-BD59-A6C34878D82A}">
+                        <a16:rowId xmlns:a16="http://schemas.microsoft.com/office/drawing/2014/main" val="1331306071"/>
+                      </a:ext>
+                    </a:extLst>
+                  </a:tr>
+                  <a:tr h="0">
+                    <a:tc>
+                      <a:txBody>
+                        <a:bodyPr/>
+                        <a:lstStyle/>
+                        <a:p>
+                          <a:pPr latinLnBrk="1"/>
+                          <a:r>
+                            <a:rPr lang="ko-KR" altLang="en-US" dirty="0"/>
+                            <a:t>버튼 이동</a:t>
+                          </a:r>
+                        </a:p>
+                      </a:txBody>
+                      <a:tcPr>
+                        <a:lnL w="12700" cap="flat" cmpd="sng" algn="ctr">
+                          <a:solidFill>
+                            <a:schemeClr val="tx1"/>
+                          </a:solidFill>
+                          <a:prstDash val="solid"/>
+                          <a:round/>
+                          <a:headEnd type="none" w="med" len="med"/>
+                          <a:tailEnd type="none" w="med" len="med"/>
+                        </a:lnL>
+                        <a:lnR w="12700" cap="flat" cmpd="sng" algn="ctr">
+                          <a:solidFill>
+                            <a:schemeClr val="tx1"/>
+                          </a:solidFill>
+                          <a:prstDash val="solid"/>
+                          <a:round/>
+                          <a:headEnd type="none" w="med" len="med"/>
+                          <a:tailEnd type="none" w="med" len="med"/>
+                        </a:lnR>
+                        <a:lnT w="12700" cap="flat" cmpd="sng" algn="ctr">
+                          <a:solidFill>
+                            <a:schemeClr val="tx1"/>
+                          </a:solidFill>
+                          <a:prstDash val="solid"/>
+                          <a:round/>
+                          <a:headEnd type="none" w="med" len="med"/>
+                          <a:tailEnd type="none" w="med" len="med"/>
+                        </a:lnT>
+                        <a:lnB w="12700" cap="flat" cmpd="sng" algn="ctr">
+                          <a:solidFill>
+                            <a:schemeClr val="tx1"/>
+                          </a:solidFill>
+                          <a:prstDash val="solid"/>
+                          <a:round/>
+                          <a:headEnd type="none" w="med" len="med"/>
+                          <a:tailEnd type="none" w="med" len="med"/>
+                        </a:lnB>
+                        <a:solidFill>
+                          <a:schemeClr val="bg1"/>
+                        </a:solidFill>
+                      </a:tcPr>
+                    </a:tc>
+                    <a:tc>
+                      <a:txBody>
+                        <a:bodyPr/>
+                        <a:lstStyle/>
+                        <a:p>
+                          <a:pPr marL="285750" indent="-285750" latinLnBrk="1">
+                            <a:buFont typeface="Arial" panose="020B0604020202020204" pitchFamily="34" charset="0"/>
+                            <a:buChar char="•"/>
+                          </a:pPr>
+                          <a:r>
+                            <a:rPr lang="ko-KR" altLang="en-US" dirty="0">
+                              <a:solidFill>
+                                <a:schemeClr val="tx1"/>
+                              </a:solidFill>
+                            </a:rPr>
+                            <a:t>원래 위치에서 </a:t>
+                          </a:r>
+                          <a:r>
+                            <a:rPr lang="en-US" altLang="ko-KR" dirty="0">
+                              <a:solidFill>
+                                <a:schemeClr val="tx1"/>
+                              </a:solidFill>
+                            </a:rPr>
+                            <a:t>(</a:t>
+                          </a:r>
+                          <a:r>
+                            <a:rPr lang="en-US" altLang="ko-KR" dirty="0" err="1">
+                              <a:solidFill>
+                                <a:schemeClr val="tx1"/>
+                              </a:solidFill>
+                            </a:rPr>
+                            <a:t>Screen_Width</a:t>
+                          </a:r>
+                          <a:r>
+                            <a:rPr lang="en-US" altLang="ko-KR" dirty="0">
+                              <a:solidFill>
+                                <a:schemeClr val="tx1"/>
+                              </a:solidFill>
+                            </a:rPr>
+                            <a:t>/2, </a:t>
+                          </a:r>
+                          <a:r>
+                            <a:rPr lang="en-US" altLang="ko-KR" dirty="0" err="1">
+                              <a:solidFill>
+                                <a:schemeClr val="tx1"/>
+                              </a:solidFill>
+                            </a:rPr>
+                            <a:t>Shop_Window_Height</a:t>
+                          </a:r>
+                          <a:r>
+                            <a:rPr lang="en-US" altLang="ko-KR" dirty="0">
+                              <a:solidFill>
+                                <a:schemeClr val="tx1"/>
+                              </a:solidFill>
+                            </a:rPr>
+                            <a:t>/2) </a:t>
+                          </a:r>
+                          <a:r>
+                            <a:rPr lang="ko-KR" altLang="en-US" dirty="0">
+                              <a:solidFill>
+                                <a:schemeClr val="tx1"/>
+                              </a:solidFill>
+                            </a:rPr>
+                            <a:t>지점까지</a:t>
+                          </a:r>
+                          <a:r>
+                            <a:rPr lang="en-US" altLang="ko-KR" dirty="0">
+                              <a:solidFill>
+                                <a:schemeClr val="tx1"/>
+                              </a:solidFill>
+                            </a:rPr>
+                            <a:t>,</a:t>
+                          </a:r>
+                          <a:br>
+                            <a:rPr lang="en-US" altLang="ko-KR" dirty="0">
+                              <a:solidFill>
+                                <a:schemeClr val="tx1"/>
+                              </a:solidFill>
+                            </a:rPr>
+                          </a:br>
+                          <a:r>
+                            <a:rPr lang="en-US" altLang="ko-KR" dirty="0">
+                              <a:solidFill>
+                                <a:schemeClr val="tx1"/>
+                              </a:solidFill>
+                            </a:rPr>
+                            <a:t>(</a:t>
+                          </a:r>
+                          <a:r>
+                            <a:rPr lang="en-US" altLang="ko-KR" dirty="0" err="1">
+                              <a:solidFill>
+                                <a:schemeClr val="tx1"/>
+                              </a:solidFill>
+                            </a:rPr>
+                            <a:t>Screen_Width</a:t>
+                          </a:r>
+                          <a:r>
+                            <a:rPr lang="en-US" altLang="ko-KR" dirty="0">
+                              <a:solidFill>
+                                <a:schemeClr val="tx1"/>
+                              </a:solidFill>
+                            </a:rPr>
+                            <a:t>/2, </a:t>
+                          </a:r>
+                          <a:r>
+                            <a:rPr lang="en-US" altLang="ko-KR" dirty="0" err="1">
+                              <a:solidFill>
+                                <a:schemeClr val="tx1"/>
+                              </a:solidFill>
+                            </a:rPr>
+                            <a:t>Button_Y_Position</a:t>
+                          </a:r>
+                          <a:r>
+                            <a:rPr lang="en-US" altLang="ko-KR" dirty="0">
+                              <a:solidFill>
+                                <a:schemeClr val="tx1"/>
+                              </a:solidFill>
+                            </a:rPr>
+                            <a:t>) </a:t>
+                          </a:r>
+                          <a:r>
+                            <a:rPr lang="ko-KR" altLang="en-US" dirty="0">
+                              <a:solidFill>
+                                <a:schemeClr val="tx1"/>
+                              </a:solidFill>
+                            </a:rPr>
+                            <a:t>좌표를 중점으로 하는 타원을 그리며 이동</a:t>
+                          </a:r>
+                          <a:endParaRPr lang="en-US" altLang="ko-KR" dirty="0">
+                            <a:solidFill>
+                              <a:schemeClr val="tx1"/>
+                            </a:solidFill>
+                          </a:endParaRPr>
+                        </a:p>
+                        <a:p>
+                          <a:pPr latinLnBrk="1"/>
+                          <a:endParaRPr lang="en-US" altLang="ko-KR" dirty="0">
+                            <a:solidFill>
+                              <a:schemeClr val="tx1"/>
+                            </a:solidFill>
+                          </a:endParaRPr>
+                        </a:p>
+                        <a:p>
+                          <a:pPr marL="285750" indent="-285750" latinLnBrk="1">
+                            <a:buFont typeface="Arial" panose="020B0604020202020204" pitchFamily="34" charset="0"/>
+                            <a:buChar char="•"/>
+                          </a:pPr>
+                          <a:r>
+                            <a:rPr lang="ko-KR" altLang="en-US" dirty="0">
+                              <a:solidFill>
+                                <a:schemeClr val="tx1"/>
+                              </a:solidFill>
+                            </a:rPr>
+                            <a:t>타원 호의 좌표</a:t>
+                          </a:r>
+                          <a:r>
+                            <a:rPr lang="en-US" altLang="ko-KR" dirty="0">
+                              <a:solidFill>
+                                <a:schemeClr val="tx1"/>
+                              </a:solidFill>
+                            </a:rPr>
+                            <a:t>, </a:t>
+                          </a:r>
+                          <a:r>
+                            <a:rPr lang="ko-KR" altLang="en-US" dirty="0">
+                              <a:solidFill>
+                                <a:schemeClr val="tx1"/>
+                              </a:solidFill>
+                            </a:rPr>
+                            <a:t>곧 버튼이 실제 이동할 좌표는</a:t>
+                          </a:r>
+                          <a:br>
+                            <a:rPr lang="en-US" altLang="ko-KR" dirty="0">
+                              <a:solidFill>
+                                <a:schemeClr val="tx1"/>
+                              </a:solidFill>
+                            </a:rPr>
+                          </a:br>
+                          <a:r>
+                            <a:rPr lang="en-US" altLang="ko-KR" dirty="0">
+                              <a:solidFill>
+                                <a:schemeClr val="tx1"/>
+                              </a:solidFill>
+                            </a:rPr>
+                            <a:t>- X</a:t>
+                          </a:r>
+                          <a:r>
+                            <a:rPr lang="en-US" altLang="ko-KR" baseline="0" dirty="0">
+                              <a:solidFill>
+                                <a:schemeClr val="tx1"/>
+                              </a:solidFill>
+                            </a:rPr>
+                            <a:t> Pos =</a:t>
+                          </a:r>
+                          <a:r>
+                            <a:rPr lang="en-US" altLang="ko-KR" dirty="0">
+                              <a:solidFill>
+                                <a:schemeClr val="tx1"/>
+                              </a:solidFill>
+                            </a:rPr>
+                            <a:t> </a:t>
+                          </a:r>
+                          <a:r>
+                            <a:rPr lang="en-US" altLang="ko-KR" dirty="0" err="1">
+                              <a:solidFill>
+                                <a:schemeClr val="tx1"/>
+                              </a:solidFill>
+                            </a:rPr>
+                            <a:t>Screen_Width</a:t>
+                          </a:r>
+                          <a:r>
+                            <a:rPr lang="en-US" altLang="ko-KR" dirty="0">
+                              <a:solidFill>
+                                <a:schemeClr val="tx1"/>
+                              </a:solidFill>
+                            </a:rPr>
+                            <a:t>/2(</a:t>
+                          </a:r>
+                          <a:r>
+                            <a:rPr lang="ko-KR" altLang="en-US" dirty="0" err="1">
+                              <a:solidFill>
+                                <a:schemeClr val="tx1"/>
+                              </a:solidFill>
+                            </a:rPr>
+                            <a:t>장축</a:t>
+                          </a:r>
+                          <a:r>
+                            <a:rPr lang="en-US" altLang="ko-KR" dirty="0">
+                              <a:solidFill>
+                                <a:schemeClr val="tx1"/>
+                              </a:solidFill>
+                            </a:rPr>
+                            <a:t>)</a:t>
+                          </a:r>
+                          <a:r>
+                            <a:rPr lang="en-US" altLang="ko-KR" baseline="0" dirty="0">
+                              <a:solidFill>
+                                <a:schemeClr val="tx1"/>
+                              </a:solidFill>
+                            </a:rPr>
+                            <a:t> </a:t>
+                          </a:r>
+                          <a14:m>
+                            <m:oMath xmlns:m="http://schemas.openxmlformats.org/officeDocument/2006/math">
+                              <m:r>
+                                <a:rPr lang="en-US" altLang="ko-KR" b="0" i="0" smtClean="0">
+                                  <a:solidFill>
+                                    <a:schemeClr val="tx1"/>
+                                  </a:solidFill>
+                                  <a:latin typeface="Cambria Math" panose="02040503050406030204" pitchFamily="18" charset="0"/>
+                                </a:rPr>
+                                <m:t>∗</m:t>
+                              </m:r>
+                              <m:func>
+                                <m:funcPr>
+                                  <m:ctrlPr>
+                                    <a:rPr lang="en-US" altLang="ko-KR" b="0" i="1" smtClean="0">
+                                      <a:solidFill>
+                                        <a:schemeClr val="tx1"/>
+                                      </a:solidFill>
+                                      <a:latin typeface="Cambria Math" panose="02040503050406030204" pitchFamily="18" charset="0"/>
+                                    </a:rPr>
+                                  </m:ctrlPr>
+                                </m:funcPr>
+                                <m:fName>
+                                  <m:r>
+                                    <m:rPr>
+                                      <m:sty m:val="p"/>
+                                    </m:rPr>
+                                    <a:rPr lang="en-US" altLang="ko-KR" b="0" i="0" smtClean="0">
+                                      <a:solidFill>
+                                        <a:schemeClr val="tx1"/>
+                                      </a:solidFill>
+                                      <a:latin typeface="Cambria Math" panose="02040503050406030204" pitchFamily="18" charset="0"/>
+                                    </a:rPr>
+                                    <m:t>cos</m:t>
+                                  </m:r>
+                                </m:fName>
+                                <m:e>
+                                  <m:r>
+                                    <a:rPr lang="en-US" altLang="ko-KR" b="0" i="1" smtClean="0">
+                                      <a:solidFill>
+                                        <a:schemeClr val="tx1"/>
+                                      </a:solidFill>
+                                      <a:latin typeface="Cambria Math" panose="02040503050406030204" pitchFamily="18" charset="0"/>
+                                      <a:ea typeface="Cambria Math" panose="02040503050406030204" pitchFamily="18" charset="0"/>
+                                    </a:rPr>
+                                    <m:t>∅</m:t>
+                                  </m:r>
+                                </m:e>
+                              </m:func>
+                            </m:oMath>
+                          </a14:m>
+                          <a:br>
+                            <a:rPr lang="en-US" altLang="ko-KR" dirty="0">
+                              <a:solidFill>
+                                <a:schemeClr val="tx1"/>
+                              </a:solidFill>
+                            </a:rPr>
+                          </a:br>
+                          <a:r>
+                            <a:rPr lang="en-US" altLang="ko-KR" dirty="0">
+                              <a:solidFill>
+                                <a:schemeClr val="tx1"/>
+                              </a:solidFill>
+                            </a:rPr>
+                            <a:t>- Y Pos = </a:t>
+                          </a:r>
+                          <a:r>
+                            <a:rPr lang="en-US" altLang="ko-KR" dirty="0" err="1">
+                              <a:solidFill>
+                                <a:schemeClr val="tx1"/>
+                              </a:solidFill>
+                            </a:rPr>
+                            <a:t>Button_Y_Position</a:t>
+                          </a:r>
+                          <a:r>
+                            <a:rPr lang="en-US" altLang="ko-KR" dirty="0">
+                              <a:solidFill>
+                                <a:schemeClr val="tx1"/>
+                              </a:solidFill>
+                            </a:rPr>
+                            <a:t>(</a:t>
+                          </a:r>
+                          <a:r>
+                            <a:rPr lang="ko-KR" altLang="en-US" dirty="0">
+                              <a:solidFill>
+                                <a:schemeClr val="tx1"/>
+                              </a:solidFill>
+                            </a:rPr>
+                            <a:t>단축</a:t>
+                          </a:r>
+                          <a:r>
+                            <a:rPr lang="en-US" altLang="ko-KR" dirty="0">
+                              <a:solidFill>
+                                <a:schemeClr val="tx1"/>
+                              </a:solidFill>
+                            </a:rPr>
+                            <a:t>) </a:t>
+                          </a:r>
+                          <a14:m>
+                            <m:oMath xmlns:m="http://schemas.openxmlformats.org/officeDocument/2006/math">
+                              <m:func>
+                                <m:funcPr>
+                                  <m:ctrlPr>
+                                    <a:rPr lang="en-US" altLang="ko-KR" i="1" smtClean="0">
+                                      <a:solidFill>
+                                        <a:schemeClr val="tx1"/>
+                                      </a:solidFill>
+                                      <a:latin typeface="Cambria Math" panose="02040503050406030204" pitchFamily="18" charset="0"/>
+                                    </a:rPr>
+                                  </m:ctrlPr>
+                                </m:funcPr>
+                                <m:fName>
+                                  <m:r>
+                                    <a:rPr lang="en-US" altLang="ko-KR" b="0" i="0" smtClean="0">
+                                      <a:solidFill>
+                                        <a:schemeClr val="tx1"/>
+                                      </a:solidFill>
+                                      <a:latin typeface="Cambria Math" panose="02040503050406030204" pitchFamily="18" charset="0"/>
+                                    </a:rPr>
+                                    <m:t>∗</m:t>
+                                  </m:r>
+                                  <m:r>
+                                    <m:rPr>
+                                      <m:sty m:val="p"/>
+                                    </m:rPr>
+                                    <a:rPr lang="en-US" altLang="ko-KR" i="0" smtClean="0">
+                                      <a:solidFill>
+                                        <a:schemeClr val="tx1"/>
+                                      </a:solidFill>
+                                      <a:latin typeface="Cambria Math" panose="02040503050406030204" pitchFamily="18" charset="0"/>
+                                    </a:rPr>
+                                    <m:t>sin</m:t>
+                                  </m:r>
+                                </m:fName>
+                                <m:e>
+                                  <m:r>
+                                    <a:rPr lang="en-US" altLang="ko-KR" i="1" smtClean="0">
+                                      <a:solidFill>
+                                        <a:schemeClr val="tx1"/>
+                                      </a:solidFill>
+                                      <a:latin typeface="Cambria Math" panose="02040503050406030204" pitchFamily="18" charset="0"/>
+                                      <a:ea typeface="Cambria Math" panose="02040503050406030204" pitchFamily="18" charset="0"/>
+                                    </a:rPr>
+                                    <m:t>∅</m:t>
+                                  </m:r>
+                                </m:e>
+                              </m:func>
+                            </m:oMath>
+                          </a14:m>
+                          <a:endParaRPr lang="en-US" altLang="ko-KR" dirty="0">
+                            <a:solidFill>
+                              <a:schemeClr val="tx1"/>
+                            </a:solidFill>
+                          </a:endParaRPr>
+                        </a:p>
+                        <a:p>
+                          <a:pPr marL="457200" lvl="1" indent="0" latinLnBrk="1">
+                            <a:buFont typeface="Arial" panose="020B0604020202020204" pitchFamily="34" charset="0"/>
+                            <a:buNone/>
+                          </a:pPr>
+                          <a:r>
+                            <a:rPr lang="en-US" altLang="ko-KR" dirty="0">
+                              <a:solidFill>
+                                <a:schemeClr val="tx1"/>
+                              </a:solidFill>
+                            </a:rPr>
+                            <a:t>(</a:t>
+                          </a:r>
+                          <a14:m>
+                            <m:oMath xmlns:m="http://schemas.openxmlformats.org/officeDocument/2006/math">
+                              <m:r>
+                                <a:rPr lang="en-US" altLang="ko-KR" b="0" i="1" smtClean="0">
+                                  <a:solidFill>
+                                    <a:schemeClr val="tx1"/>
+                                  </a:solidFill>
+                                  <a:latin typeface="Cambria Math" panose="02040503050406030204" pitchFamily="18" charset="0"/>
+                                </a:rPr>
+                                <m:t>0&lt;</m:t>
+                              </m:r>
+                              <m:r>
+                                <a:rPr lang="en-US" altLang="ko-KR" b="0" i="1" smtClean="0">
+                                  <a:solidFill>
+                                    <a:schemeClr val="tx1"/>
+                                  </a:solidFill>
+                                  <a:latin typeface="Cambria Math" panose="02040503050406030204" pitchFamily="18" charset="0"/>
+                                  <a:ea typeface="Cambria Math" panose="02040503050406030204" pitchFamily="18" charset="0"/>
+                                </a:rPr>
+                                <m:t>∅&lt;2</m:t>
+                              </m:r>
+                              <m:r>
+                                <a:rPr lang="ko-KR" altLang="en-US" b="0" i="1" smtClean="0">
+                                  <a:solidFill>
+                                    <a:schemeClr val="tx1"/>
+                                  </a:solidFill>
+                                  <a:latin typeface="Cambria Math" panose="02040503050406030204" pitchFamily="18" charset="0"/>
+                                  <a:ea typeface="Cambria Math" panose="02040503050406030204" pitchFamily="18" charset="0"/>
+                                </a:rPr>
+                                <m:t>𝜋</m:t>
+                              </m:r>
+                            </m:oMath>
+                          </a14:m>
+                          <a:r>
+                            <a:rPr lang="en-US" altLang="ko-KR" dirty="0">
+                              <a:solidFill>
+                                <a:schemeClr val="tx1"/>
+                              </a:solidFill>
+                            </a:rPr>
+                            <a:t>)</a:t>
+                          </a:r>
+                        </a:p>
+                      </a:txBody>
+                      <a:tcPr>
+                        <a:lnL w="12700" cap="flat" cmpd="sng" algn="ctr">
+                          <a:solidFill>
+                            <a:schemeClr val="tx1"/>
+                          </a:solidFill>
+                          <a:prstDash val="solid"/>
+                          <a:round/>
+                          <a:headEnd type="none" w="med" len="med"/>
+                          <a:tailEnd type="none" w="med" len="med"/>
+                        </a:lnL>
+                        <a:lnR w="12700" cap="flat" cmpd="sng" algn="ctr">
+                          <a:solidFill>
+                            <a:schemeClr val="tx1"/>
+                          </a:solidFill>
+                          <a:prstDash val="solid"/>
+                          <a:round/>
+                          <a:headEnd type="none" w="med" len="med"/>
+                          <a:tailEnd type="none" w="med" len="med"/>
+                        </a:lnR>
+                        <a:lnT w="12700" cap="flat" cmpd="sng" algn="ctr">
+                          <a:solidFill>
+                            <a:schemeClr val="tx1"/>
+                          </a:solidFill>
+                          <a:prstDash val="solid"/>
+                          <a:round/>
+                          <a:headEnd type="none" w="med" len="med"/>
+                          <a:tailEnd type="none" w="med" len="med"/>
+                        </a:lnT>
+                        <a:lnB w="12700" cap="flat" cmpd="sng" algn="ctr">
+                          <a:solidFill>
+                            <a:schemeClr val="tx1"/>
+                          </a:solidFill>
+                          <a:prstDash val="solid"/>
+                          <a:round/>
+                          <a:headEnd type="none" w="med" len="med"/>
+                          <a:tailEnd type="none" w="med" len="med"/>
+                        </a:lnB>
+                        <a:solidFill>
+                          <a:schemeClr val="bg1"/>
+                        </a:solidFill>
+                      </a:tcPr>
+                    </a:tc>
+                    <a:extLst>
+                      <a:ext uri="{0D108BD9-81ED-4DB2-BD59-A6C34878D82A}">
+                        <a16:rowId xmlns:a16="http://schemas.microsoft.com/office/drawing/2014/main" val="7072938"/>
+                      </a:ext>
+                    </a:extLst>
+                  </a:tr>
+                </a:tbl>
+              </a:graphicData>
+            </a:graphic>
+          </p:graphicFrame>
+        </mc:Choice>
+        <mc:Fallback>
+          <p:graphicFrame>
+            <p:nvGraphicFramePr>
+              <p:cNvPr id="2" name="표 2">
+                <a:extLst>
+                  <a:ext uri="{FF2B5EF4-FFF2-40B4-BE49-F238E27FC236}">
+                    <a16:creationId xmlns:a16="http://schemas.microsoft.com/office/drawing/2014/main" id="{99EFF1A6-C357-4546-9C3C-104DE11E2F24}"/>
+                  </a:ext>
+                </a:extLst>
+              </p:cNvPr>
+              <p:cNvGraphicFramePr>
+                <a:graphicFrameLocks noGrp="1"/>
+              </p:cNvGraphicFramePr>
+              <p:nvPr>
+                <p:extLst>
+                  <p:ext uri="{D42A27DB-BD31-4B8C-83A1-F6EECF244321}">
+                    <p14:modId xmlns:p14="http://schemas.microsoft.com/office/powerpoint/2010/main" val="64958653"/>
+                  </p:ext>
+                </p:extLst>
+              </p:nvPr>
+            </p:nvGraphicFramePr>
+            <p:xfrm>
+              <a:off x="955963" y="888082"/>
+              <a:ext cx="10280073" cy="3566160"/>
+            </p:xfrm>
+            <a:graphic>
+              <a:graphicData uri="http://schemas.openxmlformats.org/drawingml/2006/table">
+                <a:tbl>
+                  <a:tblPr firstRow="1" bandRow="1">
+                    <a:tableStyleId>{5C22544A-7EE6-4342-B048-85BDC9FD1C3A}</a:tableStyleId>
+                  </a:tblPr>
+                  <a:tblGrid>
+                    <a:gridCol w="1280478">
+                      <a:extLst>
+                        <a:ext uri="{9D8B030D-6E8A-4147-A177-3AD203B41FA5}">
+                          <a16:colId xmlns:a16="http://schemas.microsoft.com/office/drawing/2014/main" val="2099243982"/>
+                        </a:ext>
+                      </a:extLst>
+                    </a:gridCol>
+                    <a:gridCol w="8999595">
+                      <a:extLst>
+                        <a:ext uri="{9D8B030D-6E8A-4147-A177-3AD203B41FA5}">
+                          <a16:colId xmlns:a16="http://schemas.microsoft.com/office/drawing/2014/main" val="2328468741"/>
+                        </a:ext>
+                      </a:extLst>
+                    </a:gridCol>
+                  </a:tblGrid>
+                  <a:tr h="365760">
+                    <a:tc>
+                      <a:txBody>
+                        <a:bodyPr/>
+                        <a:lstStyle/>
+                        <a:p>
+                          <a:pPr latinLnBrk="1"/>
+                          <a:r>
+                            <a:rPr lang="ko-KR" altLang="en-US" dirty="0">
+                              <a:solidFill>
+                                <a:schemeClr val="tx1"/>
+                              </a:solidFill>
+                            </a:rPr>
+                            <a:t>기능</a:t>
+                          </a:r>
+                        </a:p>
+                      </a:txBody>
+                      <a:tcPr>
+                        <a:lnL w="12700" cap="flat" cmpd="sng" algn="ctr">
+                          <a:solidFill>
+                            <a:schemeClr val="tx1"/>
+                          </a:solidFill>
+                          <a:prstDash val="solid"/>
+                          <a:round/>
+                          <a:headEnd type="none" w="med" len="med"/>
+                          <a:tailEnd type="none" w="med" len="med"/>
+                        </a:lnL>
+                        <a:lnR w="12700" cap="flat" cmpd="sng" algn="ctr">
+                          <a:solidFill>
+                            <a:schemeClr val="tx1"/>
+                          </a:solidFill>
+                          <a:prstDash val="solid"/>
+                          <a:round/>
+                          <a:headEnd type="none" w="med" len="med"/>
+                          <a:tailEnd type="none" w="med" len="med"/>
+                        </a:lnR>
+                        <a:lnT w="12700" cap="flat" cmpd="sng" algn="ctr">
+                          <a:solidFill>
+                            <a:schemeClr val="tx1"/>
+                          </a:solidFill>
+                          <a:prstDash val="solid"/>
+                          <a:round/>
+                          <a:headEnd type="none" w="med" len="med"/>
+                          <a:tailEnd type="none" w="med" len="med"/>
+                        </a:lnT>
+                        <a:lnB w="12700" cap="flat" cmpd="sng" algn="ctr">
+                          <a:solidFill>
+                            <a:schemeClr val="tx1"/>
+                          </a:solidFill>
+                          <a:prstDash val="solid"/>
+                          <a:round/>
+                          <a:headEnd type="none" w="med" len="med"/>
+                          <a:tailEnd type="none" w="med" len="med"/>
+                        </a:lnB>
+                        <a:solidFill>
+                          <a:schemeClr val="bg1">
+                            <a:lumMod val="85000"/>
+                          </a:schemeClr>
+                        </a:solidFill>
+                      </a:tcPr>
+                    </a:tc>
+                    <a:tc>
+                      <a:txBody>
+                        <a:bodyPr/>
+                        <a:lstStyle/>
+                        <a:p>
+                          <a:pPr latinLnBrk="1"/>
+                          <a:r>
+                            <a:rPr lang="ko-KR" altLang="en-US" dirty="0">
+                              <a:solidFill>
+                                <a:schemeClr val="tx1"/>
+                              </a:solidFill>
+                            </a:rPr>
+                            <a:t>상세 내용</a:t>
+                          </a:r>
+                        </a:p>
+                      </a:txBody>
+                      <a:tcPr>
+                        <a:lnL w="12700" cap="flat" cmpd="sng" algn="ctr">
+                          <a:solidFill>
+                            <a:schemeClr val="tx1"/>
+                          </a:solidFill>
+                          <a:prstDash val="solid"/>
+                          <a:round/>
+                          <a:headEnd type="none" w="med" len="med"/>
+                          <a:tailEnd type="none" w="med" len="med"/>
+                        </a:lnL>
+                        <a:lnR w="12700" cap="flat" cmpd="sng" algn="ctr">
+                          <a:solidFill>
+                            <a:schemeClr val="tx1"/>
+                          </a:solidFill>
+                          <a:prstDash val="solid"/>
+                          <a:round/>
+                          <a:headEnd type="none" w="med" len="med"/>
+                          <a:tailEnd type="none" w="med" len="med"/>
+                        </a:lnR>
+                        <a:lnT w="12700" cap="flat" cmpd="sng" algn="ctr">
+                          <a:solidFill>
+                            <a:schemeClr val="tx1"/>
+                          </a:solidFill>
+                          <a:prstDash val="solid"/>
+                          <a:round/>
+                          <a:headEnd type="none" w="med" len="med"/>
+                          <a:tailEnd type="none" w="med" len="med"/>
+                        </a:lnT>
+                        <a:lnB w="12700" cap="flat" cmpd="sng" algn="ctr">
+                          <a:solidFill>
+                            <a:schemeClr val="tx1"/>
+                          </a:solidFill>
+                          <a:prstDash val="solid"/>
+                          <a:round/>
+                          <a:headEnd type="none" w="med" len="med"/>
+                          <a:tailEnd type="none" w="med" len="med"/>
+                        </a:lnB>
+                        <a:solidFill>
+                          <a:schemeClr val="bg1">
+                            <a:lumMod val="85000"/>
+                          </a:schemeClr>
+                        </a:solidFill>
+                      </a:tcPr>
+                    </a:tc>
+                    <a:extLst>
+                      <a:ext uri="{0D108BD9-81ED-4DB2-BD59-A6C34878D82A}">
+                        <a16:rowId xmlns:a16="http://schemas.microsoft.com/office/drawing/2014/main" val="1755973217"/>
+                      </a:ext>
+                    </a:extLst>
+                  </a:tr>
+                  <a:tr h="1188720">
+                    <a:tc>
+                      <a:txBody>
+                        <a:bodyPr/>
+                        <a:lstStyle/>
+                        <a:p>
+                          <a:pPr latinLnBrk="1"/>
+                          <a:r>
+                            <a:rPr lang="ko-KR" altLang="en-US" dirty="0"/>
+                            <a:t>버튼 회전</a:t>
+                          </a:r>
+                        </a:p>
+                      </a:txBody>
+                      <a:tcPr>
+                        <a:lnL w="12700" cap="flat" cmpd="sng" algn="ctr">
+                          <a:solidFill>
+                            <a:schemeClr val="tx1"/>
+                          </a:solidFill>
+                          <a:prstDash val="solid"/>
+                          <a:round/>
+                          <a:headEnd type="none" w="med" len="med"/>
+                          <a:tailEnd type="none" w="med" len="med"/>
+                        </a:lnL>
+                        <a:lnR w="12700" cap="flat" cmpd="sng" algn="ctr">
+                          <a:solidFill>
+                            <a:schemeClr val="tx1"/>
+                          </a:solidFill>
+                          <a:prstDash val="solid"/>
+                          <a:round/>
+                          <a:headEnd type="none" w="med" len="med"/>
+                          <a:tailEnd type="none" w="med" len="med"/>
+                        </a:lnR>
+                        <a:lnT w="12700" cap="flat" cmpd="sng" algn="ctr">
+                          <a:solidFill>
+                            <a:schemeClr val="tx1"/>
+                          </a:solidFill>
+                          <a:prstDash val="solid"/>
+                          <a:round/>
+                          <a:headEnd type="none" w="med" len="med"/>
+                          <a:tailEnd type="none" w="med" len="med"/>
+                        </a:lnT>
+                        <a:lnB w="12700" cap="flat" cmpd="sng" algn="ctr">
+                          <a:solidFill>
+                            <a:schemeClr val="tx1"/>
+                          </a:solidFill>
+                          <a:prstDash val="solid"/>
+                          <a:round/>
+                          <a:headEnd type="none" w="med" len="med"/>
+                          <a:tailEnd type="none" w="med" len="med"/>
+                        </a:lnB>
+                        <a:solidFill>
+                          <a:schemeClr val="bg1"/>
+                        </a:solidFill>
+                      </a:tcPr>
+                    </a:tc>
+                    <a:tc>
+                      <a:txBody>
+                        <a:bodyPr/>
+                        <a:lstStyle/>
+                        <a:p>
+                          <a:pPr marL="285750" indent="-285750">
+                            <a:buFont typeface="Arial" panose="020B0604020202020204" pitchFamily="34" charset="0"/>
+                            <a:buChar char="•"/>
+                          </a:pPr>
+                          <a:r>
+                            <a:rPr lang="en-US" altLang="ko-KR" dirty="0">
+                              <a:solidFill>
+                                <a:schemeClr val="tx1"/>
+                              </a:solidFill>
+                            </a:rPr>
+                            <a:t>Open</a:t>
+                          </a:r>
+                          <a:r>
+                            <a:rPr lang="ko-KR" altLang="en-US" dirty="0">
+                              <a:solidFill>
+                                <a:schemeClr val="tx1"/>
+                              </a:solidFill>
+                            </a:rPr>
+                            <a:t>시 시계 방향</a:t>
+                          </a:r>
+                          <a:r>
+                            <a:rPr lang="en-US" altLang="ko-KR" dirty="0">
+                              <a:solidFill>
+                                <a:schemeClr val="tx1"/>
+                              </a:solidFill>
+                            </a:rPr>
+                            <a:t>: Rotate - direction in Z axis</a:t>
+                          </a:r>
+                          <a:br>
+                            <a:rPr lang="en-US" altLang="ko-KR" dirty="0">
+                              <a:solidFill>
+                                <a:schemeClr val="tx1"/>
+                              </a:solidFill>
+                            </a:rPr>
+                          </a:br>
+                          <a:r>
+                            <a:rPr lang="en-US" altLang="ko-KR" dirty="0">
+                              <a:solidFill>
+                                <a:schemeClr val="tx1"/>
+                              </a:solidFill>
+                            </a:rPr>
+                            <a:t>Close</a:t>
+                          </a:r>
+                          <a:r>
+                            <a:rPr lang="ko-KR" altLang="en-US" dirty="0">
+                              <a:solidFill>
+                                <a:schemeClr val="tx1"/>
+                              </a:solidFill>
+                            </a:rPr>
+                            <a:t>시 반시계 방향</a:t>
+                          </a:r>
+                          <a:r>
+                            <a:rPr lang="en-US" altLang="ko-KR" dirty="0">
+                              <a:solidFill>
+                                <a:schemeClr val="tx1"/>
+                              </a:solidFill>
+                            </a:rPr>
+                            <a:t>: Rotate + direction in Z axis</a:t>
+                          </a:r>
+                        </a:p>
+                        <a:p>
+                          <a:pPr marL="285750" indent="-285750">
+                            <a:buFont typeface="Arial" panose="020B0604020202020204" pitchFamily="34" charset="0"/>
+                            <a:buChar char="•"/>
+                          </a:pPr>
+                          <a:endParaRPr lang="en-US" altLang="ko-KR" dirty="0">
+                            <a:solidFill>
+                              <a:schemeClr val="tx1"/>
+                            </a:solidFill>
+                          </a:endParaRPr>
+                        </a:p>
+                        <a:p>
+                          <a:pPr marL="285750" indent="-285750">
+                            <a:buFont typeface="Arial" panose="020B0604020202020204" pitchFamily="34" charset="0"/>
+                            <a:buChar char="•"/>
+                          </a:pPr>
+                          <a:r>
+                            <a:rPr lang="ko-KR" altLang="en-US" dirty="0">
+                              <a:solidFill>
+                                <a:schemeClr val="tx1"/>
+                              </a:solidFill>
+                            </a:rPr>
+                            <a:t>이동</a:t>
+                          </a:r>
+                          <a:r>
+                            <a:rPr lang="en-US" altLang="ko-KR" dirty="0">
+                              <a:solidFill>
+                                <a:schemeClr val="tx1"/>
+                              </a:solidFill>
+                            </a:rPr>
+                            <a:t> </a:t>
+                          </a:r>
+                          <a:r>
+                            <a:rPr lang="ko-KR" altLang="en-US" dirty="0">
+                              <a:solidFill>
+                                <a:schemeClr val="tx1"/>
+                              </a:solidFill>
+                            </a:rPr>
+                            <a:t>시작과 함께 회전 시작</a:t>
+                          </a:r>
+                          <a:r>
+                            <a:rPr lang="en-US" altLang="ko-KR" dirty="0">
+                              <a:solidFill>
+                                <a:schemeClr val="tx1"/>
+                              </a:solidFill>
+                            </a:rPr>
+                            <a:t>, </a:t>
+                          </a:r>
+                          <a:r>
+                            <a:rPr lang="ko-KR" altLang="en-US" dirty="0">
+                              <a:solidFill>
+                                <a:schemeClr val="tx1"/>
+                              </a:solidFill>
+                            </a:rPr>
+                            <a:t>이동이 끝나는 시점에 </a:t>
+                          </a:r>
+                          <a:r>
+                            <a:rPr lang="en-US" altLang="ko-KR" dirty="0">
+                              <a:solidFill>
+                                <a:schemeClr val="tx1"/>
+                              </a:solidFill>
+                            </a:rPr>
+                            <a:t>360</a:t>
+                          </a:r>
+                          <a:r>
+                            <a:rPr lang="ko-KR" altLang="en-US" dirty="0">
+                              <a:solidFill>
+                                <a:schemeClr val="tx1"/>
+                              </a:solidFill>
+                            </a:rPr>
+                            <a:t>도 회전 완료</a:t>
+                          </a:r>
+                          <a:endParaRPr lang="ko-KR" altLang="en-US" dirty="0"/>
+                        </a:p>
+                      </a:txBody>
+                      <a:tcPr>
+                        <a:lnL w="12700" cap="flat" cmpd="sng" algn="ctr">
+                          <a:solidFill>
+                            <a:schemeClr val="tx1"/>
+                          </a:solidFill>
+                          <a:prstDash val="solid"/>
+                          <a:round/>
+                          <a:headEnd type="none" w="med" len="med"/>
+                          <a:tailEnd type="none" w="med" len="med"/>
+                        </a:lnL>
+                        <a:lnR w="12700" cap="flat" cmpd="sng" algn="ctr">
+                          <a:solidFill>
+                            <a:schemeClr val="tx1"/>
+                          </a:solidFill>
+                          <a:prstDash val="solid"/>
+                          <a:round/>
+                          <a:headEnd type="none" w="med" len="med"/>
+                          <a:tailEnd type="none" w="med" len="med"/>
+                        </a:lnR>
+                        <a:lnT w="12700" cap="flat" cmpd="sng" algn="ctr">
+                          <a:solidFill>
+                            <a:schemeClr val="tx1"/>
+                          </a:solidFill>
+                          <a:prstDash val="solid"/>
+                          <a:round/>
+                          <a:headEnd type="none" w="med" len="med"/>
+                          <a:tailEnd type="none" w="med" len="med"/>
+                        </a:lnT>
+                        <a:lnB w="12700" cap="flat" cmpd="sng" algn="ctr">
+                          <a:solidFill>
+                            <a:schemeClr val="tx1"/>
+                          </a:solidFill>
+                          <a:prstDash val="solid"/>
+                          <a:round/>
+                          <a:headEnd type="none" w="med" len="med"/>
+                          <a:tailEnd type="none" w="med" len="med"/>
+                        </a:lnB>
+                        <a:solidFill>
+                          <a:schemeClr val="bg1"/>
+                        </a:solidFill>
+                      </a:tcPr>
+                    </a:tc>
+                    <a:extLst>
+                      <a:ext uri="{0D108BD9-81ED-4DB2-BD59-A6C34878D82A}">
+                        <a16:rowId xmlns:a16="http://schemas.microsoft.com/office/drawing/2014/main" val="1331306071"/>
+                      </a:ext>
+                    </a:extLst>
+                  </a:tr>
+                  <a:tr h="2011680">
+                    <a:tc>
+                      <a:txBody>
+                        <a:bodyPr/>
+                        <a:lstStyle/>
+                        <a:p>
+                          <a:pPr latinLnBrk="1"/>
+                          <a:r>
+                            <a:rPr lang="ko-KR" altLang="en-US" dirty="0"/>
+                            <a:t>버튼 이동</a:t>
+                          </a:r>
+                        </a:p>
+                      </a:txBody>
+                      <a:tcPr>
+                        <a:lnL w="12700" cap="flat" cmpd="sng" algn="ctr">
+                          <a:solidFill>
+                            <a:schemeClr val="tx1"/>
+                          </a:solidFill>
+                          <a:prstDash val="solid"/>
+                          <a:round/>
+                          <a:headEnd type="none" w="med" len="med"/>
+                          <a:tailEnd type="none" w="med" len="med"/>
+                        </a:lnL>
+                        <a:lnR w="12700" cap="flat" cmpd="sng" algn="ctr">
+                          <a:solidFill>
+                            <a:schemeClr val="tx1"/>
+                          </a:solidFill>
+                          <a:prstDash val="solid"/>
+                          <a:round/>
+                          <a:headEnd type="none" w="med" len="med"/>
+                          <a:tailEnd type="none" w="med" len="med"/>
+                        </a:lnR>
+                        <a:lnT w="12700" cap="flat" cmpd="sng" algn="ctr">
+                          <a:solidFill>
+                            <a:schemeClr val="tx1"/>
+                          </a:solidFill>
+                          <a:prstDash val="solid"/>
+                          <a:round/>
+                          <a:headEnd type="none" w="med" len="med"/>
+                          <a:tailEnd type="none" w="med" len="med"/>
+                        </a:lnT>
+                        <a:lnB w="12700" cap="flat" cmpd="sng" algn="ctr">
+                          <a:solidFill>
+                            <a:schemeClr val="tx1"/>
+                          </a:solidFill>
+                          <a:prstDash val="solid"/>
+                          <a:round/>
+                          <a:headEnd type="none" w="med" len="med"/>
+                          <a:tailEnd type="none" w="med" len="med"/>
+                        </a:lnB>
+                        <a:solidFill>
+                          <a:schemeClr val="bg1"/>
+                        </a:solidFill>
+                      </a:tcPr>
+                    </a:tc>
+                    <a:tc>
+                      <a:txBody>
+                        <a:bodyPr/>
+                        <a:lstStyle/>
+                        <a:p>
+                          <a:endParaRPr lang="ko-KR"/>
+                        </a:p>
+                      </a:txBody>
+                      <a:tcPr>
+                        <a:lnL w="12700" cap="flat" cmpd="sng" algn="ctr">
+                          <a:solidFill>
+                            <a:schemeClr val="tx1"/>
+                          </a:solidFill>
+                          <a:prstDash val="solid"/>
+                          <a:round/>
+                          <a:headEnd type="none" w="med" len="med"/>
+                          <a:tailEnd type="none" w="med" len="med"/>
+                        </a:lnL>
+                        <a:lnR w="12700" cap="flat" cmpd="sng" algn="ctr">
+                          <a:solidFill>
+                            <a:schemeClr val="tx1"/>
+                          </a:solidFill>
+                          <a:prstDash val="solid"/>
+                          <a:round/>
+                          <a:headEnd type="none" w="med" len="med"/>
+                          <a:tailEnd type="none" w="med" len="med"/>
+                        </a:lnR>
+                        <a:lnT w="12700" cap="flat" cmpd="sng" algn="ctr">
+                          <a:solidFill>
+                            <a:schemeClr val="tx1"/>
+                          </a:solidFill>
+                          <a:prstDash val="solid"/>
+                          <a:round/>
+                          <a:headEnd type="none" w="med" len="med"/>
+                          <a:tailEnd type="none" w="med" len="med"/>
+                        </a:lnT>
+                        <a:lnB w="12700" cap="flat" cmpd="sng" algn="ctr">
+                          <a:solidFill>
+                            <a:schemeClr val="tx1"/>
+                          </a:solidFill>
+                          <a:prstDash val="solid"/>
+                          <a:round/>
+                          <a:headEnd type="none" w="med" len="med"/>
+                          <a:tailEnd type="none" w="med" len="med"/>
+                        </a:lnB>
+                        <a:blipFill>
+                          <a:blip r:embed="rId3"/>
+                          <a:stretch>
+                            <a:fillRect l="-14276" t="-78550" r="-135" b="-4834"/>
+                          </a:stretch>
+                        </a:blipFill>
+                      </a:tcPr>
+                    </a:tc>
+                    <a:extLst>
+                      <a:ext uri="{0D108BD9-81ED-4DB2-BD59-A6C34878D82A}">
+                        <a16:rowId xmlns:a16="http://schemas.microsoft.com/office/drawing/2014/main" val="7072938"/>
+                      </a:ext>
+                    </a:extLst>
+                  </a:tr>
+                </a:tbl>
+              </a:graphicData>
+            </a:graphic>
+          </p:graphicFrame>
+        </mc:Fallback>
+      </mc:AlternateContent>
+      <p:grpSp>
+        <p:nvGrpSpPr>
+          <p:cNvPr id="19" name="그룹 18">
+            <a:extLst>
+              <a:ext uri="{FF2B5EF4-FFF2-40B4-BE49-F238E27FC236}">
+                <a16:creationId xmlns:a16="http://schemas.microsoft.com/office/drawing/2014/main" id="{D7AD6960-42B8-4D6A-8D36-BAD1E59CC65A}"/>
+              </a:ext>
+            </a:extLst>
+          </p:cNvPr>
+          <p:cNvGrpSpPr/>
+          <p:nvPr/>
+        </p:nvGrpSpPr>
+        <p:grpSpPr>
+          <a:xfrm>
+            <a:off x="955963" y="4556525"/>
+            <a:ext cx="10280073" cy="2193620"/>
+            <a:chOff x="7280649" y="4038167"/>
+            <a:chExt cx="4217057" cy="2389091"/>
+          </a:xfrm>
+        </p:grpSpPr>
+        <p:sp>
+          <p:nvSpPr>
+            <p:cNvPr id="22" name="직사각형 21">
+              <a:extLst>
+                <a:ext uri="{FF2B5EF4-FFF2-40B4-BE49-F238E27FC236}">
+                  <a16:creationId xmlns:a16="http://schemas.microsoft.com/office/drawing/2014/main" id="{A281C977-0BD9-414B-ABB2-CF2996AAD0D7}"/>
+                </a:ext>
+              </a:extLst>
+            </p:cNvPr>
+            <p:cNvSpPr/>
+            <p:nvPr/>
+          </p:nvSpPr>
+          <p:spPr>
+            <a:xfrm>
+              <a:off x="7280649" y="4038168"/>
+              <a:ext cx="4217057" cy="2389088"/>
+            </a:xfrm>
+            <a:prstGeom prst="rect">
+              <a:avLst/>
+            </a:prstGeom>
+            <a:solidFill>
+              <a:schemeClr val="tx1"/>
+            </a:solidFill>
+            <a:ln>
+              <a:solidFill>
+                <a:schemeClr val="tx1"/>
+              </a:solidFill>
+            </a:ln>
+          </p:spPr>
+          <p:style>
+            <a:lnRef idx="2">
+              <a:schemeClr val="accent1">
+                <a:shade val="50000"/>
+              </a:schemeClr>
+            </a:lnRef>
+            <a:fillRef idx="1">
+              <a:schemeClr val="accent1"/>
+            </a:fillRef>
+            <a:effectRef idx="0">
+              <a:schemeClr val="accent1"/>
+            </a:effectRef>
+            <a:fontRef idx="minor">
+              <a:schemeClr val="lt1"/>
+            </a:fontRef>
+          </p:style>
+          <p:txBody>
+            <a:bodyPr rtlCol="0" anchor="ctr"/>
+            <a:lstStyle/>
+            <a:p>
+              <a:pPr algn="ctr"/>
+              <a:endParaRPr lang="ko-KR" altLang="en-US"/>
+            </a:p>
+          </p:txBody>
+        </p:sp>
+        <p:sp>
+          <p:nvSpPr>
+            <p:cNvPr id="27" name="직사각형 26">
+              <a:extLst>
+                <a:ext uri="{FF2B5EF4-FFF2-40B4-BE49-F238E27FC236}">
+                  <a16:creationId xmlns:a16="http://schemas.microsoft.com/office/drawing/2014/main" id="{45FD4240-AFF1-44E9-9C82-C84B5EBD4D4E}"/>
+                </a:ext>
+              </a:extLst>
+            </p:cNvPr>
+            <p:cNvSpPr/>
+            <p:nvPr/>
+          </p:nvSpPr>
+          <p:spPr>
+            <a:xfrm>
+              <a:off x="7280649" y="4423003"/>
+              <a:ext cx="4217057" cy="2004255"/>
+            </a:xfrm>
+            <a:prstGeom prst="rect">
+              <a:avLst/>
+            </a:prstGeom>
+            <a:solidFill>
+              <a:schemeClr val="bg1"/>
+            </a:solidFill>
+            <a:ln>
+              <a:solidFill>
+                <a:schemeClr val="tx1"/>
+              </a:solidFill>
+            </a:ln>
+          </p:spPr>
+          <p:style>
+            <a:lnRef idx="2">
+              <a:schemeClr val="accent1">
+                <a:shade val="50000"/>
+              </a:schemeClr>
+            </a:lnRef>
+            <a:fillRef idx="1">
+              <a:schemeClr val="accent1"/>
+            </a:fillRef>
+            <a:effectRef idx="0">
+              <a:schemeClr val="accent1"/>
+            </a:effectRef>
+            <a:fontRef idx="minor">
+              <a:schemeClr val="lt1"/>
+            </a:fontRef>
+          </p:style>
+          <p:txBody>
+            <a:bodyPr rtlCol="0" anchor="ctr"/>
+            <a:lstStyle/>
+            <a:p>
+              <a:pPr marL="285750" indent="-285750">
+                <a:buFont typeface="Arial" panose="020B0604020202020204" pitchFamily="34" charset="0"/>
+                <a:buChar char="•"/>
+              </a:pPr>
+              <a:r>
+                <a:rPr lang="ko-KR" altLang="en-US" dirty="0">
+                  <a:solidFill>
+                    <a:schemeClr val="tx1"/>
+                  </a:solidFill>
+                </a:rPr>
+                <a:t>이동 시간에 맞춰 </a:t>
+              </a:r>
+              <a:r>
+                <a:rPr lang="ko-KR" altLang="en-US" dirty="0" err="1">
+                  <a:solidFill>
+                    <a:schemeClr val="tx1"/>
+                  </a:solidFill>
+                </a:rPr>
+                <a:t>회전량을</a:t>
+              </a:r>
+              <a:r>
+                <a:rPr lang="ko-KR" altLang="en-US" dirty="0">
+                  <a:solidFill>
+                    <a:schemeClr val="tx1"/>
+                  </a:solidFill>
+                </a:rPr>
+                <a:t> 조절하려 했으나</a:t>
+              </a:r>
+              <a:r>
+                <a:rPr lang="en-US" altLang="ko-KR" dirty="0">
+                  <a:solidFill>
+                    <a:schemeClr val="tx1"/>
+                  </a:solidFill>
+                </a:rPr>
+                <a:t>, ‘</a:t>
+              </a:r>
+              <a:r>
+                <a:rPr lang="ko-KR" altLang="en-US" dirty="0">
+                  <a:solidFill>
+                    <a:schemeClr val="tx1"/>
+                  </a:solidFill>
+                </a:rPr>
+                <a:t>시간</a:t>
+              </a:r>
+              <a:r>
+                <a:rPr lang="en-US" altLang="ko-KR" dirty="0">
+                  <a:solidFill>
+                    <a:schemeClr val="tx1"/>
+                  </a:solidFill>
+                </a:rPr>
+                <a:t>’</a:t>
+              </a:r>
+              <a:r>
+                <a:rPr lang="ko-KR" altLang="en-US" dirty="0">
+                  <a:solidFill>
+                    <a:schemeClr val="tx1"/>
+                  </a:solidFill>
+                </a:rPr>
+                <a:t>에 </a:t>
+              </a:r>
+              <a:r>
+                <a:rPr lang="ko-KR" altLang="en-US" dirty="0" err="1">
+                  <a:solidFill>
+                    <a:schemeClr val="tx1"/>
+                  </a:solidFill>
+                </a:rPr>
+                <a:t>맞추려다보니</a:t>
+              </a:r>
+              <a:r>
+                <a:rPr lang="ko-KR" altLang="en-US" dirty="0">
+                  <a:solidFill>
+                    <a:schemeClr val="tx1"/>
+                  </a:solidFill>
+                </a:rPr>
+                <a:t> 매 동작이 일치하지 않고 미세한 차이가 발생</a:t>
+              </a:r>
+              <a:r>
+                <a:rPr lang="en-US" altLang="ko-KR" dirty="0">
+                  <a:solidFill>
+                    <a:schemeClr val="tx1"/>
+                  </a:solidFill>
+                </a:rPr>
+                <a:t>, </a:t>
+              </a:r>
+              <a:r>
+                <a:rPr lang="ko-KR" altLang="en-US" dirty="0">
+                  <a:solidFill>
+                    <a:schemeClr val="tx1"/>
+                  </a:solidFill>
+                </a:rPr>
+                <a:t>드물게 </a:t>
+              </a:r>
+              <a:r>
+                <a:rPr lang="ko-KR" altLang="en-US" dirty="0" err="1">
+                  <a:solidFill>
+                    <a:schemeClr val="tx1"/>
+                  </a:solidFill>
+                </a:rPr>
+                <a:t>회전량이</a:t>
+              </a:r>
+              <a:r>
+                <a:rPr lang="ko-KR" altLang="en-US" dirty="0">
+                  <a:solidFill>
+                    <a:schemeClr val="tx1"/>
+                  </a:solidFill>
+                </a:rPr>
+                <a:t> 어긋나는 경우가 생김</a:t>
+              </a:r>
+              <a:r>
+                <a:rPr lang="en-US" altLang="ko-KR" dirty="0">
+                  <a:solidFill>
+                    <a:schemeClr val="tx1"/>
+                  </a:solidFill>
+                </a:rPr>
+                <a:t>.</a:t>
+              </a:r>
+            </a:p>
+            <a:p>
+              <a:pPr marL="285750" indent="-285750">
+                <a:buFont typeface="Arial" panose="020B0604020202020204" pitchFamily="34" charset="0"/>
+                <a:buChar char="•"/>
+              </a:pPr>
+              <a:endParaRPr lang="en-US" altLang="ko-KR" dirty="0">
+                <a:solidFill>
+                  <a:schemeClr val="tx1"/>
+                </a:solidFill>
+              </a:endParaRPr>
+            </a:p>
+            <a:p>
+              <a:pPr marL="285750" indent="-285750">
+                <a:buFont typeface="Arial" panose="020B0604020202020204" pitchFamily="34" charset="0"/>
+                <a:buChar char="•"/>
+              </a:pPr>
+              <a:r>
+                <a:rPr lang="ko-KR" altLang="en-US" dirty="0" err="1">
+                  <a:solidFill>
+                    <a:schemeClr val="tx1"/>
+                  </a:solidFill>
+                </a:rPr>
+                <a:t>루프량을</a:t>
+              </a:r>
+              <a:r>
+                <a:rPr lang="ko-KR" altLang="en-US" dirty="0">
+                  <a:solidFill>
+                    <a:schemeClr val="tx1"/>
+                  </a:solidFill>
+                </a:rPr>
+                <a:t> 일괄적으로 적용하는 방안이 구현</a:t>
+              </a:r>
+              <a:r>
+                <a:rPr lang="en-US" altLang="ko-KR" dirty="0">
+                  <a:solidFill>
+                    <a:schemeClr val="tx1"/>
+                  </a:solidFill>
+                </a:rPr>
+                <a:t>/</a:t>
+              </a:r>
+              <a:r>
+                <a:rPr lang="ko-KR" altLang="en-US" dirty="0">
+                  <a:solidFill>
+                    <a:schemeClr val="tx1"/>
+                  </a:solidFill>
+                </a:rPr>
+                <a:t>관리 측면에서 이점이 있고</a:t>
+              </a:r>
+              <a:r>
+                <a:rPr lang="en-US" altLang="ko-KR" dirty="0">
+                  <a:solidFill>
+                    <a:schemeClr val="tx1"/>
+                  </a:solidFill>
+                </a:rPr>
+                <a:t> </a:t>
+              </a:r>
+              <a:r>
+                <a:rPr lang="ko-KR" altLang="en-US" dirty="0">
+                  <a:solidFill>
+                    <a:schemeClr val="tx1"/>
+                  </a:solidFill>
+                </a:rPr>
+                <a:t>그럴싸하게 보여</a:t>
+              </a:r>
+              <a:br>
+                <a:rPr lang="en-US" altLang="ko-KR" dirty="0">
+                  <a:solidFill>
+                    <a:schemeClr val="tx1"/>
+                  </a:solidFill>
+                </a:rPr>
+              </a:br>
+              <a:r>
+                <a:rPr lang="ko-KR" altLang="en-US" dirty="0">
+                  <a:solidFill>
+                    <a:schemeClr val="tx1"/>
+                  </a:solidFill>
+                </a:rPr>
+                <a:t>본 프로그램에서는 단순하게 </a:t>
+              </a:r>
+              <a:r>
+                <a:rPr lang="ko-KR" altLang="en-US" dirty="0" err="1">
+                  <a:solidFill>
+                    <a:schemeClr val="tx1"/>
+                  </a:solidFill>
+                </a:rPr>
+                <a:t>루프량</a:t>
+              </a:r>
+              <a:r>
+                <a:rPr lang="ko-KR" altLang="en-US" dirty="0">
+                  <a:solidFill>
+                    <a:schemeClr val="tx1"/>
+                  </a:solidFill>
+                </a:rPr>
+                <a:t> 일괄 적용으로 구현함</a:t>
+              </a:r>
+              <a:r>
+                <a:rPr lang="en-US" altLang="ko-KR" dirty="0">
+                  <a:solidFill>
+                    <a:schemeClr val="tx1"/>
+                  </a:solidFill>
+                </a:rPr>
+                <a:t>.</a:t>
+              </a:r>
+            </a:p>
+          </p:txBody>
+        </p:sp>
+        <p:sp>
+          <p:nvSpPr>
+            <p:cNvPr id="28" name="TextBox 27">
+              <a:extLst>
+                <a:ext uri="{FF2B5EF4-FFF2-40B4-BE49-F238E27FC236}">
+                  <a16:creationId xmlns:a16="http://schemas.microsoft.com/office/drawing/2014/main" id="{B2C88968-83F6-4F65-8B95-B4407B5FDC85}"/>
+                </a:ext>
+              </a:extLst>
+            </p:cNvPr>
+            <p:cNvSpPr txBox="1"/>
+            <p:nvPr/>
+          </p:nvSpPr>
+          <p:spPr>
+            <a:xfrm>
+              <a:off x="7442366" y="4038167"/>
+              <a:ext cx="3881263" cy="491473"/>
+            </a:xfrm>
+            <a:prstGeom prst="rect">
+              <a:avLst/>
+            </a:prstGeom>
+            <a:noFill/>
+          </p:spPr>
+          <p:txBody>
+            <a:bodyPr wrap="square" rtlCol="0">
+              <a:spAutoFit/>
+            </a:bodyPr>
+            <a:lstStyle/>
+            <a:p>
+              <a:r>
+                <a:rPr lang="ko-KR" altLang="en-US" dirty="0">
+                  <a:solidFill>
+                    <a:schemeClr val="bg1"/>
+                  </a:solidFill>
+                </a:rPr>
+                <a:t>구현 상세</a:t>
+              </a:r>
+            </a:p>
+          </p:txBody>
+        </p:sp>
+      </p:grpSp>
+      <p:grpSp>
+        <p:nvGrpSpPr>
+          <p:cNvPr id="29" name="그룹 28">
+            <a:extLst>
+              <a:ext uri="{FF2B5EF4-FFF2-40B4-BE49-F238E27FC236}">
+                <a16:creationId xmlns:a16="http://schemas.microsoft.com/office/drawing/2014/main" id="{69C1B936-A5B3-4B3A-999F-CF00453EDE24}"/>
+              </a:ext>
+            </a:extLst>
+          </p:cNvPr>
+          <p:cNvGrpSpPr/>
+          <p:nvPr/>
+        </p:nvGrpSpPr>
+        <p:grpSpPr>
+          <a:xfrm>
+            <a:off x="4912658" y="231824"/>
+            <a:ext cx="2366681" cy="437505"/>
+            <a:chOff x="5383926" y="2247900"/>
+            <a:chExt cx="4021131" cy="437505"/>
+          </a:xfrm>
+        </p:grpSpPr>
+        <p:sp>
+          <p:nvSpPr>
+            <p:cNvPr id="30" name="화살표: 오각형 29">
+              <a:extLst>
+                <a:ext uri="{FF2B5EF4-FFF2-40B4-BE49-F238E27FC236}">
+                  <a16:creationId xmlns:a16="http://schemas.microsoft.com/office/drawing/2014/main" id="{74A3EFFE-7134-424D-BEAE-8E43AC256299}"/>
+                </a:ext>
+              </a:extLst>
+            </p:cNvPr>
+            <p:cNvSpPr/>
+            <p:nvPr/>
+          </p:nvSpPr>
+          <p:spPr>
+            <a:xfrm>
+              <a:off x="5383926" y="2247900"/>
+              <a:ext cx="4021131" cy="437505"/>
+            </a:xfrm>
+            <a:prstGeom prst="homePlate">
+              <a:avLst>
+                <a:gd name="adj" fmla="val 30404"/>
+              </a:avLst>
+            </a:prstGeom>
+            <a:solidFill>
+              <a:schemeClr val="bg1"/>
+            </a:solidFill>
+            <a:ln w="28575">
+              <a:solidFill>
+                <a:schemeClr val="tx1"/>
+              </a:solidFill>
+            </a:ln>
+          </p:spPr>
+          <p:style>
+            <a:lnRef idx="2">
+              <a:schemeClr val="accent1">
+                <a:shade val="50000"/>
+              </a:schemeClr>
+            </a:lnRef>
+            <a:fillRef idx="1">
+              <a:schemeClr val="accent1"/>
+            </a:fillRef>
+            <a:effectRef idx="0">
+              <a:schemeClr val="accent1"/>
+            </a:effectRef>
+            <a:fontRef idx="minor">
+              <a:schemeClr val="lt1"/>
+            </a:fontRef>
+          </p:style>
+          <p:txBody>
+            <a:bodyPr rtlCol="0" anchor="ctr"/>
+            <a:lstStyle/>
+            <a:p>
+              <a:pPr algn="ctr"/>
+              <a:endParaRPr lang="ko-KR" altLang="en-US" dirty="0">
+                <a:solidFill>
+                  <a:schemeClr val="tx1"/>
+                </a:solidFill>
+              </a:endParaRPr>
+            </a:p>
+          </p:txBody>
+        </p:sp>
+        <p:sp>
+          <p:nvSpPr>
+            <p:cNvPr id="31" name="TextBox 30">
+              <a:extLst>
+                <a:ext uri="{FF2B5EF4-FFF2-40B4-BE49-F238E27FC236}">
+                  <a16:creationId xmlns:a16="http://schemas.microsoft.com/office/drawing/2014/main" id="{304F23A2-765C-4940-89C7-D55BDB373426}"/>
+                </a:ext>
+              </a:extLst>
+            </p:cNvPr>
+            <p:cNvSpPr txBox="1"/>
+            <p:nvPr/>
+          </p:nvSpPr>
+          <p:spPr>
+            <a:xfrm>
+              <a:off x="5393132" y="2281986"/>
+              <a:ext cx="3868052" cy="369332"/>
+            </a:xfrm>
+            <a:prstGeom prst="rect">
+              <a:avLst/>
+            </a:prstGeom>
+            <a:noFill/>
+          </p:spPr>
+          <p:txBody>
+            <a:bodyPr wrap="none" rtlCol="0">
+              <a:spAutoFit/>
+            </a:bodyPr>
+            <a:lstStyle/>
+            <a:p>
+              <a:r>
+                <a:rPr lang="ko-KR" altLang="en-US" dirty="0"/>
+                <a:t>상점 버튼 이동 상세</a:t>
+              </a:r>
+              <a:endParaRPr lang="en-US" altLang="ko-KR" dirty="0"/>
+            </a:p>
+          </p:txBody>
+        </p:sp>
+      </p:grpSp>
+    </p:spTree>
+    <p:extLst>
+      <p:ext uri="{BB962C8B-B14F-4D97-AF65-F5344CB8AC3E}">
+        <p14:creationId xmlns:p14="http://schemas.microsoft.com/office/powerpoint/2010/main" val="3207825640"/>
+      </p:ext>
+    </p:extLst>
+  </p:cSld>
+  <p:clrMapOvr>
+    <a:masterClrMapping/>
+  </p:clrMapOvr>
+</p:sld>
+</file>
+
+<file path=ppt/slides/slide28.xml><?xml version="1.0" encoding="utf-8"?>
+<p:sld xmlns:a="http://schemas.openxmlformats.org/drawingml/2006/main" xmlns:r="http://schemas.openxmlformats.org/officeDocument/2006/relationships" xmlns:p="http://schemas.openxmlformats.org/presentationml/2006/main">
+  <p:cSld>
+    <p:spTree>
+      <p:nvGrpSpPr>
+        <p:cNvPr id="1" name=""/>
+        <p:cNvGrpSpPr/>
+        <p:nvPr/>
+      </p:nvGrpSpPr>
+      <p:grpSpPr>
+        <a:xfrm>
+          <a:off x="0" y="0"/>
+          <a:ext cx="0" cy="0"/>
+          <a:chOff x="0" y="0"/>
+          <a:chExt cx="0" cy="0"/>
+        </a:xfrm>
+      </p:grpSpPr>
       <p:sp>
         <p:nvSpPr>
           <p:cNvPr id="2" name="제목 1">
@@ -28068,7 +30740,7 @@
 </p:sld>
 </file>
 
-<file path=ppt/slides/slide28.xml><?xml version="1.0" encoding="utf-8"?>
+<file path=ppt/slides/slide29.xml><?xml version="1.0" encoding="utf-8"?>
 <p:sld xmlns:a="http://schemas.openxmlformats.org/drawingml/2006/main" xmlns:r="http://schemas.openxmlformats.org/officeDocument/2006/relationships" xmlns:p="http://schemas.openxmlformats.org/presentationml/2006/main">
   <p:cSld>
     <p:spTree>
@@ -32345,12 +35017,6 @@
 </file>
 
 <file path=customXml/item1.xml><?xml version="1.0" encoding="utf-8"?>
-<p:properties xmlns:p="http://schemas.microsoft.com/office/2006/metadata/properties" xmlns:xsi="http://www.w3.org/2001/XMLSchema-instance" xmlns:pc="http://schemas.microsoft.com/office/infopath/2007/PartnerControls">
-  <documentManagement/>
-</p:properties>
-</file>
-
-<file path=customXml/item2.xml><?xml version="1.0" encoding="utf-8"?>
 <ct:contentTypeSchema xmlns:ct="http://schemas.microsoft.com/office/2006/metadata/contentType" xmlns:ma="http://schemas.microsoft.com/office/2006/metadata/properties/metaAttributes" ct:_="" ma:_="" ma:contentTypeName="문서" ma:contentTypeID="0x0101001DBB2B28955C594DB24AF1F5BB7336C8" ma:contentTypeVersion="2" ma:contentTypeDescription="새 문서를 만듭니다." ma:contentTypeScope="" ma:versionID="f2fa06709d317143d893a6f8ce6ede6a">
   <xsd:schema xmlns:xsd="http://www.w3.org/2001/XMLSchema" xmlns:xs="http://www.w3.org/2001/XMLSchema" xmlns:p="http://schemas.microsoft.com/office/2006/metadata/properties" xmlns:ns3="5555129b-2418-4d50-9dfa-7b95714945fa" targetNamespace="http://schemas.microsoft.com/office/2006/metadata/properties" ma:root="true" ma:fieldsID="e8dc87fcc42539e288ba896fdb612da0" ns3:_="">
     <xsd:import namespace="5555129b-2418-4d50-9dfa-7b95714945fa"/>
@@ -32482,6 +35148,12 @@
 </ct:contentTypeSchema>
 </file>
 
+<file path=customXml/item2.xml><?xml version="1.0" encoding="utf-8"?>
+<p:properties xmlns:p="http://schemas.microsoft.com/office/2006/metadata/properties" xmlns:xsi="http://www.w3.org/2001/XMLSchema-instance" xmlns:pc="http://schemas.microsoft.com/office/infopath/2007/PartnerControls">
+  <documentManagement/>
+</p:properties>
+</file>
+
 <file path=customXml/item3.xml><?xml version="1.0" encoding="utf-8"?>
 <?mso-contentType ?>
 <FormTemplates xmlns="http://schemas.microsoft.com/sharepoint/v3/contenttype/forms">
@@ -32492,15 +35164,6 @@
 </file>
 
 <file path=customXml/itemProps1.xml><?xml version="1.0" encoding="utf-8"?>
-<ds:datastoreItem xmlns:ds="http://schemas.openxmlformats.org/officeDocument/2006/customXml" ds:itemID="{A23103BA-1CDF-42E2-84EF-97766276A752}">
-  <ds:schemaRefs>
-    <ds:schemaRef ds:uri="http://schemas.microsoft.com/office/2006/metadata/properties"/>
-    <ds:schemaRef ds:uri="http://schemas.microsoft.com/office/infopath/2007/PartnerControls"/>
-  </ds:schemaRefs>
-</ds:datastoreItem>
-</file>
-
-<file path=customXml/itemProps2.xml><?xml version="1.0" encoding="utf-8"?>
 <ds:datastoreItem xmlns:ds="http://schemas.openxmlformats.org/officeDocument/2006/customXml" ds:itemID="{A1191A0A-B4A1-4213-A2EE-9C9D701194F6}">
   <ds:schemaRefs>
     <ds:schemaRef ds:uri="http://schemas.microsoft.com/office/2006/metadata/contentType"/>
@@ -32518,6 +35181,15 @@
 </ds:datastoreItem>
 </file>
 
+<file path=customXml/itemProps2.xml><?xml version="1.0" encoding="utf-8"?>
+<ds:datastoreItem xmlns:ds="http://schemas.openxmlformats.org/officeDocument/2006/customXml" ds:itemID="{A23103BA-1CDF-42E2-84EF-97766276A752}">
+  <ds:schemaRefs>
+    <ds:schemaRef ds:uri="http://schemas.microsoft.com/office/2006/metadata/properties"/>
+    <ds:schemaRef ds:uri="http://schemas.microsoft.com/office/infopath/2007/PartnerControls"/>
+  </ds:schemaRefs>
+</ds:datastoreItem>
+</file>
+
 <file path=customXml/itemProps3.xml><?xml version="1.0" encoding="utf-8"?>
 <ds:datastoreItem xmlns:ds="http://schemas.openxmlformats.org/officeDocument/2006/customXml" ds:itemID="{4C7A472F-9902-4104-BCF0-D4754C77190F}">
   <ds:schemaRefs>

--- a/기획서/당근키우기 시스템.pptx
+++ b/기획서/당근키우기 시스템.pptx
@@ -6149,7 +6149,7 @@
           <a:p>
             <a:fld id="{D6F8FF3C-9381-4334-95AA-ABB07BBFE4B0}" type="datetimeFigureOut">
               <a:rPr lang="ko-KR" altLang="en-US" smtClean="0"/>
-              <a:t>2020-11-14</a:t>
+              <a:t>2020-11-15</a:t>
             </a:fld>
             <a:endParaRPr lang="ko-KR" altLang="en-US"/>
           </a:p>
@@ -9064,7 +9064,7 @@
           <a:p>
             <a:fld id="{1C1EA180-B51C-4898-B0E0-B9410346B791}" type="datetimeFigureOut">
               <a:rPr lang="ko-KR" altLang="en-US" smtClean="0"/>
-              <a:t>2020-11-14</a:t>
+              <a:t>2020-11-15</a:t>
             </a:fld>
             <a:endParaRPr lang="ko-KR" altLang="en-US"/>
           </a:p>
@@ -9262,7 +9262,7 @@
           <a:p>
             <a:fld id="{1C1EA180-B51C-4898-B0E0-B9410346B791}" type="datetimeFigureOut">
               <a:rPr lang="ko-KR" altLang="en-US" smtClean="0"/>
-              <a:t>2020-11-14</a:t>
+              <a:t>2020-11-15</a:t>
             </a:fld>
             <a:endParaRPr lang="ko-KR" altLang="en-US"/>
           </a:p>
@@ -9470,7 +9470,7 @@
           <a:p>
             <a:fld id="{1C1EA180-B51C-4898-B0E0-B9410346B791}" type="datetimeFigureOut">
               <a:rPr lang="ko-KR" altLang="en-US" smtClean="0"/>
-              <a:t>2020-11-14</a:t>
+              <a:t>2020-11-15</a:t>
             </a:fld>
             <a:endParaRPr lang="ko-KR" altLang="en-US"/>
           </a:p>
@@ -9668,7 +9668,7 @@
           <a:p>
             <a:fld id="{1C1EA180-B51C-4898-B0E0-B9410346B791}" type="datetimeFigureOut">
               <a:rPr lang="ko-KR" altLang="en-US" smtClean="0"/>
-              <a:t>2020-11-14</a:t>
+              <a:t>2020-11-15</a:t>
             </a:fld>
             <a:endParaRPr lang="ko-KR" altLang="en-US"/>
           </a:p>
@@ -9943,7 +9943,7 @@
           <a:p>
             <a:fld id="{1C1EA180-B51C-4898-B0E0-B9410346B791}" type="datetimeFigureOut">
               <a:rPr lang="ko-KR" altLang="en-US" smtClean="0"/>
-              <a:t>2020-11-14</a:t>
+              <a:t>2020-11-15</a:t>
             </a:fld>
             <a:endParaRPr lang="ko-KR" altLang="en-US"/>
           </a:p>
@@ -10208,7 +10208,7 @@
           <a:p>
             <a:fld id="{1C1EA180-B51C-4898-B0E0-B9410346B791}" type="datetimeFigureOut">
               <a:rPr lang="ko-KR" altLang="en-US" smtClean="0"/>
-              <a:t>2020-11-14</a:t>
+              <a:t>2020-11-15</a:t>
             </a:fld>
             <a:endParaRPr lang="ko-KR" altLang="en-US"/>
           </a:p>
@@ -10620,7 +10620,7 @@
           <a:p>
             <a:fld id="{1C1EA180-B51C-4898-B0E0-B9410346B791}" type="datetimeFigureOut">
               <a:rPr lang="ko-KR" altLang="en-US" smtClean="0"/>
-              <a:t>2020-11-14</a:t>
+              <a:t>2020-11-15</a:t>
             </a:fld>
             <a:endParaRPr lang="ko-KR" altLang="en-US"/>
           </a:p>
@@ -10761,7 +10761,7 @@
           <a:p>
             <a:fld id="{1C1EA180-B51C-4898-B0E0-B9410346B791}" type="datetimeFigureOut">
               <a:rPr lang="ko-KR" altLang="en-US" smtClean="0"/>
-              <a:t>2020-11-14</a:t>
+              <a:t>2020-11-15</a:t>
             </a:fld>
             <a:endParaRPr lang="ko-KR" altLang="en-US"/>
           </a:p>
@@ -10874,7 +10874,7 @@
           <a:p>
             <a:fld id="{1C1EA180-B51C-4898-B0E0-B9410346B791}" type="datetimeFigureOut">
               <a:rPr lang="ko-KR" altLang="en-US" smtClean="0"/>
-              <a:t>2020-11-14</a:t>
+              <a:t>2020-11-15</a:t>
             </a:fld>
             <a:endParaRPr lang="ko-KR" altLang="en-US"/>
           </a:p>
@@ -11185,7 +11185,7 @@
           <a:p>
             <a:fld id="{1C1EA180-B51C-4898-B0E0-B9410346B791}" type="datetimeFigureOut">
               <a:rPr lang="ko-KR" altLang="en-US" smtClean="0"/>
-              <a:t>2020-11-14</a:t>
+              <a:t>2020-11-15</a:t>
             </a:fld>
             <a:endParaRPr lang="ko-KR" altLang="en-US"/>
           </a:p>
@@ -11473,7 +11473,7 @@
           <a:p>
             <a:fld id="{1C1EA180-B51C-4898-B0E0-B9410346B791}" type="datetimeFigureOut">
               <a:rPr lang="ko-KR" altLang="en-US" smtClean="0"/>
-              <a:t>2020-11-14</a:t>
+              <a:t>2020-11-15</a:t>
             </a:fld>
             <a:endParaRPr lang="ko-KR" altLang="en-US"/>
           </a:p>
@@ -11714,7 +11714,7 @@
           <a:p>
             <a:fld id="{1C1EA180-B51C-4898-B0E0-B9410346B791}" type="datetimeFigureOut">
               <a:rPr lang="ko-KR" altLang="en-US" smtClean="0"/>
-              <a:t>2020-11-14</a:t>
+              <a:t>2020-11-15</a:t>
             </a:fld>
             <a:endParaRPr lang="ko-KR" altLang="en-US"/>
           </a:p>
@@ -19196,14 +19196,14 @@
           <p:nvPr>
             <p:extLst>
               <p:ext uri="{D42A27DB-BD31-4B8C-83A1-F6EECF244321}">
-                <p14:modId xmlns:p14="http://schemas.microsoft.com/office/powerpoint/2010/main" val="2266584954"/>
+                <p14:modId xmlns:p14="http://schemas.microsoft.com/office/powerpoint/2010/main" val="3576568728"/>
               </p:ext>
             </p:extLst>
           </p:nvPr>
         </p:nvGraphicFramePr>
         <p:xfrm>
-          <a:off x="955963" y="995905"/>
-          <a:ext cx="10280073" cy="5484511"/>
+          <a:off x="955963" y="861830"/>
+          <a:ext cx="10280073" cy="5896803"/>
         </p:xfrm>
         <a:graphic>
           <a:graphicData uri="http://schemas.openxmlformats.org/drawingml/2006/table">
@@ -21238,7 +21238,7 @@
                       <a:pPr latinLnBrk="1"/>
                       <a:r>
                         <a:rPr lang="ko-KR" altLang="en-US" dirty="0"/>
-                        <a:t>상점 버튼 이동 상세 추가</a:t>
+                        <a:t>상점 버튼 애니메이션 상세 추가</a:t>
                       </a:r>
                     </a:p>
                   </a:txBody>
@@ -21338,6 +21338,173 @@
                 <a:extLst>
                   <a:ext uri="{0D108BD9-81ED-4DB2-BD59-A6C34878D82A}">
                     <a16:rowId xmlns:a16="http://schemas.microsoft.com/office/drawing/2014/main" val="2375882472"/>
+                  </a:ext>
+                </a:extLst>
+              </a:tr>
+              <a:tr h="412292">
+                <a:tc>
+                  <a:txBody>
+                    <a:bodyPr/>
+                    <a:lstStyle/>
+                    <a:p>
+                      <a:pPr latinLnBrk="1"/>
+                      <a:r>
+                        <a:rPr lang="en-US" altLang="ko-KR" dirty="0"/>
+                        <a:t>2020.11.15</a:t>
+                      </a:r>
+                      <a:endParaRPr lang="ko-KR" altLang="en-US" dirty="0"/>
+                    </a:p>
+                  </a:txBody>
+                  <a:tcPr>
+                    <a:lnL w="12700" cap="flat" cmpd="sng" algn="ctr">
+                      <a:solidFill>
+                        <a:schemeClr val="tx1"/>
+                      </a:solidFill>
+                      <a:prstDash val="solid"/>
+                      <a:round/>
+                      <a:headEnd type="none" w="med" len="med"/>
+                      <a:tailEnd type="none" w="med" len="med"/>
+                    </a:lnL>
+                    <a:lnR w="12700" cap="flat" cmpd="sng" algn="ctr">
+                      <a:solidFill>
+                        <a:schemeClr val="tx1"/>
+                      </a:solidFill>
+                      <a:prstDash val="solid"/>
+                      <a:round/>
+                      <a:headEnd type="none" w="med" len="med"/>
+                      <a:tailEnd type="none" w="med" len="med"/>
+                    </a:lnR>
+                    <a:lnT w="12700" cap="flat" cmpd="sng" algn="ctr">
+                      <a:solidFill>
+                        <a:schemeClr val="tx1"/>
+                      </a:solidFill>
+                      <a:prstDash val="solid"/>
+                      <a:round/>
+                      <a:headEnd type="none" w="med" len="med"/>
+                      <a:tailEnd type="none" w="med" len="med"/>
+                    </a:lnT>
+                    <a:lnB w="12700" cap="flat" cmpd="sng" algn="ctr">
+                      <a:solidFill>
+                        <a:schemeClr val="tx1"/>
+                      </a:solidFill>
+                      <a:prstDash val="solid"/>
+                      <a:round/>
+                      <a:headEnd type="none" w="med" len="med"/>
+                      <a:tailEnd type="none" w="med" len="med"/>
+                    </a:lnB>
+                    <a:solidFill>
+                      <a:schemeClr val="bg1"/>
+                    </a:solidFill>
+                  </a:tcPr>
+                </a:tc>
+                <a:tc>
+                  <a:txBody>
+                    <a:bodyPr/>
+                    <a:lstStyle/>
+                    <a:p>
+                      <a:pPr latinLnBrk="1"/>
+                      <a:r>
+                        <a:rPr lang="ko-KR" altLang="en-US" dirty="0"/>
+                        <a:t>상점 버튼 애니메이션 상세 수정</a:t>
+                      </a:r>
+                    </a:p>
+                  </a:txBody>
+                  <a:tcPr>
+                    <a:lnL w="12700" cap="flat" cmpd="sng" algn="ctr">
+                      <a:solidFill>
+                        <a:schemeClr val="tx1"/>
+                      </a:solidFill>
+                      <a:prstDash val="solid"/>
+                      <a:round/>
+                      <a:headEnd type="none" w="med" len="med"/>
+                      <a:tailEnd type="none" w="med" len="med"/>
+                    </a:lnL>
+                    <a:lnR w="12700" cap="flat" cmpd="sng" algn="ctr">
+                      <a:solidFill>
+                        <a:schemeClr val="tx1"/>
+                      </a:solidFill>
+                      <a:prstDash val="solid"/>
+                      <a:round/>
+                      <a:headEnd type="none" w="med" len="med"/>
+                      <a:tailEnd type="none" w="med" len="med"/>
+                    </a:lnR>
+                    <a:lnT w="12700" cap="flat" cmpd="sng" algn="ctr">
+                      <a:solidFill>
+                        <a:schemeClr val="tx1"/>
+                      </a:solidFill>
+                      <a:prstDash val="solid"/>
+                      <a:round/>
+                      <a:headEnd type="none" w="med" len="med"/>
+                      <a:tailEnd type="none" w="med" len="med"/>
+                    </a:lnT>
+                    <a:lnB w="12700" cap="flat" cmpd="sng" algn="ctr">
+                      <a:solidFill>
+                        <a:schemeClr val="tx1"/>
+                      </a:solidFill>
+                      <a:prstDash val="solid"/>
+                      <a:round/>
+                      <a:headEnd type="none" w="med" len="med"/>
+                      <a:tailEnd type="none" w="med" len="med"/>
+                    </a:lnB>
+                    <a:solidFill>
+                      <a:schemeClr val="bg1"/>
+                    </a:solidFill>
+                  </a:tcPr>
+                </a:tc>
+                <a:tc>
+                  <a:txBody>
+                    <a:bodyPr/>
+                    <a:lstStyle/>
+                    <a:p>
+                      <a:pPr latinLnBrk="1"/>
+                      <a:endParaRPr lang="ko-KR" altLang="en-US" dirty="0"/>
+                    </a:p>
+                  </a:txBody>
+                  <a:tcPr>
+                    <a:lnL w="12700" cap="flat" cmpd="sng" algn="ctr">
+                      <a:solidFill>
+                        <a:schemeClr val="tx1"/>
+                      </a:solidFill>
+                      <a:prstDash val="solid"/>
+                      <a:round/>
+                      <a:headEnd type="none" w="med" len="med"/>
+                      <a:tailEnd type="none" w="med" len="med"/>
+                    </a:lnL>
+                    <a:lnR w="12700" cap="flat" cmpd="sng" algn="ctr">
+                      <a:solidFill>
+                        <a:schemeClr val="tx1"/>
+                      </a:solidFill>
+                      <a:prstDash val="solid"/>
+                      <a:round/>
+                      <a:headEnd type="none" w="med" len="med"/>
+                      <a:tailEnd type="none" w="med" len="med"/>
+                    </a:lnR>
+                    <a:lnT w="12700" cap="flat" cmpd="sng" algn="ctr">
+                      <a:solidFill>
+                        <a:schemeClr val="tx1"/>
+                      </a:solidFill>
+                      <a:prstDash val="solid"/>
+                      <a:round/>
+                      <a:headEnd type="none" w="med" len="med"/>
+                      <a:tailEnd type="none" w="med" len="med"/>
+                    </a:lnT>
+                    <a:lnB w="12700" cap="flat" cmpd="sng" algn="ctr">
+                      <a:solidFill>
+                        <a:schemeClr val="tx1"/>
+                      </a:solidFill>
+                      <a:prstDash val="solid"/>
+                      <a:round/>
+                      <a:headEnd type="none" w="med" len="med"/>
+                      <a:tailEnd type="none" w="med" len="med"/>
+                    </a:lnB>
+                    <a:solidFill>
+                      <a:schemeClr val="bg1"/>
+                    </a:solidFill>
+                  </a:tcPr>
+                </a:tc>
+                <a:extLst>
+                  <a:ext uri="{0D108BD9-81ED-4DB2-BD59-A6C34878D82A}">
+                    <a16:rowId xmlns:a16="http://schemas.microsoft.com/office/drawing/2014/main" val="1167059752"/>
                   </a:ext>
                 </a:extLst>
               </a:tr>
@@ -28641,8 +28808,8 @@
           </p:txBody>
         </p:sp>
       </p:grpSp>
-      <mc:AlternateContent xmlns:mc="http://schemas.openxmlformats.org/markup-compatibility/2006">
-        <mc:Choice xmlns:a14="http://schemas.microsoft.com/office/drawing/2010/main" Requires="a14">
+      <mc:AlternateContent xmlns:mc="http://schemas.openxmlformats.org/markup-compatibility/2006" xmlns:a14="http://schemas.microsoft.com/office/drawing/2010/main">
+        <mc:Choice Requires="a14">
           <p:graphicFrame>
             <p:nvGraphicFramePr>
               <p:cNvPr id="2" name="표 2">
@@ -29620,7 +29787,7 @@
             </a:graphic>
           </p:graphicFrame>
         </mc:Choice>
-        <mc:Fallback>
+        <mc:Fallback xmlns="">
           <p:graphicFrame>
             <p:nvGraphicFramePr>
               <p:cNvPr id="2" name="표 2">
@@ -30414,20 +30581,12 @@
                 <a:buChar char="•"/>
               </a:pPr>
               <a:r>
-                <a:rPr lang="ko-KR" altLang="en-US" dirty="0" err="1">
-                  <a:solidFill>
-                    <a:schemeClr val="tx1"/>
-                  </a:solidFill>
-                </a:rPr>
-                <a:t>루프량을</a:t>
-              </a:r>
-              <a:r>
                 <a:rPr lang="ko-KR" altLang="en-US" dirty="0">
                   <a:solidFill>
                     <a:schemeClr val="tx1"/>
                   </a:solidFill>
                 </a:rPr>
-                <a:t> 일괄적으로 적용하는 방안이 구현</a:t>
+                <a:t>회전 종료 시점에서 </a:t>
               </a:r>
               <a:r>
                 <a:rPr lang="en-US" altLang="ko-KR" dirty="0">
@@ -30435,7 +30594,7 @@
                     <a:schemeClr val="tx1"/>
                   </a:solidFill>
                 </a:rPr>
-                <a:t>/</a:t>
+                <a:t>Rotation Degree</a:t>
               </a:r>
               <a:r>
                 <a:rPr lang="ko-KR" altLang="en-US" dirty="0">
@@ -30443,7 +30602,7 @@
                     <a:schemeClr val="tx1"/>
                   </a:solidFill>
                 </a:rPr>
-                <a:t>관리 측면에서 이점이 있고</a:t>
+                <a:t>를 </a:t>
               </a:r>
               <a:r>
                 <a:rPr lang="en-US" altLang="ko-KR" dirty="0">
@@ -30451,7 +30610,7 @@
                     <a:schemeClr val="tx1"/>
                   </a:solidFill>
                 </a:rPr>
-                <a:t> </a:t>
+                <a:t>0</a:t>
               </a:r>
               <a:r>
                 <a:rPr lang="ko-KR" altLang="en-US" dirty="0">
@@ -30459,7 +30618,15 @@
                     <a:schemeClr val="tx1"/>
                   </a:solidFill>
                 </a:rPr>
-                <a:t>그럴싸하게 보여</a:t>
+                <a:t>으로 설정</a:t>
+              </a:r>
+              <a:r>
+                <a:rPr lang="en-US" altLang="ko-KR" dirty="0">
+                  <a:solidFill>
+                    <a:schemeClr val="tx1"/>
+                  </a:solidFill>
+                </a:rPr>
+                <a:t>.</a:t>
               </a:r>
               <a:br>
                 <a:rPr lang="en-US" altLang="ko-KR" dirty="0">
@@ -30474,7 +30641,15 @@
                     <a:schemeClr val="tx1"/>
                   </a:solidFill>
                 </a:rPr>
-                <a:t>본 프로그램에서는 단순하게 </a:t>
+                <a:t>버튼이 둥글고</a:t>
+              </a:r>
+              <a:r>
+                <a:rPr lang="en-US" altLang="ko-KR" dirty="0">
+                  <a:solidFill>
+                    <a:schemeClr val="tx1"/>
+                  </a:solidFill>
+                </a:rPr>
+                <a:t>, </a:t>
               </a:r>
               <a:r>
                 <a:rPr lang="ko-KR" altLang="en-US" dirty="0" err="1">
@@ -30482,7 +30657,7 @@
                     <a:schemeClr val="tx1"/>
                   </a:solidFill>
                 </a:rPr>
-                <a:t>루프량</a:t>
+                <a:t>회전량이</a:t>
               </a:r>
               <a:r>
                 <a:rPr lang="ko-KR" altLang="en-US" dirty="0">
@@ -30490,16 +30665,21 @@
                     <a:schemeClr val="tx1"/>
                   </a:solidFill>
                 </a:rPr>
-                <a:t> 일괄 적용으로 구현함</a:t>
-              </a:r>
-              <a:r>
-                <a:rPr lang="en-US" altLang="ko-KR" dirty="0">
+                <a:t> 많기에 크게 어색하지 않을 것</a:t>
+              </a:r>
+              <a:r>
+                <a:rPr lang="en-US" altLang="ko-KR">
                   <a:solidFill>
                     <a:schemeClr val="tx1"/>
                   </a:solidFill>
                 </a:rPr>
                 <a:t>.</a:t>
               </a:r>
+              <a:endParaRPr lang="en-US" altLang="ko-KR" dirty="0">
+                <a:solidFill>
+                  <a:schemeClr val="tx1"/>
+                </a:solidFill>
+              </a:endParaRPr>
             </a:p>
           </p:txBody>
         </p:sp>
@@ -30518,7 +30698,7 @@
           <p:spPr>
             <a:xfrm>
               <a:off x="7442366" y="4038167"/>
-              <a:ext cx="3881263" cy="491473"/>
+              <a:ext cx="3881263" cy="402243"/>
             </a:xfrm>
             <a:prstGeom prst="rect">
               <a:avLst/>
@@ -30537,7 +30717,7 @@
                     <a:schemeClr val="bg1"/>
                   </a:solidFill>
                 </a:rPr>
-                <a:t>구현 상세</a:t>
+                <a:t>구현 참고</a:t>
               </a:r>
             </a:p>
           </p:txBody>
@@ -35017,6 +35197,12 @@
 </file>
 
 <file path=customXml/item1.xml><?xml version="1.0" encoding="utf-8"?>
+<p:properties xmlns:p="http://schemas.microsoft.com/office/2006/metadata/properties" xmlns:xsi="http://www.w3.org/2001/XMLSchema-instance" xmlns:pc="http://schemas.microsoft.com/office/infopath/2007/PartnerControls">
+  <documentManagement/>
+</p:properties>
+</file>
+
+<file path=customXml/item2.xml><?xml version="1.0" encoding="utf-8"?>
 <ct:contentTypeSchema xmlns:ct="http://schemas.microsoft.com/office/2006/metadata/contentType" xmlns:ma="http://schemas.microsoft.com/office/2006/metadata/properties/metaAttributes" ct:_="" ma:_="" ma:contentTypeName="문서" ma:contentTypeID="0x0101001DBB2B28955C594DB24AF1F5BB7336C8" ma:contentTypeVersion="2" ma:contentTypeDescription="새 문서를 만듭니다." ma:contentTypeScope="" ma:versionID="f2fa06709d317143d893a6f8ce6ede6a">
   <xsd:schema xmlns:xsd="http://www.w3.org/2001/XMLSchema" xmlns:xs="http://www.w3.org/2001/XMLSchema" xmlns:p="http://schemas.microsoft.com/office/2006/metadata/properties" xmlns:ns3="5555129b-2418-4d50-9dfa-7b95714945fa" targetNamespace="http://schemas.microsoft.com/office/2006/metadata/properties" ma:root="true" ma:fieldsID="e8dc87fcc42539e288ba896fdb612da0" ns3:_="">
     <xsd:import namespace="5555129b-2418-4d50-9dfa-7b95714945fa"/>
@@ -35148,12 +35334,6 @@
 </ct:contentTypeSchema>
 </file>
 
-<file path=customXml/item2.xml><?xml version="1.0" encoding="utf-8"?>
-<p:properties xmlns:p="http://schemas.microsoft.com/office/2006/metadata/properties" xmlns:xsi="http://www.w3.org/2001/XMLSchema-instance" xmlns:pc="http://schemas.microsoft.com/office/infopath/2007/PartnerControls">
-  <documentManagement/>
-</p:properties>
-</file>
-
 <file path=customXml/item3.xml><?xml version="1.0" encoding="utf-8"?>
 <?mso-contentType ?>
 <FormTemplates xmlns="http://schemas.microsoft.com/sharepoint/v3/contenttype/forms">
@@ -35164,6 +35344,15 @@
 </file>
 
 <file path=customXml/itemProps1.xml><?xml version="1.0" encoding="utf-8"?>
+<ds:datastoreItem xmlns:ds="http://schemas.openxmlformats.org/officeDocument/2006/customXml" ds:itemID="{A23103BA-1CDF-42E2-84EF-97766276A752}">
+  <ds:schemaRefs>
+    <ds:schemaRef ds:uri="http://schemas.microsoft.com/office/2006/metadata/properties"/>
+    <ds:schemaRef ds:uri="http://schemas.microsoft.com/office/infopath/2007/PartnerControls"/>
+  </ds:schemaRefs>
+</ds:datastoreItem>
+</file>
+
+<file path=customXml/itemProps2.xml><?xml version="1.0" encoding="utf-8"?>
 <ds:datastoreItem xmlns:ds="http://schemas.openxmlformats.org/officeDocument/2006/customXml" ds:itemID="{A1191A0A-B4A1-4213-A2EE-9C9D701194F6}">
   <ds:schemaRefs>
     <ds:schemaRef ds:uri="http://schemas.microsoft.com/office/2006/metadata/contentType"/>
@@ -35181,15 +35370,6 @@
 </ds:datastoreItem>
 </file>
 
-<file path=customXml/itemProps2.xml><?xml version="1.0" encoding="utf-8"?>
-<ds:datastoreItem xmlns:ds="http://schemas.openxmlformats.org/officeDocument/2006/customXml" ds:itemID="{A23103BA-1CDF-42E2-84EF-97766276A752}">
-  <ds:schemaRefs>
-    <ds:schemaRef ds:uri="http://schemas.microsoft.com/office/2006/metadata/properties"/>
-    <ds:schemaRef ds:uri="http://schemas.microsoft.com/office/infopath/2007/PartnerControls"/>
-  </ds:schemaRefs>
-</ds:datastoreItem>
-</file>
-
 <file path=customXml/itemProps3.xml><?xml version="1.0" encoding="utf-8"?>
 <ds:datastoreItem xmlns:ds="http://schemas.openxmlformats.org/officeDocument/2006/customXml" ds:itemID="{4C7A472F-9902-4104-BCF0-D4754C77190F}">
   <ds:schemaRefs>

--- a/기획서/당근키우기 시스템.pptx
+++ b/기획서/당근키우기 시스템.pptx
@@ -5,38 +5,39 @@
     <p:sldMasterId id="2147483648" r:id="rId4"/>
   </p:sldMasterIdLst>
   <p:notesMasterIdLst>
-    <p:notesMasterId r:id="rId34"/>
+    <p:notesMasterId r:id="rId35"/>
   </p:notesMasterIdLst>
   <p:sldIdLst>
     <p:sldId id="312" r:id="rId5"/>
     <p:sldId id="318" r:id="rId6"/>
-    <p:sldId id="313" r:id="rId7"/>
-    <p:sldId id="359" r:id="rId8"/>
-    <p:sldId id="360" r:id="rId9"/>
-    <p:sldId id="354" r:id="rId10"/>
-    <p:sldId id="319" r:id="rId11"/>
-    <p:sldId id="361" r:id="rId12"/>
-    <p:sldId id="362" r:id="rId13"/>
-    <p:sldId id="363" r:id="rId14"/>
-    <p:sldId id="364" r:id="rId15"/>
-    <p:sldId id="378" r:id="rId16"/>
-    <p:sldId id="376" r:id="rId17"/>
-    <p:sldId id="377" r:id="rId18"/>
-    <p:sldId id="365" r:id="rId19"/>
-    <p:sldId id="366" r:id="rId20"/>
-    <p:sldId id="367" r:id="rId21"/>
-    <p:sldId id="368" r:id="rId22"/>
-    <p:sldId id="369" r:id="rId23"/>
-    <p:sldId id="371" r:id="rId24"/>
-    <p:sldId id="370" r:id="rId25"/>
-    <p:sldId id="372" r:id="rId26"/>
-    <p:sldId id="373" r:id="rId27"/>
-    <p:sldId id="374" r:id="rId28"/>
-    <p:sldId id="379" r:id="rId29"/>
-    <p:sldId id="380" r:id="rId30"/>
-    <p:sldId id="381" r:id="rId31"/>
-    <p:sldId id="358" r:id="rId32"/>
-    <p:sldId id="323" r:id="rId33"/>
+    <p:sldId id="382" r:id="rId7"/>
+    <p:sldId id="313" r:id="rId8"/>
+    <p:sldId id="359" r:id="rId9"/>
+    <p:sldId id="360" r:id="rId10"/>
+    <p:sldId id="354" r:id="rId11"/>
+    <p:sldId id="319" r:id="rId12"/>
+    <p:sldId id="361" r:id="rId13"/>
+    <p:sldId id="362" r:id="rId14"/>
+    <p:sldId id="363" r:id="rId15"/>
+    <p:sldId id="364" r:id="rId16"/>
+    <p:sldId id="378" r:id="rId17"/>
+    <p:sldId id="376" r:id="rId18"/>
+    <p:sldId id="377" r:id="rId19"/>
+    <p:sldId id="365" r:id="rId20"/>
+    <p:sldId id="366" r:id="rId21"/>
+    <p:sldId id="367" r:id="rId22"/>
+    <p:sldId id="368" r:id="rId23"/>
+    <p:sldId id="369" r:id="rId24"/>
+    <p:sldId id="371" r:id="rId25"/>
+    <p:sldId id="370" r:id="rId26"/>
+    <p:sldId id="372" r:id="rId27"/>
+    <p:sldId id="373" r:id="rId28"/>
+    <p:sldId id="374" r:id="rId29"/>
+    <p:sldId id="379" r:id="rId30"/>
+    <p:sldId id="380" r:id="rId31"/>
+    <p:sldId id="381" r:id="rId32"/>
+    <p:sldId id="358" r:id="rId33"/>
+    <p:sldId id="323" r:id="rId34"/>
   </p:sldIdLst>
   <p:sldSz cx="12192000" cy="6858000"/>
   <p:notesSz cx="6858000" cy="9144000"/>
@@ -6149,7 +6150,7 @@
           <a:p>
             <a:fld id="{D6F8FF3C-9381-4334-95AA-ABB07BBFE4B0}" type="datetimeFigureOut">
               <a:rPr lang="ko-KR" altLang="en-US" smtClean="0"/>
-              <a:t>2020-11-15</a:t>
+              <a:t>2020-11-20</a:t>
             </a:fld>
             <a:endParaRPr lang="ko-KR" altLang="en-US"/>
           </a:p>
@@ -6484,7 +6485,7 @@
           <a:p>
             <a:fld id="{151FD798-7848-4816-945D-B2937F5A900D}" type="slidenum">
               <a:rPr lang="ko-KR" altLang="en-US" smtClean="0"/>
-              <a:t>5</a:t>
+              <a:t>6</a:t>
             </a:fld>
             <a:endParaRPr lang="ko-KR" altLang="en-US"/>
           </a:p>
@@ -6571,7 +6572,7 @@
           <a:p>
             <a:fld id="{151FD798-7848-4816-945D-B2937F5A900D}" type="slidenum">
               <a:rPr lang="ko-KR" altLang="en-US" smtClean="0"/>
-              <a:t>16</a:t>
+              <a:t>17</a:t>
             </a:fld>
             <a:endParaRPr lang="ko-KR" altLang="en-US"/>
           </a:p>
@@ -6658,7 +6659,7 @@
           <a:p>
             <a:fld id="{151FD798-7848-4816-945D-B2937F5A900D}" type="slidenum">
               <a:rPr lang="ko-KR" altLang="en-US" smtClean="0"/>
-              <a:t>18</a:t>
+              <a:t>19</a:t>
             </a:fld>
             <a:endParaRPr lang="ko-KR" altLang="en-US"/>
           </a:p>
@@ -6745,7 +6746,7 @@
           <a:p>
             <a:fld id="{151FD798-7848-4816-945D-B2937F5A900D}" type="slidenum">
               <a:rPr lang="ko-KR" altLang="en-US" smtClean="0"/>
-              <a:t>19</a:t>
+              <a:t>20</a:t>
             </a:fld>
             <a:endParaRPr lang="ko-KR" altLang="en-US"/>
           </a:p>
@@ -6862,7 +6863,7 @@
           <a:p>
             <a:fld id="{151FD798-7848-4816-945D-B2937F5A900D}" type="slidenum">
               <a:rPr lang="ko-KR" altLang="en-US" smtClean="0"/>
-              <a:t>20</a:t>
+              <a:t>21</a:t>
             </a:fld>
             <a:endParaRPr lang="ko-KR" altLang="en-US"/>
           </a:p>
@@ -6949,7 +6950,7 @@
           <a:p>
             <a:fld id="{151FD798-7848-4816-945D-B2937F5A900D}" type="slidenum">
               <a:rPr lang="ko-KR" altLang="en-US" smtClean="0"/>
-              <a:t>21</a:t>
+              <a:t>22</a:t>
             </a:fld>
             <a:endParaRPr lang="ko-KR" altLang="en-US"/>
           </a:p>
@@ -7036,7 +7037,7 @@
           <a:p>
             <a:fld id="{151FD798-7848-4816-945D-B2937F5A900D}" type="slidenum">
               <a:rPr lang="ko-KR" altLang="en-US" smtClean="0"/>
-              <a:t>23</a:t>
+              <a:t>24</a:t>
             </a:fld>
             <a:endParaRPr lang="ko-KR" altLang="en-US"/>
           </a:p>
@@ -7123,7 +7124,7 @@
           <a:p>
             <a:fld id="{151FD798-7848-4816-945D-B2937F5A900D}" type="slidenum">
               <a:rPr lang="ko-KR" altLang="en-US" smtClean="0"/>
-              <a:t>24</a:t>
+              <a:t>25</a:t>
             </a:fld>
             <a:endParaRPr lang="ko-KR" altLang="en-US"/>
           </a:p>
@@ -7210,7 +7211,7 @@
           <a:p>
             <a:fld id="{151FD798-7848-4816-945D-B2937F5A900D}" type="slidenum">
               <a:rPr lang="ko-KR" altLang="en-US" smtClean="0"/>
-              <a:t>25</a:t>
+              <a:t>26</a:t>
             </a:fld>
             <a:endParaRPr lang="ko-KR" altLang="en-US"/>
           </a:p>
@@ -7552,7 +7553,7 @@
           <a:p>
             <a:fld id="{151FD798-7848-4816-945D-B2937F5A900D}" type="slidenum">
               <a:rPr lang="ko-KR" altLang="en-US" smtClean="0"/>
-              <a:t>26</a:t>
+              <a:t>27</a:t>
             </a:fld>
             <a:endParaRPr lang="ko-KR" altLang="en-US"/>
           </a:p>
@@ -7894,7 +7895,7 @@
           <a:p>
             <a:fld id="{151FD798-7848-4816-945D-B2937F5A900D}" type="slidenum">
               <a:rPr lang="ko-KR" altLang="en-US" smtClean="0"/>
-              <a:t>27</a:t>
+              <a:t>28</a:t>
             </a:fld>
             <a:endParaRPr lang="ko-KR" altLang="en-US"/>
           </a:p>
@@ -7981,7 +7982,7 @@
           <a:p>
             <a:fld id="{151FD798-7848-4816-945D-B2937F5A900D}" type="slidenum">
               <a:rPr lang="ko-KR" altLang="en-US" smtClean="0"/>
-              <a:t>7</a:t>
+              <a:t>8</a:t>
             </a:fld>
             <a:endParaRPr lang="ko-KR" altLang="en-US"/>
           </a:p>
@@ -8068,7 +8069,7 @@
           <a:p>
             <a:fld id="{151FD798-7848-4816-945D-B2937F5A900D}" type="slidenum">
               <a:rPr lang="ko-KR" altLang="en-US" smtClean="0"/>
-              <a:t>29</a:t>
+              <a:t>30</a:t>
             </a:fld>
             <a:endParaRPr lang="ko-KR" altLang="en-US"/>
           </a:p>
@@ -8185,7 +8186,7 @@
           <a:p>
             <a:fld id="{151FD798-7848-4816-945D-B2937F5A900D}" type="slidenum">
               <a:rPr lang="ko-KR" altLang="en-US" smtClean="0"/>
-              <a:t>8</a:t>
+              <a:t>9</a:t>
             </a:fld>
             <a:endParaRPr lang="ko-KR" altLang="en-US"/>
           </a:p>
@@ -8301,7 +8302,7 @@
           <a:p>
             <a:fld id="{151FD798-7848-4816-945D-B2937F5A900D}" type="slidenum">
               <a:rPr lang="ko-KR" altLang="en-US" smtClean="0"/>
-              <a:t>9</a:t>
+              <a:t>10</a:t>
             </a:fld>
             <a:endParaRPr lang="ko-KR" altLang="en-US"/>
           </a:p>
@@ -8388,7 +8389,7 @@
           <a:p>
             <a:fld id="{151FD798-7848-4816-945D-B2937F5A900D}" type="slidenum">
               <a:rPr lang="ko-KR" altLang="en-US" smtClean="0"/>
-              <a:t>10</a:t>
+              <a:t>11</a:t>
             </a:fld>
             <a:endParaRPr lang="ko-KR" altLang="en-US"/>
           </a:p>
@@ -8475,7 +8476,7 @@
           <a:p>
             <a:fld id="{151FD798-7848-4816-945D-B2937F5A900D}" type="slidenum">
               <a:rPr lang="ko-KR" altLang="en-US" smtClean="0"/>
-              <a:t>11</a:t>
+              <a:t>12</a:t>
             </a:fld>
             <a:endParaRPr lang="ko-KR" altLang="en-US"/>
           </a:p>
@@ -8562,7 +8563,7 @@
           <a:p>
             <a:fld id="{151FD798-7848-4816-945D-B2937F5A900D}" type="slidenum">
               <a:rPr lang="ko-KR" altLang="en-US" smtClean="0"/>
-              <a:t>12</a:t>
+              <a:t>13</a:t>
             </a:fld>
             <a:endParaRPr lang="ko-KR" altLang="en-US"/>
           </a:p>
@@ -8730,7 +8731,7 @@
           <a:p>
             <a:fld id="{151FD798-7848-4816-945D-B2937F5A900D}" type="slidenum">
               <a:rPr lang="ko-KR" altLang="en-US" smtClean="0"/>
-              <a:t>13</a:t>
+              <a:t>14</a:t>
             </a:fld>
             <a:endParaRPr lang="ko-KR" altLang="en-US"/>
           </a:p>
@@ -8898,7 +8899,7 @@
           <a:p>
             <a:fld id="{151FD798-7848-4816-945D-B2937F5A900D}" type="slidenum">
               <a:rPr lang="ko-KR" altLang="en-US" smtClean="0"/>
-              <a:t>14</a:t>
+              <a:t>15</a:t>
             </a:fld>
             <a:endParaRPr lang="ko-KR" altLang="en-US"/>
           </a:p>
@@ -9064,7 +9065,7 @@
           <a:p>
             <a:fld id="{1C1EA180-B51C-4898-B0E0-B9410346B791}" type="datetimeFigureOut">
               <a:rPr lang="ko-KR" altLang="en-US" smtClean="0"/>
-              <a:t>2020-11-15</a:t>
+              <a:t>2020-11-20</a:t>
             </a:fld>
             <a:endParaRPr lang="ko-KR" altLang="en-US"/>
           </a:p>
@@ -9262,7 +9263,7 @@
           <a:p>
             <a:fld id="{1C1EA180-B51C-4898-B0E0-B9410346B791}" type="datetimeFigureOut">
               <a:rPr lang="ko-KR" altLang="en-US" smtClean="0"/>
-              <a:t>2020-11-15</a:t>
+              <a:t>2020-11-20</a:t>
             </a:fld>
             <a:endParaRPr lang="ko-KR" altLang="en-US"/>
           </a:p>
@@ -9470,7 +9471,7 @@
           <a:p>
             <a:fld id="{1C1EA180-B51C-4898-B0E0-B9410346B791}" type="datetimeFigureOut">
               <a:rPr lang="ko-KR" altLang="en-US" smtClean="0"/>
-              <a:t>2020-11-15</a:t>
+              <a:t>2020-11-20</a:t>
             </a:fld>
             <a:endParaRPr lang="ko-KR" altLang="en-US"/>
           </a:p>
@@ -9668,7 +9669,7 @@
           <a:p>
             <a:fld id="{1C1EA180-B51C-4898-B0E0-B9410346B791}" type="datetimeFigureOut">
               <a:rPr lang="ko-KR" altLang="en-US" smtClean="0"/>
-              <a:t>2020-11-15</a:t>
+              <a:t>2020-11-20</a:t>
             </a:fld>
             <a:endParaRPr lang="ko-KR" altLang="en-US"/>
           </a:p>
@@ -9943,7 +9944,7 @@
           <a:p>
             <a:fld id="{1C1EA180-B51C-4898-B0E0-B9410346B791}" type="datetimeFigureOut">
               <a:rPr lang="ko-KR" altLang="en-US" smtClean="0"/>
-              <a:t>2020-11-15</a:t>
+              <a:t>2020-11-20</a:t>
             </a:fld>
             <a:endParaRPr lang="ko-KR" altLang="en-US"/>
           </a:p>
@@ -10208,7 +10209,7 @@
           <a:p>
             <a:fld id="{1C1EA180-B51C-4898-B0E0-B9410346B791}" type="datetimeFigureOut">
               <a:rPr lang="ko-KR" altLang="en-US" smtClean="0"/>
-              <a:t>2020-11-15</a:t>
+              <a:t>2020-11-20</a:t>
             </a:fld>
             <a:endParaRPr lang="ko-KR" altLang="en-US"/>
           </a:p>
@@ -10620,7 +10621,7 @@
           <a:p>
             <a:fld id="{1C1EA180-B51C-4898-B0E0-B9410346B791}" type="datetimeFigureOut">
               <a:rPr lang="ko-KR" altLang="en-US" smtClean="0"/>
-              <a:t>2020-11-15</a:t>
+              <a:t>2020-11-20</a:t>
             </a:fld>
             <a:endParaRPr lang="ko-KR" altLang="en-US"/>
           </a:p>
@@ -10761,7 +10762,7 @@
           <a:p>
             <a:fld id="{1C1EA180-B51C-4898-B0E0-B9410346B791}" type="datetimeFigureOut">
               <a:rPr lang="ko-KR" altLang="en-US" smtClean="0"/>
-              <a:t>2020-11-15</a:t>
+              <a:t>2020-11-20</a:t>
             </a:fld>
             <a:endParaRPr lang="ko-KR" altLang="en-US"/>
           </a:p>
@@ -10874,7 +10875,7 @@
           <a:p>
             <a:fld id="{1C1EA180-B51C-4898-B0E0-B9410346B791}" type="datetimeFigureOut">
               <a:rPr lang="ko-KR" altLang="en-US" smtClean="0"/>
-              <a:t>2020-11-15</a:t>
+              <a:t>2020-11-20</a:t>
             </a:fld>
             <a:endParaRPr lang="ko-KR" altLang="en-US"/>
           </a:p>
@@ -11185,7 +11186,7 @@
           <a:p>
             <a:fld id="{1C1EA180-B51C-4898-B0E0-B9410346B791}" type="datetimeFigureOut">
               <a:rPr lang="ko-KR" altLang="en-US" smtClean="0"/>
-              <a:t>2020-11-15</a:t>
+              <a:t>2020-11-20</a:t>
             </a:fld>
             <a:endParaRPr lang="ko-KR" altLang="en-US"/>
           </a:p>
@@ -11473,7 +11474,7 @@
           <a:p>
             <a:fld id="{1C1EA180-B51C-4898-B0E0-B9410346B791}" type="datetimeFigureOut">
               <a:rPr lang="ko-KR" altLang="en-US" smtClean="0"/>
-              <a:t>2020-11-15</a:t>
+              <a:t>2020-11-20</a:t>
             </a:fld>
             <a:endParaRPr lang="ko-KR" altLang="en-US"/>
           </a:p>
@@ -11714,7 +11715,7 @@
           <a:p>
             <a:fld id="{1C1EA180-B51C-4898-B0E0-B9410346B791}" type="datetimeFigureOut">
               <a:rPr lang="ko-KR" altLang="en-US" smtClean="0"/>
-              <a:t>2020-11-15</a:t>
+              <a:t>2020-11-20</a:t>
             </a:fld>
             <a:endParaRPr lang="ko-KR" altLang="en-US"/>
           </a:p>
@@ -12387,6 +12388,555 @@
         </p:nvGrpSpPr>
         <p:grpSpPr>
           <a:xfrm>
+            <a:off x="0" y="99367"/>
+            <a:ext cx="1600200" cy="620714"/>
+            <a:chOff x="0" y="231324"/>
+            <a:chExt cx="2341178" cy="620714"/>
+          </a:xfrm>
+        </p:grpSpPr>
+        <p:sp>
+          <p:nvSpPr>
+            <p:cNvPr id="39" name="TextBox 38">
+              <a:extLst>
+                <a:ext uri="{FF2B5EF4-FFF2-40B4-BE49-F238E27FC236}">
+                  <a16:creationId xmlns:a16="http://schemas.microsoft.com/office/drawing/2014/main" id="{6CDC6D6B-2C6F-4506-A1A4-B60E366A7E7F}"/>
+                </a:ext>
+              </a:extLst>
+            </p:cNvPr>
+            <p:cNvSpPr txBox="1"/>
+            <p:nvPr/>
+          </p:nvSpPr>
+          <p:spPr>
+            <a:xfrm>
+              <a:off x="0" y="231324"/>
+              <a:ext cx="2341178" cy="523220"/>
+            </a:xfrm>
+            <a:prstGeom prst="rect">
+              <a:avLst/>
+            </a:prstGeom>
+            <a:noFill/>
+          </p:spPr>
+          <p:txBody>
+            <a:bodyPr wrap="square" rtlCol="0">
+              <a:spAutoFit/>
+            </a:bodyPr>
+            <a:lstStyle/>
+            <a:p>
+              <a:r>
+                <a:rPr lang="en-US" altLang="ko-KR" sz="2800" b="1" dirty="0"/>
+                <a:t>2. </a:t>
+              </a:r>
+              <a:r>
+                <a:rPr lang="ko-KR" altLang="en-US" sz="2800" b="1" dirty="0"/>
+                <a:t>농장</a:t>
+              </a:r>
+              <a:endParaRPr lang="ko-KR" altLang="en-US" sz="1400" b="1" dirty="0"/>
+            </a:p>
+          </p:txBody>
+        </p:sp>
+        <p:sp>
+          <p:nvSpPr>
+            <p:cNvPr id="40" name="평행 사변형 39">
+              <a:extLst>
+                <a:ext uri="{FF2B5EF4-FFF2-40B4-BE49-F238E27FC236}">
+                  <a16:creationId xmlns:a16="http://schemas.microsoft.com/office/drawing/2014/main" id="{4E81B653-ED60-4FFF-82E8-2306DFEB399E}"/>
+                </a:ext>
+              </a:extLst>
+            </p:cNvPr>
+            <p:cNvSpPr/>
+            <p:nvPr/>
+          </p:nvSpPr>
+          <p:spPr>
+            <a:xfrm>
+              <a:off x="0" y="787975"/>
+              <a:ext cx="2196000" cy="64063"/>
+            </a:xfrm>
+            <a:prstGeom prst="parallelogram">
+              <a:avLst/>
+            </a:prstGeom>
+            <a:solidFill>
+              <a:schemeClr val="tx1"/>
+            </a:solidFill>
+            <a:ln>
+              <a:noFill/>
+            </a:ln>
+          </p:spPr>
+          <p:style>
+            <a:lnRef idx="2">
+              <a:schemeClr val="accent1">
+                <a:shade val="50000"/>
+              </a:schemeClr>
+            </a:lnRef>
+            <a:fillRef idx="1">
+              <a:schemeClr val="accent1"/>
+            </a:fillRef>
+            <a:effectRef idx="0">
+              <a:schemeClr val="accent1"/>
+            </a:effectRef>
+            <a:fontRef idx="minor">
+              <a:schemeClr val="lt1"/>
+            </a:fontRef>
+          </p:style>
+          <p:txBody>
+            <a:bodyPr rtlCol="0" anchor="ctr"/>
+            <a:lstStyle/>
+            <a:p>
+              <a:pPr algn="ctr"/>
+              <a:endParaRPr lang="ko-KR" altLang="en-US" dirty="0"/>
+            </a:p>
+          </p:txBody>
+        </p:sp>
+      </p:grpSp>
+      <p:grpSp>
+        <p:nvGrpSpPr>
+          <p:cNvPr id="23" name="그룹 22">
+            <a:extLst>
+              <a:ext uri="{FF2B5EF4-FFF2-40B4-BE49-F238E27FC236}">
+                <a16:creationId xmlns:a16="http://schemas.microsoft.com/office/drawing/2014/main" id="{C84C9E02-B559-4FF1-BE61-BB0CD4741D3B}"/>
+              </a:ext>
+            </a:extLst>
+          </p:cNvPr>
+          <p:cNvGrpSpPr/>
+          <p:nvPr/>
+        </p:nvGrpSpPr>
+        <p:grpSpPr>
+          <a:xfrm>
+            <a:off x="1236895" y="2437268"/>
+            <a:ext cx="4883524" cy="1914331"/>
+            <a:chOff x="7280649" y="4038167"/>
+            <a:chExt cx="4217057" cy="2389089"/>
+          </a:xfrm>
+        </p:grpSpPr>
+        <p:sp>
+          <p:nvSpPr>
+            <p:cNvPr id="24" name="직사각형 23">
+              <a:extLst>
+                <a:ext uri="{FF2B5EF4-FFF2-40B4-BE49-F238E27FC236}">
+                  <a16:creationId xmlns:a16="http://schemas.microsoft.com/office/drawing/2014/main" id="{ACB38A61-B130-493E-B257-7C7D98BBDD2B}"/>
+                </a:ext>
+              </a:extLst>
+            </p:cNvPr>
+            <p:cNvSpPr/>
+            <p:nvPr/>
+          </p:nvSpPr>
+          <p:spPr>
+            <a:xfrm>
+              <a:off x="7280649" y="4038168"/>
+              <a:ext cx="4217057" cy="2389088"/>
+            </a:xfrm>
+            <a:prstGeom prst="rect">
+              <a:avLst/>
+            </a:prstGeom>
+            <a:solidFill>
+              <a:schemeClr val="tx1"/>
+            </a:solidFill>
+            <a:ln>
+              <a:solidFill>
+                <a:schemeClr val="tx1"/>
+              </a:solidFill>
+            </a:ln>
+          </p:spPr>
+          <p:style>
+            <a:lnRef idx="2">
+              <a:schemeClr val="accent1">
+                <a:shade val="50000"/>
+              </a:schemeClr>
+            </a:lnRef>
+            <a:fillRef idx="1">
+              <a:schemeClr val="accent1"/>
+            </a:fillRef>
+            <a:effectRef idx="0">
+              <a:schemeClr val="accent1"/>
+            </a:effectRef>
+            <a:fontRef idx="minor">
+              <a:schemeClr val="lt1"/>
+            </a:fontRef>
+          </p:style>
+          <p:txBody>
+            <a:bodyPr rtlCol="0" anchor="ctr"/>
+            <a:lstStyle/>
+            <a:p>
+              <a:pPr algn="ctr"/>
+              <a:endParaRPr lang="ko-KR" altLang="en-US"/>
+            </a:p>
+          </p:txBody>
+        </p:sp>
+        <p:sp>
+          <p:nvSpPr>
+            <p:cNvPr id="25" name="직사각형 24">
+              <a:extLst>
+                <a:ext uri="{FF2B5EF4-FFF2-40B4-BE49-F238E27FC236}">
+                  <a16:creationId xmlns:a16="http://schemas.microsoft.com/office/drawing/2014/main" id="{980DB22C-A901-4481-BC3F-76F5CFF2FC78}"/>
+                </a:ext>
+              </a:extLst>
+            </p:cNvPr>
+            <p:cNvSpPr/>
+            <p:nvPr/>
+          </p:nvSpPr>
+          <p:spPr>
+            <a:xfrm>
+              <a:off x="7280649" y="4407499"/>
+              <a:ext cx="4217057" cy="2019757"/>
+            </a:xfrm>
+            <a:prstGeom prst="rect">
+              <a:avLst/>
+            </a:prstGeom>
+            <a:solidFill>
+              <a:schemeClr val="bg1"/>
+            </a:solidFill>
+            <a:ln>
+              <a:solidFill>
+                <a:schemeClr val="tx1"/>
+              </a:solidFill>
+            </a:ln>
+          </p:spPr>
+          <p:style>
+            <a:lnRef idx="2">
+              <a:schemeClr val="accent1">
+                <a:shade val="50000"/>
+              </a:schemeClr>
+            </a:lnRef>
+            <a:fillRef idx="1">
+              <a:schemeClr val="accent1"/>
+            </a:fillRef>
+            <a:effectRef idx="0">
+              <a:schemeClr val="accent1"/>
+            </a:effectRef>
+            <a:fontRef idx="minor">
+              <a:schemeClr val="lt1"/>
+            </a:fontRef>
+          </p:style>
+          <p:txBody>
+            <a:bodyPr rtlCol="0" anchor="ctr"/>
+            <a:lstStyle/>
+            <a:p>
+              <a:pPr marL="285750" indent="-285750">
+                <a:buFont typeface="Arial" panose="020B0604020202020204" pitchFamily="34" charset="0"/>
+                <a:buChar char="•"/>
+              </a:pPr>
+              <a:r>
+                <a:rPr lang="en-US" altLang="ko-KR" dirty="0" err="1">
+                  <a:solidFill>
+                    <a:schemeClr val="tx1"/>
+                  </a:solidFill>
+                </a:rPr>
+                <a:t>FarmEarning</a:t>
+              </a:r>
+              <a:r>
+                <a:rPr lang="en-US" altLang="ko-KR" dirty="0">
+                  <a:solidFill>
+                    <a:schemeClr val="tx1"/>
+                  </a:solidFill>
+                </a:rPr>
+                <a:t> </a:t>
+              </a:r>
+              <a:r>
+                <a:rPr lang="ko-KR" altLang="en-US" dirty="0" err="1">
+                  <a:solidFill>
+                    <a:schemeClr val="tx1"/>
+                  </a:solidFill>
+                </a:rPr>
+                <a:t>증가시</a:t>
+              </a:r>
+              <a:br>
+                <a:rPr lang="en-US" altLang="ko-KR" dirty="0">
+                  <a:solidFill>
+                    <a:schemeClr val="tx1"/>
+                  </a:solidFill>
+                </a:rPr>
+              </a:br>
+              <a:r>
+                <a:rPr lang="ko-KR" altLang="en-US" dirty="0">
+                  <a:solidFill>
+                    <a:schemeClr val="tx1"/>
+                  </a:solidFill>
+                </a:rPr>
+                <a:t>해당 텍스트를 농장 상단에 출력</a:t>
+              </a:r>
+              <a:endParaRPr lang="en-US" altLang="ko-KR" dirty="0">
+                <a:solidFill>
+                  <a:schemeClr val="tx1"/>
+                </a:solidFill>
+              </a:endParaRPr>
+            </a:p>
+            <a:p>
+              <a:pPr marL="285750" indent="-285750">
+                <a:buFont typeface="Arial" panose="020B0604020202020204" pitchFamily="34" charset="0"/>
+                <a:buChar char="•"/>
+              </a:pPr>
+              <a:r>
+                <a:rPr lang="ko-KR" altLang="en-US" dirty="0">
+                  <a:solidFill>
+                    <a:schemeClr val="tx1"/>
+                  </a:solidFill>
+                </a:rPr>
+                <a:t>텍스트는 위로 서서히 올라가며 </a:t>
+              </a:r>
+              <a:r>
+                <a:rPr lang="en-US" altLang="ko-KR" dirty="0">
+                  <a:solidFill>
+                    <a:schemeClr val="tx1"/>
+                  </a:solidFill>
+                </a:rPr>
+                <a:t>Fade Out</a:t>
+              </a:r>
+            </a:p>
+          </p:txBody>
+        </p:sp>
+        <p:sp>
+          <p:nvSpPr>
+            <p:cNvPr id="26" name="TextBox 25">
+              <a:extLst>
+                <a:ext uri="{FF2B5EF4-FFF2-40B4-BE49-F238E27FC236}">
+                  <a16:creationId xmlns:a16="http://schemas.microsoft.com/office/drawing/2014/main" id="{8A314BEB-84D8-49EB-B61D-DD2705D8297D}"/>
+                </a:ext>
+              </a:extLst>
+            </p:cNvPr>
+            <p:cNvSpPr txBox="1"/>
+            <p:nvPr/>
+          </p:nvSpPr>
+          <p:spPr>
+            <a:xfrm>
+              <a:off x="7442366" y="4038167"/>
+              <a:ext cx="3881263" cy="460927"/>
+            </a:xfrm>
+            <a:prstGeom prst="rect">
+              <a:avLst/>
+            </a:prstGeom>
+            <a:noFill/>
+          </p:spPr>
+          <p:txBody>
+            <a:bodyPr wrap="square" rtlCol="0">
+              <a:spAutoFit/>
+            </a:bodyPr>
+            <a:lstStyle/>
+            <a:p>
+              <a:r>
+                <a:rPr lang="ko-KR" altLang="en-US" dirty="0">
+                  <a:solidFill>
+                    <a:schemeClr val="bg1"/>
+                  </a:solidFill>
+                </a:rPr>
+                <a:t>관련 </a:t>
+              </a:r>
+              <a:r>
+                <a:rPr lang="en-US" altLang="ko-KR" dirty="0">
+                  <a:solidFill>
+                    <a:schemeClr val="bg1"/>
+                  </a:solidFill>
+                </a:rPr>
+                <a:t>UI</a:t>
+              </a:r>
+              <a:endParaRPr lang="ko-KR" altLang="en-US" dirty="0">
+                <a:solidFill>
+                  <a:schemeClr val="bg1"/>
+                </a:solidFill>
+              </a:endParaRPr>
+            </a:p>
+          </p:txBody>
+        </p:sp>
+      </p:grpSp>
+      <p:pic>
+        <p:nvPicPr>
+          <p:cNvPr id="3" name="그림 2">
+            <a:extLst>
+              <a:ext uri="{FF2B5EF4-FFF2-40B4-BE49-F238E27FC236}">
+                <a16:creationId xmlns:a16="http://schemas.microsoft.com/office/drawing/2014/main" id="{1E11E454-01E1-4812-8BB4-8322E24F6704}"/>
+              </a:ext>
+            </a:extLst>
+          </p:cNvPr>
+          <p:cNvPicPr>
+            <a:picLocks noChangeAspect="1"/>
+          </p:cNvPicPr>
+          <p:nvPr/>
+        </p:nvPicPr>
+        <p:blipFill>
+          <a:blip r:embed="rId3">
+            <a:extLst>
+              <a:ext uri="{28A0092B-C50C-407E-A947-70E740481C1C}">
+                <a14:useLocalDpi xmlns:a14="http://schemas.microsoft.com/office/drawing/2010/main" val="0"/>
+              </a:ext>
+            </a:extLst>
+          </a:blip>
+          <a:stretch>
+            <a:fillRect/>
+          </a:stretch>
+        </p:blipFill>
+        <p:spPr>
+          <a:xfrm>
+            <a:off x="7905749" y="1780278"/>
+            <a:ext cx="2990850" cy="3524250"/>
+          </a:xfrm>
+          <a:prstGeom prst="rect">
+            <a:avLst/>
+          </a:prstGeom>
+        </p:spPr>
+      </p:pic>
+      <p:grpSp>
+        <p:nvGrpSpPr>
+          <p:cNvPr id="17" name="그룹 16">
+            <a:extLst>
+              <a:ext uri="{FF2B5EF4-FFF2-40B4-BE49-F238E27FC236}">
+                <a16:creationId xmlns:a16="http://schemas.microsoft.com/office/drawing/2014/main" id="{74EFA9BD-D931-49B1-848D-F30CDC75F89D}"/>
+              </a:ext>
+            </a:extLst>
+          </p:cNvPr>
+          <p:cNvGrpSpPr/>
+          <p:nvPr/>
+        </p:nvGrpSpPr>
+        <p:grpSpPr>
+          <a:xfrm>
+            <a:off x="7905749" y="1780278"/>
+            <a:ext cx="1253705" cy="437505"/>
+            <a:chOff x="5383928" y="2247900"/>
+            <a:chExt cx="2078938" cy="437505"/>
+          </a:xfrm>
+        </p:grpSpPr>
+        <p:sp>
+          <p:nvSpPr>
+            <p:cNvPr id="18" name="화살표: 오각형 17">
+              <a:extLst>
+                <a:ext uri="{FF2B5EF4-FFF2-40B4-BE49-F238E27FC236}">
+                  <a16:creationId xmlns:a16="http://schemas.microsoft.com/office/drawing/2014/main" id="{1D718685-2DC5-4943-99B5-ABA7693D4BE2}"/>
+                </a:ext>
+              </a:extLst>
+            </p:cNvPr>
+            <p:cNvSpPr/>
+            <p:nvPr/>
+          </p:nvSpPr>
+          <p:spPr>
+            <a:xfrm>
+              <a:off x="5383928" y="2247900"/>
+              <a:ext cx="2078938" cy="437505"/>
+            </a:xfrm>
+            <a:prstGeom prst="homePlate">
+              <a:avLst>
+                <a:gd name="adj" fmla="val 30404"/>
+              </a:avLst>
+            </a:prstGeom>
+            <a:solidFill>
+              <a:schemeClr val="bg1"/>
+            </a:solidFill>
+            <a:ln w="28575">
+              <a:solidFill>
+                <a:schemeClr val="tx1"/>
+              </a:solidFill>
+            </a:ln>
+          </p:spPr>
+          <p:style>
+            <a:lnRef idx="2">
+              <a:schemeClr val="accent1">
+                <a:shade val="50000"/>
+              </a:schemeClr>
+            </a:lnRef>
+            <a:fillRef idx="1">
+              <a:schemeClr val="accent1"/>
+            </a:fillRef>
+            <a:effectRef idx="0">
+              <a:schemeClr val="accent1"/>
+            </a:effectRef>
+            <a:fontRef idx="minor">
+              <a:schemeClr val="lt1"/>
+            </a:fontRef>
+          </p:style>
+          <p:txBody>
+            <a:bodyPr rtlCol="0" anchor="ctr"/>
+            <a:lstStyle/>
+            <a:p>
+              <a:pPr algn="ctr"/>
+              <a:endParaRPr lang="ko-KR" altLang="en-US" dirty="0">
+                <a:solidFill>
+                  <a:schemeClr val="tx1"/>
+                </a:solidFill>
+              </a:endParaRPr>
+            </a:p>
+          </p:txBody>
+        </p:sp>
+        <p:sp>
+          <p:nvSpPr>
+            <p:cNvPr id="19" name="TextBox 18">
+              <a:extLst>
+                <a:ext uri="{FF2B5EF4-FFF2-40B4-BE49-F238E27FC236}">
+                  <a16:creationId xmlns:a16="http://schemas.microsoft.com/office/drawing/2014/main" id="{CFF7C5A4-0570-4D6C-9993-0C84648C53A1}"/>
+                </a:ext>
+              </a:extLst>
+            </p:cNvPr>
+            <p:cNvSpPr txBox="1"/>
+            <p:nvPr/>
+          </p:nvSpPr>
+          <p:spPr>
+            <a:xfrm>
+              <a:off x="5393131" y="2281986"/>
+              <a:ext cx="935281" cy="369332"/>
+            </a:xfrm>
+            <a:prstGeom prst="rect">
+              <a:avLst/>
+            </a:prstGeom>
+            <a:noFill/>
+          </p:spPr>
+          <p:txBody>
+            <a:bodyPr wrap="none" rtlCol="0">
+              <a:spAutoFit/>
+            </a:bodyPr>
+            <a:lstStyle/>
+            <a:p>
+              <a:r>
+                <a:rPr lang="en-US" altLang="ko-KR" dirty="0"/>
+                <a:t>GIF </a:t>
+              </a:r>
+              <a:r>
+                <a:rPr lang="ko-KR" altLang="en-US" dirty="0"/>
+                <a:t>자료</a:t>
+              </a:r>
+              <a:endParaRPr lang="en-US" altLang="ko-KR" dirty="0"/>
+            </a:p>
+          </p:txBody>
+        </p:sp>
+      </p:grpSp>
+    </p:spTree>
+    <p:extLst>
+      <p:ext uri="{BB962C8B-B14F-4D97-AF65-F5344CB8AC3E}">
+        <p14:creationId xmlns:p14="http://schemas.microsoft.com/office/powerpoint/2010/main" val="2412935687"/>
+      </p:ext>
+    </p:extLst>
+  </p:cSld>
+  <p:clrMapOvr>
+    <a:masterClrMapping/>
+  </p:clrMapOvr>
+</p:sld>
+</file>
+
+<file path=ppt/slides/slide11.xml><?xml version="1.0" encoding="utf-8"?>
+<p:sld xmlns:a="http://schemas.openxmlformats.org/drawingml/2006/main" xmlns:r="http://schemas.openxmlformats.org/officeDocument/2006/relationships" xmlns:p="http://schemas.openxmlformats.org/presentationml/2006/main">
+  <p:cSld>
+    <p:spTree>
+      <p:nvGrpSpPr>
+        <p:cNvPr id="1" name=""/>
+        <p:cNvGrpSpPr/>
+        <p:nvPr/>
+      </p:nvGrpSpPr>
+      <p:grpSpPr>
+        <a:xfrm>
+          <a:off x="0" y="0"/>
+          <a:ext cx="0" cy="0"/>
+          <a:chOff x="0" y="0"/>
+          <a:chExt cx="0" cy="0"/>
+        </a:xfrm>
+      </p:grpSpPr>
+      <p:grpSp>
+        <p:nvGrpSpPr>
+          <p:cNvPr id="38" name="그룹 37">
+            <a:extLst>
+              <a:ext uri="{FF2B5EF4-FFF2-40B4-BE49-F238E27FC236}">
+                <a16:creationId xmlns:a16="http://schemas.microsoft.com/office/drawing/2014/main" id="{1D8E532E-9E14-4EC0-9A5D-C7F11045D019}"/>
+              </a:ext>
+            </a:extLst>
+          </p:cNvPr>
+          <p:cNvGrpSpPr/>
+          <p:nvPr/>
+        </p:nvGrpSpPr>
+        <p:grpSpPr>
+          <a:xfrm>
             <a:off x="0" y="64063"/>
             <a:ext cx="3106271" cy="656018"/>
             <a:chOff x="0" y="196020"/>
@@ -13056,7 +13606,7 @@
 </p:sld>
 </file>
 
-<file path=ppt/slides/slide11.xml><?xml version="1.0" encoding="utf-8"?>
+<file path=ppt/slides/slide12.xml><?xml version="1.0" encoding="utf-8"?>
 <p:sld xmlns:a="http://schemas.openxmlformats.org/drawingml/2006/main" xmlns:r="http://schemas.openxmlformats.org/officeDocument/2006/relationships" xmlns:p="http://schemas.openxmlformats.org/presentationml/2006/main">
   <p:cSld>
     <p:spTree>
@@ -14084,7 +14634,7 @@
 </p:sld>
 </file>
 
-<file path=ppt/slides/slide12.xml><?xml version="1.0" encoding="utf-8"?>
+<file path=ppt/slides/slide13.xml><?xml version="1.0" encoding="utf-8"?>
 <p:sld xmlns:a="http://schemas.openxmlformats.org/drawingml/2006/main" xmlns:r="http://schemas.openxmlformats.org/officeDocument/2006/relationships" xmlns:p="http://schemas.openxmlformats.org/presentationml/2006/main">
   <p:cSld>
     <p:spTree>
@@ -15151,7 +15701,7 @@
 </p:sld>
 </file>
 
-<file path=ppt/slides/slide13.xml><?xml version="1.0" encoding="utf-8"?>
+<file path=ppt/slides/slide14.xml><?xml version="1.0" encoding="utf-8"?>
 <p:sld xmlns:a="http://schemas.openxmlformats.org/drawingml/2006/main" xmlns:r="http://schemas.openxmlformats.org/officeDocument/2006/relationships" xmlns:p="http://schemas.openxmlformats.org/presentationml/2006/main">
   <p:cSld>
     <p:spTree>
@@ -16164,7 +16714,7 @@
 </p:sld>
 </file>
 
-<file path=ppt/slides/slide14.xml><?xml version="1.0" encoding="utf-8"?>
+<file path=ppt/slides/slide15.xml><?xml version="1.0" encoding="utf-8"?>
 <p:sld xmlns:a="http://schemas.openxmlformats.org/drawingml/2006/main" xmlns:r="http://schemas.openxmlformats.org/officeDocument/2006/relationships" xmlns:p="http://schemas.openxmlformats.org/presentationml/2006/main">
   <p:cSld>
     <p:spTree>
@@ -16900,7 +17450,7 @@
 </p:sld>
 </file>
 
-<file path=ppt/slides/slide15.xml><?xml version="1.0" encoding="utf-8"?>
+<file path=ppt/slides/slide16.xml><?xml version="1.0" encoding="utf-8"?>
 <p:sld xmlns:a="http://schemas.openxmlformats.org/drawingml/2006/main" xmlns:r="http://schemas.openxmlformats.org/officeDocument/2006/relationships" xmlns:p="http://schemas.openxmlformats.org/presentationml/2006/main">
   <p:cSld>
     <p:spTree>
@@ -16967,7 +17517,7 @@
 </p:sld>
 </file>
 
-<file path=ppt/slides/slide16.xml><?xml version="1.0" encoding="utf-8"?>
+<file path=ppt/slides/slide17.xml><?xml version="1.0" encoding="utf-8"?>
 <p:sld xmlns:a="http://schemas.openxmlformats.org/drawingml/2006/main" xmlns:r="http://schemas.openxmlformats.org/officeDocument/2006/relationships" xmlns:p="http://schemas.openxmlformats.org/presentationml/2006/main">
   <p:cSld>
     <p:spTree>
@@ -17874,7 +18424,7 @@
 </p:sld>
 </file>
 
-<file path=ppt/slides/slide17.xml><?xml version="1.0" encoding="utf-8"?>
+<file path=ppt/slides/slide18.xml><?xml version="1.0" encoding="utf-8"?>
 <p:sld xmlns:a="http://schemas.openxmlformats.org/drawingml/2006/main" xmlns:r="http://schemas.openxmlformats.org/officeDocument/2006/relationships" xmlns:p="http://schemas.openxmlformats.org/presentationml/2006/main">
   <p:cSld>
     <p:spTree>
@@ -17941,7 +18491,7 @@
 </p:sld>
 </file>
 
-<file path=ppt/slides/slide18.xml><?xml version="1.0" encoding="utf-8"?>
+<file path=ppt/slides/slide19.xml><?xml version="1.0" encoding="utf-8"?>
 <p:sld xmlns:a="http://schemas.openxmlformats.org/drawingml/2006/main" xmlns:r="http://schemas.openxmlformats.org/officeDocument/2006/relationships" xmlns:p="http://schemas.openxmlformats.org/presentationml/2006/main">
   <p:cSld>
     <p:spTree>
@@ -18689,472 +19239,6 @@
     <p:extLst>
       <p:ext uri="{BB962C8B-B14F-4D97-AF65-F5344CB8AC3E}">
         <p14:creationId xmlns:p14="http://schemas.microsoft.com/office/powerpoint/2010/main" val="3360322605"/>
-      </p:ext>
-    </p:extLst>
-  </p:cSld>
-  <p:clrMapOvr>
-    <a:masterClrMapping/>
-  </p:clrMapOvr>
-</p:sld>
-</file>
-
-<file path=ppt/slides/slide19.xml><?xml version="1.0" encoding="utf-8"?>
-<p:sld xmlns:a="http://schemas.openxmlformats.org/drawingml/2006/main" xmlns:r="http://schemas.openxmlformats.org/officeDocument/2006/relationships" xmlns:p="http://schemas.openxmlformats.org/presentationml/2006/main">
-  <p:cSld>
-    <p:spTree>
-      <p:nvGrpSpPr>
-        <p:cNvPr id="1" name=""/>
-        <p:cNvGrpSpPr/>
-        <p:nvPr/>
-      </p:nvGrpSpPr>
-      <p:grpSpPr>
-        <a:xfrm>
-          <a:off x="0" y="0"/>
-          <a:ext cx="0" cy="0"/>
-          <a:chOff x="0" y="0"/>
-          <a:chExt cx="0" cy="0"/>
-        </a:xfrm>
-      </p:grpSpPr>
-      <p:grpSp>
-        <p:nvGrpSpPr>
-          <p:cNvPr id="38" name="그룹 37">
-            <a:extLst>
-              <a:ext uri="{FF2B5EF4-FFF2-40B4-BE49-F238E27FC236}">
-                <a16:creationId xmlns:a16="http://schemas.microsoft.com/office/drawing/2014/main" id="{1D8E532E-9E14-4EC0-9A5D-C7F11045D019}"/>
-              </a:ext>
-            </a:extLst>
-          </p:cNvPr>
-          <p:cNvGrpSpPr/>
-          <p:nvPr/>
-        </p:nvGrpSpPr>
-        <p:grpSpPr>
-          <a:xfrm>
-            <a:off x="-1" y="99367"/>
-            <a:ext cx="2810435" cy="620714"/>
-            <a:chOff x="0" y="231324"/>
-            <a:chExt cx="2341178" cy="620714"/>
-          </a:xfrm>
-        </p:grpSpPr>
-        <p:sp>
-          <p:nvSpPr>
-            <p:cNvPr id="39" name="TextBox 38">
-              <a:extLst>
-                <a:ext uri="{FF2B5EF4-FFF2-40B4-BE49-F238E27FC236}">
-                  <a16:creationId xmlns:a16="http://schemas.microsoft.com/office/drawing/2014/main" id="{6CDC6D6B-2C6F-4506-A1A4-B60E366A7E7F}"/>
-                </a:ext>
-              </a:extLst>
-            </p:cNvPr>
-            <p:cNvSpPr txBox="1"/>
-            <p:nvPr/>
-          </p:nvSpPr>
-          <p:spPr>
-            <a:xfrm>
-              <a:off x="0" y="231324"/>
-              <a:ext cx="2341178" cy="523220"/>
-            </a:xfrm>
-            <a:prstGeom prst="rect">
-              <a:avLst/>
-            </a:prstGeom>
-            <a:noFill/>
-          </p:spPr>
-          <p:txBody>
-            <a:bodyPr wrap="square" rtlCol="0">
-              <a:spAutoFit/>
-            </a:bodyPr>
-            <a:lstStyle/>
-            <a:p>
-              <a:r>
-                <a:rPr lang="en-US" altLang="ko-KR" sz="2800" b="1" dirty="0"/>
-                <a:t>4. </a:t>
-              </a:r>
-              <a:r>
-                <a:rPr lang="ko-KR" altLang="en-US" sz="2800" b="1" dirty="0"/>
-                <a:t>액티브 스킬</a:t>
-              </a:r>
-              <a:endParaRPr lang="ko-KR" altLang="en-US" sz="1400" b="1" dirty="0"/>
-            </a:p>
-          </p:txBody>
-        </p:sp>
-        <p:sp>
-          <p:nvSpPr>
-            <p:cNvPr id="40" name="평행 사변형 39">
-              <a:extLst>
-                <a:ext uri="{FF2B5EF4-FFF2-40B4-BE49-F238E27FC236}">
-                  <a16:creationId xmlns:a16="http://schemas.microsoft.com/office/drawing/2014/main" id="{4E81B653-ED60-4FFF-82E8-2306DFEB399E}"/>
-                </a:ext>
-              </a:extLst>
-            </p:cNvPr>
-            <p:cNvSpPr/>
-            <p:nvPr/>
-          </p:nvSpPr>
-          <p:spPr>
-            <a:xfrm>
-              <a:off x="0" y="787975"/>
-              <a:ext cx="2196000" cy="64063"/>
-            </a:xfrm>
-            <a:prstGeom prst="parallelogram">
-              <a:avLst/>
-            </a:prstGeom>
-            <a:solidFill>
-              <a:schemeClr val="tx1"/>
-            </a:solidFill>
-            <a:ln>
-              <a:noFill/>
-            </a:ln>
-          </p:spPr>
-          <p:style>
-            <a:lnRef idx="2">
-              <a:schemeClr val="accent1">
-                <a:shade val="50000"/>
-              </a:schemeClr>
-            </a:lnRef>
-            <a:fillRef idx="1">
-              <a:schemeClr val="accent1"/>
-            </a:fillRef>
-            <a:effectRef idx="0">
-              <a:schemeClr val="accent1"/>
-            </a:effectRef>
-            <a:fontRef idx="minor">
-              <a:schemeClr val="lt1"/>
-            </a:fontRef>
-          </p:style>
-          <p:txBody>
-            <a:bodyPr rtlCol="0" anchor="ctr"/>
-            <a:lstStyle/>
-            <a:p>
-              <a:pPr algn="ctr"/>
-              <a:endParaRPr lang="ko-KR" altLang="en-US" dirty="0"/>
-            </a:p>
-          </p:txBody>
-        </p:sp>
-      </p:grpSp>
-      <p:grpSp>
-        <p:nvGrpSpPr>
-          <p:cNvPr id="23" name="그룹 22">
-            <a:extLst>
-              <a:ext uri="{FF2B5EF4-FFF2-40B4-BE49-F238E27FC236}">
-                <a16:creationId xmlns:a16="http://schemas.microsoft.com/office/drawing/2014/main" id="{C84C9E02-B559-4FF1-BE61-BB0CD4741D3B}"/>
-              </a:ext>
-            </a:extLst>
-          </p:cNvPr>
-          <p:cNvGrpSpPr/>
-          <p:nvPr/>
-        </p:nvGrpSpPr>
-        <p:grpSpPr>
-          <a:xfrm>
-            <a:off x="1912999" y="2376119"/>
-            <a:ext cx="8366001" cy="2105762"/>
-            <a:chOff x="7280649" y="4038167"/>
-            <a:chExt cx="4217057" cy="2389089"/>
-          </a:xfrm>
-        </p:grpSpPr>
-        <p:sp>
-          <p:nvSpPr>
-            <p:cNvPr id="24" name="직사각형 23">
-              <a:extLst>
-                <a:ext uri="{FF2B5EF4-FFF2-40B4-BE49-F238E27FC236}">
-                  <a16:creationId xmlns:a16="http://schemas.microsoft.com/office/drawing/2014/main" id="{ACB38A61-B130-493E-B257-7C7D98BBDD2B}"/>
-                </a:ext>
-              </a:extLst>
-            </p:cNvPr>
-            <p:cNvSpPr/>
-            <p:nvPr/>
-          </p:nvSpPr>
-          <p:spPr>
-            <a:xfrm>
-              <a:off x="7280649" y="4038168"/>
-              <a:ext cx="4217057" cy="2389088"/>
-            </a:xfrm>
-            <a:prstGeom prst="rect">
-              <a:avLst/>
-            </a:prstGeom>
-            <a:solidFill>
-              <a:schemeClr val="tx1"/>
-            </a:solidFill>
-            <a:ln>
-              <a:solidFill>
-                <a:schemeClr val="tx1"/>
-              </a:solidFill>
-            </a:ln>
-          </p:spPr>
-          <p:style>
-            <a:lnRef idx="2">
-              <a:schemeClr val="accent1">
-                <a:shade val="50000"/>
-              </a:schemeClr>
-            </a:lnRef>
-            <a:fillRef idx="1">
-              <a:schemeClr val="accent1"/>
-            </a:fillRef>
-            <a:effectRef idx="0">
-              <a:schemeClr val="accent1"/>
-            </a:effectRef>
-            <a:fontRef idx="minor">
-              <a:schemeClr val="lt1"/>
-            </a:fontRef>
-          </p:style>
-          <p:txBody>
-            <a:bodyPr rtlCol="0" anchor="ctr"/>
-            <a:lstStyle/>
-            <a:p>
-              <a:pPr algn="ctr"/>
-              <a:endParaRPr lang="ko-KR" altLang="en-US"/>
-            </a:p>
-          </p:txBody>
-        </p:sp>
-        <p:sp>
-          <p:nvSpPr>
-            <p:cNvPr id="25" name="직사각형 24">
-              <a:extLst>
-                <a:ext uri="{FF2B5EF4-FFF2-40B4-BE49-F238E27FC236}">
-                  <a16:creationId xmlns:a16="http://schemas.microsoft.com/office/drawing/2014/main" id="{980DB22C-A901-4481-BC3F-76F5CFF2FC78}"/>
-                </a:ext>
-              </a:extLst>
-            </p:cNvPr>
-            <p:cNvSpPr/>
-            <p:nvPr/>
-          </p:nvSpPr>
-          <p:spPr>
-            <a:xfrm>
-              <a:off x="7280649" y="4407499"/>
-              <a:ext cx="4217057" cy="2019757"/>
-            </a:xfrm>
-            <a:prstGeom prst="rect">
-              <a:avLst/>
-            </a:prstGeom>
-            <a:solidFill>
-              <a:schemeClr val="bg1"/>
-            </a:solidFill>
-            <a:ln>
-              <a:solidFill>
-                <a:schemeClr val="tx1"/>
-              </a:solidFill>
-            </a:ln>
-          </p:spPr>
-          <p:style>
-            <a:lnRef idx="2">
-              <a:schemeClr val="accent1">
-                <a:shade val="50000"/>
-              </a:schemeClr>
-            </a:lnRef>
-            <a:fillRef idx="1">
-              <a:schemeClr val="accent1"/>
-            </a:fillRef>
-            <a:effectRef idx="0">
-              <a:schemeClr val="accent1"/>
-            </a:effectRef>
-            <a:fontRef idx="minor">
-              <a:schemeClr val="lt1"/>
-            </a:fontRef>
-          </p:style>
-          <p:txBody>
-            <a:bodyPr rtlCol="0" anchor="ctr"/>
-            <a:lstStyle/>
-            <a:p>
-              <a:r>
-                <a:rPr lang="en-US" altLang="ko-KR" dirty="0">
-                  <a:solidFill>
-                    <a:schemeClr val="tx1"/>
-                  </a:solidFill>
-                </a:rPr>
-                <a:t>if(Touch </a:t>
-              </a:r>
-              <a:r>
-                <a:rPr lang="en-US" altLang="ko-KR" dirty="0" err="1">
-                  <a:solidFill>
-                    <a:schemeClr val="tx1"/>
-                  </a:solidFill>
-                </a:rPr>
-                <a:t>Activing</a:t>
-              </a:r>
-              <a:r>
-                <a:rPr lang="en-US" altLang="ko-KR" dirty="0">
-                  <a:solidFill>
-                    <a:schemeClr val="tx1"/>
-                  </a:solidFill>
-                </a:rPr>
-                <a:t> Skill):</a:t>
-              </a:r>
-            </a:p>
-            <a:p>
-              <a:pPr lvl="1"/>
-              <a:r>
-                <a:rPr lang="en-US" altLang="ko-KR" dirty="0">
-                  <a:solidFill>
-                    <a:schemeClr val="tx1"/>
-                  </a:solidFill>
-                </a:rPr>
-                <a:t>Adopt Skill Effect for </a:t>
-              </a:r>
-              <a:r>
-                <a:rPr lang="en-US" altLang="ko-KR" dirty="0" err="1">
-                  <a:solidFill>
-                    <a:schemeClr val="tx1"/>
-                  </a:solidFill>
-                </a:rPr>
-                <a:t>DurationTime</a:t>
-              </a:r>
-              <a:r>
-                <a:rPr lang="en-US" altLang="ko-KR" dirty="0">
-                  <a:solidFill>
-                    <a:schemeClr val="tx1"/>
-                  </a:solidFill>
-                </a:rPr>
-                <a:t>(s);</a:t>
-              </a:r>
-              <a:br>
-                <a:rPr lang="en-US" altLang="ko-KR" dirty="0">
-                  <a:solidFill>
-                    <a:schemeClr val="tx1"/>
-                  </a:solidFill>
-                </a:rPr>
-              </a:br>
-              <a:r>
-                <a:rPr lang="en-US" altLang="ko-KR" i="1" dirty="0">
-                  <a:solidFill>
-                    <a:schemeClr val="tx1"/>
-                  </a:solidFill>
-                </a:rPr>
-                <a:t>(</a:t>
-              </a:r>
-              <a:r>
-                <a:rPr lang="ko-KR" altLang="en-US" i="1" dirty="0">
-                  <a:solidFill>
-                    <a:schemeClr val="tx1"/>
-                  </a:solidFill>
-                </a:rPr>
-                <a:t>스킬 효과는 </a:t>
-              </a:r>
-              <a:r>
-                <a:rPr lang="en-US" altLang="ko-KR" i="1" dirty="0">
-                  <a:solidFill>
-                    <a:schemeClr val="tx1"/>
-                  </a:solidFill>
-                </a:rPr>
-                <a:t>Skill ID</a:t>
-              </a:r>
-              <a:r>
-                <a:rPr lang="ko-KR" altLang="en-US" i="1" dirty="0">
-                  <a:solidFill>
-                    <a:schemeClr val="tx1"/>
-                  </a:solidFill>
-                </a:rPr>
-                <a:t>에 따라 적절한 </a:t>
-              </a:r>
-              <a:r>
-                <a:rPr lang="en-US" altLang="ko-KR" i="1" dirty="0">
-                  <a:solidFill>
-                    <a:schemeClr val="tx1"/>
-                  </a:solidFill>
-                </a:rPr>
-                <a:t>4.1 </a:t>
-              </a:r>
-              <a:r>
-                <a:rPr lang="ko-KR" altLang="en-US" i="1" dirty="0">
-                  <a:solidFill>
-                    <a:schemeClr val="tx1"/>
-                  </a:solidFill>
-                </a:rPr>
-                <a:t>스킬 효과 시스템을 적용</a:t>
-              </a:r>
-              <a:r>
-                <a:rPr lang="en-US" altLang="ko-KR" i="1" dirty="0">
-                  <a:solidFill>
-                    <a:schemeClr val="tx1"/>
-                  </a:solidFill>
-                </a:rPr>
-                <a:t>)</a:t>
-              </a:r>
-            </a:p>
-            <a:p>
-              <a:pPr lvl="1"/>
-              <a:r>
-                <a:rPr lang="en-US" altLang="ko-KR" dirty="0">
-                  <a:solidFill>
-                    <a:schemeClr val="tx1"/>
-                  </a:solidFill>
-                </a:rPr>
-                <a:t>When end of </a:t>
-              </a:r>
-              <a:r>
-                <a:rPr lang="en-US" altLang="ko-KR" dirty="0" err="1">
-                  <a:solidFill>
-                    <a:schemeClr val="tx1"/>
-                  </a:solidFill>
-                </a:rPr>
-                <a:t>DurationTime</a:t>
-              </a:r>
-              <a:r>
-                <a:rPr lang="en-US" altLang="ko-KR" dirty="0">
-                  <a:solidFill>
-                    <a:schemeClr val="tx1"/>
-                  </a:solidFill>
-                </a:rPr>
-                <a:t>, can`t use same Skill for </a:t>
-              </a:r>
-              <a:r>
-                <a:rPr lang="en-US" altLang="ko-KR" dirty="0" err="1">
-                  <a:solidFill>
-                    <a:schemeClr val="tx1"/>
-                  </a:solidFill>
-                </a:rPr>
-                <a:t>Cooltime</a:t>
-              </a:r>
-              <a:r>
-                <a:rPr lang="en-US" altLang="ko-KR" dirty="0">
-                  <a:solidFill>
-                    <a:schemeClr val="tx1"/>
-                  </a:solidFill>
-                </a:rPr>
-                <a:t>;</a:t>
-              </a:r>
-            </a:p>
-          </p:txBody>
-        </p:sp>
-        <p:sp>
-          <p:nvSpPr>
-            <p:cNvPr id="26" name="TextBox 25">
-              <a:extLst>
-                <a:ext uri="{FF2B5EF4-FFF2-40B4-BE49-F238E27FC236}">
-                  <a16:creationId xmlns:a16="http://schemas.microsoft.com/office/drawing/2014/main" id="{8A314BEB-84D8-49EB-B61D-DD2705D8297D}"/>
-                </a:ext>
-              </a:extLst>
-            </p:cNvPr>
-            <p:cNvSpPr txBox="1"/>
-            <p:nvPr/>
-          </p:nvSpPr>
-          <p:spPr>
-            <a:xfrm>
-              <a:off x="7442366" y="4038167"/>
-              <a:ext cx="3881263" cy="419025"/>
-            </a:xfrm>
-            <a:prstGeom prst="rect">
-              <a:avLst/>
-            </a:prstGeom>
-            <a:noFill/>
-          </p:spPr>
-          <p:txBody>
-            <a:bodyPr wrap="square" rtlCol="0">
-              <a:spAutoFit/>
-            </a:bodyPr>
-            <a:lstStyle/>
-            <a:p>
-              <a:r>
-                <a:rPr lang="ko-KR" altLang="en-US" dirty="0">
-                  <a:solidFill>
-                    <a:schemeClr val="bg1"/>
-                  </a:solidFill>
-                </a:rPr>
-                <a:t>상세 설명</a:t>
-              </a:r>
-            </a:p>
-          </p:txBody>
-        </p:sp>
-      </p:grpSp>
-    </p:spTree>
-    <p:extLst>
-      <p:ext uri="{BB962C8B-B14F-4D97-AF65-F5344CB8AC3E}">
-        <p14:creationId xmlns:p14="http://schemas.microsoft.com/office/powerpoint/2010/main" val="2324592808"/>
       </p:ext>
     </p:extLst>
   </p:cSld>
@@ -21651,6 +21735,472 @@
           <a:chExt cx="0" cy="0"/>
         </a:xfrm>
       </p:grpSpPr>
+      <p:grpSp>
+        <p:nvGrpSpPr>
+          <p:cNvPr id="38" name="그룹 37">
+            <a:extLst>
+              <a:ext uri="{FF2B5EF4-FFF2-40B4-BE49-F238E27FC236}">
+                <a16:creationId xmlns:a16="http://schemas.microsoft.com/office/drawing/2014/main" id="{1D8E532E-9E14-4EC0-9A5D-C7F11045D019}"/>
+              </a:ext>
+            </a:extLst>
+          </p:cNvPr>
+          <p:cNvGrpSpPr/>
+          <p:nvPr/>
+        </p:nvGrpSpPr>
+        <p:grpSpPr>
+          <a:xfrm>
+            <a:off x="-1" y="99367"/>
+            <a:ext cx="2810435" cy="620714"/>
+            <a:chOff x="0" y="231324"/>
+            <a:chExt cx="2341178" cy="620714"/>
+          </a:xfrm>
+        </p:grpSpPr>
+        <p:sp>
+          <p:nvSpPr>
+            <p:cNvPr id="39" name="TextBox 38">
+              <a:extLst>
+                <a:ext uri="{FF2B5EF4-FFF2-40B4-BE49-F238E27FC236}">
+                  <a16:creationId xmlns:a16="http://schemas.microsoft.com/office/drawing/2014/main" id="{6CDC6D6B-2C6F-4506-A1A4-B60E366A7E7F}"/>
+                </a:ext>
+              </a:extLst>
+            </p:cNvPr>
+            <p:cNvSpPr txBox="1"/>
+            <p:nvPr/>
+          </p:nvSpPr>
+          <p:spPr>
+            <a:xfrm>
+              <a:off x="0" y="231324"/>
+              <a:ext cx="2341178" cy="523220"/>
+            </a:xfrm>
+            <a:prstGeom prst="rect">
+              <a:avLst/>
+            </a:prstGeom>
+            <a:noFill/>
+          </p:spPr>
+          <p:txBody>
+            <a:bodyPr wrap="square" rtlCol="0">
+              <a:spAutoFit/>
+            </a:bodyPr>
+            <a:lstStyle/>
+            <a:p>
+              <a:r>
+                <a:rPr lang="en-US" altLang="ko-KR" sz="2800" b="1" dirty="0"/>
+                <a:t>4. </a:t>
+              </a:r>
+              <a:r>
+                <a:rPr lang="ko-KR" altLang="en-US" sz="2800" b="1" dirty="0"/>
+                <a:t>액티브 스킬</a:t>
+              </a:r>
+              <a:endParaRPr lang="ko-KR" altLang="en-US" sz="1400" b="1" dirty="0"/>
+            </a:p>
+          </p:txBody>
+        </p:sp>
+        <p:sp>
+          <p:nvSpPr>
+            <p:cNvPr id="40" name="평행 사변형 39">
+              <a:extLst>
+                <a:ext uri="{FF2B5EF4-FFF2-40B4-BE49-F238E27FC236}">
+                  <a16:creationId xmlns:a16="http://schemas.microsoft.com/office/drawing/2014/main" id="{4E81B653-ED60-4FFF-82E8-2306DFEB399E}"/>
+                </a:ext>
+              </a:extLst>
+            </p:cNvPr>
+            <p:cNvSpPr/>
+            <p:nvPr/>
+          </p:nvSpPr>
+          <p:spPr>
+            <a:xfrm>
+              <a:off x="0" y="787975"/>
+              <a:ext cx="2196000" cy="64063"/>
+            </a:xfrm>
+            <a:prstGeom prst="parallelogram">
+              <a:avLst/>
+            </a:prstGeom>
+            <a:solidFill>
+              <a:schemeClr val="tx1"/>
+            </a:solidFill>
+            <a:ln>
+              <a:noFill/>
+            </a:ln>
+          </p:spPr>
+          <p:style>
+            <a:lnRef idx="2">
+              <a:schemeClr val="accent1">
+                <a:shade val="50000"/>
+              </a:schemeClr>
+            </a:lnRef>
+            <a:fillRef idx="1">
+              <a:schemeClr val="accent1"/>
+            </a:fillRef>
+            <a:effectRef idx="0">
+              <a:schemeClr val="accent1"/>
+            </a:effectRef>
+            <a:fontRef idx="minor">
+              <a:schemeClr val="lt1"/>
+            </a:fontRef>
+          </p:style>
+          <p:txBody>
+            <a:bodyPr rtlCol="0" anchor="ctr"/>
+            <a:lstStyle/>
+            <a:p>
+              <a:pPr algn="ctr"/>
+              <a:endParaRPr lang="ko-KR" altLang="en-US" dirty="0"/>
+            </a:p>
+          </p:txBody>
+        </p:sp>
+      </p:grpSp>
+      <p:grpSp>
+        <p:nvGrpSpPr>
+          <p:cNvPr id="23" name="그룹 22">
+            <a:extLst>
+              <a:ext uri="{FF2B5EF4-FFF2-40B4-BE49-F238E27FC236}">
+                <a16:creationId xmlns:a16="http://schemas.microsoft.com/office/drawing/2014/main" id="{C84C9E02-B559-4FF1-BE61-BB0CD4741D3B}"/>
+              </a:ext>
+            </a:extLst>
+          </p:cNvPr>
+          <p:cNvGrpSpPr/>
+          <p:nvPr/>
+        </p:nvGrpSpPr>
+        <p:grpSpPr>
+          <a:xfrm>
+            <a:off x="1912999" y="2376119"/>
+            <a:ext cx="8366001" cy="2105762"/>
+            <a:chOff x="7280649" y="4038167"/>
+            <a:chExt cx="4217057" cy="2389089"/>
+          </a:xfrm>
+        </p:grpSpPr>
+        <p:sp>
+          <p:nvSpPr>
+            <p:cNvPr id="24" name="직사각형 23">
+              <a:extLst>
+                <a:ext uri="{FF2B5EF4-FFF2-40B4-BE49-F238E27FC236}">
+                  <a16:creationId xmlns:a16="http://schemas.microsoft.com/office/drawing/2014/main" id="{ACB38A61-B130-493E-B257-7C7D98BBDD2B}"/>
+                </a:ext>
+              </a:extLst>
+            </p:cNvPr>
+            <p:cNvSpPr/>
+            <p:nvPr/>
+          </p:nvSpPr>
+          <p:spPr>
+            <a:xfrm>
+              <a:off x="7280649" y="4038168"/>
+              <a:ext cx="4217057" cy="2389088"/>
+            </a:xfrm>
+            <a:prstGeom prst="rect">
+              <a:avLst/>
+            </a:prstGeom>
+            <a:solidFill>
+              <a:schemeClr val="tx1"/>
+            </a:solidFill>
+            <a:ln>
+              <a:solidFill>
+                <a:schemeClr val="tx1"/>
+              </a:solidFill>
+            </a:ln>
+          </p:spPr>
+          <p:style>
+            <a:lnRef idx="2">
+              <a:schemeClr val="accent1">
+                <a:shade val="50000"/>
+              </a:schemeClr>
+            </a:lnRef>
+            <a:fillRef idx="1">
+              <a:schemeClr val="accent1"/>
+            </a:fillRef>
+            <a:effectRef idx="0">
+              <a:schemeClr val="accent1"/>
+            </a:effectRef>
+            <a:fontRef idx="minor">
+              <a:schemeClr val="lt1"/>
+            </a:fontRef>
+          </p:style>
+          <p:txBody>
+            <a:bodyPr rtlCol="0" anchor="ctr"/>
+            <a:lstStyle/>
+            <a:p>
+              <a:pPr algn="ctr"/>
+              <a:endParaRPr lang="ko-KR" altLang="en-US"/>
+            </a:p>
+          </p:txBody>
+        </p:sp>
+        <p:sp>
+          <p:nvSpPr>
+            <p:cNvPr id="25" name="직사각형 24">
+              <a:extLst>
+                <a:ext uri="{FF2B5EF4-FFF2-40B4-BE49-F238E27FC236}">
+                  <a16:creationId xmlns:a16="http://schemas.microsoft.com/office/drawing/2014/main" id="{980DB22C-A901-4481-BC3F-76F5CFF2FC78}"/>
+                </a:ext>
+              </a:extLst>
+            </p:cNvPr>
+            <p:cNvSpPr/>
+            <p:nvPr/>
+          </p:nvSpPr>
+          <p:spPr>
+            <a:xfrm>
+              <a:off x="7280649" y="4407499"/>
+              <a:ext cx="4217057" cy="2019757"/>
+            </a:xfrm>
+            <a:prstGeom prst="rect">
+              <a:avLst/>
+            </a:prstGeom>
+            <a:solidFill>
+              <a:schemeClr val="bg1"/>
+            </a:solidFill>
+            <a:ln>
+              <a:solidFill>
+                <a:schemeClr val="tx1"/>
+              </a:solidFill>
+            </a:ln>
+          </p:spPr>
+          <p:style>
+            <a:lnRef idx="2">
+              <a:schemeClr val="accent1">
+                <a:shade val="50000"/>
+              </a:schemeClr>
+            </a:lnRef>
+            <a:fillRef idx="1">
+              <a:schemeClr val="accent1"/>
+            </a:fillRef>
+            <a:effectRef idx="0">
+              <a:schemeClr val="accent1"/>
+            </a:effectRef>
+            <a:fontRef idx="minor">
+              <a:schemeClr val="lt1"/>
+            </a:fontRef>
+          </p:style>
+          <p:txBody>
+            <a:bodyPr rtlCol="0" anchor="ctr"/>
+            <a:lstStyle/>
+            <a:p>
+              <a:r>
+                <a:rPr lang="en-US" altLang="ko-KR" dirty="0">
+                  <a:solidFill>
+                    <a:schemeClr val="tx1"/>
+                  </a:solidFill>
+                </a:rPr>
+                <a:t>if(Touch </a:t>
+              </a:r>
+              <a:r>
+                <a:rPr lang="en-US" altLang="ko-KR" dirty="0" err="1">
+                  <a:solidFill>
+                    <a:schemeClr val="tx1"/>
+                  </a:solidFill>
+                </a:rPr>
+                <a:t>Activing</a:t>
+              </a:r>
+              <a:r>
+                <a:rPr lang="en-US" altLang="ko-KR" dirty="0">
+                  <a:solidFill>
+                    <a:schemeClr val="tx1"/>
+                  </a:solidFill>
+                </a:rPr>
+                <a:t> Skill):</a:t>
+              </a:r>
+            </a:p>
+            <a:p>
+              <a:pPr lvl="1"/>
+              <a:r>
+                <a:rPr lang="en-US" altLang="ko-KR" dirty="0">
+                  <a:solidFill>
+                    <a:schemeClr val="tx1"/>
+                  </a:solidFill>
+                </a:rPr>
+                <a:t>Adopt Skill Effect for </a:t>
+              </a:r>
+              <a:r>
+                <a:rPr lang="en-US" altLang="ko-KR" dirty="0" err="1">
+                  <a:solidFill>
+                    <a:schemeClr val="tx1"/>
+                  </a:solidFill>
+                </a:rPr>
+                <a:t>DurationTime</a:t>
+              </a:r>
+              <a:r>
+                <a:rPr lang="en-US" altLang="ko-KR" dirty="0">
+                  <a:solidFill>
+                    <a:schemeClr val="tx1"/>
+                  </a:solidFill>
+                </a:rPr>
+                <a:t>(s);</a:t>
+              </a:r>
+              <a:br>
+                <a:rPr lang="en-US" altLang="ko-KR" dirty="0">
+                  <a:solidFill>
+                    <a:schemeClr val="tx1"/>
+                  </a:solidFill>
+                </a:rPr>
+              </a:br>
+              <a:r>
+                <a:rPr lang="en-US" altLang="ko-KR" i="1" dirty="0">
+                  <a:solidFill>
+                    <a:schemeClr val="tx1"/>
+                  </a:solidFill>
+                </a:rPr>
+                <a:t>(</a:t>
+              </a:r>
+              <a:r>
+                <a:rPr lang="ko-KR" altLang="en-US" i="1" dirty="0">
+                  <a:solidFill>
+                    <a:schemeClr val="tx1"/>
+                  </a:solidFill>
+                </a:rPr>
+                <a:t>스킬 효과는 </a:t>
+              </a:r>
+              <a:r>
+                <a:rPr lang="en-US" altLang="ko-KR" i="1" dirty="0">
+                  <a:solidFill>
+                    <a:schemeClr val="tx1"/>
+                  </a:solidFill>
+                </a:rPr>
+                <a:t>Skill ID</a:t>
+              </a:r>
+              <a:r>
+                <a:rPr lang="ko-KR" altLang="en-US" i="1" dirty="0">
+                  <a:solidFill>
+                    <a:schemeClr val="tx1"/>
+                  </a:solidFill>
+                </a:rPr>
+                <a:t>에 따라 적절한 </a:t>
+              </a:r>
+              <a:r>
+                <a:rPr lang="en-US" altLang="ko-KR" i="1" dirty="0">
+                  <a:solidFill>
+                    <a:schemeClr val="tx1"/>
+                  </a:solidFill>
+                </a:rPr>
+                <a:t>4.1 </a:t>
+              </a:r>
+              <a:r>
+                <a:rPr lang="ko-KR" altLang="en-US" i="1" dirty="0">
+                  <a:solidFill>
+                    <a:schemeClr val="tx1"/>
+                  </a:solidFill>
+                </a:rPr>
+                <a:t>스킬 효과 시스템을 적용</a:t>
+              </a:r>
+              <a:r>
+                <a:rPr lang="en-US" altLang="ko-KR" i="1" dirty="0">
+                  <a:solidFill>
+                    <a:schemeClr val="tx1"/>
+                  </a:solidFill>
+                </a:rPr>
+                <a:t>)</a:t>
+              </a:r>
+            </a:p>
+            <a:p>
+              <a:pPr lvl="1"/>
+              <a:r>
+                <a:rPr lang="en-US" altLang="ko-KR" dirty="0">
+                  <a:solidFill>
+                    <a:schemeClr val="tx1"/>
+                  </a:solidFill>
+                </a:rPr>
+                <a:t>When end of </a:t>
+              </a:r>
+              <a:r>
+                <a:rPr lang="en-US" altLang="ko-KR" dirty="0" err="1">
+                  <a:solidFill>
+                    <a:schemeClr val="tx1"/>
+                  </a:solidFill>
+                </a:rPr>
+                <a:t>DurationTime</a:t>
+              </a:r>
+              <a:r>
+                <a:rPr lang="en-US" altLang="ko-KR" dirty="0">
+                  <a:solidFill>
+                    <a:schemeClr val="tx1"/>
+                  </a:solidFill>
+                </a:rPr>
+                <a:t>, can`t use same Skill for </a:t>
+              </a:r>
+              <a:r>
+                <a:rPr lang="en-US" altLang="ko-KR" dirty="0" err="1">
+                  <a:solidFill>
+                    <a:schemeClr val="tx1"/>
+                  </a:solidFill>
+                </a:rPr>
+                <a:t>Cooltime</a:t>
+              </a:r>
+              <a:r>
+                <a:rPr lang="en-US" altLang="ko-KR" dirty="0">
+                  <a:solidFill>
+                    <a:schemeClr val="tx1"/>
+                  </a:solidFill>
+                </a:rPr>
+                <a:t>;</a:t>
+              </a:r>
+            </a:p>
+          </p:txBody>
+        </p:sp>
+        <p:sp>
+          <p:nvSpPr>
+            <p:cNvPr id="26" name="TextBox 25">
+              <a:extLst>
+                <a:ext uri="{FF2B5EF4-FFF2-40B4-BE49-F238E27FC236}">
+                  <a16:creationId xmlns:a16="http://schemas.microsoft.com/office/drawing/2014/main" id="{8A314BEB-84D8-49EB-B61D-DD2705D8297D}"/>
+                </a:ext>
+              </a:extLst>
+            </p:cNvPr>
+            <p:cNvSpPr txBox="1"/>
+            <p:nvPr/>
+          </p:nvSpPr>
+          <p:spPr>
+            <a:xfrm>
+              <a:off x="7442366" y="4038167"/>
+              <a:ext cx="3881263" cy="419025"/>
+            </a:xfrm>
+            <a:prstGeom prst="rect">
+              <a:avLst/>
+            </a:prstGeom>
+            <a:noFill/>
+          </p:spPr>
+          <p:txBody>
+            <a:bodyPr wrap="square" rtlCol="0">
+              <a:spAutoFit/>
+            </a:bodyPr>
+            <a:lstStyle/>
+            <a:p>
+              <a:r>
+                <a:rPr lang="ko-KR" altLang="en-US" dirty="0">
+                  <a:solidFill>
+                    <a:schemeClr val="bg1"/>
+                  </a:solidFill>
+                </a:rPr>
+                <a:t>상세 설명</a:t>
+              </a:r>
+            </a:p>
+          </p:txBody>
+        </p:sp>
+      </p:grpSp>
+    </p:spTree>
+    <p:extLst>
+      <p:ext uri="{BB962C8B-B14F-4D97-AF65-F5344CB8AC3E}">
+        <p14:creationId xmlns:p14="http://schemas.microsoft.com/office/powerpoint/2010/main" val="2324592808"/>
+      </p:ext>
+    </p:extLst>
+  </p:cSld>
+  <p:clrMapOvr>
+    <a:masterClrMapping/>
+  </p:clrMapOvr>
+</p:sld>
+</file>
+
+<file path=ppt/slides/slide21.xml><?xml version="1.0" encoding="utf-8"?>
+<p:sld xmlns:a="http://schemas.openxmlformats.org/drawingml/2006/main" xmlns:r="http://schemas.openxmlformats.org/officeDocument/2006/relationships" xmlns:p="http://schemas.openxmlformats.org/presentationml/2006/main">
+  <p:cSld>
+    <p:spTree>
+      <p:nvGrpSpPr>
+        <p:cNvPr id="1" name=""/>
+        <p:cNvGrpSpPr/>
+        <p:nvPr/>
+      </p:nvGrpSpPr>
+      <p:grpSpPr>
+        <a:xfrm>
+          <a:off x="0" y="0"/>
+          <a:ext cx="0" cy="0"/>
+          <a:chOff x="0" y="0"/>
+          <a:chExt cx="0" cy="0"/>
+        </a:xfrm>
+      </p:grpSpPr>
       <p:pic>
         <p:nvPicPr>
           <p:cNvPr id="3" name="그림 2">
@@ -22280,7 +22830,7 @@
 </p:sld>
 </file>
 
-<file path=ppt/slides/slide21.xml><?xml version="1.0" encoding="utf-8"?>
+<file path=ppt/slides/slide22.xml><?xml version="1.0" encoding="utf-8"?>
 <p:sld xmlns:a="http://schemas.openxmlformats.org/drawingml/2006/main" xmlns:r="http://schemas.openxmlformats.org/officeDocument/2006/relationships" xmlns:p="http://schemas.openxmlformats.org/presentationml/2006/main">
   <p:cSld>
     <p:spTree>
@@ -23291,7 +23841,7 @@
 </p:sld>
 </file>
 
-<file path=ppt/slides/slide22.xml><?xml version="1.0" encoding="utf-8"?>
+<file path=ppt/slides/slide23.xml><?xml version="1.0" encoding="utf-8"?>
 <p:sld xmlns:a="http://schemas.openxmlformats.org/drawingml/2006/main" xmlns:r="http://schemas.openxmlformats.org/officeDocument/2006/relationships" xmlns:p="http://schemas.openxmlformats.org/presentationml/2006/main">
   <p:cSld>
     <p:spTree>
@@ -23358,7 +23908,7 @@
 </p:sld>
 </file>
 
-<file path=ppt/slides/slide23.xml><?xml version="1.0" encoding="utf-8"?>
+<file path=ppt/slides/slide24.xml><?xml version="1.0" encoding="utf-8"?>
 <p:sld xmlns:a="http://schemas.openxmlformats.org/drawingml/2006/main" xmlns:r="http://schemas.openxmlformats.org/officeDocument/2006/relationships" xmlns:p="http://schemas.openxmlformats.org/presentationml/2006/main">
   <p:cSld>
     <p:spTree>
@@ -23794,17 +24344,6 @@
                 </a:solidFill>
               </a:endParaRPr>
             </a:p>
-            <a:p>
-              <a:pPr marL="285750" indent="-285750">
-                <a:buFont typeface="Arial" panose="020B0604020202020204" pitchFamily="34" charset="0"/>
-                <a:buChar char="•"/>
-              </a:pPr>
-              <a:endParaRPr lang="en-US" altLang="ko-KR" dirty="0">
-                <a:solidFill>
-                  <a:schemeClr val="tx1"/>
-                </a:solidFill>
-              </a:endParaRPr>
-            </a:p>
           </p:txBody>
         </p:sp>
         <p:sp>
@@ -24186,7 +24725,7 @@
 </p:sld>
 </file>
 
-<file path=ppt/slides/slide24.xml><?xml version="1.0" encoding="utf-8"?>
+<file path=ppt/slides/slide25.xml><?xml version="1.0" encoding="utf-8"?>
 <p:sld xmlns:a="http://schemas.openxmlformats.org/drawingml/2006/main" xmlns:r="http://schemas.openxmlformats.org/officeDocument/2006/relationships" xmlns:p="http://schemas.openxmlformats.org/presentationml/2006/main">
   <p:cSld>
     <p:spTree>
@@ -25909,6 +26448,48 @@
           </a:fontRef>
         </p:style>
       </p:cxnSp>
+      <p:sp>
+        <p:nvSpPr>
+          <p:cNvPr id="2" name="TextBox 1">
+            <a:extLst>
+              <a:ext uri="{FF2B5EF4-FFF2-40B4-BE49-F238E27FC236}">
+                <a16:creationId xmlns:a16="http://schemas.microsoft.com/office/drawing/2014/main" id="{16DF5909-BAFC-4FA8-9B66-745347E81F6E}"/>
+              </a:ext>
+            </a:extLst>
+          </p:cNvPr>
+          <p:cNvSpPr txBox="1"/>
+          <p:nvPr/>
+        </p:nvSpPr>
+        <p:spPr>
+          <a:xfrm>
+            <a:off x="10448217" y="900760"/>
+            <a:ext cx="1271187" cy="523220"/>
+          </a:xfrm>
+          <a:prstGeom prst="rect">
+            <a:avLst/>
+          </a:prstGeom>
+          <a:noFill/>
+        </p:spPr>
+        <p:txBody>
+          <a:bodyPr wrap="square" rtlCol="0">
+            <a:spAutoFit/>
+          </a:bodyPr>
+          <a:lstStyle/>
+          <a:p>
+            <a:r>
+              <a:rPr lang="ko-KR" altLang="en-US" sz="1400" dirty="0"/>
+              <a:t>상점 유형에</a:t>
+            </a:r>
+            <a:br>
+              <a:rPr lang="en-US" altLang="ko-KR" sz="1400" dirty="0"/>
+            </a:br>
+            <a:r>
+              <a:rPr lang="ko-KR" altLang="en-US" sz="1400" dirty="0"/>
+              <a:t>따라 상이</a:t>
+            </a:r>
+          </a:p>
+        </p:txBody>
+      </p:sp>
     </p:spTree>
     <p:extLst>
       <p:ext uri="{BB962C8B-B14F-4D97-AF65-F5344CB8AC3E}">
@@ -25922,7 +26503,7 @@
 </p:sld>
 </file>
 
-<file path=ppt/slides/slide25.xml><?xml version="1.0" encoding="utf-8"?>
+<file path=ppt/slides/slide26.xml><?xml version="1.0" encoding="utf-8"?>
 <p:sld xmlns:a="http://schemas.openxmlformats.org/drawingml/2006/main" xmlns:r="http://schemas.openxmlformats.org/officeDocument/2006/relationships" xmlns:p="http://schemas.openxmlformats.org/presentationml/2006/main">
   <p:cSld>
     <p:spTree>
@@ -27713,7 +28294,7 @@
 </p:sld>
 </file>
 
-<file path=ppt/slides/slide26.xml><?xml version="1.0" encoding="utf-8"?>
+<file path=ppt/slides/slide27.xml><?xml version="1.0" encoding="utf-8"?>
 <p:sld xmlns:a="http://schemas.openxmlformats.org/drawingml/2006/main" xmlns:r="http://schemas.openxmlformats.org/officeDocument/2006/relationships" xmlns:p="http://schemas.openxmlformats.org/presentationml/2006/main">
   <p:cSld>
     <p:spTree>
@@ -28678,7 +29259,7 @@
 </p:sld>
 </file>
 
-<file path=ppt/slides/slide27.xml><?xml version="1.0" encoding="utf-8"?>
+<file path=ppt/slides/slide28.xml><?xml version="1.0" encoding="utf-8"?>
 <p:sld xmlns:a="http://schemas.openxmlformats.org/drawingml/2006/main" xmlns:r="http://schemas.openxmlformats.org/officeDocument/2006/relationships" xmlns:p="http://schemas.openxmlformats.org/presentationml/2006/main">
   <p:cSld>
     <p:spTree>
@@ -28808,8 +29389,8 @@
           </p:txBody>
         </p:sp>
       </p:grpSp>
-      <mc:AlternateContent xmlns:mc="http://schemas.openxmlformats.org/markup-compatibility/2006" xmlns:a14="http://schemas.microsoft.com/office/drawing/2010/main">
-        <mc:Choice Requires="a14">
+      <mc:AlternateContent xmlns:mc="http://schemas.openxmlformats.org/markup-compatibility/2006">
+        <mc:Choice xmlns:a14="http://schemas.microsoft.com/office/drawing/2010/main" Requires="a14">
           <p:graphicFrame>
             <p:nvGraphicFramePr>
               <p:cNvPr id="2" name="표 2">
@@ -28825,7 +29406,7 @@
               <p:nvPr>
                 <p:extLst>
                   <p:ext uri="{D42A27DB-BD31-4B8C-83A1-F6EECF244321}">
-                    <p14:modId xmlns:p14="http://schemas.microsoft.com/office/powerpoint/2010/main" val="64958653"/>
+                    <p14:modId xmlns:p14="http://schemas.microsoft.com/office/powerpoint/2010/main" val="115616168"/>
                   </p:ext>
                 </p:extLst>
               </p:nvPr>
@@ -29069,7 +29650,7 @@
                                 <a:schemeClr val="tx1"/>
                               </a:solidFill>
                             </a:rPr>
-                            <a:t>: Rotate - direction in Z axis</a:t>
+                            <a:t>:      Rotate - direction in Z axis</a:t>
                           </a:r>
                           <a:br>
                             <a:rPr lang="en-US" altLang="ko-KR" dirty="0">
@@ -29100,7 +29681,7 @@
                                 <a:schemeClr val="tx1"/>
                               </a:solidFill>
                             </a:rPr>
-                            <a:t>: Rotate + direction in Z axis</a:t>
+                            <a:t>:   Rotate + direction in Z axis</a:t>
                           </a:r>
                         </a:p>
                         <a:p>
@@ -29710,7 +30291,27 @@
                                   <a:latin typeface="Cambria Math" panose="02040503050406030204" pitchFamily="18" charset="0"/>
                                   <a:ea typeface="Cambria Math" panose="02040503050406030204" pitchFamily="18" charset="0"/>
                                 </a:rPr>
-                                <m:t>∅&lt;2</m:t>
+                                <m:t>∅&lt;</m:t>
+                              </m:r>
+                              <m:r>
+                                <a:rPr lang="en-US" altLang="ko-KR" b="0" i="1" smtClean="0">
+                                  <a:solidFill>
+                                    <a:schemeClr val="tx1"/>
+                                  </a:solidFill>
+                                  <a:latin typeface="Cambria Math" panose="02040503050406030204" pitchFamily="18" charset="0"/>
+                                  <a:ea typeface="Cambria Math" panose="02040503050406030204" pitchFamily="18" charset="0"/>
+                                </a:rPr>
+                                <m:t>1/</m:t>
+                              </m:r>
+                              <m:r>
+                                <a:rPr lang="en-US" altLang="ko-KR" b="0" i="1" smtClean="0">
+                                  <a:solidFill>
+                                    <a:schemeClr val="tx1"/>
+                                  </a:solidFill>
+                                  <a:latin typeface="Cambria Math" panose="02040503050406030204" pitchFamily="18" charset="0"/>
+                                  <a:ea typeface="Cambria Math" panose="02040503050406030204" pitchFamily="18" charset="0"/>
+                                </a:rPr>
+                                <m:t>2</m:t>
                               </m:r>
                               <m:r>
                                 <a:rPr lang="ko-KR" altLang="en-US" b="0" i="1" smtClean="0">
@@ -29787,7 +30388,7 @@
             </a:graphic>
           </p:graphicFrame>
         </mc:Choice>
-        <mc:Fallback xmlns="">
+        <mc:Fallback>
           <p:graphicFrame>
             <p:nvGraphicFramePr>
               <p:cNvPr id="2" name="표 2">
@@ -29803,7 +30404,7 @@
               <p:nvPr>
                 <p:extLst>
                   <p:ext uri="{D42A27DB-BD31-4B8C-83A1-F6EECF244321}">
-                    <p14:modId xmlns:p14="http://schemas.microsoft.com/office/powerpoint/2010/main" val="64958653"/>
+                    <p14:modId xmlns:p14="http://schemas.microsoft.com/office/powerpoint/2010/main" val="115616168"/>
                   </p:ext>
                 </p:extLst>
               </p:nvPr>
@@ -30047,7 +30648,7 @@
                                 <a:schemeClr val="tx1"/>
                               </a:solidFill>
                             </a:rPr>
-                            <a:t>: Rotate - direction in Z axis</a:t>
+                            <a:t>:      Rotate - direction in Z axis</a:t>
                           </a:r>
                           <a:br>
                             <a:rPr lang="en-US" altLang="ko-KR" dirty="0">
@@ -30078,7 +30679,7 @@
                                 <a:schemeClr val="tx1"/>
                               </a:solidFill>
                             </a:rPr>
-                            <a:t>: Rotate + direction in Z axis</a:t>
+                            <a:t>:   Rotate + direction in Z axis</a:t>
                           </a:r>
                         </a:p>
                         <a:p>
@@ -30665,21 +31266,16 @@
                     <a:schemeClr val="tx1"/>
                   </a:solidFill>
                 </a:rPr>
-                <a:t> 많기에 크게 어색하지 않을 것</a:t>
-              </a:r>
-              <a:r>
-                <a:rPr lang="en-US" altLang="ko-KR">
+                <a:t> 많기에 크게 어색하지 않음</a:t>
+              </a:r>
+              <a:r>
+                <a:rPr lang="en-US" altLang="ko-KR" dirty="0">
                   <a:solidFill>
                     <a:schemeClr val="tx1"/>
                   </a:solidFill>
                 </a:rPr>
                 <a:t>.</a:t>
               </a:r>
-              <a:endParaRPr lang="en-US" altLang="ko-KR" dirty="0">
-                <a:solidFill>
-                  <a:schemeClr val="tx1"/>
-                </a:solidFill>
-              </a:endParaRPr>
             </a:p>
           </p:txBody>
         </p:sp>
@@ -30737,7 +31333,7 @@
         </p:nvGrpSpPr>
         <p:grpSpPr>
           <a:xfrm>
-            <a:off x="4912658" y="231824"/>
+            <a:off x="4912658" y="250544"/>
             <a:ext cx="2366681" cy="437505"/>
             <a:chOff x="5383926" y="2247900"/>
             <a:chExt cx="4021131" cy="437505"/>
@@ -30853,7 +31449,7 @@
 </p:sld>
 </file>
 
-<file path=ppt/slides/slide28.xml><?xml version="1.0" encoding="utf-8"?>
+<file path=ppt/slides/slide29.xml><?xml version="1.0" encoding="utf-8"?>
 <p:sld xmlns:a="http://schemas.openxmlformats.org/drawingml/2006/main" xmlns:r="http://schemas.openxmlformats.org/officeDocument/2006/relationships" xmlns:p="http://schemas.openxmlformats.org/presentationml/2006/main">
   <p:cSld>
     <p:spTree>
@@ -30920,7 +31516,4511 @@
 </p:sld>
 </file>
 
-<file path=ppt/slides/slide29.xml><?xml version="1.0" encoding="utf-8"?>
+<file path=ppt/slides/slide3.xml><?xml version="1.0" encoding="utf-8"?>
+<p:sld xmlns:a="http://schemas.openxmlformats.org/drawingml/2006/main" xmlns:r="http://schemas.openxmlformats.org/officeDocument/2006/relationships" xmlns:p="http://schemas.openxmlformats.org/presentationml/2006/main">
+  <p:cSld>
+    <p:spTree>
+      <p:nvGrpSpPr>
+        <p:cNvPr id="1" name=""/>
+        <p:cNvGrpSpPr/>
+        <p:nvPr/>
+      </p:nvGrpSpPr>
+      <p:grpSpPr>
+        <a:xfrm>
+          <a:off x="0" y="0"/>
+          <a:ext cx="0" cy="0"/>
+          <a:chOff x="0" y="0"/>
+          <a:chExt cx="0" cy="0"/>
+        </a:xfrm>
+      </p:grpSpPr>
+      <mc:AlternateContent xmlns:mc="http://schemas.openxmlformats.org/markup-compatibility/2006">
+        <mc:Choice xmlns:a14="http://schemas.microsoft.com/office/drawing/2010/main" Requires="a14">
+          <p:graphicFrame>
+            <p:nvGraphicFramePr>
+              <p:cNvPr id="2" name="표 2">
+                <a:extLst>
+                  <a:ext uri="{FF2B5EF4-FFF2-40B4-BE49-F238E27FC236}">
+                    <a16:creationId xmlns:a16="http://schemas.microsoft.com/office/drawing/2014/main" id="{B470BD46-689C-4CCF-A48B-F0D7FBD50120}"/>
+                  </a:ext>
+                </a:extLst>
+              </p:cNvPr>
+              <p:cNvGraphicFramePr>
+                <a:graphicFrameLocks noGrp="1"/>
+              </p:cNvGraphicFramePr>
+              <p:nvPr>
+                <p:extLst>
+                  <p:ext uri="{D42A27DB-BD31-4B8C-83A1-F6EECF244321}">
+                    <p14:modId xmlns:p14="http://schemas.microsoft.com/office/powerpoint/2010/main" val="393188121"/>
+                  </p:ext>
+                </p:extLst>
+              </p:nvPr>
+            </p:nvGraphicFramePr>
+            <p:xfrm>
+              <a:off x="955963" y="861830"/>
+              <a:ext cx="10280073" cy="5669015"/>
+            </p:xfrm>
+            <a:graphic>
+              <a:graphicData uri="http://schemas.openxmlformats.org/drawingml/2006/table">
+                <a:tbl>
+                  <a:tblPr firstRow="1" bandRow="1">
+                    <a:tableStyleId>{5C22544A-7EE6-4342-B048-85BDC9FD1C3A}</a:tableStyleId>
+                  </a:tblPr>
+                  <a:tblGrid>
+                    <a:gridCol w="1524001">
+                      <a:extLst>
+                        <a:ext uri="{9D8B030D-6E8A-4147-A177-3AD203B41FA5}">
+                          <a16:colId xmlns:a16="http://schemas.microsoft.com/office/drawing/2014/main" val="2907356572"/>
+                        </a:ext>
+                      </a:extLst>
+                    </a:gridCol>
+                    <a:gridCol w="5329381">
+                      <a:extLst>
+                        <a:ext uri="{9D8B030D-6E8A-4147-A177-3AD203B41FA5}">
+                          <a16:colId xmlns:a16="http://schemas.microsoft.com/office/drawing/2014/main" val="337169166"/>
+                        </a:ext>
+                      </a:extLst>
+                    </a:gridCol>
+                    <a:gridCol w="3426691">
+                      <a:extLst>
+                        <a:ext uri="{9D8B030D-6E8A-4147-A177-3AD203B41FA5}">
+                          <a16:colId xmlns:a16="http://schemas.microsoft.com/office/drawing/2014/main" val="56736019"/>
+                        </a:ext>
+                      </a:extLst>
+                    </a:gridCol>
+                  </a:tblGrid>
+                  <a:tr h="412292">
+                    <a:tc>
+                      <a:txBody>
+                        <a:bodyPr/>
+                        <a:lstStyle/>
+                        <a:p>
+                          <a:pPr latinLnBrk="1"/>
+                          <a:r>
+                            <a:rPr lang="ko-KR" altLang="en-US" dirty="0">
+                              <a:solidFill>
+                                <a:schemeClr val="tx1"/>
+                              </a:solidFill>
+                            </a:rPr>
+                            <a:t>작성일자</a:t>
+                          </a:r>
+                        </a:p>
+                      </a:txBody>
+                      <a:tcPr>
+                        <a:lnL w="12700" cap="flat" cmpd="sng" algn="ctr">
+                          <a:solidFill>
+                            <a:schemeClr val="tx1"/>
+                          </a:solidFill>
+                          <a:prstDash val="solid"/>
+                          <a:round/>
+                          <a:headEnd type="none" w="med" len="med"/>
+                          <a:tailEnd type="none" w="med" len="med"/>
+                        </a:lnL>
+                        <a:lnR w="12700" cap="flat" cmpd="sng" algn="ctr">
+                          <a:solidFill>
+                            <a:schemeClr val="tx1"/>
+                          </a:solidFill>
+                          <a:prstDash val="solid"/>
+                          <a:round/>
+                          <a:headEnd type="none" w="med" len="med"/>
+                          <a:tailEnd type="none" w="med" len="med"/>
+                        </a:lnR>
+                        <a:lnT w="12700" cap="flat" cmpd="sng" algn="ctr">
+                          <a:solidFill>
+                            <a:schemeClr val="tx1"/>
+                          </a:solidFill>
+                          <a:prstDash val="solid"/>
+                          <a:round/>
+                          <a:headEnd type="none" w="med" len="med"/>
+                          <a:tailEnd type="none" w="med" len="med"/>
+                        </a:lnT>
+                        <a:lnB w="12700" cap="flat" cmpd="sng" algn="ctr">
+                          <a:solidFill>
+                            <a:schemeClr val="tx1"/>
+                          </a:solidFill>
+                          <a:prstDash val="solid"/>
+                          <a:round/>
+                          <a:headEnd type="none" w="med" len="med"/>
+                          <a:tailEnd type="none" w="med" len="med"/>
+                        </a:lnB>
+                        <a:solidFill>
+                          <a:schemeClr val="bg1">
+                            <a:lumMod val="85000"/>
+                          </a:schemeClr>
+                        </a:solidFill>
+                      </a:tcPr>
+                    </a:tc>
+                    <a:tc>
+                      <a:txBody>
+                        <a:bodyPr/>
+                        <a:lstStyle/>
+                        <a:p>
+                          <a:pPr latinLnBrk="1"/>
+                          <a:r>
+                            <a:rPr lang="ko-KR" altLang="en-US" dirty="0">
+                              <a:solidFill>
+                                <a:schemeClr val="tx1"/>
+                              </a:solidFill>
+                            </a:rPr>
+                            <a:t>작성내용</a:t>
+                          </a:r>
+                        </a:p>
+                      </a:txBody>
+                      <a:tcPr>
+                        <a:lnL w="12700" cap="flat" cmpd="sng" algn="ctr">
+                          <a:solidFill>
+                            <a:schemeClr val="tx1"/>
+                          </a:solidFill>
+                          <a:prstDash val="solid"/>
+                          <a:round/>
+                          <a:headEnd type="none" w="med" len="med"/>
+                          <a:tailEnd type="none" w="med" len="med"/>
+                        </a:lnL>
+                        <a:lnR w="12700" cap="flat" cmpd="sng" algn="ctr">
+                          <a:solidFill>
+                            <a:schemeClr val="tx1"/>
+                          </a:solidFill>
+                          <a:prstDash val="solid"/>
+                          <a:round/>
+                          <a:headEnd type="none" w="med" len="med"/>
+                          <a:tailEnd type="none" w="med" len="med"/>
+                        </a:lnR>
+                        <a:lnT w="12700" cap="flat" cmpd="sng" algn="ctr">
+                          <a:solidFill>
+                            <a:schemeClr val="tx1"/>
+                          </a:solidFill>
+                          <a:prstDash val="solid"/>
+                          <a:round/>
+                          <a:headEnd type="none" w="med" len="med"/>
+                          <a:tailEnd type="none" w="med" len="med"/>
+                        </a:lnT>
+                        <a:lnB w="12700" cap="flat" cmpd="sng" algn="ctr">
+                          <a:solidFill>
+                            <a:schemeClr val="tx1"/>
+                          </a:solidFill>
+                          <a:prstDash val="solid"/>
+                          <a:round/>
+                          <a:headEnd type="none" w="med" len="med"/>
+                          <a:tailEnd type="none" w="med" len="med"/>
+                        </a:lnB>
+                        <a:solidFill>
+                          <a:schemeClr val="bg1">
+                            <a:lumMod val="85000"/>
+                          </a:schemeClr>
+                        </a:solidFill>
+                      </a:tcPr>
+                    </a:tc>
+                    <a:tc>
+                      <a:txBody>
+                        <a:bodyPr/>
+                        <a:lstStyle/>
+                        <a:p>
+                          <a:pPr latinLnBrk="1"/>
+                          <a:r>
+                            <a:rPr lang="ko-KR" altLang="en-US" dirty="0">
+                              <a:solidFill>
+                                <a:schemeClr val="tx1"/>
+                              </a:solidFill>
+                            </a:rPr>
+                            <a:t>비고</a:t>
+                          </a:r>
+                        </a:p>
+                      </a:txBody>
+                      <a:tcPr>
+                        <a:lnL w="12700" cap="flat" cmpd="sng" algn="ctr">
+                          <a:solidFill>
+                            <a:schemeClr val="tx1"/>
+                          </a:solidFill>
+                          <a:prstDash val="solid"/>
+                          <a:round/>
+                          <a:headEnd type="none" w="med" len="med"/>
+                          <a:tailEnd type="none" w="med" len="med"/>
+                        </a:lnL>
+                        <a:lnR w="12700" cap="flat" cmpd="sng" algn="ctr">
+                          <a:solidFill>
+                            <a:schemeClr val="tx1"/>
+                          </a:solidFill>
+                          <a:prstDash val="solid"/>
+                          <a:round/>
+                          <a:headEnd type="none" w="med" len="med"/>
+                          <a:tailEnd type="none" w="med" len="med"/>
+                        </a:lnR>
+                        <a:lnT w="12700" cap="flat" cmpd="sng" algn="ctr">
+                          <a:solidFill>
+                            <a:schemeClr val="tx1"/>
+                          </a:solidFill>
+                          <a:prstDash val="solid"/>
+                          <a:round/>
+                          <a:headEnd type="none" w="med" len="med"/>
+                          <a:tailEnd type="none" w="med" len="med"/>
+                        </a:lnT>
+                        <a:lnB w="12700" cap="flat" cmpd="sng" algn="ctr">
+                          <a:solidFill>
+                            <a:schemeClr val="tx1"/>
+                          </a:solidFill>
+                          <a:prstDash val="solid"/>
+                          <a:round/>
+                          <a:headEnd type="none" w="med" len="med"/>
+                          <a:tailEnd type="none" w="med" len="med"/>
+                        </a:lnB>
+                        <a:solidFill>
+                          <a:schemeClr val="bg1">
+                            <a:lumMod val="85000"/>
+                          </a:schemeClr>
+                        </a:solidFill>
+                      </a:tcPr>
+                    </a:tc>
+                    <a:extLst>
+                      <a:ext uri="{0D108BD9-81ED-4DB2-BD59-A6C34878D82A}">
+                        <a16:rowId xmlns:a16="http://schemas.microsoft.com/office/drawing/2014/main" val="140527839"/>
+                      </a:ext>
+                    </a:extLst>
+                  </a:tr>
+                  <a:tr h="412292">
+                    <a:tc>
+                      <a:txBody>
+                        <a:bodyPr/>
+                        <a:lstStyle/>
+                        <a:p>
+                          <a:pPr latinLnBrk="1"/>
+                          <a:r>
+                            <a:rPr lang="en-US" altLang="ko-KR" dirty="0"/>
+                            <a:t>2020.11.20</a:t>
+                          </a:r>
+                          <a:endParaRPr lang="ko-KR" altLang="en-US" dirty="0"/>
+                        </a:p>
+                      </a:txBody>
+                      <a:tcPr>
+                        <a:lnL w="12700" cap="flat" cmpd="sng" algn="ctr">
+                          <a:solidFill>
+                            <a:schemeClr val="tx1"/>
+                          </a:solidFill>
+                          <a:prstDash val="solid"/>
+                          <a:round/>
+                          <a:headEnd type="none" w="med" len="med"/>
+                          <a:tailEnd type="none" w="med" len="med"/>
+                        </a:lnL>
+                        <a:lnR w="12700" cap="flat" cmpd="sng" algn="ctr">
+                          <a:solidFill>
+                            <a:schemeClr val="tx1"/>
+                          </a:solidFill>
+                          <a:prstDash val="solid"/>
+                          <a:round/>
+                          <a:headEnd type="none" w="med" len="med"/>
+                          <a:tailEnd type="none" w="med" len="med"/>
+                        </a:lnR>
+                        <a:lnT w="12700" cap="flat" cmpd="sng" algn="ctr">
+                          <a:solidFill>
+                            <a:schemeClr val="tx1"/>
+                          </a:solidFill>
+                          <a:prstDash val="solid"/>
+                          <a:round/>
+                          <a:headEnd type="none" w="med" len="med"/>
+                          <a:tailEnd type="none" w="med" len="med"/>
+                        </a:lnT>
+                        <a:lnB w="12700" cap="flat" cmpd="sng" algn="ctr">
+                          <a:solidFill>
+                            <a:schemeClr val="tx1"/>
+                          </a:solidFill>
+                          <a:prstDash val="solid"/>
+                          <a:round/>
+                          <a:headEnd type="none" w="med" len="med"/>
+                          <a:tailEnd type="none" w="med" len="med"/>
+                        </a:lnB>
+                        <a:solidFill>
+                          <a:schemeClr val="bg1"/>
+                        </a:solidFill>
+                      </a:tcPr>
+                    </a:tc>
+                    <a:tc>
+                      <a:txBody>
+                        <a:bodyPr/>
+                        <a:lstStyle/>
+                        <a:p>
+                          <a:pPr latinLnBrk="1"/>
+                          <a:r>
+                            <a:rPr lang="ko-KR" altLang="en-US" dirty="0"/>
+                            <a:t>상점 버튼 이동 </a:t>
+                          </a:r>
+                          <a14:m>
+                            <m:oMath xmlns:m="http://schemas.openxmlformats.org/officeDocument/2006/math">
+                              <m:r>
+                                <a:rPr lang="en-US" altLang="ko-KR" b="0" i="1" smtClean="0">
+                                  <a:solidFill>
+                                    <a:schemeClr val="tx1"/>
+                                  </a:solidFill>
+                                  <a:latin typeface="Cambria Math" panose="02040503050406030204" pitchFamily="18" charset="0"/>
+                                  <a:ea typeface="Cambria Math" panose="02040503050406030204" pitchFamily="18" charset="0"/>
+                                </a:rPr>
+                                <m:t>∅</m:t>
+                              </m:r>
+                            </m:oMath>
+                          </a14:m>
+                          <a:r>
+                            <a:rPr lang="ko-KR" altLang="en-US" dirty="0"/>
+                            <a:t> 범위 수정</a:t>
+                          </a:r>
+                        </a:p>
+                      </a:txBody>
+                      <a:tcPr>
+                        <a:lnL w="12700" cap="flat" cmpd="sng" algn="ctr">
+                          <a:solidFill>
+                            <a:schemeClr val="tx1"/>
+                          </a:solidFill>
+                          <a:prstDash val="solid"/>
+                          <a:round/>
+                          <a:headEnd type="none" w="med" len="med"/>
+                          <a:tailEnd type="none" w="med" len="med"/>
+                        </a:lnL>
+                        <a:lnR w="12700" cap="flat" cmpd="sng" algn="ctr">
+                          <a:solidFill>
+                            <a:schemeClr val="tx1"/>
+                          </a:solidFill>
+                          <a:prstDash val="solid"/>
+                          <a:round/>
+                          <a:headEnd type="none" w="med" len="med"/>
+                          <a:tailEnd type="none" w="med" len="med"/>
+                        </a:lnR>
+                        <a:lnT w="12700" cap="flat" cmpd="sng" algn="ctr">
+                          <a:solidFill>
+                            <a:schemeClr val="tx1"/>
+                          </a:solidFill>
+                          <a:prstDash val="solid"/>
+                          <a:round/>
+                          <a:headEnd type="none" w="med" len="med"/>
+                          <a:tailEnd type="none" w="med" len="med"/>
+                        </a:lnT>
+                        <a:lnB w="12700" cap="flat" cmpd="sng" algn="ctr">
+                          <a:solidFill>
+                            <a:schemeClr val="tx1"/>
+                          </a:solidFill>
+                          <a:prstDash val="solid"/>
+                          <a:round/>
+                          <a:headEnd type="none" w="med" len="med"/>
+                          <a:tailEnd type="none" w="med" len="med"/>
+                        </a:lnB>
+                        <a:solidFill>
+                          <a:schemeClr val="bg1"/>
+                        </a:solidFill>
+                      </a:tcPr>
+                    </a:tc>
+                    <a:tc>
+                      <a:txBody>
+                        <a:bodyPr/>
+                        <a:lstStyle/>
+                        <a:p>
+                          <a:pPr latinLnBrk="1"/>
+                          <a:endParaRPr lang="ko-KR" altLang="en-US"/>
+                        </a:p>
+                      </a:txBody>
+                      <a:tcPr>
+                        <a:lnL w="12700" cap="flat" cmpd="sng" algn="ctr">
+                          <a:solidFill>
+                            <a:schemeClr val="tx1"/>
+                          </a:solidFill>
+                          <a:prstDash val="solid"/>
+                          <a:round/>
+                          <a:headEnd type="none" w="med" len="med"/>
+                          <a:tailEnd type="none" w="med" len="med"/>
+                        </a:lnL>
+                        <a:lnR w="12700" cap="flat" cmpd="sng" algn="ctr">
+                          <a:solidFill>
+                            <a:schemeClr val="tx1"/>
+                          </a:solidFill>
+                          <a:prstDash val="solid"/>
+                          <a:round/>
+                          <a:headEnd type="none" w="med" len="med"/>
+                          <a:tailEnd type="none" w="med" len="med"/>
+                        </a:lnR>
+                        <a:lnT w="12700" cap="flat" cmpd="sng" algn="ctr">
+                          <a:solidFill>
+                            <a:schemeClr val="tx1"/>
+                          </a:solidFill>
+                          <a:prstDash val="solid"/>
+                          <a:round/>
+                          <a:headEnd type="none" w="med" len="med"/>
+                          <a:tailEnd type="none" w="med" len="med"/>
+                        </a:lnT>
+                        <a:lnB w="12700" cap="flat" cmpd="sng" algn="ctr">
+                          <a:solidFill>
+                            <a:schemeClr val="tx1"/>
+                          </a:solidFill>
+                          <a:prstDash val="solid"/>
+                          <a:round/>
+                          <a:headEnd type="none" w="med" len="med"/>
+                          <a:tailEnd type="none" w="med" len="med"/>
+                        </a:lnB>
+                        <a:solidFill>
+                          <a:schemeClr val="bg1"/>
+                        </a:solidFill>
+                      </a:tcPr>
+                    </a:tc>
+                    <a:extLst>
+                      <a:ext uri="{0D108BD9-81ED-4DB2-BD59-A6C34878D82A}">
+                        <a16:rowId xmlns:a16="http://schemas.microsoft.com/office/drawing/2014/main" val="2399627370"/>
+                      </a:ext>
+                    </a:extLst>
+                  </a:tr>
+                  <a:tr h="721511">
+                    <a:tc>
+                      <a:txBody>
+                        <a:bodyPr/>
+                        <a:lstStyle/>
+                        <a:p>
+                          <a:pPr latinLnBrk="1"/>
+                          <a:endParaRPr lang="ko-KR" altLang="en-US" dirty="0"/>
+                        </a:p>
+                      </a:txBody>
+                      <a:tcPr>
+                        <a:lnL w="12700" cap="flat" cmpd="sng" algn="ctr">
+                          <a:solidFill>
+                            <a:schemeClr val="tx1"/>
+                          </a:solidFill>
+                          <a:prstDash val="solid"/>
+                          <a:round/>
+                          <a:headEnd type="none" w="med" len="med"/>
+                          <a:tailEnd type="none" w="med" len="med"/>
+                        </a:lnL>
+                        <a:lnR w="12700" cap="flat" cmpd="sng" algn="ctr">
+                          <a:solidFill>
+                            <a:schemeClr val="tx1"/>
+                          </a:solidFill>
+                          <a:prstDash val="solid"/>
+                          <a:round/>
+                          <a:headEnd type="none" w="med" len="med"/>
+                          <a:tailEnd type="none" w="med" len="med"/>
+                        </a:lnR>
+                        <a:lnT w="12700" cap="flat" cmpd="sng" algn="ctr">
+                          <a:solidFill>
+                            <a:schemeClr val="tx1"/>
+                          </a:solidFill>
+                          <a:prstDash val="solid"/>
+                          <a:round/>
+                          <a:headEnd type="none" w="med" len="med"/>
+                          <a:tailEnd type="none" w="med" len="med"/>
+                        </a:lnT>
+                        <a:lnB w="12700" cap="flat" cmpd="sng" algn="ctr">
+                          <a:solidFill>
+                            <a:schemeClr val="tx1"/>
+                          </a:solidFill>
+                          <a:prstDash val="solid"/>
+                          <a:round/>
+                          <a:headEnd type="none" w="med" len="med"/>
+                          <a:tailEnd type="none" w="med" len="med"/>
+                        </a:lnB>
+                        <a:solidFill>
+                          <a:schemeClr val="bg1"/>
+                        </a:solidFill>
+                      </a:tcPr>
+                    </a:tc>
+                    <a:tc>
+                      <a:txBody>
+                        <a:bodyPr/>
+                        <a:lstStyle/>
+                        <a:p>
+                          <a:pPr latinLnBrk="1"/>
+                          <a:endParaRPr lang="en-US" altLang="ko-KR" dirty="0"/>
+                        </a:p>
+                      </a:txBody>
+                      <a:tcPr>
+                        <a:lnL w="12700" cap="flat" cmpd="sng" algn="ctr">
+                          <a:solidFill>
+                            <a:schemeClr val="tx1"/>
+                          </a:solidFill>
+                          <a:prstDash val="solid"/>
+                          <a:round/>
+                          <a:headEnd type="none" w="med" len="med"/>
+                          <a:tailEnd type="none" w="med" len="med"/>
+                        </a:lnL>
+                        <a:lnR w="12700" cap="flat" cmpd="sng" algn="ctr">
+                          <a:solidFill>
+                            <a:schemeClr val="tx1"/>
+                          </a:solidFill>
+                          <a:prstDash val="solid"/>
+                          <a:round/>
+                          <a:headEnd type="none" w="med" len="med"/>
+                          <a:tailEnd type="none" w="med" len="med"/>
+                        </a:lnR>
+                        <a:lnT w="12700" cap="flat" cmpd="sng" algn="ctr">
+                          <a:solidFill>
+                            <a:schemeClr val="tx1"/>
+                          </a:solidFill>
+                          <a:prstDash val="solid"/>
+                          <a:round/>
+                          <a:headEnd type="none" w="med" len="med"/>
+                          <a:tailEnd type="none" w="med" len="med"/>
+                        </a:lnT>
+                        <a:lnB w="12700" cap="flat" cmpd="sng" algn="ctr">
+                          <a:solidFill>
+                            <a:schemeClr val="tx1"/>
+                          </a:solidFill>
+                          <a:prstDash val="solid"/>
+                          <a:round/>
+                          <a:headEnd type="none" w="med" len="med"/>
+                          <a:tailEnd type="none" w="med" len="med"/>
+                        </a:lnB>
+                        <a:solidFill>
+                          <a:schemeClr val="bg1"/>
+                        </a:solidFill>
+                      </a:tcPr>
+                    </a:tc>
+                    <a:tc>
+                      <a:txBody>
+                        <a:bodyPr/>
+                        <a:lstStyle/>
+                        <a:p>
+                          <a:pPr latinLnBrk="1"/>
+                          <a:endParaRPr lang="ko-KR" altLang="en-US" dirty="0"/>
+                        </a:p>
+                      </a:txBody>
+                      <a:tcPr>
+                        <a:lnL w="12700" cap="flat" cmpd="sng" algn="ctr">
+                          <a:solidFill>
+                            <a:schemeClr val="tx1"/>
+                          </a:solidFill>
+                          <a:prstDash val="solid"/>
+                          <a:round/>
+                          <a:headEnd type="none" w="med" len="med"/>
+                          <a:tailEnd type="none" w="med" len="med"/>
+                        </a:lnL>
+                        <a:lnR w="12700" cap="flat" cmpd="sng" algn="ctr">
+                          <a:solidFill>
+                            <a:schemeClr val="tx1"/>
+                          </a:solidFill>
+                          <a:prstDash val="solid"/>
+                          <a:round/>
+                          <a:headEnd type="none" w="med" len="med"/>
+                          <a:tailEnd type="none" w="med" len="med"/>
+                        </a:lnR>
+                        <a:lnT w="12700" cap="flat" cmpd="sng" algn="ctr">
+                          <a:solidFill>
+                            <a:schemeClr val="tx1"/>
+                          </a:solidFill>
+                          <a:prstDash val="solid"/>
+                          <a:round/>
+                          <a:headEnd type="none" w="med" len="med"/>
+                          <a:tailEnd type="none" w="med" len="med"/>
+                        </a:lnT>
+                        <a:lnB w="12700" cap="flat" cmpd="sng" algn="ctr">
+                          <a:solidFill>
+                            <a:schemeClr val="tx1"/>
+                          </a:solidFill>
+                          <a:prstDash val="solid"/>
+                          <a:round/>
+                          <a:headEnd type="none" w="med" len="med"/>
+                          <a:tailEnd type="none" w="med" len="med"/>
+                        </a:lnB>
+                        <a:solidFill>
+                          <a:schemeClr val="bg1"/>
+                        </a:solidFill>
+                      </a:tcPr>
+                    </a:tc>
+                    <a:extLst>
+                      <a:ext uri="{0D108BD9-81ED-4DB2-BD59-A6C34878D82A}">
+                        <a16:rowId xmlns:a16="http://schemas.microsoft.com/office/drawing/2014/main" val="2669729593"/>
+                      </a:ext>
+                    </a:extLst>
+                  </a:tr>
+                  <a:tr h="412292">
+                    <a:tc>
+                      <a:txBody>
+                        <a:bodyPr/>
+                        <a:lstStyle/>
+                        <a:p>
+                          <a:pPr latinLnBrk="1"/>
+                          <a:endParaRPr lang="ko-KR" altLang="en-US" dirty="0"/>
+                        </a:p>
+                      </a:txBody>
+                      <a:tcPr>
+                        <a:lnL w="12700" cap="flat" cmpd="sng" algn="ctr">
+                          <a:solidFill>
+                            <a:schemeClr val="tx1"/>
+                          </a:solidFill>
+                          <a:prstDash val="solid"/>
+                          <a:round/>
+                          <a:headEnd type="none" w="med" len="med"/>
+                          <a:tailEnd type="none" w="med" len="med"/>
+                        </a:lnL>
+                        <a:lnR w="12700" cap="flat" cmpd="sng" algn="ctr">
+                          <a:solidFill>
+                            <a:schemeClr val="tx1"/>
+                          </a:solidFill>
+                          <a:prstDash val="solid"/>
+                          <a:round/>
+                          <a:headEnd type="none" w="med" len="med"/>
+                          <a:tailEnd type="none" w="med" len="med"/>
+                        </a:lnR>
+                        <a:lnT w="12700" cap="flat" cmpd="sng" algn="ctr">
+                          <a:solidFill>
+                            <a:schemeClr val="tx1"/>
+                          </a:solidFill>
+                          <a:prstDash val="solid"/>
+                          <a:round/>
+                          <a:headEnd type="none" w="med" len="med"/>
+                          <a:tailEnd type="none" w="med" len="med"/>
+                        </a:lnT>
+                        <a:lnB w="12700" cap="flat" cmpd="sng" algn="ctr">
+                          <a:solidFill>
+                            <a:schemeClr val="tx1"/>
+                          </a:solidFill>
+                          <a:prstDash val="solid"/>
+                          <a:round/>
+                          <a:headEnd type="none" w="med" len="med"/>
+                          <a:tailEnd type="none" w="med" len="med"/>
+                        </a:lnB>
+                        <a:solidFill>
+                          <a:schemeClr val="bg1"/>
+                        </a:solidFill>
+                      </a:tcPr>
+                    </a:tc>
+                    <a:tc>
+                      <a:txBody>
+                        <a:bodyPr/>
+                        <a:lstStyle/>
+                        <a:p>
+                          <a:pPr latinLnBrk="1"/>
+                          <a:endParaRPr lang="ko-KR" altLang="en-US" dirty="0"/>
+                        </a:p>
+                      </a:txBody>
+                      <a:tcPr>
+                        <a:lnL w="12700" cap="flat" cmpd="sng" algn="ctr">
+                          <a:solidFill>
+                            <a:schemeClr val="tx1"/>
+                          </a:solidFill>
+                          <a:prstDash val="solid"/>
+                          <a:round/>
+                          <a:headEnd type="none" w="med" len="med"/>
+                          <a:tailEnd type="none" w="med" len="med"/>
+                        </a:lnL>
+                        <a:lnR w="12700" cap="flat" cmpd="sng" algn="ctr">
+                          <a:solidFill>
+                            <a:schemeClr val="tx1"/>
+                          </a:solidFill>
+                          <a:prstDash val="solid"/>
+                          <a:round/>
+                          <a:headEnd type="none" w="med" len="med"/>
+                          <a:tailEnd type="none" w="med" len="med"/>
+                        </a:lnR>
+                        <a:lnT w="12700" cap="flat" cmpd="sng" algn="ctr">
+                          <a:solidFill>
+                            <a:schemeClr val="tx1"/>
+                          </a:solidFill>
+                          <a:prstDash val="solid"/>
+                          <a:round/>
+                          <a:headEnd type="none" w="med" len="med"/>
+                          <a:tailEnd type="none" w="med" len="med"/>
+                        </a:lnT>
+                        <a:lnB w="12700" cap="flat" cmpd="sng" algn="ctr">
+                          <a:solidFill>
+                            <a:schemeClr val="tx1"/>
+                          </a:solidFill>
+                          <a:prstDash val="solid"/>
+                          <a:round/>
+                          <a:headEnd type="none" w="med" len="med"/>
+                          <a:tailEnd type="none" w="med" len="med"/>
+                        </a:lnB>
+                        <a:solidFill>
+                          <a:schemeClr val="bg1"/>
+                        </a:solidFill>
+                      </a:tcPr>
+                    </a:tc>
+                    <a:tc>
+                      <a:txBody>
+                        <a:bodyPr/>
+                        <a:lstStyle/>
+                        <a:p>
+                          <a:pPr latinLnBrk="1"/>
+                          <a:endParaRPr lang="ko-KR" altLang="en-US" dirty="0"/>
+                        </a:p>
+                      </a:txBody>
+                      <a:tcPr>
+                        <a:lnL w="12700" cap="flat" cmpd="sng" algn="ctr">
+                          <a:solidFill>
+                            <a:schemeClr val="tx1"/>
+                          </a:solidFill>
+                          <a:prstDash val="solid"/>
+                          <a:round/>
+                          <a:headEnd type="none" w="med" len="med"/>
+                          <a:tailEnd type="none" w="med" len="med"/>
+                        </a:lnL>
+                        <a:lnR w="12700" cap="flat" cmpd="sng" algn="ctr">
+                          <a:solidFill>
+                            <a:schemeClr val="tx1"/>
+                          </a:solidFill>
+                          <a:prstDash val="solid"/>
+                          <a:round/>
+                          <a:headEnd type="none" w="med" len="med"/>
+                          <a:tailEnd type="none" w="med" len="med"/>
+                        </a:lnR>
+                        <a:lnT w="12700" cap="flat" cmpd="sng" algn="ctr">
+                          <a:solidFill>
+                            <a:schemeClr val="tx1"/>
+                          </a:solidFill>
+                          <a:prstDash val="solid"/>
+                          <a:round/>
+                          <a:headEnd type="none" w="med" len="med"/>
+                          <a:tailEnd type="none" w="med" len="med"/>
+                        </a:lnT>
+                        <a:lnB w="12700" cap="flat" cmpd="sng" algn="ctr">
+                          <a:solidFill>
+                            <a:schemeClr val="tx1"/>
+                          </a:solidFill>
+                          <a:prstDash val="solid"/>
+                          <a:round/>
+                          <a:headEnd type="none" w="med" len="med"/>
+                          <a:tailEnd type="none" w="med" len="med"/>
+                        </a:lnB>
+                        <a:solidFill>
+                          <a:schemeClr val="bg1"/>
+                        </a:solidFill>
+                      </a:tcPr>
+                    </a:tc>
+                    <a:extLst>
+                      <a:ext uri="{0D108BD9-81ED-4DB2-BD59-A6C34878D82A}">
+                        <a16:rowId xmlns:a16="http://schemas.microsoft.com/office/drawing/2014/main" val="623984251"/>
+                      </a:ext>
+                    </a:extLst>
+                  </a:tr>
+                  <a:tr h="412292">
+                    <a:tc>
+                      <a:txBody>
+                        <a:bodyPr/>
+                        <a:lstStyle/>
+                        <a:p>
+                          <a:pPr latinLnBrk="1"/>
+                          <a:endParaRPr lang="ko-KR" altLang="en-US" dirty="0"/>
+                        </a:p>
+                      </a:txBody>
+                      <a:tcPr>
+                        <a:lnL w="12700" cap="flat" cmpd="sng" algn="ctr">
+                          <a:solidFill>
+                            <a:schemeClr val="tx1"/>
+                          </a:solidFill>
+                          <a:prstDash val="solid"/>
+                          <a:round/>
+                          <a:headEnd type="none" w="med" len="med"/>
+                          <a:tailEnd type="none" w="med" len="med"/>
+                        </a:lnL>
+                        <a:lnR w="12700" cap="flat" cmpd="sng" algn="ctr">
+                          <a:solidFill>
+                            <a:schemeClr val="tx1"/>
+                          </a:solidFill>
+                          <a:prstDash val="solid"/>
+                          <a:round/>
+                          <a:headEnd type="none" w="med" len="med"/>
+                          <a:tailEnd type="none" w="med" len="med"/>
+                        </a:lnR>
+                        <a:lnT w="12700" cap="flat" cmpd="sng" algn="ctr">
+                          <a:solidFill>
+                            <a:schemeClr val="tx1"/>
+                          </a:solidFill>
+                          <a:prstDash val="solid"/>
+                          <a:round/>
+                          <a:headEnd type="none" w="med" len="med"/>
+                          <a:tailEnd type="none" w="med" len="med"/>
+                        </a:lnT>
+                        <a:lnB w="12700" cap="flat" cmpd="sng" algn="ctr">
+                          <a:solidFill>
+                            <a:schemeClr val="tx1"/>
+                          </a:solidFill>
+                          <a:prstDash val="solid"/>
+                          <a:round/>
+                          <a:headEnd type="none" w="med" len="med"/>
+                          <a:tailEnd type="none" w="med" len="med"/>
+                        </a:lnB>
+                        <a:solidFill>
+                          <a:schemeClr val="bg1"/>
+                        </a:solidFill>
+                      </a:tcPr>
+                    </a:tc>
+                    <a:tc>
+                      <a:txBody>
+                        <a:bodyPr/>
+                        <a:lstStyle/>
+                        <a:p>
+                          <a:pPr latinLnBrk="1"/>
+                          <a:endParaRPr lang="ko-KR" altLang="en-US" dirty="0"/>
+                        </a:p>
+                      </a:txBody>
+                      <a:tcPr>
+                        <a:lnL w="12700" cap="flat" cmpd="sng" algn="ctr">
+                          <a:solidFill>
+                            <a:schemeClr val="tx1"/>
+                          </a:solidFill>
+                          <a:prstDash val="solid"/>
+                          <a:round/>
+                          <a:headEnd type="none" w="med" len="med"/>
+                          <a:tailEnd type="none" w="med" len="med"/>
+                        </a:lnL>
+                        <a:lnR w="12700" cap="flat" cmpd="sng" algn="ctr">
+                          <a:solidFill>
+                            <a:schemeClr val="tx1"/>
+                          </a:solidFill>
+                          <a:prstDash val="solid"/>
+                          <a:round/>
+                          <a:headEnd type="none" w="med" len="med"/>
+                          <a:tailEnd type="none" w="med" len="med"/>
+                        </a:lnR>
+                        <a:lnT w="12700" cap="flat" cmpd="sng" algn="ctr">
+                          <a:solidFill>
+                            <a:schemeClr val="tx1"/>
+                          </a:solidFill>
+                          <a:prstDash val="solid"/>
+                          <a:round/>
+                          <a:headEnd type="none" w="med" len="med"/>
+                          <a:tailEnd type="none" w="med" len="med"/>
+                        </a:lnT>
+                        <a:lnB w="12700" cap="flat" cmpd="sng" algn="ctr">
+                          <a:solidFill>
+                            <a:schemeClr val="tx1"/>
+                          </a:solidFill>
+                          <a:prstDash val="solid"/>
+                          <a:round/>
+                          <a:headEnd type="none" w="med" len="med"/>
+                          <a:tailEnd type="none" w="med" len="med"/>
+                        </a:lnB>
+                        <a:solidFill>
+                          <a:schemeClr val="bg1"/>
+                        </a:solidFill>
+                      </a:tcPr>
+                    </a:tc>
+                    <a:tc>
+                      <a:txBody>
+                        <a:bodyPr/>
+                        <a:lstStyle/>
+                        <a:p>
+                          <a:pPr latinLnBrk="1"/>
+                          <a:endParaRPr lang="ko-KR" altLang="en-US" dirty="0"/>
+                        </a:p>
+                      </a:txBody>
+                      <a:tcPr>
+                        <a:lnL w="12700" cap="flat" cmpd="sng" algn="ctr">
+                          <a:solidFill>
+                            <a:schemeClr val="tx1"/>
+                          </a:solidFill>
+                          <a:prstDash val="solid"/>
+                          <a:round/>
+                          <a:headEnd type="none" w="med" len="med"/>
+                          <a:tailEnd type="none" w="med" len="med"/>
+                        </a:lnL>
+                        <a:lnR w="12700" cap="flat" cmpd="sng" algn="ctr">
+                          <a:solidFill>
+                            <a:schemeClr val="tx1"/>
+                          </a:solidFill>
+                          <a:prstDash val="solid"/>
+                          <a:round/>
+                          <a:headEnd type="none" w="med" len="med"/>
+                          <a:tailEnd type="none" w="med" len="med"/>
+                        </a:lnR>
+                        <a:lnT w="12700" cap="flat" cmpd="sng" algn="ctr">
+                          <a:solidFill>
+                            <a:schemeClr val="tx1"/>
+                          </a:solidFill>
+                          <a:prstDash val="solid"/>
+                          <a:round/>
+                          <a:headEnd type="none" w="med" len="med"/>
+                          <a:tailEnd type="none" w="med" len="med"/>
+                        </a:lnT>
+                        <a:lnB w="12700" cap="flat" cmpd="sng" algn="ctr">
+                          <a:solidFill>
+                            <a:schemeClr val="tx1"/>
+                          </a:solidFill>
+                          <a:prstDash val="solid"/>
+                          <a:round/>
+                          <a:headEnd type="none" w="med" len="med"/>
+                          <a:tailEnd type="none" w="med" len="med"/>
+                        </a:lnB>
+                        <a:solidFill>
+                          <a:schemeClr val="bg1"/>
+                        </a:solidFill>
+                      </a:tcPr>
+                    </a:tc>
+                    <a:extLst>
+                      <a:ext uri="{0D108BD9-81ED-4DB2-BD59-A6C34878D82A}">
+                        <a16:rowId xmlns:a16="http://schemas.microsoft.com/office/drawing/2014/main" val="1632979252"/>
+                      </a:ext>
+                    </a:extLst>
+                  </a:tr>
+                  <a:tr h="412292">
+                    <a:tc>
+                      <a:txBody>
+                        <a:bodyPr/>
+                        <a:lstStyle/>
+                        <a:p>
+                          <a:pPr latinLnBrk="1"/>
+                          <a:endParaRPr lang="ko-KR" altLang="en-US" dirty="0"/>
+                        </a:p>
+                      </a:txBody>
+                      <a:tcPr>
+                        <a:lnL w="12700" cap="flat" cmpd="sng" algn="ctr">
+                          <a:solidFill>
+                            <a:schemeClr val="tx1"/>
+                          </a:solidFill>
+                          <a:prstDash val="solid"/>
+                          <a:round/>
+                          <a:headEnd type="none" w="med" len="med"/>
+                          <a:tailEnd type="none" w="med" len="med"/>
+                        </a:lnL>
+                        <a:lnR w="12700" cap="flat" cmpd="sng" algn="ctr">
+                          <a:solidFill>
+                            <a:schemeClr val="tx1"/>
+                          </a:solidFill>
+                          <a:prstDash val="solid"/>
+                          <a:round/>
+                          <a:headEnd type="none" w="med" len="med"/>
+                          <a:tailEnd type="none" w="med" len="med"/>
+                        </a:lnR>
+                        <a:lnT w="12700" cap="flat" cmpd="sng" algn="ctr">
+                          <a:solidFill>
+                            <a:schemeClr val="tx1"/>
+                          </a:solidFill>
+                          <a:prstDash val="solid"/>
+                          <a:round/>
+                          <a:headEnd type="none" w="med" len="med"/>
+                          <a:tailEnd type="none" w="med" len="med"/>
+                        </a:lnT>
+                        <a:lnB w="12700" cap="flat" cmpd="sng" algn="ctr">
+                          <a:solidFill>
+                            <a:schemeClr val="tx1"/>
+                          </a:solidFill>
+                          <a:prstDash val="solid"/>
+                          <a:round/>
+                          <a:headEnd type="none" w="med" len="med"/>
+                          <a:tailEnd type="none" w="med" len="med"/>
+                        </a:lnB>
+                        <a:solidFill>
+                          <a:schemeClr val="bg1"/>
+                        </a:solidFill>
+                      </a:tcPr>
+                    </a:tc>
+                    <a:tc>
+                      <a:txBody>
+                        <a:bodyPr/>
+                        <a:lstStyle/>
+                        <a:p>
+                          <a:pPr latinLnBrk="1"/>
+                          <a:endParaRPr lang="ko-KR" altLang="en-US" dirty="0"/>
+                        </a:p>
+                      </a:txBody>
+                      <a:tcPr>
+                        <a:lnL w="12700" cap="flat" cmpd="sng" algn="ctr">
+                          <a:solidFill>
+                            <a:schemeClr val="tx1"/>
+                          </a:solidFill>
+                          <a:prstDash val="solid"/>
+                          <a:round/>
+                          <a:headEnd type="none" w="med" len="med"/>
+                          <a:tailEnd type="none" w="med" len="med"/>
+                        </a:lnL>
+                        <a:lnR w="12700" cap="flat" cmpd="sng" algn="ctr">
+                          <a:solidFill>
+                            <a:schemeClr val="tx1"/>
+                          </a:solidFill>
+                          <a:prstDash val="solid"/>
+                          <a:round/>
+                          <a:headEnd type="none" w="med" len="med"/>
+                          <a:tailEnd type="none" w="med" len="med"/>
+                        </a:lnR>
+                        <a:lnT w="12700" cap="flat" cmpd="sng" algn="ctr">
+                          <a:solidFill>
+                            <a:schemeClr val="tx1"/>
+                          </a:solidFill>
+                          <a:prstDash val="solid"/>
+                          <a:round/>
+                          <a:headEnd type="none" w="med" len="med"/>
+                          <a:tailEnd type="none" w="med" len="med"/>
+                        </a:lnT>
+                        <a:lnB w="12700" cap="flat" cmpd="sng" algn="ctr">
+                          <a:solidFill>
+                            <a:schemeClr val="tx1"/>
+                          </a:solidFill>
+                          <a:prstDash val="solid"/>
+                          <a:round/>
+                          <a:headEnd type="none" w="med" len="med"/>
+                          <a:tailEnd type="none" w="med" len="med"/>
+                        </a:lnB>
+                        <a:solidFill>
+                          <a:schemeClr val="bg1"/>
+                        </a:solidFill>
+                      </a:tcPr>
+                    </a:tc>
+                    <a:tc>
+                      <a:txBody>
+                        <a:bodyPr/>
+                        <a:lstStyle/>
+                        <a:p>
+                          <a:pPr latinLnBrk="1"/>
+                          <a:endParaRPr lang="ko-KR" altLang="en-US" dirty="0"/>
+                        </a:p>
+                      </a:txBody>
+                      <a:tcPr>
+                        <a:lnL w="12700" cap="flat" cmpd="sng" algn="ctr">
+                          <a:solidFill>
+                            <a:schemeClr val="tx1"/>
+                          </a:solidFill>
+                          <a:prstDash val="solid"/>
+                          <a:round/>
+                          <a:headEnd type="none" w="med" len="med"/>
+                          <a:tailEnd type="none" w="med" len="med"/>
+                        </a:lnL>
+                        <a:lnR w="12700" cap="flat" cmpd="sng" algn="ctr">
+                          <a:solidFill>
+                            <a:schemeClr val="tx1"/>
+                          </a:solidFill>
+                          <a:prstDash val="solid"/>
+                          <a:round/>
+                          <a:headEnd type="none" w="med" len="med"/>
+                          <a:tailEnd type="none" w="med" len="med"/>
+                        </a:lnR>
+                        <a:lnT w="12700" cap="flat" cmpd="sng" algn="ctr">
+                          <a:solidFill>
+                            <a:schemeClr val="tx1"/>
+                          </a:solidFill>
+                          <a:prstDash val="solid"/>
+                          <a:round/>
+                          <a:headEnd type="none" w="med" len="med"/>
+                          <a:tailEnd type="none" w="med" len="med"/>
+                        </a:lnT>
+                        <a:lnB w="12700" cap="flat" cmpd="sng" algn="ctr">
+                          <a:solidFill>
+                            <a:schemeClr val="tx1"/>
+                          </a:solidFill>
+                          <a:prstDash val="solid"/>
+                          <a:round/>
+                          <a:headEnd type="none" w="med" len="med"/>
+                          <a:tailEnd type="none" w="med" len="med"/>
+                        </a:lnB>
+                        <a:solidFill>
+                          <a:schemeClr val="bg1"/>
+                        </a:solidFill>
+                      </a:tcPr>
+                    </a:tc>
+                    <a:extLst>
+                      <a:ext uri="{0D108BD9-81ED-4DB2-BD59-A6C34878D82A}">
+                        <a16:rowId xmlns:a16="http://schemas.microsoft.com/office/drawing/2014/main" val="2528105153"/>
+                      </a:ext>
+                    </a:extLst>
+                  </a:tr>
+                  <a:tr h="412292">
+                    <a:tc>
+                      <a:txBody>
+                        <a:bodyPr/>
+                        <a:lstStyle/>
+                        <a:p>
+                          <a:pPr latinLnBrk="1"/>
+                          <a:endParaRPr lang="ko-KR" altLang="en-US" dirty="0"/>
+                        </a:p>
+                      </a:txBody>
+                      <a:tcPr>
+                        <a:lnL w="12700" cap="flat" cmpd="sng" algn="ctr">
+                          <a:solidFill>
+                            <a:schemeClr val="tx1"/>
+                          </a:solidFill>
+                          <a:prstDash val="solid"/>
+                          <a:round/>
+                          <a:headEnd type="none" w="med" len="med"/>
+                          <a:tailEnd type="none" w="med" len="med"/>
+                        </a:lnL>
+                        <a:lnR w="12700" cap="flat" cmpd="sng" algn="ctr">
+                          <a:solidFill>
+                            <a:schemeClr val="tx1"/>
+                          </a:solidFill>
+                          <a:prstDash val="solid"/>
+                          <a:round/>
+                          <a:headEnd type="none" w="med" len="med"/>
+                          <a:tailEnd type="none" w="med" len="med"/>
+                        </a:lnR>
+                        <a:lnT w="12700" cap="flat" cmpd="sng" algn="ctr">
+                          <a:solidFill>
+                            <a:schemeClr val="tx1"/>
+                          </a:solidFill>
+                          <a:prstDash val="solid"/>
+                          <a:round/>
+                          <a:headEnd type="none" w="med" len="med"/>
+                          <a:tailEnd type="none" w="med" len="med"/>
+                        </a:lnT>
+                        <a:lnB w="12700" cap="flat" cmpd="sng" algn="ctr">
+                          <a:solidFill>
+                            <a:schemeClr val="tx1"/>
+                          </a:solidFill>
+                          <a:prstDash val="solid"/>
+                          <a:round/>
+                          <a:headEnd type="none" w="med" len="med"/>
+                          <a:tailEnd type="none" w="med" len="med"/>
+                        </a:lnB>
+                        <a:solidFill>
+                          <a:schemeClr val="bg1"/>
+                        </a:solidFill>
+                      </a:tcPr>
+                    </a:tc>
+                    <a:tc>
+                      <a:txBody>
+                        <a:bodyPr/>
+                        <a:lstStyle/>
+                        <a:p>
+                          <a:pPr latinLnBrk="1"/>
+                          <a:endParaRPr lang="ko-KR" altLang="en-US" dirty="0"/>
+                        </a:p>
+                      </a:txBody>
+                      <a:tcPr>
+                        <a:lnL w="12700" cap="flat" cmpd="sng" algn="ctr">
+                          <a:solidFill>
+                            <a:schemeClr val="tx1"/>
+                          </a:solidFill>
+                          <a:prstDash val="solid"/>
+                          <a:round/>
+                          <a:headEnd type="none" w="med" len="med"/>
+                          <a:tailEnd type="none" w="med" len="med"/>
+                        </a:lnL>
+                        <a:lnR w="12700" cap="flat" cmpd="sng" algn="ctr">
+                          <a:solidFill>
+                            <a:schemeClr val="tx1"/>
+                          </a:solidFill>
+                          <a:prstDash val="solid"/>
+                          <a:round/>
+                          <a:headEnd type="none" w="med" len="med"/>
+                          <a:tailEnd type="none" w="med" len="med"/>
+                        </a:lnR>
+                        <a:lnT w="12700" cap="flat" cmpd="sng" algn="ctr">
+                          <a:solidFill>
+                            <a:schemeClr val="tx1"/>
+                          </a:solidFill>
+                          <a:prstDash val="solid"/>
+                          <a:round/>
+                          <a:headEnd type="none" w="med" len="med"/>
+                          <a:tailEnd type="none" w="med" len="med"/>
+                        </a:lnT>
+                        <a:lnB w="12700" cap="flat" cmpd="sng" algn="ctr">
+                          <a:solidFill>
+                            <a:schemeClr val="tx1"/>
+                          </a:solidFill>
+                          <a:prstDash val="solid"/>
+                          <a:round/>
+                          <a:headEnd type="none" w="med" len="med"/>
+                          <a:tailEnd type="none" w="med" len="med"/>
+                        </a:lnB>
+                        <a:solidFill>
+                          <a:schemeClr val="bg1"/>
+                        </a:solidFill>
+                      </a:tcPr>
+                    </a:tc>
+                    <a:tc>
+                      <a:txBody>
+                        <a:bodyPr/>
+                        <a:lstStyle/>
+                        <a:p>
+                          <a:pPr latinLnBrk="1"/>
+                          <a:endParaRPr lang="ko-KR" altLang="en-US" dirty="0"/>
+                        </a:p>
+                      </a:txBody>
+                      <a:tcPr>
+                        <a:lnL w="12700" cap="flat" cmpd="sng" algn="ctr">
+                          <a:solidFill>
+                            <a:schemeClr val="tx1"/>
+                          </a:solidFill>
+                          <a:prstDash val="solid"/>
+                          <a:round/>
+                          <a:headEnd type="none" w="med" len="med"/>
+                          <a:tailEnd type="none" w="med" len="med"/>
+                        </a:lnL>
+                        <a:lnR w="12700" cap="flat" cmpd="sng" algn="ctr">
+                          <a:solidFill>
+                            <a:schemeClr val="tx1"/>
+                          </a:solidFill>
+                          <a:prstDash val="solid"/>
+                          <a:round/>
+                          <a:headEnd type="none" w="med" len="med"/>
+                          <a:tailEnd type="none" w="med" len="med"/>
+                        </a:lnR>
+                        <a:lnT w="12700" cap="flat" cmpd="sng" algn="ctr">
+                          <a:solidFill>
+                            <a:schemeClr val="tx1"/>
+                          </a:solidFill>
+                          <a:prstDash val="solid"/>
+                          <a:round/>
+                          <a:headEnd type="none" w="med" len="med"/>
+                          <a:tailEnd type="none" w="med" len="med"/>
+                        </a:lnT>
+                        <a:lnB w="12700" cap="flat" cmpd="sng" algn="ctr">
+                          <a:solidFill>
+                            <a:schemeClr val="tx1"/>
+                          </a:solidFill>
+                          <a:prstDash val="solid"/>
+                          <a:round/>
+                          <a:headEnd type="none" w="med" len="med"/>
+                          <a:tailEnd type="none" w="med" len="med"/>
+                        </a:lnB>
+                        <a:solidFill>
+                          <a:schemeClr val="bg1"/>
+                        </a:solidFill>
+                      </a:tcPr>
+                    </a:tc>
+                    <a:extLst>
+                      <a:ext uri="{0D108BD9-81ED-4DB2-BD59-A6C34878D82A}">
+                        <a16:rowId xmlns:a16="http://schemas.microsoft.com/office/drawing/2014/main" val="999056982"/>
+                      </a:ext>
+                    </a:extLst>
+                  </a:tr>
+                  <a:tr h="412292">
+                    <a:tc>
+                      <a:txBody>
+                        <a:bodyPr/>
+                        <a:lstStyle/>
+                        <a:p>
+                          <a:pPr latinLnBrk="1"/>
+                          <a:endParaRPr lang="ko-KR" altLang="en-US" dirty="0"/>
+                        </a:p>
+                      </a:txBody>
+                      <a:tcPr>
+                        <a:lnL w="12700" cap="flat" cmpd="sng" algn="ctr">
+                          <a:solidFill>
+                            <a:schemeClr val="tx1"/>
+                          </a:solidFill>
+                          <a:prstDash val="solid"/>
+                          <a:round/>
+                          <a:headEnd type="none" w="med" len="med"/>
+                          <a:tailEnd type="none" w="med" len="med"/>
+                        </a:lnL>
+                        <a:lnR w="12700" cap="flat" cmpd="sng" algn="ctr">
+                          <a:solidFill>
+                            <a:schemeClr val="tx1"/>
+                          </a:solidFill>
+                          <a:prstDash val="solid"/>
+                          <a:round/>
+                          <a:headEnd type="none" w="med" len="med"/>
+                          <a:tailEnd type="none" w="med" len="med"/>
+                        </a:lnR>
+                        <a:lnT w="12700" cap="flat" cmpd="sng" algn="ctr">
+                          <a:solidFill>
+                            <a:schemeClr val="tx1"/>
+                          </a:solidFill>
+                          <a:prstDash val="solid"/>
+                          <a:round/>
+                          <a:headEnd type="none" w="med" len="med"/>
+                          <a:tailEnd type="none" w="med" len="med"/>
+                        </a:lnT>
+                        <a:lnB w="12700" cap="flat" cmpd="sng" algn="ctr">
+                          <a:solidFill>
+                            <a:schemeClr val="tx1"/>
+                          </a:solidFill>
+                          <a:prstDash val="solid"/>
+                          <a:round/>
+                          <a:headEnd type="none" w="med" len="med"/>
+                          <a:tailEnd type="none" w="med" len="med"/>
+                        </a:lnB>
+                        <a:solidFill>
+                          <a:schemeClr val="bg1"/>
+                        </a:solidFill>
+                      </a:tcPr>
+                    </a:tc>
+                    <a:tc>
+                      <a:txBody>
+                        <a:bodyPr/>
+                        <a:lstStyle/>
+                        <a:p>
+                          <a:pPr latinLnBrk="1"/>
+                          <a:endParaRPr lang="ko-KR" altLang="en-US" dirty="0"/>
+                        </a:p>
+                      </a:txBody>
+                      <a:tcPr>
+                        <a:lnL w="12700" cap="flat" cmpd="sng" algn="ctr">
+                          <a:solidFill>
+                            <a:schemeClr val="tx1"/>
+                          </a:solidFill>
+                          <a:prstDash val="solid"/>
+                          <a:round/>
+                          <a:headEnd type="none" w="med" len="med"/>
+                          <a:tailEnd type="none" w="med" len="med"/>
+                        </a:lnL>
+                        <a:lnR w="12700" cap="flat" cmpd="sng" algn="ctr">
+                          <a:solidFill>
+                            <a:schemeClr val="tx1"/>
+                          </a:solidFill>
+                          <a:prstDash val="solid"/>
+                          <a:round/>
+                          <a:headEnd type="none" w="med" len="med"/>
+                          <a:tailEnd type="none" w="med" len="med"/>
+                        </a:lnR>
+                        <a:lnT w="12700" cap="flat" cmpd="sng" algn="ctr">
+                          <a:solidFill>
+                            <a:schemeClr val="tx1"/>
+                          </a:solidFill>
+                          <a:prstDash val="solid"/>
+                          <a:round/>
+                          <a:headEnd type="none" w="med" len="med"/>
+                          <a:tailEnd type="none" w="med" len="med"/>
+                        </a:lnT>
+                        <a:lnB w="12700" cap="flat" cmpd="sng" algn="ctr">
+                          <a:solidFill>
+                            <a:schemeClr val="tx1"/>
+                          </a:solidFill>
+                          <a:prstDash val="solid"/>
+                          <a:round/>
+                          <a:headEnd type="none" w="med" len="med"/>
+                          <a:tailEnd type="none" w="med" len="med"/>
+                        </a:lnB>
+                        <a:solidFill>
+                          <a:schemeClr val="bg1"/>
+                        </a:solidFill>
+                      </a:tcPr>
+                    </a:tc>
+                    <a:tc>
+                      <a:txBody>
+                        <a:bodyPr/>
+                        <a:lstStyle/>
+                        <a:p>
+                          <a:pPr latinLnBrk="1"/>
+                          <a:endParaRPr lang="ko-KR" altLang="en-US" dirty="0"/>
+                        </a:p>
+                      </a:txBody>
+                      <a:tcPr>
+                        <a:lnL w="12700" cap="flat" cmpd="sng" algn="ctr">
+                          <a:solidFill>
+                            <a:schemeClr val="tx1"/>
+                          </a:solidFill>
+                          <a:prstDash val="solid"/>
+                          <a:round/>
+                          <a:headEnd type="none" w="med" len="med"/>
+                          <a:tailEnd type="none" w="med" len="med"/>
+                        </a:lnL>
+                        <a:lnR w="12700" cap="flat" cmpd="sng" algn="ctr">
+                          <a:solidFill>
+                            <a:schemeClr val="tx1"/>
+                          </a:solidFill>
+                          <a:prstDash val="solid"/>
+                          <a:round/>
+                          <a:headEnd type="none" w="med" len="med"/>
+                          <a:tailEnd type="none" w="med" len="med"/>
+                        </a:lnR>
+                        <a:lnT w="12700" cap="flat" cmpd="sng" algn="ctr">
+                          <a:solidFill>
+                            <a:schemeClr val="tx1"/>
+                          </a:solidFill>
+                          <a:prstDash val="solid"/>
+                          <a:round/>
+                          <a:headEnd type="none" w="med" len="med"/>
+                          <a:tailEnd type="none" w="med" len="med"/>
+                        </a:lnT>
+                        <a:lnB w="12700" cap="flat" cmpd="sng" algn="ctr">
+                          <a:solidFill>
+                            <a:schemeClr val="tx1"/>
+                          </a:solidFill>
+                          <a:prstDash val="solid"/>
+                          <a:round/>
+                          <a:headEnd type="none" w="med" len="med"/>
+                          <a:tailEnd type="none" w="med" len="med"/>
+                        </a:lnB>
+                        <a:solidFill>
+                          <a:schemeClr val="bg1"/>
+                        </a:solidFill>
+                      </a:tcPr>
+                    </a:tc>
+                    <a:extLst>
+                      <a:ext uri="{0D108BD9-81ED-4DB2-BD59-A6C34878D82A}">
+                        <a16:rowId xmlns:a16="http://schemas.microsoft.com/office/drawing/2014/main" val="861593928"/>
+                      </a:ext>
+                    </a:extLst>
+                  </a:tr>
+                  <a:tr h="412292">
+                    <a:tc>
+                      <a:txBody>
+                        <a:bodyPr/>
+                        <a:lstStyle/>
+                        <a:p>
+                          <a:pPr latinLnBrk="1"/>
+                          <a:endParaRPr lang="ko-KR" altLang="en-US" dirty="0"/>
+                        </a:p>
+                      </a:txBody>
+                      <a:tcPr>
+                        <a:lnL w="12700" cap="flat" cmpd="sng" algn="ctr">
+                          <a:solidFill>
+                            <a:schemeClr val="tx1"/>
+                          </a:solidFill>
+                          <a:prstDash val="solid"/>
+                          <a:round/>
+                          <a:headEnd type="none" w="med" len="med"/>
+                          <a:tailEnd type="none" w="med" len="med"/>
+                        </a:lnL>
+                        <a:lnR w="12700" cap="flat" cmpd="sng" algn="ctr">
+                          <a:solidFill>
+                            <a:schemeClr val="tx1"/>
+                          </a:solidFill>
+                          <a:prstDash val="solid"/>
+                          <a:round/>
+                          <a:headEnd type="none" w="med" len="med"/>
+                          <a:tailEnd type="none" w="med" len="med"/>
+                        </a:lnR>
+                        <a:lnT w="12700" cap="flat" cmpd="sng" algn="ctr">
+                          <a:solidFill>
+                            <a:schemeClr val="tx1"/>
+                          </a:solidFill>
+                          <a:prstDash val="solid"/>
+                          <a:round/>
+                          <a:headEnd type="none" w="med" len="med"/>
+                          <a:tailEnd type="none" w="med" len="med"/>
+                        </a:lnT>
+                        <a:lnB w="12700" cap="flat" cmpd="sng" algn="ctr">
+                          <a:solidFill>
+                            <a:schemeClr val="tx1"/>
+                          </a:solidFill>
+                          <a:prstDash val="solid"/>
+                          <a:round/>
+                          <a:headEnd type="none" w="med" len="med"/>
+                          <a:tailEnd type="none" w="med" len="med"/>
+                        </a:lnB>
+                        <a:solidFill>
+                          <a:schemeClr val="bg1"/>
+                        </a:solidFill>
+                      </a:tcPr>
+                    </a:tc>
+                    <a:tc>
+                      <a:txBody>
+                        <a:bodyPr/>
+                        <a:lstStyle/>
+                        <a:p>
+                          <a:pPr latinLnBrk="1"/>
+                          <a:endParaRPr lang="ko-KR" altLang="en-US" dirty="0"/>
+                        </a:p>
+                      </a:txBody>
+                      <a:tcPr>
+                        <a:lnL w="12700" cap="flat" cmpd="sng" algn="ctr">
+                          <a:solidFill>
+                            <a:schemeClr val="tx1"/>
+                          </a:solidFill>
+                          <a:prstDash val="solid"/>
+                          <a:round/>
+                          <a:headEnd type="none" w="med" len="med"/>
+                          <a:tailEnd type="none" w="med" len="med"/>
+                        </a:lnL>
+                        <a:lnR w="12700" cap="flat" cmpd="sng" algn="ctr">
+                          <a:solidFill>
+                            <a:schemeClr val="tx1"/>
+                          </a:solidFill>
+                          <a:prstDash val="solid"/>
+                          <a:round/>
+                          <a:headEnd type="none" w="med" len="med"/>
+                          <a:tailEnd type="none" w="med" len="med"/>
+                        </a:lnR>
+                        <a:lnT w="12700" cap="flat" cmpd="sng" algn="ctr">
+                          <a:solidFill>
+                            <a:schemeClr val="tx1"/>
+                          </a:solidFill>
+                          <a:prstDash val="solid"/>
+                          <a:round/>
+                          <a:headEnd type="none" w="med" len="med"/>
+                          <a:tailEnd type="none" w="med" len="med"/>
+                        </a:lnT>
+                        <a:lnB w="12700" cap="flat" cmpd="sng" algn="ctr">
+                          <a:solidFill>
+                            <a:schemeClr val="tx1"/>
+                          </a:solidFill>
+                          <a:prstDash val="solid"/>
+                          <a:round/>
+                          <a:headEnd type="none" w="med" len="med"/>
+                          <a:tailEnd type="none" w="med" len="med"/>
+                        </a:lnB>
+                        <a:solidFill>
+                          <a:schemeClr val="bg1"/>
+                        </a:solidFill>
+                      </a:tcPr>
+                    </a:tc>
+                    <a:tc>
+                      <a:txBody>
+                        <a:bodyPr/>
+                        <a:lstStyle/>
+                        <a:p>
+                          <a:pPr latinLnBrk="1"/>
+                          <a:endParaRPr lang="ko-KR" altLang="en-US" dirty="0"/>
+                        </a:p>
+                      </a:txBody>
+                      <a:tcPr>
+                        <a:lnL w="12700" cap="flat" cmpd="sng" algn="ctr">
+                          <a:solidFill>
+                            <a:schemeClr val="tx1"/>
+                          </a:solidFill>
+                          <a:prstDash val="solid"/>
+                          <a:round/>
+                          <a:headEnd type="none" w="med" len="med"/>
+                          <a:tailEnd type="none" w="med" len="med"/>
+                        </a:lnL>
+                        <a:lnR w="12700" cap="flat" cmpd="sng" algn="ctr">
+                          <a:solidFill>
+                            <a:schemeClr val="tx1"/>
+                          </a:solidFill>
+                          <a:prstDash val="solid"/>
+                          <a:round/>
+                          <a:headEnd type="none" w="med" len="med"/>
+                          <a:tailEnd type="none" w="med" len="med"/>
+                        </a:lnR>
+                        <a:lnT w="12700" cap="flat" cmpd="sng" algn="ctr">
+                          <a:solidFill>
+                            <a:schemeClr val="tx1"/>
+                          </a:solidFill>
+                          <a:prstDash val="solid"/>
+                          <a:round/>
+                          <a:headEnd type="none" w="med" len="med"/>
+                          <a:tailEnd type="none" w="med" len="med"/>
+                        </a:lnT>
+                        <a:lnB w="12700" cap="flat" cmpd="sng" algn="ctr">
+                          <a:solidFill>
+                            <a:schemeClr val="tx1"/>
+                          </a:solidFill>
+                          <a:prstDash val="solid"/>
+                          <a:round/>
+                          <a:headEnd type="none" w="med" len="med"/>
+                          <a:tailEnd type="none" w="med" len="med"/>
+                        </a:lnB>
+                        <a:solidFill>
+                          <a:schemeClr val="bg1"/>
+                        </a:solidFill>
+                      </a:tcPr>
+                    </a:tc>
+                    <a:extLst>
+                      <a:ext uri="{0D108BD9-81ED-4DB2-BD59-A6C34878D82A}">
+                        <a16:rowId xmlns:a16="http://schemas.microsoft.com/office/drawing/2014/main" val="2134463708"/>
+                      </a:ext>
+                    </a:extLst>
+                  </a:tr>
+                  <a:tr h="412292">
+                    <a:tc>
+                      <a:txBody>
+                        <a:bodyPr/>
+                        <a:lstStyle/>
+                        <a:p>
+                          <a:pPr latinLnBrk="1"/>
+                          <a:endParaRPr lang="ko-KR" altLang="en-US" dirty="0"/>
+                        </a:p>
+                      </a:txBody>
+                      <a:tcPr>
+                        <a:lnL w="12700" cap="flat" cmpd="sng" algn="ctr">
+                          <a:solidFill>
+                            <a:schemeClr val="tx1"/>
+                          </a:solidFill>
+                          <a:prstDash val="solid"/>
+                          <a:round/>
+                          <a:headEnd type="none" w="med" len="med"/>
+                          <a:tailEnd type="none" w="med" len="med"/>
+                        </a:lnL>
+                        <a:lnR w="12700" cap="flat" cmpd="sng" algn="ctr">
+                          <a:solidFill>
+                            <a:schemeClr val="tx1"/>
+                          </a:solidFill>
+                          <a:prstDash val="solid"/>
+                          <a:round/>
+                          <a:headEnd type="none" w="med" len="med"/>
+                          <a:tailEnd type="none" w="med" len="med"/>
+                        </a:lnR>
+                        <a:lnT w="12700" cap="flat" cmpd="sng" algn="ctr">
+                          <a:solidFill>
+                            <a:schemeClr val="tx1"/>
+                          </a:solidFill>
+                          <a:prstDash val="solid"/>
+                          <a:round/>
+                          <a:headEnd type="none" w="med" len="med"/>
+                          <a:tailEnd type="none" w="med" len="med"/>
+                        </a:lnT>
+                        <a:lnB w="12700" cap="flat" cmpd="sng" algn="ctr">
+                          <a:solidFill>
+                            <a:schemeClr val="tx1"/>
+                          </a:solidFill>
+                          <a:prstDash val="solid"/>
+                          <a:round/>
+                          <a:headEnd type="none" w="med" len="med"/>
+                          <a:tailEnd type="none" w="med" len="med"/>
+                        </a:lnB>
+                        <a:solidFill>
+                          <a:schemeClr val="bg1"/>
+                        </a:solidFill>
+                      </a:tcPr>
+                    </a:tc>
+                    <a:tc>
+                      <a:txBody>
+                        <a:bodyPr/>
+                        <a:lstStyle/>
+                        <a:p>
+                          <a:pPr latinLnBrk="1"/>
+                          <a:endParaRPr lang="ko-KR" altLang="en-US" dirty="0"/>
+                        </a:p>
+                      </a:txBody>
+                      <a:tcPr>
+                        <a:lnL w="12700" cap="flat" cmpd="sng" algn="ctr">
+                          <a:solidFill>
+                            <a:schemeClr val="tx1"/>
+                          </a:solidFill>
+                          <a:prstDash val="solid"/>
+                          <a:round/>
+                          <a:headEnd type="none" w="med" len="med"/>
+                          <a:tailEnd type="none" w="med" len="med"/>
+                        </a:lnL>
+                        <a:lnR w="12700" cap="flat" cmpd="sng" algn="ctr">
+                          <a:solidFill>
+                            <a:schemeClr val="tx1"/>
+                          </a:solidFill>
+                          <a:prstDash val="solid"/>
+                          <a:round/>
+                          <a:headEnd type="none" w="med" len="med"/>
+                          <a:tailEnd type="none" w="med" len="med"/>
+                        </a:lnR>
+                        <a:lnT w="12700" cap="flat" cmpd="sng" algn="ctr">
+                          <a:solidFill>
+                            <a:schemeClr val="tx1"/>
+                          </a:solidFill>
+                          <a:prstDash val="solid"/>
+                          <a:round/>
+                          <a:headEnd type="none" w="med" len="med"/>
+                          <a:tailEnd type="none" w="med" len="med"/>
+                        </a:lnT>
+                        <a:lnB w="12700" cap="flat" cmpd="sng" algn="ctr">
+                          <a:solidFill>
+                            <a:schemeClr val="tx1"/>
+                          </a:solidFill>
+                          <a:prstDash val="solid"/>
+                          <a:round/>
+                          <a:headEnd type="none" w="med" len="med"/>
+                          <a:tailEnd type="none" w="med" len="med"/>
+                        </a:lnB>
+                        <a:solidFill>
+                          <a:schemeClr val="bg1"/>
+                        </a:solidFill>
+                      </a:tcPr>
+                    </a:tc>
+                    <a:tc>
+                      <a:txBody>
+                        <a:bodyPr/>
+                        <a:lstStyle/>
+                        <a:p>
+                          <a:pPr latinLnBrk="1"/>
+                          <a:endParaRPr lang="ko-KR" altLang="en-US" dirty="0"/>
+                        </a:p>
+                      </a:txBody>
+                      <a:tcPr>
+                        <a:lnL w="12700" cap="flat" cmpd="sng" algn="ctr">
+                          <a:solidFill>
+                            <a:schemeClr val="tx1"/>
+                          </a:solidFill>
+                          <a:prstDash val="solid"/>
+                          <a:round/>
+                          <a:headEnd type="none" w="med" len="med"/>
+                          <a:tailEnd type="none" w="med" len="med"/>
+                        </a:lnL>
+                        <a:lnR w="12700" cap="flat" cmpd="sng" algn="ctr">
+                          <a:solidFill>
+                            <a:schemeClr val="tx1"/>
+                          </a:solidFill>
+                          <a:prstDash val="solid"/>
+                          <a:round/>
+                          <a:headEnd type="none" w="med" len="med"/>
+                          <a:tailEnd type="none" w="med" len="med"/>
+                        </a:lnR>
+                        <a:lnT w="12700" cap="flat" cmpd="sng" algn="ctr">
+                          <a:solidFill>
+                            <a:schemeClr val="tx1"/>
+                          </a:solidFill>
+                          <a:prstDash val="solid"/>
+                          <a:round/>
+                          <a:headEnd type="none" w="med" len="med"/>
+                          <a:tailEnd type="none" w="med" len="med"/>
+                        </a:lnT>
+                        <a:lnB w="12700" cap="flat" cmpd="sng" algn="ctr">
+                          <a:solidFill>
+                            <a:schemeClr val="tx1"/>
+                          </a:solidFill>
+                          <a:prstDash val="solid"/>
+                          <a:round/>
+                          <a:headEnd type="none" w="med" len="med"/>
+                          <a:tailEnd type="none" w="med" len="med"/>
+                        </a:lnB>
+                        <a:solidFill>
+                          <a:schemeClr val="bg1"/>
+                        </a:solidFill>
+                      </a:tcPr>
+                    </a:tc>
+                    <a:extLst>
+                      <a:ext uri="{0D108BD9-81ED-4DB2-BD59-A6C34878D82A}">
+                        <a16:rowId xmlns:a16="http://schemas.microsoft.com/office/drawing/2014/main" val="3981089285"/>
+                      </a:ext>
+                    </a:extLst>
+                  </a:tr>
+                  <a:tr h="412292">
+                    <a:tc>
+                      <a:txBody>
+                        <a:bodyPr/>
+                        <a:lstStyle/>
+                        <a:p>
+                          <a:pPr latinLnBrk="1"/>
+                          <a:endParaRPr lang="ko-KR" altLang="en-US" dirty="0"/>
+                        </a:p>
+                      </a:txBody>
+                      <a:tcPr>
+                        <a:lnL w="12700" cap="flat" cmpd="sng" algn="ctr">
+                          <a:solidFill>
+                            <a:schemeClr val="tx1"/>
+                          </a:solidFill>
+                          <a:prstDash val="solid"/>
+                          <a:round/>
+                          <a:headEnd type="none" w="med" len="med"/>
+                          <a:tailEnd type="none" w="med" len="med"/>
+                        </a:lnL>
+                        <a:lnR w="12700" cap="flat" cmpd="sng" algn="ctr">
+                          <a:solidFill>
+                            <a:schemeClr val="tx1"/>
+                          </a:solidFill>
+                          <a:prstDash val="solid"/>
+                          <a:round/>
+                          <a:headEnd type="none" w="med" len="med"/>
+                          <a:tailEnd type="none" w="med" len="med"/>
+                        </a:lnR>
+                        <a:lnT w="12700" cap="flat" cmpd="sng" algn="ctr">
+                          <a:solidFill>
+                            <a:schemeClr val="tx1"/>
+                          </a:solidFill>
+                          <a:prstDash val="solid"/>
+                          <a:round/>
+                          <a:headEnd type="none" w="med" len="med"/>
+                          <a:tailEnd type="none" w="med" len="med"/>
+                        </a:lnT>
+                        <a:lnB w="12700" cap="flat" cmpd="sng" algn="ctr">
+                          <a:solidFill>
+                            <a:schemeClr val="tx1"/>
+                          </a:solidFill>
+                          <a:prstDash val="solid"/>
+                          <a:round/>
+                          <a:headEnd type="none" w="med" len="med"/>
+                          <a:tailEnd type="none" w="med" len="med"/>
+                        </a:lnB>
+                        <a:solidFill>
+                          <a:schemeClr val="bg1"/>
+                        </a:solidFill>
+                      </a:tcPr>
+                    </a:tc>
+                    <a:tc>
+                      <a:txBody>
+                        <a:bodyPr/>
+                        <a:lstStyle/>
+                        <a:p>
+                          <a:pPr latinLnBrk="1"/>
+                          <a:endParaRPr lang="ko-KR" altLang="en-US" dirty="0"/>
+                        </a:p>
+                      </a:txBody>
+                      <a:tcPr>
+                        <a:lnL w="12700" cap="flat" cmpd="sng" algn="ctr">
+                          <a:solidFill>
+                            <a:schemeClr val="tx1"/>
+                          </a:solidFill>
+                          <a:prstDash val="solid"/>
+                          <a:round/>
+                          <a:headEnd type="none" w="med" len="med"/>
+                          <a:tailEnd type="none" w="med" len="med"/>
+                        </a:lnL>
+                        <a:lnR w="12700" cap="flat" cmpd="sng" algn="ctr">
+                          <a:solidFill>
+                            <a:schemeClr val="tx1"/>
+                          </a:solidFill>
+                          <a:prstDash val="solid"/>
+                          <a:round/>
+                          <a:headEnd type="none" w="med" len="med"/>
+                          <a:tailEnd type="none" w="med" len="med"/>
+                        </a:lnR>
+                        <a:lnT w="12700" cap="flat" cmpd="sng" algn="ctr">
+                          <a:solidFill>
+                            <a:schemeClr val="tx1"/>
+                          </a:solidFill>
+                          <a:prstDash val="solid"/>
+                          <a:round/>
+                          <a:headEnd type="none" w="med" len="med"/>
+                          <a:tailEnd type="none" w="med" len="med"/>
+                        </a:lnT>
+                        <a:lnB w="12700" cap="flat" cmpd="sng" algn="ctr">
+                          <a:solidFill>
+                            <a:schemeClr val="tx1"/>
+                          </a:solidFill>
+                          <a:prstDash val="solid"/>
+                          <a:round/>
+                          <a:headEnd type="none" w="med" len="med"/>
+                          <a:tailEnd type="none" w="med" len="med"/>
+                        </a:lnB>
+                        <a:solidFill>
+                          <a:schemeClr val="bg1"/>
+                        </a:solidFill>
+                      </a:tcPr>
+                    </a:tc>
+                    <a:tc>
+                      <a:txBody>
+                        <a:bodyPr/>
+                        <a:lstStyle/>
+                        <a:p>
+                          <a:pPr latinLnBrk="1"/>
+                          <a:endParaRPr lang="ko-KR" altLang="en-US" dirty="0"/>
+                        </a:p>
+                      </a:txBody>
+                      <a:tcPr>
+                        <a:lnL w="12700" cap="flat" cmpd="sng" algn="ctr">
+                          <a:solidFill>
+                            <a:schemeClr val="tx1"/>
+                          </a:solidFill>
+                          <a:prstDash val="solid"/>
+                          <a:round/>
+                          <a:headEnd type="none" w="med" len="med"/>
+                          <a:tailEnd type="none" w="med" len="med"/>
+                        </a:lnL>
+                        <a:lnR w="12700" cap="flat" cmpd="sng" algn="ctr">
+                          <a:solidFill>
+                            <a:schemeClr val="tx1"/>
+                          </a:solidFill>
+                          <a:prstDash val="solid"/>
+                          <a:round/>
+                          <a:headEnd type="none" w="med" len="med"/>
+                          <a:tailEnd type="none" w="med" len="med"/>
+                        </a:lnR>
+                        <a:lnT w="12700" cap="flat" cmpd="sng" algn="ctr">
+                          <a:solidFill>
+                            <a:schemeClr val="tx1"/>
+                          </a:solidFill>
+                          <a:prstDash val="solid"/>
+                          <a:round/>
+                          <a:headEnd type="none" w="med" len="med"/>
+                          <a:tailEnd type="none" w="med" len="med"/>
+                        </a:lnT>
+                        <a:lnB w="12700" cap="flat" cmpd="sng" algn="ctr">
+                          <a:solidFill>
+                            <a:schemeClr val="tx1"/>
+                          </a:solidFill>
+                          <a:prstDash val="solid"/>
+                          <a:round/>
+                          <a:headEnd type="none" w="med" len="med"/>
+                          <a:tailEnd type="none" w="med" len="med"/>
+                        </a:lnB>
+                        <a:solidFill>
+                          <a:schemeClr val="bg1"/>
+                        </a:solidFill>
+                      </a:tcPr>
+                    </a:tc>
+                    <a:extLst>
+                      <a:ext uri="{0D108BD9-81ED-4DB2-BD59-A6C34878D82A}">
+                        <a16:rowId xmlns:a16="http://schemas.microsoft.com/office/drawing/2014/main" val="385628271"/>
+                      </a:ext>
+                    </a:extLst>
+                  </a:tr>
+                  <a:tr h="412292">
+                    <a:tc>
+                      <a:txBody>
+                        <a:bodyPr/>
+                        <a:lstStyle/>
+                        <a:p>
+                          <a:pPr latinLnBrk="1"/>
+                          <a:endParaRPr lang="ko-KR" altLang="en-US" dirty="0"/>
+                        </a:p>
+                      </a:txBody>
+                      <a:tcPr>
+                        <a:lnL w="12700" cap="flat" cmpd="sng" algn="ctr">
+                          <a:solidFill>
+                            <a:schemeClr val="tx1"/>
+                          </a:solidFill>
+                          <a:prstDash val="solid"/>
+                          <a:round/>
+                          <a:headEnd type="none" w="med" len="med"/>
+                          <a:tailEnd type="none" w="med" len="med"/>
+                        </a:lnL>
+                        <a:lnR w="12700" cap="flat" cmpd="sng" algn="ctr">
+                          <a:solidFill>
+                            <a:schemeClr val="tx1"/>
+                          </a:solidFill>
+                          <a:prstDash val="solid"/>
+                          <a:round/>
+                          <a:headEnd type="none" w="med" len="med"/>
+                          <a:tailEnd type="none" w="med" len="med"/>
+                        </a:lnR>
+                        <a:lnT w="12700" cap="flat" cmpd="sng" algn="ctr">
+                          <a:solidFill>
+                            <a:schemeClr val="tx1"/>
+                          </a:solidFill>
+                          <a:prstDash val="solid"/>
+                          <a:round/>
+                          <a:headEnd type="none" w="med" len="med"/>
+                          <a:tailEnd type="none" w="med" len="med"/>
+                        </a:lnT>
+                        <a:lnB w="12700" cap="flat" cmpd="sng" algn="ctr">
+                          <a:solidFill>
+                            <a:schemeClr val="tx1"/>
+                          </a:solidFill>
+                          <a:prstDash val="solid"/>
+                          <a:round/>
+                          <a:headEnd type="none" w="med" len="med"/>
+                          <a:tailEnd type="none" w="med" len="med"/>
+                        </a:lnB>
+                        <a:solidFill>
+                          <a:schemeClr val="bg1"/>
+                        </a:solidFill>
+                      </a:tcPr>
+                    </a:tc>
+                    <a:tc>
+                      <a:txBody>
+                        <a:bodyPr/>
+                        <a:lstStyle/>
+                        <a:p>
+                          <a:pPr latinLnBrk="1"/>
+                          <a:endParaRPr lang="ko-KR" altLang="en-US" dirty="0"/>
+                        </a:p>
+                      </a:txBody>
+                      <a:tcPr>
+                        <a:lnL w="12700" cap="flat" cmpd="sng" algn="ctr">
+                          <a:solidFill>
+                            <a:schemeClr val="tx1"/>
+                          </a:solidFill>
+                          <a:prstDash val="solid"/>
+                          <a:round/>
+                          <a:headEnd type="none" w="med" len="med"/>
+                          <a:tailEnd type="none" w="med" len="med"/>
+                        </a:lnL>
+                        <a:lnR w="12700" cap="flat" cmpd="sng" algn="ctr">
+                          <a:solidFill>
+                            <a:schemeClr val="tx1"/>
+                          </a:solidFill>
+                          <a:prstDash val="solid"/>
+                          <a:round/>
+                          <a:headEnd type="none" w="med" len="med"/>
+                          <a:tailEnd type="none" w="med" len="med"/>
+                        </a:lnR>
+                        <a:lnT w="12700" cap="flat" cmpd="sng" algn="ctr">
+                          <a:solidFill>
+                            <a:schemeClr val="tx1"/>
+                          </a:solidFill>
+                          <a:prstDash val="solid"/>
+                          <a:round/>
+                          <a:headEnd type="none" w="med" len="med"/>
+                          <a:tailEnd type="none" w="med" len="med"/>
+                        </a:lnT>
+                        <a:lnB w="12700" cap="flat" cmpd="sng" algn="ctr">
+                          <a:solidFill>
+                            <a:schemeClr val="tx1"/>
+                          </a:solidFill>
+                          <a:prstDash val="solid"/>
+                          <a:round/>
+                          <a:headEnd type="none" w="med" len="med"/>
+                          <a:tailEnd type="none" w="med" len="med"/>
+                        </a:lnB>
+                        <a:solidFill>
+                          <a:schemeClr val="bg1"/>
+                        </a:solidFill>
+                      </a:tcPr>
+                    </a:tc>
+                    <a:tc>
+                      <a:txBody>
+                        <a:bodyPr/>
+                        <a:lstStyle/>
+                        <a:p>
+                          <a:pPr latinLnBrk="1"/>
+                          <a:endParaRPr lang="ko-KR" altLang="en-US" dirty="0"/>
+                        </a:p>
+                      </a:txBody>
+                      <a:tcPr>
+                        <a:lnL w="12700" cap="flat" cmpd="sng" algn="ctr">
+                          <a:solidFill>
+                            <a:schemeClr val="tx1"/>
+                          </a:solidFill>
+                          <a:prstDash val="solid"/>
+                          <a:round/>
+                          <a:headEnd type="none" w="med" len="med"/>
+                          <a:tailEnd type="none" w="med" len="med"/>
+                        </a:lnL>
+                        <a:lnR w="12700" cap="flat" cmpd="sng" algn="ctr">
+                          <a:solidFill>
+                            <a:schemeClr val="tx1"/>
+                          </a:solidFill>
+                          <a:prstDash val="solid"/>
+                          <a:round/>
+                          <a:headEnd type="none" w="med" len="med"/>
+                          <a:tailEnd type="none" w="med" len="med"/>
+                        </a:lnR>
+                        <a:lnT w="12700" cap="flat" cmpd="sng" algn="ctr">
+                          <a:solidFill>
+                            <a:schemeClr val="tx1"/>
+                          </a:solidFill>
+                          <a:prstDash val="solid"/>
+                          <a:round/>
+                          <a:headEnd type="none" w="med" len="med"/>
+                          <a:tailEnd type="none" w="med" len="med"/>
+                        </a:lnT>
+                        <a:lnB w="12700" cap="flat" cmpd="sng" algn="ctr">
+                          <a:solidFill>
+                            <a:schemeClr val="tx1"/>
+                          </a:solidFill>
+                          <a:prstDash val="solid"/>
+                          <a:round/>
+                          <a:headEnd type="none" w="med" len="med"/>
+                          <a:tailEnd type="none" w="med" len="med"/>
+                        </a:lnB>
+                        <a:solidFill>
+                          <a:schemeClr val="bg1"/>
+                        </a:solidFill>
+                      </a:tcPr>
+                    </a:tc>
+                    <a:extLst>
+                      <a:ext uri="{0D108BD9-81ED-4DB2-BD59-A6C34878D82A}">
+                        <a16:rowId xmlns:a16="http://schemas.microsoft.com/office/drawing/2014/main" val="2375882472"/>
+                      </a:ext>
+                    </a:extLst>
+                  </a:tr>
+                  <a:tr h="412292">
+                    <a:tc>
+                      <a:txBody>
+                        <a:bodyPr/>
+                        <a:lstStyle/>
+                        <a:p>
+                          <a:pPr latinLnBrk="1"/>
+                          <a:endParaRPr lang="ko-KR" altLang="en-US" dirty="0"/>
+                        </a:p>
+                      </a:txBody>
+                      <a:tcPr>
+                        <a:lnL w="12700" cap="flat" cmpd="sng" algn="ctr">
+                          <a:solidFill>
+                            <a:schemeClr val="tx1"/>
+                          </a:solidFill>
+                          <a:prstDash val="solid"/>
+                          <a:round/>
+                          <a:headEnd type="none" w="med" len="med"/>
+                          <a:tailEnd type="none" w="med" len="med"/>
+                        </a:lnL>
+                        <a:lnR w="12700" cap="flat" cmpd="sng" algn="ctr">
+                          <a:solidFill>
+                            <a:schemeClr val="tx1"/>
+                          </a:solidFill>
+                          <a:prstDash val="solid"/>
+                          <a:round/>
+                          <a:headEnd type="none" w="med" len="med"/>
+                          <a:tailEnd type="none" w="med" len="med"/>
+                        </a:lnR>
+                        <a:lnT w="12700" cap="flat" cmpd="sng" algn="ctr">
+                          <a:solidFill>
+                            <a:schemeClr val="tx1"/>
+                          </a:solidFill>
+                          <a:prstDash val="solid"/>
+                          <a:round/>
+                          <a:headEnd type="none" w="med" len="med"/>
+                          <a:tailEnd type="none" w="med" len="med"/>
+                        </a:lnT>
+                        <a:lnB w="12700" cap="flat" cmpd="sng" algn="ctr">
+                          <a:solidFill>
+                            <a:schemeClr val="tx1"/>
+                          </a:solidFill>
+                          <a:prstDash val="solid"/>
+                          <a:round/>
+                          <a:headEnd type="none" w="med" len="med"/>
+                          <a:tailEnd type="none" w="med" len="med"/>
+                        </a:lnB>
+                        <a:solidFill>
+                          <a:schemeClr val="bg1"/>
+                        </a:solidFill>
+                      </a:tcPr>
+                    </a:tc>
+                    <a:tc>
+                      <a:txBody>
+                        <a:bodyPr/>
+                        <a:lstStyle/>
+                        <a:p>
+                          <a:pPr latinLnBrk="1"/>
+                          <a:endParaRPr lang="ko-KR" altLang="en-US" dirty="0"/>
+                        </a:p>
+                      </a:txBody>
+                      <a:tcPr>
+                        <a:lnL w="12700" cap="flat" cmpd="sng" algn="ctr">
+                          <a:solidFill>
+                            <a:schemeClr val="tx1"/>
+                          </a:solidFill>
+                          <a:prstDash val="solid"/>
+                          <a:round/>
+                          <a:headEnd type="none" w="med" len="med"/>
+                          <a:tailEnd type="none" w="med" len="med"/>
+                        </a:lnL>
+                        <a:lnR w="12700" cap="flat" cmpd="sng" algn="ctr">
+                          <a:solidFill>
+                            <a:schemeClr val="tx1"/>
+                          </a:solidFill>
+                          <a:prstDash val="solid"/>
+                          <a:round/>
+                          <a:headEnd type="none" w="med" len="med"/>
+                          <a:tailEnd type="none" w="med" len="med"/>
+                        </a:lnR>
+                        <a:lnT w="12700" cap="flat" cmpd="sng" algn="ctr">
+                          <a:solidFill>
+                            <a:schemeClr val="tx1"/>
+                          </a:solidFill>
+                          <a:prstDash val="solid"/>
+                          <a:round/>
+                          <a:headEnd type="none" w="med" len="med"/>
+                          <a:tailEnd type="none" w="med" len="med"/>
+                        </a:lnT>
+                        <a:lnB w="12700" cap="flat" cmpd="sng" algn="ctr">
+                          <a:solidFill>
+                            <a:schemeClr val="tx1"/>
+                          </a:solidFill>
+                          <a:prstDash val="solid"/>
+                          <a:round/>
+                          <a:headEnd type="none" w="med" len="med"/>
+                          <a:tailEnd type="none" w="med" len="med"/>
+                        </a:lnB>
+                        <a:solidFill>
+                          <a:schemeClr val="bg1"/>
+                        </a:solidFill>
+                      </a:tcPr>
+                    </a:tc>
+                    <a:tc>
+                      <a:txBody>
+                        <a:bodyPr/>
+                        <a:lstStyle/>
+                        <a:p>
+                          <a:pPr latinLnBrk="1"/>
+                          <a:endParaRPr lang="ko-KR" altLang="en-US" dirty="0"/>
+                        </a:p>
+                      </a:txBody>
+                      <a:tcPr>
+                        <a:lnL w="12700" cap="flat" cmpd="sng" algn="ctr">
+                          <a:solidFill>
+                            <a:schemeClr val="tx1"/>
+                          </a:solidFill>
+                          <a:prstDash val="solid"/>
+                          <a:round/>
+                          <a:headEnd type="none" w="med" len="med"/>
+                          <a:tailEnd type="none" w="med" len="med"/>
+                        </a:lnL>
+                        <a:lnR w="12700" cap="flat" cmpd="sng" algn="ctr">
+                          <a:solidFill>
+                            <a:schemeClr val="tx1"/>
+                          </a:solidFill>
+                          <a:prstDash val="solid"/>
+                          <a:round/>
+                          <a:headEnd type="none" w="med" len="med"/>
+                          <a:tailEnd type="none" w="med" len="med"/>
+                        </a:lnR>
+                        <a:lnT w="12700" cap="flat" cmpd="sng" algn="ctr">
+                          <a:solidFill>
+                            <a:schemeClr val="tx1"/>
+                          </a:solidFill>
+                          <a:prstDash val="solid"/>
+                          <a:round/>
+                          <a:headEnd type="none" w="med" len="med"/>
+                          <a:tailEnd type="none" w="med" len="med"/>
+                        </a:lnT>
+                        <a:lnB w="12700" cap="flat" cmpd="sng" algn="ctr">
+                          <a:solidFill>
+                            <a:schemeClr val="tx1"/>
+                          </a:solidFill>
+                          <a:prstDash val="solid"/>
+                          <a:round/>
+                          <a:headEnd type="none" w="med" len="med"/>
+                          <a:tailEnd type="none" w="med" len="med"/>
+                        </a:lnB>
+                        <a:solidFill>
+                          <a:schemeClr val="bg1"/>
+                        </a:solidFill>
+                      </a:tcPr>
+                    </a:tc>
+                    <a:extLst>
+                      <a:ext uri="{0D108BD9-81ED-4DB2-BD59-A6C34878D82A}">
+                        <a16:rowId xmlns:a16="http://schemas.microsoft.com/office/drawing/2014/main" val="1167059752"/>
+                      </a:ext>
+                    </a:extLst>
+                  </a:tr>
+                </a:tbl>
+              </a:graphicData>
+            </a:graphic>
+          </p:graphicFrame>
+        </mc:Choice>
+        <mc:Fallback>
+          <p:graphicFrame>
+            <p:nvGraphicFramePr>
+              <p:cNvPr id="2" name="표 2">
+                <a:extLst>
+                  <a:ext uri="{FF2B5EF4-FFF2-40B4-BE49-F238E27FC236}">
+                    <a16:creationId xmlns:a16="http://schemas.microsoft.com/office/drawing/2014/main" id="{B470BD46-689C-4CCF-A48B-F0D7FBD50120}"/>
+                  </a:ext>
+                </a:extLst>
+              </p:cNvPr>
+              <p:cNvGraphicFramePr>
+                <a:graphicFrameLocks noGrp="1"/>
+              </p:cNvGraphicFramePr>
+              <p:nvPr>
+                <p:extLst>
+                  <p:ext uri="{D42A27DB-BD31-4B8C-83A1-F6EECF244321}">
+                    <p14:modId xmlns:p14="http://schemas.microsoft.com/office/powerpoint/2010/main" val="393188121"/>
+                  </p:ext>
+                </p:extLst>
+              </p:nvPr>
+            </p:nvGraphicFramePr>
+            <p:xfrm>
+              <a:off x="955963" y="861830"/>
+              <a:ext cx="10280073" cy="5669015"/>
+            </p:xfrm>
+            <a:graphic>
+              <a:graphicData uri="http://schemas.openxmlformats.org/drawingml/2006/table">
+                <a:tbl>
+                  <a:tblPr firstRow="1" bandRow="1">
+                    <a:tableStyleId>{5C22544A-7EE6-4342-B048-85BDC9FD1C3A}</a:tableStyleId>
+                  </a:tblPr>
+                  <a:tblGrid>
+                    <a:gridCol w="1524001">
+                      <a:extLst>
+                        <a:ext uri="{9D8B030D-6E8A-4147-A177-3AD203B41FA5}">
+                          <a16:colId xmlns:a16="http://schemas.microsoft.com/office/drawing/2014/main" val="2907356572"/>
+                        </a:ext>
+                      </a:extLst>
+                    </a:gridCol>
+                    <a:gridCol w="5329381">
+                      <a:extLst>
+                        <a:ext uri="{9D8B030D-6E8A-4147-A177-3AD203B41FA5}">
+                          <a16:colId xmlns:a16="http://schemas.microsoft.com/office/drawing/2014/main" val="337169166"/>
+                        </a:ext>
+                      </a:extLst>
+                    </a:gridCol>
+                    <a:gridCol w="3426691">
+                      <a:extLst>
+                        <a:ext uri="{9D8B030D-6E8A-4147-A177-3AD203B41FA5}">
+                          <a16:colId xmlns:a16="http://schemas.microsoft.com/office/drawing/2014/main" val="56736019"/>
+                        </a:ext>
+                      </a:extLst>
+                    </a:gridCol>
+                  </a:tblGrid>
+                  <a:tr h="412292">
+                    <a:tc>
+                      <a:txBody>
+                        <a:bodyPr/>
+                        <a:lstStyle/>
+                        <a:p>
+                          <a:pPr latinLnBrk="1"/>
+                          <a:r>
+                            <a:rPr lang="ko-KR" altLang="en-US" dirty="0">
+                              <a:solidFill>
+                                <a:schemeClr val="tx1"/>
+                              </a:solidFill>
+                            </a:rPr>
+                            <a:t>작성일자</a:t>
+                          </a:r>
+                        </a:p>
+                      </a:txBody>
+                      <a:tcPr>
+                        <a:lnL w="12700" cap="flat" cmpd="sng" algn="ctr">
+                          <a:solidFill>
+                            <a:schemeClr val="tx1"/>
+                          </a:solidFill>
+                          <a:prstDash val="solid"/>
+                          <a:round/>
+                          <a:headEnd type="none" w="med" len="med"/>
+                          <a:tailEnd type="none" w="med" len="med"/>
+                        </a:lnL>
+                        <a:lnR w="12700" cap="flat" cmpd="sng" algn="ctr">
+                          <a:solidFill>
+                            <a:schemeClr val="tx1"/>
+                          </a:solidFill>
+                          <a:prstDash val="solid"/>
+                          <a:round/>
+                          <a:headEnd type="none" w="med" len="med"/>
+                          <a:tailEnd type="none" w="med" len="med"/>
+                        </a:lnR>
+                        <a:lnT w="12700" cap="flat" cmpd="sng" algn="ctr">
+                          <a:solidFill>
+                            <a:schemeClr val="tx1"/>
+                          </a:solidFill>
+                          <a:prstDash val="solid"/>
+                          <a:round/>
+                          <a:headEnd type="none" w="med" len="med"/>
+                          <a:tailEnd type="none" w="med" len="med"/>
+                        </a:lnT>
+                        <a:lnB w="12700" cap="flat" cmpd="sng" algn="ctr">
+                          <a:solidFill>
+                            <a:schemeClr val="tx1"/>
+                          </a:solidFill>
+                          <a:prstDash val="solid"/>
+                          <a:round/>
+                          <a:headEnd type="none" w="med" len="med"/>
+                          <a:tailEnd type="none" w="med" len="med"/>
+                        </a:lnB>
+                        <a:solidFill>
+                          <a:schemeClr val="bg1">
+                            <a:lumMod val="85000"/>
+                          </a:schemeClr>
+                        </a:solidFill>
+                      </a:tcPr>
+                    </a:tc>
+                    <a:tc>
+                      <a:txBody>
+                        <a:bodyPr/>
+                        <a:lstStyle/>
+                        <a:p>
+                          <a:pPr latinLnBrk="1"/>
+                          <a:r>
+                            <a:rPr lang="ko-KR" altLang="en-US" dirty="0">
+                              <a:solidFill>
+                                <a:schemeClr val="tx1"/>
+                              </a:solidFill>
+                            </a:rPr>
+                            <a:t>작성내용</a:t>
+                          </a:r>
+                        </a:p>
+                      </a:txBody>
+                      <a:tcPr>
+                        <a:lnL w="12700" cap="flat" cmpd="sng" algn="ctr">
+                          <a:solidFill>
+                            <a:schemeClr val="tx1"/>
+                          </a:solidFill>
+                          <a:prstDash val="solid"/>
+                          <a:round/>
+                          <a:headEnd type="none" w="med" len="med"/>
+                          <a:tailEnd type="none" w="med" len="med"/>
+                        </a:lnL>
+                        <a:lnR w="12700" cap="flat" cmpd="sng" algn="ctr">
+                          <a:solidFill>
+                            <a:schemeClr val="tx1"/>
+                          </a:solidFill>
+                          <a:prstDash val="solid"/>
+                          <a:round/>
+                          <a:headEnd type="none" w="med" len="med"/>
+                          <a:tailEnd type="none" w="med" len="med"/>
+                        </a:lnR>
+                        <a:lnT w="12700" cap="flat" cmpd="sng" algn="ctr">
+                          <a:solidFill>
+                            <a:schemeClr val="tx1"/>
+                          </a:solidFill>
+                          <a:prstDash val="solid"/>
+                          <a:round/>
+                          <a:headEnd type="none" w="med" len="med"/>
+                          <a:tailEnd type="none" w="med" len="med"/>
+                        </a:lnT>
+                        <a:lnB w="12700" cap="flat" cmpd="sng" algn="ctr">
+                          <a:solidFill>
+                            <a:schemeClr val="tx1"/>
+                          </a:solidFill>
+                          <a:prstDash val="solid"/>
+                          <a:round/>
+                          <a:headEnd type="none" w="med" len="med"/>
+                          <a:tailEnd type="none" w="med" len="med"/>
+                        </a:lnB>
+                        <a:solidFill>
+                          <a:schemeClr val="bg1">
+                            <a:lumMod val="85000"/>
+                          </a:schemeClr>
+                        </a:solidFill>
+                      </a:tcPr>
+                    </a:tc>
+                    <a:tc>
+                      <a:txBody>
+                        <a:bodyPr/>
+                        <a:lstStyle/>
+                        <a:p>
+                          <a:pPr latinLnBrk="1"/>
+                          <a:r>
+                            <a:rPr lang="ko-KR" altLang="en-US" dirty="0">
+                              <a:solidFill>
+                                <a:schemeClr val="tx1"/>
+                              </a:solidFill>
+                            </a:rPr>
+                            <a:t>비고</a:t>
+                          </a:r>
+                        </a:p>
+                      </a:txBody>
+                      <a:tcPr>
+                        <a:lnL w="12700" cap="flat" cmpd="sng" algn="ctr">
+                          <a:solidFill>
+                            <a:schemeClr val="tx1"/>
+                          </a:solidFill>
+                          <a:prstDash val="solid"/>
+                          <a:round/>
+                          <a:headEnd type="none" w="med" len="med"/>
+                          <a:tailEnd type="none" w="med" len="med"/>
+                        </a:lnL>
+                        <a:lnR w="12700" cap="flat" cmpd="sng" algn="ctr">
+                          <a:solidFill>
+                            <a:schemeClr val="tx1"/>
+                          </a:solidFill>
+                          <a:prstDash val="solid"/>
+                          <a:round/>
+                          <a:headEnd type="none" w="med" len="med"/>
+                          <a:tailEnd type="none" w="med" len="med"/>
+                        </a:lnR>
+                        <a:lnT w="12700" cap="flat" cmpd="sng" algn="ctr">
+                          <a:solidFill>
+                            <a:schemeClr val="tx1"/>
+                          </a:solidFill>
+                          <a:prstDash val="solid"/>
+                          <a:round/>
+                          <a:headEnd type="none" w="med" len="med"/>
+                          <a:tailEnd type="none" w="med" len="med"/>
+                        </a:lnT>
+                        <a:lnB w="12700" cap="flat" cmpd="sng" algn="ctr">
+                          <a:solidFill>
+                            <a:schemeClr val="tx1"/>
+                          </a:solidFill>
+                          <a:prstDash val="solid"/>
+                          <a:round/>
+                          <a:headEnd type="none" w="med" len="med"/>
+                          <a:tailEnd type="none" w="med" len="med"/>
+                        </a:lnB>
+                        <a:solidFill>
+                          <a:schemeClr val="bg1">
+                            <a:lumMod val="85000"/>
+                          </a:schemeClr>
+                        </a:solidFill>
+                      </a:tcPr>
+                    </a:tc>
+                    <a:extLst>
+                      <a:ext uri="{0D108BD9-81ED-4DB2-BD59-A6C34878D82A}">
+                        <a16:rowId xmlns:a16="http://schemas.microsoft.com/office/drawing/2014/main" val="140527839"/>
+                      </a:ext>
+                    </a:extLst>
+                  </a:tr>
+                  <a:tr h="412292">
+                    <a:tc>
+                      <a:txBody>
+                        <a:bodyPr/>
+                        <a:lstStyle/>
+                        <a:p>
+                          <a:pPr latinLnBrk="1"/>
+                          <a:r>
+                            <a:rPr lang="en-US" altLang="ko-KR" dirty="0"/>
+                            <a:t>2020.11.20</a:t>
+                          </a:r>
+                          <a:endParaRPr lang="ko-KR" altLang="en-US" dirty="0"/>
+                        </a:p>
+                      </a:txBody>
+                      <a:tcPr>
+                        <a:lnL w="12700" cap="flat" cmpd="sng" algn="ctr">
+                          <a:solidFill>
+                            <a:schemeClr val="tx1"/>
+                          </a:solidFill>
+                          <a:prstDash val="solid"/>
+                          <a:round/>
+                          <a:headEnd type="none" w="med" len="med"/>
+                          <a:tailEnd type="none" w="med" len="med"/>
+                        </a:lnL>
+                        <a:lnR w="12700" cap="flat" cmpd="sng" algn="ctr">
+                          <a:solidFill>
+                            <a:schemeClr val="tx1"/>
+                          </a:solidFill>
+                          <a:prstDash val="solid"/>
+                          <a:round/>
+                          <a:headEnd type="none" w="med" len="med"/>
+                          <a:tailEnd type="none" w="med" len="med"/>
+                        </a:lnR>
+                        <a:lnT w="12700" cap="flat" cmpd="sng" algn="ctr">
+                          <a:solidFill>
+                            <a:schemeClr val="tx1"/>
+                          </a:solidFill>
+                          <a:prstDash val="solid"/>
+                          <a:round/>
+                          <a:headEnd type="none" w="med" len="med"/>
+                          <a:tailEnd type="none" w="med" len="med"/>
+                        </a:lnT>
+                        <a:lnB w="12700" cap="flat" cmpd="sng" algn="ctr">
+                          <a:solidFill>
+                            <a:schemeClr val="tx1"/>
+                          </a:solidFill>
+                          <a:prstDash val="solid"/>
+                          <a:round/>
+                          <a:headEnd type="none" w="med" len="med"/>
+                          <a:tailEnd type="none" w="med" len="med"/>
+                        </a:lnB>
+                        <a:solidFill>
+                          <a:schemeClr val="bg1"/>
+                        </a:solidFill>
+                      </a:tcPr>
+                    </a:tc>
+                    <a:tc>
+                      <a:txBody>
+                        <a:bodyPr/>
+                        <a:lstStyle/>
+                        <a:p>
+                          <a:endParaRPr lang="ko-KR"/>
+                        </a:p>
+                      </a:txBody>
+                      <a:tcPr>
+                        <a:lnL w="12700" cap="flat" cmpd="sng" algn="ctr">
+                          <a:solidFill>
+                            <a:schemeClr val="tx1"/>
+                          </a:solidFill>
+                          <a:prstDash val="solid"/>
+                          <a:round/>
+                          <a:headEnd type="none" w="med" len="med"/>
+                          <a:tailEnd type="none" w="med" len="med"/>
+                        </a:lnL>
+                        <a:lnR w="12700" cap="flat" cmpd="sng" algn="ctr">
+                          <a:solidFill>
+                            <a:schemeClr val="tx1"/>
+                          </a:solidFill>
+                          <a:prstDash val="solid"/>
+                          <a:round/>
+                          <a:headEnd type="none" w="med" len="med"/>
+                          <a:tailEnd type="none" w="med" len="med"/>
+                        </a:lnR>
+                        <a:lnT w="12700" cap="flat" cmpd="sng" algn="ctr">
+                          <a:solidFill>
+                            <a:schemeClr val="tx1"/>
+                          </a:solidFill>
+                          <a:prstDash val="solid"/>
+                          <a:round/>
+                          <a:headEnd type="none" w="med" len="med"/>
+                          <a:tailEnd type="none" w="med" len="med"/>
+                        </a:lnT>
+                        <a:lnB w="12700" cap="flat" cmpd="sng" algn="ctr">
+                          <a:solidFill>
+                            <a:schemeClr val="tx1"/>
+                          </a:solidFill>
+                          <a:prstDash val="solid"/>
+                          <a:round/>
+                          <a:headEnd type="none" w="med" len="med"/>
+                          <a:tailEnd type="none" w="med" len="med"/>
+                        </a:lnB>
+                        <a:blipFill>
+                          <a:blip r:embed="rId2"/>
+                          <a:stretch>
+                            <a:fillRect l="-28686" t="-108955" r="-64571" b="-1191045"/>
+                          </a:stretch>
+                        </a:blipFill>
+                      </a:tcPr>
+                    </a:tc>
+                    <a:tc>
+                      <a:txBody>
+                        <a:bodyPr/>
+                        <a:lstStyle/>
+                        <a:p>
+                          <a:pPr latinLnBrk="1"/>
+                          <a:endParaRPr lang="ko-KR" altLang="en-US"/>
+                        </a:p>
+                      </a:txBody>
+                      <a:tcPr>
+                        <a:lnL w="12700" cap="flat" cmpd="sng" algn="ctr">
+                          <a:solidFill>
+                            <a:schemeClr val="tx1"/>
+                          </a:solidFill>
+                          <a:prstDash val="solid"/>
+                          <a:round/>
+                          <a:headEnd type="none" w="med" len="med"/>
+                          <a:tailEnd type="none" w="med" len="med"/>
+                        </a:lnL>
+                        <a:lnR w="12700" cap="flat" cmpd="sng" algn="ctr">
+                          <a:solidFill>
+                            <a:schemeClr val="tx1"/>
+                          </a:solidFill>
+                          <a:prstDash val="solid"/>
+                          <a:round/>
+                          <a:headEnd type="none" w="med" len="med"/>
+                          <a:tailEnd type="none" w="med" len="med"/>
+                        </a:lnR>
+                        <a:lnT w="12700" cap="flat" cmpd="sng" algn="ctr">
+                          <a:solidFill>
+                            <a:schemeClr val="tx1"/>
+                          </a:solidFill>
+                          <a:prstDash val="solid"/>
+                          <a:round/>
+                          <a:headEnd type="none" w="med" len="med"/>
+                          <a:tailEnd type="none" w="med" len="med"/>
+                        </a:lnT>
+                        <a:lnB w="12700" cap="flat" cmpd="sng" algn="ctr">
+                          <a:solidFill>
+                            <a:schemeClr val="tx1"/>
+                          </a:solidFill>
+                          <a:prstDash val="solid"/>
+                          <a:round/>
+                          <a:headEnd type="none" w="med" len="med"/>
+                          <a:tailEnd type="none" w="med" len="med"/>
+                        </a:lnB>
+                        <a:solidFill>
+                          <a:schemeClr val="bg1"/>
+                        </a:solidFill>
+                      </a:tcPr>
+                    </a:tc>
+                    <a:extLst>
+                      <a:ext uri="{0D108BD9-81ED-4DB2-BD59-A6C34878D82A}">
+                        <a16:rowId xmlns:a16="http://schemas.microsoft.com/office/drawing/2014/main" val="2399627370"/>
+                      </a:ext>
+                    </a:extLst>
+                  </a:tr>
+                  <a:tr h="721511">
+                    <a:tc>
+                      <a:txBody>
+                        <a:bodyPr/>
+                        <a:lstStyle/>
+                        <a:p>
+                          <a:pPr latinLnBrk="1"/>
+                          <a:endParaRPr lang="ko-KR" altLang="en-US" dirty="0"/>
+                        </a:p>
+                      </a:txBody>
+                      <a:tcPr>
+                        <a:lnL w="12700" cap="flat" cmpd="sng" algn="ctr">
+                          <a:solidFill>
+                            <a:schemeClr val="tx1"/>
+                          </a:solidFill>
+                          <a:prstDash val="solid"/>
+                          <a:round/>
+                          <a:headEnd type="none" w="med" len="med"/>
+                          <a:tailEnd type="none" w="med" len="med"/>
+                        </a:lnL>
+                        <a:lnR w="12700" cap="flat" cmpd="sng" algn="ctr">
+                          <a:solidFill>
+                            <a:schemeClr val="tx1"/>
+                          </a:solidFill>
+                          <a:prstDash val="solid"/>
+                          <a:round/>
+                          <a:headEnd type="none" w="med" len="med"/>
+                          <a:tailEnd type="none" w="med" len="med"/>
+                        </a:lnR>
+                        <a:lnT w="12700" cap="flat" cmpd="sng" algn="ctr">
+                          <a:solidFill>
+                            <a:schemeClr val="tx1"/>
+                          </a:solidFill>
+                          <a:prstDash val="solid"/>
+                          <a:round/>
+                          <a:headEnd type="none" w="med" len="med"/>
+                          <a:tailEnd type="none" w="med" len="med"/>
+                        </a:lnT>
+                        <a:lnB w="12700" cap="flat" cmpd="sng" algn="ctr">
+                          <a:solidFill>
+                            <a:schemeClr val="tx1"/>
+                          </a:solidFill>
+                          <a:prstDash val="solid"/>
+                          <a:round/>
+                          <a:headEnd type="none" w="med" len="med"/>
+                          <a:tailEnd type="none" w="med" len="med"/>
+                        </a:lnB>
+                        <a:solidFill>
+                          <a:schemeClr val="bg1"/>
+                        </a:solidFill>
+                      </a:tcPr>
+                    </a:tc>
+                    <a:tc>
+                      <a:txBody>
+                        <a:bodyPr/>
+                        <a:lstStyle/>
+                        <a:p>
+                          <a:pPr latinLnBrk="1"/>
+                          <a:endParaRPr lang="en-US" altLang="ko-KR" dirty="0"/>
+                        </a:p>
+                      </a:txBody>
+                      <a:tcPr>
+                        <a:lnL w="12700" cap="flat" cmpd="sng" algn="ctr">
+                          <a:solidFill>
+                            <a:schemeClr val="tx1"/>
+                          </a:solidFill>
+                          <a:prstDash val="solid"/>
+                          <a:round/>
+                          <a:headEnd type="none" w="med" len="med"/>
+                          <a:tailEnd type="none" w="med" len="med"/>
+                        </a:lnL>
+                        <a:lnR w="12700" cap="flat" cmpd="sng" algn="ctr">
+                          <a:solidFill>
+                            <a:schemeClr val="tx1"/>
+                          </a:solidFill>
+                          <a:prstDash val="solid"/>
+                          <a:round/>
+                          <a:headEnd type="none" w="med" len="med"/>
+                          <a:tailEnd type="none" w="med" len="med"/>
+                        </a:lnR>
+                        <a:lnT w="12700" cap="flat" cmpd="sng" algn="ctr">
+                          <a:solidFill>
+                            <a:schemeClr val="tx1"/>
+                          </a:solidFill>
+                          <a:prstDash val="solid"/>
+                          <a:round/>
+                          <a:headEnd type="none" w="med" len="med"/>
+                          <a:tailEnd type="none" w="med" len="med"/>
+                        </a:lnT>
+                        <a:lnB w="12700" cap="flat" cmpd="sng" algn="ctr">
+                          <a:solidFill>
+                            <a:schemeClr val="tx1"/>
+                          </a:solidFill>
+                          <a:prstDash val="solid"/>
+                          <a:round/>
+                          <a:headEnd type="none" w="med" len="med"/>
+                          <a:tailEnd type="none" w="med" len="med"/>
+                        </a:lnB>
+                        <a:solidFill>
+                          <a:schemeClr val="bg1"/>
+                        </a:solidFill>
+                      </a:tcPr>
+                    </a:tc>
+                    <a:tc>
+                      <a:txBody>
+                        <a:bodyPr/>
+                        <a:lstStyle/>
+                        <a:p>
+                          <a:pPr latinLnBrk="1"/>
+                          <a:endParaRPr lang="ko-KR" altLang="en-US" dirty="0"/>
+                        </a:p>
+                      </a:txBody>
+                      <a:tcPr>
+                        <a:lnL w="12700" cap="flat" cmpd="sng" algn="ctr">
+                          <a:solidFill>
+                            <a:schemeClr val="tx1"/>
+                          </a:solidFill>
+                          <a:prstDash val="solid"/>
+                          <a:round/>
+                          <a:headEnd type="none" w="med" len="med"/>
+                          <a:tailEnd type="none" w="med" len="med"/>
+                        </a:lnL>
+                        <a:lnR w="12700" cap="flat" cmpd="sng" algn="ctr">
+                          <a:solidFill>
+                            <a:schemeClr val="tx1"/>
+                          </a:solidFill>
+                          <a:prstDash val="solid"/>
+                          <a:round/>
+                          <a:headEnd type="none" w="med" len="med"/>
+                          <a:tailEnd type="none" w="med" len="med"/>
+                        </a:lnR>
+                        <a:lnT w="12700" cap="flat" cmpd="sng" algn="ctr">
+                          <a:solidFill>
+                            <a:schemeClr val="tx1"/>
+                          </a:solidFill>
+                          <a:prstDash val="solid"/>
+                          <a:round/>
+                          <a:headEnd type="none" w="med" len="med"/>
+                          <a:tailEnd type="none" w="med" len="med"/>
+                        </a:lnT>
+                        <a:lnB w="12700" cap="flat" cmpd="sng" algn="ctr">
+                          <a:solidFill>
+                            <a:schemeClr val="tx1"/>
+                          </a:solidFill>
+                          <a:prstDash val="solid"/>
+                          <a:round/>
+                          <a:headEnd type="none" w="med" len="med"/>
+                          <a:tailEnd type="none" w="med" len="med"/>
+                        </a:lnB>
+                        <a:solidFill>
+                          <a:schemeClr val="bg1"/>
+                        </a:solidFill>
+                      </a:tcPr>
+                    </a:tc>
+                    <a:extLst>
+                      <a:ext uri="{0D108BD9-81ED-4DB2-BD59-A6C34878D82A}">
+                        <a16:rowId xmlns:a16="http://schemas.microsoft.com/office/drawing/2014/main" val="2669729593"/>
+                      </a:ext>
+                    </a:extLst>
+                  </a:tr>
+                  <a:tr h="412292">
+                    <a:tc>
+                      <a:txBody>
+                        <a:bodyPr/>
+                        <a:lstStyle/>
+                        <a:p>
+                          <a:pPr latinLnBrk="1"/>
+                          <a:endParaRPr lang="ko-KR" altLang="en-US" dirty="0"/>
+                        </a:p>
+                      </a:txBody>
+                      <a:tcPr>
+                        <a:lnL w="12700" cap="flat" cmpd="sng" algn="ctr">
+                          <a:solidFill>
+                            <a:schemeClr val="tx1"/>
+                          </a:solidFill>
+                          <a:prstDash val="solid"/>
+                          <a:round/>
+                          <a:headEnd type="none" w="med" len="med"/>
+                          <a:tailEnd type="none" w="med" len="med"/>
+                        </a:lnL>
+                        <a:lnR w="12700" cap="flat" cmpd="sng" algn="ctr">
+                          <a:solidFill>
+                            <a:schemeClr val="tx1"/>
+                          </a:solidFill>
+                          <a:prstDash val="solid"/>
+                          <a:round/>
+                          <a:headEnd type="none" w="med" len="med"/>
+                          <a:tailEnd type="none" w="med" len="med"/>
+                        </a:lnR>
+                        <a:lnT w="12700" cap="flat" cmpd="sng" algn="ctr">
+                          <a:solidFill>
+                            <a:schemeClr val="tx1"/>
+                          </a:solidFill>
+                          <a:prstDash val="solid"/>
+                          <a:round/>
+                          <a:headEnd type="none" w="med" len="med"/>
+                          <a:tailEnd type="none" w="med" len="med"/>
+                        </a:lnT>
+                        <a:lnB w="12700" cap="flat" cmpd="sng" algn="ctr">
+                          <a:solidFill>
+                            <a:schemeClr val="tx1"/>
+                          </a:solidFill>
+                          <a:prstDash val="solid"/>
+                          <a:round/>
+                          <a:headEnd type="none" w="med" len="med"/>
+                          <a:tailEnd type="none" w="med" len="med"/>
+                        </a:lnB>
+                        <a:solidFill>
+                          <a:schemeClr val="bg1"/>
+                        </a:solidFill>
+                      </a:tcPr>
+                    </a:tc>
+                    <a:tc>
+                      <a:txBody>
+                        <a:bodyPr/>
+                        <a:lstStyle/>
+                        <a:p>
+                          <a:pPr latinLnBrk="1"/>
+                          <a:endParaRPr lang="ko-KR" altLang="en-US" dirty="0"/>
+                        </a:p>
+                      </a:txBody>
+                      <a:tcPr>
+                        <a:lnL w="12700" cap="flat" cmpd="sng" algn="ctr">
+                          <a:solidFill>
+                            <a:schemeClr val="tx1"/>
+                          </a:solidFill>
+                          <a:prstDash val="solid"/>
+                          <a:round/>
+                          <a:headEnd type="none" w="med" len="med"/>
+                          <a:tailEnd type="none" w="med" len="med"/>
+                        </a:lnL>
+                        <a:lnR w="12700" cap="flat" cmpd="sng" algn="ctr">
+                          <a:solidFill>
+                            <a:schemeClr val="tx1"/>
+                          </a:solidFill>
+                          <a:prstDash val="solid"/>
+                          <a:round/>
+                          <a:headEnd type="none" w="med" len="med"/>
+                          <a:tailEnd type="none" w="med" len="med"/>
+                        </a:lnR>
+                        <a:lnT w="12700" cap="flat" cmpd="sng" algn="ctr">
+                          <a:solidFill>
+                            <a:schemeClr val="tx1"/>
+                          </a:solidFill>
+                          <a:prstDash val="solid"/>
+                          <a:round/>
+                          <a:headEnd type="none" w="med" len="med"/>
+                          <a:tailEnd type="none" w="med" len="med"/>
+                        </a:lnT>
+                        <a:lnB w="12700" cap="flat" cmpd="sng" algn="ctr">
+                          <a:solidFill>
+                            <a:schemeClr val="tx1"/>
+                          </a:solidFill>
+                          <a:prstDash val="solid"/>
+                          <a:round/>
+                          <a:headEnd type="none" w="med" len="med"/>
+                          <a:tailEnd type="none" w="med" len="med"/>
+                        </a:lnB>
+                        <a:solidFill>
+                          <a:schemeClr val="bg1"/>
+                        </a:solidFill>
+                      </a:tcPr>
+                    </a:tc>
+                    <a:tc>
+                      <a:txBody>
+                        <a:bodyPr/>
+                        <a:lstStyle/>
+                        <a:p>
+                          <a:pPr latinLnBrk="1"/>
+                          <a:endParaRPr lang="ko-KR" altLang="en-US" dirty="0"/>
+                        </a:p>
+                      </a:txBody>
+                      <a:tcPr>
+                        <a:lnL w="12700" cap="flat" cmpd="sng" algn="ctr">
+                          <a:solidFill>
+                            <a:schemeClr val="tx1"/>
+                          </a:solidFill>
+                          <a:prstDash val="solid"/>
+                          <a:round/>
+                          <a:headEnd type="none" w="med" len="med"/>
+                          <a:tailEnd type="none" w="med" len="med"/>
+                        </a:lnL>
+                        <a:lnR w="12700" cap="flat" cmpd="sng" algn="ctr">
+                          <a:solidFill>
+                            <a:schemeClr val="tx1"/>
+                          </a:solidFill>
+                          <a:prstDash val="solid"/>
+                          <a:round/>
+                          <a:headEnd type="none" w="med" len="med"/>
+                          <a:tailEnd type="none" w="med" len="med"/>
+                        </a:lnR>
+                        <a:lnT w="12700" cap="flat" cmpd="sng" algn="ctr">
+                          <a:solidFill>
+                            <a:schemeClr val="tx1"/>
+                          </a:solidFill>
+                          <a:prstDash val="solid"/>
+                          <a:round/>
+                          <a:headEnd type="none" w="med" len="med"/>
+                          <a:tailEnd type="none" w="med" len="med"/>
+                        </a:lnT>
+                        <a:lnB w="12700" cap="flat" cmpd="sng" algn="ctr">
+                          <a:solidFill>
+                            <a:schemeClr val="tx1"/>
+                          </a:solidFill>
+                          <a:prstDash val="solid"/>
+                          <a:round/>
+                          <a:headEnd type="none" w="med" len="med"/>
+                          <a:tailEnd type="none" w="med" len="med"/>
+                        </a:lnB>
+                        <a:solidFill>
+                          <a:schemeClr val="bg1"/>
+                        </a:solidFill>
+                      </a:tcPr>
+                    </a:tc>
+                    <a:extLst>
+                      <a:ext uri="{0D108BD9-81ED-4DB2-BD59-A6C34878D82A}">
+                        <a16:rowId xmlns:a16="http://schemas.microsoft.com/office/drawing/2014/main" val="623984251"/>
+                      </a:ext>
+                    </a:extLst>
+                  </a:tr>
+                  <a:tr h="412292">
+                    <a:tc>
+                      <a:txBody>
+                        <a:bodyPr/>
+                        <a:lstStyle/>
+                        <a:p>
+                          <a:pPr latinLnBrk="1"/>
+                          <a:endParaRPr lang="ko-KR" altLang="en-US" dirty="0"/>
+                        </a:p>
+                      </a:txBody>
+                      <a:tcPr>
+                        <a:lnL w="12700" cap="flat" cmpd="sng" algn="ctr">
+                          <a:solidFill>
+                            <a:schemeClr val="tx1"/>
+                          </a:solidFill>
+                          <a:prstDash val="solid"/>
+                          <a:round/>
+                          <a:headEnd type="none" w="med" len="med"/>
+                          <a:tailEnd type="none" w="med" len="med"/>
+                        </a:lnL>
+                        <a:lnR w="12700" cap="flat" cmpd="sng" algn="ctr">
+                          <a:solidFill>
+                            <a:schemeClr val="tx1"/>
+                          </a:solidFill>
+                          <a:prstDash val="solid"/>
+                          <a:round/>
+                          <a:headEnd type="none" w="med" len="med"/>
+                          <a:tailEnd type="none" w="med" len="med"/>
+                        </a:lnR>
+                        <a:lnT w="12700" cap="flat" cmpd="sng" algn="ctr">
+                          <a:solidFill>
+                            <a:schemeClr val="tx1"/>
+                          </a:solidFill>
+                          <a:prstDash val="solid"/>
+                          <a:round/>
+                          <a:headEnd type="none" w="med" len="med"/>
+                          <a:tailEnd type="none" w="med" len="med"/>
+                        </a:lnT>
+                        <a:lnB w="12700" cap="flat" cmpd="sng" algn="ctr">
+                          <a:solidFill>
+                            <a:schemeClr val="tx1"/>
+                          </a:solidFill>
+                          <a:prstDash val="solid"/>
+                          <a:round/>
+                          <a:headEnd type="none" w="med" len="med"/>
+                          <a:tailEnd type="none" w="med" len="med"/>
+                        </a:lnB>
+                        <a:solidFill>
+                          <a:schemeClr val="bg1"/>
+                        </a:solidFill>
+                      </a:tcPr>
+                    </a:tc>
+                    <a:tc>
+                      <a:txBody>
+                        <a:bodyPr/>
+                        <a:lstStyle/>
+                        <a:p>
+                          <a:pPr latinLnBrk="1"/>
+                          <a:endParaRPr lang="ko-KR" altLang="en-US" dirty="0"/>
+                        </a:p>
+                      </a:txBody>
+                      <a:tcPr>
+                        <a:lnL w="12700" cap="flat" cmpd="sng" algn="ctr">
+                          <a:solidFill>
+                            <a:schemeClr val="tx1"/>
+                          </a:solidFill>
+                          <a:prstDash val="solid"/>
+                          <a:round/>
+                          <a:headEnd type="none" w="med" len="med"/>
+                          <a:tailEnd type="none" w="med" len="med"/>
+                        </a:lnL>
+                        <a:lnR w="12700" cap="flat" cmpd="sng" algn="ctr">
+                          <a:solidFill>
+                            <a:schemeClr val="tx1"/>
+                          </a:solidFill>
+                          <a:prstDash val="solid"/>
+                          <a:round/>
+                          <a:headEnd type="none" w="med" len="med"/>
+                          <a:tailEnd type="none" w="med" len="med"/>
+                        </a:lnR>
+                        <a:lnT w="12700" cap="flat" cmpd="sng" algn="ctr">
+                          <a:solidFill>
+                            <a:schemeClr val="tx1"/>
+                          </a:solidFill>
+                          <a:prstDash val="solid"/>
+                          <a:round/>
+                          <a:headEnd type="none" w="med" len="med"/>
+                          <a:tailEnd type="none" w="med" len="med"/>
+                        </a:lnT>
+                        <a:lnB w="12700" cap="flat" cmpd="sng" algn="ctr">
+                          <a:solidFill>
+                            <a:schemeClr val="tx1"/>
+                          </a:solidFill>
+                          <a:prstDash val="solid"/>
+                          <a:round/>
+                          <a:headEnd type="none" w="med" len="med"/>
+                          <a:tailEnd type="none" w="med" len="med"/>
+                        </a:lnB>
+                        <a:solidFill>
+                          <a:schemeClr val="bg1"/>
+                        </a:solidFill>
+                      </a:tcPr>
+                    </a:tc>
+                    <a:tc>
+                      <a:txBody>
+                        <a:bodyPr/>
+                        <a:lstStyle/>
+                        <a:p>
+                          <a:pPr latinLnBrk="1"/>
+                          <a:endParaRPr lang="ko-KR" altLang="en-US" dirty="0"/>
+                        </a:p>
+                      </a:txBody>
+                      <a:tcPr>
+                        <a:lnL w="12700" cap="flat" cmpd="sng" algn="ctr">
+                          <a:solidFill>
+                            <a:schemeClr val="tx1"/>
+                          </a:solidFill>
+                          <a:prstDash val="solid"/>
+                          <a:round/>
+                          <a:headEnd type="none" w="med" len="med"/>
+                          <a:tailEnd type="none" w="med" len="med"/>
+                        </a:lnL>
+                        <a:lnR w="12700" cap="flat" cmpd="sng" algn="ctr">
+                          <a:solidFill>
+                            <a:schemeClr val="tx1"/>
+                          </a:solidFill>
+                          <a:prstDash val="solid"/>
+                          <a:round/>
+                          <a:headEnd type="none" w="med" len="med"/>
+                          <a:tailEnd type="none" w="med" len="med"/>
+                        </a:lnR>
+                        <a:lnT w="12700" cap="flat" cmpd="sng" algn="ctr">
+                          <a:solidFill>
+                            <a:schemeClr val="tx1"/>
+                          </a:solidFill>
+                          <a:prstDash val="solid"/>
+                          <a:round/>
+                          <a:headEnd type="none" w="med" len="med"/>
+                          <a:tailEnd type="none" w="med" len="med"/>
+                        </a:lnT>
+                        <a:lnB w="12700" cap="flat" cmpd="sng" algn="ctr">
+                          <a:solidFill>
+                            <a:schemeClr val="tx1"/>
+                          </a:solidFill>
+                          <a:prstDash val="solid"/>
+                          <a:round/>
+                          <a:headEnd type="none" w="med" len="med"/>
+                          <a:tailEnd type="none" w="med" len="med"/>
+                        </a:lnB>
+                        <a:solidFill>
+                          <a:schemeClr val="bg1"/>
+                        </a:solidFill>
+                      </a:tcPr>
+                    </a:tc>
+                    <a:extLst>
+                      <a:ext uri="{0D108BD9-81ED-4DB2-BD59-A6C34878D82A}">
+                        <a16:rowId xmlns:a16="http://schemas.microsoft.com/office/drawing/2014/main" val="1632979252"/>
+                      </a:ext>
+                    </a:extLst>
+                  </a:tr>
+                  <a:tr h="412292">
+                    <a:tc>
+                      <a:txBody>
+                        <a:bodyPr/>
+                        <a:lstStyle/>
+                        <a:p>
+                          <a:pPr latinLnBrk="1"/>
+                          <a:endParaRPr lang="ko-KR" altLang="en-US" dirty="0"/>
+                        </a:p>
+                      </a:txBody>
+                      <a:tcPr>
+                        <a:lnL w="12700" cap="flat" cmpd="sng" algn="ctr">
+                          <a:solidFill>
+                            <a:schemeClr val="tx1"/>
+                          </a:solidFill>
+                          <a:prstDash val="solid"/>
+                          <a:round/>
+                          <a:headEnd type="none" w="med" len="med"/>
+                          <a:tailEnd type="none" w="med" len="med"/>
+                        </a:lnL>
+                        <a:lnR w="12700" cap="flat" cmpd="sng" algn="ctr">
+                          <a:solidFill>
+                            <a:schemeClr val="tx1"/>
+                          </a:solidFill>
+                          <a:prstDash val="solid"/>
+                          <a:round/>
+                          <a:headEnd type="none" w="med" len="med"/>
+                          <a:tailEnd type="none" w="med" len="med"/>
+                        </a:lnR>
+                        <a:lnT w="12700" cap="flat" cmpd="sng" algn="ctr">
+                          <a:solidFill>
+                            <a:schemeClr val="tx1"/>
+                          </a:solidFill>
+                          <a:prstDash val="solid"/>
+                          <a:round/>
+                          <a:headEnd type="none" w="med" len="med"/>
+                          <a:tailEnd type="none" w="med" len="med"/>
+                        </a:lnT>
+                        <a:lnB w="12700" cap="flat" cmpd="sng" algn="ctr">
+                          <a:solidFill>
+                            <a:schemeClr val="tx1"/>
+                          </a:solidFill>
+                          <a:prstDash val="solid"/>
+                          <a:round/>
+                          <a:headEnd type="none" w="med" len="med"/>
+                          <a:tailEnd type="none" w="med" len="med"/>
+                        </a:lnB>
+                        <a:solidFill>
+                          <a:schemeClr val="bg1"/>
+                        </a:solidFill>
+                      </a:tcPr>
+                    </a:tc>
+                    <a:tc>
+                      <a:txBody>
+                        <a:bodyPr/>
+                        <a:lstStyle/>
+                        <a:p>
+                          <a:pPr latinLnBrk="1"/>
+                          <a:endParaRPr lang="ko-KR" altLang="en-US" dirty="0"/>
+                        </a:p>
+                      </a:txBody>
+                      <a:tcPr>
+                        <a:lnL w="12700" cap="flat" cmpd="sng" algn="ctr">
+                          <a:solidFill>
+                            <a:schemeClr val="tx1"/>
+                          </a:solidFill>
+                          <a:prstDash val="solid"/>
+                          <a:round/>
+                          <a:headEnd type="none" w="med" len="med"/>
+                          <a:tailEnd type="none" w="med" len="med"/>
+                        </a:lnL>
+                        <a:lnR w="12700" cap="flat" cmpd="sng" algn="ctr">
+                          <a:solidFill>
+                            <a:schemeClr val="tx1"/>
+                          </a:solidFill>
+                          <a:prstDash val="solid"/>
+                          <a:round/>
+                          <a:headEnd type="none" w="med" len="med"/>
+                          <a:tailEnd type="none" w="med" len="med"/>
+                        </a:lnR>
+                        <a:lnT w="12700" cap="flat" cmpd="sng" algn="ctr">
+                          <a:solidFill>
+                            <a:schemeClr val="tx1"/>
+                          </a:solidFill>
+                          <a:prstDash val="solid"/>
+                          <a:round/>
+                          <a:headEnd type="none" w="med" len="med"/>
+                          <a:tailEnd type="none" w="med" len="med"/>
+                        </a:lnT>
+                        <a:lnB w="12700" cap="flat" cmpd="sng" algn="ctr">
+                          <a:solidFill>
+                            <a:schemeClr val="tx1"/>
+                          </a:solidFill>
+                          <a:prstDash val="solid"/>
+                          <a:round/>
+                          <a:headEnd type="none" w="med" len="med"/>
+                          <a:tailEnd type="none" w="med" len="med"/>
+                        </a:lnB>
+                        <a:solidFill>
+                          <a:schemeClr val="bg1"/>
+                        </a:solidFill>
+                      </a:tcPr>
+                    </a:tc>
+                    <a:tc>
+                      <a:txBody>
+                        <a:bodyPr/>
+                        <a:lstStyle/>
+                        <a:p>
+                          <a:pPr latinLnBrk="1"/>
+                          <a:endParaRPr lang="ko-KR" altLang="en-US" dirty="0"/>
+                        </a:p>
+                      </a:txBody>
+                      <a:tcPr>
+                        <a:lnL w="12700" cap="flat" cmpd="sng" algn="ctr">
+                          <a:solidFill>
+                            <a:schemeClr val="tx1"/>
+                          </a:solidFill>
+                          <a:prstDash val="solid"/>
+                          <a:round/>
+                          <a:headEnd type="none" w="med" len="med"/>
+                          <a:tailEnd type="none" w="med" len="med"/>
+                        </a:lnL>
+                        <a:lnR w="12700" cap="flat" cmpd="sng" algn="ctr">
+                          <a:solidFill>
+                            <a:schemeClr val="tx1"/>
+                          </a:solidFill>
+                          <a:prstDash val="solid"/>
+                          <a:round/>
+                          <a:headEnd type="none" w="med" len="med"/>
+                          <a:tailEnd type="none" w="med" len="med"/>
+                        </a:lnR>
+                        <a:lnT w="12700" cap="flat" cmpd="sng" algn="ctr">
+                          <a:solidFill>
+                            <a:schemeClr val="tx1"/>
+                          </a:solidFill>
+                          <a:prstDash val="solid"/>
+                          <a:round/>
+                          <a:headEnd type="none" w="med" len="med"/>
+                          <a:tailEnd type="none" w="med" len="med"/>
+                        </a:lnT>
+                        <a:lnB w="12700" cap="flat" cmpd="sng" algn="ctr">
+                          <a:solidFill>
+                            <a:schemeClr val="tx1"/>
+                          </a:solidFill>
+                          <a:prstDash val="solid"/>
+                          <a:round/>
+                          <a:headEnd type="none" w="med" len="med"/>
+                          <a:tailEnd type="none" w="med" len="med"/>
+                        </a:lnB>
+                        <a:solidFill>
+                          <a:schemeClr val="bg1"/>
+                        </a:solidFill>
+                      </a:tcPr>
+                    </a:tc>
+                    <a:extLst>
+                      <a:ext uri="{0D108BD9-81ED-4DB2-BD59-A6C34878D82A}">
+                        <a16:rowId xmlns:a16="http://schemas.microsoft.com/office/drawing/2014/main" val="2528105153"/>
+                      </a:ext>
+                    </a:extLst>
+                  </a:tr>
+                  <a:tr h="412292">
+                    <a:tc>
+                      <a:txBody>
+                        <a:bodyPr/>
+                        <a:lstStyle/>
+                        <a:p>
+                          <a:pPr latinLnBrk="1"/>
+                          <a:endParaRPr lang="ko-KR" altLang="en-US" dirty="0"/>
+                        </a:p>
+                      </a:txBody>
+                      <a:tcPr>
+                        <a:lnL w="12700" cap="flat" cmpd="sng" algn="ctr">
+                          <a:solidFill>
+                            <a:schemeClr val="tx1"/>
+                          </a:solidFill>
+                          <a:prstDash val="solid"/>
+                          <a:round/>
+                          <a:headEnd type="none" w="med" len="med"/>
+                          <a:tailEnd type="none" w="med" len="med"/>
+                        </a:lnL>
+                        <a:lnR w="12700" cap="flat" cmpd="sng" algn="ctr">
+                          <a:solidFill>
+                            <a:schemeClr val="tx1"/>
+                          </a:solidFill>
+                          <a:prstDash val="solid"/>
+                          <a:round/>
+                          <a:headEnd type="none" w="med" len="med"/>
+                          <a:tailEnd type="none" w="med" len="med"/>
+                        </a:lnR>
+                        <a:lnT w="12700" cap="flat" cmpd="sng" algn="ctr">
+                          <a:solidFill>
+                            <a:schemeClr val="tx1"/>
+                          </a:solidFill>
+                          <a:prstDash val="solid"/>
+                          <a:round/>
+                          <a:headEnd type="none" w="med" len="med"/>
+                          <a:tailEnd type="none" w="med" len="med"/>
+                        </a:lnT>
+                        <a:lnB w="12700" cap="flat" cmpd="sng" algn="ctr">
+                          <a:solidFill>
+                            <a:schemeClr val="tx1"/>
+                          </a:solidFill>
+                          <a:prstDash val="solid"/>
+                          <a:round/>
+                          <a:headEnd type="none" w="med" len="med"/>
+                          <a:tailEnd type="none" w="med" len="med"/>
+                        </a:lnB>
+                        <a:solidFill>
+                          <a:schemeClr val="bg1"/>
+                        </a:solidFill>
+                      </a:tcPr>
+                    </a:tc>
+                    <a:tc>
+                      <a:txBody>
+                        <a:bodyPr/>
+                        <a:lstStyle/>
+                        <a:p>
+                          <a:pPr latinLnBrk="1"/>
+                          <a:endParaRPr lang="ko-KR" altLang="en-US" dirty="0"/>
+                        </a:p>
+                      </a:txBody>
+                      <a:tcPr>
+                        <a:lnL w="12700" cap="flat" cmpd="sng" algn="ctr">
+                          <a:solidFill>
+                            <a:schemeClr val="tx1"/>
+                          </a:solidFill>
+                          <a:prstDash val="solid"/>
+                          <a:round/>
+                          <a:headEnd type="none" w="med" len="med"/>
+                          <a:tailEnd type="none" w="med" len="med"/>
+                        </a:lnL>
+                        <a:lnR w="12700" cap="flat" cmpd="sng" algn="ctr">
+                          <a:solidFill>
+                            <a:schemeClr val="tx1"/>
+                          </a:solidFill>
+                          <a:prstDash val="solid"/>
+                          <a:round/>
+                          <a:headEnd type="none" w="med" len="med"/>
+                          <a:tailEnd type="none" w="med" len="med"/>
+                        </a:lnR>
+                        <a:lnT w="12700" cap="flat" cmpd="sng" algn="ctr">
+                          <a:solidFill>
+                            <a:schemeClr val="tx1"/>
+                          </a:solidFill>
+                          <a:prstDash val="solid"/>
+                          <a:round/>
+                          <a:headEnd type="none" w="med" len="med"/>
+                          <a:tailEnd type="none" w="med" len="med"/>
+                        </a:lnT>
+                        <a:lnB w="12700" cap="flat" cmpd="sng" algn="ctr">
+                          <a:solidFill>
+                            <a:schemeClr val="tx1"/>
+                          </a:solidFill>
+                          <a:prstDash val="solid"/>
+                          <a:round/>
+                          <a:headEnd type="none" w="med" len="med"/>
+                          <a:tailEnd type="none" w="med" len="med"/>
+                        </a:lnB>
+                        <a:solidFill>
+                          <a:schemeClr val="bg1"/>
+                        </a:solidFill>
+                      </a:tcPr>
+                    </a:tc>
+                    <a:tc>
+                      <a:txBody>
+                        <a:bodyPr/>
+                        <a:lstStyle/>
+                        <a:p>
+                          <a:pPr latinLnBrk="1"/>
+                          <a:endParaRPr lang="ko-KR" altLang="en-US" dirty="0"/>
+                        </a:p>
+                      </a:txBody>
+                      <a:tcPr>
+                        <a:lnL w="12700" cap="flat" cmpd="sng" algn="ctr">
+                          <a:solidFill>
+                            <a:schemeClr val="tx1"/>
+                          </a:solidFill>
+                          <a:prstDash val="solid"/>
+                          <a:round/>
+                          <a:headEnd type="none" w="med" len="med"/>
+                          <a:tailEnd type="none" w="med" len="med"/>
+                        </a:lnL>
+                        <a:lnR w="12700" cap="flat" cmpd="sng" algn="ctr">
+                          <a:solidFill>
+                            <a:schemeClr val="tx1"/>
+                          </a:solidFill>
+                          <a:prstDash val="solid"/>
+                          <a:round/>
+                          <a:headEnd type="none" w="med" len="med"/>
+                          <a:tailEnd type="none" w="med" len="med"/>
+                        </a:lnR>
+                        <a:lnT w="12700" cap="flat" cmpd="sng" algn="ctr">
+                          <a:solidFill>
+                            <a:schemeClr val="tx1"/>
+                          </a:solidFill>
+                          <a:prstDash val="solid"/>
+                          <a:round/>
+                          <a:headEnd type="none" w="med" len="med"/>
+                          <a:tailEnd type="none" w="med" len="med"/>
+                        </a:lnT>
+                        <a:lnB w="12700" cap="flat" cmpd="sng" algn="ctr">
+                          <a:solidFill>
+                            <a:schemeClr val="tx1"/>
+                          </a:solidFill>
+                          <a:prstDash val="solid"/>
+                          <a:round/>
+                          <a:headEnd type="none" w="med" len="med"/>
+                          <a:tailEnd type="none" w="med" len="med"/>
+                        </a:lnB>
+                        <a:solidFill>
+                          <a:schemeClr val="bg1"/>
+                        </a:solidFill>
+                      </a:tcPr>
+                    </a:tc>
+                    <a:extLst>
+                      <a:ext uri="{0D108BD9-81ED-4DB2-BD59-A6C34878D82A}">
+                        <a16:rowId xmlns:a16="http://schemas.microsoft.com/office/drawing/2014/main" val="999056982"/>
+                      </a:ext>
+                    </a:extLst>
+                  </a:tr>
+                  <a:tr h="412292">
+                    <a:tc>
+                      <a:txBody>
+                        <a:bodyPr/>
+                        <a:lstStyle/>
+                        <a:p>
+                          <a:pPr latinLnBrk="1"/>
+                          <a:endParaRPr lang="ko-KR" altLang="en-US" dirty="0"/>
+                        </a:p>
+                      </a:txBody>
+                      <a:tcPr>
+                        <a:lnL w="12700" cap="flat" cmpd="sng" algn="ctr">
+                          <a:solidFill>
+                            <a:schemeClr val="tx1"/>
+                          </a:solidFill>
+                          <a:prstDash val="solid"/>
+                          <a:round/>
+                          <a:headEnd type="none" w="med" len="med"/>
+                          <a:tailEnd type="none" w="med" len="med"/>
+                        </a:lnL>
+                        <a:lnR w="12700" cap="flat" cmpd="sng" algn="ctr">
+                          <a:solidFill>
+                            <a:schemeClr val="tx1"/>
+                          </a:solidFill>
+                          <a:prstDash val="solid"/>
+                          <a:round/>
+                          <a:headEnd type="none" w="med" len="med"/>
+                          <a:tailEnd type="none" w="med" len="med"/>
+                        </a:lnR>
+                        <a:lnT w="12700" cap="flat" cmpd="sng" algn="ctr">
+                          <a:solidFill>
+                            <a:schemeClr val="tx1"/>
+                          </a:solidFill>
+                          <a:prstDash val="solid"/>
+                          <a:round/>
+                          <a:headEnd type="none" w="med" len="med"/>
+                          <a:tailEnd type="none" w="med" len="med"/>
+                        </a:lnT>
+                        <a:lnB w="12700" cap="flat" cmpd="sng" algn="ctr">
+                          <a:solidFill>
+                            <a:schemeClr val="tx1"/>
+                          </a:solidFill>
+                          <a:prstDash val="solid"/>
+                          <a:round/>
+                          <a:headEnd type="none" w="med" len="med"/>
+                          <a:tailEnd type="none" w="med" len="med"/>
+                        </a:lnB>
+                        <a:solidFill>
+                          <a:schemeClr val="bg1"/>
+                        </a:solidFill>
+                      </a:tcPr>
+                    </a:tc>
+                    <a:tc>
+                      <a:txBody>
+                        <a:bodyPr/>
+                        <a:lstStyle/>
+                        <a:p>
+                          <a:pPr latinLnBrk="1"/>
+                          <a:endParaRPr lang="ko-KR" altLang="en-US" dirty="0"/>
+                        </a:p>
+                      </a:txBody>
+                      <a:tcPr>
+                        <a:lnL w="12700" cap="flat" cmpd="sng" algn="ctr">
+                          <a:solidFill>
+                            <a:schemeClr val="tx1"/>
+                          </a:solidFill>
+                          <a:prstDash val="solid"/>
+                          <a:round/>
+                          <a:headEnd type="none" w="med" len="med"/>
+                          <a:tailEnd type="none" w="med" len="med"/>
+                        </a:lnL>
+                        <a:lnR w="12700" cap="flat" cmpd="sng" algn="ctr">
+                          <a:solidFill>
+                            <a:schemeClr val="tx1"/>
+                          </a:solidFill>
+                          <a:prstDash val="solid"/>
+                          <a:round/>
+                          <a:headEnd type="none" w="med" len="med"/>
+                          <a:tailEnd type="none" w="med" len="med"/>
+                        </a:lnR>
+                        <a:lnT w="12700" cap="flat" cmpd="sng" algn="ctr">
+                          <a:solidFill>
+                            <a:schemeClr val="tx1"/>
+                          </a:solidFill>
+                          <a:prstDash val="solid"/>
+                          <a:round/>
+                          <a:headEnd type="none" w="med" len="med"/>
+                          <a:tailEnd type="none" w="med" len="med"/>
+                        </a:lnT>
+                        <a:lnB w="12700" cap="flat" cmpd="sng" algn="ctr">
+                          <a:solidFill>
+                            <a:schemeClr val="tx1"/>
+                          </a:solidFill>
+                          <a:prstDash val="solid"/>
+                          <a:round/>
+                          <a:headEnd type="none" w="med" len="med"/>
+                          <a:tailEnd type="none" w="med" len="med"/>
+                        </a:lnB>
+                        <a:solidFill>
+                          <a:schemeClr val="bg1"/>
+                        </a:solidFill>
+                      </a:tcPr>
+                    </a:tc>
+                    <a:tc>
+                      <a:txBody>
+                        <a:bodyPr/>
+                        <a:lstStyle/>
+                        <a:p>
+                          <a:pPr latinLnBrk="1"/>
+                          <a:endParaRPr lang="ko-KR" altLang="en-US" dirty="0"/>
+                        </a:p>
+                      </a:txBody>
+                      <a:tcPr>
+                        <a:lnL w="12700" cap="flat" cmpd="sng" algn="ctr">
+                          <a:solidFill>
+                            <a:schemeClr val="tx1"/>
+                          </a:solidFill>
+                          <a:prstDash val="solid"/>
+                          <a:round/>
+                          <a:headEnd type="none" w="med" len="med"/>
+                          <a:tailEnd type="none" w="med" len="med"/>
+                        </a:lnL>
+                        <a:lnR w="12700" cap="flat" cmpd="sng" algn="ctr">
+                          <a:solidFill>
+                            <a:schemeClr val="tx1"/>
+                          </a:solidFill>
+                          <a:prstDash val="solid"/>
+                          <a:round/>
+                          <a:headEnd type="none" w="med" len="med"/>
+                          <a:tailEnd type="none" w="med" len="med"/>
+                        </a:lnR>
+                        <a:lnT w="12700" cap="flat" cmpd="sng" algn="ctr">
+                          <a:solidFill>
+                            <a:schemeClr val="tx1"/>
+                          </a:solidFill>
+                          <a:prstDash val="solid"/>
+                          <a:round/>
+                          <a:headEnd type="none" w="med" len="med"/>
+                          <a:tailEnd type="none" w="med" len="med"/>
+                        </a:lnT>
+                        <a:lnB w="12700" cap="flat" cmpd="sng" algn="ctr">
+                          <a:solidFill>
+                            <a:schemeClr val="tx1"/>
+                          </a:solidFill>
+                          <a:prstDash val="solid"/>
+                          <a:round/>
+                          <a:headEnd type="none" w="med" len="med"/>
+                          <a:tailEnd type="none" w="med" len="med"/>
+                        </a:lnB>
+                        <a:solidFill>
+                          <a:schemeClr val="bg1"/>
+                        </a:solidFill>
+                      </a:tcPr>
+                    </a:tc>
+                    <a:extLst>
+                      <a:ext uri="{0D108BD9-81ED-4DB2-BD59-A6C34878D82A}">
+                        <a16:rowId xmlns:a16="http://schemas.microsoft.com/office/drawing/2014/main" val="861593928"/>
+                      </a:ext>
+                    </a:extLst>
+                  </a:tr>
+                  <a:tr h="412292">
+                    <a:tc>
+                      <a:txBody>
+                        <a:bodyPr/>
+                        <a:lstStyle/>
+                        <a:p>
+                          <a:pPr latinLnBrk="1"/>
+                          <a:endParaRPr lang="ko-KR" altLang="en-US" dirty="0"/>
+                        </a:p>
+                      </a:txBody>
+                      <a:tcPr>
+                        <a:lnL w="12700" cap="flat" cmpd="sng" algn="ctr">
+                          <a:solidFill>
+                            <a:schemeClr val="tx1"/>
+                          </a:solidFill>
+                          <a:prstDash val="solid"/>
+                          <a:round/>
+                          <a:headEnd type="none" w="med" len="med"/>
+                          <a:tailEnd type="none" w="med" len="med"/>
+                        </a:lnL>
+                        <a:lnR w="12700" cap="flat" cmpd="sng" algn="ctr">
+                          <a:solidFill>
+                            <a:schemeClr val="tx1"/>
+                          </a:solidFill>
+                          <a:prstDash val="solid"/>
+                          <a:round/>
+                          <a:headEnd type="none" w="med" len="med"/>
+                          <a:tailEnd type="none" w="med" len="med"/>
+                        </a:lnR>
+                        <a:lnT w="12700" cap="flat" cmpd="sng" algn="ctr">
+                          <a:solidFill>
+                            <a:schemeClr val="tx1"/>
+                          </a:solidFill>
+                          <a:prstDash val="solid"/>
+                          <a:round/>
+                          <a:headEnd type="none" w="med" len="med"/>
+                          <a:tailEnd type="none" w="med" len="med"/>
+                        </a:lnT>
+                        <a:lnB w="12700" cap="flat" cmpd="sng" algn="ctr">
+                          <a:solidFill>
+                            <a:schemeClr val="tx1"/>
+                          </a:solidFill>
+                          <a:prstDash val="solid"/>
+                          <a:round/>
+                          <a:headEnd type="none" w="med" len="med"/>
+                          <a:tailEnd type="none" w="med" len="med"/>
+                        </a:lnB>
+                        <a:solidFill>
+                          <a:schemeClr val="bg1"/>
+                        </a:solidFill>
+                      </a:tcPr>
+                    </a:tc>
+                    <a:tc>
+                      <a:txBody>
+                        <a:bodyPr/>
+                        <a:lstStyle/>
+                        <a:p>
+                          <a:pPr latinLnBrk="1"/>
+                          <a:endParaRPr lang="ko-KR" altLang="en-US" dirty="0"/>
+                        </a:p>
+                      </a:txBody>
+                      <a:tcPr>
+                        <a:lnL w="12700" cap="flat" cmpd="sng" algn="ctr">
+                          <a:solidFill>
+                            <a:schemeClr val="tx1"/>
+                          </a:solidFill>
+                          <a:prstDash val="solid"/>
+                          <a:round/>
+                          <a:headEnd type="none" w="med" len="med"/>
+                          <a:tailEnd type="none" w="med" len="med"/>
+                        </a:lnL>
+                        <a:lnR w="12700" cap="flat" cmpd="sng" algn="ctr">
+                          <a:solidFill>
+                            <a:schemeClr val="tx1"/>
+                          </a:solidFill>
+                          <a:prstDash val="solid"/>
+                          <a:round/>
+                          <a:headEnd type="none" w="med" len="med"/>
+                          <a:tailEnd type="none" w="med" len="med"/>
+                        </a:lnR>
+                        <a:lnT w="12700" cap="flat" cmpd="sng" algn="ctr">
+                          <a:solidFill>
+                            <a:schemeClr val="tx1"/>
+                          </a:solidFill>
+                          <a:prstDash val="solid"/>
+                          <a:round/>
+                          <a:headEnd type="none" w="med" len="med"/>
+                          <a:tailEnd type="none" w="med" len="med"/>
+                        </a:lnT>
+                        <a:lnB w="12700" cap="flat" cmpd="sng" algn="ctr">
+                          <a:solidFill>
+                            <a:schemeClr val="tx1"/>
+                          </a:solidFill>
+                          <a:prstDash val="solid"/>
+                          <a:round/>
+                          <a:headEnd type="none" w="med" len="med"/>
+                          <a:tailEnd type="none" w="med" len="med"/>
+                        </a:lnB>
+                        <a:solidFill>
+                          <a:schemeClr val="bg1"/>
+                        </a:solidFill>
+                      </a:tcPr>
+                    </a:tc>
+                    <a:tc>
+                      <a:txBody>
+                        <a:bodyPr/>
+                        <a:lstStyle/>
+                        <a:p>
+                          <a:pPr latinLnBrk="1"/>
+                          <a:endParaRPr lang="ko-KR" altLang="en-US" dirty="0"/>
+                        </a:p>
+                      </a:txBody>
+                      <a:tcPr>
+                        <a:lnL w="12700" cap="flat" cmpd="sng" algn="ctr">
+                          <a:solidFill>
+                            <a:schemeClr val="tx1"/>
+                          </a:solidFill>
+                          <a:prstDash val="solid"/>
+                          <a:round/>
+                          <a:headEnd type="none" w="med" len="med"/>
+                          <a:tailEnd type="none" w="med" len="med"/>
+                        </a:lnL>
+                        <a:lnR w="12700" cap="flat" cmpd="sng" algn="ctr">
+                          <a:solidFill>
+                            <a:schemeClr val="tx1"/>
+                          </a:solidFill>
+                          <a:prstDash val="solid"/>
+                          <a:round/>
+                          <a:headEnd type="none" w="med" len="med"/>
+                          <a:tailEnd type="none" w="med" len="med"/>
+                        </a:lnR>
+                        <a:lnT w="12700" cap="flat" cmpd="sng" algn="ctr">
+                          <a:solidFill>
+                            <a:schemeClr val="tx1"/>
+                          </a:solidFill>
+                          <a:prstDash val="solid"/>
+                          <a:round/>
+                          <a:headEnd type="none" w="med" len="med"/>
+                          <a:tailEnd type="none" w="med" len="med"/>
+                        </a:lnT>
+                        <a:lnB w="12700" cap="flat" cmpd="sng" algn="ctr">
+                          <a:solidFill>
+                            <a:schemeClr val="tx1"/>
+                          </a:solidFill>
+                          <a:prstDash val="solid"/>
+                          <a:round/>
+                          <a:headEnd type="none" w="med" len="med"/>
+                          <a:tailEnd type="none" w="med" len="med"/>
+                        </a:lnB>
+                        <a:solidFill>
+                          <a:schemeClr val="bg1"/>
+                        </a:solidFill>
+                      </a:tcPr>
+                    </a:tc>
+                    <a:extLst>
+                      <a:ext uri="{0D108BD9-81ED-4DB2-BD59-A6C34878D82A}">
+                        <a16:rowId xmlns:a16="http://schemas.microsoft.com/office/drawing/2014/main" val="2134463708"/>
+                      </a:ext>
+                    </a:extLst>
+                  </a:tr>
+                  <a:tr h="412292">
+                    <a:tc>
+                      <a:txBody>
+                        <a:bodyPr/>
+                        <a:lstStyle/>
+                        <a:p>
+                          <a:pPr latinLnBrk="1"/>
+                          <a:endParaRPr lang="ko-KR" altLang="en-US" dirty="0"/>
+                        </a:p>
+                      </a:txBody>
+                      <a:tcPr>
+                        <a:lnL w="12700" cap="flat" cmpd="sng" algn="ctr">
+                          <a:solidFill>
+                            <a:schemeClr val="tx1"/>
+                          </a:solidFill>
+                          <a:prstDash val="solid"/>
+                          <a:round/>
+                          <a:headEnd type="none" w="med" len="med"/>
+                          <a:tailEnd type="none" w="med" len="med"/>
+                        </a:lnL>
+                        <a:lnR w="12700" cap="flat" cmpd="sng" algn="ctr">
+                          <a:solidFill>
+                            <a:schemeClr val="tx1"/>
+                          </a:solidFill>
+                          <a:prstDash val="solid"/>
+                          <a:round/>
+                          <a:headEnd type="none" w="med" len="med"/>
+                          <a:tailEnd type="none" w="med" len="med"/>
+                        </a:lnR>
+                        <a:lnT w="12700" cap="flat" cmpd="sng" algn="ctr">
+                          <a:solidFill>
+                            <a:schemeClr val="tx1"/>
+                          </a:solidFill>
+                          <a:prstDash val="solid"/>
+                          <a:round/>
+                          <a:headEnd type="none" w="med" len="med"/>
+                          <a:tailEnd type="none" w="med" len="med"/>
+                        </a:lnT>
+                        <a:lnB w="12700" cap="flat" cmpd="sng" algn="ctr">
+                          <a:solidFill>
+                            <a:schemeClr val="tx1"/>
+                          </a:solidFill>
+                          <a:prstDash val="solid"/>
+                          <a:round/>
+                          <a:headEnd type="none" w="med" len="med"/>
+                          <a:tailEnd type="none" w="med" len="med"/>
+                        </a:lnB>
+                        <a:solidFill>
+                          <a:schemeClr val="bg1"/>
+                        </a:solidFill>
+                      </a:tcPr>
+                    </a:tc>
+                    <a:tc>
+                      <a:txBody>
+                        <a:bodyPr/>
+                        <a:lstStyle/>
+                        <a:p>
+                          <a:pPr latinLnBrk="1"/>
+                          <a:endParaRPr lang="ko-KR" altLang="en-US" dirty="0"/>
+                        </a:p>
+                      </a:txBody>
+                      <a:tcPr>
+                        <a:lnL w="12700" cap="flat" cmpd="sng" algn="ctr">
+                          <a:solidFill>
+                            <a:schemeClr val="tx1"/>
+                          </a:solidFill>
+                          <a:prstDash val="solid"/>
+                          <a:round/>
+                          <a:headEnd type="none" w="med" len="med"/>
+                          <a:tailEnd type="none" w="med" len="med"/>
+                        </a:lnL>
+                        <a:lnR w="12700" cap="flat" cmpd="sng" algn="ctr">
+                          <a:solidFill>
+                            <a:schemeClr val="tx1"/>
+                          </a:solidFill>
+                          <a:prstDash val="solid"/>
+                          <a:round/>
+                          <a:headEnd type="none" w="med" len="med"/>
+                          <a:tailEnd type="none" w="med" len="med"/>
+                        </a:lnR>
+                        <a:lnT w="12700" cap="flat" cmpd="sng" algn="ctr">
+                          <a:solidFill>
+                            <a:schemeClr val="tx1"/>
+                          </a:solidFill>
+                          <a:prstDash val="solid"/>
+                          <a:round/>
+                          <a:headEnd type="none" w="med" len="med"/>
+                          <a:tailEnd type="none" w="med" len="med"/>
+                        </a:lnT>
+                        <a:lnB w="12700" cap="flat" cmpd="sng" algn="ctr">
+                          <a:solidFill>
+                            <a:schemeClr val="tx1"/>
+                          </a:solidFill>
+                          <a:prstDash val="solid"/>
+                          <a:round/>
+                          <a:headEnd type="none" w="med" len="med"/>
+                          <a:tailEnd type="none" w="med" len="med"/>
+                        </a:lnB>
+                        <a:solidFill>
+                          <a:schemeClr val="bg1"/>
+                        </a:solidFill>
+                      </a:tcPr>
+                    </a:tc>
+                    <a:tc>
+                      <a:txBody>
+                        <a:bodyPr/>
+                        <a:lstStyle/>
+                        <a:p>
+                          <a:pPr latinLnBrk="1"/>
+                          <a:endParaRPr lang="ko-KR" altLang="en-US" dirty="0"/>
+                        </a:p>
+                      </a:txBody>
+                      <a:tcPr>
+                        <a:lnL w="12700" cap="flat" cmpd="sng" algn="ctr">
+                          <a:solidFill>
+                            <a:schemeClr val="tx1"/>
+                          </a:solidFill>
+                          <a:prstDash val="solid"/>
+                          <a:round/>
+                          <a:headEnd type="none" w="med" len="med"/>
+                          <a:tailEnd type="none" w="med" len="med"/>
+                        </a:lnL>
+                        <a:lnR w="12700" cap="flat" cmpd="sng" algn="ctr">
+                          <a:solidFill>
+                            <a:schemeClr val="tx1"/>
+                          </a:solidFill>
+                          <a:prstDash val="solid"/>
+                          <a:round/>
+                          <a:headEnd type="none" w="med" len="med"/>
+                          <a:tailEnd type="none" w="med" len="med"/>
+                        </a:lnR>
+                        <a:lnT w="12700" cap="flat" cmpd="sng" algn="ctr">
+                          <a:solidFill>
+                            <a:schemeClr val="tx1"/>
+                          </a:solidFill>
+                          <a:prstDash val="solid"/>
+                          <a:round/>
+                          <a:headEnd type="none" w="med" len="med"/>
+                          <a:tailEnd type="none" w="med" len="med"/>
+                        </a:lnT>
+                        <a:lnB w="12700" cap="flat" cmpd="sng" algn="ctr">
+                          <a:solidFill>
+                            <a:schemeClr val="tx1"/>
+                          </a:solidFill>
+                          <a:prstDash val="solid"/>
+                          <a:round/>
+                          <a:headEnd type="none" w="med" len="med"/>
+                          <a:tailEnd type="none" w="med" len="med"/>
+                        </a:lnB>
+                        <a:solidFill>
+                          <a:schemeClr val="bg1"/>
+                        </a:solidFill>
+                      </a:tcPr>
+                    </a:tc>
+                    <a:extLst>
+                      <a:ext uri="{0D108BD9-81ED-4DB2-BD59-A6C34878D82A}">
+                        <a16:rowId xmlns:a16="http://schemas.microsoft.com/office/drawing/2014/main" val="3981089285"/>
+                      </a:ext>
+                    </a:extLst>
+                  </a:tr>
+                  <a:tr h="412292">
+                    <a:tc>
+                      <a:txBody>
+                        <a:bodyPr/>
+                        <a:lstStyle/>
+                        <a:p>
+                          <a:pPr latinLnBrk="1"/>
+                          <a:endParaRPr lang="ko-KR" altLang="en-US" dirty="0"/>
+                        </a:p>
+                      </a:txBody>
+                      <a:tcPr>
+                        <a:lnL w="12700" cap="flat" cmpd="sng" algn="ctr">
+                          <a:solidFill>
+                            <a:schemeClr val="tx1"/>
+                          </a:solidFill>
+                          <a:prstDash val="solid"/>
+                          <a:round/>
+                          <a:headEnd type="none" w="med" len="med"/>
+                          <a:tailEnd type="none" w="med" len="med"/>
+                        </a:lnL>
+                        <a:lnR w="12700" cap="flat" cmpd="sng" algn="ctr">
+                          <a:solidFill>
+                            <a:schemeClr val="tx1"/>
+                          </a:solidFill>
+                          <a:prstDash val="solid"/>
+                          <a:round/>
+                          <a:headEnd type="none" w="med" len="med"/>
+                          <a:tailEnd type="none" w="med" len="med"/>
+                        </a:lnR>
+                        <a:lnT w="12700" cap="flat" cmpd="sng" algn="ctr">
+                          <a:solidFill>
+                            <a:schemeClr val="tx1"/>
+                          </a:solidFill>
+                          <a:prstDash val="solid"/>
+                          <a:round/>
+                          <a:headEnd type="none" w="med" len="med"/>
+                          <a:tailEnd type="none" w="med" len="med"/>
+                        </a:lnT>
+                        <a:lnB w="12700" cap="flat" cmpd="sng" algn="ctr">
+                          <a:solidFill>
+                            <a:schemeClr val="tx1"/>
+                          </a:solidFill>
+                          <a:prstDash val="solid"/>
+                          <a:round/>
+                          <a:headEnd type="none" w="med" len="med"/>
+                          <a:tailEnd type="none" w="med" len="med"/>
+                        </a:lnB>
+                        <a:solidFill>
+                          <a:schemeClr val="bg1"/>
+                        </a:solidFill>
+                      </a:tcPr>
+                    </a:tc>
+                    <a:tc>
+                      <a:txBody>
+                        <a:bodyPr/>
+                        <a:lstStyle/>
+                        <a:p>
+                          <a:pPr latinLnBrk="1"/>
+                          <a:endParaRPr lang="ko-KR" altLang="en-US" dirty="0"/>
+                        </a:p>
+                      </a:txBody>
+                      <a:tcPr>
+                        <a:lnL w="12700" cap="flat" cmpd="sng" algn="ctr">
+                          <a:solidFill>
+                            <a:schemeClr val="tx1"/>
+                          </a:solidFill>
+                          <a:prstDash val="solid"/>
+                          <a:round/>
+                          <a:headEnd type="none" w="med" len="med"/>
+                          <a:tailEnd type="none" w="med" len="med"/>
+                        </a:lnL>
+                        <a:lnR w="12700" cap="flat" cmpd="sng" algn="ctr">
+                          <a:solidFill>
+                            <a:schemeClr val="tx1"/>
+                          </a:solidFill>
+                          <a:prstDash val="solid"/>
+                          <a:round/>
+                          <a:headEnd type="none" w="med" len="med"/>
+                          <a:tailEnd type="none" w="med" len="med"/>
+                        </a:lnR>
+                        <a:lnT w="12700" cap="flat" cmpd="sng" algn="ctr">
+                          <a:solidFill>
+                            <a:schemeClr val="tx1"/>
+                          </a:solidFill>
+                          <a:prstDash val="solid"/>
+                          <a:round/>
+                          <a:headEnd type="none" w="med" len="med"/>
+                          <a:tailEnd type="none" w="med" len="med"/>
+                        </a:lnT>
+                        <a:lnB w="12700" cap="flat" cmpd="sng" algn="ctr">
+                          <a:solidFill>
+                            <a:schemeClr val="tx1"/>
+                          </a:solidFill>
+                          <a:prstDash val="solid"/>
+                          <a:round/>
+                          <a:headEnd type="none" w="med" len="med"/>
+                          <a:tailEnd type="none" w="med" len="med"/>
+                        </a:lnB>
+                        <a:solidFill>
+                          <a:schemeClr val="bg1"/>
+                        </a:solidFill>
+                      </a:tcPr>
+                    </a:tc>
+                    <a:tc>
+                      <a:txBody>
+                        <a:bodyPr/>
+                        <a:lstStyle/>
+                        <a:p>
+                          <a:pPr latinLnBrk="1"/>
+                          <a:endParaRPr lang="ko-KR" altLang="en-US" dirty="0"/>
+                        </a:p>
+                      </a:txBody>
+                      <a:tcPr>
+                        <a:lnL w="12700" cap="flat" cmpd="sng" algn="ctr">
+                          <a:solidFill>
+                            <a:schemeClr val="tx1"/>
+                          </a:solidFill>
+                          <a:prstDash val="solid"/>
+                          <a:round/>
+                          <a:headEnd type="none" w="med" len="med"/>
+                          <a:tailEnd type="none" w="med" len="med"/>
+                        </a:lnL>
+                        <a:lnR w="12700" cap="flat" cmpd="sng" algn="ctr">
+                          <a:solidFill>
+                            <a:schemeClr val="tx1"/>
+                          </a:solidFill>
+                          <a:prstDash val="solid"/>
+                          <a:round/>
+                          <a:headEnd type="none" w="med" len="med"/>
+                          <a:tailEnd type="none" w="med" len="med"/>
+                        </a:lnR>
+                        <a:lnT w="12700" cap="flat" cmpd="sng" algn="ctr">
+                          <a:solidFill>
+                            <a:schemeClr val="tx1"/>
+                          </a:solidFill>
+                          <a:prstDash val="solid"/>
+                          <a:round/>
+                          <a:headEnd type="none" w="med" len="med"/>
+                          <a:tailEnd type="none" w="med" len="med"/>
+                        </a:lnT>
+                        <a:lnB w="12700" cap="flat" cmpd="sng" algn="ctr">
+                          <a:solidFill>
+                            <a:schemeClr val="tx1"/>
+                          </a:solidFill>
+                          <a:prstDash val="solid"/>
+                          <a:round/>
+                          <a:headEnd type="none" w="med" len="med"/>
+                          <a:tailEnd type="none" w="med" len="med"/>
+                        </a:lnB>
+                        <a:solidFill>
+                          <a:schemeClr val="bg1"/>
+                        </a:solidFill>
+                      </a:tcPr>
+                    </a:tc>
+                    <a:extLst>
+                      <a:ext uri="{0D108BD9-81ED-4DB2-BD59-A6C34878D82A}">
+                        <a16:rowId xmlns:a16="http://schemas.microsoft.com/office/drawing/2014/main" val="385628271"/>
+                      </a:ext>
+                    </a:extLst>
+                  </a:tr>
+                  <a:tr h="412292">
+                    <a:tc>
+                      <a:txBody>
+                        <a:bodyPr/>
+                        <a:lstStyle/>
+                        <a:p>
+                          <a:pPr latinLnBrk="1"/>
+                          <a:endParaRPr lang="ko-KR" altLang="en-US" dirty="0"/>
+                        </a:p>
+                      </a:txBody>
+                      <a:tcPr>
+                        <a:lnL w="12700" cap="flat" cmpd="sng" algn="ctr">
+                          <a:solidFill>
+                            <a:schemeClr val="tx1"/>
+                          </a:solidFill>
+                          <a:prstDash val="solid"/>
+                          <a:round/>
+                          <a:headEnd type="none" w="med" len="med"/>
+                          <a:tailEnd type="none" w="med" len="med"/>
+                        </a:lnL>
+                        <a:lnR w="12700" cap="flat" cmpd="sng" algn="ctr">
+                          <a:solidFill>
+                            <a:schemeClr val="tx1"/>
+                          </a:solidFill>
+                          <a:prstDash val="solid"/>
+                          <a:round/>
+                          <a:headEnd type="none" w="med" len="med"/>
+                          <a:tailEnd type="none" w="med" len="med"/>
+                        </a:lnR>
+                        <a:lnT w="12700" cap="flat" cmpd="sng" algn="ctr">
+                          <a:solidFill>
+                            <a:schemeClr val="tx1"/>
+                          </a:solidFill>
+                          <a:prstDash val="solid"/>
+                          <a:round/>
+                          <a:headEnd type="none" w="med" len="med"/>
+                          <a:tailEnd type="none" w="med" len="med"/>
+                        </a:lnT>
+                        <a:lnB w="12700" cap="flat" cmpd="sng" algn="ctr">
+                          <a:solidFill>
+                            <a:schemeClr val="tx1"/>
+                          </a:solidFill>
+                          <a:prstDash val="solid"/>
+                          <a:round/>
+                          <a:headEnd type="none" w="med" len="med"/>
+                          <a:tailEnd type="none" w="med" len="med"/>
+                        </a:lnB>
+                        <a:solidFill>
+                          <a:schemeClr val="bg1"/>
+                        </a:solidFill>
+                      </a:tcPr>
+                    </a:tc>
+                    <a:tc>
+                      <a:txBody>
+                        <a:bodyPr/>
+                        <a:lstStyle/>
+                        <a:p>
+                          <a:pPr latinLnBrk="1"/>
+                          <a:endParaRPr lang="ko-KR" altLang="en-US" dirty="0"/>
+                        </a:p>
+                      </a:txBody>
+                      <a:tcPr>
+                        <a:lnL w="12700" cap="flat" cmpd="sng" algn="ctr">
+                          <a:solidFill>
+                            <a:schemeClr val="tx1"/>
+                          </a:solidFill>
+                          <a:prstDash val="solid"/>
+                          <a:round/>
+                          <a:headEnd type="none" w="med" len="med"/>
+                          <a:tailEnd type="none" w="med" len="med"/>
+                        </a:lnL>
+                        <a:lnR w="12700" cap="flat" cmpd="sng" algn="ctr">
+                          <a:solidFill>
+                            <a:schemeClr val="tx1"/>
+                          </a:solidFill>
+                          <a:prstDash val="solid"/>
+                          <a:round/>
+                          <a:headEnd type="none" w="med" len="med"/>
+                          <a:tailEnd type="none" w="med" len="med"/>
+                        </a:lnR>
+                        <a:lnT w="12700" cap="flat" cmpd="sng" algn="ctr">
+                          <a:solidFill>
+                            <a:schemeClr val="tx1"/>
+                          </a:solidFill>
+                          <a:prstDash val="solid"/>
+                          <a:round/>
+                          <a:headEnd type="none" w="med" len="med"/>
+                          <a:tailEnd type="none" w="med" len="med"/>
+                        </a:lnT>
+                        <a:lnB w="12700" cap="flat" cmpd="sng" algn="ctr">
+                          <a:solidFill>
+                            <a:schemeClr val="tx1"/>
+                          </a:solidFill>
+                          <a:prstDash val="solid"/>
+                          <a:round/>
+                          <a:headEnd type="none" w="med" len="med"/>
+                          <a:tailEnd type="none" w="med" len="med"/>
+                        </a:lnB>
+                        <a:solidFill>
+                          <a:schemeClr val="bg1"/>
+                        </a:solidFill>
+                      </a:tcPr>
+                    </a:tc>
+                    <a:tc>
+                      <a:txBody>
+                        <a:bodyPr/>
+                        <a:lstStyle/>
+                        <a:p>
+                          <a:pPr latinLnBrk="1"/>
+                          <a:endParaRPr lang="ko-KR" altLang="en-US" dirty="0"/>
+                        </a:p>
+                      </a:txBody>
+                      <a:tcPr>
+                        <a:lnL w="12700" cap="flat" cmpd="sng" algn="ctr">
+                          <a:solidFill>
+                            <a:schemeClr val="tx1"/>
+                          </a:solidFill>
+                          <a:prstDash val="solid"/>
+                          <a:round/>
+                          <a:headEnd type="none" w="med" len="med"/>
+                          <a:tailEnd type="none" w="med" len="med"/>
+                        </a:lnL>
+                        <a:lnR w="12700" cap="flat" cmpd="sng" algn="ctr">
+                          <a:solidFill>
+                            <a:schemeClr val="tx1"/>
+                          </a:solidFill>
+                          <a:prstDash val="solid"/>
+                          <a:round/>
+                          <a:headEnd type="none" w="med" len="med"/>
+                          <a:tailEnd type="none" w="med" len="med"/>
+                        </a:lnR>
+                        <a:lnT w="12700" cap="flat" cmpd="sng" algn="ctr">
+                          <a:solidFill>
+                            <a:schemeClr val="tx1"/>
+                          </a:solidFill>
+                          <a:prstDash val="solid"/>
+                          <a:round/>
+                          <a:headEnd type="none" w="med" len="med"/>
+                          <a:tailEnd type="none" w="med" len="med"/>
+                        </a:lnT>
+                        <a:lnB w="12700" cap="flat" cmpd="sng" algn="ctr">
+                          <a:solidFill>
+                            <a:schemeClr val="tx1"/>
+                          </a:solidFill>
+                          <a:prstDash val="solid"/>
+                          <a:round/>
+                          <a:headEnd type="none" w="med" len="med"/>
+                          <a:tailEnd type="none" w="med" len="med"/>
+                        </a:lnB>
+                        <a:solidFill>
+                          <a:schemeClr val="bg1"/>
+                        </a:solidFill>
+                      </a:tcPr>
+                    </a:tc>
+                    <a:extLst>
+                      <a:ext uri="{0D108BD9-81ED-4DB2-BD59-A6C34878D82A}">
+                        <a16:rowId xmlns:a16="http://schemas.microsoft.com/office/drawing/2014/main" val="2375882472"/>
+                      </a:ext>
+                    </a:extLst>
+                  </a:tr>
+                  <a:tr h="412292">
+                    <a:tc>
+                      <a:txBody>
+                        <a:bodyPr/>
+                        <a:lstStyle/>
+                        <a:p>
+                          <a:pPr latinLnBrk="1"/>
+                          <a:endParaRPr lang="ko-KR" altLang="en-US" dirty="0"/>
+                        </a:p>
+                      </a:txBody>
+                      <a:tcPr>
+                        <a:lnL w="12700" cap="flat" cmpd="sng" algn="ctr">
+                          <a:solidFill>
+                            <a:schemeClr val="tx1"/>
+                          </a:solidFill>
+                          <a:prstDash val="solid"/>
+                          <a:round/>
+                          <a:headEnd type="none" w="med" len="med"/>
+                          <a:tailEnd type="none" w="med" len="med"/>
+                        </a:lnL>
+                        <a:lnR w="12700" cap="flat" cmpd="sng" algn="ctr">
+                          <a:solidFill>
+                            <a:schemeClr val="tx1"/>
+                          </a:solidFill>
+                          <a:prstDash val="solid"/>
+                          <a:round/>
+                          <a:headEnd type="none" w="med" len="med"/>
+                          <a:tailEnd type="none" w="med" len="med"/>
+                        </a:lnR>
+                        <a:lnT w="12700" cap="flat" cmpd="sng" algn="ctr">
+                          <a:solidFill>
+                            <a:schemeClr val="tx1"/>
+                          </a:solidFill>
+                          <a:prstDash val="solid"/>
+                          <a:round/>
+                          <a:headEnd type="none" w="med" len="med"/>
+                          <a:tailEnd type="none" w="med" len="med"/>
+                        </a:lnT>
+                        <a:lnB w="12700" cap="flat" cmpd="sng" algn="ctr">
+                          <a:solidFill>
+                            <a:schemeClr val="tx1"/>
+                          </a:solidFill>
+                          <a:prstDash val="solid"/>
+                          <a:round/>
+                          <a:headEnd type="none" w="med" len="med"/>
+                          <a:tailEnd type="none" w="med" len="med"/>
+                        </a:lnB>
+                        <a:solidFill>
+                          <a:schemeClr val="bg1"/>
+                        </a:solidFill>
+                      </a:tcPr>
+                    </a:tc>
+                    <a:tc>
+                      <a:txBody>
+                        <a:bodyPr/>
+                        <a:lstStyle/>
+                        <a:p>
+                          <a:pPr latinLnBrk="1"/>
+                          <a:endParaRPr lang="ko-KR" altLang="en-US" dirty="0"/>
+                        </a:p>
+                      </a:txBody>
+                      <a:tcPr>
+                        <a:lnL w="12700" cap="flat" cmpd="sng" algn="ctr">
+                          <a:solidFill>
+                            <a:schemeClr val="tx1"/>
+                          </a:solidFill>
+                          <a:prstDash val="solid"/>
+                          <a:round/>
+                          <a:headEnd type="none" w="med" len="med"/>
+                          <a:tailEnd type="none" w="med" len="med"/>
+                        </a:lnL>
+                        <a:lnR w="12700" cap="flat" cmpd="sng" algn="ctr">
+                          <a:solidFill>
+                            <a:schemeClr val="tx1"/>
+                          </a:solidFill>
+                          <a:prstDash val="solid"/>
+                          <a:round/>
+                          <a:headEnd type="none" w="med" len="med"/>
+                          <a:tailEnd type="none" w="med" len="med"/>
+                        </a:lnR>
+                        <a:lnT w="12700" cap="flat" cmpd="sng" algn="ctr">
+                          <a:solidFill>
+                            <a:schemeClr val="tx1"/>
+                          </a:solidFill>
+                          <a:prstDash val="solid"/>
+                          <a:round/>
+                          <a:headEnd type="none" w="med" len="med"/>
+                          <a:tailEnd type="none" w="med" len="med"/>
+                        </a:lnT>
+                        <a:lnB w="12700" cap="flat" cmpd="sng" algn="ctr">
+                          <a:solidFill>
+                            <a:schemeClr val="tx1"/>
+                          </a:solidFill>
+                          <a:prstDash val="solid"/>
+                          <a:round/>
+                          <a:headEnd type="none" w="med" len="med"/>
+                          <a:tailEnd type="none" w="med" len="med"/>
+                        </a:lnB>
+                        <a:solidFill>
+                          <a:schemeClr val="bg1"/>
+                        </a:solidFill>
+                      </a:tcPr>
+                    </a:tc>
+                    <a:tc>
+                      <a:txBody>
+                        <a:bodyPr/>
+                        <a:lstStyle/>
+                        <a:p>
+                          <a:pPr latinLnBrk="1"/>
+                          <a:endParaRPr lang="ko-KR" altLang="en-US" dirty="0"/>
+                        </a:p>
+                      </a:txBody>
+                      <a:tcPr>
+                        <a:lnL w="12700" cap="flat" cmpd="sng" algn="ctr">
+                          <a:solidFill>
+                            <a:schemeClr val="tx1"/>
+                          </a:solidFill>
+                          <a:prstDash val="solid"/>
+                          <a:round/>
+                          <a:headEnd type="none" w="med" len="med"/>
+                          <a:tailEnd type="none" w="med" len="med"/>
+                        </a:lnL>
+                        <a:lnR w="12700" cap="flat" cmpd="sng" algn="ctr">
+                          <a:solidFill>
+                            <a:schemeClr val="tx1"/>
+                          </a:solidFill>
+                          <a:prstDash val="solid"/>
+                          <a:round/>
+                          <a:headEnd type="none" w="med" len="med"/>
+                          <a:tailEnd type="none" w="med" len="med"/>
+                        </a:lnR>
+                        <a:lnT w="12700" cap="flat" cmpd="sng" algn="ctr">
+                          <a:solidFill>
+                            <a:schemeClr val="tx1"/>
+                          </a:solidFill>
+                          <a:prstDash val="solid"/>
+                          <a:round/>
+                          <a:headEnd type="none" w="med" len="med"/>
+                          <a:tailEnd type="none" w="med" len="med"/>
+                        </a:lnT>
+                        <a:lnB w="12700" cap="flat" cmpd="sng" algn="ctr">
+                          <a:solidFill>
+                            <a:schemeClr val="tx1"/>
+                          </a:solidFill>
+                          <a:prstDash val="solid"/>
+                          <a:round/>
+                          <a:headEnd type="none" w="med" len="med"/>
+                          <a:tailEnd type="none" w="med" len="med"/>
+                        </a:lnB>
+                        <a:solidFill>
+                          <a:schemeClr val="bg1"/>
+                        </a:solidFill>
+                      </a:tcPr>
+                    </a:tc>
+                    <a:extLst>
+                      <a:ext uri="{0D108BD9-81ED-4DB2-BD59-A6C34878D82A}">
+                        <a16:rowId xmlns:a16="http://schemas.microsoft.com/office/drawing/2014/main" val="1167059752"/>
+                      </a:ext>
+                    </a:extLst>
+                  </a:tr>
+                </a:tbl>
+              </a:graphicData>
+            </a:graphic>
+          </p:graphicFrame>
+        </mc:Fallback>
+      </mc:AlternateContent>
+      <p:grpSp>
+        <p:nvGrpSpPr>
+          <p:cNvPr id="8" name="그룹 7">
+            <a:extLst>
+              <a:ext uri="{FF2B5EF4-FFF2-40B4-BE49-F238E27FC236}">
+                <a16:creationId xmlns:a16="http://schemas.microsoft.com/office/drawing/2014/main" id="{6C80C397-C3D3-4133-8598-12466E2F69A6}"/>
+              </a:ext>
+            </a:extLst>
+          </p:cNvPr>
+          <p:cNvGrpSpPr/>
+          <p:nvPr/>
+        </p:nvGrpSpPr>
+        <p:grpSpPr>
+          <a:xfrm>
+            <a:off x="1" y="99367"/>
+            <a:ext cx="1908284" cy="620714"/>
+            <a:chOff x="0" y="231324"/>
+            <a:chExt cx="2341178" cy="620714"/>
+          </a:xfrm>
+        </p:grpSpPr>
+        <p:sp>
+          <p:nvSpPr>
+            <p:cNvPr id="9" name="TextBox 8">
+              <a:extLst>
+                <a:ext uri="{FF2B5EF4-FFF2-40B4-BE49-F238E27FC236}">
+                  <a16:creationId xmlns:a16="http://schemas.microsoft.com/office/drawing/2014/main" id="{E73F0654-31D7-46A3-A4CF-DA34680DCB49}"/>
+                </a:ext>
+              </a:extLst>
+            </p:cNvPr>
+            <p:cNvSpPr txBox="1"/>
+            <p:nvPr/>
+          </p:nvSpPr>
+          <p:spPr>
+            <a:xfrm>
+              <a:off x="0" y="231324"/>
+              <a:ext cx="2341178" cy="523220"/>
+            </a:xfrm>
+            <a:prstGeom prst="rect">
+              <a:avLst/>
+            </a:prstGeom>
+            <a:noFill/>
+          </p:spPr>
+          <p:txBody>
+            <a:bodyPr wrap="square" rtlCol="0">
+              <a:spAutoFit/>
+            </a:bodyPr>
+            <a:lstStyle/>
+            <a:p>
+              <a:r>
+                <a:rPr lang="en-US" altLang="ko-KR" sz="2800" b="1" dirty="0"/>
+                <a:t>History</a:t>
+              </a:r>
+              <a:endParaRPr lang="ko-KR" altLang="en-US" sz="1400" b="1" dirty="0"/>
+            </a:p>
+          </p:txBody>
+        </p:sp>
+        <p:sp>
+          <p:nvSpPr>
+            <p:cNvPr id="10" name="평행 사변형 9">
+              <a:extLst>
+                <a:ext uri="{FF2B5EF4-FFF2-40B4-BE49-F238E27FC236}">
+                  <a16:creationId xmlns:a16="http://schemas.microsoft.com/office/drawing/2014/main" id="{8043DF26-5617-4A20-920B-1BE8DB10C7F5}"/>
+                </a:ext>
+              </a:extLst>
+            </p:cNvPr>
+            <p:cNvSpPr/>
+            <p:nvPr/>
+          </p:nvSpPr>
+          <p:spPr>
+            <a:xfrm>
+              <a:off x="0" y="787975"/>
+              <a:ext cx="2196000" cy="64063"/>
+            </a:xfrm>
+            <a:prstGeom prst="parallelogram">
+              <a:avLst/>
+            </a:prstGeom>
+            <a:solidFill>
+              <a:schemeClr val="tx1"/>
+            </a:solidFill>
+            <a:ln>
+              <a:noFill/>
+            </a:ln>
+          </p:spPr>
+          <p:style>
+            <a:lnRef idx="2">
+              <a:schemeClr val="accent1">
+                <a:shade val="50000"/>
+              </a:schemeClr>
+            </a:lnRef>
+            <a:fillRef idx="1">
+              <a:schemeClr val="accent1"/>
+            </a:fillRef>
+            <a:effectRef idx="0">
+              <a:schemeClr val="accent1"/>
+            </a:effectRef>
+            <a:fontRef idx="minor">
+              <a:schemeClr val="lt1"/>
+            </a:fontRef>
+          </p:style>
+          <p:txBody>
+            <a:bodyPr rtlCol="0" anchor="ctr"/>
+            <a:lstStyle/>
+            <a:p>
+              <a:pPr algn="ctr"/>
+              <a:endParaRPr lang="ko-KR" altLang="en-US" dirty="0"/>
+            </a:p>
+          </p:txBody>
+        </p:sp>
+      </p:grpSp>
+    </p:spTree>
+    <p:extLst>
+      <p:ext uri="{BB962C8B-B14F-4D97-AF65-F5344CB8AC3E}">
+        <p14:creationId xmlns:p14="http://schemas.microsoft.com/office/powerpoint/2010/main" val="3501189086"/>
+      </p:ext>
+    </p:extLst>
+  </p:cSld>
+  <p:clrMapOvr>
+    <a:masterClrMapping/>
+  </p:clrMapOvr>
+</p:sld>
+</file>
+
+<file path=ppt/slides/slide30.xml><?xml version="1.0" encoding="utf-8"?>
 <p:sld xmlns:a="http://schemas.openxmlformats.org/drawingml/2006/main" xmlns:r="http://schemas.openxmlformats.org/officeDocument/2006/relationships" xmlns:p="http://schemas.openxmlformats.org/presentationml/2006/main">
   <p:cSld>
     <p:spTree>
@@ -31683,7 +36783,7 @@
 </p:sld>
 </file>
 
-<file path=ppt/slides/slide3.xml><?xml version="1.0" encoding="utf-8"?>
+<file path=ppt/slides/slide4.xml><?xml version="1.0" encoding="utf-8"?>
 <p:sld xmlns:a="http://schemas.openxmlformats.org/drawingml/2006/main" xmlns:r="http://schemas.openxmlformats.org/officeDocument/2006/relationships" xmlns:p="http://schemas.openxmlformats.org/presentationml/2006/main">
   <p:cSld>
     <p:spTree>
@@ -32031,7 +37131,7 @@
 </p:sld>
 </file>
 
-<file path=ppt/slides/slide4.xml><?xml version="1.0" encoding="utf-8"?>
+<file path=ppt/slides/slide5.xml><?xml version="1.0" encoding="utf-8"?>
 <p:sld xmlns:a="http://schemas.openxmlformats.org/drawingml/2006/main" xmlns:r="http://schemas.openxmlformats.org/officeDocument/2006/relationships" xmlns:p="http://schemas.openxmlformats.org/presentationml/2006/main">
   <p:cSld>
     <p:spTree>
@@ -32098,7 +37198,7 @@
 </p:sld>
 </file>
 
-<file path=ppt/slides/slide5.xml><?xml version="1.0" encoding="utf-8"?>
+<file path=ppt/slides/slide6.xml><?xml version="1.0" encoding="utf-8"?>
 <p:sld xmlns:a="http://schemas.openxmlformats.org/drawingml/2006/main" xmlns:r="http://schemas.openxmlformats.org/officeDocument/2006/relationships" xmlns:p="http://schemas.openxmlformats.org/presentationml/2006/main">
   <p:cSld>
     <p:spTree>
@@ -32648,7 +37748,7 @@
 </p:sld>
 </file>
 
-<file path=ppt/slides/slide6.xml><?xml version="1.0" encoding="utf-8"?>
+<file path=ppt/slides/slide7.xml><?xml version="1.0" encoding="utf-8"?>
 <p:sld xmlns:a="http://schemas.openxmlformats.org/drawingml/2006/main" xmlns:r="http://schemas.openxmlformats.org/officeDocument/2006/relationships" xmlns:p="http://schemas.openxmlformats.org/presentationml/2006/main">
   <p:cSld>
     <p:spTree>
@@ -32715,7 +37815,7 @@
 </p:sld>
 </file>
 
-<file path=ppt/slides/slide7.xml><?xml version="1.0" encoding="utf-8"?>
+<file path=ppt/slides/slide8.xml><?xml version="1.0" encoding="utf-8"?>
 <p:sld xmlns:a="http://schemas.openxmlformats.org/drawingml/2006/main" xmlns:r="http://schemas.openxmlformats.org/officeDocument/2006/relationships" xmlns:p="http://schemas.openxmlformats.org/presentationml/2006/main">
   <p:cSld>
     <p:spTree>
@@ -33488,7 +38588,7 @@
 </p:sld>
 </file>
 
-<file path=ppt/slides/slide8.xml><?xml version="1.0" encoding="utf-8"?>
+<file path=ppt/slides/slide9.xml><?xml version="1.0" encoding="utf-8"?>
 <p:sld xmlns:a="http://schemas.openxmlformats.org/drawingml/2006/main" xmlns:r="http://schemas.openxmlformats.org/officeDocument/2006/relationships" xmlns:p="http://schemas.openxmlformats.org/presentationml/2006/main">
   <p:cSld>
     <p:spTree>
@@ -34048,555 +39148,6 @@
     <p:extLst>
       <p:ext uri="{BB962C8B-B14F-4D97-AF65-F5344CB8AC3E}">
         <p14:creationId xmlns:p14="http://schemas.microsoft.com/office/powerpoint/2010/main" val="3352366425"/>
-      </p:ext>
-    </p:extLst>
-  </p:cSld>
-  <p:clrMapOvr>
-    <a:masterClrMapping/>
-  </p:clrMapOvr>
-</p:sld>
-</file>
-
-<file path=ppt/slides/slide9.xml><?xml version="1.0" encoding="utf-8"?>
-<p:sld xmlns:a="http://schemas.openxmlformats.org/drawingml/2006/main" xmlns:r="http://schemas.openxmlformats.org/officeDocument/2006/relationships" xmlns:p="http://schemas.openxmlformats.org/presentationml/2006/main">
-  <p:cSld>
-    <p:spTree>
-      <p:nvGrpSpPr>
-        <p:cNvPr id="1" name=""/>
-        <p:cNvGrpSpPr/>
-        <p:nvPr/>
-      </p:nvGrpSpPr>
-      <p:grpSpPr>
-        <a:xfrm>
-          <a:off x="0" y="0"/>
-          <a:ext cx="0" cy="0"/>
-          <a:chOff x="0" y="0"/>
-          <a:chExt cx="0" cy="0"/>
-        </a:xfrm>
-      </p:grpSpPr>
-      <p:grpSp>
-        <p:nvGrpSpPr>
-          <p:cNvPr id="38" name="그룹 37">
-            <a:extLst>
-              <a:ext uri="{FF2B5EF4-FFF2-40B4-BE49-F238E27FC236}">
-                <a16:creationId xmlns:a16="http://schemas.microsoft.com/office/drawing/2014/main" id="{1D8E532E-9E14-4EC0-9A5D-C7F11045D019}"/>
-              </a:ext>
-            </a:extLst>
-          </p:cNvPr>
-          <p:cNvGrpSpPr/>
-          <p:nvPr/>
-        </p:nvGrpSpPr>
-        <p:grpSpPr>
-          <a:xfrm>
-            <a:off x="0" y="99367"/>
-            <a:ext cx="1600200" cy="620714"/>
-            <a:chOff x="0" y="231324"/>
-            <a:chExt cx="2341178" cy="620714"/>
-          </a:xfrm>
-        </p:grpSpPr>
-        <p:sp>
-          <p:nvSpPr>
-            <p:cNvPr id="39" name="TextBox 38">
-              <a:extLst>
-                <a:ext uri="{FF2B5EF4-FFF2-40B4-BE49-F238E27FC236}">
-                  <a16:creationId xmlns:a16="http://schemas.microsoft.com/office/drawing/2014/main" id="{6CDC6D6B-2C6F-4506-A1A4-B60E366A7E7F}"/>
-                </a:ext>
-              </a:extLst>
-            </p:cNvPr>
-            <p:cNvSpPr txBox="1"/>
-            <p:nvPr/>
-          </p:nvSpPr>
-          <p:spPr>
-            <a:xfrm>
-              <a:off x="0" y="231324"/>
-              <a:ext cx="2341178" cy="523220"/>
-            </a:xfrm>
-            <a:prstGeom prst="rect">
-              <a:avLst/>
-            </a:prstGeom>
-            <a:noFill/>
-          </p:spPr>
-          <p:txBody>
-            <a:bodyPr wrap="square" rtlCol="0">
-              <a:spAutoFit/>
-            </a:bodyPr>
-            <a:lstStyle/>
-            <a:p>
-              <a:r>
-                <a:rPr lang="en-US" altLang="ko-KR" sz="2800" b="1" dirty="0"/>
-                <a:t>2. </a:t>
-              </a:r>
-              <a:r>
-                <a:rPr lang="ko-KR" altLang="en-US" sz="2800" b="1" dirty="0"/>
-                <a:t>농장</a:t>
-              </a:r>
-              <a:endParaRPr lang="ko-KR" altLang="en-US" sz="1400" b="1" dirty="0"/>
-            </a:p>
-          </p:txBody>
-        </p:sp>
-        <p:sp>
-          <p:nvSpPr>
-            <p:cNvPr id="40" name="평행 사변형 39">
-              <a:extLst>
-                <a:ext uri="{FF2B5EF4-FFF2-40B4-BE49-F238E27FC236}">
-                  <a16:creationId xmlns:a16="http://schemas.microsoft.com/office/drawing/2014/main" id="{4E81B653-ED60-4FFF-82E8-2306DFEB399E}"/>
-                </a:ext>
-              </a:extLst>
-            </p:cNvPr>
-            <p:cNvSpPr/>
-            <p:nvPr/>
-          </p:nvSpPr>
-          <p:spPr>
-            <a:xfrm>
-              <a:off x="0" y="787975"/>
-              <a:ext cx="2196000" cy="64063"/>
-            </a:xfrm>
-            <a:prstGeom prst="parallelogram">
-              <a:avLst/>
-            </a:prstGeom>
-            <a:solidFill>
-              <a:schemeClr val="tx1"/>
-            </a:solidFill>
-            <a:ln>
-              <a:noFill/>
-            </a:ln>
-          </p:spPr>
-          <p:style>
-            <a:lnRef idx="2">
-              <a:schemeClr val="accent1">
-                <a:shade val="50000"/>
-              </a:schemeClr>
-            </a:lnRef>
-            <a:fillRef idx="1">
-              <a:schemeClr val="accent1"/>
-            </a:fillRef>
-            <a:effectRef idx="0">
-              <a:schemeClr val="accent1"/>
-            </a:effectRef>
-            <a:fontRef idx="minor">
-              <a:schemeClr val="lt1"/>
-            </a:fontRef>
-          </p:style>
-          <p:txBody>
-            <a:bodyPr rtlCol="0" anchor="ctr"/>
-            <a:lstStyle/>
-            <a:p>
-              <a:pPr algn="ctr"/>
-              <a:endParaRPr lang="ko-KR" altLang="en-US" dirty="0"/>
-            </a:p>
-          </p:txBody>
-        </p:sp>
-      </p:grpSp>
-      <p:grpSp>
-        <p:nvGrpSpPr>
-          <p:cNvPr id="23" name="그룹 22">
-            <a:extLst>
-              <a:ext uri="{FF2B5EF4-FFF2-40B4-BE49-F238E27FC236}">
-                <a16:creationId xmlns:a16="http://schemas.microsoft.com/office/drawing/2014/main" id="{C84C9E02-B559-4FF1-BE61-BB0CD4741D3B}"/>
-              </a:ext>
-            </a:extLst>
-          </p:cNvPr>
-          <p:cNvGrpSpPr/>
-          <p:nvPr/>
-        </p:nvGrpSpPr>
-        <p:grpSpPr>
-          <a:xfrm>
-            <a:off x="1236895" y="2437268"/>
-            <a:ext cx="4883524" cy="1914331"/>
-            <a:chOff x="7280649" y="4038167"/>
-            <a:chExt cx="4217057" cy="2389089"/>
-          </a:xfrm>
-        </p:grpSpPr>
-        <p:sp>
-          <p:nvSpPr>
-            <p:cNvPr id="24" name="직사각형 23">
-              <a:extLst>
-                <a:ext uri="{FF2B5EF4-FFF2-40B4-BE49-F238E27FC236}">
-                  <a16:creationId xmlns:a16="http://schemas.microsoft.com/office/drawing/2014/main" id="{ACB38A61-B130-493E-B257-7C7D98BBDD2B}"/>
-                </a:ext>
-              </a:extLst>
-            </p:cNvPr>
-            <p:cNvSpPr/>
-            <p:nvPr/>
-          </p:nvSpPr>
-          <p:spPr>
-            <a:xfrm>
-              <a:off x="7280649" y="4038168"/>
-              <a:ext cx="4217057" cy="2389088"/>
-            </a:xfrm>
-            <a:prstGeom prst="rect">
-              <a:avLst/>
-            </a:prstGeom>
-            <a:solidFill>
-              <a:schemeClr val="tx1"/>
-            </a:solidFill>
-            <a:ln>
-              <a:solidFill>
-                <a:schemeClr val="tx1"/>
-              </a:solidFill>
-            </a:ln>
-          </p:spPr>
-          <p:style>
-            <a:lnRef idx="2">
-              <a:schemeClr val="accent1">
-                <a:shade val="50000"/>
-              </a:schemeClr>
-            </a:lnRef>
-            <a:fillRef idx="1">
-              <a:schemeClr val="accent1"/>
-            </a:fillRef>
-            <a:effectRef idx="0">
-              <a:schemeClr val="accent1"/>
-            </a:effectRef>
-            <a:fontRef idx="minor">
-              <a:schemeClr val="lt1"/>
-            </a:fontRef>
-          </p:style>
-          <p:txBody>
-            <a:bodyPr rtlCol="0" anchor="ctr"/>
-            <a:lstStyle/>
-            <a:p>
-              <a:pPr algn="ctr"/>
-              <a:endParaRPr lang="ko-KR" altLang="en-US"/>
-            </a:p>
-          </p:txBody>
-        </p:sp>
-        <p:sp>
-          <p:nvSpPr>
-            <p:cNvPr id="25" name="직사각형 24">
-              <a:extLst>
-                <a:ext uri="{FF2B5EF4-FFF2-40B4-BE49-F238E27FC236}">
-                  <a16:creationId xmlns:a16="http://schemas.microsoft.com/office/drawing/2014/main" id="{980DB22C-A901-4481-BC3F-76F5CFF2FC78}"/>
-                </a:ext>
-              </a:extLst>
-            </p:cNvPr>
-            <p:cNvSpPr/>
-            <p:nvPr/>
-          </p:nvSpPr>
-          <p:spPr>
-            <a:xfrm>
-              <a:off x="7280649" y="4407499"/>
-              <a:ext cx="4217057" cy="2019757"/>
-            </a:xfrm>
-            <a:prstGeom prst="rect">
-              <a:avLst/>
-            </a:prstGeom>
-            <a:solidFill>
-              <a:schemeClr val="bg1"/>
-            </a:solidFill>
-            <a:ln>
-              <a:solidFill>
-                <a:schemeClr val="tx1"/>
-              </a:solidFill>
-            </a:ln>
-          </p:spPr>
-          <p:style>
-            <a:lnRef idx="2">
-              <a:schemeClr val="accent1">
-                <a:shade val="50000"/>
-              </a:schemeClr>
-            </a:lnRef>
-            <a:fillRef idx="1">
-              <a:schemeClr val="accent1"/>
-            </a:fillRef>
-            <a:effectRef idx="0">
-              <a:schemeClr val="accent1"/>
-            </a:effectRef>
-            <a:fontRef idx="minor">
-              <a:schemeClr val="lt1"/>
-            </a:fontRef>
-          </p:style>
-          <p:txBody>
-            <a:bodyPr rtlCol="0" anchor="ctr"/>
-            <a:lstStyle/>
-            <a:p>
-              <a:pPr marL="285750" indent="-285750">
-                <a:buFont typeface="Arial" panose="020B0604020202020204" pitchFamily="34" charset="0"/>
-                <a:buChar char="•"/>
-              </a:pPr>
-              <a:r>
-                <a:rPr lang="en-US" altLang="ko-KR" dirty="0" err="1">
-                  <a:solidFill>
-                    <a:schemeClr val="tx1"/>
-                  </a:solidFill>
-                </a:rPr>
-                <a:t>FarmEarning</a:t>
-              </a:r>
-              <a:r>
-                <a:rPr lang="en-US" altLang="ko-KR" dirty="0">
-                  <a:solidFill>
-                    <a:schemeClr val="tx1"/>
-                  </a:solidFill>
-                </a:rPr>
-                <a:t> </a:t>
-              </a:r>
-              <a:r>
-                <a:rPr lang="ko-KR" altLang="en-US" dirty="0" err="1">
-                  <a:solidFill>
-                    <a:schemeClr val="tx1"/>
-                  </a:solidFill>
-                </a:rPr>
-                <a:t>증가시</a:t>
-              </a:r>
-              <a:br>
-                <a:rPr lang="en-US" altLang="ko-KR" dirty="0">
-                  <a:solidFill>
-                    <a:schemeClr val="tx1"/>
-                  </a:solidFill>
-                </a:rPr>
-              </a:br>
-              <a:r>
-                <a:rPr lang="ko-KR" altLang="en-US" dirty="0">
-                  <a:solidFill>
-                    <a:schemeClr val="tx1"/>
-                  </a:solidFill>
-                </a:rPr>
-                <a:t>해당 텍스트를 농장 상단에 출력</a:t>
-              </a:r>
-              <a:endParaRPr lang="en-US" altLang="ko-KR" dirty="0">
-                <a:solidFill>
-                  <a:schemeClr val="tx1"/>
-                </a:solidFill>
-              </a:endParaRPr>
-            </a:p>
-            <a:p>
-              <a:pPr marL="285750" indent="-285750">
-                <a:buFont typeface="Arial" panose="020B0604020202020204" pitchFamily="34" charset="0"/>
-                <a:buChar char="•"/>
-              </a:pPr>
-              <a:r>
-                <a:rPr lang="ko-KR" altLang="en-US" dirty="0">
-                  <a:solidFill>
-                    <a:schemeClr val="tx1"/>
-                  </a:solidFill>
-                </a:rPr>
-                <a:t>텍스트는 위로 서서히 올라가며 </a:t>
-              </a:r>
-              <a:r>
-                <a:rPr lang="en-US" altLang="ko-KR" dirty="0">
-                  <a:solidFill>
-                    <a:schemeClr val="tx1"/>
-                  </a:solidFill>
-                </a:rPr>
-                <a:t>Fade Out</a:t>
-              </a:r>
-            </a:p>
-          </p:txBody>
-        </p:sp>
-        <p:sp>
-          <p:nvSpPr>
-            <p:cNvPr id="26" name="TextBox 25">
-              <a:extLst>
-                <a:ext uri="{FF2B5EF4-FFF2-40B4-BE49-F238E27FC236}">
-                  <a16:creationId xmlns:a16="http://schemas.microsoft.com/office/drawing/2014/main" id="{8A314BEB-84D8-49EB-B61D-DD2705D8297D}"/>
-                </a:ext>
-              </a:extLst>
-            </p:cNvPr>
-            <p:cNvSpPr txBox="1"/>
-            <p:nvPr/>
-          </p:nvSpPr>
-          <p:spPr>
-            <a:xfrm>
-              <a:off x="7442366" y="4038167"/>
-              <a:ext cx="3881263" cy="460927"/>
-            </a:xfrm>
-            <a:prstGeom prst="rect">
-              <a:avLst/>
-            </a:prstGeom>
-            <a:noFill/>
-          </p:spPr>
-          <p:txBody>
-            <a:bodyPr wrap="square" rtlCol="0">
-              <a:spAutoFit/>
-            </a:bodyPr>
-            <a:lstStyle/>
-            <a:p>
-              <a:r>
-                <a:rPr lang="ko-KR" altLang="en-US" dirty="0">
-                  <a:solidFill>
-                    <a:schemeClr val="bg1"/>
-                  </a:solidFill>
-                </a:rPr>
-                <a:t>관련 </a:t>
-              </a:r>
-              <a:r>
-                <a:rPr lang="en-US" altLang="ko-KR" dirty="0">
-                  <a:solidFill>
-                    <a:schemeClr val="bg1"/>
-                  </a:solidFill>
-                </a:rPr>
-                <a:t>UI</a:t>
-              </a:r>
-              <a:endParaRPr lang="ko-KR" altLang="en-US" dirty="0">
-                <a:solidFill>
-                  <a:schemeClr val="bg1"/>
-                </a:solidFill>
-              </a:endParaRPr>
-            </a:p>
-          </p:txBody>
-        </p:sp>
-      </p:grpSp>
-      <p:pic>
-        <p:nvPicPr>
-          <p:cNvPr id="3" name="그림 2">
-            <a:extLst>
-              <a:ext uri="{FF2B5EF4-FFF2-40B4-BE49-F238E27FC236}">
-                <a16:creationId xmlns:a16="http://schemas.microsoft.com/office/drawing/2014/main" id="{1E11E454-01E1-4812-8BB4-8322E24F6704}"/>
-              </a:ext>
-            </a:extLst>
-          </p:cNvPr>
-          <p:cNvPicPr>
-            <a:picLocks noChangeAspect="1"/>
-          </p:cNvPicPr>
-          <p:nvPr/>
-        </p:nvPicPr>
-        <p:blipFill>
-          <a:blip r:embed="rId3">
-            <a:extLst>
-              <a:ext uri="{28A0092B-C50C-407E-A947-70E740481C1C}">
-                <a14:useLocalDpi xmlns:a14="http://schemas.microsoft.com/office/drawing/2010/main" val="0"/>
-              </a:ext>
-            </a:extLst>
-          </a:blip>
-          <a:stretch>
-            <a:fillRect/>
-          </a:stretch>
-        </p:blipFill>
-        <p:spPr>
-          <a:xfrm>
-            <a:off x="7905749" y="1780278"/>
-            <a:ext cx="2990850" cy="3524250"/>
-          </a:xfrm>
-          <a:prstGeom prst="rect">
-            <a:avLst/>
-          </a:prstGeom>
-        </p:spPr>
-      </p:pic>
-      <p:grpSp>
-        <p:nvGrpSpPr>
-          <p:cNvPr id="17" name="그룹 16">
-            <a:extLst>
-              <a:ext uri="{FF2B5EF4-FFF2-40B4-BE49-F238E27FC236}">
-                <a16:creationId xmlns:a16="http://schemas.microsoft.com/office/drawing/2014/main" id="{74EFA9BD-D931-49B1-848D-F30CDC75F89D}"/>
-              </a:ext>
-            </a:extLst>
-          </p:cNvPr>
-          <p:cNvGrpSpPr/>
-          <p:nvPr/>
-        </p:nvGrpSpPr>
-        <p:grpSpPr>
-          <a:xfrm>
-            <a:off x="7905749" y="1780278"/>
-            <a:ext cx="1253705" cy="437505"/>
-            <a:chOff x="5383928" y="2247900"/>
-            <a:chExt cx="2078938" cy="437505"/>
-          </a:xfrm>
-        </p:grpSpPr>
-        <p:sp>
-          <p:nvSpPr>
-            <p:cNvPr id="18" name="화살표: 오각형 17">
-              <a:extLst>
-                <a:ext uri="{FF2B5EF4-FFF2-40B4-BE49-F238E27FC236}">
-                  <a16:creationId xmlns:a16="http://schemas.microsoft.com/office/drawing/2014/main" id="{1D718685-2DC5-4943-99B5-ABA7693D4BE2}"/>
-                </a:ext>
-              </a:extLst>
-            </p:cNvPr>
-            <p:cNvSpPr/>
-            <p:nvPr/>
-          </p:nvSpPr>
-          <p:spPr>
-            <a:xfrm>
-              <a:off x="5383928" y="2247900"/>
-              <a:ext cx="2078938" cy="437505"/>
-            </a:xfrm>
-            <a:prstGeom prst="homePlate">
-              <a:avLst>
-                <a:gd name="adj" fmla="val 30404"/>
-              </a:avLst>
-            </a:prstGeom>
-            <a:solidFill>
-              <a:schemeClr val="bg1"/>
-            </a:solidFill>
-            <a:ln w="28575">
-              <a:solidFill>
-                <a:schemeClr val="tx1"/>
-              </a:solidFill>
-            </a:ln>
-          </p:spPr>
-          <p:style>
-            <a:lnRef idx="2">
-              <a:schemeClr val="accent1">
-                <a:shade val="50000"/>
-              </a:schemeClr>
-            </a:lnRef>
-            <a:fillRef idx="1">
-              <a:schemeClr val="accent1"/>
-            </a:fillRef>
-            <a:effectRef idx="0">
-              <a:schemeClr val="accent1"/>
-            </a:effectRef>
-            <a:fontRef idx="minor">
-              <a:schemeClr val="lt1"/>
-            </a:fontRef>
-          </p:style>
-          <p:txBody>
-            <a:bodyPr rtlCol="0" anchor="ctr"/>
-            <a:lstStyle/>
-            <a:p>
-              <a:pPr algn="ctr"/>
-              <a:endParaRPr lang="ko-KR" altLang="en-US" dirty="0">
-                <a:solidFill>
-                  <a:schemeClr val="tx1"/>
-                </a:solidFill>
-              </a:endParaRPr>
-            </a:p>
-          </p:txBody>
-        </p:sp>
-        <p:sp>
-          <p:nvSpPr>
-            <p:cNvPr id="19" name="TextBox 18">
-              <a:extLst>
-                <a:ext uri="{FF2B5EF4-FFF2-40B4-BE49-F238E27FC236}">
-                  <a16:creationId xmlns:a16="http://schemas.microsoft.com/office/drawing/2014/main" id="{CFF7C5A4-0570-4D6C-9993-0C84648C53A1}"/>
-                </a:ext>
-              </a:extLst>
-            </p:cNvPr>
-            <p:cNvSpPr txBox="1"/>
-            <p:nvPr/>
-          </p:nvSpPr>
-          <p:spPr>
-            <a:xfrm>
-              <a:off x="5393131" y="2281986"/>
-              <a:ext cx="935281" cy="369332"/>
-            </a:xfrm>
-            <a:prstGeom prst="rect">
-              <a:avLst/>
-            </a:prstGeom>
-            <a:noFill/>
-          </p:spPr>
-          <p:txBody>
-            <a:bodyPr wrap="none" rtlCol="0">
-              <a:spAutoFit/>
-            </a:bodyPr>
-            <a:lstStyle/>
-            <a:p>
-              <a:r>
-                <a:rPr lang="en-US" altLang="ko-KR" dirty="0"/>
-                <a:t>GIF </a:t>
-              </a:r>
-              <a:r>
-                <a:rPr lang="ko-KR" altLang="en-US" dirty="0"/>
-                <a:t>자료</a:t>
-              </a:r>
-              <a:endParaRPr lang="en-US" altLang="ko-KR" dirty="0"/>
-            </a:p>
-          </p:txBody>
-        </p:sp>
-      </p:grpSp>
-    </p:spTree>
-    <p:extLst>
-      <p:ext uri="{BB962C8B-B14F-4D97-AF65-F5344CB8AC3E}">
-        <p14:creationId xmlns:p14="http://schemas.microsoft.com/office/powerpoint/2010/main" val="2412935687"/>
       </p:ext>
     </p:extLst>
   </p:cSld>
@@ -35197,12 +39748,6 @@
 </file>
 
 <file path=customXml/item1.xml><?xml version="1.0" encoding="utf-8"?>
-<p:properties xmlns:p="http://schemas.microsoft.com/office/2006/metadata/properties" xmlns:xsi="http://www.w3.org/2001/XMLSchema-instance" xmlns:pc="http://schemas.microsoft.com/office/infopath/2007/PartnerControls">
-  <documentManagement/>
-</p:properties>
-</file>
-
-<file path=customXml/item2.xml><?xml version="1.0" encoding="utf-8"?>
 <ct:contentTypeSchema xmlns:ct="http://schemas.microsoft.com/office/2006/metadata/contentType" xmlns:ma="http://schemas.microsoft.com/office/2006/metadata/properties/metaAttributes" ct:_="" ma:_="" ma:contentTypeName="문서" ma:contentTypeID="0x0101001DBB2B28955C594DB24AF1F5BB7336C8" ma:contentTypeVersion="2" ma:contentTypeDescription="새 문서를 만듭니다." ma:contentTypeScope="" ma:versionID="f2fa06709d317143d893a6f8ce6ede6a">
   <xsd:schema xmlns:xsd="http://www.w3.org/2001/XMLSchema" xmlns:xs="http://www.w3.org/2001/XMLSchema" xmlns:p="http://schemas.microsoft.com/office/2006/metadata/properties" xmlns:ns3="5555129b-2418-4d50-9dfa-7b95714945fa" targetNamespace="http://schemas.microsoft.com/office/2006/metadata/properties" ma:root="true" ma:fieldsID="e8dc87fcc42539e288ba896fdb612da0" ns3:_="">
     <xsd:import namespace="5555129b-2418-4d50-9dfa-7b95714945fa"/>
@@ -35334,6 +39879,12 @@
 </ct:contentTypeSchema>
 </file>
 
+<file path=customXml/item2.xml><?xml version="1.0" encoding="utf-8"?>
+<p:properties xmlns:p="http://schemas.microsoft.com/office/2006/metadata/properties" xmlns:xsi="http://www.w3.org/2001/XMLSchema-instance" xmlns:pc="http://schemas.microsoft.com/office/infopath/2007/PartnerControls">
+  <documentManagement/>
+</p:properties>
+</file>
+
 <file path=customXml/item3.xml><?xml version="1.0" encoding="utf-8"?>
 <?mso-contentType ?>
 <FormTemplates xmlns="http://schemas.microsoft.com/sharepoint/v3/contenttype/forms">
@@ -35344,15 +39895,6 @@
 </file>
 
 <file path=customXml/itemProps1.xml><?xml version="1.0" encoding="utf-8"?>
-<ds:datastoreItem xmlns:ds="http://schemas.openxmlformats.org/officeDocument/2006/customXml" ds:itemID="{A23103BA-1CDF-42E2-84EF-97766276A752}">
-  <ds:schemaRefs>
-    <ds:schemaRef ds:uri="http://schemas.microsoft.com/office/2006/metadata/properties"/>
-    <ds:schemaRef ds:uri="http://schemas.microsoft.com/office/infopath/2007/PartnerControls"/>
-  </ds:schemaRefs>
-</ds:datastoreItem>
-</file>
-
-<file path=customXml/itemProps2.xml><?xml version="1.0" encoding="utf-8"?>
 <ds:datastoreItem xmlns:ds="http://schemas.openxmlformats.org/officeDocument/2006/customXml" ds:itemID="{A1191A0A-B4A1-4213-A2EE-9C9D701194F6}">
   <ds:schemaRefs>
     <ds:schemaRef ds:uri="http://schemas.microsoft.com/office/2006/metadata/contentType"/>
@@ -35370,6 +39912,15 @@
 </ds:datastoreItem>
 </file>
 
+<file path=customXml/itemProps2.xml><?xml version="1.0" encoding="utf-8"?>
+<ds:datastoreItem xmlns:ds="http://schemas.openxmlformats.org/officeDocument/2006/customXml" ds:itemID="{A23103BA-1CDF-42E2-84EF-97766276A752}">
+  <ds:schemaRefs>
+    <ds:schemaRef ds:uri="http://schemas.microsoft.com/office/2006/metadata/properties"/>
+    <ds:schemaRef ds:uri="http://schemas.microsoft.com/office/infopath/2007/PartnerControls"/>
+  </ds:schemaRefs>
+</ds:datastoreItem>
+</file>
+
 <file path=customXml/itemProps3.xml><?xml version="1.0" encoding="utf-8"?>
 <ds:datastoreItem xmlns:ds="http://schemas.openxmlformats.org/officeDocument/2006/customXml" ds:itemID="{4C7A472F-9902-4104-BCF0-D4754C77190F}">
   <ds:schemaRefs>
